--- a/docs/dbcli.pptx
+++ b/docs/dbcli.pptx
@@ -5,7 +5,7 @@
     <p:sldMasterId id="2147483648" r:id="rId1"/>
   </p:sldMasterIdLst>
   <p:notesMasterIdLst>
-    <p:notesMasterId r:id="rId59"/>
+    <p:notesMasterId r:id="rId60"/>
   </p:notesMasterIdLst>
   <p:sldIdLst>
     <p:sldId id="256" r:id="rId2"/>
@@ -19,52 +19,53 @@
     <p:sldId id="292" r:id="rId10"/>
     <p:sldId id="308" r:id="rId11"/>
     <p:sldId id="263" r:id="rId12"/>
-    <p:sldId id="279" r:id="rId13"/>
-    <p:sldId id="280" r:id="rId14"/>
-    <p:sldId id="264" r:id="rId15"/>
-    <p:sldId id="265" r:id="rId16"/>
-    <p:sldId id="268" r:id="rId17"/>
-    <p:sldId id="267" r:id="rId18"/>
-    <p:sldId id="269" r:id="rId19"/>
-    <p:sldId id="270" r:id="rId20"/>
-    <p:sldId id="271" r:id="rId21"/>
-    <p:sldId id="272" r:id="rId22"/>
-    <p:sldId id="273" r:id="rId23"/>
-    <p:sldId id="281" r:id="rId24"/>
-    <p:sldId id="282" r:id="rId25"/>
-    <p:sldId id="266" r:id="rId26"/>
-    <p:sldId id="288" r:id="rId27"/>
-    <p:sldId id="274" r:id="rId28"/>
-    <p:sldId id="275" r:id="rId29"/>
-    <p:sldId id="276" r:id="rId30"/>
-    <p:sldId id="283" r:id="rId31"/>
-    <p:sldId id="277" r:id="rId32"/>
-    <p:sldId id="278" r:id="rId33"/>
-    <p:sldId id="284" r:id="rId34"/>
-    <p:sldId id="285" r:id="rId35"/>
-    <p:sldId id="286" r:id="rId36"/>
-    <p:sldId id="290" r:id="rId37"/>
-    <p:sldId id="291" r:id="rId38"/>
-    <p:sldId id="287" r:id="rId39"/>
-    <p:sldId id="289" r:id="rId40"/>
-    <p:sldId id="293" r:id="rId41"/>
-    <p:sldId id="294" r:id="rId42"/>
-    <p:sldId id="295" r:id="rId43"/>
-    <p:sldId id="296" r:id="rId44"/>
-    <p:sldId id="297" r:id="rId45"/>
-    <p:sldId id="298" r:id="rId46"/>
-    <p:sldId id="299" r:id="rId47"/>
-    <p:sldId id="300" r:id="rId48"/>
-    <p:sldId id="301" r:id="rId49"/>
-    <p:sldId id="302" r:id="rId50"/>
-    <p:sldId id="303" r:id="rId51"/>
-    <p:sldId id="304" r:id="rId52"/>
-    <p:sldId id="305" r:id="rId53"/>
-    <p:sldId id="306" r:id="rId54"/>
-    <p:sldId id="307" r:id="rId55"/>
-    <p:sldId id="310" r:id="rId56"/>
-    <p:sldId id="311" r:id="rId57"/>
-    <p:sldId id="312" r:id="rId58"/>
+    <p:sldId id="313" r:id="rId13"/>
+    <p:sldId id="279" r:id="rId14"/>
+    <p:sldId id="280" r:id="rId15"/>
+    <p:sldId id="264" r:id="rId16"/>
+    <p:sldId id="265" r:id="rId17"/>
+    <p:sldId id="268" r:id="rId18"/>
+    <p:sldId id="267" r:id="rId19"/>
+    <p:sldId id="269" r:id="rId20"/>
+    <p:sldId id="270" r:id="rId21"/>
+    <p:sldId id="271" r:id="rId22"/>
+    <p:sldId id="272" r:id="rId23"/>
+    <p:sldId id="273" r:id="rId24"/>
+    <p:sldId id="281" r:id="rId25"/>
+    <p:sldId id="282" r:id="rId26"/>
+    <p:sldId id="266" r:id="rId27"/>
+    <p:sldId id="288" r:id="rId28"/>
+    <p:sldId id="274" r:id="rId29"/>
+    <p:sldId id="275" r:id="rId30"/>
+    <p:sldId id="276" r:id="rId31"/>
+    <p:sldId id="283" r:id="rId32"/>
+    <p:sldId id="277" r:id="rId33"/>
+    <p:sldId id="278" r:id="rId34"/>
+    <p:sldId id="284" r:id="rId35"/>
+    <p:sldId id="285" r:id="rId36"/>
+    <p:sldId id="286" r:id="rId37"/>
+    <p:sldId id="290" r:id="rId38"/>
+    <p:sldId id="291" r:id="rId39"/>
+    <p:sldId id="287" r:id="rId40"/>
+    <p:sldId id="289" r:id="rId41"/>
+    <p:sldId id="293" r:id="rId42"/>
+    <p:sldId id="294" r:id="rId43"/>
+    <p:sldId id="295" r:id="rId44"/>
+    <p:sldId id="296" r:id="rId45"/>
+    <p:sldId id="297" r:id="rId46"/>
+    <p:sldId id="298" r:id="rId47"/>
+    <p:sldId id="299" r:id="rId48"/>
+    <p:sldId id="300" r:id="rId49"/>
+    <p:sldId id="301" r:id="rId50"/>
+    <p:sldId id="302" r:id="rId51"/>
+    <p:sldId id="303" r:id="rId52"/>
+    <p:sldId id="304" r:id="rId53"/>
+    <p:sldId id="305" r:id="rId54"/>
+    <p:sldId id="306" r:id="rId55"/>
+    <p:sldId id="307" r:id="rId56"/>
+    <p:sldId id="310" r:id="rId57"/>
+    <p:sldId id="311" r:id="rId58"/>
+    <p:sldId id="312" r:id="rId59"/>
   </p:sldIdLst>
   <p:sldSz cx="12192000" cy="6858000"/>
   <p:notesSz cx="6858000" cy="9144000"/>
@@ -253,7 +254,7 @@
           <a:p>
             <a:fld id="{8924A7D2-5F3F-4CDE-BB06-760ED7F7BFAC}" type="datetimeFigureOut">
               <a:rPr lang="en-US" smtClean="0"/>
-              <a:t>9/6/2018</a:t>
+              <a:t>9/11/2018</a:t>
             </a:fld>
             <a:endParaRPr lang="en-US"/>
           </a:p>
@@ -840,7 +841,7 @@
           <a:p>
             <a:fld id="{B4F2F79A-9ECA-4236-9A6E-01D624A4A39C}" type="slidenum">
               <a:rPr lang="en-US" smtClean="0"/>
-              <a:t>19</a:t>
+              <a:t>20</a:t>
             </a:fld>
             <a:endParaRPr lang="en-US"/>
           </a:p>
@@ -955,7 +956,7 @@
           <a:p>
             <a:fld id="{B4F2F79A-9ECA-4236-9A6E-01D624A4A39C}" type="slidenum">
               <a:rPr lang="en-US" smtClean="0"/>
-              <a:t>20</a:t>
+              <a:t>21</a:t>
             </a:fld>
             <a:endParaRPr lang="en-US"/>
           </a:p>
@@ -1067,7 +1068,7 @@
           <a:p>
             <a:fld id="{B4F2F79A-9ECA-4236-9A6E-01D624A4A39C}" type="slidenum">
               <a:rPr lang="en-US" smtClean="0"/>
-              <a:t>21</a:t>
+              <a:t>22</a:t>
             </a:fld>
             <a:endParaRPr lang="en-US"/>
           </a:p>
@@ -1334,7 +1335,7 @@
           <a:p>
             <a:fld id="{B4F2F79A-9ECA-4236-9A6E-01D624A4A39C}" type="slidenum">
               <a:rPr lang="en-US" smtClean="0"/>
-              <a:t>22</a:t>
+              <a:t>23</a:t>
             </a:fld>
             <a:endParaRPr lang="en-US"/>
           </a:p>
@@ -1521,7 +1522,7 @@
           <a:p>
             <a:fld id="{B4F2F79A-9ECA-4236-9A6E-01D624A4A39C}" type="slidenum">
               <a:rPr lang="en-US" smtClean="0"/>
-              <a:t>23</a:t>
+              <a:t>24</a:t>
             </a:fld>
             <a:endParaRPr lang="en-US"/>
           </a:p>
@@ -1616,7 +1617,7 @@
           <a:p>
             <a:fld id="{B4F2F79A-9ECA-4236-9A6E-01D624A4A39C}" type="slidenum">
               <a:rPr lang="en-US" smtClean="0"/>
-              <a:t>24</a:t>
+              <a:t>25</a:t>
             </a:fld>
             <a:endParaRPr lang="en-US"/>
           </a:p>
@@ -1714,7 +1715,7 @@
           <a:p>
             <a:fld id="{B4F2F79A-9ECA-4236-9A6E-01D624A4A39C}" type="slidenum">
               <a:rPr lang="en-US" smtClean="0"/>
-              <a:t>26</a:t>
+              <a:t>27</a:t>
             </a:fld>
             <a:endParaRPr lang="en-US"/>
           </a:p>
@@ -1816,7 +1817,7 @@
           <a:p>
             <a:fld id="{B4F2F79A-9ECA-4236-9A6E-01D624A4A39C}" type="slidenum">
               <a:rPr lang="en-US" smtClean="0"/>
-              <a:t>27</a:t>
+              <a:t>28</a:t>
             </a:fld>
             <a:endParaRPr lang="en-US"/>
           </a:p>
@@ -1908,7 +1909,7 @@
           <a:p>
             <a:fld id="{B4F2F79A-9ECA-4236-9A6E-01D624A4A39C}" type="slidenum">
               <a:rPr lang="en-US" smtClean="0"/>
-              <a:t>28</a:t>
+              <a:t>29</a:t>
             </a:fld>
             <a:endParaRPr lang="en-US"/>
           </a:p>
@@ -2000,7 +2001,7 @@
           <a:p>
             <a:fld id="{B4F2F79A-9ECA-4236-9A6E-01D624A4A39C}" type="slidenum">
               <a:rPr lang="en-US" smtClean="0"/>
-              <a:t>29</a:t>
+              <a:t>30</a:t>
             </a:fld>
             <a:endParaRPr lang="en-US"/>
           </a:p>
@@ -2291,7 +2292,7 @@
           <a:p>
             <a:fld id="{B4F2F79A-9ECA-4236-9A6E-01D624A4A39C}" type="slidenum">
               <a:rPr lang="en-US" smtClean="0"/>
-              <a:t>36</a:t>
+              <a:t>37</a:t>
             </a:fld>
             <a:endParaRPr lang="en-US"/>
           </a:p>
@@ -2446,7 +2447,7 @@
           <a:p>
             <a:fld id="{B4F2F79A-9ECA-4236-9A6E-01D624A4A39C}" type="slidenum">
               <a:rPr lang="en-US" smtClean="0"/>
-              <a:t>41</a:t>
+              <a:t>42</a:t>
             </a:fld>
             <a:endParaRPr lang="en-US"/>
           </a:p>
@@ -2625,7 +2626,7 @@
           <a:p>
             <a:fld id="{B4F2F79A-9ECA-4236-9A6E-01D624A4A39C}" type="slidenum">
               <a:rPr lang="en-US" smtClean="0"/>
-              <a:t>42</a:t>
+              <a:t>43</a:t>
             </a:fld>
             <a:endParaRPr lang="en-US"/>
           </a:p>
@@ -2860,7 +2861,7 @@
           <a:p>
             <a:fld id="{B4F2F79A-9ECA-4236-9A6E-01D624A4A39C}" type="slidenum">
               <a:rPr lang="en-US" smtClean="0"/>
-              <a:t>43</a:t>
+              <a:t>44</a:t>
             </a:fld>
             <a:endParaRPr lang="en-US"/>
           </a:p>
@@ -3003,7 +3004,7 @@
           <a:p>
             <a:fld id="{B4F2F79A-9ECA-4236-9A6E-01D624A4A39C}" type="slidenum">
               <a:rPr lang="en-US" smtClean="0"/>
-              <a:t>44</a:t>
+              <a:t>45</a:t>
             </a:fld>
             <a:endParaRPr lang="en-US"/>
           </a:p>
@@ -3216,7 +3217,7 @@
           <a:p>
             <a:fld id="{B4F2F79A-9ECA-4236-9A6E-01D624A4A39C}" type="slidenum">
               <a:rPr lang="en-US" smtClean="0"/>
-              <a:t>45</a:t>
+              <a:t>46</a:t>
             </a:fld>
             <a:endParaRPr lang="en-US"/>
           </a:p>
@@ -3311,7 +3312,7 @@
           <a:p>
             <a:fld id="{B4F2F79A-9ECA-4236-9A6E-01D624A4A39C}" type="slidenum">
               <a:rPr lang="en-US" smtClean="0"/>
-              <a:t>47</a:t>
+              <a:t>48</a:t>
             </a:fld>
             <a:endParaRPr lang="en-US"/>
           </a:p>
@@ -3435,7 +3436,7 @@
           <a:p>
             <a:fld id="{B4F2F79A-9ECA-4236-9A6E-01D624A4A39C}" type="slidenum">
               <a:rPr lang="en-US" smtClean="0"/>
-              <a:t>48</a:t>
+              <a:t>49</a:t>
             </a:fld>
             <a:endParaRPr lang="en-US"/>
           </a:p>
@@ -3552,7 +3553,7 @@
           <a:p>
             <a:fld id="{B4F2F79A-9ECA-4236-9A6E-01D624A4A39C}" type="slidenum">
               <a:rPr lang="en-US" smtClean="0"/>
-              <a:t>49</a:t>
+              <a:t>50</a:t>
             </a:fld>
             <a:endParaRPr lang="en-US"/>
           </a:p>
@@ -3651,7 +3652,7 @@
           <a:p>
             <a:fld id="{B4F2F79A-9ECA-4236-9A6E-01D624A4A39C}" type="slidenum">
               <a:rPr lang="en-US" smtClean="0"/>
-              <a:t>50</a:t>
+              <a:t>51</a:t>
             </a:fld>
             <a:endParaRPr lang="en-US"/>
           </a:p>
@@ -3933,7 +3934,7 @@
           <a:p>
             <a:fld id="{B4F2F79A-9ECA-4236-9A6E-01D624A4A39C}" type="slidenum">
               <a:rPr lang="en-US" smtClean="0"/>
-              <a:t>51</a:t>
+              <a:t>52</a:t>
             </a:fld>
             <a:endParaRPr lang="en-US"/>
           </a:p>
@@ -4297,7 +4298,7 @@
           <a:p>
             <a:fld id="{B4F2F79A-9ECA-4236-9A6E-01D624A4A39C}" type="slidenum">
               <a:rPr lang="en-US" smtClean="0"/>
-              <a:t>53</a:t>
+              <a:t>54</a:t>
             </a:fld>
             <a:endParaRPr lang="en-US"/>
           </a:p>
@@ -4579,7 +4580,7 @@
           <a:p>
             <a:fld id="{B4F2F79A-9ECA-4236-9A6E-01D624A4A39C}" type="slidenum">
               <a:rPr lang="en-US" smtClean="0"/>
-              <a:t>54</a:t>
+              <a:t>55</a:t>
             </a:fld>
             <a:endParaRPr lang="en-US"/>
           </a:p>
@@ -5083,7 +5084,7 @@
           <a:p>
             <a:fld id="{B4F2F79A-9ECA-4236-9A6E-01D624A4A39C}" type="slidenum">
               <a:rPr lang="en-US" smtClean="0"/>
-              <a:t>55</a:t>
+              <a:t>56</a:t>
             </a:fld>
             <a:endParaRPr lang="en-US"/>
           </a:p>
@@ -5297,7 +5298,7 @@
           <a:p>
             <a:fld id="{B4F2F79A-9ECA-4236-9A6E-01D624A4A39C}" type="slidenum">
               <a:rPr lang="en-US" smtClean="0"/>
-              <a:t>56</a:t>
+              <a:t>57</a:t>
             </a:fld>
             <a:endParaRPr lang="en-US"/>
           </a:p>
@@ -5711,7 +5712,7 @@
           <a:p>
             <a:fld id="{B4F2F79A-9ECA-4236-9A6E-01D624A4A39C}" type="slidenum">
               <a:rPr lang="en-US" smtClean="0"/>
-              <a:t>12</a:t>
+              <a:t>13</a:t>
             </a:fld>
             <a:endParaRPr lang="en-US"/>
           </a:p>
@@ -5843,7 +5844,7 @@
           <a:p>
             <a:fld id="{B4F2F79A-9ECA-4236-9A6E-01D624A4A39C}" type="slidenum">
               <a:rPr lang="en-US" smtClean="0"/>
-              <a:t>14</a:t>
+              <a:t>15</a:t>
             </a:fld>
             <a:endParaRPr lang="en-US"/>
           </a:p>
@@ -5955,7 +5956,7 @@
           <a:p>
             <a:fld id="{B4F2F79A-9ECA-4236-9A6E-01D624A4A39C}" type="slidenum">
               <a:rPr lang="en-US" smtClean="0"/>
-              <a:t>15</a:t>
+              <a:t>16</a:t>
             </a:fld>
             <a:endParaRPr lang="en-US"/>
           </a:p>
@@ -6081,7 +6082,7 @@
           <a:p>
             <a:fld id="{B4F2F79A-9ECA-4236-9A6E-01D624A4A39C}" type="slidenum">
               <a:rPr lang="en-US" smtClean="0"/>
-              <a:t>16</a:t>
+              <a:t>17</a:t>
             </a:fld>
             <a:endParaRPr lang="en-US"/>
           </a:p>
@@ -6174,7 +6175,7 @@
           <a:p>
             <a:fld id="{B4F2F79A-9ECA-4236-9A6E-01D624A4A39C}" type="slidenum">
               <a:rPr lang="en-US" smtClean="0"/>
-              <a:t>17</a:t>
+              <a:t>18</a:t>
             </a:fld>
             <a:endParaRPr lang="en-US"/>
           </a:p>
@@ -6309,7 +6310,7 @@
           <a:p>
             <a:fld id="{B4F2F79A-9ECA-4236-9A6E-01D624A4A39C}" type="slidenum">
               <a:rPr lang="en-US" smtClean="0"/>
-              <a:t>18</a:t>
+              <a:t>19</a:t>
             </a:fld>
             <a:endParaRPr lang="en-US"/>
           </a:p>
@@ -6477,7 +6478,7 @@
           <a:p>
             <a:fld id="{830CF026-2A7D-4AC1-A6EC-3EB8F9A9FDD9}" type="datetimeFigureOut">
               <a:rPr lang="en-US" smtClean="0"/>
-              <a:t>9/6/2018</a:t>
+              <a:t>9/11/2018</a:t>
             </a:fld>
             <a:endParaRPr lang="en-US"/>
           </a:p>
@@ -6677,7 +6678,7 @@
           <a:p>
             <a:fld id="{830CF026-2A7D-4AC1-A6EC-3EB8F9A9FDD9}" type="datetimeFigureOut">
               <a:rPr lang="en-US" smtClean="0"/>
-              <a:t>9/6/2018</a:t>
+              <a:t>9/11/2018</a:t>
             </a:fld>
             <a:endParaRPr lang="en-US"/>
           </a:p>
@@ -6887,7 +6888,7 @@
           <a:p>
             <a:fld id="{830CF026-2A7D-4AC1-A6EC-3EB8F9A9FDD9}" type="datetimeFigureOut">
               <a:rPr lang="en-US" smtClean="0"/>
-              <a:t>9/6/2018</a:t>
+              <a:t>9/11/2018</a:t>
             </a:fld>
             <a:endParaRPr lang="en-US"/>
           </a:p>
@@ -7087,7 +7088,7 @@
           <a:p>
             <a:fld id="{830CF026-2A7D-4AC1-A6EC-3EB8F9A9FDD9}" type="datetimeFigureOut">
               <a:rPr lang="en-US" smtClean="0"/>
-              <a:t>9/6/2018</a:t>
+              <a:t>9/11/2018</a:t>
             </a:fld>
             <a:endParaRPr lang="en-US"/>
           </a:p>
@@ -7363,7 +7364,7 @@
           <a:p>
             <a:fld id="{830CF026-2A7D-4AC1-A6EC-3EB8F9A9FDD9}" type="datetimeFigureOut">
               <a:rPr lang="en-US" smtClean="0"/>
-              <a:t>9/6/2018</a:t>
+              <a:t>9/11/2018</a:t>
             </a:fld>
             <a:endParaRPr lang="en-US"/>
           </a:p>
@@ -7631,7 +7632,7 @@
           <a:p>
             <a:fld id="{830CF026-2A7D-4AC1-A6EC-3EB8F9A9FDD9}" type="datetimeFigureOut">
               <a:rPr lang="en-US" smtClean="0"/>
-              <a:t>9/6/2018</a:t>
+              <a:t>9/11/2018</a:t>
             </a:fld>
             <a:endParaRPr lang="en-US"/>
           </a:p>
@@ -8046,7 +8047,7 @@
           <a:p>
             <a:fld id="{830CF026-2A7D-4AC1-A6EC-3EB8F9A9FDD9}" type="datetimeFigureOut">
               <a:rPr lang="en-US" smtClean="0"/>
-              <a:t>9/6/2018</a:t>
+              <a:t>9/11/2018</a:t>
             </a:fld>
             <a:endParaRPr lang="en-US"/>
           </a:p>
@@ -8188,7 +8189,7 @@
           <a:p>
             <a:fld id="{830CF026-2A7D-4AC1-A6EC-3EB8F9A9FDD9}" type="datetimeFigureOut">
               <a:rPr lang="en-US" smtClean="0"/>
-              <a:t>9/6/2018</a:t>
+              <a:t>9/11/2018</a:t>
             </a:fld>
             <a:endParaRPr lang="en-US"/>
           </a:p>
@@ -8301,7 +8302,7 @@
           <a:p>
             <a:fld id="{830CF026-2A7D-4AC1-A6EC-3EB8F9A9FDD9}" type="datetimeFigureOut">
               <a:rPr lang="en-US" smtClean="0"/>
-              <a:t>9/6/2018</a:t>
+              <a:t>9/11/2018</a:t>
             </a:fld>
             <a:endParaRPr lang="en-US"/>
           </a:p>
@@ -8614,7 +8615,7 @@
           <a:p>
             <a:fld id="{830CF026-2A7D-4AC1-A6EC-3EB8F9A9FDD9}" type="datetimeFigureOut">
               <a:rPr lang="en-US" smtClean="0"/>
-              <a:t>9/6/2018</a:t>
+              <a:t>9/11/2018</a:t>
             </a:fld>
             <a:endParaRPr lang="en-US"/>
           </a:p>
@@ -8903,7 +8904,7 @@
           <a:p>
             <a:fld id="{830CF026-2A7D-4AC1-A6EC-3EB8F9A9FDD9}" type="datetimeFigureOut">
               <a:rPr lang="en-US" smtClean="0"/>
-              <a:t>9/6/2018</a:t>
+              <a:t>9/11/2018</a:t>
             </a:fld>
             <a:endParaRPr lang="en-US"/>
           </a:p>
@@ -9146,7 +9147,7 @@
           <a:p>
             <a:fld id="{830CF026-2A7D-4AC1-A6EC-3EB8F9A9FDD9}" type="datetimeFigureOut">
               <a:rPr lang="en-US" smtClean="0"/>
-              <a:t>9/6/2018</a:t>
+              <a:t>9/11/2018</a:t>
             </a:fld>
             <a:endParaRPr lang="en-US"/>
           </a:p>
@@ -9619,9 +9620,12 @@
           </a:p>
           <a:p>
             <a:r>
-              <a:rPr lang="en-US" sz="2000" dirty="0"/>
+              <a:rPr lang="en-US" sz="2000" dirty="0">
+                <a:hlinkClick r:id="rId2"/>
+              </a:rPr>
               <a:t>https://github.com/hyee/dbcli</a:t>
             </a:r>
+            <a:endParaRPr lang="en-US" sz="2000" dirty="0"/>
           </a:p>
         </p:txBody>
       </p:sp>
@@ -11132,6 +11136,210 @@
       </p:grpSpPr>
       <p:sp>
         <p:nvSpPr>
+          <p:cNvPr id="2" name="标题 1">
+            <a:extLst>
+              <a:ext uri="{FF2B5EF4-FFF2-40B4-BE49-F238E27FC236}">
+                <a16:creationId xmlns:a16="http://schemas.microsoft.com/office/drawing/2014/main" id="{3462E5FF-61E5-40A0-BD0B-622B009890DC}"/>
+              </a:ext>
+            </a:extLst>
+          </p:cNvPr>
+          <p:cNvSpPr>
+            <a:spLocks noGrp="1"/>
+          </p:cNvSpPr>
+          <p:nvPr>
+            <p:ph type="title"/>
+          </p:nvPr>
+        </p:nvSpPr>
+        <p:spPr>
+          <a:xfrm>
+            <a:off x="838200" y="127322"/>
+            <a:ext cx="10515600" cy="879676"/>
+          </a:xfrm>
+        </p:spPr>
+        <p:txBody>
+          <a:bodyPr>
+            <a:normAutofit/>
+          </a:bodyPr>
+          <a:lstStyle/>
+          <a:p>
+            <a:r>
+              <a:rPr lang="en-US" dirty="0"/>
+              <a:t>Common Utility – Completers</a:t>
+            </a:r>
+          </a:p>
+        </p:txBody>
+      </p:sp>
+      <p:sp>
+        <p:nvSpPr>
+          <p:cNvPr id="3" name="内容占位符 2">
+            <a:extLst>
+              <a:ext uri="{FF2B5EF4-FFF2-40B4-BE49-F238E27FC236}">
+                <a16:creationId xmlns:a16="http://schemas.microsoft.com/office/drawing/2014/main" id="{A40AF576-DD78-434E-A5F8-FED2982BB5C8}"/>
+              </a:ext>
+            </a:extLst>
+          </p:cNvPr>
+          <p:cNvSpPr>
+            <a:spLocks noGrp="1"/>
+          </p:cNvSpPr>
+          <p:nvPr>
+            <p:ph idx="1"/>
+          </p:nvPr>
+        </p:nvSpPr>
+        <p:spPr>
+          <a:xfrm>
+            <a:off x="393539" y="1006998"/>
+            <a:ext cx="10960261" cy="2048357"/>
+          </a:xfrm>
+        </p:spPr>
+        <p:txBody>
+          <a:bodyPr>
+            <a:normAutofit fontScale="70000" lnSpcReduction="20000"/>
+          </a:bodyPr>
+          <a:lstStyle/>
+          <a:p>
+            <a:r>
+              <a:rPr lang="en-US" dirty="0"/>
+              <a:t>When typing the ‘tab’ key, the list of candidates will be shown under the command line. And another ‘tab’ will switch into the list to choose a candidate in case of the terminal support the ANSI color feature</a:t>
+            </a:r>
+          </a:p>
+          <a:p>
+            <a:r>
+              <a:rPr lang="en-US" dirty="0"/>
+              <a:t>DBCLI supports 2 kinds of completers</a:t>
+            </a:r>
+          </a:p>
+          <a:p>
+            <a:pPr lvl="1"/>
+            <a:r>
+              <a:rPr lang="en-US" dirty="0"/>
+              <a:t>The command completer: happens when inputting the first word and then typing </a:t>
+            </a:r>
+            <a:r>
+              <a:rPr lang="en-US" b="1" dirty="0"/>
+              <a:t>tab</a:t>
+            </a:r>
+            <a:r>
+              <a:rPr lang="en-US" dirty="0"/>
+              <a:t>. Its candidates are the commands that DBCLI supports</a:t>
+            </a:r>
+          </a:p>
+          <a:p>
+            <a:pPr lvl="1"/>
+            <a:r>
+              <a:rPr lang="en-US" dirty="0"/>
+              <a:t>The keyword completer: happens when inputting the 2</a:t>
+            </a:r>
+            <a:r>
+              <a:rPr lang="en-US" baseline="30000" dirty="0"/>
+              <a:t>nd</a:t>
+            </a:r>
+            <a:r>
+              <a:rPr lang="en-US" dirty="0"/>
+              <a:t> or other word and typing </a:t>
+            </a:r>
+            <a:r>
+              <a:rPr lang="en-US" b="1" dirty="0"/>
+              <a:t>tab</a:t>
+            </a:r>
+            <a:r>
+              <a:rPr lang="en-US" dirty="0"/>
+              <a:t>.  The keyword completer’s candidates are Oracle maintained objects such as views, packages, etc.</a:t>
+            </a:r>
+          </a:p>
+        </p:txBody>
+      </p:sp>
+      <p:pic>
+        <p:nvPicPr>
+          <p:cNvPr id="4" name="图片 3">
+            <a:extLst>
+              <a:ext uri="{FF2B5EF4-FFF2-40B4-BE49-F238E27FC236}">
+                <a16:creationId xmlns:a16="http://schemas.microsoft.com/office/drawing/2014/main" id="{169FF379-C8D2-4ACF-A818-930C03C4A8D4}"/>
+              </a:ext>
+            </a:extLst>
+          </p:cNvPr>
+          <p:cNvPicPr>
+            <a:picLocks noChangeAspect="1"/>
+          </p:cNvPicPr>
+          <p:nvPr/>
+        </p:nvPicPr>
+        <p:blipFill>
+          <a:blip r:embed="rId2"/>
+          <a:stretch>
+            <a:fillRect/>
+          </a:stretch>
+        </p:blipFill>
+        <p:spPr>
+          <a:xfrm>
+            <a:off x="36738" y="3802644"/>
+            <a:ext cx="12118524" cy="1527497"/>
+          </a:xfrm>
+          <a:prstGeom prst="rect">
+            <a:avLst/>
+          </a:prstGeom>
+        </p:spPr>
+      </p:pic>
+      <p:pic>
+        <p:nvPicPr>
+          <p:cNvPr id="5" name="图片 4">
+            <a:extLst>
+              <a:ext uri="{FF2B5EF4-FFF2-40B4-BE49-F238E27FC236}">
+                <a16:creationId xmlns:a16="http://schemas.microsoft.com/office/drawing/2014/main" id="{7EE4B774-FFB5-4A96-80AD-19F2F6C76596}"/>
+              </a:ext>
+            </a:extLst>
+          </p:cNvPr>
+          <p:cNvPicPr>
+            <a:picLocks noChangeAspect="1"/>
+          </p:cNvPicPr>
+          <p:nvPr/>
+        </p:nvPicPr>
+        <p:blipFill>
+          <a:blip r:embed="rId3"/>
+          <a:stretch>
+            <a:fillRect/>
+          </a:stretch>
+        </p:blipFill>
+        <p:spPr>
+          <a:xfrm>
+            <a:off x="0" y="5608054"/>
+            <a:ext cx="12091391" cy="989515"/>
+          </a:xfrm>
+          <a:prstGeom prst="rect">
+            <a:avLst/>
+          </a:prstGeom>
+        </p:spPr>
+      </p:pic>
+    </p:spTree>
+    <p:extLst>
+      <p:ext uri="{BB962C8B-B14F-4D97-AF65-F5344CB8AC3E}">
+        <p14:creationId xmlns:p14="http://schemas.microsoft.com/office/powerpoint/2010/main" val="1961488443"/>
+      </p:ext>
+    </p:extLst>
+  </p:cSld>
+  <p:clrMapOvr>
+    <a:masterClrMapping/>
+  </p:clrMapOvr>
+</p:sld>
+</file>
+
+<file path=ppt/slides/slide13.xml><?xml version="1.0" encoding="utf-8"?>
+<p:sld xmlns:a="http://schemas.openxmlformats.org/drawingml/2006/main" xmlns:r="http://schemas.openxmlformats.org/officeDocument/2006/relationships" xmlns:p="http://schemas.openxmlformats.org/presentationml/2006/main">
+  <p:cSld>
+    <p:spTree>
+      <p:nvGrpSpPr>
+        <p:cNvPr id="1" name=""/>
+        <p:cNvGrpSpPr/>
+        <p:nvPr/>
+      </p:nvGrpSpPr>
+      <p:grpSpPr>
+        <a:xfrm>
+          <a:off x="0" y="0"/>
+          <a:ext cx="0" cy="0"/>
+          <a:chOff x="0" y="0"/>
+          <a:chExt cx="0" cy="0"/>
+        </a:xfrm>
+      </p:grpSpPr>
+      <p:sp>
+        <p:nvSpPr>
           <p:cNvPr id="3" name="内容占位符 2">
             <a:extLst>
               <a:ext uri="{FF2B5EF4-FFF2-40B4-BE49-F238E27FC236}">
@@ -11267,7 +11475,7 @@
 </p:sld>
 </file>
 
-<file path=ppt/slides/slide13.xml><?xml version="1.0" encoding="utf-8"?>
+<file path=ppt/slides/slide14.xml><?xml version="1.0" encoding="utf-8"?>
 <p:sld xmlns:a="http://schemas.openxmlformats.org/drawingml/2006/main" xmlns:r="http://schemas.openxmlformats.org/officeDocument/2006/relationships" xmlns:p="http://schemas.openxmlformats.org/presentationml/2006/main">
   <p:cSld>
     <p:spTree>
@@ -11395,7 +11603,7 @@
 </p:sld>
 </file>
 
-<file path=ppt/slides/slide14.xml><?xml version="1.0" encoding="utf-8"?>
+<file path=ppt/slides/slide15.xml><?xml version="1.0" encoding="utf-8"?>
 <p:sld xmlns:a="http://schemas.openxmlformats.org/drawingml/2006/main" xmlns:r="http://schemas.openxmlformats.org/officeDocument/2006/relationships" xmlns:p="http://schemas.openxmlformats.org/presentationml/2006/main">
   <p:cSld>
     <p:spTree>
@@ -11490,7 +11698,7 @@
 </p:sld>
 </file>
 
-<file path=ppt/slides/slide15.xml><?xml version="1.0" encoding="utf-8"?>
+<file path=ppt/slides/slide16.xml><?xml version="1.0" encoding="utf-8"?>
 <p:sld xmlns:a="http://schemas.openxmlformats.org/drawingml/2006/main" xmlns:r="http://schemas.openxmlformats.org/officeDocument/2006/relationships" xmlns:p="http://schemas.openxmlformats.org/presentationml/2006/main">
   <p:cSld>
     <p:spTree>
@@ -11580,7 +11788,7 @@
 </p:sld>
 </file>
 
-<file path=ppt/slides/slide16.xml><?xml version="1.0" encoding="utf-8"?>
+<file path=ppt/slides/slide17.xml><?xml version="1.0" encoding="utf-8"?>
 <p:sld xmlns:a="http://schemas.openxmlformats.org/drawingml/2006/main" xmlns:r="http://schemas.openxmlformats.org/officeDocument/2006/relationships" xmlns:p="http://schemas.openxmlformats.org/presentationml/2006/main">
   <p:cSld>
     <p:spTree>
@@ -11714,7 +11922,7 @@
 </p:sld>
 </file>
 
-<file path=ppt/slides/slide17.xml><?xml version="1.0" encoding="utf-8"?>
+<file path=ppt/slides/slide18.xml><?xml version="1.0" encoding="utf-8"?>
 <p:sld xmlns:a="http://schemas.openxmlformats.org/drawingml/2006/main" xmlns:r="http://schemas.openxmlformats.org/officeDocument/2006/relationships" xmlns:p="http://schemas.openxmlformats.org/presentationml/2006/main">
   <p:cSld>
     <p:spTree>
@@ -11848,7 +12056,7 @@
 </p:sld>
 </file>
 
-<file path=ppt/slides/slide18.xml><?xml version="1.0" encoding="utf-8"?>
+<file path=ppt/slides/slide19.xml><?xml version="1.0" encoding="utf-8"?>
 <p:sld xmlns:a="http://schemas.openxmlformats.org/drawingml/2006/main" xmlns:r="http://schemas.openxmlformats.org/officeDocument/2006/relationships" xmlns:p="http://schemas.openxmlformats.org/presentationml/2006/main">
   <p:cSld>
     <p:spTree>
@@ -11998,7 +12206,179 @@
 </p:sld>
 </file>
 
-<file path=ppt/slides/slide19.xml><?xml version="1.0" encoding="utf-8"?>
+<file path=ppt/slides/slide2.xml><?xml version="1.0" encoding="utf-8"?>
+<p:sld xmlns:a="http://schemas.openxmlformats.org/drawingml/2006/main" xmlns:r="http://schemas.openxmlformats.org/officeDocument/2006/relationships" xmlns:p="http://schemas.openxmlformats.org/presentationml/2006/main">
+  <p:cSld>
+    <p:spTree>
+      <p:nvGrpSpPr>
+        <p:cNvPr id="1" name=""/>
+        <p:cNvGrpSpPr/>
+        <p:nvPr/>
+      </p:nvGrpSpPr>
+      <p:grpSpPr>
+        <a:xfrm>
+          <a:off x="0" y="0"/>
+          <a:ext cx="0" cy="0"/>
+          <a:chOff x="0" y="0"/>
+          <a:chExt cx="0" cy="0"/>
+        </a:xfrm>
+      </p:grpSpPr>
+      <p:sp>
+        <p:nvSpPr>
+          <p:cNvPr id="2" name="标题 1">
+            <a:extLst>
+              <a:ext uri="{FF2B5EF4-FFF2-40B4-BE49-F238E27FC236}">
+                <a16:creationId xmlns:a16="http://schemas.microsoft.com/office/drawing/2014/main" id="{27BF2526-DC43-43B7-AC58-B1C5BBE626C9}"/>
+              </a:ext>
+            </a:extLst>
+          </p:cNvPr>
+          <p:cNvSpPr>
+            <a:spLocks noGrp="1"/>
+          </p:cNvSpPr>
+          <p:nvPr>
+            <p:ph type="title"/>
+          </p:nvPr>
+        </p:nvSpPr>
+        <p:spPr>
+          <a:xfrm>
+            <a:off x="838200" y="258233"/>
+            <a:ext cx="10515600" cy="845608"/>
+          </a:xfrm>
+        </p:spPr>
+        <p:txBody>
+          <a:bodyPr/>
+          <a:lstStyle/>
+          <a:p>
+            <a:r>
+              <a:rPr lang="en-US" dirty="0"/>
+              <a:t>Why use DBCLI(1)</a:t>
+            </a:r>
+          </a:p>
+        </p:txBody>
+      </p:sp>
+      <p:sp>
+        <p:nvSpPr>
+          <p:cNvPr id="3" name="内容占位符 2">
+            <a:extLst>
+              <a:ext uri="{FF2B5EF4-FFF2-40B4-BE49-F238E27FC236}">
+                <a16:creationId xmlns:a16="http://schemas.microsoft.com/office/drawing/2014/main" id="{2242905D-E402-445B-AF6E-F7152E4F38CA}"/>
+              </a:ext>
+            </a:extLst>
+          </p:cNvPr>
+          <p:cNvSpPr>
+            <a:spLocks noGrp="1"/>
+          </p:cNvSpPr>
+          <p:nvPr>
+            <p:ph idx="1"/>
+          </p:nvPr>
+        </p:nvSpPr>
+        <p:spPr/>
+        <p:txBody>
+          <a:bodyPr/>
+          <a:lstStyle/>
+          <a:p>
+            <a:r>
+              <a:rPr lang="en-US" dirty="0"/>
+              <a:t>SQL*Plus is powerful, but not user-friendly</a:t>
+            </a:r>
+          </a:p>
+          <a:p>
+            <a:pPr lvl="1"/>
+            <a:r>
+              <a:rPr lang="en-US" dirty="0"/>
+              <a:t>Less-intelligent query output</a:t>
+            </a:r>
+          </a:p>
+          <a:p>
+            <a:pPr lvl="1"/>
+            <a:r>
+              <a:rPr lang="en-US" dirty="0"/>
+              <a:t>Difficult logic control for coding</a:t>
+            </a:r>
+          </a:p>
+          <a:p>
+            <a:pPr lvl="1"/>
+            <a:r>
+              <a:rPr lang="en-US" dirty="0"/>
+              <a:t>Lack of interfaces to develop addons</a:t>
+            </a:r>
+          </a:p>
+          <a:p>
+            <a:r>
+              <a:rPr lang="en-US" dirty="0"/>
+              <a:t>DBCLI is an aid of database CLI utility such as SQL*Plus and SQLcl</a:t>
+            </a:r>
+          </a:p>
+          <a:p>
+            <a:pPr lvl="1"/>
+            <a:r>
+              <a:rPr lang="en-US" dirty="0"/>
+              <a:t>Supports Windows/MacOS/Linux</a:t>
+            </a:r>
+          </a:p>
+          <a:p>
+            <a:pPr lvl="1"/>
+            <a:r>
+              <a:rPr lang="en-US" dirty="0"/>
+              <a:t>Portable and contains portable JRE bundle</a:t>
+            </a:r>
+          </a:p>
+          <a:p>
+            <a:pPr lvl="1"/>
+            <a:r>
+              <a:rPr lang="en-US" dirty="0"/>
+              <a:t>Auto-ported to SQL*Plus and SQLcl, and similar commands with SQL*Plus</a:t>
+            </a:r>
+          </a:p>
+          <a:p>
+            <a:pPr lvl="1"/>
+            <a:r>
+              <a:rPr lang="en-US" dirty="0"/>
+              <a:t>Languages: </a:t>
+            </a:r>
+            <a:r>
+              <a:rPr lang="en-US" dirty="0" err="1"/>
+              <a:t>Java,Lua,PL</a:t>
+            </a:r>
+            <a:r>
+              <a:rPr lang="en-US" dirty="0"/>
+              <a:t>/SQL,SQL</a:t>
+            </a:r>
+          </a:p>
+          <a:p>
+            <a:pPr lvl="1"/>
+            <a:r>
+              <a:rPr lang="en-US" dirty="0"/>
+              <a:t>Many powerful features</a:t>
+            </a:r>
+          </a:p>
+          <a:p>
+            <a:pPr lvl="1"/>
+            <a:endParaRPr lang="en-US" dirty="0"/>
+          </a:p>
+          <a:p>
+            <a:pPr lvl="1"/>
+            <a:endParaRPr lang="en-US" dirty="0"/>
+          </a:p>
+          <a:p>
+            <a:endParaRPr lang="en-US" dirty="0"/>
+          </a:p>
+        </p:txBody>
+      </p:sp>
+    </p:spTree>
+    <p:extLst>
+      <p:ext uri="{BB962C8B-B14F-4D97-AF65-F5344CB8AC3E}">
+        <p14:creationId xmlns:p14="http://schemas.microsoft.com/office/powerpoint/2010/main" val="2865227814"/>
+      </p:ext>
+    </p:extLst>
+  </p:cSld>
+  <p:clrMapOvr>
+    <a:masterClrMapping/>
+  </p:clrMapOvr>
+</p:sld>
+</file>
+
+<file path=ppt/slides/slide20.xml><?xml version="1.0" encoding="utf-8"?>
 <p:sld xmlns:a="http://schemas.openxmlformats.org/drawingml/2006/main" xmlns:r="http://schemas.openxmlformats.org/officeDocument/2006/relationships" xmlns:p="http://schemas.openxmlformats.org/presentationml/2006/main">
   <p:cSld>
     <p:spTree>
@@ -12142,179 +12522,7 @@
 </p:sld>
 </file>
 
-<file path=ppt/slides/slide2.xml><?xml version="1.0" encoding="utf-8"?>
-<p:sld xmlns:a="http://schemas.openxmlformats.org/drawingml/2006/main" xmlns:r="http://schemas.openxmlformats.org/officeDocument/2006/relationships" xmlns:p="http://schemas.openxmlformats.org/presentationml/2006/main">
-  <p:cSld>
-    <p:spTree>
-      <p:nvGrpSpPr>
-        <p:cNvPr id="1" name=""/>
-        <p:cNvGrpSpPr/>
-        <p:nvPr/>
-      </p:nvGrpSpPr>
-      <p:grpSpPr>
-        <a:xfrm>
-          <a:off x="0" y="0"/>
-          <a:ext cx="0" cy="0"/>
-          <a:chOff x="0" y="0"/>
-          <a:chExt cx="0" cy="0"/>
-        </a:xfrm>
-      </p:grpSpPr>
-      <p:sp>
-        <p:nvSpPr>
-          <p:cNvPr id="2" name="标题 1">
-            <a:extLst>
-              <a:ext uri="{FF2B5EF4-FFF2-40B4-BE49-F238E27FC236}">
-                <a16:creationId xmlns:a16="http://schemas.microsoft.com/office/drawing/2014/main" id="{27BF2526-DC43-43B7-AC58-B1C5BBE626C9}"/>
-              </a:ext>
-            </a:extLst>
-          </p:cNvPr>
-          <p:cNvSpPr>
-            <a:spLocks noGrp="1"/>
-          </p:cNvSpPr>
-          <p:nvPr>
-            <p:ph type="title"/>
-          </p:nvPr>
-        </p:nvSpPr>
-        <p:spPr>
-          <a:xfrm>
-            <a:off x="838200" y="258233"/>
-            <a:ext cx="10515600" cy="845608"/>
-          </a:xfrm>
-        </p:spPr>
-        <p:txBody>
-          <a:bodyPr/>
-          <a:lstStyle/>
-          <a:p>
-            <a:r>
-              <a:rPr lang="en-US" dirty="0"/>
-              <a:t>Why use DBCLI(1)</a:t>
-            </a:r>
-          </a:p>
-        </p:txBody>
-      </p:sp>
-      <p:sp>
-        <p:nvSpPr>
-          <p:cNvPr id="3" name="内容占位符 2">
-            <a:extLst>
-              <a:ext uri="{FF2B5EF4-FFF2-40B4-BE49-F238E27FC236}">
-                <a16:creationId xmlns:a16="http://schemas.microsoft.com/office/drawing/2014/main" id="{2242905D-E402-445B-AF6E-F7152E4F38CA}"/>
-              </a:ext>
-            </a:extLst>
-          </p:cNvPr>
-          <p:cNvSpPr>
-            <a:spLocks noGrp="1"/>
-          </p:cNvSpPr>
-          <p:nvPr>
-            <p:ph idx="1"/>
-          </p:nvPr>
-        </p:nvSpPr>
-        <p:spPr/>
-        <p:txBody>
-          <a:bodyPr/>
-          <a:lstStyle/>
-          <a:p>
-            <a:r>
-              <a:rPr lang="en-US" dirty="0"/>
-              <a:t>SQL*Plus is powerful, but not user-friendly</a:t>
-            </a:r>
-          </a:p>
-          <a:p>
-            <a:pPr lvl="1"/>
-            <a:r>
-              <a:rPr lang="en-US" dirty="0"/>
-              <a:t>Less-intelligent query output</a:t>
-            </a:r>
-          </a:p>
-          <a:p>
-            <a:pPr lvl="1"/>
-            <a:r>
-              <a:rPr lang="en-US" dirty="0"/>
-              <a:t>Difficult logic control for coding</a:t>
-            </a:r>
-          </a:p>
-          <a:p>
-            <a:pPr lvl="1"/>
-            <a:r>
-              <a:rPr lang="en-US" dirty="0"/>
-              <a:t>Lack of interfaces to develop addons</a:t>
-            </a:r>
-          </a:p>
-          <a:p>
-            <a:r>
-              <a:rPr lang="en-US" dirty="0"/>
-              <a:t>DBCLI is an aid of database CLI utility such as SQL*Plus and SQLcl</a:t>
-            </a:r>
-          </a:p>
-          <a:p>
-            <a:pPr lvl="1"/>
-            <a:r>
-              <a:rPr lang="en-US" dirty="0"/>
-              <a:t>Supports Windows/MacOS/Linux</a:t>
-            </a:r>
-          </a:p>
-          <a:p>
-            <a:pPr lvl="1"/>
-            <a:r>
-              <a:rPr lang="en-US" dirty="0"/>
-              <a:t>Portable and contains portable JRE bundle</a:t>
-            </a:r>
-          </a:p>
-          <a:p>
-            <a:pPr lvl="1"/>
-            <a:r>
-              <a:rPr lang="en-US" dirty="0"/>
-              <a:t>Auto-ported to SQL*Plus and SQLcl, and similar commands with SQL*Plus</a:t>
-            </a:r>
-          </a:p>
-          <a:p>
-            <a:pPr lvl="1"/>
-            <a:r>
-              <a:rPr lang="en-US" dirty="0"/>
-              <a:t>Languages: </a:t>
-            </a:r>
-            <a:r>
-              <a:rPr lang="en-US" dirty="0" err="1"/>
-              <a:t>Java,Lua,PL</a:t>
-            </a:r>
-            <a:r>
-              <a:rPr lang="en-US" dirty="0"/>
-              <a:t>/SQL,SQL</a:t>
-            </a:r>
-          </a:p>
-          <a:p>
-            <a:pPr lvl="1"/>
-            <a:r>
-              <a:rPr lang="en-US" dirty="0"/>
-              <a:t>Many powerful features</a:t>
-            </a:r>
-          </a:p>
-          <a:p>
-            <a:pPr lvl="1"/>
-            <a:endParaRPr lang="en-US" dirty="0"/>
-          </a:p>
-          <a:p>
-            <a:pPr lvl="1"/>
-            <a:endParaRPr lang="en-US" dirty="0"/>
-          </a:p>
-          <a:p>
-            <a:endParaRPr lang="en-US" dirty="0"/>
-          </a:p>
-        </p:txBody>
-      </p:sp>
-    </p:spTree>
-    <p:extLst>
-      <p:ext uri="{BB962C8B-B14F-4D97-AF65-F5344CB8AC3E}">
-        <p14:creationId xmlns:p14="http://schemas.microsoft.com/office/powerpoint/2010/main" val="2865227814"/>
-      </p:ext>
-    </p:extLst>
-  </p:cSld>
-  <p:clrMapOvr>
-    <a:masterClrMapping/>
-  </p:clrMapOvr>
-</p:sld>
-</file>
-
-<file path=ppt/slides/slide20.xml><?xml version="1.0" encoding="utf-8"?>
+<file path=ppt/slides/slide21.xml><?xml version="1.0" encoding="utf-8"?>
 <p:sld xmlns:a="http://schemas.openxmlformats.org/drawingml/2006/main" xmlns:r="http://schemas.openxmlformats.org/officeDocument/2006/relationships" xmlns:p="http://schemas.openxmlformats.org/presentationml/2006/main">
   <p:cSld>
     <p:spTree>
@@ -12460,7 +12668,7 @@
 </p:sld>
 </file>
 
-<file path=ppt/slides/slide21.xml><?xml version="1.0" encoding="utf-8"?>
+<file path=ppt/slides/slide22.xml><?xml version="1.0" encoding="utf-8"?>
 <p:sld xmlns:a="http://schemas.openxmlformats.org/drawingml/2006/main" xmlns:r="http://schemas.openxmlformats.org/officeDocument/2006/relationships" xmlns:p="http://schemas.openxmlformats.org/presentationml/2006/main">
   <p:cSld>
     <p:spTree>
@@ -12770,7 +12978,7 @@
 </p:sld>
 </file>
 
-<file path=ppt/slides/slide22.xml><?xml version="1.0" encoding="utf-8"?>
+<file path=ppt/slides/slide23.xml><?xml version="1.0" encoding="utf-8"?>
 <p:sld xmlns:a="http://schemas.openxmlformats.org/drawingml/2006/main" xmlns:r="http://schemas.openxmlformats.org/officeDocument/2006/relationships" xmlns:p="http://schemas.openxmlformats.org/presentationml/2006/main">
   <p:cSld>
     <p:spTree>
@@ -12946,7 +13154,7 @@
 </p:sld>
 </file>
 
-<file path=ppt/slides/slide23.xml><?xml version="1.0" encoding="utf-8"?>
+<file path=ppt/slides/slide24.xml><?xml version="1.0" encoding="utf-8"?>
 <p:sld xmlns:a="http://schemas.openxmlformats.org/drawingml/2006/main" xmlns:r="http://schemas.openxmlformats.org/officeDocument/2006/relationships" xmlns:p="http://schemas.openxmlformats.org/presentationml/2006/main">
   <p:cSld>
     <p:spTree>
@@ -13160,7 +13368,7 @@
 </p:sld>
 </file>
 
-<file path=ppt/slides/slide24.xml><?xml version="1.0" encoding="utf-8"?>
+<file path=ppt/slides/slide25.xml><?xml version="1.0" encoding="utf-8"?>
 <p:sld xmlns:a="http://schemas.openxmlformats.org/drawingml/2006/main" xmlns:r="http://schemas.openxmlformats.org/officeDocument/2006/relationships" xmlns:p="http://schemas.openxmlformats.org/presentationml/2006/main">
   <p:cSld>
     <p:spTree>
@@ -13304,7 +13512,7 @@
 </p:sld>
 </file>
 
-<file path=ppt/slides/slide25.xml><?xml version="1.0" encoding="utf-8"?>
+<file path=ppt/slides/slide26.xml><?xml version="1.0" encoding="utf-8"?>
 <p:sld xmlns:a="http://schemas.openxmlformats.org/drawingml/2006/main" xmlns:r="http://schemas.openxmlformats.org/officeDocument/2006/relationships" xmlns:p="http://schemas.openxmlformats.org/presentationml/2006/main">
   <p:cSld>
     <p:spTree>
@@ -13369,13 +13577,13 @@
           <p:nvPr>
             <p:extLst>
               <p:ext uri="{D42A27DB-BD31-4B8C-83A1-F6EECF244321}">
-                <p14:modId xmlns:p14="http://schemas.microsoft.com/office/powerpoint/2010/main" val="910705427"/>
+                <p14:modId xmlns:p14="http://schemas.microsoft.com/office/powerpoint/2010/main" val="3671031265"/>
               </p:ext>
             </p:extLst>
           </p:nvPr>
         </p:nvGraphicFramePr>
         <p:xfrm>
-          <a:off x="926214" y="2834640"/>
+          <a:off x="926214" y="3906520"/>
           <a:ext cx="8128000" cy="1188720"/>
         </p:xfrm>
         <a:graphic>
@@ -13393,7 +13601,7 @@
                   </a:extLst>
                 </a:gridCol>
               </a:tblGrid>
-              <a:tr h="370840">
+              <a:tr h="0">
                 <a:tc>
                   <a:txBody>
                     <a:bodyPr/>
@@ -13573,8 +13781,8 @@
         </p:nvSpPr>
         <p:spPr>
           <a:xfrm>
-            <a:off x="838200" y="1095168"/>
-            <a:ext cx="10515600" cy="896310"/>
+            <a:off x="838200" y="1095167"/>
+            <a:ext cx="10515600" cy="2333833"/>
           </a:xfrm>
         </p:spPr>
         <p:txBody>
@@ -13586,6 +13794,28 @@
             <a:r>
               <a:rPr lang="en-US" dirty="0"/>
               <a:t>Normally used in production environment for security purpose</a:t>
+            </a:r>
+          </a:p>
+          <a:p>
+            <a:r>
+              <a:rPr lang="en-US" dirty="0">
+                <a:solidFill>
+                  <a:srgbClr val="FF0000"/>
+                </a:solidFill>
+              </a:rPr>
+              <a:t>Note</a:t>
+            </a:r>
+            <a:r>
+              <a:rPr lang="en-US" dirty="0"/>
+              <a:t>:  Only supports blocking the DDL/DML </a:t>
+            </a:r>
+            <a:r>
+              <a:rPr lang="en-US"/>
+              <a:t>from DBCLI </a:t>
+            </a:r>
+            <a:r>
+              <a:rPr lang="en-US" dirty="0"/>
+              <a:t>or uncommitted transaction from procedures. It will not block calling the procedures or PL/SQL block that performs DDL/DML and then self commit.</a:t>
             </a:r>
           </a:p>
         </p:txBody>
@@ -13603,7 +13833,7 @@
 </p:sld>
 </file>
 
-<file path=ppt/slides/slide26.xml><?xml version="1.0" encoding="utf-8"?>
+<file path=ppt/slides/slide27.xml><?xml version="1.0" encoding="utf-8"?>
 <p:sld xmlns:a="http://schemas.openxmlformats.org/drawingml/2006/main" xmlns:r="http://schemas.openxmlformats.org/officeDocument/2006/relationships" xmlns:p="http://schemas.openxmlformats.org/presentationml/2006/main">
   <p:cSld>
     <p:spTree>
@@ -13739,7 +13969,7 @@
 </p:sld>
 </file>
 
-<file path=ppt/slides/slide27.xml><?xml version="1.0" encoding="utf-8"?>
+<file path=ppt/slides/slide28.xml><?xml version="1.0" encoding="utf-8"?>
 <p:sld xmlns:a="http://schemas.openxmlformats.org/drawingml/2006/main" xmlns:r="http://schemas.openxmlformats.org/officeDocument/2006/relationships" xmlns:p="http://schemas.openxmlformats.org/presentationml/2006/main">
   <p:cSld>
     <p:spTree>
@@ -13909,7 +14139,7 @@
 </p:sld>
 </file>
 
-<file path=ppt/slides/slide28.xml><?xml version="1.0" encoding="utf-8"?>
+<file path=ppt/slides/slide29.xml><?xml version="1.0" encoding="utf-8"?>
 <p:sld xmlns:a="http://schemas.openxmlformats.org/drawingml/2006/main" xmlns:r="http://schemas.openxmlformats.org/officeDocument/2006/relationships" xmlns:p="http://schemas.openxmlformats.org/presentationml/2006/main">
   <p:cSld>
     <p:spTree>
@@ -14059,7 +14289,228 @@
 </p:sld>
 </file>
 
-<file path=ppt/slides/slide29.xml><?xml version="1.0" encoding="utf-8"?>
+<file path=ppt/slides/slide3.xml><?xml version="1.0" encoding="utf-8"?>
+<p:sld xmlns:a="http://schemas.openxmlformats.org/drawingml/2006/main" xmlns:r="http://schemas.openxmlformats.org/officeDocument/2006/relationships" xmlns:p="http://schemas.openxmlformats.org/presentationml/2006/main">
+  <p:cSld>
+    <p:spTree>
+      <p:nvGrpSpPr>
+        <p:cNvPr id="1" name=""/>
+        <p:cNvGrpSpPr/>
+        <p:nvPr/>
+      </p:nvGrpSpPr>
+      <p:grpSpPr>
+        <a:xfrm>
+          <a:off x="0" y="0"/>
+          <a:ext cx="0" cy="0"/>
+          <a:chOff x="0" y="0"/>
+          <a:chExt cx="0" cy="0"/>
+        </a:xfrm>
+      </p:grpSpPr>
+      <p:sp>
+        <p:nvSpPr>
+          <p:cNvPr id="2" name="标题 1">
+            <a:extLst>
+              <a:ext uri="{FF2B5EF4-FFF2-40B4-BE49-F238E27FC236}">
+                <a16:creationId xmlns:a16="http://schemas.microsoft.com/office/drawing/2014/main" id="{67DDFB39-0DC1-4064-87E8-EC4A066CBB42}"/>
+              </a:ext>
+            </a:extLst>
+          </p:cNvPr>
+          <p:cNvSpPr>
+            <a:spLocks noGrp="1"/>
+          </p:cNvSpPr>
+          <p:nvPr>
+            <p:ph type="title"/>
+          </p:nvPr>
+        </p:nvSpPr>
+        <p:spPr>
+          <a:xfrm>
+            <a:off x="838200" y="215899"/>
+            <a:ext cx="10515600" cy="930275"/>
+          </a:xfrm>
+        </p:spPr>
+        <p:txBody>
+          <a:bodyPr/>
+          <a:lstStyle/>
+          <a:p>
+            <a:r>
+              <a:rPr lang="en-US" dirty="0"/>
+              <a:t>Why Use DBCLI(2)</a:t>
+            </a:r>
+          </a:p>
+        </p:txBody>
+      </p:sp>
+      <p:sp>
+        <p:nvSpPr>
+          <p:cNvPr id="3" name="内容占位符 2">
+            <a:extLst>
+              <a:ext uri="{FF2B5EF4-FFF2-40B4-BE49-F238E27FC236}">
+                <a16:creationId xmlns:a16="http://schemas.microsoft.com/office/drawing/2014/main" id="{2A967E06-4E0A-4F45-98A0-0AA9980419C5}"/>
+              </a:ext>
+            </a:extLst>
+          </p:cNvPr>
+          <p:cNvSpPr>
+            <a:spLocks noGrp="1"/>
+          </p:cNvSpPr>
+          <p:nvPr>
+            <p:ph idx="1"/>
+          </p:nvPr>
+        </p:nvSpPr>
+        <p:spPr>
+          <a:xfrm>
+            <a:off x="838200" y="1435395"/>
+            <a:ext cx="10515600" cy="4741568"/>
+          </a:xfrm>
+        </p:spPr>
+        <p:txBody>
+          <a:bodyPr>
+            <a:normAutofit lnSpcReduction="10000"/>
+          </a:bodyPr>
+          <a:lstStyle/>
+          <a:p>
+            <a:r>
+              <a:rPr lang="en-US" sz="2000" dirty="0"/>
+              <a:t>Easy connect (command login/</a:t>
+            </a:r>
+            <a:r>
+              <a:rPr lang="en-US" sz="2000" dirty="0" err="1"/>
+              <a:t>reconn</a:t>
+            </a:r>
+            <a:r>
+              <a:rPr lang="en-US" sz="2000" dirty="0"/>
+              <a:t>)</a:t>
+            </a:r>
+          </a:p>
+          <a:p>
+            <a:r>
+              <a:rPr lang="en-US" sz="2000" dirty="0"/>
+              <a:t>Intelligent format of the query output</a:t>
+            </a:r>
+          </a:p>
+          <a:p>
+            <a:r>
+              <a:rPr lang="en-US" sz="2000" dirty="0"/>
+              <a:t>Rich column value formatter(command col)</a:t>
+            </a:r>
+          </a:p>
+          <a:p>
+            <a:r>
+              <a:rPr lang="en-US" sz="2000" dirty="0"/>
+              <a:t>Combine queries (command grid)</a:t>
+            </a:r>
+          </a:p>
+          <a:p>
+            <a:r>
+              <a:rPr lang="en-US" sz="2000" dirty="0"/>
+              <a:t>Client-side VPD(command set dbid/instance/container/schema)</a:t>
+            </a:r>
+          </a:p>
+          <a:p>
+            <a:r>
+              <a:rPr lang="en-US" sz="2000" dirty="0"/>
+              <a:t>Many common utilities(awrdump/</a:t>
+            </a:r>
+            <a:r>
+              <a:rPr lang="en-US" sz="2000" dirty="0" err="1"/>
+              <a:t>addmdump</a:t>
+            </a:r>
+            <a:r>
+              <a:rPr lang="en-US" sz="2000" dirty="0"/>
+              <a:t>/dumptrace/grep/tee/unwrap/sql2csv/sql2file/etc)</a:t>
+            </a:r>
+          </a:p>
+          <a:p>
+            <a:r>
+              <a:rPr lang="en-US" sz="2000" dirty="0"/>
+              <a:t>Powerful scripting engines and documentation</a:t>
+            </a:r>
+          </a:p>
+          <a:p>
+            <a:pPr lvl="1"/>
+            <a:r>
+              <a:rPr lang="en-US" sz="1600" dirty="0"/>
+              <a:t>SQL*Plus-style engine: Command ora/sys/show/exa</a:t>
+            </a:r>
+          </a:p>
+          <a:p>
+            <a:pPr lvl="1"/>
+            <a:r>
+              <a:rPr lang="en-US" sz="1600" dirty="0"/>
+              <a:t>Snapper engine: command snap</a:t>
+            </a:r>
+          </a:p>
+          <a:p>
+            <a:pPr lvl="1"/>
+            <a:r>
+              <a:rPr lang="en-US" sz="1600" dirty="0"/>
+              <a:t>Graphing engine: Command chart/graph</a:t>
+            </a:r>
+          </a:p>
+          <a:p>
+            <a:pPr lvl="1"/>
+            <a:r>
+              <a:rPr lang="en-US" sz="1600" dirty="0"/>
+              <a:t>Shell engine: command </a:t>
+            </a:r>
+            <a:r>
+              <a:rPr lang="en-US" sz="1600" dirty="0" err="1"/>
+              <a:t>ssh</a:t>
+            </a:r>
+            <a:r>
+              <a:rPr lang="en-US" sz="1600" dirty="0"/>
+              <a:t>/</a:t>
+            </a:r>
+            <a:r>
+              <a:rPr lang="en-US" sz="1600" dirty="0" err="1"/>
+              <a:t>sh</a:t>
+            </a:r>
+            <a:r>
+              <a:rPr lang="en-US" sz="1600" dirty="0"/>
+              <a:t> ( to be enhanced)</a:t>
+            </a:r>
+          </a:p>
+          <a:p>
+            <a:r>
+              <a:rPr lang="en-US" sz="2000" dirty="0"/>
+              <a:t>Interfaces to programmer</a:t>
+            </a:r>
+          </a:p>
+          <a:p>
+            <a:r>
+              <a:rPr lang="en-US" sz="2000" dirty="0"/>
+              <a:t>Rich hot keys</a:t>
+            </a:r>
+          </a:p>
+          <a:p>
+            <a:r>
+              <a:rPr lang="en-US" sz="2000" dirty="0"/>
+              <a:t>Coloring</a:t>
+            </a:r>
+          </a:p>
+          <a:p>
+            <a:pPr marL="0" indent="0">
+              <a:buNone/>
+            </a:pPr>
+            <a:endParaRPr lang="en-US" dirty="0"/>
+          </a:p>
+          <a:p>
+            <a:endParaRPr lang="en-US" dirty="0"/>
+          </a:p>
+        </p:txBody>
+      </p:sp>
+    </p:spTree>
+    <p:extLst>
+      <p:ext uri="{BB962C8B-B14F-4D97-AF65-F5344CB8AC3E}">
+        <p14:creationId xmlns:p14="http://schemas.microsoft.com/office/powerpoint/2010/main" val="3791614640"/>
+      </p:ext>
+    </p:extLst>
+  </p:cSld>
+  <p:clrMapOvr>
+    <a:masterClrMapping/>
+  </p:clrMapOvr>
+</p:sld>
+</file>
+
+<file path=ppt/slides/slide30.xml><?xml version="1.0" encoding="utf-8"?>
 <p:sld xmlns:a="http://schemas.openxmlformats.org/drawingml/2006/main" xmlns:r="http://schemas.openxmlformats.org/officeDocument/2006/relationships" xmlns:p="http://schemas.openxmlformats.org/presentationml/2006/main">
   <p:cSld>
     <p:spTree>
@@ -14243,228 +14694,7 @@
 </p:sld>
 </file>
 
-<file path=ppt/slides/slide3.xml><?xml version="1.0" encoding="utf-8"?>
-<p:sld xmlns:a="http://schemas.openxmlformats.org/drawingml/2006/main" xmlns:r="http://schemas.openxmlformats.org/officeDocument/2006/relationships" xmlns:p="http://schemas.openxmlformats.org/presentationml/2006/main">
-  <p:cSld>
-    <p:spTree>
-      <p:nvGrpSpPr>
-        <p:cNvPr id="1" name=""/>
-        <p:cNvGrpSpPr/>
-        <p:nvPr/>
-      </p:nvGrpSpPr>
-      <p:grpSpPr>
-        <a:xfrm>
-          <a:off x="0" y="0"/>
-          <a:ext cx="0" cy="0"/>
-          <a:chOff x="0" y="0"/>
-          <a:chExt cx="0" cy="0"/>
-        </a:xfrm>
-      </p:grpSpPr>
-      <p:sp>
-        <p:nvSpPr>
-          <p:cNvPr id="2" name="标题 1">
-            <a:extLst>
-              <a:ext uri="{FF2B5EF4-FFF2-40B4-BE49-F238E27FC236}">
-                <a16:creationId xmlns:a16="http://schemas.microsoft.com/office/drawing/2014/main" id="{67DDFB39-0DC1-4064-87E8-EC4A066CBB42}"/>
-              </a:ext>
-            </a:extLst>
-          </p:cNvPr>
-          <p:cNvSpPr>
-            <a:spLocks noGrp="1"/>
-          </p:cNvSpPr>
-          <p:nvPr>
-            <p:ph type="title"/>
-          </p:nvPr>
-        </p:nvSpPr>
-        <p:spPr>
-          <a:xfrm>
-            <a:off x="838200" y="215899"/>
-            <a:ext cx="10515600" cy="930275"/>
-          </a:xfrm>
-        </p:spPr>
-        <p:txBody>
-          <a:bodyPr/>
-          <a:lstStyle/>
-          <a:p>
-            <a:r>
-              <a:rPr lang="en-US" dirty="0"/>
-              <a:t>Why Use DBCLI(2)</a:t>
-            </a:r>
-          </a:p>
-        </p:txBody>
-      </p:sp>
-      <p:sp>
-        <p:nvSpPr>
-          <p:cNvPr id="3" name="内容占位符 2">
-            <a:extLst>
-              <a:ext uri="{FF2B5EF4-FFF2-40B4-BE49-F238E27FC236}">
-                <a16:creationId xmlns:a16="http://schemas.microsoft.com/office/drawing/2014/main" id="{2A967E06-4E0A-4F45-98A0-0AA9980419C5}"/>
-              </a:ext>
-            </a:extLst>
-          </p:cNvPr>
-          <p:cNvSpPr>
-            <a:spLocks noGrp="1"/>
-          </p:cNvSpPr>
-          <p:nvPr>
-            <p:ph idx="1"/>
-          </p:nvPr>
-        </p:nvSpPr>
-        <p:spPr>
-          <a:xfrm>
-            <a:off x="838200" y="1435395"/>
-            <a:ext cx="10515600" cy="4741568"/>
-          </a:xfrm>
-        </p:spPr>
-        <p:txBody>
-          <a:bodyPr>
-            <a:normAutofit lnSpcReduction="10000"/>
-          </a:bodyPr>
-          <a:lstStyle/>
-          <a:p>
-            <a:r>
-              <a:rPr lang="en-US" sz="2000" dirty="0"/>
-              <a:t>Easy connect (command login/</a:t>
-            </a:r>
-            <a:r>
-              <a:rPr lang="en-US" sz="2000" dirty="0" err="1"/>
-              <a:t>reconn</a:t>
-            </a:r>
-            <a:r>
-              <a:rPr lang="en-US" sz="2000" dirty="0"/>
-              <a:t>)</a:t>
-            </a:r>
-          </a:p>
-          <a:p>
-            <a:r>
-              <a:rPr lang="en-US" sz="2000" dirty="0"/>
-              <a:t>Intelligent format of the query output</a:t>
-            </a:r>
-          </a:p>
-          <a:p>
-            <a:r>
-              <a:rPr lang="en-US" sz="2000" dirty="0"/>
-              <a:t>Rich column value formatter(command col)</a:t>
-            </a:r>
-          </a:p>
-          <a:p>
-            <a:r>
-              <a:rPr lang="en-US" sz="2000" dirty="0"/>
-              <a:t>Combine queries (command grid)</a:t>
-            </a:r>
-          </a:p>
-          <a:p>
-            <a:r>
-              <a:rPr lang="en-US" sz="2000" dirty="0"/>
-              <a:t>Client-side VPD(command set dbid/instance/container/schema)</a:t>
-            </a:r>
-          </a:p>
-          <a:p>
-            <a:r>
-              <a:rPr lang="en-US" sz="2000" dirty="0"/>
-              <a:t>Many common utilities(awrdump/</a:t>
-            </a:r>
-            <a:r>
-              <a:rPr lang="en-US" sz="2000" dirty="0" err="1"/>
-              <a:t>addmdump</a:t>
-            </a:r>
-            <a:r>
-              <a:rPr lang="en-US" sz="2000" dirty="0"/>
-              <a:t>/dumptrace/grep/tee/unwrap/sql2csv/sql2file/etc)</a:t>
-            </a:r>
-          </a:p>
-          <a:p>
-            <a:r>
-              <a:rPr lang="en-US" sz="2000" dirty="0"/>
-              <a:t>Powerful scripting engines and documentation</a:t>
-            </a:r>
-          </a:p>
-          <a:p>
-            <a:pPr lvl="1"/>
-            <a:r>
-              <a:rPr lang="en-US" sz="1600" dirty="0"/>
-              <a:t>SQL*Plus-style engine: Command ora/sys/show/exa</a:t>
-            </a:r>
-          </a:p>
-          <a:p>
-            <a:pPr lvl="1"/>
-            <a:r>
-              <a:rPr lang="en-US" sz="1600" dirty="0"/>
-              <a:t>Snapper engine: command snap</a:t>
-            </a:r>
-          </a:p>
-          <a:p>
-            <a:pPr lvl="1"/>
-            <a:r>
-              <a:rPr lang="en-US" sz="1600" dirty="0"/>
-              <a:t>Graphing engine: Command chart/graph</a:t>
-            </a:r>
-          </a:p>
-          <a:p>
-            <a:pPr lvl="1"/>
-            <a:r>
-              <a:rPr lang="en-US" sz="1600" dirty="0"/>
-              <a:t>Shell engine: command </a:t>
-            </a:r>
-            <a:r>
-              <a:rPr lang="en-US" sz="1600" dirty="0" err="1"/>
-              <a:t>ssh</a:t>
-            </a:r>
-            <a:r>
-              <a:rPr lang="en-US" sz="1600" dirty="0"/>
-              <a:t>/</a:t>
-            </a:r>
-            <a:r>
-              <a:rPr lang="en-US" sz="1600" dirty="0" err="1"/>
-              <a:t>sh</a:t>
-            </a:r>
-            <a:r>
-              <a:rPr lang="en-US" sz="1600" dirty="0"/>
-              <a:t> ( to be enhanced)</a:t>
-            </a:r>
-          </a:p>
-          <a:p>
-            <a:r>
-              <a:rPr lang="en-US" sz="2000" dirty="0"/>
-              <a:t>Interfaces to programmer</a:t>
-            </a:r>
-          </a:p>
-          <a:p>
-            <a:r>
-              <a:rPr lang="en-US" sz="2000" dirty="0"/>
-              <a:t>Rich hot keys</a:t>
-            </a:r>
-          </a:p>
-          <a:p>
-            <a:r>
-              <a:rPr lang="en-US" sz="2000" dirty="0"/>
-              <a:t>Coloring</a:t>
-            </a:r>
-          </a:p>
-          <a:p>
-            <a:pPr marL="0" indent="0">
-              <a:buNone/>
-            </a:pPr>
-            <a:endParaRPr lang="en-US" dirty="0"/>
-          </a:p>
-          <a:p>
-            <a:endParaRPr lang="en-US" dirty="0"/>
-          </a:p>
-        </p:txBody>
-      </p:sp>
-    </p:spTree>
-    <p:extLst>
-      <p:ext uri="{BB962C8B-B14F-4D97-AF65-F5344CB8AC3E}">
-        <p14:creationId xmlns:p14="http://schemas.microsoft.com/office/powerpoint/2010/main" val="3791614640"/>
-      </p:ext>
-    </p:extLst>
-  </p:cSld>
-  <p:clrMapOvr>
-    <a:masterClrMapping/>
-  </p:clrMapOvr>
-</p:sld>
-</file>
-
-<file path=ppt/slides/slide30.xml><?xml version="1.0" encoding="utf-8"?>
+<file path=ppt/slides/slide31.xml><?xml version="1.0" encoding="utf-8"?>
 <p:sld xmlns:a="http://schemas.openxmlformats.org/drawingml/2006/main" xmlns:r="http://schemas.openxmlformats.org/officeDocument/2006/relationships" xmlns:p="http://schemas.openxmlformats.org/presentationml/2006/main">
   <p:cSld>
     <p:spTree>
@@ -14592,7 +14822,7 @@
 </p:sld>
 </file>
 
-<file path=ppt/slides/slide31.xml><?xml version="1.0" encoding="utf-8"?>
+<file path=ppt/slides/slide32.xml><?xml version="1.0" encoding="utf-8"?>
 <p:sld xmlns:a="http://schemas.openxmlformats.org/drawingml/2006/main" xmlns:r="http://schemas.openxmlformats.org/officeDocument/2006/relationships" xmlns:p="http://schemas.openxmlformats.org/presentationml/2006/main">
   <p:cSld>
     <p:spTree>
@@ -14733,7 +14963,7 @@
 </p:sld>
 </file>
 
-<file path=ppt/slides/slide32.xml><?xml version="1.0" encoding="utf-8"?>
+<file path=ppt/slides/slide33.xml><?xml version="1.0" encoding="utf-8"?>
 <p:sld xmlns:a="http://schemas.openxmlformats.org/drawingml/2006/main" xmlns:r="http://schemas.openxmlformats.org/officeDocument/2006/relationships" xmlns:p="http://schemas.openxmlformats.org/presentationml/2006/main">
   <p:cSld>
     <p:spTree>
@@ -14896,7 +15126,7 @@
 </p:sld>
 </file>
 
-<file path=ppt/slides/slide33.xml><?xml version="1.0" encoding="utf-8"?>
+<file path=ppt/slides/slide34.xml><?xml version="1.0" encoding="utf-8"?>
 <p:sld xmlns:a="http://schemas.openxmlformats.org/drawingml/2006/main" xmlns:r="http://schemas.openxmlformats.org/officeDocument/2006/relationships" xmlns:p="http://schemas.openxmlformats.org/presentationml/2006/main">
   <p:cSld>
     <p:spTree>
@@ -15116,7 +15346,7 @@
 </p:sld>
 </file>
 
-<file path=ppt/slides/slide34.xml><?xml version="1.0" encoding="utf-8"?>
+<file path=ppt/slides/slide35.xml><?xml version="1.0" encoding="utf-8"?>
 <p:sld xmlns:a="http://schemas.openxmlformats.org/drawingml/2006/main" xmlns:r="http://schemas.openxmlformats.org/officeDocument/2006/relationships" xmlns:p="http://schemas.openxmlformats.org/presentationml/2006/main">
   <p:cSld>
     <p:spTree>
@@ -15294,7 +15524,7 @@
 </p:sld>
 </file>
 
-<file path=ppt/slides/slide35.xml><?xml version="1.0" encoding="utf-8"?>
+<file path=ppt/slides/slide36.xml><?xml version="1.0" encoding="utf-8"?>
 <p:sld xmlns:a="http://schemas.openxmlformats.org/drawingml/2006/main" xmlns:r="http://schemas.openxmlformats.org/officeDocument/2006/relationships" xmlns:p="http://schemas.openxmlformats.org/presentationml/2006/main">
   <p:cSld>
     <p:spTree>
@@ -15484,7 +15714,7 @@
 </p:sld>
 </file>
 
-<file path=ppt/slides/slide36.xml><?xml version="1.0" encoding="utf-8"?>
+<file path=ppt/slides/slide37.xml><?xml version="1.0" encoding="utf-8"?>
 <p:sld xmlns:a="http://schemas.openxmlformats.org/drawingml/2006/main" xmlns:r="http://schemas.openxmlformats.org/officeDocument/2006/relationships" xmlns:p="http://schemas.openxmlformats.org/presentationml/2006/main">
   <p:cSld>
     <p:spTree>
@@ -15710,262 +15940,6 @@
 </p:sld>
 </file>
 
-<file path=ppt/slides/slide37.xml><?xml version="1.0" encoding="utf-8"?>
-<p:sld xmlns:a="http://schemas.openxmlformats.org/drawingml/2006/main" xmlns:r="http://schemas.openxmlformats.org/officeDocument/2006/relationships" xmlns:p="http://schemas.openxmlformats.org/presentationml/2006/main">
-  <p:cSld>
-    <p:spTree>
-      <p:nvGrpSpPr>
-        <p:cNvPr id="1" name=""/>
-        <p:cNvGrpSpPr/>
-        <p:nvPr/>
-      </p:nvGrpSpPr>
-      <p:grpSpPr>
-        <a:xfrm>
-          <a:off x="0" y="0"/>
-          <a:ext cx="0" cy="0"/>
-          <a:chOff x="0" y="0"/>
-          <a:chExt cx="0" cy="0"/>
-        </a:xfrm>
-      </p:grpSpPr>
-      <p:sp>
-        <p:nvSpPr>
-          <p:cNvPr id="2" name="标题 1">
-            <a:extLst>
-              <a:ext uri="{FF2B5EF4-FFF2-40B4-BE49-F238E27FC236}">
-                <a16:creationId xmlns:a16="http://schemas.microsoft.com/office/drawing/2014/main" id="{C8B29B6C-C00C-4E0D-8CA1-E9219B16D778}"/>
-              </a:ext>
-            </a:extLst>
-          </p:cNvPr>
-          <p:cNvSpPr>
-            <a:spLocks noGrp="1"/>
-          </p:cNvSpPr>
-          <p:nvPr>
-            <p:ph type="title"/>
-          </p:nvPr>
-        </p:nvSpPr>
-        <p:spPr>
-          <a:xfrm>
-            <a:off x="838200" y="171938"/>
-            <a:ext cx="10515600" cy="509100"/>
-          </a:xfrm>
-        </p:spPr>
-        <p:txBody>
-          <a:bodyPr>
-            <a:normAutofit fontScale="90000"/>
-          </a:bodyPr>
-          <a:lstStyle/>
-          <a:p>
-            <a:r>
-              <a:rPr lang="en-US" dirty="0"/>
-              <a:t>Common Utility - Others</a:t>
-            </a:r>
-          </a:p>
-        </p:txBody>
-      </p:sp>
-      <p:sp>
-        <p:nvSpPr>
-          <p:cNvPr id="3" name="内容占位符 2">
-            <a:extLst>
-              <a:ext uri="{FF2B5EF4-FFF2-40B4-BE49-F238E27FC236}">
-                <a16:creationId xmlns:a16="http://schemas.microsoft.com/office/drawing/2014/main" id="{54B2F075-356C-4966-AF72-A32E6D5B796E}"/>
-              </a:ext>
-            </a:extLst>
-          </p:cNvPr>
-          <p:cNvSpPr>
-            <a:spLocks noGrp="1"/>
-          </p:cNvSpPr>
-          <p:nvPr>
-            <p:ph idx="1"/>
-          </p:nvPr>
-        </p:nvSpPr>
-        <p:spPr>
-          <a:xfrm>
-            <a:off x="838200" y="789354"/>
-            <a:ext cx="10515600" cy="4468446"/>
-          </a:xfrm>
-        </p:spPr>
-        <p:txBody>
-          <a:bodyPr>
-            <a:normAutofit fontScale="62500" lnSpcReduction="20000"/>
-          </a:bodyPr>
-          <a:lstStyle/>
-          <a:p>
-            <a:r>
-              <a:rPr lang="en-US" dirty="0"/>
-              <a:t>Command </a:t>
-            </a:r>
-            <a:r>
-              <a:rPr lang="en-US" b="1" dirty="0">
-                <a:solidFill>
-                  <a:schemeClr val="accent1">
-                    <a:lumMod val="75000"/>
-                  </a:schemeClr>
-                </a:solidFill>
-              </a:rPr>
-              <a:t>clear</a:t>
-            </a:r>
-            <a:r>
-              <a:rPr lang="en-US" dirty="0"/>
-              <a:t>: clear screen</a:t>
-            </a:r>
-          </a:p>
-          <a:p>
-            <a:r>
-              <a:rPr lang="en-US" dirty="0"/>
-              <a:t>Command </a:t>
-            </a:r>
-            <a:r>
-              <a:rPr lang="en-US" b="1" dirty="0">
-                <a:solidFill>
-                  <a:schemeClr val="accent1">
-                    <a:lumMod val="75000"/>
-                  </a:schemeClr>
-                </a:solidFill>
-              </a:rPr>
-              <a:t>reload</a:t>
-            </a:r>
-            <a:r>
-              <a:rPr lang="en-US" dirty="0"/>
-              <a:t>: reset DBCLI into initial state</a:t>
-            </a:r>
-          </a:p>
-          <a:p>
-            <a:r>
-              <a:rPr lang="en-US" dirty="0"/>
-              <a:t>Command </a:t>
-            </a:r>
-            <a:r>
-              <a:rPr lang="en-US" b="1" dirty="0">
-                <a:solidFill>
-                  <a:schemeClr val="accent1">
-                    <a:lumMod val="75000"/>
-                  </a:schemeClr>
-                </a:solidFill>
-              </a:rPr>
-              <a:t>keymap</a:t>
-            </a:r>
-            <a:r>
-              <a:rPr lang="en-US" dirty="0"/>
-              <a:t>: show or define keymap</a:t>
-            </a:r>
-          </a:p>
-          <a:p>
-            <a:r>
-              <a:rPr lang="en-US" dirty="0"/>
-              <a:t>Command </a:t>
-            </a:r>
-            <a:r>
-              <a:rPr lang="en-US" b="1" dirty="0">
-                <a:solidFill>
-                  <a:schemeClr val="accent1">
-                    <a:lumMod val="75000"/>
-                  </a:schemeClr>
-                </a:solidFill>
-              </a:rPr>
-              <a:t>search</a:t>
-            </a:r>
-            <a:r>
-              <a:rPr lang="en-US" dirty="0"/>
-              <a:t>: search all source code and print the lines that match the input keyword</a:t>
-            </a:r>
-          </a:p>
-          <a:p>
-            <a:r>
-              <a:rPr lang="en-US" dirty="0"/>
-              <a:t>Some SQL*Plus commands:</a:t>
-            </a:r>
-          </a:p>
-          <a:p>
-            <a:pPr lvl="1"/>
-            <a:r>
-              <a:rPr lang="en-US" dirty="0"/>
-              <a:t>CONNECT or CONN</a:t>
-            </a:r>
-          </a:p>
-          <a:p>
-            <a:pPr lvl="1"/>
-            <a:r>
-              <a:rPr lang="en-US" dirty="0"/>
-              <a:t>DISCONNECT or DISC</a:t>
-            </a:r>
-          </a:p>
-          <a:p>
-            <a:pPr lvl="1"/>
-            <a:r>
-              <a:rPr lang="en-US" dirty="0"/>
-              <a:t>DESCRIBE or DESC</a:t>
-            </a:r>
-          </a:p>
-          <a:p>
-            <a:pPr lvl="1"/>
-            <a:r>
-              <a:rPr lang="en-US" dirty="0"/>
-              <a:t>ACCEPT or ACC</a:t>
-            </a:r>
-          </a:p>
-          <a:p>
-            <a:pPr lvl="1"/>
-            <a:r>
-              <a:rPr lang="en-US" dirty="0"/>
-              <a:t>HOST or !</a:t>
-            </a:r>
-          </a:p>
-          <a:p>
-            <a:pPr lvl="1"/>
-            <a:r>
-              <a:rPr lang="en-US" dirty="0"/>
-              <a:t>PRINT  or PRI</a:t>
-            </a:r>
-          </a:p>
-          <a:p>
-            <a:pPr lvl="1"/>
-            <a:r>
-              <a:rPr lang="en-US" dirty="0"/>
-              <a:t>SPOOL or SPO</a:t>
-            </a:r>
-          </a:p>
-          <a:p>
-            <a:pPr lvl="1"/>
-            <a:r>
-              <a:rPr lang="en-US" dirty="0"/>
-              <a:t>SAVE</a:t>
-            </a:r>
-          </a:p>
-          <a:p>
-            <a:pPr lvl="1"/>
-            <a:r>
-              <a:rPr lang="en-US" dirty="0"/>
-              <a:t>ED or EDIT</a:t>
-            </a:r>
-          </a:p>
-          <a:p>
-            <a:pPr lvl="1"/>
-            <a:r>
-              <a:rPr lang="en-US" dirty="0"/>
-              <a:t>/ or r</a:t>
-            </a:r>
-          </a:p>
-          <a:p>
-            <a:r>
-              <a:rPr lang="en-US" dirty="0"/>
-              <a:t>Type help –a or set for more commands</a:t>
-            </a:r>
-          </a:p>
-        </p:txBody>
-      </p:sp>
-    </p:spTree>
-    <p:extLst>
-      <p:ext uri="{BB962C8B-B14F-4D97-AF65-F5344CB8AC3E}">
-        <p14:creationId xmlns:p14="http://schemas.microsoft.com/office/powerpoint/2010/main" val="1759693774"/>
-      </p:ext>
-    </p:extLst>
-  </p:cSld>
-  <p:clrMapOvr>
-    <a:masterClrMapping/>
-  </p:clrMapOvr>
-</p:sld>
-</file>
-
 <file path=ppt/slides/slide38.xml><?xml version="1.0" encoding="utf-8"?>
 <p:sld xmlns:a="http://schemas.openxmlformats.org/drawingml/2006/main" xmlns:r="http://schemas.openxmlformats.org/officeDocument/2006/relationships" xmlns:p="http://schemas.openxmlformats.org/presentationml/2006/main">
   <p:cSld>
@@ -15988,7 +15962,7 @@
           <p:cNvPr id="2" name="标题 1">
             <a:extLst>
               <a:ext uri="{FF2B5EF4-FFF2-40B4-BE49-F238E27FC236}">
-                <a16:creationId xmlns:a16="http://schemas.microsoft.com/office/drawing/2014/main" id="{103ADC8E-7DB0-4A5F-B20A-213DEBB09B8B}"/>
+                <a16:creationId xmlns:a16="http://schemas.microsoft.com/office/drawing/2014/main" id="{C8B29B6C-C00C-4E0D-8CA1-E9219B16D778}"/>
               </a:ext>
             </a:extLst>
           </p:cNvPr>
@@ -16001,52 +15975,54 @@
         </p:nvSpPr>
         <p:spPr>
           <a:xfrm>
-            <a:off x="838200" y="107217"/>
-            <a:ext cx="10515600" cy="760291"/>
-          </a:xfrm>
-        </p:spPr>
-        <p:txBody>
-          <a:bodyPr/>
-          <a:lstStyle/>
-          <a:p>
-            <a:r>
-              <a:rPr lang="en-US" dirty="0"/>
-              <a:t>Scripting Engines</a:t>
-            </a:r>
-          </a:p>
-        </p:txBody>
-      </p:sp>
-      <p:sp>
-        <p:nvSpPr>
-          <p:cNvPr id="3" name="内容占位符 2">
-            <a:extLst>
-              <a:ext uri="{FF2B5EF4-FFF2-40B4-BE49-F238E27FC236}">
-                <a16:creationId xmlns:a16="http://schemas.microsoft.com/office/drawing/2014/main" id="{12A8C3A4-5FC5-430E-84E9-939E6E40B8FF}"/>
-              </a:ext>
-            </a:extLst>
-          </p:cNvPr>
-          <p:cNvSpPr>
-            <a:spLocks noGrp="1"/>
-          </p:cNvSpPr>
-          <p:nvPr>
-            <p:ph idx="1"/>
-          </p:nvPr>
-        </p:nvSpPr>
-        <p:spPr>
-          <a:xfrm>
-            <a:off x="838200" y="976923"/>
-            <a:ext cx="10515600" cy="5541107"/>
+            <a:off x="838200" y="171938"/>
+            <a:ext cx="10515600" cy="509100"/>
           </a:xfrm>
         </p:spPr>
         <p:txBody>
           <a:bodyPr>
-            <a:normAutofit fontScale="55000" lnSpcReduction="20000"/>
+            <a:normAutofit fontScale="90000"/>
           </a:bodyPr>
           <a:lstStyle/>
           <a:p>
             <a:r>
               <a:rPr lang="en-US" dirty="0"/>
-              <a:t>Input parameter names are from </a:t>
+              <a:t>Common Utility - Others</a:t>
+            </a:r>
+          </a:p>
+        </p:txBody>
+      </p:sp>
+      <p:sp>
+        <p:nvSpPr>
+          <p:cNvPr id="3" name="内容占位符 2">
+            <a:extLst>
+              <a:ext uri="{FF2B5EF4-FFF2-40B4-BE49-F238E27FC236}">
+                <a16:creationId xmlns:a16="http://schemas.microsoft.com/office/drawing/2014/main" id="{54B2F075-356C-4966-AF72-A32E6D5B796E}"/>
+              </a:ext>
+            </a:extLst>
+          </p:cNvPr>
+          <p:cNvSpPr>
+            <a:spLocks noGrp="1"/>
+          </p:cNvSpPr>
+          <p:nvPr>
+            <p:ph idx="1"/>
+          </p:nvPr>
+        </p:nvSpPr>
+        <p:spPr>
+          <a:xfrm>
+            <a:off x="838200" y="789354"/>
+            <a:ext cx="10515600" cy="4468446"/>
+          </a:xfrm>
+        </p:spPr>
+        <p:txBody>
+          <a:bodyPr>
+            <a:normAutofit fontScale="62500" lnSpcReduction="20000"/>
+          </a:bodyPr>
+          <a:lstStyle/>
+          <a:p>
+            <a:r>
+              <a:rPr lang="en-US" dirty="0"/>
+              <a:t>Command </a:t>
             </a:r>
             <a:r>
               <a:rPr lang="en-US" b="1" dirty="0">
@@ -16056,39 +16032,57 @@
                   </a:schemeClr>
                 </a:solidFill>
               </a:rPr>
-              <a:t>:V1</a:t>
-            </a:r>
-            <a:r>
-              <a:rPr lang="en-US" dirty="0"/>
-              <a:t>(or </a:t>
-            </a:r>
-            <a:r>
-              <a:rPr lang="en-US" altLang="zh-CN" dirty="0">
+              <a:t>clear</a:t>
+            </a:r>
+            <a:r>
+              <a:rPr lang="en-US" dirty="0"/>
+              <a:t>: clear screen</a:t>
+            </a:r>
+          </a:p>
+          <a:p>
+            <a:r>
+              <a:rPr lang="en-US" dirty="0"/>
+              <a:t>Command </a:t>
+            </a:r>
+            <a:r>
+              <a:rPr lang="en-US" b="1" dirty="0">
                 <a:solidFill>
                   <a:schemeClr val="accent1">
                     <a:lumMod val="75000"/>
                   </a:schemeClr>
                 </a:solidFill>
               </a:rPr>
-              <a:t>&amp;V1</a:t>
-            </a:r>
-            <a:r>
-              <a:rPr lang="en-US" dirty="0"/>
-              <a:t>) to </a:t>
-            </a:r>
-            <a:r>
-              <a:rPr lang="en-US" dirty="0">
+              <a:t>reload</a:t>
+            </a:r>
+            <a:r>
+              <a:rPr lang="en-US" dirty="0"/>
+              <a:t>: reset DBCLI into initial state</a:t>
+            </a:r>
+          </a:p>
+          <a:p>
+            <a:r>
+              <a:rPr lang="en-US" dirty="0"/>
+              <a:t>Command </a:t>
+            </a:r>
+            <a:r>
+              <a:rPr lang="en-US" b="1" dirty="0">
                 <a:solidFill>
                   <a:schemeClr val="accent1">
                     <a:lumMod val="75000"/>
                   </a:schemeClr>
                 </a:solidFill>
               </a:rPr>
-              <a:t>:V20</a:t>
-            </a:r>
-            <a:r>
-              <a:rPr lang="en-US" dirty="0"/>
-              <a:t>(or </a:t>
+              <a:t>keymap</a:t>
+            </a:r>
+            <a:r>
+              <a:rPr lang="en-US" dirty="0"/>
+              <a:t>: show or define keymap</a:t>
+            </a:r>
+          </a:p>
+          <a:p>
+            <a:r>
+              <a:rPr lang="en-US" dirty="0"/>
+              <a:t>Command </a:t>
             </a:r>
             <a:r>
               <a:rPr lang="en-US" b="1" dirty="0">
@@ -16098,364 +16092,93 @@
                   </a:schemeClr>
                 </a:solidFill>
               </a:rPr>
-              <a:t>&amp;V20</a:t>
-            </a:r>
-            <a:r>
-              <a:rPr lang="en-US" dirty="0"/>
-              <a:t>) and case-insensitive, however SQL*Plus is &amp;1…</a:t>
-            </a:r>
-          </a:p>
-          <a:p>
-            <a:r>
-              <a:rPr lang="en-US" dirty="0"/>
-              <a:t>V1 to V20 are all default to null(empty string) and don’t ask mandatory input, however SQL*Plus will ask for input if not specified in the command line.</a:t>
-            </a:r>
-          </a:p>
-          <a:p>
-            <a:r>
-              <a:rPr lang="en-US" dirty="0"/>
-              <a:t>A variable value can be used as either substitution(</a:t>
-            </a:r>
-            <a:r>
-              <a:rPr lang="en-US" b="1" dirty="0">
-                <a:solidFill>
-                  <a:schemeClr val="accent1">
-                    <a:lumMod val="75000"/>
-                  </a:schemeClr>
-                </a:solidFill>
-              </a:rPr>
-              <a:t>&amp;var</a:t>
-            </a:r>
-            <a:r>
-              <a:rPr lang="en-US" dirty="0"/>
-              <a:t>) and  binding(</a:t>
-            </a:r>
-            <a:r>
-              <a:rPr lang="en-US" b="1" dirty="0">
-                <a:solidFill>
-                  <a:schemeClr val="accent1">
-                    <a:lumMod val="75000"/>
-                  </a:schemeClr>
-                </a:solidFill>
-              </a:rPr>
-              <a:t>:var</a:t>
-            </a:r>
-            <a:r>
-              <a:rPr lang="en-US" dirty="0"/>
-              <a:t>)</a:t>
-            </a:r>
-          </a:p>
-          <a:p>
-            <a:r>
-              <a:rPr lang="en-US" dirty="0"/>
-              <a:t>Either input parameter or variable can pre-define default value and options(</a:t>
-            </a:r>
-            <a:r>
-              <a:rPr lang="en-US" b="1" dirty="0">
-                <a:solidFill>
-                  <a:schemeClr val="accent1">
-                    <a:lumMod val="75000"/>
-                  </a:schemeClr>
-                </a:solidFill>
-              </a:rPr>
-              <a:t>-option</a:t>
-            </a:r>
-            <a:r>
-              <a:rPr lang="en-US" dirty="0"/>
-              <a:t>) in the script annotation part(sub-part of the documentation)</a:t>
-            </a:r>
-          </a:p>
-          <a:p>
-            <a:r>
-              <a:rPr lang="en-US" dirty="0"/>
-              <a:t>If an input parameter is dot(</a:t>
-            </a:r>
-            <a:r>
-              <a:rPr lang="en-US" b="1" dirty="0">
-                <a:solidFill>
-                  <a:schemeClr val="accent1">
-                    <a:lumMod val="75000"/>
-                  </a:schemeClr>
-                </a:solidFill>
-              </a:rPr>
-              <a:t>.</a:t>
-            </a:r>
-            <a:r>
-              <a:rPr lang="en-US" dirty="0"/>
-              <a:t>), it means using the default value</a:t>
-            </a:r>
-          </a:p>
-          <a:p>
-            <a:r>
-              <a:rPr lang="en-US" dirty="0"/>
-              <a:t>3 switches can be defined in the annotation part and can be treated as variables: </a:t>
+              <a:t>search</a:t>
+            </a:r>
+            <a:r>
+              <a:rPr lang="en-US" dirty="0"/>
+              <a:t>: search all source code and print the lines that match the input keyword</a:t>
+            </a:r>
+          </a:p>
+          <a:p>
+            <a:r>
+              <a:rPr lang="en-US" dirty="0"/>
+              <a:t>Some SQL*Plus commands:</a:t>
             </a:r>
           </a:p>
           <a:p>
             <a:pPr lvl="1"/>
             <a:r>
               <a:rPr lang="en-US" dirty="0"/>
-              <a:t>Privilege switch(</a:t>
-            </a:r>
-            <a:r>
-              <a:rPr lang="en-US" b="1" dirty="0">
-                <a:solidFill>
-                  <a:schemeClr val="accent1">
-                    <a:lumMod val="75000"/>
-                  </a:schemeClr>
-                </a:solidFill>
-              </a:rPr>
-              <a:t>@</a:t>
-            </a:r>
-            <a:r>
-              <a:rPr lang="en-US" b="1" dirty="0" err="1">
-                <a:solidFill>
-                  <a:schemeClr val="accent1">
-                    <a:lumMod val="75000"/>
-                  </a:schemeClr>
-                </a:solidFill>
-              </a:rPr>
-              <a:t>check_access_</a:t>
-            </a:r>
-            <a:r>
-              <a:rPr lang="en-US" dirty="0" err="1"/>
-              <a:t>xxx</a:t>
-            </a:r>
-            <a:r>
-              <a:rPr lang="en-US" dirty="0"/>
-              <a:t>): auto-choose the first value that matches the required access right</a:t>
+              <a:t>CONNECT or CONN</a:t>
             </a:r>
           </a:p>
           <a:p>
             <a:pPr lvl="1"/>
             <a:r>
               <a:rPr lang="en-US" dirty="0"/>
-              <a:t>User switch(</a:t>
-            </a:r>
-            <a:r>
-              <a:rPr lang="en-US" b="1" dirty="0">
-                <a:solidFill>
-                  <a:schemeClr val="accent1">
-                    <a:lumMod val="75000"/>
-                  </a:schemeClr>
-                </a:solidFill>
-              </a:rPr>
-              <a:t>@</a:t>
-            </a:r>
-            <a:r>
-              <a:rPr lang="en-US" b="1" dirty="0" err="1">
-                <a:solidFill>
-                  <a:schemeClr val="accent1">
-                    <a:lumMod val="75000"/>
-                  </a:schemeClr>
-                </a:solidFill>
-              </a:rPr>
-              <a:t>check_user_</a:t>
-            </a:r>
-            <a:r>
-              <a:rPr lang="en-US" dirty="0" err="1"/>
-              <a:t>xxx</a:t>
-            </a:r>
-            <a:r>
-              <a:rPr lang="en-US" dirty="0"/>
-              <a:t>): auto-choose the first value that login user matches  the required user</a:t>
+              <a:t>DISCONNECT or DISC</a:t>
             </a:r>
           </a:p>
           <a:p>
             <a:pPr lvl="1"/>
             <a:r>
               <a:rPr lang="en-US" dirty="0"/>
-              <a:t>Version switch (@other): auto-choose the first value that matches the require db version</a:t>
+              <a:t>DESCRIBE or DESC</a:t>
             </a:r>
           </a:p>
           <a:p>
             <a:pPr lvl="1"/>
             <a:r>
               <a:rPr lang="en-US" dirty="0"/>
-              <a:t>If  the “</a:t>
-            </a:r>
-            <a:r>
-              <a:rPr lang="en-US" b="1" dirty="0">
-                <a:solidFill>
-                  <a:schemeClr val="accent1">
-                    <a:lumMod val="75000"/>
-                  </a:schemeClr>
-                </a:solidFill>
-              </a:rPr>
-              <a:t>default</a:t>
-            </a:r>
-            <a:r>
-              <a:rPr lang="en-US" dirty="0"/>
-              <a:t>” option is not defined in a switch annotation and current login user cannot match any requirement, then the script will exit with an error </a:t>
-            </a:r>
-          </a:p>
-          <a:p>
-            <a:r>
-              <a:rPr lang="en-US" dirty="0"/>
-              <a:t>The life cycle of the VAR/DEFINE/SET settings are script-locally, and don’t affect the global level settings, however in SQL*Plus those are all global, which can mess the variables of different scripts.</a:t>
-            </a:r>
-          </a:p>
-          <a:p>
-            <a:r>
-              <a:rPr lang="en-US" dirty="0"/>
-              <a:t>Engines:</a:t>
+              <a:t>ACCEPT or ACC</a:t>
             </a:r>
           </a:p>
           <a:p>
             <a:pPr lvl="1"/>
             <a:r>
               <a:rPr lang="en-US" dirty="0"/>
-              <a:t>SQL*Plus-style engine: does not support all SQL*Plus syntax, but supports all commands that dbcli provides(</a:t>
-            </a:r>
-            <a:r>
-              <a:rPr lang="en-US" b="1" dirty="0">
-                <a:solidFill>
-                  <a:schemeClr val="accent1">
-                    <a:lumMod val="75000"/>
-                  </a:schemeClr>
-                </a:solidFill>
-              </a:rPr>
-              <a:t>help -a </a:t>
-            </a:r>
-            <a:r>
-              <a:rPr lang="en-US" dirty="0"/>
-              <a:t>to list all supported commands)</a:t>
-            </a:r>
-          </a:p>
-          <a:p>
-            <a:pPr lvl="2"/>
-            <a:r>
-              <a:rPr lang="en-US" b="1" dirty="0">
-                <a:solidFill>
-                  <a:schemeClr val="accent1">
-                    <a:lumMod val="75000"/>
-                  </a:schemeClr>
-                </a:solidFill>
-              </a:rPr>
-              <a:t>Show</a:t>
-            </a:r>
-            <a:r>
-              <a:rPr lang="en-US" dirty="0"/>
-              <a:t>:  Executes the pre-defined scripts that don’t require any input parameter</a:t>
-            </a:r>
-          </a:p>
-          <a:p>
-            <a:pPr lvl="2"/>
-            <a:r>
-              <a:rPr lang="en-US" b="1" dirty="0">
-                <a:solidFill>
-                  <a:schemeClr val="accent1">
-                    <a:lumMod val="75000"/>
-                  </a:schemeClr>
-                </a:solidFill>
-              </a:rPr>
-              <a:t>Ora</a:t>
-            </a:r>
-            <a:r>
-              <a:rPr lang="en-US" dirty="0"/>
-              <a:t>: Executes the pre-defined scripts that accept parameters</a:t>
-            </a:r>
-          </a:p>
-          <a:p>
-            <a:pPr lvl="2"/>
-            <a:r>
-              <a:rPr lang="en-US" b="1" dirty="0">
-                <a:solidFill>
-                  <a:schemeClr val="accent1">
-                    <a:lumMod val="75000"/>
-                  </a:schemeClr>
-                </a:solidFill>
-              </a:rPr>
-              <a:t>SYS</a:t>
-            </a:r>
-            <a:r>
-              <a:rPr lang="en-US" dirty="0"/>
-              <a:t>: Similar to Ora, but executes the pre-defined scripts that refer to x$ table</a:t>
-            </a:r>
-          </a:p>
-          <a:p>
-            <a:pPr lvl="2"/>
-            <a:r>
-              <a:rPr lang="en-US" b="1" dirty="0">
-                <a:solidFill>
-                  <a:schemeClr val="accent1">
-                    <a:lumMod val="75000"/>
-                  </a:schemeClr>
-                </a:solidFill>
-              </a:rPr>
-              <a:t>EXA</a:t>
-            </a:r>
-            <a:r>
-              <a:rPr lang="en-US" dirty="0"/>
-              <a:t>: Similar to Ora, but executes the pre-defined scripts that to query Exadata information</a:t>
+              <a:t>HOST or !</a:t>
             </a:r>
           </a:p>
           <a:p>
             <a:pPr lvl="1"/>
             <a:r>
               <a:rPr lang="en-US" dirty="0"/>
-              <a:t>Snapper engine(</a:t>
-            </a:r>
-            <a:r>
-              <a:rPr lang="en-US" b="1" dirty="0">
-                <a:solidFill>
-                  <a:schemeClr val="accent1">
-                    <a:lumMod val="75000"/>
-                  </a:schemeClr>
-                </a:solidFill>
-              </a:rPr>
-              <a:t>snap</a:t>
-            </a:r>
-            <a:r>
-              <a:rPr lang="en-US" dirty="0"/>
-              <a:t>):</a:t>
-            </a:r>
-            <a:r>
-              <a:rPr lang="zh-CN" altLang="en-US" dirty="0"/>
-              <a:t> </a:t>
-            </a:r>
-            <a:r>
-              <a:rPr lang="en-US" altLang="zh-CN" dirty="0"/>
-              <a:t>JSON/Lua format, to compute the delta values of the same queries in a specific period, support Linux top-style output</a:t>
+              <a:t>PRINT  or PRI</a:t>
             </a:r>
           </a:p>
           <a:p>
             <a:pPr lvl="1"/>
             <a:r>
               <a:rPr lang="en-US" dirty="0"/>
-              <a:t>Graphing engine(</a:t>
-            </a:r>
-            <a:r>
-              <a:rPr lang="en-US" b="1" dirty="0">
-                <a:solidFill>
-                  <a:schemeClr val="accent1">
-                    <a:lumMod val="75000"/>
-                  </a:schemeClr>
-                </a:solidFill>
-              </a:rPr>
-              <a:t>chart/</a:t>
-            </a:r>
-            <a:r>
-              <a:rPr lang="en-US" b="1" dirty="0" err="1">
-                <a:solidFill>
-                  <a:schemeClr val="accent1">
-                    <a:lumMod val="75000"/>
-                  </a:schemeClr>
-                </a:solidFill>
-              </a:rPr>
-              <a:t>ch</a:t>
-            </a:r>
-            <a:r>
-              <a:rPr lang="en-US" dirty="0"/>
-              <a:t>): </a:t>
-            </a:r>
-            <a:r>
-              <a:rPr lang="en-US" altLang="zh-CN" dirty="0"/>
-              <a:t>JSON/Lua format, to</a:t>
-            </a:r>
-            <a:r>
-              <a:rPr lang="en-US" dirty="0"/>
-              <a:t> generate line/bar chart of the time-series data, mainly used on AWR data</a:t>
+              <a:t>SPOOL or SPO</a:t>
+            </a:r>
+          </a:p>
+          <a:p>
+            <a:pPr lvl="1"/>
+            <a:r>
+              <a:rPr lang="en-US" dirty="0"/>
+              <a:t>SAVE</a:t>
+            </a:r>
+          </a:p>
+          <a:p>
+            <a:pPr lvl="1"/>
+            <a:r>
+              <a:rPr lang="en-US" dirty="0"/>
+              <a:t>ED or EDIT</a:t>
+            </a:r>
+          </a:p>
+          <a:p>
+            <a:pPr lvl="1"/>
+            <a:r>
+              <a:rPr lang="en-US" dirty="0"/>
+              <a:t>/ or r</a:t>
+            </a:r>
+          </a:p>
+          <a:p>
+            <a:r>
+              <a:rPr lang="en-US" dirty="0"/>
+              <a:t>Type help –a or set for more commands</a:t>
             </a:r>
           </a:p>
         </p:txBody>
@@ -16463,7 +16186,7 @@
     </p:spTree>
     <p:extLst>
       <p:ext uri="{BB962C8B-B14F-4D97-AF65-F5344CB8AC3E}">
-        <p14:creationId xmlns:p14="http://schemas.microsoft.com/office/powerpoint/2010/main" val="1687118102"/>
+        <p14:creationId xmlns:p14="http://schemas.microsoft.com/office/powerpoint/2010/main" val="1759693774"/>
       </p:ext>
     </p:extLst>
   </p:cSld>
@@ -16495,7 +16218,7 @@
           <p:cNvPr id="2" name="标题 1">
             <a:extLst>
               <a:ext uri="{FF2B5EF4-FFF2-40B4-BE49-F238E27FC236}">
-                <a16:creationId xmlns:a16="http://schemas.microsoft.com/office/drawing/2014/main" id="{62074AD1-1FE7-4190-9345-65532ED6F564}"/>
+                <a16:creationId xmlns:a16="http://schemas.microsoft.com/office/drawing/2014/main" id="{103ADC8E-7DB0-4A5F-B20A-213DEBB09B8B}"/>
               </a:ext>
             </a:extLst>
           </p:cNvPr>
@@ -16508,65 +16231,52 @@
         </p:nvSpPr>
         <p:spPr>
           <a:xfrm>
-            <a:off x="838200" y="156308"/>
-            <a:ext cx="10515600" cy="593970"/>
+            <a:off x="838200" y="107217"/>
+            <a:ext cx="10515600" cy="760291"/>
+          </a:xfrm>
+        </p:spPr>
+        <p:txBody>
+          <a:bodyPr/>
+          <a:lstStyle/>
+          <a:p>
+            <a:r>
+              <a:rPr lang="en-US" dirty="0"/>
+              <a:t>Scripting Engines</a:t>
+            </a:r>
+          </a:p>
+        </p:txBody>
+      </p:sp>
+      <p:sp>
+        <p:nvSpPr>
+          <p:cNvPr id="3" name="内容占位符 2">
+            <a:extLst>
+              <a:ext uri="{FF2B5EF4-FFF2-40B4-BE49-F238E27FC236}">
+                <a16:creationId xmlns:a16="http://schemas.microsoft.com/office/drawing/2014/main" id="{12A8C3A4-5FC5-430E-84E9-939E6E40B8FF}"/>
+              </a:ext>
+            </a:extLst>
+          </p:cNvPr>
+          <p:cNvSpPr>
+            <a:spLocks noGrp="1"/>
+          </p:cNvSpPr>
+          <p:nvPr>
+            <p:ph idx="1"/>
+          </p:nvPr>
+        </p:nvSpPr>
+        <p:spPr>
+          <a:xfrm>
+            <a:off x="838200" y="976923"/>
+            <a:ext cx="10515600" cy="5541107"/>
           </a:xfrm>
         </p:spPr>
         <p:txBody>
           <a:bodyPr>
-            <a:normAutofit fontScale="90000"/>
+            <a:normAutofit fontScale="55000" lnSpcReduction="20000"/>
           </a:bodyPr>
           <a:lstStyle/>
           <a:p>
             <a:r>
               <a:rPr lang="en-US" dirty="0"/>
-              <a:t>Common Pre-defined Scripts (1)</a:t>
-            </a:r>
-          </a:p>
-        </p:txBody>
-      </p:sp>
-      <p:sp>
-        <p:nvSpPr>
-          <p:cNvPr id="3" name="内容占位符 2">
-            <a:extLst>
-              <a:ext uri="{FF2B5EF4-FFF2-40B4-BE49-F238E27FC236}">
-                <a16:creationId xmlns:a16="http://schemas.microsoft.com/office/drawing/2014/main" id="{0F62E6C0-2DDF-4F51-A1B5-1DA4F66A4097}"/>
-              </a:ext>
-            </a:extLst>
-          </p:cNvPr>
-          <p:cNvSpPr>
-            <a:spLocks noGrp="1"/>
-          </p:cNvSpPr>
-          <p:nvPr>
-            <p:ph idx="1"/>
-          </p:nvPr>
-        </p:nvSpPr>
-        <p:spPr>
-          <a:xfrm>
-            <a:off x="838200" y="859692"/>
-            <a:ext cx="10515600" cy="5841999"/>
-          </a:xfrm>
-        </p:spPr>
-        <p:txBody>
-          <a:bodyPr>
-            <a:normAutofit fontScale="40000" lnSpcReduction="20000"/>
-          </a:bodyPr>
-          <a:lstStyle/>
-          <a:p>
-            <a:pPr marL="0" indent="0">
-              <a:buNone/>
-            </a:pPr>
-            <a:r>
-              <a:rPr lang="en-US" b="1" dirty="0">
-                <a:solidFill>
-                  <a:srgbClr val="FF0000"/>
-                </a:solidFill>
-              </a:rPr>
-              <a:t>*  Note</a:t>
-            </a:r>
-            <a:r>
-              <a:rPr lang="en-US" b="1" dirty="0"/>
-              <a:t>: </a:t>
+              <a:t>Input parameter names are from </a:t>
             </a:r>
             <a:r>
               <a:rPr lang="en-US" b="1" dirty="0">
@@ -16576,826 +16286,414 @@
                   </a:schemeClr>
                 </a:solidFill>
               </a:rPr>
-              <a:t>[…]</a:t>
-            </a:r>
-            <a:r>
-              <a:rPr lang="en-US" b="1" dirty="0"/>
-              <a:t> means optional, </a:t>
+              <a:t>:V1</a:t>
+            </a:r>
+            <a:r>
+              <a:rPr lang="en-US" dirty="0"/>
+              <a:t>(or </a:t>
+            </a:r>
+            <a:r>
+              <a:rPr lang="en-US" altLang="zh-CN" dirty="0">
+                <a:solidFill>
+                  <a:schemeClr val="accent1">
+                    <a:lumMod val="75000"/>
+                  </a:schemeClr>
+                </a:solidFill>
+              </a:rPr>
+              <a:t>&amp;V1</a:t>
+            </a:r>
+            <a:r>
+              <a:rPr lang="en-US" dirty="0"/>
+              <a:t>) to </a:t>
+            </a:r>
+            <a:r>
+              <a:rPr lang="en-US" dirty="0">
+                <a:solidFill>
+                  <a:schemeClr val="accent1">
+                    <a:lumMod val="75000"/>
+                  </a:schemeClr>
+                </a:solidFill>
+              </a:rPr>
+              <a:t>:V20</a:t>
+            </a:r>
+            <a:r>
+              <a:rPr lang="en-US" dirty="0"/>
+              <a:t>(or </a:t>
             </a:r>
             <a:r>
               <a:rPr lang="en-US" b="1" dirty="0">
                 <a:solidFill>
-                  <a:srgbClr val="0070C0"/>
-                </a:solidFill>
-              </a:rPr>
-              <a:t>|</a:t>
-            </a:r>
-            <a:r>
-              <a:rPr lang="en-US" b="1" dirty="0"/>
-              <a:t> means “OR”</a:t>
-            </a:r>
-          </a:p>
-          <a:p>
-            <a:r>
-              <a:rPr lang="en-US" sz="2300" dirty="0">
-                <a:latin typeface="Courier New" panose="02070309020205020404" pitchFamily="49" charset="0"/>
-                <a:cs typeface="Courier New" panose="02070309020205020404" pitchFamily="49" charset="0"/>
-              </a:rPr>
-              <a:t>top [interval] [-</a:t>
-            </a:r>
-            <a:r>
-              <a:rPr lang="en-US" sz="2300" dirty="0" err="1">
-                <a:latin typeface="Courier New" panose="02070309020205020404" pitchFamily="49" charset="0"/>
-                <a:cs typeface="Courier New" panose="02070309020205020404" pitchFamily="49" charset="0"/>
-              </a:rPr>
-              <a:t>iostat</a:t>
-            </a:r>
-            <a:r>
-              <a:rPr lang="en-US" sz="2300" dirty="0">
-                <a:latin typeface="Courier New" panose="02070309020205020404" pitchFamily="49" charset="0"/>
-                <a:cs typeface="Courier New" panose="02070309020205020404" pitchFamily="49" charset="0"/>
-              </a:rPr>
-              <a:t>|-latch] [-</a:t>
-            </a:r>
-            <a:r>
-              <a:rPr lang="en-US" sz="2300" dirty="0" err="1">
-                <a:latin typeface="Courier New" panose="02070309020205020404" pitchFamily="49" charset="0"/>
-                <a:cs typeface="Courier New" panose="02070309020205020404" pitchFamily="49" charset="0"/>
-              </a:rPr>
-              <a:t>filestat</a:t>
-            </a:r>
-            <a:r>
-              <a:rPr lang="en-US" sz="2300" dirty="0">
-                <a:latin typeface="Courier New" panose="02070309020205020404" pitchFamily="49" charset="0"/>
-                <a:cs typeface="Courier New" panose="02070309020205020404" pitchFamily="49" charset="0"/>
-              </a:rPr>
-              <a:t>]: monitor db stats with specific interval, default is 10 seconds</a:t>
-            </a:r>
-          </a:p>
-          <a:p>
-            <a:r>
-              <a:rPr lang="en-US" sz="2300" dirty="0" err="1">
-                <a:latin typeface="Courier New" panose="02070309020205020404" pitchFamily="49" charset="0"/>
-                <a:cs typeface="Courier New" panose="02070309020205020404" pitchFamily="49" charset="0"/>
-              </a:rPr>
-              <a:t>cellio</a:t>
-            </a:r>
-            <a:r>
-              <a:rPr lang="en-US" sz="2300" dirty="0">
-                <a:latin typeface="Courier New" panose="02070309020205020404" pitchFamily="49" charset="0"/>
-                <a:cs typeface="Courier New" panose="02070309020205020404" pitchFamily="49" charset="0"/>
-              </a:rPr>
-              <a:t> [interval] </a:t>
-            </a:r>
-            <a:r>
-              <a:rPr lang="nb-NO" sz="2300" dirty="0">
-                <a:latin typeface="Courier New" panose="02070309020205020404" pitchFamily="49" charset="0"/>
-                <a:cs typeface="Courier New" panose="02070309020205020404" pitchFamily="49" charset="0"/>
-              </a:rPr>
-              <a:t>[-pred|-cc|-db] [-cell] [-diskio] </a:t>
-            </a:r>
-            <a:r>
-              <a:rPr lang="en-US" sz="2300" dirty="0">
-                <a:latin typeface="Courier New" panose="02070309020205020404" pitchFamily="49" charset="0"/>
-                <a:cs typeface="Courier New" panose="02070309020205020404" pitchFamily="49" charset="0"/>
-              </a:rPr>
-              <a:t>: monitor Exadata cell stats with specific interval, default is 20 seconds</a:t>
-            </a:r>
-          </a:p>
-          <a:p>
-            <a:r>
-              <a:rPr lang="en-US" sz="2300" dirty="0">
-                <a:latin typeface="Courier New" panose="02070309020205020404" pitchFamily="49" charset="0"/>
-                <a:cs typeface="Courier New" panose="02070309020205020404" pitchFamily="49" charset="0"/>
-              </a:rPr>
-              <a:t>Exa cell: show Exadata information</a:t>
-            </a:r>
-          </a:p>
-          <a:p>
-            <a:r>
-              <a:rPr lang="en-US" sz="2300" dirty="0">
-                <a:latin typeface="Courier New" panose="02070309020205020404" pitchFamily="49" charset="0"/>
-                <a:cs typeface="Courier New" panose="02070309020205020404" pitchFamily="49" charset="0"/>
-              </a:rPr>
-              <a:t>Ora/sys param &lt;keyword&gt;: show parameters that match the keyword</a:t>
-            </a:r>
-          </a:p>
-          <a:p>
-            <a:r>
-              <a:rPr lang="en-US" sz="2300" dirty="0">
-                <a:latin typeface="Courier New" panose="02070309020205020404" pitchFamily="49" charset="0"/>
-                <a:cs typeface="Courier New" panose="02070309020205020404" pitchFamily="49" charset="0"/>
-              </a:rPr>
-              <a:t>Ora tbs [&lt;</a:t>
-            </a:r>
-            <a:r>
-              <a:rPr lang="en-US" sz="2300" dirty="0" err="1">
-                <a:latin typeface="Courier New" panose="02070309020205020404" pitchFamily="49" charset="0"/>
-                <a:cs typeface="Courier New" panose="02070309020205020404" pitchFamily="49" charset="0"/>
-              </a:rPr>
-              <a:t>tablespace_name</a:t>
-            </a:r>
-            <a:r>
-              <a:rPr lang="en-US" sz="2300" dirty="0">
-                <a:latin typeface="Courier New" panose="02070309020205020404" pitchFamily="49" charset="0"/>
-                <a:cs typeface="Courier New" panose="02070309020205020404" pitchFamily="49" charset="0"/>
-              </a:rPr>
-              <a:t>&gt;]: show tablespace usages</a:t>
-            </a:r>
-          </a:p>
-          <a:p>
-            <a:r>
-              <a:rPr lang="en-US" sz="2300" dirty="0">
-                <a:latin typeface="Courier New" panose="02070309020205020404" pitchFamily="49" charset="0"/>
-                <a:cs typeface="Courier New" panose="02070309020205020404" pitchFamily="49" charset="0"/>
-              </a:rPr>
-              <a:t>ora actives [-b|-p|-m]: list active SQLs</a:t>
-            </a:r>
-          </a:p>
-          <a:p>
-            <a:r>
-              <a:rPr lang="en-US" sz="2300" dirty="0">
-                <a:latin typeface="Courier New" panose="02070309020205020404" pitchFamily="49" charset="0"/>
-                <a:cs typeface="Courier New" panose="02070309020205020404" pitchFamily="49" charset="0"/>
-              </a:rPr>
-              <a:t>ora plan &lt;</a:t>
-            </a:r>
-            <a:r>
-              <a:rPr lang="en-US" sz="2300" dirty="0" err="1">
-                <a:latin typeface="Courier New" panose="02070309020205020404" pitchFamily="49" charset="0"/>
-                <a:cs typeface="Courier New" panose="02070309020205020404" pitchFamily="49" charset="0"/>
-              </a:rPr>
-              <a:t>sql_id</a:t>
-            </a:r>
-            <a:r>
-              <a:rPr lang="en-US" sz="2300" dirty="0">
-                <a:latin typeface="Courier New" panose="02070309020205020404" pitchFamily="49" charset="0"/>
-                <a:cs typeface="Courier New" panose="02070309020205020404" pitchFamily="49" charset="0"/>
-              </a:rPr>
-              <a:t>&gt; &lt;</a:t>
-            </a:r>
-            <a:r>
-              <a:rPr lang="en-US" sz="2300" dirty="0" err="1">
-                <a:latin typeface="Courier New" panose="02070309020205020404" pitchFamily="49" charset="0"/>
-                <a:cs typeface="Courier New" panose="02070309020205020404" pitchFamily="49" charset="0"/>
-              </a:rPr>
-              <a:t>plan_hash_value</a:t>
-            </a:r>
-            <a:r>
-              <a:rPr lang="en-US" sz="2300" dirty="0">
-                <a:latin typeface="Courier New" panose="02070309020205020404" pitchFamily="49" charset="0"/>
-                <a:cs typeface="Courier New" panose="02070309020205020404" pitchFamily="49" charset="0"/>
-              </a:rPr>
-              <a:t>&gt;: show execution plan</a:t>
-            </a:r>
-          </a:p>
-          <a:p>
-            <a:r>
-              <a:rPr lang="en-US" sz="2300" dirty="0">
-                <a:latin typeface="Courier New" panose="02070309020205020404" pitchFamily="49" charset="0"/>
-                <a:cs typeface="Courier New" panose="02070309020205020404" pitchFamily="49" charset="0"/>
-              </a:rPr>
-              <a:t>ora sql &lt;</a:t>
-            </a:r>
-            <a:r>
-              <a:rPr lang="en-US" sz="2300" dirty="0" err="1">
-                <a:latin typeface="Courier New" panose="02070309020205020404" pitchFamily="49" charset="0"/>
-                <a:cs typeface="Courier New" panose="02070309020205020404" pitchFamily="49" charset="0"/>
-              </a:rPr>
-              <a:t>sql_id</a:t>
-            </a:r>
-            <a:r>
-              <a:rPr lang="en-US" sz="2300" dirty="0">
-                <a:latin typeface="Courier New" panose="02070309020205020404" pitchFamily="49" charset="0"/>
-                <a:cs typeface="Courier New" panose="02070309020205020404" pitchFamily="49" charset="0"/>
-              </a:rPr>
-              <a:t>&gt;: show SQL text and stats</a:t>
-            </a:r>
-          </a:p>
-          <a:p>
-            <a:r>
-              <a:rPr lang="en-US" sz="2300" dirty="0">
-                <a:latin typeface="Courier New" panose="02070309020205020404" pitchFamily="49" charset="0"/>
-                <a:cs typeface="Courier New" panose="02070309020205020404" pitchFamily="49" charset="0"/>
-              </a:rPr>
-              <a:t>Ora </a:t>
-            </a:r>
-            <a:r>
-              <a:rPr lang="en-US" sz="2300" dirty="0" err="1">
-                <a:latin typeface="Courier New" panose="02070309020205020404" pitchFamily="49" charset="0"/>
-                <a:cs typeface="Courier New" panose="02070309020205020404" pitchFamily="49" charset="0"/>
-              </a:rPr>
-              <a:t>sqlm</a:t>
-            </a:r>
-            <a:r>
-              <a:rPr lang="en-US" sz="2300" dirty="0">
-                <a:latin typeface="Courier New" panose="02070309020205020404" pitchFamily="49" charset="0"/>
-                <a:cs typeface="Courier New" panose="02070309020205020404" pitchFamily="49" charset="0"/>
-              </a:rPr>
-              <a:t> [&lt;</a:t>
-            </a:r>
-            <a:r>
-              <a:rPr lang="en-US" sz="2300" dirty="0" err="1">
-                <a:latin typeface="Courier New" panose="02070309020205020404" pitchFamily="49" charset="0"/>
-                <a:cs typeface="Courier New" panose="02070309020205020404" pitchFamily="49" charset="0"/>
-              </a:rPr>
-              <a:t>sql_id</a:t>
-            </a:r>
-            <a:r>
-              <a:rPr lang="en-US" sz="2300" dirty="0">
-                <a:latin typeface="Courier New" panose="02070309020205020404" pitchFamily="49" charset="0"/>
-                <a:cs typeface="Courier New" panose="02070309020205020404" pitchFamily="49" charset="0"/>
-              </a:rPr>
-              <a:t>&gt; [</a:t>
-            </a:r>
-            <a:r>
-              <a:rPr lang="en-US" sz="2300" dirty="0" err="1">
-                <a:latin typeface="Courier New" panose="02070309020205020404" pitchFamily="49" charset="0"/>
-                <a:cs typeface="Courier New" panose="02070309020205020404" pitchFamily="49" charset="0"/>
-              </a:rPr>
-              <a:t>sql_exec_id</a:t>
-            </a:r>
-            <a:r>
-              <a:rPr lang="en-US" sz="2300" dirty="0">
-                <a:latin typeface="Courier New" panose="02070309020205020404" pitchFamily="49" charset="0"/>
-                <a:cs typeface="Courier New" panose="02070309020205020404" pitchFamily="49" charset="0"/>
-              </a:rPr>
-              <a:t>][-l]]: show sql monitor list, or extract SQL Monitor report. Type ‘help ora </a:t>
-            </a:r>
-            <a:r>
-              <a:rPr lang="en-US" sz="2300" dirty="0" err="1">
-                <a:latin typeface="Courier New" panose="02070309020205020404" pitchFamily="49" charset="0"/>
-                <a:cs typeface="Courier New" panose="02070309020205020404" pitchFamily="49" charset="0"/>
-              </a:rPr>
-              <a:t>sqlm</a:t>
-            </a:r>
-            <a:r>
-              <a:rPr lang="en-US" sz="2300" dirty="0">
-                <a:latin typeface="Courier New" panose="02070309020205020404" pitchFamily="49" charset="0"/>
-                <a:cs typeface="Courier New" panose="02070309020205020404" pitchFamily="49" charset="0"/>
-              </a:rPr>
-              <a:t>’ for more usages.</a:t>
-            </a:r>
-          </a:p>
-          <a:p>
-            <a:r>
-              <a:rPr lang="en-US" sz="2300" dirty="0">
-                <a:latin typeface="Courier New" panose="02070309020205020404" pitchFamily="49" charset="0"/>
-                <a:cs typeface="Courier New" panose="02070309020205020404" pitchFamily="49" charset="0"/>
-              </a:rPr>
-              <a:t>Ora </a:t>
-            </a:r>
-            <a:r>
-              <a:rPr lang="en-US" sz="2300" dirty="0" err="1">
-                <a:latin typeface="Courier New" panose="02070309020205020404" pitchFamily="49" charset="0"/>
-                <a:cs typeface="Courier New" panose="02070309020205020404" pitchFamily="49" charset="0"/>
-              </a:rPr>
-              <a:t>ashplan</a:t>
-            </a:r>
-            <a:r>
-              <a:rPr lang="en-US" sz="2300" dirty="0">
-                <a:latin typeface="Courier New" panose="02070309020205020404" pitchFamily="49" charset="0"/>
-                <a:cs typeface="Courier New" panose="02070309020205020404" pitchFamily="49" charset="0"/>
-              </a:rPr>
-              <a:t> &lt;</a:t>
-            </a:r>
-            <a:r>
-              <a:rPr lang="en-US" sz="2300" dirty="0" err="1">
-                <a:latin typeface="Courier New" panose="02070309020205020404" pitchFamily="49" charset="0"/>
-                <a:cs typeface="Courier New" panose="02070309020205020404" pitchFamily="49" charset="0"/>
-              </a:rPr>
-              <a:t>sql_id</a:t>
-            </a:r>
-            <a:r>
-              <a:rPr lang="en-US" sz="2300" dirty="0">
-                <a:latin typeface="Courier New" panose="02070309020205020404" pitchFamily="49" charset="0"/>
-                <a:cs typeface="Courier New" panose="02070309020205020404" pitchFamily="49" charset="0"/>
-              </a:rPr>
-              <a:t>&gt; [</a:t>
-            </a:r>
-            <a:r>
-              <a:rPr lang="en-US" sz="2300" dirty="0" err="1">
-                <a:latin typeface="Courier New" panose="02070309020205020404" pitchFamily="49" charset="0"/>
-                <a:cs typeface="Courier New" panose="02070309020205020404" pitchFamily="49" charset="0"/>
-              </a:rPr>
-              <a:t>plan_hash_value</a:t>
-            </a:r>
-            <a:r>
-              <a:rPr lang="en-US" sz="2300" dirty="0">
-                <a:latin typeface="Courier New" panose="02070309020205020404" pitchFamily="49" charset="0"/>
-                <a:cs typeface="Courier New" panose="02070309020205020404" pitchFamily="49" charset="0"/>
-              </a:rPr>
-              <a:t>] [-dash]:</a:t>
-            </a:r>
-            <a:r>
-              <a:rPr lang="zh-CN" altLang="en-US" sz="2300" dirty="0">
-                <a:latin typeface="Courier New" panose="02070309020205020404" pitchFamily="49" charset="0"/>
-                <a:cs typeface="Courier New" panose="02070309020205020404" pitchFamily="49" charset="0"/>
-              </a:rPr>
+                  <a:schemeClr val="accent1">
+                    <a:lumMod val="75000"/>
+                  </a:schemeClr>
+                </a:solidFill>
+              </a:rPr>
+              <a:t>&amp;V20</a:t>
+            </a:r>
+            <a:r>
+              <a:rPr lang="en-US" dirty="0"/>
+              <a:t>) and case-insensitive, however SQL*Plus is &amp;1…</a:t>
+            </a:r>
+          </a:p>
+          <a:p>
+            <a:r>
+              <a:rPr lang="en-US" dirty="0"/>
+              <a:t>V1 to V20 are all default to null(empty string) and don’t ask mandatory input, however SQL*Plus will ask for input if not specified in the command line.</a:t>
+            </a:r>
+          </a:p>
+          <a:p>
+            <a:r>
+              <a:rPr lang="en-US" dirty="0"/>
+              <a:t>A variable value can be used as either substitution(</a:t>
+            </a:r>
+            <a:r>
+              <a:rPr lang="en-US" b="1" dirty="0">
+                <a:solidFill>
+                  <a:schemeClr val="accent1">
+                    <a:lumMod val="75000"/>
+                  </a:schemeClr>
+                </a:solidFill>
+              </a:rPr>
+              <a:t>&amp;var</a:t>
+            </a:r>
+            <a:r>
+              <a:rPr lang="en-US" dirty="0"/>
+              <a:t>) and  binding(</a:t>
+            </a:r>
+            <a:r>
+              <a:rPr lang="en-US" b="1" dirty="0">
+                <a:solidFill>
+                  <a:schemeClr val="accent1">
+                    <a:lumMod val="75000"/>
+                  </a:schemeClr>
+                </a:solidFill>
+              </a:rPr>
+              <a:t>:var</a:t>
+            </a:r>
+            <a:r>
+              <a:rPr lang="en-US" dirty="0"/>
+              <a:t>)</a:t>
+            </a:r>
+          </a:p>
+          <a:p>
+            <a:r>
+              <a:rPr lang="en-US" dirty="0"/>
+              <a:t>Either input parameter or variable can pre-define default value and options(</a:t>
+            </a:r>
+            <a:r>
+              <a:rPr lang="en-US" b="1" dirty="0">
+                <a:solidFill>
+                  <a:schemeClr val="accent1">
+                    <a:lumMod val="75000"/>
+                  </a:schemeClr>
+                </a:solidFill>
+              </a:rPr>
+              <a:t>-option</a:t>
+            </a:r>
+            <a:r>
+              <a:rPr lang="en-US" dirty="0"/>
+              <a:t>) in the script annotation part(sub-part of the documentation)</a:t>
+            </a:r>
+          </a:p>
+          <a:p>
+            <a:r>
+              <a:rPr lang="en-US" dirty="0"/>
+              <a:t>If an input parameter is dot(</a:t>
+            </a:r>
+            <a:r>
+              <a:rPr lang="en-US" b="1" dirty="0">
+                <a:solidFill>
+                  <a:schemeClr val="accent1">
+                    <a:lumMod val="75000"/>
+                  </a:schemeClr>
+                </a:solidFill>
+              </a:rPr>
+              <a:t>.</a:t>
+            </a:r>
+            <a:r>
+              <a:rPr lang="en-US" dirty="0"/>
+              <a:t>), it means using the default value</a:t>
+            </a:r>
+          </a:p>
+          <a:p>
+            <a:r>
+              <a:rPr lang="en-US" dirty="0"/>
+              <a:t>3 switches can be defined in the annotation part and can be treated as variables: </a:t>
+            </a:r>
+          </a:p>
+          <a:p>
+            <a:pPr lvl="1"/>
+            <a:r>
+              <a:rPr lang="en-US" dirty="0"/>
+              <a:t>Privilege switch(</a:t>
+            </a:r>
+            <a:r>
+              <a:rPr lang="en-US" b="1" dirty="0">
+                <a:solidFill>
+                  <a:schemeClr val="accent1">
+                    <a:lumMod val="75000"/>
+                  </a:schemeClr>
+                </a:solidFill>
+              </a:rPr>
+              <a:t>@</a:t>
+            </a:r>
+            <a:r>
+              <a:rPr lang="en-US" b="1" dirty="0" err="1">
+                <a:solidFill>
+                  <a:schemeClr val="accent1">
+                    <a:lumMod val="75000"/>
+                  </a:schemeClr>
+                </a:solidFill>
+              </a:rPr>
+              <a:t>check_access_</a:t>
+            </a:r>
+            <a:r>
+              <a:rPr lang="en-US" dirty="0" err="1"/>
+              <a:t>xxx</a:t>
+            </a:r>
+            <a:r>
+              <a:rPr lang="en-US" dirty="0"/>
+              <a:t>): auto-choose the first value that matches the required access right</a:t>
+            </a:r>
+          </a:p>
+          <a:p>
+            <a:pPr lvl="1"/>
+            <a:r>
+              <a:rPr lang="en-US" dirty="0"/>
+              <a:t>User switch(</a:t>
+            </a:r>
+            <a:r>
+              <a:rPr lang="en-US" b="1" dirty="0">
+                <a:solidFill>
+                  <a:schemeClr val="accent1">
+                    <a:lumMod val="75000"/>
+                  </a:schemeClr>
+                </a:solidFill>
+              </a:rPr>
+              <a:t>@</a:t>
+            </a:r>
+            <a:r>
+              <a:rPr lang="en-US" b="1" dirty="0" err="1">
+                <a:solidFill>
+                  <a:schemeClr val="accent1">
+                    <a:lumMod val="75000"/>
+                  </a:schemeClr>
+                </a:solidFill>
+              </a:rPr>
+              <a:t>check_user_</a:t>
+            </a:r>
+            <a:r>
+              <a:rPr lang="en-US" dirty="0" err="1"/>
+              <a:t>xxx</a:t>
+            </a:r>
+            <a:r>
+              <a:rPr lang="en-US" dirty="0"/>
+              <a:t>): auto-choose the first value that login user matches  the required user</a:t>
+            </a:r>
+          </a:p>
+          <a:p>
+            <a:pPr lvl="1"/>
+            <a:r>
+              <a:rPr lang="en-US" dirty="0"/>
+              <a:t>Version switch (@other): auto-choose the first value that matches the require db version</a:t>
+            </a:r>
+          </a:p>
+          <a:p>
+            <a:pPr lvl="1"/>
+            <a:r>
+              <a:rPr lang="en-US" dirty="0"/>
+              <a:t>If  the “</a:t>
+            </a:r>
+            <a:r>
+              <a:rPr lang="en-US" b="1" dirty="0">
+                <a:solidFill>
+                  <a:schemeClr val="accent1">
+                    <a:lumMod val="75000"/>
+                  </a:schemeClr>
+                </a:solidFill>
+              </a:rPr>
+              <a:t>default</a:t>
+            </a:r>
+            <a:r>
+              <a:rPr lang="en-US" dirty="0"/>
+              <a:t>” option is not defined in a switch annotation and current login user cannot match any requirement, then the script will exit with an error </a:t>
+            </a:r>
+          </a:p>
+          <a:p>
+            <a:r>
+              <a:rPr lang="en-US" dirty="0"/>
+              <a:t>The life cycle of the VAR/DEFINE/SET settings are script-locally, and don’t affect the global level settings, however in SQL*Plus those are all global, which can mess the variables of different scripts.</a:t>
+            </a:r>
+          </a:p>
+          <a:p>
+            <a:r>
+              <a:rPr lang="en-US" dirty="0"/>
+              <a:t>Engines:</a:t>
+            </a:r>
+          </a:p>
+          <a:p>
+            <a:pPr lvl="1"/>
+            <a:r>
+              <a:rPr lang="en-US" dirty="0"/>
+              <a:t>SQL*Plus-style engine: does not support all SQL*Plus syntax, but supports all commands that dbcli provides(</a:t>
+            </a:r>
+            <a:r>
+              <a:rPr lang="en-US" b="1" dirty="0">
+                <a:solidFill>
+                  <a:schemeClr val="accent1">
+                    <a:lumMod val="75000"/>
+                  </a:schemeClr>
+                </a:solidFill>
+              </a:rPr>
+              <a:t>help -a </a:t>
+            </a:r>
+            <a:r>
+              <a:rPr lang="en-US" dirty="0"/>
+              <a:t>to list all supported commands)</a:t>
+            </a:r>
+          </a:p>
+          <a:p>
+            <a:pPr lvl="2"/>
+            <a:r>
+              <a:rPr lang="en-US" b="1" dirty="0">
+                <a:solidFill>
+                  <a:schemeClr val="accent1">
+                    <a:lumMod val="75000"/>
+                  </a:schemeClr>
+                </a:solidFill>
+              </a:rPr>
+              <a:t>Show</a:t>
+            </a:r>
+            <a:r>
+              <a:rPr lang="en-US" dirty="0"/>
+              <a:t>:  Executes the pre-defined scripts that don’t require any input parameter</a:t>
+            </a:r>
+          </a:p>
+          <a:p>
+            <a:pPr lvl="2"/>
+            <a:r>
+              <a:rPr lang="en-US" b="1" dirty="0">
+                <a:solidFill>
+                  <a:schemeClr val="accent1">
+                    <a:lumMod val="75000"/>
+                  </a:schemeClr>
+                </a:solidFill>
+              </a:rPr>
+              <a:t>Ora</a:t>
+            </a:r>
+            <a:r>
+              <a:rPr lang="en-US" dirty="0"/>
+              <a:t>: Executes the pre-defined scripts that accept parameters</a:t>
+            </a:r>
+          </a:p>
+          <a:p>
+            <a:pPr lvl="2"/>
+            <a:r>
+              <a:rPr lang="en-US" b="1" dirty="0">
+                <a:solidFill>
+                  <a:schemeClr val="accent1">
+                    <a:lumMod val="75000"/>
+                  </a:schemeClr>
+                </a:solidFill>
+              </a:rPr>
+              <a:t>SYS</a:t>
+            </a:r>
+            <a:r>
+              <a:rPr lang="en-US" dirty="0"/>
+              <a:t>: Similar to Ora, but executes the pre-defined scripts that refer to x$ table</a:t>
+            </a:r>
+          </a:p>
+          <a:p>
+            <a:pPr lvl="2"/>
+            <a:r>
+              <a:rPr lang="en-US" b="1" dirty="0">
+                <a:solidFill>
+                  <a:schemeClr val="accent1">
+                    <a:lumMod val="75000"/>
+                  </a:schemeClr>
+                </a:solidFill>
+              </a:rPr>
+              <a:t>EXA</a:t>
+            </a:r>
+            <a:r>
+              <a:rPr lang="en-US" dirty="0"/>
+              <a:t>: Similar to Ora, but executes the pre-defined scripts that to query Exadata information</a:t>
+            </a:r>
+          </a:p>
+          <a:p>
+            <a:pPr lvl="1"/>
+            <a:r>
+              <a:rPr lang="en-US" dirty="0"/>
+              <a:t>Snapper engine(</a:t>
+            </a:r>
+            <a:r>
+              <a:rPr lang="en-US" b="1" dirty="0">
+                <a:solidFill>
+                  <a:schemeClr val="accent1">
+                    <a:lumMod val="75000"/>
+                  </a:schemeClr>
+                </a:solidFill>
+              </a:rPr>
+              <a:t>snap</a:t>
+            </a:r>
+            <a:r>
+              <a:rPr lang="en-US" dirty="0"/>
+              <a:t>):</a:t>
+            </a:r>
+            <a:r>
+              <a:rPr lang="zh-CN" altLang="en-US" dirty="0"/>
               <a:t> </a:t>
             </a:r>
             <a:r>
-              <a:rPr lang="en-US" altLang="zh-CN" sz="2300" dirty="0">
-                <a:latin typeface="Courier New" panose="02070309020205020404" pitchFamily="49" charset="0"/>
-                <a:cs typeface="Courier New" panose="02070309020205020404" pitchFamily="49" charset="0"/>
-              </a:rPr>
-              <a:t>show</a:t>
-            </a:r>
-            <a:r>
-              <a:rPr lang="zh-CN" altLang="en-US" sz="2300" dirty="0">
-                <a:latin typeface="Courier New" panose="02070309020205020404" pitchFamily="49" charset="0"/>
-                <a:cs typeface="Courier New" panose="02070309020205020404" pitchFamily="49" charset="0"/>
-              </a:rPr>
-              <a:t> </a:t>
-            </a:r>
-            <a:r>
-              <a:rPr lang="en-US" altLang="zh-CN" sz="2300" dirty="0">
-                <a:latin typeface="Courier New" panose="02070309020205020404" pitchFamily="49" charset="0"/>
-                <a:cs typeface="Courier New" panose="02070309020205020404" pitchFamily="49" charset="0"/>
-              </a:rPr>
-              <a:t>sql plan + aggregated ash cost of all executions of the same </a:t>
-            </a:r>
-            <a:r>
-              <a:rPr lang="en-US" altLang="zh-CN" sz="2300" dirty="0" err="1">
-                <a:latin typeface="Courier New" panose="02070309020205020404" pitchFamily="49" charset="0"/>
-                <a:cs typeface="Courier New" panose="02070309020205020404" pitchFamily="49" charset="0"/>
-              </a:rPr>
-              <a:t>phv</a:t>
-            </a:r>
-            <a:endParaRPr lang="en-US" altLang="zh-CN" sz="2300" dirty="0">
-              <a:latin typeface="Courier New" panose="02070309020205020404" pitchFamily="49" charset="0"/>
-              <a:cs typeface="Courier New" panose="02070309020205020404" pitchFamily="49" charset="0"/>
-            </a:endParaRPr>
-          </a:p>
-          <a:p>
-            <a:r>
-              <a:rPr lang="en-US" sz="2300" dirty="0">
-                <a:latin typeface="Courier New" panose="02070309020205020404" pitchFamily="49" charset="0"/>
-                <a:cs typeface="Courier New" panose="02070309020205020404" pitchFamily="49" charset="0"/>
-              </a:rPr>
-              <a:t>Ora </a:t>
-            </a:r>
-            <a:r>
-              <a:rPr lang="en-US" sz="2300" dirty="0" err="1">
-                <a:latin typeface="Courier New" panose="02070309020205020404" pitchFamily="49" charset="0"/>
-                <a:cs typeface="Courier New" panose="02070309020205020404" pitchFamily="49" charset="0"/>
-              </a:rPr>
-              <a:t>ashchain</a:t>
-            </a:r>
-            <a:r>
-              <a:rPr lang="en-US" sz="2300" dirty="0">
-                <a:latin typeface="Courier New" panose="02070309020205020404" pitchFamily="49" charset="0"/>
-                <a:cs typeface="Courier New" panose="02070309020205020404" pitchFamily="49" charset="0"/>
-              </a:rPr>
-              <a:t> [&lt;</a:t>
-            </a:r>
-            <a:r>
-              <a:rPr lang="en-US" sz="2300" dirty="0" err="1">
-                <a:latin typeface="Courier New" panose="02070309020205020404" pitchFamily="49" charset="0"/>
-                <a:cs typeface="Courier New" panose="02070309020205020404" pitchFamily="49" charset="0"/>
-              </a:rPr>
-              <a:t>sql_id</a:t>
-            </a:r>
-            <a:r>
-              <a:rPr lang="en-US" sz="2300" dirty="0">
-                <a:latin typeface="Courier New" panose="02070309020205020404" pitchFamily="49" charset="0"/>
-                <a:cs typeface="Courier New" panose="02070309020205020404" pitchFamily="49" charset="0"/>
-              </a:rPr>
-              <a:t>&gt;|&lt;sid&gt;] [-sid|-p] [-flat]:  An enhancement of </a:t>
-            </a:r>
-            <a:r>
-              <a:rPr lang="en-US" sz="2300" dirty="0" err="1">
-                <a:latin typeface="Courier New" panose="02070309020205020404" pitchFamily="49" charset="0"/>
-                <a:cs typeface="Courier New" panose="02070309020205020404" pitchFamily="49" charset="0"/>
-              </a:rPr>
-              <a:t>Tanel</a:t>
-            </a:r>
-            <a:r>
-              <a:rPr lang="en-US" sz="2300" dirty="0">
-                <a:latin typeface="Courier New" panose="02070309020205020404" pitchFamily="49" charset="0"/>
-                <a:cs typeface="Courier New" panose="02070309020205020404" pitchFamily="49" charset="0"/>
-              </a:rPr>
-              <a:t> </a:t>
-            </a:r>
-            <a:r>
-              <a:rPr lang="en-US" sz="2300" dirty="0" err="1">
-                <a:latin typeface="Courier New" panose="02070309020205020404" pitchFamily="49" charset="0"/>
-                <a:cs typeface="Courier New" panose="02070309020205020404" pitchFamily="49" charset="0"/>
-              </a:rPr>
-              <a:t>Poder’s</a:t>
-            </a:r>
-            <a:r>
-              <a:rPr lang="en-US" sz="2300" dirty="0">
-                <a:latin typeface="Courier New" panose="02070309020205020404" pitchFamily="49" charset="0"/>
-                <a:cs typeface="Courier New" panose="02070309020205020404" pitchFamily="49" charset="0"/>
-              </a:rPr>
-              <a:t> script to see blocking information of ASH</a:t>
-            </a:r>
-          </a:p>
-          <a:p>
-            <a:r>
-              <a:rPr lang="en-US" sz="2300" dirty="0">
-                <a:latin typeface="Courier New" panose="02070309020205020404" pitchFamily="49" charset="0"/>
-                <a:cs typeface="Courier New" panose="02070309020205020404" pitchFamily="49" charset="0"/>
-              </a:rPr>
-              <a:t>Ora </a:t>
-            </a:r>
-            <a:r>
-              <a:rPr lang="en-US" sz="2300" dirty="0" err="1">
-                <a:latin typeface="Courier New" panose="02070309020205020404" pitchFamily="49" charset="0"/>
-                <a:cs typeface="Courier New" panose="02070309020205020404" pitchFamily="49" charset="0"/>
-              </a:rPr>
-              <a:t>ashtop</a:t>
-            </a:r>
-            <a:r>
-              <a:rPr lang="en-US" sz="2300" dirty="0">
-                <a:latin typeface="Courier New" panose="02070309020205020404" pitchFamily="49" charset="0"/>
-                <a:cs typeface="Courier New" panose="02070309020205020404" pitchFamily="49" charset="0"/>
-              </a:rPr>
-              <a:t> [&lt;</a:t>
-            </a:r>
-            <a:r>
-              <a:rPr lang="en-US" sz="2300" dirty="0" err="1">
-                <a:latin typeface="Courier New" panose="02070309020205020404" pitchFamily="49" charset="0"/>
-                <a:cs typeface="Courier New" panose="02070309020205020404" pitchFamily="49" charset="0"/>
-              </a:rPr>
-              <a:t>sql_id</a:t>
-            </a:r>
-            <a:r>
-              <a:rPr lang="en-US" sz="2300" dirty="0">
-                <a:latin typeface="Courier New" panose="02070309020205020404" pitchFamily="49" charset="0"/>
-                <a:cs typeface="Courier New" panose="02070309020205020404" pitchFamily="49" charset="0"/>
-              </a:rPr>
-              <a:t>&gt;] [-snap &lt;seconds&gt;] [-p|-o]: An enhancement of </a:t>
-            </a:r>
-            <a:r>
-              <a:rPr lang="en-US" sz="2300" dirty="0" err="1">
-                <a:latin typeface="Courier New" panose="02070309020205020404" pitchFamily="49" charset="0"/>
-                <a:cs typeface="Courier New" panose="02070309020205020404" pitchFamily="49" charset="0"/>
-              </a:rPr>
-              <a:t>Tanel</a:t>
-            </a:r>
-            <a:r>
-              <a:rPr lang="en-US" sz="2300" dirty="0">
-                <a:latin typeface="Courier New" panose="02070309020205020404" pitchFamily="49" charset="0"/>
-                <a:cs typeface="Courier New" panose="02070309020205020404" pitchFamily="49" charset="0"/>
-              </a:rPr>
-              <a:t> </a:t>
-            </a:r>
-            <a:r>
-              <a:rPr lang="en-US" sz="2300" dirty="0" err="1">
-                <a:latin typeface="Courier New" panose="02070309020205020404" pitchFamily="49" charset="0"/>
-                <a:cs typeface="Courier New" panose="02070309020205020404" pitchFamily="49" charset="0"/>
-              </a:rPr>
-              <a:t>Poder’s</a:t>
-            </a:r>
-            <a:r>
-              <a:rPr lang="en-US" sz="2300" dirty="0">
-                <a:latin typeface="Courier New" panose="02070309020205020404" pitchFamily="49" charset="0"/>
-                <a:cs typeface="Courier New" panose="02070309020205020404" pitchFamily="49" charset="0"/>
-              </a:rPr>
-              <a:t> script to see blocking information of ASH</a:t>
-            </a:r>
-          </a:p>
-          <a:p>
-            <a:r>
-              <a:rPr lang="en-US" sz="2300" dirty="0">
-                <a:latin typeface="Courier New" panose="02070309020205020404" pitchFamily="49" charset="0"/>
-                <a:cs typeface="Courier New" panose="02070309020205020404" pitchFamily="49" charset="0"/>
-              </a:rPr>
-              <a:t>Ora obj &lt;</a:t>
-            </a:r>
-            <a:r>
-              <a:rPr lang="en-US" sz="2300" dirty="0" err="1">
-                <a:latin typeface="Courier New" panose="02070309020205020404" pitchFamily="49" charset="0"/>
-                <a:cs typeface="Courier New" panose="02070309020205020404" pitchFamily="49" charset="0"/>
-              </a:rPr>
-              <a:t>object_id|data_object_id</a:t>
-            </a:r>
-            <a:r>
-              <a:rPr lang="en-US" sz="2300" dirty="0">
-                <a:latin typeface="Courier New" panose="02070309020205020404" pitchFamily="49" charset="0"/>
-                <a:cs typeface="Courier New" panose="02070309020205020404" pitchFamily="49" charset="0"/>
-              </a:rPr>
-              <a:t>|[owner.]</a:t>
-            </a:r>
-            <a:r>
-              <a:rPr lang="en-US" sz="2300" dirty="0" err="1">
-                <a:latin typeface="Courier New" panose="02070309020205020404" pitchFamily="49" charset="0"/>
-                <a:cs typeface="Courier New" panose="02070309020205020404" pitchFamily="49" charset="0"/>
-              </a:rPr>
-              <a:t>object_name</a:t>
-            </a:r>
-            <a:r>
-              <a:rPr lang="en-US" sz="2300" dirty="0">
-                <a:latin typeface="Courier New" panose="02070309020205020404" pitchFamily="49" charset="0"/>
-                <a:cs typeface="Courier New" panose="02070309020205020404" pitchFamily="49" charset="0"/>
-              </a:rPr>
-              <a:t>&gt;: Show information of an object</a:t>
-            </a:r>
-          </a:p>
-          <a:p>
-            <a:r>
-              <a:rPr lang="en-US" sz="2300" dirty="0">
-                <a:latin typeface="Courier New" panose="02070309020205020404" pitchFamily="49" charset="0"/>
-                <a:cs typeface="Courier New" panose="02070309020205020404" pitchFamily="49" charset="0"/>
-              </a:rPr>
-              <a:t>Ora search &lt;keyword&gt;: search object with specific keyword</a:t>
-            </a:r>
-          </a:p>
-          <a:p>
-            <a:r>
-              <a:rPr lang="en-US" sz="2300" dirty="0">
-                <a:latin typeface="Courier New" panose="02070309020205020404" pitchFamily="49" charset="0"/>
-                <a:cs typeface="Courier New" panose="02070309020205020404" pitchFamily="49" charset="0"/>
-              </a:rPr>
-              <a:t>Ora size [owner.]&lt;</a:t>
-            </a:r>
-            <a:r>
-              <a:rPr lang="en-US" sz="2300" dirty="0" err="1">
-                <a:latin typeface="Courier New" panose="02070309020205020404" pitchFamily="49" charset="0"/>
-                <a:cs typeface="Courier New" panose="02070309020205020404" pitchFamily="49" charset="0"/>
-              </a:rPr>
-              <a:t>object_name</a:t>
-            </a:r>
-            <a:r>
-              <a:rPr lang="en-US" sz="2300" dirty="0">
-                <a:latin typeface="Courier New" panose="02070309020205020404" pitchFamily="49" charset="0"/>
-                <a:cs typeface="Courier New" panose="02070309020205020404" pitchFamily="49" charset="0"/>
-              </a:rPr>
-              <a:t>&gt;: show space usage of an object</a:t>
-            </a:r>
-          </a:p>
-          <a:p>
-            <a:r>
-              <a:rPr lang="en-US" sz="2300" dirty="0">
-                <a:latin typeface="Courier New" panose="02070309020205020404" pitchFamily="49" charset="0"/>
-                <a:cs typeface="Courier New" panose="02070309020205020404" pitchFamily="49" charset="0"/>
-              </a:rPr>
-              <a:t>Ora space [owner.]&lt;</a:t>
-            </a:r>
-            <a:r>
-              <a:rPr lang="en-US" sz="2300" dirty="0" err="1">
-                <a:latin typeface="Courier New" panose="02070309020205020404" pitchFamily="49" charset="0"/>
-                <a:cs typeface="Courier New" panose="02070309020205020404" pitchFamily="49" charset="0"/>
-              </a:rPr>
-              <a:t>object_name</a:t>
-            </a:r>
-            <a:r>
-              <a:rPr lang="en-US" sz="2300" dirty="0">
-                <a:latin typeface="Courier New" panose="02070309020205020404" pitchFamily="49" charset="0"/>
-                <a:cs typeface="Courier New" panose="02070309020205020404" pitchFamily="49" charset="0"/>
-              </a:rPr>
-              <a:t>&gt; [-adv]: show detailed space usage of an object</a:t>
-            </a:r>
-          </a:p>
-          <a:p>
-            <a:r>
-              <a:rPr lang="en-US" sz="2300" dirty="0">
-                <a:latin typeface="Courier New" panose="02070309020205020404" pitchFamily="49" charset="0"/>
-                <a:cs typeface="Courier New" panose="02070309020205020404" pitchFamily="49" charset="0"/>
-              </a:rPr>
-              <a:t>Ora </a:t>
-            </a:r>
-            <a:r>
-              <a:rPr lang="en-US" sz="2300" dirty="0" err="1">
-                <a:latin typeface="Courier New" panose="02070309020205020404" pitchFamily="49" charset="0"/>
-                <a:cs typeface="Courier New" panose="02070309020205020404" pitchFamily="49" charset="0"/>
-              </a:rPr>
-              <a:t>ddl</a:t>
-            </a:r>
-            <a:r>
-              <a:rPr lang="en-US" sz="2300" dirty="0">
-                <a:latin typeface="Courier New" panose="02070309020205020404" pitchFamily="49" charset="0"/>
-                <a:cs typeface="Courier New" panose="02070309020205020404" pitchFamily="49" charset="0"/>
-              </a:rPr>
-              <a:t> [owner.]&lt;</a:t>
-            </a:r>
-            <a:r>
-              <a:rPr lang="en-US" sz="2300" dirty="0" err="1">
-                <a:latin typeface="Courier New" panose="02070309020205020404" pitchFamily="49" charset="0"/>
-                <a:cs typeface="Courier New" panose="02070309020205020404" pitchFamily="49" charset="0"/>
-              </a:rPr>
-              <a:t>object_name</a:t>
-            </a:r>
-            <a:r>
-              <a:rPr lang="en-US" sz="2300" dirty="0">
-                <a:latin typeface="Courier New" panose="02070309020205020404" pitchFamily="49" charset="0"/>
-                <a:cs typeface="Courier New" panose="02070309020205020404" pitchFamily="49" charset="0"/>
-              </a:rPr>
-              <a:t>&gt;: show </a:t>
-            </a:r>
-            <a:r>
-              <a:rPr lang="en-US" sz="2300" dirty="0" err="1">
-                <a:latin typeface="Courier New" panose="02070309020205020404" pitchFamily="49" charset="0"/>
-                <a:cs typeface="Courier New" panose="02070309020205020404" pitchFamily="49" charset="0"/>
-              </a:rPr>
-              <a:t>ddl</a:t>
-            </a:r>
-            <a:r>
-              <a:rPr lang="en-US" sz="2300" dirty="0">
-                <a:latin typeface="Courier New" panose="02070309020205020404" pitchFamily="49" charset="0"/>
-                <a:cs typeface="Courier New" panose="02070309020205020404" pitchFamily="49" charset="0"/>
-              </a:rPr>
-              <a:t> of an object</a:t>
-            </a:r>
-          </a:p>
-          <a:p>
-            <a:r>
-              <a:rPr lang="en-US" sz="2300" dirty="0">
-                <a:latin typeface="Courier New" panose="02070309020205020404" pitchFamily="49" charset="0"/>
-                <a:cs typeface="Courier New" panose="02070309020205020404" pitchFamily="49" charset="0"/>
-              </a:rPr>
-              <a:t>Ora stats [owner.]&lt;</a:t>
-            </a:r>
-            <a:r>
-              <a:rPr lang="en-US" sz="2300" dirty="0" err="1">
-                <a:latin typeface="Courier New" panose="02070309020205020404" pitchFamily="49" charset="0"/>
-                <a:cs typeface="Courier New" panose="02070309020205020404" pitchFamily="49" charset="0"/>
-              </a:rPr>
-              <a:t>table_name</a:t>
-            </a:r>
-            <a:r>
-              <a:rPr lang="en-US" sz="2300" dirty="0">
-                <a:latin typeface="Courier New" panose="02070309020205020404" pitchFamily="49" charset="0"/>
-                <a:cs typeface="Courier New" panose="02070309020205020404" pitchFamily="49" charset="0"/>
-              </a:rPr>
-              <a:t>&gt; [-advise]: show table stats or run statistics advisor</a:t>
-            </a:r>
-          </a:p>
-          <a:p>
-            <a:r>
-              <a:rPr lang="en-US" sz="2300" dirty="0">
-                <a:latin typeface="Courier New" panose="02070309020205020404" pitchFamily="49" charset="0"/>
-                <a:cs typeface="Courier New" panose="02070309020205020404" pitchFamily="49" charset="0"/>
-              </a:rPr>
-              <a:t>Ora histogram [owner.]&lt;</a:t>
-            </a:r>
-            <a:r>
-              <a:rPr lang="en-US" sz="2300" dirty="0" err="1">
-                <a:latin typeface="Courier New" panose="02070309020205020404" pitchFamily="49" charset="0"/>
-                <a:cs typeface="Courier New" panose="02070309020205020404" pitchFamily="49" charset="0"/>
-              </a:rPr>
-              <a:t>table_name</a:t>
-            </a:r>
-            <a:r>
-              <a:rPr lang="en-US" sz="2300" dirty="0">
-                <a:latin typeface="Courier New" panose="02070309020205020404" pitchFamily="49" charset="0"/>
-                <a:cs typeface="Courier New" panose="02070309020205020404" pitchFamily="49" charset="0"/>
-              </a:rPr>
-              <a:t>&gt; &lt;column&gt; […]: Show/change histogram of a column</a:t>
-            </a:r>
-          </a:p>
-          <a:p>
-            <a:r>
-              <a:rPr lang="en-US" sz="2300" dirty="0">
-                <a:latin typeface="Courier New" panose="02070309020205020404" pitchFamily="49" charset="0"/>
-                <a:cs typeface="Courier New" panose="02070309020205020404" pitchFamily="49" charset="0"/>
-              </a:rPr>
-              <a:t>Ora </a:t>
-            </a:r>
-            <a:r>
-              <a:rPr lang="en-US" sz="2300" dirty="0" err="1">
-                <a:latin typeface="Courier New" panose="02070309020205020404" pitchFamily="49" charset="0"/>
-                <a:cs typeface="Courier New" panose="02070309020205020404" pitchFamily="49" charset="0"/>
-              </a:rPr>
-              <a:t>spd</a:t>
-            </a:r>
-            <a:r>
-              <a:rPr lang="en-US" sz="2300" dirty="0">
-                <a:latin typeface="Courier New" panose="02070309020205020404" pitchFamily="49" charset="0"/>
-                <a:cs typeface="Courier New" panose="02070309020205020404" pitchFamily="49" charset="0"/>
-              </a:rPr>
-              <a:t> [owner.]&lt;</a:t>
-            </a:r>
-            <a:r>
-              <a:rPr lang="en-US" sz="2300" dirty="0" err="1">
-                <a:latin typeface="Courier New" panose="02070309020205020404" pitchFamily="49" charset="0"/>
-                <a:cs typeface="Courier New" panose="02070309020205020404" pitchFamily="49" charset="0"/>
-              </a:rPr>
-              <a:t>table_name</a:t>
-            </a:r>
-            <a:r>
-              <a:rPr lang="en-US" sz="2300" dirty="0">
-                <a:latin typeface="Courier New" panose="02070309020205020404" pitchFamily="49" charset="0"/>
-                <a:cs typeface="Courier New" panose="02070309020205020404" pitchFamily="49" charset="0"/>
-              </a:rPr>
-              <a:t>&gt;: show SPD information of an object</a:t>
-            </a:r>
-          </a:p>
-          <a:p>
-            <a:r>
-              <a:rPr lang="en-US" sz="2300" dirty="0">
-                <a:latin typeface="Courier New" panose="02070309020205020404" pitchFamily="49" charset="0"/>
-                <a:cs typeface="Courier New" panose="02070309020205020404" pitchFamily="49" charset="0"/>
-              </a:rPr>
-              <a:t>Ora/sys </a:t>
-            </a:r>
-            <a:r>
-              <a:rPr lang="en-US" sz="2300" dirty="0" err="1">
-                <a:latin typeface="Courier New" panose="02070309020205020404" pitchFamily="49" charset="0"/>
-                <a:cs typeface="Courier New" panose="02070309020205020404" pitchFamily="49" charset="0"/>
-              </a:rPr>
-              <a:t>liblock</a:t>
-            </a:r>
-            <a:r>
-              <a:rPr lang="en-US" sz="2300" dirty="0">
-                <a:latin typeface="Courier New" panose="02070309020205020404" pitchFamily="49" charset="0"/>
-                <a:cs typeface="Courier New" panose="02070309020205020404" pitchFamily="49" charset="0"/>
-              </a:rPr>
-              <a:t> [[owner.]&lt;</a:t>
-            </a:r>
-            <a:r>
-              <a:rPr lang="en-US" sz="2300" dirty="0" err="1">
-                <a:latin typeface="Courier New" panose="02070309020205020404" pitchFamily="49" charset="0"/>
-                <a:cs typeface="Courier New" panose="02070309020205020404" pitchFamily="49" charset="0"/>
-              </a:rPr>
-              <a:t>object_name</a:t>
-            </a:r>
-            <a:r>
-              <a:rPr lang="en-US" sz="2300" dirty="0">
-                <a:latin typeface="Courier New" panose="02070309020205020404" pitchFamily="49" charset="0"/>
-                <a:cs typeface="Courier New" panose="02070309020205020404" pitchFamily="49" charset="0"/>
-              </a:rPr>
-              <a:t>&gt;]: show library cache lock</a:t>
-            </a:r>
-          </a:p>
-          <a:p>
-            <a:r>
-              <a:rPr lang="en-US" sz="2300" dirty="0">
-                <a:latin typeface="Courier New" panose="02070309020205020404" pitchFamily="49" charset="0"/>
-                <a:cs typeface="Courier New" panose="02070309020205020404" pitchFamily="49" charset="0"/>
-              </a:rPr>
-              <a:t>Show </a:t>
-            </a:r>
-            <a:r>
-              <a:rPr lang="en-US" sz="2300" dirty="0" err="1">
-                <a:latin typeface="Courier New" panose="02070309020205020404" pitchFamily="49" charset="0"/>
-                <a:cs typeface="Courier New" panose="02070309020205020404" pitchFamily="49" charset="0"/>
-              </a:rPr>
-              <a:t>lockobj</a:t>
-            </a:r>
-            <a:r>
-              <a:rPr lang="en-US" sz="2300" dirty="0">
-                <a:latin typeface="Courier New" panose="02070309020205020404" pitchFamily="49" charset="0"/>
-                <a:cs typeface="Courier New" panose="02070309020205020404" pitchFamily="49" charset="0"/>
-              </a:rPr>
-              <a:t>: show DML lock information</a:t>
-            </a:r>
-          </a:p>
-          <a:p>
-            <a:r>
-              <a:rPr lang="en-US" sz="2300" dirty="0">
-                <a:latin typeface="Courier New" panose="02070309020205020404" pitchFamily="49" charset="0"/>
-                <a:cs typeface="Courier New" panose="02070309020205020404" pitchFamily="49" charset="0"/>
-              </a:rPr>
-              <a:t>Show waiters: show blocking information</a:t>
-            </a:r>
-          </a:p>
-          <a:p>
-            <a:r>
-              <a:rPr lang="en-US" sz="2300" dirty="0">
-                <a:latin typeface="Courier New" panose="02070309020205020404" pitchFamily="49" charset="0"/>
-                <a:cs typeface="Courier New" panose="02070309020205020404" pitchFamily="49" charset="0"/>
-              </a:rPr>
-              <a:t>Show </a:t>
-            </a:r>
-            <a:r>
-              <a:rPr lang="en-US" sz="2300" dirty="0" err="1">
-                <a:latin typeface="Courier New" panose="02070309020205020404" pitchFamily="49" charset="0"/>
-                <a:cs typeface="Courier New" panose="02070309020205020404" pitchFamily="49" charset="0"/>
-              </a:rPr>
-              <a:t>waitchain</a:t>
-            </a:r>
-            <a:r>
-              <a:rPr lang="en-US" sz="2300" dirty="0">
-                <a:latin typeface="Courier New" panose="02070309020205020404" pitchFamily="49" charset="0"/>
-                <a:cs typeface="Courier New" panose="02070309020205020404" pitchFamily="49" charset="0"/>
-              </a:rPr>
-              <a:t>: show blocking information</a:t>
-            </a:r>
-          </a:p>
-          <a:p>
-            <a:r>
-              <a:rPr lang="en-US" sz="2300" dirty="0">
-                <a:latin typeface="Courier New" panose="02070309020205020404" pitchFamily="49" charset="0"/>
-                <a:cs typeface="Courier New" panose="02070309020205020404" pitchFamily="49" charset="0"/>
-              </a:rPr>
-              <a:t>Show trans: show running transactions</a:t>
-            </a:r>
-          </a:p>
-          <a:p>
-            <a:endParaRPr lang="en-US" dirty="0"/>
-          </a:p>
-          <a:p>
-            <a:endParaRPr lang="en-US" dirty="0"/>
+              <a:rPr lang="en-US" altLang="zh-CN" dirty="0"/>
+              <a:t>JSON/Lua format, to compute the delta values of the same queries in a specific period, support Linux top-style output</a:t>
+            </a:r>
+          </a:p>
+          <a:p>
+            <a:pPr lvl="1"/>
+            <a:r>
+              <a:rPr lang="en-US" dirty="0"/>
+              <a:t>Graphing engine(</a:t>
+            </a:r>
+            <a:r>
+              <a:rPr lang="en-US" b="1" dirty="0">
+                <a:solidFill>
+                  <a:schemeClr val="accent1">
+                    <a:lumMod val="75000"/>
+                  </a:schemeClr>
+                </a:solidFill>
+              </a:rPr>
+              <a:t>chart/</a:t>
+            </a:r>
+            <a:r>
+              <a:rPr lang="en-US" b="1" dirty="0" err="1">
+                <a:solidFill>
+                  <a:schemeClr val="accent1">
+                    <a:lumMod val="75000"/>
+                  </a:schemeClr>
+                </a:solidFill>
+              </a:rPr>
+              <a:t>ch</a:t>
+            </a:r>
+            <a:r>
+              <a:rPr lang="en-US" dirty="0"/>
+              <a:t>): </a:t>
+            </a:r>
+            <a:r>
+              <a:rPr lang="en-US" altLang="zh-CN" dirty="0"/>
+              <a:t>JSON/Lua format, to</a:t>
+            </a:r>
+            <a:r>
+              <a:rPr lang="en-US" dirty="0"/>
+              <a:t> generate line/bar chart of the time-series data, mainly used on AWR data</a:t>
+            </a:r>
           </a:p>
         </p:txBody>
       </p:sp>
     </p:spTree>
     <p:extLst>
       <p:ext uri="{BB962C8B-B14F-4D97-AF65-F5344CB8AC3E}">
-        <p14:creationId xmlns:p14="http://schemas.microsoft.com/office/powerpoint/2010/main" val="2093610832"/>
+        <p14:creationId xmlns:p14="http://schemas.microsoft.com/office/powerpoint/2010/main" val="1687118102"/>
       </p:ext>
     </p:extLst>
   </p:cSld>
@@ -18142,6 +17440,938 @@
       </p:grpSpPr>
       <p:sp>
         <p:nvSpPr>
+          <p:cNvPr id="2" name="标题 1">
+            <a:extLst>
+              <a:ext uri="{FF2B5EF4-FFF2-40B4-BE49-F238E27FC236}">
+                <a16:creationId xmlns:a16="http://schemas.microsoft.com/office/drawing/2014/main" id="{62074AD1-1FE7-4190-9345-65532ED6F564}"/>
+              </a:ext>
+            </a:extLst>
+          </p:cNvPr>
+          <p:cNvSpPr>
+            <a:spLocks noGrp="1"/>
+          </p:cNvSpPr>
+          <p:nvPr>
+            <p:ph type="title"/>
+          </p:nvPr>
+        </p:nvSpPr>
+        <p:spPr>
+          <a:xfrm>
+            <a:off x="838200" y="156308"/>
+            <a:ext cx="10515600" cy="593970"/>
+          </a:xfrm>
+        </p:spPr>
+        <p:txBody>
+          <a:bodyPr>
+            <a:normAutofit fontScale="90000"/>
+          </a:bodyPr>
+          <a:lstStyle/>
+          <a:p>
+            <a:r>
+              <a:rPr lang="en-US" dirty="0"/>
+              <a:t>Common Pre-defined Scripts (1)</a:t>
+            </a:r>
+          </a:p>
+        </p:txBody>
+      </p:sp>
+      <p:sp>
+        <p:nvSpPr>
+          <p:cNvPr id="3" name="内容占位符 2">
+            <a:extLst>
+              <a:ext uri="{FF2B5EF4-FFF2-40B4-BE49-F238E27FC236}">
+                <a16:creationId xmlns:a16="http://schemas.microsoft.com/office/drawing/2014/main" id="{0F62E6C0-2DDF-4F51-A1B5-1DA4F66A4097}"/>
+              </a:ext>
+            </a:extLst>
+          </p:cNvPr>
+          <p:cNvSpPr>
+            <a:spLocks noGrp="1"/>
+          </p:cNvSpPr>
+          <p:nvPr>
+            <p:ph idx="1"/>
+          </p:nvPr>
+        </p:nvSpPr>
+        <p:spPr>
+          <a:xfrm>
+            <a:off x="838200" y="859692"/>
+            <a:ext cx="10515600" cy="5841999"/>
+          </a:xfrm>
+        </p:spPr>
+        <p:txBody>
+          <a:bodyPr>
+            <a:normAutofit fontScale="40000" lnSpcReduction="20000"/>
+          </a:bodyPr>
+          <a:lstStyle/>
+          <a:p>
+            <a:pPr marL="0" indent="0">
+              <a:buNone/>
+            </a:pPr>
+            <a:r>
+              <a:rPr lang="en-US" b="1" dirty="0">
+                <a:solidFill>
+                  <a:srgbClr val="FF0000"/>
+                </a:solidFill>
+              </a:rPr>
+              <a:t>*  Note</a:t>
+            </a:r>
+            <a:r>
+              <a:rPr lang="en-US" b="1" dirty="0"/>
+              <a:t>: </a:t>
+            </a:r>
+            <a:r>
+              <a:rPr lang="en-US" b="1" dirty="0">
+                <a:solidFill>
+                  <a:schemeClr val="accent1">
+                    <a:lumMod val="75000"/>
+                  </a:schemeClr>
+                </a:solidFill>
+              </a:rPr>
+              <a:t>[…]</a:t>
+            </a:r>
+            <a:r>
+              <a:rPr lang="en-US" b="1" dirty="0"/>
+              <a:t> means optional, </a:t>
+            </a:r>
+            <a:r>
+              <a:rPr lang="en-US" b="1" dirty="0">
+                <a:solidFill>
+                  <a:srgbClr val="0070C0"/>
+                </a:solidFill>
+              </a:rPr>
+              <a:t>|</a:t>
+            </a:r>
+            <a:r>
+              <a:rPr lang="en-US" b="1" dirty="0"/>
+              <a:t> means “OR”</a:t>
+            </a:r>
+          </a:p>
+          <a:p>
+            <a:r>
+              <a:rPr lang="en-US" sz="2300" dirty="0">
+                <a:latin typeface="Courier New" panose="02070309020205020404" pitchFamily="49" charset="0"/>
+                <a:cs typeface="Courier New" panose="02070309020205020404" pitchFamily="49" charset="0"/>
+              </a:rPr>
+              <a:t>top [interval] [-</a:t>
+            </a:r>
+            <a:r>
+              <a:rPr lang="en-US" sz="2300" dirty="0" err="1">
+                <a:latin typeface="Courier New" panose="02070309020205020404" pitchFamily="49" charset="0"/>
+                <a:cs typeface="Courier New" panose="02070309020205020404" pitchFamily="49" charset="0"/>
+              </a:rPr>
+              <a:t>iostat</a:t>
+            </a:r>
+            <a:r>
+              <a:rPr lang="en-US" sz="2300" dirty="0">
+                <a:latin typeface="Courier New" panose="02070309020205020404" pitchFamily="49" charset="0"/>
+                <a:cs typeface="Courier New" panose="02070309020205020404" pitchFamily="49" charset="0"/>
+              </a:rPr>
+              <a:t>|-latch] [-</a:t>
+            </a:r>
+            <a:r>
+              <a:rPr lang="en-US" sz="2300" dirty="0" err="1">
+                <a:latin typeface="Courier New" panose="02070309020205020404" pitchFamily="49" charset="0"/>
+                <a:cs typeface="Courier New" panose="02070309020205020404" pitchFamily="49" charset="0"/>
+              </a:rPr>
+              <a:t>filestat</a:t>
+            </a:r>
+            <a:r>
+              <a:rPr lang="en-US" sz="2300" dirty="0">
+                <a:latin typeface="Courier New" panose="02070309020205020404" pitchFamily="49" charset="0"/>
+                <a:cs typeface="Courier New" panose="02070309020205020404" pitchFamily="49" charset="0"/>
+              </a:rPr>
+              <a:t>]: monitor db stats with specific interval, default is 10 seconds</a:t>
+            </a:r>
+          </a:p>
+          <a:p>
+            <a:r>
+              <a:rPr lang="en-US" sz="2300" dirty="0" err="1">
+                <a:latin typeface="Courier New" panose="02070309020205020404" pitchFamily="49" charset="0"/>
+                <a:cs typeface="Courier New" panose="02070309020205020404" pitchFamily="49" charset="0"/>
+              </a:rPr>
+              <a:t>cellio</a:t>
+            </a:r>
+            <a:r>
+              <a:rPr lang="en-US" sz="2300" dirty="0">
+                <a:latin typeface="Courier New" panose="02070309020205020404" pitchFamily="49" charset="0"/>
+                <a:cs typeface="Courier New" panose="02070309020205020404" pitchFamily="49" charset="0"/>
+              </a:rPr>
+              <a:t> [interval] </a:t>
+            </a:r>
+            <a:r>
+              <a:rPr lang="nb-NO" sz="2300" dirty="0">
+                <a:latin typeface="Courier New" panose="02070309020205020404" pitchFamily="49" charset="0"/>
+                <a:cs typeface="Courier New" panose="02070309020205020404" pitchFamily="49" charset="0"/>
+              </a:rPr>
+              <a:t>[-pred|-cc|-db] [-cell] [-diskio] </a:t>
+            </a:r>
+            <a:r>
+              <a:rPr lang="en-US" sz="2300" dirty="0">
+                <a:latin typeface="Courier New" panose="02070309020205020404" pitchFamily="49" charset="0"/>
+                <a:cs typeface="Courier New" panose="02070309020205020404" pitchFamily="49" charset="0"/>
+              </a:rPr>
+              <a:t>: monitor Exadata cell stats with specific interval, default is 20 seconds</a:t>
+            </a:r>
+          </a:p>
+          <a:p>
+            <a:r>
+              <a:rPr lang="en-US" sz="2300" dirty="0">
+                <a:latin typeface="Courier New" panose="02070309020205020404" pitchFamily="49" charset="0"/>
+                <a:cs typeface="Courier New" panose="02070309020205020404" pitchFamily="49" charset="0"/>
+              </a:rPr>
+              <a:t>Exa cell: show Exadata information</a:t>
+            </a:r>
+          </a:p>
+          <a:p>
+            <a:r>
+              <a:rPr lang="en-US" sz="2300" dirty="0">
+                <a:latin typeface="Courier New" panose="02070309020205020404" pitchFamily="49" charset="0"/>
+                <a:cs typeface="Courier New" panose="02070309020205020404" pitchFamily="49" charset="0"/>
+              </a:rPr>
+              <a:t>Ora/sys param &lt;keyword&gt;: show parameters that match the keyword</a:t>
+            </a:r>
+          </a:p>
+          <a:p>
+            <a:r>
+              <a:rPr lang="en-US" sz="2300" dirty="0">
+                <a:latin typeface="Courier New" panose="02070309020205020404" pitchFamily="49" charset="0"/>
+                <a:cs typeface="Courier New" panose="02070309020205020404" pitchFamily="49" charset="0"/>
+              </a:rPr>
+              <a:t>Ora tbs [&lt;</a:t>
+            </a:r>
+            <a:r>
+              <a:rPr lang="en-US" sz="2300" dirty="0" err="1">
+                <a:latin typeface="Courier New" panose="02070309020205020404" pitchFamily="49" charset="0"/>
+                <a:cs typeface="Courier New" panose="02070309020205020404" pitchFamily="49" charset="0"/>
+              </a:rPr>
+              <a:t>tablespace_name</a:t>
+            </a:r>
+            <a:r>
+              <a:rPr lang="en-US" sz="2300" dirty="0">
+                <a:latin typeface="Courier New" panose="02070309020205020404" pitchFamily="49" charset="0"/>
+                <a:cs typeface="Courier New" panose="02070309020205020404" pitchFamily="49" charset="0"/>
+              </a:rPr>
+              <a:t>&gt;]: show tablespace usages</a:t>
+            </a:r>
+          </a:p>
+          <a:p>
+            <a:r>
+              <a:rPr lang="en-US" sz="2300" dirty="0">
+                <a:latin typeface="Courier New" panose="02070309020205020404" pitchFamily="49" charset="0"/>
+                <a:cs typeface="Courier New" panose="02070309020205020404" pitchFamily="49" charset="0"/>
+              </a:rPr>
+              <a:t>ora actives [-b|-p|-m]: list active SQLs</a:t>
+            </a:r>
+          </a:p>
+          <a:p>
+            <a:r>
+              <a:rPr lang="en-US" sz="2300" dirty="0">
+                <a:latin typeface="Courier New" panose="02070309020205020404" pitchFamily="49" charset="0"/>
+                <a:cs typeface="Courier New" panose="02070309020205020404" pitchFamily="49" charset="0"/>
+              </a:rPr>
+              <a:t>ora plan &lt;</a:t>
+            </a:r>
+            <a:r>
+              <a:rPr lang="en-US" sz="2300" dirty="0" err="1">
+                <a:latin typeface="Courier New" panose="02070309020205020404" pitchFamily="49" charset="0"/>
+                <a:cs typeface="Courier New" panose="02070309020205020404" pitchFamily="49" charset="0"/>
+              </a:rPr>
+              <a:t>sql_id</a:t>
+            </a:r>
+            <a:r>
+              <a:rPr lang="en-US" sz="2300" dirty="0">
+                <a:latin typeface="Courier New" panose="02070309020205020404" pitchFamily="49" charset="0"/>
+                <a:cs typeface="Courier New" panose="02070309020205020404" pitchFamily="49" charset="0"/>
+              </a:rPr>
+              <a:t>&gt; &lt;</a:t>
+            </a:r>
+            <a:r>
+              <a:rPr lang="en-US" sz="2300" dirty="0" err="1">
+                <a:latin typeface="Courier New" panose="02070309020205020404" pitchFamily="49" charset="0"/>
+                <a:cs typeface="Courier New" panose="02070309020205020404" pitchFamily="49" charset="0"/>
+              </a:rPr>
+              <a:t>plan_hash_value</a:t>
+            </a:r>
+            <a:r>
+              <a:rPr lang="en-US" sz="2300" dirty="0">
+                <a:latin typeface="Courier New" panose="02070309020205020404" pitchFamily="49" charset="0"/>
+                <a:cs typeface="Courier New" panose="02070309020205020404" pitchFamily="49" charset="0"/>
+              </a:rPr>
+              <a:t>&gt;: show execution plan</a:t>
+            </a:r>
+          </a:p>
+          <a:p>
+            <a:r>
+              <a:rPr lang="en-US" sz="2300" dirty="0">
+                <a:latin typeface="Courier New" panose="02070309020205020404" pitchFamily="49" charset="0"/>
+                <a:cs typeface="Courier New" panose="02070309020205020404" pitchFamily="49" charset="0"/>
+              </a:rPr>
+              <a:t>ora sql &lt;</a:t>
+            </a:r>
+            <a:r>
+              <a:rPr lang="en-US" sz="2300" dirty="0" err="1">
+                <a:latin typeface="Courier New" panose="02070309020205020404" pitchFamily="49" charset="0"/>
+                <a:cs typeface="Courier New" panose="02070309020205020404" pitchFamily="49" charset="0"/>
+              </a:rPr>
+              <a:t>sql_id</a:t>
+            </a:r>
+            <a:r>
+              <a:rPr lang="en-US" sz="2300" dirty="0">
+                <a:latin typeface="Courier New" panose="02070309020205020404" pitchFamily="49" charset="0"/>
+                <a:cs typeface="Courier New" panose="02070309020205020404" pitchFamily="49" charset="0"/>
+              </a:rPr>
+              <a:t>&gt;: show SQL text and stats</a:t>
+            </a:r>
+          </a:p>
+          <a:p>
+            <a:r>
+              <a:rPr lang="en-US" sz="2300" dirty="0">
+                <a:latin typeface="Courier New" panose="02070309020205020404" pitchFamily="49" charset="0"/>
+                <a:cs typeface="Courier New" panose="02070309020205020404" pitchFamily="49" charset="0"/>
+              </a:rPr>
+              <a:t>Ora </a:t>
+            </a:r>
+            <a:r>
+              <a:rPr lang="en-US" sz="2300" dirty="0" err="1">
+                <a:latin typeface="Courier New" panose="02070309020205020404" pitchFamily="49" charset="0"/>
+                <a:cs typeface="Courier New" panose="02070309020205020404" pitchFamily="49" charset="0"/>
+              </a:rPr>
+              <a:t>sqlm</a:t>
+            </a:r>
+            <a:r>
+              <a:rPr lang="en-US" sz="2300" dirty="0">
+                <a:latin typeface="Courier New" panose="02070309020205020404" pitchFamily="49" charset="0"/>
+                <a:cs typeface="Courier New" panose="02070309020205020404" pitchFamily="49" charset="0"/>
+              </a:rPr>
+              <a:t> [&lt;</a:t>
+            </a:r>
+            <a:r>
+              <a:rPr lang="en-US" sz="2300" dirty="0" err="1">
+                <a:latin typeface="Courier New" panose="02070309020205020404" pitchFamily="49" charset="0"/>
+                <a:cs typeface="Courier New" panose="02070309020205020404" pitchFamily="49" charset="0"/>
+              </a:rPr>
+              <a:t>sql_id</a:t>
+            </a:r>
+            <a:r>
+              <a:rPr lang="en-US" sz="2300" dirty="0">
+                <a:latin typeface="Courier New" panose="02070309020205020404" pitchFamily="49" charset="0"/>
+                <a:cs typeface="Courier New" panose="02070309020205020404" pitchFamily="49" charset="0"/>
+              </a:rPr>
+              <a:t>&gt; [</a:t>
+            </a:r>
+            <a:r>
+              <a:rPr lang="en-US" sz="2300" dirty="0" err="1">
+                <a:latin typeface="Courier New" panose="02070309020205020404" pitchFamily="49" charset="0"/>
+                <a:cs typeface="Courier New" panose="02070309020205020404" pitchFamily="49" charset="0"/>
+              </a:rPr>
+              <a:t>sql_exec_id</a:t>
+            </a:r>
+            <a:r>
+              <a:rPr lang="en-US" sz="2300" dirty="0">
+                <a:latin typeface="Courier New" panose="02070309020205020404" pitchFamily="49" charset="0"/>
+                <a:cs typeface="Courier New" panose="02070309020205020404" pitchFamily="49" charset="0"/>
+              </a:rPr>
+              <a:t>][-l]]: show sql monitor list, or extract SQL Monitor report. Type ‘help ora </a:t>
+            </a:r>
+            <a:r>
+              <a:rPr lang="en-US" sz="2300" dirty="0" err="1">
+                <a:latin typeface="Courier New" panose="02070309020205020404" pitchFamily="49" charset="0"/>
+                <a:cs typeface="Courier New" panose="02070309020205020404" pitchFamily="49" charset="0"/>
+              </a:rPr>
+              <a:t>sqlm</a:t>
+            </a:r>
+            <a:r>
+              <a:rPr lang="en-US" sz="2300" dirty="0">
+                <a:latin typeface="Courier New" panose="02070309020205020404" pitchFamily="49" charset="0"/>
+                <a:cs typeface="Courier New" panose="02070309020205020404" pitchFamily="49" charset="0"/>
+              </a:rPr>
+              <a:t>’ for more usages.</a:t>
+            </a:r>
+          </a:p>
+          <a:p>
+            <a:r>
+              <a:rPr lang="en-US" sz="2300" dirty="0">
+                <a:latin typeface="Courier New" panose="02070309020205020404" pitchFamily="49" charset="0"/>
+                <a:cs typeface="Courier New" panose="02070309020205020404" pitchFamily="49" charset="0"/>
+              </a:rPr>
+              <a:t>Ora </a:t>
+            </a:r>
+            <a:r>
+              <a:rPr lang="en-US" sz="2300" dirty="0" err="1">
+                <a:latin typeface="Courier New" panose="02070309020205020404" pitchFamily="49" charset="0"/>
+                <a:cs typeface="Courier New" panose="02070309020205020404" pitchFamily="49" charset="0"/>
+              </a:rPr>
+              <a:t>ashplan</a:t>
+            </a:r>
+            <a:r>
+              <a:rPr lang="en-US" sz="2300" dirty="0">
+                <a:latin typeface="Courier New" panose="02070309020205020404" pitchFamily="49" charset="0"/>
+                <a:cs typeface="Courier New" panose="02070309020205020404" pitchFamily="49" charset="0"/>
+              </a:rPr>
+              <a:t> &lt;</a:t>
+            </a:r>
+            <a:r>
+              <a:rPr lang="en-US" sz="2300" dirty="0" err="1">
+                <a:latin typeface="Courier New" panose="02070309020205020404" pitchFamily="49" charset="0"/>
+                <a:cs typeface="Courier New" panose="02070309020205020404" pitchFamily="49" charset="0"/>
+              </a:rPr>
+              <a:t>sql_id</a:t>
+            </a:r>
+            <a:r>
+              <a:rPr lang="en-US" sz="2300" dirty="0">
+                <a:latin typeface="Courier New" panose="02070309020205020404" pitchFamily="49" charset="0"/>
+                <a:cs typeface="Courier New" panose="02070309020205020404" pitchFamily="49" charset="0"/>
+              </a:rPr>
+              <a:t>&gt; [</a:t>
+            </a:r>
+            <a:r>
+              <a:rPr lang="en-US" sz="2300" dirty="0" err="1">
+                <a:latin typeface="Courier New" panose="02070309020205020404" pitchFamily="49" charset="0"/>
+                <a:cs typeface="Courier New" panose="02070309020205020404" pitchFamily="49" charset="0"/>
+              </a:rPr>
+              <a:t>plan_hash_value</a:t>
+            </a:r>
+            <a:r>
+              <a:rPr lang="en-US" sz="2300" dirty="0">
+                <a:latin typeface="Courier New" panose="02070309020205020404" pitchFamily="49" charset="0"/>
+                <a:cs typeface="Courier New" panose="02070309020205020404" pitchFamily="49" charset="0"/>
+              </a:rPr>
+              <a:t>] [-dash]:</a:t>
+            </a:r>
+            <a:r>
+              <a:rPr lang="zh-CN" altLang="en-US" sz="2300" dirty="0">
+                <a:latin typeface="Courier New" panose="02070309020205020404" pitchFamily="49" charset="0"/>
+                <a:cs typeface="Courier New" panose="02070309020205020404" pitchFamily="49" charset="0"/>
+              </a:rPr>
+              <a:t> </a:t>
+            </a:r>
+            <a:r>
+              <a:rPr lang="en-US" altLang="zh-CN" sz="2300" dirty="0">
+                <a:latin typeface="Courier New" panose="02070309020205020404" pitchFamily="49" charset="0"/>
+                <a:cs typeface="Courier New" panose="02070309020205020404" pitchFamily="49" charset="0"/>
+              </a:rPr>
+              <a:t>show</a:t>
+            </a:r>
+            <a:r>
+              <a:rPr lang="zh-CN" altLang="en-US" sz="2300" dirty="0">
+                <a:latin typeface="Courier New" panose="02070309020205020404" pitchFamily="49" charset="0"/>
+                <a:cs typeface="Courier New" panose="02070309020205020404" pitchFamily="49" charset="0"/>
+              </a:rPr>
+              <a:t> </a:t>
+            </a:r>
+            <a:r>
+              <a:rPr lang="en-US" altLang="zh-CN" sz="2300" dirty="0">
+                <a:latin typeface="Courier New" panose="02070309020205020404" pitchFamily="49" charset="0"/>
+                <a:cs typeface="Courier New" panose="02070309020205020404" pitchFamily="49" charset="0"/>
+              </a:rPr>
+              <a:t>sql plan + aggregated ash cost of all executions of the same </a:t>
+            </a:r>
+            <a:r>
+              <a:rPr lang="en-US" altLang="zh-CN" sz="2300" dirty="0" err="1">
+                <a:latin typeface="Courier New" panose="02070309020205020404" pitchFamily="49" charset="0"/>
+                <a:cs typeface="Courier New" panose="02070309020205020404" pitchFamily="49" charset="0"/>
+              </a:rPr>
+              <a:t>phv</a:t>
+            </a:r>
+            <a:endParaRPr lang="en-US" altLang="zh-CN" sz="2300" dirty="0">
+              <a:latin typeface="Courier New" panose="02070309020205020404" pitchFamily="49" charset="0"/>
+              <a:cs typeface="Courier New" panose="02070309020205020404" pitchFamily="49" charset="0"/>
+            </a:endParaRPr>
+          </a:p>
+          <a:p>
+            <a:r>
+              <a:rPr lang="en-US" sz="2300" dirty="0">
+                <a:latin typeface="Courier New" panose="02070309020205020404" pitchFamily="49" charset="0"/>
+                <a:cs typeface="Courier New" panose="02070309020205020404" pitchFamily="49" charset="0"/>
+              </a:rPr>
+              <a:t>Ora </a:t>
+            </a:r>
+            <a:r>
+              <a:rPr lang="en-US" sz="2300" dirty="0" err="1">
+                <a:latin typeface="Courier New" panose="02070309020205020404" pitchFamily="49" charset="0"/>
+                <a:cs typeface="Courier New" panose="02070309020205020404" pitchFamily="49" charset="0"/>
+              </a:rPr>
+              <a:t>ashchain</a:t>
+            </a:r>
+            <a:r>
+              <a:rPr lang="en-US" sz="2300" dirty="0">
+                <a:latin typeface="Courier New" panose="02070309020205020404" pitchFamily="49" charset="0"/>
+                <a:cs typeface="Courier New" panose="02070309020205020404" pitchFamily="49" charset="0"/>
+              </a:rPr>
+              <a:t> [&lt;</a:t>
+            </a:r>
+            <a:r>
+              <a:rPr lang="en-US" sz="2300" dirty="0" err="1">
+                <a:latin typeface="Courier New" panose="02070309020205020404" pitchFamily="49" charset="0"/>
+                <a:cs typeface="Courier New" panose="02070309020205020404" pitchFamily="49" charset="0"/>
+              </a:rPr>
+              <a:t>sql_id</a:t>
+            </a:r>
+            <a:r>
+              <a:rPr lang="en-US" sz="2300" dirty="0">
+                <a:latin typeface="Courier New" panose="02070309020205020404" pitchFamily="49" charset="0"/>
+                <a:cs typeface="Courier New" panose="02070309020205020404" pitchFamily="49" charset="0"/>
+              </a:rPr>
+              <a:t>&gt;|&lt;sid&gt;] [-sid|-p] [-flat]:  An enhancement of </a:t>
+            </a:r>
+            <a:r>
+              <a:rPr lang="en-US" sz="2300" dirty="0" err="1">
+                <a:latin typeface="Courier New" panose="02070309020205020404" pitchFamily="49" charset="0"/>
+                <a:cs typeface="Courier New" panose="02070309020205020404" pitchFamily="49" charset="0"/>
+              </a:rPr>
+              <a:t>Tanel</a:t>
+            </a:r>
+            <a:r>
+              <a:rPr lang="en-US" sz="2300" dirty="0">
+                <a:latin typeface="Courier New" panose="02070309020205020404" pitchFamily="49" charset="0"/>
+                <a:cs typeface="Courier New" panose="02070309020205020404" pitchFamily="49" charset="0"/>
+              </a:rPr>
+              <a:t> </a:t>
+            </a:r>
+            <a:r>
+              <a:rPr lang="en-US" sz="2300" dirty="0" err="1">
+                <a:latin typeface="Courier New" panose="02070309020205020404" pitchFamily="49" charset="0"/>
+                <a:cs typeface="Courier New" panose="02070309020205020404" pitchFamily="49" charset="0"/>
+              </a:rPr>
+              <a:t>Poder’s</a:t>
+            </a:r>
+            <a:r>
+              <a:rPr lang="en-US" sz="2300" dirty="0">
+                <a:latin typeface="Courier New" panose="02070309020205020404" pitchFamily="49" charset="0"/>
+                <a:cs typeface="Courier New" panose="02070309020205020404" pitchFamily="49" charset="0"/>
+              </a:rPr>
+              <a:t> script to see blocking information of ASH</a:t>
+            </a:r>
+          </a:p>
+          <a:p>
+            <a:r>
+              <a:rPr lang="en-US" sz="2300" dirty="0">
+                <a:latin typeface="Courier New" panose="02070309020205020404" pitchFamily="49" charset="0"/>
+                <a:cs typeface="Courier New" panose="02070309020205020404" pitchFamily="49" charset="0"/>
+              </a:rPr>
+              <a:t>Ora </a:t>
+            </a:r>
+            <a:r>
+              <a:rPr lang="en-US" sz="2300" dirty="0" err="1">
+                <a:latin typeface="Courier New" panose="02070309020205020404" pitchFamily="49" charset="0"/>
+                <a:cs typeface="Courier New" panose="02070309020205020404" pitchFamily="49" charset="0"/>
+              </a:rPr>
+              <a:t>ashtop</a:t>
+            </a:r>
+            <a:r>
+              <a:rPr lang="en-US" sz="2300" dirty="0">
+                <a:latin typeface="Courier New" panose="02070309020205020404" pitchFamily="49" charset="0"/>
+                <a:cs typeface="Courier New" panose="02070309020205020404" pitchFamily="49" charset="0"/>
+              </a:rPr>
+              <a:t> [&lt;</a:t>
+            </a:r>
+            <a:r>
+              <a:rPr lang="en-US" sz="2300" dirty="0" err="1">
+                <a:latin typeface="Courier New" panose="02070309020205020404" pitchFamily="49" charset="0"/>
+                <a:cs typeface="Courier New" panose="02070309020205020404" pitchFamily="49" charset="0"/>
+              </a:rPr>
+              <a:t>sql_id</a:t>
+            </a:r>
+            <a:r>
+              <a:rPr lang="en-US" sz="2300" dirty="0">
+                <a:latin typeface="Courier New" panose="02070309020205020404" pitchFamily="49" charset="0"/>
+                <a:cs typeface="Courier New" panose="02070309020205020404" pitchFamily="49" charset="0"/>
+              </a:rPr>
+              <a:t>&gt;] [-snap &lt;seconds&gt;] [-p|-o]: An enhancement of </a:t>
+            </a:r>
+            <a:r>
+              <a:rPr lang="en-US" sz="2300" dirty="0" err="1">
+                <a:latin typeface="Courier New" panose="02070309020205020404" pitchFamily="49" charset="0"/>
+                <a:cs typeface="Courier New" panose="02070309020205020404" pitchFamily="49" charset="0"/>
+              </a:rPr>
+              <a:t>Tanel</a:t>
+            </a:r>
+            <a:r>
+              <a:rPr lang="en-US" sz="2300" dirty="0">
+                <a:latin typeface="Courier New" panose="02070309020205020404" pitchFamily="49" charset="0"/>
+                <a:cs typeface="Courier New" panose="02070309020205020404" pitchFamily="49" charset="0"/>
+              </a:rPr>
+              <a:t> </a:t>
+            </a:r>
+            <a:r>
+              <a:rPr lang="en-US" sz="2300" dirty="0" err="1">
+                <a:latin typeface="Courier New" panose="02070309020205020404" pitchFamily="49" charset="0"/>
+                <a:cs typeface="Courier New" panose="02070309020205020404" pitchFamily="49" charset="0"/>
+              </a:rPr>
+              <a:t>Poder’s</a:t>
+            </a:r>
+            <a:r>
+              <a:rPr lang="en-US" sz="2300" dirty="0">
+                <a:latin typeface="Courier New" panose="02070309020205020404" pitchFamily="49" charset="0"/>
+                <a:cs typeface="Courier New" panose="02070309020205020404" pitchFamily="49" charset="0"/>
+              </a:rPr>
+              <a:t> script to see blocking information of ASH</a:t>
+            </a:r>
+          </a:p>
+          <a:p>
+            <a:r>
+              <a:rPr lang="en-US" sz="2300" dirty="0">
+                <a:latin typeface="Courier New" panose="02070309020205020404" pitchFamily="49" charset="0"/>
+                <a:cs typeface="Courier New" panose="02070309020205020404" pitchFamily="49" charset="0"/>
+              </a:rPr>
+              <a:t>Ora obj &lt;</a:t>
+            </a:r>
+            <a:r>
+              <a:rPr lang="en-US" sz="2300" dirty="0" err="1">
+                <a:latin typeface="Courier New" panose="02070309020205020404" pitchFamily="49" charset="0"/>
+                <a:cs typeface="Courier New" panose="02070309020205020404" pitchFamily="49" charset="0"/>
+              </a:rPr>
+              <a:t>object_id|data_object_id</a:t>
+            </a:r>
+            <a:r>
+              <a:rPr lang="en-US" sz="2300" dirty="0">
+                <a:latin typeface="Courier New" panose="02070309020205020404" pitchFamily="49" charset="0"/>
+                <a:cs typeface="Courier New" panose="02070309020205020404" pitchFamily="49" charset="0"/>
+              </a:rPr>
+              <a:t>|[owner.]</a:t>
+            </a:r>
+            <a:r>
+              <a:rPr lang="en-US" sz="2300" dirty="0" err="1">
+                <a:latin typeface="Courier New" panose="02070309020205020404" pitchFamily="49" charset="0"/>
+                <a:cs typeface="Courier New" panose="02070309020205020404" pitchFamily="49" charset="0"/>
+              </a:rPr>
+              <a:t>object_name</a:t>
+            </a:r>
+            <a:r>
+              <a:rPr lang="en-US" sz="2300" dirty="0">
+                <a:latin typeface="Courier New" panose="02070309020205020404" pitchFamily="49" charset="0"/>
+                <a:cs typeface="Courier New" panose="02070309020205020404" pitchFamily="49" charset="0"/>
+              </a:rPr>
+              <a:t>&gt;: Show information of an object</a:t>
+            </a:r>
+          </a:p>
+          <a:p>
+            <a:r>
+              <a:rPr lang="en-US" sz="2300" dirty="0">
+                <a:latin typeface="Courier New" panose="02070309020205020404" pitchFamily="49" charset="0"/>
+                <a:cs typeface="Courier New" panose="02070309020205020404" pitchFamily="49" charset="0"/>
+              </a:rPr>
+              <a:t>Ora search &lt;keyword&gt;: search object with specific keyword</a:t>
+            </a:r>
+          </a:p>
+          <a:p>
+            <a:r>
+              <a:rPr lang="en-US" sz="2300" dirty="0">
+                <a:latin typeface="Courier New" panose="02070309020205020404" pitchFamily="49" charset="0"/>
+                <a:cs typeface="Courier New" panose="02070309020205020404" pitchFamily="49" charset="0"/>
+              </a:rPr>
+              <a:t>Ora size [owner.]&lt;</a:t>
+            </a:r>
+            <a:r>
+              <a:rPr lang="en-US" sz="2300" dirty="0" err="1">
+                <a:latin typeface="Courier New" panose="02070309020205020404" pitchFamily="49" charset="0"/>
+                <a:cs typeface="Courier New" panose="02070309020205020404" pitchFamily="49" charset="0"/>
+              </a:rPr>
+              <a:t>object_name</a:t>
+            </a:r>
+            <a:r>
+              <a:rPr lang="en-US" sz="2300" dirty="0">
+                <a:latin typeface="Courier New" panose="02070309020205020404" pitchFamily="49" charset="0"/>
+                <a:cs typeface="Courier New" panose="02070309020205020404" pitchFamily="49" charset="0"/>
+              </a:rPr>
+              <a:t>&gt;: show space usage of an object</a:t>
+            </a:r>
+          </a:p>
+          <a:p>
+            <a:r>
+              <a:rPr lang="en-US" sz="2300" dirty="0">
+                <a:latin typeface="Courier New" panose="02070309020205020404" pitchFamily="49" charset="0"/>
+                <a:cs typeface="Courier New" panose="02070309020205020404" pitchFamily="49" charset="0"/>
+              </a:rPr>
+              <a:t>Ora space [owner.]&lt;</a:t>
+            </a:r>
+            <a:r>
+              <a:rPr lang="en-US" sz="2300" dirty="0" err="1">
+                <a:latin typeface="Courier New" panose="02070309020205020404" pitchFamily="49" charset="0"/>
+                <a:cs typeface="Courier New" panose="02070309020205020404" pitchFamily="49" charset="0"/>
+              </a:rPr>
+              <a:t>object_name</a:t>
+            </a:r>
+            <a:r>
+              <a:rPr lang="en-US" sz="2300" dirty="0">
+                <a:latin typeface="Courier New" panose="02070309020205020404" pitchFamily="49" charset="0"/>
+                <a:cs typeface="Courier New" panose="02070309020205020404" pitchFamily="49" charset="0"/>
+              </a:rPr>
+              <a:t>&gt; [-adv]: show detailed space usage of an object</a:t>
+            </a:r>
+          </a:p>
+          <a:p>
+            <a:r>
+              <a:rPr lang="en-US" sz="2300" dirty="0">
+                <a:latin typeface="Courier New" panose="02070309020205020404" pitchFamily="49" charset="0"/>
+                <a:cs typeface="Courier New" panose="02070309020205020404" pitchFamily="49" charset="0"/>
+              </a:rPr>
+              <a:t>Ora </a:t>
+            </a:r>
+            <a:r>
+              <a:rPr lang="en-US" sz="2300" dirty="0" err="1">
+                <a:latin typeface="Courier New" panose="02070309020205020404" pitchFamily="49" charset="0"/>
+                <a:cs typeface="Courier New" panose="02070309020205020404" pitchFamily="49" charset="0"/>
+              </a:rPr>
+              <a:t>ddl</a:t>
+            </a:r>
+            <a:r>
+              <a:rPr lang="en-US" sz="2300" dirty="0">
+                <a:latin typeface="Courier New" panose="02070309020205020404" pitchFamily="49" charset="0"/>
+                <a:cs typeface="Courier New" panose="02070309020205020404" pitchFamily="49" charset="0"/>
+              </a:rPr>
+              <a:t> [owner.]&lt;</a:t>
+            </a:r>
+            <a:r>
+              <a:rPr lang="en-US" sz="2300" dirty="0" err="1">
+                <a:latin typeface="Courier New" panose="02070309020205020404" pitchFamily="49" charset="0"/>
+                <a:cs typeface="Courier New" panose="02070309020205020404" pitchFamily="49" charset="0"/>
+              </a:rPr>
+              <a:t>object_name</a:t>
+            </a:r>
+            <a:r>
+              <a:rPr lang="en-US" sz="2300" dirty="0">
+                <a:latin typeface="Courier New" panose="02070309020205020404" pitchFamily="49" charset="0"/>
+                <a:cs typeface="Courier New" panose="02070309020205020404" pitchFamily="49" charset="0"/>
+              </a:rPr>
+              <a:t>&gt;: show </a:t>
+            </a:r>
+            <a:r>
+              <a:rPr lang="en-US" sz="2300" dirty="0" err="1">
+                <a:latin typeface="Courier New" panose="02070309020205020404" pitchFamily="49" charset="0"/>
+                <a:cs typeface="Courier New" panose="02070309020205020404" pitchFamily="49" charset="0"/>
+              </a:rPr>
+              <a:t>ddl</a:t>
+            </a:r>
+            <a:r>
+              <a:rPr lang="en-US" sz="2300" dirty="0">
+                <a:latin typeface="Courier New" panose="02070309020205020404" pitchFamily="49" charset="0"/>
+                <a:cs typeface="Courier New" panose="02070309020205020404" pitchFamily="49" charset="0"/>
+              </a:rPr>
+              <a:t> of an object</a:t>
+            </a:r>
+          </a:p>
+          <a:p>
+            <a:r>
+              <a:rPr lang="en-US" sz="2300" dirty="0">
+                <a:latin typeface="Courier New" panose="02070309020205020404" pitchFamily="49" charset="0"/>
+                <a:cs typeface="Courier New" panose="02070309020205020404" pitchFamily="49" charset="0"/>
+              </a:rPr>
+              <a:t>Ora stats [owner.]&lt;</a:t>
+            </a:r>
+            <a:r>
+              <a:rPr lang="en-US" sz="2300" dirty="0" err="1">
+                <a:latin typeface="Courier New" panose="02070309020205020404" pitchFamily="49" charset="0"/>
+                <a:cs typeface="Courier New" panose="02070309020205020404" pitchFamily="49" charset="0"/>
+              </a:rPr>
+              <a:t>table_name</a:t>
+            </a:r>
+            <a:r>
+              <a:rPr lang="en-US" sz="2300" dirty="0">
+                <a:latin typeface="Courier New" panose="02070309020205020404" pitchFamily="49" charset="0"/>
+                <a:cs typeface="Courier New" panose="02070309020205020404" pitchFamily="49" charset="0"/>
+              </a:rPr>
+              <a:t>&gt; [-advise]: show table stats or run statistics advisor</a:t>
+            </a:r>
+          </a:p>
+          <a:p>
+            <a:r>
+              <a:rPr lang="en-US" sz="2300" dirty="0">
+                <a:latin typeface="Courier New" panose="02070309020205020404" pitchFamily="49" charset="0"/>
+                <a:cs typeface="Courier New" panose="02070309020205020404" pitchFamily="49" charset="0"/>
+              </a:rPr>
+              <a:t>Ora histogram [owner.]&lt;</a:t>
+            </a:r>
+            <a:r>
+              <a:rPr lang="en-US" sz="2300" dirty="0" err="1">
+                <a:latin typeface="Courier New" panose="02070309020205020404" pitchFamily="49" charset="0"/>
+                <a:cs typeface="Courier New" panose="02070309020205020404" pitchFamily="49" charset="0"/>
+              </a:rPr>
+              <a:t>table_name</a:t>
+            </a:r>
+            <a:r>
+              <a:rPr lang="en-US" sz="2300" dirty="0">
+                <a:latin typeface="Courier New" panose="02070309020205020404" pitchFamily="49" charset="0"/>
+                <a:cs typeface="Courier New" panose="02070309020205020404" pitchFamily="49" charset="0"/>
+              </a:rPr>
+              <a:t>&gt; &lt;column&gt; […]: Show/change histogram of a column</a:t>
+            </a:r>
+          </a:p>
+          <a:p>
+            <a:r>
+              <a:rPr lang="en-US" sz="2300" dirty="0">
+                <a:latin typeface="Courier New" panose="02070309020205020404" pitchFamily="49" charset="0"/>
+                <a:cs typeface="Courier New" panose="02070309020205020404" pitchFamily="49" charset="0"/>
+              </a:rPr>
+              <a:t>Ora </a:t>
+            </a:r>
+            <a:r>
+              <a:rPr lang="en-US" sz="2300" dirty="0" err="1">
+                <a:latin typeface="Courier New" panose="02070309020205020404" pitchFamily="49" charset="0"/>
+                <a:cs typeface="Courier New" panose="02070309020205020404" pitchFamily="49" charset="0"/>
+              </a:rPr>
+              <a:t>spd</a:t>
+            </a:r>
+            <a:r>
+              <a:rPr lang="en-US" sz="2300" dirty="0">
+                <a:latin typeface="Courier New" panose="02070309020205020404" pitchFamily="49" charset="0"/>
+                <a:cs typeface="Courier New" panose="02070309020205020404" pitchFamily="49" charset="0"/>
+              </a:rPr>
+              <a:t> [owner.]&lt;</a:t>
+            </a:r>
+            <a:r>
+              <a:rPr lang="en-US" sz="2300" dirty="0" err="1">
+                <a:latin typeface="Courier New" panose="02070309020205020404" pitchFamily="49" charset="0"/>
+                <a:cs typeface="Courier New" panose="02070309020205020404" pitchFamily="49" charset="0"/>
+              </a:rPr>
+              <a:t>table_name</a:t>
+            </a:r>
+            <a:r>
+              <a:rPr lang="en-US" sz="2300" dirty="0">
+                <a:latin typeface="Courier New" panose="02070309020205020404" pitchFamily="49" charset="0"/>
+                <a:cs typeface="Courier New" panose="02070309020205020404" pitchFamily="49" charset="0"/>
+              </a:rPr>
+              <a:t>&gt;: show SPD information of an object</a:t>
+            </a:r>
+          </a:p>
+          <a:p>
+            <a:r>
+              <a:rPr lang="en-US" sz="2300" dirty="0">
+                <a:latin typeface="Courier New" panose="02070309020205020404" pitchFamily="49" charset="0"/>
+                <a:cs typeface="Courier New" panose="02070309020205020404" pitchFamily="49" charset="0"/>
+              </a:rPr>
+              <a:t>Ora/sys </a:t>
+            </a:r>
+            <a:r>
+              <a:rPr lang="en-US" sz="2300" dirty="0" err="1">
+                <a:latin typeface="Courier New" panose="02070309020205020404" pitchFamily="49" charset="0"/>
+                <a:cs typeface="Courier New" panose="02070309020205020404" pitchFamily="49" charset="0"/>
+              </a:rPr>
+              <a:t>liblock</a:t>
+            </a:r>
+            <a:r>
+              <a:rPr lang="en-US" sz="2300" dirty="0">
+                <a:latin typeface="Courier New" panose="02070309020205020404" pitchFamily="49" charset="0"/>
+                <a:cs typeface="Courier New" panose="02070309020205020404" pitchFamily="49" charset="0"/>
+              </a:rPr>
+              <a:t> [[owner.]&lt;</a:t>
+            </a:r>
+            <a:r>
+              <a:rPr lang="en-US" sz="2300" dirty="0" err="1">
+                <a:latin typeface="Courier New" panose="02070309020205020404" pitchFamily="49" charset="0"/>
+                <a:cs typeface="Courier New" panose="02070309020205020404" pitchFamily="49" charset="0"/>
+              </a:rPr>
+              <a:t>object_name</a:t>
+            </a:r>
+            <a:r>
+              <a:rPr lang="en-US" sz="2300" dirty="0">
+                <a:latin typeface="Courier New" panose="02070309020205020404" pitchFamily="49" charset="0"/>
+                <a:cs typeface="Courier New" panose="02070309020205020404" pitchFamily="49" charset="0"/>
+              </a:rPr>
+              <a:t>&gt;]: show library cache lock</a:t>
+            </a:r>
+          </a:p>
+          <a:p>
+            <a:r>
+              <a:rPr lang="en-US" sz="2300" dirty="0">
+                <a:latin typeface="Courier New" panose="02070309020205020404" pitchFamily="49" charset="0"/>
+                <a:cs typeface="Courier New" panose="02070309020205020404" pitchFamily="49" charset="0"/>
+              </a:rPr>
+              <a:t>Show </a:t>
+            </a:r>
+            <a:r>
+              <a:rPr lang="en-US" sz="2300" dirty="0" err="1">
+                <a:latin typeface="Courier New" panose="02070309020205020404" pitchFamily="49" charset="0"/>
+                <a:cs typeface="Courier New" panose="02070309020205020404" pitchFamily="49" charset="0"/>
+              </a:rPr>
+              <a:t>lockobj</a:t>
+            </a:r>
+            <a:r>
+              <a:rPr lang="en-US" sz="2300" dirty="0">
+                <a:latin typeface="Courier New" panose="02070309020205020404" pitchFamily="49" charset="0"/>
+                <a:cs typeface="Courier New" panose="02070309020205020404" pitchFamily="49" charset="0"/>
+              </a:rPr>
+              <a:t>: show DML lock information</a:t>
+            </a:r>
+          </a:p>
+          <a:p>
+            <a:r>
+              <a:rPr lang="en-US" sz="2300" dirty="0">
+                <a:latin typeface="Courier New" panose="02070309020205020404" pitchFamily="49" charset="0"/>
+                <a:cs typeface="Courier New" panose="02070309020205020404" pitchFamily="49" charset="0"/>
+              </a:rPr>
+              <a:t>Show waiters: show blocking information</a:t>
+            </a:r>
+          </a:p>
+          <a:p>
+            <a:r>
+              <a:rPr lang="en-US" sz="2300" dirty="0">
+                <a:latin typeface="Courier New" panose="02070309020205020404" pitchFamily="49" charset="0"/>
+                <a:cs typeface="Courier New" panose="02070309020205020404" pitchFamily="49" charset="0"/>
+              </a:rPr>
+              <a:t>Show </a:t>
+            </a:r>
+            <a:r>
+              <a:rPr lang="en-US" sz="2300" dirty="0" err="1">
+                <a:latin typeface="Courier New" panose="02070309020205020404" pitchFamily="49" charset="0"/>
+                <a:cs typeface="Courier New" panose="02070309020205020404" pitchFamily="49" charset="0"/>
+              </a:rPr>
+              <a:t>waitchain</a:t>
+            </a:r>
+            <a:r>
+              <a:rPr lang="en-US" sz="2300" dirty="0">
+                <a:latin typeface="Courier New" panose="02070309020205020404" pitchFamily="49" charset="0"/>
+                <a:cs typeface="Courier New" panose="02070309020205020404" pitchFamily="49" charset="0"/>
+              </a:rPr>
+              <a:t>: show blocking information</a:t>
+            </a:r>
+          </a:p>
+          <a:p>
+            <a:r>
+              <a:rPr lang="en-US" sz="2300" dirty="0">
+                <a:latin typeface="Courier New" panose="02070309020205020404" pitchFamily="49" charset="0"/>
+                <a:cs typeface="Courier New" panose="02070309020205020404" pitchFamily="49" charset="0"/>
+              </a:rPr>
+              <a:t>Show trans: show running transactions</a:t>
+            </a:r>
+          </a:p>
+          <a:p>
+            <a:endParaRPr lang="en-US" dirty="0"/>
+          </a:p>
+          <a:p>
+            <a:endParaRPr lang="en-US" dirty="0"/>
+          </a:p>
+        </p:txBody>
+      </p:sp>
+    </p:spTree>
+    <p:extLst>
+      <p:ext uri="{BB962C8B-B14F-4D97-AF65-F5344CB8AC3E}">
+        <p14:creationId xmlns:p14="http://schemas.microsoft.com/office/powerpoint/2010/main" val="2093610832"/>
+      </p:ext>
+    </p:extLst>
+  </p:cSld>
+  <p:clrMapOvr>
+    <a:masterClrMapping/>
+  </p:clrMapOvr>
+</p:sld>
+</file>
+
+<file path=ppt/slides/slide41.xml><?xml version="1.0" encoding="utf-8"?>
+<p:sld xmlns:a="http://schemas.openxmlformats.org/drawingml/2006/main" xmlns:r="http://schemas.openxmlformats.org/officeDocument/2006/relationships" xmlns:p="http://schemas.openxmlformats.org/presentationml/2006/main">
+  <p:cSld>
+    <p:spTree>
+      <p:nvGrpSpPr>
+        <p:cNvPr id="1" name=""/>
+        <p:cNvGrpSpPr/>
+        <p:nvPr/>
+      </p:nvGrpSpPr>
+      <p:grpSpPr>
+        <a:xfrm>
+          <a:off x="0" y="0"/>
+          <a:ext cx="0" cy="0"/>
+          <a:chOff x="0" y="0"/>
+          <a:chExt cx="0" cy="0"/>
+        </a:xfrm>
+      </p:grpSpPr>
+      <p:sp>
+        <p:nvSpPr>
           <p:cNvPr id="3" name="内容占位符 2">
             <a:extLst>
               <a:ext uri="{FF2B5EF4-FFF2-40B4-BE49-F238E27FC236}">
@@ -18932,7 +19162,7 @@
 </p:sld>
 </file>
 
-<file path=ppt/slides/slide41.xml><?xml version="1.0" encoding="utf-8"?>
+<file path=ppt/slides/slide42.xml><?xml version="1.0" encoding="utf-8"?>
 <p:sld xmlns:a="http://schemas.openxmlformats.org/drawingml/2006/main" xmlns:r="http://schemas.openxmlformats.org/officeDocument/2006/relationships" xmlns:p="http://schemas.openxmlformats.org/presentationml/2006/main">
   <p:cSld>
     <p:spTree>
@@ -19094,7 +19324,7 @@
 </p:sld>
 </file>
 
-<file path=ppt/slides/slide42.xml><?xml version="1.0" encoding="utf-8"?>
+<file path=ppt/slides/slide43.xml><?xml version="1.0" encoding="utf-8"?>
 <p:sld xmlns:a="http://schemas.openxmlformats.org/drawingml/2006/main" xmlns:r="http://schemas.openxmlformats.org/officeDocument/2006/relationships" xmlns:p="http://schemas.openxmlformats.org/presentationml/2006/main">
   <p:cSld>
     <p:spTree>
@@ -19517,7 +19747,7 @@
 </p:sld>
 </file>
 
-<file path=ppt/slides/slide43.xml><?xml version="1.0" encoding="utf-8"?>
+<file path=ppt/slides/slide44.xml><?xml version="1.0" encoding="utf-8"?>
 <p:sld xmlns:a="http://schemas.openxmlformats.org/drawingml/2006/main" xmlns:r="http://schemas.openxmlformats.org/officeDocument/2006/relationships" xmlns:p="http://schemas.openxmlformats.org/presentationml/2006/main">
   <p:cSld>
     <p:spTree>
@@ -19851,7 +20081,7 @@
 </p:sld>
 </file>
 
-<file path=ppt/slides/slide44.xml><?xml version="1.0" encoding="utf-8"?>
+<file path=ppt/slides/slide45.xml><?xml version="1.0" encoding="utf-8"?>
 <p:sld xmlns:a="http://schemas.openxmlformats.org/drawingml/2006/main" xmlns:r="http://schemas.openxmlformats.org/officeDocument/2006/relationships" xmlns:p="http://schemas.openxmlformats.org/presentationml/2006/main">
   <p:cSld>
     <p:spTree>
@@ -20062,7 +20292,7 @@
 </p:sld>
 </file>
 
-<file path=ppt/slides/slide45.xml><?xml version="1.0" encoding="utf-8"?>
+<file path=ppt/slides/slide46.xml><?xml version="1.0" encoding="utf-8"?>
 <p:sld xmlns:a="http://schemas.openxmlformats.org/drawingml/2006/main" xmlns:r="http://schemas.openxmlformats.org/officeDocument/2006/relationships" xmlns:p="http://schemas.openxmlformats.org/presentationml/2006/main">
   <p:cSld>
     <p:spTree>
@@ -20316,7 +20546,7 @@
 </p:sld>
 </file>
 
-<file path=ppt/slides/slide46.xml><?xml version="1.0" encoding="utf-8"?>
+<file path=ppt/slides/slide47.xml><?xml version="1.0" encoding="utf-8"?>
 <p:sld xmlns:a="http://schemas.openxmlformats.org/drawingml/2006/main" xmlns:r="http://schemas.openxmlformats.org/officeDocument/2006/relationships" xmlns:p="http://schemas.openxmlformats.org/presentationml/2006/main">
   <p:cSld>
     <p:spTree>
@@ -20666,7 +20896,7 @@
 </p:sld>
 </file>
 
-<file path=ppt/slides/slide47.xml><?xml version="1.0" encoding="utf-8"?>
+<file path=ppt/slides/slide48.xml><?xml version="1.0" encoding="utf-8"?>
 <p:sld xmlns:a="http://schemas.openxmlformats.org/drawingml/2006/main" xmlns:r="http://schemas.openxmlformats.org/officeDocument/2006/relationships" xmlns:p="http://schemas.openxmlformats.org/presentationml/2006/main">
   <p:cSld>
     <p:spTree>
@@ -20812,7 +21042,7 @@
 </p:sld>
 </file>
 
-<file path=ppt/slides/slide48.xml><?xml version="1.0" encoding="utf-8"?>
+<file path=ppt/slides/slide49.xml><?xml version="1.0" encoding="utf-8"?>
 <p:sld xmlns:a="http://schemas.openxmlformats.org/drawingml/2006/main" xmlns:r="http://schemas.openxmlformats.org/officeDocument/2006/relationships" xmlns:p="http://schemas.openxmlformats.org/presentationml/2006/main">
   <p:cSld>
     <p:spTree>
@@ -20942,7 +21172,855 @@
 </p:sld>
 </file>
 
-<file path=ppt/slides/slide49.xml><?xml version="1.0" encoding="utf-8"?>
+<file path=ppt/slides/slide5.xml><?xml version="1.0" encoding="utf-8"?>
+<p:sld xmlns:a="http://schemas.openxmlformats.org/drawingml/2006/main" xmlns:r="http://schemas.openxmlformats.org/officeDocument/2006/relationships" xmlns:p="http://schemas.openxmlformats.org/presentationml/2006/main">
+  <p:cSld>
+    <p:spTree>
+      <p:nvGrpSpPr>
+        <p:cNvPr id="1" name=""/>
+        <p:cNvGrpSpPr/>
+        <p:nvPr/>
+      </p:nvGrpSpPr>
+      <p:grpSpPr>
+        <a:xfrm>
+          <a:off x="0" y="0"/>
+          <a:ext cx="0" cy="0"/>
+          <a:chOff x="0" y="0"/>
+          <a:chExt cx="0" cy="0"/>
+        </a:xfrm>
+      </p:grpSpPr>
+      <p:sp>
+        <p:nvSpPr>
+          <p:cNvPr id="2" name="标题 1">
+            <a:extLst>
+              <a:ext uri="{FF2B5EF4-FFF2-40B4-BE49-F238E27FC236}">
+                <a16:creationId xmlns:a16="http://schemas.microsoft.com/office/drawing/2014/main" id="{31E9F1B0-DF27-4D82-B726-DDD3F9CF7328}"/>
+              </a:ext>
+            </a:extLst>
+          </p:cNvPr>
+          <p:cNvSpPr>
+            <a:spLocks noGrp="1"/>
+          </p:cNvSpPr>
+          <p:nvPr>
+            <p:ph type="title"/>
+          </p:nvPr>
+        </p:nvSpPr>
+        <p:spPr>
+          <a:xfrm>
+            <a:off x="838200" y="184372"/>
+            <a:ext cx="10515600" cy="708763"/>
+          </a:xfrm>
+        </p:spPr>
+        <p:txBody>
+          <a:bodyPr/>
+          <a:lstStyle/>
+          <a:p>
+            <a:r>
+              <a:rPr lang="en-US" dirty="0"/>
+              <a:t>Intelligent format of the query output(Set)</a:t>
+            </a:r>
+          </a:p>
+        </p:txBody>
+      </p:sp>
+      <p:graphicFrame>
+        <p:nvGraphicFramePr>
+          <p:cNvPr id="4" name="表格 3">
+            <a:extLst>
+              <a:ext uri="{FF2B5EF4-FFF2-40B4-BE49-F238E27FC236}">
+                <a16:creationId xmlns:a16="http://schemas.microsoft.com/office/drawing/2014/main" id="{2563436E-7DD6-46CC-BCAE-29765B663613}"/>
+              </a:ext>
+            </a:extLst>
+          </p:cNvPr>
+          <p:cNvGraphicFramePr>
+            <a:graphicFrameLocks noGrp="1"/>
+          </p:cNvGraphicFramePr>
+          <p:nvPr>
+            <p:extLst>
+              <p:ext uri="{D42A27DB-BD31-4B8C-83A1-F6EECF244321}">
+                <p14:modId xmlns:p14="http://schemas.microsoft.com/office/powerpoint/2010/main" val="2259286601"/>
+              </p:ext>
+            </p:extLst>
+          </p:nvPr>
+        </p:nvGraphicFramePr>
+        <p:xfrm>
+          <a:off x="838200" y="1748157"/>
+          <a:ext cx="10374425" cy="5791200"/>
+        </p:xfrm>
+        <a:graphic>
+          <a:graphicData uri="http://schemas.openxmlformats.org/drawingml/2006/table">
+            <a:tbl>
+              <a:tblPr firstRow="1" bandRow="1">
+                <a:tableStyleId>{5C22544A-7EE6-4342-B048-85BDC9FD1C3A}</a:tableStyleId>
+              </a:tblPr>
+              <a:tblGrid>
+                <a:gridCol w="10374425">
+                  <a:extLst>
+                    <a:ext uri="{9D8B030D-6E8A-4147-A177-3AD203B41FA5}">
+                      <a16:colId xmlns:a16="http://schemas.microsoft.com/office/drawing/2014/main" val="4245137307"/>
+                    </a:ext>
+                  </a:extLst>
+                </a:gridCol>
+              </a:tblGrid>
+              <a:tr h="4570526">
+                <a:tc>
+                  <a:txBody>
+                    <a:bodyPr/>
+                    <a:lstStyle/>
+                    <a:p>
+                      <a:r>
+                        <a:rPr lang="en-US" sz="1100" b="0" i="0" kern="1200" baseline="0" dirty="0">
+                          <a:solidFill>
+                            <a:schemeClr val="lt1"/>
+                          </a:solidFill>
+                          <a:latin typeface="Consolas" panose="020B0609020204030204" pitchFamily="49" charset="0"/>
+                          <a:ea typeface="+mn-ea"/>
+                          <a:cs typeface="+mn-cs"/>
+                        </a:rPr>
+                        <a:t>CATDB&gt; set printsize 10                                                                                              </a:t>
+                      </a:r>
+                      <a:br>
+                        <a:rPr lang="en-US" sz="1100" b="0" i="0" kern="1200" baseline="0" dirty="0">
+                          <a:solidFill>
+                            <a:schemeClr val="lt1"/>
+                          </a:solidFill>
+                          <a:latin typeface="Consolas" panose="020B0609020204030204" pitchFamily="49" charset="0"/>
+                          <a:ea typeface="+mn-ea"/>
+                          <a:cs typeface="+mn-cs"/>
+                        </a:rPr>
+                      </a:br>
+                      <a:r>
+                        <a:rPr lang="en-US" sz="1100" b="0" i="0" kern="1200" baseline="0" dirty="0">
+                          <a:solidFill>
+                            <a:schemeClr val="lt1"/>
+                          </a:solidFill>
+                          <a:latin typeface="Consolas" panose="020B0609020204030204" pitchFamily="49" charset="0"/>
+                          <a:ea typeface="+mn-ea"/>
+                          <a:cs typeface="+mn-cs"/>
+                        </a:rPr>
+                        <a:t>CATDB&gt; sf dba_objects                                                                                                </a:t>
+                      </a:r>
+                      <a:br>
+                        <a:rPr lang="en-US" sz="1100" b="0" i="0" kern="1200" baseline="0" dirty="0">
+                          <a:solidFill>
+                            <a:schemeClr val="lt1"/>
+                          </a:solidFill>
+                          <a:latin typeface="Consolas" panose="020B0609020204030204" pitchFamily="49" charset="0"/>
+                          <a:ea typeface="+mn-ea"/>
+                          <a:cs typeface="+mn-cs"/>
+                        </a:rPr>
+                      </a:br>
+                      <a:r>
+                        <a:rPr lang="en-US" sz="1100" b="0" i="0" kern="1200" baseline="0" dirty="0">
+                          <a:solidFill>
+                            <a:schemeClr val="lt1"/>
+                          </a:solidFill>
+                          <a:latin typeface="Consolas" panose="020B0609020204030204" pitchFamily="49" charset="0"/>
+                          <a:ea typeface="+mn-ea"/>
+                          <a:cs typeface="+mn-cs"/>
+                        </a:rPr>
+                        <a:t>    $ select * from (select * from dba_objects) where rownum&lt;=50                                                     </a:t>
+                      </a:r>
+                      <a:br>
+                        <a:rPr lang="en-US" sz="1100" b="0" i="0" kern="1200" baseline="0" dirty="0">
+                          <a:solidFill>
+                            <a:schemeClr val="lt1"/>
+                          </a:solidFill>
+                          <a:latin typeface="Consolas" panose="020B0609020204030204" pitchFamily="49" charset="0"/>
+                          <a:ea typeface="+mn-ea"/>
+                          <a:cs typeface="+mn-cs"/>
+                        </a:rPr>
+                      </a:br>
+                      <a:r>
+                        <a:rPr lang="en-US" sz="1100" b="0" i="0" kern="1200" baseline="0" dirty="0">
+                          <a:solidFill>
+                            <a:schemeClr val="lt1"/>
+                          </a:solidFill>
+                          <a:latin typeface="Consolas" panose="020B0609020204030204" pitchFamily="49" charset="0"/>
+                          <a:ea typeface="+mn-ea"/>
+                          <a:cs typeface="+mn-cs"/>
+                        </a:rPr>
+                        <a:t>    OWNER  OBJECT_NAME   SUBOBJECT_NAME OBJECT_ID DATA_OBJECT_ID OBJECT_TYPE       CREATED          LAST_DDL_TIME    </a:t>
+                      </a:r>
+                      <a:br>
+                        <a:rPr lang="en-US" sz="1100" b="0" i="0" kern="1200" baseline="0" dirty="0">
+                          <a:solidFill>
+                            <a:schemeClr val="lt1"/>
+                          </a:solidFill>
+                          <a:latin typeface="Consolas" panose="020B0609020204030204" pitchFamily="49" charset="0"/>
+                          <a:ea typeface="+mn-ea"/>
+                          <a:cs typeface="+mn-cs"/>
+                        </a:rPr>
+                      </a:br>
+                      <a:r>
+                        <a:rPr lang="en-US" sz="1100" b="0" i="0" kern="1200" baseline="0" dirty="0">
+                          <a:solidFill>
+                            <a:schemeClr val="lt1"/>
+                          </a:solidFill>
+                          <a:latin typeface="Consolas" panose="020B0609020204030204" pitchFamily="49" charset="0"/>
+                          <a:ea typeface="+mn-ea"/>
+                          <a:cs typeface="+mn-cs"/>
+                        </a:rPr>
+                        <a:t>    ----- -------------- -------------- --------- -------------- ----------- ------------------- ------------------- </a:t>
+                      </a:r>
+                      <a:br>
+                        <a:rPr lang="en-US" sz="1100" b="0" i="0" kern="1200" baseline="0" dirty="0">
+                          <a:solidFill>
+                            <a:schemeClr val="lt1"/>
+                          </a:solidFill>
+                          <a:latin typeface="Consolas" panose="020B0609020204030204" pitchFamily="49" charset="0"/>
+                          <a:ea typeface="+mn-ea"/>
+                          <a:cs typeface="+mn-cs"/>
+                        </a:rPr>
+                      </a:br>
+                      <a:r>
+                        <a:rPr lang="en-US" sz="1100" b="0" i="0" kern="1200" baseline="0" dirty="0">
+                          <a:solidFill>
+                            <a:schemeClr val="lt1"/>
+                          </a:solidFill>
+                          <a:latin typeface="Consolas" panose="020B0609020204030204" pitchFamily="49" charset="0"/>
+                          <a:ea typeface="+mn-ea"/>
+                          <a:cs typeface="+mn-cs"/>
+                        </a:rPr>
+                        <a:t>    SYS   TS$                                  16              6 TABLE       2018-02-07 22:51:55 2018-02-07 23:57:54 </a:t>
+                      </a:r>
+                      <a:br>
+                        <a:rPr lang="en-US" sz="1100" b="0" i="0" kern="1200" baseline="0" dirty="0">
+                          <a:solidFill>
+                            <a:schemeClr val="lt1"/>
+                          </a:solidFill>
+                          <a:latin typeface="Consolas" panose="020B0609020204030204" pitchFamily="49" charset="0"/>
+                          <a:ea typeface="+mn-ea"/>
+                          <a:cs typeface="+mn-cs"/>
+                        </a:rPr>
+                      </a:br>
+                      <a:r>
+                        <a:rPr lang="en-US" sz="1100" b="0" i="0" kern="1200" baseline="0" dirty="0">
+                          <a:solidFill>
+                            <a:schemeClr val="lt1"/>
+                          </a:solidFill>
+                          <a:latin typeface="Consolas" panose="020B0609020204030204" pitchFamily="49" charset="0"/>
+                          <a:ea typeface="+mn-ea"/>
+                          <a:cs typeface="+mn-cs"/>
+                        </a:rPr>
+                        <a:t>    SYS   ICOL$                                20              2 TABLE       2018-02-07 22:51:55 2018-02-07 23:57:54 </a:t>
+                      </a:r>
+                      <a:br>
+                        <a:rPr lang="en-US" sz="1100" b="0" i="0" kern="1200" baseline="0" dirty="0">
+                          <a:solidFill>
+                            <a:schemeClr val="lt1"/>
+                          </a:solidFill>
+                          <a:latin typeface="Consolas" panose="020B0609020204030204" pitchFamily="49" charset="0"/>
+                          <a:ea typeface="+mn-ea"/>
+                          <a:cs typeface="+mn-cs"/>
+                        </a:rPr>
+                      </a:br>
+                      <a:r>
+                        <a:rPr lang="en-US" sz="1100" b="0" i="0" kern="1200" baseline="0" dirty="0">
+                          <a:solidFill>
+                            <a:schemeClr val="lt1"/>
+                          </a:solidFill>
+                          <a:latin typeface="Consolas" panose="020B0609020204030204" pitchFamily="49" charset="0"/>
+                          <a:ea typeface="+mn-ea"/>
+                          <a:cs typeface="+mn-cs"/>
+                        </a:rPr>
+                        <a:t>    SYS   C_FILE#_BLOCK#                        8              8 CLUSTER     2018-02-07 22:51:55 2018-02-07 22:51:55 </a:t>
+                      </a:r>
+                      <a:br>
+                        <a:rPr lang="en-US" sz="1100" b="0" i="0" kern="1200" baseline="0" dirty="0">
+                          <a:solidFill>
+                            <a:schemeClr val="lt1"/>
+                          </a:solidFill>
+                          <a:latin typeface="Consolas" panose="020B0609020204030204" pitchFamily="49" charset="0"/>
+                          <a:ea typeface="+mn-ea"/>
+                          <a:cs typeface="+mn-cs"/>
+                        </a:rPr>
+                      </a:br>
+                      <a:r>
+                        <a:rPr lang="en-US" sz="1100" b="0" i="0" kern="1200" baseline="0" dirty="0">
+                          <a:solidFill>
+                            <a:schemeClr val="lt1"/>
+                          </a:solidFill>
+                          <a:latin typeface="Consolas" panose="020B0609020204030204" pitchFamily="49" charset="0"/>
+                          <a:ea typeface="+mn-ea"/>
+                          <a:cs typeface="+mn-cs"/>
+                        </a:rPr>
+                        <a:t>    SYS   I_OBJ2                               37             37 INDEX       2018-02-07 22:51:56 2018-02-07 22:51:56 </a:t>
+                      </a:r>
+                      <a:br>
+                        <a:rPr lang="en-US" sz="1100" b="0" i="0" kern="1200" baseline="0" dirty="0">
+                          <a:solidFill>
+                            <a:schemeClr val="lt1"/>
+                          </a:solidFill>
+                          <a:latin typeface="Consolas" panose="020B0609020204030204" pitchFamily="49" charset="0"/>
+                          <a:ea typeface="+mn-ea"/>
+                          <a:cs typeface="+mn-cs"/>
+                        </a:rPr>
+                      </a:br>
+                      <a:r>
+                        <a:rPr lang="en-US" sz="1100" b="0" i="0" kern="1200" baseline="0" dirty="0">
+                          <a:solidFill>
+                            <a:schemeClr val="lt1"/>
+                          </a:solidFill>
+                          <a:latin typeface="Consolas" panose="020B0609020204030204" pitchFamily="49" charset="0"/>
+                          <a:ea typeface="+mn-ea"/>
+                          <a:cs typeface="+mn-cs"/>
+                        </a:rPr>
+                        <a:t>    SYS   USER$                                22             10 TABLE       2018-02-07 22:51:55 2018-02-07 23:05:16 </a:t>
+                      </a:r>
+                      <a:br>
+                        <a:rPr lang="en-US" sz="1100" b="0" i="0" kern="1200" baseline="0" dirty="0">
+                          <a:solidFill>
+                            <a:schemeClr val="lt1"/>
+                          </a:solidFill>
+                          <a:latin typeface="Consolas" panose="020B0609020204030204" pitchFamily="49" charset="0"/>
+                          <a:ea typeface="+mn-ea"/>
+                          <a:cs typeface="+mn-cs"/>
+                        </a:rPr>
+                      </a:br>
+                      <a:r>
+                        <a:rPr lang="en-US" sz="1100" b="0" i="0" kern="1200" baseline="0" dirty="0">
+                          <a:solidFill>
+                            <a:schemeClr val="lt1"/>
+                          </a:solidFill>
+                          <a:latin typeface="Consolas" panose="020B0609020204030204" pitchFamily="49" charset="0"/>
+                          <a:ea typeface="+mn-ea"/>
+                          <a:cs typeface="+mn-cs"/>
+                        </a:rPr>
+                        <a:t>    SYS   I_TAB1                               33             33 INDEX       2018-02-07 22:51:55 2018-02-07 22:51:55 </a:t>
+                      </a:r>
+                      <a:br>
+                        <a:rPr lang="en-US" sz="1100" b="0" i="0" kern="1200" baseline="0" dirty="0">
+                          <a:solidFill>
+                            <a:schemeClr val="lt1"/>
+                          </a:solidFill>
+                          <a:latin typeface="Consolas" panose="020B0609020204030204" pitchFamily="49" charset="0"/>
+                          <a:ea typeface="+mn-ea"/>
+                          <a:cs typeface="+mn-cs"/>
+                        </a:rPr>
+                      </a:br>
+                      <a:r>
+                        <a:rPr lang="en-US" sz="1100" b="0" i="0" kern="1200" baseline="0" dirty="0">
+                          <a:solidFill>
+                            <a:schemeClr val="lt1"/>
+                          </a:solidFill>
+                          <a:latin typeface="Consolas" panose="020B0609020204030204" pitchFamily="49" charset="0"/>
+                          <a:ea typeface="+mn-ea"/>
+                          <a:cs typeface="+mn-cs"/>
+                        </a:rPr>
+                        <a:t>    SYS   I_OBJ5                               40             40 INDEX       2018-02-07 22:51:56 2018-02-07 22:51:56 </a:t>
+                      </a:r>
+                      <a:br>
+                        <a:rPr lang="en-US" sz="1100" b="0" i="0" kern="1200" baseline="0" dirty="0">
+                          <a:solidFill>
+                            <a:schemeClr val="lt1"/>
+                          </a:solidFill>
+                          <a:latin typeface="Consolas" panose="020B0609020204030204" pitchFamily="49" charset="0"/>
+                          <a:ea typeface="+mn-ea"/>
+                          <a:cs typeface="+mn-cs"/>
+                        </a:rPr>
+                      </a:br>
+                      <a:r>
+                        <a:rPr lang="en-US" sz="1100" b="0" i="0" kern="1200" baseline="0" dirty="0">
+                          <a:solidFill>
+                            <a:schemeClr val="lt1"/>
+                          </a:solidFill>
+                          <a:latin typeface="Consolas" panose="020B0609020204030204" pitchFamily="49" charset="0"/>
+                          <a:ea typeface="+mn-ea"/>
+                          <a:cs typeface="+mn-cs"/>
+                        </a:rPr>
+                        <a:t>    SYS   CDEF$                                31             29 TABLE       2018-02-07 22:51:55 2018-02-07 23:57:54 </a:t>
+                      </a:r>
+                      <a:br>
+                        <a:rPr lang="en-US" sz="1100" b="0" i="0" kern="1200" baseline="0" dirty="0">
+                          <a:solidFill>
+                            <a:schemeClr val="lt1"/>
+                          </a:solidFill>
+                          <a:latin typeface="Consolas" panose="020B0609020204030204" pitchFamily="49" charset="0"/>
+                          <a:ea typeface="+mn-ea"/>
+                          <a:cs typeface="+mn-cs"/>
+                        </a:rPr>
+                      </a:br>
+                      <a:r>
+                        <a:rPr lang="en-US" sz="1100" b="0" i="0" kern="1200" baseline="0" dirty="0">
+                          <a:solidFill>
+                            <a:schemeClr val="lt1"/>
+                          </a:solidFill>
+                          <a:latin typeface="Consolas" panose="020B0609020204030204" pitchFamily="49" charset="0"/>
+                          <a:ea typeface="+mn-ea"/>
+                          <a:cs typeface="+mn-cs"/>
+                        </a:rPr>
+                        <a:t>    SYS   I_IND1                               41             41 INDEX       2018-02-07 22:51:56 2018-02-07 22:51:56 </a:t>
+                      </a:r>
+                      <a:br>
+                        <a:rPr lang="en-US" sz="1100" b="0" i="0" kern="1200" baseline="0" dirty="0">
+                          <a:solidFill>
+                            <a:schemeClr val="lt1"/>
+                          </a:solidFill>
+                          <a:latin typeface="Consolas" panose="020B0609020204030204" pitchFamily="49" charset="0"/>
+                          <a:ea typeface="+mn-ea"/>
+                          <a:cs typeface="+mn-cs"/>
+                        </a:rPr>
+                      </a:br>
+                      <a:r>
+                        <a:rPr lang="en-US" sz="1100" b="0" i="0" kern="1200" baseline="0" dirty="0">
+                          <a:solidFill>
+                            <a:schemeClr val="lt1"/>
+                          </a:solidFill>
+                          <a:latin typeface="Consolas" panose="020B0609020204030204" pitchFamily="49" charset="0"/>
+                          <a:ea typeface="+mn-ea"/>
+                          <a:cs typeface="+mn-cs"/>
+                        </a:rPr>
+                        <a:t>    SYS   I_OBJ#                                3              3 INDEX       2018-02-07 22:51:55 2018-02-07 22:51:55 </a:t>
+                      </a:r>
+                      <a:br>
+                        <a:rPr lang="en-US" sz="1100" b="0" i="0" kern="1200" baseline="0" dirty="0">
+                          <a:solidFill>
+                            <a:schemeClr val="lt1"/>
+                          </a:solidFill>
+                          <a:latin typeface="Consolas" panose="020B0609020204030204" pitchFamily="49" charset="0"/>
+                          <a:ea typeface="+mn-ea"/>
+                          <a:cs typeface="+mn-cs"/>
+                        </a:rPr>
+                      </a:br>
+                      <a:r>
+                        <a:rPr lang="en-US" sz="1100" b="0" i="0" kern="1200" baseline="0" dirty="0">
+                          <a:solidFill>
+                            <a:schemeClr val="lt1"/>
+                          </a:solidFill>
+                          <a:latin typeface="Consolas" panose="020B0609020204030204" pitchFamily="49" charset="0"/>
+                          <a:ea typeface="+mn-ea"/>
+                          <a:cs typeface="+mn-cs"/>
+                        </a:rPr>
+                        <a:t>                                                                                                                     </a:t>
+                      </a:r>
+                      <a:br>
+                        <a:rPr lang="en-US" sz="1100" b="0" i="0" kern="1200" baseline="0" dirty="0">
+                          <a:solidFill>
+                            <a:schemeClr val="lt1"/>
+                          </a:solidFill>
+                          <a:latin typeface="Consolas" panose="020B0609020204030204" pitchFamily="49" charset="0"/>
+                          <a:ea typeface="+mn-ea"/>
+                          <a:cs typeface="+mn-cs"/>
+                        </a:rPr>
+                      </a:br>
+                      <a:r>
+                        <a:rPr lang="en-US" sz="1100" b="0" i="0" kern="1200" baseline="0" dirty="0">
+                          <a:solidFill>
+                            <a:schemeClr val="lt1"/>
+                          </a:solidFill>
+                          <a:latin typeface="Consolas" panose="020B0609020204030204" pitchFamily="49" charset="0"/>
+                          <a:ea typeface="+mn-ea"/>
+                          <a:cs typeface="+mn-cs"/>
+                        </a:rPr>
+                        <a:t>    10 rows returned.    </a:t>
+                      </a:r>
+                    </a:p>
+                    <a:p>
+                      <a:r>
+                        <a:rPr lang="en-US" sz="1100" b="0" i="0" kern="1200" baseline="0" dirty="0">
+                          <a:solidFill>
+                            <a:schemeClr val="lt1"/>
+                          </a:solidFill>
+                          <a:latin typeface="Consolas" panose="020B0609020204030204" pitchFamily="49" charset="0"/>
+                          <a:ea typeface="+mn-ea"/>
+                          <a:cs typeface="+mn-cs"/>
+                        </a:rPr>
+                        <a:t>                                                                                            </a:t>
+                      </a:r>
+                      <a:br>
+                        <a:rPr lang="en-US" sz="1100" b="0" i="0" kern="1200" baseline="0" dirty="0">
+                          <a:solidFill>
+                            <a:schemeClr val="lt1"/>
+                          </a:solidFill>
+                          <a:latin typeface="Consolas" panose="020B0609020204030204" pitchFamily="49" charset="0"/>
+                          <a:ea typeface="+mn-ea"/>
+                          <a:cs typeface="+mn-cs"/>
+                        </a:rPr>
+                      </a:br>
+                      <a:r>
+                        <a:rPr lang="en-US" sz="1100" b="0" i="0" kern="1200" baseline="0" dirty="0">
+                          <a:solidFill>
+                            <a:schemeClr val="lt1"/>
+                          </a:solidFill>
+                          <a:latin typeface="Consolas" panose="020B0609020204030204" pitchFamily="49" charset="0"/>
+                          <a:ea typeface="+mn-ea"/>
+                          <a:cs typeface="+mn-cs"/>
+                        </a:rPr>
+                        <a:t>CATDB&gt; set printsize 5 colsep |                                                                                       </a:t>
+                      </a:r>
+                      <a:br>
+                        <a:rPr lang="en-US" sz="1100" b="0" i="0" kern="1200" baseline="0" dirty="0">
+                          <a:solidFill>
+                            <a:schemeClr val="lt1"/>
+                          </a:solidFill>
+                          <a:latin typeface="Consolas" panose="020B0609020204030204" pitchFamily="49" charset="0"/>
+                          <a:ea typeface="+mn-ea"/>
+                          <a:cs typeface="+mn-cs"/>
+                        </a:rPr>
+                      </a:br>
+                      <a:r>
+                        <a:rPr lang="en-US" sz="1100" b="0" i="0" kern="1200" baseline="0" dirty="0">
+                          <a:solidFill>
+                            <a:schemeClr val="lt1"/>
+                          </a:solidFill>
+                          <a:latin typeface="Consolas" panose="020B0609020204030204" pitchFamily="49" charset="0"/>
+                          <a:ea typeface="+mn-ea"/>
+                          <a:cs typeface="+mn-cs"/>
+                        </a:rPr>
+                        <a:t>CATDB&gt; sf dba_objects                                                                                                 </a:t>
+                      </a:r>
+                      <a:br>
+                        <a:rPr lang="en-US" sz="1100" b="0" i="0" kern="1200" baseline="0" dirty="0">
+                          <a:solidFill>
+                            <a:schemeClr val="lt1"/>
+                          </a:solidFill>
+                          <a:latin typeface="Consolas" panose="020B0609020204030204" pitchFamily="49" charset="0"/>
+                          <a:ea typeface="+mn-ea"/>
+                          <a:cs typeface="+mn-cs"/>
+                        </a:rPr>
+                      </a:br>
+                      <a:r>
+                        <a:rPr lang="en-US" sz="1100" b="0" i="0" kern="1200" baseline="0" dirty="0">
+                          <a:solidFill>
+                            <a:schemeClr val="lt1"/>
+                          </a:solidFill>
+                          <a:latin typeface="Consolas" panose="020B0609020204030204" pitchFamily="49" charset="0"/>
+                          <a:ea typeface="+mn-ea"/>
+                          <a:cs typeface="+mn-cs"/>
+                        </a:rPr>
+                        <a:t>    $ select * from (select * from dba_objects) where rownum&lt;=50                                                      </a:t>
+                      </a:r>
+                      <a:br>
+                        <a:rPr lang="en-US" sz="1100" b="0" i="0" kern="1200" baseline="0" dirty="0">
+                          <a:solidFill>
+                            <a:schemeClr val="lt1"/>
+                          </a:solidFill>
+                          <a:latin typeface="Consolas" panose="020B0609020204030204" pitchFamily="49" charset="0"/>
+                          <a:ea typeface="+mn-ea"/>
+                          <a:cs typeface="+mn-cs"/>
+                        </a:rPr>
+                      </a:br>
+                      <a:r>
+                        <a:rPr lang="en-US" sz="1100" b="0" i="0" kern="1200" baseline="0" dirty="0">
+                          <a:solidFill>
+                            <a:schemeClr val="lt1"/>
+                          </a:solidFill>
+                          <a:latin typeface="Consolas" panose="020B0609020204030204" pitchFamily="49" charset="0"/>
+                          <a:ea typeface="+mn-ea"/>
+                          <a:cs typeface="+mn-cs"/>
+                        </a:rPr>
+                        <a:t>    +-----+--------------+--------------+---------+--------------+-----------+-------------------+-------------------+</a:t>
+                      </a:r>
+                      <a:br>
+                        <a:rPr lang="en-US" sz="1100" b="0" i="0" kern="1200" baseline="0" dirty="0">
+                          <a:solidFill>
+                            <a:schemeClr val="lt1"/>
+                          </a:solidFill>
+                          <a:latin typeface="Consolas" panose="020B0609020204030204" pitchFamily="49" charset="0"/>
+                          <a:ea typeface="+mn-ea"/>
+                          <a:cs typeface="+mn-cs"/>
+                        </a:rPr>
+                      </a:br>
+                      <a:r>
+                        <a:rPr lang="en-US" sz="1100" b="0" i="0" kern="1200" baseline="0" dirty="0">
+                          <a:solidFill>
+                            <a:schemeClr val="lt1"/>
+                          </a:solidFill>
+                          <a:latin typeface="Consolas" panose="020B0609020204030204" pitchFamily="49" charset="0"/>
+                          <a:ea typeface="+mn-ea"/>
+                          <a:cs typeface="+mn-cs"/>
+                        </a:rPr>
+                        <a:t>    |OWNER| OBJECT_NAME  |SUBOBJECT_NAME|OBJECT_ID|DATA_OBJECT_ID|OBJECT_TYPE|      CREATED      |   LAST_DDL_TIME   |</a:t>
+                      </a:r>
+                      <a:br>
+                        <a:rPr lang="en-US" sz="1100" b="0" i="0" kern="1200" baseline="0" dirty="0">
+                          <a:solidFill>
+                            <a:schemeClr val="lt1"/>
+                          </a:solidFill>
+                          <a:latin typeface="Consolas" panose="020B0609020204030204" pitchFamily="49" charset="0"/>
+                          <a:ea typeface="+mn-ea"/>
+                          <a:cs typeface="+mn-cs"/>
+                        </a:rPr>
+                      </a:br>
+                      <a:r>
+                        <a:rPr lang="en-US" sz="1100" b="0" i="0" kern="1200" baseline="0" dirty="0">
+                          <a:solidFill>
+                            <a:schemeClr val="lt1"/>
+                          </a:solidFill>
+                          <a:latin typeface="Consolas" panose="020B0609020204030204" pitchFamily="49" charset="0"/>
+                          <a:ea typeface="+mn-ea"/>
+                          <a:cs typeface="+mn-cs"/>
+                        </a:rPr>
+                        <a:t>    |-----|--------------|--------------|---------|--------------|-----------|-------------------|-------------------|</a:t>
+                      </a:r>
+                      <a:br>
+                        <a:rPr lang="en-US" sz="1100" b="0" i="0" kern="1200" baseline="0" dirty="0">
+                          <a:solidFill>
+                            <a:schemeClr val="lt1"/>
+                          </a:solidFill>
+                          <a:latin typeface="Consolas" panose="020B0609020204030204" pitchFamily="49" charset="0"/>
+                          <a:ea typeface="+mn-ea"/>
+                          <a:cs typeface="+mn-cs"/>
+                        </a:rPr>
+                      </a:br>
+                      <a:r>
+                        <a:rPr lang="en-US" sz="1100" b="0" i="0" kern="1200" baseline="0" dirty="0">
+                          <a:solidFill>
+                            <a:schemeClr val="lt1"/>
+                          </a:solidFill>
+                          <a:latin typeface="Consolas" panose="020B0609020204030204" pitchFamily="49" charset="0"/>
+                          <a:ea typeface="+mn-ea"/>
+                          <a:cs typeface="+mn-cs"/>
+                        </a:rPr>
+                        <a:t>    |SYS  |TS$           |              |       16|             6|TABLE      |2018-02-07 22:51:55|2018-02-07 23:57:54|</a:t>
+                      </a:r>
+                      <a:br>
+                        <a:rPr lang="en-US" sz="1100" b="0" i="0" kern="1200" baseline="0" dirty="0">
+                          <a:solidFill>
+                            <a:schemeClr val="lt1"/>
+                          </a:solidFill>
+                          <a:latin typeface="Consolas" panose="020B0609020204030204" pitchFamily="49" charset="0"/>
+                          <a:ea typeface="+mn-ea"/>
+                          <a:cs typeface="+mn-cs"/>
+                        </a:rPr>
+                      </a:br>
+                      <a:r>
+                        <a:rPr lang="en-US" sz="1100" b="0" i="0" kern="1200" baseline="0" dirty="0">
+                          <a:solidFill>
+                            <a:schemeClr val="lt1"/>
+                          </a:solidFill>
+                          <a:latin typeface="Consolas" panose="020B0609020204030204" pitchFamily="49" charset="0"/>
+                          <a:ea typeface="+mn-ea"/>
+                          <a:cs typeface="+mn-cs"/>
+                        </a:rPr>
+                        <a:t>    |SYS  |ICOL$         |              |       20|             2|TABLE      |2018-02-07 22:51:55|2018-02-07 23:57:54|</a:t>
+                      </a:r>
+                      <a:br>
+                        <a:rPr lang="en-US" sz="1100" b="0" i="0" kern="1200" baseline="0" dirty="0">
+                          <a:solidFill>
+                            <a:schemeClr val="lt1"/>
+                          </a:solidFill>
+                          <a:latin typeface="Consolas" panose="020B0609020204030204" pitchFamily="49" charset="0"/>
+                          <a:ea typeface="+mn-ea"/>
+                          <a:cs typeface="+mn-cs"/>
+                        </a:rPr>
+                      </a:br>
+                      <a:r>
+                        <a:rPr lang="en-US" sz="1100" b="0" i="0" kern="1200" baseline="0" dirty="0">
+                          <a:solidFill>
+                            <a:schemeClr val="lt1"/>
+                          </a:solidFill>
+                          <a:latin typeface="Consolas" panose="020B0609020204030204" pitchFamily="49" charset="0"/>
+                          <a:ea typeface="+mn-ea"/>
+                          <a:cs typeface="+mn-cs"/>
+                        </a:rPr>
+                        <a:t>    |SYS  |C_FILE#_BLOCK#|              |        8|             8|CLUSTER    |2018-02-07 22:51:55|2018-02-07 22:51:55|</a:t>
+                      </a:r>
+                      <a:br>
+                        <a:rPr lang="en-US" sz="1100" b="0" i="0" kern="1200" baseline="0" dirty="0">
+                          <a:solidFill>
+                            <a:schemeClr val="lt1"/>
+                          </a:solidFill>
+                          <a:latin typeface="Consolas" panose="020B0609020204030204" pitchFamily="49" charset="0"/>
+                          <a:ea typeface="+mn-ea"/>
+                          <a:cs typeface="+mn-cs"/>
+                        </a:rPr>
+                      </a:br>
+                      <a:r>
+                        <a:rPr lang="en-US" sz="1100" b="0" i="0" kern="1200" baseline="0" dirty="0">
+                          <a:solidFill>
+                            <a:schemeClr val="lt1"/>
+                          </a:solidFill>
+                          <a:latin typeface="Consolas" panose="020B0609020204030204" pitchFamily="49" charset="0"/>
+                          <a:ea typeface="+mn-ea"/>
+                          <a:cs typeface="+mn-cs"/>
+                        </a:rPr>
+                        <a:t>    |SYS  |I_OBJ2        |              |       37|            37|INDEX      |2018-02-07 22:51:56|2018-02-07 22:51:56|</a:t>
+                      </a:r>
+                      <a:br>
+                        <a:rPr lang="en-US" sz="1100" b="0" i="0" kern="1200" baseline="0" dirty="0">
+                          <a:solidFill>
+                            <a:schemeClr val="lt1"/>
+                          </a:solidFill>
+                          <a:latin typeface="Consolas" panose="020B0609020204030204" pitchFamily="49" charset="0"/>
+                          <a:ea typeface="+mn-ea"/>
+                          <a:cs typeface="+mn-cs"/>
+                        </a:rPr>
+                      </a:br>
+                      <a:r>
+                        <a:rPr lang="en-US" sz="1100" b="0" i="0" kern="1200" baseline="0" dirty="0">
+                          <a:solidFill>
+                            <a:schemeClr val="lt1"/>
+                          </a:solidFill>
+                          <a:latin typeface="Consolas" panose="020B0609020204030204" pitchFamily="49" charset="0"/>
+                          <a:ea typeface="+mn-ea"/>
+                          <a:cs typeface="+mn-cs"/>
+                        </a:rPr>
+                        <a:t>    |SYS  |USER$         |              |       22|            10|TABLE      |2018-02-07 22:51:55|2018-02-07 23:05:16|</a:t>
+                      </a:r>
+                      <a:br>
+                        <a:rPr lang="en-US" sz="1100" b="0" i="0" kern="1200" baseline="0" dirty="0">
+                          <a:solidFill>
+                            <a:schemeClr val="lt1"/>
+                          </a:solidFill>
+                          <a:latin typeface="Consolas" panose="020B0609020204030204" pitchFamily="49" charset="0"/>
+                          <a:ea typeface="+mn-ea"/>
+                          <a:cs typeface="+mn-cs"/>
+                        </a:rPr>
+                      </a:br>
+                      <a:r>
+                        <a:rPr lang="en-US" sz="1100" b="0" i="0" kern="1200" baseline="0" dirty="0">
+                          <a:solidFill>
+                            <a:schemeClr val="lt1"/>
+                          </a:solidFill>
+                          <a:latin typeface="Consolas" panose="020B0609020204030204" pitchFamily="49" charset="0"/>
+                          <a:ea typeface="+mn-ea"/>
+                          <a:cs typeface="+mn-cs"/>
+                        </a:rPr>
+                        <a:t>    +-----+--------------+--------------+---------+--------------+-----------+-------------------+-------------------+</a:t>
+                      </a:r>
+                      <a:br>
+                        <a:rPr lang="en-US" sz="1100" b="0" i="0" kern="1200" baseline="0" dirty="0">
+                          <a:solidFill>
+                            <a:schemeClr val="lt1"/>
+                          </a:solidFill>
+                          <a:latin typeface="Consolas" panose="020B0609020204030204" pitchFamily="49" charset="0"/>
+                          <a:ea typeface="+mn-ea"/>
+                          <a:cs typeface="+mn-cs"/>
+                        </a:rPr>
+                      </a:br>
+                      <a:r>
+                        <a:rPr lang="en-US" sz="1100" b="0" i="0" kern="1200" baseline="0" dirty="0">
+                          <a:solidFill>
+                            <a:schemeClr val="lt1"/>
+                          </a:solidFill>
+                          <a:latin typeface="Consolas" panose="020B0609020204030204" pitchFamily="49" charset="0"/>
+                          <a:ea typeface="+mn-ea"/>
+                          <a:cs typeface="+mn-cs"/>
+                        </a:rPr>
+                        <a:t>                                                                                                                      </a:t>
+                      </a:r>
+                      <a:br>
+                        <a:rPr lang="en-US" sz="1100" b="0" i="0" kern="1200" baseline="0" dirty="0">
+                          <a:solidFill>
+                            <a:schemeClr val="lt1"/>
+                          </a:solidFill>
+                          <a:latin typeface="Consolas" panose="020B0609020204030204" pitchFamily="49" charset="0"/>
+                          <a:ea typeface="+mn-ea"/>
+                          <a:cs typeface="+mn-cs"/>
+                        </a:rPr>
+                      </a:br>
+                      <a:r>
+                        <a:rPr lang="en-US" sz="1100" b="0" i="0" kern="1200" baseline="0" dirty="0">
+                          <a:solidFill>
+                            <a:schemeClr val="lt1"/>
+                          </a:solidFill>
+                          <a:latin typeface="Consolas" panose="020B0609020204030204" pitchFamily="49" charset="0"/>
+                          <a:ea typeface="+mn-ea"/>
+                          <a:cs typeface="+mn-cs"/>
+                        </a:rPr>
+                        <a:t>    5 rows returned.                                                                                                  </a:t>
+                      </a:r>
+                      <a:br>
+                        <a:rPr lang="en-US" sz="1100" b="0" i="0" kern="1200" baseline="0" dirty="0">
+                          <a:solidFill>
+                            <a:schemeClr val="lt1"/>
+                          </a:solidFill>
+                          <a:latin typeface="Consolas" panose="020B0609020204030204" pitchFamily="49" charset="0"/>
+                          <a:ea typeface="+mn-ea"/>
+                          <a:cs typeface="+mn-cs"/>
+                        </a:rPr>
+                      </a:br>
+                      <a:br>
+                        <a:rPr lang="en-US" sz="1100" b="0" i="0" kern="1200" baseline="0" dirty="0">
+                          <a:solidFill>
+                            <a:schemeClr val="lt1"/>
+                          </a:solidFill>
+                          <a:latin typeface="Consolas" panose="020B0609020204030204" pitchFamily="49" charset="0"/>
+                          <a:ea typeface="+mn-ea"/>
+                          <a:cs typeface="+mn-cs"/>
+                        </a:rPr>
+                      </a:br>
+                      <a:r>
+                        <a:rPr lang="en-US" sz="1100" b="0" i="0" kern="1200" baseline="0" dirty="0">
+                          <a:solidFill>
+                            <a:schemeClr val="lt1"/>
+                          </a:solidFill>
+                          <a:latin typeface="Consolas" panose="020B0609020204030204" pitchFamily="49" charset="0"/>
+                          <a:ea typeface="+mn-ea"/>
+                          <a:cs typeface="+mn-cs"/>
+                        </a:rPr>
+                        <a:t>CATDB&gt; set colsep default</a:t>
+                      </a:r>
+                    </a:p>
+                  </a:txBody>
+                  <a:tcPr/>
+                </a:tc>
+                <a:extLst>
+                  <a:ext uri="{0D108BD9-81ED-4DB2-BD59-A6C34878D82A}">
+                    <a16:rowId xmlns:a16="http://schemas.microsoft.com/office/drawing/2014/main" val="1504338429"/>
+                  </a:ext>
+                </a:extLst>
+              </a:tr>
+            </a:tbl>
+          </a:graphicData>
+        </a:graphic>
+      </p:graphicFrame>
+      <p:sp>
+        <p:nvSpPr>
+          <p:cNvPr id="5" name="内容占位符 2">
+            <a:extLst>
+              <a:ext uri="{FF2B5EF4-FFF2-40B4-BE49-F238E27FC236}">
+                <a16:creationId xmlns:a16="http://schemas.microsoft.com/office/drawing/2014/main" id="{11EF5E99-F123-4A81-818D-EA921BFA96B0}"/>
+              </a:ext>
+            </a:extLst>
+          </p:cNvPr>
+          <p:cNvSpPr>
+            <a:spLocks noGrp="1"/>
+          </p:cNvSpPr>
+          <p:nvPr>
+            <p:ph idx="1"/>
+          </p:nvPr>
+        </p:nvSpPr>
+        <p:spPr>
+          <a:xfrm>
+            <a:off x="838200" y="1010093"/>
+            <a:ext cx="10275779" cy="621105"/>
+          </a:xfrm>
+        </p:spPr>
+        <p:txBody>
+          <a:bodyPr>
+            <a:normAutofit fontScale="85000" lnSpcReduction="20000"/>
+          </a:bodyPr>
+          <a:lstStyle/>
+          <a:p>
+            <a:r>
+              <a:rPr lang="en-US" dirty="0"/>
+              <a:t>The string columns are auto-adjusted to fit the screen, refer to “set grid” for more manual configurations</a:t>
+            </a:r>
+          </a:p>
+          <a:p>
+            <a:pPr marL="0" indent="0">
+              <a:buNone/>
+            </a:pPr>
+            <a:endParaRPr lang="en-US" dirty="0"/>
+          </a:p>
+        </p:txBody>
+      </p:sp>
+    </p:spTree>
+    <p:extLst>
+      <p:ext uri="{BB962C8B-B14F-4D97-AF65-F5344CB8AC3E}">
+        <p14:creationId xmlns:p14="http://schemas.microsoft.com/office/powerpoint/2010/main" val="3356030857"/>
+      </p:ext>
+    </p:extLst>
+  </p:cSld>
+  <p:clrMapOvr>
+    <a:masterClrMapping/>
+  </p:clrMapOvr>
+</p:sld>
+</file>
+
+<file path=ppt/slides/slide50.xml><?xml version="1.0" encoding="utf-8"?>
 <p:sld xmlns:a="http://schemas.openxmlformats.org/drawingml/2006/main" xmlns:r="http://schemas.openxmlformats.org/officeDocument/2006/relationships" xmlns:p="http://schemas.openxmlformats.org/presentationml/2006/main">
   <p:cSld>
     <p:spTree>
@@ -21072,855 +22150,7 @@
 </p:sld>
 </file>
 
-<file path=ppt/slides/slide5.xml><?xml version="1.0" encoding="utf-8"?>
-<p:sld xmlns:a="http://schemas.openxmlformats.org/drawingml/2006/main" xmlns:r="http://schemas.openxmlformats.org/officeDocument/2006/relationships" xmlns:p="http://schemas.openxmlformats.org/presentationml/2006/main">
-  <p:cSld>
-    <p:spTree>
-      <p:nvGrpSpPr>
-        <p:cNvPr id="1" name=""/>
-        <p:cNvGrpSpPr/>
-        <p:nvPr/>
-      </p:nvGrpSpPr>
-      <p:grpSpPr>
-        <a:xfrm>
-          <a:off x="0" y="0"/>
-          <a:ext cx="0" cy="0"/>
-          <a:chOff x="0" y="0"/>
-          <a:chExt cx="0" cy="0"/>
-        </a:xfrm>
-      </p:grpSpPr>
-      <p:sp>
-        <p:nvSpPr>
-          <p:cNvPr id="2" name="标题 1">
-            <a:extLst>
-              <a:ext uri="{FF2B5EF4-FFF2-40B4-BE49-F238E27FC236}">
-                <a16:creationId xmlns:a16="http://schemas.microsoft.com/office/drawing/2014/main" id="{31E9F1B0-DF27-4D82-B726-DDD3F9CF7328}"/>
-              </a:ext>
-            </a:extLst>
-          </p:cNvPr>
-          <p:cNvSpPr>
-            <a:spLocks noGrp="1"/>
-          </p:cNvSpPr>
-          <p:nvPr>
-            <p:ph type="title"/>
-          </p:nvPr>
-        </p:nvSpPr>
-        <p:spPr>
-          <a:xfrm>
-            <a:off x="838200" y="184372"/>
-            <a:ext cx="10515600" cy="708763"/>
-          </a:xfrm>
-        </p:spPr>
-        <p:txBody>
-          <a:bodyPr/>
-          <a:lstStyle/>
-          <a:p>
-            <a:r>
-              <a:rPr lang="en-US" dirty="0"/>
-              <a:t>Intelligent format of the query output(Set)</a:t>
-            </a:r>
-          </a:p>
-        </p:txBody>
-      </p:sp>
-      <p:graphicFrame>
-        <p:nvGraphicFramePr>
-          <p:cNvPr id="4" name="表格 3">
-            <a:extLst>
-              <a:ext uri="{FF2B5EF4-FFF2-40B4-BE49-F238E27FC236}">
-                <a16:creationId xmlns:a16="http://schemas.microsoft.com/office/drawing/2014/main" id="{2563436E-7DD6-46CC-BCAE-29765B663613}"/>
-              </a:ext>
-            </a:extLst>
-          </p:cNvPr>
-          <p:cNvGraphicFramePr>
-            <a:graphicFrameLocks noGrp="1"/>
-          </p:cNvGraphicFramePr>
-          <p:nvPr>
-            <p:extLst>
-              <p:ext uri="{D42A27DB-BD31-4B8C-83A1-F6EECF244321}">
-                <p14:modId xmlns:p14="http://schemas.microsoft.com/office/powerpoint/2010/main" val="2259286601"/>
-              </p:ext>
-            </p:extLst>
-          </p:nvPr>
-        </p:nvGraphicFramePr>
-        <p:xfrm>
-          <a:off x="838200" y="1748157"/>
-          <a:ext cx="10374425" cy="5791200"/>
-        </p:xfrm>
-        <a:graphic>
-          <a:graphicData uri="http://schemas.openxmlformats.org/drawingml/2006/table">
-            <a:tbl>
-              <a:tblPr firstRow="1" bandRow="1">
-                <a:tableStyleId>{5C22544A-7EE6-4342-B048-85BDC9FD1C3A}</a:tableStyleId>
-              </a:tblPr>
-              <a:tblGrid>
-                <a:gridCol w="10374425">
-                  <a:extLst>
-                    <a:ext uri="{9D8B030D-6E8A-4147-A177-3AD203B41FA5}">
-                      <a16:colId xmlns:a16="http://schemas.microsoft.com/office/drawing/2014/main" val="4245137307"/>
-                    </a:ext>
-                  </a:extLst>
-                </a:gridCol>
-              </a:tblGrid>
-              <a:tr h="4570526">
-                <a:tc>
-                  <a:txBody>
-                    <a:bodyPr/>
-                    <a:lstStyle/>
-                    <a:p>
-                      <a:r>
-                        <a:rPr lang="en-US" sz="1100" b="0" i="0" kern="1200" baseline="0" dirty="0">
-                          <a:solidFill>
-                            <a:schemeClr val="lt1"/>
-                          </a:solidFill>
-                          <a:latin typeface="Consolas" panose="020B0609020204030204" pitchFamily="49" charset="0"/>
-                          <a:ea typeface="+mn-ea"/>
-                          <a:cs typeface="+mn-cs"/>
-                        </a:rPr>
-                        <a:t>CATDB&gt; set printsize 10                                                                                              </a:t>
-                      </a:r>
-                      <a:br>
-                        <a:rPr lang="en-US" sz="1100" b="0" i="0" kern="1200" baseline="0" dirty="0">
-                          <a:solidFill>
-                            <a:schemeClr val="lt1"/>
-                          </a:solidFill>
-                          <a:latin typeface="Consolas" panose="020B0609020204030204" pitchFamily="49" charset="0"/>
-                          <a:ea typeface="+mn-ea"/>
-                          <a:cs typeface="+mn-cs"/>
-                        </a:rPr>
-                      </a:br>
-                      <a:r>
-                        <a:rPr lang="en-US" sz="1100" b="0" i="0" kern="1200" baseline="0" dirty="0">
-                          <a:solidFill>
-                            <a:schemeClr val="lt1"/>
-                          </a:solidFill>
-                          <a:latin typeface="Consolas" panose="020B0609020204030204" pitchFamily="49" charset="0"/>
-                          <a:ea typeface="+mn-ea"/>
-                          <a:cs typeface="+mn-cs"/>
-                        </a:rPr>
-                        <a:t>CATDB&gt; sf dba_objects                                                                                                </a:t>
-                      </a:r>
-                      <a:br>
-                        <a:rPr lang="en-US" sz="1100" b="0" i="0" kern="1200" baseline="0" dirty="0">
-                          <a:solidFill>
-                            <a:schemeClr val="lt1"/>
-                          </a:solidFill>
-                          <a:latin typeface="Consolas" panose="020B0609020204030204" pitchFamily="49" charset="0"/>
-                          <a:ea typeface="+mn-ea"/>
-                          <a:cs typeface="+mn-cs"/>
-                        </a:rPr>
-                      </a:br>
-                      <a:r>
-                        <a:rPr lang="en-US" sz="1100" b="0" i="0" kern="1200" baseline="0" dirty="0">
-                          <a:solidFill>
-                            <a:schemeClr val="lt1"/>
-                          </a:solidFill>
-                          <a:latin typeface="Consolas" panose="020B0609020204030204" pitchFamily="49" charset="0"/>
-                          <a:ea typeface="+mn-ea"/>
-                          <a:cs typeface="+mn-cs"/>
-                        </a:rPr>
-                        <a:t>    $ select * from (select * from dba_objects) where rownum&lt;=50                                                     </a:t>
-                      </a:r>
-                      <a:br>
-                        <a:rPr lang="en-US" sz="1100" b="0" i="0" kern="1200" baseline="0" dirty="0">
-                          <a:solidFill>
-                            <a:schemeClr val="lt1"/>
-                          </a:solidFill>
-                          <a:latin typeface="Consolas" panose="020B0609020204030204" pitchFamily="49" charset="0"/>
-                          <a:ea typeface="+mn-ea"/>
-                          <a:cs typeface="+mn-cs"/>
-                        </a:rPr>
-                      </a:br>
-                      <a:r>
-                        <a:rPr lang="en-US" sz="1100" b="0" i="0" kern="1200" baseline="0" dirty="0">
-                          <a:solidFill>
-                            <a:schemeClr val="lt1"/>
-                          </a:solidFill>
-                          <a:latin typeface="Consolas" panose="020B0609020204030204" pitchFamily="49" charset="0"/>
-                          <a:ea typeface="+mn-ea"/>
-                          <a:cs typeface="+mn-cs"/>
-                        </a:rPr>
-                        <a:t>    OWNER  OBJECT_NAME   SUBOBJECT_NAME OBJECT_ID DATA_OBJECT_ID OBJECT_TYPE       CREATED          LAST_DDL_TIME    </a:t>
-                      </a:r>
-                      <a:br>
-                        <a:rPr lang="en-US" sz="1100" b="0" i="0" kern="1200" baseline="0" dirty="0">
-                          <a:solidFill>
-                            <a:schemeClr val="lt1"/>
-                          </a:solidFill>
-                          <a:latin typeface="Consolas" panose="020B0609020204030204" pitchFamily="49" charset="0"/>
-                          <a:ea typeface="+mn-ea"/>
-                          <a:cs typeface="+mn-cs"/>
-                        </a:rPr>
-                      </a:br>
-                      <a:r>
-                        <a:rPr lang="en-US" sz="1100" b="0" i="0" kern="1200" baseline="0" dirty="0">
-                          <a:solidFill>
-                            <a:schemeClr val="lt1"/>
-                          </a:solidFill>
-                          <a:latin typeface="Consolas" panose="020B0609020204030204" pitchFamily="49" charset="0"/>
-                          <a:ea typeface="+mn-ea"/>
-                          <a:cs typeface="+mn-cs"/>
-                        </a:rPr>
-                        <a:t>    ----- -------------- -------------- --------- -------------- ----------- ------------------- ------------------- </a:t>
-                      </a:r>
-                      <a:br>
-                        <a:rPr lang="en-US" sz="1100" b="0" i="0" kern="1200" baseline="0" dirty="0">
-                          <a:solidFill>
-                            <a:schemeClr val="lt1"/>
-                          </a:solidFill>
-                          <a:latin typeface="Consolas" panose="020B0609020204030204" pitchFamily="49" charset="0"/>
-                          <a:ea typeface="+mn-ea"/>
-                          <a:cs typeface="+mn-cs"/>
-                        </a:rPr>
-                      </a:br>
-                      <a:r>
-                        <a:rPr lang="en-US" sz="1100" b="0" i="0" kern="1200" baseline="0" dirty="0">
-                          <a:solidFill>
-                            <a:schemeClr val="lt1"/>
-                          </a:solidFill>
-                          <a:latin typeface="Consolas" panose="020B0609020204030204" pitchFamily="49" charset="0"/>
-                          <a:ea typeface="+mn-ea"/>
-                          <a:cs typeface="+mn-cs"/>
-                        </a:rPr>
-                        <a:t>    SYS   TS$                                  16              6 TABLE       2018-02-07 22:51:55 2018-02-07 23:57:54 </a:t>
-                      </a:r>
-                      <a:br>
-                        <a:rPr lang="en-US" sz="1100" b="0" i="0" kern="1200" baseline="0" dirty="0">
-                          <a:solidFill>
-                            <a:schemeClr val="lt1"/>
-                          </a:solidFill>
-                          <a:latin typeface="Consolas" panose="020B0609020204030204" pitchFamily="49" charset="0"/>
-                          <a:ea typeface="+mn-ea"/>
-                          <a:cs typeface="+mn-cs"/>
-                        </a:rPr>
-                      </a:br>
-                      <a:r>
-                        <a:rPr lang="en-US" sz="1100" b="0" i="0" kern="1200" baseline="0" dirty="0">
-                          <a:solidFill>
-                            <a:schemeClr val="lt1"/>
-                          </a:solidFill>
-                          <a:latin typeface="Consolas" panose="020B0609020204030204" pitchFamily="49" charset="0"/>
-                          <a:ea typeface="+mn-ea"/>
-                          <a:cs typeface="+mn-cs"/>
-                        </a:rPr>
-                        <a:t>    SYS   ICOL$                                20              2 TABLE       2018-02-07 22:51:55 2018-02-07 23:57:54 </a:t>
-                      </a:r>
-                      <a:br>
-                        <a:rPr lang="en-US" sz="1100" b="0" i="0" kern="1200" baseline="0" dirty="0">
-                          <a:solidFill>
-                            <a:schemeClr val="lt1"/>
-                          </a:solidFill>
-                          <a:latin typeface="Consolas" panose="020B0609020204030204" pitchFamily="49" charset="0"/>
-                          <a:ea typeface="+mn-ea"/>
-                          <a:cs typeface="+mn-cs"/>
-                        </a:rPr>
-                      </a:br>
-                      <a:r>
-                        <a:rPr lang="en-US" sz="1100" b="0" i="0" kern="1200" baseline="0" dirty="0">
-                          <a:solidFill>
-                            <a:schemeClr val="lt1"/>
-                          </a:solidFill>
-                          <a:latin typeface="Consolas" panose="020B0609020204030204" pitchFamily="49" charset="0"/>
-                          <a:ea typeface="+mn-ea"/>
-                          <a:cs typeface="+mn-cs"/>
-                        </a:rPr>
-                        <a:t>    SYS   C_FILE#_BLOCK#                        8              8 CLUSTER     2018-02-07 22:51:55 2018-02-07 22:51:55 </a:t>
-                      </a:r>
-                      <a:br>
-                        <a:rPr lang="en-US" sz="1100" b="0" i="0" kern="1200" baseline="0" dirty="0">
-                          <a:solidFill>
-                            <a:schemeClr val="lt1"/>
-                          </a:solidFill>
-                          <a:latin typeface="Consolas" panose="020B0609020204030204" pitchFamily="49" charset="0"/>
-                          <a:ea typeface="+mn-ea"/>
-                          <a:cs typeface="+mn-cs"/>
-                        </a:rPr>
-                      </a:br>
-                      <a:r>
-                        <a:rPr lang="en-US" sz="1100" b="0" i="0" kern="1200" baseline="0" dirty="0">
-                          <a:solidFill>
-                            <a:schemeClr val="lt1"/>
-                          </a:solidFill>
-                          <a:latin typeface="Consolas" panose="020B0609020204030204" pitchFamily="49" charset="0"/>
-                          <a:ea typeface="+mn-ea"/>
-                          <a:cs typeface="+mn-cs"/>
-                        </a:rPr>
-                        <a:t>    SYS   I_OBJ2                               37             37 INDEX       2018-02-07 22:51:56 2018-02-07 22:51:56 </a:t>
-                      </a:r>
-                      <a:br>
-                        <a:rPr lang="en-US" sz="1100" b="0" i="0" kern="1200" baseline="0" dirty="0">
-                          <a:solidFill>
-                            <a:schemeClr val="lt1"/>
-                          </a:solidFill>
-                          <a:latin typeface="Consolas" panose="020B0609020204030204" pitchFamily="49" charset="0"/>
-                          <a:ea typeface="+mn-ea"/>
-                          <a:cs typeface="+mn-cs"/>
-                        </a:rPr>
-                      </a:br>
-                      <a:r>
-                        <a:rPr lang="en-US" sz="1100" b="0" i="0" kern="1200" baseline="0" dirty="0">
-                          <a:solidFill>
-                            <a:schemeClr val="lt1"/>
-                          </a:solidFill>
-                          <a:latin typeface="Consolas" panose="020B0609020204030204" pitchFamily="49" charset="0"/>
-                          <a:ea typeface="+mn-ea"/>
-                          <a:cs typeface="+mn-cs"/>
-                        </a:rPr>
-                        <a:t>    SYS   USER$                                22             10 TABLE       2018-02-07 22:51:55 2018-02-07 23:05:16 </a:t>
-                      </a:r>
-                      <a:br>
-                        <a:rPr lang="en-US" sz="1100" b="0" i="0" kern="1200" baseline="0" dirty="0">
-                          <a:solidFill>
-                            <a:schemeClr val="lt1"/>
-                          </a:solidFill>
-                          <a:latin typeface="Consolas" panose="020B0609020204030204" pitchFamily="49" charset="0"/>
-                          <a:ea typeface="+mn-ea"/>
-                          <a:cs typeface="+mn-cs"/>
-                        </a:rPr>
-                      </a:br>
-                      <a:r>
-                        <a:rPr lang="en-US" sz="1100" b="0" i="0" kern="1200" baseline="0" dirty="0">
-                          <a:solidFill>
-                            <a:schemeClr val="lt1"/>
-                          </a:solidFill>
-                          <a:latin typeface="Consolas" panose="020B0609020204030204" pitchFamily="49" charset="0"/>
-                          <a:ea typeface="+mn-ea"/>
-                          <a:cs typeface="+mn-cs"/>
-                        </a:rPr>
-                        <a:t>    SYS   I_TAB1                               33             33 INDEX       2018-02-07 22:51:55 2018-02-07 22:51:55 </a:t>
-                      </a:r>
-                      <a:br>
-                        <a:rPr lang="en-US" sz="1100" b="0" i="0" kern="1200" baseline="0" dirty="0">
-                          <a:solidFill>
-                            <a:schemeClr val="lt1"/>
-                          </a:solidFill>
-                          <a:latin typeface="Consolas" panose="020B0609020204030204" pitchFamily="49" charset="0"/>
-                          <a:ea typeface="+mn-ea"/>
-                          <a:cs typeface="+mn-cs"/>
-                        </a:rPr>
-                      </a:br>
-                      <a:r>
-                        <a:rPr lang="en-US" sz="1100" b="0" i="0" kern="1200" baseline="0" dirty="0">
-                          <a:solidFill>
-                            <a:schemeClr val="lt1"/>
-                          </a:solidFill>
-                          <a:latin typeface="Consolas" panose="020B0609020204030204" pitchFamily="49" charset="0"/>
-                          <a:ea typeface="+mn-ea"/>
-                          <a:cs typeface="+mn-cs"/>
-                        </a:rPr>
-                        <a:t>    SYS   I_OBJ5                               40             40 INDEX       2018-02-07 22:51:56 2018-02-07 22:51:56 </a:t>
-                      </a:r>
-                      <a:br>
-                        <a:rPr lang="en-US" sz="1100" b="0" i="0" kern="1200" baseline="0" dirty="0">
-                          <a:solidFill>
-                            <a:schemeClr val="lt1"/>
-                          </a:solidFill>
-                          <a:latin typeface="Consolas" panose="020B0609020204030204" pitchFamily="49" charset="0"/>
-                          <a:ea typeface="+mn-ea"/>
-                          <a:cs typeface="+mn-cs"/>
-                        </a:rPr>
-                      </a:br>
-                      <a:r>
-                        <a:rPr lang="en-US" sz="1100" b="0" i="0" kern="1200" baseline="0" dirty="0">
-                          <a:solidFill>
-                            <a:schemeClr val="lt1"/>
-                          </a:solidFill>
-                          <a:latin typeface="Consolas" panose="020B0609020204030204" pitchFamily="49" charset="0"/>
-                          <a:ea typeface="+mn-ea"/>
-                          <a:cs typeface="+mn-cs"/>
-                        </a:rPr>
-                        <a:t>    SYS   CDEF$                                31             29 TABLE       2018-02-07 22:51:55 2018-02-07 23:57:54 </a:t>
-                      </a:r>
-                      <a:br>
-                        <a:rPr lang="en-US" sz="1100" b="0" i="0" kern="1200" baseline="0" dirty="0">
-                          <a:solidFill>
-                            <a:schemeClr val="lt1"/>
-                          </a:solidFill>
-                          <a:latin typeface="Consolas" panose="020B0609020204030204" pitchFamily="49" charset="0"/>
-                          <a:ea typeface="+mn-ea"/>
-                          <a:cs typeface="+mn-cs"/>
-                        </a:rPr>
-                      </a:br>
-                      <a:r>
-                        <a:rPr lang="en-US" sz="1100" b="0" i="0" kern="1200" baseline="0" dirty="0">
-                          <a:solidFill>
-                            <a:schemeClr val="lt1"/>
-                          </a:solidFill>
-                          <a:latin typeface="Consolas" panose="020B0609020204030204" pitchFamily="49" charset="0"/>
-                          <a:ea typeface="+mn-ea"/>
-                          <a:cs typeface="+mn-cs"/>
-                        </a:rPr>
-                        <a:t>    SYS   I_IND1                               41             41 INDEX       2018-02-07 22:51:56 2018-02-07 22:51:56 </a:t>
-                      </a:r>
-                      <a:br>
-                        <a:rPr lang="en-US" sz="1100" b="0" i="0" kern="1200" baseline="0" dirty="0">
-                          <a:solidFill>
-                            <a:schemeClr val="lt1"/>
-                          </a:solidFill>
-                          <a:latin typeface="Consolas" panose="020B0609020204030204" pitchFamily="49" charset="0"/>
-                          <a:ea typeface="+mn-ea"/>
-                          <a:cs typeface="+mn-cs"/>
-                        </a:rPr>
-                      </a:br>
-                      <a:r>
-                        <a:rPr lang="en-US" sz="1100" b="0" i="0" kern="1200" baseline="0" dirty="0">
-                          <a:solidFill>
-                            <a:schemeClr val="lt1"/>
-                          </a:solidFill>
-                          <a:latin typeface="Consolas" panose="020B0609020204030204" pitchFamily="49" charset="0"/>
-                          <a:ea typeface="+mn-ea"/>
-                          <a:cs typeface="+mn-cs"/>
-                        </a:rPr>
-                        <a:t>    SYS   I_OBJ#                                3              3 INDEX       2018-02-07 22:51:55 2018-02-07 22:51:55 </a:t>
-                      </a:r>
-                      <a:br>
-                        <a:rPr lang="en-US" sz="1100" b="0" i="0" kern="1200" baseline="0" dirty="0">
-                          <a:solidFill>
-                            <a:schemeClr val="lt1"/>
-                          </a:solidFill>
-                          <a:latin typeface="Consolas" panose="020B0609020204030204" pitchFamily="49" charset="0"/>
-                          <a:ea typeface="+mn-ea"/>
-                          <a:cs typeface="+mn-cs"/>
-                        </a:rPr>
-                      </a:br>
-                      <a:r>
-                        <a:rPr lang="en-US" sz="1100" b="0" i="0" kern="1200" baseline="0" dirty="0">
-                          <a:solidFill>
-                            <a:schemeClr val="lt1"/>
-                          </a:solidFill>
-                          <a:latin typeface="Consolas" panose="020B0609020204030204" pitchFamily="49" charset="0"/>
-                          <a:ea typeface="+mn-ea"/>
-                          <a:cs typeface="+mn-cs"/>
-                        </a:rPr>
-                        <a:t>                                                                                                                     </a:t>
-                      </a:r>
-                      <a:br>
-                        <a:rPr lang="en-US" sz="1100" b="0" i="0" kern="1200" baseline="0" dirty="0">
-                          <a:solidFill>
-                            <a:schemeClr val="lt1"/>
-                          </a:solidFill>
-                          <a:latin typeface="Consolas" panose="020B0609020204030204" pitchFamily="49" charset="0"/>
-                          <a:ea typeface="+mn-ea"/>
-                          <a:cs typeface="+mn-cs"/>
-                        </a:rPr>
-                      </a:br>
-                      <a:r>
-                        <a:rPr lang="en-US" sz="1100" b="0" i="0" kern="1200" baseline="0" dirty="0">
-                          <a:solidFill>
-                            <a:schemeClr val="lt1"/>
-                          </a:solidFill>
-                          <a:latin typeface="Consolas" panose="020B0609020204030204" pitchFamily="49" charset="0"/>
-                          <a:ea typeface="+mn-ea"/>
-                          <a:cs typeface="+mn-cs"/>
-                        </a:rPr>
-                        <a:t>    10 rows returned.    </a:t>
-                      </a:r>
-                    </a:p>
-                    <a:p>
-                      <a:r>
-                        <a:rPr lang="en-US" sz="1100" b="0" i="0" kern="1200" baseline="0" dirty="0">
-                          <a:solidFill>
-                            <a:schemeClr val="lt1"/>
-                          </a:solidFill>
-                          <a:latin typeface="Consolas" panose="020B0609020204030204" pitchFamily="49" charset="0"/>
-                          <a:ea typeface="+mn-ea"/>
-                          <a:cs typeface="+mn-cs"/>
-                        </a:rPr>
-                        <a:t>                                                                                            </a:t>
-                      </a:r>
-                      <a:br>
-                        <a:rPr lang="en-US" sz="1100" b="0" i="0" kern="1200" baseline="0" dirty="0">
-                          <a:solidFill>
-                            <a:schemeClr val="lt1"/>
-                          </a:solidFill>
-                          <a:latin typeface="Consolas" panose="020B0609020204030204" pitchFamily="49" charset="0"/>
-                          <a:ea typeface="+mn-ea"/>
-                          <a:cs typeface="+mn-cs"/>
-                        </a:rPr>
-                      </a:br>
-                      <a:r>
-                        <a:rPr lang="en-US" sz="1100" b="0" i="0" kern="1200" baseline="0" dirty="0">
-                          <a:solidFill>
-                            <a:schemeClr val="lt1"/>
-                          </a:solidFill>
-                          <a:latin typeface="Consolas" panose="020B0609020204030204" pitchFamily="49" charset="0"/>
-                          <a:ea typeface="+mn-ea"/>
-                          <a:cs typeface="+mn-cs"/>
-                        </a:rPr>
-                        <a:t>CATDB&gt; set printsize 5 colsep |                                                                                       </a:t>
-                      </a:r>
-                      <a:br>
-                        <a:rPr lang="en-US" sz="1100" b="0" i="0" kern="1200" baseline="0" dirty="0">
-                          <a:solidFill>
-                            <a:schemeClr val="lt1"/>
-                          </a:solidFill>
-                          <a:latin typeface="Consolas" panose="020B0609020204030204" pitchFamily="49" charset="0"/>
-                          <a:ea typeface="+mn-ea"/>
-                          <a:cs typeface="+mn-cs"/>
-                        </a:rPr>
-                      </a:br>
-                      <a:r>
-                        <a:rPr lang="en-US" sz="1100" b="0" i="0" kern="1200" baseline="0" dirty="0">
-                          <a:solidFill>
-                            <a:schemeClr val="lt1"/>
-                          </a:solidFill>
-                          <a:latin typeface="Consolas" panose="020B0609020204030204" pitchFamily="49" charset="0"/>
-                          <a:ea typeface="+mn-ea"/>
-                          <a:cs typeface="+mn-cs"/>
-                        </a:rPr>
-                        <a:t>CATDB&gt; sf dba_objects                                                                                                 </a:t>
-                      </a:r>
-                      <a:br>
-                        <a:rPr lang="en-US" sz="1100" b="0" i="0" kern="1200" baseline="0" dirty="0">
-                          <a:solidFill>
-                            <a:schemeClr val="lt1"/>
-                          </a:solidFill>
-                          <a:latin typeface="Consolas" panose="020B0609020204030204" pitchFamily="49" charset="0"/>
-                          <a:ea typeface="+mn-ea"/>
-                          <a:cs typeface="+mn-cs"/>
-                        </a:rPr>
-                      </a:br>
-                      <a:r>
-                        <a:rPr lang="en-US" sz="1100" b="0" i="0" kern="1200" baseline="0" dirty="0">
-                          <a:solidFill>
-                            <a:schemeClr val="lt1"/>
-                          </a:solidFill>
-                          <a:latin typeface="Consolas" panose="020B0609020204030204" pitchFamily="49" charset="0"/>
-                          <a:ea typeface="+mn-ea"/>
-                          <a:cs typeface="+mn-cs"/>
-                        </a:rPr>
-                        <a:t>    $ select * from (select * from dba_objects) where rownum&lt;=50                                                      </a:t>
-                      </a:r>
-                      <a:br>
-                        <a:rPr lang="en-US" sz="1100" b="0" i="0" kern="1200" baseline="0" dirty="0">
-                          <a:solidFill>
-                            <a:schemeClr val="lt1"/>
-                          </a:solidFill>
-                          <a:latin typeface="Consolas" panose="020B0609020204030204" pitchFamily="49" charset="0"/>
-                          <a:ea typeface="+mn-ea"/>
-                          <a:cs typeface="+mn-cs"/>
-                        </a:rPr>
-                      </a:br>
-                      <a:r>
-                        <a:rPr lang="en-US" sz="1100" b="0" i="0" kern="1200" baseline="0" dirty="0">
-                          <a:solidFill>
-                            <a:schemeClr val="lt1"/>
-                          </a:solidFill>
-                          <a:latin typeface="Consolas" panose="020B0609020204030204" pitchFamily="49" charset="0"/>
-                          <a:ea typeface="+mn-ea"/>
-                          <a:cs typeface="+mn-cs"/>
-                        </a:rPr>
-                        <a:t>    +-----+--------------+--------------+---------+--------------+-----------+-------------------+-------------------+</a:t>
-                      </a:r>
-                      <a:br>
-                        <a:rPr lang="en-US" sz="1100" b="0" i="0" kern="1200" baseline="0" dirty="0">
-                          <a:solidFill>
-                            <a:schemeClr val="lt1"/>
-                          </a:solidFill>
-                          <a:latin typeface="Consolas" panose="020B0609020204030204" pitchFamily="49" charset="0"/>
-                          <a:ea typeface="+mn-ea"/>
-                          <a:cs typeface="+mn-cs"/>
-                        </a:rPr>
-                      </a:br>
-                      <a:r>
-                        <a:rPr lang="en-US" sz="1100" b="0" i="0" kern="1200" baseline="0" dirty="0">
-                          <a:solidFill>
-                            <a:schemeClr val="lt1"/>
-                          </a:solidFill>
-                          <a:latin typeface="Consolas" panose="020B0609020204030204" pitchFamily="49" charset="0"/>
-                          <a:ea typeface="+mn-ea"/>
-                          <a:cs typeface="+mn-cs"/>
-                        </a:rPr>
-                        <a:t>    |OWNER| OBJECT_NAME  |SUBOBJECT_NAME|OBJECT_ID|DATA_OBJECT_ID|OBJECT_TYPE|      CREATED      |   LAST_DDL_TIME   |</a:t>
-                      </a:r>
-                      <a:br>
-                        <a:rPr lang="en-US" sz="1100" b="0" i="0" kern="1200" baseline="0" dirty="0">
-                          <a:solidFill>
-                            <a:schemeClr val="lt1"/>
-                          </a:solidFill>
-                          <a:latin typeface="Consolas" panose="020B0609020204030204" pitchFamily="49" charset="0"/>
-                          <a:ea typeface="+mn-ea"/>
-                          <a:cs typeface="+mn-cs"/>
-                        </a:rPr>
-                      </a:br>
-                      <a:r>
-                        <a:rPr lang="en-US" sz="1100" b="0" i="0" kern="1200" baseline="0" dirty="0">
-                          <a:solidFill>
-                            <a:schemeClr val="lt1"/>
-                          </a:solidFill>
-                          <a:latin typeface="Consolas" panose="020B0609020204030204" pitchFamily="49" charset="0"/>
-                          <a:ea typeface="+mn-ea"/>
-                          <a:cs typeface="+mn-cs"/>
-                        </a:rPr>
-                        <a:t>    |-----|--------------|--------------|---------|--------------|-----------|-------------------|-------------------|</a:t>
-                      </a:r>
-                      <a:br>
-                        <a:rPr lang="en-US" sz="1100" b="0" i="0" kern="1200" baseline="0" dirty="0">
-                          <a:solidFill>
-                            <a:schemeClr val="lt1"/>
-                          </a:solidFill>
-                          <a:latin typeface="Consolas" panose="020B0609020204030204" pitchFamily="49" charset="0"/>
-                          <a:ea typeface="+mn-ea"/>
-                          <a:cs typeface="+mn-cs"/>
-                        </a:rPr>
-                      </a:br>
-                      <a:r>
-                        <a:rPr lang="en-US" sz="1100" b="0" i="0" kern="1200" baseline="0" dirty="0">
-                          <a:solidFill>
-                            <a:schemeClr val="lt1"/>
-                          </a:solidFill>
-                          <a:latin typeface="Consolas" panose="020B0609020204030204" pitchFamily="49" charset="0"/>
-                          <a:ea typeface="+mn-ea"/>
-                          <a:cs typeface="+mn-cs"/>
-                        </a:rPr>
-                        <a:t>    |SYS  |TS$           |              |       16|             6|TABLE      |2018-02-07 22:51:55|2018-02-07 23:57:54|</a:t>
-                      </a:r>
-                      <a:br>
-                        <a:rPr lang="en-US" sz="1100" b="0" i="0" kern="1200" baseline="0" dirty="0">
-                          <a:solidFill>
-                            <a:schemeClr val="lt1"/>
-                          </a:solidFill>
-                          <a:latin typeface="Consolas" panose="020B0609020204030204" pitchFamily="49" charset="0"/>
-                          <a:ea typeface="+mn-ea"/>
-                          <a:cs typeface="+mn-cs"/>
-                        </a:rPr>
-                      </a:br>
-                      <a:r>
-                        <a:rPr lang="en-US" sz="1100" b="0" i="0" kern="1200" baseline="0" dirty="0">
-                          <a:solidFill>
-                            <a:schemeClr val="lt1"/>
-                          </a:solidFill>
-                          <a:latin typeface="Consolas" panose="020B0609020204030204" pitchFamily="49" charset="0"/>
-                          <a:ea typeface="+mn-ea"/>
-                          <a:cs typeface="+mn-cs"/>
-                        </a:rPr>
-                        <a:t>    |SYS  |ICOL$         |              |       20|             2|TABLE      |2018-02-07 22:51:55|2018-02-07 23:57:54|</a:t>
-                      </a:r>
-                      <a:br>
-                        <a:rPr lang="en-US" sz="1100" b="0" i="0" kern="1200" baseline="0" dirty="0">
-                          <a:solidFill>
-                            <a:schemeClr val="lt1"/>
-                          </a:solidFill>
-                          <a:latin typeface="Consolas" panose="020B0609020204030204" pitchFamily="49" charset="0"/>
-                          <a:ea typeface="+mn-ea"/>
-                          <a:cs typeface="+mn-cs"/>
-                        </a:rPr>
-                      </a:br>
-                      <a:r>
-                        <a:rPr lang="en-US" sz="1100" b="0" i="0" kern="1200" baseline="0" dirty="0">
-                          <a:solidFill>
-                            <a:schemeClr val="lt1"/>
-                          </a:solidFill>
-                          <a:latin typeface="Consolas" panose="020B0609020204030204" pitchFamily="49" charset="0"/>
-                          <a:ea typeface="+mn-ea"/>
-                          <a:cs typeface="+mn-cs"/>
-                        </a:rPr>
-                        <a:t>    |SYS  |C_FILE#_BLOCK#|              |        8|             8|CLUSTER    |2018-02-07 22:51:55|2018-02-07 22:51:55|</a:t>
-                      </a:r>
-                      <a:br>
-                        <a:rPr lang="en-US" sz="1100" b="0" i="0" kern="1200" baseline="0" dirty="0">
-                          <a:solidFill>
-                            <a:schemeClr val="lt1"/>
-                          </a:solidFill>
-                          <a:latin typeface="Consolas" panose="020B0609020204030204" pitchFamily="49" charset="0"/>
-                          <a:ea typeface="+mn-ea"/>
-                          <a:cs typeface="+mn-cs"/>
-                        </a:rPr>
-                      </a:br>
-                      <a:r>
-                        <a:rPr lang="en-US" sz="1100" b="0" i="0" kern="1200" baseline="0" dirty="0">
-                          <a:solidFill>
-                            <a:schemeClr val="lt1"/>
-                          </a:solidFill>
-                          <a:latin typeface="Consolas" panose="020B0609020204030204" pitchFamily="49" charset="0"/>
-                          <a:ea typeface="+mn-ea"/>
-                          <a:cs typeface="+mn-cs"/>
-                        </a:rPr>
-                        <a:t>    |SYS  |I_OBJ2        |              |       37|            37|INDEX      |2018-02-07 22:51:56|2018-02-07 22:51:56|</a:t>
-                      </a:r>
-                      <a:br>
-                        <a:rPr lang="en-US" sz="1100" b="0" i="0" kern="1200" baseline="0" dirty="0">
-                          <a:solidFill>
-                            <a:schemeClr val="lt1"/>
-                          </a:solidFill>
-                          <a:latin typeface="Consolas" panose="020B0609020204030204" pitchFamily="49" charset="0"/>
-                          <a:ea typeface="+mn-ea"/>
-                          <a:cs typeface="+mn-cs"/>
-                        </a:rPr>
-                      </a:br>
-                      <a:r>
-                        <a:rPr lang="en-US" sz="1100" b="0" i="0" kern="1200" baseline="0" dirty="0">
-                          <a:solidFill>
-                            <a:schemeClr val="lt1"/>
-                          </a:solidFill>
-                          <a:latin typeface="Consolas" panose="020B0609020204030204" pitchFamily="49" charset="0"/>
-                          <a:ea typeface="+mn-ea"/>
-                          <a:cs typeface="+mn-cs"/>
-                        </a:rPr>
-                        <a:t>    |SYS  |USER$         |              |       22|            10|TABLE      |2018-02-07 22:51:55|2018-02-07 23:05:16|</a:t>
-                      </a:r>
-                      <a:br>
-                        <a:rPr lang="en-US" sz="1100" b="0" i="0" kern="1200" baseline="0" dirty="0">
-                          <a:solidFill>
-                            <a:schemeClr val="lt1"/>
-                          </a:solidFill>
-                          <a:latin typeface="Consolas" panose="020B0609020204030204" pitchFamily="49" charset="0"/>
-                          <a:ea typeface="+mn-ea"/>
-                          <a:cs typeface="+mn-cs"/>
-                        </a:rPr>
-                      </a:br>
-                      <a:r>
-                        <a:rPr lang="en-US" sz="1100" b="0" i="0" kern="1200" baseline="0" dirty="0">
-                          <a:solidFill>
-                            <a:schemeClr val="lt1"/>
-                          </a:solidFill>
-                          <a:latin typeface="Consolas" panose="020B0609020204030204" pitchFamily="49" charset="0"/>
-                          <a:ea typeface="+mn-ea"/>
-                          <a:cs typeface="+mn-cs"/>
-                        </a:rPr>
-                        <a:t>    +-----+--------------+--------------+---------+--------------+-----------+-------------------+-------------------+</a:t>
-                      </a:r>
-                      <a:br>
-                        <a:rPr lang="en-US" sz="1100" b="0" i="0" kern="1200" baseline="0" dirty="0">
-                          <a:solidFill>
-                            <a:schemeClr val="lt1"/>
-                          </a:solidFill>
-                          <a:latin typeface="Consolas" panose="020B0609020204030204" pitchFamily="49" charset="0"/>
-                          <a:ea typeface="+mn-ea"/>
-                          <a:cs typeface="+mn-cs"/>
-                        </a:rPr>
-                      </a:br>
-                      <a:r>
-                        <a:rPr lang="en-US" sz="1100" b="0" i="0" kern="1200" baseline="0" dirty="0">
-                          <a:solidFill>
-                            <a:schemeClr val="lt1"/>
-                          </a:solidFill>
-                          <a:latin typeface="Consolas" panose="020B0609020204030204" pitchFamily="49" charset="0"/>
-                          <a:ea typeface="+mn-ea"/>
-                          <a:cs typeface="+mn-cs"/>
-                        </a:rPr>
-                        <a:t>                                                                                                                      </a:t>
-                      </a:r>
-                      <a:br>
-                        <a:rPr lang="en-US" sz="1100" b="0" i="0" kern="1200" baseline="0" dirty="0">
-                          <a:solidFill>
-                            <a:schemeClr val="lt1"/>
-                          </a:solidFill>
-                          <a:latin typeface="Consolas" panose="020B0609020204030204" pitchFamily="49" charset="0"/>
-                          <a:ea typeface="+mn-ea"/>
-                          <a:cs typeface="+mn-cs"/>
-                        </a:rPr>
-                      </a:br>
-                      <a:r>
-                        <a:rPr lang="en-US" sz="1100" b="0" i="0" kern="1200" baseline="0" dirty="0">
-                          <a:solidFill>
-                            <a:schemeClr val="lt1"/>
-                          </a:solidFill>
-                          <a:latin typeface="Consolas" panose="020B0609020204030204" pitchFamily="49" charset="0"/>
-                          <a:ea typeface="+mn-ea"/>
-                          <a:cs typeface="+mn-cs"/>
-                        </a:rPr>
-                        <a:t>    5 rows returned.                                                                                                  </a:t>
-                      </a:r>
-                      <a:br>
-                        <a:rPr lang="en-US" sz="1100" b="0" i="0" kern="1200" baseline="0" dirty="0">
-                          <a:solidFill>
-                            <a:schemeClr val="lt1"/>
-                          </a:solidFill>
-                          <a:latin typeface="Consolas" panose="020B0609020204030204" pitchFamily="49" charset="0"/>
-                          <a:ea typeface="+mn-ea"/>
-                          <a:cs typeface="+mn-cs"/>
-                        </a:rPr>
-                      </a:br>
-                      <a:br>
-                        <a:rPr lang="en-US" sz="1100" b="0" i="0" kern="1200" baseline="0" dirty="0">
-                          <a:solidFill>
-                            <a:schemeClr val="lt1"/>
-                          </a:solidFill>
-                          <a:latin typeface="Consolas" panose="020B0609020204030204" pitchFamily="49" charset="0"/>
-                          <a:ea typeface="+mn-ea"/>
-                          <a:cs typeface="+mn-cs"/>
-                        </a:rPr>
-                      </a:br>
-                      <a:r>
-                        <a:rPr lang="en-US" sz="1100" b="0" i="0" kern="1200" baseline="0" dirty="0">
-                          <a:solidFill>
-                            <a:schemeClr val="lt1"/>
-                          </a:solidFill>
-                          <a:latin typeface="Consolas" panose="020B0609020204030204" pitchFamily="49" charset="0"/>
-                          <a:ea typeface="+mn-ea"/>
-                          <a:cs typeface="+mn-cs"/>
-                        </a:rPr>
-                        <a:t>CATDB&gt; set colsep default</a:t>
-                      </a:r>
-                    </a:p>
-                  </a:txBody>
-                  <a:tcPr/>
-                </a:tc>
-                <a:extLst>
-                  <a:ext uri="{0D108BD9-81ED-4DB2-BD59-A6C34878D82A}">
-                    <a16:rowId xmlns:a16="http://schemas.microsoft.com/office/drawing/2014/main" val="1504338429"/>
-                  </a:ext>
-                </a:extLst>
-              </a:tr>
-            </a:tbl>
-          </a:graphicData>
-        </a:graphic>
-      </p:graphicFrame>
-      <p:sp>
-        <p:nvSpPr>
-          <p:cNvPr id="5" name="内容占位符 2">
-            <a:extLst>
-              <a:ext uri="{FF2B5EF4-FFF2-40B4-BE49-F238E27FC236}">
-                <a16:creationId xmlns:a16="http://schemas.microsoft.com/office/drawing/2014/main" id="{11EF5E99-F123-4A81-818D-EA921BFA96B0}"/>
-              </a:ext>
-            </a:extLst>
-          </p:cNvPr>
-          <p:cNvSpPr>
-            <a:spLocks noGrp="1"/>
-          </p:cNvSpPr>
-          <p:nvPr>
-            <p:ph idx="1"/>
-          </p:nvPr>
-        </p:nvSpPr>
-        <p:spPr>
-          <a:xfrm>
-            <a:off x="838200" y="1010093"/>
-            <a:ext cx="10275779" cy="621105"/>
-          </a:xfrm>
-        </p:spPr>
-        <p:txBody>
-          <a:bodyPr>
-            <a:normAutofit fontScale="85000" lnSpcReduction="20000"/>
-          </a:bodyPr>
-          <a:lstStyle/>
-          <a:p>
-            <a:r>
-              <a:rPr lang="en-US" dirty="0"/>
-              <a:t>The string columns are auto-adjusted to fit the screen, refer to “set grid” for more manual configurations</a:t>
-            </a:r>
-          </a:p>
-          <a:p>
-            <a:pPr marL="0" indent="0">
-              <a:buNone/>
-            </a:pPr>
-            <a:endParaRPr lang="en-US" dirty="0"/>
-          </a:p>
-        </p:txBody>
-      </p:sp>
-    </p:spTree>
-    <p:extLst>
-      <p:ext uri="{BB962C8B-B14F-4D97-AF65-F5344CB8AC3E}">
-        <p14:creationId xmlns:p14="http://schemas.microsoft.com/office/powerpoint/2010/main" val="3356030857"/>
-      </p:ext>
-    </p:extLst>
-  </p:cSld>
-  <p:clrMapOvr>
-    <a:masterClrMapping/>
-  </p:clrMapOvr>
-</p:sld>
-</file>
-
-<file path=ppt/slides/slide50.xml><?xml version="1.0" encoding="utf-8"?>
+<file path=ppt/slides/slide51.xml><?xml version="1.0" encoding="utf-8"?>
 <p:sld xmlns:a="http://schemas.openxmlformats.org/drawingml/2006/main" xmlns:r="http://schemas.openxmlformats.org/officeDocument/2006/relationships" xmlns:p="http://schemas.openxmlformats.org/presentationml/2006/main">
   <p:cSld>
     <p:spTree>
@@ -22062,7 +22292,7 @@
 </p:sld>
 </file>
 
-<file path=ppt/slides/slide51.xml><?xml version="1.0" encoding="utf-8"?>
+<file path=ppt/slides/slide52.xml><?xml version="1.0" encoding="utf-8"?>
 <p:sld xmlns:a="http://schemas.openxmlformats.org/drawingml/2006/main" xmlns:r="http://schemas.openxmlformats.org/officeDocument/2006/relationships" xmlns:p="http://schemas.openxmlformats.org/presentationml/2006/main">
   <p:cSld>
     <p:spTree>
@@ -22234,7 +22464,7 @@
 </p:sld>
 </file>
 
-<file path=ppt/slides/slide52.xml><?xml version="1.0" encoding="utf-8"?>
+<file path=ppt/slides/slide53.xml><?xml version="1.0" encoding="utf-8"?>
 <p:sld xmlns:a="http://schemas.openxmlformats.org/drawingml/2006/main" xmlns:r="http://schemas.openxmlformats.org/officeDocument/2006/relationships" xmlns:p="http://schemas.openxmlformats.org/presentationml/2006/main">
   <p:cSld>
     <p:spTree>
@@ -23282,7 +23512,7 @@
 </p:sld>
 </file>
 
-<file path=ppt/slides/slide53.xml><?xml version="1.0" encoding="utf-8"?>
+<file path=ppt/slides/slide54.xml><?xml version="1.0" encoding="utf-8"?>
 <p:sld xmlns:a="http://schemas.openxmlformats.org/drawingml/2006/main" xmlns:r="http://schemas.openxmlformats.org/officeDocument/2006/relationships" xmlns:p="http://schemas.openxmlformats.org/presentationml/2006/main">
   <p:cSld>
     <p:spTree>
@@ -23647,7 +23877,7 @@
 </p:sld>
 </file>
 
-<file path=ppt/slides/slide54.xml><?xml version="1.0" encoding="utf-8"?>
+<file path=ppt/slides/slide55.xml><?xml version="1.0" encoding="utf-8"?>
 <p:sld xmlns:a="http://schemas.openxmlformats.org/drawingml/2006/main" xmlns:r="http://schemas.openxmlformats.org/officeDocument/2006/relationships" xmlns:p="http://schemas.openxmlformats.org/presentationml/2006/main">
   <p:cSld>
     <p:spTree>
@@ -23985,7 +24215,7 @@
 </p:sld>
 </file>
 
-<file path=ppt/slides/slide55.xml><?xml version="1.0" encoding="utf-8"?>
+<file path=ppt/slides/slide56.xml><?xml version="1.0" encoding="utf-8"?>
 <p:sld xmlns:a="http://schemas.openxmlformats.org/drawingml/2006/main" xmlns:r="http://schemas.openxmlformats.org/officeDocument/2006/relationships" xmlns:p="http://schemas.openxmlformats.org/presentationml/2006/main">
   <p:cSld>
     <p:spTree>
@@ -24310,7 +24540,7 @@
 </p:sld>
 </file>
 
-<file path=ppt/slides/slide56.xml><?xml version="1.0" encoding="utf-8"?>
+<file path=ppt/slides/slide57.xml><?xml version="1.0" encoding="utf-8"?>
 <p:sld xmlns:a="http://schemas.openxmlformats.org/drawingml/2006/main" xmlns:r="http://schemas.openxmlformats.org/officeDocument/2006/relationships" xmlns:p="http://schemas.openxmlformats.org/presentationml/2006/main">
   <p:cSld>
     <p:spTree>
@@ -24494,7 +24724,7 @@
           <a:graphicData uri="http://schemas.openxmlformats.org/presentationml/2006/ole">
             <mc:AlternateContent xmlns:mc="http://schemas.openxmlformats.org/markup-compatibility/2006">
               <mc:Choice xmlns:v="urn:schemas-microsoft-com:vml" Requires="v">
-                <p:oleObj spid="_x0000_s1085" name="BMP 图像" r:id="rId4" imgW="5000760" imgH="2257560" progId="Paint.Picture">
+                <p:oleObj spid="_x0000_s1108" name="BMP 图像" r:id="rId4" imgW="5000760" imgH="2257560" progId="Paint.Picture">
                   <p:embed/>
                 </p:oleObj>
               </mc:Choice>
@@ -24542,7 +24772,7 @@
 </p:sld>
 </file>
 
-<file path=ppt/slides/slide57.xml><?xml version="1.0" encoding="utf-8"?>
+<file path=ppt/slides/slide58.xml><?xml version="1.0" encoding="utf-8"?>
 <p:sld xmlns:a="http://schemas.openxmlformats.org/drawingml/2006/main" xmlns:r="http://schemas.openxmlformats.org/officeDocument/2006/relationships" xmlns:p="http://schemas.openxmlformats.org/presentationml/2006/main">
   <p:cSld>
     <p:spTree>

--- a/docs/dbcli.pptx
+++ b/docs/dbcli.pptx
@@ -5,7 +5,7 @@
     <p:sldMasterId id="2147483648" r:id="rId1"/>
   </p:sldMasterIdLst>
   <p:notesMasterIdLst>
-    <p:notesMasterId r:id="rId59"/>
+    <p:notesMasterId r:id="rId61"/>
   </p:notesMasterIdLst>
   <p:sldIdLst>
     <p:sldId id="256" r:id="rId2"/>
@@ -13,58 +13,60 @@
     <p:sldId id="258" r:id="rId4"/>
     <p:sldId id="259" r:id="rId5"/>
     <p:sldId id="260" r:id="rId6"/>
-    <p:sldId id="309" r:id="rId7"/>
-    <p:sldId id="261" r:id="rId8"/>
-    <p:sldId id="262" r:id="rId9"/>
-    <p:sldId id="292" r:id="rId10"/>
-    <p:sldId id="308" r:id="rId11"/>
-    <p:sldId id="263" r:id="rId12"/>
-    <p:sldId id="279" r:id="rId13"/>
-    <p:sldId id="280" r:id="rId14"/>
-    <p:sldId id="264" r:id="rId15"/>
-    <p:sldId id="265" r:id="rId16"/>
-    <p:sldId id="268" r:id="rId17"/>
-    <p:sldId id="267" r:id="rId18"/>
-    <p:sldId id="269" r:id="rId19"/>
-    <p:sldId id="270" r:id="rId20"/>
-    <p:sldId id="271" r:id="rId21"/>
-    <p:sldId id="272" r:id="rId22"/>
-    <p:sldId id="273" r:id="rId23"/>
-    <p:sldId id="281" r:id="rId24"/>
-    <p:sldId id="282" r:id="rId25"/>
-    <p:sldId id="266" r:id="rId26"/>
-    <p:sldId id="288" r:id="rId27"/>
-    <p:sldId id="274" r:id="rId28"/>
-    <p:sldId id="275" r:id="rId29"/>
-    <p:sldId id="276" r:id="rId30"/>
-    <p:sldId id="283" r:id="rId31"/>
-    <p:sldId id="277" r:id="rId32"/>
-    <p:sldId id="278" r:id="rId33"/>
-    <p:sldId id="284" r:id="rId34"/>
-    <p:sldId id="285" r:id="rId35"/>
-    <p:sldId id="286" r:id="rId36"/>
-    <p:sldId id="290" r:id="rId37"/>
-    <p:sldId id="291" r:id="rId38"/>
-    <p:sldId id="287" r:id="rId39"/>
-    <p:sldId id="289" r:id="rId40"/>
-    <p:sldId id="293" r:id="rId41"/>
-    <p:sldId id="294" r:id="rId42"/>
-    <p:sldId id="295" r:id="rId43"/>
-    <p:sldId id="296" r:id="rId44"/>
-    <p:sldId id="297" r:id="rId45"/>
-    <p:sldId id="298" r:id="rId46"/>
-    <p:sldId id="299" r:id="rId47"/>
-    <p:sldId id="300" r:id="rId48"/>
-    <p:sldId id="301" r:id="rId49"/>
-    <p:sldId id="302" r:id="rId50"/>
-    <p:sldId id="303" r:id="rId51"/>
-    <p:sldId id="304" r:id="rId52"/>
-    <p:sldId id="305" r:id="rId53"/>
-    <p:sldId id="306" r:id="rId54"/>
-    <p:sldId id="307" r:id="rId55"/>
-    <p:sldId id="310" r:id="rId56"/>
-    <p:sldId id="311" r:id="rId57"/>
-    <p:sldId id="312" r:id="rId58"/>
+    <p:sldId id="314" r:id="rId7"/>
+    <p:sldId id="309" r:id="rId8"/>
+    <p:sldId id="261" r:id="rId9"/>
+    <p:sldId id="262" r:id="rId10"/>
+    <p:sldId id="292" r:id="rId11"/>
+    <p:sldId id="308" r:id="rId12"/>
+    <p:sldId id="263" r:id="rId13"/>
+    <p:sldId id="313" r:id="rId14"/>
+    <p:sldId id="279" r:id="rId15"/>
+    <p:sldId id="280" r:id="rId16"/>
+    <p:sldId id="264" r:id="rId17"/>
+    <p:sldId id="265" r:id="rId18"/>
+    <p:sldId id="268" r:id="rId19"/>
+    <p:sldId id="267" r:id="rId20"/>
+    <p:sldId id="269" r:id="rId21"/>
+    <p:sldId id="270" r:id="rId22"/>
+    <p:sldId id="271" r:id="rId23"/>
+    <p:sldId id="272" r:id="rId24"/>
+    <p:sldId id="273" r:id="rId25"/>
+    <p:sldId id="281" r:id="rId26"/>
+    <p:sldId id="282" r:id="rId27"/>
+    <p:sldId id="266" r:id="rId28"/>
+    <p:sldId id="288" r:id="rId29"/>
+    <p:sldId id="274" r:id="rId30"/>
+    <p:sldId id="275" r:id="rId31"/>
+    <p:sldId id="276" r:id="rId32"/>
+    <p:sldId id="283" r:id="rId33"/>
+    <p:sldId id="277" r:id="rId34"/>
+    <p:sldId id="278" r:id="rId35"/>
+    <p:sldId id="284" r:id="rId36"/>
+    <p:sldId id="285" r:id="rId37"/>
+    <p:sldId id="286" r:id="rId38"/>
+    <p:sldId id="290" r:id="rId39"/>
+    <p:sldId id="291" r:id="rId40"/>
+    <p:sldId id="287" r:id="rId41"/>
+    <p:sldId id="289" r:id="rId42"/>
+    <p:sldId id="293" r:id="rId43"/>
+    <p:sldId id="294" r:id="rId44"/>
+    <p:sldId id="295" r:id="rId45"/>
+    <p:sldId id="296" r:id="rId46"/>
+    <p:sldId id="297" r:id="rId47"/>
+    <p:sldId id="298" r:id="rId48"/>
+    <p:sldId id="299" r:id="rId49"/>
+    <p:sldId id="300" r:id="rId50"/>
+    <p:sldId id="301" r:id="rId51"/>
+    <p:sldId id="302" r:id="rId52"/>
+    <p:sldId id="303" r:id="rId53"/>
+    <p:sldId id="304" r:id="rId54"/>
+    <p:sldId id="305" r:id="rId55"/>
+    <p:sldId id="306" r:id="rId56"/>
+    <p:sldId id="307" r:id="rId57"/>
+    <p:sldId id="310" r:id="rId58"/>
+    <p:sldId id="311" r:id="rId59"/>
+    <p:sldId id="312" r:id="rId60"/>
   </p:sldIdLst>
   <p:sldSz cx="12192000" cy="6858000"/>
   <p:notesSz cx="6858000" cy="9144000"/>
@@ -253,7 +255,7 @@
           <a:p>
             <a:fld id="{8924A7D2-5F3F-4CDE-BB06-760ED7F7BFAC}" type="datetimeFigureOut">
               <a:rPr lang="en-US" smtClean="0"/>
-              <a:t>9/6/2018</a:t>
+              <a:t>12/24/2018</a:t>
             </a:fld>
             <a:endParaRPr lang="en-US"/>
           </a:p>
@@ -753,7 +755,7 @@
           <a:p>
             <a:fld id="{B4F2F79A-9ECA-4236-9A6E-01D624A4A39C}" type="slidenum">
               <a:rPr lang="en-US" smtClean="0"/>
-              <a:t>8</a:t>
+              <a:t>9</a:t>
             </a:fld>
             <a:endParaRPr lang="en-US"/>
           </a:p>
@@ -840,7 +842,7 @@
           <a:p>
             <a:fld id="{B4F2F79A-9ECA-4236-9A6E-01D624A4A39C}" type="slidenum">
               <a:rPr lang="en-US" smtClean="0"/>
-              <a:t>19</a:t>
+              <a:t>21</a:t>
             </a:fld>
             <a:endParaRPr lang="en-US"/>
           </a:p>
@@ -955,7 +957,7 @@
           <a:p>
             <a:fld id="{B4F2F79A-9ECA-4236-9A6E-01D624A4A39C}" type="slidenum">
               <a:rPr lang="en-US" smtClean="0"/>
-              <a:t>20</a:t>
+              <a:t>22</a:t>
             </a:fld>
             <a:endParaRPr lang="en-US"/>
           </a:p>
@@ -1067,7 +1069,7 @@
           <a:p>
             <a:fld id="{B4F2F79A-9ECA-4236-9A6E-01D624A4A39C}" type="slidenum">
               <a:rPr lang="en-US" smtClean="0"/>
-              <a:t>21</a:t>
+              <a:t>23</a:t>
             </a:fld>
             <a:endParaRPr lang="en-US"/>
           </a:p>
@@ -1334,7 +1336,7 @@
           <a:p>
             <a:fld id="{B4F2F79A-9ECA-4236-9A6E-01D624A4A39C}" type="slidenum">
               <a:rPr lang="en-US" smtClean="0"/>
-              <a:t>22</a:t>
+              <a:t>24</a:t>
             </a:fld>
             <a:endParaRPr lang="en-US"/>
           </a:p>
@@ -1521,7 +1523,7 @@
           <a:p>
             <a:fld id="{B4F2F79A-9ECA-4236-9A6E-01D624A4A39C}" type="slidenum">
               <a:rPr lang="en-US" smtClean="0"/>
-              <a:t>23</a:t>
+              <a:t>25</a:t>
             </a:fld>
             <a:endParaRPr lang="en-US"/>
           </a:p>
@@ -1616,7 +1618,7 @@
           <a:p>
             <a:fld id="{B4F2F79A-9ECA-4236-9A6E-01D624A4A39C}" type="slidenum">
               <a:rPr lang="en-US" smtClean="0"/>
-              <a:t>24</a:t>
+              <a:t>26</a:t>
             </a:fld>
             <a:endParaRPr lang="en-US"/>
           </a:p>
@@ -1714,7 +1716,7 @@
           <a:p>
             <a:fld id="{B4F2F79A-9ECA-4236-9A6E-01D624A4A39C}" type="slidenum">
               <a:rPr lang="en-US" smtClean="0"/>
-              <a:t>26</a:t>
+              <a:t>28</a:t>
             </a:fld>
             <a:endParaRPr lang="en-US"/>
           </a:p>
@@ -1816,7 +1818,7 @@
           <a:p>
             <a:fld id="{B4F2F79A-9ECA-4236-9A6E-01D624A4A39C}" type="slidenum">
               <a:rPr lang="en-US" smtClean="0"/>
-              <a:t>27</a:t>
+              <a:t>29</a:t>
             </a:fld>
             <a:endParaRPr lang="en-US"/>
           </a:p>
@@ -1908,7 +1910,7 @@
           <a:p>
             <a:fld id="{B4F2F79A-9ECA-4236-9A6E-01D624A4A39C}" type="slidenum">
               <a:rPr lang="en-US" smtClean="0"/>
-              <a:t>28</a:t>
+              <a:t>30</a:t>
             </a:fld>
             <a:endParaRPr lang="en-US"/>
           </a:p>
@@ -2000,7 +2002,7 @@
           <a:p>
             <a:fld id="{B4F2F79A-9ECA-4236-9A6E-01D624A4A39C}" type="slidenum">
               <a:rPr lang="en-US" smtClean="0"/>
-              <a:t>29</a:t>
+              <a:t>31</a:t>
             </a:fld>
             <a:endParaRPr lang="en-US"/>
           </a:p>
@@ -2136,7 +2138,7 @@
           <a:p>
             <a:fld id="{B4F2F79A-9ECA-4236-9A6E-01D624A4A39C}" type="slidenum">
               <a:rPr lang="en-US" smtClean="0"/>
-              <a:t>9</a:t>
+              <a:t>10</a:t>
             </a:fld>
             <a:endParaRPr lang="en-US"/>
           </a:p>
@@ -2291,7 +2293,7 @@
           <a:p>
             <a:fld id="{B4F2F79A-9ECA-4236-9A6E-01D624A4A39C}" type="slidenum">
               <a:rPr lang="en-US" smtClean="0"/>
-              <a:t>36</a:t>
+              <a:t>38</a:t>
             </a:fld>
             <a:endParaRPr lang="en-US"/>
           </a:p>
@@ -2446,7 +2448,7 @@
           <a:p>
             <a:fld id="{B4F2F79A-9ECA-4236-9A6E-01D624A4A39C}" type="slidenum">
               <a:rPr lang="en-US" smtClean="0"/>
-              <a:t>41</a:t>
+              <a:t>43</a:t>
             </a:fld>
             <a:endParaRPr lang="en-US"/>
           </a:p>
@@ -2625,7 +2627,7 @@
           <a:p>
             <a:fld id="{B4F2F79A-9ECA-4236-9A6E-01D624A4A39C}" type="slidenum">
               <a:rPr lang="en-US" smtClean="0"/>
-              <a:t>42</a:t>
+              <a:t>44</a:t>
             </a:fld>
             <a:endParaRPr lang="en-US"/>
           </a:p>
@@ -2860,7 +2862,7 @@
           <a:p>
             <a:fld id="{B4F2F79A-9ECA-4236-9A6E-01D624A4A39C}" type="slidenum">
               <a:rPr lang="en-US" smtClean="0"/>
-              <a:t>43</a:t>
+              <a:t>45</a:t>
             </a:fld>
             <a:endParaRPr lang="en-US"/>
           </a:p>
@@ -3003,7 +3005,7 @@
           <a:p>
             <a:fld id="{B4F2F79A-9ECA-4236-9A6E-01D624A4A39C}" type="slidenum">
               <a:rPr lang="en-US" smtClean="0"/>
-              <a:t>44</a:t>
+              <a:t>46</a:t>
             </a:fld>
             <a:endParaRPr lang="en-US"/>
           </a:p>
@@ -3216,7 +3218,7 @@
           <a:p>
             <a:fld id="{B4F2F79A-9ECA-4236-9A6E-01D624A4A39C}" type="slidenum">
               <a:rPr lang="en-US" smtClean="0"/>
-              <a:t>45</a:t>
+              <a:t>47</a:t>
             </a:fld>
             <a:endParaRPr lang="en-US"/>
           </a:p>
@@ -3311,7 +3313,7 @@
           <a:p>
             <a:fld id="{B4F2F79A-9ECA-4236-9A6E-01D624A4A39C}" type="slidenum">
               <a:rPr lang="en-US" smtClean="0"/>
-              <a:t>47</a:t>
+              <a:t>49</a:t>
             </a:fld>
             <a:endParaRPr lang="en-US"/>
           </a:p>
@@ -3435,7 +3437,7 @@
           <a:p>
             <a:fld id="{B4F2F79A-9ECA-4236-9A6E-01D624A4A39C}" type="slidenum">
               <a:rPr lang="en-US" smtClean="0"/>
-              <a:t>48</a:t>
+              <a:t>50</a:t>
             </a:fld>
             <a:endParaRPr lang="en-US"/>
           </a:p>
@@ -3552,7 +3554,7 @@
           <a:p>
             <a:fld id="{B4F2F79A-9ECA-4236-9A6E-01D624A4A39C}" type="slidenum">
               <a:rPr lang="en-US" smtClean="0"/>
-              <a:t>49</a:t>
+              <a:t>51</a:t>
             </a:fld>
             <a:endParaRPr lang="en-US"/>
           </a:p>
@@ -3651,7 +3653,7 @@
           <a:p>
             <a:fld id="{B4F2F79A-9ECA-4236-9A6E-01D624A4A39C}" type="slidenum">
               <a:rPr lang="en-US" smtClean="0"/>
-              <a:t>50</a:t>
+              <a:t>52</a:t>
             </a:fld>
             <a:endParaRPr lang="en-US"/>
           </a:p>
@@ -3846,7 +3848,7 @@
           <a:p>
             <a:fld id="{B4F2F79A-9ECA-4236-9A6E-01D624A4A39C}" type="slidenum">
               <a:rPr lang="en-US" smtClean="0"/>
-              <a:t>10</a:t>
+              <a:t>11</a:t>
             </a:fld>
             <a:endParaRPr lang="en-US"/>
           </a:p>
@@ -3933,7 +3935,7 @@
           <a:p>
             <a:fld id="{B4F2F79A-9ECA-4236-9A6E-01D624A4A39C}" type="slidenum">
               <a:rPr lang="en-US" smtClean="0"/>
-              <a:t>51</a:t>
+              <a:t>53</a:t>
             </a:fld>
             <a:endParaRPr lang="en-US"/>
           </a:p>
@@ -4297,7 +4299,7 @@
           <a:p>
             <a:fld id="{B4F2F79A-9ECA-4236-9A6E-01D624A4A39C}" type="slidenum">
               <a:rPr lang="en-US" smtClean="0"/>
-              <a:t>53</a:t>
+              <a:t>55</a:t>
             </a:fld>
             <a:endParaRPr lang="en-US"/>
           </a:p>
@@ -4579,7 +4581,7 @@
           <a:p>
             <a:fld id="{B4F2F79A-9ECA-4236-9A6E-01D624A4A39C}" type="slidenum">
               <a:rPr lang="en-US" smtClean="0"/>
-              <a:t>54</a:t>
+              <a:t>56</a:t>
             </a:fld>
             <a:endParaRPr lang="en-US"/>
           </a:p>
@@ -5083,7 +5085,7 @@
           <a:p>
             <a:fld id="{B4F2F79A-9ECA-4236-9A6E-01D624A4A39C}" type="slidenum">
               <a:rPr lang="en-US" smtClean="0"/>
-              <a:t>55</a:t>
+              <a:t>57</a:t>
             </a:fld>
             <a:endParaRPr lang="en-US"/>
           </a:p>
@@ -5297,7 +5299,7 @@
           <a:p>
             <a:fld id="{B4F2F79A-9ECA-4236-9A6E-01D624A4A39C}" type="slidenum">
               <a:rPr lang="en-US" smtClean="0"/>
-              <a:t>56</a:t>
+              <a:t>58</a:t>
             </a:fld>
             <a:endParaRPr lang="en-US"/>
           </a:p>
@@ -5711,7 +5713,7 @@
           <a:p>
             <a:fld id="{B4F2F79A-9ECA-4236-9A6E-01D624A4A39C}" type="slidenum">
               <a:rPr lang="en-US" smtClean="0"/>
-              <a:t>12</a:t>
+              <a:t>14</a:t>
             </a:fld>
             <a:endParaRPr lang="en-US"/>
           </a:p>
@@ -5843,7 +5845,7 @@
           <a:p>
             <a:fld id="{B4F2F79A-9ECA-4236-9A6E-01D624A4A39C}" type="slidenum">
               <a:rPr lang="en-US" smtClean="0"/>
-              <a:t>14</a:t>
+              <a:t>16</a:t>
             </a:fld>
             <a:endParaRPr lang="en-US"/>
           </a:p>
@@ -5955,7 +5957,7 @@
           <a:p>
             <a:fld id="{B4F2F79A-9ECA-4236-9A6E-01D624A4A39C}" type="slidenum">
               <a:rPr lang="en-US" smtClean="0"/>
-              <a:t>15</a:t>
+              <a:t>17</a:t>
             </a:fld>
             <a:endParaRPr lang="en-US"/>
           </a:p>
@@ -6081,7 +6083,7 @@
           <a:p>
             <a:fld id="{B4F2F79A-9ECA-4236-9A6E-01D624A4A39C}" type="slidenum">
               <a:rPr lang="en-US" smtClean="0"/>
-              <a:t>16</a:t>
+              <a:t>18</a:t>
             </a:fld>
             <a:endParaRPr lang="en-US"/>
           </a:p>
@@ -6174,7 +6176,7 @@
           <a:p>
             <a:fld id="{B4F2F79A-9ECA-4236-9A6E-01D624A4A39C}" type="slidenum">
               <a:rPr lang="en-US" smtClean="0"/>
-              <a:t>17</a:t>
+              <a:t>19</a:t>
             </a:fld>
             <a:endParaRPr lang="en-US"/>
           </a:p>
@@ -6309,7 +6311,7 @@
           <a:p>
             <a:fld id="{B4F2F79A-9ECA-4236-9A6E-01D624A4A39C}" type="slidenum">
               <a:rPr lang="en-US" smtClean="0"/>
-              <a:t>18</a:t>
+              <a:t>20</a:t>
             </a:fld>
             <a:endParaRPr lang="en-US"/>
           </a:p>
@@ -6477,7 +6479,7 @@
           <a:p>
             <a:fld id="{830CF026-2A7D-4AC1-A6EC-3EB8F9A9FDD9}" type="datetimeFigureOut">
               <a:rPr lang="en-US" smtClean="0"/>
-              <a:t>9/6/2018</a:t>
+              <a:t>12/24/2018</a:t>
             </a:fld>
             <a:endParaRPr lang="en-US"/>
           </a:p>
@@ -6677,7 +6679,7 @@
           <a:p>
             <a:fld id="{830CF026-2A7D-4AC1-A6EC-3EB8F9A9FDD9}" type="datetimeFigureOut">
               <a:rPr lang="en-US" smtClean="0"/>
-              <a:t>9/6/2018</a:t>
+              <a:t>12/24/2018</a:t>
             </a:fld>
             <a:endParaRPr lang="en-US"/>
           </a:p>
@@ -6887,7 +6889,7 @@
           <a:p>
             <a:fld id="{830CF026-2A7D-4AC1-A6EC-3EB8F9A9FDD9}" type="datetimeFigureOut">
               <a:rPr lang="en-US" smtClean="0"/>
-              <a:t>9/6/2018</a:t>
+              <a:t>12/24/2018</a:t>
             </a:fld>
             <a:endParaRPr lang="en-US"/>
           </a:p>
@@ -7087,7 +7089,7 @@
           <a:p>
             <a:fld id="{830CF026-2A7D-4AC1-A6EC-3EB8F9A9FDD9}" type="datetimeFigureOut">
               <a:rPr lang="en-US" smtClean="0"/>
-              <a:t>9/6/2018</a:t>
+              <a:t>12/24/2018</a:t>
             </a:fld>
             <a:endParaRPr lang="en-US"/>
           </a:p>
@@ -7363,7 +7365,7 @@
           <a:p>
             <a:fld id="{830CF026-2A7D-4AC1-A6EC-3EB8F9A9FDD9}" type="datetimeFigureOut">
               <a:rPr lang="en-US" smtClean="0"/>
-              <a:t>9/6/2018</a:t>
+              <a:t>12/24/2018</a:t>
             </a:fld>
             <a:endParaRPr lang="en-US"/>
           </a:p>
@@ -7631,7 +7633,7 @@
           <a:p>
             <a:fld id="{830CF026-2A7D-4AC1-A6EC-3EB8F9A9FDD9}" type="datetimeFigureOut">
               <a:rPr lang="en-US" smtClean="0"/>
-              <a:t>9/6/2018</a:t>
+              <a:t>12/24/2018</a:t>
             </a:fld>
             <a:endParaRPr lang="en-US"/>
           </a:p>
@@ -8046,7 +8048,7 @@
           <a:p>
             <a:fld id="{830CF026-2A7D-4AC1-A6EC-3EB8F9A9FDD9}" type="datetimeFigureOut">
               <a:rPr lang="en-US" smtClean="0"/>
-              <a:t>9/6/2018</a:t>
+              <a:t>12/24/2018</a:t>
             </a:fld>
             <a:endParaRPr lang="en-US"/>
           </a:p>
@@ -8188,7 +8190,7 @@
           <a:p>
             <a:fld id="{830CF026-2A7D-4AC1-A6EC-3EB8F9A9FDD9}" type="datetimeFigureOut">
               <a:rPr lang="en-US" smtClean="0"/>
-              <a:t>9/6/2018</a:t>
+              <a:t>12/24/2018</a:t>
             </a:fld>
             <a:endParaRPr lang="en-US"/>
           </a:p>
@@ -8301,7 +8303,7 @@
           <a:p>
             <a:fld id="{830CF026-2A7D-4AC1-A6EC-3EB8F9A9FDD9}" type="datetimeFigureOut">
               <a:rPr lang="en-US" smtClean="0"/>
-              <a:t>9/6/2018</a:t>
+              <a:t>12/24/2018</a:t>
             </a:fld>
             <a:endParaRPr lang="en-US"/>
           </a:p>
@@ -8614,7 +8616,7 @@
           <a:p>
             <a:fld id="{830CF026-2A7D-4AC1-A6EC-3EB8F9A9FDD9}" type="datetimeFigureOut">
               <a:rPr lang="en-US" smtClean="0"/>
-              <a:t>9/6/2018</a:t>
+              <a:t>12/24/2018</a:t>
             </a:fld>
             <a:endParaRPr lang="en-US"/>
           </a:p>
@@ -8903,7 +8905,7 @@
           <a:p>
             <a:fld id="{830CF026-2A7D-4AC1-A6EC-3EB8F9A9FDD9}" type="datetimeFigureOut">
               <a:rPr lang="en-US" smtClean="0"/>
-              <a:t>9/6/2018</a:t>
+              <a:t>12/24/2018</a:t>
             </a:fld>
             <a:endParaRPr lang="en-US"/>
           </a:p>
@@ -9146,7 +9148,7 @@
           <a:p>
             <a:fld id="{830CF026-2A7D-4AC1-A6EC-3EB8F9A9FDD9}" type="datetimeFigureOut">
               <a:rPr lang="en-US" smtClean="0"/>
-              <a:t>9/6/2018</a:t>
+              <a:t>12/24/2018</a:t>
             </a:fld>
             <a:endParaRPr lang="en-US"/>
           </a:p>
@@ -9619,9 +9621,12 @@
           </a:p>
           <a:p>
             <a:r>
-              <a:rPr lang="en-US" sz="2000" dirty="0"/>
+              <a:rPr lang="en-US" sz="2000" dirty="0">
+                <a:hlinkClick r:id="rId2"/>
+              </a:rPr>
               <a:t>https://github.com/hyee/dbcli</a:t>
             </a:r>
+            <a:endParaRPr lang="en-US" sz="2000" dirty="0"/>
           </a:p>
         </p:txBody>
       </p:sp>
@@ -9657,6 +9662,493 @@
       </p:grpSpPr>
       <p:sp>
         <p:nvSpPr>
+          <p:cNvPr id="3" name="内容占位符 2">
+            <a:extLst>
+              <a:ext uri="{FF2B5EF4-FFF2-40B4-BE49-F238E27FC236}">
+                <a16:creationId xmlns:a16="http://schemas.microsoft.com/office/drawing/2014/main" id="{BFE98B9A-DA58-4FB6-A7C7-68C6CD03B3E3}"/>
+              </a:ext>
+            </a:extLst>
+          </p:cNvPr>
+          <p:cNvSpPr>
+            <a:spLocks noGrp="1"/>
+          </p:cNvSpPr>
+          <p:nvPr>
+            <p:ph idx="1"/>
+          </p:nvPr>
+        </p:nvSpPr>
+        <p:spPr>
+          <a:xfrm>
+            <a:off x="838200" y="839972"/>
+            <a:ext cx="10515600" cy="2698875"/>
+          </a:xfrm>
+        </p:spPr>
+        <p:txBody>
+          <a:bodyPr>
+            <a:normAutofit fontScale="55000" lnSpcReduction="20000"/>
+          </a:bodyPr>
+          <a:lstStyle/>
+          <a:p>
+            <a:r>
+              <a:rPr lang="en-US" dirty="0"/>
+              <a:t>The grid command accepts </a:t>
+            </a:r>
+            <a:r>
+              <a:rPr lang="en-US" b="1" dirty="0">
+                <a:solidFill>
+                  <a:schemeClr val="accent1">
+                    <a:lumMod val="75000"/>
+                  </a:schemeClr>
+                </a:solidFill>
+              </a:rPr>
+              <a:t>/*grid={…}*/ </a:t>
+            </a:r>
+            <a:r>
+              <a:rPr lang="en-US" dirty="0"/>
+              <a:t>to define the additional information, including:</a:t>
+            </a:r>
+          </a:p>
+          <a:p>
+            <a:pPr lvl="1"/>
+            <a:r>
+              <a:rPr lang="en-US" altLang="zh-CN" b="1" dirty="0">
+                <a:solidFill>
+                  <a:schemeClr val="accent1">
+                    <a:lumMod val="75000"/>
+                  </a:schemeClr>
+                </a:solidFill>
+              </a:rPr>
+              <a:t>t</a:t>
+            </a:r>
+            <a:r>
+              <a:rPr lang="en-US" b="1" dirty="0">
+                <a:solidFill>
+                  <a:schemeClr val="accent1">
+                    <a:lumMod val="75000"/>
+                  </a:schemeClr>
+                </a:solidFill>
+              </a:rPr>
+              <a:t>opic=“&lt;title&gt;”: </a:t>
+            </a:r>
+            <a:r>
+              <a:rPr lang="en-US" dirty="0"/>
+              <a:t>the title of the grid</a:t>
+            </a:r>
+          </a:p>
+          <a:p>
+            <a:pPr lvl="1"/>
+            <a:r>
+              <a:rPr lang="en-US" b="1" dirty="0">
+                <a:solidFill>
+                  <a:schemeClr val="accent1">
+                    <a:lumMod val="75000"/>
+                  </a:schemeClr>
+                </a:solidFill>
+              </a:rPr>
+              <a:t>Width=&lt;number&gt;:</a:t>
+            </a:r>
+            <a:r>
+              <a:rPr lang="zh-CN" altLang="en-US" b="1" dirty="0">
+                <a:solidFill>
+                  <a:schemeClr val="accent1">
+                    <a:lumMod val="75000"/>
+                  </a:schemeClr>
+                </a:solidFill>
+              </a:rPr>
+              <a:t> </a:t>
+            </a:r>
+            <a:r>
+              <a:rPr lang="en-US" altLang="zh-CN" dirty="0"/>
+              <a:t>define block fixed width,</a:t>
+            </a:r>
+            <a:r>
+              <a:rPr lang="zh-CN" altLang="en-US" dirty="0"/>
+              <a:t> </a:t>
+            </a:r>
+            <a:r>
+              <a:rPr lang="en-US" altLang="zh-CN" dirty="0"/>
+              <a:t>if the query output wider than the size, then the outstanding part will be chopped. When -1 then means align to its siblings</a:t>
+            </a:r>
+          </a:p>
+          <a:p>
+            <a:pPr lvl="1"/>
+            <a:r>
+              <a:rPr lang="en-US" b="1" dirty="0">
+                <a:solidFill>
+                  <a:schemeClr val="accent1">
+                    <a:lumMod val="75000"/>
+                  </a:schemeClr>
+                </a:solidFill>
+              </a:rPr>
+              <a:t>height=&lt;number&gt;: </a:t>
+            </a:r>
+            <a:r>
+              <a:rPr lang="en-US" dirty="0"/>
+              <a:t>define block fixed height, if the output rows  longer than the size, then the outstanding rows will be removed. When -1 then means align the height to its siblings.</a:t>
+            </a:r>
+          </a:p>
+          <a:p>
+            <a:pPr lvl="1"/>
+            <a:r>
+              <a:rPr lang="en-US" b="1" dirty="0">
+                <a:solidFill>
+                  <a:schemeClr val="accent1">
+                    <a:lumMod val="75000"/>
+                  </a:schemeClr>
+                </a:solidFill>
+              </a:rPr>
+              <a:t>max_rows=&lt;number&gt;: </a:t>
+            </a:r>
+            <a:r>
+              <a:rPr lang="en-US" dirty="0"/>
+              <a:t>maximum </a:t>
+            </a:r>
+            <a:r>
+              <a:rPr lang="en-US" altLang="zh-CN" dirty="0"/>
+              <a:t>printed query records</a:t>
+            </a:r>
+            <a:endParaRPr lang="en-US" dirty="0"/>
+          </a:p>
+          <a:p>
+            <a:pPr lvl="1"/>
+            <a:r>
+              <a:rPr lang="en-US" b="1" dirty="0" err="1">
+                <a:solidFill>
+                  <a:schemeClr val="accent1">
+                    <a:lumMod val="75000"/>
+                  </a:schemeClr>
+                </a:solidFill>
+              </a:rPr>
+              <a:t>bypassemptyrs</a:t>
+            </a:r>
+            <a:r>
+              <a:rPr lang="en-US" b="1" dirty="0">
+                <a:solidFill>
+                  <a:schemeClr val="accent1">
+                    <a:lumMod val="75000"/>
+                  </a:schemeClr>
+                </a:solidFill>
+              </a:rPr>
+              <a:t>=“</a:t>
+            </a:r>
+            <a:r>
+              <a:rPr lang="en-US" altLang="zh-CN" b="1" dirty="0">
+                <a:solidFill>
+                  <a:schemeClr val="accent1">
+                    <a:lumMod val="75000"/>
+                  </a:schemeClr>
+                </a:solidFill>
+              </a:rPr>
+              <a:t>on/off”: </a:t>
+            </a:r>
+            <a:r>
+              <a:rPr lang="en-US" altLang="zh-CN" dirty="0"/>
+              <a:t>controls whether to display the grid in case of no record to be printed</a:t>
+            </a:r>
+            <a:endParaRPr lang="en-US" dirty="0"/>
+          </a:p>
+          <a:p>
+            <a:pPr lvl="1"/>
+            <a:r>
+              <a:rPr lang="en-US" dirty="0"/>
+              <a:t>Other additional configurations that used in “snap” and “chart” commands</a:t>
+            </a:r>
+          </a:p>
+          <a:p>
+            <a:r>
+              <a:rPr lang="en-US" dirty="0"/>
+              <a:t>JSON format is not a good choice for multi-lines SQL:</a:t>
+            </a:r>
+          </a:p>
+          <a:p>
+            <a:pPr lvl="1"/>
+            <a:r>
+              <a:rPr lang="en-US" dirty="0"/>
+              <a:t>JSON uses [….] to define an array, and {…} to define an object. For Lua, they are all {…}</a:t>
+            </a:r>
+          </a:p>
+          <a:p>
+            <a:pPr lvl="1"/>
+            <a:r>
+              <a:rPr lang="en-US" dirty="0"/>
+              <a:t>To define an object(map), the JSON syntax is {a</a:t>
+            </a:r>
+            <a:r>
+              <a:rPr lang="en-US" b="1" dirty="0">
+                <a:solidFill>
+                  <a:schemeClr val="accent1">
+                    <a:lumMod val="75000"/>
+                  </a:schemeClr>
+                </a:solidFill>
+              </a:rPr>
+              <a:t>:</a:t>
+            </a:r>
+            <a:r>
+              <a:rPr lang="en-US" dirty="0">
+                <a:solidFill>
+                  <a:schemeClr val="accent1">
+                    <a:lumMod val="75000"/>
+                  </a:schemeClr>
+                </a:solidFill>
+              </a:rPr>
+              <a:t> </a:t>
+            </a:r>
+            <a:r>
+              <a:rPr lang="en-US" dirty="0"/>
+              <a:t>&lt;value&gt;,b</a:t>
+            </a:r>
+            <a:r>
+              <a:rPr lang="en-US" b="1" dirty="0">
+                <a:solidFill>
+                  <a:schemeClr val="accent1">
+                    <a:lumMod val="75000"/>
+                  </a:schemeClr>
+                </a:solidFill>
+              </a:rPr>
+              <a:t>: </a:t>
+            </a:r>
+            <a:r>
+              <a:rPr lang="en-US" dirty="0"/>
+              <a:t>&lt;value&gt;}, for Lua, it is {a</a:t>
+            </a:r>
+            <a:r>
+              <a:rPr lang="en-US" b="1" dirty="0">
+                <a:solidFill>
+                  <a:schemeClr val="accent1">
+                    <a:lumMod val="75000"/>
+                  </a:schemeClr>
+                </a:solidFill>
+              </a:rPr>
+              <a:t>=</a:t>
+            </a:r>
+            <a:r>
+              <a:rPr lang="en-US" dirty="0"/>
+              <a:t>&lt;value&gt;,b</a:t>
+            </a:r>
+            <a:r>
+              <a:rPr lang="en-US" b="1" dirty="0">
+                <a:solidFill>
+                  <a:schemeClr val="accent1">
+                    <a:lumMod val="75000"/>
+                  </a:schemeClr>
+                </a:solidFill>
+              </a:rPr>
+              <a:t>=</a:t>
+            </a:r>
+            <a:r>
+              <a:rPr lang="en-US" dirty="0"/>
+              <a:t>&lt;value&gt;}</a:t>
+            </a:r>
+          </a:p>
+          <a:p>
+            <a:pPr lvl="1"/>
+            <a:r>
+              <a:rPr lang="en-US" dirty="0"/>
+              <a:t>To define a string value that has multiple lines, JSON uses </a:t>
+            </a:r>
+            <a:r>
+              <a:rPr lang="zh-CN" altLang="en-US" dirty="0">
+                <a:solidFill>
+                  <a:schemeClr val="accent1">
+                    <a:lumMod val="75000"/>
+                  </a:schemeClr>
+                </a:solidFill>
+              </a:rPr>
+              <a:t>“</a:t>
+            </a:r>
+            <a:r>
+              <a:rPr lang="en-US" altLang="zh-CN" dirty="0">
+                <a:solidFill>
+                  <a:schemeClr val="accent1">
+                    <a:lumMod val="75000"/>
+                  </a:schemeClr>
+                </a:solidFill>
+              </a:rPr>
+              <a:t>line1 \n</a:t>
+            </a:r>
+            <a:r>
+              <a:rPr lang="zh-CN" altLang="en-US" dirty="0">
+                <a:solidFill>
+                  <a:schemeClr val="accent1">
+                    <a:lumMod val="75000"/>
+                  </a:schemeClr>
+                </a:solidFill>
+              </a:rPr>
+              <a:t> ” </a:t>
+            </a:r>
+            <a:r>
+              <a:rPr lang="en-US" altLang="zh-CN" dirty="0">
+                <a:solidFill>
+                  <a:schemeClr val="accent1">
+                    <a:lumMod val="75000"/>
+                  </a:schemeClr>
+                </a:solidFill>
+              </a:rPr>
+              <a:t>+</a:t>
+            </a:r>
+            <a:r>
+              <a:rPr lang="zh-CN" altLang="en-US" dirty="0">
+                <a:solidFill>
+                  <a:schemeClr val="accent1">
+                    <a:lumMod val="75000"/>
+                  </a:schemeClr>
+                </a:solidFill>
+              </a:rPr>
+              <a:t>“</a:t>
+            </a:r>
+            <a:r>
+              <a:rPr lang="en-US" altLang="zh-CN" dirty="0">
+                <a:solidFill>
+                  <a:schemeClr val="accent1">
+                    <a:lumMod val="75000"/>
+                  </a:schemeClr>
+                </a:solidFill>
+              </a:rPr>
+              <a:t>line2</a:t>
+            </a:r>
+            <a:r>
+              <a:rPr lang="zh-CN" altLang="en-US" dirty="0">
+                <a:solidFill>
+                  <a:schemeClr val="accent1">
+                    <a:lumMod val="75000"/>
+                  </a:schemeClr>
+                </a:solidFill>
+              </a:rPr>
+              <a:t>”</a:t>
+            </a:r>
+            <a:r>
+              <a:rPr lang="zh-CN" altLang="en-US" dirty="0"/>
+              <a:t>，</a:t>
+            </a:r>
+            <a:r>
+              <a:rPr lang="en-US" altLang="zh-CN" dirty="0"/>
+              <a:t>and</a:t>
+            </a:r>
+            <a:r>
+              <a:rPr lang="zh-CN" altLang="en-US" dirty="0"/>
+              <a:t> </a:t>
+            </a:r>
+            <a:r>
+              <a:rPr lang="en-US" altLang="zh-CN" dirty="0"/>
+              <a:t>Lua is </a:t>
+            </a:r>
+            <a:r>
+              <a:rPr lang="en-US" altLang="zh-CN" dirty="0">
+                <a:solidFill>
+                  <a:schemeClr val="accent1">
+                    <a:lumMod val="75000"/>
+                  </a:schemeClr>
+                </a:solidFill>
+              </a:rPr>
+              <a:t>[[line1 \n line2]]</a:t>
+            </a:r>
+            <a:r>
+              <a:rPr lang="en-US" dirty="0">
+                <a:solidFill>
+                  <a:schemeClr val="accent1">
+                    <a:lumMod val="75000"/>
+                  </a:schemeClr>
+                </a:solidFill>
+              </a:rPr>
+              <a:t> </a:t>
+            </a:r>
+          </a:p>
+        </p:txBody>
+      </p:sp>
+      <p:sp>
+        <p:nvSpPr>
+          <p:cNvPr id="4" name="标题 1">
+            <a:extLst>
+              <a:ext uri="{FF2B5EF4-FFF2-40B4-BE49-F238E27FC236}">
+                <a16:creationId xmlns:a16="http://schemas.microsoft.com/office/drawing/2014/main" id="{70420209-AAC5-4A57-A49C-414AC4E00351}"/>
+              </a:ext>
+            </a:extLst>
+          </p:cNvPr>
+          <p:cNvSpPr>
+            <a:spLocks noGrp="1"/>
+          </p:cNvSpPr>
+          <p:nvPr>
+            <p:ph type="title"/>
+          </p:nvPr>
+        </p:nvSpPr>
+        <p:spPr>
+          <a:xfrm>
+            <a:off x="753140" y="18255"/>
+            <a:ext cx="10515600" cy="821717"/>
+          </a:xfrm>
+        </p:spPr>
+        <p:txBody>
+          <a:bodyPr/>
+          <a:lstStyle/>
+          <a:p>
+            <a:r>
+              <a:rPr lang="en-US" dirty="0"/>
+              <a:t>Combine queries (command grid) - 2</a:t>
+            </a:r>
+          </a:p>
+        </p:txBody>
+      </p:sp>
+      <p:pic>
+        <p:nvPicPr>
+          <p:cNvPr id="7" name="图片 6">
+            <a:extLst>
+              <a:ext uri="{FF2B5EF4-FFF2-40B4-BE49-F238E27FC236}">
+                <a16:creationId xmlns:a16="http://schemas.microsoft.com/office/drawing/2014/main" id="{59E8646C-875C-416C-9C86-61EF3D9A49AF}"/>
+              </a:ext>
+            </a:extLst>
+          </p:cNvPr>
+          <p:cNvPicPr>
+            <a:picLocks noChangeAspect="1"/>
+          </p:cNvPicPr>
+          <p:nvPr/>
+        </p:nvPicPr>
+        <p:blipFill>
+          <a:blip r:embed="rId3"/>
+          <a:stretch>
+            <a:fillRect/>
+          </a:stretch>
+        </p:blipFill>
+        <p:spPr>
+          <a:xfrm>
+            <a:off x="733425" y="3725070"/>
+            <a:ext cx="11458575" cy="3114675"/>
+          </a:xfrm>
+          <a:prstGeom prst="rect">
+            <a:avLst/>
+          </a:prstGeom>
+        </p:spPr>
+      </p:pic>
+    </p:spTree>
+    <p:extLst>
+      <p:ext uri="{BB962C8B-B14F-4D97-AF65-F5344CB8AC3E}">
+        <p14:creationId xmlns:p14="http://schemas.microsoft.com/office/powerpoint/2010/main" val="876152553"/>
+      </p:ext>
+    </p:extLst>
+  </p:cSld>
+  <p:clrMapOvr>
+    <a:masterClrMapping/>
+  </p:clrMapOvr>
+</p:sld>
+</file>
+
+<file path=ppt/slides/slide11.xml><?xml version="1.0" encoding="utf-8"?>
+<p:sld xmlns:a="http://schemas.openxmlformats.org/drawingml/2006/main" xmlns:r="http://schemas.openxmlformats.org/officeDocument/2006/relationships" xmlns:p="http://schemas.openxmlformats.org/presentationml/2006/main">
+  <p:cSld>
+    <p:spTree>
+      <p:nvGrpSpPr>
+        <p:cNvPr id="1" name=""/>
+        <p:cNvGrpSpPr/>
+        <p:nvPr/>
+      </p:nvGrpSpPr>
+      <p:grpSpPr>
+        <a:xfrm>
+          <a:off x="0" y="0"/>
+          <a:ext cx="0" cy="0"/>
+          <a:chOff x="0" y="0"/>
+          <a:chExt cx="0" cy="0"/>
+        </a:xfrm>
+      </p:grpSpPr>
+      <p:sp>
+        <p:nvSpPr>
           <p:cNvPr id="2" name="标题 1">
             <a:extLst>
               <a:ext uri="{FF2B5EF4-FFF2-40B4-BE49-F238E27FC236}">
@@ -9775,7 +10267,7 @@
 </p:sld>
 </file>
 
-<file path=ppt/slides/slide11.xml><?xml version="1.0" encoding="utf-8"?>
+<file path=ppt/slides/slide12.xml><?xml version="1.0" encoding="utf-8"?>
 <p:sld xmlns:a="http://schemas.openxmlformats.org/drawingml/2006/main" xmlns:r="http://schemas.openxmlformats.org/officeDocument/2006/relationships" xmlns:p="http://schemas.openxmlformats.org/presentationml/2006/main">
   <p:cSld>
     <p:spTree>
@@ -11113,7 +11605,211 @@
 </p:sld>
 </file>
 
-<file path=ppt/slides/slide12.xml><?xml version="1.0" encoding="utf-8"?>
+<file path=ppt/slides/slide13.xml><?xml version="1.0" encoding="utf-8"?>
+<p:sld xmlns:a="http://schemas.openxmlformats.org/drawingml/2006/main" xmlns:r="http://schemas.openxmlformats.org/officeDocument/2006/relationships" xmlns:p="http://schemas.openxmlformats.org/presentationml/2006/main">
+  <p:cSld>
+    <p:spTree>
+      <p:nvGrpSpPr>
+        <p:cNvPr id="1" name=""/>
+        <p:cNvGrpSpPr/>
+        <p:nvPr/>
+      </p:nvGrpSpPr>
+      <p:grpSpPr>
+        <a:xfrm>
+          <a:off x="0" y="0"/>
+          <a:ext cx="0" cy="0"/>
+          <a:chOff x="0" y="0"/>
+          <a:chExt cx="0" cy="0"/>
+        </a:xfrm>
+      </p:grpSpPr>
+      <p:sp>
+        <p:nvSpPr>
+          <p:cNvPr id="2" name="标题 1">
+            <a:extLst>
+              <a:ext uri="{FF2B5EF4-FFF2-40B4-BE49-F238E27FC236}">
+                <a16:creationId xmlns:a16="http://schemas.microsoft.com/office/drawing/2014/main" id="{3462E5FF-61E5-40A0-BD0B-622B009890DC}"/>
+              </a:ext>
+            </a:extLst>
+          </p:cNvPr>
+          <p:cNvSpPr>
+            <a:spLocks noGrp="1"/>
+          </p:cNvSpPr>
+          <p:nvPr>
+            <p:ph type="title"/>
+          </p:nvPr>
+        </p:nvSpPr>
+        <p:spPr>
+          <a:xfrm>
+            <a:off x="838200" y="127322"/>
+            <a:ext cx="10515600" cy="879676"/>
+          </a:xfrm>
+        </p:spPr>
+        <p:txBody>
+          <a:bodyPr>
+            <a:normAutofit/>
+          </a:bodyPr>
+          <a:lstStyle/>
+          <a:p>
+            <a:r>
+              <a:rPr lang="en-US" dirty="0"/>
+              <a:t>Common Utility – Completers</a:t>
+            </a:r>
+          </a:p>
+        </p:txBody>
+      </p:sp>
+      <p:sp>
+        <p:nvSpPr>
+          <p:cNvPr id="3" name="内容占位符 2">
+            <a:extLst>
+              <a:ext uri="{FF2B5EF4-FFF2-40B4-BE49-F238E27FC236}">
+                <a16:creationId xmlns:a16="http://schemas.microsoft.com/office/drawing/2014/main" id="{A40AF576-DD78-434E-A5F8-FED2982BB5C8}"/>
+              </a:ext>
+            </a:extLst>
+          </p:cNvPr>
+          <p:cNvSpPr>
+            <a:spLocks noGrp="1"/>
+          </p:cNvSpPr>
+          <p:nvPr>
+            <p:ph idx="1"/>
+          </p:nvPr>
+        </p:nvSpPr>
+        <p:spPr>
+          <a:xfrm>
+            <a:off x="393539" y="1006998"/>
+            <a:ext cx="10960261" cy="2048357"/>
+          </a:xfrm>
+        </p:spPr>
+        <p:txBody>
+          <a:bodyPr>
+            <a:normAutofit fontScale="70000" lnSpcReduction="20000"/>
+          </a:bodyPr>
+          <a:lstStyle/>
+          <a:p>
+            <a:r>
+              <a:rPr lang="en-US" dirty="0"/>
+              <a:t>When typing the ‘tab’ key, the list of candidates will be shown under the command line. And another ‘tab’ will switch into the list to choose a candidate in case of the terminal support the ANSI color feature</a:t>
+            </a:r>
+          </a:p>
+          <a:p>
+            <a:r>
+              <a:rPr lang="en-US" dirty="0"/>
+              <a:t>DBCLI supports 2 kinds of completers</a:t>
+            </a:r>
+          </a:p>
+          <a:p>
+            <a:pPr lvl="1"/>
+            <a:r>
+              <a:rPr lang="en-US" dirty="0"/>
+              <a:t>The command completer: happens when inputting the first word and then typing </a:t>
+            </a:r>
+            <a:r>
+              <a:rPr lang="en-US" b="1" dirty="0"/>
+              <a:t>tab</a:t>
+            </a:r>
+            <a:r>
+              <a:rPr lang="en-US" dirty="0"/>
+              <a:t>. Its candidates are the commands that DBCLI supports</a:t>
+            </a:r>
+          </a:p>
+          <a:p>
+            <a:pPr lvl="1"/>
+            <a:r>
+              <a:rPr lang="en-US" dirty="0"/>
+              <a:t>The keyword completer: happens when inputting the 2</a:t>
+            </a:r>
+            <a:r>
+              <a:rPr lang="en-US" baseline="30000" dirty="0"/>
+              <a:t>nd</a:t>
+            </a:r>
+            <a:r>
+              <a:rPr lang="en-US" dirty="0"/>
+              <a:t> or other word and typing </a:t>
+            </a:r>
+            <a:r>
+              <a:rPr lang="en-US" b="1" dirty="0"/>
+              <a:t>tab</a:t>
+            </a:r>
+            <a:r>
+              <a:rPr lang="en-US" dirty="0"/>
+              <a:t>.  The keyword completer’s candidates are Oracle maintained objects such as views, packages, etc.</a:t>
+            </a:r>
+          </a:p>
+        </p:txBody>
+      </p:sp>
+      <p:pic>
+        <p:nvPicPr>
+          <p:cNvPr id="4" name="图片 3">
+            <a:extLst>
+              <a:ext uri="{FF2B5EF4-FFF2-40B4-BE49-F238E27FC236}">
+                <a16:creationId xmlns:a16="http://schemas.microsoft.com/office/drawing/2014/main" id="{169FF379-C8D2-4ACF-A818-930C03C4A8D4}"/>
+              </a:ext>
+            </a:extLst>
+          </p:cNvPr>
+          <p:cNvPicPr>
+            <a:picLocks noChangeAspect="1"/>
+          </p:cNvPicPr>
+          <p:nvPr/>
+        </p:nvPicPr>
+        <p:blipFill>
+          <a:blip r:embed="rId2"/>
+          <a:stretch>
+            <a:fillRect/>
+          </a:stretch>
+        </p:blipFill>
+        <p:spPr>
+          <a:xfrm>
+            <a:off x="36738" y="3802644"/>
+            <a:ext cx="12118524" cy="1527497"/>
+          </a:xfrm>
+          <a:prstGeom prst="rect">
+            <a:avLst/>
+          </a:prstGeom>
+        </p:spPr>
+      </p:pic>
+      <p:pic>
+        <p:nvPicPr>
+          <p:cNvPr id="5" name="图片 4">
+            <a:extLst>
+              <a:ext uri="{FF2B5EF4-FFF2-40B4-BE49-F238E27FC236}">
+                <a16:creationId xmlns:a16="http://schemas.microsoft.com/office/drawing/2014/main" id="{7EE4B774-FFB5-4A96-80AD-19F2F6C76596}"/>
+              </a:ext>
+            </a:extLst>
+          </p:cNvPr>
+          <p:cNvPicPr>
+            <a:picLocks noChangeAspect="1"/>
+          </p:cNvPicPr>
+          <p:nvPr/>
+        </p:nvPicPr>
+        <p:blipFill>
+          <a:blip r:embed="rId3"/>
+          <a:stretch>
+            <a:fillRect/>
+          </a:stretch>
+        </p:blipFill>
+        <p:spPr>
+          <a:xfrm>
+            <a:off x="0" y="5608054"/>
+            <a:ext cx="12091391" cy="989515"/>
+          </a:xfrm>
+          <a:prstGeom prst="rect">
+            <a:avLst/>
+          </a:prstGeom>
+        </p:spPr>
+      </p:pic>
+    </p:spTree>
+    <p:extLst>
+      <p:ext uri="{BB962C8B-B14F-4D97-AF65-F5344CB8AC3E}">
+        <p14:creationId xmlns:p14="http://schemas.microsoft.com/office/powerpoint/2010/main" val="1961488443"/>
+      </p:ext>
+    </p:extLst>
+  </p:cSld>
+  <p:clrMapOvr>
+    <a:masterClrMapping/>
+  </p:clrMapOvr>
+</p:sld>
+</file>
+
+<file path=ppt/slides/slide14.xml><?xml version="1.0" encoding="utf-8"?>
 <p:sld xmlns:a="http://schemas.openxmlformats.org/drawingml/2006/main" xmlns:r="http://schemas.openxmlformats.org/officeDocument/2006/relationships" xmlns:p="http://schemas.openxmlformats.org/presentationml/2006/main">
   <p:cSld>
     <p:spTree>
@@ -11267,7 +11963,7 @@
 </p:sld>
 </file>
 
-<file path=ppt/slides/slide13.xml><?xml version="1.0" encoding="utf-8"?>
+<file path=ppt/slides/slide15.xml><?xml version="1.0" encoding="utf-8"?>
 <p:sld xmlns:a="http://schemas.openxmlformats.org/drawingml/2006/main" xmlns:r="http://schemas.openxmlformats.org/officeDocument/2006/relationships" xmlns:p="http://schemas.openxmlformats.org/presentationml/2006/main">
   <p:cSld>
     <p:spTree>
@@ -11395,7 +12091,7 @@
 </p:sld>
 </file>
 
-<file path=ppt/slides/slide14.xml><?xml version="1.0" encoding="utf-8"?>
+<file path=ppt/slides/slide16.xml><?xml version="1.0" encoding="utf-8"?>
 <p:sld xmlns:a="http://schemas.openxmlformats.org/drawingml/2006/main" xmlns:r="http://schemas.openxmlformats.org/officeDocument/2006/relationships" xmlns:p="http://schemas.openxmlformats.org/presentationml/2006/main">
   <p:cSld>
     <p:spTree>
@@ -11490,7 +12186,7 @@
 </p:sld>
 </file>
 
-<file path=ppt/slides/slide15.xml><?xml version="1.0" encoding="utf-8"?>
+<file path=ppt/slides/slide17.xml><?xml version="1.0" encoding="utf-8"?>
 <p:sld xmlns:a="http://schemas.openxmlformats.org/drawingml/2006/main" xmlns:r="http://schemas.openxmlformats.org/officeDocument/2006/relationships" xmlns:p="http://schemas.openxmlformats.org/presentationml/2006/main">
   <p:cSld>
     <p:spTree>
@@ -11580,7 +12276,7 @@
 </p:sld>
 </file>
 
-<file path=ppt/slides/slide16.xml><?xml version="1.0" encoding="utf-8"?>
+<file path=ppt/slides/slide18.xml><?xml version="1.0" encoding="utf-8"?>
 <p:sld xmlns:a="http://schemas.openxmlformats.org/drawingml/2006/main" xmlns:r="http://schemas.openxmlformats.org/officeDocument/2006/relationships" xmlns:p="http://schemas.openxmlformats.org/presentationml/2006/main">
   <p:cSld>
     <p:spTree>
@@ -11714,7 +12410,7 @@
 </p:sld>
 </file>
 
-<file path=ppt/slides/slide17.xml><?xml version="1.0" encoding="utf-8"?>
+<file path=ppt/slides/slide19.xml><?xml version="1.0" encoding="utf-8"?>
 <p:sld xmlns:a="http://schemas.openxmlformats.org/drawingml/2006/main" xmlns:r="http://schemas.openxmlformats.org/officeDocument/2006/relationships" xmlns:p="http://schemas.openxmlformats.org/presentationml/2006/main">
   <p:cSld>
     <p:spTree>
@@ -11848,7 +12544,179 @@
 </p:sld>
 </file>
 
-<file path=ppt/slides/slide18.xml><?xml version="1.0" encoding="utf-8"?>
+<file path=ppt/slides/slide2.xml><?xml version="1.0" encoding="utf-8"?>
+<p:sld xmlns:a="http://schemas.openxmlformats.org/drawingml/2006/main" xmlns:r="http://schemas.openxmlformats.org/officeDocument/2006/relationships" xmlns:p="http://schemas.openxmlformats.org/presentationml/2006/main">
+  <p:cSld>
+    <p:spTree>
+      <p:nvGrpSpPr>
+        <p:cNvPr id="1" name=""/>
+        <p:cNvGrpSpPr/>
+        <p:nvPr/>
+      </p:nvGrpSpPr>
+      <p:grpSpPr>
+        <a:xfrm>
+          <a:off x="0" y="0"/>
+          <a:ext cx="0" cy="0"/>
+          <a:chOff x="0" y="0"/>
+          <a:chExt cx="0" cy="0"/>
+        </a:xfrm>
+      </p:grpSpPr>
+      <p:sp>
+        <p:nvSpPr>
+          <p:cNvPr id="2" name="标题 1">
+            <a:extLst>
+              <a:ext uri="{FF2B5EF4-FFF2-40B4-BE49-F238E27FC236}">
+                <a16:creationId xmlns:a16="http://schemas.microsoft.com/office/drawing/2014/main" id="{27BF2526-DC43-43B7-AC58-B1C5BBE626C9}"/>
+              </a:ext>
+            </a:extLst>
+          </p:cNvPr>
+          <p:cNvSpPr>
+            <a:spLocks noGrp="1"/>
+          </p:cNvSpPr>
+          <p:nvPr>
+            <p:ph type="title"/>
+          </p:nvPr>
+        </p:nvSpPr>
+        <p:spPr>
+          <a:xfrm>
+            <a:off x="838200" y="258233"/>
+            <a:ext cx="10515600" cy="845608"/>
+          </a:xfrm>
+        </p:spPr>
+        <p:txBody>
+          <a:bodyPr/>
+          <a:lstStyle/>
+          <a:p>
+            <a:r>
+              <a:rPr lang="en-US" dirty="0"/>
+              <a:t>Why use DBCLI(1)</a:t>
+            </a:r>
+          </a:p>
+        </p:txBody>
+      </p:sp>
+      <p:sp>
+        <p:nvSpPr>
+          <p:cNvPr id="3" name="内容占位符 2">
+            <a:extLst>
+              <a:ext uri="{FF2B5EF4-FFF2-40B4-BE49-F238E27FC236}">
+                <a16:creationId xmlns:a16="http://schemas.microsoft.com/office/drawing/2014/main" id="{2242905D-E402-445B-AF6E-F7152E4F38CA}"/>
+              </a:ext>
+            </a:extLst>
+          </p:cNvPr>
+          <p:cNvSpPr>
+            <a:spLocks noGrp="1"/>
+          </p:cNvSpPr>
+          <p:nvPr>
+            <p:ph idx="1"/>
+          </p:nvPr>
+        </p:nvSpPr>
+        <p:spPr/>
+        <p:txBody>
+          <a:bodyPr/>
+          <a:lstStyle/>
+          <a:p>
+            <a:r>
+              <a:rPr lang="en-US" dirty="0"/>
+              <a:t>SQL*Plus is powerful, but not user-friendly</a:t>
+            </a:r>
+          </a:p>
+          <a:p>
+            <a:pPr lvl="1"/>
+            <a:r>
+              <a:rPr lang="en-US" dirty="0"/>
+              <a:t>Less-intelligent query output</a:t>
+            </a:r>
+          </a:p>
+          <a:p>
+            <a:pPr lvl="1"/>
+            <a:r>
+              <a:rPr lang="en-US" dirty="0"/>
+              <a:t>Difficult logic control for coding</a:t>
+            </a:r>
+          </a:p>
+          <a:p>
+            <a:pPr lvl="1"/>
+            <a:r>
+              <a:rPr lang="en-US" dirty="0"/>
+              <a:t>Lack of interfaces to develop addons</a:t>
+            </a:r>
+          </a:p>
+          <a:p>
+            <a:r>
+              <a:rPr lang="en-US" dirty="0"/>
+              <a:t>DBCLI is an aid of database CLI utility such as SQL*Plus and SQLcl</a:t>
+            </a:r>
+          </a:p>
+          <a:p>
+            <a:pPr lvl="1"/>
+            <a:r>
+              <a:rPr lang="en-US" dirty="0"/>
+              <a:t>Supports Windows/MacOS/Linux</a:t>
+            </a:r>
+          </a:p>
+          <a:p>
+            <a:pPr lvl="1"/>
+            <a:r>
+              <a:rPr lang="en-US" dirty="0"/>
+              <a:t>Portable and contains portable JRE bundle</a:t>
+            </a:r>
+          </a:p>
+          <a:p>
+            <a:pPr lvl="1"/>
+            <a:r>
+              <a:rPr lang="en-US" dirty="0"/>
+              <a:t>Auto-ported to SQL*Plus and SQLcl, and similar commands with SQL*Plus</a:t>
+            </a:r>
+          </a:p>
+          <a:p>
+            <a:pPr lvl="1"/>
+            <a:r>
+              <a:rPr lang="en-US" dirty="0"/>
+              <a:t>Languages: </a:t>
+            </a:r>
+            <a:r>
+              <a:rPr lang="en-US" dirty="0" err="1"/>
+              <a:t>Java,Lua,PL</a:t>
+            </a:r>
+            <a:r>
+              <a:rPr lang="en-US" dirty="0"/>
+              <a:t>/SQL,SQL</a:t>
+            </a:r>
+          </a:p>
+          <a:p>
+            <a:pPr lvl="1"/>
+            <a:r>
+              <a:rPr lang="en-US" dirty="0"/>
+              <a:t>Many powerful features</a:t>
+            </a:r>
+          </a:p>
+          <a:p>
+            <a:pPr lvl="1"/>
+            <a:endParaRPr lang="en-US" dirty="0"/>
+          </a:p>
+          <a:p>
+            <a:pPr lvl="1"/>
+            <a:endParaRPr lang="en-US" dirty="0"/>
+          </a:p>
+          <a:p>
+            <a:endParaRPr lang="en-US" dirty="0"/>
+          </a:p>
+        </p:txBody>
+      </p:sp>
+    </p:spTree>
+    <p:extLst>
+      <p:ext uri="{BB962C8B-B14F-4D97-AF65-F5344CB8AC3E}">
+        <p14:creationId xmlns:p14="http://schemas.microsoft.com/office/powerpoint/2010/main" val="2865227814"/>
+      </p:ext>
+    </p:extLst>
+  </p:cSld>
+  <p:clrMapOvr>
+    <a:masterClrMapping/>
+  </p:clrMapOvr>
+</p:sld>
+</file>
+
+<file path=ppt/slides/slide20.xml><?xml version="1.0" encoding="utf-8"?>
 <p:sld xmlns:a="http://schemas.openxmlformats.org/drawingml/2006/main" xmlns:r="http://schemas.openxmlformats.org/officeDocument/2006/relationships" xmlns:p="http://schemas.openxmlformats.org/presentationml/2006/main">
   <p:cSld>
     <p:spTree>
@@ -11998,7 +12866,7 @@
 </p:sld>
 </file>
 
-<file path=ppt/slides/slide19.xml><?xml version="1.0" encoding="utf-8"?>
+<file path=ppt/slides/slide21.xml><?xml version="1.0" encoding="utf-8"?>
 <p:sld xmlns:a="http://schemas.openxmlformats.org/drawingml/2006/main" xmlns:r="http://schemas.openxmlformats.org/officeDocument/2006/relationships" xmlns:p="http://schemas.openxmlformats.org/presentationml/2006/main">
   <p:cSld>
     <p:spTree>
@@ -12142,179 +13010,7 @@
 </p:sld>
 </file>
 
-<file path=ppt/slides/slide2.xml><?xml version="1.0" encoding="utf-8"?>
-<p:sld xmlns:a="http://schemas.openxmlformats.org/drawingml/2006/main" xmlns:r="http://schemas.openxmlformats.org/officeDocument/2006/relationships" xmlns:p="http://schemas.openxmlformats.org/presentationml/2006/main">
-  <p:cSld>
-    <p:spTree>
-      <p:nvGrpSpPr>
-        <p:cNvPr id="1" name=""/>
-        <p:cNvGrpSpPr/>
-        <p:nvPr/>
-      </p:nvGrpSpPr>
-      <p:grpSpPr>
-        <a:xfrm>
-          <a:off x="0" y="0"/>
-          <a:ext cx="0" cy="0"/>
-          <a:chOff x="0" y="0"/>
-          <a:chExt cx="0" cy="0"/>
-        </a:xfrm>
-      </p:grpSpPr>
-      <p:sp>
-        <p:nvSpPr>
-          <p:cNvPr id="2" name="标题 1">
-            <a:extLst>
-              <a:ext uri="{FF2B5EF4-FFF2-40B4-BE49-F238E27FC236}">
-                <a16:creationId xmlns:a16="http://schemas.microsoft.com/office/drawing/2014/main" id="{27BF2526-DC43-43B7-AC58-B1C5BBE626C9}"/>
-              </a:ext>
-            </a:extLst>
-          </p:cNvPr>
-          <p:cNvSpPr>
-            <a:spLocks noGrp="1"/>
-          </p:cNvSpPr>
-          <p:nvPr>
-            <p:ph type="title"/>
-          </p:nvPr>
-        </p:nvSpPr>
-        <p:spPr>
-          <a:xfrm>
-            <a:off x="838200" y="258233"/>
-            <a:ext cx="10515600" cy="845608"/>
-          </a:xfrm>
-        </p:spPr>
-        <p:txBody>
-          <a:bodyPr/>
-          <a:lstStyle/>
-          <a:p>
-            <a:r>
-              <a:rPr lang="en-US" dirty="0"/>
-              <a:t>Why use DBCLI(1)</a:t>
-            </a:r>
-          </a:p>
-        </p:txBody>
-      </p:sp>
-      <p:sp>
-        <p:nvSpPr>
-          <p:cNvPr id="3" name="内容占位符 2">
-            <a:extLst>
-              <a:ext uri="{FF2B5EF4-FFF2-40B4-BE49-F238E27FC236}">
-                <a16:creationId xmlns:a16="http://schemas.microsoft.com/office/drawing/2014/main" id="{2242905D-E402-445B-AF6E-F7152E4F38CA}"/>
-              </a:ext>
-            </a:extLst>
-          </p:cNvPr>
-          <p:cNvSpPr>
-            <a:spLocks noGrp="1"/>
-          </p:cNvSpPr>
-          <p:nvPr>
-            <p:ph idx="1"/>
-          </p:nvPr>
-        </p:nvSpPr>
-        <p:spPr/>
-        <p:txBody>
-          <a:bodyPr/>
-          <a:lstStyle/>
-          <a:p>
-            <a:r>
-              <a:rPr lang="en-US" dirty="0"/>
-              <a:t>SQL*Plus is powerful, but not user-friendly</a:t>
-            </a:r>
-          </a:p>
-          <a:p>
-            <a:pPr lvl="1"/>
-            <a:r>
-              <a:rPr lang="en-US" dirty="0"/>
-              <a:t>Less-intelligent query output</a:t>
-            </a:r>
-          </a:p>
-          <a:p>
-            <a:pPr lvl="1"/>
-            <a:r>
-              <a:rPr lang="en-US" dirty="0"/>
-              <a:t>Difficult logic control for coding</a:t>
-            </a:r>
-          </a:p>
-          <a:p>
-            <a:pPr lvl="1"/>
-            <a:r>
-              <a:rPr lang="en-US" dirty="0"/>
-              <a:t>Lack of interfaces to develop addons</a:t>
-            </a:r>
-          </a:p>
-          <a:p>
-            <a:r>
-              <a:rPr lang="en-US" dirty="0"/>
-              <a:t>DBCLI is an aid of database CLI utility such as SQL*Plus and SQLcl</a:t>
-            </a:r>
-          </a:p>
-          <a:p>
-            <a:pPr lvl="1"/>
-            <a:r>
-              <a:rPr lang="en-US" dirty="0"/>
-              <a:t>Supports Windows/MacOS/Linux</a:t>
-            </a:r>
-          </a:p>
-          <a:p>
-            <a:pPr lvl="1"/>
-            <a:r>
-              <a:rPr lang="en-US" dirty="0"/>
-              <a:t>Portable and contains portable JRE bundle</a:t>
-            </a:r>
-          </a:p>
-          <a:p>
-            <a:pPr lvl="1"/>
-            <a:r>
-              <a:rPr lang="en-US" dirty="0"/>
-              <a:t>Auto-ported to SQL*Plus and SQLcl, and similar commands with SQL*Plus</a:t>
-            </a:r>
-          </a:p>
-          <a:p>
-            <a:pPr lvl="1"/>
-            <a:r>
-              <a:rPr lang="en-US" dirty="0"/>
-              <a:t>Languages: </a:t>
-            </a:r>
-            <a:r>
-              <a:rPr lang="en-US" dirty="0" err="1"/>
-              <a:t>Java,Lua,PL</a:t>
-            </a:r>
-            <a:r>
-              <a:rPr lang="en-US" dirty="0"/>
-              <a:t>/SQL,SQL</a:t>
-            </a:r>
-          </a:p>
-          <a:p>
-            <a:pPr lvl="1"/>
-            <a:r>
-              <a:rPr lang="en-US" dirty="0"/>
-              <a:t>Many powerful features</a:t>
-            </a:r>
-          </a:p>
-          <a:p>
-            <a:pPr lvl="1"/>
-            <a:endParaRPr lang="en-US" dirty="0"/>
-          </a:p>
-          <a:p>
-            <a:pPr lvl="1"/>
-            <a:endParaRPr lang="en-US" dirty="0"/>
-          </a:p>
-          <a:p>
-            <a:endParaRPr lang="en-US" dirty="0"/>
-          </a:p>
-        </p:txBody>
-      </p:sp>
-    </p:spTree>
-    <p:extLst>
-      <p:ext uri="{BB962C8B-B14F-4D97-AF65-F5344CB8AC3E}">
-        <p14:creationId xmlns:p14="http://schemas.microsoft.com/office/powerpoint/2010/main" val="2865227814"/>
-      </p:ext>
-    </p:extLst>
-  </p:cSld>
-  <p:clrMapOvr>
-    <a:masterClrMapping/>
-  </p:clrMapOvr>
-</p:sld>
-</file>
-
-<file path=ppt/slides/slide20.xml><?xml version="1.0" encoding="utf-8"?>
+<file path=ppt/slides/slide22.xml><?xml version="1.0" encoding="utf-8"?>
 <p:sld xmlns:a="http://schemas.openxmlformats.org/drawingml/2006/main" xmlns:r="http://schemas.openxmlformats.org/officeDocument/2006/relationships" xmlns:p="http://schemas.openxmlformats.org/presentationml/2006/main">
   <p:cSld>
     <p:spTree>
@@ -12460,7 +13156,7 @@
 </p:sld>
 </file>
 
-<file path=ppt/slides/slide21.xml><?xml version="1.0" encoding="utf-8"?>
+<file path=ppt/slides/slide23.xml><?xml version="1.0" encoding="utf-8"?>
 <p:sld xmlns:a="http://schemas.openxmlformats.org/drawingml/2006/main" xmlns:r="http://schemas.openxmlformats.org/officeDocument/2006/relationships" xmlns:p="http://schemas.openxmlformats.org/presentationml/2006/main">
   <p:cSld>
     <p:spTree>
@@ -12770,7 +13466,7 @@
 </p:sld>
 </file>
 
-<file path=ppt/slides/slide22.xml><?xml version="1.0" encoding="utf-8"?>
+<file path=ppt/slides/slide24.xml><?xml version="1.0" encoding="utf-8"?>
 <p:sld xmlns:a="http://schemas.openxmlformats.org/drawingml/2006/main" xmlns:r="http://schemas.openxmlformats.org/officeDocument/2006/relationships" xmlns:p="http://schemas.openxmlformats.org/presentationml/2006/main">
   <p:cSld>
     <p:spTree>
@@ -12946,7 +13642,7 @@
 </p:sld>
 </file>
 
-<file path=ppt/slides/slide23.xml><?xml version="1.0" encoding="utf-8"?>
+<file path=ppt/slides/slide25.xml><?xml version="1.0" encoding="utf-8"?>
 <p:sld xmlns:a="http://schemas.openxmlformats.org/drawingml/2006/main" xmlns:r="http://schemas.openxmlformats.org/officeDocument/2006/relationships" xmlns:p="http://schemas.openxmlformats.org/presentationml/2006/main">
   <p:cSld>
     <p:spTree>
@@ -13160,7 +13856,7 @@
 </p:sld>
 </file>
 
-<file path=ppt/slides/slide24.xml><?xml version="1.0" encoding="utf-8"?>
+<file path=ppt/slides/slide26.xml><?xml version="1.0" encoding="utf-8"?>
 <p:sld xmlns:a="http://schemas.openxmlformats.org/drawingml/2006/main" xmlns:r="http://schemas.openxmlformats.org/officeDocument/2006/relationships" xmlns:p="http://schemas.openxmlformats.org/presentationml/2006/main">
   <p:cSld>
     <p:spTree>
@@ -13304,7 +14000,7 @@
 </p:sld>
 </file>
 
-<file path=ppt/slides/slide25.xml><?xml version="1.0" encoding="utf-8"?>
+<file path=ppt/slides/slide27.xml><?xml version="1.0" encoding="utf-8"?>
 <p:sld xmlns:a="http://schemas.openxmlformats.org/drawingml/2006/main" xmlns:r="http://schemas.openxmlformats.org/officeDocument/2006/relationships" xmlns:p="http://schemas.openxmlformats.org/presentationml/2006/main">
   <p:cSld>
     <p:spTree>
@@ -13369,13 +14065,13 @@
           <p:nvPr>
             <p:extLst>
               <p:ext uri="{D42A27DB-BD31-4B8C-83A1-F6EECF244321}">
-                <p14:modId xmlns:p14="http://schemas.microsoft.com/office/powerpoint/2010/main" val="910705427"/>
+                <p14:modId xmlns:p14="http://schemas.microsoft.com/office/powerpoint/2010/main" val="3671031265"/>
               </p:ext>
             </p:extLst>
           </p:nvPr>
         </p:nvGraphicFramePr>
         <p:xfrm>
-          <a:off x="926214" y="2834640"/>
+          <a:off x="926214" y="3906520"/>
           <a:ext cx="8128000" cy="1188720"/>
         </p:xfrm>
         <a:graphic>
@@ -13393,7 +14089,7 @@
                   </a:extLst>
                 </a:gridCol>
               </a:tblGrid>
-              <a:tr h="370840">
+              <a:tr h="0">
                 <a:tc>
                   <a:txBody>
                     <a:bodyPr/>
@@ -13573,8 +14269,8 @@
         </p:nvSpPr>
         <p:spPr>
           <a:xfrm>
-            <a:off x="838200" y="1095168"/>
-            <a:ext cx="10515600" cy="896310"/>
+            <a:off x="838200" y="1095167"/>
+            <a:ext cx="10515600" cy="2333833"/>
           </a:xfrm>
         </p:spPr>
         <p:txBody>
@@ -13586,6 +14282,28 @@
             <a:r>
               <a:rPr lang="en-US" dirty="0"/>
               <a:t>Normally used in production environment for security purpose</a:t>
+            </a:r>
+          </a:p>
+          <a:p>
+            <a:r>
+              <a:rPr lang="en-US" dirty="0">
+                <a:solidFill>
+                  <a:srgbClr val="FF0000"/>
+                </a:solidFill>
+              </a:rPr>
+              <a:t>Note</a:t>
+            </a:r>
+            <a:r>
+              <a:rPr lang="en-US" dirty="0"/>
+              <a:t>:  Only supports blocking the DDL/DML </a:t>
+            </a:r>
+            <a:r>
+              <a:rPr lang="en-US"/>
+              <a:t>from DBCLI </a:t>
+            </a:r>
+            <a:r>
+              <a:rPr lang="en-US" dirty="0"/>
+              <a:t>or uncommitted transaction from procedures. It will not block calling the procedures or PL/SQL block that performs DDL/DML and then self commit.</a:t>
             </a:r>
           </a:p>
         </p:txBody>
@@ -13603,7 +14321,7 @@
 </p:sld>
 </file>
 
-<file path=ppt/slides/slide26.xml><?xml version="1.0" encoding="utf-8"?>
+<file path=ppt/slides/slide28.xml><?xml version="1.0" encoding="utf-8"?>
 <p:sld xmlns:a="http://schemas.openxmlformats.org/drawingml/2006/main" xmlns:r="http://schemas.openxmlformats.org/officeDocument/2006/relationships" xmlns:p="http://schemas.openxmlformats.org/presentationml/2006/main">
   <p:cSld>
     <p:spTree>
@@ -13739,7 +14457,7 @@
 </p:sld>
 </file>
 
-<file path=ppt/slides/slide27.xml><?xml version="1.0" encoding="utf-8"?>
+<file path=ppt/slides/slide29.xml><?xml version="1.0" encoding="utf-8"?>
 <p:sld xmlns:a="http://schemas.openxmlformats.org/drawingml/2006/main" xmlns:r="http://schemas.openxmlformats.org/officeDocument/2006/relationships" xmlns:p="http://schemas.openxmlformats.org/presentationml/2006/main">
   <p:cSld>
     <p:spTree>
@@ -13909,7 +14627,228 @@
 </p:sld>
 </file>
 
-<file path=ppt/slides/slide28.xml><?xml version="1.0" encoding="utf-8"?>
+<file path=ppt/slides/slide3.xml><?xml version="1.0" encoding="utf-8"?>
+<p:sld xmlns:a="http://schemas.openxmlformats.org/drawingml/2006/main" xmlns:r="http://schemas.openxmlformats.org/officeDocument/2006/relationships" xmlns:p="http://schemas.openxmlformats.org/presentationml/2006/main">
+  <p:cSld>
+    <p:spTree>
+      <p:nvGrpSpPr>
+        <p:cNvPr id="1" name=""/>
+        <p:cNvGrpSpPr/>
+        <p:nvPr/>
+      </p:nvGrpSpPr>
+      <p:grpSpPr>
+        <a:xfrm>
+          <a:off x="0" y="0"/>
+          <a:ext cx="0" cy="0"/>
+          <a:chOff x="0" y="0"/>
+          <a:chExt cx="0" cy="0"/>
+        </a:xfrm>
+      </p:grpSpPr>
+      <p:sp>
+        <p:nvSpPr>
+          <p:cNvPr id="2" name="标题 1">
+            <a:extLst>
+              <a:ext uri="{FF2B5EF4-FFF2-40B4-BE49-F238E27FC236}">
+                <a16:creationId xmlns:a16="http://schemas.microsoft.com/office/drawing/2014/main" id="{67DDFB39-0DC1-4064-87E8-EC4A066CBB42}"/>
+              </a:ext>
+            </a:extLst>
+          </p:cNvPr>
+          <p:cNvSpPr>
+            <a:spLocks noGrp="1"/>
+          </p:cNvSpPr>
+          <p:nvPr>
+            <p:ph type="title"/>
+          </p:nvPr>
+        </p:nvSpPr>
+        <p:spPr>
+          <a:xfrm>
+            <a:off x="838200" y="215899"/>
+            <a:ext cx="10515600" cy="930275"/>
+          </a:xfrm>
+        </p:spPr>
+        <p:txBody>
+          <a:bodyPr/>
+          <a:lstStyle/>
+          <a:p>
+            <a:r>
+              <a:rPr lang="en-US" dirty="0"/>
+              <a:t>Why Use DBCLI(2)</a:t>
+            </a:r>
+          </a:p>
+        </p:txBody>
+      </p:sp>
+      <p:sp>
+        <p:nvSpPr>
+          <p:cNvPr id="3" name="内容占位符 2">
+            <a:extLst>
+              <a:ext uri="{FF2B5EF4-FFF2-40B4-BE49-F238E27FC236}">
+                <a16:creationId xmlns:a16="http://schemas.microsoft.com/office/drawing/2014/main" id="{2A967E06-4E0A-4F45-98A0-0AA9980419C5}"/>
+              </a:ext>
+            </a:extLst>
+          </p:cNvPr>
+          <p:cNvSpPr>
+            <a:spLocks noGrp="1"/>
+          </p:cNvSpPr>
+          <p:nvPr>
+            <p:ph idx="1"/>
+          </p:nvPr>
+        </p:nvSpPr>
+        <p:spPr>
+          <a:xfrm>
+            <a:off x="838200" y="1435395"/>
+            <a:ext cx="10515600" cy="4741568"/>
+          </a:xfrm>
+        </p:spPr>
+        <p:txBody>
+          <a:bodyPr>
+            <a:normAutofit lnSpcReduction="10000"/>
+          </a:bodyPr>
+          <a:lstStyle/>
+          <a:p>
+            <a:r>
+              <a:rPr lang="en-US" sz="2000" dirty="0"/>
+              <a:t>Easy connect (command login/</a:t>
+            </a:r>
+            <a:r>
+              <a:rPr lang="en-US" sz="2000" dirty="0" err="1"/>
+              <a:t>reconn</a:t>
+            </a:r>
+            <a:r>
+              <a:rPr lang="en-US" sz="2000" dirty="0"/>
+              <a:t>)</a:t>
+            </a:r>
+          </a:p>
+          <a:p>
+            <a:r>
+              <a:rPr lang="en-US" sz="2000" dirty="0"/>
+              <a:t>Intelligent format of the query output</a:t>
+            </a:r>
+          </a:p>
+          <a:p>
+            <a:r>
+              <a:rPr lang="en-US" sz="2000" dirty="0"/>
+              <a:t>Rich column value formatter(command col)</a:t>
+            </a:r>
+          </a:p>
+          <a:p>
+            <a:r>
+              <a:rPr lang="en-US" sz="2000" dirty="0"/>
+              <a:t>Combine queries (command grid)</a:t>
+            </a:r>
+          </a:p>
+          <a:p>
+            <a:r>
+              <a:rPr lang="en-US" sz="2000" dirty="0"/>
+              <a:t>Client-side VPD(command set dbid/instance/container/schema)</a:t>
+            </a:r>
+          </a:p>
+          <a:p>
+            <a:r>
+              <a:rPr lang="en-US" sz="2000" dirty="0"/>
+              <a:t>Many common utilities(awrdump/</a:t>
+            </a:r>
+            <a:r>
+              <a:rPr lang="en-US" sz="2000" dirty="0" err="1"/>
+              <a:t>addmdump</a:t>
+            </a:r>
+            <a:r>
+              <a:rPr lang="en-US" sz="2000" dirty="0"/>
+              <a:t>/dumptrace/grep/tee/unwrap/sql2csv/sql2file/etc)</a:t>
+            </a:r>
+          </a:p>
+          <a:p>
+            <a:r>
+              <a:rPr lang="en-US" sz="2000" dirty="0"/>
+              <a:t>Powerful scripting engines and documentation</a:t>
+            </a:r>
+          </a:p>
+          <a:p>
+            <a:pPr lvl="1"/>
+            <a:r>
+              <a:rPr lang="en-US" sz="1600" dirty="0"/>
+              <a:t>SQL*Plus-style engine: Command ora/sys/show/exa</a:t>
+            </a:r>
+          </a:p>
+          <a:p>
+            <a:pPr lvl="1"/>
+            <a:r>
+              <a:rPr lang="en-US" sz="1600" dirty="0"/>
+              <a:t>Snapper engine: command snap</a:t>
+            </a:r>
+          </a:p>
+          <a:p>
+            <a:pPr lvl="1"/>
+            <a:r>
+              <a:rPr lang="en-US" sz="1600" dirty="0"/>
+              <a:t>Graphing engine: Command chart/graph</a:t>
+            </a:r>
+          </a:p>
+          <a:p>
+            <a:pPr lvl="1"/>
+            <a:r>
+              <a:rPr lang="en-US" sz="1600" dirty="0"/>
+              <a:t>Shell engine: command </a:t>
+            </a:r>
+            <a:r>
+              <a:rPr lang="en-US" sz="1600" dirty="0" err="1"/>
+              <a:t>ssh</a:t>
+            </a:r>
+            <a:r>
+              <a:rPr lang="en-US" sz="1600" dirty="0"/>
+              <a:t>/</a:t>
+            </a:r>
+            <a:r>
+              <a:rPr lang="en-US" sz="1600" dirty="0" err="1"/>
+              <a:t>sh</a:t>
+            </a:r>
+            <a:r>
+              <a:rPr lang="en-US" sz="1600" dirty="0"/>
+              <a:t> ( to be enhanced)</a:t>
+            </a:r>
+          </a:p>
+          <a:p>
+            <a:r>
+              <a:rPr lang="en-US" sz="2000" dirty="0"/>
+              <a:t>Interfaces to programmer</a:t>
+            </a:r>
+          </a:p>
+          <a:p>
+            <a:r>
+              <a:rPr lang="en-US" sz="2000" dirty="0"/>
+              <a:t>Rich hot keys</a:t>
+            </a:r>
+          </a:p>
+          <a:p>
+            <a:r>
+              <a:rPr lang="en-US" sz="2000" dirty="0"/>
+              <a:t>Coloring</a:t>
+            </a:r>
+          </a:p>
+          <a:p>
+            <a:pPr marL="0" indent="0">
+              <a:buNone/>
+            </a:pPr>
+            <a:endParaRPr lang="en-US" dirty="0"/>
+          </a:p>
+          <a:p>
+            <a:endParaRPr lang="en-US" dirty="0"/>
+          </a:p>
+        </p:txBody>
+      </p:sp>
+    </p:spTree>
+    <p:extLst>
+      <p:ext uri="{BB962C8B-B14F-4D97-AF65-F5344CB8AC3E}">
+        <p14:creationId xmlns:p14="http://schemas.microsoft.com/office/powerpoint/2010/main" val="3791614640"/>
+      </p:ext>
+    </p:extLst>
+  </p:cSld>
+  <p:clrMapOvr>
+    <a:masterClrMapping/>
+  </p:clrMapOvr>
+</p:sld>
+</file>
+
+<file path=ppt/slides/slide30.xml><?xml version="1.0" encoding="utf-8"?>
 <p:sld xmlns:a="http://schemas.openxmlformats.org/drawingml/2006/main" xmlns:r="http://schemas.openxmlformats.org/officeDocument/2006/relationships" xmlns:p="http://schemas.openxmlformats.org/presentationml/2006/main">
   <p:cSld>
     <p:spTree>
@@ -14059,7 +14998,7 @@
 </p:sld>
 </file>
 
-<file path=ppt/slides/slide29.xml><?xml version="1.0" encoding="utf-8"?>
+<file path=ppt/slides/slide31.xml><?xml version="1.0" encoding="utf-8"?>
 <p:sld xmlns:a="http://schemas.openxmlformats.org/drawingml/2006/main" xmlns:r="http://schemas.openxmlformats.org/officeDocument/2006/relationships" xmlns:p="http://schemas.openxmlformats.org/presentationml/2006/main">
   <p:cSld>
     <p:spTree>
@@ -14243,228 +15182,7 @@
 </p:sld>
 </file>
 
-<file path=ppt/slides/slide3.xml><?xml version="1.0" encoding="utf-8"?>
-<p:sld xmlns:a="http://schemas.openxmlformats.org/drawingml/2006/main" xmlns:r="http://schemas.openxmlformats.org/officeDocument/2006/relationships" xmlns:p="http://schemas.openxmlformats.org/presentationml/2006/main">
-  <p:cSld>
-    <p:spTree>
-      <p:nvGrpSpPr>
-        <p:cNvPr id="1" name=""/>
-        <p:cNvGrpSpPr/>
-        <p:nvPr/>
-      </p:nvGrpSpPr>
-      <p:grpSpPr>
-        <a:xfrm>
-          <a:off x="0" y="0"/>
-          <a:ext cx="0" cy="0"/>
-          <a:chOff x="0" y="0"/>
-          <a:chExt cx="0" cy="0"/>
-        </a:xfrm>
-      </p:grpSpPr>
-      <p:sp>
-        <p:nvSpPr>
-          <p:cNvPr id="2" name="标题 1">
-            <a:extLst>
-              <a:ext uri="{FF2B5EF4-FFF2-40B4-BE49-F238E27FC236}">
-                <a16:creationId xmlns:a16="http://schemas.microsoft.com/office/drawing/2014/main" id="{67DDFB39-0DC1-4064-87E8-EC4A066CBB42}"/>
-              </a:ext>
-            </a:extLst>
-          </p:cNvPr>
-          <p:cNvSpPr>
-            <a:spLocks noGrp="1"/>
-          </p:cNvSpPr>
-          <p:nvPr>
-            <p:ph type="title"/>
-          </p:nvPr>
-        </p:nvSpPr>
-        <p:spPr>
-          <a:xfrm>
-            <a:off x="838200" y="215899"/>
-            <a:ext cx="10515600" cy="930275"/>
-          </a:xfrm>
-        </p:spPr>
-        <p:txBody>
-          <a:bodyPr/>
-          <a:lstStyle/>
-          <a:p>
-            <a:r>
-              <a:rPr lang="en-US" dirty="0"/>
-              <a:t>Why Use DBCLI(2)</a:t>
-            </a:r>
-          </a:p>
-        </p:txBody>
-      </p:sp>
-      <p:sp>
-        <p:nvSpPr>
-          <p:cNvPr id="3" name="内容占位符 2">
-            <a:extLst>
-              <a:ext uri="{FF2B5EF4-FFF2-40B4-BE49-F238E27FC236}">
-                <a16:creationId xmlns:a16="http://schemas.microsoft.com/office/drawing/2014/main" id="{2A967E06-4E0A-4F45-98A0-0AA9980419C5}"/>
-              </a:ext>
-            </a:extLst>
-          </p:cNvPr>
-          <p:cNvSpPr>
-            <a:spLocks noGrp="1"/>
-          </p:cNvSpPr>
-          <p:nvPr>
-            <p:ph idx="1"/>
-          </p:nvPr>
-        </p:nvSpPr>
-        <p:spPr>
-          <a:xfrm>
-            <a:off x="838200" y="1435395"/>
-            <a:ext cx="10515600" cy="4741568"/>
-          </a:xfrm>
-        </p:spPr>
-        <p:txBody>
-          <a:bodyPr>
-            <a:normAutofit lnSpcReduction="10000"/>
-          </a:bodyPr>
-          <a:lstStyle/>
-          <a:p>
-            <a:r>
-              <a:rPr lang="en-US" sz="2000" dirty="0"/>
-              <a:t>Easy connect (command login/</a:t>
-            </a:r>
-            <a:r>
-              <a:rPr lang="en-US" sz="2000" dirty="0" err="1"/>
-              <a:t>reconn</a:t>
-            </a:r>
-            <a:r>
-              <a:rPr lang="en-US" sz="2000" dirty="0"/>
-              <a:t>)</a:t>
-            </a:r>
-          </a:p>
-          <a:p>
-            <a:r>
-              <a:rPr lang="en-US" sz="2000" dirty="0"/>
-              <a:t>Intelligent format of the query output</a:t>
-            </a:r>
-          </a:p>
-          <a:p>
-            <a:r>
-              <a:rPr lang="en-US" sz="2000" dirty="0"/>
-              <a:t>Rich column value formatter(command col)</a:t>
-            </a:r>
-          </a:p>
-          <a:p>
-            <a:r>
-              <a:rPr lang="en-US" sz="2000" dirty="0"/>
-              <a:t>Combine queries (command grid)</a:t>
-            </a:r>
-          </a:p>
-          <a:p>
-            <a:r>
-              <a:rPr lang="en-US" sz="2000" dirty="0"/>
-              <a:t>Client-side VPD(command set dbid/instance/container/schema)</a:t>
-            </a:r>
-          </a:p>
-          <a:p>
-            <a:r>
-              <a:rPr lang="en-US" sz="2000" dirty="0"/>
-              <a:t>Many common utilities(awrdump/</a:t>
-            </a:r>
-            <a:r>
-              <a:rPr lang="en-US" sz="2000" dirty="0" err="1"/>
-              <a:t>addmdump</a:t>
-            </a:r>
-            <a:r>
-              <a:rPr lang="en-US" sz="2000" dirty="0"/>
-              <a:t>/dumptrace/grep/tee/unwrap/sql2csv/sql2file/etc)</a:t>
-            </a:r>
-          </a:p>
-          <a:p>
-            <a:r>
-              <a:rPr lang="en-US" sz="2000" dirty="0"/>
-              <a:t>Powerful scripting engines and documentation</a:t>
-            </a:r>
-          </a:p>
-          <a:p>
-            <a:pPr lvl="1"/>
-            <a:r>
-              <a:rPr lang="en-US" sz="1600" dirty="0"/>
-              <a:t>SQL*Plus-style engine: Command ora/sys/show/exa</a:t>
-            </a:r>
-          </a:p>
-          <a:p>
-            <a:pPr lvl="1"/>
-            <a:r>
-              <a:rPr lang="en-US" sz="1600" dirty="0"/>
-              <a:t>Snapper engine: command snap</a:t>
-            </a:r>
-          </a:p>
-          <a:p>
-            <a:pPr lvl="1"/>
-            <a:r>
-              <a:rPr lang="en-US" sz="1600" dirty="0"/>
-              <a:t>Graphing engine: Command chart/graph</a:t>
-            </a:r>
-          </a:p>
-          <a:p>
-            <a:pPr lvl="1"/>
-            <a:r>
-              <a:rPr lang="en-US" sz="1600" dirty="0"/>
-              <a:t>Shell engine: command </a:t>
-            </a:r>
-            <a:r>
-              <a:rPr lang="en-US" sz="1600" dirty="0" err="1"/>
-              <a:t>ssh</a:t>
-            </a:r>
-            <a:r>
-              <a:rPr lang="en-US" sz="1600" dirty="0"/>
-              <a:t>/</a:t>
-            </a:r>
-            <a:r>
-              <a:rPr lang="en-US" sz="1600" dirty="0" err="1"/>
-              <a:t>sh</a:t>
-            </a:r>
-            <a:r>
-              <a:rPr lang="en-US" sz="1600" dirty="0"/>
-              <a:t> ( to be enhanced)</a:t>
-            </a:r>
-          </a:p>
-          <a:p>
-            <a:r>
-              <a:rPr lang="en-US" sz="2000" dirty="0"/>
-              <a:t>Interfaces to programmer</a:t>
-            </a:r>
-          </a:p>
-          <a:p>
-            <a:r>
-              <a:rPr lang="en-US" sz="2000" dirty="0"/>
-              <a:t>Rich hot keys</a:t>
-            </a:r>
-          </a:p>
-          <a:p>
-            <a:r>
-              <a:rPr lang="en-US" sz="2000" dirty="0"/>
-              <a:t>Coloring</a:t>
-            </a:r>
-          </a:p>
-          <a:p>
-            <a:pPr marL="0" indent="0">
-              <a:buNone/>
-            </a:pPr>
-            <a:endParaRPr lang="en-US" dirty="0"/>
-          </a:p>
-          <a:p>
-            <a:endParaRPr lang="en-US" dirty="0"/>
-          </a:p>
-        </p:txBody>
-      </p:sp>
-    </p:spTree>
-    <p:extLst>
-      <p:ext uri="{BB962C8B-B14F-4D97-AF65-F5344CB8AC3E}">
-        <p14:creationId xmlns:p14="http://schemas.microsoft.com/office/powerpoint/2010/main" val="3791614640"/>
-      </p:ext>
-    </p:extLst>
-  </p:cSld>
-  <p:clrMapOvr>
-    <a:masterClrMapping/>
-  </p:clrMapOvr>
-</p:sld>
-</file>
-
-<file path=ppt/slides/slide30.xml><?xml version="1.0" encoding="utf-8"?>
+<file path=ppt/slides/slide32.xml><?xml version="1.0" encoding="utf-8"?>
 <p:sld xmlns:a="http://schemas.openxmlformats.org/drawingml/2006/main" xmlns:r="http://schemas.openxmlformats.org/officeDocument/2006/relationships" xmlns:p="http://schemas.openxmlformats.org/presentationml/2006/main">
   <p:cSld>
     <p:spTree>
@@ -14592,7 +15310,7 @@
 </p:sld>
 </file>
 
-<file path=ppt/slides/slide31.xml><?xml version="1.0" encoding="utf-8"?>
+<file path=ppt/slides/slide33.xml><?xml version="1.0" encoding="utf-8"?>
 <p:sld xmlns:a="http://schemas.openxmlformats.org/drawingml/2006/main" xmlns:r="http://schemas.openxmlformats.org/officeDocument/2006/relationships" xmlns:p="http://schemas.openxmlformats.org/presentationml/2006/main">
   <p:cSld>
     <p:spTree>
@@ -14733,7 +15451,7 @@
 </p:sld>
 </file>
 
-<file path=ppt/slides/slide32.xml><?xml version="1.0" encoding="utf-8"?>
+<file path=ppt/slides/slide34.xml><?xml version="1.0" encoding="utf-8"?>
 <p:sld xmlns:a="http://schemas.openxmlformats.org/drawingml/2006/main" xmlns:r="http://schemas.openxmlformats.org/officeDocument/2006/relationships" xmlns:p="http://schemas.openxmlformats.org/presentationml/2006/main">
   <p:cSld>
     <p:spTree>
@@ -14896,7 +15614,7 @@
 </p:sld>
 </file>
 
-<file path=ppt/slides/slide33.xml><?xml version="1.0" encoding="utf-8"?>
+<file path=ppt/slides/slide35.xml><?xml version="1.0" encoding="utf-8"?>
 <p:sld xmlns:a="http://schemas.openxmlformats.org/drawingml/2006/main" xmlns:r="http://schemas.openxmlformats.org/officeDocument/2006/relationships" xmlns:p="http://schemas.openxmlformats.org/presentationml/2006/main">
   <p:cSld>
     <p:spTree>
@@ -15116,7 +15834,7 @@
 </p:sld>
 </file>
 
-<file path=ppt/slides/slide34.xml><?xml version="1.0" encoding="utf-8"?>
+<file path=ppt/slides/slide36.xml><?xml version="1.0" encoding="utf-8"?>
 <p:sld xmlns:a="http://schemas.openxmlformats.org/drawingml/2006/main" xmlns:r="http://schemas.openxmlformats.org/officeDocument/2006/relationships" xmlns:p="http://schemas.openxmlformats.org/presentationml/2006/main">
   <p:cSld>
     <p:spTree>
@@ -15294,7 +16012,7 @@
 </p:sld>
 </file>
 
-<file path=ppt/slides/slide35.xml><?xml version="1.0" encoding="utf-8"?>
+<file path=ppt/slides/slide37.xml><?xml version="1.0" encoding="utf-8"?>
 <p:sld xmlns:a="http://schemas.openxmlformats.org/drawingml/2006/main" xmlns:r="http://schemas.openxmlformats.org/officeDocument/2006/relationships" xmlns:p="http://schemas.openxmlformats.org/presentationml/2006/main">
   <p:cSld>
     <p:spTree>
@@ -15484,7 +16202,7 @@
 </p:sld>
 </file>
 
-<file path=ppt/slides/slide36.xml><?xml version="1.0" encoding="utf-8"?>
+<file path=ppt/slides/slide38.xml><?xml version="1.0" encoding="utf-8"?>
 <p:sld xmlns:a="http://schemas.openxmlformats.org/drawingml/2006/main" xmlns:r="http://schemas.openxmlformats.org/officeDocument/2006/relationships" xmlns:p="http://schemas.openxmlformats.org/presentationml/2006/main">
   <p:cSld>
     <p:spTree>
@@ -15710,769 +16428,6 @@
 </p:sld>
 </file>
 
-<file path=ppt/slides/slide37.xml><?xml version="1.0" encoding="utf-8"?>
-<p:sld xmlns:a="http://schemas.openxmlformats.org/drawingml/2006/main" xmlns:r="http://schemas.openxmlformats.org/officeDocument/2006/relationships" xmlns:p="http://schemas.openxmlformats.org/presentationml/2006/main">
-  <p:cSld>
-    <p:spTree>
-      <p:nvGrpSpPr>
-        <p:cNvPr id="1" name=""/>
-        <p:cNvGrpSpPr/>
-        <p:nvPr/>
-      </p:nvGrpSpPr>
-      <p:grpSpPr>
-        <a:xfrm>
-          <a:off x="0" y="0"/>
-          <a:ext cx="0" cy="0"/>
-          <a:chOff x="0" y="0"/>
-          <a:chExt cx="0" cy="0"/>
-        </a:xfrm>
-      </p:grpSpPr>
-      <p:sp>
-        <p:nvSpPr>
-          <p:cNvPr id="2" name="标题 1">
-            <a:extLst>
-              <a:ext uri="{FF2B5EF4-FFF2-40B4-BE49-F238E27FC236}">
-                <a16:creationId xmlns:a16="http://schemas.microsoft.com/office/drawing/2014/main" id="{C8B29B6C-C00C-4E0D-8CA1-E9219B16D778}"/>
-              </a:ext>
-            </a:extLst>
-          </p:cNvPr>
-          <p:cNvSpPr>
-            <a:spLocks noGrp="1"/>
-          </p:cNvSpPr>
-          <p:nvPr>
-            <p:ph type="title"/>
-          </p:nvPr>
-        </p:nvSpPr>
-        <p:spPr>
-          <a:xfrm>
-            <a:off x="838200" y="171938"/>
-            <a:ext cx="10515600" cy="509100"/>
-          </a:xfrm>
-        </p:spPr>
-        <p:txBody>
-          <a:bodyPr>
-            <a:normAutofit fontScale="90000"/>
-          </a:bodyPr>
-          <a:lstStyle/>
-          <a:p>
-            <a:r>
-              <a:rPr lang="en-US" dirty="0"/>
-              <a:t>Common Utility - Others</a:t>
-            </a:r>
-          </a:p>
-        </p:txBody>
-      </p:sp>
-      <p:sp>
-        <p:nvSpPr>
-          <p:cNvPr id="3" name="内容占位符 2">
-            <a:extLst>
-              <a:ext uri="{FF2B5EF4-FFF2-40B4-BE49-F238E27FC236}">
-                <a16:creationId xmlns:a16="http://schemas.microsoft.com/office/drawing/2014/main" id="{54B2F075-356C-4966-AF72-A32E6D5B796E}"/>
-              </a:ext>
-            </a:extLst>
-          </p:cNvPr>
-          <p:cNvSpPr>
-            <a:spLocks noGrp="1"/>
-          </p:cNvSpPr>
-          <p:nvPr>
-            <p:ph idx="1"/>
-          </p:nvPr>
-        </p:nvSpPr>
-        <p:spPr>
-          <a:xfrm>
-            <a:off x="838200" y="789354"/>
-            <a:ext cx="10515600" cy="4468446"/>
-          </a:xfrm>
-        </p:spPr>
-        <p:txBody>
-          <a:bodyPr>
-            <a:normAutofit fontScale="62500" lnSpcReduction="20000"/>
-          </a:bodyPr>
-          <a:lstStyle/>
-          <a:p>
-            <a:r>
-              <a:rPr lang="en-US" dirty="0"/>
-              <a:t>Command </a:t>
-            </a:r>
-            <a:r>
-              <a:rPr lang="en-US" b="1" dirty="0">
-                <a:solidFill>
-                  <a:schemeClr val="accent1">
-                    <a:lumMod val="75000"/>
-                  </a:schemeClr>
-                </a:solidFill>
-              </a:rPr>
-              <a:t>clear</a:t>
-            </a:r>
-            <a:r>
-              <a:rPr lang="en-US" dirty="0"/>
-              <a:t>: clear screen</a:t>
-            </a:r>
-          </a:p>
-          <a:p>
-            <a:r>
-              <a:rPr lang="en-US" dirty="0"/>
-              <a:t>Command </a:t>
-            </a:r>
-            <a:r>
-              <a:rPr lang="en-US" b="1" dirty="0">
-                <a:solidFill>
-                  <a:schemeClr val="accent1">
-                    <a:lumMod val="75000"/>
-                  </a:schemeClr>
-                </a:solidFill>
-              </a:rPr>
-              <a:t>reload</a:t>
-            </a:r>
-            <a:r>
-              <a:rPr lang="en-US" dirty="0"/>
-              <a:t>: reset DBCLI into initial state</a:t>
-            </a:r>
-          </a:p>
-          <a:p>
-            <a:r>
-              <a:rPr lang="en-US" dirty="0"/>
-              <a:t>Command </a:t>
-            </a:r>
-            <a:r>
-              <a:rPr lang="en-US" b="1" dirty="0">
-                <a:solidFill>
-                  <a:schemeClr val="accent1">
-                    <a:lumMod val="75000"/>
-                  </a:schemeClr>
-                </a:solidFill>
-              </a:rPr>
-              <a:t>keymap</a:t>
-            </a:r>
-            <a:r>
-              <a:rPr lang="en-US" dirty="0"/>
-              <a:t>: show or define keymap</a:t>
-            </a:r>
-          </a:p>
-          <a:p>
-            <a:r>
-              <a:rPr lang="en-US" dirty="0"/>
-              <a:t>Command </a:t>
-            </a:r>
-            <a:r>
-              <a:rPr lang="en-US" b="1" dirty="0">
-                <a:solidFill>
-                  <a:schemeClr val="accent1">
-                    <a:lumMod val="75000"/>
-                  </a:schemeClr>
-                </a:solidFill>
-              </a:rPr>
-              <a:t>search</a:t>
-            </a:r>
-            <a:r>
-              <a:rPr lang="en-US" dirty="0"/>
-              <a:t>: search all source code and print the lines that match the input keyword</a:t>
-            </a:r>
-          </a:p>
-          <a:p>
-            <a:r>
-              <a:rPr lang="en-US" dirty="0"/>
-              <a:t>Some SQL*Plus commands:</a:t>
-            </a:r>
-          </a:p>
-          <a:p>
-            <a:pPr lvl="1"/>
-            <a:r>
-              <a:rPr lang="en-US" dirty="0"/>
-              <a:t>CONNECT or CONN</a:t>
-            </a:r>
-          </a:p>
-          <a:p>
-            <a:pPr lvl="1"/>
-            <a:r>
-              <a:rPr lang="en-US" dirty="0"/>
-              <a:t>DISCONNECT or DISC</a:t>
-            </a:r>
-          </a:p>
-          <a:p>
-            <a:pPr lvl="1"/>
-            <a:r>
-              <a:rPr lang="en-US" dirty="0"/>
-              <a:t>DESCRIBE or DESC</a:t>
-            </a:r>
-          </a:p>
-          <a:p>
-            <a:pPr lvl="1"/>
-            <a:r>
-              <a:rPr lang="en-US" dirty="0"/>
-              <a:t>ACCEPT or ACC</a:t>
-            </a:r>
-          </a:p>
-          <a:p>
-            <a:pPr lvl="1"/>
-            <a:r>
-              <a:rPr lang="en-US" dirty="0"/>
-              <a:t>HOST or !</a:t>
-            </a:r>
-          </a:p>
-          <a:p>
-            <a:pPr lvl="1"/>
-            <a:r>
-              <a:rPr lang="en-US" dirty="0"/>
-              <a:t>PRINT  or PRI</a:t>
-            </a:r>
-          </a:p>
-          <a:p>
-            <a:pPr lvl="1"/>
-            <a:r>
-              <a:rPr lang="en-US" dirty="0"/>
-              <a:t>SPOOL or SPO</a:t>
-            </a:r>
-          </a:p>
-          <a:p>
-            <a:pPr lvl="1"/>
-            <a:r>
-              <a:rPr lang="en-US" dirty="0"/>
-              <a:t>SAVE</a:t>
-            </a:r>
-          </a:p>
-          <a:p>
-            <a:pPr lvl="1"/>
-            <a:r>
-              <a:rPr lang="en-US" dirty="0"/>
-              <a:t>ED or EDIT</a:t>
-            </a:r>
-          </a:p>
-          <a:p>
-            <a:pPr lvl="1"/>
-            <a:r>
-              <a:rPr lang="en-US" dirty="0"/>
-              <a:t>/ or r</a:t>
-            </a:r>
-          </a:p>
-          <a:p>
-            <a:r>
-              <a:rPr lang="en-US" dirty="0"/>
-              <a:t>Type help –a or set for more commands</a:t>
-            </a:r>
-          </a:p>
-        </p:txBody>
-      </p:sp>
-    </p:spTree>
-    <p:extLst>
-      <p:ext uri="{BB962C8B-B14F-4D97-AF65-F5344CB8AC3E}">
-        <p14:creationId xmlns:p14="http://schemas.microsoft.com/office/powerpoint/2010/main" val="1759693774"/>
-      </p:ext>
-    </p:extLst>
-  </p:cSld>
-  <p:clrMapOvr>
-    <a:masterClrMapping/>
-  </p:clrMapOvr>
-</p:sld>
-</file>
-
-<file path=ppt/slides/slide38.xml><?xml version="1.0" encoding="utf-8"?>
-<p:sld xmlns:a="http://schemas.openxmlformats.org/drawingml/2006/main" xmlns:r="http://schemas.openxmlformats.org/officeDocument/2006/relationships" xmlns:p="http://schemas.openxmlformats.org/presentationml/2006/main">
-  <p:cSld>
-    <p:spTree>
-      <p:nvGrpSpPr>
-        <p:cNvPr id="1" name=""/>
-        <p:cNvGrpSpPr/>
-        <p:nvPr/>
-      </p:nvGrpSpPr>
-      <p:grpSpPr>
-        <a:xfrm>
-          <a:off x="0" y="0"/>
-          <a:ext cx="0" cy="0"/>
-          <a:chOff x="0" y="0"/>
-          <a:chExt cx="0" cy="0"/>
-        </a:xfrm>
-      </p:grpSpPr>
-      <p:sp>
-        <p:nvSpPr>
-          <p:cNvPr id="2" name="标题 1">
-            <a:extLst>
-              <a:ext uri="{FF2B5EF4-FFF2-40B4-BE49-F238E27FC236}">
-                <a16:creationId xmlns:a16="http://schemas.microsoft.com/office/drawing/2014/main" id="{103ADC8E-7DB0-4A5F-B20A-213DEBB09B8B}"/>
-              </a:ext>
-            </a:extLst>
-          </p:cNvPr>
-          <p:cNvSpPr>
-            <a:spLocks noGrp="1"/>
-          </p:cNvSpPr>
-          <p:nvPr>
-            <p:ph type="title"/>
-          </p:nvPr>
-        </p:nvSpPr>
-        <p:spPr>
-          <a:xfrm>
-            <a:off x="838200" y="107217"/>
-            <a:ext cx="10515600" cy="760291"/>
-          </a:xfrm>
-        </p:spPr>
-        <p:txBody>
-          <a:bodyPr/>
-          <a:lstStyle/>
-          <a:p>
-            <a:r>
-              <a:rPr lang="en-US" dirty="0"/>
-              <a:t>Scripting Engines</a:t>
-            </a:r>
-          </a:p>
-        </p:txBody>
-      </p:sp>
-      <p:sp>
-        <p:nvSpPr>
-          <p:cNvPr id="3" name="内容占位符 2">
-            <a:extLst>
-              <a:ext uri="{FF2B5EF4-FFF2-40B4-BE49-F238E27FC236}">
-                <a16:creationId xmlns:a16="http://schemas.microsoft.com/office/drawing/2014/main" id="{12A8C3A4-5FC5-430E-84E9-939E6E40B8FF}"/>
-              </a:ext>
-            </a:extLst>
-          </p:cNvPr>
-          <p:cNvSpPr>
-            <a:spLocks noGrp="1"/>
-          </p:cNvSpPr>
-          <p:nvPr>
-            <p:ph idx="1"/>
-          </p:nvPr>
-        </p:nvSpPr>
-        <p:spPr>
-          <a:xfrm>
-            <a:off x="838200" y="976923"/>
-            <a:ext cx="10515600" cy="5541107"/>
-          </a:xfrm>
-        </p:spPr>
-        <p:txBody>
-          <a:bodyPr>
-            <a:normAutofit fontScale="55000" lnSpcReduction="20000"/>
-          </a:bodyPr>
-          <a:lstStyle/>
-          <a:p>
-            <a:r>
-              <a:rPr lang="en-US" dirty="0"/>
-              <a:t>Input parameter names are from </a:t>
-            </a:r>
-            <a:r>
-              <a:rPr lang="en-US" b="1" dirty="0">
-                <a:solidFill>
-                  <a:schemeClr val="accent1">
-                    <a:lumMod val="75000"/>
-                  </a:schemeClr>
-                </a:solidFill>
-              </a:rPr>
-              <a:t>:V1</a:t>
-            </a:r>
-            <a:r>
-              <a:rPr lang="en-US" dirty="0"/>
-              <a:t>(or </a:t>
-            </a:r>
-            <a:r>
-              <a:rPr lang="en-US" altLang="zh-CN" dirty="0">
-                <a:solidFill>
-                  <a:schemeClr val="accent1">
-                    <a:lumMod val="75000"/>
-                  </a:schemeClr>
-                </a:solidFill>
-              </a:rPr>
-              <a:t>&amp;V1</a:t>
-            </a:r>
-            <a:r>
-              <a:rPr lang="en-US" dirty="0"/>
-              <a:t>) to </a:t>
-            </a:r>
-            <a:r>
-              <a:rPr lang="en-US" dirty="0">
-                <a:solidFill>
-                  <a:schemeClr val="accent1">
-                    <a:lumMod val="75000"/>
-                  </a:schemeClr>
-                </a:solidFill>
-              </a:rPr>
-              <a:t>:V20</a:t>
-            </a:r>
-            <a:r>
-              <a:rPr lang="en-US" dirty="0"/>
-              <a:t>(or </a:t>
-            </a:r>
-            <a:r>
-              <a:rPr lang="en-US" b="1" dirty="0">
-                <a:solidFill>
-                  <a:schemeClr val="accent1">
-                    <a:lumMod val="75000"/>
-                  </a:schemeClr>
-                </a:solidFill>
-              </a:rPr>
-              <a:t>&amp;V20</a:t>
-            </a:r>
-            <a:r>
-              <a:rPr lang="en-US" dirty="0"/>
-              <a:t>) and case-insensitive, however SQL*Plus is &amp;1…</a:t>
-            </a:r>
-          </a:p>
-          <a:p>
-            <a:r>
-              <a:rPr lang="en-US" dirty="0"/>
-              <a:t>V1 to V20 are all default to null(empty string) and don’t ask mandatory input, however SQL*Plus will ask for input if not specified in the command line.</a:t>
-            </a:r>
-          </a:p>
-          <a:p>
-            <a:r>
-              <a:rPr lang="en-US" dirty="0"/>
-              <a:t>A variable value can be used as either substitution(</a:t>
-            </a:r>
-            <a:r>
-              <a:rPr lang="en-US" b="1" dirty="0">
-                <a:solidFill>
-                  <a:schemeClr val="accent1">
-                    <a:lumMod val="75000"/>
-                  </a:schemeClr>
-                </a:solidFill>
-              </a:rPr>
-              <a:t>&amp;var</a:t>
-            </a:r>
-            <a:r>
-              <a:rPr lang="en-US" dirty="0"/>
-              <a:t>) and  binding(</a:t>
-            </a:r>
-            <a:r>
-              <a:rPr lang="en-US" b="1" dirty="0">
-                <a:solidFill>
-                  <a:schemeClr val="accent1">
-                    <a:lumMod val="75000"/>
-                  </a:schemeClr>
-                </a:solidFill>
-              </a:rPr>
-              <a:t>:var</a:t>
-            </a:r>
-            <a:r>
-              <a:rPr lang="en-US" dirty="0"/>
-              <a:t>)</a:t>
-            </a:r>
-          </a:p>
-          <a:p>
-            <a:r>
-              <a:rPr lang="en-US" dirty="0"/>
-              <a:t>Either input parameter or variable can pre-define default value and options(</a:t>
-            </a:r>
-            <a:r>
-              <a:rPr lang="en-US" b="1" dirty="0">
-                <a:solidFill>
-                  <a:schemeClr val="accent1">
-                    <a:lumMod val="75000"/>
-                  </a:schemeClr>
-                </a:solidFill>
-              </a:rPr>
-              <a:t>-option</a:t>
-            </a:r>
-            <a:r>
-              <a:rPr lang="en-US" dirty="0"/>
-              <a:t>) in the script annotation part(sub-part of the documentation)</a:t>
-            </a:r>
-          </a:p>
-          <a:p>
-            <a:r>
-              <a:rPr lang="en-US" dirty="0"/>
-              <a:t>If an input parameter is dot(</a:t>
-            </a:r>
-            <a:r>
-              <a:rPr lang="en-US" b="1" dirty="0">
-                <a:solidFill>
-                  <a:schemeClr val="accent1">
-                    <a:lumMod val="75000"/>
-                  </a:schemeClr>
-                </a:solidFill>
-              </a:rPr>
-              <a:t>.</a:t>
-            </a:r>
-            <a:r>
-              <a:rPr lang="en-US" dirty="0"/>
-              <a:t>), it means using the default value</a:t>
-            </a:r>
-          </a:p>
-          <a:p>
-            <a:r>
-              <a:rPr lang="en-US" dirty="0"/>
-              <a:t>3 switches can be defined in the annotation part and can be treated as variables: </a:t>
-            </a:r>
-          </a:p>
-          <a:p>
-            <a:pPr lvl="1"/>
-            <a:r>
-              <a:rPr lang="en-US" dirty="0"/>
-              <a:t>Privilege switch(</a:t>
-            </a:r>
-            <a:r>
-              <a:rPr lang="en-US" b="1" dirty="0">
-                <a:solidFill>
-                  <a:schemeClr val="accent1">
-                    <a:lumMod val="75000"/>
-                  </a:schemeClr>
-                </a:solidFill>
-              </a:rPr>
-              <a:t>@</a:t>
-            </a:r>
-            <a:r>
-              <a:rPr lang="en-US" b="1" dirty="0" err="1">
-                <a:solidFill>
-                  <a:schemeClr val="accent1">
-                    <a:lumMod val="75000"/>
-                  </a:schemeClr>
-                </a:solidFill>
-              </a:rPr>
-              <a:t>check_access_</a:t>
-            </a:r>
-            <a:r>
-              <a:rPr lang="en-US" dirty="0" err="1"/>
-              <a:t>xxx</a:t>
-            </a:r>
-            <a:r>
-              <a:rPr lang="en-US" dirty="0"/>
-              <a:t>): auto-choose the first value that matches the required access right</a:t>
-            </a:r>
-          </a:p>
-          <a:p>
-            <a:pPr lvl="1"/>
-            <a:r>
-              <a:rPr lang="en-US" dirty="0"/>
-              <a:t>User switch(</a:t>
-            </a:r>
-            <a:r>
-              <a:rPr lang="en-US" b="1" dirty="0">
-                <a:solidFill>
-                  <a:schemeClr val="accent1">
-                    <a:lumMod val="75000"/>
-                  </a:schemeClr>
-                </a:solidFill>
-              </a:rPr>
-              <a:t>@</a:t>
-            </a:r>
-            <a:r>
-              <a:rPr lang="en-US" b="1" dirty="0" err="1">
-                <a:solidFill>
-                  <a:schemeClr val="accent1">
-                    <a:lumMod val="75000"/>
-                  </a:schemeClr>
-                </a:solidFill>
-              </a:rPr>
-              <a:t>check_user_</a:t>
-            </a:r>
-            <a:r>
-              <a:rPr lang="en-US" dirty="0" err="1"/>
-              <a:t>xxx</a:t>
-            </a:r>
-            <a:r>
-              <a:rPr lang="en-US" dirty="0"/>
-              <a:t>): auto-choose the first value that login user matches  the required user</a:t>
-            </a:r>
-          </a:p>
-          <a:p>
-            <a:pPr lvl="1"/>
-            <a:r>
-              <a:rPr lang="en-US" dirty="0"/>
-              <a:t>Version switch (@other): auto-choose the first value that matches the require db version</a:t>
-            </a:r>
-          </a:p>
-          <a:p>
-            <a:pPr lvl="1"/>
-            <a:r>
-              <a:rPr lang="en-US" dirty="0"/>
-              <a:t>If  the “</a:t>
-            </a:r>
-            <a:r>
-              <a:rPr lang="en-US" b="1" dirty="0">
-                <a:solidFill>
-                  <a:schemeClr val="accent1">
-                    <a:lumMod val="75000"/>
-                  </a:schemeClr>
-                </a:solidFill>
-              </a:rPr>
-              <a:t>default</a:t>
-            </a:r>
-            <a:r>
-              <a:rPr lang="en-US" dirty="0"/>
-              <a:t>” option is not defined in a switch annotation and current login user cannot match any requirement, then the script will exit with an error </a:t>
-            </a:r>
-          </a:p>
-          <a:p>
-            <a:r>
-              <a:rPr lang="en-US" dirty="0"/>
-              <a:t>The life cycle of the VAR/DEFINE/SET settings are script-locally, and don’t affect the global level settings, however in SQL*Plus those are all global, which can mess the variables of different scripts.</a:t>
-            </a:r>
-          </a:p>
-          <a:p>
-            <a:r>
-              <a:rPr lang="en-US" dirty="0"/>
-              <a:t>Engines:</a:t>
-            </a:r>
-          </a:p>
-          <a:p>
-            <a:pPr lvl="1"/>
-            <a:r>
-              <a:rPr lang="en-US" dirty="0"/>
-              <a:t>SQL*Plus-style engine: does not support all SQL*Plus syntax, but supports all commands that dbcli provides(</a:t>
-            </a:r>
-            <a:r>
-              <a:rPr lang="en-US" b="1" dirty="0">
-                <a:solidFill>
-                  <a:schemeClr val="accent1">
-                    <a:lumMod val="75000"/>
-                  </a:schemeClr>
-                </a:solidFill>
-              </a:rPr>
-              <a:t>help -a </a:t>
-            </a:r>
-            <a:r>
-              <a:rPr lang="en-US" dirty="0"/>
-              <a:t>to list all supported commands)</a:t>
-            </a:r>
-          </a:p>
-          <a:p>
-            <a:pPr lvl="2"/>
-            <a:r>
-              <a:rPr lang="en-US" b="1" dirty="0">
-                <a:solidFill>
-                  <a:schemeClr val="accent1">
-                    <a:lumMod val="75000"/>
-                  </a:schemeClr>
-                </a:solidFill>
-              </a:rPr>
-              <a:t>Show</a:t>
-            </a:r>
-            <a:r>
-              <a:rPr lang="en-US" dirty="0"/>
-              <a:t>:  Executes the pre-defined scripts that don’t require any input parameter</a:t>
-            </a:r>
-          </a:p>
-          <a:p>
-            <a:pPr lvl="2"/>
-            <a:r>
-              <a:rPr lang="en-US" b="1" dirty="0">
-                <a:solidFill>
-                  <a:schemeClr val="accent1">
-                    <a:lumMod val="75000"/>
-                  </a:schemeClr>
-                </a:solidFill>
-              </a:rPr>
-              <a:t>Ora</a:t>
-            </a:r>
-            <a:r>
-              <a:rPr lang="en-US" dirty="0"/>
-              <a:t>: Executes the pre-defined scripts that accept parameters</a:t>
-            </a:r>
-          </a:p>
-          <a:p>
-            <a:pPr lvl="2"/>
-            <a:r>
-              <a:rPr lang="en-US" b="1" dirty="0">
-                <a:solidFill>
-                  <a:schemeClr val="accent1">
-                    <a:lumMod val="75000"/>
-                  </a:schemeClr>
-                </a:solidFill>
-              </a:rPr>
-              <a:t>SYS</a:t>
-            </a:r>
-            <a:r>
-              <a:rPr lang="en-US" dirty="0"/>
-              <a:t>: Similar to Ora, but executes the pre-defined scripts that refer to x$ table</a:t>
-            </a:r>
-          </a:p>
-          <a:p>
-            <a:pPr lvl="2"/>
-            <a:r>
-              <a:rPr lang="en-US" b="1" dirty="0">
-                <a:solidFill>
-                  <a:schemeClr val="accent1">
-                    <a:lumMod val="75000"/>
-                  </a:schemeClr>
-                </a:solidFill>
-              </a:rPr>
-              <a:t>EXA</a:t>
-            </a:r>
-            <a:r>
-              <a:rPr lang="en-US" dirty="0"/>
-              <a:t>: Similar to Ora, but executes the pre-defined scripts that to query Exadata information</a:t>
-            </a:r>
-          </a:p>
-          <a:p>
-            <a:pPr lvl="1"/>
-            <a:r>
-              <a:rPr lang="en-US" dirty="0"/>
-              <a:t>Snapper engine(</a:t>
-            </a:r>
-            <a:r>
-              <a:rPr lang="en-US" b="1" dirty="0">
-                <a:solidFill>
-                  <a:schemeClr val="accent1">
-                    <a:lumMod val="75000"/>
-                  </a:schemeClr>
-                </a:solidFill>
-              </a:rPr>
-              <a:t>snap</a:t>
-            </a:r>
-            <a:r>
-              <a:rPr lang="en-US" dirty="0"/>
-              <a:t>):</a:t>
-            </a:r>
-            <a:r>
-              <a:rPr lang="zh-CN" altLang="en-US" dirty="0"/>
-              <a:t> </a:t>
-            </a:r>
-            <a:r>
-              <a:rPr lang="en-US" altLang="zh-CN" dirty="0"/>
-              <a:t>JSON/Lua format, to compute the delta values of the same queries in a specific period, support Linux top-style output</a:t>
-            </a:r>
-          </a:p>
-          <a:p>
-            <a:pPr lvl="1"/>
-            <a:r>
-              <a:rPr lang="en-US" dirty="0"/>
-              <a:t>Graphing engine(</a:t>
-            </a:r>
-            <a:r>
-              <a:rPr lang="en-US" b="1" dirty="0">
-                <a:solidFill>
-                  <a:schemeClr val="accent1">
-                    <a:lumMod val="75000"/>
-                  </a:schemeClr>
-                </a:solidFill>
-              </a:rPr>
-              <a:t>chart/</a:t>
-            </a:r>
-            <a:r>
-              <a:rPr lang="en-US" b="1" dirty="0" err="1">
-                <a:solidFill>
-                  <a:schemeClr val="accent1">
-                    <a:lumMod val="75000"/>
-                  </a:schemeClr>
-                </a:solidFill>
-              </a:rPr>
-              <a:t>ch</a:t>
-            </a:r>
-            <a:r>
-              <a:rPr lang="en-US" dirty="0"/>
-              <a:t>): </a:t>
-            </a:r>
-            <a:r>
-              <a:rPr lang="en-US" altLang="zh-CN" dirty="0"/>
-              <a:t>JSON/Lua format, to</a:t>
-            </a:r>
-            <a:r>
-              <a:rPr lang="en-US" dirty="0"/>
-              <a:t> generate line/bar chart of the time-series data, mainly used on AWR data</a:t>
-            </a:r>
-          </a:p>
-        </p:txBody>
-      </p:sp>
-    </p:spTree>
-    <p:extLst>
-      <p:ext uri="{BB962C8B-B14F-4D97-AF65-F5344CB8AC3E}">
-        <p14:creationId xmlns:p14="http://schemas.microsoft.com/office/powerpoint/2010/main" val="1687118102"/>
-      </p:ext>
-    </p:extLst>
-  </p:cSld>
-  <p:clrMapOvr>
-    <a:masterClrMapping/>
-  </p:clrMapOvr>
-</p:sld>
-</file>
-
 <file path=ppt/slides/slide39.xml><?xml version="1.0" encoding="utf-8"?>
 <p:sld xmlns:a="http://schemas.openxmlformats.org/drawingml/2006/main" xmlns:r="http://schemas.openxmlformats.org/officeDocument/2006/relationships" xmlns:p="http://schemas.openxmlformats.org/presentationml/2006/main">
   <p:cSld>
@@ -16495,7 +16450,7 @@
           <p:cNvPr id="2" name="标题 1">
             <a:extLst>
               <a:ext uri="{FF2B5EF4-FFF2-40B4-BE49-F238E27FC236}">
-                <a16:creationId xmlns:a16="http://schemas.microsoft.com/office/drawing/2014/main" id="{62074AD1-1FE7-4190-9345-65532ED6F564}"/>
+                <a16:creationId xmlns:a16="http://schemas.microsoft.com/office/drawing/2014/main" id="{C8B29B6C-C00C-4E0D-8CA1-E9219B16D778}"/>
               </a:ext>
             </a:extLst>
           </p:cNvPr>
@@ -16508,8 +16463,8 @@
         </p:nvSpPr>
         <p:spPr>
           <a:xfrm>
-            <a:off x="838200" y="156308"/>
-            <a:ext cx="10515600" cy="593970"/>
+            <a:off x="838200" y="171938"/>
+            <a:ext cx="10515600" cy="509100"/>
           </a:xfrm>
         </p:spPr>
         <p:txBody>
@@ -16520,7 +16475,7 @@
           <a:p>
             <a:r>
               <a:rPr lang="en-US" dirty="0"/>
-              <a:t>Common Pre-defined Scripts (1)</a:t>
+              <a:t>Common Utility - Others</a:t>
             </a:r>
           </a:p>
         </p:txBody>
@@ -16530,7 +16485,7 @@
           <p:cNvPr id="3" name="内容占位符 2">
             <a:extLst>
               <a:ext uri="{FF2B5EF4-FFF2-40B4-BE49-F238E27FC236}">
-                <a16:creationId xmlns:a16="http://schemas.microsoft.com/office/drawing/2014/main" id="{0F62E6C0-2DDF-4F51-A1B5-1DA4F66A4097}"/>
+                <a16:creationId xmlns:a16="http://schemas.microsoft.com/office/drawing/2014/main" id="{54B2F075-356C-4966-AF72-A32E6D5B796E}"/>
               </a:ext>
             </a:extLst>
           </p:cNvPr>
@@ -16543,30 +16498,19 @@
         </p:nvSpPr>
         <p:spPr>
           <a:xfrm>
-            <a:off x="838200" y="859692"/>
-            <a:ext cx="10515600" cy="5841999"/>
+            <a:off x="838200" y="789354"/>
+            <a:ext cx="10515600" cy="4468446"/>
           </a:xfrm>
         </p:spPr>
         <p:txBody>
           <a:bodyPr>
-            <a:normAutofit fontScale="40000" lnSpcReduction="20000"/>
+            <a:normAutofit fontScale="62500" lnSpcReduction="20000"/>
           </a:bodyPr>
           <a:lstStyle/>
           <a:p>
-            <a:pPr marL="0" indent="0">
-              <a:buNone/>
-            </a:pPr>
-            <a:r>
-              <a:rPr lang="en-US" b="1" dirty="0">
-                <a:solidFill>
-                  <a:srgbClr val="FF0000"/>
-                </a:solidFill>
-              </a:rPr>
-              <a:t>*  Note</a:t>
-            </a:r>
-            <a:r>
-              <a:rPr lang="en-US" b="1" dirty="0"/>
-              <a:t>: </a:t>
+            <a:r>
+              <a:rPr lang="en-US" dirty="0"/>
+              <a:t>Command </a:t>
             </a:r>
             <a:r>
               <a:rPr lang="en-US" b="1" dirty="0">
@@ -16576,826 +16520,161 @@
                   </a:schemeClr>
                 </a:solidFill>
               </a:rPr>
-              <a:t>[…]</a:t>
-            </a:r>
-            <a:r>
-              <a:rPr lang="en-US" b="1" dirty="0"/>
-              <a:t> means optional, </a:t>
+              <a:t>clear</a:t>
+            </a:r>
+            <a:r>
+              <a:rPr lang="en-US" dirty="0"/>
+              <a:t>: clear screen</a:t>
+            </a:r>
+          </a:p>
+          <a:p>
+            <a:r>
+              <a:rPr lang="en-US" dirty="0"/>
+              <a:t>Command </a:t>
             </a:r>
             <a:r>
               <a:rPr lang="en-US" b="1" dirty="0">
                 <a:solidFill>
-                  <a:srgbClr val="0070C0"/>
-                </a:solidFill>
-              </a:rPr>
-              <a:t>|</a:t>
-            </a:r>
-            <a:r>
-              <a:rPr lang="en-US" b="1" dirty="0"/>
-              <a:t> means “OR”</a:t>
-            </a:r>
-          </a:p>
-          <a:p>
-            <a:r>
-              <a:rPr lang="en-US" sz="2300" dirty="0">
-                <a:latin typeface="Courier New" panose="02070309020205020404" pitchFamily="49" charset="0"/>
-                <a:cs typeface="Courier New" panose="02070309020205020404" pitchFamily="49" charset="0"/>
-              </a:rPr>
-              <a:t>top [interval] [-</a:t>
-            </a:r>
-            <a:r>
-              <a:rPr lang="en-US" sz="2300" dirty="0" err="1">
-                <a:latin typeface="Courier New" panose="02070309020205020404" pitchFamily="49" charset="0"/>
-                <a:cs typeface="Courier New" panose="02070309020205020404" pitchFamily="49" charset="0"/>
-              </a:rPr>
-              <a:t>iostat</a:t>
-            </a:r>
-            <a:r>
-              <a:rPr lang="en-US" sz="2300" dirty="0">
-                <a:latin typeface="Courier New" panose="02070309020205020404" pitchFamily="49" charset="0"/>
-                <a:cs typeface="Courier New" panose="02070309020205020404" pitchFamily="49" charset="0"/>
-              </a:rPr>
-              <a:t>|-latch] [-</a:t>
-            </a:r>
-            <a:r>
-              <a:rPr lang="en-US" sz="2300" dirty="0" err="1">
-                <a:latin typeface="Courier New" panose="02070309020205020404" pitchFamily="49" charset="0"/>
-                <a:cs typeface="Courier New" panose="02070309020205020404" pitchFamily="49" charset="0"/>
-              </a:rPr>
-              <a:t>filestat</a:t>
-            </a:r>
-            <a:r>
-              <a:rPr lang="en-US" sz="2300" dirty="0">
-                <a:latin typeface="Courier New" panose="02070309020205020404" pitchFamily="49" charset="0"/>
-                <a:cs typeface="Courier New" panose="02070309020205020404" pitchFamily="49" charset="0"/>
-              </a:rPr>
-              <a:t>]: monitor db stats with specific interval, default is 10 seconds</a:t>
-            </a:r>
-          </a:p>
-          <a:p>
-            <a:r>
-              <a:rPr lang="en-US" sz="2300" dirty="0" err="1">
-                <a:latin typeface="Courier New" panose="02070309020205020404" pitchFamily="49" charset="0"/>
-                <a:cs typeface="Courier New" panose="02070309020205020404" pitchFamily="49" charset="0"/>
-              </a:rPr>
-              <a:t>cellio</a:t>
-            </a:r>
-            <a:r>
-              <a:rPr lang="en-US" sz="2300" dirty="0">
-                <a:latin typeface="Courier New" panose="02070309020205020404" pitchFamily="49" charset="0"/>
-                <a:cs typeface="Courier New" panose="02070309020205020404" pitchFamily="49" charset="0"/>
-              </a:rPr>
-              <a:t> [interval] </a:t>
-            </a:r>
-            <a:r>
-              <a:rPr lang="nb-NO" sz="2300" dirty="0">
-                <a:latin typeface="Courier New" panose="02070309020205020404" pitchFamily="49" charset="0"/>
-                <a:cs typeface="Courier New" panose="02070309020205020404" pitchFamily="49" charset="0"/>
-              </a:rPr>
-              <a:t>[-pred|-cc|-db] [-cell] [-diskio] </a:t>
-            </a:r>
-            <a:r>
-              <a:rPr lang="en-US" sz="2300" dirty="0">
-                <a:latin typeface="Courier New" panose="02070309020205020404" pitchFamily="49" charset="0"/>
-                <a:cs typeface="Courier New" panose="02070309020205020404" pitchFamily="49" charset="0"/>
-              </a:rPr>
-              <a:t>: monitor Exadata cell stats with specific interval, default is 20 seconds</a:t>
-            </a:r>
-          </a:p>
-          <a:p>
-            <a:r>
-              <a:rPr lang="en-US" sz="2300" dirty="0">
-                <a:latin typeface="Courier New" panose="02070309020205020404" pitchFamily="49" charset="0"/>
-                <a:cs typeface="Courier New" panose="02070309020205020404" pitchFamily="49" charset="0"/>
-              </a:rPr>
-              <a:t>Exa cell: show Exadata information</a:t>
-            </a:r>
-          </a:p>
-          <a:p>
-            <a:r>
-              <a:rPr lang="en-US" sz="2300" dirty="0">
-                <a:latin typeface="Courier New" panose="02070309020205020404" pitchFamily="49" charset="0"/>
-                <a:cs typeface="Courier New" panose="02070309020205020404" pitchFamily="49" charset="0"/>
-              </a:rPr>
-              <a:t>Ora/sys param &lt;keyword&gt;: show parameters that match the keyword</a:t>
-            </a:r>
-          </a:p>
-          <a:p>
-            <a:r>
-              <a:rPr lang="en-US" sz="2300" dirty="0">
-                <a:latin typeface="Courier New" panose="02070309020205020404" pitchFamily="49" charset="0"/>
-                <a:cs typeface="Courier New" panose="02070309020205020404" pitchFamily="49" charset="0"/>
-              </a:rPr>
-              <a:t>Ora tbs [&lt;</a:t>
-            </a:r>
-            <a:r>
-              <a:rPr lang="en-US" sz="2300" dirty="0" err="1">
-                <a:latin typeface="Courier New" panose="02070309020205020404" pitchFamily="49" charset="0"/>
-                <a:cs typeface="Courier New" panose="02070309020205020404" pitchFamily="49" charset="0"/>
-              </a:rPr>
-              <a:t>tablespace_name</a:t>
-            </a:r>
-            <a:r>
-              <a:rPr lang="en-US" sz="2300" dirty="0">
-                <a:latin typeface="Courier New" panose="02070309020205020404" pitchFamily="49" charset="0"/>
-                <a:cs typeface="Courier New" panose="02070309020205020404" pitchFamily="49" charset="0"/>
-              </a:rPr>
-              <a:t>&gt;]: show tablespace usages</a:t>
-            </a:r>
-          </a:p>
-          <a:p>
-            <a:r>
-              <a:rPr lang="en-US" sz="2300" dirty="0">
-                <a:latin typeface="Courier New" panose="02070309020205020404" pitchFamily="49" charset="0"/>
-                <a:cs typeface="Courier New" panose="02070309020205020404" pitchFamily="49" charset="0"/>
-              </a:rPr>
-              <a:t>ora actives [-b|-p|-m]: list active SQLs</a:t>
-            </a:r>
-          </a:p>
-          <a:p>
-            <a:r>
-              <a:rPr lang="en-US" sz="2300" dirty="0">
-                <a:latin typeface="Courier New" panose="02070309020205020404" pitchFamily="49" charset="0"/>
-                <a:cs typeface="Courier New" panose="02070309020205020404" pitchFamily="49" charset="0"/>
-              </a:rPr>
-              <a:t>ora plan &lt;</a:t>
-            </a:r>
-            <a:r>
-              <a:rPr lang="en-US" sz="2300" dirty="0" err="1">
-                <a:latin typeface="Courier New" panose="02070309020205020404" pitchFamily="49" charset="0"/>
-                <a:cs typeface="Courier New" panose="02070309020205020404" pitchFamily="49" charset="0"/>
-              </a:rPr>
-              <a:t>sql_id</a:t>
-            </a:r>
-            <a:r>
-              <a:rPr lang="en-US" sz="2300" dirty="0">
-                <a:latin typeface="Courier New" panose="02070309020205020404" pitchFamily="49" charset="0"/>
-                <a:cs typeface="Courier New" panose="02070309020205020404" pitchFamily="49" charset="0"/>
-              </a:rPr>
-              <a:t>&gt; &lt;</a:t>
-            </a:r>
-            <a:r>
-              <a:rPr lang="en-US" sz="2300" dirty="0" err="1">
-                <a:latin typeface="Courier New" panose="02070309020205020404" pitchFamily="49" charset="0"/>
-                <a:cs typeface="Courier New" panose="02070309020205020404" pitchFamily="49" charset="0"/>
-              </a:rPr>
-              <a:t>plan_hash_value</a:t>
-            </a:r>
-            <a:r>
-              <a:rPr lang="en-US" sz="2300" dirty="0">
-                <a:latin typeface="Courier New" panose="02070309020205020404" pitchFamily="49" charset="0"/>
-                <a:cs typeface="Courier New" panose="02070309020205020404" pitchFamily="49" charset="0"/>
-              </a:rPr>
-              <a:t>&gt;: show execution plan</a:t>
-            </a:r>
-          </a:p>
-          <a:p>
-            <a:r>
-              <a:rPr lang="en-US" sz="2300" dirty="0">
-                <a:latin typeface="Courier New" panose="02070309020205020404" pitchFamily="49" charset="0"/>
-                <a:cs typeface="Courier New" panose="02070309020205020404" pitchFamily="49" charset="0"/>
-              </a:rPr>
-              <a:t>ora sql &lt;</a:t>
-            </a:r>
-            <a:r>
-              <a:rPr lang="en-US" sz="2300" dirty="0" err="1">
-                <a:latin typeface="Courier New" panose="02070309020205020404" pitchFamily="49" charset="0"/>
-                <a:cs typeface="Courier New" panose="02070309020205020404" pitchFamily="49" charset="0"/>
-              </a:rPr>
-              <a:t>sql_id</a:t>
-            </a:r>
-            <a:r>
-              <a:rPr lang="en-US" sz="2300" dirty="0">
-                <a:latin typeface="Courier New" panose="02070309020205020404" pitchFamily="49" charset="0"/>
-                <a:cs typeface="Courier New" panose="02070309020205020404" pitchFamily="49" charset="0"/>
-              </a:rPr>
-              <a:t>&gt;: show SQL text and stats</a:t>
-            </a:r>
-          </a:p>
-          <a:p>
-            <a:r>
-              <a:rPr lang="en-US" sz="2300" dirty="0">
-                <a:latin typeface="Courier New" panose="02070309020205020404" pitchFamily="49" charset="0"/>
-                <a:cs typeface="Courier New" panose="02070309020205020404" pitchFamily="49" charset="0"/>
-              </a:rPr>
-              <a:t>Ora </a:t>
-            </a:r>
-            <a:r>
-              <a:rPr lang="en-US" sz="2300" dirty="0" err="1">
-                <a:latin typeface="Courier New" panose="02070309020205020404" pitchFamily="49" charset="0"/>
-                <a:cs typeface="Courier New" panose="02070309020205020404" pitchFamily="49" charset="0"/>
-              </a:rPr>
-              <a:t>sqlm</a:t>
-            </a:r>
-            <a:r>
-              <a:rPr lang="en-US" sz="2300" dirty="0">
-                <a:latin typeface="Courier New" panose="02070309020205020404" pitchFamily="49" charset="0"/>
-                <a:cs typeface="Courier New" panose="02070309020205020404" pitchFamily="49" charset="0"/>
-              </a:rPr>
-              <a:t> [&lt;</a:t>
-            </a:r>
-            <a:r>
-              <a:rPr lang="en-US" sz="2300" dirty="0" err="1">
-                <a:latin typeface="Courier New" panose="02070309020205020404" pitchFamily="49" charset="0"/>
-                <a:cs typeface="Courier New" panose="02070309020205020404" pitchFamily="49" charset="0"/>
-              </a:rPr>
-              <a:t>sql_id</a:t>
-            </a:r>
-            <a:r>
-              <a:rPr lang="en-US" sz="2300" dirty="0">
-                <a:latin typeface="Courier New" panose="02070309020205020404" pitchFamily="49" charset="0"/>
-                <a:cs typeface="Courier New" panose="02070309020205020404" pitchFamily="49" charset="0"/>
-              </a:rPr>
-              <a:t>&gt; [</a:t>
-            </a:r>
-            <a:r>
-              <a:rPr lang="en-US" sz="2300" dirty="0" err="1">
-                <a:latin typeface="Courier New" panose="02070309020205020404" pitchFamily="49" charset="0"/>
-                <a:cs typeface="Courier New" panose="02070309020205020404" pitchFamily="49" charset="0"/>
-              </a:rPr>
-              <a:t>sql_exec_id</a:t>
-            </a:r>
-            <a:r>
-              <a:rPr lang="en-US" sz="2300" dirty="0">
-                <a:latin typeface="Courier New" panose="02070309020205020404" pitchFamily="49" charset="0"/>
-                <a:cs typeface="Courier New" panose="02070309020205020404" pitchFamily="49" charset="0"/>
-              </a:rPr>
-              <a:t>][-l]]: show sql monitor list, or extract SQL Monitor report. Type ‘help ora </a:t>
-            </a:r>
-            <a:r>
-              <a:rPr lang="en-US" sz="2300" dirty="0" err="1">
-                <a:latin typeface="Courier New" panose="02070309020205020404" pitchFamily="49" charset="0"/>
-                <a:cs typeface="Courier New" panose="02070309020205020404" pitchFamily="49" charset="0"/>
-              </a:rPr>
-              <a:t>sqlm</a:t>
-            </a:r>
-            <a:r>
-              <a:rPr lang="en-US" sz="2300" dirty="0">
-                <a:latin typeface="Courier New" panose="02070309020205020404" pitchFamily="49" charset="0"/>
-                <a:cs typeface="Courier New" panose="02070309020205020404" pitchFamily="49" charset="0"/>
-              </a:rPr>
-              <a:t>’ for more usages.</a:t>
-            </a:r>
-          </a:p>
-          <a:p>
-            <a:r>
-              <a:rPr lang="en-US" sz="2300" dirty="0">
-                <a:latin typeface="Courier New" panose="02070309020205020404" pitchFamily="49" charset="0"/>
-                <a:cs typeface="Courier New" panose="02070309020205020404" pitchFamily="49" charset="0"/>
-              </a:rPr>
-              <a:t>Ora </a:t>
-            </a:r>
-            <a:r>
-              <a:rPr lang="en-US" sz="2300" dirty="0" err="1">
-                <a:latin typeface="Courier New" panose="02070309020205020404" pitchFamily="49" charset="0"/>
-                <a:cs typeface="Courier New" panose="02070309020205020404" pitchFamily="49" charset="0"/>
-              </a:rPr>
-              <a:t>ashplan</a:t>
-            </a:r>
-            <a:r>
-              <a:rPr lang="en-US" sz="2300" dirty="0">
-                <a:latin typeface="Courier New" panose="02070309020205020404" pitchFamily="49" charset="0"/>
-                <a:cs typeface="Courier New" panose="02070309020205020404" pitchFamily="49" charset="0"/>
-              </a:rPr>
-              <a:t> &lt;</a:t>
-            </a:r>
-            <a:r>
-              <a:rPr lang="en-US" sz="2300" dirty="0" err="1">
-                <a:latin typeface="Courier New" panose="02070309020205020404" pitchFamily="49" charset="0"/>
-                <a:cs typeface="Courier New" panose="02070309020205020404" pitchFamily="49" charset="0"/>
-              </a:rPr>
-              <a:t>sql_id</a:t>
-            </a:r>
-            <a:r>
-              <a:rPr lang="en-US" sz="2300" dirty="0">
-                <a:latin typeface="Courier New" panose="02070309020205020404" pitchFamily="49" charset="0"/>
-                <a:cs typeface="Courier New" panose="02070309020205020404" pitchFamily="49" charset="0"/>
-              </a:rPr>
-              <a:t>&gt; [</a:t>
-            </a:r>
-            <a:r>
-              <a:rPr lang="en-US" sz="2300" dirty="0" err="1">
-                <a:latin typeface="Courier New" panose="02070309020205020404" pitchFamily="49" charset="0"/>
-                <a:cs typeface="Courier New" panose="02070309020205020404" pitchFamily="49" charset="0"/>
-              </a:rPr>
-              <a:t>plan_hash_value</a:t>
-            </a:r>
-            <a:r>
-              <a:rPr lang="en-US" sz="2300" dirty="0">
-                <a:latin typeface="Courier New" panose="02070309020205020404" pitchFamily="49" charset="0"/>
-                <a:cs typeface="Courier New" panose="02070309020205020404" pitchFamily="49" charset="0"/>
-              </a:rPr>
-              <a:t>] [-dash]:</a:t>
-            </a:r>
-            <a:r>
-              <a:rPr lang="zh-CN" altLang="en-US" sz="2300" dirty="0">
-                <a:latin typeface="Courier New" panose="02070309020205020404" pitchFamily="49" charset="0"/>
-                <a:cs typeface="Courier New" panose="02070309020205020404" pitchFamily="49" charset="0"/>
-              </a:rPr>
-              <a:t> </a:t>
-            </a:r>
-            <a:r>
-              <a:rPr lang="en-US" altLang="zh-CN" sz="2300" dirty="0">
-                <a:latin typeface="Courier New" panose="02070309020205020404" pitchFamily="49" charset="0"/>
-                <a:cs typeface="Courier New" panose="02070309020205020404" pitchFamily="49" charset="0"/>
-              </a:rPr>
-              <a:t>show</a:t>
-            </a:r>
-            <a:r>
-              <a:rPr lang="zh-CN" altLang="en-US" sz="2300" dirty="0">
-                <a:latin typeface="Courier New" panose="02070309020205020404" pitchFamily="49" charset="0"/>
-                <a:cs typeface="Courier New" panose="02070309020205020404" pitchFamily="49" charset="0"/>
-              </a:rPr>
-              <a:t> </a:t>
-            </a:r>
-            <a:r>
-              <a:rPr lang="en-US" altLang="zh-CN" sz="2300" dirty="0">
-                <a:latin typeface="Courier New" panose="02070309020205020404" pitchFamily="49" charset="0"/>
-                <a:cs typeface="Courier New" panose="02070309020205020404" pitchFamily="49" charset="0"/>
-              </a:rPr>
-              <a:t>sql plan + aggregated ash cost of all executions of the same </a:t>
-            </a:r>
-            <a:r>
-              <a:rPr lang="en-US" altLang="zh-CN" sz="2300" dirty="0" err="1">
-                <a:latin typeface="Courier New" panose="02070309020205020404" pitchFamily="49" charset="0"/>
-                <a:cs typeface="Courier New" panose="02070309020205020404" pitchFamily="49" charset="0"/>
-              </a:rPr>
-              <a:t>phv</a:t>
-            </a:r>
-            <a:endParaRPr lang="en-US" altLang="zh-CN" sz="2300" dirty="0">
-              <a:latin typeface="Courier New" panose="02070309020205020404" pitchFamily="49" charset="0"/>
-              <a:cs typeface="Courier New" panose="02070309020205020404" pitchFamily="49" charset="0"/>
-            </a:endParaRPr>
-          </a:p>
-          <a:p>
-            <a:r>
-              <a:rPr lang="en-US" sz="2300" dirty="0">
-                <a:latin typeface="Courier New" panose="02070309020205020404" pitchFamily="49" charset="0"/>
-                <a:cs typeface="Courier New" panose="02070309020205020404" pitchFamily="49" charset="0"/>
-              </a:rPr>
-              <a:t>Ora </a:t>
-            </a:r>
-            <a:r>
-              <a:rPr lang="en-US" sz="2300" dirty="0" err="1">
-                <a:latin typeface="Courier New" panose="02070309020205020404" pitchFamily="49" charset="0"/>
-                <a:cs typeface="Courier New" panose="02070309020205020404" pitchFamily="49" charset="0"/>
-              </a:rPr>
-              <a:t>ashchain</a:t>
-            </a:r>
-            <a:r>
-              <a:rPr lang="en-US" sz="2300" dirty="0">
-                <a:latin typeface="Courier New" panose="02070309020205020404" pitchFamily="49" charset="0"/>
-                <a:cs typeface="Courier New" panose="02070309020205020404" pitchFamily="49" charset="0"/>
-              </a:rPr>
-              <a:t> [&lt;</a:t>
-            </a:r>
-            <a:r>
-              <a:rPr lang="en-US" sz="2300" dirty="0" err="1">
-                <a:latin typeface="Courier New" panose="02070309020205020404" pitchFamily="49" charset="0"/>
-                <a:cs typeface="Courier New" panose="02070309020205020404" pitchFamily="49" charset="0"/>
-              </a:rPr>
-              <a:t>sql_id</a:t>
-            </a:r>
-            <a:r>
-              <a:rPr lang="en-US" sz="2300" dirty="0">
-                <a:latin typeface="Courier New" panose="02070309020205020404" pitchFamily="49" charset="0"/>
-                <a:cs typeface="Courier New" panose="02070309020205020404" pitchFamily="49" charset="0"/>
-              </a:rPr>
-              <a:t>&gt;|&lt;sid&gt;] [-sid|-p] [-flat]:  An enhancement of </a:t>
-            </a:r>
-            <a:r>
-              <a:rPr lang="en-US" sz="2300" dirty="0" err="1">
-                <a:latin typeface="Courier New" panose="02070309020205020404" pitchFamily="49" charset="0"/>
-                <a:cs typeface="Courier New" panose="02070309020205020404" pitchFamily="49" charset="0"/>
-              </a:rPr>
-              <a:t>Tanel</a:t>
-            </a:r>
-            <a:r>
-              <a:rPr lang="en-US" sz="2300" dirty="0">
-                <a:latin typeface="Courier New" panose="02070309020205020404" pitchFamily="49" charset="0"/>
-                <a:cs typeface="Courier New" panose="02070309020205020404" pitchFamily="49" charset="0"/>
-              </a:rPr>
-              <a:t> </a:t>
-            </a:r>
-            <a:r>
-              <a:rPr lang="en-US" sz="2300" dirty="0" err="1">
-                <a:latin typeface="Courier New" panose="02070309020205020404" pitchFamily="49" charset="0"/>
-                <a:cs typeface="Courier New" panose="02070309020205020404" pitchFamily="49" charset="0"/>
-              </a:rPr>
-              <a:t>Poder’s</a:t>
-            </a:r>
-            <a:r>
-              <a:rPr lang="en-US" sz="2300" dirty="0">
-                <a:latin typeface="Courier New" panose="02070309020205020404" pitchFamily="49" charset="0"/>
-                <a:cs typeface="Courier New" panose="02070309020205020404" pitchFamily="49" charset="0"/>
-              </a:rPr>
-              <a:t> script to see blocking information of ASH</a:t>
-            </a:r>
-          </a:p>
-          <a:p>
-            <a:r>
-              <a:rPr lang="en-US" sz="2300" dirty="0">
-                <a:latin typeface="Courier New" panose="02070309020205020404" pitchFamily="49" charset="0"/>
-                <a:cs typeface="Courier New" panose="02070309020205020404" pitchFamily="49" charset="0"/>
-              </a:rPr>
-              <a:t>Ora </a:t>
-            </a:r>
-            <a:r>
-              <a:rPr lang="en-US" sz="2300" dirty="0" err="1">
-                <a:latin typeface="Courier New" panose="02070309020205020404" pitchFamily="49" charset="0"/>
-                <a:cs typeface="Courier New" panose="02070309020205020404" pitchFamily="49" charset="0"/>
-              </a:rPr>
-              <a:t>ashtop</a:t>
-            </a:r>
-            <a:r>
-              <a:rPr lang="en-US" sz="2300" dirty="0">
-                <a:latin typeface="Courier New" panose="02070309020205020404" pitchFamily="49" charset="0"/>
-                <a:cs typeface="Courier New" panose="02070309020205020404" pitchFamily="49" charset="0"/>
-              </a:rPr>
-              <a:t> [&lt;</a:t>
-            </a:r>
-            <a:r>
-              <a:rPr lang="en-US" sz="2300" dirty="0" err="1">
-                <a:latin typeface="Courier New" panose="02070309020205020404" pitchFamily="49" charset="0"/>
-                <a:cs typeface="Courier New" panose="02070309020205020404" pitchFamily="49" charset="0"/>
-              </a:rPr>
-              <a:t>sql_id</a:t>
-            </a:r>
-            <a:r>
-              <a:rPr lang="en-US" sz="2300" dirty="0">
-                <a:latin typeface="Courier New" panose="02070309020205020404" pitchFamily="49" charset="0"/>
-                <a:cs typeface="Courier New" panose="02070309020205020404" pitchFamily="49" charset="0"/>
-              </a:rPr>
-              <a:t>&gt;] [-snap &lt;seconds&gt;] [-p|-o]: An enhancement of </a:t>
-            </a:r>
-            <a:r>
-              <a:rPr lang="en-US" sz="2300" dirty="0" err="1">
-                <a:latin typeface="Courier New" panose="02070309020205020404" pitchFamily="49" charset="0"/>
-                <a:cs typeface="Courier New" panose="02070309020205020404" pitchFamily="49" charset="0"/>
-              </a:rPr>
-              <a:t>Tanel</a:t>
-            </a:r>
-            <a:r>
-              <a:rPr lang="en-US" sz="2300" dirty="0">
-                <a:latin typeface="Courier New" panose="02070309020205020404" pitchFamily="49" charset="0"/>
-                <a:cs typeface="Courier New" panose="02070309020205020404" pitchFamily="49" charset="0"/>
-              </a:rPr>
-              <a:t> </a:t>
-            </a:r>
-            <a:r>
-              <a:rPr lang="en-US" sz="2300" dirty="0" err="1">
-                <a:latin typeface="Courier New" panose="02070309020205020404" pitchFamily="49" charset="0"/>
-                <a:cs typeface="Courier New" panose="02070309020205020404" pitchFamily="49" charset="0"/>
-              </a:rPr>
-              <a:t>Poder’s</a:t>
-            </a:r>
-            <a:r>
-              <a:rPr lang="en-US" sz="2300" dirty="0">
-                <a:latin typeface="Courier New" panose="02070309020205020404" pitchFamily="49" charset="0"/>
-                <a:cs typeface="Courier New" panose="02070309020205020404" pitchFamily="49" charset="0"/>
-              </a:rPr>
-              <a:t> script to see blocking information of ASH</a:t>
-            </a:r>
-          </a:p>
-          <a:p>
-            <a:r>
-              <a:rPr lang="en-US" sz="2300" dirty="0">
-                <a:latin typeface="Courier New" panose="02070309020205020404" pitchFamily="49" charset="0"/>
-                <a:cs typeface="Courier New" panose="02070309020205020404" pitchFamily="49" charset="0"/>
-              </a:rPr>
-              <a:t>Ora obj &lt;</a:t>
-            </a:r>
-            <a:r>
-              <a:rPr lang="en-US" sz="2300" dirty="0" err="1">
-                <a:latin typeface="Courier New" panose="02070309020205020404" pitchFamily="49" charset="0"/>
-                <a:cs typeface="Courier New" panose="02070309020205020404" pitchFamily="49" charset="0"/>
-              </a:rPr>
-              <a:t>object_id|data_object_id</a:t>
-            </a:r>
-            <a:r>
-              <a:rPr lang="en-US" sz="2300" dirty="0">
-                <a:latin typeface="Courier New" panose="02070309020205020404" pitchFamily="49" charset="0"/>
-                <a:cs typeface="Courier New" panose="02070309020205020404" pitchFamily="49" charset="0"/>
-              </a:rPr>
-              <a:t>|[owner.]</a:t>
-            </a:r>
-            <a:r>
-              <a:rPr lang="en-US" sz="2300" dirty="0" err="1">
-                <a:latin typeface="Courier New" panose="02070309020205020404" pitchFamily="49" charset="0"/>
-                <a:cs typeface="Courier New" panose="02070309020205020404" pitchFamily="49" charset="0"/>
-              </a:rPr>
-              <a:t>object_name</a:t>
-            </a:r>
-            <a:r>
-              <a:rPr lang="en-US" sz="2300" dirty="0">
-                <a:latin typeface="Courier New" panose="02070309020205020404" pitchFamily="49" charset="0"/>
-                <a:cs typeface="Courier New" panose="02070309020205020404" pitchFamily="49" charset="0"/>
-              </a:rPr>
-              <a:t>&gt;: Show information of an object</a:t>
-            </a:r>
-          </a:p>
-          <a:p>
-            <a:r>
-              <a:rPr lang="en-US" sz="2300" dirty="0">
-                <a:latin typeface="Courier New" panose="02070309020205020404" pitchFamily="49" charset="0"/>
-                <a:cs typeface="Courier New" panose="02070309020205020404" pitchFamily="49" charset="0"/>
-              </a:rPr>
-              <a:t>Ora search &lt;keyword&gt;: search object with specific keyword</a:t>
-            </a:r>
-          </a:p>
-          <a:p>
-            <a:r>
-              <a:rPr lang="en-US" sz="2300" dirty="0">
-                <a:latin typeface="Courier New" panose="02070309020205020404" pitchFamily="49" charset="0"/>
-                <a:cs typeface="Courier New" panose="02070309020205020404" pitchFamily="49" charset="0"/>
-              </a:rPr>
-              <a:t>Ora size [owner.]&lt;</a:t>
-            </a:r>
-            <a:r>
-              <a:rPr lang="en-US" sz="2300" dirty="0" err="1">
-                <a:latin typeface="Courier New" panose="02070309020205020404" pitchFamily="49" charset="0"/>
-                <a:cs typeface="Courier New" panose="02070309020205020404" pitchFamily="49" charset="0"/>
-              </a:rPr>
-              <a:t>object_name</a:t>
-            </a:r>
-            <a:r>
-              <a:rPr lang="en-US" sz="2300" dirty="0">
-                <a:latin typeface="Courier New" panose="02070309020205020404" pitchFamily="49" charset="0"/>
-                <a:cs typeface="Courier New" panose="02070309020205020404" pitchFamily="49" charset="0"/>
-              </a:rPr>
-              <a:t>&gt;: show space usage of an object</a:t>
-            </a:r>
-          </a:p>
-          <a:p>
-            <a:r>
-              <a:rPr lang="en-US" sz="2300" dirty="0">
-                <a:latin typeface="Courier New" panose="02070309020205020404" pitchFamily="49" charset="0"/>
-                <a:cs typeface="Courier New" panose="02070309020205020404" pitchFamily="49" charset="0"/>
-              </a:rPr>
-              <a:t>Ora space [owner.]&lt;</a:t>
-            </a:r>
-            <a:r>
-              <a:rPr lang="en-US" sz="2300" dirty="0" err="1">
-                <a:latin typeface="Courier New" panose="02070309020205020404" pitchFamily="49" charset="0"/>
-                <a:cs typeface="Courier New" panose="02070309020205020404" pitchFamily="49" charset="0"/>
-              </a:rPr>
-              <a:t>object_name</a:t>
-            </a:r>
-            <a:r>
-              <a:rPr lang="en-US" sz="2300" dirty="0">
-                <a:latin typeface="Courier New" panose="02070309020205020404" pitchFamily="49" charset="0"/>
-                <a:cs typeface="Courier New" panose="02070309020205020404" pitchFamily="49" charset="0"/>
-              </a:rPr>
-              <a:t>&gt; [-adv]: show detailed space usage of an object</a:t>
-            </a:r>
-          </a:p>
-          <a:p>
-            <a:r>
-              <a:rPr lang="en-US" sz="2300" dirty="0">
-                <a:latin typeface="Courier New" panose="02070309020205020404" pitchFamily="49" charset="0"/>
-                <a:cs typeface="Courier New" panose="02070309020205020404" pitchFamily="49" charset="0"/>
-              </a:rPr>
-              <a:t>Ora </a:t>
-            </a:r>
-            <a:r>
-              <a:rPr lang="en-US" sz="2300" dirty="0" err="1">
-                <a:latin typeface="Courier New" panose="02070309020205020404" pitchFamily="49" charset="0"/>
-                <a:cs typeface="Courier New" panose="02070309020205020404" pitchFamily="49" charset="0"/>
-              </a:rPr>
-              <a:t>ddl</a:t>
-            </a:r>
-            <a:r>
-              <a:rPr lang="en-US" sz="2300" dirty="0">
-                <a:latin typeface="Courier New" panose="02070309020205020404" pitchFamily="49" charset="0"/>
-                <a:cs typeface="Courier New" panose="02070309020205020404" pitchFamily="49" charset="0"/>
-              </a:rPr>
-              <a:t> [owner.]&lt;</a:t>
-            </a:r>
-            <a:r>
-              <a:rPr lang="en-US" sz="2300" dirty="0" err="1">
-                <a:latin typeface="Courier New" panose="02070309020205020404" pitchFamily="49" charset="0"/>
-                <a:cs typeface="Courier New" panose="02070309020205020404" pitchFamily="49" charset="0"/>
-              </a:rPr>
-              <a:t>object_name</a:t>
-            </a:r>
-            <a:r>
-              <a:rPr lang="en-US" sz="2300" dirty="0">
-                <a:latin typeface="Courier New" panose="02070309020205020404" pitchFamily="49" charset="0"/>
-                <a:cs typeface="Courier New" panose="02070309020205020404" pitchFamily="49" charset="0"/>
-              </a:rPr>
-              <a:t>&gt;: show </a:t>
-            </a:r>
-            <a:r>
-              <a:rPr lang="en-US" sz="2300" dirty="0" err="1">
-                <a:latin typeface="Courier New" panose="02070309020205020404" pitchFamily="49" charset="0"/>
-                <a:cs typeface="Courier New" panose="02070309020205020404" pitchFamily="49" charset="0"/>
-              </a:rPr>
-              <a:t>ddl</a:t>
-            </a:r>
-            <a:r>
-              <a:rPr lang="en-US" sz="2300" dirty="0">
-                <a:latin typeface="Courier New" panose="02070309020205020404" pitchFamily="49" charset="0"/>
-                <a:cs typeface="Courier New" panose="02070309020205020404" pitchFamily="49" charset="0"/>
-              </a:rPr>
-              <a:t> of an object</a:t>
-            </a:r>
-          </a:p>
-          <a:p>
-            <a:r>
-              <a:rPr lang="en-US" sz="2300" dirty="0">
-                <a:latin typeface="Courier New" panose="02070309020205020404" pitchFamily="49" charset="0"/>
-                <a:cs typeface="Courier New" panose="02070309020205020404" pitchFamily="49" charset="0"/>
-              </a:rPr>
-              <a:t>Ora stats [owner.]&lt;</a:t>
-            </a:r>
-            <a:r>
-              <a:rPr lang="en-US" sz="2300" dirty="0" err="1">
-                <a:latin typeface="Courier New" panose="02070309020205020404" pitchFamily="49" charset="0"/>
-                <a:cs typeface="Courier New" panose="02070309020205020404" pitchFamily="49" charset="0"/>
-              </a:rPr>
-              <a:t>table_name</a:t>
-            </a:r>
-            <a:r>
-              <a:rPr lang="en-US" sz="2300" dirty="0">
-                <a:latin typeface="Courier New" panose="02070309020205020404" pitchFamily="49" charset="0"/>
-                <a:cs typeface="Courier New" panose="02070309020205020404" pitchFamily="49" charset="0"/>
-              </a:rPr>
-              <a:t>&gt; [-advise]: show table stats or run statistics advisor</a:t>
-            </a:r>
-          </a:p>
-          <a:p>
-            <a:r>
-              <a:rPr lang="en-US" sz="2300" dirty="0">
-                <a:latin typeface="Courier New" panose="02070309020205020404" pitchFamily="49" charset="0"/>
-                <a:cs typeface="Courier New" panose="02070309020205020404" pitchFamily="49" charset="0"/>
-              </a:rPr>
-              <a:t>Ora histogram [owner.]&lt;</a:t>
-            </a:r>
-            <a:r>
-              <a:rPr lang="en-US" sz="2300" dirty="0" err="1">
-                <a:latin typeface="Courier New" panose="02070309020205020404" pitchFamily="49" charset="0"/>
-                <a:cs typeface="Courier New" panose="02070309020205020404" pitchFamily="49" charset="0"/>
-              </a:rPr>
-              <a:t>table_name</a:t>
-            </a:r>
-            <a:r>
-              <a:rPr lang="en-US" sz="2300" dirty="0">
-                <a:latin typeface="Courier New" panose="02070309020205020404" pitchFamily="49" charset="0"/>
-                <a:cs typeface="Courier New" panose="02070309020205020404" pitchFamily="49" charset="0"/>
-              </a:rPr>
-              <a:t>&gt; &lt;column&gt; […]: Show/change histogram of a column</a:t>
-            </a:r>
-          </a:p>
-          <a:p>
-            <a:r>
-              <a:rPr lang="en-US" sz="2300" dirty="0">
-                <a:latin typeface="Courier New" panose="02070309020205020404" pitchFamily="49" charset="0"/>
-                <a:cs typeface="Courier New" panose="02070309020205020404" pitchFamily="49" charset="0"/>
-              </a:rPr>
-              <a:t>Ora </a:t>
-            </a:r>
-            <a:r>
-              <a:rPr lang="en-US" sz="2300" dirty="0" err="1">
-                <a:latin typeface="Courier New" panose="02070309020205020404" pitchFamily="49" charset="0"/>
-                <a:cs typeface="Courier New" panose="02070309020205020404" pitchFamily="49" charset="0"/>
-              </a:rPr>
-              <a:t>spd</a:t>
-            </a:r>
-            <a:r>
-              <a:rPr lang="en-US" sz="2300" dirty="0">
-                <a:latin typeface="Courier New" panose="02070309020205020404" pitchFamily="49" charset="0"/>
-                <a:cs typeface="Courier New" panose="02070309020205020404" pitchFamily="49" charset="0"/>
-              </a:rPr>
-              <a:t> [owner.]&lt;</a:t>
-            </a:r>
-            <a:r>
-              <a:rPr lang="en-US" sz="2300" dirty="0" err="1">
-                <a:latin typeface="Courier New" panose="02070309020205020404" pitchFamily="49" charset="0"/>
-                <a:cs typeface="Courier New" panose="02070309020205020404" pitchFamily="49" charset="0"/>
-              </a:rPr>
-              <a:t>table_name</a:t>
-            </a:r>
-            <a:r>
-              <a:rPr lang="en-US" sz="2300" dirty="0">
-                <a:latin typeface="Courier New" panose="02070309020205020404" pitchFamily="49" charset="0"/>
-                <a:cs typeface="Courier New" panose="02070309020205020404" pitchFamily="49" charset="0"/>
-              </a:rPr>
-              <a:t>&gt;: show SPD information of an object</a:t>
-            </a:r>
-          </a:p>
-          <a:p>
-            <a:r>
-              <a:rPr lang="en-US" sz="2300" dirty="0">
-                <a:latin typeface="Courier New" panose="02070309020205020404" pitchFamily="49" charset="0"/>
-                <a:cs typeface="Courier New" panose="02070309020205020404" pitchFamily="49" charset="0"/>
-              </a:rPr>
-              <a:t>Ora/sys </a:t>
-            </a:r>
-            <a:r>
-              <a:rPr lang="en-US" sz="2300" dirty="0" err="1">
-                <a:latin typeface="Courier New" panose="02070309020205020404" pitchFamily="49" charset="0"/>
-                <a:cs typeface="Courier New" panose="02070309020205020404" pitchFamily="49" charset="0"/>
-              </a:rPr>
-              <a:t>liblock</a:t>
-            </a:r>
-            <a:r>
-              <a:rPr lang="en-US" sz="2300" dirty="0">
-                <a:latin typeface="Courier New" panose="02070309020205020404" pitchFamily="49" charset="0"/>
-                <a:cs typeface="Courier New" panose="02070309020205020404" pitchFamily="49" charset="0"/>
-              </a:rPr>
-              <a:t> [[owner.]&lt;</a:t>
-            </a:r>
-            <a:r>
-              <a:rPr lang="en-US" sz="2300" dirty="0" err="1">
-                <a:latin typeface="Courier New" panose="02070309020205020404" pitchFamily="49" charset="0"/>
-                <a:cs typeface="Courier New" panose="02070309020205020404" pitchFamily="49" charset="0"/>
-              </a:rPr>
-              <a:t>object_name</a:t>
-            </a:r>
-            <a:r>
-              <a:rPr lang="en-US" sz="2300" dirty="0">
-                <a:latin typeface="Courier New" panose="02070309020205020404" pitchFamily="49" charset="0"/>
-                <a:cs typeface="Courier New" panose="02070309020205020404" pitchFamily="49" charset="0"/>
-              </a:rPr>
-              <a:t>&gt;]: show library cache lock</a:t>
-            </a:r>
-          </a:p>
-          <a:p>
-            <a:r>
-              <a:rPr lang="en-US" sz="2300" dirty="0">
-                <a:latin typeface="Courier New" panose="02070309020205020404" pitchFamily="49" charset="0"/>
-                <a:cs typeface="Courier New" panose="02070309020205020404" pitchFamily="49" charset="0"/>
-              </a:rPr>
-              <a:t>Show </a:t>
-            </a:r>
-            <a:r>
-              <a:rPr lang="en-US" sz="2300" dirty="0" err="1">
-                <a:latin typeface="Courier New" panose="02070309020205020404" pitchFamily="49" charset="0"/>
-                <a:cs typeface="Courier New" panose="02070309020205020404" pitchFamily="49" charset="0"/>
-              </a:rPr>
-              <a:t>lockobj</a:t>
-            </a:r>
-            <a:r>
-              <a:rPr lang="en-US" sz="2300" dirty="0">
-                <a:latin typeface="Courier New" panose="02070309020205020404" pitchFamily="49" charset="0"/>
-                <a:cs typeface="Courier New" panose="02070309020205020404" pitchFamily="49" charset="0"/>
-              </a:rPr>
-              <a:t>: show DML lock information</a:t>
-            </a:r>
-          </a:p>
-          <a:p>
-            <a:r>
-              <a:rPr lang="en-US" sz="2300" dirty="0">
-                <a:latin typeface="Courier New" panose="02070309020205020404" pitchFamily="49" charset="0"/>
-                <a:cs typeface="Courier New" panose="02070309020205020404" pitchFamily="49" charset="0"/>
-              </a:rPr>
-              <a:t>Show waiters: show blocking information</a:t>
-            </a:r>
-          </a:p>
-          <a:p>
-            <a:r>
-              <a:rPr lang="en-US" sz="2300" dirty="0">
-                <a:latin typeface="Courier New" panose="02070309020205020404" pitchFamily="49" charset="0"/>
-                <a:cs typeface="Courier New" panose="02070309020205020404" pitchFamily="49" charset="0"/>
-              </a:rPr>
-              <a:t>Show </a:t>
-            </a:r>
-            <a:r>
-              <a:rPr lang="en-US" sz="2300" dirty="0" err="1">
-                <a:latin typeface="Courier New" panose="02070309020205020404" pitchFamily="49" charset="0"/>
-                <a:cs typeface="Courier New" panose="02070309020205020404" pitchFamily="49" charset="0"/>
-              </a:rPr>
-              <a:t>waitchain</a:t>
-            </a:r>
-            <a:r>
-              <a:rPr lang="en-US" sz="2300" dirty="0">
-                <a:latin typeface="Courier New" panose="02070309020205020404" pitchFamily="49" charset="0"/>
-                <a:cs typeface="Courier New" panose="02070309020205020404" pitchFamily="49" charset="0"/>
-              </a:rPr>
-              <a:t>: show blocking information</a:t>
-            </a:r>
-          </a:p>
-          <a:p>
-            <a:r>
-              <a:rPr lang="en-US" sz="2300" dirty="0">
-                <a:latin typeface="Courier New" panose="02070309020205020404" pitchFamily="49" charset="0"/>
-                <a:cs typeface="Courier New" panose="02070309020205020404" pitchFamily="49" charset="0"/>
-              </a:rPr>
-              <a:t>Show trans: show running transactions</a:t>
-            </a:r>
-          </a:p>
-          <a:p>
-            <a:endParaRPr lang="en-US" dirty="0"/>
-          </a:p>
-          <a:p>
-            <a:endParaRPr lang="en-US" dirty="0"/>
+                  <a:schemeClr val="accent1">
+                    <a:lumMod val="75000"/>
+                  </a:schemeClr>
+                </a:solidFill>
+              </a:rPr>
+              <a:t>reload</a:t>
+            </a:r>
+            <a:r>
+              <a:rPr lang="en-US" dirty="0"/>
+              <a:t>: reset DBCLI into initial state</a:t>
+            </a:r>
+          </a:p>
+          <a:p>
+            <a:r>
+              <a:rPr lang="en-US" dirty="0"/>
+              <a:t>Command </a:t>
+            </a:r>
+            <a:r>
+              <a:rPr lang="en-US" b="1" dirty="0">
+                <a:solidFill>
+                  <a:schemeClr val="accent1">
+                    <a:lumMod val="75000"/>
+                  </a:schemeClr>
+                </a:solidFill>
+              </a:rPr>
+              <a:t>keymap</a:t>
+            </a:r>
+            <a:r>
+              <a:rPr lang="en-US" dirty="0"/>
+              <a:t>: show or define keymap</a:t>
+            </a:r>
+          </a:p>
+          <a:p>
+            <a:r>
+              <a:rPr lang="en-US" dirty="0"/>
+              <a:t>Command </a:t>
+            </a:r>
+            <a:r>
+              <a:rPr lang="en-US" b="1" dirty="0">
+                <a:solidFill>
+                  <a:schemeClr val="accent1">
+                    <a:lumMod val="75000"/>
+                  </a:schemeClr>
+                </a:solidFill>
+              </a:rPr>
+              <a:t>search</a:t>
+            </a:r>
+            <a:r>
+              <a:rPr lang="en-US" dirty="0"/>
+              <a:t>: search all source code and print the lines that match the input keyword</a:t>
+            </a:r>
+          </a:p>
+          <a:p>
+            <a:r>
+              <a:rPr lang="en-US" dirty="0"/>
+              <a:t>Some SQL*Plus commands:</a:t>
+            </a:r>
+          </a:p>
+          <a:p>
+            <a:pPr lvl="1"/>
+            <a:r>
+              <a:rPr lang="en-US" dirty="0"/>
+              <a:t>CONNECT or CONN</a:t>
+            </a:r>
+          </a:p>
+          <a:p>
+            <a:pPr lvl="1"/>
+            <a:r>
+              <a:rPr lang="en-US" dirty="0"/>
+              <a:t>DISCONNECT or DISC</a:t>
+            </a:r>
+          </a:p>
+          <a:p>
+            <a:pPr lvl="1"/>
+            <a:r>
+              <a:rPr lang="en-US" dirty="0"/>
+              <a:t>DESCRIBE or DESC</a:t>
+            </a:r>
+          </a:p>
+          <a:p>
+            <a:pPr lvl="1"/>
+            <a:r>
+              <a:rPr lang="en-US" dirty="0"/>
+              <a:t>ACCEPT or ACC</a:t>
+            </a:r>
+          </a:p>
+          <a:p>
+            <a:pPr lvl="1"/>
+            <a:r>
+              <a:rPr lang="en-US" dirty="0"/>
+              <a:t>HOST or !</a:t>
+            </a:r>
+          </a:p>
+          <a:p>
+            <a:pPr lvl="1"/>
+            <a:r>
+              <a:rPr lang="en-US" dirty="0"/>
+              <a:t>PRINT  or PRI</a:t>
+            </a:r>
+          </a:p>
+          <a:p>
+            <a:pPr lvl="1"/>
+            <a:r>
+              <a:rPr lang="en-US" dirty="0"/>
+              <a:t>SPOOL or SPO</a:t>
+            </a:r>
+          </a:p>
+          <a:p>
+            <a:pPr lvl="1"/>
+            <a:r>
+              <a:rPr lang="en-US" dirty="0"/>
+              <a:t>SAVE</a:t>
+            </a:r>
+          </a:p>
+          <a:p>
+            <a:pPr lvl="1"/>
+            <a:r>
+              <a:rPr lang="en-US" dirty="0"/>
+              <a:t>ED or EDIT</a:t>
+            </a:r>
+          </a:p>
+          <a:p>
+            <a:pPr lvl="1"/>
+            <a:r>
+              <a:rPr lang="en-US" dirty="0"/>
+              <a:t>/ or r</a:t>
+            </a:r>
+          </a:p>
+          <a:p>
+            <a:r>
+              <a:rPr lang="en-US" dirty="0"/>
+              <a:t>Type help –a or set for more commands</a:t>
+            </a:r>
           </a:p>
         </p:txBody>
       </p:sp>
     </p:spTree>
     <p:extLst>
       <p:ext uri="{BB962C8B-B14F-4D97-AF65-F5344CB8AC3E}">
-        <p14:creationId xmlns:p14="http://schemas.microsoft.com/office/powerpoint/2010/main" val="2093610832"/>
+        <p14:creationId xmlns:p14="http://schemas.microsoft.com/office/powerpoint/2010/main" val="1759693774"/>
       </p:ext>
     </p:extLst>
   </p:cSld>
@@ -18142,6 +17421,1445 @@
       </p:grpSpPr>
       <p:sp>
         <p:nvSpPr>
+          <p:cNvPr id="2" name="标题 1">
+            <a:extLst>
+              <a:ext uri="{FF2B5EF4-FFF2-40B4-BE49-F238E27FC236}">
+                <a16:creationId xmlns:a16="http://schemas.microsoft.com/office/drawing/2014/main" id="{103ADC8E-7DB0-4A5F-B20A-213DEBB09B8B}"/>
+              </a:ext>
+            </a:extLst>
+          </p:cNvPr>
+          <p:cNvSpPr>
+            <a:spLocks noGrp="1"/>
+          </p:cNvSpPr>
+          <p:nvPr>
+            <p:ph type="title"/>
+          </p:nvPr>
+        </p:nvSpPr>
+        <p:spPr>
+          <a:xfrm>
+            <a:off x="838200" y="107217"/>
+            <a:ext cx="10515600" cy="760291"/>
+          </a:xfrm>
+        </p:spPr>
+        <p:txBody>
+          <a:bodyPr/>
+          <a:lstStyle/>
+          <a:p>
+            <a:r>
+              <a:rPr lang="en-US" dirty="0"/>
+              <a:t>Scripting Engines</a:t>
+            </a:r>
+          </a:p>
+        </p:txBody>
+      </p:sp>
+      <p:sp>
+        <p:nvSpPr>
+          <p:cNvPr id="3" name="内容占位符 2">
+            <a:extLst>
+              <a:ext uri="{FF2B5EF4-FFF2-40B4-BE49-F238E27FC236}">
+                <a16:creationId xmlns:a16="http://schemas.microsoft.com/office/drawing/2014/main" id="{12A8C3A4-5FC5-430E-84E9-939E6E40B8FF}"/>
+              </a:ext>
+            </a:extLst>
+          </p:cNvPr>
+          <p:cNvSpPr>
+            <a:spLocks noGrp="1"/>
+          </p:cNvSpPr>
+          <p:nvPr>
+            <p:ph idx="1"/>
+          </p:nvPr>
+        </p:nvSpPr>
+        <p:spPr>
+          <a:xfrm>
+            <a:off x="838200" y="976923"/>
+            <a:ext cx="10515600" cy="5541107"/>
+          </a:xfrm>
+        </p:spPr>
+        <p:txBody>
+          <a:bodyPr>
+            <a:normAutofit fontScale="55000" lnSpcReduction="20000"/>
+          </a:bodyPr>
+          <a:lstStyle/>
+          <a:p>
+            <a:r>
+              <a:rPr lang="en-US" dirty="0"/>
+              <a:t>Input parameter names are from </a:t>
+            </a:r>
+            <a:r>
+              <a:rPr lang="en-US" b="1" dirty="0">
+                <a:solidFill>
+                  <a:schemeClr val="accent1">
+                    <a:lumMod val="75000"/>
+                  </a:schemeClr>
+                </a:solidFill>
+              </a:rPr>
+              <a:t>:V1</a:t>
+            </a:r>
+            <a:r>
+              <a:rPr lang="en-US" dirty="0"/>
+              <a:t>(or </a:t>
+            </a:r>
+            <a:r>
+              <a:rPr lang="en-US" altLang="zh-CN" dirty="0">
+                <a:solidFill>
+                  <a:schemeClr val="accent1">
+                    <a:lumMod val="75000"/>
+                  </a:schemeClr>
+                </a:solidFill>
+              </a:rPr>
+              <a:t>&amp;V1</a:t>
+            </a:r>
+            <a:r>
+              <a:rPr lang="en-US" dirty="0"/>
+              <a:t>) to </a:t>
+            </a:r>
+            <a:r>
+              <a:rPr lang="en-US" dirty="0">
+                <a:solidFill>
+                  <a:schemeClr val="accent1">
+                    <a:lumMod val="75000"/>
+                  </a:schemeClr>
+                </a:solidFill>
+              </a:rPr>
+              <a:t>:V20</a:t>
+            </a:r>
+            <a:r>
+              <a:rPr lang="en-US" dirty="0"/>
+              <a:t>(or </a:t>
+            </a:r>
+            <a:r>
+              <a:rPr lang="en-US" b="1" dirty="0">
+                <a:solidFill>
+                  <a:schemeClr val="accent1">
+                    <a:lumMod val="75000"/>
+                  </a:schemeClr>
+                </a:solidFill>
+              </a:rPr>
+              <a:t>&amp;V20</a:t>
+            </a:r>
+            <a:r>
+              <a:rPr lang="en-US" dirty="0"/>
+              <a:t>) and case-insensitive, however SQL*Plus is &amp;1…</a:t>
+            </a:r>
+          </a:p>
+          <a:p>
+            <a:r>
+              <a:rPr lang="en-US" dirty="0"/>
+              <a:t>V1 to V20 are all default to null(empty string) and don’t ask mandatory input, however SQL*Plus will ask for input if not specified in the command line.</a:t>
+            </a:r>
+          </a:p>
+          <a:p>
+            <a:r>
+              <a:rPr lang="en-US" dirty="0"/>
+              <a:t>A variable value can be used as either substitution(</a:t>
+            </a:r>
+            <a:r>
+              <a:rPr lang="en-US" b="1" dirty="0">
+                <a:solidFill>
+                  <a:schemeClr val="accent1">
+                    <a:lumMod val="75000"/>
+                  </a:schemeClr>
+                </a:solidFill>
+              </a:rPr>
+              <a:t>&amp;var</a:t>
+            </a:r>
+            <a:r>
+              <a:rPr lang="en-US" dirty="0"/>
+              <a:t>) and  binding(</a:t>
+            </a:r>
+            <a:r>
+              <a:rPr lang="en-US" b="1" dirty="0">
+                <a:solidFill>
+                  <a:schemeClr val="accent1">
+                    <a:lumMod val="75000"/>
+                  </a:schemeClr>
+                </a:solidFill>
+              </a:rPr>
+              <a:t>:var</a:t>
+            </a:r>
+            <a:r>
+              <a:rPr lang="en-US" dirty="0"/>
+              <a:t>)</a:t>
+            </a:r>
+          </a:p>
+          <a:p>
+            <a:r>
+              <a:rPr lang="en-US" dirty="0"/>
+              <a:t>Either input parameter or variable can pre-define default value and options(</a:t>
+            </a:r>
+            <a:r>
+              <a:rPr lang="en-US" b="1" dirty="0">
+                <a:solidFill>
+                  <a:schemeClr val="accent1">
+                    <a:lumMod val="75000"/>
+                  </a:schemeClr>
+                </a:solidFill>
+              </a:rPr>
+              <a:t>-option</a:t>
+            </a:r>
+            <a:r>
+              <a:rPr lang="en-US" dirty="0"/>
+              <a:t>) in the script annotation part(sub-part of the documentation)</a:t>
+            </a:r>
+          </a:p>
+          <a:p>
+            <a:r>
+              <a:rPr lang="en-US" dirty="0"/>
+              <a:t>If an input parameter is dot(</a:t>
+            </a:r>
+            <a:r>
+              <a:rPr lang="en-US" b="1" dirty="0">
+                <a:solidFill>
+                  <a:schemeClr val="accent1">
+                    <a:lumMod val="75000"/>
+                  </a:schemeClr>
+                </a:solidFill>
+              </a:rPr>
+              <a:t>.</a:t>
+            </a:r>
+            <a:r>
+              <a:rPr lang="en-US" dirty="0"/>
+              <a:t>), it means using the default value</a:t>
+            </a:r>
+          </a:p>
+          <a:p>
+            <a:r>
+              <a:rPr lang="en-US" dirty="0"/>
+              <a:t>3 switches can be defined in the annotation part and can be treated as variables: </a:t>
+            </a:r>
+          </a:p>
+          <a:p>
+            <a:pPr lvl="1"/>
+            <a:r>
+              <a:rPr lang="en-US" dirty="0"/>
+              <a:t>Privilege switch(</a:t>
+            </a:r>
+            <a:r>
+              <a:rPr lang="en-US" b="1" dirty="0">
+                <a:solidFill>
+                  <a:schemeClr val="accent1">
+                    <a:lumMod val="75000"/>
+                  </a:schemeClr>
+                </a:solidFill>
+              </a:rPr>
+              <a:t>@</a:t>
+            </a:r>
+            <a:r>
+              <a:rPr lang="en-US" b="1" dirty="0" err="1">
+                <a:solidFill>
+                  <a:schemeClr val="accent1">
+                    <a:lumMod val="75000"/>
+                  </a:schemeClr>
+                </a:solidFill>
+              </a:rPr>
+              <a:t>check_access_</a:t>
+            </a:r>
+            <a:r>
+              <a:rPr lang="en-US" dirty="0" err="1"/>
+              <a:t>xxx</a:t>
+            </a:r>
+            <a:r>
+              <a:rPr lang="en-US" dirty="0"/>
+              <a:t>): auto-choose the first value that matches the required access right</a:t>
+            </a:r>
+          </a:p>
+          <a:p>
+            <a:pPr lvl="1"/>
+            <a:r>
+              <a:rPr lang="en-US" dirty="0"/>
+              <a:t>User switch(</a:t>
+            </a:r>
+            <a:r>
+              <a:rPr lang="en-US" b="1" dirty="0">
+                <a:solidFill>
+                  <a:schemeClr val="accent1">
+                    <a:lumMod val="75000"/>
+                  </a:schemeClr>
+                </a:solidFill>
+              </a:rPr>
+              <a:t>@</a:t>
+            </a:r>
+            <a:r>
+              <a:rPr lang="en-US" b="1" dirty="0" err="1">
+                <a:solidFill>
+                  <a:schemeClr val="accent1">
+                    <a:lumMod val="75000"/>
+                  </a:schemeClr>
+                </a:solidFill>
+              </a:rPr>
+              <a:t>check_user_</a:t>
+            </a:r>
+            <a:r>
+              <a:rPr lang="en-US" dirty="0" err="1"/>
+              <a:t>xxx</a:t>
+            </a:r>
+            <a:r>
+              <a:rPr lang="en-US" dirty="0"/>
+              <a:t>): auto-choose the first value that login user matches  the required user</a:t>
+            </a:r>
+          </a:p>
+          <a:p>
+            <a:pPr lvl="1"/>
+            <a:r>
+              <a:rPr lang="en-US" dirty="0"/>
+              <a:t>Version switch (@other): auto-choose the first value that matches the require db version</a:t>
+            </a:r>
+          </a:p>
+          <a:p>
+            <a:pPr lvl="1"/>
+            <a:r>
+              <a:rPr lang="en-US" dirty="0"/>
+              <a:t>If  the “</a:t>
+            </a:r>
+            <a:r>
+              <a:rPr lang="en-US" b="1" dirty="0">
+                <a:solidFill>
+                  <a:schemeClr val="accent1">
+                    <a:lumMod val="75000"/>
+                  </a:schemeClr>
+                </a:solidFill>
+              </a:rPr>
+              <a:t>default</a:t>
+            </a:r>
+            <a:r>
+              <a:rPr lang="en-US" dirty="0"/>
+              <a:t>” option is not defined in a switch annotation and current login user cannot match any requirement, then the script will exit with an error </a:t>
+            </a:r>
+          </a:p>
+          <a:p>
+            <a:r>
+              <a:rPr lang="en-US" dirty="0"/>
+              <a:t>The life cycle of the VAR/DEFINE/SET settings are script-locally, and don’t affect the global level settings, however in SQL*Plus those are all global, which can mess the variables of different scripts.</a:t>
+            </a:r>
+          </a:p>
+          <a:p>
+            <a:r>
+              <a:rPr lang="en-US" dirty="0"/>
+              <a:t>Engines:</a:t>
+            </a:r>
+          </a:p>
+          <a:p>
+            <a:pPr lvl="1"/>
+            <a:r>
+              <a:rPr lang="en-US" dirty="0"/>
+              <a:t>SQL*Plus-style engine: does not support all SQL*Plus syntax, but supports all commands that dbcli provides(</a:t>
+            </a:r>
+            <a:r>
+              <a:rPr lang="en-US" b="1" dirty="0">
+                <a:solidFill>
+                  <a:schemeClr val="accent1">
+                    <a:lumMod val="75000"/>
+                  </a:schemeClr>
+                </a:solidFill>
+              </a:rPr>
+              <a:t>help -a </a:t>
+            </a:r>
+            <a:r>
+              <a:rPr lang="en-US" dirty="0"/>
+              <a:t>to list all supported commands)</a:t>
+            </a:r>
+          </a:p>
+          <a:p>
+            <a:pPr lvl="2"/>
+            <a:r>
+              <a:rPr lang="en-US" b="1" dirty="0">
+                <a:solidFill>
+                  <a:schemeClr val="accent1">
+                    <a:lumMod val="75000"/>
+                  </a:schemeClr>
+                </a:solidFill>
+              </a:rPr>
+              <a:t>Show</a:t>
+            </a:r>
+            <a:r>
+              <a:rPr lang="en-US" dirty="0"/>
+              <a:t>:  Executes the pre-defined scripts that don’t require any input parameter</a:t>
+            </a:r>
+          </a:p>
+          <a:p>
+            <a:pPr lvl="2"/>
+            <a:r>
+              <a:rPr lang="en-US" b="1" dirty="0">
+                <a:solidFill>
+                  <a:schemeClr val="accent1">
+                    <a:lumMod val="75000"/>
+                  </a:schemeClr>
+                </a:solidFill>
+              </a:rPr>
+              <a:t>Ora</a:t>
+            </a:r>
+            <a:r>
+              <a:rPr lang="en-US" dirty="0"/>
+              <a:t>: Executes the pre-defined scripts that accept parameters</a:t>
+            </a:r>
+          </a:p>
+          <a:p>
+            <a:pPr lvl="2"/>
+            <a:r>
+              <a:rPr lang="en-US" b="1" dirty="0">
+                <a:solidFill>
+                  <a:schemeClr val="accent1">
+                    <a:lumMod val="75000"/>
+                  </a:schemeClr>
+                </a:solidFill>
+              </a:rPr>
+              <a:t>SYS</a:t>
+            </a:r>
+            <a:r>
+              <a:rPr lang="en-US" dirty="0"/>
+              <a:t>: Similar to Ora, but executes the pre-defined scripts that refer to x$ table</a:t>
+            </a:r>
+          </a:p>
+          <a:p>
+            <a:pPr lvl="2"/>
+            <a:r>
+              <a:rPr lang="en-US" b="1" dirty="0">
+                <a:solidFill>
+                  <a:schemeClr val="accent1">
+                    <a:lumMod val="75000"/>
+                  </a:schemeClr>
+                </a:solidFill>
+              </a:rPr>
+              <a:t>EXA</a:t>
+            </a:r>
+            <a:r>
+              <a:rPr lang="en-US" dirty="0"/>
+              <a:t>: Similar to Ora, but executes the pre-defined scripts that to query Exadata information</a:t>
+            </a:r>
+          </a:p>
+          <a:p>
+            <a:pPr lvl="1"/>
+            <a:r>
+              <a:rPr lang="en-US" dirty="0"/>
+              <a:t>Snapper engine(</a:t>
+            </a:r>
+            <a:r>
+              <a:rPr lang="en-US" b="1" dirty="0">
+                <a:solidFill>
+                  <a:schemeClr val="accent1">
+                    <a:lumMod val="75000"/>
+                  </a:schemeClr>
+                </a:solidFill>
+              </a:rPr>
+              <a:t>snap</a:t>
+            </a:r>
+            <a:r>
+              <a:rPr lang="en-US" dirty="0"/>
+              <a:t>):</a:t>
+            </a:r>
+            <a:r>
+              <a:rPr lang="zh-CN" altLang="en-US" dirty="0"/>
+              <a:t> </a:t>
+            </a:r>
+            <a:r>
+              <a:rPr lang="en-US" altLang="zh-CN" dirty="0"/>
+              <a:t>JSON/Lua format, to compute the delta values of the same queries in a specific period, support Linux top-style output</a:t>
+            </a:r>
+          </a:p>
+          <a:p>
+            <a:pPr lvl="1"/>
+            <a:r>
+              <a:rPr lang="en-US" dirty="0"/>
+              <a:t>Graphing engine(</a:t>
+            </a:r>
+            <a:r>
+              <a:rPr lang="en-US" b="1" dirty="0">
+                <a:solidFill>
+                  <a:schemeClr val="accent1">
+                    <a:lumMod val="75000"/>
+                  </a:schemeClr>
+                </a:solidFill>
+              </a:rPr>
+              <a:t>chart/</a:t>
+            </a:r>
+            <a:r>
+              <a:rPr lang="en-US" b="1" dirty="0" err="1">
+                <a:solidFill>
+                  <a:schemeClr val="accent1">
+                    <a:lumMod val="75000"/>
+                  </a:schemeClr>
+                </a:solidFill>
+              </a:rPr>
+              <a:t>ch</a:t>
+            </a:r>
+            <a:r>
+              <a:rPr lang="en-US" dirty="0"/>
+              <a:t>): </a:t>
+            </a:r>
+            <a:r>
+              <a:rPr lang="en-US" altLang="zh-CN" dirty="0"/>
+              <a:t>JSON/Lua format, to</a:t>
+            </a:r>
+            <a:r>
+              <a:rPr lang="en-US" dirty="0"/>
+              <a:t> generate line/bar chart of the time-series data, mainly used on AWR data</a:t>
+            </a:r>
+          </a:p>
+        </p:txBody>
+      </p:sp>
+    </p:spTree>
+    <p:extLst>
+      <p:ext uri="{BB962C8B-B14F-4D97-AF65-F5344CB8AC3E}">
+        <p14:creationId xmlns:p14="http://schemas.microsoft.com/office/powerpoint/2010/main" val="1687118102"/>
+      </p:ext>
+    </p:extLst>
+  </p:cSld>
+  <p:clrMapOvr>
+    <a:masterClrMapping/>
+  </p:clrMapOvr>
+</p:sld>
+</file>
+
+<file path=ppt/slides/slide41.xml><?xml version="1.0" encoding="utf-8"?>
+<p:sld xmlns:a="http://schemas.openxmlformats.org/drawingml/2006/main" xmlns:r="http://schemas.openxmlformats.org/officeDocument/2006/relationships" xmlns:p="http://schemas.openxmlformats.org/presentationml/2006/main">
+  <p:cSld>
+    <p:spTree>
+      <p:nvGrpSpPr>
+        <p:cNvPr id="1" name=""/>
+        <p:cNvGrpSpPr/>
+        <p:nvPr/>
+      </p:nvGrpSpPr>
+      <p:grpSpPr>
+        <a:xfrm>
+          <a:off x="0" y="0"/>
+          <a:ext cx="0" cy="0"/>
+          <a:chOff x="0" y="0"/>
+          <a:chExt cx="0" cy="0"/>
+        </a:xfrm>
+      </p:grpSpPr>
+      <p:sp>
+        <p:nvSpPr>
+          <p:cNvPr id="2" name="标题 1">
+            <a:extLst>
+              <a:ext uri="{FF2B5EF4-FFF2-40B4-BE49-F238E27FC236}">
+                <a16:creationId xmlns:a16="http://schemas.microsoft.com/office/drawing/2014/main" id="{62074AD1-1FE7-4190-9345-65532ED6F564}"/>
+              </a:ext>
+            </a:extLst>
+          </p:cNvPr>
+          <p:cNvSpPr>
+            <a:spLocks noGrp="1"/>
+          </p:cNvSpPr>
+          <p:nvPr>
+            <p:ph type="title"/>
+          </p:nvPr>
+        </p:nvSpPr>
+        <p:spPr>
+          <a:xfrm>
+            <a:off x="838200" y="156308"/>
+            <a:ext cx="10515600" cy="593970"/>
+          </a:xfrm>
+        </p:spPr>
+        <p:txBody>
+          <a:bodyPr>
+            <a:normAutofit fontScale="90000"/>
+          </a:bodyPr>
+          <a:lstStyle/>
+          <a:p>
+            <a:r>
+              <a:rPr lang="en-US" dirty="0"/>
+              <a:t>Common Pre-defined Scripts (1)</a:t>
+            </a:r>
+          </a:p>
+        </p:txBody>
+      </p:sp>
+      <p:sp>
+        <p:nvSpPr>
+          <p:cNvPr id="3" name="内容占位符 2">
+            <a:extLst>
+              <a:ext uri="{FF2B5EF4-FFF2-40B4-BE49-F238E27FC236}">
+                <a16:creationId xmlns:a16="http://schemas.microsoft.com/office/drawing/2014/main" id="{0F62E6C0-2DDF-4F51-A1B5-1DA4F66A4097}"/>
+              </a:ext>
+            </a:extLst>
+          </p:cNvPr>
+          <p:cNvSpPr>
+            <a:spLocks noGrp="1"/>
+          </p:cNvSpPr>
+          <p:nvPr>
+            <p:ph idx="1"/>
+          </p:nvPr>
+        </p:nvSpPr>
+        <p:spPr>
+          <a:xfrm>
+            <a:off x="838200" y="859692"/>
+            <a:ext cx="10515600" cy="5841999"/>
+          </a:xfrm>
+        </p:spPr>
+        <p:txBody>
+          <a:bodyPr>
+            <a:normAutofit fontScale="40000" lnSpcReduction="20000"/>
+          </a:bodyPr>
+          <a:lstStyle/>
+          <a:p>
+            <a:pPr marL="0" indent="0">
+              <a:buNone/>
+            </a:pPr>
+            <a:r>
+              <a:rPr lang="en-US" b="1" dirty="0">
+                <a:solidFill>
+                  <a:srgbClr val="FF0000"/>
+                </a:solidFill>
+              </a:rPr>
+              <a:t>*  Note</a:t>
+            </a:r>
+            <a:r>
+              <a:rPr lang="en-US" b="1" dirty="0"/>
+              <a:t>: </a:t>
+            </a:r>
+            <a:r>
+              <a:rPr lang="en-US" b="1" dirty="0">
+                <a:solidFill>
+                  <a:schemeClr val="accent1">
+                    <a:lumMod val="75000"/>
+                  </a:schemeClr>
+                </a:solidFill>
+              </a:rPr>
+              <a:t>[…]</a:t>
+            </a:r>
+            <a:r>
+              <a:rPr lang="en-US" b="1" dirty="0"/>
+              <a:t> means optional, </a:t>
+            </a:r>
+            <a:r>
+              <a:rPr lang="en-US" b="1" dirty="0">
+                <a:solidFill>
+                  <a:srgbClr val="0070C0"/>
+                </a:solidFill>
+              </a:rPr>
+              <a:t>|</a:t>
+            </a:r>
+            <a:r>
+              <a:rPr lang="en-US" b="1" dirty="0"/>
+              <a:t> means “OR”</a:t>
+            </a:r>
+          </a:p>
+          <a:p>
+            <a:r>
+              <a:rPr lang="en-US" sz="2300" dirty="0">
+                <a:latin typeface="Courier New" panose="02070309020205020404" pitchFamily="49" charset="0"/>
+                <a:cs typeface="Courier New" panose="02070309020205020404" pitchFamily="49" charset="0"/>
+              </a:rPr>
+              <a:t>top [interval] [-</a:t>
+            </a:r>
+            <a:r>
+              <a:rPr lang="en-US" sz="2300" dirty="0" err="1">
+                <a:latin typeface="Courier New" panose="02070309020205020404" pitchFamily="49" charset="0"/>
+                <a:cs typeface="Courier New" panose="02070309020205020404" pitchFamily="49" charset="0"/>
+              </a:rPr>
+              <a:t>iostat</a:t>
+            </a:r>
+            <a:r>
+              <a:rPr lang="en-US" sz="2300" dirty="0">
+                <a:latin typeface="Courier New" panose="02070309020205020404" pitchFamily="49" charset="0"/>
+                <a:cs typeface="Courier New" panose="02070309020205020404" pitchFamily="49" charset="0"/>
+              </a:rPr>
+              <a:t>|-latch] [-</a:t>
+            </a:r>
+            <a:r>
+              <a:rPr lang="en-US" sz="2300" dirty="0" err="1">
+                <a:latin typeface="Courier New" panose="02070309020205020404" pitchFamily="49" charset="0"/>
+                <a:cs typeface="Courier New" panose="02070309020205020404" pitchFamily="49" charset="0"/>
+              </a:rPr>
+              <a:t>filestat</a:t>
+            </a:r>
+            <a:r>
+              <a:rPr lang="en-US" sz="2300" dirty="0">
+                <a:latin typeface="Courier New" panose="02070309020205020404" pitchFamily="49" charset="0"/>
+                <a:cs typeface="Courier New" panose="02070309020205020404" pitchFamily="49" charset="0"/>
+              </a:rPr>
+              <a:t>]: monitor db stats with specific interval, default is 10 seconds</a:t>
+            </a:r>
+          </a:p>
+          <a:p>
+            <a:r>
+              <a:rPr lang="en-US" sz="2300" dirty="0" err="1">
+                <a:latin typeface="Courier New" panose="02070309020205020404" pitchFamily="49" charset="0"/>
+                <a:cs typeface="Courier New" panose="02070309020205020404" pitchFamily="49" charset="0"/>
+              </a:rPr>
+              <a:t>cellio</a:t>
+            </a:r>
+            <a:r>
+              <a:rPr lang="en-US" sz="2300" dirty="0">
+                <a:latin typeface="Courier New" panose="02070309020205020404" pitchFamily="49" charset="0"/>
+                <a:cs typeface="Courier New" panose="02070309020205020404" pitchFamily="49" charset="0"/>
+              </a:rPr>
+              <a:t> [interval] </a:t>
+            </a:r>
+            <a:r>
+              <a:rPr lang="nb-NO" sz="2300" dirty="0">
+                <a:latin typeface="Courier New" panose="02070309020205020404" pitchFamily="49" charset="0"/>
+                <a:cs typeface="Courier New" panose="02070309020205020404" pitchFamily="49" charset="0"/>
+              </a:rPr>
+              <a:t>[-pred|-cc|-db] [-cell] [-diskio] </a:t>
+            </a:r>
+            <a:r>
+              <a:rPr lang="en-US" sz="2300" dirty="0">
+                <a:latin typeface="Courier New" panose="02070309020205020404" pitchFamily="49" charset="0"/>
+                <a:cs typeface="Courier New" panose="02070309020205020404" pitchFamily="49" charset="0"/>
+              </a:rPr>
+              <a:t>: monitor Exadata cell stats with specific interval, default is 20 seconds</a:t>
+            </a:r>
+          </a:p>
+          <a:p>
+            <a:r>
+              <a:rPr lang="en-US" sz="2300" dirty="0">
+                <a:latin typeface="Courier New" panose="02070309020205020404" pitchFamily="49" charset="0"/>
+                <a:cs typeface="Courier New" panose="02070309020205020404" pitchFamily="49" charset="0"/>
+              </a:rPr>
+              <a:t>Exa cell: show Exadata information</a:t>
+            </a:r>
+          </a:p>
+          <a:p>
+            <a:r>
+              <a:rPr lang="en-US" sz="2300" dirty="0">
+                <a:latin typeface="Courier New" panose="02070309020205020404" pitchFamily="49" charset="0"/>
+                <a:cs typeface="Courier New" panose="02070309020205020404" pitchFamily="49" charset="0"/>
+              </a:rPr>
+              <a:t>Ora/sys param &lt;keyword&gt;: show parameters that match the keyword</a:t>
+            </a:r>
+          </a:p>
+          <a:p>
+            <a:r>
+              <a:rPr lang="en-US" sz="2300" dirty="0">
+                <a:latin typeface="Courier New" panose="02070309020205020404" pitchFamily="49" charset="0"/>
+                <a:cs typeface="Courier New" panose="02070309020205020404" pitchFamily="49" charset="0"/>
+              </a:rPr>
+              <a:t>Ora tbs [&lt;</a:t>
+            </a:r>
+            <a:r>
+              <a:rPr lang="en-US" sz="2300" dirty="0" err="1">
+                <a:latin typeface="Courier New" panose="02070309020205020404" pitchFamily="49" charset="0"/>
+                <a:cs typeface="Courier New" panose="02070309020205020404" pitchFamily="49" charset="0"/>
+              </a:rPr>
+              <a:t>tablespace_name</a:t>
+            </a:r>
+            <a:r>
+              <a:rPr lang="en-US" sz="2300" dirty="0">
+                <a:latin typeface="Courier New" panose="02070309020205020404" pitchFamily="49" charset="0"/>
+                <a:cs typeface="Courier New" panose="02070309020205020404" pitchFamily="49" charset="0"/>
+              </a:rPr>
+              <a:t>&gt;]: show tablespace usages</a:t>
+            </a:r>
+          </a:p>
+          <a:p>
+            <a:r>
+              <a:rPr lang="en-US" sz="2300" dirty="0">
+                <a:latin typeface="Courier New" panose="02070309020205020404" pitchFamily="49" charset="0"/>
+                <a:cs typeface="Courier New" panose="02070309020205020404" pitchFamily="49" charset="0"/>
+              </a:rPr>
+              <a:t>ora actives [-b|-p|-m]: list active SQLs</a:t>
+            </a:r>
+          </a:p>
+          <a:p>
+            <a:r>
+              <a:rPr lang="en-US" sz="2300" dirty="0">
+                <a:latin typeface="Courier New" panose="02070309020205020404" pitchFamily="49" charset="0"/>
+                <a:cs typeface="Courier New" panose="02070309020205020404" pitchFamily="49" charset="0"/>
+              </a:rPr>
+              <a:t>ora plan &lt;</a:t>
+            </a:r>
+            <a:r>
+              <a:rPr lang="en-US" sz="2300" dirty="0" err="1">
+                <a:latin typeface="Courier New" panose="02070309020205020404" pitchFamily="49" charset="0"/>
+                <a:cs typeface="Courier New" panose="02070309020205020404" pitchFamily="49" charset="0"/>
+              </a:rPr>
+              <a:t>sql_id</a:t>
+            </a:r>
+            <a:r>
+              <a:rPr lang="en-US" sz="2300" dirty="0">
+                <a:latin typeface="Courier New" panose="02070309020205020404" pitchFamily="49" charset="0"/>
+                <a:cs typeface="Courier New" panose="02070309020205020404" pitchFamily="49" charset="0"/>
+              </a:rPr>
+              <a:t>&gt; &lt;</a:t>
+            </a:r>
+            <a:r>
+              <a:rPr lang="en-US" sz="2300" dirty="0" err="1">
+                <a:latin typeface="Courier New" panose="02070309020205020404" pitchFamily="49" charset="0"/>
+                <a:cs typeface="Courier New" panose="02070309020205020404" pitchFamily="49" charset="0"/>
+              </a:rPr>
+              <a:t>plan_hash_value</a:t>
+            </a:r>
+            <a:r>
+              <a:rPr lang="en-US" sz="2300" dirty="0">
+                <a:latin typeface="Courier New" panose="02070309020205020404" pitchFamily="49" charset="0"/>
+                <a:cs typeface="Courier New" panose="02070309020205020404" pitchFamily="49" charset="0"/>
+              </a:rPr>
+              <a:t>&gt;: show execution plan</a:t>
+            </a:r>
+          </a:p>
+          <a:p>
+            <a:r>
+              <a:rPr lang="en-US" sz="2300" dirty="0">
+                <a:latin typeface="Courier New" panose="02070309020205020404" pitchFamily="49" charset="0"/>
+                <a:cs typeface="Courier New" panose="02070309020205020404" pitchFamily="49" charset="0"/>
+              </a:rPr>
+              <a:t>ora sql &lt;</a:t>
+            </a:r>
+            <a:r>
+              <a:rPr lang="en-US" sz="2300" dirty="0" err="1">
+                <a:latin typeface="Courier New" panose="02070309020205020404" pitchFamily="49" charset="0"/>
+                <a:cs typeface="Courier New" panose="02070309020205020404" pitchFamily="49" charset="0"/>
+              </a:rPr>
+              <a:t>sql_id</a:t>
+            </a:r>
+            <a:r>
+              <a:rPr lang="en-US" sz="2300" dirty="0">
+                <a:latin typeface="Courier New" panose="02070309020205020404" pitchFamily="49" charset="0"/>
+                <a:cs typeface="Courier New" panose="02070309020205020404" pitchFamily="49" charset="0"/>
+              </a:rPr>
+              <a:t>&gt;: show SQL text and stats</a:t>
+            </a:r>
+          </a:p>
+          <a:p>
+            <a:r>
+              <a:rPr lang="en-US" sz="2300" dirty="0">
+                <a:latin typeface="Courier New" panose="02070309020205020404" pitchFamily="49" charset="0"/>
+                <a:cs typeface="Courier New" panose="02070309020205020404" pitchFamily="49" charset="0"/>
+              </a:rPr>
+              <a:t>Ora </a:t>
+            </a:r>
+            <a:r>
+              <a:rPr lang="en-US" sz="2300" dirty="0" err="1">
+                <a:latin typeface="Courier New" panose="02070309020205020404" pitchFamily="49" charset="0"/>
+                <a:cs typeface="Courier New" panose="02070309020205020404" pitchFamily="49" charset="0"/>
+              </a:rPr>
+              <a:t>sqlm</a:t>
+            </a:r>
+            <a:r>
+              <a:rPr lang="en-US" sz="2300" dirty="0">
+                <a:latin typeface="Courier New" panose="02070309020205020404" pitchFamily="49" charset="0"/>
+                <a:cs typeface="Courier New" panose="02070309020205020404" pitchFamily="49" charset="0"/>
+              </a:rPr>
+              <a:t> [&lt;</a:t>
+            </a:r>
+            <a:r>
+              <a:rPr lang="en-US" sz="2300" dirty="0" err="1">
+                <a:latin typeface="Courier New" panose="02070309020205020404" pitchFamily="49" charset="0"/>
+                <a:cs typeface="Courier New" panose="02070309020205020404" pitchFamily="49" charset="0"/>
+              </a:rPr>
+              <a:t>sql_id</a:t>
+            </a:r>
+            <a:r>
+              <a:rPr lang="en-US" sz="2300" dirty="0">
+                <a:latin typeface="Courier New" panose="02070309020205020404" pitchFamily="49" charset="0"/>
+                <a:cs typeface="Courier New" panose="02070309020205020404" pitchFamily="49" charset="0"/>
+              </a:rPr>
+              <a:t>&gt; [</a:t>
+            </a:r>
+            <a:r>
+              <a:rPr lang="en-US" sz="2300" dirty="0" err="1">
+                <a:latin typeface="Courier New" panose="02070309020205020404" pitchFamily="49" charset="0"/>
+                <a:cs typeface="Courier New" panose="02070309020205020404" pitchFamily="49" charset="0"/>
+              </a:rPr>
+              <a:t>sql_exec_id</a:t>
+            </a:r>
+            <a:r>
+              <a:rPr lang="en-US" sz="2300" dirty="0">
+                <a:latin typeface="Courier New" panose="02070309020205020404" pitchFamily="49" charset="0"/>
+                <a:cs typeface="Courier New" panose="02070309020205020404" pitchFamily="49" charset="0"/>
+              </a:rPr>
+              <a:t>][-l]]: show sql monitor list, or extract SQL Monitor report. Type ‘help ora </a:t>
+            </a:r>
+            <a:r>
+              <a:rPr lang="en-US" sz="2300" dirty="0" err="1">
+                <a:latin typeface="Courier New" panose="02070309020205020404" pitchFamily="49" charset="0"/>
+                <a:cs typeface="Courier New" panose="02070309020205020404" pitchFamily="49" charset="0"/>
+              </a:rPr>
+              <a:t>sqlm</a:t>
+            </a:r>
+            <a:r>
+              <a:rPr lang="en-US" sz="2300" dirty="0">
+                <a:latin typeface="Courier New" panose="02070309020205020404" pitchFamily="49" charset="0"/>
+                <a:cs typeface="Courier New" panose="02070309020205020404" pitchFamily="49" charset="0"/>
+              </a:rPr>
+              <a:t>’ for more usages.</a:t>
+            </a:r>
+          </a:p>
+          <a:p>
+            <a:r>
+              <a:rPr lang="en-US" sz="2300" dirty="0">
+                <a:latin typeface="Courier New" panose="02070309020205020404" pitchFamily="49" charset="0"/>
+                <a:cs typeface="Courier New" panose="02070309020205020404" pitchFamily="49" charset="0"/>
+              </a:rPr>
+              <a:t>Ora </a:t>
+            </a:r>
+            <a:r>
+              <a:rPr lang="en-US" sz="2300" dirty="0" err="1">
+                <a:latin typeface="Courier New" panose="02070309020205020404" pitchFamily="49" charset="0"/>
+                <a:cs typeface="Courier New" panose="02070309020205020404" pitchFamily="49" charset="0"/>
+              </a:rPr>
+              <a:t>ashplan</a:t>
+            </a:r>
+            <a:r>
+              <a:rPr lang="en-US" sz="2300" dirty="0">
+                <a:latin typeface="Courier New" panose="02070309020205020404" pitchFamily="49" charset="0"/>
+                <a:cs typeface="Courier New" panose="02070309020205020404" pitchFamily="49" charset="0"/>
+              </a:rPr>
+              <a:t> &lt;</a:t>
+            </a:r>
+            <a:r>
+              <a:rPr lang="en-US" sz="2300" dirty="0" err="1">
+                <a:latin typeface="Courier New" panose="02070309020205020404" pitchFamily="49" charset="0"/>
+                <a:cs typeface="Courier New" panose="02070309020205020404" pitchFamily="49" charset="0"/>
+              </a:rPr>
+              <a:t>sql_id</a:t>
+            </a:r>
+            <a:r>
+              <a:rPr lang="en-US" sz="2300" dirty="0">
+                <a:latin typeface="Courier New" panose="02070309020205020404" pitchFamily="49" charset="0"/>
+                <a:cs typeface="Courier New" panose="02070309020205020404" pitchFamily="49" charset="0"/>
+              </a:rPr>
+              <a:t>&gt; [</a:t>
+            </a:r>
+            <a:r>
+              <a:rPr lang="en-US" sz="2300" dirty="0" err="1">
+                <a:latin typeface="Courier New" panose="02070309020205020404" pitchFamily="49" charset="0"/>
+                <a:cs typeface="Courier New" panose="02070309020205020404" pitchFamily="49" charset="0"/>
+              </a:rPr>
+              <a:t>plan_hash_value</a:t>
+            </a:r>
+            <a:r>
+              <a:rPr lang="en-US" sz="2300" dirty="0">
+                <a:latin typeface="Courier New" panose="02070309020205020404" pitchFamily="49" charset="0"/>
+                <a:cs typeface="Courier New" panose="02070309020205020404" pitchFamily="49" charset="0"/>
+              </a:rPr>
+              <a:t>] [-dash]:</a:t>
+            </a:r>
+            <a:r>
+              <a:rPr lang="zh-CN" altLang="en-US" sz="2300" dirty="0">
+                <a:latin typeface="Courier New" panose="02070309020205020404" pitchFamily="49" charset="0"/>
+                <a:cs typeface="Courier New" panose="02070309020205020404" pitchFamily="49" charset="0"/>
+              </a:rPr>
+              <a:t> </a:t>
+            </a:r>
+            <a:r>
+              <a:rPr lang="en-US" altLang="zh-CN" sz="2300" dirty="0">
+                <a:latin typeface="Courier New" panose="02070309020205020404" pitchFamily="49" charset="0"/>
+                <a:cs typeface="Courier New" panose="02070309020205020404" pitchFamily="49" charset="0"/>
+              </a:rPr>
+              <a:t>show</a:t>
+            </a:r>
+            <a:r>
+              <a:rPr lang="zh-CN" altLang="en-US" sz="2300" dirty="0">
+                <a:latin typeface="Courier New" panose="02070309020205020404" pitchFamily="49" charset="0"/>
+                <a:cs typeface="Courier New" panose="02070309020205020404" pitchFamily="49" charset="0"/>
+              </a:rPr>
+              <a:t> </a:t>
+            </a:r>
+            <a:r>
+              <a:rPr lang="en-US" altLang="zh-CN" sz="2300" dirty="0">
+                <a:latin typeface="Courier New" panose="02070309020205020404" pitchFamily="49" charset="0"/>
+                <a:cs typeface="Courier New" panose="02070309020205020404" pitchFamily="49" charset="0"/>
+              </a:rPr>
+              <a:t>sql plan + aggregated ash cost of all executions of the same </a:t>
+            </a:r>
+            <a:r>
+              <a:rPr lang="en-US" altLang="zh-CN" sz="2300" dirty="0" err="1">
+                <a:latin typeface="Courier New" panose="02070309020205020404" pitchFamily="49" charset="0"/>
+                <a:cs typeface="Courier New" panose="02070309020205020404" pitchFamily="49" charset="0"/>
+              </a:rPr>
+              <a:t>phv</a:t>
+            </a:r>
+            <a:endParaRPr lang="en-US" altLang="zh-CN" sz="2300" dirty="0">
+              <a:latin typeface="Courier New" panose="02070309020205020404" pitchFamily="49" charset="0"/>
+              <a:cs typeface="Courier New" panose="02070309020205020404" pitchFamily="49" charset="0"/>
+            </a:endParaRPr>
+          </a:p>
+          <a:p>
+            <a:r>
+              <a:rPr lang="en-US" sz="2300" dirty="0">
+                <a:latin typeface="Courier New" panose="02070309020205020404" pitchFamily="49" charset="0"/>
+                <a:cs typeface="Courier New" panose="02070309020205020404" pitchFamily="49" charset="0"/>
+              </a:rPr>
+              <a:t>Ora </a:t>
+            </a:r>
+            <a:r>
+              <a:rPr lang="en-US" sz="2300" dirty="0" err="1">
+                <a:latin typeface="Courier New" panose="02070309020205020404" pitchFamily="49" charset="0"/>
+                <a:cs typeface="Courier New" panose="02070309020205020404" pitchFamily="49" charset="0"/>
+              </a:rPr>
+              <a:t>ashchain</a:t>
+            </a:r>
+            <a:r>
+              <a:rPr lang="en-US" sz="2300" dirty="0">
+                <a:latin typeface="Courier New" panose="02070309020205020404" pitchFamily="49" charset="0"/>
+                <a:cs typeface="Courier New" panose="02070309020205020404" pitchFamily="49" charset="0"/>
+              </a:rPr>
+              <a:t> [&lt;</a:t>
+            </a:r>
+            <a:r>
+              <a:rPr lang="en-US" sz="2300" dirty="0" err="1">
+                <a:latin typeface="Courier New" panose="02070309020205020404" pitchFamily="49" charset="0"/>
+                <a:cs typeface="Courier New" panose="02070309020205020404" pitchFamily="49" charset="0"/>
+              </a:rPr>
+              <a:t>sql_id</a:t>
+            </a:r>
+            <a:r>
+              <a:rPr lang="en-US" sz="2300" dirty="0">
+                <a:latin typeface="Courier New" panose="02070309020205020404" pitchFamily="49" charset="0"/>
+                <a:cs typeface="Courier New" panose="02070309020205020404" pitchFamily="49" charset="0"/>
+              </a:rPr>
+              <a:t>&gt;|&lt;sid&gt;] [-sid|-p] [-flat]:  An enhancement of </a:t>
+            </a:r>
+            <a:r>
+              <a:rPr lang="en-US" sz="2300" dirty="0" err="1">
+                <a:latin typeface="Courier New" panose="02070309020205020404" pitchFamily="49" charset="0"/>
+                <a:cs typeface="Courier New" panose="02070309020205020404" pitchFamily="49" charset="0"/>
+              </a:rPr>
+              <a:t>Tanel</a:t>
+            </a:r>
+            <a:r>
+              <a:rPr lang="en-US" sz="2300" dirty="0">
+                <a:latin typeface="Courier New" panose="02070309020205020404" pitchFamily="49" charset="0"/>
+                <a:cs typeface="Courier New" panose="02070309020205020404" pitchFamily="49" charset="0"/>
+              </a:rPr>
+              <a:t> </a:t>
+            </a:r>
+            <a:r>
+              <a:rPr lang="en-US" sz="2300" dirty="0" err="1">
+                <a:latin typeface="Courier New" panose="02070309020205020404" pitchFamily="49" charset="0"/>
+                <a:cs typeface="Courier New" panose="02070309020205020404" pitchFamily="49" charset="0"/>
+              </a:rPr>
+              <a:t>Poder’s</a:t>
+            </a:r>
+            <a:r>
+              <a:rPr lang="en-US" sz="2300" dirty="0">
+                <a:latin typeface="Courier New" panose="02070309020205020404" pitchFamily="49" charset="0"/>
+                <a:cs typeface="Courier New" panose="02070309020205020404" pitchFamily="49" charset="0"/>
+              </a:rPr>
+              <a:t> script to see blocking information of ASH</a:t>
+            </a:r>
+          </a:p>
+          <a:p>
+            <a:r>
+              <a:rPr lang="en-US" sz="2300" dirty="0">
+                <a:latin typeface="Courier New" panose="02070309020205020404" pitchFamily="49" charset="0"/>
+                <a:cs typeface="Courier New" panose="02070309020205020404" pitchFamily="49" charset="0"/>
+              </a:rPr>
+              <a:t>Ora </a:t>
+            </a:r>
+            <a:r>
+              <a:rPr lang="en-US" sz="2300" dirty="0" err="1">
+                <a:latin typeface="Courier New" panose="02070309020205020404" pitchFamily="49" charset="0"/>
+                <a:cs typeface="Courier New" panose="02070309020205020404" pitchFamily="49" charset="0"/>
+              </a:rPr>
+              <a:t>ashtop</a:t>
+            </a:r>
+            <a:r>
+              <a:rPr lang="en-US" sz="2300" dirty="0">
+                <a:latin typeface="Courier New" panose="02070309020205020404" pitchFamily="49" charset="0"/>
+                <a:cs typeface="Courier New" panose="02070309020205020404" pitchFamily="49" charset="0"/>
+              </a:rPr>
+              <a:t> [&lt;</a:t>
+            </a:r>
+            <a:r>
+              <a:rPr lang="en-US" sz="2300" dirty="0" err="1">
+                <a:latin typeface="Courier New" panose="02070309020205020404" pitchFamily="49" charset="0"/>
+                <a:cs typeface="Courier New" panose="02070309020205020404" pitchFamily="49" charset="0"/>
+              </a:rPr>
+              <a:t>sql_id</a:t>
+            </a:r>
+            <a:r>
+              <a:rPr lang="en-US" sz="2300" dirty="0">
+                <a:latin typeface="Courier New" panose="02070309020205020404" pitchFamily="49" charset="0"/>
+                <a:cs typeface="Courier New" panose="02070309020205020404" pitchFamily="49" charset="0"/>
+              </a:rPr>
+              <a:t>&gt;] [-snap &lt;seconds&gt;] [-p|-o]: An enhancement of </a:t>
+            </a:r>
+            <a:r>
+              <a:rPr lang="en-US" sz="2300" dirty="0" err="1">
+                <a:latin typeface="Courier New" panose="02070309020205020404" pitchFamily="49" charset="0"/>
+                <a:cs typeface="Courier New" panose="02070309020205020404" pitchFamily="49" charset="0"/>
+              </a:rPr>
+              <a:t>Tanel</a:t>
+            </a:r>
+            <a:r>
+              <a:rPr lang="en-US" sz="2300" dirty="0">
+                <a:latin typeface="Courier New" panose="02070309020205020404" pitchFamily="49" charset="0"/>
+                <a:cs typeface="Courier New" panose="02070309020205020404" pitchFamily="49" charset="0"/>
+              </a:rPr>
+              <a:t> </a:t>
+            </a:r>
+            <a:r>
+              <a:rPr lang="en-US" sz="2300" dirty="0" err="1">
+                <a:latin typeface="Courier New" panose="02070309020205020404" pitchFamily="49" charset="0"/>
+                <a:cs typeface="Courier New" panose="02070309020205020404" pitchFamily="49" charset="0"/>
+              </a:rPr>
+              <a:t>Poder’s</a:t>
+            </a:r>
+            <a:r>
+              <a:rPr lang="en-US" sz="2300" dirty="0">
+                <a:latin typeface="Courier New" panose="02070309020205020404" pitchFamily="49" charset="0"/>
+                <a:cs typeface="Courier New" panose="02070309020205020404" pitchFamily="49" charset="0"/>
+              </a:rPr>
+              <a:t> script to see blocking information of ASH</a:t>
+            </a:r>
+          </a:p>
+          <a:p>
+            <a:r>
+              <a:rPr lang="en-US" sz="2300" dirty="0">
+                <a:latin typeface="Courier New" panose="02070309020205020404" pitchFamily="49" charset="0"/>
+                <a:cs typeface="Courier New" panose="02070309020205020404" pitchFamily="49" charset="0"/>
+              </a:rPr>
+              <a:t>Ora obj &lt;</a:t>
+            </a:r>
+            <a:r>
+              <a:rPr lang="en-US" sz="2300" dirty="0" err="1">
+                <a:latin typeface="Courier New" panose="02070309020205020404" pitchFamily="49" charset="0"/>
+                <a:cs typeface="Courier New" panose="02070309020205020404" pitchFamily="49" charset="0"/>
+              </a:rPr>
+              <a:t>object_id|data_object_id</a:t>
+            </a:r>
+            <a:r>
+              <a:rPr lang="en-US" sz="2300" dirty="0">
+                <a:latin typeface="Courier New" panose="02070309020205020404" pitchFamily="49" charset="0"/>
+                <a:cs typeface="Courier New" panose="02070309020205020404" pitchFamily="49" charset="0"/>
+              </a:rPr>
+              <a:t>|[owner.]</a:t>
+            </a:r>
+            <a:r>
+              <a:rPr lang="en-US" sz="2300" dirty="0" err="1">
+                <a:latin typeface="Courier New" panose="02070309020205020404" pitchFamily="49" charset="0"/>
+                <a:cs typeface="Courier New" panose="02070309020205020404" pitchFamily="49" charset="0"/>
+              </a:rPr>
+              <a:t>object_name</a:t>
+            </a:r>
+            <a:r>
+              <a:rPr lang="en-US" sz="2300" dirty="0">
+                <a:latin typeface="Courier New" panose="02070309020205020404" pitchFamily="49" charset="0"/>
+                <a:cs typeface="Courier New" panose="02070309020205020404" pitchFamily="49" charset="0"/>
+              </a:rPr>
+              <a:t>&gt;: Show information of an object</a:t>
+            </a:r>
+          </a:p>
+          <a:p>
+            <a:r>
+              <a:rPr lang="en-US" sz="2300" dirty="0">
+                <a:latin typeface="Courier New" panose="02070309020205020404" pitchFamily="49" charset="0"/>
+                <a:cs typeface="Courier New" panose="02070309020205020404" pitchFamily="49" charset="0"/>
+              </a:rPr>
+              <a:t>Ora search &lt;keyword&gt;: search object with specific keyword</a:t>
+            </a:r>
+          </a:p>
+          <a:p>
+            <a:r>
+              <a:rPr lang="en-US" sz="2300" dirty="0">
+                <a:latin typeface="Courier New" panose="02070309020205020404" pitchFamily="49" charset="0"/>
+                <a:cs typeface="Courier New" panose="02070309020205020404" pitchFamily="49" charset="0"/>
+              </a:rPr>
+              <a:t>Ora size [owner.]&lt;</a:t>
+            </a:r>
+            <a:r>
+              <a:rPr lang="en-US" sz="2300" dirty="0" err="1">
+                <a:latin typeface="Courier New" panose="02070309020205020404" pitchFamily="49" charset="0"/>
+                <a:cs typeface="Courier New" panose="02070309020205020404" pitchFamily="49" charset="0"/>
+              </a:rPr>
+              <a:t>object_name</a:t>
+            </a:r>
+            <a:r>
+              <a:rPr lang="en-US" sz="2300" dirty="0">
+                <a:latin typeface="Courier New" panose="02070309020205020404" pitchFamily="49" charset="0"/>
+                <a:cs typeface="Courier New" panose="02070309020205020404" pitchFamily="49" charset="0"/>
+              </a:rPr>
+              <a:t>&gt;: show space usage of an object</a:t>
+            </a:r>
+          </a:p>
+          <a:p>
+            <a:r>
+              <a:rPr lang="en-US" sz="2300" dirty="0">
+                <a:latin typeface="Courier New" panose="02070309020205020404" pitchFamily="49" charset="0"/>
+                <a:cs typeface="Courier New" panose="02070309020205020404" pitchFamily="49" charset="0"/>
+              </a:rPr>
+              <a:t>Ora space [owner.]&lt;</a:t>
+            </a:r>
+            <a:r>
+              <a:rPr lang="en-US" sz="2300" dirty="0" err="1">
+                <a:latin typeface="Courier New" panose="02070309020205020404" pitchFamily="49" charset="0"/>
+                <a:cs typeface="Courier New" panose="02070309020205020404" pitchFamily="49" charset="0"/>
+              </a:rPr>
+              <a:t>object_name</a:t>
+            </a:r>
+            <a:r>
+              <a:rPr lang="en-US" sz="2300" dirty="0">
+                <a:latin typeface="Courier New" panose="02070309020205020404" pitchFamily="49" charset="0"/>
+                <a:cs typeface="Courier New" panose="02070309020205020404" pitchFamily="49" charset="0"/>
+              </a:rPr>
+              <a:t>&gt; [-adv]: show detailed space usage of an object</a:t>
+            </a:r>
+          </a:p>
+          <a:p>
+            <a:r>
+              <a:rPr lang="en-US" sz="2300" dirty="0">
+                <a:latin typeface="Courier New" panose="02070309020205020404" pitchFamily="49" charset="0"/>
+                <a:cs typeface="Courier New" panose="02070309020205020404" pitchFamily="49" charset="0"/>
+              </a:rPr>
+              <a:t>Ora </a:t>
+            </a:r>
+            <a:r>
+              <a:rPr lang="en-US" sz="2300" dirty="0" err="1">
+                <a:latin typeface="Courier New" panose="02070309020205020404" pitchFamily="49" charset="0"/>
+                <a:cs typeface="Courier New" panose="02070309020205020404" pitchFamily="49" charset="0"/>
+              </a:rPr>
+              <a:t>ddl</a:t>
+            </a:r>
+            <a:r>
+              <a:rPr lang="en-US" sz="2300" dirty="0">
+                <a:latin typeface="Courier New" panose="02070309020205020404" pitchFamily="49" charset="0"/>
+                <a:cs typeface="Courier New" panose="02070309020205020404" pitchFamily="49" charset="0"/>
+              </a:rPr>
+              <a:t> [owner.]&lt;</a:t>
+            </a:r>
+            <a:r>
+              <a:rPr lang="en-US" sz="2300" dirty="0" err="1">
+                <a:latin typeface="Courier New" panose="02070309020205020404" pitchFamily="49" charset="0"/>
+                <a:cs typeface="Courier New" panose="02070309020205020404" pitchFamily="49" charset="0"/>
+              </a:rPr>
+              <a:t>object_name</a:t>
+            </a:r>
+            <a:r>
+              <a:rPr lang="en-US" sz="2300" dirty="0">
+                <a:latin typeface="Courier New" panose="02070309020205020404" pitchFamily="49" charset="0"/>
+                <a:cs typeface="Courier New" panose="02070309020205020404" pitchFamily="49" charset="0"/>
+              </a:rPr>
+              <a:t>&gt;: show </a:t>
+            </a:r>
+            <a:r>
+              <a:rPr lang="en-US" sz="2300" dirty="0" err="1">
+                <a:latin typeface="Courier New" panose="02070309020205020404" pitchFamily="49" charset="0"/>
+                <a:cs typeface="Courier New" panose="02070309020205020404" pitchFamily="49" charset="0"/>
+              </a:rPr>
+              <a:t>ddl</a:t>
+            </a:r>
+            <a:r>
+              <a:rPr lang="en-US" sz="2300" dirty="0">
+                <a:latin typeface="Courier New" panose="02070309020205020404" pitchFamily="49" charset="0"/>
+                <a:cs typeface="Courier New" panose="02070309020205020404" pitchFamily="49" charset="0"/>
+              </a:rPr>
+              <a:t> of an object</a:t>
+            </a:r>
+          </a:p>
+          <a:p>
+            <a:r>
+              <a:rPr lang="en-US" sz="2300" dirty="0">
+                <a:latin typeface="Courier New" panose="02070309020205020404" pitchFamily="49" charset="0"/>
+                <a:cs typeface="Courier New" panose="02070309020205020404" pitchFamily="49" charset="0"/>
+              </a:rPr>
+              <a:t>Ora stats [owner.]&lt;</a:t>
+            </a:r>
+            <a:r>
+              <a:rPr lang="en-US" sz="2300" dirty="0" err="1">
+                <a:latin typeface="Courier New" panose="02070309020205020404" pitchFamily="49" charset="0"/>
+                <a:cs typeface="Courier New" panose="02070309020205020404" pitchFamily="49" charset="0"/>
+              </a:rPr>
+              <a:t>table_name</a:t>
+            </a:r>
+            <a:r>
+              <a:rPr lang="en-US" sz="2300" dirty="0">
+                <a:latin typeface="Courier New" panose="02070309020205020404" pitchFamily="49" charset="0"/>
+                <a:cs typeface="Courier New" panose="02070309020205020404" pitchFamily="49" charset="0"/>
+              </a:rPr>
+              <a:t>&gt; [-advise]: show table stats or run statistics advisor</a:t>
+            </a:r>
+          </a:p>
+          <a:p>
+            <a:r>
+              <a:rPr lang="en-US" sz="2300" dirty="0">
+                <a:latin typeface="Courier New" panose="02070309020205020404" pitchFamily="49" charset="0"/>
+                <a:cs typeface="Courier New" panose="02070309020205020404" pitchFamily="49" charset="0"/>
+              </a:rPr>
+              <a:t>Ora histogram [owner.]&lt;</a:t>
+            </a:r>
+            <a:r>
+              <a:rPr lang="en-US" sz="2300" dirty="0" err="1">
+                <a:latin typeface="Courier New" panose="02070309020205020404" pitchFamily="49" charset="0"/>
+                <a:cs typeface="Courier New" panose="02070309020205020404" pitchFamily="49" charset="0"/>
+              </a:rPr>
+              <a:t>table_name</a:t>
+            </a:r>
+            <a:r>
+              <a:rPr lang="en-US" sz="2300" dirty="0">
+                <a:latin typeface="Courier New" panose="02070309020205020404" pitchFamily="49" charset="0"/>
+                <a:cs typeface="Courier New" panose="02070309020205020404" pitchFamily="49" charset="0"/>
+              </a:rPr>
+              <a:t>&gt; &lt;column&gt; […]: Show/change histogram of a column</a:t>
+            </a:r>
+          </a:p>
+          <a:p>
+            <a:r>
+              <a:rPr lang="en-US" sz="2300" dirty="0">
+                <a:latin typeface="Courier New" panose="02070309020205020404" pitchFamily="49" charset="0"/>
+                <a:cs typeface="Courier New" panose="02070309020205020404" pitchFamily="49" charset="0"/>
+              </a:rPr>
+              <a:t>Ora </a:t>
+            </a:r>
+            <a:r>
+              <a:rPr lang="en-US" sz="2300" dirty="0" err="1">
+                <a:latin typeface="Courier New" panose="02070309020205020404" pitchFamily="49" charset="0"/>
+                <a:cs typeface="Courier New" panose="02070309020205020404" pitchFamily="49" charset="0"/>
+              </a:rPr>
+              <a:t>spd</a:t>
+            </a:r>
+            <a:r>
+              <a:rPr lang="en-US" sz="2300" dirty="0">
+                <a:latin typeface="Courier New" panose="02070309020205020404" pitchFamily="49" charset="0"/>
+                <a:cs typeface="Courier New" panose="02070309020205020404" pitchFamily="49" charset="0"/>
+              </a:rPr>
+              <a:t> [owner.]&lt;</a:t>
+            </a:r>
+            <a:r>
+              <a:rPr lang="en-US" sz="2300" dirty="0" err="1">
+                <a:latin typeface="Courier New" panose="02070309020205020404" pitchFamily="49" charset="0"/>
+                <a:cs typeface="Courier New" panose="02070309020205020404" pitchFamily="49" charset="0"/>
+              </a:rPr>
+              <a:t>table_name</a:t>
+            </a:r>
+            <a:r>
+              <a:rPr lang="en-US" sz="2300" dirty="0">
+                <a:latin typeface="Courier New" panose="02070309020205020404" pitchFamily="49" charset="0"/>
+                <a:cs typeface="Courier New" panose="02070309020205020404" pitchFamily="49" charset="0"/>
+              </a:rPr>
+              <a:t>&gt;: show SPD information of an object</a:t>
+            </a:r>
+          </a:p>
+          <a:p>
+            <a:r>
+              <a:rPr lang="en-US" sz="2300" dirty="0">
+                <a:latin typeface="Courier New" panose="02070309020205020404" pitchFamily="49" charset="0"/>
+                <a:cs typeface="Courier New" panose="02070309020205020404" pitchFamily="49" charset="0"/>
+              </a:rPr>
+              <a:t>Ora/sys </a:t>
+            </a:r>
+            <a:r>
+              <a:rPr lang="en-US" sz="2300" dirty="0" err="1">
+                <a:latin typeface="Courier New" panose="02070309020205020404" pitchFamily="49" charset="0"/>
+                <a:cs typeface="Courier New" panose="02070309020205020404" pitchFamily="49" charset="0"/>
+              </a:rPr>
+              <a:t>liblock</a:t>
+            </a:r>
+            <a:r>
+              <a:rPr lang="en-US" sz="2300" dirty="0">
+                <a:latin typeface="Courier New" panose="02070309020205020404" pitchFamily="49" charset="0"/>
+                <a:cs typeface="Courier New" panose="02070309020205020404" pitchFamily="49" charset="0"/>
+              </a:rPr>
+              <a:t> [[owner.]&lt;</a:t>
+            </a:r>
+            <a:r>
+              <a:rPr lang="en-US" sz="2300" dirty="0" err="1">
+                <a:latin typeface="Courier New" panose="02070309020205020404" pitchFamily="49" charset="0"/>
+                <a:cs typeface="Courier New" panose="02070309020205020404" pitchFamily="49" charset="0"/>
+              </a:rPr>
+              <a:t>object_name</a:t>
+            </a:r>
+            <a:r>
+              <a:rPr lang="en-US" sz="2300" dirty="0">
+                <a:latin typeface="Courier New" panose="02070309020205020404" pitchFamily="49" charset="0"/>
+                <a:cs typeface="Courier New" panose="02070309020205020404" pitchFamily="49" charset="0"/>
+              </a:rPr>
+              <a:t>&gt;]: show library cache lock</a:t>
+            </a:r>
+          </a:p>
+          <a:p>
+            <a:r>
+              <a:rPr lang="en-US" sz="2300" dirty="0">
+                <a:latin typeface="Courier New" panose="02070309020205020404" pitchFamily="49" charset="0"/>
+                <a:cs typeface="Courier New" panose="02070309020205020404" pitchFamily="49" charset="0"/>
+              </a:rPr>
+              <a:t>Show </a:t>
+            </a:r>
+            <a:r>
+              <a:rPr lang="en-US" sz="2300" dirty="0" err="1">
+                <a:latin typeface="Courier New" panose="02070309020205020404" pitchFamily="49" charset="0"/>
+                <a:cs typeface="Courier New" panose="02070309020205020404" pitchFamily="49" charset="0"/>
+              </a:rPr>
+              <a:t>lockobj</a:t>
+            </a:r>
+            <a:r>
+              <a:rPr lang="en-US" sz="2300" dirty="0">
+                <a:latin typeface="Courier New" panose="02070309020205020404" pitchFamily="49" charset="0"/>
+                <a:cs typeface="Courier New" panose="02070309020205020404" pitchFamily="49" charset="0"/>
+              </a:rPr>
+              <a:t>: show DML lock information</a:t>
+            </a:r>
+          </a:p>
+          <a:p>
+            <a:r>
+              <a:rPr lang="en-US" sz="2300" dirty="0">
+                <a:latin typeface="Courier New" panose="02070309020205020404" pitchFamily="49" charset="0"/>
+                <a:cs typeface="Courier New" panose="02070309020205020404" pitchFamily="49" charset="0"/>
+              </a:rPr>
+              <a:t>Show waiters: show blocking information</a:t>
+            </a:r>
+          </a:p>
+          <a:p>
+            <a:r>
+              <a:rPr lang="en-US" sz="2300" dirty="0">
+                <a:latin typeface="Courier New" panose="02070309020205020404" pitchFamily="49" charset="0"/>
+                <a:cs typeface="Courier New" panose="02070309020205020404" pitchFamily="49" charset="0"/>
+              </a:rPr>
+              <a:t>Show </a:t>
+            </a:r>
+            <a:r>
+              <a:rPr lang="en-US" sz="2300" dirty="0" err="1">
+                <a:latin typeface="Courier New" panose="02070309020205020404" pitchFamily="49" charset="0"/>
+                <a:cs typeface="Courier New" panose="02070309020205020404" pitchFamily="49" charset="0"/>
+              </a:rPr>
+              <a:t>waitchain</a:t>
+            </a:r>
+            <a:r>
+              <a:rPr lang="en-US" sz="2300" dirty="0">
+                <a:latin typeface="Courier New" panose="02070309020205020404" pitchFamily="49" charset="0"/>
+                <a:cs typeface="Courier New" panose="02070309020205020404" pitchFamily="49" charset="0"/>
+              </a:rPr>
+              <a:t>: show blocking information</a:t>
+            </a:r>
+          </a:p>
+          <a:p>
+            <a:r>
+              <a:rPr lang="en-US" sz="2300" dirty="0">
+                <a:latin typeface="Courier New" panose="02070309020205020404" pitchFamily="49" charset="0"/>
+                <a:cs typeface="Courier New" panose="02070309020205020404" pitchFamily="49" charset="0"/>
+              </a:rPr>
+              <a:t>Show trans: show running transactions</a:t>
+            </a:r>
+          </a:p>
+          <a:p>
+            <a:endParaRPr lang="en-US" dirty="0"/>
+          </a:p>
+          <a:p>
+            <a:endParaRPr lang="en-US" dirty="0"/>
+          </a:p>
+        </p:txBody>
+      </p:sp>
+    </p:spTree>
+    <p:extLst>
+      <p:ext uri="{BB962C8B-B14F-4D97-AF65-F5344CB8AC3E}">
+        <p14:creationId xmlns:p14="http://schemas.microsoft.com/office/powerpoint/2010/main" val="2093610832"/>
+      </p:ext>
+    </p:extLst>
+  </p:cSld>
+  <p:clrMapOvr>
+    <a:masterClrMapping/>
+  </p:clrMapOvr>
+</p:sld>
+</file>
+
+<file path=ppt/slides/slide42.xml><?xml version="1.0" encoding="utf-8"?>
+<p:sld xmlns:a="http://schemas.openxmlformats.org/drawingml/2006/main" xmlns:r="http://schemas.openxmlformats.org/officeDocument/2006/relationships" xmlns:p="http://schemas.openxmlformats.org/presentationml/2006/main">
+  <p:cSld>
+    <p:spTree>
+      <p:nvGrpSpPr>
+        <p:cNvPr id="1" name=""/>
+        <p:cNvGrpSpPr/>
+        <p:nvPr/>
+      </p:nvGrpSpPr>
+      <p:grpSpPr>
+        <a:xfrm>
+          <a:off x="0" y="0"/>
+          <a:ext cx="0" cy="0"/>
+          <a:chOff x="0" y="0"/>
+          <a:chExt cx="0" cy="0"/>
+        </a:xfrm>
+      </p:grpSpPr>
+      <p:sp>
+        <p:nvSpPr>
           <p:cNvPr id="3" name="内容占位符 2">
             <a:extLst>
               <a:ext uri="{FF2B5EF4-FFF2-40B4-BE49-F238E27FC236}">
@@ -18932,7 +19650,7 @@
 </p:sld>
 </file>
 
-<file path=ppt/slides/slide41.xml><?xml version="1.0" encoding="utf-8"?>
+<file path=ppt/slides/slide43.xml><?xml version="1.0" encoding="utf-8"?>
 <p:sld xmlns:a="http://schemas.openxmlformats.org/drawingml/2006/main" xmlns:r="http://schemas.openxmlformats.org/officeDocument/2006/relationships" xmlns:p="http://schemas.openxmlformats.org/presentationml/2006/main">
   <p:cSld>
     <p:spTree>
@@ -19094,7 +19812,7 @@
 </p:sld>
 </file>
 
-<file path=ppt/slides/slide42.xml><?xml version="1.0" encoding="utf-8"?>
+<file path=ppt/slides/slide44.xml><?xml version="1.0" encoding="utf-8"?>
 <p:sld xmlns:a="http://schemas.openxmlformats.org/drawingml/2006/main" xmlns:r="http://schemas.openxmlformats.org/officeDocument/2006/relationships" xmlns:p="http://schemas.openxmlformats.org/presentationml/2006/main">
   <p:cSld>
     <p:spTree>
@@ -19517,7 +20235,7 @@
 </p:sld>
 </file>
 
-<file path=ppt/slides/slide43.xml><?xml version="1.0" encoding="utf-8"?>
+<file path=ppt/slides/slide45.xml><?xml version="1.0" encoding="utf-8"?>
 <p:sld xmlns:a="http://schemas.openxmlformats.org/drawingml/2006/main" xmlns:r="http://schemas.openxmlformats.org/officeDocument/2006/relationships" xmlns:p="http://schemas.openxmlformats.org/presentationml/2006/main">
   <p:cSld>
     <p:spTree>
@@ -19851,7 +20569,7 @@
 </p:sld>
 </file>
 
-<file path=ppt/slides/slide44.xml><?xml version="1.0" encoding="utf-8"?>
+<file path=ppt/slides/slide46.xml><?xml version="1.0" encoding="utf-8"?>
 <p:sld xmlns:a="http://schemas.openxmlformats.org/drawingml/2006/main" xmlns:r="http://schemas.openxmlformats.org/officeDocument/2006/relationships" xmlns:p="http://schemas.openxmlformats.org/presentationml/2006/main">
   <p:cSld>
     <p:spTree>
@@ -20062,7 +20780,7 @@
 </p:sld>
 </file>
 
-<file path=ppt/slides/slide45.xml><?xml version="1.0" encoding="utf-8"?>
+<file path=ppt/slides/slide47.xml><?xml version="1.0" encoding="utf-8"?>
 <p:sld xmlns:a="http://schemas.openxmlformats.org/drawingml/2006/main" xmlns:r="http://schemas.openxmlformats.org/officeDocument/2006/relationships" xmlns:p="http://schemas.openxmlformats.org/presentationml/2006/main">
   <p:cSld>
     <p:spTree>
@@ -20316,7 +21034,7 @@
 </p:sld>
 </file>
 
-<file path=ppt/slides/slide46.xml><?xml version="1.0" encoding="utf-8"?>
+<file path=ppt/slides/slide48.xml><?xml version="1.0" encoding="utf-8"?>
 <p:sld xmlns:a="http://schemas.openxmlformats.org/drawingml/2006/main" xmlns:r="http://schemas.openxmlformats.org/officeDocument/2006/relationships" xmlns:p="http://schemas.openxmlformats.org/presentationml/2006/main">
   <p:cSld>
     <p:spTree>
@@ -20666,7 +21384,7 @@
 </p:sld>
 </file>
 
-<file path=ppt/slides/slide47.xml><?xml version="1.0" encoding="utf-8"?>
+<file path=ppt/slides/slide49.xml><?xml version="1.0" encoding="utf-8"?>
 <p:sld xmlns:a="http://schemas.openxmlformats.org/drawingml/2006/main" xmlns:r="http://schemas.openxmlformats.org/officeDocument/2006/relationships" xmlns:p="http://schemas.openxmlformats.org/presentationml/2006/main">
   <p:cSld>
     <p:spTree>
@@ -20812,7 +21530,855 @@
 </p:sld>
 </file>
 
-<file path=ppt/slides/slide48.xml><?xml version="1.0" encoding="utf-8"?>
+<file path=ppt/slides/slide5.xml><?xml version="1.0" encoding="utf-8"?>
+<p:sld xmlns:a="http://schemas.openxmlformats.org/drawingml/2006/main" xmlns:r="http://schemas.openxmlformats.org/officeDocument/2006/relationships" xmlns:p="http://schemas.openxmlformats.org/presentationml/2006/main">
+  <p:cSld>
+    <p:spTree>
+      <p:nvGrpSpPr>
+        <p:cNvPr id="1" name=""/>
+        <p:cNvGrpSpPr/>
+        <p:nvPr/>
+      </p:nvGrpSpPr>
+      <p:grpSpPr>
+        <a:xfrm>
+          <a:off x="0" y="0"/>
+          <a:ext cx="0" cy="0"/>
+          <a:chOff x="0" y="0"/>
+          <a:chExt cx="0" cy="0"/>
+        </a:xfrm>
+      </p:grpSpPr>
+      <p:sp>
+        <p:nvSpPr>
+          <p:cNvPr id="2" name="标题 1">
+            <a:extLst>
+              <a:ext uri="{FF2B5EF4-FFF2-40B4-BE49-F238E27FC236}">
+                <a16:creationId xmlns:a16="http://schemas.microsoft.com/office/drawing/2014/main" id="{31E9F1B0-DF27-4D82-B726-DDD3F9CF7328}"/>
+              </a:ext>
+            </a:extLst>
+          </p:cNvPr>
+          <p:cNvSpPr>
+            <a:spLocks noGrp="1"/>
+          </p:cNvSpPr>
+          <p:nvPr>
+            <p:ph type="title"/>
+          </p:nvPr>
+        </p:nvSpPr>
+        <p:spPr>
+          <a:xfrm>
+            <a:off x="838200" y="184372"/>
+            <a:ext cx="10515600" cy="708763"/>
+          </a:xfrm>
+        </p:spPr>
+        <p:txBody>
+          <a:bodyPr/>
+          <a:lstStyle/>
+          <a:p>
+            <a:r>
+              <a:rPr lang="en-US" dirty="0"/>
+              <a:t>Intelligent format of the query output(Set)</a:t>
+            </a:r>
+          </a:p>
+        </p:txBody>
+      </p:sp>
+      <p:graphicFrame>
+        <p:nvGraphicFramePr>
+          <p:cNvPr id="4" name="表格 3">
+            <a:extLst>
+              <a:ext uri="{FF2B5EF4-FFF2-40B4-BE49-F238E27FC236}">
+                <a16:creationId xmlns:a16="http://schemas.microsoft.com/office/drawing/2014/main" id="{2563436E-7DD6-46CC-BCAE-29765B663613}"/>
+              </a:ext>
+            </a:extLst>
+          </p:cNvPr>
+          <p:cNvGraphicFramePr>
+            <a:graphicFrameLocks noGrp="1"/>
+          </p:cNvGraphicFramePr>
+          <p:nvPr>
+            <p:extLst>
+              <p:ext uri="{D42A27DB-BD31-4B8C-83A1-F6EECF244321}">
+                <p14:modId xmlns:p14="http://schemas.microsoft.com/office/powerpoint/2010/main" val="2259286601"/>
+              </p:ext>
+            </p:extLst>
+          </p:nvPr>
+        </p:nvGraphicFramePr>
+        <p:xfrm>
+          <a:off x="838200" y="1748157"/>
+          <a:ext cx="10374425" cy="5791200"/>
+        </p:xfrm>
+        <a:graphic>
+          <a:graphicData uri="http://schemas.openxmlformats.org/drawingml/2006/table">
+            <a:tbl>
+              <a:tblPr firstRow="1" bandRow="1">
+                <a:tableStyleId>{5C22544A-7EE6-4342-B048-85BDC9FD1C3A}</a:tableStyleId>
+              </a:tblPr>
+              <a:tblGrid>
+                <a:gridCol w="10374425">
+                  <a:extLst>
+                    <a:ext uri="{9D8B030D-6E8A-4147-A177-3AD203B41FA5}">
+                      <a16:colId xmlns:a16="http://schemas.microsoft.com/office/drawing/2014/main" val="4245137307"/>
+                    </a:ext>
+                  </a:extLst>
+                </a:gridCol>
+              </a:tblGrid>
+              <a:tr h="4570526">
+                <a:tc>
+                  <a:txBody>
+                    <a:bodyPr/>
+                    <a:lstStyle/>
+                    <a:p>
+                      <a:r>
+                        <a:rPr lang="en-US" sz="1100" b="0" i="0" kern="1200" baseline="0" dirty="0">
+                          <a:solidFill>
+                            <a:schemeClr val="lt1"/>
+                          </a:solidFill>
+                          <a:latin typeface="Consolas" panose="020B0609020204030204" pitchFamily="49" charset="0"/>
+                          <a:ea typeface="+mn-ea"/>
+                          <a:cs typeface="+mn-cs"/>
+                        </a:rPr>
+                        <a:t>CATDB&gt; set printsize 10                                                                                              </a:t>
+                      </a:r>
+                      <a:br>
+                        <a:rPr lang="en-US" sz="1100" b="0" i="0" kern="1200" baseline="0" dirty="0">
+                          <a:solidFill>
+                            <a:schemeClr val="lt1"/>
+                          </a:solidFill>
+                          <a:latin typeface="Consolas" panose="020B0609020204030204" pitchFamily="49" charset="0"/>
+                          <a:ea typeface="+mn-ea"/>
+                          <a:cs typeface="+mn-cs"/>
+                        </a:rPr>
+                      </a:br>
+                      <a:r>
+                        <a:rPr lang="en-US" sz="1100" b="0" i="0" kern="1200" baseline="0" dirty="0">
+                          <a:solidFill>
+                            <a:schemeClr val="lt1"/>
+                          </a:solidFill>
+                          <a:latin typeface="Consolas" panose="020B0609020204030204" pitchFamily="49" charset="0"/>
+                          <a:ea typeface="+mn-ea"/>
+                          <a:cs typeface="+mn-cs"/>
+                        </a:rPr>
+                        <a:t>CATDB&gt; sf dba_objects                                                                                                </a:t>
+                      </a:r>
+                      <a:br>
+                        <a:rPr lang="en-US" sz="1100" b="0" i="0" kern="1200" baseline="0" dirty="0">
+                          <a:solidFill>
+                            <a:schemeClr val="lt1"/>
+                          </a:solidFill>
+                          <a:latin typeface="Consolas" panose="020B0609020204030204" pitchFamily="49" charset="0"/>
+                          <a:ea typeface="+mn-ea"/>
+                          <a:cs typeface="+mn-cs"/>
+                        </a:rPr>
+                      </a:br>
+                      <a:r>
+                        <a:rPr lang="en-US" sz="1100" b="0" i="0" kern="1200" baseline="0" dirty="0">
+                          <a:solidFill>
+                            <a:schemeClr val="lt1"/>
+                          </a:solidFill>
+                          <a:latin typeface="Consolas" panose="020B0609020204030204" pitchFamily="49" charset="0"/>
+                          <a:ea typeface="+mn-ea"/>
+                          <a:cs typeface="+mn-cs"/>
+                        </a:rPr>
+                        <a:t>    $ select * from (select * from dba_objects) where rownum&lt;=50                                                     </a:t>
+                      </a:r>
+                      <a:br>
+                        <a:rPr lang="en-US" sz="1100" b="0" i="0" kern="1200" baseline="0" dirty="0">
+                          <a:solidFill>
+                            <a:schemeClr val="lt1"/>
+                          </a:solidFill>
+                          <a:latin typeface="Consolas" panose="020B0609020204030204" pitchFamily="49" charset="0"/>
+                          <a:ea typeface="+mn-ea"/>
+                          <a:cs typeface="+mn-cs"/>
+                        </a:rPr>
+                      </a:br>
+                      <a:r>
+                        <a:rPr lang="en-US" sz="1100" b="0" i="0" kern="1200" baseline="0" dirty="0">
+                          <a:solidFill>
+                            <a:schemeClr val="lt1"/>
+                          </a:solidFill>
+                          <a:latin typeface="Consolas" panose="020B0609020204030204" pitchFamily="49" charset="0"/>
+                          <a:ea typeface="+mn-ea"/>
+                          <a:cs typeface="+mn-cs"/>
+                        </a:rPr>
+                        <a:t>    OWNER  OBJECT_NAME   SUBOBJECT_NAME OBJECT_ID DATA_OBJECT_ID OBJECT_TYPE       CREATED          LAST_DDL_TIME    </a:t>
+                      </a:r>
+                      <a:br>
+                        <a:rPr lang="en-US" sz="1100" b="0" i="0" kern="1200" baseline="0" dirty="0">
+                          <a:solidFill>
+                            <a:schemeClr val="lt1"/>
+                          </a:solidFill>
+                          <a:latin typeface="Consolas" panose="020B0609020204030204" pitchFamily="49" charset="0"/>
+                          <a:ea typeface="+mn-ea"/>
+                          <a:cs typeface="+mn-cs"/>
+                        </a:rPr>
+                      </a:br>
+                      <a:r>
+                        <a:rPr lang="en-US" sz="1100" b="0" i="0" kern="1200" baseline="0" dirty="0">
+                          <a:solidFill>
+                            <a:schemeClr val="lt1"/>
+                          </a:solidFill>
+                          <a:latin typeface="Consolas" panose="020B0609020204030204" pitchFamily="49" charset="0"/>
+                          <a:ea typeface="+mn-ea"/>
+                          <a:cs typeface="+mn-cs"/>
+                        </a:rPr>
+                        <a:t>    ----- -------------- -------------- --------- -------------- ----------- ------------------- ------------------- </a:t>
+                      </a:r>
+                      <a:br>
+                        <a:rPr lang="en-US" sz="1100" b="0" i="0" kern="1200" baseline="0" dirty="0">
+                          <a:solidFill>
+                            <a:schemeClr val="lt1"/>
+                          </a:solidFill>
+                          <a:latin typeface="Consolas" panose="020B0609020204030204" pitchFamily="49" charset="0"/>
+                          <a:ea typeface="+mn-ea"/>
+                          <a:cs typeface="+mn-cs"/>
+                        </a:rPr>
+                      </a:br>
+                      <a:r>
+                        <a:rPr lang="en-US" sz="1100" b="0" i="0" kern="1200" baseline="0" dirty="0">
+                          <a:solidFill>
+                            <a:schemeClr val="lt1"/>
+                          </a:solidFill>
+                          <a:latin typeface="Consolas" panose="020B0609020204030204" pitchFamily="49" charset="0"/>
+                          <a:ea typeface="+mn-ea"/>
+                          <a:cs typeface="+mn-cs"/>
+                        </a:rPr>
+                        <a:t>    SYS   TS$                                  16              6 TABLE       2018-02-07 22:51:55 2018-02-07 23:57:54 </a:t>
+                      </a:r>
+                      <a:br>
+                        <a:rPr lang="en-US" sz="1100" b="0" i="0" kern="1200" baseline="0" dirty="0">
+                          <a:solidFill>
+                            <a:schemeClr val="lt1"/>
+                          </a:solidFill>
+                          <a:latin typeface="Consolas" panose="020B0609020204030204" pitchFamily="49" charset="0"/>
+                          <a:ea typeface="+mn-ea"/>
+                          <a:cs typeface="+mn-cs"/>
+                        </a:rPr>
+                      </a:br>
+                      <a:r>
+                        <a:rPr lang="en-US" sz="1100" b="0" i="0" kern="1200" baseline="0" dirty="0">
+                          <a:solidFill>
+                            <a:schemeClr val="lt1"/>
+                          </a:solidFill>
+                          <a:latin typeface="Consolas" panose="020B0609020204030204" pitchFamily="49" charset="0"/>
+                          <a:ea typeface="+mn-ea"/>
+                          <a:cs typeface="+mn-cs"/>
+                        </a:rPr>
+                        <a:t>    SYS   ICOL$                                20              2 TABLE       2018-02-07 22:51:55 2018-02-07 23:57:54 </a:t>
+                      </a:r>
+                      <a:br>
+                        <a:rPr lang="en-US" sz="1100" b="0" i="0" kern="1200" baseline="0" dirty="0">
+                          <a:solidFill>
+                            <a:schemeClr val="lt1"/>
+                          </a:solidFill>
+                          <a:latin typeface="Consolas" panose="020B0609020204030204" pitchFamily="49" charset="0"/>
+                          <a:ea typeface="+mn-ea"/>
+                          <a:cs typeface="+mn-cs"/>
+                        </a:rPr>
+                      </a:br>
+                      <a:r>
+                        <a:rPr lang="en-US" sz="1100" b="0" i="0" kern="1200" baseline="0" dirty="0">
+                          <a:solidFill>
+                            <a:schemeClr val="lt1"/>
+                          </a:solidFill>
+                          <a:latin typeface="Consolas" panose="020B0609020204030204" pitchFamily="49" charset="0"/>
+                          <a:ea typeface="+mn-ea"/>
+                          <a:cs typeface="+mn-cs"/>
+                        </a:rPr>
+                        <a:t>    SYS   C_FILE#_BLOCK#                        8              8 CLUSTER     2018-02-07 22:51:55 2018-02-07 22:51:55 </a:t>
+                      </a:r>
+                      <a:br>
+                        <a:rPr lang="en-US" sz="1100" b="0" i="0" kern="1200" baseline="0" dirty="0">
+                          <a:solidFill>
+                            <a:schemeClr val="lt1"/>
+                          </a:solidFill>
+                          <a:latin typeface="Consolas" panose="020B0609020204030204" pitchFamily="49" charset="0"/>
+                          <a:ea typeface="+mn-ea"/>
+                          <a:cs typeface="+mn-cs"/>
+                        </a:rPr>
+                      </a:br>
+                      <a:r>
+                        <a:rPr lang="en-US" sz="1100" b="0" i="0" kern="1200" baseline="0" dirty="0">
+                          <a:solidFill>
+                            <a:schemeClr val="lt1"/>
+                          </a:solidFill>
+                          <a:latin typeface="Consolas" panose="020B0609020204030204" pitchFamily="49" charset="0"/>
+                          <a:ea typeface="+mn-ea"/>
+                          <a:cs typeface="+mn-cs"/>
+                        </a:rPr>
+                        <a:t>    SYS   I_OBJ2                               37             37 INDEX       2018-02-07 22:51:56 2018-02-07 22:51:56 </a:t>
+                      </a:r>
+                      <a:br>
+                        <a:rPr lang="en-US" sz="1100" b="0" i="0" kern="1200" baseline="0" dirty="0">
+                          <a:solidFill>
+                            <a:schemeClr val="lt1"/>
+                          </a:solidFill>
+                          <a:latin typeface="Consolas" panose="020B0609020204030204" pitchFamily="49" charset="0"/>
+                          <a:ea typeface="+mn-ea"/>
+                          <a:cs typeface="+mn-cs"/>
+                        </a:rPr>
+                      </a:br>
+                      <a:r>
+                        <a:rPr lang="en-US" sz="1100" b="0" i="0" kern="1200" baseline="0" dirty="0">
+                          <a:solidFill>
+                            <a:schemeClr val="lt1"/>
+                          </a:solidFill>
+                          <a:latin typeface="Consolas" panose="020B0609020204030204" pitchFamily="49" charset="0"/>
+                          <a:ea typeface="+mn-ea"/>
+                          <a:cs typeface="+mn-cs"/>
+                        </a:rPr>
+                        <a:t>    SYS   USER$                                22             10 TABLE       2018-02-07 22:51:55 2018-02-07 23:05:16 </a:t>
+                      </a:r>
+                      <a:br>
+                        <a:rPr lang="en-US" sz="1100" b="0" i="0" kern="1200" baseline="0" dirty="0">
+                          <a:solidFill>
+                            <a:schemeClr val="lt1"/>
+                          </a:solidFill>
+                          <a:latin typeface="Consolas" panose="020B0609020204030204" pitchFamily="49" charset="0"/>
+                          <a:ea typeface="+mn-ea"/>
+                          <a:cs typeface="+mn-cs"/>
+                        </a:rPr>
+                      </a:br>
+                      <a:r>
+                        <a:rPr lang="en-US" sz="1100" b="0" i="0" kern="1200" baseline="0" dirty="0">
+                          <a:solidFill>
+                            <a:schemeClr val="lt1"/>
+                          </a:solidFill>
+                          <a:latin typeface="Consolas" panose="020B0609020204030204" pitchFamily="49" charset="0"/>
+                          <a:ea typeface="+mn-ea"/>
+                          <a:cs typeface="+mn-cs"/>
+                        </a:rPr>
+                        <a:t>    SYS   I_TAB1                               33             33 INDEX       2018-02-07 22:51:55 2018-02-07 22:51:55 </a:t>
+                      </a:r>
+                      <a:br>
+                        <a:rPr lang="en-US" sz="1100" b="0" i="0" kern="1200" baseline="0" dirty="0">
+                          <a:solidFill>
+                            <a:schemeClr val="lt1"/>
+                          </a:solidFill>
+                          <a:latin typeface="Consolas" panose="020B0609020204030204" pitchFamily="49" charset="0"/>
+                          <a:ea typeface="+mn-ea"/>
+                          <a:cs typeface="+mn-cs"/>
+                        </a:rPr>
+                      </a:br>
+                      <a:r>
+                        <a:rPr lang="en-US" sz="1100" b="0" i="0" kern="1200" baseline="0" dirty="0">
+                          <a:solidFill>
+                            <a:schemeClr val="lt1"/>
+                          </a:solidFill>
+                          <a:latin typeface="Consolas" panose="020B0609020204030204" pitchFamily="49" charset="0"/>
+                          <a:ea typeface="+mn-ea"/>
+                          <a:cs typeface="+mn-cs"/>
+                        </a:rPr>
+                        <a:t>    SYS   I_OBJ5                               40             40 INDEX       2018-02-07 22:51:56 2018-02-07 22:51:56 </a:t>
+                      </a:r>
+                      <a:br>
+                        <a:rPr lang="en-US" sz="1100" b="0" i="0" kern="1200" baseline="0" dirty="0">
+                          <a:solidFill>
+                            <a:schemeClr val="lt1"/>
+                          </a:solidFill>
+                          <a:latin typeface="Consolas" panose="020B0609020204030204" pitchFamily="49" charset="0"/>
+                          <a:ea typeface="+mn-ea"/>
+                          <a:cs typeface="+mn-cs"/>
+                        </a:rPr>
+                      </a:br>
+                      <a:r>
+                        <a:rPr lang="en-US" sz="1100" b="0" i="0" kern="1200" baseline="0" dirty="0">
+                          <a:solidFill>
+                            <a:schemeClr val="lt1"/>
+                          </a:solidFill>
+                          <a:latin typeface="Consolas" panose="020B0609020204030204" pitchFamily="49" charset="0"/>
+                          <a:ea typeface="+mn-ea"/>
+                          <a:cs typeface="+mn-cs"/>
+                        </a:rPr>
+                        <a:t>    SYS   CDEF$                                31             29 TABLE       2018-02-07 22:51:55 2018-02-07 23:57:54 </a:t>
+                      </a:r>
+                      <a:br>
+                        <a:rPr lang="en-US" sz="1100" b="0" i="0" kern="1200" baseline="0" dirty="0">
+                          <a:solidFill>
+                            <a:schemeClr val="lt1"/>
+                          </a:solidFill>
+                          <a:latin typeface="Consolas" panose="020B0609020204030204" pitchFamily="49" charset="0"/>
+                          <a:ea typeface="+mn-ea"/>
+                          <a:cs typeface="+mn-cs"/>
+                        </a:rPr>
+                      </a:br>
+                      <a:r>
+                        <a:rPr lang="en-US" sz="1100" b="0" i="0" kern="1200" baseline="0" dirty="0">
+                          <a:solidFill>
+                            <a:schemeClr val="lt1"/>
+                          </a:solidFill>
+                          <a:latin typeface="Consolas" panose="020B0609020204030204" pitchFamily="49" charset="0"/>
+                          <a:ea typeface="+mn-ea"/>
+                          <a:cs typeface="+mn-cs"/>
+                        </a:rPr>
+                        <a:t>    SYS   I_IND1                               41             41 INDEX       2018-02-07 22:51:56 2018-02-07 22:51:56 </a:t>
+                      </a:r>
+                      <a:br>
+                        <a:rPr lang="en-US" sz="1100" b="0" i="0" kern="1200" baseline="0" dirty="0">
+                          <a:solidFill>
+                            <a:schemeClr val="lt1"/>
+                          </a:solidFill>
+                          <a:latin typeface="Consolas" panose="020B0609020204030204" pitchFamily="49" charset="0"/>
+                          <a:ea typeface="+mn-ea"/>
+                          <a:cs typeface="+mn-cs"/>
+                        </a:rPr>
+                      </a:br>
+                      <a:r>
+                        <a:rPr lang="en-US" sz="1100" b="0" i="0" kern="1200" baseline="0" dirty="0">
+                          <a:solidFill>
+                            <a:schemeClr val="lt1"/>
+                          </a:solidFill>
+                          <a:latin typeface="Consolas" panose="020B0609020204030204" pitchFamily="49" charset="0"/>
+                          <a:ea typeface="+mn-ea"/>
+                          <a:cs typeface="+mn-cs"/>
+                        </a:rPr>
+                        <a:t>    SYS   I_OBJ#                                3              3 INDEX       2018-02-07 22:51:55 2018-02-07 22:51:55 </a:t>
+                      </a:r>
+                      <a:br>
+                        <a:rPr lang="en-US" sz="1100" b="0" i="0" kern="1200" baseline="0" dirty="0">
+                          <a:solidFill>
+                            <a:schemeClr val="lt1"/>
+                          </a:solidFill>
+                          <a:latin typeface="Consolas" panose="020B0609020204030204" pitchFamily="49" charset="0"/>
+                          <a:ea typeface="+mn-ea"/>
+                          <a:cs typeface="+mn-cs"/>
+                        </a:rPr>
+                      </a:br>
+                      <a:r>
+                        <a:rPr lang="en-US" sz="1100" b="0" i="0" kern="1200" baseline="0" dirty="0">
+                          <a:solidFill>
+                            <a:schemeClr val="lt1"/>
+                          </a:solidFill>
+                          <a:latin typeface="Consolas" panose="020B0609020204030204" pitchFamily="49" charset="0"/>
+                          <a:ea typeface="+mn-ea"/>
+                          <a:cs typeface="+mn-cs"/>
+                        </a:rPr>
+                        <a:t>                                                                                                                     </a:t>
+                      </a:r>
+                      <a:br>
+                        <a:rPr lang="en-US" sz="1100" b="0" i="0" kern="1200" baseline="0" dirty="0">
+                          <a:solidFill>
+                            <a:schemeClr val="lt1"/>
+                          </a:solidFill>
+                          <a:latin typeface="Consolas" panose="020B0609020204030204" pitchFamily="49" charset="0"/>
+                          <a:ea typeface="+mn-ea"/>
+                          <a:cs typeface="+mn-cs"/>
+                        </a:rPr>
+                      </a:br>
+                      <a:r>
+                        <a:rPr lang="en-US" sz="1100" b="0" i="0" kern="1200" baseline="0" dirty="0">
+                          <a:solidFill>
+                            <a:schemeClr val="lt1"/>
+                          </a:solidFill>
+                          <a:latin typeface="Consolas" panose="020B0609020204030204" pitchFamily="49" charset="0"/>
+                          <a:ea typeface="+mn-ea"/>
+                          <a:cs typeface="+mn-cs"/>
+                        </a:rPr>
+                        <a:t>    10 rows returned.    </a:t>
+                      </a:r>
+                    </a:p>
+                    <a:p>
+                      <a:r>
+                        <a:rPr lang="en-US" sz="1100" b="0" i="0" kern="1200" baseline="0" dirty="0">
+                          <a:solidFill>
+                            <a:schemeClr val="lt1"/>
+                          </a:solidFill>
+                          <a:latin typeface="Consolas" panose="020B0609020204030204" pitchFamily="49" charset="0"/>
+                          <a:ea typeface="+mn-ea"/>
+                          <a:cs typeface="+mn-cs"/>
+                        </a:rPr>
+                        <a:t>                                                                                            </a:t>
+                      </a:r>
+                      <a:br>
+                        <a:rPr lang="en-US" sz="1100" b="0" i="0" kern="1200" baseline="0" dirty="0">
+                          <a:solidFill>
+                            <a:schemeClr val="lt1"/>
+                          </a:solidFill>
+                          <a:latin typeface="Consolas" panose="020B0609020204030204" pitchFamily="49" charset="0"/>
+                          <a:ea typeface="+mn-ea"/>
+                          <a:cs typeface="+mn-cs"/>
+                        </a:rPr>
+                      </a:br>
+                      <a:r>
+                        <a:rPr lang="en-US" sz="1100" b="0" i="0" kern="1200" baseline="0" dirty="0">
+                          <a:solidFill>
+                            <a:schemeClr val="lt1"/>
+                          </a:solidFill>
+                          <a:latin typeface="Consolas" panose="020B0609020204030204" pitchFamily="49" charset="0"/>
+                          <a:ea typeface="+mn-ea"/>
+                          <a:cs typeface="+mn-cs"/>
+                        </a:rPr>
+                        <a:t>CATDB&gt; set printsize 5 colsep |                                                                                       </a:t>
+                      </a:r>
+                      <a:br>
+                        <a:rPr lang="en-US" sz="1100" b="0" i="0" kern="1200" baseline="0" dirty="0">
+                          <a:solidFill>
+                            <a:schemeClr val="lt1"/>
+                          </a:solidFill>
+                          <a:latin typeface="Consolas" panose="020B0609020204030204" pitchFamily="49" charset="0"/>
+                          <a:ea typeface="+mn-ea"/>
+                          <a:cs typeface="+mn-cs"/>
+                        </a:rPr>
+                      </a:br>
+                      <a:r>
+                        <a:rPr lang="en-US" sz="1100" b="0" i="0" kern="1200" baseline="0" dirty="0">
+                          <a:solidFill>
+                            <a:schemeClr val="lt1"/>
+                          </a:solidFill>
+                          <a:latin typeface="Consolas" panose="020B0609020204030204" pitchFamily="49" charset="0"/>
+                          <a:ea typeface="+mn-ea"/>
+                          <a:cs typeface="+mn-cs"/>
+                        </a:rPr>
+                        <a:t>CATDB&gt; sf dba_objects                                                                                                 </a:t>
+                      </a:r>
+                      <a:br>
+                        <a:rPr lang="en-US" sz="1100" b="0" i="0" kern="1200" baseline="0" dirty="0">
+                          <a:solidFill>
+                            <a:schemeClr val="lt1"/>
+                          </a:solidFill>
+                          <a:latin typeface="Consolas" panose="020B0609020204030204" pitchFamily="49" charset="0"/>
+                          <a:ea typeface="+mn-ea"/>
+                          <a:cs typeface="+mn-cs"/>
+                        </a:rPr>
+                      </a:br>
+                      <a:r>
+                        <a:rPr lang="en-US" sz="1100" b="0" i="0" kern="1200" baseline="0" dirty="0">
+                          <a:solidFill>
+                            <a:schemeClr val="lt1"/>
+                          </a:solidFill>
+                          <a:latin typeface="Consolas" panose="020B0609020204030204" pitchFamily="49" charset="0"/>
+                          <a:ea typeface="+mn-ea"/>
+                          <a:cs typeface="+mn-cs"/>
+                        </a:rPr>
+                        <a:t>    $ select * from (select * from dba_objects) where rownum&lt;=50                                                      </a:t>
+                      </a:r>
+                      <a:br>
+                        <a:rPr lang="en-US" sz="1100" b="0" i="0" kern="1200" baseline="0" dirty="0">
+                          <a:solidFill>
+                            <a:schemeClr val="lt1"/>
+                          </a:solidFill>
+                          <a:latin typeface="Consolas" panose="020B0609020204030204" pitchFamily="49" charset="0"/>
+                          <a:ea typeface="+mn-ea"/>
+                          <a:cs typeface="+mn-cs"/>
+                        </a:rPr>
+                      </a:br>
+                      <a:r>
+                        <a:rPr lang="en-US" sz="1100" b="0" i="0" kern="1200" baseline="0" dirty="0">
+                          <a:solidFill>
+                            <a:schemeClr val="lt1"/>
+                          </a:solidFill>
+                          <a:latin typeface="Consolas" panose="020B0609020204030204" pitchFamily="49" charset="0"/>
+                          <a:ea typeface="+mn-ea"/>
+                          <a:cs typeface="+mn-cs"/>
+                        </a:rPr>
+                        <a:t>    +-----+--------------+--------------+---------+--------------+-----------+-------------------+-------------------+</a:t>
+                      </a:r>
+                      <a:br>
+                        <a:rPr lang="en-US" sz="1100" b="0" i="0" kern="1200" baseline="0" dirty="0">
+                          <a:solidFill>
+                            <a:schemeClr val="lt1"/>
+                          </a:solidFill>
+                          <a:latin typeface="Consolas" panose="020B0609020204030204" pitchFamily="49" charset="0"/>
+                          <a:ea typeface="+mn-ea"/>
+                          <a:cs typeface="+mn-cs"/>
+                        </a:rPr>
+                      </a:br>
+                      <a:r>
+                        <a:rPr lang="en-US" sz="1100" b="0" i="0" kern="1200" baseline="0" dirty="0">
+                          <a:solidFill>
+                            <a:schemeClr val="lt1"/>
+                          </a:solidFill>
+                          <a:latin typeface="Consolas" panose="020B0609020204030204" pitchFamily="49" charset="0"/>
+                          <a:ea typeface="+mn-ea"/>
+                          <a:cs typeface="+mn-cs"/>
+                        </a:rPr>
+                        <a:t>    |OWNER| OBJECT_NAME  |SUBOBJECT_NAME|OBJECT_ID|DATA_OBJECT_ID|OBJECT_TYPE|      CREATED      |   LAST_DDL_TIME   |</a:t>
+                      </a:r>
+                      <a:br>
+                        <a:rPr lang="en-US" sz="1100" b="0" i="0" kern="1200" baseline="0" dirty="0">
+                          <a:solidFill>
+                            <a:schemeClr val="lt1"/>
+                          </a:solidFill>
+                          <a:latin typeface="Consolas" panose="020B0609020204030204" pitchFamily="49" charset="0"/>
+                          <a:ea typeface="+mn-ea"/>
+                          <a:cs typeface="+mn-cs"/>
+                        </a:rPr>
+                      </a:br>
+                      <a:r>
+                        <a:rPr lang="en-US" sz="1100" b="0" i="0" kern="1200" baseline="0" dirty="0">
+                          <a:solidFill>
+                            <a:schemeClr val="lt1"/>
+                          </a:solidFill>
+                          <a:latin typeface="Consolas" panose="020B0609020204030204" pitchFamily="49" charset="0"/>
+                          <a:ea typeface="+mn-ea"/>
+                          <a:cs typeface="+mn-cs"/>
+                        </a:rPr>
+                        <a:t>    |-----|--------------|--------------|---------|--------------|-----------|-------------------|-------------------|</a:t>
+                      </a:r>
+                      <a:br>
+                        <a:rPr lang="en-US" sz="1100" b="0" i="0" kern="1200" baseline="0" dirty="0">
+                          <a:solidFill>
+                            <a:schemeClr val="lt1"/>
+                          </a:solidFill>
+                          <a:latin typeface="Consolas" panose="020B0609020204030204" pitchFamily="49" charset="0"/>
+                          <a:ea typeface="+mn-ea"/>
+                          <a:cs typeface="+mn-cs"/>
+                        </a:rPr>
+                      </a:br>
+                      <a:r>
+                        <a:rPr lang="en-US" sz="1100" b="0" i="0" kern="1200" baseline="0" dirty="0">
+                          <a:solidFill>
+                            <a:schemeClr val="lt1"/>
+                          </a:solidFill>
+                          <a:latin typeface="Consolas" panose="020B0609020204030204" pitchFamily="49" charset="0"/>
+                          <a:ea typeface="+mn-ea"/>
+                          <a:cs typeface="+mn-cs"/>
+                        </a:rPr>
+                        <a:t>    |SYS  |TS$           |              |       16|             6|TABLE      |2018-02-07 22:51:55|2018-02-07 23:57:54|</a:t>
+                      </a:r>
+                      <a:br>
+                        <a:rPr lang="en-US" sz="1100" b="0" i="0" kern="1200" baseline="0" dirty="0">
+                          <a:solidFill>
+                            <a:schemeClr val="lt1"/>
+                          </a:solidFill>
+                          <a:latin typeface="Consolas" panose="020B0609020204030204" pitchFamily="49" charset="0"/>
+                          <a:ea typeface="+mn-ea"/>
+                          <a:cs typeface="+mn-cs"/>
+                        </a:rPr>
+                      </a:br>
+                      <a:r>
+                        <a:rPr lang="en-US" sz="1100" b="0" i="0" kern="1200" baseline="0" dirty="0">
+                          <a:solidFill>
+                            <a:schemeClr val="lt1"/>
+                          </a:solidFill>
+                          <a:latin typeface="Consolas" panose="020B0609020204030204" pitchFamily="49" charset="0"/>
+                          <a:ea typeface="+mn-ea"/>
+                          <a:cs typeface="+mn-cs"/>
+                        </a:rPr>
+                        <a:t>    |SYS  |ICOL$         |              |       20|             2|TABLE      |2018-02-07 22:51:55|2018-02-07 23:57:54|</a:t>
+                      </a:r>
+                      <a:br>
+                        <a:rPr lang="en-US" sz="1100" b="0" i="0" kern="1200" baseline="0" dirty="0">
+                          <a:solidFill>
+                            <a:schemeClr val="lt1"/>
+                          </a:solidFill>
+                          <a:latin typeface="Consolas" panose="020B0609020204030204" pitchFamily="49" charset="0"/>
+                          <a:ea typeface="+mn-ea"/>
+                          <a:cs typeface="+mn-cs"/>
+                        </a:rPr>
+                      </a:br>
+                      <a:r>
+                        <a:rPr lang="en-US" sz="1100" b="0" i="0" kern="1200" baseline="0" dirty="0">
+                          <a:solidFill>
+                            <a:schemeClr val="lt1"/>
+                          </a:solidFill>
+                          <a:latin typeface="Consolas" panose="020B0609020204030204" pitchFamily="49" charset="0"/>
+                          <a:ea typeface="+mn-ea"/>
+                          <a:cs typeface="+mn-cs"/>
+                        </a:rPr>
+                        <a:t>    |SYS  |C_FILE#_BLOCK#|              |        8|             8|CLUSTER    |2018-02-07 22:51:55|2018-02-07 22:51:55|</a:t>
+                      </a:r>
+                      <a:br>
+                        <a:rPr lang="en-US" sz="1100" b="0" i="0" kern="1200" baseline="0" dirty="0">
+                          <a:solidFill>
+                            <a:schemeClr val="lt1"/>
+                          </a:solidFill>
+                          <a:latin typeface="Consolas" panose="020B0609020204030204" pitchFamily="49" charset="0"/>
+                          <a:ea typeface="+mn-ea"/>
+                          <a:cs typeface="+mn-cs"/>
+                        </a:rPr>
+                      </a:br>
+                      <a:r>
+                        <a:rPr lang="en-US" sz="1100" b="0" i="0" kern="1200" baseline="0" dirty="0">
+                          <a:solidFill>
+                            <a:schemeClr val="lt1"/>
+                          </a:solidFill>
+                          <a:latin typeface="Consolas" panose="020B0609020204030204" pitchFamily="49" charset="0"/>
+                          <a:ea typeface="+mn-ea"/>
+                          <a:cs typeface="+mn-cs"/>
+                        </a:rPr>
+                        <a:t>    |SYS  |I_OBJ2        |              |       37|            37|INDEX      |2018-02-07 22:51:56|2018-02-07 22:51:56|</a:t>
+                      </a:r>
+                      <a:br>
+                        <a:rPr lang="en-US" sz="1100" b="0" i="0" kern="1200" baseline="0" dirty="0">
+                          <a:solidFill>
+                            <a:schemeClr val="lt1"/>
+                          </a:solidFill>
+                          <a:latin typeface="Consolas" panose="020B0609020204030204" pitchFamily="49" charset="0"/>
+                          <a:ea typeface="+mn-ea"/>
+                          <a:cs typeface="+mn-cs"/>
+                        </a:rPr>
+                      </a:br>
+                      <a:r>
+                        <a:rPr lang="en-US" sz="1100" b="0" i="0" kern="1200" baseline="0" dirty="0">
+                          <a:solidFill>
+                            <a:schemeClr val="lt1"/>
+                          </a:solidFill>
+                          <a:latin typeface="Consolas" panose="020B0609020204030204" pitchFamily="49" charset="0"/>
+                          <a:ea typeface="+mn-ea"/>
+                          <a:cs typeface="+mn-cs"/>
+                        </a:rPr>
+                        <a:t>    |SYS  |USER$         |              |       22|            10|TABLE      |2018-02-07 22:51:55|2018-02-07 23:05:16|</a:t>
+                      </a:r>
+                      <a:br>
+                        <a:rPr lang="en-US" sz="1100" b="0" i="0" kern="1200" baseline="0" dirty="0">
+                          <a:solidFill>
+                            <a:schemeClr val="lt1"/>
+                          </a:solidFill>
+                          <a:latin typeface="Consolas" panose="020B0609020204030204" pitchFamily="49" charset="0"/>
+                          <a:ea typeface="+mn-ea"/>
+                          <a:cs typeface="+mn-cs"/>
+                        </a:rPr>
+                      </a:br>
+                      <a:r>
+                        <a:rPr lang="en-US" sz="1100" b="0" i="0" kern="1200" baseline="0" dirty="0">
+                          <a:solidFill>
+                            <a:schemeClr val="lt1"/>
+                          </a:solidFill>
+                          <a:latin typeface="Consolas" panose="020B0609020204030204" pitchFamily="49" charset="0"/>
+                          <a:ea typeface="+mn-ea"/>
+                          <a:cs typeface="+mn-cs"/>
+                        </a:rPr>
+                        <a:t>    +-----+--------------+--------------+---------+--------------+-----------+-------------------+-------------------+</a:t>
+                      </a:r>
+                      <a:br>
+                        <a:rPr lang="en-US" sz="1100" b="0" i="0" kern="1200" baseline="0" dirty="0">
+                          <a:solidFill>
+                            <a:schemeClr val="lt1"/>
+                          </a:solidFill>
+                          <a:latin typeface="Consolas" panose="020B0609020204030204" pitchFamily="49" charset="0"/>
+                          <a:ea typeface="+mn-ea"/>
+                          <a:cs typeface="+mn-cs"/>
+                        </a:rPr>
+                      </a:br>
+                      <a:r>
+                        <a:rPr lang="en-US" sz="1100" b="0" i="0" kern="1200" baseline="0" dirty="0">
+                          <a:solidFill>
+                            <a:schemeClr val="lt1"/>
+                          </a:solidFill>
+                          <a:latin typeface="Consolas" panose="020B0609020204030204" pitchFamily="49" charset="0"/>
+                          <a:ea typeface="+mn-ea"/>
+                          <a:cs typeface="+mn-cs"/>
+                        </a:rPr>
+                        <a:t>                                                                                                                      </a:t>
+                      </a:r>
+                      <a:br>
+                        <a:rPr lang="en-US" sz="1100" b="0" i="0" kern="1200" baseline="0" dirty="0">
+                          <a:solidFill>
+                            <a:schemeClr val="lt1"/>
+                          </a:solidFill>
+                          <a:latin typeface="Consolas" panose="020B0609020204030204" pitchFamily="49" charset="0"/>
+                          <a:ea typeface="+mn-ea"/>
+                          <a:cs typeface="+mn-cs"/>
+                        </a:rPr>
+                      </a:br>
+                      <a:r>
+                        <a:rPr lang="en-US" sz="1100" b="0" i="0" kern="1200" baseline="0" dirty="0">
+                          <a:solidFill>
+                            <a:schemeClr val="lt1"/>
+                          </a:solidFill>
+                          <a:latin typeface="Consolas" panose="020B0609020204030204" pitchFamily="49" charset="0"/>
+                          <a:ea typeface="+mn-ea"/>
+                          <a:cs typeface="+mn-cs"/>
+                        </a:rPr>
+                        <a:t>    5 rows returned.                                                                                                  </a:t>
+                      </a:r>
+                      <a:br>
+                        <a:rPr lang="en-US" sz="1100" b="0" i="0" kern="1200" baseline="0" dirty="0">
+                          <a:solidFill>
+                            <a:schemeClr val="lt1"/>
+                          </a:solidFill>
+                          <a:latin typeface="Consolas" panose="020B0609020204030204" pitchFamily="49" charset="0"/>
+                          <a:ea typeface="+mn-ea"/>
+                          <a:cs typeface="+mn-cs"/>
+                        </a:rPr>
+                      </a:br>
+                      <a:br>
+                        <a:rPr lang="en-US" sz="1100" b="0" i="0" kern="1200" baseline="0" dirty="0">
+                          <a:solidFill>
+                            <a:schemeClr val="lt1"/>
+                          </a:solidFill>
+                          <a:latin typeface="Consolas" panose="020B0609020204030204" pitchFamily="49" charset="0"/>
+                          <a:ea typeface="+mn-ea"/>
+                          <a:cs typeface="+mn-cs"/>
+                        </a:rPr>
+                      </a:br>
+                      <a:r>
+                        <a:rPr lang="en-US" sz="1100" b="0" i="0" kern="1200" baseline="0" dirty="0">
+                          <a:solidFill>
+                            <a:schemeClr val="lt1"/>
+                          </a:solidFill>
+                          <a:latin typeface="Consolas" panose="020B0609020204030204" pitchFamily="49" charset="0"/>
+                          <a:ea typeface="+mn-ea"/>
+                          <a:cs typeface="+mn-cs"/>
+                        </a:rPr>
+                        <a:t>CATDB&gt; set colsep default</a:t>
+                      </a:r>
+                    </a:p>
+                  </a:txBody>
+                  <a:tcPr/>
+                </a:tc>
+                <a:extLst>
+                  <a:ext uri="{0D108BD9-81ED-4DB2-BD59-A6C34878D82A}">
+                    <a16:rowId xmlns:a16="http://schemas.microsoft.com/office/drawing/2014/main" val="1504338429"/>
+                  </a:ext>
+                </a:extLst>
+              </a:tr>
+            </a:tbl>
+          </a:graphicData>
+        </a:graphic>
+      </p:graphicFrame>
+      <p:sp>
+        <p:nvSpPr>
+          <p:cNvPr id="5" name="内容占位符 2">
+            <a:extLst>
+              <a:ext uri="{FF2B5EF4-FFF2-40B4-BE49-F238E27FC236}">
+                <a16:creationId xmlns:a16="http://schemas.microsoft.com/office/drawing/2014/main" id="{11EF5E99-F123-4A81-818D-EA921BFA96B0}"/>
+              </a:ext>
+            </a:extLst>
+          </p:cNvPr>
+          <p:cNvSpPr>
+            <a:spLocks noGrp="1"/>
+          </p:cNvSpPr>
+          <p:nvPr>
+            <p:ph idx="1"/>
+          </p:nvPr>
+        </p:nvSpPr>
+        <p:spPr>
+          <a:xfrm>
+            <a:off x="838200" y="1010093"/>
+            <a:ext cx="10275779" cy="621105"/>
+          </a:xfrm>
+        </p:spPr>
+        <p:txBody>
+          <a:bodyPr>
+            <a:normAutofit fontScale="85000" lnSpcReduction="20000"/>
+          </a:bodyPr>
+          <a:lstStyle/>
+          <a:p>
+            <a:r>
+              <a:rPr lang="en-US" dirty="0"/>
+              <a:t>The string columns are auto-adjusted to fit the screen, refer to “set grid” for more manual configurations</a:t>
+            </a:r>
+          </a:p>
+          <a:p>
+            <a:pPr marL="0" indent="0">
+              <a:buNone/>
+            </a:pPr>
+            <a:endParaRPr lang="en-US" dirty="0"/>
+          </a:p>
+        </p:txBody>
+      </p:sp>
+    </p:spTree>
+    <p:extLst>
+      <p:ext uri="{BB962C8B-B14F-4D97-AF65-F5344CB8AC3E}">
+        <p14:creationId xmlns:p14="http://schemas.microsoft.com/office/powerpoint/2010/main" val="3356030857"/>
+      </p:ext>
+    </p:extLst>
+  </p:cSld>
+  <p:clrMapOvr>
+    <a:masterClrMapping/>
+  </p:clrMapOvr>
+</p:sld>
+</file>
+
+<file path=ppt/slides/slide50.xml><?xml version="1.0" encoding="utf-8"?>
 <p:sld xmlns:a="http://schemas.openxmlformats.org/drawingml/2006/main" xmlns:r="http://schemas.openxmlformats.org/officeDocument/2006/relationships" xmlns:p="http://schemas.openxmlformats.org/presentationml/2006/main">
   <p:cSld>
     <p:spTree>
@@ -20942,7 +22508,7 @@
 </p:sld>
 </file>
 
-<file path=ppt/slides/slide49.xml><?xml version="1.0" encoding="utf-8"?>
+<file path=ppt/slides/slide51.xml><?xml version="1.0" encoding="utf-8"?>
 <p:sld xmlns:a="http://schemas.openxmlformats.org/drawingml/2006/main" xmlns:r="http://schemas.openxmlformats.org/officeDocument/2006/relationships" xmlns:p="http://schemas.openxmlformats.org/presentationml/2006/main">
   <p:cSld>
     <p:spTree>
@@ -21072,855 +22638,7 @@
 </p:sld>
 </file>
 
-<file path=ppt/slides/slide5.xml><?xml version="1.0" encoding="utf-8"?>
-<p:sld xmlns:a="http://schemas.openxmlformats.org/drawingml/2006/main" xmlns:r="http://schemas.openxmlformats.org/officeDocument/2006/relationships" xmlns:p="http://schemas.openxmlformats.org/presentationml/2006/main">
-  <p:cSld>
-    <p:spTree>
-      <p:nvGrpSpPr>
-        <p:cNvPr id="1" name=""/>
-        <p:cNvGrpSpPr/>
-        <p:nvPr/>
-      </p:nvGrpSpPr>
-      <p:grpSpPr>
-        <a:xfrm>
-          <a:off x="0" y="0"/>
-          <a:ext cx="0" cy="0"/>
-          <a:chOff x="0" y="0"/>
-          <a:chExt cx="0" cy="0"/>
-        </a:xfrm>
-      </p:grpSpPr>
-      <p:sp>
-        <p:nvSpPr>
-          <p:cNvPr id="2" name="标题 1">
-            <a:extLst>
-              <a:ext uri="{FF2B5EF4-FFF2-40B4-BE49-F238E27FC236}">
-                <a16:creationId xmlns:a16="http://schemas.microsoft.com/office/drawing/2014/main" id="{31E9F1B0-DF27-4D82-B726-DDD3F9CF7328}"/>
-              </a:ext>
-            </a:extLst>
-          </p:cNvPr>
-          <p:cNvSpPr>
-            <a:spLocks noGrp="1"/>
-          </p:cNvSpPr>
-          <p:nvPr>
-            <p:ph type="title"/>
-          </p:nvPr>
-        </p:nvSpPr>
-        <p:spPr>
-          <a:xfrm>
-            <a:off x="838200" y="184372"/>
-            <a:ext cx="10515600" cy="708763"/>
-          </a:xfrm>
-        </p:spPr>
-        <p:txBody>
-          <a:bodyPr/>
-          <a:lstStyle/>
-          <a:p>
-            <a:r>
-              <a:rPr lang="en-US" dirty="0"/>
-              <a:t>Intelligent format of the query output(Set)</a:t>
-            </a:r>
-          </a:p>
-        </p:txBody>
-      </p:sp>
-      <p:graphicFrame>
-        <p:nvGraphicFramePr>
-          <p:cNvPr id="4" name="表格 3">
-            <a:extLst>
-              <a:ext uri="{FF2B5EF4-FFF2-40B4-BE49-F238E27FC236}">
-                <a16:creationId xmlns:a16="http://schemas.microsoft.com/office/drawing/2014/main" id="{2563436E-7DD6-46CC-BCAE-29765B663613}"/>
-              </a:ext>
-            </a:extLst>
-          </p:cNvPr>
-          <p:cNvGraphicFramePr>
-            <a:graphicFrameLocks noGrp="1"/>
-          </p:cNvGraphicFramePr>
-          <p:nvPr>
-            <p:extLst>
-              <p:ext uri="{D42A27DB-BD31-4B8C-83A1-F6EECF244321}">
-                <p14:modId xmlns:p14="http://schemas.microsoft.com/office/powerpoint/2010/main" val="2259286601"/>
-              </p:ext>
-            </p:extLst>
-          </p:nvPr>
-        </p:nvGraphicFramePr>
-        <p:xfrm>
-          <a:off x="838200" y="1748157"/>
-          <a:ext cx="10374425" cy="5791200"/>
-        </p:xfrm>
-        <a:graphic>
-          <a:graphicData uri="http://schemas.openxmlformats.org/drawingml/2006/table">
-            <a:tbl>
-              <a:tblPr firstRow="1" bandRow="1">
-                <a:tableStyleId>{5C22544A-7EE6-4342-B048-85BDC9FD1C3A}</a:tableStyleId>
-              </a:tblPr>
-              <a:tblGrid>
-                <a:gridCol w="10374425">
-                  <a:extLst>
-                    <a:ext uri="{9D8B030D-6E8A-4147-A177-3AD203B41FA5}">
-                      <a16:colId xmlns:a16="http://schemas.microsoft.com/office/drawing/2014/main" val="4245137307"/>
-                    </a:ext>
-                  </a:extLst>
-                </a:gridCol>
-              </a:tblGrid>
-              <a:tr h="4570526">
-                <a:tc>
-                  <a:txBody>
-                    <a:bodyPr/>
-                    <a:lstStyle/>
-                    <a:p>
-                      <a:r>
-                        <a:rPr lang="en-US" sz="1100" b="0" i="0" kern="1200" baseline="0" dirty="0">
-                          <a:solidFill>
-                            <a:schemeClr val="lt1"/>
-                          </a:solidFill>
-                          <a:latin typeface="Consolas" panose="020B0609020204030204" pitchFamily="49" charset="0"/>
-                          <a:ea typeface="+mn-ea"/>
-                          <a:cs typeface="+mn-cs"/>
-                        </a:rPr>
-                        <a:t>CATDB&gt; set printsize 10                                                                                              </a:t>
-                      </a:r>
-                      <a:br>
-                        <a:rPr lang="en-US" sz="1100" b="0" i="0" kern="1200" baseline="0" dirty="0">
-                          <a:solidFill>
-                            <a:schemeClr val="lt1"/>
-                          </a:solidFill>
-                          <a:latin typeface="Consolas" panose="020B0609020204030204" pitchFamily="49" charset="0"/>
-                          <a:ea typeface="+mn-ea"/>
-                          <a:cs typeface="+mn-cs"/>
-                        </a:rPr>
-                      </a:br>
-                      <a:r>
-                        <a:rPr lang="en-US" sz="1100" b="0" i="0" kern="1200" baseline="0" dirty="0">
-                          <a:solidFill>
-                            <a:schemeClr val="lt1"/>
-                          </a:solidFill>
-                          <a:latin typeface="Consolas" panose="020B0609020204030204" pitchFamily="49" charset="0"/>
-                          <a:ea typeface="+mn-ea"/>
-                          <a:cs typeface="+mn-cs"/>
-                        </a:rPr>
-                        <a:t>CATDB&gt; sf dba_objects                                                                                                </a:t>
-                      </a:r>
-                      <a:br>
-                        <a:rPr lang="en-US" sz="1100" b="0" i="0" kern="1200" baseline="0" dirty="0">
-                          <a:solidFill>
-                            <a:schemeClr val="lt1"/>
-                          </a:solidFill>
-                          <a:latin typeface="Consolas" panose="020B0609020204030204" pitchFamily="49" charset="0"/>
-                          <a:ea typeface="+mn-ea"/>
-                          <a:cs typeface="+mn-cs"/>
-                        </a:rPr>
-                      </a:br>
-                      <a:r>
-                        <a:rPr lang="en-US" sz="1100" b="0" i="0" kern="1200" baseline="0" dirty="0">
-                          <a:solidFill>
-                            <a:schemeClr val="lt1"/>
-                          </a:solidFill>
-                          <a:latin typeface="Consolas" panose="020B0609020204030204" pitchFamily="49" charset="0"/>
-                          <a:ea typeface="+mn-ea"/>
-                          <a:cs typeface="+mn-cs"/>
-                        </a:rPr>
-                        <a:t>    $ select * from (select * from dba_objects) where rownum&lt;=50                                                     </a:t>
-                      </a:r>
-                      <a:br>
-                        <a:rPr lang="en-US" sz="1100" b="0" i="0" kern="1200" baseline="0" dirty="0">
-                          <a:solidFill>
-                            <a:schemeClr val="lt1"/>
-                          </a:solidFill>
-                          <a:latin typeface="Consolas" panose="020B0609020204030204" pitchFamily="49" charset="0"/>
-                          <a:ea typeface="+mn-ea"/>
-                          <a:cs typeface="+mn-cs"/>
-                        </a:rPr>
-                      </a:br>
-                      <a:r>
-                        <a:rPr lang="en-US" sz="1100" b="0" i="0" kern="1200" baseline="0" dirty="0">
-                          <a:solidFill>
-                            <a:schemeClr val="lt1"/>
-                          </a:solidFill>
-                          <a:latin typeface="Consolas" panose="020B0609020204030204" pitchFamily="49" charset="0"/>
-                          <a:ea typeface="+mn-ea"/>
-                          <a:cs typeface="+mn-cs"/>
-                        </a:rPr>
-                        <a:t>    OWNER  OBJECT_NAME   SUBOBJECT_NAME OBJECT_ID DATA_OBJECT_ID OBJECT_TYPE       CREATED          LAST_DDL_TIME    </a:t>
-                      </a:r>
-                      <a:br>
-                        <a:rPr lang="en-US" sz="1100" b="0" i="0" kern="1200" baseline="0" dirty="0">
-                          <a:solidFill>
-                            <a:schemeClr val="lt1"/>
-                          </a:solidFill>
-                          <a:latin typeface="Consolas" panose="020B0609020204030204" pitchFamily="49" charset="0"/>
-                          <a:ea typeface="+mn-ea"/>
-                          <a:cs typeface="+mn-cs"/>
-                        </a:rPr>
-                      </a:br>
-                      <a:r>
-                        <a:rPr lang="en-US" sz="1100" b="0" i="0" kern="1200" baseline="0" dirty="0">
-                          <a:solidFill>
-                            <a:schemeClr val="lt1"/>
-                          </a:solidFill>
-                          <a:latin typeface="Consolas" panose="020B0609020204030204" pitchFamily="49" charset="0"/>
-                          <a:ea typeface="+mn-ea"/>
-                          <a:cs typeface="+mn-cs"/>
-                        </a:rPr>
-                        <a:t>    ----- -------------- -------------- --------- -------------- ----------- ------------------- ------------------- </a:t>
-                      </a:r>
-                      <a:br>
-                        <a:rPr lang="en-US" sz="1100" b="0" i="0" kern="1200" baseline="0" dirty="0">
-                          <a:solidFill>
-                            <a:schemeClr val="lt1"/>
-                          </a:solidFill>
-                          <a:latin typeface="Consolas" panose="020B0609020204030204" pitchFamily="49" charset="0"/>
-                          <a:ea typeface="+mn-ea"/>
-                          <a:cs typeface="+mn-cs"/>
-                        </a:rPr>
-                      </a:br>
-                      <a:r>
-                        <a:rPr lang="en-US" sz="1100" b="0" i="0" kern="1200" baseline="0" dirty="0">
-                          <a:solidFill>
-                            <a:schemeClr val="lt1"/>
-                          </a:solidFill>
-                          <a:latin typeface="Consolas" panose="020B0609020204030204" pitchFamily="49" charset="0"/>
-                          <a:ea typeface="+mn-ea"/>
-                          <a:cs typeface="+mn-cs"/>
-                        </a:rPr>
-                        <a:t>    SYS   TS$                                  16              6 TABLE       2018-02-07 22:51:55 2018-02-07 23:57:54 </a:t>
-                      </a:r>
-                      <a:br>
-                        <a:rPr lang="en-US" sz="1100" b="0" i="0" kern="1200" baseline="0" dirty="0">
-                          <a:solidFill>
-                            <a:schemeClr val="lt1"/>
-                          </a:solidFill>
-                          <a:latin typeface="Consolas" panose="020B0609020204030204" pitchFamily="49" charset="0"/>
-                          <a:ea typeface="+mn-ea"/>
-                          <a:cs typeface="+mn-cs"/>
-                        </a:rPr>
-                      </a:br>
-                      <a:r>
-                        <a:rPr lang="en-US" sz="1100" b="0" i="0" kern="1200" baseline="0" dirty="0">
-                          <a:solidFill>
-                            <a:schemeClr val="lt1"/>
-                          </a:solidFill>
-                          <a:latin typeface="Consolas" panose="020B0609020204030204" pitchFamily="49" charset="0"/>
-                          <a:ea typeface="+mn-ea"/>
-                          <a:cs typeface="+mn-cs"/>
-                        </a:rPr>
-                        <a:t>    SYS   ICOL$                                20              2 TABLE       2018-02-07 22:51:55 2018-02-07 23:57:54 </a:t>
-                      </a:r>
-                      <a:br>
-                        <a:rPr lang="en-US" sz="1100" b="0" i="0" kern="1200" baseline="0" dirty="0">
-                          <a:solidFill>
-                            <a:schemeClr val="lt1"/>
-                          </a:solidFill>
-                          <a:latin typeface="Consolas" panose="020B0609020204030204" pitchFamily="49" charset="0"/>
-                          <a:ea typeface="+mn-ea"/>
-                          <a:cs typeface="+mn-cs"/>
-                        </a:rPr>
-                      </a:br>
-                      <a:r>
-                        <a:rPr lang="en-US" sz="1100" b="0" i="0" kern="1200" baseline="0" dirty="0">
-                          <a:solidFill>
-                            <a:schemeClr val="lt1"/>
-                          </a:solidFill>
-                          <a:latin typeface="Consolas" panose="020B0609020204030204" pitchFamily="49" charset="0"/>
-                          <a:ea typeface="+mn-ea"/>
-                          <a:cs typeface="+mn-cs"/>
-                        </a:rPr>
-                        <a:t>    SYS   C_FILE#_BLOCK#                        8              8 CLUSTER     2018-02-07 22:51:55 2018-02-07 22:51:55 </a:t>
-                      </a:r>
-                      <a:br>
-                        <a:rPr lang="en-US" sz="1100" b="0" i="0" kern="1200" baseline="0" dirty="0">
-                          <a:solidFill>
-                            <a:schemeClr val="lt1"/>
-                          </a:solidFill>
-                          <a:latin typeface="Consolas" panose="020B0609020204030204" pitchFamily="49" charset="0"/>
-                          <a:ea typeface="+mn-ea"/>
-                          <a:cs typeface="+mn-cs"/>
-                        </a:rPr>
-                      </a:br>
-                      <a:r>
-                        <a:rPr lang="en-US" sz="1100" b="0" i="0" kern="1200" baseline="0" dirty="0">
-                          <a:solidFill>
-                            <a:schemeClr val="lt1"/>
-                          </a:solidFill>
-                          <a:latin typeface="Consolas" panose="020B0609020204030204" pitchFamily="49" charset="0"/>
-                          <a:ea typeface="+mn-ea"/>
-                          <a:cs typeface="+mn-cs"/>
-                        </a:rPr>
-                        <a:t>    SYS   I_OBJ2                               37             37 INDEX       2018-02-07 22:51:56 2018-02-07 22:51:56 </a:t>
-                      </a:r>
-                      <a:br>
-                        <a:rPr lang="en-US" sz="1100" b="0" i="0" kern="1200" baseline="0" dirty="0">
-                          <a:solidFill>
-                            <a:schemeClr val="lt1"/>
-                          </a:solidFill>
-                          <a:latin typeface="Consolas" panose="020B0609020204030204" pitchFamily="49" charset="0"/>
-                          <a:ea typeface="+mn-ea"/>
-                          <a:cs typeface="+mn-cs"/>
-                        </a:rPr>
-                      </a:br>
-                      <a:r>
-                        <a:rPr lang="en-US" sz="1100" b="0" i="0" kern="1200" baseline="0" dirty="0">
-                          <a:solidFill>
-                            <a:schemeClr val="lt1"/>
-                          </a:solidFill>
-                          <a:latin typeface="Consolas" panose="020B0609020204030204" pitchFamily="49" charset="0"/>
-                          <a:ea typeface="+mn-ea"/>
-                          <a:cs typeface="+mn-cs"/>
-                        </a:rPr>
-                        <a:t>    SYS   USER$                                22             10 TABLE       2018-02-07 22:51:55 2018-02-07 23:05:16 </a:t>
-                      </a:r>
-                      <a:br>
-                        <a:rPr lang="en-US" sz="1100" b="0" i="0" kern="1200" baseline="0" dirty="0">
-                          <a:solidFill>
-                            <a:schemeClr val="lt1"/>
-                          </a:solidFill>
-                          <a:latin typeface="Consolas" panose="020B0609020204030204" pitchFamily="49" charset="0"/>
-                          <a:ea typeface="+mn-ea"/>
-                          <a:cs typeface="+mn-cs"/>
-                        </a:rPr>
-                      </a:br>
-                      <a:r>
-                        <a:rPr lang="en-US" sz="1100" b="0" i="0" kern="1200" baseline="0" dirty="0">
-                          <a:solidFill>
-                            <a:schemeClr val="lt1"/>
-                          </a:solidFill>
-                          <a:latin typeface="Consolas" panose="020B0609020204030204" pitchFamily="49" charset="0"/>
-                          <a:ea typeface="+mn-ea"/>
-                          <a:cs typeface="+mn-cs"/>
-                        </a:rPr>
-                        <a:t>    SYS   I_TAB1                               33             33 INDEX       2018-02-07 22:51:55 2018-02-07 22:51:55 </a:t>
-                      </a:r>
-                      <a:br>
-                        <a:rPr lang="en-US" sz="1100" b="0" i="0" kern="1200" baseline="0" dirty="0">
-                          <a:solidFill>
-                            <a:schemeClr val="lt1"/>
-                          </a:solidFill>
-                          <a:latin typeface="Consolas" panose="020B0609020204030204" pitchFamily="49" charset="0"/>
-                          <a:ea typeface="+mn-ea"/>
-                          <a:cs typeface="+mn-cs"/>
-                        </a:rPr>
-                      </a:br>
-                      <a:r>
-                        <a:rPr lang="en-US" sz="1100" b="0" i="0" kern="1200" baseline="0" dirty="0">
-                          <a:solidFill>
-                            <a:schemeClr val="lt1"/>
-                          </a:solidFill>
-                          <a:latin typeface="Consolas" panose="020B0609020204030204" pitchFamily="49" charset="0"/>
-                          <a:ea typeface="+mn-ea"/>
-                          <a:cs typeface="+mn-cs"/>
-                        </a:rPr>
-                        <a:t>    SYS   I_OBJ5                               40             40 INDEX       2018-02-07 22:51:56 2018-02-07 22:51:56 </a:t>
-                      </a:r>
-                      <a:br>
-                        <a:rPr lang="en-US" sz="1100" b="0" i="0" kern="1200" baseline="0" dirty="0">
-                          <a:solidFill>
-                            <a:schemeClr val="lt1"/>
-                          </a:solidFill>
-                          <a:latin typeface="Consolas" panose="020B0609020204030204" pitchFamily="49" charset="0"/>
-                          <a:ea typeface="+mn-ea"/>
-                          <a:cs typeface="+mn-cs"/>
-                        </a:rPr>
-                      </a:br>
-                      <a:r>
-                        <a:rPr lang="en-US" sz="1100" b="0" i="0" kern="1200" baseline="0" dirty="0">
-                          <a:solidFill>
-                            <a:schemeClr val="lt1"/>
-                          </a:solidFill>
-                          <a:latin typeface="Consolas" panose="020B0609020204030204" pitchFamily="49" charset="0"/>
-                          <a:ea typeface="+mn-ea"/>
-                          <a:cs typeface="+mn-cs"/>
-                        </a:rPr>
-                        <a:t>    SYS   CDEF$                                31             29 TABLE       2018-02-07 22:51:55 2018-02-07 23:57:54 </a:t>
-                      </a:r>
-                      <a:br>
-                        <a:rPr lang="en-US" sz="1100" b="0" i="0" kern="1200" baseline="0" dirty="0">
-                          <a:solidFill>
-                            <a:schemeClr val="lt1"/>
-                          </a:solidFill>
-                          <a:latin typeface="Consolas" panose="020B0609020204030204" pitchFamily="49" charset="0"/>
-                          <a:ea typeface="+mn-ea"/>
-                          <a:cs typeface="+mn-cs"/>
-                        </a:rPr>
-                      </a:br>
-                      <a:r>
-                        <a:rPr lang="en-US" sz="1100" b="0" i="0" kern="1200" baseline="0" dirty="0">
-                          <a:solidFill>
-                            <a:schemeClr val="lt1"/>
-                          </a:solidFill>
-                          <a:latin typeface="Consolas" panose="020B0609020204030204" pitchFamily="49" charset="0"/>
-                          <a:ea typeface="+mn-ea"/>
-                          <a:cs typeface="+mn-cs"/>
-                        </a:rPr>
-                        <a:t>    SYS   I_IND1                               41             41 INDEX       2018-02-07 22:51:56 2018-02-07 22:51:56 </a:t>
-                      </a:r>
-                      <a:br>
-                        <a:rPr lang="en-US" sz="1100" b="0" i="0" kern="1200" baseline="0" dirty="0">
-                          <a:solidFill>
-                            <a:schemeClr val="lt1"/>
-                          </a:solidFill>
-                          <a:latin typeface="Consolas" panose="020B0609020204030204" pitchFamily="49" charset="0"/>
-                          <a:ea typeface="+mn-ea"/>
-                          <a:cs typeface="+mn-cs"/>
-                        </a:rPr>
-                      </a:br>
-                      <a:r>
-                        <a:rPr lang="en-US" sz="1100" b="0" i="0" kern="1200" baseline="0" dirty="0">
-                          <a:solidFill>
-                            <a:schemeClr val="lt1"/>
-                          </a:solidFill>
-                          <a:latin typeface="Consolas" panose="020B0609020204030204" pitchFamily="49" charset="0"/>
-                          <a:ea typeface="+mn-ea"/>
-                          <a:cs typeface="+mn-cs"/>
-                        </a:rPr>
-                        <a:t>    SYS   I_OBJ#                                3              3 INDEX       2018-02-07 22:51:55 2018-02-07 22:51:55 </a:t>
-                      </a:r>
-                      <a:br>
-                        <a:rPr lang="en-US" sz="1100" b="0" i="0" kern="1200" baseline="0" dirty="0">
-                          <a:solidFill>
-                            <a:schemeClr val="lt1"/>
-                          </a:solidFill>
-                          <a:latin typeface="Consolas" panose="020B0609020204030204" pitchFamily="49" charset="0"/>
-                          <a:ea typeface="+mn-ea"/>
-                          <a:cs typeface="+mn-cs"/>
-                        </a:rPr>
-                      </a:br>
-                      <a:r>
-                        <a:rPr lang="en-US" sz="1100" b="0" i="0" kern="1200" baseline="0" dirty="0">
-                          <a:solidFill>
-                            <a:schemeClr val="lt1"/>
-                          </a:solidFill>
-                          <a:latin typeface="Consolas" panose="020B0609020204030204" pitchFamily="49" charset="0"/>
-                          <a:ea typeface="+mn-ea"/>
-                          <a:cs typeface="+mn-cs"/>
-                        </a:rPr>
-                        <a:t>                                                                                                                     </a:t>
-                      </a:r>
-                      <a:br>
-                        <a:rPr lang="en-US" sz="1100" b="0" i="0" kern="1200" baseline="0" dirty="0">
-                          <a:solidFill>
-                            <a:schemeClr val="lt1"/>
-                          </a:solidFill>
-                          <a:latin typeface="Consolas" panose="020B0609020204030204" pitchFamily="49" charset="0"/>
-                          <a:ea typeface="+mn-ea"/>
-                          <a:cs typeface="+mn-cs"/>
-                        </a:rPr>
-                      </a:br>
-                      <a:r>
-                        <a:rPr lang="en-US" sz="1100" b="0" i="0" kern="1200" baseline="0" dirty="0">
-                          <a:solidFill>
-                            <a:schemeClr val="lt1"/>
-                          </a:solidFill>
-                          <a:latin typeface="Consolas" panose="020B0609020204030204" pitchFamily="49" charset="0"/>
-                          <a:ea typeface="+mn-ea"/>
-                          <a:cs typeface="+mn-cs"/>
-                        </a:rPr>
-                        <a:t>    10 rows returned.    </a:t>
-                      </a:r>
-                    </a:p>
-                    <a:p>
-                      <a:r>
-                        <a:rPr lang="en-US" sz="1100" b="0" i="0" kern="1200" baseline="0" dirty="0">
-                          <a:solidFill>
-                            <a:schemeClr val="lt1"/>
-                          </a:solidFill>
-                          <a:latin typeface="Consolas" panose="020B0609020204030204" pitchFamily="49" charset="0"/>
-                          <a:ea typeface="+mn-ea"/>
-                          <a:cs typeface="+mn-cs"/>
-                        </a:rPr>
-                        <a:t>                                                                                            </a:t>
-                      </a:r>
-                      <a:br>
-                        <a:rPr lang="en-US" sz="1100" b="0" i="0" kern="1200" baseline="0" dirty="0">
-                          <a:solidFill>
-                            <a:schemeClr val="lt1"/>
-                          </a:solidFill>
-                          <a:latin typeface="Consolas" panose="020B0609020204030204" pitchFamily="49" charset="0"/>
-                          <a:ea typeface="+mn-ea"/>
-                          <a:cs typeface="+mn-cs"/>
-                        </a:rPr>
-                      </a:br>
-                      <a:r>
-                        <a:rPr lang="en-US" sz="1100" b="0" i="0" kern="1200" baseline="0" dirty="0">
-                          <a:solidFill>
-                            <a:schemeClr val="lt1"/>
-                          </a:solidFill>
-                          <a:latin typeface="Consolas" panose="020B0609020204030204" pitchFamily="49" charset="0"/>
-                          <a:ea typeface="+mn-ea"/>
-                          <a:cs typeface="+mn-cs"/>
-                        </a:rPr>
-                        <a:t>CATDB&gt; set printsize 5 colsep |                                                                                       </a:t>
-                      </a:r>
-                      <a:br>
-                        <a:rPr lang="en-US" sz="1100" b="0" i="0" kern="1200" baseline="0" dirty="0">
-                          <a:solidFill>
-                            <a:schemeClr val="lt1"/>
-                          </a:solidFill>
-                          <a:latin typeface="Consolas" panose="020B0609020204030204" pitchFamily="49" charset="0"/>
-                          <a:ea typeface="+mn-ea"/>
-                          <a:cs typeface="+mn-cs"/>
-                        </a:rPr>
-                      </a:br>
-                      <a:r>
-                        <a:rPr lang="en-US" sz="1100" b="0" i="0" kern="1200" baseline="0" dirty="0">
-                          <a:solidFill>
-                            <a:schemeClr val="lt1"/>
-                          </a:solidFill>
-                          <a:latin typeface="Consolas" panose="020B0609020204030204" pitchFamily="49" charset="0"/>
-                          <a:ea typeface="+mn-ea"/>
-                          <a:cs typeface="+mn-cs"/>
-                        </a:rPr>
-                        <a:t>CATDB&gt; sf dba_objects                                                                                                 </a:t>
-                      </a:r>
-                      <a:br>
-                        <a:rPr lang="en-US" sz="1100" b="0" i="0" kern="1200" baseline="0" dirty="0">
-                          <a:solidFill>
-                            <a:schemeClr val="lt1"/>
-                          </a:solidFill>
-                          <a:latin typeface="Consolas" panose="020B0609020204030204" pitchFamily="49" charset="0"/>
-                          <a:ea typeface="+mn-ea"/>
-                          <a:cs typeface="+mn-cs"/>
-                        </a:rPr>
-                      </a:br>
-                      <a:r>
-                        <a:rPr lang="en-US" sz="1100" b="0" i="0" kern="1200" baseline="0" dirty="0">
-                          <a:solidFill>
-                            <a:schemeClr val="lt1"/>
-                          </a:solidFill>
-                          <a:latin typeface="Consolas" panose="020B0609020204030204" pitchFamily="49" charset="0"/>
-                          <a:ea typeface="+mn-ea"/>
-                          <a:cs typeface="+mn-cs"/>
-                        </a:rPr>
-                        <a:t>    $ select * from (select * from dba_objects) where rownum&lt;=50                                                      </a:t>
-                      </a:r>
-                      <a:br>
-                        <a:rPr lang="en-US" sz="1100" b="0" i="0" kern="1200" baseline="0" dirty="0">
-                          <a:solidFill>
-                            <a:schemeClr val="lt1"/>
-                          </a:solidFill>
-                          <a:latin typeface="Consolas" panose="020B0609020204030204" pitchFamily="49" charset="0"/>
-                          <a:ea typeface="+mn-ea"/>
-                          <a:cs typeface="+mn-cs"/>
-                        </a:rPr>
-                      </a:br>
-                      <a:r>
-                        <a:rPr lang="en-US" sz="1100" b="0" i="0" kern="1200" baseline="0" dirty="0">
-                          <a:solidFill>
-                            <a:schemeClr val="lt1"/>
-                          </a:solidFill>
-                          <a:latin typeface="Consolas" panose="020B0609020204030204" pitchFamily="49" charset="0"/>
-                          <a:ea typeface="+mn-ea"/>
-                          <a:cs typeface="+mn-cs"/>
-                        </a:rPr>
-                        <a:t>    +-----+--------------+--------------+---------+--------------+-----------+-------------------+-------------------+</a:t>
-                      </a:r>
-                      <a:br>
-                        <a:rPr lang="en-US" sz="1100" b="0" i="0" kern="1200" baseline="0" dirty="0">
-                          <a:solidFill>
-                            <a:schemeClr val="lt1"/>
-                          </a:solidFill>
-                          <a:latin typeface="Consolas" panose="020B0609020204030204" pitchFamily="49" charset="0"/>
-                          <a:ea typeface="+mn-ea"/>
-                          <a:cs typeface="+mn-cs"/>
-                        </a:rPr>
-                      </a:br>
-                      <a:r>
-                        <a:rPr lang="en-US" sz="1100" b="0" i="0" kern="1200" baseline="0" dirty="0">
-                          <a:solidFill>
-                            <a:schemeClr val="lt1"/>
-                          </a:solidFill>
-                          <a:latin typeface="Consolas" panose="020B0609020204030204" pitchFamily="49" charset="0"/>
-                          <a:ea typeface="+mn-ea"/>
-                          <a:cs typeface="+mn-cs"/>
-                        </a:rPr>
-                        <a:t>    |OWNER| OBJECT_NAME  |SUBOBJECT_NAME|OBJECT_ID|DATA_OBJECT_ID|OBJECT_TYPE|      CREATED      |   LAST_DDL_TIME   |</a:t>
-                      </a:r>
-                      <a:br>
-                        <a:rPr lang="en-US" sz="1100" b="0" i="0" kern="1200" baseline="0" dirty="0">
-                          <a:solidFill>
-                            <a:schemeClr val="lt1"/>
-                          </a:solidFill>
-                          <a:latin typeface="Consolas" panose="020B0609020204030204" pitchFamily="49" charset="0"/>
-                          <a:ea typeface="+mn-ea"/>
-                          <a:cs typeface="+mn-cs"/>
-                        </a:rPr>
-                      </a:br>
-                      <a:r>
-                        <a:rPr lang="en-US" sz="1100" b="0" i="0" kern="1200" baseline="0" dirty="0">
-                          <a:solidFill>
-                            <a:schemeClr val="lt1"/>
-                          </a:solidFill>
-                          <a:latin typeface="Consolas" panose="020B0609020204030204" pitchFamily="49" charset="0"/>
-                          <a:ea typeface="+mn-ea"/>
-                          <a:cs typeface="+mn-cs"/>
-                        </a:rPr>
-                        <a:t>    |-----|--------------|--------------|---------|--------------|-----------|-------------------|-------------------|</a:t>
-                      </a:r>
-                      <a:br>
-                        <a:rPr lang="en-US" sz="1100" b="0" i="0" kern="1200" baseline="0" dirty="0">
-                          <a:solidFill>
-                            <a:schemeClr val="lt1"/>
-                          </a:solidFill>
-                          <a:latin typeface="Consolas" panose="020B0609020204030204" pitchFamily="49" charset="0"/>
-                          <a:ea typeface="+mn-ea"/>
-                          <a:cs typeface="+mn-cs"/>
-                        </a:rPr>
-                      </a:br>
-                      <a:r>
-                        <a:rPr lang="en-US" sz="1100" b="0" i="0" kern="1200" baseline="0" dirty="0">
-                          <a:solidFill>
-                            <a:schemeClr val="lt1"/>
-                          </a:solidFill>
-                          <a:latin typeface="Consolas" panose="020B0609020204030204" pitchFamily="49" charset="0"/>
-                          <a:ea typeface="+mn-ea"/>
-                          <a:cs typeface="+mn-cs"/>
-                        </a:rPr>
-                        <a:t>    |SYS  |TS$           |              |       16|             6|TABLE      |2018-02-07 22:51:55|2018-02-07 23:57:54|</a:t>
-                      </a:r>
-                      <a:br>
-                        <a:rPr lang="en-US" sz="1100" b="0" i="0" kern="1200" baseline="0" dirty="0">
-                          <a:solidFill>
-                            <a:schemeClr val="lt1"/>
-                          </a:solidFill>
-                          <a:latin typeface="Consolas" panose="020B0609020204030204" pitchFamily="49" charset="0"/>
-                          <a:ea typeface="+mn-ea"/>
-                          <a:cs typeface="+mn-cs"/>
-                        </a:rPr>
-                      </a:br>
-                      <a:r>
-                        <a:rPr lang="en-US" sz="1100" b="0" i="0" kern="1200" baseline="0" dirty="0">
-                          <a:solidFill>
-                            <a:schemeClr val="lt1"/>
-                          </a:solidFill>
-                          <a:latin typeface="Consolas" panose="020B0609020204030204" pitchFamily="49" charset="0"/>
-                          <a:ea typeface="+mn-ea"/>
-                          <a:cs typeface="+mn-cs"/>
-                        </a:rPr>
-                        <a:t>    |SYS  |ICOL$         |              |       20|             2|TABLE      |2018-02-07 22:51:55|2018-02-07 23:57:54|</a:t>
-                      </a:r>
-                      <a:br>
-                        <a:rPr lang="en-US" sz="1100" b="0" i="0" kern="1200" baseline="0" dirty="0">
-                          <a:solidFill>
-                            <a:schemeClr val="lt1"/>
-                          </a:solidFill>
-                          <a:latin typeface="Consolas" panose="020B0609020204030204" pitchFamily="49" charset="0"/>
-                          <a:ea typeface="+mn-ea"/>
-                          <a:cs typeface="+mn-cs"/>
-                        </a:rPr>
-                      </a:br>
-                      <a:r>
-                        <a:rPr lang="en-US" sz="1100" b="0" i="0" kern="1200" baseline="0" dirty="0">
-                          <a:solidFill>
-                            <a:schemeClr val="lt1"/>
-                          </a:solidFill>
-                          <a:latin typeface="Consolas" panose="020B0609020204030204" pitchFamily="49" charset="0"/>
-                          <a:ea typeface="+mn-ea"/>
-                          <a:cs typeface="+mn-cs"/>
-                        </a:rPr>
-                        <a:t>    |SYS  |C_FILE#_BLOCK#|              |        8|             8|CLUSTER    |2018-02-07 22:51:55|2018-02-07 22:51:55|</a:t>
-                      </a:r>
-                      <a:br>
-                        <a:rPr lang="en-US" sz="1100" b="0" i="0" kern="1200" baseline="0" dirty="0">
-                          <a:solidFill>
-                            <a:schemeClr val="lt1"/>
-                          </a:solidFill>
-                          <a:latin typeface="Consolas" panose="020B0609020204030204" pitchFamily="49" charset="0"/>
-                          <a:ea typeface="+mn-ea"/>
-                          <a:cs typeface="+mn-cs"/>
-                        </a:rPr>
-                      </a:br>
-                      <a:r>
-                        <a:rPr lang="en-US" sz="1100" b="0" i="0" kern="1200" baseline="0" dirty="0">
-                          <a:solidFill>
-                            <a:schemeClr val="lt1"/>
-                          </a:solidFill>
-                          <a:latin typeface="Consolas" panose="020B0609020204030204" pitchFamily="49" charset="0"/>
-                          <a:ea typeface="+mn-ea"/>
-                          <a:cs typeface="+mn-cs"/>
-                        </a:rPr>
-                        <a:t>    |SYS  |I_OBJ2        |              |       37|            37|INDEX      |2018-02-07 22:51:56|2018-02-07 22:51:56|</a:t>
-                      </a:r>
-                      <a:br>
-                        <a:rPr lang="en-US" sz="1100" b="0" i="0" kern="1200" baseline="0" dirty="0">
-                          <a:solidFill>
-                            <a:schemeClr val="lt1"/>
-                          </a:solidFill>
-                          <a:latin typeface="Consolas" panose="020B0609020204030204" pitchFamily="49" charset="0"/>
-                          <a:ea typeface="+mn-ea"/>
-                          <a:cs typeface="+mn-cs"/>
-                        </a:rPr>
-                      </a:br>
-                      <a:r>
-                        <a:rPr lang="en-US" sz="1100" b="0" i="0" kern="1200" baseline="0" dirty="0">
-                          <a:solidFill>
-                            <a:schemeClr val="lt1"/>
-                          </a:solidFill>
-                          <a:latin typeface="Consolas" panose="020B0609020204030204" pitchFamily="49" charset="0"/>
-                          <a:ea typeface="+mn-ea"/>
-                          <a:cs typeface="+mn-cs"/>
-                        </a:rPr>
-                        <a:t>    |SYS  |USER$         |              |       22|            10|TABLE      |2018-02-07 22:51:55|2018-02-07 23:05:16|</a:t>
-                      </a:r>
-                      <a:br>
-                        <a:rPr lang="en-US" sz="1100" b="0" i="0" kern="1200" baseline="0" dirty="0">
-                          <a:solidFill>
-                            <a:schemeClr val="lt1"/>
-                          </a:solidFill>
-                          <a:latin typeface="Consolas" panose="020B0609020204030204" pitchFamily="49" charset="0"/>
-                          <a:ea typeface="+mn-ea"/>
-                          <a:cs typeface="+mn-cs"/>
-                        </a:rPr>
-                      </a:br>
-                      <a:r>
-                        <a:rPr lang="en-US" sz="1100" b="0" i="0" kern="1200" baseline="0" dirty="0">
-                          <a:solidFill>
-                            <a:schemeClr val="lt1"/>
-                          </a:solidFill>
-                          <a:latin typeface="Consolas" panose="020B0609020204030204" pitchFamily="49" charset="0"/>
-                          <a:ea typeface="+mn-ea"/>
-                          <a:cs typeface="+mn-cs"/>
-                        </a:rPr>
-                        <a:t>    +-----+--------------+--------------+---------+--------------+-----------+-------------------+-------------------+</a:t>
-                      </a:r>
-                      <a:br>
-                        <a:rPr lang="en-US" sz="1100" b="0" i="0" kern="1200" baseline="0" dirty="0">
-                          <a:solidFill>
-                            <a:schemeClr val="lt1"/>
-                          </a:solidFill>
-                          <a:latin typeface="Consolas" panose="020B0609020204030204" pitchFamily="49" charset="0"/>
-                          <a:ea typeface="+mn-ea"/>
-                          <a:cs typeface="+mn-cs"/>
-                        </a:rPr>
-                      </a:br>
-                      <a:r>
-                        <a:rPr lang="en-US" sz="1100" b="0" i="0" kern="1200" baseline="0" dirty="0">
-                          <a:solidFill>
-                            <a:schemeClr val="lt1"/>
-                          </a:solidFill>
-                          <a:latin typeface="Consolas" panose="020B0609020204030204" pitchFamily="49" charset="0"/>
-                          <a:ea typeface="+mn-ea"/>
-                          <a:cs typeface="+mn-cs"/>
-                        </a:rPr>
-                        <a:t>                                                                                                                      </a:t>
-                      </a:r>
-                      <a:br>
-                        <a:rPr lang="en-US" sz="1100" b="0" i="0" kern="1200" baseline="0" dirty="0">
-                          <a:solidFill>
-                            <a:schemeClr val="lt1"/>
-                          </a:solidFill>
-                          <a:latin typeface="Consolas" panose="020B0609020204030204" pitchFamily="49" charset="0"/>
-                          <a:ea typeface="+mn-ea"/>
-                          <a:cs typeface="+mn-cs"/>
-                        </a:rPr>
-                      </a:br>
-                      <a:r>
-                        <a:rPr lang="en-US" sz="1100" b="0" i="0" kern="1200" baseline="0" dirty="0">
-                          <a:solidFill>
-                            <a:schemeClr val="lt1"/>
-                          </a:solidFill>
-                          <a:latin typeface="Consolas" panose="020B0609020204030204" pitchFamily="49" charset="0"/>
-                          <a:ea typeface="+mn-ea"/>
-                          <a:cs typeface="+mn-cs"/>
-                        </a:rPr>
-                        <a:t>    5 rows returned.                                                                                                  </a:t>
-                      </a:r>
-                      <a:br>
-                        <a:rPr lang="en-US" sz="1100" b="0" i="0" kern="1200" baseline="0" dirty="0">
-                          <a:solidFill>
-                            <a:schemeClr val="lt1"/>
-                          </a:solidFill>
-                          <a:latin typeface="Consolas" panose="020B0609020204030204" pitchFamily="49" charset="0"/>
-                          <a:ea typeface="+mn-ea"/>
-                          <a:cs typeface="+mn-cs"/>
-                        </a:rPr>
-                      </a:br>
-                      <a:br>
-                        <a:rPr lang="en-US" sz="1100" b="0" i="0" kern="1200" baseline="0" dirty="0">
-                          <a:solidFill>
-                            <a:schemeClr val="lt1"/>
-                          </a:solidFill>
-                          <a:latin typeface="Consolas" panose="020B0609020204030204" pitchFamily="49" charset="0"/>
-                          <a:ea typeface="+mn-ea"/>
-                          <a:cs typeface="+mn-cs"/>
-                        </a:rPr>
-                      </a:br>
-                      <a:r>
-                        <a:rPr lang="en-US" sz="1100" b="0" i="0" kern="1200" baseline="0" dirty="0">
-                          <a:solidFill>
-                            <a:schemeClr val="lt1"/>
-                          </a:solidFill>
-                          <a:latin typeface="Consolas" panose="020B0609020204030204" pitchFamily="49" charset="0"/>
-                          <a:ea typeface="+mn-ea"/>
-                          <a:cs typeface="+mn-cs"/>
-                        </a:rPr>
-                        <a:t>CATDB&gt; set colsep default</a:t>
-                      </a:r>
-                    </a:p>
-                  </a:txBody>
-                  <a:tcPr/>
-                </a:tc>
-                <a:extLst>
-                  <a:ext uri="{0D108BD9-81ED-4DB2-BD59-A6C34878D82A}">
-                    <a16:rowId xmlns:a16="http://schemas.microsoft.com/office/drawing/2014/main" val="1504338429"/>
-                  </a:ext>
-                </a:extLst>
-              </a:tr>
-            </a:tbl>
-          </a:graphicData>
-        </a:graphic>
-      </p:graphicFrame>
-      <p:sp>
-        <p:nvSpPr>
-          <p:cNvPr id="5" name="内容占位符 2">
-            <a:extLst>
-              <a:ext uri="{FF2B5EF4-FFF2-40B4-BE49-F238E27FC236}">
-                <a16:creationId xmlns:a16="http://schemas.microsoft.com/office/drawing/2014/main" id="{11EF5E99-F123-4A81-818D-EA921BFA96B0}"/>
-              </a:ext>
-            </a:extLst>
-          </p:cNvPr>
-          <p:cNvSpPr>
-            <a:spLocks noGrp="1"/>
-          </p:cNvSpPr>
-          <p:nvPr>
-            <p:ph idx="1"/>
-          </p:nvPr>
-        </p:nvSpPr>
-        <p:spPr>
-          <a:xfrm>
-            <a:off x="838200" y="1010093"/>
-            <a:ext cx="10275779" cy="621105"/>
-          </a:xfrm>
-        </p:spPr>
-        <p:txBody>
-          <a:bodyPr>
-            <a:normAutofit fontScale="85000" lnSpcReduction="20000"/>
-          </a:bodyPr>
-          <a:lstStyle/>
-          <a:p>
-            <a:r>
-              <a:rPr lang="en-US" dirty="0"/>
-              <a:t>The string columns are auto-adjusted to fit the screen, refer to “set grid” for more manual configurations</a:t>
-            </a:r>
-          </a:p>
-          <a:p>
-            <a:pPr marL="0" indent="0">
-              <a:buNone/>
-            </a:pPr>
-            <a:endParaRPr lang="en-US" dirty="0"/>
-          </a:p>
-        </p:txBody>
-      </p:sp>
-    </p:spTree>
-    <p:extLst>
-      <p:ext uri="{BB962C8B-B14F-4D97-AF65-F5344CB8AC3E}">
-        <p14:creationId xmlns:p14="http://schemas.microsoft.com/office/powerpoint/2010/main" val="3356030857"/>
-      </p:ext>
-    </p:extLst>
-  </p:cSld>
-  <p:clrMapOvr>
-    <a:masterClrMapping/>
-  </p:clrMapOvr>
-</p:sld>
-</file>
-
-<file path=ppt/slides/slide50.xml><?xml version="1.0" encoding="utf-8"?>
+<file path=ppt/slides/slide52.xml><?xml version="1.0" encoding="utf-8"?>
 <p:sld xmlns:a="http://schemas.openxmlformats.org/drawingml/2006/main" xmlns:r="http://schemas.openxmlformats.org/officeDocument/2006/relationships" xmlns:p="http://schemas.openxmlformats.org/presentationml/2006/main">
   <p:cSld>
     <p:spTree>
@@ -22062,7 +22780,7 @@
 </p:sld>
 </file>
 
-<file path=ppt/slides/slide51.xml><?xml version="1.0" encoding="utf-8"?>
+<file path=ppt/slides/slide53.xml><?xml version="1.0" encoding="utf-8"?>
 <p:sld xmlns:a="http://schemas.openxmlformats.org/drawingml/2006/main" xmlns:r="http://schemas.openxmlformats.org/officeDocument/2006/relationships" xmlns:p="http://schemas.openxmlformats.org/presentationml/2006/main">
   <p:cSld>
     <p:spTree>
@@ -22234,7 +22952,7 @@
 </p:sld>
 </file>
 
-<file path=ppt/slides/slide52.xml><?xml version="1.0" encoding="utf-8"?>
+<file path=ppt/slides/slide54.xml><?xml version="1.0" encoding="utf-8"?>
 <p:sld xmlns:a="http://schemas.openxmlformats.org/drawingml/2006/main" xmlns:r="http://schemas.openxmlformats.org/officeDocument/2006/relationships" xmlns:p="http://schemas.openxmlformats.org/presentationml/2006/main">
   <p:cSld>
     <p:spTree>
@@ -23282,7 +24000,7 @@
 </p:sld>
 </file>
 
-<file path=ppt/slides/slide53.xml><?xml version="1.0" encoding="utf-8"?>
+<file path=ppt/slides/slide55.xml><?xml version="1.0" encoding="utf-8"?>
 <p:sld xmlns:a="http://schemas.openxmlformats.org/drawingml/2006/main" xmlns:r="http://schemas.openxmlformats.org/officeDocument/2006/relationships" xmlns:p="http://schemas.openxmlformats.org/presentationml/2006/main">
   <p:cSld>
     <p:spTree>
@@ -23647,7 +24365,7 @@
 </p:sld>
 </file>
 
-<file path=ppt/slides/slide54.xml><?xml version="1.0" encoding="utf-8"?>
+<file path=ppt/slides/slide56.xml><?xml version="1.0" encoding="utf-8"?>
 <p:sld xmlns:a="http://schemas.openxmlformats.org/drawingml/2006/main" xmlns:r="http://schemas.openxmlformats.org/officeDocument/2006/relationships" xmlns:p="http://schemas.openxmlformats.org/presentationml/2006/main">
   <p:cSld>
     <p:spTree>
@@ -23985,7 +24703,7 @@
 </p:sld>
 </file>
 
-<file path=ppt/slides/slide55.xml><?xml version="1.0" encoding="utf-8"?>
+<file path=ppt/slides/slide57.xml><?xml version="1.0" encoding="utf-8"?>
 <p:sld xmlns:a="http://schemas.openxmlformats.org/drawingml/2006/main" xmlns:r="http://schemas.openxmlformats.org/officeDocument/2006/relationships" xmlns:p="http://schemas.openxmlformats.org/presentationml/2006/main">
   <p:cSld>
     <p:spTree>
@@ -24310,7 +25028,7 @@
 </p:sld>
 </file>
 
-<file path=ppt/slides/slide56.xml><?xml version="1.0" encoding="utf-8"?>
+<file path=ppt/slides/slide58.xml><?xml version="1.0" encoding="utf-8"?>
 <p:sld xmlns:a="http://schemas.openxmlformats.org/drawingml/2006/main" xmlns:r="http://schemas.openxmlformats.org/officeDocument/2006/relationships" xmlns:p="http://schemas.openxmlformats.org/presentationml/2006/main">
   <p:cSld>
     <p:spTree>
@@ -24494,7 +25212,7 @@
           <a:graphicData uri="http://schemas.openxmlformats.org/presentationml/2006/ole">
             <mc:AlternateContent xmlns:mc="http://schemas.openxmlformats.org/markup-compatibility/2006">
               <mc:Choice xmlns:v="urn:schemas-microsoft-com:vml" Requires="v">
-                <p:oleObj spid="_x0000_s1085" name="BMP 图像" r:id="rId4" imgW="5000760" imgH="2257560" progId="Paint.Picture">
+                <p:oleObj spid="_x0000_s1113" name="BMP 图像" r:id="rId4" imgW="5000760" imgH="2257560" progId="Paint.Picture">
                   <p:embed/>
                 </p:oleObj>
               </mc:Choice>
@@ -24542,7 +25260,7 @@
 </p:sld>
 </file>
 
-<file path=ppt/slides/slide57.xml><?xml version="1.0" encoding="utf-8"?>
+<file path=ppt/slides/slide59.xml><?xml version="1.0" encoding="utf-8"?>
 <p:sld xmlns:a="http://schemas.openxmlformats.org/drawingml/2006/main" xmlns:r="http://schemas.openxmlformats.org/officeDocument/2006/relationships" xmlns:p="http://schemas.openxmlformats.org/presentationml/2006/main">
   <p:cSld>
     <p:spTree>
@@ -24912,6 +25630,210 @@
           <a:chExt cx="0" cy="0"/>
         </a:xfrm>
       </p:grpSpPr>
+      <p:sp>
+        <p:nvSpPr>
+          <p:cNvPr id="2" name="标题 1">
+            <a:extLst>
+              <a:ext uri="{FF2B5EF4-FFF2-40B4-BE49-F238E27FC236}">
+                <a16:creationId xmlns:a16="http://schemas.microsoft.com/office/drawing/2014/main" id="{44B93849-04ED-4974-9F20-F0CAD055F0C6}"/>
+              </a:ext>
+            </a:extLst>
+          </p:cNvPr>
+          <p:cNvSpPr>
+            <a:spLocks noGrp="1"/>
+          </p:cNvSpPr>
+          <p:nvPr>
+            <p:ph type="title"/>
+          </p:nvPr>
+        </p:nvSpPr>
+        <p:spPr>
+          <a:xfrm>
+            <a:off x="838200" y="145207"/>
+            <a:ext cx="10515600" cy="803918"/>
+          </a:xfrm>
+        </p:spPr>
+        <p:txBody>
+          <a:bodyPr/>
+          <a:lstStyle/>
+          <a:p>
+            <a:r>
+              <a:rPr lang="en-US" dirty="0"/>
+              <a:t>Line Wrap</a:t>
+            </a:r>
+          </a:p>
+        </p:txBody>
+      </p:sp>
+      <p:sp>
+        <p:nvSpPr>
+          <p:cNvPr id="3" name="内容占位符 2">
+            <a:extLst>
+              <a:ext uri="{FF2B5EF4-FFF2-40B4-BE49-F238E27FC236}">
+                <a16:creationId xmlns:a16="http://schemas.microsoft.com/office/drawing/2014/main" id="{B19B1DC3-E4EA-489C-B790-E6AF743CD2D8}"/>
+              </a:ext>
+            </a:extLst>
+          </p:cNvPr>
+          <p:cNvSpPr>
+            <a:spLocks noGrp="1"/>
+          </p:cNvSpPr>
+          <p:nvPr>
+            <p:ph idx="1"/>
+          </p:nvPr>
+        </p:nvSpPr>
+        <p:spPr>
+          <a:xfrm>
+            <a:off x="838200" y="949125"/>
+            <a:ext cx="10515600" cy="5227838"/>
+          </a:xfrm>
+        </p:spPr>
+        <p:txBody>
+          <a:bodyPr>
+            <a:normAutofit lnSpcReduction="10000"/>
+          </a:bodyPr>
+          <a:lstStyle/>
+          <a:p>
+            <a:r>
+              <a:rPr lang="en-US" dirty="0"/>
+              <a:t>For a output line whose width larger than screen buffer width, the overflow part would be chopped to avoid the messed output</a:t>
+            </a:r>
+          </a:p>
+          <a:p>
+            <a:r>
+              <a:rPr lang="en-US" dirty="0"/>
+              <a:t>To view the missing information, use command “out”, which will launch the editor to view the historical outputs.</a:t>
+            </a:r>
+          </a:p>
+          <a:p>
+            <a:r>
+              <a:rPr lang="en-US" dirty="0"/>
+              <a:t>In case of the default editor is “vi”, you can use “e/b/</a:t>
+            </a:r>
+            <a:r>
+              <a:rPr lang="en-US" dirty="0" err="1"/>
+              <a:t>zL</a:t>
+            </a:r>
+            <a:r>
+              <a:rPr lang="en-US" dirty="0"/>
+              <a:t>/</a:t>
+            </a:r>
+            <a:r>
+              <a:rPr lang="en-US" dirty="0" err="1"/>
+              <a:t>zH</a:t>
+            </a:r>
+            <a:r>
+              <a:rPr lang="en-US" dirty="0"/>
+              <a:t>” to scroll the screen</a:t>
+            </a:r>
+          </a:p>
+          <a:p>
+            <a:r>
+              <a:rPr lang="en-US" dirty="0"/>
+              <a:t>Use “set editor [&lt;name&gt;]” to define the </a:t>
+            </a:r>
+            <a:r>
+              <a:rPr lang="en-US"/>
+              <a:t>default editor</a:t>
+            </a:r>
+            <a:endParaRPr lang="en-US" dirty="0"/>
+          </a:p>
+          <a:p>
+            <a:r>
+              <a:rPr lang="en-US" dirty="0"/>
+              <a:t>Command “out”</a:t>
+            </a:r>
+          </a:p>
+          <a:p>
+            <a:pPr lvl="1"/>
+            <a:r>
+              <a:rPr lang="en-US" dirty="0">
+                <a:solidFill>
+                  <a:srgbClr val="0070C0"/>
+                </a:solidFill>
+              </a:rPr>
+              <a:t>out</a:t>
+            </a:r>
+            <a:r>
+              <a:rPr lang="en-US" dirty="0"/>
+              <a:t> : save the historical outputs into file “cache/&lt;sub-</a:t>
+            </a:r>
+            <a:r>
+              <a:rPr lang="en-US" dirty="0" err="1"/>
+              <a:t>dir</a:t>
+            </a:r>
+            <a:r>
+              <a:rPr lang="en-US" dirty="0"/>
+              <a:t>&gt;/out.log” and open the file</a:t>
+            </a:r>
+          </a:p>
+          <a:p>
+            <a:pPr lvl="1"/>
+            <a:r>
+              <a:rPr lang="en-US" dirty="0">
+                <a:solidFill>
+                  <a:srgbClr val="0070C0"/>
+                </a:solidFill>
+              </a:rPr>
+              <a:t>out &lt;file-name&gt;</a:t>
+            </a:r>
+            <a:r>
+              <a:rPr lang="en-US" dirty="0"/>
+              <a:t>: save the historical outputs into file “cache/&lt;sub-</a:t>
+            </a:r>
+            <a:r>
+              <a:rPr lang="en-US" dirty="0" err="1"/>
+              <a:t>dir</a:t>
+            </a:r>
+            <a:r>
+              <a:rPr lang="en-US" dirty="0"/>
+              <a:t>&gt;/&lt;file-name&gt;” and open the file</a:t>
+            </a:r>
+          </a:p>
+          <a:p>
+            <a:pPr lvl="1"/>
+            <a:r>
+              <a:rPr lang="en-US" dirty="0">
+                <a:solidFill>
+                  <a:srgbClr val="0070C0"/>
+                </a:solidFill>
+              </a:rPr>
+              <a:t>out clear</a:t>
+            </a:r>
+            <a:r>
+              <a:rPr lang="en-US" dirty="0"/>
+              <a:t>: clear the historical output</a:t>
+            </a:r>
+          </a:p>
+        </p:txBody>
+      </p:sp>
+    </p:spTree>
+    <p:extLst>
+      <p:ext uri="{BB962C8B-B14F-4D97-AF65-F5344CB8AC3E}">
+        <p14:creationId xmlns:p14="http://schemas.microsoft.com/office/powerpoint/2010/main" val="433387195"/>
+      </p:ext>
+    </p:extLst>
+  </p:cSld>
+  <p:clrMapOvr>
+    <a:masterClrMapping/>
+  </p:clrMapOvr>
+</p:sld>
+</file>
+
+<file path=ppt/slides/slide7.xml><?xml version="1.0" encoding="utf-8"?>
+<p:sld xmlns:a="http://schemas.openxmlformats.org/drawingml/2006/main" xmlns:r="http://schemas.openxmlformats.org/officeDocument/2006/relationships" xmlns:p="http://schemas.openxmlformats.org/presentationml/2006/main">
+  <p:cSld>
+    <p:spTree>
+      <p:nvGrpSpPr>
+        <p:cNvPr id="1" name=""/>
+        <p:cNvGrpSpPr/>
+        <p:nvPr/>
+      </p:nvGrpSpPr>
+      <p:grpSpPr>
+        <a:xfrm>
+          <a:off x="0" y="0"/>
+          <a:ext cx="0" cy="0"/>
+          <a:chOff x="0" y="0"/>
+          <a:chExt cx="0" cy="0"/>
+        </a:xfrm>
+      </p:grpSpPr>
       <p:pic>
         <p:nvPicPr>
           <p:cNvPr id="4" name="图片 3">
@@ -25059,7 +25981,7 @@
 </p:sld>
 </file>
 
-<file path=ppt/slides/slide7.xml><?xml version="1.0" encoding="utf-8"?>
+<file path=ppt/slides/slide8.xml><?xml version="1.0" encoding="utf-8"?>
 <p:sld xmlns:a="http://schemas.openxmlformats.org/drawingml/2006/main" xmlns:r="http://schemas.openxmlformats.org/officeDocument/2006/relationships" xmlns:p="http://schemas.openxmlformats.org/presentationml/2006/main">
   <p:cSld>
     <p:spTree>
@@ -25979,7 +26901,7 @@
 </p:sld>
 </file>
 
-<file path=ppt/slides/slide8.xml><?xml version="1.0" encoding="utf-8"?>
+<file path=ppt/slides/slide9.xml><?xml version="1.0" encoding="utf-8"?>
 <p:sld xmlns:a="http://schemas.openxmlformats.org/drawingml/2006/main" xmlns:r="http://schemas.openxmlformats.org/officeDocument/2006/relationships" xmlns:p="http://schemas.openxmlformats.org/presentationml/2006/main">
   <p:cSld>
     <p:spTree>
@@ -26274,493 +27196,6 @@
     <p:extLst>
       <p:ext uri="{BB962C8B-B14F-4D97-AF65-F5344CB8AC3E}">
         <p14:creationId xmlns:p14="http://schemas.microsoft.com/office/powerpoint/2010/main" val="1334687833"/>
-      </p:ext>
-    </p:extLst>
-  </p:cSld>
-  <p:clrMapOvr>
-    <a:masterClrMapping/>
-  </p:clrMapOvr>
-</p:sld>
-</file>
-
-<file path=ppt/slides/slide9.xml><?xml version="1.0" encoding="utf-8"?>
-<p:sld xmlns:a="http://schemas.openxmlformats.org/drawingml/2006/main" xmlns:r="http://schemas.openxmlformats.org/officeDocument/2006/relationships" xmlns:p="http://schemas.openxmlformats.org/presentationml/2006/main">
-  <p:cSld>
-    <p:spTree>
-      <p:nvGrpSpPr>
-        <p:cNvPr id="1" name=""/>
-        <p:cNvGrpSpPr/>
-        <p:nvPr/>
-      </p:nvGrpSpPr>
-      <p:grpSpPr>
-        <a:xfrm>
-          <a:off x="0" y="0"/>
-          <a:ext cx="0" cy="0"/>
-          <a:chOff x="0" y="0"/>
-          <a:chExt cx="0" cy="0"/>
-        </a:xfrm>
-      </p:grpSpPr>
-      <p:sp>
-        <p:nvSpPr>
-          <p:cNvPr id="3" name="内容占位符 2">
-            <a:extLst>
-              <a:ext uri="{FF2B5EF4-FFF2-40B4-BE49-F238E27FC236}">
-                <a16:creationId xmlns:a16="http://schemas.microsoft.com/office/drawing/2014/main" id="{BFE98B9A-DA58-4FB6-A7C7-68C6CD03B3E3}"/>
-              </a:ext>
-            </a:extLst>
-          </p:cNvPr>
-          <p:cNvSpPr>
-            <a:spLocks noGrp="1"/>
-          </p:cNvSpPr>
-          <p:nvPr>
-            <p:ph idx="1"/>
-          </p:nvPr>
-        </p:nvSpPr>
-        <p:spPr>
-          <a:xfrm>
-            <a:off x="838200" y="839972"/>
-            <a:ext cx="10515600" cy="2698875"/>
-          </a:xfrm>
-        </p:spPr>
-        <p:txBody>
-          <a:bodyPr>
-            <a:normAutofit fontScale="55000" lnSpcReduction="20000"/>
-          </a:bodyPr>
-          <a:lstStyle/>
-          <a:p>
-            <a:r>
-              <a:rPr lang="en-US" dirty="0"/>
-              <a:t>The grid command accepts </a:t>
-            </a:r>
-            <a:r>
-              <a:rPr lang="en-US" b="1" dirty="0">
-                <a:solidFill>
-                  <a:schemeClr val="accent1">
-                    <a:lumMod val="75000"/>
-                  </a:schemeClr>
-                </a:solidFill>
-              </a:rPr>
-              <a:t>/*grid={…}*/ </a:t>
-            </a:r>
-            <a:r>
-              <a:rPr lang="en-US" dirty="0"/>
-              <a:t>to define the additional information, including:</a:t>
-            </a:r>
-          </a:p>
-          <a:p>
-            <a:pPr lvl="1"/>
-            <a:r>
-              <a:rPr lang="en-US" altLang="zh-CN" b="1" dirty="0">
-                <a:solidFill>
-                  <a:schemeClr val="accent1">
-                    <a:lumMod val="75000"/>
-                  </a:schemeClr>
-                </a:solidFill>
-              </a:rPr>
-              <a:t>t</a:t>
-            </a:r>
-            <a:r>
-              <a:rPr lang="en-US" b="1" dirty="0">
-                <a:solidFill>
-                  <a:schemeClr val="accent1">
-                    <a:lumMod val="75000"/>
-                  </a:schemeClr>
-                </a:solidFill>
-              </a:rPr>
-              <a:t>opic=“&lt;title&gt;”: </a:t>
-            </a:r>
-            <a:r>
-              <a:rPr lang="en-US" dirty="0"/>
-              <a:t>the title of the grid</a:t>
-            </a:r>
-          </a:p>
-          <a:p>
-            <a:pPr lvl="1"/>
-            <a:r>
-              <a:rPr lang="en-US" b="1" dirty="0">
-                <a:solidFill>
-                  <a:schemeClr val="accent1">
-                    <a:lumMod val="75000"/>
-                  </a:schemeClr>
-                </a:solidFill>
-              </a:rPr>
-              <a:t>Width=&lt;number&gt;:</a:t>
-            </a:r>
-            <a:r>
-              <a:rPr lang="zh-CN" altLang="en-US" b="1" dirty="0">
-                <a:solidFill>
-                  <a:schemeClr val="accent1">
-                    <a:lumMod val="75000"/>
-                  </a:schemeClr>
-                </a:solidFill>
-              </a:rPr>
-              <a:t> </a:t>
-            </a:r>
-            <a:r>
-              <a:rPr lang="en-US" altLang="zh-CN" dirty="0"/>
-              <a:t>define block fixed width,</a:t>
-            </a:r>
-            <a:r>
-              <a:rPr lang="zh-CN" altLang="en-US" dirty="0"/>
-              <a:t> </a:t>
-            </a:r>
-            <a:r>
-              <a:rPr lang="en-US" altLang="zh-CN" dirty="0"/>
-              <a:t>if the query output wider than the size, then the outstanding part will be chopped. When -1 then means align to its siblings</a:t>
-            </a:r>
-          </a:p>
-          <a:p>
-            <a:pPr lvl="1"/>
-            <a:r>
-              <a:rPr lang="en-US" b="1" dirty="0">
-                <a:solidFill>
-                  <a:schemeClr val="accent1">
-                    <a:lumMod val="75000"/>
-                  </a:schemeClr>
-                </a:solidFill>
-              </a:rPr>
-              <a:t>height=&lt;number&gt;: </a:t>
-            </a:r>
-            <a:r>
-              <a:rPr lang="en-US" dirty="0"/>
-              <a:t>define block fixed height, if the output rows  longer than the size, then the outstanding rows will be removed. When -1 then means align the height to its siblings.</a:t>
-            </a:r>
-          </a:p>
-          <a:p>
-            <a:pPr lvl="1"/>
-            <a:r>
-              <a:rPr lang="en-US" b="1" dirty="0">
-                <a:solidFill>
-                  <a:schemeClr val="accent1">
-                    <a:lumMod val="75000"/>
-                  </a:schemeClr>
-                </a:solidFill>
-              </a:rPr>
-              <a:t>max_rows=&lt;number&gt;: </a:t>
-            </a:r>
-            <a:r>
-              <a:rPr lang="en-US" dirty="0"/>
-              <a:t>maximum </a:t>
-            </a:r>
-            <a:r>
-              <a:rPr lang="en-US" altLang="zh-CN" dirty="0"/>
-              <a:t>printed query records</a:t>
-            </a:r>
-            <a:endParaRPr lang="en-US" dirty="0"/>
-          </a:p>
-          <a:p>
-            <a:pPr lvl="1"/>
-            <a:r>
-              <a:rPr lang="en-US" b="1" dirty="0" err="1">
-                <a:solidFill>
-                  <a:schemeClr val="accent1">
-                    <a:lumMod val="75000"/>
-                  </a:schemeClr>
-                </a:solidFill>
-              </a:rPr>
-              <a:t>bypassemptyrs</a:t>
-            </a:r>
-            <a:r>
-              <a:rPr lang="en-US" b="1" dirty="0">
-                <a:solidFill>
-                  <a:schemeClr val="accent1">
-                    <a:lumMod val="75000"/>
-                  </a:schemeClr>
-                </a:solidFill>
-              </a:rPr>
-              <a:t>=“</a:t>
-            </a:r>
-            <a:r>
-              <a:rPr lang="en-US" altLang="zh-CN" b="1" dirty="0">
-                <a:solidFill>
-                  <a:schemeClr val="accent1">
-                    <a:lumMod val="75000"/>
-                  </a:schemeClr>
-                </a:solidFill>
-              </a:rPr>
-              <a:t>on/off”: </a:t>
-            </a:r>
-            <a:r>
-              <a:rPr lang="en-US" altLang="zh-CN" dirty="0"/>
-              <a:t>controls whether to display the grid in case of no record to be printed</a:t>
-            </a:r>
-            <a:endParaRPr lang="en-US" dirty="0"/>
-          </a:p>
-          <a:p>
-            <a:pPr lvl="1"/>
-            <a:r>
-              <a:rPr lang="en-US" dirty="0"/>
-              <a:t>Other additional configurations that used in “snap” and “chart” commands</a:t>
-            </a:r>
-          </a:p>
-          <a:p>
-            <a:r>
-              <a:rPr lang="en-US" dirty="0"/>
-              <a:t>JSON format is not a good choice for multi-lines SQL:</a:t>
-            </a:r>
-          </a:p>
-          <a:p>
-            <a:pPr lvl="1"/>
-            <a:r>
-              <a:rPr lang="en-US" dirty="0"/>
-              <a:t>JSON uses [….] to define an array, and {…} to define an object. For Lua, they are all {…}</a:t>
-            </a:r>
-          </a:p>
-          <a:p>
-            <a:pPr lvl="1"/>
-            <a:r>
-              <a:rPr lang="en-US" dirty="0"/>
-              <a:t>To define an object(map), the JSON syntax is {a</a:t>
-            </a:r>
-            <a:r>
-              <a:rPr lang="en-US" b="1" dirty="0">
-                <a:solidFill>
-                  <a:schemeClr val="accent1">
-                    <a:lumMod val="75000"/>
-                  </a:schemeClr>
-                </a:solidFill>
-              </a:rPr>
-              <a:t>:</a:t>
-            </a:r>
-            <a:r>
-              <a:rPr lang="en-US" dirty="0">
-                <a:solidFill>
-                  <a:schemeClr val="accent1">
-                    <a:lumMod val="75000"/>
-                  </a:schemeClr>
-                </a:solidFill>
-              </a:rPr>
-              <a:t> </a:t>
-            </a:r>
-            <a:r>
-              <a:rPr lang="en-US" dirty="0"/>
-              <a:t>&lt;value&gt;,b</a:t>
-            </a:r>
-            <a:r>
-              <a:rPr lang="en-US" b="1" dirty="0">
-                <a:solidFill>
-                  <a:schemeClr val="accent1">
-                    <a:lumMod val="75000"/>
-                  </a:schemeClr>
-                </a:solidFill>
-              </a:rPr>
-              <a:t>: </a:t>
-            </a:r>
-            <a:r>
-              <a:rPr lang="en-US" dirty="0"/>
-              <a:t>&lt;value&gt;}, for Lua, it is {a</a:t>
-            </a:r>
-            <a:r>
-              <a:rPr lang="en-US" b="1" dirty="0">
-                <a:solidFill>
-                  <a:schemeClr val="accent1">
-                    <a:lumMod val="75000"/>
-                  </a:schemeClr>
-                </a:solidFill>
-              </a:rPr>
-              <a:t>=</a:t>
-            </a:r>
-            <a:r>
-              <a:rPr lang="en-US" dirty="0"/>
-              <a:t>&lt;value&gt;,b</a:t>
-            </a:r>
-            <a:r>
-              <a:rPr lang="en-US" b="1" dirty="0">
-                <a:solidFill>
-                  <a:schemeClr val="accent1">
-                    <a:lumMod val="75000"/>
-                  </a:schemeClr>
-                </a:solidFill>
-              </a:rPr>
-              <a:t>=</a:t>
-            </a:r>
-            <a:r>
-              <a:rPr lang="en-US" dirty="0"/>
-              <a:t>&lt;value&gt;}</a:t>
-            </a:r>
-          </a:p>
-          <a:p>
-            <a:pPr lvl="1"/>
-            <a:r>
-              <a:rPr lang="en-US" dirty="0"/>
-              <a:t>To define a string value that has multiple lines, JSON uses </a:t>
-            </a:r>
-            <a:r>
-              <a:rPr lang="zh-CN" altLang="en-US" dirty="0">
-                <a:solidFill>
-                  <a:schemeClr val="accent1">
-                    <a:lumMod val="75000"/>
-                  </a:schemeClr>
-                </a:solidFill>
-              </a:rPr>
-              <a:t>“</a:t>
-            </a:r>
-            <a:r>
-              <a:rPr lang="en-US" altLang="zh-CN" dirty="0">
-                <a:solidFill>
-                  <a:schemeClr val="accent1">
-                    <a:lumMod val="75000"/>
-                  </a:schemeClr>
-                </a:solidFill>
-              </a:rPr>
-              <a:t>line1 \n</a:t>
-            </a:r>
-            <a:r>
-              <a:rPr lang="zh-CN" altLang="en-US" dirty="0">
-                <a:solidFill>
-                  <a:schemeClr val="accent1">
-                    <a:lumMod val="75000"/>
-                  </a:schemeClr>
-                </a:solidFill>
-              </a:rPr>
-              <a:t> ” </a:t>
-            </a:r>
-            <a:r>
-              <a:rPr lang="en-US" altLang="zh-CN" dirty="0">
-                <a:solidFill>
-                  <a:schemeClr val="accent1">
-                    <a:lumMod val="75000"/>
-                  </a:schemeClr>
-                </a:solidFill>
-              </a:rPr>
-              <a:t>+</a:t>
-            </a:r>
-            <a:r>
-              <a:rPr lang="zh-CN" altLang="en-US" dirty="0">
-                <a:solidFill>
-                  <a:schemeClr val="accent1">
-                    <a:lumMod val="75000"/>
-                  </a:schemeClr>
-                </a:solidFill>
-              </a:rPr>
-              <a:t>“</a:t>
-            </a:r>
-            <a:r>
-              <a:rPr lang="en-US" altLang="zh-CN" dirty="0">
-                <a:solidFill>
-                  <a:schemeClr val="accent1">
-                    <a:lumMod val="75000"/>
-                  </a:schemeClr>
-                </a:solidFill>
-              </a:rPr>
-              <a:t>line2</a:t>
-            </a:r>
-            <a:r>
-              <a:rPr lang="zh-CN" altLang="en-US" dirty="0">
-                <a:solidFill>
-                  <a:schemeClr val="accent1">
-                    <a:lumMod val="75000"/>
-                  </a:schemeClr>
-                </a:solidFill>
-              </a:rPr>
-              <a:t>”</a:t>
-            </a:r>
-            <a:r>
-              <a:rPr lang="zh-CN" altLang="en-US" dirty="0"/>
-              <a:t>，</a:t>
-            </a:r>
-            <a:r>
-              <a:rPr lang="en-US" altLang="zh-CN" dirty="0"/>
-              <a:t>and</a:t>
-            </a:r>
-            <a:r>
-              <a:rPr lang="zh-CN" altLang="en-US" dirty="0"/>
-              <a:t> </a:t>
-            </a:r>
-            <a:r>
-              <a:rPr lang="en-US" altLang="zh-CN" dirty="0"/>
-              <a:t>Lua is </a:t>
-            </a:r>
-            <a:r>
-              <a:rPr lang="en-US" altLang="zh-CN" dirty="0">
-                <a:solidFill>
-                  <a:schemeClr val="accent1">
-                    <a:lumMod val="75000"/>
-                  </a:schemeClr>
-                </a:solidFill>
-              </a:rPr>
-              <a:t>[[line1 \n line2]]</a:t>
-            </a:r>
-            <a:r>
-              <a:rPr lang="en-US" dirty="0">
-                <a:solidFill>
-                  <a:schemeClr val="accent1">
-                    <a:lumMod val="75000"/>
-                  </a:schemeClr>
-                </a:solidFill>
-              </a:rPr>
-              <a:t> </a:t>
-            </a:r>
-          </a:p>
-        </p:txBody>
-      </p:sp>
-      <p:sp>
-        <p:nvSpPr>
-          <p:cNvPr id="4" name="标题 1">
-            <a:extLst>
-              <a:ext uri="{FF2B5EF4-FFF2-40B4-BE49-F238E27FC236}">
-                <a16:creationId xmlns:a16="http://schemas.microsoft.com/office/drawing/2014/main" id="{70420209-AAC5-4A57-A49C-414AC4E00351}"/>
-              </a:ext>
-            </a:extLst>
-          </p:cNvPr>
-          <p:cNvSpPr>
-            <a:spLocks noGrp="1"/>
-          </p:cNvSpPr>
-          <p:nvPr>
-            <p:ph type="title"/>
-          </p:nvPr>
-        </p:nvSpPr>
-        <p:spPr>
-          <a:xfrm>
-            <a:off x="753140" y="18255"/>
-            <a:ext cx="10515600" cy="821717"/>
-          </a:xfrm>
-        </p:spPr>
-        <p:txBody>
-          <a:bodyPr/>
-          <a:lstStyle/>
-          <a:p>
-            <a:r>
-              <a:rPr lang="en-US" dirty="0"/>
-              <a:t>Combine queries (command grid) - 2</a:t>
-            </a:r>
-          </a:p>
-        </p:txBody>
-      </p:sp>
-      <p:pic>
-        <p:nvPicPr>
-          <p:cNvPr id="7" name="图片 6">
-            <a:extLst>
-              <a:ext uri="{FF2B5EF4-FFF2-40B4-BE49-F238E27FC236}">
-                <a16:creationId xmlns:a16="http://schemas.microsoft.com/office/drawing/2014/main" id="{59E8646C-875C-416C-9C86-61EF3D9A49AF}"/>
-              </a:ext>
-            </a:extLst>
-          </p:cNvPr>
-          <p:cNvPicPr>
-            <a:picLocks noChangeAspect="1"/>
-          </p:cNvPicPr>
-          <p:nvPr/>
-        </p:nvPicPr>
-        <p:blipFill>
-          <a:blip r:embed="rId3"/>
-          <a:stretch>
-            <a:fillRect/>
-          </a:stretch>
-        </p:blipFill>
-        <p:spPr>
-          <a:xfrm>
-            <a:off x="733425" y="3725070"/>
-            <a:ext cx="11458575" cy="3114675"/>
-          </a:xfrm>
-          <a:prstGeom prst="rect">
-            <a:avLst/>
-          </a:prstGeom>
-        </p:spPr>
-      </p:pic>
-    </p:spTree>
-    <p:extLst>
-      <p:ext uri="{BB962C8B-B14F-4D97-AF65-F5344CB8AC3E}">
-        <p14:creationId xmlns:p14="http://schemas.microsoft.com/office/powerpoint/2010/main" val="876152553"/>
       </p:ext>
     </p:extLst>
   </p:cSld>

--- a/docs/dbcli.pptx
+++ b/docs/dbcli.pptx
@@ -5,7 +5,7 @@
     <p:sldMasterId id="2147483648" r:id="rId1"/>
   </p:sldMasterIdLst>
   <p:notesMasterIdLst>
-    <p:notesMasterId r:id="rId60"/>
+    <p:notesMasterId r:id="rId61"/>
   </p:notesMasterIdLst>
   <p:sldIdLst>
     <p:sldId id="256" r:id="rId2"/>
@@ -13,59 +13,60 @@
     <p:sldId id="258" r:id="rId4"/>
     <p:sldId id="259" r:id="rId5"/>
     <p:sldId id="260" r:id="rId6"/>
-    <p:sldId id="309" r:id="rId7"/>
-    <p:sldId id="261" r:id="rId8"/>
-    <p:sldId id="262" r:id="rId9"/>
-    <p:sldId id="292" r:id="rId10"/>
-    <p:sldId id="308" r:id="rId11"/>
-    <p:sldId id="263" r:id="rId12"/>
-    <p:sldId id="313" r:id="rId13"/>
-    <p:sldId id="279" r:id="rId14"/>
-    <p:sldId id="280" r:id="rId15"/>
-    <p:sldId id="264" r:id="rId16"/>
-    <p:sldId id="265" r:id="rId17"/>
-    <p:sldId id="268" r:id="rId18"/>
-    <p:sldId id="267" r:id="rId19"/>
-    <p:sldId id="269" r:id="rId20"/>
-    <p:sldId id="270" r:id="rId21"/>
-    <p:sldId id="271" r:id="rId22"/>
-    <p:sldId id="272" r:id="rId23"/>
-    <p:sldId id="273" r:id="rId24"/>
-    <p:sldId id="281" r:id="rId25"/>
-    <p:sldId id="282" r:id="rId26"/>
-    <p:sldId id="266" r:id="rId27"/>
-    <p:sldId id="288" r:id="rId28"/>
-    <p:sldId id="274" r:id="rId29"/>
-    <p:sldId id="275" r:id="rId30"/>
-    <p:sldId id="276" r:id="rId31"/>
-    <p:sldId id="283" r:id="rId32"/>
-    <p:sldId id="277" r:id="rId33"/>
-    <p:sldId id="278" r:id="rId34"/>
-    <p:sldId id="284" r:id="rId35"/>
-    <p:sldId id="285" r:id="rId36"/>
-    <p:sldId id="286" r:id="rId37"/>
-    <p:sldId id="290" r:id="rId38"/>
-    <p:sldId id="291" r:id="rId39"/>
-    <p:sldId id="287" r:id="rId40"/>
-    <p:sldId id="289" r:id="rId41"/>
-    <p:sldId id="293" r:id="rId42"/>
-    <p:sldId id="294" r:id="rId43"/>
-    <p:sldId id="295" r:id="rId44"/>
-    <p:sldId id="296" r:id="rId45"/>
-    <p:sldId id="297" r:id="rId46"/>
-    <p:sldId id="298" r:id="rId47"/>
-    <p:sldId id="299" r:id="rId48"/>
-    <p:sldId id="300" r:id="rId49"/>
-    <p:sldId id="301" r:id="rId50"/>
-    <p:sldId id="302" r:id="rId51"/>
-    <p:sldId id="303" r:id="rId52"/>
-    <p:sldId id="304" r:id="rId53"/>
-    <p:sldId id="305" r:id="rId54"/>
-    <p:sldId id="306" r:id="rId55"/>
-    <p:sldId id="307" r:id="rId56"/>
-    <p:sldId id="310" r:id="rId57"/>
-    <p:sldId id="311" r:id="rId58"/>
-    <p:sldId id="312" r:id="rId59"/>
+    <p:sldId id="314" r:id="rId7"/>
+    <p:sldId id="309" r:id="rId8"/>
+    <p:sldId id="261" r:id="rId9"/>
+    <p:sldId id="262" r:id="rId10"/>
+    <p:sldId id="292" r:id="rId11"/>
+    <p:sldId id="308" r:id="rId12"/>
+    <p:sldId id="263" r:id="rId13"/>
+    <p:sldId id="313" r:id="rId14"/>
+    <p:sldId id="279" r:id="rId15"/>
+    <p:sldId id="280" r:id="rId16"/>
+    <p:sldId id="264" r:id="rId17"/>
+    <p:sldId id="265" r:id="rId18"/>
+    <p:sldId id="268" r:id="rId19"/>
+    <p:sldId id="267" r:id="rId20"/>
+    <p:sldId id="269" r:id="rId21"/>
+    <p:sldId id="270" r:id="rId22"/>
+    <p:sldId id="271" r:id="rId23"/>
+    <p:sldId id="272" r:id="rId24"/>
+    <p:sldId id="273" r:id="rId25"/>
+    <p:sldId id="281" r:id="rId26"/>
+    <p:sldId id="282" r:id="rId27"/>
+    <p:sldId id="266" r:id="rId28"/>
+    <p:sldId id="288" r:id="rId29"/>
+    <p:sldId id="274" r:id="rId30"/>
+    <p:sldId id="275" r:id="rId31"/>
+    <p:sldId id="276" r:id="rId32"/>
+    <p:sldId id="283" r:id="rId33"/>
+    <p:sldId id="277" r:id="rId34"/>
+    <p:sldId id="278" r:id="rId35"/>
+    <p:sldId id="284" r:id="rId36"/>
+    <p:sldId id="285" r:id="rId37"/>
+    <p:sldId id="286" r:id="rId38"/>
+    <p:sldId id="290" r:id="rId39"/>
+    <p:sldId id="291" r:id="rId40"/>
+    <p:sldId id="287" r:id="rId41"/>
+    <p:sldId id="289" r:id="rId42"/>
+    <p:sldId id="293" r:id="rId43"/>
+    <p:sldId id="294" r:id="rId44"/>
+    <p:sldId id="295" r:id="rId45"/>
+    <p:sldId id="296" r:id="rId46"/>
+    <p:sldId id="297" r:id="rId47"/>
+    <p:sldId id="298" r:id="rId48"/>
+    <p:sldId id="299" r:id="rId49"/>
+    <p:sldId id="300" r:id="rId50"/>
+    <p:sldId id="301" r:id="rId51"/>
+    <p:sldId id="302" r:id="rId52"/>
+    <p:sldId id="303" r:id="rId53"/>
+    <p:sldId id="304" r:id="rId54"/>
+    <p:sldId id="305" r:id="rId55"/>
+    <p:sldId id="306" r:id="rId56"/>
+    <p:sldId id="307" r:id="rId57"/>
+    <p:sldId id="310" r:id="rId58"/>
+    <p:sldId id="311" r:id="rId59"/>
+    <p:sldId id="312" r:id="rId60"/>
   </p:sldIdLst>
   <p:sldSz cx="12192000" cy="6858000"/>
   <p:notesSz cx="6858000" cy="9144000"/>
@@ -254,7 +255,7 @@
           <a:p>
             <a:fld id="{8924A7D2-5F3F-4CDE-BB06-760ED7F7BFAC}" type="datetimeFigureOut">
               <a:rPr lang="en-US" smtClean="0"/>
-              <a:t>9/11/2018</a:t>
+              <a:t>12/24/2018</a:t>
             </a:fld>
             <a:endParaRPr lang="en-US"/>
           </a:p>
@@ -754,7 +755,7 @@
           <a:p>
             <a:fld id="{B4F2F79A-9ECA-4236-9A6E-01D624A4A39C}" type="slidenum">
               <a:rPr lang="en-US" smtClean="0"/>
-              <a:t>8</a:t>
+              <a:t>9</a:t>
             </a:fld>
             <a:endParaRPr lang="en-US"/>
           </a:p>
@@ -841,7 +842,7 @@
           <a:p>
             <a:fld id="{B4F2F79A-9ECA-4236-9A6E-01D624A4A39C}" type="slidenum">
               <a:rPr lang="en-US" smtClean="0"/>
-              <a:t>20</a:t>
+              <a:t>21</a:t>
             </a:fld>
             <a:endParaRPr lang="en-US"/>
           </a:p>
@@ -956,7 +957,7 @@
           <a:p>
             <a:fld id="{B4F2F79A-9ECA-4236-9A6E-01D624A4A39C}" type="slidenum">
               <a:rPr lang="en-US" smtClean="0"/>
-              <a:t>21</a:t>
+              <a:t>22</a:t>
             </a:fld>
             <a:endParaRPr lang="en-US"/>
           </a:p>
@@ -1068,7 +1069,7 @@
           <a:p>
             <a:fld id="{B4F2F79A-9ECA-4236-9A6E-01D624A4A39C}" type="slidenum">
               <a:rPr lang="en-US" smtClean="0"/>
-              <a:t>22</a:t>
+              <a:t>23</a:t>
             </a:fld>
             <a:endParaRPr lang="en-US"/>
           </a:p>
@@ -1335,7 +1336,7 @@
           <a:p>
             <a:fld id="{B4F2F79A-9ECA-4236-9A6E-01D624A4A39C}" type="slidenum">
               <a:rPr lang="en-US" smtClean="0"/>
-              <a:t>23</a:t>
+              <a:t>24</a:t>
             </a:fld>
             <a:endParaRPr lang="en-US"/>
           </a:p>
@@ -1522,7 +1523,7 @@
           <a:p>
             <a:fld id="{B4F2F79A-9ECA-4236-9A6E-01D624A4A39C}" type="slidenum">
               <a:rPr lang="en-US" smtClean="0"/>
-              <a:t>24</a:t>
+              <a:t>25</a:t>
             </a:fld>
             <a:endParaRPr lang="en-US"/>
           </a:p>
@@ -1617,7 +1618,7 @@
           <a:p>
             <a:fld id="{B4F2F79A-9ECA-4236-9A6E-01D624A4A39C}" type="slidenum">
               <a:rPr lang="en-US" smtClean="0"/>
-              <a:t>25</a:t>
+              <a:t>26</a:t>
             </a:fld>
             <a:endParaRPr lang="en-US"/>
           </a:p>
@@ -1715,7 +1716,7 @@
           <a:p>
             <a:fld id="{B4F2F79A-9ECA-4236-9A6E-01D624A4A39C}" type="slidenum">
               <a:rPr lang="en-US" smtClean="0"/>
-              <a:t>27</a:t>
+              <a:t>28</a:t>
             </a:fld>
             <a:endParaRPr lang="en-US"/>
           </a:p>
@@ -1817,7 +1818,7 @@
           <a:p>
             <a:fld id="{B4F2F79A-9ECA-4236-9A6E-01D624A4A39C}" type="slidenum">
               <a:rPr lang="en-US" smtClean="0"/>
-              <a:t>28</a:t>
+              <a:t>29</a:t>
             </a:fld>
             <a:endParaRPr lang="en-US"/>
           </a:p>
@@ -1909,7 +1910,7 @@
           <a:p>
             <a:fld id="{B4F2F79A-9ECA-4236-9A6E-01D624A4A39C}" type="slidenum">
               <a:rPr lang="en-US" smtClean="0"/>
-              <a:t>29</a:t>
+              <a:t>30</a:t>
             </a:fld>
             <a:endParaRPr lang="en-US"/>
           </a:p>
@@ -2001,7 +2002,7 @@
           <a:p>
             <a:fld id="{B4F2F79A-9ECA-4236-9A6E-01D624A4A39C}" type="slidenum">
               <a:rPr lang="en-US" smtClean="0"/>
-              <a:t>30</a:t>
+              <a:t>31</a:t>
             </a:fld>
             <a:endParaRPr lang="en-US"/>
           </a:p>
@@ -2137,7 +2138,7 @@
           <a:p>
             <a:fld id="{B4F2F79A-9ECA-4236-9A6E-01D624A4A39C}" type="slidenum">
               <a:rPr lang="en-US" smtClean="0"/>
-              <a:t>9</a:t>
+              <a:t>10</a:t>
             </a:fld>
             <a:endParaRPr lang="en-US"/>
           </a:p>
@@ -2292,7 +2293,7 @@
           <a:p>
             <a:fld id="{B4F2F79A-9ECA-4236-9A6E-01D624A4A39C}" type="slidenum">
               <a:rPr lang="en-US" smtClean="0"/>
-              <a:t>37</a:t>
+              <a:t>38</a:t>
             </a:fld>
             <a:endParaRPr lang="en-US"/>
           </a:p>
@@ -2447,7 +2448,7 @@
           <a:p>
             <a:fld id="{B4F2F79A-9ECA-4236-9A6E-01D624A4A39C}" type="slidenum">
               <a:rPr lang="en-US" smtClean="0"/>
-              <a:t>42</a:t>
+              <a:t>43</a:t>
             </a:fld>
             <a:endParaRPr lang="en-US"/>
           </a:p>
@@ -2626,7 +2627,7 @@
           <a:p>
             <a:fld id="{B4F2F79A-9ECA-4236-9A6E-01D624A4A39C}" type="slidenum">
               <a:rPr lang="en-US" smtClean="0"/>
-              <a:t>43</a:t>
+              <a:t>44</a:t>
             </a:fld>
             <a:endParaRPr lang="en-US"/>
           </a:p>
@@ -2861,7 +2862,7 @@
           <a:p>
             <a:fld id="{B4F2F79A-9ECA-4236-9A6E-01D624A4A39C}" type="slidenum">
               <a:rPr lang="en-US" smtClean="0"/>
-              <a:t>44</a:t>
+              <a:t>45</a:t>
             </a:fld>
             <a:endParaRPr lang="en-US"/>
           </a:p>
@@ -3004,7 +3005,7 @@
           <a:p>
             <a:fld id="{B4F2F79A-9ECA-4236-9A6E-01D624A4A39C}" type="slidenum">
               <a:rPr lang="en-US" smtClean="0"/>
-              <a:t>45</a:t>
+              <a:t>46</a:t>
             </a:fld>
             <a:endParaRPr lang="en-US"/>
           </a:p>
@@ -3217,7 +3218,7 @@
           <a:p>
             <a:fld id="{B4F2F79A-9ECA-4236-9A6E-01D624A4A39C}" type="slidenum">
               <a:rPr lang="en-US" smtClean="0"/>
-              <a:t>46</a:t>
+              <a:t>47</a:t>
             </a:fld>
             <a:endParaRPr lang="en-US"/>
           </a:p>
@@ -3312,7 +3313,7 @@
           <a:p>
             <a:fld id="{B4F2F79A-9ECA-4236-9A6E-01D624A4A39C}" type="slidenum">
               <a:rPr lang="en-US" smtClean="0"/>
-              <a:t>48</a:t>
+              <a:t>49</a:t>
             </a:fld>
             <a:endParaRPr lang="en-US"/>
           </a:p>
@@ -3436,7 +3437,7 @@
           <a:p>
             <a:fld id="{B4F2F79A-9ECA-4236-9A6E-01D624A4A39C}" type="slidenum">
               <a:rPr lang="en-US" smtClean="0"/>
-              <a:t>49</a:t>
+              <a:t>50</a:t>
             </a:fld>
             <a:endParaRPr lang="en-US"/>
           </a:p>
@@ -3553,7 +3554,7 @@
           <a:p>
             <a:fld id="{B4F2F79A-9ECA-4236-9A6E-01D624A4A39C}" type="slidenum">
               <a:rPr lang="en-US" smtClean="0"/>
-              <a:t>50</a:t>
+              <a:t>51</a:t>
             </a:fld>
             <a:endParaRPr lang="en-US"/>
           </a:p>
@@ -3652,7 +3653,7 @@
           <a:p>
             <a:fld id="{B4F2F79A-9ECA-4236-9A6E-01D624A4A39C}" type="slidenum">
               <a:rPr lang="en-US" smtClean="0"/>
-              <a:t>51</a:t>
+              <a:t>52</a:t>
             </a:fld>
             <a:endParaRPr lang="en-US"/>
           </a:p>
@@ -3847,7 +3848,7 @@
           <a:p>
             <a:fld id="{B4F2F79A-9ECA-4236-9A6E-01D624A4A39C}" type="slidenum">
               <a:rPr lang="en-US" smtClean="0"/>
-              <a:t>10</a:t>
+              <a:t>11</a:t>
             </a:fld>
             <a:endParaRPr lang="en-US"/>
           </a:p>
@@ -3934,7 +3935,7 @@
           <a:p>
             <a:fld id="{B4F2F79A-9ECA-4236-9A6E-01D624A4A39C}" type="slidenum">
               <a:rPr lang="en-US" smtClean="0"/>
-              <a:t>52</a:t>
+              <a:t>53</a:t>
             </a:fld>
             <a:endParaRPr lang="en-US"/>
           </a:p>
@@ -4298,7 +4299,7 @@
           <a:p>
             <a:fld id="{B4F2F79A-9ECA-4236-9A6E-01D624A4A39C}" type="slidenum">
               <a:rPr lang="en-US" smtClean="0"/>
-              <a:t>54</a:t>
+              <a:t>55</a:t>
             </a:fld>
             <a:endParaRPr lang="en-US"/>
           </a:p>
@@ -4580,7 +4581,7 @@
           <a:p>
             <a:fld id="{B4F2F79A-9ECA-4236-9A6E-01D624A4A39C}" type="slidenum">
               <a:rPr lang="en-US" smtClean="0"/>
-              <a:t>55</a:t>
+              <a:t>56</a:t>
             </a:fld>
             <a:endParaRPr lang="en-US"/>
           </a:p>
@@ -5084,7 +5085,7 @@
           <a:p>
             <a:fld id="{B4F2F79A-9ECA-4236-9A6E-01D624A4A39C}" type="slidenum">
               <a:rPr lang="en-US" smtClean="0"/>
-              <a:t>56</a:t>
+              <a:t>57</a:t>
             </a:fld>
             <a:endParaRPr lang="en-US"/>
           </a:p>
@@ -5298,7 +5299,7 @@
           <a:p>
             <a:fld id="{B4F2F79A-9ECA-4236-9A6E-01D624A4A39C}" type="slidenum">
               <a:rPr lang="en-US" smtClean="0"/>
-              <a:t>57</a:t>
+              <a:t>58</a:t>
             </a:fld>
             <a:endParaRPr lang="en-US"/>
           </a:p>
@@ -5712,7 +5713,7 @@
           <a:p>
             <a:fld id="{B4F2F79A-9ECA-4236-9A6E-01D624A4A39C}" type="slidenum">
               <a:rPr lang="en-US" smtClean="0"/>
-              <a:t>13</a:t>
+              <a:t>14</a:t>
             </a:fld>
             <a:endParaRPr lang="en-US"/>
           </a:p>
@@ -5844,7 +5845,7 @@
           <a:p>
             <a:fld id="{B4F2F79A-9ECA-4236-9A6E-01D624A4A39C}" type="slidenum">
               <a:rPr lang="en-US" smtClean="0"/>
-              <a:t>15</a:t>
+              <a:t>16</a:t>
             </a:fld>
             <a:endParaRPr lang="en-US"/>
           </a:p>
@@ -5956,7 +5957,7 @@
           <a:p>
             <a:fld id="{B4F2F79A-9ECA-4236-9A6E-01D624A4A39C}" type="slidenum">
               <a:rPr lang="en-US" smtClean="0"/>
-              <a:t>16</a:t>
+              <a:t>17</a:t>
             </a:fld>
             <a:endParaRPr lang="en-US"/>
           </a:p>
@@ -6082,7 +6083,7 @@
           <a:p>
             <a:fld id="{B4F2F79A-9ECA-4236-9A6E-01D624A4A39C}" type="slidenum">
               <a:rPr lang="en-US" smtClean="0"/>
-              <a:t>17</a:t>
+              <a:t>18</a:t>
             </a:fld>
             <a:endParaRPr lang="en-US"/>
           </a:p>
@@ -6175,7 +6176,7 @@
           <a:p>
             <a:fld id="{B4F2F79A-9ECA-4236-9A6E-01D624A4A39C}" type="slidenum">
               <a:rPr lang="en-US" smtClean="0"/>
-              <a:t>18</a:t>
+              <a:t>19</a:t>
             </a:fld>
             <a:endParaRPr lang="en-US"/>
           </a:p>
@@ -6310,7 +6311,7 @@
           <a:p>
             <a:fld id="{B4F2F79A-9ECA-4236-9A6E-01D624A4A39C}" type="slidenum">
               <a:rPr lang="en-US" smtClean="0"/>
-              <a:t>19</a:t>
+              <a:t>20</a:t>
             </a:fld>
             <a:endParaRPr lang="en-US"/>
           </a:p>
@@ -6478,7 +6479,7 @@
           <a:p>
             <a:fld id="{830CF026-2A7D-4AC1-A6EC-3EB8F9A9FDD9}" type="datetimeFigureOut">
               <a:rPr lang="en-US" smtClean="0"/>
-              <a:t>9/11/2018</a:t>
+              <a:t>12/24/2018</a:t>
             </a:fld>
             <a:endParaRPr lang="en-US"/>
           </a:p>
@@ -6678,7 +6679,7 @@
           <a:p>
             <a:fld id="{830CF026-2A7D-4AC1-A6EC-3EB8F9A9FDD9}" type="datetimeFigureOut">
               <a:rPr lang="en-US" smtClean="0"/>
-              <a:t>9/11/2018</a:t>
+              <a:t>12/24/2018</a:t>
             </a:fld>
             <a:endParaRPr lang="en-US"/>
           </a:p>
@@ -6888,7 +6889,7 @@
           <a:p>
             <a:fld id="{830CF026-2A7D-4AC1-A6EC-3EB8F9A9FDD9}" type="datetimeFigureOut">
               <a:rPr lang="en-US" smtClean="0"/>
-              <a:t>9/11/2018</a:t>
+              <a:t>12/24/2018</a:t>
             </a:fld>
             <a:endParaRPr lang="en-US"/>
           </a:p>
@@ -7088,7 +7089,7 @@
           <a:p>
             <a:fld id="{830CF026-2A7D-4AC1-A6EC-3EB8F9A9FDD9}" type="datetimeFigureOut">
               <a:rPr lang="en-US" smtClean="0"/>
-              <a:t>9/11/2018</a:t>
+              <a:t>12/24/2018</a:t>
             </a:fld>
             <a:endParaRPr lang="en-US"/>
           </a:p>
@@ -7364,7 +7365,7 @@
           <a:p>
             <a:fld id="{830CF026-2A7D-4AC1-A6EC-3EB8F9A9FDD9}" type="datetimeFigureOut">
               <a:rPr lang="en-US" smtClean="0"/>
-              <a:t>9/11/2018</a:t>
+              <a:t>12/24/2018</a:t>
             </a:fld>
             <a:endParaRPr lang="en-US"/>
           </a:p>
@@ -7632,7 +7633,7 @@
           <a:p>
             <a:fld id="{830CF026-2A7D-4AC1-A6EC-3EB8F9A9FDD9}" type="datetimeFigureOut">
               <a:rPr lang="en-US" smtClean="0"/>
-              <a:t>9/11/2018</a:t>
+              <a:t>12/24/2018</a:t>
             </a:fld>
             <a:endParaRPr lang="en-US"/>
           </a:p>
@@ -8047,7 +8048,7 @@
           <a:p>
             <a:fld id="{830CF026-2A7D-4AC1-A6EC-3EB8F9A9FDD9}" type="datetimeFigureOut">
               <a:rPr lang="en-US" smtClean="0"/>
-              <a:t>9/11/2018</a:t>
+              <a:t>12/24/2018</a:t>
             </a:fld>
             <a:endParaRPr lang="en-US"/>
           </a:p>
@@ -8189,7 +8190,7 @@
           <a:p>
             <a:fld id="{830CF026-2A7D-4AC1-A6EC-3EB8F9A9FDD9}" type="datetimeFigureOut">
               <a:rPr lang="en-US" smtClean="0"/>
-              <a:t>9/11/2018</a:t>
+              <a:t>12/24/2018</a:t>
             </a:fld>
             <a:endParaRPr lang="en-US"/>
           </a:p>
@@ -8302,7 +8303,7 @@
           <a:p>
             <a:fld id="{830CF026-2A7D-4AC1-A6EC-3EB8F9A9FDD9}" type="datetimeFigureOut">
               <a:rPr lang="en-US" smtClean="0"/>
-              <a:t>9/11/2018</a:t>
+              <a:t>12/24/2018</a:t>
             </a:fld>
             <a:endParaRPr lang="en-US"/>
           </a:p>
@@ -8615,7 +8616,7 @@
           <a:p>
             <a:fld id="{830CF026-2A7D-4AC1-A6EC-3EB8F9A9FDD9}" type="datetimeFigureOut">
               <a:rPr lang="en-US" smtClean="0"/>
-              <a:t>9/11/2018</a:t>
+              <a:t>12/24/2018</a:t>
             </a:fld>
             <a:endParaRPr lang="en-US"/>
           </a:p>
@@ -8904,7 +8905,7 @@
           <a:p>
             <a:fld id="{830CF026-2A7D-4AC1-A6EC-3EB8F9A9FDD9}" type="datetimeFigureOut">
               <a:rPr lang="en-US" smtClean="0"/>
-              <a:t>9/11/2018</a:t>
+              <a:t>12/24/2018</a:t>
             </a:fld>
             <a:endParaRPr lang="en-US"/>
           </a:p>
@@ -9147,7 +9148,7 @@
           <a:p>
             <a:fld id="{830CF026-2A7D-4AC1-A6EC-3EB8F9A9FDD9}" type="datetimeFigureOut">
               <a:rPr lang="en-US" smtClean="0"/>
-              <a:t>9/11/2018</a:t>
+              <a:t>12/24/2018</a:t>
             </a:fld>
             <a:endParaRPr lang="en-US"/>
           </a:p>
@@ -9661,6 +9662,493 @@
       </p:grpSpPr>
       <p:sp>
         <p:nvSpPr>
+          <p:cNvPr id="3" name="内容占位符 2">
+            <a:extLst>
+              <a:ext uri="{FF2B5EF4-FFF2-40B4-BE49-F238E27FC236}">
+                <a16:creationId xmlns:a16="http://schemas.microsoft.com/office/drawing/2014/main" id="{BFE98B9A-DA58-4FB6-A7C7-68C6CD03B3E3}"/>
+              </a:ext>
+            </a:extLst>
+          </p:cNvPr>
+          <p:cNvSpPr>
+            <a:spLocks noGrp="1"/>
+          </p:cNvSpPr>
+          <p:nvPr>
+            <p:ph idx="1"/>
+          </p:nvPr>
+        </p:nvSpPr>
+        <p:spPr>
+          <a:xfrm>
+            <a:off x="838200" y="839972"/>
+            <a:ext cx="10515600" cy="2698875"/>
+          </a:xfrm>
+        </p:spPr>
+        <p:txBody>
+          <a:bodyPr>
+            <a:normAutofit fontScale="55000" lnSpcReduction="20000"/>
+          </a:bodyPr>
+          <a:lstStyle/>
+          <a:p>
+            <a:r>
+              <a:rPr lang="en-US" dirty="0"/>
+              <a:t>The grid command accepts </a:t>
+            </a:r>
+            <a:r>
+              <a:rPr lang="en-US" b="1" dirty="0">
+                <a:solidFill>
+                  <a:schemeClr val="accent1">
+                    <a:lumMod val="75000"/>
+                  </a:schemeClr>
+                </a:solidFill>
+              </a:rPr>
+              <a:t>/*grid={…}*/ </a:t>
+            </a:r>
+            <a:r>
+              <a:rPr lang="en-US" dirty="0"/>
+              <a:t>to define the additional information, including:</a:t>
+            </a:r>
+          </a:p>
+          <a:p>
+            <a:pPr lvl="1"/>
+            <a:r>
+              <a:rPr lang="en-US" altLang="zh-CN" b="1" dirty="0">
+                <a:solidFill>
+                  <a:schemeClr val="accent1">
+                    <a:lumMod val="75000"/>
+                  </a:schemeClr>
+                </a:solidFill>
+              </a:rPr>
+              <a:t>t</a:t>
+            </a:r>
+            <a:r>
+              <a:rPr lang="en-US" b="1" dirty="0">
+                <a:solidFill>
+                  <a:schemeClr val="accent1">
+                    <a:lumMod val="75000"/>
+                  </a:schemeClr>
+                </a:solidFill>
+              </a:rPr>
+              <a:t>opic=“&lt;title&gt;”: </a:t>
+            </a:r>
+            <a:r>
+              <a:rPr lang="en-US" dirty="0"/>
+              <a:t>the title of the grid</a:t>
+            </a:r>
+          </a:p>
+          <a:p>
+            <a:pPr lvl="1"/>
+            <a:r>
+              <a:rPr lang="en-US" b="1" dirty="0">
+                <a:solidFill>
+                  <a:schemeClr val="accent1">
+                    <a:lumMod val="75000"/>
+                  </a:schemeClr>
+                </a:solidFill>
+              </a:rPr>
+              <a:t>Width=&lt;number&gt;:</a:t>
+            </a:r>
+            <a:r>
+              <a:rPr lang="zh-CN" altLang="en-US" b="1" dirty="0">
+                <a:solidFill>
+                  <a:schemeClr val="accent1">
+                    <a:lumMod val="75000"/>
+                  </a:schemeClr>
+                </a:solidFill>
+              </a:rPr>
+              <a:t> </a:t>
+            </a:r>
+            <a:r>
+              <a:rPr lang="en-US" altLang="zh-CN" dirty="0"/>
+              <a:t>define block fixed width,</a:t>
+            </a:r>
+            <a:r>
+              <a:rPr lang="zh-CN" altLang="en-US" dirty="0"/>
+              <a:t> </a:t>
+            </a:r>
+            <a:r>
+              <a:rPr lang="en-US" altLang="zh-CN" dirty="0"/>
+              <a:t>if the query output wider than the size, then the outstanding part will be chopped. When -1 then means align to its siblings</a:t>
+            </a:r>
+          </a:p>
+          <a:p>
+            <a:pPr lvl="1"/>
+            <a:r>
+              <a:rPr lang="en-US" b="1" dirty="0">
+                <a:solidFill>
+                  <a:schemeClr val="accent1">
+                    <a:lumMod val="75000"/>
+                  </a:schemeClr>
+                </a:solidFill>
+              </a:rPr>
+              <a:t>height=&lt;number&gt;: </a:t>
+            </a:r>
+            <a:r>
+              <a:rPr lang="en-US" dirty="0"/>
+              <a:t>define block fixed height, if the output rows  longer than the size, then the outstanding rows will be removed. When -1 then means align the height to its siblings.</a:t>
+            </a:r>
+          </a:p>
+          <a:p>
+            <a:pPr lvl="1"/>
+            <a:r>
+              <a:rPr lang="en-US" b="1" dirty="0">
+                <a:solidFill>
+                  <a:schemeClr val="accent1">
+                    <a:lumMod val="75000"/>
+                  </a:schemeClr>
+                </a:solidFill>
+              </a:rPr>
+              <a:t>max_rows=&lt;number&gt;: </a:t>
+            </a:r>
+            <a:r>
+              <a:rPr lang="en-US" dirty="0"/>
+              <a:t>maximum </a:t>
+            </a:r>
+            <a:r>
+              <a:rPr lang="en-US" altLang="zh-CN" dirty="0"/>
+              <a:t>printed query records</a:t>
+            </a:r>
+            <a:endParaRPr lang="en-US" dirty="0"/>
+          </a:p>
+          <a:p>
+            <a:pPr lvl="1"/>
+            <a:r>
+              <a:rPr lang="en-US" b="1" dirty="0" err="1">
+                <a:solidFill>
+                  <a:schemeClr val="accent1">
+                    <a:lumMod val="75000"/>
+                  </a:schemeClr>
+                </a:solidFill>
+              </a:rPr>
+              <a:t>bypassemptyrs</a:t>
+            </a:r>
+            <a:r>
+              <a:rPr lang="en-US" b="1" dirty="0">
+                <a:solidFill>
+                  <a:schemeClr val="accent1">
+                    <a:lumMod val="75000"/>
+                  </a:schemeClr>
+                </a:solidFill>
+              </a:rPr>
+              <a:t>=“</a:t>
+            </a:r>
+            <a:r>
+              <a:rPr lang="en-US" altLang="zh-CN" b="1" dirty="0">
+                <a:solidFill>
+                  <a:schemeClr val="accent1">
+                    <a:lumMod val="75000"/>
+                  </a:schemeClr>
+                </a:solidFill>
+              </a:rPr>
+              <a:t>on/off”: </a:t>
+            </a:r>
+            <a:r>
+              <a:rPr lang="en-US" altLang="zh-CN" dirty="0"/>
+              <a:t>controls whether to display the grid in case of no record to be printed</a:t>
+            </a:r>
+            <a:endParaRPr lang="en-US" dirty="0"/>
+          </a:p>
+          <a:p>
+            <a:pPr lvl="1"/>
+            <a:r>
+              <a:rPr lang="en-US" dirty="0"/>
+              <a:t>Other additional configurations that used in “snap” and “chart” commands</a:t>
+            </a:r>
+          </a:p>
+          <a:p>
+            <a:r>
+              <a:rPr lang="en-US" dirty="0"/>
+              <a:t>JSON format is not a good choice for multi-lines SQL:</a:t>
+            </a:r>
+          </a:p>
+          <a:p>
+            <a:pPr lvl="1"/>
+            <a:r>
+              <a:rPr lang="en-US" dirty="0"/>
+              <a:t>JSON uses [….] to define an array, and {…} to define an object. For Lua, they are all {…}</a:t>
+            </a:r>
+          </a:p>
+          <a:p>
+            <a:pPr lvl="1"/>
+            <a:r>
+              <a:rPr lang="en-US" dirty="0"/>
+              <a:t>To define an object(map), the JSON syntax is {a</a:t>
+            </a:r>
+            <a:r>
+              <a:rPr lang="en-US" b="1" dirty="0">
+                <a:solidFill>
+                  <a:schemeClr val="accent1">
+                    <a:lumMod val="75000"/>
+                  </a:schemeClr>
+                </a:solidFill>
+              </a:rPr>
+              <a:t>:</a:t>
+            </a:r>
+            <a:r>
+              <a:rPr lang="en-US" dirty="0">
+                <a:solidFill>
+                  <a:schemeClr val="accent1">
+                    <a:lumMod val="75000"/>
+                  </a:schemeClr>
+                </a:solidFill>
+              </a:rPr>
+              <a:t> </a:t>
+            </a:r>
+            <a:r>
+              <a:rPr lang="en-US" dirty="0"/>
+              <a:t>&lt;value&gt;,b</a:t>
+            </a:r>
+            <a:r>
+              <a:rPr lang="en-US" b="1" dirty="0">
+                <a:solidFill>
+                  <a:schemeClr val="accent1">
+                    <a:lumMod val="75000"/>
+                  </a:schemeClr>
+                </a:solidFill>
+              </a:rPr>
+              <a:t>: </a:t>
+            </a:r>
+            <a:r>
+              <a:rPr lang="en-US" dirty="0"/>
+              <a:t>&lt;value&gt;}, for Lua, it is {a</a:t>
+            </a:r>
+            <a:r>
+              <a:rPr lang="en-US" b="1" dirty="0">
+                <a:solidFill>
+                  <a:schemeClr val="accent1">
+                    <a:lumMod val="75000"/>
+                  </a:schemeClr>
+                </a:solidFill>
+              </a:rPr>
+              <a:t>=</a:t>
+            </a:r>
+            <a:r>
+              <a:rPr lang="en-US" dirty="0"/>
+              <a:t>&lt;value&gt;,b</a:t>
+            </a:r>
+            <a:r>
+              <a:rPr lang="en-US" b="1" dirty="0">
+                <a:solidFill>
+                  <a:schemeClr val="accent1">
+                    <a:lumMod val="75000"/>
+                  </a:schemeClr>
+                </a:solidFill>
+              </a:rPr>
+              <a:t>=</a:t>
+            </a:r>
+            <a:r>
+              <a:rPr lang="en-US" dirty="0"/>
+              <a:t>&lt;value&gt;}</a:t>
+            </a:r>
+          </a:p>
+          <a:p>
+            <a:pPr lvl="1"/>
+            <a:r>
+              <a:rPr lang="en-US" dirty="0"/>
+              <a:t>To define a string value that has multiple lines, JSON uses </a:t>
+            </a:r>
+            <a:r>
+              <a:rPr lang="zh-CN" altLang="en-US" dirty="0">
+                <a:solidFill>
+                  <a:schemeClr val="accent1">
+                    <a:lumMod val="75000"/>
+                  </a:schemeClr>
+                </a:solidFill>
+              </a:rPr>
+              <a:t>“</a:t>
+            </a:r>
+            <a:r>
+              <a:rPr lang="en-US" altLang="zh-CN" dirty="0">
+                <a:solidFill>
+                  <a:schemeClr val="accent1">
+                    <a:lumMod val="75000"/>
+                  </a:schemeClr>
+                </a:solidFill>
+              </a:rPr>
+              <a:t>line1 \n</a:t>
+            </a:r>
+            <a:r>
+              <a:rPr lang="zh-CN" altLang="en-US" dirty="0">
+                <a:solidFill>
+                  <a:schemeClr val="accent1">
+                    <a:lumMod val="75000"/>
+                  </a:schemeClr>
+                </a:solidFill>
+              </a:rPr>
+              <a:t> ” </a:t>
+            </a:r>
+            <a:r>
+              <a:rPr lang="en-US" altLang="zh-CN" dirty="0">
+                <a:solidFill>
+                  <a:schemeClr val="accent1">
+                    <a:lumMod val="75000"/>
+                  </a:schemeClr>
+                </a:solidFill>
+              </a:rPr>
+              <a:t>+</a:t>
+            </a:r>
+            <a:r>
+              <a:rPr lang="zh-CN" altLang="en-US" dirty="0">
+                <a:solidFill>
+                  <a:schemeClr val="accent1">
+                    <a:lumMod val="75000"/>
+                  </a:schemeClr>
+                </a:solidFill>
+              </a:rPr>
+              <a:t>“</a:t>
+            </a:r>
+            <a:r>
+              <a:rPr lang="en-US" altLang="zh-CN" dirty="0">
+                <a:solidFill>
+                  <a:schemeClr val="accent1">
+                    <a:lumMod val="75000"/>
+                  </a:schemeClr>
+                </a:solidFill>
+              </a:rPr>
+              <a:t>line2</a:t>
+            </a:r>
+            <a:r>
+              <a:rPr lang="zh-CN" altLang="en-US" dirty="0">
+                <a:solidFill>
+                  <a:schemeClr val="accent1">
+                    <a:lumMod val="75000"/>
+                  </a:schemeClr>
+                </a:solidFill>
+              </a:rPr>
+              <a:t>”</a:t>
+            </a:r>
+            <a:r>
+              <a:rPr lang="zh-CN" altLang="en-US" dirty="0"/>
+              <a:t>，</a:t>
+            </a:r>
+            <a:r>
+              <a:rPr lang="en-US" altLang="zh-CN" dirty="0"/>
+              <a:t>and</a:t>
+            </a:r>
+            <a:r>
+              <a:rPr lang="zh-CN" altLang="en-US" dirty="0"/>
+              <a:t> </a:t>
+            </a:r>
+            <a:r>
+              <a:rPr lang="en-US" altLang="zh-CN" dirty="0"/>
+              <a:t>Lua is </a:t>
+            </a:r>
+            <a:r>
+              <a:rPr lang="en-US" altLang="zh-CN" dirty="0">
+                <a:solidFill>
+                  <a:schemeClr val="accent1">
+                    <a:lumMod val="75000"/>
+                  </a:schemeClr>
+                </a:solidFill>
+              </a:rPr>
+              <a:t>[[line1 \n line2]]</a:t>
+            </a:r>
+            <a:r>
+              <a:rPr lang="en-US" dirty="0">
+                <a:solidFill>
+                  <a:schemeClr val="accent1">
+                    <a:lumMod val="75000"/>
+                  </a:schemeClr>
+                </a:solidFill>
+              </a:rPr>
+              <a:t> </a:t>
+            </a:r>
+          </a:p>
+        </p:txBody>
+      </p:sp>
+      <p:sp>
+        <p:nvSpPr>
+          <p:cNvPr id="4" name="标题 1">
+            <a:extLst>
+              <a:ext uri="{FF2B5EF4-FFF2-40B4-BE49-F238E27FC236}">
+                <a16:creationId xmlns:a16="http://schemas.microsoft.com/office/drawing/2014/main" id="{70420209-AAC5-4A57-A49C-414AC4E00351}"/>
+              </a:ext>
+            </a:extLst>
+          </p:cNvPr>
+          <p:cNvSpPr>
+            <a:spLocks noGrp="1"/>
+          </p:cNvSpPr>
+          <p:nvPr>
+            <p:ph type="title"/>
+          </p:nvPr>
+        </p:nvSpPr>
+        <p:spPr>
+          <a:xfrm>
+            <a:off x="753140" y="18255"/>
+            <a:ext cx="10515600" cy="821717"/>
+          </a:xfrm>
+        </p:spPr>
+        <p:txBody>
+          <a:bodyPr/>
+          <a:lstStyle/>
+          <a:p>
+            <a:r>
+              <a:rPr lang="en-US" dirty="0"/>
+              <a:t>Combine queries (command grid) - 2</a:t>
+            </a:r>
+          </a:p>
+        </p:txBody>
+      </p:sp>
+      <p:pic>
+        <p:nvPicPr>
+          <p:cNvPr id="7" name="图片 6">
+            <a:extLst>
+              <a:ext uri="{FF2B5EF4-FFF2-40B4-BE49-F238E27FC236}">
+                <a16:creationId xmlns:a16="http://schemas.microsoft.com/office/drawing/2014/main" id="{59E8646C-875C-416C-9C86-61EF3D9A49AF}"/>
+              </a:ext>
+            </a:extLst>
+          </p:cNvPr>
+          <p:cNvPicPr>
+            <a:picLocks noChangeAspect="1"/>
+          </p:cNvPicPr>
+          <p:nvPr/>
+        </p:nvPicPr>
+        <p:blipFill>
+          <a:blip r:embed="rId3"/>
+          <a:stretch>
+            <a:fillRect/>
+          </a:stretch>
+        </p:blipFill>
+        <p:spPr>
+          <a:xfrm>
+            <a:off x="733425" y="3725070"/>
+            <a:ext cx="11458575" cy="3114675"/>
+          </a:xfrm>
+          <a:prstGeom prst="rect">
+            <a:avLst/>
+          </a:prstGeom>
+        </p:spPr>
+      </p:pic>
+    </p:spTree>
+    <p:extLst>
+      <p:ext uri="{BB962C8B-B14F-4D97-AF65-F5344CB8AC3E}">
+        <p14:creationId xmlns:p14="http://schemas.microsoft.com/office/powerpoint/2010/main" val="876152553"/>
+      </p:ext>
+    </p:extLst>
+  </p:cSld>
+  <p:clrMapOvr>
+    <a:masterClrMapping/>
+  </p:clrMapOvr>
+</p:sld>
+</file>
+
+<file path=ppt/slides/slide11.xml><?xml version="1.0" encoding="utf-8"?>
+<p:sld xmlns:a="http://schemas.openxmlformats.org/drawingml/2006/main" xmlns:r="http://schemas.openxmlformats.org/officeDocument/2006/relationships" xmlns:p="http://schemas.openxmlformats.org/presentationml/2006/main">
+  <p:cSld>
+    <p:spTree>
+      <p:nvGrpSpPr>
+        <p:cNvPr id="1" name=""/>
+        <p:cNvGrpSpPr/>
+        <p:nvPr/>
+      </p:nvGrpSpPr>
+      <p:grpSpPr>
+        <a:xfrm>
+          <a:off x="0" y="0"/>
+          <a:ext cx="0" cy="0"/>
+          <a:chOff x="0" y="0"/>
+          <a:chExt cx="0" cy="0"/>
+        </a:xfrm>
+      </p:grpSpPr>
+      <p:sp>
+        <p:nvSpPr>
           <p:cNvPr id="2" name="标题 1">
             <a:extLst>
               <a:ext uri="{FF2B5EF4-FFF2-40B4-BE49-F238E27FC236}">
@@ -9779,7 +10267,7 @@
 </p:sld>
 </file>
 
-<file path=ppt/slides/slide11.xml><?xml version="1.0" encoding="utf-8"?>
+<file path=ppt/slides/slide12.xml><?xml version="1.0" encoding="utf-8"?>
 <p:sld xmlns:a="http://schemas.openxmlformats.org/drawingml/2006/main" xmlns:r="http://schemas.openxmlformats.org/officeDocument/2006/relationships" xmlns:p="http://schemas.openxmlformats.org/presentationml/2006/main">
   <p:cSld>
     <p:spTree>
@@ -11117,7 +11605,7 @@
 </p:sld>
 </file>
 
-<file path=ppt/slides/slide12.xml><?xml version="1.0" encoding="utf-8"?>
+<file path=ppt/slides/slide13.xml><?xml version="1.0" encoding="utf-8"?>
 <p:sld xmlns:a="http://schemas.openxmlformats.org/drawingml/2006/main" xmlns:r="http://schemas.openxmlformats.org/officeDocument/2006/relationships" xmlns:p="http://schemas.openxmlformats.org/presentationml/2006/main">
   <p:cSld>
     <p:spTree>
@@ -11321,7 +11809,7 @@
 </p:sld>
 </file>
 
-<file path=ppt/slides/slide13.xml><?xml version="1.0" encoding="utf-8"?>
+<file path=ppt/slides/slide14.xml><?xml version="1.0" encoding="utf-8"?>
 <p:sld xmlns:a="http://schemas.openxmlformats.org/drawingml/2006/main" xmlns:r="http://schemas.openxmlformats.org/officeDocument/2006/relationships" xmlns:p="http://schemas.openxmlformats.org/presentationml/2006/main">
   <p:cSld>
     <p:spTree>
@@ -11475,7 +11963,7 @@
 </p:sld>
 </file>
 
-<file path=ppt/slides/slide14.xml><?xml version="1.0" encoding="utf-8"?>
+<file path=ppt/slides/slide15.xml><?xml version="1.0" encoding="utf-8"?>
 <p:sld xmlns:a="http://schemas.openxmlformats.org/drawingml/2006/main" xmlns:r="http://schemas.openxmlformats.org/officeDocument/2006/relationships" xmlns:p="http://schemas.openxmlformats.org/presentationml/2006/main">
   <p:cSld>
     <p:spTree>
@@ -11603,7 +12091,7 @@
 </p:sld>
 </file>
 
-<file path=ppt/slides/slide15.xml><?xml version="1.0" encoding="utf-8"?>
+<file path=ppt/slides/slide16.xml><?xml version="1.0" encoding="utf-8"?>
 <p:sld xmlns:a="http://schemas.openxmlformats.org/drawingml/2006/main" xmlns:r="http://schemas.openxmlformats.org/officeDocument/2006/relationships" xmlns:p="http://schemas.openxmlformats.org/presentationml/2006/main">
   <p:cSld>
     <p:spTree>
@@ -11698,7 +12186,7 @@
 </p:sld>
 </file>
 
-<file path=ppt/slides/slide16.xml><?xml version="1.0" encoding="utf-8"?>
+<file path=ppt/slides/slide17.xml><?xml version="1.0" encoding="utf-8"?>
 <p:sld xmlns:a="http://schemas.openxmlformats.org/drawingml/2006/main" xmlns:r="http://schemas.openxmlformats.org/officeDocument/2006/relationships" xmlns:p="http://schemas.openxmlformats.org/presentationml/2006/main">
   <p:cSld>
     <p:spTree>
@@ -11788,7 +12276,7 @@
 </p:sld>
 </file>
 
-<file path=ppt/slides/slide17.xml><?xml version="1.0" encoding="utf-8"?>
+<file path=ppt/slides/slide18.xml><?xml version="1.0" encoding="utf-8"?>
 <p:sld xmlns:a="http://schemas.openxmlformats.org/drawingml/2006/main" xmlns:r="http://schemas.openxmlformats.org/officeDocument/2006/relationships" xmlns:p="http://schemas.openxmlformats.org/presentationml/2006/main">
   <p:cSld>
     <p:spTree>
@@ -11922,7 +12410,7 @@
 </p:sld>
 </file>
 
-<file path=ppt/slides/slide18.xml><?xml version="1.0" encoding="utf-8"?>
+<file path=ppt/slides/slide19.xml><?xml version="1.0" encoding="utf-8"?>
 <p:sld xmlns:a="http://schemas.openxmlformats.org/drawingml/2006/main" xmlns:r="http://schemas.openxmlformats.org/officeDocument/2006/relationships" xmlns:p="http://schemas.openxmlformats.org/presentationml/2006/main">
   <p:cSld>
     <p:spTree>
@@ -12056,7 +12544,179 @@
 </p:sld>
 </file>
 
-<file path=ppt/slides/slide19.xml><?xml version="1.0" encoding="utf-8"?>
+<file path=ppt/slides/slide2.xml><?xml version="1.0" encoding="utf-8"?>
+<p:sld xmlns:a="http://schemas.openxmlformats.org/drawingml/2006/main" xmlns:r="http://schemas.openxmlformats.org/officeDocument/2006/relationships" xmlns:p="http://schemas.openxmlformats.org/presentationml/2006/main">
+  <p:cSld>
+    <p:spTree>
+      <p:nvGrpSpPr>
+        <p:cNvPr id="1" name=""/>
+        <p:cNvGrpSpPr/>
+        <p:nvPr/>
+      </p:nvGrpSpPr>
+      <p:grpSpPr>
+        <a:xfrm>
+          <a:off x="0" y="0"/>
+          <a:ext cx="0" cy="0"/>
+          <a:chOff x="0" y="0"/>
+          <a:chExt cx="0" cy="0"/>
+        </a:xfrm>
+      </p:grpSpPr>
+      <p:sp>
+        <p:nvSpPr>
+          <p:cNvPr id="2" name="标题 1">
+            <a:extLst>
+              <a:ext uri="{FF2B5EF4-FFF2-40B4-BE49-F238E27FC236}">
+                <a16:creationId xmlns:a16="http://schemas.microsoft.com/office/drawing/2014/main" id="{27BF2526-DC43-43B7-AC58-B1C5BBE626C9}"/>
+              </a:ext>
+            </a:extLst>
+          </p:cNvPr>
+          <p:cNvSpPr>
+            <a:spLocks noGrp="1"/>
+          </p:cNvSpPr>
+          <p:nvPr>
+            <p:ph type="title"/>
+          </p:nvPr>
+        </p:nvSpPr>
+        <p:spPr>
+          <a:xfrm>
+            <a:off x="838200" y="258233"/>
+            <a:ext cx="10515600" cy="845608"/>
+          </a:xfrm>
+        </p:spPr>
+        <p:txBody>
+          <a:bodyPr/>
+          <a:lstStyle/>
+          <a:p>
+            <a:r>
+              <a:rPr lang="en-US" dirty="0"/>
+              <a:t>Why use DBCLI(1)</a:t>
+            </a:r>
+          </a:p>
+        </p:txBody>
+      </p:sp>
+      <p:sp>
+        <p:nvSpPr>
+          <p:cNvPr id="3" name="内容占位符 2">
+            <a:extLst>
+              <a:ext uri="{FF2B5EF4-FFF2-40B4-BE49-F238E27FC236}">
+                <a16:creationId xmlns:a16="http://schemas.microsoft.com/office/drawing/2014/main" id="{2242905D-E402-445B-AF6E-F7152E4F38CA}"/>
+              </a:ext>
+            </a:extLst>
+          </p:cNvPr>
+          <p:cNvSpPr>
+            <a:spLocks noGrp="1"/>
+          </p:cNvSpPr>
+          <p:nvPr>
+            <p:ph idx="1"/>
+          </p:nvPr>
+        </p:nvSpPr>
+        <p:spPr/>
+        <p:txBody>
+          <a:bodyPr/>
+          <a:lstStyle/>
+          <a:p>
+            <a:r>
+              <a:rPr lang="en-US" dirty="0"/>
+              <a:t>SQL*Plus is powerful, but not user-friendly</a:t>
+            </a:r>
+          </a:p>
+          <a:p>
+            <a:pPr lvl="1"/>
+            <a:r>
+              <a:rPr lang="en-US" dirty="0"/>
+              <a:t>Less-intelligent query output</a:t>
+            </a:r>
+          </a:p>
+          <a:p>
+            <a:pPr lvl="1"/>
+            <a:r>
+              <a:rPr lang="en-US" dirty="0"/>
+              <a:t>Difficult logic control for coding</a:t>
+            </a:r>
+          </a:p>
+          <a:p>
+            <a:pPr lvl="1"/>
+            <a:r>
+              <a:rPr lang="en-US" dirty="0"/>
+              <a:t>Lack of interfaces to develop addons</a:t>
+            </a:r>
+          </a:p>
+          <a:p>
+            <a:r>
+              <a:rPr lang="en-US" dirty="0"/>
+              <a:t>DBCLI is an aid of database CLI utility such as SQL*Plus and SQLcl</a:t>
+            </a:r>
+          </a:p>
+          <a:p>
+            <a:pPr lvl="1"/>
+            <a:r>
+              <a:rPr lang="en-US" dirty="0"/>
+              <a:t>Supports Windows/MacOS/Linux</a:t>
+            </a:r>
+          </a:p>
+          <a:p>
+            <a:pPr lvl="1"/>
+            <a:r>
+              <a:rPr lang="en-US" dirty="0"/>
+              <a:t>Portable and contains portable JRE bundle</a:t>
+            </a:r>
+          </a:p>
+          <a:p>
+            <a:pPr lvl="1"/>
+            <a:r>
+              <a:rPr lang="en-US" dirty="0"/>
+              <a:t>Auto-ported to SQL*Plus and SQLcl, and similar commands with SQL*Plus</a:t>
+            </a:r>
+          </a:p>
+          <a:p>
+            <a:pPr lvl="1"/>
+            <a:r>
+              <a:rPr lang="en-US" dirty="0"/>
+              <a:t>Languages: </a:t>
+            </a:r>
+            <a:r>
+              <a:rPr lang="en-US" dirty="0" err="1"/>
+              <a:t>Java,Lua,PL</a:t>
+            </a:r>
+            <a:r>
+              <a:rPr lang="en-US" dirty="0"/>
+              <a:t>/SQL,SQL</a:t>
+            </a:r>
+          </a:p>
+          <a:p>
+            <a:pPr lvl="1"/>
+            <a:r>
+              <a:rPr lang="en-US" dirty="0"/>
+              <a:t>Many powerful features</a:t>
+            </a:r>
+          </a:p>
+          <a:p>
+            <a:pPr lvl="1"/>
+            <a:endParaRPr lang="en-US" dirty="0"/>
+          </a:p>
+          <a:p>
+            <a:pPr lvl="1"/>
+            <a:endParaRPr lang="en-US" dirty="0"/>
+          </a:p>
+          <a:p>
+            <a:endParaRPr lang="en-US" dirty="0"/>
+          </a:p>
+        </p:txBody>
+      </p:sp>
+    </p:spTree>
+    <p:extLst>
+      <p:ext uri="{BB962C8B-B14F-4D97-AF65-F5344CB8AC3E}">
+        <p14:creationId xmlns:p14="http://schemas.microsoft.com/office/powerpoint/2010/main" val="2865227814"/>
+      </p:ext>
+    </p:extLst>
+  </p:cSld>
+  <p:clrMapOvr>
+    <a:masterClrMapping/>
+  </p:clrMapOvr>
+</p:sld>
+</file>
+
+<file path=ppt/slides/slide20.xml><?xml version="1.0" encoding="utf-8"?>
 <p:sld xmlns:a="http://schemas.openxmlformats.org/drawingml/2006/main" xmlns:r="http://schemas.openxmlformats.org/officeDocument/2006/relationships" xmlns:p="http://schemas.openxmlformats.org/presentationml/2006/main">
   <p:cSld>
     <p:spTree>
@@ -12206,179 +12866,7 @@
 </p:sld>
 </file>
 
-<file path=ppt/slides/slide2.xml><?xml version="1.0" encoding="utf-8"?>
-<p:sld xmlns:a="http://schemas.openxmlformats.org/drawingml/2006/main" xmlns:r="http://schemas.openxmlformats.org/officeDocument/2006/relationships" xmlns:p="http://schemas.openxmlformats.org/presentationml/2006/main">
-  <p:cSld>
-    <p:spTree>
-      <p:nvGrpSpPr>
-        <p:cNvPr id="1" name=""/>
-        <p:cNvGrpSpPr/>
-        <p:nvPr/>
-      </p:nvGrpSpPr>
-      <p:grpSpPr>
-        <a:xfrm>
-          <a:off x="0" y="0"/>
-          <a:ext cx="0" cy="0"/>
-          <a:chOff x="0" y="0"/>
-          <a:chExt cx="0" cy="0"/>
-        </a:xfrm>
-      </p:grpSpPr>
-      <p:sp>
-        <p:nvSpPr>
-          <p:cNvPr id="2" name="标题 1">
-            <a:extLst>
-              <a:ext uri="{FF2B5EF4-FFF2-40B4-BE49-F238E27FC236}">
-                <a16:creationId xmlns:a16="http://schemas.microsoft.com/office/drawing/2014/main" id="{27BF2526-DC43-43B7-AC58-B1C5BBE626C9}"/>
-              </a:ext>
-            </a:extLst>
-          </p:cNvPr>
-          <p:cNvSpPr>
-            <a:spLocks noGrp="1"/>
-          </p:cNvSpPr>
-          <p:nvPr>
-            <p:ph type="title"/>
-          </p:nvPr>
-        </p:nvSpPr>
-        <p:spPr>
-          <a:xfrm>
-            <a:off x="838200" y="258233"/>
-            <a:ext cx="10515600" cy="845608"/>
-          </a:xfrm>
-        </p:spPr>
-        <p:txBody>
-          <a:bodyPr/>
-          <a:lstStyle/>
-          <a:p>
-            <a:r>
-              <a:rPr lang="en-US" dirty="0"/>
-              <a:t>Why use DBCLI(1)</a:t>
-            </a:r>
-          </a:p>
-        </p:txBody>
-      </p:sp>
-      <p:sp>
-        <p:nvSpPr>
-          <p:cNvPr id="3" name="内容占位符 2">
-            <a:extLst>
-              <a:ext uri="{FF2B5EF4-FFF2-40B4-BE49-F238E27FC236}">
-                <a16:creationId xmlns:a16="http://schemas.microsoft.com/office/drawing/2014/main" id="{2242905D-E402-445B-AF6E-F7152E4F38CA}"/>
-              </a:ext>
-            </a:extLst>
-          </p:cNvPr>
-          <p:cNvSpPr>
-            <a:spLocks noGrp="1"/>
-          </p:cNvSpPr>
-          <p:nvPr>
-            <p:ph idx="1"/>
-          </p:nvPr>
-        </p:nvSpPr>
-        <p:spPr/>
-        <p:txBody>
-          <a:bodyPr/>
-          <a:lstStyle/>
-          <a:p>
-            <a:r>
-              <a:rPr lang="en-US" dirty="0"/>
-              <a:t>SQL*Plus is powerful, but not user-friendly</a:t>
-            </a:r>
-          </a:p>
-          <a:p>
-            <a:pPr lvl="1"/>
-            <a:r>
-              <a:rPr lang="en-US" dirty="0"/>
-              <a:t>Less-intelligent query output</a:t>
-            </a:r>
-          </a:p>
-          <a:p>
-            <a:pPr lvl="1"/>
-            <a:r>
-              <a:rPr lang="en-US" dirty="0"/>
-              <a:t>Difficult logic control for coding</a:t>
-            </a:r>
-          </a:p>
-          <a:p>
-            <a:pPr lvl="1"/>
-            <a:r>
-              <a:rPr lang="en-US" dirty="0"/>
-              <a:t>Lack of interfaces to develop addons</a:t>
-            </a:r>
-          </a:p>
-          <a:p>
-            <a:r>
-              <a:rPr lang="en-US" dirty="0"/>
-              <a:t>DBCLI is an aid of database CLI utility such as SQL*Plus and SQLcl</a:t>
-            </a:r>
-          </a:p>
-          <a:p>
-            <a:pPr lvl="1"/>
-            <a:r>
-              <a:rPr lang="en-US" dirty="0"/>
-              <a:t>Supports Windows/MacOS/Linux</a:t>
-            </a:r>
-          </a:p>
-          <a:p>
-            <a:pPr lvl="1"/>
-            <a:r>
-              <a:rPr lang="en-US" dirty="0"/>
-              <a:t>Portable and contains portable JRE bundle</a:t>
-            </a:r>
-          </a:p>
-          <a:p>
-            <a:pPr lvl="1"/>
-            <a:r>
-              <a:rPr lang="en-US" dirty="0"/>
-              <a:t>Auto-ported to SQL*Plus and SQLcl, and similar commands with SQL*Plus</a:t>
-            </a:r>
-          </a:p>
-          <a:p>
-            <a:pPr lvl="1"/>
-            <a:r>
-              <a:rPr lang="en-US" dirty="0"/>
-              <a:t>Languages: </a:t>
-            </a:r>
-            <a:r>
-              <a:rPr lang="en-US" dirty="0" err="1"/>
-              <a:t>Java,Lua,PL</a:t>
-            </a:r>
-            <a:r>
-              <a:rPr lang="en-US" dirty="0"/>
-              <a:t>/SQL,SQL</a:t>
-            </a:r>
-          </a:p>
-          <a:p>
-            <a:pPr lvl="1"/>
-            <a:r>
-              <a:rPr lang="en-US" dirty="0"/>
-              <a:t>Many powerful features</a:t>
-            </a:r>
-          </a:p>
-          <a:p>
-            <a:pPr lvl="1"/>
-            <a:endParaRPr lang="en-US" dirty="0"/>
-          </a:p>
-          <a:p>
-            <a:pPr lvl="1"/>
-            <a:endParaRPr lang="en-US" dirty="0"/>
-          </a:p>
-          <a:p>
-            <a:endParaRPr lang="en-US" dirty="0"/>
-          </a:p>
-        </p:txBody>
-      </p:sp>
-    </p:spTree>
-    <p:extLst>
-      <p:ext uri="{BB962C8B-B14F-4D97-AF65-F5344CB8AC3E}">
-        <p14:creationId xmlns:p14="http://schemas.microsoft.com/office/powerpoint/2010/main" val="2865227814"/>
-      </p:ext>
-    </p:extLst>
-  </p:cSld>
-  <p:clrMapOvr>
-    <a:masterClrMapping/>
-  </p:clrMapOvr>
-</p:sld>
-</file>
-
-<file path=ppt/slides/slide20.xml><?xml version="1.0" encoding="utf-8"?>
+<file path=ppt/slides/slide21.xml><?xml version="1.0" encoding="utf-8"?>
 <p:sld xmlns:a="http://schemas.openxmlformats.org/drawingml/2006/main" xmlns:r="http://schemas.openxmlformats.org/officeDocument/2006/relationships" xmlns:p="http://schemas.openxmlformats.org/presentationml/2006/main">
   <p:cSld>
     <p:spTree>
@@ -12522,7 +13010,7 @@
 </p:sld>
 </file>
 
-<file path=ppt/slides/slide21.xml><?xml version="1.0" encoding="utf-8"?>
+<file path=ppt/slides/slide22.xml><?xml version="1.0" encoding="utf-8"?>
 <p:sld xmlns:a="http://schemas.openxmlformats.org/drawingml/2006/main" xmlns:r="http://schemas.openxmlformats.org/officeDocument/2006/relationships" xmlns:p="http://schemas.openxmlformats.org/presentationml/2006/main">
   <p:cSld>
     <p:spTree>
@@ -12668,7 +13156,7 @@
 </p:sld>
 </file>
 
-<file path=ppt/slides/slide22.xml><?xml version="1.0" encoding="utf-8"?>
+<file path=ppt/slides/slide23.xml><?xml version="1.0" encoding="utf-8"?>
 <p:sld xmlns:a="http://schemas.openxmlformats.org/drawingml/2006/main" xmlns:r="http://schemas.openxmlformats.org/officeDocument/2006/relationships" xmlns:p="http://schemas.openxmlformats.org/presentationml/2006/main">
   <p:cSld>
     <p:spTree>
@@ -12978,7 +13466,7 @@
 </p:sld>
 </file>
 
-<file path=ppt/slides/slide23.xml><?xml version="1.0" encoding="utf-8"?>
+<file path=ppt/slides/slide24.xml><?xml version="1.0" encoding="utf-8"?>
 <p:sld xmlns:a="http://schemas.openxmlformats.org/drawingml/2006/main" xmlns:r="http://schemas.openxmlformats.org/officeDocument/2006/relationships" xmlns:p="http://schemas.openxmlformats.org/presentationml/2006/main">
   <p:cSld>
     <p:spTree>
@@ -13154,7 +13642,7 @@
 </p:sld>
 </file>
 
-<file path=ppt/slides/slide24.xml><?xml version="1.0" encoding="utf-8"?>
+<file path=ppt/slides/slide25.xml><?xml version="1.0" encoding="utf-8"?>
 <p:sld xmlns:a="http://schemas.openxmlformats.org/drawingml/2006/main" xmlns:r="http://schemas.openxmlformats.org/officeDocument/2006/relationships" xmlns:p="http://schemas.openxmlformats.org/presentationml/2006/main">
   <p:cSld>
     <p:spTree>
@@ -13368,7 +13856,7 @@
 </p:sld>
 </file>
 
-<file path=ppt/slides/slide25.xml><?xml version="1.0" encoding="utf-8"?>
+<file path=ppt/slides/slide26.xml><?xml version="1.0" encoding="utf-8"?>
 <p:sld xmlns:a="http://schemas.openxmlformats.org/drawingml/2006/main" xmlns:r="http://schemas.openxmlformats.org/officeDocument/2006/relationships" xmlns:p="http://schemas.openxmlformats.org/presentationml/2006/main">
   <p:cSld>
     <p:spTree>
@@ -13512,7 +14000,7 @@
 </p:sld>
 </file>
 
-<file path=ppt/slides/slide26.xml><?xml version="1.0" encoding="utf-8"?>
+<file path=ppt/slides/slide27.xml><?xml version="1.0" encoding="utf-8"?>
 <p:sld xmlns:a="http://schemas.openxmlformats.org/drawingml/2006/main" xmlns:r="http://schemas.openxmlformats.org/officeDocument/2006/relationships" xmlns:p="http://schemas.openxmlformats.org/presentationml/2006/main">
   <p:cSld>
     <p:spTree>
@@ -13833,7 +14321,7 @@
 </p:sld>
 </file>
 
-<file path=ppt/slides/slide27.xml><?xml version="1.0" encoding="utf-8"?>
+<file path=ppt/slides/slide28.xml><?xml version="1.0" encoding="utf-8"?>
 <p:sld xmlns:a="http://schemas.openxmlformats.org/drawingml/2006/main" xmlns:r="http://schemas.openxmlformats.org/officeDocument/2006/relationships" xmlns:p="http://schemas.openxmlformats.org/presentationml/2006/main">
   <p:cSld>
     <p:spTree>
@@ -13969,7 +14457,7 @@
 </p:sld>
 </file>
 
-<file path=ppt/slides/slide28.xml><?xml version="1.0" encoding="utf-8"?>
+<file path=ppt/slides/slide29.xml><?xml version="1.0" encoding="utf-8"?>
 <p:sld xmlns:a="http://schemas.openxmlformats.org/drawingml/2006/main" xmlns:r="http://schemas.openxmlformats.org/officeDocument/2006/relationships" xmlns:p="http://schemas.openxmlformats.org/presentationml/2006/main">
   <p:cSld>
     <p:spTree>
@@ -14139,7 +14627,228 @@
 </p:sld>
 </file>
 
-<file path=ppt/slides/slide29.xml><?xml version="1.0" encoding="utf-8"?>
+<file path=ppt/slides/slide3.xml><?xml version="1.0" encoding="utf-8"?>
+<p:sld xmlns:a="http://schemas.openxmlformats.org/drawingml/2006/main" xmlns:r="http://schemas.openxmlformats.org/officeDocument/2006/relationships" xmlns:p="http://schemas.openxmlformats.org/presentationml/2006/main">
+  <p:cSld>
+    <p:spTree>
+      <p:nvGrpSpPr>
+        <p:cNvPr id="1" name=""/>
+        <p:cNvGrpSpPr/>
+        <p:nvPr/>
+      </p:nvGrpSpPr>
+      <p:grpSpPr>
+        <a:xfrm>
+          <a:off x="0" y="0"/>
+          <a:ext cx="0" cy="0"/>
+          <a:chOff x="0" y="0"/>
+          <a:chExt cx="0" cy="0"/>
+        </a:xfrm>
+      </p:grpSpPr>
+      <p:sp>
+        <p:nvSpPr>
+          <p:cNvPr id="2" name="标题 1">
+            <a:extLst>
+              <a:ext uri="{FF2B5EF4-FFF2-40B4-BE49-F238E27FC236}">
+                <a16:creationId xmlns:a16="http://schemas.microsoft.com/office/drawing/2014/main" id="{67DDFB39-0DC1-4064-87E8-EC4A066CBB42}"/>
+              </a:ext>
+            </a:extLst>
+          </p:cNvPr>
+          <p:cNvSpPr>
+            <a:spLocks noGrp="1"/>
+          </p:cNvSpPr>
+          <p:nvPr>
+            <p:ph type="title"/>
+          </p:nvPr>
+        </p:nvSpPr>
+        <p:spPr>
+          <a:xfrm>
+            <a:off x="838200" y="215899"/>
+            <a:ext cx="10515600" cy="930275"/>
+          </a:xfrm>
+        </p:spPr>
+        <p:txBody>
+          <a:bodyPr/>
+          <a:lstStyle/>
+          <a:p>
+            <a:r>
+              <a:rPr lang="en-US" dirty="0"/>
+              <a:t>Why Use DBCLI(2)</a:t>
+            </a:r>
+          </a:p>
+        </p:txBody>
+      </p:sp>
+      <p:sp>
+        <p:nvSpPr>
+          <p:cNvPr id="3" name="内容占位符 2">
+            <a:extLst>
+              <a:ext uri="{FF2B5EF4-FFF2-40B4-BE49-F238E27FC236}">
+                <a16:creationId xmlns:a16="http://schemas.microsoft.com/office/drawing/2014/main" id="{2A967E06-4E0A-4F45-98A0-0AA9980419C5}"/>
+              </a:ext>
+            </a:extLst>
+          </p:cNvPr>
+          <p:cNvSpPr>
+            <a:spLocks noGrp="1"/>
+          </p:cNvSpPr>
+          <p:nvPr>
+            <p:ph idx="1"/>
+          </p:nvPr>
+        </p:nvSpPr>
+        <p:spPr>
+          <a:xfrm>
+            <a:off x="838200" y="1435395"/>
+            <a:ext cx="10515600" cy="4741568"/>
+          </a:xfrm>
+        </p:spPr>
+        <p:txBody>
+          <a:bodyPr>
+            <a:normAutofit lnSpcReduction="10000"/>
+          </a:bodyPr>
+          <a:lstStyle/>
+          <a:p>
+            <a:r>
+              <a:rPr lang="en-US" sz="2000" dirty="0"/>
+              <a:t>Easy connect (command login/</a:t>
+            </a:r>
+            <a:r>
+              <a:rPr lang="en-US" sz="2000" dirty="0" err="1"/>
+              <a:t>reconn</a:t>
+            </a:r>
+            <a:r>
+              <a:rPr lang="en-US" sz="2000" dirty="0"/>
+              <a:t>)</a:t>
+            </a:r>
+          </a:p>
+          <a:p>
+            <a:r>
+              <a:rPr lang="en-US" sz="2000" dirty="0"/>
+              <a:t>Intelligent format of the query output</a:t>
+            </a:r>
+          </a:p>
+          <a:p>
+            <a:r>
+              <a:rPr lang="en-US" sz="2000" dirty="0"/>
+              <a:t>Rich column value formatter(command col)</a:t>
+            </a:r>
+          </a:p>
+          <a:p>
+            <a:r>
+              <a:rPr lang="en-US" sz="2000" dirty="0"/>
+              <a:t>Combine queries (command grid)</a:t>
+            </a:r>
+          </a:p>
+          <a:p>
+            <a:r>
+              <a:rPr lang="en-US" sz="2000" dirty="0"/>
+              <a:t>Client-side VPD(command set dbid/instance/container/schema)</a:t>
+            </a:r>
+          </a:p>
+          <a:p>
+            <a:r>
+              <a:rPr lang="en-US" sz="2000" dirty="0"/>
+              <a:t>Many common utilities(awrdump/</a:t>
+            </a:r>
+            <a:r>
+              <a:rPr lang="en-US" sz="2000" dirty="0" err="1"/>
+              <a:t>addmdump</a:t>
+            </a:r>
+            <a:r>
+              <a:rPr lang="en-US" sz="2000" dirty="0"/>
+              <a:t>/dumptrace/grep/tee/unwrap/sql2csv/sql2file/etc)</a:t>
+            </a:r>
+          </a:p>
+          <a:p>
+            <a:r>
+              <a:rPr lang="en-US" sz="2000" dirty="0"/>
+              <a:t>Powerful scripting engines and documentation</a:t>
+            </a:r>
+          </a:p>
+          <a:p>
+            <a:pPr lvl="1"/>
+            <a:r>
+              <a:rPr lang="en-US" sz="1600" dirty="0"/>
+              <a:t>SQL*Plus-style engine: Command ora/sys/show/exa</a:t>
+            </a:r>
+          </a:p>
+          <a:p>
+            <a:pPr lvl="1"/>
+            <a:r>
+              <a:rPr lang="en-US" sz="1600" dirty="0"/>
+              <a:t>Snapper engine: command snap</a:t>
+            </a:r>
+          </a:p>
+          <a:p>
+            <a:pPr lvl="1"/>
+            <a:r>
+              <a:rPr lang="en-US" sz="1600" dirty="0"/>
+              <a:t>Graphing engine: Command chart/graph</a:t>
+            </a:r>
+          </a:p>
+          <a:p>
+            <a:pPr lvl="1"/>
+            <a:r>
+              <a:rPr lang="en-US" sz="1600" dirty="0"/>
+              <a:t>Shell engine: command </a:t>
+            </a:r>
+            <a:r>
+              <a:rPr lang="en-US" sz="1600" dirty="0" err="1"/>
+              <a:t>ssh</a:t>
+            </a:r>
+            <a:r>
+              <a:rPr lang="en-US" sz="1600" dirty="0"/>
+              <a:t>/</a:t>
+            </a:r>
+            <a:r>
+              <a:rPr lang="en-US" sz="1600" dirty="0" err="1"/>
+              <a:t>sh</a:t>
+            </a:r>
+            <a:r>
+              <a:rPr lang="en-US" sz="1600" dirty="0"/>
+              <a:t> ( to be enhanced)</a:t>
+            </a:r>
+          </a:p>
+          <a:p>
+            <a:r>
+              <a:rPr lang="en-US" sz="2000" dirty="0"/>
+              <a:t>Interfaces to programmer</a:t>
+            </a:r>
+          </a:p>
+          <a:p>
+            <a:r>
+              <a:rPr lang="en-US" sz="2000" dirty="0"/>
+              <a:t>Rich hot keys</a:t>
+            </a:r>
+          </a:p>
+          <a:p>
+            <a:r>
+              <a:rPr lang="en-US" sz="2000" dirty="0"/>
+              <a:t>Coloring</a:t>
+            </a:r>
+          </a:p>
+          <a:p>
+            <a:pPr marL="0" indent="0">
+              <a:buNone/>
+            </a:pPr>
+            <a:endParaRPr lang="en-US" dirty="0"/>
+          </a:p>
+          <a:p>
+            <a:endParaRPr lang="en-US" dirty="0"/>
+          </a:p>
+        </p:txBody>
+      </p:sp>
+    </p:spTree>
+    <p:extLst>
+      <p:ext uri="{BB962C8B-B14F-4D97-AF65-F5344CB8AC3E}">
+        <p14:creationId xmlns:p14="http://schemas.microsoft.com/office/powerpoint/2010/main" val="3791614640"/>
+      </p:ext>
+    </p:extLst>
+  </p:cSld>
+  <p:clrMapOvr>
+    <a:masterClrMapping/>
+  </p:clrMapOvr>
+</p:sld>
+</file>
+
+<file path=ppt/slides/slide30.xml><?xml version="1.0" encoding="utf-8"?>
 <p:sld xmlns:a="http://schemas.openxmlformats.org/drawingml/2006/main" xmlns:r="http://schemas.openxmlformats.org/officeDocument/2006/relationships" xmlns:p="http://schemas.openxmlformats.org/presentationml/2006/main">
   <p:cSld>
     <p:spTree>
@@ -14289,228 +14998,7 @@
 </p:sld>
 </file>
 
-<file path=ppt/slides/slide3.xml><?xml version="1.0" encoding="utf-8"?>
-<p:sld xmlns:a="http://schemas.openxmlformats.org/drawingml/2006/main" xmlns:r="http://schemas.openxmlformats.org/officeDocument/2006/relationships" xmlns:p="http://schemas.openxmlformats.org/presentationml/2006/main">
-  <p:cSld>
-    <p:spTree>
-      <p:nvGrpSpPr>
-        <p:cNvPr id="1" name=""/>
-        <p:cNvGrpSpPr/>
-        <p:nvPr/>
-      </p:nvGrpSpPr>
-      <p:grpSpPr>
-        <a:xfrm>
-          <a:off x="0" y="0"/>
-          <a:ext cx="0" cy="0"/>
-          <a:chOff x="0" y="0"/>
-          <a:chExt cx="0" cy="0"/>
-        </a:xfrm>
-      </p:grpSpPr>
-      <p:sp>
-        <p:nvSpPr>
-          <p:cNvPr id="2" name="标题 1">
-            <a:extLst>
-              <a:ext uri="{FF2B5EF4-FFF2-40B4-BE49-F238E27FC236}">
-                <a16:creationId xmlns:a16="http://schemas.microsoft.com/office/drawing/2014/main" id="{67DDFB39-0DC1-4064-87E8-EC4A066CBB42}"/>
-              </a:ext>
-            </a:extLst>
-          </p:cNvPr>
-          <p:cNvSpPr>
-            <a:spLocks noGrp="1"/>
-          </p:cNvSpPr>
-          <p:nvPr>
-            <p:ph type="title"/>
-          </p:nvPr>
-        </p:nvSpPr>
-        <p:spPr>
-          <a:xfrm>
-            <a:off x="838200" y="215899"/>
-            <a:ext cx="10515600" cy="930275"/>
-          </a:xfrm>
-        </p:spPr>
-        <p:txBody>
-          <a:bodyPr/>
-          <a:lstStyle/>
-          <a:p>
-            <a:r>
-              <a:rPr lang="en-US" dirty="0"/>
-              <a:t>Why Use DBCLI(2)</a:t>
-            </a:r>
-          </a:p>
-        </p:txBody>
-      </p:sp>
-      <p:sp>
-        <p:nvSpPr>
-          <p:cNvPr id="3" name="内容占位符 2">
-            <a:extLst>
-              <a:ext uri="{FF2B5EF4-FFF2-40B4-BE49-F238E27FC236}">
-                <a16:creationId xmlns:a16="http://schemas.microsoft.com/office/drawing/2014/main" id="{2A967E06-4E0A-4F45-98A0-0AA9980419C5}"/>
-              </a:ext>
-            </a:extLst>
-          </p:cNvPr>
-          <p:cNvSpPr>
-            <a:spLocks noGrp="1"/>
-          </p:cNvSpPr>
-          <p:nvPr>
-            <p:ph idx="1"/>
-          </p:nvPr>
-        </p:nvSpPr>
-        <p:spPr>
-          <a:xfrm>
-            <a:off x="838200" y="1435395"/>
-            <a:ext cx="10515600" cy="4741568"/>
-          </a:xfrm>
-        </p:spPr>
-        <p:txBody>
-          <a:bodyPr>
-            <a:normAutofit lnSpcReduction="10000"/>
-          </a:bodyPr>
-          <a:lstStyle/>
-          <a:p>
-            <a:r>
-              <a:rPr lang="en-US" sz="2000" dirty="0"/>
-              <a:t>Easy connect (command login/</a:t>
-            </a:r>
-            <a:r>
-              <a:rPr lang="en-US" sz="2000" dirty="0" err="1"/>
-              <a:t>reconn</a:t>
-            </a:r>
-            <a:r>
-              <a:rPr lang="en-US" sz="2000" dirty="0"/>
-              <a:t>)</a:t>
-            </a:r>
-          </a:p>
-          <a:p>
-            <a:r>
-              <a:rPr lang="en-US" sz="2000" dirty="0"/>
-              <a:t>Intelligent format of the query output</a:t>
-            </a:r>
-          </a:p>
-          <a:p>
-            <a:r>
-              <a:rPr lang="en-US" sz="2000" dirty="0"/>
-              <a:t>Rich column value formatter(command col)</a:t>
-            </a:r>
-          </a:p>
-          <a:p>
-            <a:r>
-              <a:rPr lang="en-US" sz="2000" dirty="0"/>
-              <a:t>Combine queries (command grid)</a:t>
-            </a:r>
-          </a:p>
-          <a:p>
-            <a:r>
-              <a:rPr lang="en-US" sz="2000" dirty="0"/>
-              <a:t>Client-side VPD(command set dbid/instance/container/schema)</a:t>
-            </a:r>
-          </a:p>
-          <a:p>
-            <a:r>
-              <a:rPr lang="en-US" sz="2000" dirty="0"/>
-              <a:t>Many common utilities(awrdump/</a:t>
-            </a:r>
-            <a:r>
-              <a:rPr lang="en-US" sz="2000" dirty="0" err="1"/>
-              <a:t>addmdump</a:t>
-            </a:r>
-            <a:r>
-              <a:rPr lang="en-US" sz="2000" dirty="0"/>
-              <a:t>/dumptrace/grep/tee/unwrap/sql2csv/sql2file/etc)</a:t>
-            </a:r>
-          </a:p>
-          <a:p>
-            <a:r>
-              <a:rPr lang="en-US" sz="2000" dirty="0"/>
-              <a:t>Powerful scripting engines and documentation</a:t>
-            </a:r>
-          </a:p>
-          <a:p>
-            <a:pPr lvl="1"/>
-            <a:r>
-              <a:rPr lang="en-US" sz="1600" dirty="0"/>
-              <a:t>SQL*Plus-style engine: Command ora/sys/show/exa</a:t>
-            </a:r>
-          </a:p>
-          <a:p>
-            <a:pPr lvl="1"/>
-            <a:r>
-              <a:rPr lang="en-US" sz="1600" dirty="0"/>
-              <a:t>Snapper engine: command snap</a:t>
-            </a:r>
-          </a:p>
-          <a:p>
-            <a:pPr lvl="1"/>
-            <a:r>
-              <a:rPr lang="en-US" sz="1600" dirty="0"/>
-              <a:t>Graphing engine: Command chart/graph</a:t>
-            </a:r>
-          </a:p>
-          <a:p>
-            <a:pPr lvl="1"/>
-            <a:r>
-              <a:rPr lang="en-US" sz="1600" dirty="0"/>
-              <a:t>Shell engine: command </a:t>
-            </a:r>
-            <a:r>
-              <a:rPr lang="en-US" sz="1600" dirty="0" err="1"/>
-              <a:t>ssh</a:t>
-            </a:r>
-            <a:r>
-              <a:rPr lang="en-US" sz="1600" dirty="0"/>
-              <a:t>/</a:t>
-            </a:r>
-            <a:r>
-              <a:rPr lang="en-US" sz="1600" dirty="0" err="1"/>
-              <a:t>sh</a:t>
-            </a:r>
-            <a:r>
-              <a:rPr lang="en-US" sz="1600" dirty="0"/>
-              <a:t> ( to be enhanced)</a:t>
-            </a:r>
-          </a:p>
-          <a:p>
-            <a:r>
-              <a:rPr lang="en-US" sz="2000" dirty="0"/>
-              <a:t>Interfaces to programmer</a:t>
-            </a:r>
-          </a:p>
-          <a:p>
-            <a:r>
-              <a:rPr lang="en-US" sz="2000" dirty="0"/>
-              <a:t>Rich hot keys</a:t>
-            </a:r>
-          </a:p>
-          <a:p>
-            <a:r>
-              <a:rPr lang="en-US" sz="2000" dirty="0"/>
-              <a:t>Coloring</a:t>
-            </a:r>
-          </a:p>
-          <a:p>
-            <a:pPr marL="0" indent="0">
-              <a:buNone/>
-            </a:pPr>
-            <a:endParaRPr lang="en-US" dirty="0"/>
-          </a:p>
-          <a:p>
-            <a:endParaRPr lang="en-US" dirty="0"/>
-          </a:p>
-        </p:txBody>
-      </p:sp>
-    </p:spTree>
-    <p:extLst>
-      <p:ext uri="{BB962C8B-B14F-4D97-AF65-F5344CB8AC3E}">
-        <p14:creationId xmlns:p14="http://schemas.microsoft.com/office/powerpoint/2010/main" val="3791614640"/>
-      </p:ext>
-    </p:extLst>
-  </p:cSld>
-  <p:clrMapOvr>
-    <a:masterClrMapping/>
-  </p:clrMapOvr>
-</p:sld>
-</file>
-
-<file path=ppt/slides/slide30.xml><?xml version="1.0" encoding="utf-8"?>
+<file path=ppt/slides/slide31.xml><?xml version="1.0" encoding="utf-8"?>
 <p:sld xmlns:a="http://schemas.openxmlformats.org/drawingml/2006/main" xmlns:r="http://schemas.openxmlformats.org/officeDocument/2006/relationships" xmlns:p="http://schemas.openxmlformats.org/presentationml/2006/main">
   <p:cSld>
     <p:spTree>
@@ -14694,7 +15182,7 @@
 </p:sld>
 </file>
 
-<file path=ppt/slides/slide31.xml><?xml version="1.0" encoding="utf-8"?>
+<file path=ppt/slides/slide32.xml><?xml version="1.0" encoding="utf-8"?>
 <p:sld xmlns:a="http://schemas.openxmlformats.org/drawingml/2006/main" xmlns:r="http://schemas.openxmlformats.org/officeDocument/2006/relationships" xmlns:p="http://schemas.openxmlformats.org/presentationml/2006/main">
   <p:cSld>
     <p:spTree>
@@ -14822,7 +15310,7 @@
 </p:sld>
 </file>
 
-<file path=ppt/slides/slide32.xml><?xml version="1.0" encoding="utf-8"?>
+<file path=ppt/slides/slide33.xml><?xml version="1.0" encoding="utf-8"?>
 <p:sld xmlns:a="http://schemas.openxmlformats.org/drawingml/2006/main" xmlns:r="http://schemas.openxmlformats.org/officeDocument/2006/relationships" xmlns:p="http://schemas.openxmlformats.org/presentationml/2006/main">
   <p:cSld>
     <p:spTree>
@@ -14963,7 +15451,7 @@
 </p:sld>
 </file>
 
-<file path=ppt/slides/slide33.xml><?xml version="1.0" encoding="utf-8"?>
+<file path=ppt/slides/slide34.xml><?xml version="1.0" encoding="utf-8"?>
 <p:sld xmlns:a="http://schemas.openxmlformats.org/drawingml/2006/main" xmlns:r="http://schemas.openxmlformats.org/officeDocument/2006/relationships" xmlns:p="http://schemas.openxmlformats.org/presentationml/2006/main">
   <p:cSld>
     <p:spTree>
@@ -15126,7 +15614,7 @@
 </p:sld>
 </file>
 
-<file path=ppt/slides/slide34.xml><?xml version="1.0" encoding="utf-8"?>
+<file path=ppt/slides/slide35.xml><?xml version="1.0" encoding="utf-8"?>
 <p:sld xmlns:a="http://schemas.openxmlformats.org/drawingml/2006/main" xmlns:r="http://schemas.openxmlformats.org/officeDocument/2006/relationships" xmlns:p="http://schemas.openxmlformats.org/presentationml/2006/main">
   <p:cSld>
     <p:spTree>
@@ -15346,7 +15834,7 @@
 </p:sld>
 </file>
 
-<file path=ppt/slides/slide35.xml><?xml version="1.0" encoding="utf-8"?>
+<file path=ppt/slides/slide36.xml><?xml version="1.0" encoding="utf-8"?>
 <p:sld xmlns:a="http://schemas.openxmlformats.org/drawingml/2006/main" xmlns:r="http://schemas.openxmlformats.org/officeDocument/2006/relationships" xmlns:p="http://schemas.openxmlformats.org/presentationml/2006/main">
   <p:cSld>
     <p:spTree>
@@ -15524,7 +16012,7 @@
 </p:sld>
 </file>
 
-<file path=ppt/slides/slide36.xml><?xml version="1.0" encoding="utf-8"?>
+<file path=ppt/slides/slide37.xml><?xml version="1.0" encoding="utf-8"?>
 <p:sld xmlns:a="http://schemas.openxmlformats.org/drawingml/2006/main" xmlns:r="http://schemas.openxmlformats.org/officeDocument/2006/relationships" xmlns:p="http://schemas.openxmlformats.org/presentationml/2006/main">
   <p:cSld>
     <p:spTree>
@@ -15714,7 +16202,7 @@
 </p:sld>
 </file>
 
-<file path=ppt/slides/slide37.xml><?xml version="1.0" encoding="utf-8"?>
+<file path=ppt/slides/slide38.xml><?xml version="1.0" encoding="utf-8"?>
 <p:sld xmlns:a="http://schemas.openxmlformats.org/drawingml/2006/main" xmlns:r="http://schemas.openxmlformats.org/officeDocument/2006/relationships" xmlns:p="http://schemas.openxmlformats.org/presentationml/2006/main">
   <p:cSld>
     <p:spTree>
@@ -15940,262 +16428,6 @@
 </p:sld>
 </file>
 
-<file path=ppt/slides/slide38.xml><?xml version="1.0" encoding="utf-8"?>
-<p:sld xmlns:a="http://schemas.openxmlformats.org/drawingml/2006/main" xmlns:r="http://schemas.openxmlformats.org/officeDocument/2006/relationships" xmlns:p="http://schemas.openxmlformats.org/presentationml/2006/main">
-  <p:cSld>
-    <p:spTree>
-      <p:nvGrpSpPr>
-        <p:cNvPr id="1" name=""/>
-        <p:cNvGrpSpPr/>
-        <p:nvPr/>
-      </p:nvGrpSpPr>
-      <p:grpSpPr>
-        <a:xfrm>
-          <a:off x="0" y="0"/>
-          <a:ext cx="0" cy="0"/>
-          <a:chOff x="0" y="0"/>
-          <a:chExt cx="0" cy="0"/>
-        </a:xfrm>
-      </p:grpSpPr>
-      <p:sp>
-        <p:nvSpPr>
-          <p:cNvPr id="2" name="标题 1">
-            <a:extLst>
-              <a:ext uri="{FF2B5EF4-FFF2-40B4-BE49-F238E27FC236}">
-                <a16:creationId xmlns:a16="http://schemas.microsoft.com/office/drawing/2014/main" id="{C8B29B6C-C00C-4E0D-8CA1-E9219B16D778}"/>
-              </a:ext>
-            </a:extLst>
-          </p:cNvPr>
-          <p:cNvSpPr>
-            <a:spLocks noGrp="1"/>
-          </p:cNvSpPr>
-          <p:nvPr>
-            <p:ph type="title"/>
-          </p:nvPr>
-        </p:nvSpPr>
-        <p:spPr>
-          <a:xfrm>
-            <a:off x="838200" y="171938"/>
-            <a:ext cx="10515600" cy="509100"/>
-          </a:xfrm>
-        </p:spPr>
-        <p:txBody>
-          <a:bodyPr>
-            <a:normAutofit fontScale="90000"/>
-          </a:bodyPr>
-          <a:lstStyle/>
-          <a:p>
-            <a:r>
-              <a:rPr lang="en-US" dirty="0"/>
-              <a:t>Common Utility - Others</a:t>
-            </a:r>
-          </a:p>
-        </p:txBody>
-      </p:sp>
-      <p:sp>
-        <p:nvSpPr>
-          <p:cNvPr id="3" name="内容占位符 2">
-            <a:extLst>
-              <a:ext uri="{FF2B5EF4-FFF2-40B4-BE49-F238E27FC236}">
-                <a16:creationId xmlns:a16="http://schemas.microsoft.com/office/drawing/2014/main" id="{54B2F075-356C-4966-AF72-A32E6D5B796E}"/>
-              </a:ext>
-            </a:extLst>
-          </p:cNvPr>
-          <p:cNvSpPr>
-            <a:spLocks noGrp="1"/>
-          </p:cNvSpPr>
-          <p:nvPr>
-            <p:ph idx="1"/>
-          </p:nvPr>
-        </p:nvSpPr>
-        <p:spPr>
-          <a:xfrm>
-            <a:off x="838200" y="789354"/>
-            <a:ext cx="10515600" cy="4468446"/>
-          </a:xfrm>
-        </p:spPr>
-        <p:txBody>
-          <a:bodyPr>
-            <a:normAutofit fontScale="62500" lnSpcReduction="20000"/>
-          </a:bodyPr>
-          <a:lstStyle/>
-          <a:p>
-            <a:r>
-              <a:rPr lang="en-US" dirty="0"/>
-              <a:t>Command </a:t>
-            </a:r>
-            <a:r>
-              <a:rPr lang="en-US" b="1" dirty="0">
-                <a:solidFill>
-                  <a:schemeClr val="accent1">
-                    <a:lumMod val="75000"/>
-                  </a:schemeClr>
-                </a:solidFill>
-              </a:rPr>
-              <a:t>clear</a:t>
-            </a:r>
-            <a:r>
-              <a:rPr lang="en-US" dirty="0"/>
-              <a:t>: clear screen</a:t>
-            </a:r>
-          </a:p>
-          <a:p>
-            <a:r>
-              <a:rPr lang="en-US" dirty="0"/>
-              <a:t>Command </a:t>
-            </a:r>
-            <a:r>
-              <a:rPr lang="en-US" b="1" dirty="0">
-                <a:solidFill>
-                  <a:schemeClr val="accent1">
-                    <a:lumMod val="75000"/>
-                  </a:schemeClr>
-                </a:solidFill>
-              </a:rPr>
-              <a:t>reload</a:t>
-            </a:r>
-            <a:r>
-              <a:rPr lang="en-US" dirty="0"/>
-              <a:t>: reset DBCLI into initial state</a:t>
-            </a:r>
-          </a:p>
-          <a:p>
-            <a:r>
-              <a:rPr lang="en-US" dirty="0"/>
-              <a:t>Command </a:t>
-            </a:r>
-            <a:r>
-              <a:rPr lang="en-US" b="1" dirty="0">
-                <a:solidFill>
-                  <a:schemeClr val="accent1">
-                    <a:lumMod val="75000"/>
-                  </a:schemeClr>
-                </a:solidFill>
-              </a:rPr>
-              <a:t>keymap</a:t>
-            </a:r>
-            <a:r>
-              <a:rPr lang="en-US" dirty="0"/>
-              <a:t>: show or define keymap</a:t>
-            </a:r>
-          </a:p>
-          <a:p>
-            <a:r>
-              <a:rPr lang="en-US" dirty="0"/>
-              <a:t>Command </a:t>
-            </a:r>
-            <a:r>
-              <a:rPr lang="en-US" b="1" dirty="0">
-                <a:solidFill>
-                  <a:schemeClr val="accent1">
-                    <a:lumMod val="75000"/>
-                  </a:schemeClr>
-                </a:solidFill>
-              </a:rPr>
-              <a:t>search</a:t>
-            </a:r>
-            <a:r>
-              <a:rPr lang="en-US" dirty="0"/>
-              <a:t>: search all source code and print the lines that match the input keyword</a:t>
-            </a:r>
-          </a:p>
-          <a:p>
-            <a:r>
-              <a:rPr lang="en-US" dirty="0"/>
-              <a:t>Some SQL*Plus commands:</a:t>
-            </a:r>
-          </a:p>
-          <a:p>
-            <a:pPr lvl="1"/>
-            <a:r>
-              <a:rPr lang="en-US" dirty="0"/>
-              <a:t>CONNECT or CONN</a:t>
-            </a:r>
-          </a:p>
-          <a:p>
-            <a:pPr lvl="1"/>
-            <a:r>
-              <a:rPr lang="en-US" dirty="0"/>
-              <a:t>DISCONNECT or DISC</a:t>
-            </a:r>
-          </a:p>
-          <a:p>
-            <a:pPr lvl="1"/>
-            <a:r>
-              <a:rPr lang="en-US" dirty="0"/>
-              <a:t>DESCRIBE or DESC</a:t>
-            </a:r>
-          </a:p>
-          <a:p>
-            <a:pPr lvl="1"/>
-            <a:r>
-              <a:rPr lang="en-US" dirty="0"/>
-              <a:t>ACCEPT or ACC</a:t>
-            </a:r>
-          </a:p>
-          <a:p>
-            <a:pPr lvl="1"/>
-            <a:r>
-              <a:rPr lang="en-US" dirty="0"/>
-              <a:t>HOST or !</a:t>
-            </a:r>
-          </a:p>
-          <a:p>
-            <a:pPr lvl="1"/>
-            <a:r>
-              <a:rPr lang="en-US" dirty="0"/>
-              <a:t>PRINT  or PRI</a:t>
-            </a:r>
-          </a:p>
-          <a:p>
-            <a:pPr lvl="1"/>
-            <a:r>
-              <a:rPr lang="en-US" dirty="0"/>
-              <a:t>SPOOL or SPO</a:t>
-            </a:r>
-          </a:p>
-          <a:p>
-            <a:pPr lvl="1"/>
-            <a:r>
-              <a:rPr lang="en-US" dirty="0"/>
-              <a:t>SAVE</a:t>
-            </a:r>
-          </a:p>
-          <a:p>
-            <a:pPr lvl="1"/>
-            <a:r>
-              <a:rPr lang="en-US" dirty="0"/>
-              <a:t>ED or EDIT</a:t>
-            </a:r>
-          </a:p>
-          <a:p>
-            <a:pPr lvl="1"/>
-            <a:r>
-              <a:rPr lang="en-US" dirty="0"/>
-              <a:t>/ or r</a:t>
-            </a:r>
-          </a:p>
-          <a:p>
-            <a:r>
-              <a:rPr lang="en-US" dirty="0"/>
-              <a:t>Type help –a or set for more commands</a:t>
-            </a:r>
-          </a:p>
-        </p:txBody>
-      </p:sp>
-    </p:spTree>
-    <p:extLst>
-      <p:ext uri="{BB962C8B-B14F-4D97-AF65-F5344CB8AC3E}">
-        <p14:creationId xmlns:p14="http://schemas.microsoft.com/office/powerpoint/2010/main" val="1759693774"/>
-      </p:ext>
-    </p:extLst>
-  </p:cSld>
-  <p:clrMapOvr>
-    <a:masterClrMapping/>
-  </p:clrMapOvr>
-</p:sld>
-</file>
-
 <file path=ppt/slides/slide39.xml><?xml version="1.0" encoding="utf-8"?>
 <p:sld xmlns:a="http://schemas.openxmlformats.org/drawingml/2006/main" xmlns:r="http://schemas.openxmlformats.org/officeDocument/2006/relationships" xmlns:p="http://schemas.openxmlformats.org/presentationml/2006/main">
   <p:cSld>
@@ -16218,7 +16450,7 @@
           <p:cNvPr id="2" name="标题 1">
             <a:extLst>
               <a:ext uri="{FF2B5EF4-FFF2-40B4-BE49-F238E27FC236}">
-                <a16:creationId xmlns:a16="http://schemas.microsoft.com/office/drawing/2014/main" id="{103ADC8E-7DB0-4A5F-B20A-213DEBB09B8B}"/>
+                <a16:creationId xmlns:a16="http://schemas.microsoft.com/office/drawing/2014/main" id="{C8B29B6C-C00C-4E0D-8CA1-E9219B16D778}"/>
               </a:ext>
             </a:extLst>
           </p:cNvPr>
@@ -16231,52 +16463,54 @@
         </p:nvSpPr>
         <p:spPr>
           <a:xfrm>
-            <a:off x="838200" y="107217"/>
-            <a:ext cx="10515600" cy="760291"/>
-          </a:xfrm>
-        </p:spPr>
-        <p:txBody>
-          <a:bodyPr/>
-          <a:lstStyle/>
-          <a:p>
-            <a:r>
-              <a:rPr lang="en-US" dirty="0"/>
-              <a:t>Scripting Engines</a:t>
-            </a:r>
-          </a:p>
-        </p:txBody>
-      </p:sp>
-      <p:sp>
-        <p:nvSpPr>
-          <p:cNvPr id="3" name="内容占位符 2">
-            <a:extLst>
-              <a:ext uri="{FF2B5EF4-FFF2-40B4-BE49-F238E27FC236}">
-                <a16:creationId xmlns:a16="http://schemas.microsoft.com/office/drawing/2014/main" id="{12A8C3A4-5FC5-430E-84E9-939E6E40B8FF}"/>
-              </a:ext>
-            </a:extLst>
-          </p:cNvPr>
-          <p:cNvSpPr>
-            <a:spLocks noGrp="1"/>
-          </p:cNvSpPr>
-          <p:nvPr>
-            <p:ph idx="1"/>
-          </p:nvPr>
-        </p:nvSpPr>
-        <p:spPr>
-          <a:xfrm>
-            <a:off x="838200" y="976923"/>
-            <a:ext cx="10515600" cy="5541107"/>
+            <a:off x="838200" y="171938"/>
+            <a:ext cx="10515600" cy="509100"/>
           </a:xfrm>
         </p:spPr>
         <p:txBody>
           <a:bodyPr>
-            <a:normAutofit fontScale="55000" lnSpcReduction="20000"/>
+            <a:normAutofit fontScale="90000"/>
           </a:bodyPr>
           <a:lstStyle/>
           <a:p>
             <a:r>
               <a:rPr lang="en-US" dirty="0"/>
-              <a:t>Input parameter names are from </a:t>
+              <a:t>Common Utility - Others</a:t>
+            </a:r>
+          </a:p>
+        </p:txBody>
+      </p:sp>
+      <p:sp>
+        <p:nvSpPr>
+          <p:cNvPr id="3" name="内容占位符 2">
+            <a:extLst>
+              <a:ext uri="{FF2B5EF4-FFF2-40B4-BE49-F238E27FC236}">
+                <a16:creationId xmlns:a16="http://schemas.microsoft.com/office/drawing/2014/main" id="{54B2F075-356C-4966-AF72-A32E6D5B796E}"/>
+              </a:ext>
+            </a:extLst>
+          </p:cNvPr>
+          <p:cNvSpPr>
+            <a:spLocks noGrp="1"/>
+          </p:cNvSpPr>
+          <p:nvPr>
+            <p:ph idx="1"/>
+          </p:nvPr>
+        </p:nvSpPr>
+        <p:spPr>
+          <a:xfrm>
+            <a:off x="838200" y="789354"/>
+            <a:ext cx="10515600" cy="4468446"/>
+          </a:xfrm>
+        </p:spPr>
+        <p:txBody>
+          <a:bodyPr>
+            <a:normAutofit fontScale="62500" lnSpcReduction="20000"/>
+          </a:bodyPr>
+          <a:lstStyle/>
+          <a:p>
+            <a:r>
+              <a:rPr lang="en-US" dirty="0"/>
+              <a:t>Command </a:t>
             </a:r>
             <a:r>
               <a:rPr lang="en-US" b="1" dirty="0">
@@ -16286,39 +16520,57 @@
                   </a:schemeClr>
                 </a:solidFill>
               </a:rPr>
-              <a:t>:V1</a:t>
-            </a:r>
-            <a:r>
-              <a:rPr lang="en-US" dirty="0"/>
-              <a:t>(or </a:t>
-            </a:r>
-            <a:r>
-              <a:rPr lang="en-US" altLang="zh-CN" dirty="0">
+              <a:t>clear</a:t>
+            </a:r>
+            <a:r>
+              <a:rPr lang="en-US" dirty="0"/>
+              <a:t>: clear screen</a:t>
+            </a:r>
+          </a:p>
+          <a:p>
+            <a:r>
+              <a:rPr lang="en-US" dirty="0"/>
+              <a:t>Command </a:t>
+            </a:r>
+            <a:r>
+              <a:rPr lang="en-US" b="1" dirty="0">
                 <a:solidFill>
                   <a:schemeClr val="accent1">
                     <a:lumMod val="75000"/>
                   </a:schemeClr>
                 </a:solidFill>
               </a:rPr>
-              <a:t>&amp;V1</a:t>
-            </a:r>
-            <a:r>
-              <a:rPr lang="en-US" dirty="0"/>
-              <a:t>) to </a:t>
-            </a:r>
-            <a:r>
-              <a:rPr lang="en-US" dirty="0">
+              <a:t>reload</a:t>
+            </a:r>
+            <a:r>
+              <a:rPr lang="en-US" dirty="0"/>
+              <a:t>: reset DBCLI into initial state</a:t>
+            </a:r>
+          </a:p>
+          <a:p>
+            <a:r>
+              <a:rPr lang="en-US" dirty="0"/>
+              <a:t>Command </a:t>
+            </a:r>
+            <a:r>
+              <a:rPr lang="en-US" b="1" dirty="0">
                 <a:solidFill>
                   <a:schemeClr val="accent1">
                     <a:lumMod val="75000"/>
                   </a:schemeClr>
                 </a:solidFill>
               </a:rPr>
-              <a:t>:V20</a:t>
-            </a:r>
-            <a:r>
-              <a:rPr lang="en-US" dirty="0"/>
-              <a:t>(or </a:t>
+              <a:t>keymap</a:t>
+            </a:r>
+            <a:r>
+              <a:rPr lang="en-US" dirty="0"/>
+              <a:t>: show or define keymap</a:t>
+            </a:r>
+          </a:p>
+          <a:p>
+            <a:r>
+              <a:rPr lang="en-US" dirty="0"/>
+              <a:t>Command </a:t>
             </a:r>
             <a:r>
               <a:rPr lang="en-US" b="1" dirty="0">
@@ -16328,364 +16580,93 @@
                   </a:schemeClr>
                 </a:solidFill>
               </a:rPr>
-              <a:t>&amp;V20</a:t>
-            </a:r>
-            <a:r>
-              <a:rPr lang="en-US" dirty="0"/>
-              <a:t>) and case-insensitive, however SQL*Plus is &amp;1…</a:t>
-            </a:r>
-          </a:p>
-          <a:p>
-            <a:r>
-              <a:rPr lang="en-US" dirty="0"/>
-              <a:t>V1 to V20 are all default to null(empty string) and don’t ask mandatory input, however SQL*Plus will ask for input if not specified in the command line.</a:t>
-            </a:r>
-          </a:p>
-          <a:p>
-            <a:r>
-              <a:rPr lang="en-US" dirty="0"/>
-              <a:t>A variable value can be used as either substitution(</a:t>
-            </a:r>
-            <a:r>
-              <a:rPr lang="en-US" b="1" dirty="0">
-                <a:solidFill>
-                  <a:schemeClr val="accent1">
-                    <a:lumMod val="75000"/>
-                  </a:schemeClr>
-                </a:solidFill>
-              </a:rPr>
-              <a:t>&amp;var</a:t>
-            </a:r>
-            <a:r>
-              <a:rPr lang="en-US" dirty="0"/>
-              <a:t>) and  binding(</a:t>
-            </a:r>
-            <a:r>
-              <a:rPr lang="en-US" b="1" dirty="0">
-                <a:solidFill>
-                  <a:schemeClr val="accent1">
-                    <a:lumMod val="75000"/>
-                  </a:schemeClr>
-                </a:solidFill>
-              </a:rPr>
-              <a:t>:var</a:t>
-            </a:r>
-            <a:r>
-              <a:rPr lang="en-US" dirty="0"/>
-              <a:t>)</a:t>
-            </a:r>
-          </a:p>
-          <a:p>
-            <a:r>
-              <a:rPr lang="en-US" dirty="0"/>
-              <a:t>Either input parameter or variable can pre-define default value and options(</a:t>
-            </a:r>
-            <a:r>
-              <a:rPr lang="en-US" b="1" dirty="0">
-                <a:solidFill>
-                  <a:schemeClr val="accent1">
-                    <a:lumMod val="75000"/>
-                  </a:schemeClr>
-                </a:solidFill>
-              </a:rPr>
-              <a:t>-option</a:t>
-            </a:r>
-            <a:r>
-              <a:rPr lang="en-US" dirty="0"/>
-              <a:t>) in the script annotation part(sub-part of the documentation)</a:t>
-            </a:r>
-          </a:p>
-          <a:p>
-            <a:r>
-              <a:rPr lang="en-US" dirty="0"/>
-              <a:t>If an input parameter is dot(</a:t>
-            </a:r>
-            <a:r>
-              <a:rPr lang="en-US" b="1" dirty="0">
-                <a:solidFill>
-                  <a:schemeClr val="accent1">
-                    <a:lumMod val="75000"/>
-                  </a:schemeClr>
-                </a:solidFill>
-              </a:rPr>
-              <a:t>.</a:t>
-            </a:r>
-            <a:r>
-              <a:rPr lang="en-US" dirty="0"/>
-              <a:t>), it means using the default value</a:t>
-            </a:r>
-          </a:p>
-          <a:p>
-            <a:r>
-              <a:rPr lang="en-US" dirty="0"/>
-              <a:t>3 switches can be defined in the annotation part and can be treated as variables: </a:t>
+              <a:t>search</a:t>
+            </a:r>
+            <a:r>
+              <a:rPr lang="en-US" dirty="0"/>
+              <a:t>: search all source code and print the lines that match the input keyword</a:t>
+            </a:r>
+          </a:p>
+          <a:p>
+            <a:r>
+              <a:rPr lang="en-US" dirty="0"/>
+              <a:t>Some SQL*Plus commands:</a:t>
             </a:r>
           </a:p>
           <a:p>
             <a:pPr lvl="1"/>
             <a:r>
               <a:rPr lang="en-US" dirty="0"/>
-              <a:t>Privilege switch(</a:t>
-            </a:r>
-            <a:r>
-              <a:rPr lang="en-US" b="1" dirty="0">
-                <a:solidFill>
-                  <a:schemeClr val="accent1">
-                    <a:lumMod val="75000"/>
-                  </a:schemeClr>
-                </a:solidFill>
-              </a:rPr>
-              <a:t>@</a:t>
-            </a:r>
-            <a:r>
-              <a:rPr lang="en-US" b="1" dirty="0" err="1">
-                <a:solidFill>
-                  <a:schemeClr val="accent1">
-                    <a:lumMod val="75000"/>
-                  </a:schemeClr>
-                </a:solidFill>
-              </a:rPr>
-              <a:t>check_access_</a:t>
-            </a:r>
-            <a:r>
-              <a:rPr lang="en-US" dirty="0" err="1"/>
-              <a:t>xxx</a:t>
-            </a:r>
-            <a:r>
-              <a:rPr lang="en-US" dirty="0"/>
-              <a:t>): auto-choose the first value that matches the required access right</a:t>
+              <a:t>CONNECT or CONN</a:t>
             </a:r>
           </a:p>
           <a:p>
             <a:pPr lvl="1"/>
             <a:r>
               <a:rPr lang="en-US" dirty="0"/>
-              <a:t>User switch(</a:t>
-            </a:r>
-            <a:r>
-              <a:rPr lang="en-US" b="1" dirty="0">
-                <a:solidFill>
-                  <a:schemeClr val="accent1">
-                    <a:lumMod val="75000"/>
-                  </a:schemeClr>
-                </a:solidFill>
-              </a:rPr>
-              <a:t>@</a:t>
-            </a:r>
-            <a:r>
-              <a:rPr lang="en-US" b="1" dirty="0" err="1">
-                <a:solidFill>
-                  <a:schemeClr val="accent1">
-                    <a:lumMod val="75000"/>
-                  </a:schemeClr>
-                </a:solidFill>
-              </a:rPr>
-              <a:t>check_user_</a:t>
-            </a:r>
-            <a:r>
-              <a:rPr lang="en-US" dirty="0" err="1"/>
-              <a:t>xxx</a:t>
-            </a:r>
-            <a:r>
-              <a:rPr lang="en-US" dirty="0"/>
-              <a:t>): auto-choose the first value that login user matches  the required user</a:t>
+              <a:t>DISCONNECT or DISC</a:t>
             </a:r>
           </a:p>
           <a:p>
             <a:pPr lvl="1"/>
             <a:r>
               <a:rPr lang="en-US" dirty="0"/>
-              <a:t>Version switch (@other): auto-choose the first value that matches the require db version</a:t>
+              <a:t>DESCRIBE or DESC</a:t>
             </a:r>
           </a:p>
           <a:p>
             <a:pPr lvl="1"/>
             <a:r>
               <a:rPr lang="en-US" dirty="0"/>
-              <a:t>If  the “</a:t>
-            </a:r>
-            <a:r>
-              <a:rPr lang="en-US" b="1" dirty="0">
-                <a:solidFill>
-                  <a:schemeClr val="accent1">
-                    <a:lumMod val="75000"/>
-                  </a:schemeClr>
-                </a:solidFill>
-              </a:rPr>
-              <a:t>default</a:t>
-            </a:r>
-            <a:r>
-              <a:rPr lang="en-US" dirty="0"/>
-              <a:t>” option is not defined in a switch annotation and current login user cannot match any requirement, then the script will exit with an error </a:t>
-            </a:r>
-          </a:p>
-          <a:p>
-            <a:r>
-              <a:rPr lang="en-US" dirty="0"/>
-              <a:t>The life cycle of the VAR/DEFINE/SET settings are script-locally, and don’t affect the global level settings, however in SQL*Plus those are all global, which can mess the variables of different scripts.</a:t>
-            </a:r>
-          </a:p>
-          <a:p>
-            <a:r>
-              <a:rPr lang="en-US" dirty="0"/>
-              <a:t>Engines:</a:t>
+              <a:t>ACCEPT or ACC</a:t>
             </a:r>
           </a:p>
           <a:p>
             <a:pPr lvl="1"/>
             <a:r>
               <a:rPr lang="en-US" dirty="0"/>
-              <a:t>SQL*Plus-style engine: does not support all SQL*Plus syntax, but supports all commands that dbcli provides(</a:t>
-            </a:r>
-            <a:r>
-              <a:rPr lang="en-US" b="1" dirty="0">
-                <a:solidFill>
-                  <a:schemeClr val="accent1">
-                    <a:lumMod val="75000"/>
-                  </a:schemeClr>
-                </a:solidFill>
-              </a:rPr>
-              <a:t>help -a </a:t>
-            </a:r>
-            <a:r>
-              <a:rPr lang="en-US" dirty="0"/>
-              <a:t>to list all supported commands)</a:t>
-            </a:r>
-          </a:p>
-          <a:p>
-            <a:pPr lvl="2"/>
-            <a:r>
-              <a:rPr lang="en-US" b="1" dirty="0">
-                <a:solidFill>
-                  <a:schemeClr val="accent1">
-                    <a:lumMod val="75000"/>
-                  </a:schemeClr>
-                </a:solidFill>
-              </a:rPr>
-              <a:t>Show</a:t>
-            </a:r>
-            <a:r>
-              <a:rPr lang="en-US" dirty="0"/>
-              <a:t>:  Executes the pre-defined scripts that don’t require any input parameter</a:t>
-            </a:r>
-          </a:p>
-          <a:p>
-            <a:pPr lvl="2"/>
-            <a:r>
-              <a:rPr lang="en-US" b="1" dirty="0">
-                <a:solidFill>
-                  <a:schemeClr val="accent1">
-                    <a:lumMod val="75000"/>
-                  </a:schemeClr>
-                </a:solidFill>
-              </a:rPr>
-              <a:t>Ora</a:t>
-            </a:r>
-            <a:r>
-              <a:rPr lang="en-US" dirty="0"/>
-              <a:t>: Executes the pre-defined scripts that accept parameters</a:t>
-            </a:r>
-          </a:p>
-          <a:p>
-            <a:pPr lvl="2"/>
-            <a:r>
-              <a:rPr lang="en-US" b="1" dirty="0">
-                <a:solidFill>
-                  <a:schemeClr val="accent1">
-                    <a:lumMod val="75000"/>
-                  </a:schemeClr>
-                </a:solidFill>
-              </a:rPr>
-              <a:t>SYS</a:t>
-            </a:r>
-            <a:r>
-              <a:rPr lang="en-US" dirty="0"/>
-              <a:t>: Similar to Ora, but executes the pre-defined scripts that refer to x$ table</a:t>
-            </a:r>
-          </a:p>
-          <a:p>
-            <a:pPr lvl="2"/>
-            <a:r>
-              <a:rPr lang="en-US" b="1" dirty="0">
-                <a:solidFill>
-                  <a:schemeClr val="accent1">
-                    <a:lumMod val="75000"/>
-                  </a:schemeClr>
-                </a:solidFill>
-              </a:rPr>
-              <a:t>EXA</a:t>
-            </a:r>
-            <a:r>
-              <a:rPr lang="en-US" dirty="0"/>
-              <a:t>: Similar to Ora, but executes the pre-defined scripts that to query Exadata information</a:t>
+              <a:t>HOST or !</a:t>
             </a:r>
           </a:p>
           <a:p>
             <a:pPr lvl="1"/>
             <a:r>
               <a:rPr lang="en-US" dirty="0"/>
-              <a:t>Snapper engine(</a:t>
-            </a:r>
-            <a:r>
-              <a:rPr lang="en-US" b="1" dirty="0">
-                <a:solidFill>
-                  <a:schemeClr val="accent1">
-                    <a:lumMod val="75000"/>
-                  </a:schemeClr>
-                </a:solidFill>
-              </a:rPr>
-              <a:t>snap</a:t>
-            </a:r>
-            <a:r>
-              <a:rPr lang="en-US" dirty="0"/>
-              <a:t>):</a:t>
-            </a:r>
-            <a:r>
-              <a:rPr lang="zh-CN" altLang="en-US" dirty="0"/>
-              <a:t> </a:t>
-            </a:r>
-            <a:r>
-              <a:rPr lang="en-US" altLang="zh-CN" dirty="0"/>
-              <a:t>JSON/Lua format, to compute the delta values of the same queries in a specific period, support Linux top-style output</a:t>
+              <a:t>PRINT  or PRI</a:t>
             </a:r>
           </a:p>
           <a:p>
             <a:pPr lvl="1"/>
             <a:r>
               <a:rPr lang="en-US" dirty="0"/>
-              <a:t>Graphing engine(</a:t>
-            </a:r>
-            <a:r>
-              <a:rPr lang="en-US" b="1" dirty="0">
-                <a:solidFill>
-                  <a:schemeClr val="accent1">
-                    <a:lumMod val="75000"/>
-                  </a:schemeClr>
-                </a:solidFill>
-              </a:rPr>
-              <a:t>chart/</a:t>
-            </a:r>
-            <a:r>
-              <a:rPr lang="en-US" b="1" dirty="0" err="1">
-                <a:solidFill>
-                  <a:schemeClr val="accent1">
-                    <a:lumMod val="75000"/>
-                  </a:schemeClr>
-                </a:solidFill>
-              </a:rPr>
-              <a:t>ch</a:t>
-            </a:r>
-            <a:r>
-              <a:rPr lang="en-US" dirty="0"/>
-              <a:t>): </a:t>
-            </a:r>
-            <a:r>
-              <a:rPr lang="en-US" altLang="zh-CN" dirty="0"/>
-              <a:t>JSON/Lua format, to</a:t>
-            </a:r>
-            <a:r>
-              <a:rPr lang="en-US" dirty="0"/>
-              <a:t> generate line/bar chart of the time-series data, mainly used on AWR data</a:t>
+              <a:t>SPOOL or SPO</a:t>
+            </a:r>
+          </a:p>
+          <a:p>
+            <a:pPr lvl="1"/>
+            <a:r>
+              <a:rPr lang="en-US" dirty="0"/>
+              <a:t>SAVE</a:t>
+            </a:r>
+          </a:p>
+          <a:p>
+            <a:pPr lvl="1"/>
+            <a:r>
+              <a:rPr lang="en-US" dirty="0"/>
+              <a:t>ED or EDIT</a:t>
+            </a:r>
+          </a:p>
+          <a:p>
+            <a:pPr lvl="1"/>
+            <a:r>
+              <a:rPr lang="en-US" dirty="0"/>
+              <a:t>/ or r</a:t>
+            </a:r>
+          </a:p>
+          <a:p>
+            <a:r>
+              <a:rPr lang="en-US" dirty="0"/>
+              <a:t>Type help –a or set for more commands</a:t>
             </a:r>
           </a:p>
         </p:txBody>
@@ -16693,7 +16674,7 @@
     </p:spTree>
     <p:extLst>
       <p:ext uri="{BB962C8B-B14F-4D97-AF65-F5344CB8AC3E}">
-        <p14:creationId xmlns:p14="http://schemas.microsoft.com/office/powerpoint/2010/main" val="1687118102"/>
+        <p14:creationId xmlns:p14="http://schemas.microsoft.com/office/powerpoint/2010/main" val="1759693774"/>
       </p:ext>
     </p:extLst>
   </p:cSld>
@@ -17443,7 +17424,7 @@
           <p:cNvPr id="2" name="标题 1">
             <a:extLst>
               <a:ext uri="{FF2B5EF4-FFF2-40B4-BE49-F238E27FC236}">
-                <a16:creationId xmlns:a16="http://schemas.microsoft.com/office/drawing/2014/main" id="{62074AD1-1FE7-4190-9345-65532ED6F564}"/>
+                <a16:creationId xmlns:a16="http://schemas.microsoft.com/office/drawing/2014/main" id="{103ADC8E-7DB0-4A5F-B20A-213DEBB09B8B}"/>
               </a:ext>
             </a:extLst>
           </p:cNvPr>
@@ -17456,65 +17437,52 @@
         </p:nvSpPr>
         <p:spPr>
           <a:xfrm>
-            <a:off x="838200" y="156308"/>
-            <a:ext cx="10515600" cy="593970"/>
+            <a:off x="838200" y="107217"/>
+            <a:ext cx="10515600" cy="760291"/>
+          </a:xfrm>
+        </p:spPr>
+        <p:txBody>
+          <a:bodyPr/>
+          <a:lstStyle/>
+          <a:p>
+            <a:r>
+              <a:rPr lang="en-US" dirty="0"/>
+              <a:t>Scripting Engines</a:t>
+            </a:r>
+          </a:p>
+        </p:txBody>
+      </p:sp>
+      <p:sp>
+        <p:nvSpPr>
+          <p:cNvPr id="3" name="内容占位符 2">
+            <a:extLst>
+              <a:ext uri="{FF2B5EF4-FFF2-40B4-BE49-F238E27FC236}">
+                <a16:creationId xmlns:a16="http://schemas.microsoft.com/office/drawing/2014/main" id="{12A8C3A4-5FC5-430E-84E9-939E6E40B8FF}"/>
+              </a:ext>
+            </a:extLst>
+          </p:cNvPr>
+          <p:cNvSpPr>
+            <a:spLocks noGrp="1"/>
+          </p:cNvSpPr>
+          <p:nvPr>
+            <p:ph idx="1"/>
+          </p:nvPr>
+        </p:nvSpPr>
+        <p:spPr>
+          <a:xfrm>
+            <a:off x="838200" y="976923"/>
+            <a:ext cx="10515600" cy="5541107"/>
           </a:xfrm>
         </p:spPr>
         <p:txBody>
           <a:bodyPr>
-            <a:normAutofit fontScale="90000"/>
+            <a:normAutofit fontScale="55000" lnSpcReduction="20000"/>
           </a:bodyPr>
           <a:lstStyle/>
           <a:p>
             <a:r>
               <a:rPr lang="en-US" dirty="0"/>
-              <a:t>Common Pre-defined Scripts (1)</a:t>
-            </a:r>
-          </a:p>
-        </p:txBody>
-      </p:sp>
-      <p:sp>
-        <p:nvSpPr>
-          <p:cNvPr id="3" name="内容占位符 2">
-            <a:extLst>
-              <a:ext uri="{FF2B5EF4-FFF2-40B4-BE49-F238E27FC236}">
-                <a16:creationId xmlns:a16="http://schemas.microsoft.com/office/drawing/2014/main" id="{0F62E6C0-2DDF-4F51-A1B5-1DA4F66A4097}"/>
-              </a:ext>
-            </a:extLst>
-          </p:cNvPr>
-          <p:cNvSpPr>
-            <a:spLocks noGrp="1"/>
-          </p:cNvSpPr>
-          <p:nvPr>
-            <p:ph idx="1"/>
-          </p:nvPr>
-        </p:nvSpPr>
-        <p:spPr>
-          <a:xfrm>
-            <a:off x="838200" y="859692"/>
-            <a:ext cx="10515600" cy="5841999"/>
-          </a:xfrm>
-        </p:spPr>
-        <p:txBody>
-          <a:bodyPr>
-            <a:normAutofit fontScale="40000" lnSpcReduction="20000"/>
-          </a:bodyPr>
-          <a:lstStyle/>
-          <a:p>
-            <a:pPr marL="0" indent="0">
-              <a:buNone/>
-            </a:pPr>
-            <a:r>
-              <a:rPr lang="en-US" b="1" dirty="0">
-                <a:solidFill>
-                  <a:srgbClr val="FF0000"/>
-                </a:solidFill>
-              </a:rPr>
-              <a:t>*  Note</a:t>
-            </a:r>
-            <a:r>
-              <a:rPr lang="en-US" b="1" dirty="0"/>
-              <a:t>: </a:t>
+              <a:t>Input parameter names are from </a:t>
             </a:r>
             <a:r>
               <a:rPr lang="en-US" b="1" dirty="0">
@@ -17524,826 +17492,414 @@
                   </a:schemeClr>
                 </a:solidFill>
               </a:rPr>
-              <a:t>[…]</a:t>
-            </a:r>
-            <a:r>
-              <a:rPr lang="en-US" b="1" dirty="0"/>
-              <a:t> means optional, </a:t>
+              <a:t>:V1</a:t>
+            </a:r>
+            <a:r>
+              <a:rPr lang="en-US" dirty="0"/>
+              <a:t>(or </a:t>
+            </a:r>
+            <a:r>
+              <a:rPr lang="en-US" altLang="zh-CN" dirty="0">
+                <a:solidFill>
+                  <a:schemeClr val="accent1">
+                    <a:lumMod val="75000"/>
+                  </a:schemeClr>
+                </a:solidFill>
+              </a:rPr>
+              <a:t>&amp;V1</a:t>
+            </a:r>
+            <a:r>
+              <a:rPr lang="en-US" dirty="0"/>
+              <a:t>) to </a:t>
+            </a:r>
+            <a:r>
+              <a:rPr lang="en-US" dirty="0">
+                <a:solidFill>
+                  <a:schemeClr val="accent1">
+                    <a:lumMod val="75000"/>
+                  </a:schemeClr>
+                </a:solidFill>
+              </a:rPr>
+              <a:t>:V20</a:t>
+            </a:r>
+            <a:r>
+              <a:rPr lang="en-US" dirty="0"/>
+              <a:t>(or </a:t>
             </a:r>
             <a:r>
               <a:rPr lang="en-US" b="1" dirty="0">
                 <a:solidFill>
-                  <a:srgbClr val="0070C0"/>
-                </a:solidFill>
-              </a:rPr>
-              <a:t>|</a:t>
-            </a:r>
-            <a:r>
-              <a:rPr lang="en-US" b="1" dirty="0"/>
-              <a:t> means “OR”</a:t>
-            </a:r>
-          </a:p>
-          <a:p>
-            <a:r>
-              <a:rPr lang="en-US" sz="2300" dirty="0">
-                <a:latin typeface="Courier New" panose="02070309020205020404" pitchFamily="49" charset="0"/>
-                <a:cs typeface="Courier New" panose="02070309020205020404" pitchFamily="49" charset="0"/>
-              </a:rPr>
-              <a:t>top [interval] [-</a:t>
-            </a:r>
-            <a:r>
-              <a:rPr lang="en-US" sz="2300" dirty="0" err="1">
-                <a:latin typeface="Courier New" panose="02070309020205020404" pitchFamily="49" charset="0"/>
-                <a:cs typeface="Courier New" panose="02070309020205020404" pitchFamily="49" charset="0"/>
-              </a:rPr>
-              <a:t>iostat</a:t>
-            </a:r>
-            <a:r>
-              <a:rPr lang="en-US" sz="2300" dirty="0">
-                <a:latin typeface="Courier New" panose="02070309020205020404" pitchFamily="49" charset="0"/>
-                <a:cs typeface="Courier New" panose="02070309020205020404" pitchFamily="49" charset="0"/>
-              </a:rPr>
-              <a:t>|-latch] [-</a:t>
-            </a:r>
-            <a:r>
-              <a:rPr lang="en-US" sz="2300" dirty="0" err="1">
-                <a:latin typeface="Courier New" panose="02070309020205020404" pitchFamily="49" charset="0"/>
-                <a:cs typeface="Courier New" panose="02070309020205020404" pitchFamily="49" charset="0"/>
-              </a:rPr>
-              <a:t>filestat</a:t>
-            </a:r>
-            <a:r>
-              <a:rPr lang="en-US" sz="2300" dirty="0">
-                <a:latin typeface="Courier New" panose="02070309020205020404" pitchFamily="49" charset="0"/>
-                <a:cs typeface="Courier New" panose="02070309020205020404" pitchFamily="49" charset="0"/>
-              </a:rPr>
-              <a:t>]: monitor db stats with specific interval, default is 10 seconds</a:t>
-            </a:r>
-          </a:p>
-          <a:p>
-            <a:r>
-              <a:rPr lang="en-US" sz="2300" dirty="0" err="1">
-                <a:latin typeface="Courier New" panose="02070309020205020404" pitchFamily="49" charset="0"/>
-                <a:cs typeface="Courier New" panose="02070309020205020404" pitchFamily="49" charset="0"/>
-              </a:rPr>
-              <a:t>cellio</a:t>
-            </a:r>
-            <a:r>
-              <a:rPr lang="en-US" sz="2300" dirty="0">
-                <a:latin typeface="Courier New" panose="02070309020205020404" pitchFamily="49" charset="0"/>
-                <a:cs typeface="Courier New" panose="02070309020205020404" pitchFamily="49" charset="0"/>
-              </a:rPr>
-              <a:t> [interval] </a:t>
-            </a:r>
-            <a:r>
-              <a:rPr lang="nb-NO" sz="2300" dirty="0">
-                <a:latin typeface="Courier New" panose="02070309020205020404" pitchFamily="49" charset="0"/>
-                <a:cs typeface="Courier New" panose="02070309020205020404" pitchFamily="49" charset="0"/>
-              </a:rPr>
-              <a:t>[-pred|-cc|-db] [-cell] [-diskio] </a:t>
-            </a:r>
-            <a:r>
-              <a:rPr lang="en-US" sz="2300" dirty="0">
-                <a:latin typeface="Courier New" panose="02070309020205020404" pitchFamily="49" charset="0"/>
-                <a:cs typeface="Courier New" panose="02070309020205020404" pitchFamily="49" charset="0"/>
-              </a:rPr>
-              <a:t>: monitor Exadata cell stats with specific interval, default is 20 seconds</a:t>
-            </a:r>
-          </a:p>
-          <a:p>
-            <a:r>
-              <a:rPr lang="en-US" sz="2300" dirty="0">
-                <a:latin typeface="Courier New" panose="02070309020205020404" pitchFamily="49" charset="0"/>
-                <a:cs typeface="Courier New" panose="02070309020205020404" pitchFamily="49" charset="0"/>
-              </a:rPr>
-              <a:t>Exa cell: show Exadata information</a:t>
-            </a:r>
-          </a:p>
-          <a:p>
-            <a:r>
-              <a:rPr lang="en-US" sz="2300" dirty="0">
-                <a:latin typeface="Courier New" panose="02070309020205020404" pitchFamily="49" charset="0"/>
-                <a:cs typeface="Courier New" panose="02070309020205020404" pitchFamily="49" charset="0"/>
-              </a:rPr>
-              <a:t>Ora/sys param &lt;keyword&gt;: show parameters that match the keyword</a:t>
-            </a:r>
-          </a:p>
-          <a:p>
-            <a:r>
-              <a:rPr lang="en-US" sz="2300" dirty="0">
-                <a:latin typeface="Courier New" panose="02070309020205020404" pitchFamily="49" charset="0"/>
-                <a:cs typeface="Courier New" panose="02070309020205020404" pitchFamily="49" charset="0"/>
-              </a:rPr>
-              <a:t>Ora tbs [&lt;</a:t>
-            </a:r>
-            <a:r>
-              <a:rPr lang="en-US" sz="2300" dirty="0" err="1">
-                <a:latin typeface="Courier New" panose="02070309020205020404" pitchFamily="49" charset="0"/>
-                <a:cs typeface="Courier New" panose="02070309020205020404" pitchFamily="49" charset="0"/>
-              </a:rPr>
-              <a:t>tablespace_name</a:t>
-            </a:r>
-            <a:r>
-              <a:rPr lang="en-US" sz="2300" dirty="0">
-                <a:latin typeface="Courier New" panose="02070309020205020404" pitchFamily="49" charset="0"/>
-                <a:cs typeface="Courier New" panose="02070309020205020404" pitchFamily="49" charset="0"/>
-              </a:rPr>
-              <a:t>&gt;]: show tablespace usages</a:t>
-            </a:r>
-          </a:p>
-          <a:p>
-            <a:r>
-              <a:rPr lang="en-US" sz="2300" dirty="0">
-                <a:latin typeface="Courier New" panose="02070309020205020404" pitchFamily="49" charset="0"/>
-                <a:cs typeface="Courier New" panose="02070309020205020404" pitchFamily="49" charset="0"/>
-              </a:rPr>
-              <a:t>ora actives [-b|-p|-m]: list active SQLs</a:t>
-            </a:r>
-          </a:p>
-          <a:p>
-            <a:r>
-              <a:rPr lang="en-US" sz="2300" dirty="0">
-                <a:latin typeface="Courier New" panose="02070309020205020404" pitchFamily="49" charset="0"/>
-                <a:cs typeface="Courier New" panose="02070309020205020404" pitchFamily="49" charset="0"/>
-              </a:rPr>
-              <a:t>ora plan &lt;</a:t>
-            </a:r>
-            <a:r>
-              <a:rPr lang="en-US" sz="2300" dirty="0" err="1">
-                <a:latin typeface="Courier New" panose="02070309020205020404" pitchFamily="49" charset="0"/>
-                <a:cs typeface="Courier New" panose="02070309020205020404" pitchFamily="49" charset="0"/>
-              </a:rPr>
-              <a:t>sql_id</a:t>
-            </a:r>
-            <a:r>
-              <a:rPr lang="en-US" sz="2300" dirty="0">
-                <a:latin typeface="Courier New" panose="02070309020205020404" pitchFamily="49" charset="0"/>
-                <a:cs typeface="Courier New" panose="02070309020205020404" pitchFamily="49" charset="0"/>
-              </a:rPr>
-              <a:t>&gt; &lt;</a:t>
-            </a:r>
-            <a:r>
-              <a:rPr lang="en-US" sz="2300" dirty="0" err="1">
-                <a:latin typeface="Courier New" panose="02070309020205020404" pitchFamily="49" charset="0"/>
-                <a:cs typeface="Courier New" panose="02070309020205020404" pitchFamily="49" charset="0"/>
-              </a:rPr>
-              <a:t>plan_hash_value</a:t>
-            </a:r>
-            <a:r>
-              <a:rPr lang="en-US" sz="2300" dirty="0">
-                <a:latin typeface="Courier New" panose="02070309020205020404" pitchFamily="49" charset="0"/>
-                <a:cs typeface="Courier New" panose="02070309020205020404" pitchFamily="49" charset="0"/>
-              </a:rPr>
-              <a:t>&gt;: show execution plan</a:t>
-            </a:r>
-          </a:p>
-          <a:p>
-            <a:r>
-              <a:rPr lang="en-US" sz="2300" dirty="0">
-                <a:latin typeface="Courier New" panose="02070309020205020404" pitchFamily="49" charset="0"/>
-                <a:cs typeface="Courier New" panose="02070309020205020404" pitchFamily="49" charset="0"/>
-              </a:rPr>
-              <a:t>ora sql &lt;</a:t>
-            </a:r>
-            <a:r>
-              <a:rPr lang="en-US" sz="2300" dirty="0" err="1">
-                <a:latin typeface="Courier New" panose="02070309020205020404" pitchFamily="49" charset="0"/>
-                <a:cs typeface="Courier New" panose="02070309020205020404" pitchFamily="49" charset="0"/>
-              </a:rPr>
-              <a:t>sql_id</a:t>
-            </a:r>
-            <a:r>
-              <a:rPr lang="en-US" sz="2300" dirty="0">
-                <a:latin typeface="Courier New" panose="02070309020205020404" pitchFamily="49" charset="0"/>
-                <a:cs typeface="Courier New" panose="02070309020205020404" pitchFamily="49" charset="0"/>
-              </a:rPr>
-              <a:t>&gt;: show SQL text and stats</a:t>
-            </a:r>
-          </a:p>
-          <a:p>
-            <a:r>
-              <a:rPr lang="en-US" sz="2300" dirty="0">
-                <a:latin typeface="Courier New" panose="02070309020205020404" pitchFamily="49" charset="0"/>
-                <a:cs typeface="Courier New" panose="02070309020205020404" pitchFamily="49" charset="0"/>
-              </a:rPr>
-              <a:t>Ora </a:t>
-            </a:r>
-            <a:r>
-              <a:rPr lang="en-US" sz="2300" dirty="0" err="1">
-                <a:latin typeface="Courier New" panose="02070309020205020404" pitchFamily="49" charset="0"/>
-                <a:cs typeface="Courier New" panose="02070309020205020404" pitchFamily="49" charset="0"/>
-              </a:rPr>
-              <a:t>sqlm</a:t>
-            </a:r>
-            <a:r>
-              <a:rPr lang="en-US" sz="2300" dirty="0">
-                <a:latin typeface="Courier New" panose="02070309020205020404" pitchFamily="49" charset="0"/>
-                <a:cs typeface="Courier New" panose="02070309020205020404" pitchFamily="49" charset="0"/>
-              </a:rPr>
-              <a:t> [&lt;</a:t>
-            </a:r>
-            <a:r>
-              <a:rPr lang="en-US" sz="2300" dirty="0" err="1">
-                <a:latin typeface="Courier New" panose="02070309020205020404" pitchFamily="49" charset="0"/>
-                <a:cs typeface="Courier New" panose="02070309020205020404" pitchFamily="49" charset="0"/>
-              </a:rPr>
-              <a:t>sql_id</a:t>
-            </a:r>
-            <a:r>
-              <a:rPr lang="en-US" sz="2300" dirty="0">
-                <a:latin typeface="Courier New" panose="02070309020205020404" pitchFamily="49" charset="0"/>
-                <a:cs typeface="Courier New" panose="02070309020205020404" pitchFamily="49" charset="0"/>
-              </a:rPr>
-              <a:t>&gt; [</a:t>
-            </a:r>
-            <a:r>
-              <a:rPr lang="en-US" sz="2300" dirty="0" err="1">
-                <a:latin typeface="Courier New" panose="02070309020205020404" pitchFamily="49" charset="0"/>
-                <a:cs typeface="Courier New" panose="02070309020205020404" pitchFamily="49" charset="0"/>
-              </a:rPr>
-              <a:t>sql_exec_id</a:t>
-            </a:r>
-            <a:r>
-              <a:rPr lang="en-US" sz="2300" dirty="0">
-                <a:latin typeface="Courier New" panose="02070309020205020404" pitchFamily="49" charset="0"/>
-                <a:cs typeface="Courier New" panose="02070309020205020404" pitchFamily="49" charset="0"/>
-              </a:rPr>
-              <a:t>][-l]]: show sql monitor list, or extract SQL Monitor report. Type ‘help ora </a:t>
-            </a:r>
-            <a:r>
-              <a:rPr lang="en-US" sz="2300" dirty="0" err="1">
-                <a:latin typeface="Courier New" panose="02070309020205020404" pitchFamily="49" charset="0"/>
-                <a:cs typeface="Courier New" panose="02070309020205020404" pitchFamily="49" charset="0"/>
-              </a:rPr>
-              <a:t>sqlm</a:t>
-            </a:r>
-            <a:r>
-              <a:rPr lang="en-US" sz="2300" dirty="0">
-                <a:latin typeface="Courier New" panose="02070309020205020404" pitchFamily="49" charset="0"/>
-                <a:cs typeface="Courier New" panose="02070309020205020404" pitchFamily="49" charset="0"/>
-              </a:rPr>
-              <a:t>’ for more usages.</a:t>
-            </a:r>
-          </a:p>
-          <a:p>
-            <a:r>
-              <a:rPr lang="en-US" sz="2300" dirty="0">
-                <a:latin typeface="Courier New" panose="02070309020205020404" pitchFamily="49" charset="0"/>
-                <a:cs typeface="Courier New" panose="02070309020205020404" pitchFamily="49" charset="0"/>
-              </a:rPr>
-              <a:t>Ora </a:t>
-            </a:r>
-            <a:r>
-              <a:rPr lang="en-US" sz="2300" dirty="0" err="1">
-                <a:latin typeface="Courier New" panose="02070309020205020404" pitchFamily="49" charset="0"/>
-                <a:cs typeface="Courier New" panose="02070309020205020404" pitchFamily="49" charset="0"/>
-              </a:rPr>
-              <a:t>ashplan</a:t>
-            </a:r>
-            <a:r>
-              <a:rPr lang="en-US" sz="2300" dirty="0">
-                <a:latin typeface="Courier New" panose="02070309020205020404" pitchFamily="49" charset="0"/>
-                <a:cs typeface="Courier New" panose="02070309020205020404" pitchFamily="49" charset="0"/>
-              </a:rPr>
-              <a:t> &lt;</a:t>
-            </a:r>
-            <a:r>
-              <a:rPr lang="en-US" sz="2300" dirty="0" err="1">
-                <a:latin typeface="Courier New" panose="02070309020205020404" pitchFamily="49" charset="0"/>
-                <a:cs typeface="Courier New" panose="02070309020205020404" pitchFamily="49" charset="0"/>
-              </a:rPr>
-              <a:t>sql_id</a:t>
-            </a:r>
-            <a:r>
-              <a:rPr lang="en-US" sz="2300" dirty="0">
-                <a:latin typeface="Courier New" panose="02070309020205020404" pitchFamily="49" charset="0"/>
-                <a:cs typeface="Courier New" panose="02070309020205020404" pitchFamily="49" charset="0"/>
-              </a:rPr>
-              <a:t>&gt; [</a:t>
-            </a:r>
-            <a:r>
-              <a:rPr lang="en-US" sz="2300" dirty="0" err="1">
-                <a:latin typeface="Courier New" panose="02070309020205020404" pitchFamily="49" charset="0"/>
-                <a:cs typeface="Courier New" panose="02070309020205020404" pitchFamily="49" charset="0"/>
-              </a:rPr>
-              <a:t>plan_hash_value</a:t>
-            </a:r>
-            <a:r>
-              <a:rPr lang="en-US" sz="2300" dirty="0">
-                <a:latin typeface="Courier New" panose="02070309020205020404" pitchFamily="49" charset="0"/>
-                <a:cs typeface="Courier New" panose="02070309020205020404" pitchFamily="49" charset="0"/>
-              </a:rPr>
-              <a:t>] [-dash]:</a:t>
-            </a:r>
-            <a:r>
-              <a:rPr lang="zh-CN" altLang="en-US" sz="2300" dirty="0">
-                <a:latin typeface="Courier New" panose="02070309020205020404" pitchFamily="49" charset="0"/>
-                <a:cs typeface="Courier New" panose="02070309020205020404" pitchFamily="49" charset="0"/>
-              </a:rPr>
+                  <a:schemeClr val="accent1">
+                    <a:lumMod val="75000"/>
+                  </a:schemeClr>
+                </a:solidFill>
+              </a:rPr>
+              <a:t>&amp;V20</a:t>
+            </a:r>
+            <a:r>
+              <a:rPr lang="en-US" dirty="0"/>
+              <a:t>) and case-insensitive, however SQL*Plus is &amp;1…</a:t>
+            </a:r>
+          </a:p>
+          <a:p>
+            <a:r>
+              <a:rPr lang="en-US" dirty="0"/>
+              <a:t>V1 to V20 are all default to null(empty string) and don’t ask mandatory input, however SQL*Plus will ask for input if not specified in the command line.</a:t>
+            </a:r>
+          </a:p>
+          <a:p>
+            <a:r>
+              <a:rPr lang="en-US" dirty="0"/>
+              <a:t>A variable value can be used as either substitution(</a:t>
+            </a:r>
+            <a:r>
+              <a:rPr lang="en-US" b="1" dirty="0">
+                <a:solidFill>
+                  <a:schemeClr val="accent1">
+                    <a:lumMod val="75000"/>
+                  </a:schemeClr>
+                </a:solidFill>
+              </a:rPr>
+              <a:t>&amp;var</a:t>
+            </a:r>
+            <a:r>
+              <a:rPr lang="en-US" dirty="0"/>
+              <a:t>) and  binding(</a:t>
+            </a:r>
+            <a:r>
+              <a:rPr lang="en-US" b="1" dirty="0">
+                <a:solidFill>
+                  <a:schemeClr val="accent1">
+                    <a:lumMod val="75000"/>
+                  </a:schemeClr>
+                </a:solidFill>
+              </a:rPr>
+              <a:t>:var</a:t>
+            </a:r>
+            <a:r>
+              <a:rPr lang="en-US" dirty="0"/>
+              <a:t>)</a:t>
+            </a:r>
+          </a:p>
+          <a:p>
+            <a:r>
+              <a:rPr lang="en-US" dirty="0"/>
+              <a:t>Either input parameter or variable can pre-define default value and options(</a:t>
+            </a:r>
+            <a:r>
+              <a:rPr lang="en-US" b="1" dirty="0">
+                <a:solidFill>
+                  <a:schemeClr val="accent1">
+                    <a:lumMod val="75000"/>
+                  </a:schemeClr>
+                </a:solidFill>
+              </a:rPr>
+              <a:t>-option</a:t>
+            </a:r>
+            <a:r>
+              <a:rPr lang="en-US" dirty="0"/>
+              <a:t>) in the script annotation part(sub-part of the documentation)</a:t>
+            </a:r>
+          </a:p>
+          <a:p>
+            <a:r>
+              <a:rPr lang="en-US" dirty="0"/>
+              <a:t>If an input parameter is dot(</a:t>
+            </a:r>
+            <a:r>
+              <a:rPr lang="en-US" b="1" dirty="0">
+                <a:solidFill>
+                  <a:schemeClr val="accent1">
+                    <a:lumMod val="75000"/>
+                  </a:schemeClr>
+                </a:solidFill>
+              </a:rPr>
+              <a:t>.</a:t>
+            </a:r>
+            <a:r>
+              <a:rPr lang="en-US" dirty="0"/>
+              <a:t>), it means using the default value</a:t>
+            </a:r>
+          </a:p>
+          <a:p>
+            <a:r>
+              <a:rPr lang="en-US" dirty="0"/>
+              <a:t>3 switches can be defined in the annotation part and can be treated as variables: </a:t>
+            </a:r>
+          </a:p>
+          <a:p>
+            <a:pPr lvl="1"/>
+            <a:r>
+              <a:rPr lang="en-US" dirty="0"/>
+              <a:t>Privilege switch(</a:t>
+            </a:r>
+            <a:r>
+              <a:rPr lang="en-US" b="1" dirty="0">
+                <a:solidFill>
+                  <a:schemeClr val="accent1">
+                    <a:lumMod val="75000"/>
+                  </a:schemeClr>
+                </a:solidFill>
+              </a:rPr>
+              <a:t>@</a:t>
+            </a:r>
+            <a:r>
+              <a:rPr lang="en-US" b="1" dirty="0" err="1">
+                <a:solidFill>
+                  <a:schemeClr val="accent1">
+                    <a:lumMod val="75000"/>
+                  </a:schemeClr>
+                </a:solidFill>
+              </a:rPr>
+              <a:t>check_access_</a:t>
+            </a:r>
+            <a:r>
+              <a:rPr lang="en-US" dirty="0" err="1"/>
+              <a:t>xxx</a:t>
+            </a:r>
+            <a:r>
+              <a:rPr lang="en-US" dirty="0"/>
+              <a:t>): auto-choose the first value that matches the required access right</a:t>
+            </a:r>
+          </a:p>
+          <a:p>
+            <a:pPr lvl="1"/>
+            <a:r>
+              <a:rPr lang="en-US" dirty="0"/>
+              <a:t>User switch(</a:t>
+            </a:r>
+            <a:r>
+              <a:rPr lang="en-US" b="1" dirty="0">
+                <a:solidFill>
+                  <a:schemeClr val="accent1">
+                    <a:lumMod val="75000"/>
+                  </a:schemeClr>
+                </a:solidFill>
+              </a:rPr>
+              <a:t>@</a:t>
+            </a:r>
+            <a:r>
+              <a:rPr lang="en-US" b="1" dirty="0" err="1">
+                <a:solidFill>
+                  <a:schemeClr val="accent1">
+                    <a:lumMod val="75000"/>
+                  </a:schemeClr>
+                </a:solidFill>
+              </a:rPr>
+              <a:t>check_user_</a:t>
+            </a:r>
+            <a:r>
+              <a:rPr lang="en-US" dirty="0" err="1"/>
+              <a:t>xxx</a:t>
+            </a:r>
+            <a:r>
+              <a:rPr lang="en-US" dirty="0"/>
+              <a:t>): auto-choose the first value that login user matches  the required user</a:t>
+            </a:r>
+          </a:p>
+          <a:p>
+            <a:pPr lvl="1"/>
+            <a:r>
+              <a:rPr lang="en-US" dirty="0"/>
+              <a:t>Version switch (@other): auto-choose the first value that matches the require db version</a:t>
+            </a:r>
+          </a:p>
+          <a:p>
+            <a:pPr lvl="1"/>
+            <a:r>
+              <a:rPr lang="en-US" dirty="0"/>
+              <a:t>If  the “</a:t>
+            </a:r>
+            <a:r>
+              <a:rPr lang="en-US" b="1" dirty="0">
+                <a:solidFill>
+                  <a:schemeClr val="accent1">
+                    <a:lumMod val="75000"/>
+                  </a:schemeClr>
+                </a:solidFill>
+              </a:rPr>
+              <a:t>default</a:t>
+            </a:r>
+            <a:r>
+              <a:rPr lang="en-US" dirty="0"/>
+              <a:t>” option is not defined in a switch annotation and current login user cannot match any requirement, then the script will exit with an error </a:t>
+            </a:r>
+          </a:p>
+          <a:p>
+            <a:r>
+              <a:rPr lang="en-US" dirty="0"/>
+              <a:t>The life cycle of the VAR/DEFINE/SET settings are script-locally, and don’t affect the global level settings, however in SQL*Plus those are all global, which can mess the variables of different scripts.</a:t>
+            </a:r>
+          </a:p>
+          <a:p>
+            <a:r>
+              <a:rPr lang="en-US" dirty="0"/>
+              <a:t>Engines:</a:t>
+            </a:r>
+          </a:p>
+          <a:p>
+            <a:pPr lvl="1"/>
+            <a:r>
+              <a:rPr lang="en-US" dirty="0"/>
+              <a:t>SQL*Plus-style engine: does not support all SQL*Plus syntax, but supports all commands that dbcli provides(</a:t>
+            </a:r>
+            <a:r>
+              <a:rPr lang="en-US" b="1" dirty="0">
+                <a:solidFill>
+                  <a:schemeClr val="accent1">
+                    <a:lumMod val="75000"/>
+                  </a:schemeClr>
+                </a:solidFill>
+              </a:rPr>
+              <a:t>help -a </a:t>
+            </a:r>
+            <a:r>
+              <a:rPr lang="en-US" dirty="0"/>
+              <a:t>to list all supported commands)</a:t>
+            </a:r>
+          </a:p>
+          <a:p>
+            <a:pPr lvl="2"/>
+            <a:r>
+              <a:rPr lang="en-US" b="1" dirty="0">
+                <a:solidFill>
+                  <a:schemeClr val="accent1">
+                    <a:lumMod val="75000"/>
+                  </a:schemeClr>
+                </a:solidFill>
+              </a:rPr>
+              <a:t>Show</a:t>
+            </a:r>
+            <a:r>
+              <a:rPr lang="en-US" dirty="0"/>
+              <a:t>:  Executes the pre-defined scripts that don’t require any input parameter</a:t>
+            </a:r>
+          </a:p>
+          <a:p>
+            <a:pPr lvl="2"/>
+            <a:r>
+              <a:rPr lang="en-US" b="1" dirty="0">
+                <a:solidFill>
+                  <a:schemeClr val="accent1">
+                    <a:lumMod val="75000"/>
+                  </a:schemeClr>
+                </a:solidFill>
+              </a:rPr>
+              <a:t>Ora</a:t>
+            </a:r>
+            <a:r>
+              <a:rPr lang="en-US" dirty="0"/>
+              <a:t>: Executes the pre-defined scripts that accept parameters</a:t>
+            </a:r>
+          </a:p>
+          <a:p>
+            <a:pPr lvl="2"/>
+            <a:r>
+              <a:rPr lang="en-US" b="1" dirty="0">
+                <a:solidFill>
+                  <a:schemeClr val="accent1">
+                    <a:lumMod val="75000"/>
+                  </a:schemeClr>
+                </a:solidFill>
+              </a:rPr>
+              <a:t>SYS</a:t>
+            </a:r>
+            <a:r>
+              <a:rPr lang="en-US" dirty="0"/>
+              <a:t>: Similar to Ora, but executes the pre-defined scripts that refer to x$ table</a:t>
+            </a:r>
+          </a:p>
+          <a:p>
+            <a:pPr lvl="2"/>
+            <a:r>
+              <a:rPr lang="en-US" b="1" dirty="0">
+                <a:solidFill>
+                  <a:schemeClr val="accent1">
+                    <a:lumMod val="75000"/>
+                  </a:schemeClr>
+                </a:solidFill>
+              </a:rPr>
+              <a:t>EXA</a:t>
+            </a:r>
+            <a:r>
+              <a:rPr lang="en-US" dirty="0"/>
+              <a:t>: Similar to Ora, but executes the pre-defined scripts that to query Exadata information</a:t>
+            </a:r>
+          </a:p>
+          <a:p>
+            <a:pPr lvl="1"/>
+            <a:r>
+              <a:rPr lang="en-US" dirty="0"/>
+              <a:t>Snapper engine(</a:t>
+            </a:r>
+            <a:r>
+              <a:rPr lang="en-US" b="1" dirty="0">
+                <a:solidFill>
+                  <a:schemeClr val="accent1">
+                    <a:lumMod val="75000"/>
+                  </a:schemeClr>
+                </a:solidFill>
+              </a:rPr>
+              <a:t>snap</a:t>
+            </a:r>
+            <a:r>
+              <a:rPr lang="en-US" dirty="0"/>
+              <a:t>):</a:t>
+            </a:r>
+            <a:r>
+              <a:rPr lang="zh-CN" altLang="en-US" dirty="0"/>
               <a:t> </a:t>
             </a:r>
             <a:r>
-              <a:rPr lang="en-US" altLang="zh-CN" sz="2300" dirty="0">
-                <a:latin typeface="Courier New" panose="02070309020205020404" pitchFamily="49" charset="0"/>
-                <a:cs typeface="Courier New" panose="02070309020205020404" pitchFamily="49" charset="0"/>
-              </a:rPr>
-              <a:t>show</a:t>
-            </a:r>
-            <a:r>
-              <a:rPr lang="zh-CN" altLang="en-US" sz="2300" dirty="0">
-                <a:latin typeface="Courier New" panose="02070309020205020404" pitchFamily="49" charset="0"/>
-                <a:cs typeface="Courier New" panose="02070309020205020404" pitchFamily="49" charset="0"/>
-              </a:rPr>
-              <a:t> </a:t>
-            </a:r>
-            <a:r>
-              <a:rPr lang="en-US" altLang="zh-CN" sz="2300" dirty="0">
-                <a:latin typeface="Courier New" panose="02070309020205020404" pitchFamily="49" charset="0"/>
-                <a:cs typeface="Courier New" panose="02070309020205020404" pitchFamily="49" charset="0"/>
-              </a:rPr>
-              <a:t>sql plan + aggregated ash cost of all executions of the same </a:t>
-            </a:r>
-            <a:r>
-              <a:rPr lang="en-US" altLang="zh-CN" sz="2300" dirty="0" err="1">
-                <a:latin typeface="Courier New" panose="02070309020205020404" pitchFamily="49" charset="0"/>
-                <a:cs typeface="Courier New" panose="02070309020205020404" pitchFamily="49" charset="0"/>
-              </a:rPr>
-              <a:t>phv</a:t>
-            </a:r>
-            <a:endParaRPr lang="en-US" altLang="zh-CN" sz="2300" dirty="0">
-              <a:latin typeface="Courier New" panose="02070309020205020404" pitchFamily="49" charset="0"/>
-              <a:cs typeface="Courier New" panose="02070309020205020404" pitchFamily="49" charset="0"/>
-            </a:endParaRPr>
-          </a:p>
-          <a:p>
-            <a:r>
-              <a:rPr lang="en-US" sz="2300" dirty="0">
-                <a:latin typeface="Courier New" panose="02070309020205020404" pitchFamily="49" charset="0"/>
-                <a:cs typeface="Courier New" panose="02070309020205020404" pitchFamily="49" charset="0"/>
-              </a:rPr>
-              <a:t>Ora </a:t>
-            </a:r>
-            <a:r>
-              <a:rPr lang="en-US" sz="2300" dirty="0" err="1">
-                <a:latin typeface="Courier New" panose="02070309020205020404" pitchFamily="49" charset="0"/>
-                <a:cs typeface="Courier New" panose="02070309020205020404" pitchFamily="49" charset="0"/>
-              </a:rPr>
-              <a:t>ashchain</a:t>
-            </a:r>
-            <a:r>
-              <a:rPr lang="en-US" sz="2300" dirty="0">
-                <a:latin typeface="Courier New" panose="02070309020205020404" pitchFamily="49" charset="0"/>
-                <a:cs typeface="Courier New" panose="02070309020205020404" pitchFamily="49" charset="0"/>
-              </a:rPr>
-              <a:t> [&lt;</a:t>
-            </a:r>
-            <a:r>
-              <a:rPr lang="en-US" sz="2300" dirty="0" err="1">
-                <a:latin typeface="Courier New" panose="02070309020205020404" pitchFamily="49" charset="0"/>
-                <a:cs typeface="Courier New" panose="02070309020205020404" pitchFamily="49" charset="0"/>
-              </a:rPr>
-              <a:t>sql_id</a:t>
-            </a:r>
-            <a:r>
-              <a:rPr lang="en-US" sz="2300" dirty="0">
-                <a:latin typeface="Courier New" panose="02070309020205020404" pitchFamily="49" charset="0"/>
-                <a:cs typeface="Courier New" panose="02070309020205020404" pitchFamily="49" charset="0"/>
-              </a:rPr>
-              <a:t>&gt;|&lt;sid&gt;] [-sid|-p] [-flat]:  An enhancement of </a:t>
-            </a:r>
-            <a:r>
-              <a:rPr lang="en-US" sz="2300" dirty="0" err="1">
-                <a:latin typeface="Courier New" panose="02070309020205020404" pitchFamily="49" charset="0"/>
-                <a:cs typeface="Courier New" panose="02070309020205020404" pitchFamily="49" charset="0"/>
-              </a:rPr>
-              <a:t>Tanel</a:t>
-            </a:r>
-            <a:r>
-              <a:rPr lang="en-US" sz="2300" dirty="0">
-                <a:latin typeface="Courier New" panose="02070309020205020404" pitchFamily="49" charset="0"/>
-                <a:cs typeface="Courier New" panose="02070309020205020404" pitchFamily="49" charset="0"/>
-              </a:rPr>
-              <a:t> </a:t>
-            </a:r>
-            <a:r>
-              <a:rPr lang="en-US" sz="2300" dirty="0" err="1">
-                <a:latin typeface="Courier New" panose="02070309020205020404" pitchFamily="49" charset="0"/>
-                <a:cs typeface="Courier New" panose="02070309020205020404" pitchFamily="49" charset="0"/>
-              </a:rPr>
-              <a:t>Poder’s</a:t>
-            </a:r>
-            <a:r>
-              <a:rPr lang="en-US" sz="2300" dirty="0">
-                <a:latin typeface="Courier New" panose="02070309020205020404" pitchFamily="49" charset="0"/>
-                <a:cs typeface="Courier New" panose="02070309020205020404" pitchFamily="49" charset="0"/>
-              </a:rPr>
-              <a:t> script to see blocking information of ASH</a:t>
-            </a:r>
-          </a:p>
-          <a:p>
-            <a:r>
-              <a:rPr lang="en-US" sz="2300" dirty="0">
-                <a:latin typeface="Courier New" panose="02070309020205020404" pitchFamily="49" charset="0"/>
-                <a:cs typeface="Courier New" panose="02070309020205020404" pitchFamily="49" charset="0"/>
-              </a:rPr>
-              <a:t>Ora </a:t>
-            </a:r>
-            <a:r>
-              <a:rPr lang="en-US" sz="2300" dirty="0" err="1">
-                <a:latin typeface="Courier New" panose="02070309020205020404" pitchFamily="49" charset="0"/>
-                <a:cs typeface="Courier New" panose="02070309020205020404" pitchFamily="49" charset="0"/>
-              </a:rPr>
-              <a:t>ashtop</a:t>
-            </a:r>
-            <a:r>
-              <a:rPr lang="en-US" sz="2300" dirty="0">
-                <a:latin typeface="Courier New" panose="02070309020205020404" pitchFamily="49" charset="0"/>
-                <a:cs typeface="Courier New" panose="02070309020205020404" pitchFamily="49" charset="0"/>
-              </a:rPr>
-              <a:t> [&lt;</a:t>
-            </a:r>
-            <a:r>
-              <a:rPr lang="en-US" sz="2300" dirty="0" err="1">
-                <a:latin typeface="Courier New" panose="02070309020205020404" pitchFamily="49" charset="0"/>
-                <a:cs typeface="Courier New" panose="02070309020205020404" pitchFamily="49" charset="0"/>
-              </a:rPr>
-              <a:t>sql_id</a:t>
-            </a:r>
-            <a:r>
-              <a:rPr lang="en-US" sz="2300" dirty="0">
-                <a:latin typeface="Courier New" panose="02070309020205020404" pitchFamily="49" charset="0"/>
-                <a:cs typeface="Courier New" panose="02070309020205020404" pitchFamily="49" charset="0"/>
-              </a:rPr>
-              <a:t>&gt;] [-snap &lt;seconds&gt;] [-p|-o]: An enhancement of </a:t>
-            </a:r>
-            <a:r>
-              <a:rPr lang="en-US" sz="2300" dirty="0" err="1">
-                <a:latin typeface="Courier New" panose="02070309020205020404" pitchFamily="49" charset="0"/>
-                <a:cs typeface="Courier New" panose="02070309020205020404" pitchFamily="49" charset="0"/>
-              </a:rPr>
-              <a:t>Tanel</a:t>
-            </a:r>
-            <a:r>
-              <a:rPr lang="en-US" sz="2300" dirty="0">
-                <a:latin typeface="Courier New" panose="02070309020205020404" pitchFamily="49" charset="0"/>
-                <a:cs typeface="Courier New" panose="02070309020205020404" pitchFamily="49" charset="0"/>
-              </a:rPr>
-              <a:t> </a:t>
-            </a:r>
-            <a:r>
-              <a:rPr lang="en-US" sz="2300" dirty="0" err="1">
-                <a:latin typeface="Courier New" panose="02070309020205020404" pitchFamily="49" charset="0"/>
-                <a:cs typeface="Courier New" panose="02070309020205020404" pitchFamily="49" charset="0"/>
-              </a:rPr>
-              <a:t>Poder’s</a:t>
-            </a:r>
-            <a:r>
-              <a:rPr lang="en-US" sz="2300" dirty="0">
-                <a:latin typeface="Courier New" panose="02070309020205020404" pitchFamily="49" charset="0"/>
-                <a:cs typeface="Courier New" panose="02070309020205020404" pitchFamily="49" charset="0"/>
-              </a:rPr>
-              <a:t> script to see blocking information of ASH</a:t>
-            </a:r>
-          </a:p>
-          <a:p>
-            <a:r>
-              <a:rPr lang="en-US" sz="2300" dirty="0">
-                <a:latin typeface="Courier New" panose="02070309020205020404" pitchFamily="49" charset="0"/>
-                <a:cs typeface="Courier New" panose="02070309020205020404" pitchFamily="49" charset="0"/>
-              </a:rPr>
-              <a:t>Ora obj &lt;</a:t>
-            </a:r>
-            <a:r>
-              <a:rPr lang="en-US" sz="2300" dirty="0" err="1">
-                <a:latin typeface="Courier New" panose="02070309020205020404" pitchFamily="49" charset="0"/>
-                <a:cs typeface="Courier New" panose="02070309020205020404" pitchFamily="49" charset="0"/>
-              </a:rPr>
-              <a:t>object_id|data_object_id</a:t>
-            </a:r>
-            <a:r>
-              <a:rPr lang="en-US" sz="2300" dirty="0">
-                <a:latin typeface="Courier New" panose="02070309020205020404" pitchFamily="49" charset="0"/>
-                <a:cs typeface="Courier New" panose="02070309020205020404" pitchFamily="49" charset="0"/>
-              </a:rPr>
-              <a:t>|[owner.]</a:t>
-            </a:r>
-            <a:r>
-              <a:rPr lang="en-US" sz="2300" dirty="0" err="1">
-                <a:latin typeface="Courier New" panose="02070309020205020404" pitchFamily="49" charset="0"/>
-                <a:cs typeface="Courier New" panose="02070309020205020404" pitchFamily="49" charset="0"/>
-              </a:rPr>
-              <a:t>object_name</a:t>
-            </a:r>
-            <a:r>
-              <a:rPr lang="en-US" sz="2300" dirty="0">
-                <a:latin typeface="Courier New" panose="02070309020205020404" pitchFamily="49" charset="0"/>
-                <a:cs typeface="Courier New" panose="02070309020205020404" pitchFamily="49" charset="0"/>
-              </a:rPr>
-              <a:t>&gt;: Show information of an object</a:t>
-            </a:r>
-          </a:p>
-          <a:p>
-            <a:r>
-              <a:rPr lang="en-US" sz="2300" dirty="0">
-                <a:latin typeface="Courier New" panose="02070309020205020404" pitchFamily="49" charset="0"/>
-                <a:cs typeface="Courier New" panose="02070309020205020404" pitchFamily="49" charset="0"/>
-              </a:rPr>
-              <a:t>Ora search &lt;keyword&gt;: search object with specific keyword</a:t>
-            </a:r>
-          </a:p>
-          <a:p>
-            <a:r>
-              <a:rPr lang="en-US" sz="2300" dirty="0">
-                <a:latin typeface="Courier New" panose="02070309020205020404" pitchFamily="49" charset="0"/>
-                <a:cs typeface="Courier New" panose="02070309020205020404" pitchFamily="49" charset="0"/>
-              </a:rPr>
-              <a:t>Ora size [owner.]&lt;</a:t>
-            </a:r>
-            <a:r>
-              <a:rPr lang="en-US" sz="2300" dirty="0" err="1">
-                <a:latin typeface="Courier New" panose="02070309020205020404" pitchFamily="49" charset="0"/>
-                <a:cs typeface="Courier New" panose="02070309020205020404" pitchFamily="49" charset="0"/>
-              </a:rPr>
-              <a:t>object_name</a:t>
-            </a:r>
-            <a:r>
-              <a:rPr lang="en-US" sz="2300" dirty="0">
-                <a:latin typeface="Courier New" panose="02070309020205020404" pitchFamily="49" charset="0"/>
-                <a:cs typeface="Courier New" panose="02070309020205020404" pitchFamily="49" charset="0"/>
-              </a:rPr>
-              <a:t>&gt;: show space usage of an object</a:t>
-            </a:r>
-          </a:p>
-          <a:p>
-            <a:r>
-              <a:rPr lang="en-US" sz="2300" dirty="0">
-                <a:latin typeface="Courier New" panose="02070309020205020404" pitchFamily="49" charset="0"/>
-                <a:cs typeface="Courier New" panose="02070309020205020404" pitchFamily="49" charset="0"/>
-              </a:rPr>
-              <a:t>Ora space [owner.]&lt;</a:t>
-            </a:r>
-            <a:r>
-              <a:rPr lang="en-US" sz="2300" dirty="0" err="1">
-                <a:latin typeface="Courier New" panose="02070309020205020404" pitchFamily="49" charset="0"/>
-                <a:cs typeface="Courier New" panose="02070309020205020404" pitchFamily="49" charset="0"/>
-              </a:rPr>
-              <a:t>object_name</a:t>
-            </a:r>
-            <a:r>
-              <a:rPr lang="en-US" sz="2300" dirty="0">
-                <a:latin typeface="Courier New" panose="02070309020205020404" pitchFamily="49" charset="0"/>
-                <a:cs typeface="Courier New" panose="02070309020205020404" pitchFamily="49" charset="0"/>
-              </a:rPr>
-              <a:t>&gt; [-adv]: show detailed space usage of an object</a:t>
-            </a:r>
-          </a:p>
-          <a:p>
-            <a:r>
-              <a:rPr lang="en-US" sz="2300" dirty="0">
-                <a:latin typeface="Courier New" panose="02070309020205020404" pitchFamily="49" charset="0"/>
-                <a:cs typeface="Courier New" panose="02070309020205020404" pitchFamily="49" charset="0"/>
-              </a:rPr>
-              <a:t>Ora </a:t>
-            </a:r>
-            <a:r>
-              <a:rPr lang="en-US" sz="2300" dirty="0" err="1">
-                <a:latin typeface="Courier New" panose="02070309020205020404" pitchFamily="49" charset="0"/>
-                <a:cs typeface="Courier New" panose="02070309020205020404" pitchFamily="49" charset="0"/>
-              </a:rPr>
-              <a:t>ddl</a:t>
-            </a:r>
-            <a:r>
-              <a:rPr lang="en-US" sz="2300" dirty="0">
-                <a:latin typeface="Courier New" panose="02070309020205020404" pitchFamily="49" charset="0"/>
-                <a:cs typeface="Courier New" panose="02070309020205020404" pitchFamily="49" charset="0"/>
-              </a:rPr>
-              <a:t> [owner.]&lt;</a:t>
-            </a:r>
-            <a:r>
-              <a:rPr lang="en-US" sz="2300" dirty="0" err="1">
-                <a:latin typeface="Courier New" panose="02070309020205020404" pitchFamily="49" charset="0"/>
-                <a:cs typeface="Courier New" panose="02070309020205020404" pitchFamily="49" charset="0"/>
-              </a:rPr>
-              <a:t>object_name</a:t>
-            </a:r>
-            <a:r>
-              <a:rPr lang="en-US" sz="2300" dirty="0">
-                <a:latin typeface="Courier New" panose="02070309020205020404" pitchFamily="49" charset="0"/>
-                <a:cs typeface="Courier New" panose="02070309020205020404" pitchFamily="49" charset="0"/>
-              </a:rPr>
-              <a:t>&gt;: show </a:t>
-            </a:r>
-            <a:r>
-              <a:rPr lang="en-US" sz="2300" dirty="0" err="1">
-                <a:latin typeface="Courier New" panose="02070309020205020404" pitchFamily="49" charset="0"/>
-                <a:cs typeface="Courier New" panose="02070309020205020404" pitchFamily="49" charset="0"/>
-              </a:rPr>
-              <a:t>ddl</a:t>
-            </a:r>
-            <a:r>
-              <a:rPr lang="en-US" sz="2300" dirty="0">
-                <a:latin typeface="Courier New" panose="02070309020205020404" pitchFamily="49" charset="0"/>
-                <a:cs typeface="Courier New" panose="02070309020205020404" pitchFamily="49" charset="0"/>
-              </a:rPr>
-              <a:t> of an object</a:t>
-            </a:r>
-          </a:p>
-          <a:p>
-            <a:r>
-              <a:rPr lang="en-US" sz="2300" dirty="0">
-                <a:latin typeface="Courier New" panose="02070309020205020404" pitchFamily="49" charset="0"/>
-                <a:cs typeface="Courier New" panose="02070309020205020404" pitchFamily="49" charset="0"/>
-              </a:rPr>
-              <a:t>Ora stats [owner.]&lt;</a:t>
-            </a:r>
-            <a:r>
-              <a:rPr lang="en-US" sz="2300" dirty="0" err="1">
-                <a:latin typeface="Courier New" panose="02070309020205020404" pitchFamily="49" charset="0"/>
-                <a:cs typeface="Courier New" panose="02070309020205020404" pitchFamily="49" charset="0"/>
-              </a:rPr>
-              <a:t>table_name</a:t>
-            </a:r>
-            <a:r>
-              <a:rPr lang="en-US" sz="2300" dirty="0">
-                <a:latin typeface="Courier New" panose="02070309020205020404" pitchFamily="49" charset="0"/>
-                <a:cs typeface="Courier New" panose="02070309020205020404" pitchFamily="49" charset="0"/>
-              </a:rPr>
-              <a:t>&gt; [-advise]: show table stats or run statistics advisor</a:t>
-            </a:r>
-          </a:p>
-          <a:p>
-            <a:r>
-              <a:rPr lang="en-US" sz="2300" dirty="0">
-                <a:latin typeface="Courier New" panose="02070309020205020404" pitchFamily="49" charset="0"/>
-                <a:cs typeface="Courier New" panose="02070309020205020404" pitchFamily="49" charset="0"/>
-              </a:rPr>
-              <a:t>Ora histogram [owner.]&lt;</a:t>
-            </a:r>
-            <a:r>
-              <a:rPr lang="en-US" sz="2300" dirty="0" err="1">
-                <a:latin typeface="Courier New" panose="02070309020205020404" pitchFamily="49" charset="0"/>
-                <a:cs typeface="Courier New" panose="02070309020205020404" pitchFamily="49" charset="0"/>
-              </a:rPr>
-              <a:t>table_name</a:t>
-            </a:r>
-            <a:r>
-              <a:rPr lang="en-US" sz="2300" dirty="0">
-                <a:latin typeface="Courier New" panose="02070309020205020404" pitchFamily="49" charset="0"/>
-                <a:cs typeface="Courier New" panose="02070309020205020404" pitchFamily="49" charset="0"/>
-              </a:rPr>
-              <a:t>&gt; &lt;column&gt; […]: Show/change histogram of a column</a:t>
-            </a:r>
-          </a:p>
-          <a:p>
-            <a:r>
-              <a:rPr lang="en-US" sz="2300" dirty="0">
-                <a:latin typeface="Courier New" panose="02070309020205020404" pitchFamily="49" charset="0"/>
-                <a:cs typeface="Courier New" panose="02070309020205020404" pitchFamily="49" charset="0"/>
-              </a:rPr>
-              <a:t>Ora </a:t>
-            </a:r>
-            <a:r>
-              <a:rPr lang="en-US" sz="2300" dirty="0" err="1">
-                <a:latin typeface="Courier New" panose="02070309020205020404" pitchFamily="49" charset="0"/>
-                <a:cs typeface="Courier New" panose="02070309020205020404" pitchFamily="49" charset="0"/>
-              </a:rPr>
-              <a:t>spd</a:t>
-            </a:r>
-            <a:r>
-              <a:rPr lang="en-US" sz="2300" dirty="0">
-                <a:latin typeface="Courier New" panose="02070309020205020404" pitchFamily="49" charset="0"/>
-                <a:cs typeface="Courier New" panose="02070309020205020404" pitchFamily="49" charset="0"/>
-              </a:rPr>
-              <a:t> [owner.]&lt;</a:t>
-            </a:r>
-            <a:r>
-              <a:rPr lang="en-US" sz="2300" dirty="0" err="1">
-                <a:latin typeface="Courier New" panose="02070309020205020404" pitchFamily="49" charset="0"/>
-                <a:cs typeface="Courier New" panose="02070309020205020404" pitchFamily="49" charset="0"/>
-              </a:rPr>
-              <a:t>table_name</a:t>
-            </a:r>
-            <a:r>
-              <a:rPr lang="en-US" sz="2300" dirty="0">
-                <a:latin typeface="Courier New" panose="02070309020205020404" pitchFamily="49" charset="0"/>
-                <a:cs typeface="Courier New" panose="02070309020205020404" pitchFamily="49" charset="0"/>
-              </a:rPr>
-              <a:t>&gt;: show SPD information of an object</a:t>
-            </a:r>
-          </a:p>
-          <a:p>
-            <a:r>
-              <a:rPr lang="en-US" sz="2300" dirty="0">
-                <a:latin typeface="Courier New" panose="02070309020205020404" pitchFamily="49" charset="0"/>
-                <a:cs typeface="Courier New" panose="02070309020205020404" pitchFamily="49" charset="0"/>
-              </a:rPr>
-              <a:t>Ora/sys </a:t>
-            </a:r>
-            <a:r>
-              <a:rPr lang="en-US" sz="2300" dirty="0" err="1">
-                <a:latin typeface="Courier New" panose="02070309020205020404" pitchFamily="49" charset="0"/>
-                <a:cs typeface="Courier New" panose="02070309020205020404" pitchFamily="49" charset="0"/>
-              </a:rPr>
-              <a:t>liblock</a:t>
-            </a:r>
-            <a:r>
-              <a:rPr lang="en-US" sz="2300" dirty="0">
-                <a:latin typeface="Courier New" panose="02070309020205020404" pitchFamily="49" charset="0"/>
-                <a:cs typeface="Courier New" panose="02070309020205020404" pitchFamily="49" charset="0"/>
-              </a:rPr>
-              <a:t> [[owner.]&lt;</a:t>
-            </a:r>
-            <a:r>
-              <a:rPr lang="en-US" sz="2300" dirty="0" err="1">
-                <a:latin typeface="Courier New" panose="02070309020205020404" pitchFamily="49" charset="0"/>
-                <a:cs typeface="Courier New" panose="02070309020205020404" pitchFamily="49" charset="0"/>
-              </a:rPr>
-              <a:t>object_name</a:t>
-            </a:r>
-            <a:r>
-              <a:rPr lang="en-US" sz="2300" dirty="0">
-                <a:latin typeface="Courier New" panose="02070309020205020404" pitchFamily="49" charset="0"/>
-                <a:cs typeface="Courier New" panose="02070309020205020404" pitchFamily="49" charset="0"/>
-              </a:rPr>
-              <a:t>&gt;]: show library cache lock</a:t>
-            </a:r>
-          </a:p>
-          <a:p>
-            <a:r>
-              <a:rPr lang="en-US" sz="2300" dirty="0">
-                <a:latin typeface="Courier New" panose="02070309020205020404" pitchFamily="49" charset="0"/>
-                <a:cs typeface="Courier New" panose="02070309020205020404" pitchFamily="49" charset="0"/>
-              </a:rPr>
-              <a:t>Show </a:t>
-            </a:r>
-            <a:r>
-              <a:rPr lang="en-US" sz="2300" dirty="0" err="1">
-                <a:latin typeface="Courier New" panose="02070309020205020404" pitchFamily="49" charset="0"/>
-                <a:cs typeface="Courier New" panose="02070309020205020404" pitchFamily="49" charset="0"/>
-              </a:rPr>
-              <a:t>lockobj</a:t>
-            </a:r>
-            <a:r>
-              <a:rPr lang="en-US" sz="2300" dirty="0">
-                <a:latin typeface="Courier New" panose="02070309020205020404" pitchFamily="49" charset="0"/>
-                <a:cs typeface="Courier New" panose="02070309020205020404" pitchFamily="49" charset="0"/>
-              </a:rPr>
-              <a:t>: show DML lock information</a:t>
-            </a:r>
-          </a:p>
-          <a:p>
-            <a:r>
-              <a:rPr lang="en-US" sz="2300" dirty="0">
-                <a:latin typeface="Courier New" panose="02070309020205020404" pitchFamily="49" charset="0"/>
-                <a:cs typeface="Courier New" panose="02070309020205020404" pitchFamily="49" charset="0"/>
-              </a:rPr>
-              <a:t>Show waiters: show blocking information</a:t>
-            </a:r>
-          </a:p>
-          <a:p>
-            <a:r>
-              <a:rPr lang="en-US" sz="2300" dirty="0">
-                <a:latin typeface="Courier New" panose="02070309020205020404" pitchFamily="49" charset="0"/>
-                <a:cs typeface="Courier New" panose="02070309020205020404" pitchFamily="49" charset="0"/>
-              </a:rPr>
-              <a:t>Show </a:t>
-            </a:r>
-            <a:r>
-              <a:rPr lang="en-US" sz="2300" dirty="0" err="1">
-                <a:latin typeface="Courier New" panose="02070309020205020404" pitchFamily="49" charset="0"/>
-                <a:cs typeface="Courier New" panose="02070309020205020404" pitchFamily="49" charset="0"/>
-              </a:rPr>
-              <a:t>waitchain</a:t>
-            </a:r>
-            <a:r>
-              <a:rPr lang="en-US" sz="2300" dirty="0">
-                <a:latin typeface="Courier New" panose="02070309020205020404" pitchFamily="49" charset="0"/>
-                <a:cs typeface="Courier New" panose="02070309020205020404" pitchFamily="49" charset="0"/>
-              </a:rPr>
-              <a:t>: show blocking information</a:t>
-            </a:r>
-          </a:p>
-          <a:p>
-            <a:r>
-              <a:rPr lang="en-US" sz="2300" dirty="0">
-                <a:latin typeface="Courier New" panose="02070309020205020404" pitchFamily="49" charset="0"/>
-                <a:cs typeface="Courier New" panose="02070309020205020404" pitchFamily="49" charset="0"/>
-              </a:rPr>
-              <a:t>Show trans: show running transactions</a:t>
-            </a:r>
-          </a:p>
-          <a:p>
-            <a:endParaRPr lang="en-US" dirty="0"/>
-          </a:p>
-          <a:p>
-            <a:endParaRPr lang="en-US" dirty="0"/>
+              <a:rPr lang="en-US" altLang="zh-CN" dirty="0"/>
+              <a:t>JSON/Lua format, to compute the delta values of the same queries in a specific period, support Linux top-style output</a:t>
+            </a:r>
+          </a:p>
+          <a:p>
+            <a:pPr lvl="1"/>
+            <a:r>
+              <a:rPr lang="en-US" dirty="0"/>
+              <a:t>Graphing engine(</a:t>
+            </a:r>
+            <a:r>
+              <a:rPr lang="en-US" b="1" dirty="0">
+                <a:solidFill>
+                  <a:schemeClr val="accent1">
+                    <a:lumMod val="75000"/>
+                  </a:schemeClr>
+                </a:solidFill>
+              </a:rPr>
+              <a:t>chart/</a:t>
+            </a:r>
+            <a:r>
+              <a:rPr lang="en-US" b="1" dirty="0" err="1">
+                <a:solidFill>
+                  <a:schemeClr val="accent1">
+                    <a:lumMod val="75000"/>
+                  </a:schemeClr>
+                </a:solidFill>
+              </a:rPr>
+              <a:t>ch</a:t>
+            </a:r>
+            <a:r>
+              <a:rPr lang="en-US" dirty="0"/>
+              <a:t>): </a:t>
+            </a:r>
+            <a:r>
+              <a:rPr lang="en-US" altLang="zh-CN" dirty="0"/>
+              <a:t>JSON/Lua format, to</a:t>
+            </a:r>
+            <a:r>
+              <a:rPr lang="en-US" dirty="0"/>
+              <a:t> generate line/bar chart of the time-series data, mainly used on AWR data</a:t>
+            </a:r>
           </a:p>
         </p:txBody>
       </p:sp>
     </p:spTree>
     <p:extLst>
       <p:ext uri="{BB962C8B-B14F-4D97-AF65-F5344CB8AC3E}">
-        <p14:creationId xmlns:p14="http://schemas.microsoft.com/office/powerpoint/2010/main" val="2093610832"/>
+        <p14:creationId xmlns:p14="http://schemas.microsoft.com/office/powerpoint/2010/main" val="1687118102"/>
       </p:ext>
     </p:extLst>
   </p:cSld>
@@ -18372,6 +17928,938 @@
       </p:grpSpPr>
       <p:sp>
         <p:nvSpPr>
+          <p:cNvPr id="2" name="标题 1">
+            <a:extLst>
+              <a:ext uri="{FF2B5EF4-FFF2-40B4-BE49-F238E27FC236}">
+                <a16:creationId xmlns:a16="http://schemas.microsoft.com/office/drawing/2014/main" id="{62074AD1-1FE7-4190-9345-65532ED6F564}"/>
+              </a:ext>
+            </a:extLst>
+          </p:cNvPr>
+          <p:cNvSpPr>
+            <a:spLocks noGrp="1"/>
+          </p:cNvSpPr>
+          <p:nvPr>
+            <p:ph type="title"/>
+          </p:nvPr>
+        </p:nvSpPr>
+        <p:spPr>
+          <a:xfrm>
+            <a:off x="838200" y="156308"/>
+            <a:ext cx="10515600" cy="593970"/>
+          </a:xfrm>
+        </p:spPr>
+        <p:txBody>
+          <a:bodyPr>
+            <a:normAutofit fontScale="90000"/>
+          </a:bodyPr>
+          <a:lstStyle/>
+          <a:p>
+            <a:r>
+              <a:rPr lang="en-US" dirty="0"/>
+              <a:t>Common Pre-defined Scripts (1)</a:t>
+            </a:r>
+          </a:p>
+        </p:txBody>
+      </p:sp>
+      <p:sp>
+        <p:nvSpPr>
+          <p:cNvPr id="3" name="内容占位符 2">
+            <a:extLst>
+              <a:ext uri="{FF2B5EF4-FFF2-40B4-BE49-F238E27FC236}">
+                <a16:creationId xmlns:a16="http://schemas.microsoft.com/office/drawing/2014/main" id="{0F62E6C0-2DDF-4F51-A1B5-1DA4F66A4097}"/>
+              </a:ext>
+            </a:extLst>
+          </p:cNvPr>
+          <p:cNvSpPr>
+            <a:spLocks noGrp="1"/>
+          </p:cNvSpPr>
+          <p:nvPr>
+            <p:ph idx="1"/>
+          </p:nvPr>
+        </p:nvSpPr>
+        <p:spPr>
+          <a:xfrm>
+            <a:off x="838200" y="859692"/>
+            <a:ext cx="10515600" cy="5841999"/>
+          </a:xfrm>
+        </p:spPr>
+        <p:txBody>
+          <a:bodyPr>
+            <a:normAutofit fontScale="40000" lnSpcReduction="20000"/>
+          </a:bodyPr>
+          <a:lstStyle/>
+          <a:p>
+            <a:pPr marL="0" indent="0">
+              <a:buNone/>
+            </a:pPr>
+            <a:r>
+              <a:rPr lang="en-US" b="1" dirty="0">
+                <a:solidFill>
+                  <a:srgbClr val="FF0000"/>
+                </a:solidFill>
+              </a:rPr>
+              <a:t>*  Note</a:t>
+            </a:r>
+            <a:r>
+              <a:rPr lang="en-US" b="1" dirty="0"/>
+              <a:t>: </a:t>
+            </a:r>
+            <a:r>
+              <a:rPr lang="en-US" b="1" dirty="0">
+                <a:solidFill>
+                  <a:schemeClr val="accent1">
+                    <a:lumMod val="75000"/>
+                  </a:schemeClr>
+                </a:solidFill>
+              </a:rPr>
+              <a:t>[…]</a:t>
+            </a:r>
+            <a:r>
+              <a:rPr lang="en-US" b="1" dirty="0"/>
+              <a:t> means optional, </a:t>
+            </a:r>
+            <a:r>
+              <a:rPr lang="en-US" b="1" dirty="0">
+                <a:solidFill>
+                  <a:srgbClr val="0070C0"/>
+                </a:solidFill>
+              </a:rPr>
+              <a:t>|</a:t>
+            </a:r>
+            <a:r>
+              <a:rPr lang="en-US" b="1" dirty="0"/>
+              <a:t> means “OR”</a:t>
+            </a:r>
+          </a:p>
+          <a:p>
+            <a:r>
+              <a:rPr lang="en-US" sz="2300" dirty="0">
+                <a:latin typeface="Courier New" panose="02070309020205020404" pitchFamily="49" charset="0"/>
+                <a:cs typeface="Courier New" panose="02070309020205020404" pitchFamily="49" charset="0"/>
+              </a:rPr>
+              <a:t>top [interval] [-</a:t>
+            </a:r>
+            <a:r>
+              <a:rPr lang="en-US" sz="2300" dirty="0" err="1">
+                <a:latin typeface="Courier New" panose="02070309020205020404" pitchFamily="49" charset="0"/>
+                <a:cs typeface="Courier New" panose="02070309020205020404" pitchFamily="49" charset="0"/>
+              </a:rPr>
+              <a:t>iostat</a:t>
+            </a:r>
+            <a:r>
+              <a:rPr lang="en-US" sz="2300" dirty="0">
+                <a:latin typeface="Courier New" panose="02070309020205020404" pitchFamily="49" charset="0"/>
+                <a:cs typeface="Courier New" panose="02070309020205020404" pitchFamily="49" charset="0"/>
+              </a:rPr>
+              <a:t>|-latch] [-</a:t>
+            </a:r>
+            <a:r>
+              <a:rPr lang="en-US" sz="2300" dirty="0" err="1">
+                <a:latin typeface="Courier New" panose="02070309020205020404" pitchFamily="49" charset="0"/>
+                <a:cs typeface="Courier New" panose="02070309020205020404" pitchFamily="49" charset="0"/>
+              </a:rPr>
+              <a:t>filestat</a:t>
+            </a:r>
+            <a:r>
+              <a:rPr lang="en-US" sz="2300" dirty="0">
+                <a:latin typeface="Courier New" panose="02070309020205020404" pitchFamily="49" charset="0"/>
+                <a:cs typeface="Courier New" panose="02070309020205020404" pitchFamily="49" charset="0"/>
+              </a:rPr>
+              <a:t>]: monitor db stats with specific interval, default is 10 seconds</a:t>
+            </a:r>
+          </a:p>
+          <a:p>
+            <a:r>
+              <a:rPr lang="en-US" sz="2300" dirty="0" err="1">
+                <a:latin typeface="Courier New" panose="02070309020205020404" pitchFamily="49" charset="0"/>
+                <a:cs typeface="Courier New" panose="02070309020205020404" pitchFamily="49" charset="0"/>
+              </a:rPr>
+              <a:t>cellio</a:t>
+            </a:r>
+            <a:r>
+              <a:rPr lang="en-US" sz="2300" dirty="0">
+                <a:latin typeface="Courier New" panose="02070309020205020404" pitchFamily="49" charset="0"/>
+                <a:cs typeface="Courier New" panose="02070309020205020404" pitchFamily="49" charset="0"/>
+              </a:rPr>
+              <a:t> [interval] </a:t>
+            </a:r>
+            <a:r>
+              <a:rPr lang="nb-NO" sz="2300" dirty="0">
+                <a:latin typeface="Courier New" panose="02070309020205020404" pitchFamily="49" charset="0"/>
+                <a:cs typeface="Courier New" panose="02070309020205020404" pitchFamily="49" charset="0"/>
+              </a:rPr>
+              <a:t>[-pred|-cc|-db] [-cell] [-diskio] </a:t>
+            </a:r>
+            <a:r>
+              <a:rPr lang="en-US" sz="2300" dirty="0">
+                <a:latin typeface="Courier New" panose="02070309020205020404" pitchFamily="49" charset="0"/>
+                <a:cs typeface="Courier New" panose="02070309020205020404" pitchFamily="49" charset="0"/>
+              </a:rPr>
+              <a:t>: monitor Exadata cell stats with specific interval, default is 20 seconds</a:t>
+            </a:r>
+          </a:p>
+          <a:p>
+            <a:r>
+              <a:rPr lang="en-US" sz="2300" dirty="0">
+                <a:latin typeface="Courier New" panose="02070309020205020404" pitchFamily="49" charset="0"/>
+                <a:cs typeface="Courier New" panose="02070309020205020404" pitchFamily="49" charset="0"/>
+              </a:rPr>
+              <a:t>Exa cell: show Exadata information</a:t>
+            </a:r>
+          </a:p>
+          <a:p>
+            <a:r>
+              <a:rPr lang="en-US" sz="2300" dirty="0">
+                <a:latin typeface="Courier New" panose="02070309020205020404" pitchFamily="49" charset="0"/>
+                <a:cs typeface="Courier New" panose="02070309020205020404" pitchFamily="49" charset="0"/>
+              </a:rPr>
+              <a:t>Ora/sys param &lt;keyword&gt;: show parameters that match the keyword</a:t>
+            </a:r>
+          </a:p>
+          <a:p>
+            <a:r>
+              <a:rPr lang="en-US" sz="2300" dirty="0">
+                <a:latin typeface="Courier New" panose="02070309020205020404" pitchFamily="49" charset="0"/>
+                <a:cs typeface="Courier New" panose="02070309020205020404" pitchFamily="49" charset="0"/>
+              </a:rPr>
+              <a:t>Ora tbs [&lt;</a:t>
+            </a:r>
+            <a:r>
+              <a:rPr lang="en-US" sz="2300" dirty="0" err="1">
+                <a:latin typeface="Courier New" panose="02070309020205020404" pitchFamily="49" charset="0"/>
+                <a:cs typeface="Courier New" panose="02070309020205020404" pitchFamily="49" charset="0"/>
+              </a:rPr>
+              <a:t>tablespace_name</a:t>
+            </a:r>
+            <a:r>
+              <a:rPr lang="en-US" sz="2300" dirty="0">
+                <a:latin typeface="Courier New" panose="02070309020205020404" pitchFamily="49" charset="0"/>
+                <a:cs typeface="Courier New" panose="02070309020205020404" pitchFamily="49" charset="0"/>
+              </a:rPr>
+              <a:t>&gt;]: show tablespace usages</a:t>
+            </a:r>
+          </a:p>
+          <a:p>
+            <a:r>
+              <a:rPr lang="en-US" sz="2300" dirty="0">
+                <a:latin typeface="Courier New" panose="02070309020205020404" pitchFamily="49" charset="0"/>
+                <a:cs typeface="Courier New" panose="02070309020205020404" pitchFamily="49" charset="0"/>
+              </a:rPr>
+              <a:t>ora actives [-b|-p|-m]: list active SQLs</a:t>
+            </a:r>
+          </a:p>
+          <a:p>
+            <a:r>
+              <a:rPr lang="en-US" sz="2300" dirty="0">
+                <a:latin typeface="Courier New" panose="02070309020205020404" pitchFamily="49" charset="0"/>
+                <a:cs typeface="Courier New" panose="02070309020205020404" pitchFamily="49" charset="0"/>
+              </a:rPr>
+              <a:t>ora plan &lt;</a:t>
+            </a:r>
+            <a:r>
+              <a:rPr lang="en-US" sz="2300" dirty="0" err="1">
+                <a:latin typeface="Courier New" panose="02070309020205020404" pitchFamily="49" charset="0"/>
+                <a:cs typeface="Courier New" panose="02070309020205020404" pitchFamily="49" charset="0"/>
+              </a:rPr>
+              <a:t>sql_id</a:t>
+            </a:r>
+            <a:r>
+              <a:rPr lang="en-US" sz="2300" dirty="0">
+                <a:latin typeface="Courier New" panose="02070309020205020404" pitchFamily="49" charset="0"/>
+                <a:cs typeface="Courier New" panose="02070309020205020404" pitchFamily="49" charset="0"/>
+              </a:rPr>
+              <a:t>&gt; &lt;</a:t>
+            </a:r>
+            <a:r>
+              <a:rPr lang="en-US" sz="2300" dirty="0" err="1">
+                <a:latin typeface="Courier New" panose="02070309020205020404" pitchFamily="49" charset="0"/>
+                <a:cs typeface="Courier New" panose="02070309020205020404" pitchFamily="49" charset="0"/>
+              </a:rPr>
+              <a:t>plan_hash_value</a:t>
+            </a:r>
+            <a:r>
+              <a:rPr lang="en-US" sz="2300" dirty="0">
+                <a:latin typeface="Courier New" panose="02070309020205020404" pitchFamily="49" charset="0"/>
+                <a:cs typeface="Courier New" panose="02070309020205020404" pitchFamily="49" charset="0"/>
+              </a:rPr>
+              <a:t>&gt;: show execution plan</a:t>
+            </a:r>
+          </a:p>
+          <a:p>
+            <a:r>
+              <a:rPr lang="en-US" sz="2300" dirty="0">
+                <a:latin typeface="Courier New" panose="02070309020205020404" pitchFamily="49" charset="0"/>
+                <a:cs typeface="Courier New" panose="02070309020205020404" pitchFamily="49" charset="0"/>
+              </a:rPr>
+              <a:t>ora sql &lt;</a:t>
+            </a:r>
+            <a:r>
+              <a:rPr lang="en-US" sz="2300" dirty="0" err="1">
+                <a:latin typeface="Courier New" panose="02070309020205020404" pitchFamily="49" charset="0"/>
+                <a:cs typeface="Courier New" panose="02070309020205020404" pitchFamily="49" charset="0"/>
+              </a:rPr>
+              <a:t>sql_id</a:t>
+            </a:r>
+            <a:r>
+              <a:rPr lang="en-US" sz="2300" dirty="0">
+                <a:latin typeface="Courier New" panose="02070309020205020404" pitchFamily="49" charset="0"/>
+                <a:cs typeface="Courier New" panose="02070309020205020404" pitchFamily="49" charset="0"/>
+              </a:rPr>
+              <a:t>&gt;: show SQL text and stats</a:t>
+            </a:r>
+          </a:p>
+          <a:p>
+            <a:r>
+              <a:rPr lang="en-US" sz="2300" dirty="0">
+                <a:latin typeface="Courier New" panose="02070309020205020404" pitchFamily="49" charset="0"/>
+                <a:cs typeface="Courier New" panose="02070309020205020404" pitchFamily="49" charset="0"/>
+              </a:rPr>
+              <a:t>Ora </a:t>
+            </a:r>
+            <a:r>
+              <a:rPr lang="en-US" sz="2300" dirty="0" err="1">
+                <a:latin typeface="Courier New" panose="02070309020205020404" pitchFamily="49" charset="0"/>
+                <a:cs typeface="Courier New" panose="02070309020205020404" pitchFamily="49" charset="0"/>
+              </a:rPr>
+              <a:t>sqlm</a:t>
+            </a:r>
+            <a:r>
+              <a:rPr lang="en-US" sz="2300" dirty="0">
+                <a:latin typeface="Courier New" panose="02070309020205020404" pitchFamily="49" charset="0"/>
+                <a:cs typeface="Courier New" panose="02070309020205020404" pitchFamily="49" charset="0"/>
+              </a:rPr>
+              <a:t> [&lt;</a:t>
+            </a:r>
+            <a:r>
+              <a:rPr lang="en-US" sz="2300" dirty="0" err="1">
+                <a:latin typeface="Courier New" panose="02070309020205020404" pitchFamily="49" charset="0"/>
+                <a:cs typeface="Courier New" panose="02070309020205020404" pitchFamily="49" charset="0"/>
+              </a:rPr>
+              <a:t>sql_id</a:t>
+            </a:r>
+            <a:r>
+              <a:rPr lang="en-US" sz="2300" dirty="0">
+                <a:latin typeface="Courier New" panose="02070309020205020404" pitchFamily="49" charset="0"/>
+                <a:cs typeface="Courier New" panose="02070309020205020404" pitchFamily="49" charset="0"/>
+              </a:rPr>
+              <a:t>&gt; [</a:t>
+            </a:r>
+            <a:r>
+              <a:rPr lang="en-US" sz="2300" dirty="0" err="1">
+                <a:latin typeface="Courier New" panose="02070309020205020404" pitchFamily="49" charset="0"/>
+                <a:cs typeface="Courier New" panose="02070309020205020404" pitchFamily="49" charset="0"/>
+              </a:rPr>
+              <a:t>sql_exec_id</a:t>
+            </a:r>
+            <a:r>
+              <a:rPr lang="en-US" sz="2300" dirty="0">
+                <a:latin typeface="Courier New" panose="02070309020205020404" pitchFamily="49" charset="0"/>
+                <a:cs typeface="Courier New" panose="02070309020205020404" pitchFamily="49" charset="0"/>
+              </a:rPr>
+              <a:t>][-l]]: show sql monitor list, or extract SQL Monitor report. Type ‘help ora </a:t>
+            </a:r>
+            <a:r>
+              <a:rPr lang="en-US" sz="2300" dirty="0" err="1">
+                <a:latin typeface="Courier New" panose="02070309020205020404" pitchFamily="49" charset="0"/>
+                <a:cs typeface="Courier New" panose="02070309020205020404" pitchFamily="49" charset="0"/>
+              </a:rPr>
+              <a:t>sqlm</a:t>
+            </a:r>
+            <a:r>
+              <a:rPr lang="en-US" sz="2300" dirty="0">
+                <a:latin typeface="Courier New" panose="02070309020205020404" pitchFamily="49" charset="0"/>
+                <a:cs typeface="Courier New" panose="02070309020205020404" pitchFamily="49" charset="0"/>
+              </a:rPr>
+              <a:t>’ for more usages.</a:t>
+            </a:r>
+          </a:p>
+          <a:p>
+            <a:r>
+              <a:rPr lang="en-US" sz="2300" dirty="0">
+                <a:latin typeface="Courier New" panose="02070309020205020404" pitchFamily="49" charset="0"/>
+                <a:cs typeface="Courier New" panose="02070309020205020404" pitchFamily="49" charset="0"/>
+              </a:rPr>
+              <a:t>Ora </a:t>
+            </a:r>
+            <a:r>
+              <a:rPr lang="en-US" sz="2300" dirty="0" err="1">
+                <a:latin typeface="Courier New" panose="02070309020205020404" pitchFamily="49" charset="0"/>
+                <a:cs typeface="Courier New" panose="02070309020205020404" pitchFamily="49" charset="0"/>
+              </a:rPr>
+              <a:t>ashplan</a:t>
+            </a:r>
+            <a:r>
+              <a:rPr lang="en-US" sz="2300" dirty="0">
+                <a:latin typeface="Courier New" panose="02070309020205020404" pitchFamily="49" charset="0"/>
+                <a:cs typeface="Courier New" panose="02070309020205020404" pitchFamily="49" charset="0"/>
+              </a:rPr>
+              <a:t> &lt;</a:t>
+            </a:r>
+            <a:r>
+              <a:rPr lang="en-US" sz="2300" dirty="0" err="1">
+                <a:latin typeface="Courier New" panose="02070309020205020404" pitchFamily="49" charset="0"/>
+                <a:cs typeface="Courier New" panose="02070309020205020404" pitchFamily="49" charset="0"/>
+              </a:rPr>
+              <a:t>sql_id</a:t>
+            </a:r>
+            <a:r>
+              <a:rPr lang="en-US" sz="2300" dirty="0">
+                <a:latin typeface="Courier New" panose="02070309020205020404" pitchFamily="49" charset="0"/>
+                <a:cs typeface="Courier New" panose="02070309020205020404" pitchFamily="49" charset="0"/>
+              </a:rPr>
+              <a:t>&gt; [</a:t>
+            </a:r>
+            <a:r>
+              <a:rPr lang="en-US" sz="2300" dirty="0" err="1">
+                <a:latin typeface="Courier New" panose="02070309020205020404" pitchFamily="49" charset="0"/>
+                <a:cs typeface="Courier New" panose="02070309020205020404" pitchFamily="49" charset="0"/>
+              </a:rPr>
+              <a:t>plan_hash_value</a:t>
+            </a:r>
+            <a:r>
+              <a:rPr lang="en-US" sz="2300" dirty="0">
+                <a:latin typeface="Courier New" panose="02070309020205020404" pitchFamily="49" charset="0"/>
+                <a:cs typeface="Courier New" panose="02070309020205020404" pitchFamily="49" charset="0"/>
+              </a:rPr>
+              <a:t>] [-dash]:</a:t>
+            </a:r>
+            <a:r>
+              <a:rPr lang="zh-CN" altLang="en-US" sz="2300" dirty="0">
+                <a:latin typeface="Courier New" panose="02070309020205020404" pitchFamily="49" charset="0"/>
+                <a:cs typeface="Courier New" panose="02070309020205020404" pitchFamily="49" charset="0"/>
+              </a:rPr>
+              <a:t> </a:t>
+            </a:r>
+            <a:r>
+              <a:rPr lang="en-US" altLang="zh-CN" sz="2300" dirty="0">
+                <a:latin typeface="Courier New" panose="02070309020205020404" pitchFamily="49" charset="0"/>
+                <a:cs typeface="Courier New" panose="02070309020205020404" pitchFamily="49" charset="0"/>
+              </a:rPr>
+              <a:t>show</a:t>
+            </a:r>
+            <a:r>
+              <a:rPr lang="zh-CN" altLang="en-US" sz="2300" dirty="0">
+                <a:latin typeface="Courier New" panose="02070309020205020404" pitchFamily="49" charset="0"/>
+                <a:cs typeface="Courier New" panose="02070309020205020404" pitchFamily="49" charset="0"/>
+              </a:rPr>
+              <a:t> </a:t>
+            </a:r>
+            <a:r>
+              <a:rPr lang="en-US" altLang="zh-CN" sz="2300" dirty="0">
+                <a:latin typeface="Courier New" panose="02070309020205020404" pitchFamily="49" charset="0"/>
+                <a:cs typeface="Courier New" panose="02070309020205020404" pitchFamily="49" charset="0"/>
+              </a:rPr>
+              <a:t>sql plan + aggregated ash cost of all executions of the same </a:t>
+            </a:r>
+            <a:r>
+              <a:rPr lang="en-US" altLang="zh-CN" sz="2300" dirty="0" err="1">
+                <a:latin typeface="Courier New" panose="02070309020205020404" pitchFamily="49" charset="0"/>
+                <a:cs typeface="Courier New" panose="02070309020205020404" pitchFamily="49" charset="0"/>
+              </a:rPr>
+              <a:t>phv</a:t>
+            </a:r>
+            <a:endParaRPr lang="en-US" altLang="zh-CN" sz="2300" dirty="0">
+              <a:latin typeface="Courier New" panose="02070309020205020404" pitchFamily="49" charset="0"/>
+              <a:cs typeface="Courier New" panose="02070309020205020404" pitchFamily="49" charset="0"/>
+            </a:endParaRPr>
+          </a:p>
+          <a:p>
+            <a:r>
+              <a:rPr lang="en-US" sz="2300" dirty="0">
+                <a:latin typeface="Courier New" panose="02070309020205020404" pitchFamily="49" charset="0"/>
+                <a:cs typeface="Courier New" panose="02070309020205020404" pitchFamily="49" charset="0"/>
+              </a:rPr>
+              <a:t>Ora </a:t>
+            </a:r>
+            <a:r>
+              <a:rPr lang="en-US" sz="2300" dirty="0" err="1">
+                <a:latin typeface="Courier New" panose="02070309020205020404" pitchFamily="49" charset="0"/>
+                <a:cs typeface="Courier New" panose="02070309020205020404" pitchFamily="49" charset="0"/>
+              </a:rPr>
+              <a:t>ashchain</a:t>
+            </a:r>
+            <a:r>
+              <a:rPr lang="en-US" sz="2300" dirty="0">
+                <a:latin typeface="Courier New" panose="02070309020205020404" pitchFamily="49" charset="0"/>
+                <a:cs typeface="Courier New" panose="02070309020205020404" pitchFamily="49" charset="0"/>
+              </a:rPr>
+              <a:t> [&lt;</a:t>
+            </a:r>
+            <a:r>
+              <a:rPr lang="en-US" sz="2300" dirty="0" err="1">
+                <a:latin typeface="Courier New" panose="02070309020205020404" pitchFamily="49" charset="0"/>
+                <a:cs typeface="Courier New" panose="02070309020205020404" pitchFamily="49" charset="0"/>
+              </a:rPr>
+              <a:t>sql_id</a:t>
+            </a:r>
+            <a:r>
+              <a:rPr lang="en-US" sz="2300" dirty="0">
+                <a:latin typeface="Courier New" panose="02070309020205020404" pitchFamily="49" charset="0"/>
+                <a:cs typeface="Courier New" panose="02070309020205020404" pitchFamily="49" charset="0"/>
+              </a:rPr>
+              <a:t>&gt;|&lt;sid&gt;] [-sid|-p] [-flat]:  An enhancement of </a:t>
+            </a:r>
+            <a:r>
+              <a:rPr lang="en-US" sz="2300" dirty="0" err="1">
+                <a:latin typeface="Courier New" panose="02070309020205020404" pitchFamily="49" charset="0"/>
+                <a:cs typeface="Courier New" panose="02070309020205020404" pitchFamily="49" charset="0"/>
+              </a:rPr>
+              <a:t>Tanel</a:t>
+            </a:r>
+            <a:r>
+              <a:rPr lang="en-US" sz="2300" dirty="0">
+                <a:latin typeface="Courier New" panose="02070309020205020404" pitchFamily="49" charset="0"/>
+                <a:cs typeface="Courier New" panose="02070309020205020404" pitchFamily="49" charset="0"/>
+              </a:rPr>
+              <a:t> </a:t>
+            </a:r>
+            <a:r>
+              <a:rPr lang="en-US" sz="2300" dirty="0" err="1">
+                <a:latin typeface="Courier New" panose="02070309020205020404" pitchFamily="49" charset="0"/>
+                <a:cs typeface="Courier New" panose="02070309020205020404" pitchFamily="49" charset="0"/>
+              </a:rPr>
+              <a:t>Poder’s</a:t>
+            </a:r>
+            <a:r>
+              <a:rPr lang="en-US" sz="2300" dirty="0">
+                <a:latin typeface="Courier New" panose="02070309020205020404" pitchFamily="49" charset="0"/>
+                <a:cs typeface="Courier New" panose="02070309020205020404" pitchFamily="49" charset="0"/>
+              </a:rPr>
+              <a:t> script to see blocking information of ASH</a:t>
+            </a:r>
+          </a:p>
+          <a:p>
+            <a:r>
+              <a:rPr lang="en-US" sz="2300" dirty="0">
+                <a:latin typeface="Courier New" panose="02070309020205020404" pitchFamily="49" charset="0"/>
+                <a:cs typeface="Courier New" panose="02070309020205020404" pitchFamily="49" charset="0"/>
+              </a:rPr>
+              <a:t>Ora </a:t>
+            </a:r>
+            <a:r>
+              <a:rPr lang="en-US" sz="2300" dirty="0" err="1">
+                <a:latin typeface="Courier New" panose="02070309020205020404" pitchFamily="49" charset="0"/>
+                <a:cs typeface="Courier New" panose="02070309020205020404" pitchFamily="49" charset="0"/>
+              </a:rPr>
+              <a:t>ashtop</a:t>
+            </a:r>
+            <a:r>
+              <a:rPr lang="en-US" sz="2300" dirty="0">
+                <a:latin typeface="Courier New" panose="02070309020205020404" pitchFamily="49" charset="0"/>
+                <a:cs typeface="Courier New" panose="02070309020205020404" pitchFamily="49" charset="0"/>
+              </a:rPr>
+              <a:t> [&lt;</a:t>
+            </a:r>
+            <a:r>
+              <a:rPr lang="en-US" sz="2300" dirty="0" err="1">
+                <a:latin typeface="Courier New" panose="02070309020205020404" pitchFamily="49" charset="0"/>
+                <a:cs typeface="Courier New" panose="02070309020205020404" pitchFamily="49" charset="0"/>
+              </a:rPr>
+              <a:t>sql_id</a:t>
+            </a:r>
+            <a:r>
+              <a:rPr lang="en-US" sz="2300" dirty="0">
+                <a:latin typeface="Courier New" panose="02070309020205020404" pitchFamily="49" charset="0"/>
+                <a:cs typeface="Courier New" panose="02070309020205020404" pitchFamily="49" charset="0"/>
+              </a:rPr>
+              <a:t>&gt;] [-snap &lt;seconds&gt;] [-p|-o]: An enhancement of </a:t>
+            </a:r>
+            <a:r>
+              <a:rPr lang="en-US" sz="2300" dirty="0" err="1">
+                <a:latin typeface="Courier New" panose="02070309020205020404" pitchFamily="49" charset="0"/>
+                <a:cs typeface="Courier New" panose="02070309020205020404" pitchFamily="49" charset="0"/>
+              </a:rPr>
+              <a:t>Tanel</a:t>
+            </a:r>
+            <a:r>
+              <a:rPr lang="en-US" sz="2300" dirty="0">
+                <a:latin typeface="Courier New" panose="02070309020205020404" pitchFamily="49" charset="0"/>
+                <a:cs typeface="Courier New" panose="02070309020205020404" pitchFamily="49" charset="0"/>
+              </a:rPr>
+              <a:t> </a:t>
+            </a:r>
+            <a:r>
+              <a:rPr lang="en-US" sz="2300" dirty="0" err="1">
+                <a:latin typeface="Courier New" panose="02070309020205020404" pitchFamily="49" charset="0"/>
+                <a:cs typeface="Courier New" panose="02070309020205020404" pitchFamily="49" charset="0"/>
+              </a:rPr>
+              <a:t>Poder’s</a:t>
+            </a:r>
+            <a:r>
+              <a:rPr lang="en-US" sz="2300" dirty="0">
+                <a:latin typeface="Courier New" panose="02070309020205020404" pitchFamily="49" charset="0"/>
+                <a:cs typeface="Courier New" panose="02070309020205020404" pitchFamily="49" charset="0"/>
+              </a:rPr>
+              <a:t> script to see blocking information of ASH</a:t>
+            </a:r>
+          </a:p>
+          <a:p>
+            <a:r>
+              <a:rPr lang="en-US" sz="2300" dirty="0">
+                <a:latin typeface="Courier New" panose="02070309020205020404" pitchFamily="49" charset="0"/>
+                <a:cs typeface="Courier New" panose="02070309020205020404" pitchFamily="49" charset="0"/>
+              </a:rPr>
+              <a:t>Ora obj &lt;</a:t>
+            </a:r>
+            <a:r>
+              <a:rPr lang="en-US" sz="2300" dirty="0" err="1">
+                <a:latin typeface="Courier New" panose="02070309020205020404" pitchFamily="49" charset="0"/>
+                <a:cs typeface="Courier New" panose="02070309020205020404" pitchFamily="49" charset="0"/>
+              </a:rPr>
+              <a:t>object_id|data_object_id</a:t>
+            </a:r>
+            <a:r>
+              <a:rPr lang="en-US" sz="2300" dirty="0">
+                <a:latin typeface="Courier New" panose="02070309020205020404" pitchFamily="49" charset="0"/>
+                <a:cs typeface="Courier New" panose="02070309020205020404" pitchFamily="49" charset="0"/>
+              </a:rPr>
+              <a:t>|[owner.]</a:t>
+            </a:r>
+            <a:r>
+              <a:rPr lang="en-US" sz="2300" dirty="0" err="1">
+                <a:latin typeface="Courier New" panose="02070309020205020404" pitchFamily="49" charset="0"/>
+                <a:cs typeface="Courier New" panose="02070309020205020404" pitchFamily="49" charset="0"/>
+              </a:rPr>
+              <a:t>object_name</a:t>
+            </a:r>
+            <a:r>
+              <a:rPr lang="en-US" sz="2300" dirty="0">
+                <a:latin typeface="Courier New" panose="02070309020205020404" pitchFamily="49" charset="0"/>
+                <a:cs typeface="Courier New" panose="02070309020205020404" pitchFamily="49" charset="0"/>
+              </a:rPr>
+              <a:t>&gt;: Show information of an object</a:t>
+            </a:r>
+          </a:p>
+          <a:p>
+            <a:r>
+              <a:rPr lang="en-US" sz="2300" dirty="0">
+                <a:latin typeface="Courier New" panose="02070309020205020404" pitchFamily="49" charset="0"/>
+                <a:cs typeface="Courier New" panose="02070309020205020404" pitchFamily="49" charset="0"/>
+              </a:rPr>
+              <a:t>Ora search &lt;keyword&gt;: search object with specific keyword</a:t>
+            </a:r>
+          </a:p>
+          <a:p>
+            <a:r>
+              <a:rPr lang="en-US" sz="2300" dirty="0">
+                <a:latin typeface="Courier New" panose="02070309020205020404" pitchFamily="49" charset="0"/>
+                <a:cs typeface="Courier New" panose="02070309020205020404" pitchFamily="49" charset="0"/>
+              </a:rPr>
+              <a:t>Ora size [owner.]&lt;</a:t>
+            </a:r>
+            <a:r>
+              <a:rPr lang="en-US" sz="2300" dirty="0" err="1">
+                <a:latin typeface="Courier New" panose="02070309020205020404" pitchFamily="49" charset="0"/>
+                <a:cs typeface="Courier New" panose="02070309020205020404" pitchFamily="49" charset="0"/>
+              </a:rPr>
+              <a:t>object_name</a:t>
+            </a:r>
+            <a:r>
+              <a:rPr lang="en-US" sz="2300" dirty="0">
+                <a:latin typeface="Courier New" panose="02070309020205020404" pitchFamily="49" charset="0"/>
+                <a:cs typeface="Courier New" panose="02070309020205020404" pitchFamily="49" charset="0"/>
+              </a:rPr>
+              <a:t>&gt;: show space usage of an object</a:t>
+            </a:r>
+          </a:p>
+          <a:p>
+            <a:r>
+              <a:rPr lang="en-US" sz="2300" dirty="0">
+                <a:latin typeface="Courier New" panose="02070309020205020404" pitchFamily="49" charset="0"/>
+                <a:cs typeface="Courier New" panose="02070309020205020404" pitchFamily="49" charset="0"/>
+              </a:rPr>
+              <a:t>Ora space [owner.]&lt;</a:t>
+            </a:r>
+            <a:r>
+              <a:rPr lang="en-US" sz="2300" dirty="0" err="1">
+                <a:latin typeface="Courier New" panose="02070309020205020404" pitchFamily="49" charset="0"/>
+                <a:cs typeface="Courier New" panose="02070309020205020404" pitchFamily="49" charset="0"/>
+              </a:rPr>
+              <a:t>object_name</a:t>
+            </a:r>
+            <a:r>
+              <a:rPr lang="en-US" sz="2300" dirty="0">
+                <a:latin typeface="Courier New" panose="02070309020205020404" pitchFamily="49" charset="0"/>
+                <a:cs typeface="Courier New" panose="02070309020205020404" pitchFamily="49" charset="0"/>
+              </a:rPr>
+              <a:t>&gt; [-adv]: show detailed space usage of an object</a:t>
+            </a:r>
+          </a:p>
+          <a:p>
+            <a:r>
+              <a:rPr lang="en-US" sz="2300" dirty="0">
+                <a:latin typeface="Courier New" panose="02070309020205020404" pitchFamily="49" charset="0"/>
+                <a:cs typeface="Courier New" panose="02070309020205020404" pitchFamily="49" charset="0"/>
+              </a:rPr>
+              <a:t>Ora </a:t>
+            </a:r>
+            <a:r>
+              <a:rPr lang="en-US" sz="2300" dirty="0" err="1">
+                <a:latin typeface="Courier New" panose="02070309020205020404" pitchFamily="49" charset="0"/>
+                <a:cs typeface="Courier New" panose="02070309020205020404" pitchFamily="49" charset="0"/>
+              </a:rPr>
+              <a:t>ddl</a:t>
+            </a:r>
+            <a:r>
+              <a:rPr lang="en-US" sz="2300" dirty="0">
+                <a:latin typeface="Courier New" panose="02070309020205020404" pitchFamily="49" charset="0"/>
+                <a:cs typeface="Courier New" panose="02070309020205020404" pitchFamily="49" charset="0"/>
+              </a:rPr>
+              <a:t> [owner.]&lt;</a:t>
+            </a:r>
+            <a:r>
+              <a:rPr lang="en-US" sz="2300" dirty="0" err="1">
+                <a:latin typeface="Courier New" panose="02070309020205020404" pitchFamily="49" charset="0"/>
+                <a:cs typeface="Courier New" panose="02070309020205020404" pitchFamily="49" charset="0"/>
+              </a:rPr>
+              <a:t>object_name</a:t>
+            </a:r>
+            <a:r>
+              <a:rPr lang="en-US" sz="2300" dirty="0">
+                <a:latin typeface="Courier New" panose="02070309020205020404" pitchFamily="49" charset="0"/>
+                <a:cs typeface="Courier New" panose="02070309020205020404" pitchFamily="49" charset="0"/>
+              </a:rPr>
+              <a:t>&gt;: show </a:t>
+            </a:r>
+            <a:r>
+              <a:rPr lang="en-US" sz="2300" dirty="0" err="1">
+                <a:latin typeface="Courier New" panose="02070309020205020404" pitchFamily="49" charset="0"/>
+                <a:cs typeface="Courier New" panose="02070309020205020404" pitchFamily="49" charset="0"/>
+              </a:rPr>
+              <a:t>ddl</a:t>
+            </a:r>
+            <a:r>
+              <a:rPr lang="en-US" sz="2300" dirty="0">
+                <a:latin typeface="Courier New" panose="02070309020205020404" pitchFamily="49" charset="0"/>
+                <a:cs typeface="Courier New" panose="02070309020205020404" pitchFamily="49" charset="0"/>
+              </a:rPr>
+              <a:t> of an object</a:t>
+            </a:r>
+          </a:p>
+          <a:p>
+            <a:r>
+              <a:rPr lang="en-US" sz="2300" dirty="0">
+                <a:latin typeface="Courier New" panose="02070309020205020404" pitchFamily="49" charset="0"/>
+                <a:cs typeface="Courier New" panose="02070309020205020404" pitchFamily="49" charset="0"/>
+              </a:rPr>
+              <a:t>Ora stats [owner.]&lt;</a:t>
+            </a:r>
+            <a:r>
+              <a:rPr lang="en-US" sz="2300" dirty="0" err="1">
+                <a:latin typeface="Courier New" panose="02070309020205020404" pitchFamily="49" charset="0"/>
+                <a:cs typeface="Courier New" panose="02070309020205020404" pitchFamily="49" charset="0"/>
+              </a:rPr>
+              <a:t>table_name</a:t>
+            </a:r>
+            <a:r>
+              <a:rPr lang="en-US" sz="2300" dirty="0">
+                <a:latin typeface="Courier New" panose="02070309020205020404" pitchFamily="49" charset="0"/>
+                <a:cs typeface="Courier New" panose="02070309020205020404" pitchFamily="49" charset="0"/>
+              </a:rPr>
+              <a:t>&gt; [-advise]: show table stats or run statistics advisor</a:t>
+            </a:r>
+          </a:p>
+          <a:p>
+            <a:r>
+              <a:rPr lang="en-US" sz="2300" dirty="0">
+                <a:latin typeface="Courier New" panose="02070309020205020404" pitchFamily="49" charset="0"/>
+                <a:cs typeface="Courier New" panose="02070309020205020404" pitchFamily="49" charset="0"/>
+              </a:rPr>
+              <a:t>Ora histogram [owner.]&lt;</a:t>
+            </a:r>
+            <a:r>
+              <a:rPr lang="en-US" sz="2300" dirty="0" err="1">
+                <a:latin typeface="Courier New" panose="02070309020205020404" pitchFamily="49" charset="0"/>
+                <a:cs typeface="Courier New" panose="02070309020205020404" pitchFamily="49" charset="0"/>
+              </a:rPr>
+              <a:t>table_name</a:t>
+            </a:r>
+            <a:r>
+              <a:rPr lang="en-US" sz="2300" dirty="0">
+                <a:latin typeface="Courier New" panose="02070309020205020404" pitchFamily="49" charset="0"/>
+                <a:cs typeface="Courier New" panose="02070309020205020404" pitchFamily="49" charset="0"/>
+              </a:rPr>
+              <a:t>&gt; &lt;column&gt; […]: Show/change histogram of a column</a:t>
+            </a:r>
+          </a:p>
+          <a:p>
+            <a:r>
+              <a:rPr lang="en-US" sz="2300" dirty="0">
+                <a:latin typeface="Courier New" panose="02070309020205020404" pitchFamily="49" charset="0"/>
+                <a:cs typeface="Courier New" panose="02070309020205020404" pitchFamily="49" charset="0"/>
+              </a:rPr>
+              <a:t>Ora </a:t>
+            </a:r>
+            <a:r>
+              <a:rPr lang="en-US" sz="2300" dirty="0" err="1">
+                <a:latin typeface="Courier New" panose="02070309020205020404" pitchFamily="49" charset="0"/>
+                <a:cs typeface="Courier New" panose="02070309020205020404" pitchFamily="49" charset="0"/>
+              </a:rPr>
+              <a:t>spd</a:t>
+            </a:r>
+            <a:r>
+              <a:rPr lang="en-US" sz="2300" dirty="0">
+                <a:latin typeface="Courier New" panose="02070309020205020404" pitchFamily="49" charset="0"/>
+                <a:cs typeface="Courier New" panose="02070309020205020404" pitchFamily="49" charset="0"/>
+              </a:rPr>
+              <a:t> [owner.]&lt;</a:t>
+            </a:r>
+            <a:r>
+              <a:rPr lang="en-US" sz="2300" dirty="0" err="1">
+                <a:latin typeface="Courier New" panose="02070309020205020404" pitchFamily="49" charset="0"/>
+                <a:cs typeface="Courier New" panose="02070309020205020404" pitchFamily="49" charset="0"/>
+              </a:rPr>
+              <a:t>table_name</a:t>
+            </a:r>
+            <a:r>
+              <a:rPr lang="en-US" sz="2300" dirty="0">
+                <a:latin typeface="Courier New" panose="02070309020205020404" pitchFamily="49" charset="0"/>
+                <a:cs typeface="Courier New" panose="02070309020205020404" pitchFamily="49" charset="0"/>
+              </a:rPr>
+              <a:t>&gt;: show SPD information of an object</a:t>
+            </a:r>
+          </a:p>
+          <a:p>
+            <a:r>
+              <a:rPr lang="en-US" sz="2300" dirty="0">
+                <a:latin typeface="Courier New" panose="02070309020205020404" pitchFamily="49" charset="0"/>
+                <a:cs typeface="Courier New" panose="02070309020205020404" pitchFamily="49" charset="0"/>
+              </a:rPr>
+              <a:t>Ora/sys </a:t>
+            </a:r>
+            <a:r>
+              <a:rPr lang="en-US" sz="2300" dirty="0" err="1">
+                <a:latin typeface="Courier New" panose="02070309020205020404" pitchFamily="49" charset="0"/>
+                <a:cs typeface="Courier New" panose="02070309020205020404" pitchFamily="49" charset="0"/>
+              </a:rPr>
+              <a:t>liblock</a:t>
+            </a:r>
+            <a:r>
+              <a:rPr lang="en-US" sz="2300" dirty="0">
+                <a:latin typeface="Courier New" panose="02070309020205020404" pitchFamily="49" charset="0"/>
+                <a:cs typeface="Courier New" panose="02070309020205020404" pitchFamily="49" charset="0"/>
+              </a:rPr>
+              <a:t> [[owner.]&lt;</a:t>
+            </a:r>
+            <a:r>
+              <a:rPr lang="en-US" sz="2300" dirty="0" err="1">
+                <a:latin typeface="Courier New" panose="02070309020205020404" pitchFamily="49" charset="0"/>
+                <a:cs typeface="Courier New" panose="02070309020205020404" pitchFamily="49" charset="0"/>
+              </a:rPr>
+              <a:t>object_name</a:t>
+            </a:r>
+            <a:r>
+              <a:rPr lang="en-US" sz="2300" dirty="0">
+                <a:latin typeface="Courier New" panose="02070309020205020404" pitchFamily="49" charset="0"/>
+                <a:cs typeface="Courier New" panose="02070309020205020404" pitchFamily="49" charset="0"/>
+              </a:rPr>
+              <a:t>&gt;]: show library cache lock</a:t>
+            </a:r>
+          </a:p>
+          <a:p>
+            <a:r>
+              <a:rPr lang="en-US" sz="2300" dirty="0">
+                <a:latin typeface="Courier New" panose="02070309020205020404" pitchFamily="49" charset="0"/>
+                <a:cs typeface="Courier New" panose="02070309020205020404" pitchFamily="49" charset="0"/>
+              </a:rPr>
+              <a:t>Show </a:t>
+            </a:r>
+            <a:r>
+              <a:rPr lang="en-US" sz="2300" dirty="0" err="1">
+                <a:latin typeface="Courier New" panose="02070309020205020404" pitchFamily="49" charset="0"/>
+                <a:cs typeface="Courier New" panose="02070309020205020404" pitchFamily="49" charset="0"/>
+              </a:rPr>
+              <a:t>lockobj</a:t>
+            </a:r>
+            <a:r>
+              <a:rPr lang="en-US" sz="2300" dirty="0">
+                <a:latin typeface="Courier New" panose="02070309020205020404" pitchFamily="49" charset="0"/>
+                <a:cs typeface="Courier New" panose="02070309020205020404" pitchFamily="49" charset="0"/>
+              </a:rPr>
+              <a:t>: show DML lock information</a:t>
+            </a:r>
+          </a:p>
+          <a:p>
+            <a:r>
+              <a:rPr lang="en-US" sz="2300" dirty="0">
+                <a:latin typeface="Courier New" panose="02070309020205020404" pitchFamily="49" charset="0"/>
+                <a:cs typeface="Courier New" panose="02070309020205020404" pitchFamily="49" charset="0"/>
+              </a:rPr>
+              <a:t>Show waiters: show blocking information</a:t>
+            </a:r>
+          </a:p>
+          <a:p>
+            <a:r>
+              <a:rPr lang="en-US" sz="2300" dirty="0">
+                <a:latin typeface="Courier New" panose="02070309020205020404" pitchFamily="49" charset="0"/>
+                <a:cs typeface="Courier New" panose="02070309020205020404" pitchFamily="49" charset="0"/>
+              </a:rPr>
+              <a:t>Show </a:t>
+            </a:r>
+            <a:r>
+              <a:rPr lang="en-US" sz="2300" dirty="0" err="1">
+                <a:latin typeface="Courier New" panose="02070309020205020404" pitchFamily="49" charset="0"/>
+                <a:cs typeface="Courier New" panose="02070309020205020404" pitchFamily="49" charset="0"/>
+              </a:rPr>
+              <a:t>waitchain</a:t>
+            </a:r>
+            <a:r>
+              <a:rPr lang="en-US" sz="2300" dirty="0">
+                <a:latin typeface="Courier New" panose="02070309020205020404" pitchFamily="49" charset="0"/>
+                <a:cs typeface="Courier New" panose="02070309020205020404" pitchFamily="49" charset="0"/>
+              </a:rPr>
+              <a:t>: show blocking information</a:t>
+            </a:r>
+          </a:p>
+          <a:p>
+            <a:r>
+              <a:rPr lang="en-US" sz="2300" dirty="0">
+                <a:latin typeface="Courier New" panose="02070309020205020404" pitchFamily="49" charset="0"/>
+                <a:cs typeface="Courier New" panose="02070309020205020404" pitchFamily="49" charset="0"/>
+              </a:rPr>
+              <a:t>Show trans: show running transactions</a:t>
+            </a:r>
+          </a:p>
+          <a:p>
+            <a:endParaRPr lang="en-US" dirty="0"/>
+          </a:p>
+          <a:p>
+            <a:endParaRPr lang="en-US" dirty="0"/>
+          </a:p>
+        </p:txBody>
+      </p:sp>
+    </p:spTree>
+    <p:extLst>
+      <p:ext uri="{BB962C8B-B14F-4D97-AF65-F5344CB8AC3E}">
+        <p14:creationId xmlns:p14="http://schemas.microsoft.com/office/powerpoint/2010/main" val="2093610832"/>
+      </p:ext>
+    </p:extLst>
+  </p:cSld>
+  <p:clrMapOvr>
+    <a:masterClrMapping/>
+  </p:clrMapOvr>
+</p:sld>
+</file>
+
+<file path=ppt/slides/slide42.xml><?xml version="1.0" encoding="utf-8"?>
+<p:sld xmlns:a="http://schemas.openxmlformats.org/drawingml/2006/main" xmlns:r="http://schemas.openxmlformats.org/officeDocument/2006/relationships" xmlns:p="http://schemas.openxmlformats.org/presentationml/2006/main">
+  <p:cSld>
+    <p:spTree>
+      <p:nvGrpSpPr>
+        <p:cNvPr id="1" name=""/>
+        <p:cNvGrpSpPr/>
+        <p:nvPr/>
+      </p:nvGrpSpPr>
+      <p:grpSpPr>
+        <a:xfrm>
+          <a:off x="0" y="0"/>
+          <a:ext cx="0" cy="0"/>
+          <a:chOff x="0" y="0"/>
+          <a:chExt cx="0" cy="0"/>
+        </a:xfrm>
+      </p:grpSpPr>
+      <p:sp>
+        <p:nvSpPr>
           <p:cNvPr id="3" name="内容占位符 2">
             <a:extLst>
               <a:ext uri="{FF2B5EF4-FFF2-40B4-BE49-F238E27FC236}">
@@ -19162,7 +19650,7 @@
 </p:sld>
 </file>
 
-<file path=ppt/slides/slide42.xml><?xml version="1.0" encoding="utf-8"?>
+<file path=ppt/slides/slide43.xml><?xml version="1.0" encoding="utf-8"?>
 <p:sld xmlns:a="http://schemas.openxmlformats.org/drawingml/2006/main" xmlns:r="http://schemas.openxmlformats.org/officeDocument/2006/relationships" xmlns:p="http://schemas.openxmlformats.org/presentationml/2006/main">
   <p:cSld>
     <p:spTree>
@@ -19324,7 +19812,7 @@
 </p:sld>
 </file>
 
-<file path=ppt/slides/slide43.xml><?xml version="1.0" encoding="utf-8"?>
+<file path=ppt/slides/slide44.xml><?xml version="1.0" encoding="utf-8"?>
 <p:sld xmlns:a="http://schemas.openxmlformats.org/drawingml/2006/main" xmlns:r="http://schemas.openxmlformats.org/officeDocument/2006/relationships" xmlns:p="http://schemas.openxmlformats.org/presentationml/2006/main">
   <p:cSld>
     <p:spTree>
@@ -19747,7 +20235,7 @@
 </p:sld>
 </file>
 
-<file path=ppt/slides/slide44.xml><?xml version="1.0" encoding="utf-8"?>
+<file path=ppt/slides/slide45.xml><?xml version="1.0" encoding="utf-8"?>
 <p:sld xmlns:a="http://schemas.openxmlformats.org/drawingml/2006/main" xmlns:r="http://schemas.openxmlformats.org/officeDocument/2006/relationships" xmlns:p="http://schemas.openxmlformats.org/presentationml/2006/main">
   <p:cSld>
     <p:spTree>
@@ -20081,7 +20569,7 @@
 </p:sld>
 </file>
 
-<file path=ppt/slides/slide45.xml><?xml version="1.0" encoding="utf-8"?>
+<file path=ppt/slides/slide46.xml><?xml version="1.0" encoding="utf-8"?>
 <p:sld xmlns:a="http://schemas.openxmlformats.org/drawingml/2006/main" xmlns:r="http://schemas.openxmlformats.org/officeDocument/2006/relationships" xmlns:p="http://schemas.openxmlformats.org/presentationml/2006/main">
   <p:cSld>
     <p:spTree>
@@ -20292,7 +20780,7 @@
 </p:sld>
 </file>
 
-<file path=ppt/slides/slide46.xml><?xml version="1.0" encoding="utf-8"?>
+<file path=ppt/slides/slide47.xml><?xml version="1.0" encoding="utf-8"?>
 <p:sld xmlns:a="http://schemas.openxmlformats.org/drawingml/2006/main" xmlns:r="http://schemas.openxmlformats.org/officeDocument/2006/relationships" xmlns:p="http://schemas.openxmlformats.org/presentationml/2006/main">
   <p:cSld>
     <p:spTree>
@@ -20546,7 +21034,7 @@
 </p:sld>
 </file>
 
-<file path=ppt/slides/slide47.xml><?xml version="1.0" encoding="utf-8"?>
+<file path=ppt/slides/slide48.xml><?xml version="1.0" encoding="utf-8"?>
 <p:sld xmlns:a="http://schemas.openxmlformats.org/drawingml/2006/main" xmlns:r="http://schemas.openxmlformats.org/officeDocument/2006/relationships" xmlns:p="http://schemas.openxmlformats.org/presentationml/2006/main">
   <p:cSld>
     <p:spTree>
@@ -20896,7 +21384,7 @@
 </p:sld>
 </file>
 
-<file path=ppt/slides/slide48.xml><?xml version="1.0" encoding="utf-8"?>
+<file path=ppt/slides/slide49.xml><?xml version="1.0" encoding="utf-8"?>
 <p:sld xmlns:a="http://schemas.openxmlformats.org/drawingml/2006/main" xmlns:r="http://schemas.openxmlformats.org/officeDocument/2006/relationships" xmlns:p="http://schemas.openxmlformats.org/presentationml/2006/main">
   <p:cSld>
     <p:spTree>
@@ -21042,7 +21530,855 @@
 </p:sld>
 </file>
 
-<file path=ppt/slides/slide49.xml><?xml version="1.0" encoding="utf-8"?>
+<file path=ppt/slides/slide5.xml><?xml version="1.0" encoding="utf-8"?>
+<p:sld xmlns:a="http://schemas.openxmlformats.org/drawingml/2006/main" xmlns:r="http://schemas.openxmlformats.org/officeDocument/2006/relationships" xmlns:p="http://schemas.openxmlformats.org/presentationml/2006/main">
+  <p:cSld>
+    <p:spTree>
+      <p:nvGrpSpPr>
+        <p:cNvPr id="1" name=""/>
+        <p:cNvGrpSpPr/>
+        <p:nvPr/>
+      </p:nvGrpSpPr>
+      <p:grpSpPr>
+        <a:xfrm>
+          <a:off x="0" y="0"/>
+          <a:ext cx="0" cy="0"/>
+          <a:chOff x="0" y="0"/>
+          <a:chExt cx="0" cy="0"/>
+        </a:xfrm>
+      </p:grpSpPr>
+      <p:sp>
+        <p:nvSpPr>
+          <p:cNvPr id="2" name="标题 1">
+            <a:extLst>
+              <a:ext uri="{FF2B5EF4-FFF2-40B4-BE49-F238E27FC236}">
+                <a16:creationId xmlns:a16="http://schemas.microsoft.com/office/drawing/2014/main" id="{31E9F1B0-DF27-4D82-B726-DDD3F9CF7328}"/>
+              </a:ext>
+            </a:extLst>
+          </p:cNvPr>
+          <p:cNvSpPr>
+            <a:spLocks noGrp="1"/>
+          </p:cNvSpPr>
+          <p:nvPr>
+            <p:ph type="title"/>
+          </p:nvPr>
+        </p:nvSpPr>
+        <p:spPr>
+          <a:xfrm>
+            <a:off x="838200" y="184372"/>
+            <a:ext cx="10515600" cy="708763"/>
+          </a:xfrm>
+        </p:spPr>
+        <p:txBody>
+          <a:bodyPr/>
+          <a:lstStyle/>
+          <a:p>
+            <a:r>
+              <a:rPr lang="en-US" dirty="0"/>
+              <a:t>Intelligent format of the query output(Set)</a:t>
+            </a:r>
+          </a:p>
+        </p:txBody>
+      </p:sp>
+      <p:graphicFrame>
+        <p:nvGraphicFramePr>
+          <p:cNvPr id="4" name="表格 3">
+            <a:extLst>
+              <a:ext uri="{FF2B5EF4-FFF2-40B4-BE49-F238E27FC236}">
+                <a16:creationId xmlns:a16="http://schemas.microsoft.com/office/drawing/2014/main" id="{2563436E-7DD6-46CC-BCAE-29765B663613}"/>
+              </a:ext>
+            </a:extLst>
+          </p:cNvPr>
+          <p:cNvGraphicFramePr>
+            <a:graphicFrameLocks noGrp="1"/>
+          </p:cNvGraphicFramePr>
+          <p:nvPr>
+            <p:extLst>
+              <p:ext uri="{D42A27DB-BD31-4B8C-83A1-F6EECF244321}">
+                <p14:modId xmlns:p14="http://schemas.microsoft.com/office/powerpoint/2010/main" val="2259286601"/>
+              </p:ext>
+            </p:extLst>
+          </p:nvPr>
+        </p:nvGraphicFramePr>
+        <p:xfrm>
+          <a:off x="838200" y="1748157"/>
+          <a:ext cx="10374425" cy="5791200"/>
+        </p:xfrm>
+        <a:graphic>
+          <a:graphicData uri="http://schemas.openxmlformats.org/drawingml/2006/table">
+            <a:tbl>
+              <a:tblPr firstRow="1" bandRow="1">
+                <a:tableStyleId>{5C22544A-7EE6-4342-B048-85BDC9FD1C3A}</a:tableStyleId>
+              </a:tblPr>
+              <a:tblGrid>
+                <a:gridCol w="10374425">
+                  <a:extLst>
+                    <a:ext uri="{9D8B030D-6E8A-4147-A177-3AD203B41FA5}">
+                      <a16:colId xmlns:a16="http://schemas.microsoft.com/office/drawing/2014/main" val="4245137307"/>
+                    </a:ext>
+                  </a:extLst>
+                </a:gridCol>
+              </a:tblGrid>
+              <a:tr h="4570526">
+                <a:tc>
+                  <a:txBody>
+                    <a:bodyPr/>
+                    <a:lstStyle/>
+                    <a:p>
+                      <a:r>
+                        <a:rPr lang="en-US" sz="1100" b="0" i="0" kern="1200" baseline="0" dirty="0">
+                          <a:solidFill>
+                            <a:schemeClr val="lt1"/>
+                          </a:solidFill>
+                          <a:latin typeface="Consolas" panose="020B0609020204030204" pitchFamily="49" charset="0"/>
+                          <a:ea typeface="+mn-ea"/>
+                          <a:cs typeface="+mn-cs"/>
+                        </a:rPr>
+                        <a:t>CATDB&gt; set printsize 10                                                                                              </a:t>
+                      </a:r>
+                      <a:br>
+                        <a:rPr lang="en-US" sz="1100" b="0" i="0" kern="1200" baseline="0" dirty="0">
+                          <a:solidFill>
+                            <a:schemeClr val="lt1"/>
+                          </a:solidFill>
+                          <a:latin typeface="Consolas" panose="020B0609020204030204" pitchFamily="49" charset="0"/>
+                          <a:ea typeface="+mn-ea"/>
+                          <a:cs typeface="+mn-cs"/>
+                        </a:rPr>
+                      </a:br>
+                      <a:r>
+                        <a:rPr lang="en-US" sz="1100" b="0" i="0" kern="1200" baseline="0" dirty="0">
+                          <a:solidFill>
+                            <a:schemeClr val="lt1"/>
+                          </a:solidFill>
+                          <a:latin typeface="Consolas" panose="020B0609020204030204" pitchFamily="49" charset="0"/>
+                          <a:ea typeface="+mn-ea"/>
+                          <a:cs typeface="+mn-cs"/>
+                        </a:rPr>
+                        <a:t>CATDB&gt; sf dba_objects                                                                                                </a:t>
+                      </a:r>
+                      <a:br>
+                        <a:rPr lang="en-US" sz="1100" b="0" i="0" kern="1200" baseline="0" dirty="0">
+                          <a:solidFill>
+                            <a:schemeClr val="lt1"/>
+                          </a:solidFill>
+                          <a:latin typeface="Consolas" panose="020B0609020204030204" pitchFamily="49" charset="0"/>
+                          <a:ea typeface="+mn-ea"/>
+                          <a:cs typeface="+mn-cs"/>
+                        </a:rPr>
+                      </a:br>
+                      <a:r>
+                        <a:rPr lang="en-US" sz="1100" b="0" i="0" kern="1200" baseline="0" dirty="0">
+                          <a:solidFill>
+                            <a:schemeClr val="lt1"/>
+                          </a:solidFill>
+                          <a:latin typeface="Consolas" panose="020B0609020204030204" pitchFamily="49" charset="0"/>
+                          <a:ea typeface="+mn-ea"/>
+                          <a:cs typeface="+mn-cs"/>
+                        </a:rPr>
+                        <a:t>    $ select * from (select * from dba_objects) where rownum&lt;=50                                                     </a:t>
+                      </a:r>
+                      <a:br>
+                        <a:rPr lang="en-US" sz="1100" b="0" i="0" kern="1200" baseline="0" dirty="0">
+                          <a:solidFill>
+                            <a:schemeClr val="lt1"/>
+                          </a:solidFill>
+                          <a:latin typeface="Consolas" panose="020B0609020204030204" pitchFamily="49" charset="0"/>
+                          <a:ea typeface="+mn-ea"/>
+                          <a:cs typeface="+mn-cs"/>
+                        </a:rPr>
+                      </a:br>
+                      <a:r>
+                        <a:rPr lang="en-US" sz="1100" b="0" i="0" kern="1200" baseline="0" dirty="0">
+                          <a:solidFill>
+                            <a:schemeClr val="lt1"/>
+                          </a:solidFill>
+                          <a:latin typeface="Consolas" panose="020B0609020204030204" pitchFamily="49" charset="0"/>
+                          <a:ea typeface="+mn-ea"/>
+                          <a:cs typeface="+mn-cs"/>
+                        </a:rPr>
+                        <a:t>    OWNER  OBJECT_NAME   SUBOBJECT_NAME OBJECT_ID DATA_OBJECT_ID OBJECT_TYPE       CREATED          LAST_DDL_TIME    </a:t>
+                      </a:r>
+                      <a:br>
+                        <a:rPr lang="en-US" sz="1100" b="0" i="0" kern="1200" baseline="0" dirty="0">
+                          <a:solidFill>
+                            <a:schemeClr val="lt1"/>
+                          </a:solidFill>
+                          <a:latin typeface="Consolas" panose="020B0609020204030204" pitchFamily="49" charset="0"/>
+                          <a:ea typeface="+mn-ea"/>
+                          <a:cs typeface="+mn-cs"/>
+                        </a:rPr>
+                      </a:br>
+                      <a:r>
+                        <a:rPr lang="en-US" sz="1100" b="0" i="0" kern="1200" baseline="0" dirty="0">
+                          <a:solidFill>
+                            <a:schemeClr val="lt1"/>
+                          </a:solidFill>
+                          <a:latin typeface="Consolas" panose="020B0609020204030204" pitchFamily="49" charset="0"/>
+                          <a:ea typeface="+mn-ea"/>
+                          <a:cs typeface="+mn-cs"/>
+                        </a:rPr>
+                        <a:t>    ----- -------------- -------------- --------- -------------- ----------- ------------------- ------------------- </a:t>
+                      </a:r>
+                      <a:br>
+                        <a:rPr lang="en-US" sz="1100" b="0" i="0" kern="1200" baseline="0" dirty="0">
+                          <a:solidFill>
+                            <a:schemeClr val="lt1"/>
+                          </a:solidFill>
+                          <a:latin typeface="Consolas" panose="020B0609020204030204" pitchFamily="49" charset="0"/>
+                          <a:ea typeface="+mn-ea"/>
+                          <a:cs typeface="+mn-cs"/>
+                        </a:rPr>
+                      </a:br>
+                      <a:r>
+                        <a:rPr lang="en-US" sz="1100" b="0" i="0" kern="1200" baseline="0" dirty="0">
+                          <a:solidFill>
+                            <a:schemeClr val="lt1"/>
+                          </a:solidFill>
+                          <a:latin typeface="Consolas" panose="020B0609020204030204" pitchFamily="49" charset="0"/>
+                          <a:ea typeface="+mn-ea"/>
+                          <a:cs typeface="+mn-cs"/>
+                        </a:rPr>
+                        <a:t>    SYS   TS$                                  16              6 TABLE       2018-02-07 22:51:55 2018-02-07 23:57:54 </a:t>
+                      </a:r>
+                      <a:br>
+                        <a:rPr lang="en-US" sz="1100" b="0" i="0" kern="1200" baseline="0" dirty="0">
+                          <a:solidFill>
+                            <a:schemeClr val="lt1"/>
+                          </a:solidFill>
+                          <a:latin typeface="Consolas" panose="020B0609020204030204" pitchFamily="49" charset="0"/>
+                          <a:ea typeface="+mn-ea"/>
+                          <a:cs typeface="+mn-cs"/>
+                        </a:rPr>
+                      </a:br>
+                      <a:r>
+                        <a:rPr lang="en-US" sz="1100" b="0" i="0" kern="1200" baseline="0" dirty="0">
+                          <a:solidFill>
+                            <a:schemeClr val="lt1"/>
+                          </a:solidFill>
+                          <a:latin typeface="Consolas" panose="020B0609020204030204" pitchFamily="49" charset="0"/>
+                          <a:ea typeface="+mn-ea"/>
+                          <a:cs typeface="+mn-cs"/>
+                        </a:rPr>
+                        <a:t>    SYS   ICOL$                                20              2 TABLE       2018-02-07 22:51:55 2018-02-07 23:57:54 </a:t>
+                      </a:r>
+                      <a:br>
+                        <a:rPr lang="en-US" sz="1100" b="0" i="0" kern="1200" baseline="0" dirty="0">
+                          <a:solidFill>
+                            <a:schemeClr val="lt1"/>
+                          </a:solidFill>
+                          <a:latin typeface="Consolas" panose="020B0609020204030204" pitchFamily="49" charset="0"/>
+                          <a:ea typeface="+mn-ea"/>
+                          <a:cs typeface="+mn-cs"/>
+                        </a:rPr>
+                      </a:br>
+                      <a:r>
+                        <a:rPr lang="en-US" sz="1100" b="0" i="0" kern="1200" baseline="0" dirty="0">
+                          <a:solidFill>
+                            <a:schemeClr val="lt1"/>
+                          </a:solidFill>
+                          <a:latin typeface="Consolas" panose="020B0609020204030204" pitchFamily="49" charset="0"/>
+                          <a:ea typeface="+mn-ea"/>
+                          <a:cs typeface="+mn-cs"/>
+                        </a:rPr>
+                        <a:t>    SYS   C_FILE#_BLOCK#                        8              8 CLUSTER     2018-02-07 22:51:55 2018-02-07 22:51:55 </a:t>
+                      </a:r>
+                      <a:br>
+                        <a:rPr lang="en-US" sz="1100" b="0" i="0" kern="1200" baseline="0" dirty="0">
+                          <a:solidFill>
+                            <a:schemeClr val="lt1"/>
+                          </a:solidFill>
+                          <a:latin typeface="Consolas" panose="020B0609020204030204" pitchFamily="49" charset="0"/>
+                          <a:ea typeface="+mn-ea"/>
+                          <a:cs typeface="+mn-cs"/>
+                        </a:rPr>
+                      </a:br>
+                      <a:r>
+                        <a:rPr lang="en-US" sz="1100" b="0" i="0" kern="1200" baseline="0" dirty="0">
+                          <a:solidFill>
+                            <a:schemeClr val="lt1"/>
+                          </a:solidFill>
+                          <a:latin typeface="Consolas" panose="020B0609020204030204" pitchFamily="49" charset="0"/>
+                          <a:ea typeface="+mn-ea"/>
+                          <a:cs typeface="+mn-cs"/>
+                        </a:rPr>
+                        <a:t>    SYS   I_OBJ2                               37             37 INDEX       2018-02-07 22:51:56 2018-02-07 22:51:56 </a:t>
+                      </a:r>
+                      <a:br>
+                        <a:rPr lang="en-US" sz="1100" b="0" i="0" kern="1200" baseline="0" dirty="0">
+                          <a:solidFill>
+                            <a:schemeClr val="lt1"/>
+                          </a:solidFill>
+                          <a:latin typeface="Consolas" panose="020B0609020204030204" pitchFamily="49" charset="0"/>
+                          <a:ea typeface="+mn-ea"/>
+                          <a:cs typeface="+mn-cs"/>
+                        </a:rPr>
+                      </a:br>
+                      <a:r>
+                        <a:rPr lang="en-US" sz="1100" b="0" i="0" kern="1200" baseline="0" dirty="0">
+                          <a:solidFill>
+                            <a:schemeClr val="lt1"/>
+                          </a:solidFill>
+                          <a:latin typeface="Consolas" panose="020B0609020204030204" pitchFamily="49" charset="0"/>
+                          <a:ea typeface="+mn-ea"/>
+                          <a:cs typeface="+mn-cs"/>
+                        </a:rPr>
+                        <a:t>    SYS   USER$                                22             10 TABLE       2018-02-07 22:51:55 2018-02-07 23:05:16 </a:t>
+                      </a:r>
+                      <a:br>
+                        <a:rPr lang="en-US" sz="1100" b="0" i="0" kern="1200" baseline="0" dirty="0">
+                          <a:solidFill>
+                            <a:schemeClr val="lt1"/>
+                          </a:solidFill>
+                          <a:latin typeface="Consolas" panose="020B0609020204030204" pitchFamily="49" charset="0"/>
+                          <a:ea typeface="+mn-ea"/>
+                          <a:cs typeface="+mn-cs"/>
+                        </a:rPr>
+                      </a:br>
+                      <a:r>
+                        <a:rPr lang="en-US" sz="1100" b="0" i="0" kern="1200" baseline="0" dirty="0">
+                          <a:solidFill>
+                            <a:schemeClr val="lt1"/>
+                          </a:solidFill>
+                          <a:latin typeface="Consolas" panose="020B0609020204030204" pitchFamily="49" charset="0"/>
+                          <a:ea typeface="+mn-ea"/>
+                          <a:cs typeface="+mn-cs"/>
+                        </a:rPr>
+                        <a:t>    SYS   I_TAB1                               33             33 INDEX       2018-02-07 22:51:55 2018-02-07 22:51:55 </a:t>
+                      </a:r>
+                      <a:br>
+                        <a:rPr lang="en-US" sz="1100" b="0" i="0" kern="1200" baseline="0" dirty="0">
+                          <a:solidFill>
+                            <a:schemeClr val="lt1"/>
+                          </a:solidFill>
+                          <a:latin typeface="Consolas" panose="020B0609020204030204" pitchFamily="49" charset="0"/>
+                          <a:ea typeface="+mn-ea"/>
+                          <a:cs typeface="+mn-cs"/>
+                        </a:rPr>
+                      </a:br>
+                      <a:r>
+                        <a:rPr lang="en-US" sz="1100" b="0" i="0" kern="1200" baseline="0" dirty="0">
+                          <a:solidFill>
+                            <a:schemeClr val="lt1"/>
+                          </a:solidFill>
+                          <a:latin typeface="Consolas" panose="020B0609020204030204" pitchFamily="49" charset="0"/>
+                          <a:ea typeface="+mn-ea"/>
+                          <a:cs typeface="+mn-cs"/>
+                        </a:rPr>
+                        <a:t>    SYS   I_OBJ5                               40             40 INDEX       2018-02-07 22:51:56 2018-02-07 22:51:56 </a:t>
+                      </a:r>
+                      <a:br>
+                        <a:rPr lang="en-US" sz="1100" b="0" i="0" kern="1200" baseline="0" dirty="0">
+                          <a:solidFill>
+                            <a:schemeClr val="lt1"/>
+                          </a:solidFill>
+                          <a:latin typeface="Consolas" panose="020B0609020204030204" pitchFamily="49" charset="0"/>
+                          <a:ea typeface="+mn-ea"/>
+                          <a:cs typeface="+mn-cs"/>
+                        </a:rPr>
+                      </a:br>
+                      <a:r>
+                        <a:rPr lang="en-US" sz="1100" b="0" i="0" kern="1200" baseline="0" dirty="0">
+                          <a:solidFill>
+                            <a:schemeClr val="lt1"/>
+                          </a:solidFill>
+                          <a:latin typeface="Consolas" panose="020B0609020204030204" pitchFamily="49" charset="0"/>
+                          <a:ea typeface="+mn-ea"/>
+                          <a:cs typeface="+mn-cs"/>
+                        </a:rPr>
+                        <a:t>    SYS   CDEF$                                31             29 TABLE       2018-02-07 22:51:55 2018-02-07 23:57:54 </a:t>
+                      </a:r>
+                      <a:br>
+                        <a:rPr lang="en-US" sz="1100" b="0" i="0" kern="1200" baseline="0" dirty="0">
+                          <a:solidFill>
+                            <a:schemeClr val="lt1"/>
+                          </a:solidFill>
+                          <a:latin typeface="Consolas" panose="020B0609020204030204" pitchFamily="49" charset="0"/>
+                          <a:ea typeface="+mn-ea"/>
+                          <a:cs typeface="+mn-cs"/>
+                        </a:rPr>
+                      </a:br>
+                      <a:r>
+                        <a:rPr lang="en-US" sz="1100" b="0" i="0" kern="1200" baseline="0" dirty="0">
+                          <a:solidFill>
+                            <a:schemeClr val="lt1"/>
+                          </a:solidFill>
+                          <a:latin typeface="Consolas" panose="020B0609020204030204" pitchFamily="49" charset="0"/>
+                          <a:ea typeface="+mn-ea"/>
+                          <a:cs typeface="+mn-cs"/>
+                        </a:rPr>
+                        <a:t>    SYS   I_IND1                               41             41 INDEX       2018-02-07 22:51:56 2018-02-07 22:51:56 </a:t>
+                      </a:r>
+                      <a:br>
+                        <a:rPr lang="en-US" sz="1100" b="0" i="0" kern="1200" baseline="0" dirty="0">
+                          <a:solidFill>
+                            <a:schemeClr val="lt1"/>
+                          </a:solidFill>
+                          <a:latin typeface="Consolas" panose="020B0609020204030204" pitchFamily="49" charset="0"/>
+                          <a:ea typeface="+mn-ea"/>
+                          <a:cs typeface="+mn-cs"/>
+                        </a:rPr>
+                      </a:br>
+                      <a:r>
+                        <a:rPr lang="en-US" sz="1100" b="0" i="0" kern="1200" baseline="0" dirty="0">
+                          <a:solidFill>
+                            <a:schemeClr val="lt1"/>
+                          </a:solidFill>
+                          <a:latin typeface="Consolas" panose="020B0609020204030204" pitchFamily="49" charset="0"/>
+                          <a:ea typeface="+mn-ea"/>
+                          <a:cs typeface="+mn-cs"/>
+                        </a:rPr>
+                        <a:t>    SYS   I_OBJ#                                3              3 INDEX       2018-02-07 22:51:55 2018-02-07 22:51:55 </a:t>
+                      </a:r>
+                      <a:br>
+                        <a:rPr lang="en-US" sz="1100" b="0" i="0" kern="1200" baseline="0" dirty="0">
+                          <a:solidFill>
+                            <a:schemeClr val="lt1"/>
+                          </a:solidFill>
+                          <a:latin typeface="Consolas" panose="020B0609020204030204" pitchFamily="49" charset="0"/>
+                          <a:ea typeface="+mn-ea"/>
+                          <a:cs typeface="+mn-cs"/>
+                        </a:rPr>
+                      </a:br>
+                      <a:r>
+                        <a:rPr lang="en-US" sz="1100" b="0" i="0" kern="1200" baseline="0" dirty="0">
+                          <a:solidFill>
+                            <a:schemeClr val="lt1"/>
+                          </a:solidFill>
+                          <a:latin typeface="Consolas" panose="020B0609020204030204" pitchFamily="49" charset="0"/>
+                          <a:ea typeface="+mn-ea"/>
+                          <a:cs typeface="+mn-cs"/>
+                        </a:rPr>
+                        <a:t>                                                                                                                     </a:t>
+                      </a:r>
+                      <a:br>
+                        <a:rPr lang="en-US" sz="1100" b="0" i="0" kern="1200" baseline="0" dirty="0">
+                          <a:solidFill>
+                            <a:schemeClr val="lt1"/>
+                          </a:solidFill>
+                          <a:latin typeface="Consolas" panose="020B0609020204030204" pitchFamily="49" charset="0"/>
+                          <a:ea typeface="+mn-ea"/>
+                          <a:cs typeface="+mn-cs"/>
+                        </a:rPr>
+                      </a:br>
+                      <a:r>
+                        <a:rPr lang="en-US" sz="1100" b="0" i="0" kern="1200" baseline="0" dirty="0">
+                          <a:solidFill>
+                            <a:schemeClr val="lt1"/>
+                          </a:solidFill>
+                          <a:latin typeface="Consolas" panose="020B0609020204030204" pitchFamily="49" charset="0"/>
+                          <a:ea typeface="+mn-ea"/>
+                          <a:cs typeface="+mn-cs"/>
+                        </a:rPr>
+                        <a:t>    10 rows returned.    </a:t>
+                      </a:r>
+                    </a:p>
+                    <a:p>
+                      <a:r>
+                        <a:rPr lang="en-US" sz="1100" b="0" i="0" kern="1200" baseline="0" dirty="0">
+                          <a:solidFill>
+                            <a:schemeClr val="lt1"/>
+                          </a:solidFill>
+                          <a:latin typeface="Consolas" panose="020B0609020204030204" pitchFamily="49" charset="0"/>
+                          <a:ea typeface="+mn-ea"/>
+                          <a:cs typeface="+mn-cs"/>
+                        </a:rPr>
+                        <a:t>                                                                                            </a:t>
+                      </a:r>
+                      <a:br>
+                        <a:rPr lang="en-US" sz="1100" b="0" i="0" kern="1200" baseline="0" dirty="0">
+                          <a:solidFill>
+                            <a:schemeClr val="lt1"/>
+                          </a:solidFill>
+                          <a:latin typeface="Consolas" panose="020B0609020204030204" pitchFamily="49" charset="0"/>
+                          <a:ea typeface="+mn-ea"/>
+                          <a:cs typeface="+mn-cs"/>
+                        </a:rPr>
+                      </a:br>
+                      <a:r>
+                        <a:rPr lang="en-US" sz="1100" b="0" i="0" kern="1200" baseline="0" dirty="0">
+                          <a:solidFill>
+                            <a:schemeClr val="lt1"/>
+                          </a:solidFill>
+                          <a:latin typeface="Consolas" panose="020B0609020204030204" pitchFamily="49" charset="0"/>
+                          <a:ea typeface="+mn-ea"/>
+                          <a:cs typeface="+mn-cs"/>
+                        </a:rPr>
+                        <a:t>CATDB&gt; set printsize 5 colsep |                                                                                       </a:t>
+                      </a:r>
+                      <a:br>
+                        <a:rPr lang="en-US" sz="1100" b="0" i="0" kern="1200" baseline="0" dirty="0">
+                          <a:solidFill>
+                            <a:schemeClr val="lt1"/>
+                          </a:solidFill>
+                          <a:latin typeface="Consolas" panose="020B0609020204030204" pitchFamily="49" charset="0"/>
+                          <a:ea typeface="+mn-ea"/>
+                          <a:cs typeface="+mn-cs"/>
+                        </a:rPr>
+                      </a:br>
+                      <a:r>
+                        <a:rPr lang="en-US" sz="1100" b="0" i="0" kern="1200" baseline="0" dirty="0">
+                          <a:solidFill>
+                            <a:schemeClr val="lt1"/>
+                          </a:solidFill>
+                          <a:latin typeface="Consolas" panose="020B0609020204030204" pitchFamily="49" charset="0"/>
+                          <a:ea typeface="+mn-ea"/>
+                          <a:cs typeface="+mn-cs"/>
+                        </a:rPr>
+                        <a:t>CATDB&gt; sf dba_objects                                                                                                 </a:t>
+                      </a:r>
+                      <a:br>
+                        <a:rPr lang="en-US" sz="1100" b="0" i="0" kern="1200" baseline="0" dirty="0">
+                          <a:solidFill>
+                            <a:schemeClr val="lt1"/>
+                          </a:solidFill>
+                          <a:latin typeface="Consolas" panose="020B0609020204030204" pitchFamily="49" charset="0"/>
+                          <a:ea typeface="+mn-ea"/>
+                          <a:cs typeface="+mn-cs"/>
+                        </a:rPr>
+                      </a:br>
+                      <a:r>
+                        <a:rPr lang="en-US" sz="1100" b="0" i="0" kern="1200" baseline="0" dirty="0">
+                          <a:solidFill>
+                            <a:schemeClr val="lt1"/>
+                          </a:solidFill>
+                          <a:latin typeface="Consolas" panose="020B0609020204030204" pitchFamily="49" charset="0"/>
+                          <a:ea typeface="+mn-ea"/>
+                          <a:cs typeface="+mn-cs"/>
+                        </a:rPr>
+                        <a:t>    $ select * from (select * from dba_objects) where rownum&lt;=50                                                      </a:t>
+                      </a:r>
+                      <a:br>
+                        <a:rPr lang="en-US" sz="1100" b="0" i="0" kern="1200" baseline="0" dirty="0">
+                          <a:solidFill>
+                            <a:schemeClr val="lt1"/>
+                          </a:solidFill>
+                          <a:latin typeface="Consolas" panose="020B0609020204030204" pitchFamily="49" charset="0"/>
+                          <a:ea typeface="+mn-ea"/>
+                          <a:cs typeface="+mn-cs"/>
+                        </a:rPr>
+                      </a:br>
+                      <a:r>
+                        <a:rPr lang="en-US" sz="1100" b="0" i="0" kern="1200" baseline="0" dirty="0">
+                          <a:solidFill>
+                            <a:schemeClr val="lt1"/>
+                          </a:solidFill>
+                          <a:latin typeface="Consolas" panose="020B0609020204030204" pitchFamily="49" charset="0"/>
+                          <a:ea typeface="+mn-ea"/>
+                          <a:cs typeface="+mn-cs"/>
+                        </a:rPr>
+                        <a:t>    +-----+--------------+--------------+---------+--------------+-----------+-------------------+-------------------+</a:t>
+                      </a:r>
+                      <a:br>
+                        <a:rPr lang="en-US" sz="1100" b="0" i="0" kern="1200" baseline="0" dirty="0">
+                          <a:solidFill>
+                            <a:schemeClr val="lt1"/>
+                          </a:solidFill>
+                          <a:latin typeface="Consolas" panose="020B0609020204030204" pitchFamily="49" charset="0"/>
+                          <a:ea typeface="+mn-ea"/>
+                          <a:cs typeface="+mn-cs"/>
+                        </a:rPr>
+                      </a:br>
+                      <a:r>
+                        <a:rPr lang="en-US" sz="1100" b="0" i="0" kern="1200" baseline="0" dirty="0">
+                          <a:solidFill>
+                            <a:schemeClr val="lt1"/>
+                          </a:solidFill>
+                          <a:latin typeface="Consolas" panose="020B0609020204030204" pitchFamily="49" charset="0"/>
+                          <a:ea typeface="+mn-ea"/>
+                          <a:cs typeface="+mn-cs"/>
+                        </a:rPr>
+                        <a:t>    |OWNER| OBJECT_NAME  |SUBOBJECT_NAME|OBJECT_ID|DATA_OBJECT_ID|OBJECT_TYPE|      CREATED      |   LAST_DDL_TIME   |</a:t>
+                      </a:r>
+                      <a:br>
+                        <a:rPr lang="en-US" sz="1100" b="0" i="0" kern="1200" baseline="0" dirty="0">
+                          <a:solidFill>
+                            <a:schemeClr val="lt1"/>
+                          </a:solidFill>
+                          <a:latin typeface="Consolas" panose="020B0609020204030204" pitchFamily="49" charset="0"/>
+                          <a:ea typeface="+mn-ea"/>
+                          <a:cs typeface="+mn-cs"/>
+                        </a:rPr>
+                      </a:br>
+                      <a:r>
+                        <a:rPr lang="en-US" sz="1100" b="0" i="0" kern="1200" baseline="0" dirty="0">
+                          <a:solidFill>
+                            <a:schemeClr val="lt1"/>
+                          </a:solidFill>
+                          <a:latin typeface="Consolas" panose="020B0609020204030204" pitchFamily="49" charset="0"/>
+                          <a:ea typeface="+mn-ea"/>
+                          <a:cs typeface="+mn-cs"/>
+                        </a:rPr>
+                        <a:t>    |-----|--------------|--------------|---------|--------------|-----------|-------------------|-------------------|</a:t>
+                      </a:r>
+                      <a:br>
+                        <a:rPr lang="en-US" sz="1100" b="0" i="0" kern="1200" baseline="0" dirty="0">
+                          <a:solidFill>
+                            <a:schemeClr val="lt1"/>
+                          </a:solidFill>
+                          <a:latin typeface="Consolas" panose="020B0609020204030204" pitchFamily="49" charset="0"/>
+                          <a:ea typeface="+mn-ea"/>
+                          <a:cs typeface="+mn-cs"/>
+                        </a:rPr>
+                      </a:br>
+                      <a:r>
+                        <a:rPr lang="en-US" sz="1100" b="0" i="0" kern="1200" baseline="0" dirty="0">
+                          <a:solidFill>
+                            <a:schemeClr val="lt1"/>
+                          </a:solidFill>
+                          <a:latin typeface="Consolas" panose="020B0609020204030204" pitchFamily="49" charset="0"/>
+                          <a:ea typeface="+mn-ea"/>
+                          <a:cs typeface="+mn-cs"/>
+                        </a:rPr>
+                        <a:t>    |SYS  |TS$           |              |       16|             6|TABLE      |2018-02-07 22:51:55|2018-02-07 23:57:54|</a:t>
+                      </a:r>
+                      <a:br>
+                        <a:rPr lang="en-US" sz="1100" b="0" i="0" kern="1200" baseline="0" dirty="0">
+                          <a:solidFill>
+                            <a:schemeClr val="lt1"/>
+                          </a:solidFill>
+                          <a:latin typeface="Consolas" panose="020B0609020204030204" pitchFamily="49" charset="0"/>
+                          <a:ea typeface="+mn-ea"/>
+                          <a:cs typeface="+mn-cs"/>
+                        </a:rPr>
+                      </a:br>
+                      <a:r>
+                        <a:rPr lang="en-US" sz="1100" b="0" i="0" kern="1200" baseline="0" dirty="0">
+                          <a:solidFill>
+                            <a:schemeClr val="lt1"/>
+                          </a:solidFill>
+                          <a:latin typeface="Consolas" panose="020B0609020204030204" pitchFamily="49" charset="0"/>
+                          <a:ea typeface="+mn-ea"/>
+                          <a:cs typeface="+mn-cs"/>
+                        </a:rPr>
+                        <a:t>    |SYS  |ICOL$         |              |       20|             2|TABLE      |2018-02-07 22:51:55|2018-02-07 23:57:54|</a:t>
+                      </a:r>
+                      <a:br>
+                        <a:rPr lang="en-US" sz="1100" b="0" i="0" kern="1200" baseline="0" dirty="0">
+                          <a:solidFill>
+                            <a:schemeClr val="lt1"/>
+                          </a:solidFill>
+                          <a:latin typeface="Consolas" panose="020B0609020204030204" pitchFamily="49" charset="0"/>
+                          <a:ea typeface="+mn-ea"/>
+                          <a:cs typeface="+mn-cs"/>
+                        </a:rPr>
+                      </a:br>
+                      <a:r>
+                        <a:rPr lang="en-US" sz="1100" b="0" i="0" kern="1200" baseline="0" dirty="0">
+                          <a:solidFill>
+                            <a:schemeClr val="lt1"/>
+                          </a:solidFill>
+                          <a:latin typeface="Consolas" panose="020B0609020204030204" pitchFamily="49" charset="0"/>
+                          <a:ea typeface="+mn-ea"/>
+                          <a:cs typeface="+mn-cs"/>
+                        </a:rPr>
+                        <a:t>    |SYS  |C_FILE#_BLOCK#|              |        8|             8|CLUSTER    |2018-02-07 22:51:55|2018-02-07 22:51:55|</a:t>
+                      </a:r>
+                      <a:br>
+                        <a:rPr lang="en-US" sz="1100" b="0" i="0" kern="1200" baseline="0" dirty="0">
+                          <a:solidFill>
+                            <a:schemeClr val="lt1"/>
+                          </a:solidFill>
+                          <a:latin typeface="Consolas" panose="020B0609020204030204" pitchFamily="49" charset="0"/>
+                          <a:ea typeface="+mn-ea"/>
+                          <a:cs typeface="+mn-cs"/>
+                        </a:rPr>
+                      </a:br>
+                      <a:r>
+                        <a:rPr lang="en-US" sz="1100" b="0" i="0" kern="1200" baseline="0" dirty="0">
+                          <a:solidFill>
+                            <a:schemeClr val="lt1"/>
+                          </a:solidFill>
+                          <a:latin typeface="Consolas" panose="020B0609020204030204" pitchFamily="49" charset="0"/>
+                          <a:ea typeface="+mn-ea"/>
+                          <a:cs typeface="+mn-cs"/>
+                        </a:rPr>
+                        <a:t>    |SYS  |I_OBJ2        |              |       37|            37|INDEX      |2018-02-07 22:51:56|2018-02-07 22:51:56|</a:t>
+                      </a:r>
+                      <a:br>
+                        <a:rPr lang="en-US" sz="1100" b="0" i="0" kern="1200" baseline="0" dirty="0">
+                          <a:solidFill>
+                            <a:schemeClr val="lt1"/>
+                          </a:solidFill>
+                          <a:latin typeface="Consolas" panose="020B0609020204030204" pitchFamily="49" charset="0"/>
+                          <a:ea typeface="+mn-ea"/>
+                          <a:cs typeface="+mn-cs"/>
+                        </a:rPr>
+                      </a:br>
+                      <a:r>
+                        <a:rPr lang="en-US" sz="1100" b="0" i="0" kern="1200" baseline="0" dirty="0">
+                          <a:solidFill>
+                            <a:schemeClr val="lt1"/>
+                          </a:solidFill>
+                          <a:latin typeface="Consolas" panose="020B0609020204030204" pitchFamily="49" charset="0"/>
+                          <a:ea typeface="+mn-ea"/>
+                          <a:cs typeface="+mn-cs"/>
+                        </a:rPr>
+                        <a:t>    |SYS  |USER$         |              |       22|            10|TABLE      |2018-02-07 22:51:55|2018-02-07 23:05:16|</a:t>
+                      </a:r>
+                      <a:br>
+                        <a:rPr lang="en-US" sz="1100" b="0" i="0" kern="1200" baseline="0" dirty="0">
+                          <a:solidFill>
+                            <a:schemeClr val="lt1"/>
+                          </a:solidFill>
+                          <a:latin typeface="Consolas" panose="020B0609020204030204" pitchFamily="49" charset="0"/>
+                          <a:ea typeface="+mn-ea"/>
+                          <a:cs typeface="+mn-cs"/>
+                        </a:rPr>
+                      </a:br>
+                      <a:r>
+                        <a:rPr lang="en-US" sz="1100" b="0" i="0" kern="1200" baseline="0" dirty="0">
+                          <a:solidFill>
+                            <a:schemeClr val="lt1"/>
+                          </a:solidFill>
+                          <a:latin typeface="Consolas" panose="020B0609020204030204" pitchFamily="49" charset="0"/>
+                          <a:ea typeface="+mn-ea"/>
+                          <a:cs typeface="+mn-cs"/>
+                        </a:rPr>
+                        <a:t>    +-----+--------------+--------------+---------+--------------+-----------+-------------------+-------------------+</a:t>
+                      </a:r>
+                      <a:br>
+                        <a:rPr lang="en-US" sz="1100" b="0" i="0" kern="1200" baseline="0" dirty="0">
+                          <a:solidFill>
+                            <a:schemeClr val="lt1"/>
+                          </a:solidFill>
+                          <a:latin typeface="Consolas" panose="020B0609020204030204" pitchFamily="49" charset="0"/>
+                          <a:ea typeface="+mn-ea"/>
+                          <a:cs typeface="+mn-cs"/>
+                        </a:rPr>
+                      </a:br>
+                      <a:r>
+                        <a:rPr lang="en-US" sz="1100" b="0" i="0" kern="1200" baseline="0" dirty="0">
+                          <a:solidFill>
+                            <a:schemeClr val="lt1"/>
+                          </a:solidFill>
+                          <a:latin typeface="Consolas" panose="020B0609020204030204" pitchFamily="49" charset="0"/>
+                          <a:ea typeface="+mn-ea"/>
+                          <a:cs typeface="+mn-cs"/>
+                        </a:rPr>
+                        <a:t>                                                                                                                      </a:t>
+                      </a:r>
+                      <a:br>
+                        <a:rPr lang="en-US" sz="1100" b="0" i="0" kern="1200" baseline="0" dirty="0">
+                          <a:solidFill>
+                            <a:schemeClr val="lt1"/>
+                          </a:solidFill>
+                          <a:latin typeface="Consolas" panose="020B0609020204030204" pitchFamily="49" charset="0"/>
+                          <a:ea typeface="+mn-ea"/>
+                          <a:cs typeface="+mn-cs"/>
+                        </a:rPr>
+                      </a:br>
+                      <a:r>
+                        <a:rPr lang="en-US" sz="1100" b="0" i="0" kern="1200" baseline="0" dirty="0">
+                          <a:solidFill>
+                            <a:schemeClr val="lt1"/>
+                          </a:solidFill>
+                          <a:latin typeface="Consolas" panose="020B0609020204030204" pitchFamily="49" charset="0"/>
+                          <a:ea typeface="+mn-ea"/>
+                          <a:cs typeface="+mn-cs"/>
+                        </a:rPr>
+                        <a:t>    5 rows returned.                                                                                                  </a:t>
+                      </a:r>
+                      <a:br>
+                        <a:rPr lang="en-US" sz="1100" b="0" i="0" kern="1200" baseline="0" dirty="0">
+                          <a:solidFill>
+                            <a:schemeClr val="lt1"/>
+                          </a:solidFill>
+                          <a:latin typeface="Consolas" panose="020B0609020204030204" pitchFamily="49" charset="0"/>
+                          <a:ea typeface="+mn-ea"/>
+                          <a:cs typeface="+mn-cs"/>
+                        </a:rPr>
+                      </a:br>
+                      <a:br>
+                        <a:rPr lang="en-US" sz="1100" b="0" i="0" kern="1200" baseline="0" dirty="0">
+                          <a:solidFill>
+                            <a:schemeClr val="lt1"/>
+                          </a:solidFill>
+                          <a:latin typeface="Consolas" panose="020B0609020204030204" pitchFamily="49" charset="0"/>
+                          <a:ea typeface="+mn-ea"/>
+                          <a:cs typeface="+mn-cs"/>
+                        </a:rPr>
+                      </a:br>
+                      <a:r>
+                        <a:rPr lang="en-US" sz="1100" b="0" i="0" kern="1200" baseline="0" dirty="0">
+                          <a:solidFill>
+                            <a:schemeClr val="lt1"/>
+                          </a:solidFill>
+                          <a:latin typeface="Consolas" panose="020B0609020204030204" pitchFamily="49" charset="0"/>
+                          <a:ea typeface="+mn-ea"/>
+                          <a:cs typeface="+mn-cs"/>
+                        </a:rPr>
+                        <a:t>CATDB&gt; set colsep default</a:t>
+                      </a:r>
+                    </a:p>
+                  </a:txBody>
+                  <a:tcPr/>
+                </a:tc>
+                <a:extLst>
+                  <a:ext uri="{0D108BD9-81ED-4DB2-BD59-A6C34878D82A}">
+                    <a16:rowId xmlns:a16="http://schemas.microsoft.com/office/drawing/2014/main" val="1504338429"/>
+                  </a:ext>
+                </a:extLst>
+              </a:tr>
+            </a:tbl>
+          </a:graphicData>
+        </a:graphic>
+      </p:graphicFrame>
+      <p:sp>
+        <p:nvSpPr>
+          <p:cNvPr id="5" name="内容占位符 2">
+            <a:extLst>
+              <a:ext uri="{FF2B5EF4-FFF2-40B4-BE49-F238E27FC236}">
+                <a16:creationId xmlns:a16="http://schemas.microsoft.com/office/drawing/2014/main" id="{11EF5E99-F123-4A81-818D-EA921BFA96B0}"/>
+              </a:ext>
+            </a:extLst>
+          </p:cNvPr>
+          <p:cNvSpPr>
+            <a:spLocks noGrp="1"/>
+          </p:cNvSpPr>
+          <p:nvPr>
+            <p:ph idx="1"/>
+          </p:nvPr>
+        </p:nvSpPr>
+        <p:spPr>
+          <a:xfrm>
+            <a:off x="838200" y="1010093"/>
+            <a:ext cx="10275779" cy="621105"/>
+          </a:xfrm>
+        </p:spPr>
+        <p:txBody>
+          <a:bodyPr>
+            <a:normAutofit fontScale="85000" lnSpcReduction="20000"/>
+          </a:bodyPr>
+          <a:lstStyle/>
+          <a:p>
+            <a:r>
+              <a:rPr lang="en-US" dirty="0"/>
+              <a:t>The string columns are auto-adjusted to fit the screen, refer to “set grid” for more manual configurations</a:t>
+            </a:r>
+          </a:p>
+          <a:p>
+            <a:pPr marL="0" indent="0">
+              <a:buNone/>
+            </a:pPr>
+            <a:endParaRPr lang="en-US" dirty="0"/>
+          </a:p>
+        </p:txBody>
+      </p:sp>
+    </p:spTree>
+    <p:extLst>
+      <p:ext uri="{BB962C8B-B14F-4D97-AF65-F5344CB8AC3E}">
+        <p14:creationId xmlns:p14="http://schemas.microsoft.com/office/powerpoint/2010/main" val="3356030857"/>
+      </p:ext>
+    </p:extLst>
+  </p:cSld>
+  <p:clrMapOvr>
+    <a:masterClrMapping/>
+  </p:clrMapOvr>
+</p:sld>
+</file>
+
+<file path=ppt/slides/slide50.xml><?xml version="1.0" encoding="utf-8"?>
 <p:sld xmlns:a="http://schemas.openxmlformats.org/drawingml/2006/main" xmlns:r="http://schemas.openxmlformats.org/officeDocument/2006/relationships" xmlns:p="http://schemas.openxmlformats.org/presentationml/2006/main">
   <p:cSld>
     <p:spTree>
@@ -21172,855 +22508,7 @@
 </p:sld>
 </file>
 
-<file path=ppt/slides/slide5.xml><?xml version="1.0" encoding="utf-8"?>
-<p:sld xmlns:a="http://schemas.openxmlformats.org/drawingml/2006/main" xmlns:r="http://schemas.openxmlformats.org/officeDocument/2006/relationships" xmlns:p="http://schemas.openxmlformats.org/presentationml/2006/main">
-  <p:cSld>
-    <p:spTree>
-      <p:nvGrpSpPr>
-        <p:cNvPr id="1" name=""/>
-        <p:cNvGrpSpPr/>
-        <p:nvPr/>
-      </p:nvGrpSpPr>
-      <p:grpSpPr>
-        <a:xfrm>
-          <a:off x="0" y="0"/>
-          <a:ext cx="0" cy="0"/>
-          <a:chOff x="0" y="0"/>
-          <a:chExt cx="0" cy="0"/>
-        </a:xfrm>
-      </p:grpSpPr>
-      <p:sp>
-        <p:nvSpPr>
-          <p:cNvPr id="2" name="标题 1">
-            <a:extLst>
-              <a:ext uri="{FF2B5EF4-FFF2-40B4-BE49-F238E27FC236}">
-                <a16:creationId xmlns:a16="http://schemas.microsoft.com/office/drawing/2014/main" id="{31E9F1B0-DF27-4D82-B726-DDD3F9CF7328}"/>
-              </a:ext>
-            </a:extLst>
-          </p:cNvPr>
-          <p:cNvSpPr>
-            <a:spLocks noGrp="1"/>
-          </p:cNvSpPr>
-          <p:nvPr>
-            <p:ph type="title"/>
-          </p:nvPr>
-        </p:nvSpPr>
-        <p:spPr>
-          <a:xfrm>
-            <a:off x="838200" y="184372"/>
-            <a:ext cx="10515600" cy="708763"/>
-          </a:xfrm>
-        </p:spPr>
-        <p:txBody>
-          <a:bodyPr/>
-          <a:lstStyle/>
-          <a:p>
-            <a:r>
-              <a:rPr lang="en-US" dirty="0"/>
-              <a:t>Intelligent format of the query output(Set)</a:t>
-            </a:r>
-          </a:p>
-        </p:txBody>
-      </p:sp>
-      <p:graphicFrame>
-        <p:nvGraphicFramePr>
-          <p:cNvPr id="4" name="表格 3">
-            <a:extLst>
-              <a:ext uri="{FF2B5EF4-FFF2-40B4-BE49-F238E27FC236}">
-                <a16:creationId xmlns:a16="http://schemas.microsoft.com/office/drawing/2014/main" id="{2563436E-7DD6-46CC-BCAE-29765B663613}"/>
-              </a:ext>
-            </a:extLst>
-          </p:cNvPr>
-          <p:cNvGraphicFramePr>
-            <a:graphicFrameLocks noGrp="1"/>
-          </p:cNvGraphicFramePr>
-          <p:nvPr>
-            <p:extLst>
-              <p:ext uri="{D42A27DB-BD31-4B8C-83A1-F6EECF244321}">
-                <p14:modId xmlns:p14="http://schemas.microsoft.com/office/powerpoint/2010/main" val="2259286601"/>
-              </p:ext>
-            </p:extLst>
-          </p:nvPr>
-        </p:nvGraphicFramePr>
-        <p:xfrm>
-          <a:off x="838200" y="1748157"/>
-          <a:ext cx="10374425" cy="5791200"/>
-        </p:xfrm>
-        <a:graphic>
-          <a:graphicData uri="http://schemas.openxmlformats.org/drawingml/2006/table">
-            <a:tbl>
-              <a:tblPr firstRow="1" bandRow="1">
-                <a:tableStyleId>{5C22544A-7EE6-4342-B048-85BDC9FD1C3A}</a:tableStyleId>
-              </a:tblPr>
-              <a:tblGrid>
-                <a:gridCol w="10374425">
-                  <a:extLst>
-                    <a:ext uri="{9D8B030D-6E8A-4147-A177-3AD203B41FA5}">
-                      <a16:colId xmlns:a16="http://schemas.microsoft.com/office/drawing/2014/main" val="4245137307"/>
-                    </a:ext>
-                  </a:extLst>
-                </a:gridCol>
-              </a:tblGrid>
-              <a:tr h="4570526">
-                <a:tc>
-                  <a:txBody>
-                    <a:bodyPr/>
-                    <a:lstStyle/>
-                    <a:p>
-                      <a:r>
-                        <a:rPr lang="en-US" sz="1100" b="0" i="0" kern="1200" baseline="0" dirty="0">
-                          <a:solidFill>
-                            <a:schemeClr val="lt1"/>
-                          </a:solidFill>
-                          <a:latin typeface="Consolas" panose="020B0609020204030204" pitchFamily="49" charset="0"/>
-                          <a:ea typeface="+mn-ea"/>
-                          <a:cs typeface="+mn-cs"/>
-                        </a:rPr>
-                        <a:t>CATDB&gt; set printsize 10                                                                                              </a:t>
-                      </a:r>
-                      <a:br>
-                        <a:rPr lang="en-US" sz="1100" b="0" i="0" kern="1200" baseline="0" dirty="0">
-                          <a:solidFill>
-                            <a:schemeClr val="lt1"/>
-                          </a:solidFill>
-                          <a:latin typeface="Consolas" panose="020B0609020204030204" pitchFamily="49" charset="0"/>
-                          <a:ea typeface="+mn-ea"/>
-                          <a:cs typeface="+mn-cs"/>
-                        </a:rPr>
-                      </a:br>
-                      <a:r>
-                        <a:rPr lang="en-US" sz="1100" b="0" i="0" kern="1200" baseline="0" dirty="0">
-                          <a:solidFill>
-                            <a:schemeClr val="lt1"/>
-                          </a:solidFill>
-                          <a:latin typeface="Consolas" panose="020B0609020204030204" pitchFamily="49" charset="0"/>
-                          <a:ea typeface="+mn-ea"/>
-                          <a:cs typeface="+mn-cs"/>
-                        </a:rPr>
-                        <a:t>CATDB&gt; sf dba_objects                                                                                                </a:t>
-                      </a:r>
-                      <a:br>
-                        <a:rPr lang="en-US" sz="1100" b="0" i="0" kern="1200" baseline="0" dirty="0">
-                          <a:solidFill>
-                            <a:schemeClr val="lt1"/>
-                          </a:solidFill>
-                          <a:latin typeface="Consolas" panose="020B0609020204030204" pitchFamily="49" charset="0"/>
-                          <a:ea typeface="+mn-ea"/>
-                          <a:cs typeface="+mn-cs"/>
-                        </a:rPr>
-                      </a:br>
-                      <a:r>
-                        <a:rPr lang="en-US" sz="1100" b="0" i="0" kern="1200" baseline="0" dirty="0">
-                          <a:solidFill>
-                            <a:schemeClr val="lt1"/>
-                          </a:solidFill>
-                          <a:latin typeface="Consolas" panose="020B0609020204030204" pitchFamily="49" charset="0"/>
-                          <a:ea typeface="+mn-ea"/>
-                          <a:cs typeface="+mn-cs"/>
-                        </a:rPr>
-                        <a:t>    $ select * from (select * from dba_objects) where rownum&lt;=50                                                     </a:t>
-                      </a:r>
-                      <a:br>
-                        <a:rPr lang="en-US" sz="1100" b="0" i="0" kern="1200" baseline="0" dirty="0">
-                          <a:solidFill>
-                            <a:schemeClr val="lt1"/>
-                          </a:solidFill>
-                          <a:latin typeface="Consolas" panose="020B0609020204030204" pitchFamily="49" charset="0"/>
-                          <a:ea typeface="+mn-ea"/>
-                          <a:cs typeface="+mn-cs"/>
-                        </a:rPr>
-                      </a:br>
-                      <a:r>
-                        <a:rPr lang="en-US" sz="1100" b="0" i="0" kern="1200" baseline="0" dirty="0">
-                          <a:solidFill>
-                            <a:schemeClr val="lt1"/>
-                          </a:solidFill>
-                          <a:latin typeface="Consolas" panose="020B0609020204030204" pitchFamily="49" charset="0"/>
-                          <a:ea typeface="+mn-ea"/>
-                          <a:cs typeface="+mn-cs"/>
-                        </a:rPr>
-                        <a:t>    OWNER  OBJECT_NAME   SUBOBJECT_NAME OBJECT_ID DATA_OBJECT_ID OBJECT_TYPE       CREATED          LAST_DDL_TIME    </a:t>
-                      </a:r>
-                      <a:br>
-                        <a:rPr lang="en-US" sz="1100" b="0" i="0" kern="1200" baseline="0" dirty="0">
-                          <a:solidFill>
-                            <a:schemeClr val="lt1"/>
-                          </a:solidFill>
-                          <a:latin typeface="Consolas" panose="020B0609020204030204" pitchFamily="49" charset="0"/>
-                          <a:ea typeface="+mn-ea"/>
-                          <a:cs typeface="+mn-cs"/>
-                        </a:rPr>
-                      </a:br>
-                      <a:r>
-                        <a:rPr lang="en-US" sz="1100" b="0" i="0" kern="1200" baseline="0" dirty="0">
-                          <a:solidFill>
-                            <a:schemeClr val="lt1"/>
-                          </a:solidFill>
-                          <a:latin typeface="Consolas" panose="020B0609020204030204" pitchFamily="49" charset="0"/>
-                          <a:ea typeface="+mn-ea"/>
-                          <a:cs typeface="+mn-cs"/>
-                        </a:rPr>
-                        <a:t>    ----- -------------- -------------- --------- -------------- ----------- ------------------- ------------------- </a:t>
-                      </a:r>
-                      <a:br>
-                        <a:rPr lang="en-US" sz="1100" b="0" i="0" kern="1200" baseline="0" dirty="0">
-                          <a:solidFill>
-                            <a:schemeClr val="lt1"/>
-                          </a:solidFill>
-                          <a:latin typeface="Consolas" panose="020B0609020204030204" pitchFamily="49" charset="0"/>
-                          <a:ea typeface="+mn-ea"/>
-                          <a:cs typeface="+mn-cs"/>
-                        </a:rPr>
-                      </a:br>
-                      <a:r>
-                        <a:rPr lang="en-US" sz="1100" b="0" i="0" kern="1200" baseline="0" dirty="0">
-                          <a:solidFill>
-                            <a:schemeClr val="lt1"/>
-                          </a:solidFill>
-                          <a:latin typeface="Consolas" panose="020B0609020204030204" pitchFamily="49" charset="0"/>
-                          <a:ea typeface="+mn-ea"/>
-                          <a:cs typeface="+mn-cs"/>
-                        </a:rPr>
-                        <a:t>    SYS   TS$                                  16              6 TABLE       2018-02-07 22:51:55 2018-02-07 23:57:54 </a:t>
-                      </a:r>
-                      <a:br>
-                        <a:rPr lang="en-US" sz="1100" b="0" i="0" kern="1200" baseline="0" dirty="0">
-                          <a:solidFill>
-                            <a:schemeClr val="lt1"/>
-                          </a:solidFill>
-                          <a:latin typeface="Consolas" panose="020B0609020204030204" pitchFamily="49" charset="0"/>
-                          <a:ea typeface="+mn-ea"/>
-                          <a:cs typeface="+mn-cs"/>
-                        </a:rPr>
-                      </a:br>
-                      <a:r>
-                        <a:rPr lang="en-US" sz="1100" b="0" i="0" kern="1200" baseline="0" dirty="0">
-                          <a:solidFill>
-                            <a:schemeClr val="lt1"/>
-                          </a:solidFill>
-                          <a:latin typeface="Consolas" panose="020B0609020204030204" pitchFamily="49" charset="0"/>
-                          <a:ea typeface="+mn-ea"/>
-                          <a:cs typeface="+mn-cs"/>
-                        </a:rPr>
-                        <a:t>    SYS   ICOL$                                20              2 TABLE       2018-02-07 22:51:55 2018-02-07 23:57:54 </a:t>
-                      </a:r>
-                      <a:br>
-                        <a:rPr lang="en-US" sz="1100" b="0" i="0" kern="1200" baseline="0" dirty="0">
-                          <a:solidFill>
-                            <a:schemeClr val="lt1"/>
-                          </a:solidFill>
-                          <a:latin typeface="Consolas" panose="020B0609020204030204" pitchFamily="49" charset="0"/>
-                          <a:ea typeface="+mn-ea"/>
-                          <a:cs typeface="+mn-cs"/>
-                        </a:rPr>
-                      </a:br>
-                      <a:r>
-                        <a:rPr lang="en-US" sz="1100" b="0" i="0" kern="1200" baseline="0" dirty="0">
-                          <a:solidFill>
-                            <a:schemeClr val="lt1"/>
-                          </a:solidFill>
-                          <a:latin typeface="Consolas" panose="020B0609020204030204" pitchFamily="49" charset="0"/>
-                          <a:ea typeface="+mn-ea"/>
-                          <a:cs typeface="+mn-cs"/>
-                        </a:rPr>
-                        <a:t>    SYS   C_FILE#_BLOCK#                        8              8 CLUSTER     2018-02-07 22:51:55 2018-02-07 22:51:55 </a:t>
-                      </a:r>
-                      <a:br>
-                        <a:rPr lang="en-US" sz="1100" b="0" i="0" kern="1200" baseline="0" dirty="0">
-                          <a:solidFill>
-                            <a:schemeClr val="lt1"/>
-                          </a:solidFill>
-                          <a:latin typeface="Consolas" panose="020B0609020204030204" pitchFamily="49" charset="0"/>
-                          <a:ea typeface="+mn-ea"/>
-                          <a:cs typeface="+mn-cs"/>
-                        </a:rPr>
-                      </a:br>
-                      <a:r>
-                        <a:rPr lang="en-US" sz="1100" b="0" i="0" kern="1200" baseline="0" dirty="0">
-                          <a:solidFill>
-                            <a:schemeClr val="lt1"/>
-                          </a:solidFill>
-                          <a:latin typeface="Consolas" panose="020B0609020204030204" pitchFamily="49" charset="0"/>
-                          <a:ea typeface="+mn-ea"/>
-                          <a:cs typeface="+mn-cs"/>
-                        </a:rPr>
-                        <a:t>    SYS   I_OBJ2                               37             37 INDEX       2018-02-07 22:51:56 2018-02-07 22:51:56 </a:t>
-                      </a:r>
-                      <a:br>
-                        <a:rPr lang="en-US" sz="1100" b="0" i="0" kern="1200" baseline="0" dirty="0">
-                          <a:solidFill>
-                            <a:schemeClr val="lt1"/>
-                          </a:solidFill>
-                          <a:latin typeface="Consolas" panose="020B0609020204030204" pitchFamily="49" charset="0"/>
-                          <a:ea typeface="+mn-ea"/>
-                          <a:cs typeface="+mn-cs"/>
-                        </a:rPr>
-                      </a:br>
-                      <a:r>
-                        <a:rPr lang="en-US" sz="1100" b="0" i="0" kern="1200" baseline="0" dirty="0">
-                          <a:solidFill>
-                            <a:schemeClr val="lt1"/>
-                          </a:solidFill>
-                          <a:latin typeface="Consolas" panose="020B0609020204030204" pitchFamily="49" charset="0"/>
-                          <a:ea typeface="+mn-ea"/>
-                          <a:cs typeface="+mn-cs"/>
-                        </a:rPr>
-                        <a:t>    SYS   USER$                                22             10 TABLE       2018-02-07 22:51:55 2018-02-07 23:05:16 </a:t>
-                      </a:r>
-                      <a:br>
-                        <a:rPr lang="en-US" sz="1100" b="0" i="0" kern="1200" baseline="0" dirty="0">
-                          <a:solidFill>
-                            <a:schemeClr val="lt1"/>
-                          </a:solidFill>
-                          <a:latin typeface="Consolas" panose="020B0609020204030204" pitchFamily="49" charset="0"/>
-                          <a:ea typeface="+mn-ea"/>
-                          <a:cs typeface="+mn-cs"/>
-                        </a:rPr>
-                      </a:br>
-                      <a:r>
-                        <a:rPr lang="en-US" sz="1100" b="0" i="0" kern="1200" baseline="0" dirty="0">
-                          <a:solidFill>
-                            <a:schemeClr val="lt1"/>
-                          </a:solidFill>
-                          <a:latin typeface="Consolas" panose="020B0609020204030204" pitchFamily="49" charset="0"/>
-                          <a:ea typeface="+mn-ea"/>
-                          <a:cs typeface="+mn-cs"/>
-                        </a:rPr>
-                        <a:t>    SYS   I_TAB1                               33             33 INDEX       2018-02-07 22:51:55 2018-02-07 22:51:55 </a:t>
-                      </a:r>
-                      <a:br>
-                        <a:rPr lang="en-US" sz="1100" b="0" i="0" kern="1200" baseline="0" dirty="0">
-                          <a:solidFill>
-                            <a:schemeClr val="lt1"/>
-                          </a:solidFill>
-                          <a:latin typeface="Consolas" panose="020B0609020204030204" pitchFamily="49" charset="0"/>
-                          <a:ea typeface="+mn-ea"/>
-                          <a:cs typeface="+mn-cs"/>
-                        </a:rPr>
-                      </a:br>
-                      <a:r>
-                        <a:rPr lang="en-US" sz="1100" b="0" i="0" kern="1200" baseline="0" dirty="0">
-                          <a:solidFill>
-                            <a:schemeClr val="lt1"/>
-                          </a:solidFill>
-                          <a:latin typeface="Consolas" panose="020B0609020204030204" pitchFamily="49" charset="0"/>
-                          <a:ea typeface="+mn-ea"/>
-                          <a:cs typeface="+mn-cs"/>
-                        </a:rPr>
-                        <a:t>    SYS   I_OBJ5                               40             40 INDEX       2018-02-07 22:51:56 2018-02-07 22:51:56 </a:t>
-                      </a:r>
-                      <a:br>
-                        <a:rPr lang="en-US" sz="1100" b="0" i="0" kern="1200" baseline="0" dirty="0">
-                          <a:solidFill>
-                            <a:schemeClr val="lt1"/>
-                          </a:solidFill>
-                          <a:latin typeface="Consolas" panose="020B0609020204030204" pitchFamily="49" charset="0"/>
-                          <a:ea typeface="+mn-ea"/>
-                          <a:cs typeface="+mn-cs"/>
-                        </a:rPr>
-                      </a:br>
-                      <a:r>
-                        <a:rPr lang="en-US" sz="1100" b="0" i="0" kern="1200" baseline="0" dirty="0">
-                          <a:solidFill>
-                            <a:schemeClr val="lt1"/>
-                          </a:solidFill>
-                          <a:latin typeface="Consolas" panose="020B0609020204030204" pitchFamily="49" charset="0"/>
-                          <a:ea typeface="+mn-ea"/>
-                          <a:cs typeface="+mn-cs"/>
-                        </a:rPr>
-                        <a:t>    SYS   CDEF$                                31             29 TABLE       2018-02-07 22:51:55 2018-02-07 23:57:54 </a:t>
-                      </a:r>
-                      <a:br>
-                        <a:rPr lang="en-US" sz="1100" b="0" i="0" kern="1200" baseline="0" dirty="0">
-                          <a:solidFill>
-                            <a:schemeClr val="lt1"/>
-                          </a:solidFill>
-                          <a:latin typeface="Consolas" panose="020B0609020204030204" pitchFamily="49" charset="0"/>
-                          <a:ea typeface="+mn-ea"/>
-                          <a:cs typeface="+mn-cs"/>
-                        </a:rPr>
-                      </a:br>
-                      <a:r>
-                        <a:rPr lang="en-US" sz="1100" b="0" i="0" kern="1200" baseline="0" dirty="0">
-                          <a:solidFill>
-                            <a:schemeClr val="lt1"/>
-                          </a:solidFill>
-                          <a:latin typeface="Consolas" panose="020B0609020204030204" pitchFamily="49" charset="0"/>
-                          <a:ea typeface="+mn-ea"/>
-                          <a:cs typeface="+mn-cs"/>
-                        </a:rPr>
-                        <a:t>    SYS   I_IND1                               41             41 INDEX       2018-02-07 22:51:56 2018-02-07 22:51:56 </a:t>
-                      </a:r>
-                      <a:br>
-                        <a:rPr lang="en-US" sz="1100" b="0" i="0" kern="1200" baseline="0" dirty="0">
-                          <a:solidFill>
-                            <a:schemeClr val="lt1"/>
-                          </a:solidFill>
-                          <a:latin typeface="Consolas" panose="020B0609020204030204" pitchFamily="49" charset="0"/>
-                          <a:ea typeface="+mn-ea"/>
-                          <a:cs typeface="+mn-cs"/>
-                        </a:rPr>
-                      </a:br>
-                      <a:r>
-                        <a:rPr lang="en-US" sz="1100" b="0" i="0" kern="1200" baseline="0" dirty="0">
-                          <a:solidFill>
-                            <a:schemeClr val="lt1"/>
-                          </a:solidFill>
-                          <a:latin typeface="Consolas" panose="020B0609020204030204" pitchFamily="49" charset="0"/>
-                          <a:ea typeface="+mn-ea"/>
-                          <a:cs typeface="+mn-cs"/>
-                        </a:rPr>
-                        <a:t>    SYS   I_OBJ#                                3              3 INDEX       2018-02-07 22:51:55 2018-02-07 22:51:55 </a:t>
-                      </a:r>
-                      <a:br>
-                        <a:rPr lang="en-US" sz="1100" b="0" i="0" kern="1200" baseline="0" dirty="0">
-                          <a:solidFill>
-                            <a:schemeClr val="lt1"/>
-                          </a:solidFill>
-                          <a:latin typeface="Consolas" panose="020B0609020204030204" pitchFamily="49" charset="0"/>
-                          <a:ea typeface="+mn-ea"/>
-                          <a:cs typeface="+mn-cs"/>
-                        </a:rPr>
-                      </a:br>
-                      <a:r>
-                        <a:rPr lang="en-US" sz="1100" b="0" i="0" kern="1200" baseline="0" dirty="0">
-                          <a:solidFill>
-                            <a:schemeClr val="lt1"/>
-                          </a:solidFill>
-                          <a:latin typeface="Consolas" panose="020B0609020204030204" pitchFamily="49" charset="0"/>
-                          <a:ea typeface="+mn-ea"/>
-                          <a:cs typeface="+mn-cs"/>
-                        </a:rPr>
-                        <a:t>                                                                                                                     </a:t>
-                      </a:r>
-                      <a:br>
-                        <a:rPr lang="en-US" sz="1100" b="0" i="0" kern="1200" baseline="0" dirty="0">
-                          <a:solidFill>
-                            <a:schemeClr val="lt1"/>
-                          </a:solidFill>
-                          <a:latin typeface="Consolas" panose="020B0609020204030204" pitchFamily="49" charset="0"/>
-                          <a:ea typeface="+mn-ea"/>
-                          <a:cs typeface="+mn-cs"/>
-                        </a:rPr>
-                      </a:br>
-                      <a:r>
-                        <a:rPr lang="en-US" sz="1100" b="0" i="0" kern="1200" baseline="0" dirty="0">
-                          <a:solidFill>
-                            <a:schemeClr val="lt1"/>
-                          </a:solidFill>
-                          <a:latin typeface="Consolas" panose="020B0609020204030204" pitchFamily="49" charset="0"/>
-                          <a:ea typeface="+mn-ea"/>
-                          <a:cs typeface="+mn-cs"/>
-                        </a:rPr>
-                        <a:t>    10 rows returned.    </a:t>
-                      </a:r>
-                    </a:p>
-                    <a:p>
-                      <a:r>
-                        <a:rPr lang="en-US" sz="1100" b="0" i="0" kern="1200" baseline="0" dirty="0">
-                          <a:solidFill>
-                            <a:schemeClr val="lt1"/>
-                          </a:solidFill>
-                          <a:latin typeface="Consolas" panose="020B0609020204030204" pitchFamily="49" charset="0"/>
-                          <a:ea typeface="+mn-ea"/>
-                          <a:cs typeface="+mn-cs"/>
-                        </a:rPr>
-                        <a:t>                                                                                            </a:t>
-                      </a:r>
-                      <a:br>
-                        <a:rPr lang="en-US" sz="1100" b="0" i="0" kern="1200" baseline="0" dirty="0">
-                          <a:solidFill>
-                            <a:schemeClr val="lt1"/>
-                          </a:solidFill>
-                          <a:latin typeface="Consolas" panose="020B0609020204030204" pitchFamily="49" charset="0"/>
-                          <a:ea typeface="+mn-ea"/>
-                          <a:cs typeface="+mn-cs"/>
-                        </a:rPr>
-                      </a:br>
-                      <a:r>
-                        <a:rPr lang="en-US" sz="1100" b="0" i="0" kern="1200" baseline="0" dirty="0">
-                          <a:solidFill>
-                            <a:schemeClr val="lt1"/>
-                          </a:solidFill>
-                          <a:latin typeface="Consolas" panose="020B0609020204030204" pitchFamily="49" charset="0"/>
-                          <a:ea typeface="+mn-ea"/>
-                          <a:cs typeface="+mn-cs"/>
-                        </a:rPr>
-                        <a:t>CATDB&gt; set printsize 5 colsep |                                                                                       </a:t>
-                      </a:r>
-                      <a:br>
-                        <a:rPr lang="en-US" sz="1100" b="0" i="0" kern="1200" baseline="0" dirty="0">
-                          <a:solidFill>
-                            <a:schemeClr val="lt1"/>
-                          </a:solidFill>
-                          <a:latin typeface="Consolas" panose="020B0609020204030204" pitchFamily="49" charset="0"/>
-                          <a:ea typeface="+mn-ea"/>
-                          <a:cs typeface="+mn-cs"/>
-                        </a:rPr>
-                      </a:br>
-                      <a:r>
-                        <a:rPr lang="en-US" sz="1100" b="0" i="0" kern="1200" baseline="0" dirty="0">
-                          <a:solidFill>
-                            <a:schemeClr val="lt1"/>
-                          </a:solidFill>
-                          <a:latin typeface="Consolas" panose="020B0609020204030204" pitchFamily="49" charset="0"/>
-                          <a:ea typeface="+mn-ea"/>
-                          <a:cs typeface="+mn-cs"/>
-                        </a:rPr>
-                        <a:t>CATDB&gt; sf dba_objects                                                                                                 </a:t>
-                      </a:r>
-                      <a:br>
-                        <a:rPr lang="en-US" sz="1100" b="0" i="0" kern="1200" baseline="0" dirty="0">
-                          <a:solidFill>
-                            <a:schemeClr val="lt1"/>
-                          </a:solidFill>
-                          <a:latin typeface="Consolas" panose="020B0609020204030204" pitchFamily="49" charset="0"/>
-                          <a:ea typeface="+mn-ea"/>
-                          <a:cs typeface="+mn-cs"/>
-                        </a:rPr>
-                      </a:br>
-                      <a:r>
-                        <a:rPr lang="en-US" sz="1100" b="0" i="0" kern="1200" baseline="0" dirty="0">
-                          <a:solidFill>
-                            <a:schemeClr val="lt1"/>
-                          </a:solidFill>
-                          <a:latin typeface="Consolas" panose="020B0609020204030204" pitchFamily="49" charset="0"/>
-                          <a:ea typeface="+mn-ea"/>
-                          <a:cs typeface="+mn-cs"/>
-                        </a:rPr>
-                        <a:t>    $ select * from (select * from dba_objects) where rownum&lt;=50                                                      </a:t>
-                      </a:r>
-                      <a:br>
-                        <a:rPr lang="en-US" sz="1100" b="0" i="0" kern="1200" baseline="0" dirty="0">
-                          <a:solidFill>
-                            <a:schemeClr val="lt1"/>
-                          </a:solidFill>
-                          <a:latin typeface="Consolas" panose="020B0609020204030204" pitchFamily="49" charset="0"/>
-                          <a:ea typeface="+mn-ea"/>
-                          <a:cs typeface="+mn-cs"/>
-                        </a:rPr>
-                      </a:br>
-                      <a:r>
-                        <a:rPr lang="en-US" sz="1100" b="0" i="0" kern="1200" baseline="0" dirty="0">
-                          <a:solidFill>
-                            <a:schemeClr val="lt1"/>
-                          </a:solidFill>
-                          <a:latin typeface="Consolas" panose="020B0609020204030204" pitchFamily="49" charset="0"/>
-                          <a:ea typeface="+mn-ea"/>
-                          <a:cs typeface="+mn-cs"/>
-                        </a:rPr>
-                        <a:t>    +-----+--------------+--------------+---------+--------------+-----------+-------------------+-------------------+</a:t>
-                      </a:r>
-                      <a:br>
-                        <a:rPr lang="en-US" sz="1100" b="0" i="0" kern="1200" baseline="0" dirty="0">
-                          <a:solidFill>
-                            <a:schemeClr val="lt1"/>
-                          </a:solidFill>
-                          <a:latin typeface="Consolas" panose="020B0609020204030204" pitchFamily="49" charset="0"/>
-                          <a:ea typeface="+mn-ea"/>
-                          <a:cs typeface="+mn-cs"/>
-                        </a:rPr>
-                      </a:br>
-                      <a:r>
-                        <a:rPr lang="en-US" sz="1100" b="0" i="0" kern="1200" baseline="0" dirty="0">
-                          <a:solidFill>
-                            <a:schemeClr val="lt1"/>
-                          </a:solidFill>
-                          <a:latin typeface="Consolas" panose="020B0609020204030204" pitchFamily="49" charset="0"/>
-                          <a:ea typeface="+mn-ea"/>
-                          <a:cs typeface="+mn-cs"/>
-                        </a:rPr>
-                        <a:t>    |OWNER| OBJECT_NAME  |SUBOBJECT_NAME|OBJECT_ID|DATA_OBJECT_ID|OBJECT_TYPE|      CREATED      |   LAST_DDL_TIME   |</a:t>
-                      </a:r>
-                      <a:br>
-                        <a:rPr lang="en-US" sz="1100" b="0" i="0" kern="1200" baseline="0" dirty="0">
-                          <a:solidFill>
-                            <a:schemeClr val="lt1"/>
-                          </a:solidFill>
-                          <a:latin typeface="Consolas" panose="020B0609020204030204" pitchFamily="49" charset="0"/>
-                          <a:ea typeface="+mn-ea"/>
-                          <a:cs typeface="+mn-cs"/>
-                        </a:rPr>
-                      </a:br>
-                      <a:r>
-                        <a:rPr lang="en-US" sz="1100" b="0" i="0" kern="1200" baseline="0" dirty="0">
-                          <a:solidFill>
-                            <a:schemeClr val="lt1"/>
-                          </a:solidFill>
-                          <a:latin typeface="Consolas" panose="020B0609020204030204" pitchFamily="49" charset="0"/>
-                          <a:ea typeface="+mn-ea"/>
-                          <a:cs typeface="+mn-cs"/>
-                        </a:rPr>
-                        <a:t>    |-----|--------------|--------------|---------|--------------|-----------|-------------------|-------------------|</a:t>
-                      </a:r>
-                      <a:br>
-                        <a:rPr lang="en-US" sz="1100" b="0" i="0" kern="1200" baseline="0" dirty="0">
-                          <a:solidFill>
-                            <a:schemeClr val="lt1"/>
-                          </a:solidFill>
-                          <a:latin typeface="Consolas" panose="020B0609020204030204" pitchFamily="49" charset="0"/>
-                          <a:ea typeface="+mn-ea"/>
-                          <a:cs typeface="+mn-cs"/>
-                        </a:rPr>
-                      </a:br>
-                      <a:r>
-                        <a:rPr lang="en-US" sz="1100" b="0" i="0" kern="1200" baseline="0" dirty="0">
-                          <a:solidFill>
-                            <a:schemeClr val="lt1"/>
-                          </a:solidFill>
-                          <a:latin typeface="Consolas" panose="020B0609020204030204" pitchFamily="49" charset="0"/>
-                          <a:ea typeface="+mn-ea"/>
-                          <a:cs typeface="+mn-cs"/>
-                        </a:rPr>
-                        <a:t>    |SYS  |TS$           |              |       16|             6|TABLE      |2018-02-07 22:51:55|2018-02-07 23:57:54|</a:t>
-                      </a:r>
-                      <a:br>
-                        <a:rPr lang="en-US" sz="1100" b="0" i="0" kern="1200" baseline="0" dirty="0">
-                          <a:solidFill>
-                            <a:schemeClr val="lt1"/>
-                          </a:solidFill>
-                          <a:latin typeface="Consolas" panose="020B0609020204030204" pitchFamily="49" charset="0"/>
-                          <a:ea typeface="+mn-ea"/>
-                          <a:cs typeface="+mn-cs"/>
-                        </a:rPr>
-                      </a:br>
-                      <a:r>
-                        <a:rPr lang="en-US" sz="1100" b="0" i="0" kern="1200" baseline="0" dirty="0">
-                          <a:solidFill>
-                            <a:schemeClr val="lt1"/>
-                          </a:solidFill>
-                          <a:latin typeface="Consolas" panose="020B0609020204030204" pitchFamily="49" charset="0"/>
-                          <a:ea typeface="+mn-ea"/>
-                          <a:cs typeface="+mn-cs"/>
-                        </a:rPr>
-                        <a:t>    |SYS  |ICOL$         |              |       20|             2|TABLE      |2018-02-07 22:51:55|2018-02-07 23:57:54|</a:t>
-                      </a:r>
-                      <a:br>
-                        <a:rPr lang="en-US" sz="1100" b="0" i="0" kern="1200" baseline="0" dirty="0">
-                          <a:solidFill>
-                            <a:schemeClr val="lt1"/>
-                          </a:solidFill>
-                          <a:latin typeface="Consolas" panose="020B0609020204030204" pitchFamily="49" charset="0"/>
-                          <a:ea typeface="+mn-ea"/>
-                          <a:cs typeface="+mn-cs"/>
-                        </a:rPr>
-                      </a:br>
-                      <a:r>
-                        <a:rPr lang="en-US" sz="1100" b="0" i="0" kern="1200" baseline="0" dirty="0">
-                          <a:solidFill>
-                            <a:schemeClr val="lt1"/>
-                          </a:solidFill>
-                          <a:latin typeface="Consolas" panose="020B0609020204030204" pitchFamily="49" charset="0"/>
-                          <a:ea typeface="+mn-ea"/>
-                          <a:cs typeface="+mn-cs"/>
-                        </a:rPr>
-                        <a:t>    |SYS  |C_FILE#_BLOCK#|              |        8|             8|CLUSTER    |2018-02-07 22:51:55|2018-02-07 22:51:55|</a:t>
-                      </a:r>
-                      <a:br>
-                        <a:rPr lang="en-US" sz="1100" b="0" i="0" kern="1200" baseline="0" dirty="0">
-                          <a:solidFill>
-                            <a:schemeClr val="lt1"/>
-                          </a:solidFill>
-                          <a:latin typeface="Consolas" panose="020B0609020204030204" pitchFamily="49" charset="0"/>
-                          <a:ea typeface="+mn-ea"/>
-                          <a:cs typeface="+mn-cs"/>
-                        </a:rPr>
-                      </a:br>
-                      <a:r>
-                        <a:rPr lang="en-US" sz="1100" b="0" i="0" kern="1200" baseline="0" dirty="0">
-                          <a:solidFill>
-                            <a:schemeClr val="lt1"/>
-                          </a:solidFill>
-                          <a:latin typeface="Consolas" panose="020B0609020204030204" pitchFamily="49" charset="0"/>
-                          <a:ea typeface="+mn-ea"/>
-                          <a:cs typeface="+mn-cs"/>
-                        </a:rPr>
-                        <a:t>    |SYS  |I_OBJ2        |              |       37|            37|INDEX      |2018-02-07 22:51:56|2018-02-07 22:51:56|</a:t>
-                      </a:r>
-                      <a:br>
-                        <a:rPr lang="en-US" sz="1100" b="0" i="0" kern="1200" baseline="0" dirty="0">
-                          <a:solidFill>
-                            <a:schemeClr val="lt1"/>
-                          </a:solidFill>
-                          <a:latin typeface="Consolas" panose="020B0609020204030204" pitchFamily="49" charset="0"/>
-                          <a:ea typeface="+mn-ea"/>
-                          <a:cs typeface="+mn-cs"/>
-                        </a:rPr>
-                      </a:br>
-                      <a:r>
-                        <a:rPr lang="en-US" sz="1100" b="0" i="0" kern="1200" baseline="0" dirty="0">
-                          <a:solidFill>
-                            <a:schemeClr val="lt1"/>
-                          </a:solidFill>
-                          <a:latin typeface="Consolas" panose="020B0609020204030204" pitchFamily="49" charset="0"/>
-                          <a:ea typeface="+mn-ea"/>
-                          <a:cs typeface="+mn-cs"/>
-                        </a:rPr>
-                        <a:t>    |SYS  |USER$         |              |       22|            10|TABLE      |2018-02-07 22:51:55|2018-02-07 23:05:16|</a:t>
-                      </a:r>
-                      <a:br>
-                        <a:rPr lang="en-US" sz="1100" b="0" i="0" kern="1200" baseline="0" dirty="0">
-                          <a:solidFill>
-                            <a:schemeClr val="lt1"/>
-                          </a:solidFill>
-                          <a:latin typeface="Consolas" panose="020B0609020204030204" pitchFamily="49" charset="0"/>
-                          <a:ea typeface="+mn-ea"/>
-                          <a:cs typeface="+mn-cs"/>
-                        </a:rPr>
-                      </a:br>
-                      <a:r>
-                        <a:rPr lang="en-US" sz="1100" b="0" i="0" kern="1200" baseline="0" dirty="0">
-                          <a:solidFill>
-                            <a:schemeClr val="lt1"/>
-                          </a:solidFill>
-                          <a:latin typeface="Consolas" panose="020B0609020204030204" pitchFamily="49" charset="0"/>
-                          <a:ea typeface="+mn-ea"/>
-                          <a:cs typeface="+mn-cs"/>
-                        </a:rPr>
-                        <a:t>    +-----+--------------+--------------+---------+--------------+-----------+-------------------+-------------------+</a:t>
-                      </a:r>
-                      <a:br>
-                        <a:rPr lang="en-US" sz="1100" b="0" i="0" kern="1200" baseline="0" dirty="0">
-                          <a:solidFill>
-                            <a:schemeClr val="lt1"/>
-                          </a:solidFill>
-                          <a:latin typeface="Consolas" panose="020B0609020204030204" pitchFamily="49" charset="0"/>
-                          <a:ea typeface="+mn-ea"/>
-                          <a:cs typeface="+mn-cs"/>
-                        </a:rPr>
-                      </a:br>
-                      <a:r>
-                        <a:rPr lang="en-US" sz="1100" b="0" i="0" kern="1200" baseline="0" dirty="0">
-                          <a:solidFill>
-                            <a:schemeClr val="lt1"/>
-                          </a:solidFill>
-                          <a:latin typeface="Consolas" panose="020B0609020204030204" pitchFamily="49" charset="0"/>
-                          <a:ea typeface="+mn-ea"/>
-                          <a:cs typeface="+mn-cs"/>
-                        </a:rPr>
-                        <a:t>                                                                                                                      </a:t>
-                      </a:r>
-                      <a:br>
-                        <a:rPr lang="en-US" sz="1100" b="0" i="0" kern="1200" baseline="0" dirty="0">
-                          <a:solidFill>
-                            <a:schemeClr val="lt1"/>
-                          </a:solidFill>
-                          <a:latin typeface="Consolas" panose="020B0609020204030204" pitchFamily="49" charset="0"/>
-                          <a:ea typeface="+mn-ea"/>
-                          <a:cs typeface="+mn-cs"/>
-                        </a:rPr>
-                      </a:br>
-                      <a:r>
-                        <a:rPr lang="en-US" sz="1100" b="0" i="0" kern="1200" baseline="0" dirty="0">
-                          <a:solidFill>
-                            <a:schemeClr val="lt1"/>
-                          </a:solidFill>
-                          <a:latin typeface="Consolas" panose="020B0609020204030204" pitchFamily="49" charset="0"/>
-                          <a:ea typeface="+mn-ea"/>
-                          <a:cs typeface="+mn-cs"/>
-                        </a:rPr>
-                        <a:t>    5 rows returned.                                                                                                  </a:t>
-                      </a:r>
-                      <a:br>
-                        <a:rPr lang="en-US" sz="1100" b="0" i="0" kern="1200" baseline="0" dirty="0">
-                          <a:solidFill>
-                            <a:schemeClr val="lt1"/>
-                          </a:solidFill>
-                          <a:latin typeface="Consolas" panose="020B0609020204030204" pitchFamily="49" charset="0"/>
-                          <a:ea typeface="+mn-ea"/>
-                          <a:cs typeface="+mn-cs"/>
-                        </a:rPr>
-                      </a:br>
-                      <a:br>
-                        <a:rPr lang="en-US" sz="1100" b="0" i="0" kern="1200" baseline="0" dirty="0">
-                          <a:solidFill>
-                            <a:schemeClr val="lt1"/>
-                          </a:solidFill>
-                          <a:latin typeface="Consolas" panose="020B0609020204030204" pitchFamily="49" charset="0"/>
-                          <a:ea typeface="+mn-ea"/>
-                          <a:cs typeface="+mn-cs"/>
-                        </a:rPr>
-                      </a:br>
-                      <a:r>
-                        <a:rPr lang="en-US" sz="1100" b="0" i="0" kern="1200" baseline="0" dirty="0">
-                          <a:solidFill>
-                            <a:schemeClr val="lt1"/>
-                          </a:solidFill>
-                          <a:latin typeface="Consolas" panose="020B0609020204030204" pitchFamily="49" charset="0"/>
-                          <a:ea typeface="+mn-ea"/>
-                          <a:cs typeface="+mn-cs"/>
-                        </a:rPr>
-                        <a:t>CATDB&gt; set colsep default</a:t>
-                      </a:r>
-                    </a:p>
-                  </a:txBody>
-                  <a:tcPr/>
-                </a:tc>
-                <a:extLst>
-                  <a:ext uri="{0D108BD9-81ED-4DB2-BD59-A6C34878D82A}">
-                    <a16:rowId xmlns:a16="http://schemas.microsoft.com/office/drawing/2014/main" val="1504338429"/>
-                  </a:ext>
-                </a:extLst>
-              </a:tr>
-            </a:tbl>
-          </a:graphicData>
-        </a:graphic>
-      </p:graphicFrame>
-      <p:sp>
-        <p:nvSpPr>
-          <p:cNvPr id="5" name="内容占位符 2">
-            <a:extLst>
-              <a:ext uri="{FF2B5EF4-FFF2-40B4-BE49-F238E27FC236}">
-                <a16:creationId xmlns:a16="http://schemas.microsoft.com/office/drawing/2014/main" id="{11EF5E99-F123-4A81-818D-EA921BFA96B0}"/>
-              </a:ext>
-            </a:extLst>
-          </p:cNvPr>
-          <p:cNvSpPr>
-            <a:spLocks noGrp="1"/>
-          </p:cNvSpPr>
-          <p:nvPr>
-            <p:ph idx="1"/>
-          </p:nvPr>
-        </p:nvSpPr>
-        <p:spPr>
-          <a:xfrm>
-            <a:off x="838200" y="1010093"/>
-            <a:ext cx="10275779" cy="621105"/>
-          </a:xfrm>
-        </p:spPr>
-        <p:txBody>
-          <a:bodyPr>
-            <a:normAutofit fontScale="85000" lnSpcReduction="20000"/>
-          </a:bodyPr>
-          <a:lstStyle/>
-          <a:p>
-            <a:r>
-              <a:rPr lang="en-US" dirty="0"/>
-              <a:t>The string columns are auto-adjusted to fit the screen, refer to “set grid” for more manual configurations</a:t>
-            </a:r>
-          </a:p>
-          <a:p>
-            <a:pPr marL="0" indent="0">
-              <a:buNone/>
-            </a:pPr>
-            <a:endParaRPr lang="en-US" dirty="0"/>
-          </a:p>
-        </p:txBody>
-      </p:sp>
-    </p:spTree>
-    <p:extLst>
-      <p:ext uri="{BB962C8B-B14F-4D97-AF65-F5344CB8AC3E}">
-        <p14:creationId xmlns:p14="http://schemas.microsoft.com/office/powerpoint/2010/main" val="3356030857"/>
-      </p:ext>
-    </p:extLst>
-  </p:cSld>
-  <p:clrMapOvr>
-    <a:masterClrMapping/>
-  </p:clrMapOvr>
-</p:sld>
-</file>
-
-<file path=ppt/slides/slide50.xml><?xml version="1.0" encoding="utf-8"?>
+<file path=ppt/slides/slide51.xml><?xml version="1.0" encoding="utf-8"?>
 <p:sld xmlns:a="http://schemas.openxmlformats.org/drawingml/2006/main" xmlns:r="http://schemas.openxmlformats.org/officeDocument/2006/relationships" xmlns:p="http://schemas.openxmlformats.org/presentationml/2006/main">
   <p:cSld>
     <p:spTree>
@@ -22150,7 +22638,7 @@
 </p:sld>
 </file>
 
-<file path=ppt/slides/slide51.xml><?xml version="1.0" encoding="utf-8"?>
+<file path=ppt/slides/slide52.xml><?xml version="1.0" encoding="utf-8"?>
 <p:sld xmlns:a="http://schemas.openxmlformats.org/drawingml/2006/main" xmlns:r="http://schemas.openxmlformats.org/officeDocument/2006/relationships" xmlns:p="http://schemas.openxmlformats.org/presentationml/2006/main">
   <p:cSld>
     <p:spTree>
@@ -22292,7 +22780,7 @@
 </p:sld>
 </file>
 
-<file path=ppt/slides/slide52.xml><?xml version="1.0" encoding="utf-8"?>
+<file path=ppt/slides/slide53.xml><?xml version="1.0" encoding="utf-8"?>
 <p:sld xmlns:a="http://schemas.openxmlformats.org/drawingml/2006/main" xmlns:r="http://schemas.openxmlformats.org/officeDocument/2006/relationships" xmlns:p="http://schemas.openxmlformats.org/presentationml/2006/main">
   <p:cSld>
     <p:spTree>
@@ -22464,7 +22952,7 @@
 </p:sld>
 </file>
 
-<file path=ppt/slides/slide53.xml><?xml version="1.0" encoding="utf-8"?>
+<file path=ppt/slides/slide54.xml><?xml version="1.0" encoding="utf-8"?>
 <p:sld xmlns:a="http://schemas.openxmlformats.org/drawingml/2006/main" xmlns:r="http://schemas.openxmlformats.org/officeDocument/2006/relationships" xmlns:p="http://schemas.openxmlformats.org/presentationml/2006/main">
   <p:cSld>
     <p:spTree>
@@ -23512,7 +24000,7 @@
 </p:sld>
 </file>
 
-<file path=ppt/slides/slide54.xml><?xml version="1.0" encoding="utf-8"?>
+<file path=ppt/slides/slide55.xml><?xml version="1.0" encoding="utf-8"?>
 <p:sld xmlns:a="http://schemas.openxmlformats.org/drawingml/2006/main" xmlns:r="http://schemas.openxmlformats.org/officeDocument/2006/relationships" xmlns:p="http://schemas.openxmlformats.org/presentationml/2006/main">
   <p:cSld>
     <p:spTree>
@@ -23877,7 +24365,7 @@
 </p:sld>
 </file>
 
-<file path=ppt/slides/slide55.xml><?xml version="1.0" encoding="utf-8"?>
+<file path=ppt/slides/slide56.xml><?xml version="1.0" encoding="utf-8"?>
 <p:sld xmlns:a="http://schemas.openxmlformats.org/drawingml/2006/main" xmlns:r="http://schemas.openxmlformats.org/officeDocument/2006/relationships" xmlns:p="http://schemas.openxmlformats.org/presentationml/2006/main">
   <p:cSld>
     <p:spTree>
@@ -24215,7 +24703,7 @@
 </p:sld>
 </file>
 
-<file path=ppt/slides/slide56.xml><?xml version="1.0" encoding="utf-8"?>
+<file path=ppt/slides/slide57.xml><?xml version="1.0" encoding="utf-8"?>
 <p:sld xmlns:a="http://schemas.openxmlformats.org/drawingml/2006/main" xmlns:r="http://schemas.openxmlformats.org/officeDocument/2006/relationships" xmlns:p="http://schemas.openxmlformats.org/presentationml/2006/main">
   <p:cSld>
     <p:spTree>
@@ -24540,7 +25028,7 @@
 </p:sld>
 </file>
 
-<file path=ppt/slides/slide57.xml><?xml version="1.0" encoding="utf-8"?>
+<file path=ppt/slides/slide58.xml><?xml version="1.0" encoding="utf-8"?>
 <p:sld xmlns:a="http://schemas.openxmlformats.org/drawingml/2006/main" xmlns:r="http://schemas.openxmlformats.org/officeDocument/2006/relationships" xmlns:p="http://schemas.openxmlformats.org/presentationml/2006/main">
   <p:cSld>
     <p:spTree>
@@ -24724,7 +25212,7 @@
           <a:graphicData uri="http://schemas.openxmlformats.org/presentationml/2006/ole">
             <mc:AlternateContent xmlns:mc="http://schemas.openxmlformats.org/markup-compatibility/2006">
               <mc:Choice xmlns:v="urn:schemas-microsoft-com:vml" Requires="v">
-                <p:oleObj spid="_x0000_s1108" name="BMP 图像" r:id="rId4" imgW="5000760" imgH="2257560" progId="Paint.Picture">
+                <p:oleObj spid="_x0000_s1113" name="BMP 图像" r:id="rId4" imgW="5000760" imgH="2257560" progId="Paint.Picture">
                   <p:embed/>
                 </p:oleObj>
               </mc:Choice>
@@ -24772,7 +25260,7 @@
 </p:sld>
 </file>
 
-<file path=ppt/slides/slide58.xml><?xml version="1.0" encoding="utf-8"?>
+<file path=ppt/slides/slide59.xml><?xml version="1.0" encoding="utf-8"?>
 <p:sld xmlns:a="http://schemas.openxmlformats.org/drawingml/2006/main" xmlns:r="http://schemas.openxmlformats.org/officeDocument/2006/relationships" xmlns:p="http://schemas.openxmlformats.org/presentationml/2006/main">
   <p:cSld>
     <p:spTree>
@@ -25142,6 +25630,210 @@
           <a:chExt cx="0" cy="0"/>
         </a:xfrm>
       </p:grpSpPr>
+      <p:sp>
+        <p:nvSpPr>
+          <p:cNvPr id="2" name="标题 1">
+            <a:extLst>
+              <a:ext uri="{FF2B5EF4-FFF2-40B4-BE49-F238E27FC236}">
+                <a16:creationId xmlns:a16="http://schemas.microsoft.com/office/drawing/2014/main" id="{44B93849-04ED-4974-9F20-F0CAD055F0C6}"/>
+              </a:ext>
+            </a:extLst>
+          </p:cNvPr>
+          <p:cNvSpPr>
+            <a:spLocks noGrp="1"/>
+          </p:cNvSpPr>
+          <p:nvPr>
+            <p:ph type="title"/>
+          </p:nvPr>
+        </p:nvSpPr>
+        <p:spPr>
+          <a:xfrm>
+            <a:off x="838200" y="145207"/>
+            <a:ext cx="10515600" cy="803918"/>
+          </a:xfrm>
+        </p:spPr>
+        <p:txBody>
+          <a:bodyPr/>
+          <a:lstStyle/>
+          <a:p>
+            <a:r>
+              <a:rPr lang="en-US" dirty="0"/>
+              <a:t>Line Wrap</a:t>
+            </a:r>
+          </a:p>
+        </p:txBody>
+      </p:sp>
+      <p:sp>
+        <p:nvSpPr>
+          <p:cNvPr id="3" name="内容占位符 2">
+            <a:extLst>
+              <a:ext uri="{FF2B5EF4-FFF2-40B4-BE49-F238E27FC236}">
+                <a16:creationId xmlns:a16="http://schemas.microsoft.com/office/drawing/2014/main" id="{B19B1DC3-E4EA-489C-B790-E6AF743CD2D8}"/>
+              </a:ext>
+            </a:extLst>
+          </p:cNvPr>
+          <p:cNvSpPr>
+            <a:spLocks noGrp="1"/>
+          </p:cNvSpPr>
+          <p:nvPr>
+            <p:ph idx="1"/>
+          </p:nvPr>
+        </p:nvSpPr>
+        <p:spPr>
+          <a:xfrm>
+            <a:off x="838200" y="949125"/>
+            <a:ext cx="10515600" cy="5227838"/>
+          </a:xfrm>
+        </p:spPr>
+        <p:txBody>
+          <a:bodyPr>
+            <a:normAutofit lnSpcReduction="10000"/>
+          </a:bodyPr>
+          <a:lstStyle/>
+          <a:p>
+            <a:r>
+              <a:rPr lang="en-US" dirty="0"/>
+              <a:t>For a output line whose width larger than screen buffer width, the overflow part would be chopped to avoid the messed output</a:t>
+            </a:r>
+          </a:p>
+          <a:p>
+            <a:r>
+              <a:rPr lang="en-US" dirty="0"/>
+              <a:t>To view the missing information, use command “out”, which will launch the editor to view the historical outputs.</a:t>
+            </a:r>
+          </a:p>
+          <a:p>
+            <a:r>
+              <a:rPr lang="en-US" dirty="0"/>
+              <a:t>In case of the default editor is “vi”, you can use “e/b/</a:t>
+            </a:r>
+            <a:r>
+              <a:rPr lang="en-US" dirty="0" err="1"/>
+              <a:t>zL</a:t>
+            </a:r>
+            <a:r>
+              <a:rPr lang="en-US" dirty="0"/>
+              <a:t>/</a:t>
+            </a:r>
+            <a:r>
+              <a:rPr lang="en-US" dirty="0" err="1"/>
+              <a:t>zH</a:t>
+            </a:r>
+            <a:r>
+              <a:rPr lang="en-US" dirty="0"/>
+              <a:t>” to scroll the screen</a:t>
+            </a:r>
+          </a:p>
+          <a:p>
+            <a:r>
+              <a:rPr lang="en-US" dirty="0"/>
+              <a:t>Use “set editor [&lt;name&gt;]” to define the </a:t>
+            </a:r>
+            <a:r>
+              <a:rPr lang="en-US"/>
+              <a:t>default editor</a:t>
+            </a:r>
+            <a:endParaRPr lang="en-US" dirty="0"/>
+          </a:p>
+          <a:p>
+            <a:r>
+              <a:rPr lang="en-US" dirty="0"/>
+              <a:t>Command “out”</a:t>
+            </a:r>
+          </a:p>
+          <a:p>
+            <a:pPr lvl="1"/>
+            <a:r>
+              <a:rPr lang="en-US" dirty="0">
+                <a:solidFill>
+                  <a:srgbClr val="0070C0"/>
+                </a:solidFill>
+              </a:rPr>
+              <a:t>out</a:t>
+            </a:r>
+            <a:r>
+              <a:rPr lang="en-US" dirty="0"/>
+              <a:t> : save the historical outputs into file “cache/&lt;sub-</a:t>
+            </a:r>
+            <a:r>
+              <a:rPr lang="en-US" dirty="0" err="1"/>
+              <a:t>dir</a:t>
+            </a:r>
+            <a:r>
+              <a:rPr lang="en-US" dirty="0"/>
+              <a:t>&gt;/out.log” and open the file</a:t>
+            </a:r>
+          </a:p>
+          <a:p>
+            <a:pPr lvl="1"/>
+            <a:r>
+              <a:rPr lang="en-US" dirty="0">
+                <a:solidFill>
+                  <a:srgbClr val="0070C0"/>
+                </a:solidFill>
+              </a:rPr>
+              <a:t>out &lt;file-name&gt;</a:t>
+            </a:r>
+            <a:r>
+              <a:rPr lang="en-US" dirty="0"/>
+              <a:t>: save the historical outputs into file “cache/&lt;sub-</a:t>
+            </a:r>
+            <a:r>
+              <a:rPr lang="en-US" dirty="0" err="1"/>
+              <a:t>dir</a:t>
+            </a:r>
+            <a:r>
+              <a:rPr lang="en-US" dirty="0"/>
+              <a:t>&gt;/&lt;file-name&gt;” and open the file</a:t>
+            </a:r>
+          </a:p>
+          <a:p>
+            <a:pPr lvl="1"/>
+            <a:r>
+              <a:rPr lang="en-US" dirty="0">
+                <a:solidFill>
+                  <a:srgbClr val="0070C0"/>
+                </a:solidFill>
+              </a:rPr>
+              <a:t>out clear</a:t>
+            </a:r>
+            <a:r>
+              <a:rPr lang="en-US" dirty="0"/>
+              <a:t>: clear the historical output</a:t>
+            </a:r>
+          </a:p>
+        </p:txBody>
+      </p:sp>
+    </p:spTree>
+    <p:extLst>
+      <p:ext uri="{BB962C8B-B14F-4D97-AF65-F5344CB8AC3E}">
+        <p14:creationId xmlns:p14="http://schemas.microsoft.com/office/powerpoint/2010/main" val="433387195"/>
+      </p:ext>
+    </p:extLst>
+  </p:cSld>
+  <p:clrMapOvr>
+    <a:masterClrMapping/>
+  </p:clrMapOvr>
+</p:sld>
+</file>
+
+<file path=ppt/slides/slide7.xml><?xml version="1.0" encoding="utf-8"?>
+<p:sld xmlns:a="http://schemas.openxmlformats.org/drawingml/2006/main" xmlns:r="http://schemas.openxmlformats.org/officeDocument/2006/relationships" xmlns:p="http://schemas.openxmlformats.org/presentationml/2006/main">
+  <p:cSld>
+    <p:spTree>
+      <p:nvGrpSpPr>
+        <p:cNvPr id="1" name=""/>
+        <p:cNvGrpSpPr/>
+        <p:nvPr/>
+      </p:nvGrpSpPr>
+      <p:grpSpPr>
+        <a:xfrm>
+          <a:off x="0" y="0"/>
+          <a:ext cx="0" cy="0"/>
+          <a:chOff x="0" y="0"/>
+          <a:chExt cx="0" cy="0"/>
+        </a:xfrm>
+      </p:grpSpPr>
       <p:pic>
         <p:nvPicPr>
           <p:cNvPr id="4" name="图片 3">
@@ -25289,7 +25981,7 @@
 </p:sld>
 </file>
 
-<file path=ppt/slides/slide7.xml><?xml version="1.0" encoding="utf-8"?>
+<file path=ppt/slides/slide8.xml><?xml version="1.0" encoding="utf-8"?>
 <p:sld xmlns:a="http://schemas.openxmlformats.org/drawingml/2006/main" xmlns:r="http://schemas.openxmlformats.org/officeDocument/2006/relationships" xmlns:p="http://schemas.openxmlformats.org/presentationml/2006/main">
   <p:cSld>
     <p:spTree>
@@ -26209,7 +26901,7 @@
 </p:sld>
 </file>
 
-<file path=ppt/slides/slide8.xml><?xml version="1.0" encoding="utf-8"?>
+<file path=ppt/slides/slide9.xml><?xml version="1.0" encoding="utf-8"?>
 <p:sld xmlns:a="http://schemas.openxmlformats.org/drawingml/2006/main" xmlns:r="http://schemas.openxmlformats.org/officeDocument/2006/relationships" xmlns:p="http://schemas.openxmlformats.org/presentationml/2006/main">
   <p:cSld>
     <p:spTree>
@@ -26504,493 +27196,6 @@
     <p:extLst>
       <p:ext uri="{BB962C8B-B14F-4D97-AF65-F5344CB8AC3E}">
         <p14:creationId xmlns:p14="http://schemas.microsoft.com/office/powerpoint/2010/main" val="1334687833"/>
-      </p:ext>
-    </p:extLst>
-  </p:cSld>
-  <p:clrMapOvr>
-    <a:masterClrMapping/>
-  </p:clrMapOvr>
-</p:sld>
-</file>
-
-<file path=ppt/slides/slide9.xml><?xml version="1.0" encoding="utf-8"?>
-<p:sld xmlns:a="http://schemas.openxmlformats.org/drawingml/2006/main" xmlns:r="http://schemas.openxmlformats.org/officeDocument/2006/relationships" xmlns:p="http://schemas.openxmlformats.org/presentationml/2006/main">
-  <p:cSld>
-    <p:spTree>
-      <p:nvGrpSpPr>
-        <p:cNvPr id="1" name=""/>
-        <p:cNvGrpSpPr/>
-        <p:nvPr/>
-      </p:nvGrpSpPr>
-      <p:grpSpPr>
-        <a:xfrm>
-          <a:off x="0" y="0"/>
-          <a:ext cx="0" cy="0"/>
-          <a:chOff x="0" y="0"/>
-          <a:chExt cx="0" cy="0"/>
-        </a:xfrm>
-      </p:grpSpPr>
-      <p:sp>
-        <p:nvSpPr>
-          <p:cNvPr id="3" name="内容占位符 2">
-            <a:extLst>
-              <a:ext uri="{FF2B5EF4-FFF2-40B4-BE49-F238E27FC236}">
-                <a16:creationId xmlns:a16="http://schemas.microsoft.com/office/drawing/2014/main" id="{BFE98B9A-DA58-4FB6-A7C7-68C6CD03B3E3}"/>
-              </a:ext>
-            </a:extLst>
-          </p:cNvPr>
-          <p:cNvSpPr>
-            <a:spLocks noGrp="1"/>
-          </p:cNvSpPr>
-          <p:nvPr>
-            <p:ph idx="1"/>
-          </p:nvPr>
-        </p:nvSpPr>
-        <p:spPr>
-          <a:xfrm>
-            <a:off x="838200" y="839972"/>
-            <a:ext cx="10515600" cy="2698875"/>
-          </a:xfrm>
-        </p:spPr>
-        <p:txBody>
-          <a:bodyPr>
-            <a:normAutofit fontScale="55000" lnSpcReduction="20000"/>
-          </a:bodyPr>
-          <a:lstStyle/>
-          <a:p>
-            <a:r>
-              <a:rPr lang="en-US" dirty="0"/>
-              <a:t>The grid command accepts </a:t>
-            </a:r>
-            <a:r>
-              <a:rPr lang="en-US" b="1" dirty="0">
-                <a:solidFill>
-                  <a:schemeClr val="accent1">
-                    <a:lumMod val="75000"/>
-                  </a:schemeClr>
-                </a:solidFill>
-              </a:rPr>
-              <a:t>/*grid={…}*/ </a:t>
-            </a:r>
-            <a:r>
-              <a:rPr lang="en-US" dirty="0"/>
-              <a:t>to define the additional information, including:</a:t>
-            </a:r>
-          </a:p>
-          <a:p>
-            <a:pPr lvl="1"/>
-            <a:r>
-              <a:rPr lang="en-US" altLang="zh-CN" b="1" dirty="0">
-                <a:solidFill>
-                  <a:schemeClr val="accent1">
-                    <a:lumMod val="75000"/>
-                  </a:schemeClr>
-                </a:solidFill>
-              </a:rPr>
-              <a:t>t</a:t>
-            </a:r>
-            <a:r>
-              <a:rPr lang="en-US" b="1" dirty="0">
-                <a:solidFill>
-                  <a:schemeClr val="accent1">
-                    <a:lumMod val="75000"/>
-                  </a:schemeClr>
-                </a:solidFill>
-              </a:rPr>
-              <a:t>opic=“&lt;title&gt;”: </a:t>
-            </a:r>
-            <a:r>
-              <a:rPr lang="en-US" dirty="0"/>
-              <a:t>the title of the grid</a:t>
-            </a:r>
-          </a:p>
-          <a:p>
-            <a:pPr lvl="1"/>
-            <a:r>
-              <a:rPr lang="en-US" b="1" dirty="0">
-                <a:solidFill>
-                  <a:schemeClr val="accent1">
-                    <a:lumMod val="75000"/>
-                  </a:schemeClr>
-                </a:solidFill>
-              </a:rPr>
-              <a:t>Width=&lt;number&gt;:</a:t>
-            </a:r>
-            <a:r>
-              <a:rPr lang="zh-CN" altLang="en-US" b="1" dirty="0">
-                <a:solidFill>
-                  <a:schemeClr val="accent1">
-                    <a:lumMod val="75000"/>
-                  </a:schemeClr>
-                </a:solidFill>
-              </a:rPr>
-              <a:t> </a:t>
-            </a:r>
-            <a:r>
-              <a:rPr lang="en-US" altLang="zh-CN" dirty="0"/>
-              <a:t>define block fixed width,</a:t>
-            </a:r>
-            <a:r>
-              <a:rPr lang="zh-CN" altLang="en-US" dirty="0"/>
-              <a:t> </a:t>
-            </a:r>
-            <a:r>
-              <a:rPr lang="en-US" altLang="zh-CN" dirty="0"/>
-              <a:t>if the query output wider than the size, then the outstanding part will be chopped. When -1 then means align to its siblings</a:t>
-            </a:r>
-          </a:p>
-          <a:p>
-            <a:pPr lvl="1"/>
-            <a:r>
-              <a:rPr lang="en-US" b="1" dirty="0">
-                <a:solidFill>
-                  <a:schemeClr val="accent1">
-                    <a:lumMod val="75000"/>
-                  </a:schemeClr>
-                </a:solidFill>
-              </a:rPr>
-              <a:t>height=&lt;number&gt;: </a:t>
-            </a:r>
-            <a:r>
-              <a:rPr lang="en-US" dirty="0"/>
-              <a:t>define block fixed height, if the output rows  longer than the size, then the outstanding rows will be removed. When -1 then means align the height to its siblings.</a:t>
-            </a:r>
-          </a:p>
-          <a:p>
-            <a:pPr lvl="1"/>
-            <a:r>
-              <a:rPr lang="en-US" b="1" dirty="0">
-                <a:solidFill>
-                  <a:schemeClr val="accent1">
-                    <a:lumMod val="75000"/>
-                  </a:schemeClr>
-                </a:solidFill>
-              </a:rPr>
-              <a:t>max_rows=&lt;number&gt;: </a:t>
-            </a:r>
-            <a:r>
-              <a:rPr lang="en-US" dirty="0"/>
-              <a:t>maximum </a:t>
-            </a:r>
-            <a:r>
-              <a:rPr lang="en-US" altLang="zh-CN" dirty="0"/>
-              <a:t>printed query records</a:t>
-            </a:r>
-            <a:endParaRPr lang="en-US" dirty="0"/>
-          </a:p>
-          <a:p>
-            <a:pPr lvl="1"/>
-            <a:r>
-              <a:rPr lang="en-US" b="1" dirty="0" err="1">
-                <a:solidFill>
-                  <a:schemeClr val="accent1">
-                    <a:lumMod val="75000"/>
-                  </a:schemeClr>
-                </a:solidFill>
-              </a:rPr>
-              <a:t>bypassemptyrs</a:t>
-            </a:r>
-            <a:r>
-              <a:rPr lang="en-US" b="1" dirty="0">
-                <a:solidFill>
-                  <a:schemeClr val="accent1">
-                    <a:lumMod val="75000"/>
-                  </a:schemeClr>
-                </a:solidFill>
-              </a:rPr>
-              <a:t>=“</a:t>
-            </a:r>
-            <a:r>
-              <a:rPr lang="en-US" altLang="zh-CN" b="1" dirty="0">
-                <a:solidFill>
-                  <a:schemeClr val="accent1">
-                    <a:lumMod val="75000"/>
-                  </a:schemeClr>
-                </a:solidFill>
-              </a:rPr>
-              <a:t>on/off”: </a:t>
-            </a:r>
-            <a:r>
-              <a:rPr lang="en-US" altLang="zh-CN" dirty="0"/>
-              <a:t>controls whether to display the grid in case of no record to be printed</a:t>
-            </a:r>
-            <a:endParaRPr lang="en-US" dirty="0"/>
-          </a:p>
-          <a:p>
-            <a:pPr lvl="1"/>
-            <a:r>
-              <a:rPr lang="en-US" dirty="0"/>
-              <a:t>Other additional configurations that used in “snap” and “chart” commands</a:t>
-            </a:r>
-          </a:p>
-          <a:p>
-            <a:r>
-              <a:rPr lang="en-US" dirty="0"/>
-              <a:t>JSON format is not a good choice for multi-lines SQL:</a:t>
-            </a:r>
-          </a:p>
-          <a:p>
-            <a:pPr lvl="1"/>
-            <a:r>
-              <a:rPr lang="en-US" dirty="0"/>
-              <a:t>JSON uses [….] to define an array, and {…} to define an object. For Lua, they are all {…}</a:t>
-            </a:r>
-          </a:p>
-          <a:p>
-            <a:pPr lvl="1"/>
-            <a:r>
-              <a:rPr lang="en-US" dirty="0"/>
-              <a:t>To define an object(map), the JSON syntax is {a</a:t>
-            </a:r>
-            <a:r>
-              <a:rPr lang="en-US" b="1" dirty="0">
-                <a:solidFill>
-                  <a:schemeClr val="accent1">
-                    <a:lumMod val="75000"/>
-                  </a:schemeClr>
-                </a:solidFill>
-              </a:rPr>
-              <a:t>:</a:t>
-            </a:r>
-            <a:r>
-              <a:rPr lang="en-US" dirty="0">
-                <a:solidFill>
-                  <a:schemeClr val="accent1">
-                    <a:lumMod val="75000"/>
-                  </a:schemeClr>
-                </a:solidFill>
-              </a:rPr>
-              <a:t> </a:t>
-            </a:r>
-            <a:r>
-              <a:rPr lang="en-US" dirty="0"/>
-              <a:t>&lt;value&gt;,b</a:t>
-            </a:r>
-            <a:r>
-              <a:rPr lang="en-US" b="1" dirty="0">
-                <a:solidFill>
-                  <a:schemeClr val="accent1">
-                    <a:lumMod val="75000"/>
-                  </a:schemeClr>
-                </a:solidFill>
-              </a:rPr>
-              <a:t>: </a:t>
-            </a:r>
-            <a:r>
-              <a:rPr lang="en-US" dirty="0"/>
-              <a:t>&lt;value&gt;}, for Lua, it is {a</a:t>
-            </a:r>
-            <a:r>
-              <a:rPr lang="en-US" b="1" dirty="0">
-                <a:solidFill>
-                  <a:schemeClr val="accent1">
-                    <a:lumMod val="75000"/>
-                  </a:schemeClr>
-                </a:solidFill>
-              </a:rPr>
-              <a:t>=</a:t>
-            </a:r>
-            <a:r>
-              <a:rPr lang="en-US" dirty="0"/>
-              <a:t>&lt;value&gt;,b</a:t>
-            </a:r>
-            <a:r>
-              <a:rPr lang="en-US" b="1" dirty="0">
-                <a:solidFill>
-                  <a:schemeClr val="accent1">
-                    <a:lumMod val="75000"/>
-                  </a:schemeClr>
-                </a:solidFill>
-              </a:rPr>
-              <a:t>=</a:t>
-            </a:r>
-            <a:r>
-              <a:rPr lang="en-US" dirty="0"/>
-              <a:t>&lt;value&gt;}</a:t>
-            </a:r>
-          </a:p>
-          <a:p>
-            <a:pPr lvl="1"/>
-            <a:r>
-              <a:rPr lang="en-US" dirty="0"/>
-              <a:t>To define a string value that has multiple lines, JSON uses </a:t>
-            </a:r>
-            <a:r>
-              <a:rPr lang="zh-CN" altLang="en-US" dirty="0">
-                <a:solidFill>
-                  <a:schemeClr val="accent1">
-                    <a:lumMod val="75000"/>
-                  </a:schemeClr>
-                </a:solidFill>
-              </a:rPr>
-              <a:t>“</a:t>
-            </a:r>
-            <a:r>
-              <a:rPr lang="en-US" altLang="zh-CN" dirty="0">
-                <a:solidFill>
-                  <a:schemeClr val="accent1">
-                    <a:lumMod val="75000"/>
-                  </a:schemeClr>
-                </a:solidFill>
-              </a:rPr>
-              <a:t>line1 \n</a:t>
-            </a:r>
-            <a:r>
-              <a:rPr lang="zh-CN" altLang="en-US" dirty="0">
-                <a:solidFill>
-                  <a:schemeClr val="accent1">
-                    <a:lumMod val="75000"/>
-                  </a:schemeClr>
-                </a:solidFill>
-              </a:rPr>
-              <a:t> ” </a:t>
-            </a:r>
-            <a:r>
-              <a:rPr lang="en-US" altLang="zh-CN" dirty="0">
-                <a:solidFill>
-                  <a:schemeClr val="accent1">
-                    <a:lumMod val="75000"/>
-                  </a:schemeClr>
-                </a:solidFill>
-              </a:rPr>
-              <a:t>+</a:t>
-            </a:r>
-            <a:r>
-              <a:rPr lang="zh-CN" altLang="en-US" dirty="0">
-                <a:solidFill>
-                  <a:schemeClr val="accent1">
-                    <a:lumMod val="75000"/>
-                  </a:schemeClr>
-                </a:solidFill>
-              </a:rPr>
-              <a:t>“</a:t>
-            </a:r>
-            <a:r>
-              <a:rPr lang="en-US" altLang="zh-CN" dirty="0">
-                <a:solidFill>
-                  <a:schemeClr val="accent1">
-                    <a:lumMod val="75000"/>
-                  </a:schemeClr>
-                </a:solidFill>
-              </a:rPr>
-              <a:t>line2</a:t>
-            </a:r>
-            <a:r>
-              <a:rPr lang="zh-CN" altLang="en-US" dirty="0">
-                <a:solidFill>
-                  <a:schemeClr val="accent1">
-                    <a:lumMod val="75000"/>
-                  </a:schemeClr>
-                </a:solidFill>
-              </a:rPr>
-              <a:t>”</a:t>
-            </a:r>
-            <a:r>
-              <a:rPr lang="zh-CN" altLang="en-US" dirty="0"/>
-              <a:t>，</a:t>
-            </a:r>
-            <a:r>
-              <a:rPr lang="en-US" altLang="zh-CN" dirty="0"/>
-              <a:t>and</a:t>
-            </a:r>
-            <a:r>
-              <a:rPr lang="zh-CN" altLang="en-US" dirty="0"/>
-              <a:t> </a:t>
-            </a:r>
-            <a:r>
-              <a:rPr lang="en-US" altLang="zh-CN" dirty="0"/>
-              <a:t>Lua is </a:t>
-            </a:r>
-            <a:r>
-              <a:rPr lang="en-US" altLang="zh-CN" dirty="0">
-                <a:solidFill>
-                  <a:schemeClr val="accent1">
-                    <a:lumMod val="75000"/>
-                  </a:schemeClr>
-                </a:solidFill>
-              </a:rPr>
-              <a:t>[[line1 \n line2]]</a:t>
-            </a:r>
-            <a:r>
-              <a:rPr lang="en-US" dirty="0">
-                <a:solidFill>
-                  <a:schemeClr val="accent1">
-                    <a:lumMod val="75000"/>
-                  </a:schemeClr>
-                </a:solidFill>
-              </a:rPr>
-              <a:t> </a:t>
-            </a:r>
-          </a:p>
-        </p:txBody>
-      </p:sp>
-      <p:sp>
-        <p:nvSpPr>
-          <p:cNvPr id="4" name="标题 1">
-            <a:extLst>
-              <a:ext uri="{FF2B5EF4-FFF2-40B4-BE49-F238E27FC236}">
-                <a16:creationId xmlns:a16="http://schemas.microsoft.com/office/drawing/2014/main" id="{70420209-AAC5-4A57-A49C-414AC4E00351}"/>
-              </a:ext>
-            </a:extLst>
-          </p:cNvPr>
-          <p:cNvSpPr>
-            <a:spLocks noGrp="1"/>
-          </p:cNvSpPr>
-          <p:nvPr>
-            <p:ph type="title"/>
-          </p:nvPr>
-        </p:nvSpPr>
-        <p:spPr>
-          <a:xfrm>
-            <a:off x="753140" y="18255"/>
-            <a:ext cx="10515600" cy="821717"/>
-          </a:xfrm>
-        </p:spPr>
-        <p:txBody>
-          <a:bodyPr/>
-          <a:lstStyle/>
-          <a:p>
-            <a:r>
-              <a:rPr lang="en-US" dirty="0"/>
-              <a:t>Combine queries (command grid) - 2</a:t>
-            </a:r>
-          </a:p>
-        </p:txBody>
-      </p:sp>
-      <p:pic>
-        <p:nvPicPr>
-          <p:cNvPr id="7" name="图片 6">
-            <a:extLst>
-              <a:ext uri="{FF2B5EF4-FFF2-40B4-BE49-F238E27FC236}">
-                <a16:creationId xmlns:a16="http://schemas.microsoft.com/office/drawing/2014/main" id="{59E8646C-875C-416C-9C86-61EF3D9A49AF}"/>
-              </a:ext>
-            </a:extLst>
-          </p:cNvPr>
-          <p:cNvPicPr>
-            <a:picLocks noChangeAspect="1"/>
-          </p:cNvPicPr>
-          <p:nvPr/>
-        </p:nvPicPr>
-        <p:blipFill>
-          <a:blip r:embed="rId3"/>
-          <a:stretch>
-            <a:fillRect/>
-          </a:stretch>
-        </p:blipFill>
-        <p:spPr>
-          <a:xfrm>
-            <a:off x="733425" y="3725070"/>
-            <a:ext cx="11458575" cy="3114675"/>
-          </a:xfrm>
-          <a:prstGeom prst="rect">
-            <a:avLst/>
-          </a:prstGeom>
-        </p:spPr>
-      </p:pic>
-    </p:spTree>
-    <p:extLst>
-      <p:ext uri="{BB962C8B-B14F-4D97-AF65-F5344CB8AC3E}">
-        <p14:creationId xmlns:p14="http://schemas.microsoft.com/office/powerpoint/2010/main" val="876152553"/>
       </p:ext>
     </p:extLst>
   </p:cSld>

--- a/docs/dbcli.pptx
+++ b/docs/dbcli.pptx
@@ -255,7 +255,7 @@
           <a:p>
             <a:fld id="{8924A7D2-5F3F-4CDE-BB06-760ED7F7BFAC}" type="datetimeFigureOut">
               <a:rPr lang="en-US" smtClean="0"/>
-              <a:t>12/24/2018</a:t>
+              <a:t>1/5/2019</a:t>
             </a:fld>
             <a:endParaRPr lang="en-US"/>
           </a:p>
@@ -6479,7 +6479,7 @@
           <a:p>
             <a:fld id="{830CF026-2A7D-4AC1-A6EC-3EB8F9A9FDD9}" type="datetimeFigureOut">
               <a:rPr lang="en-US" smtClean="0"/>
-              <a:t>12/24/2018</a:t>
+              <a:t>1/5/2019</a:t>
             </a:fld>
             <a:endParaRPr lang="en-US"/>
           </a:p>
@@ -6679,7 +6679,7 @@
           <a:p>
             <a:fld id="{830CF026-2A7D-4AC1-A6EC-3EB8F9A9FDD9}" type="datetimeFigureOut">
               <a:rPr lang="en-US" smtClean="0"/>
-              <a:t>12/24/2018</a:t>
+              <a:t>1/5/2019</a:t>
             </a:fld>
             <a:endParaRPr lang="en-US"/>
           </a:p>
@@ -6889,7 +6889,7 @@
           <a:p>
             <a:fld id="{830CF026-2A7D-4AC1-A6EC-3EB8F9A9FDD9}" type="datetimeFigureOut">
               <a:rPr lang="en-US" smtClean="0"/>
-              <a:t>12/24/2018</a:t>
+              <a:t>1/5/2019</a:t>
             </a:fld>
             <a:endParaRPr lang="en-US"/>
           </a:p>
@@ -7089,7 +7089,7 @@
           <a:p>
             <a:fld id="{830CF026-2A7D-4AC1-A6EC-3EB8F9A9FDD9}" type="datetimeFigureOut">
               <a:rPr lang="en-US" smtClean="0"/>
-              <a:t>12/24/2018</a:t>
+              <a:t>1/5/2019</a:t>
             </a:fld>
             <a:endParaRPr lang="en-US"/>
           </a:p>
@@ -7365,7 +7365,7 @@
           <a:p>
             <a:fld id="{830CF026-2A7D-4AC1-A6EC-3EB8F9A9FDD9}" type="datetimeFigureOut">
               <a:rPr lang="en-US" smtClean="0"/>
-              <a:t>12/24/2018</a:t>
+              <a:t>1/5/2019</a:t>
             </a:fld>
             <a:endParaRPr lang="en-US"/>
           </a:p>
@@ -7633,7 +7633,7 @@
           <a:p>
             <a:fld id="{830CF026-2A7D-4AC1-A6EC-3EB8F9A9FDD9}" type="datetimeFigureOut">
               <a:rPr lang="en-US" smtClean="0"/>
-              <a:t>12/24/2018</a:t>
+              <a:t>1/5/2019</a:t>
             </a:fld>
             <a:endParaRPr lang="en-US"/>
           </a:p>
@@ -8048,7 +8048,7 @@
           <a:p>
             <a:fld id="{830CF026-2A7D-4AC1-A6EC-3EB8F9A9FDD9}" type="datetimeFigureOut">
               <a:rPr lang="en-US" smtClean="0"/>
-              <a:t>12/24/2018</a:t>
+              <a:t>1/5/2019</a:t>
             </a:fld>
             <a:endParaRPr lang="en-US"/>
           </a:p>
@@ -8190,7 +8190,7 @@
           <a:p>
             <a:fld id="{830CF026-2A7D-4AC1-A6EC-3EB8F9A9FDD9}" type="datetimeFigureOut">
               <a:rPr lang="en-US" smtClean="0"/>
-              <a:t>12/24/2018</a:t>
+              <a:t>1/5/2019</a:t>
             </a:fld>
             <a:endParaRPr lang="en-US"/>
           </a:p>
@@ -8303,7 +8303,7 @@
           <a:p>
             <a:fld id="{830CF026-2A7D-4AC1-A6EC-3EB8F9A9FDD9}" type="datetimeFigureOut">
               <a:rPr lang="en-US" smtClean="0"/>
-              <a:t>12/24/2018</a:t>
+              <a:t>1/5/2019</a:t>
             </a:fld>
             <a:endParaRPr lang="en-US"/>
           </a:p>
@@ -8616,7 +8616,7 @@
           <a:p>
             <a:fld id="{830CF026-2A7D-4AC1-A6EC-3EB8F9A9FDD9}" type="datetimeFigureOut">
               <a:rPr lang="en-US" smtClean="0"/>
-              <a:t>12/24/2018</a:t>
+              <a:t>1/5/2019</a:t>
             </a:fld>
             <a:endParaRPr lang="en-US"/>
           </a:p>
@@ -8905,7 +8905,7 @@
           <a:p>
             <a:fld id="{830CF026-2A7D-4AC1-A6EC-3EB8F9A9FDD9}" type="datetimeFigureOut">
               <a:rPr lang="en-US" smtClean="0"/>
-              <a:t>12/24/2018</a:t>
+              <a:t>1/5/2019</a:t>
             </a:fld>
             <a:endParaRPr lang="en-US"/>
           </a:p>
@@ -9148,7 +9148,7 @@
           <a:p>
             <a:fld id="{830CF026-2A7D-4AC1-A6EC-3EB8F9A9FDD9}" type="datetimeFigureOut">
               <a:rPr lang="en-US" smtClean="0"/>
-              <a:t>12/24/2018</a:t>
+              <a:t>1/5/2019</a:t>
             </a:fld>
             <a:endParaRPr lang="en-US"/>
           </a:p>
@@ -25212,7 +25212,7 @@
           <a:graphicData uri="http://schemas.openxmlformats.org/presentationml/2006/ole">
             <mc:AlternateContent xmlns:mc="http://schemas.openxmlformats.org/markup-compatibility/2006">
               <mc:Choice xmlns:v="urn:schemas-microsoft-com:vml" Requires="v">
-                <p:oleObj spid="_x0000_s1113" name="BMP 图像" r:id="rId4" imgW="5000760" imgH="2257560" progId="Paint.Picture">
+                <p:oleObj spid="_x0000_s1116" name="BMP 图像" r:id="rId4" imgW="5000760" imgH="2257560" progId="Paint.Picture">
                   <p:embed/>
                 </p:oleObj>
               </mc:Choice>
@@ -25687,7 +25687,7 @@
         </p:spPr>
         <p:txBody>
           <a:bodyPr>
-            <a:normAutofit lnSpcReduction="10000"/>
+            <a:normAutofit/>
           </a:bodyPr>
           <a:lstStyle/>
           <a:p>
@@ -25699,50 +25699,51 @@
           <a:p>
             <a:r>
               <a:rPr lang="en-US" dirty="0"/>
-              <a:t>To view the missing information, use command “out”, which will launch the editor to view the historical outputs.</a:t>
-            </a:r>
-          </a:p>
-          <a:p>
-            <a:r>
-              <a:rPr lang="en-US" dirty="0"/>
-              <a:t>In case of the default editor is “vi”, you can use “e/b/</a:t>
-            </a:r>
-            <a:r>
-              <a:rPr lang="en-US" dirty="0" err="1"/>
-              <a:t>zL</a:t>
-            </a:r>
-            <a:r>
-              <a:rPr lang="en-US" dirty="0"/>
-              <a:t>/</a:t>
-            </a:r>
-            <a:r>
-              <a:rPr lang="en-US" dirty="0" err="1"/>
-              <a:t>zH</a:t>
-            </a:r>
-            <a:r>
-              <a:rPr lang="en-US" dirty="0"/>
-              <a:t>” to scroll the screen</a:t>
-            </a:r>
-          </a:p>
-          <a:p>
-            <a:r>
-              <a:rPr lang="en-US" dirty="0"/>
-              <a:t>Use “set editor [&lt;name&gt;]” to define the </a:t>
+              <a:t>To view the missing information:</a:t>
+            </a:r>
+          </a:p>
+          <a:p>
+            <a:pPr lvl="1"/>
+            <a:r>
+              <a:rPr lang="en-US" dirty="0"/>
+              <a:t>Use command “&lt;query&gt;|more” to enter the Linux-style more mode, and press arrow keys to scroll </a:t>
             </a:r>
             <a:r>
               <a:rPr lang="en-US"/>
-              <a:t>default editor</a:t>
+              <a:t>the screen </a:t>
             </a:r>
             <a:endParaRPr lang="en-US" dirty="0"/>
           </a:p>
           <a:p>
+            <a:pPr lvl="1"/>
+            <a:r>
+              <a:rPr lang="en-US" dirty="0"/>
+              <a:t>Use command “out”, which will launch the editor to view the historical outputs.</a:t>
+            </a:r>
+          </a:p>
+          <a:p>
+            <a:pPr lvl="2"/>
+            <a:r>
+              <a:rPr lang="en-US" dirty="0"/>
+              <a:t>In case of the default editor is “vi”, you can use “W/B” to scroll the screen</a:t>
+            </a:r>
+          </a:p>
+          <a:p>
+            <a:pPr lvl="2"/>
+            <a:r>
+              <a:rPr lang="en-US" dirty="0"/>
+              <a:t>Use “set editor [&lt;name&gt;]” to define the default editor</a:t>
+            </a:r>
+          </a:p>
+          <a:p>
+            <a:pPr lvl="2"/>
             <a:r>
               <a:rPr lang="en-US" dirty="0"/>
               <a:t>Command “out”</a:t>
             </a:r>
           </a:p>
           <a:p>
-            <a:pPr lvl="1"/>
+            <a:pPr lvl="3"/>
             <a:r>
               <a:rPr lang="en-US" dirty="0">
                 <a:solidFill>
@@ -25765,7 +25766,7 @@
             </a:r>
           </a:p>
           <a:p>
-            <a:pPr lvl="1"/>
+            <a:pPr lvl="3"/>
             <a:r>
               <a:rPr lang="en-US" dirty="0">
                 <a:solidFill>
@@ -25788,7 +25789,7 @@
             </a:r>
           </a:p>
           <a:p>
-            <a:pPr lvl="1"/>
+            <a:pPr lvl="3"/>
             <a:r>
               <a:rPr lang="en-US" dirty="0">
                 <a:solidFill>

--- a/docs/dbcli.pptx
+++ b/docs/dbcli.pptx
@@ -255,7 +255,7 @@
           <a:p>
             <a:fld id="{8924A7D2-5F3F-4CDE-BB06-760ED7F7BFAC}" type="datetimeFigureOut">
               <a:rPr lang="en-US" smtClean="0"/>
-              <a:t>1/5/2019</a:t>
+              <a:t>1/8/2019</a:t>
             </a:fld>
             <a:endParaRPr lang="en-US"/>
           </a:p>
@@ -6479,7 +6479,7 @@
           <a:p>
             <a:fld id="{830CF026-2A7D-4AC1-A6EC-3EB8F9A9FDD9}" type="datetimeFigureOut">
               <a:rPr lang="en-US" smtClean="0"/>
-              <a:t>1/5/2019</a:t>
+              <a:t>1/8/2019</a:t>
             </a:fld>
             <a:endParaRPr lang="en-US"/>
           </a:p>
@@ -6679,7 +6679,7 @@
           <a:p>
             <a:fld id="{830CF026-2A7D-4AC1-A6EC-3EB8F9A9FDD9}" type="datetimeFigureOut">
               <a:rPr lang="en-US" smtClean="0"/>
-              <a:t>1/5/2019</a:t>
+              <a:t>1/8/2019</a:t>
             </a:fld>
             <a:endParaRPr lang="en-US"/>
           </a:p>
@@ -6889,7 +6889,7 @@
           <a:p>
             <a:fld id="{830CF026-2A7D-4AC1-A6EC-3EB8F9A9FDD9}" type="datetimeFigureOut">
               <a:rPr lang="en-US" smtClean="0"/>
-              <a:t>1/5/2019</a:t>
+              <a:t>1/8/2019</a:t>
             </a:fld>
             <a:endParaRPr lang="en-US"/>
           </a:p>
@@ -7089,7 +7089,7 @@
           <a:p>
             <a:fld id="{830CF026-2A7D-4AC1-A6EC-3EB8F9A9FDD9}" type="datetimeFigureOut">
               <a:rPr lang="en-US" smtClean="0"/>
-              <a:t>1/5/2019</a:t>
+              <a:t>1/8/2019</a:t>
             </a:fld>
             <a:endParaRPr lang="en-US"/>
           </a:p>
@@ -7365,7 +7365,7 @@
           <a:p>
             <a:fld id="{830CF026-2A7D-4AC1-A6EC-3EB8F9A9FDD9}" type="datetimeFigureOut">
               <a:rPr lang="en-US" smtClean="0"/>
-              <a:t>1/5/2019</a:t>
+              <a:t>1/8/2019</a:t>
             </a:fld>
             <a:endParaRPr lang="en-US"/>
           </a:p>
@@ -7633,7 +7633,7 @@
           <a:p>
             <a:fld id="{830CF026-2A7D-4AC1-A6EC-3EB8F9A9FDD9}" type="datetimeFigureOut">
               <a:rPr lang="en-US" smtClean="0"/>
-              <a:t>1/5/2019</a:t>
+              <a:t>1/8/2019</a:t>
             </a:fld>
             <a:endParaRPr lang="en-US"/>
           </a:p>
@@ -8048,7 +8048,7 @@
           <a:p>
             <a:fld id="{830CF026-2A7D-4AC1-A6EC-3EB8F9A9FDD9}" type="datetimeFigureOut">
               <a:rPr lang="en-US" smtClean="0"/>
-              <a:t>1/5/2019</a:t>
+              <a:t>1/8/2019</a:t>
             </a:fld>
             <a:endParaRPr lang="en-US"/>
           </a:p>
@@ -8190,7 +8190,7 @@
           <a:p>
             <a:fld id="{830CF026-2A7D-4AC1-A6EC-3EB8F9A9FDD9}" type="datetimeFigureOut">
               <a:rPr lang="en-US" smtClean="0"/>
-              <a:t>1/5/2019</a:t>
+              <a:t>1/8/2019</a:t>
             </a:fld>
             <a:endParaRPr lang="en-US"/>
           </a:p>
@@ -8303,7 +8303,7 @@
           <a:p>
             <a:fld id="{830CF026-2A7D-4AC1-A6EC-3EB8F9A9FDD9}" type="datetimeFigureOut">
               <a:rPr lang="en-US" smtClean="0"/>
-              <a:t>1/5/2019</a:t>
+              <a:t>1/8/2019</a:t>
             </a:fld>
             <a:endParaRPr lang="en-US"/>
           </a:p>
@@ -8616,7 +8616,7 @@
           <a:p>
             <a:fld id="{830CF026-2A7D-4AC1-A6EC-3EB8F9A9FDD9}" type="datetimeFigureOut">
               <a:rPr lang="en-US" smtClean="0"/>
-              <a:t>1/5/2019</a:t>
+              <a:t>1/8/2019</a:t>
             </a:fld>
             <a:endParaRPr lang="en-US"/>
           </a:p>
@@ -8905,7 +8905,7 @@
           <a:p>
             <a:fld id="{830CF026-2A7D-4AC1-A6EC-3EB8F9A9FDD9}" type="datetimeFigureOut">
               <a:rPr lang="en-US" smtClean="0"/>
-              <a:t>1/5/2019</a:t>
+              <a:t>1/8/2019</a:t>
             </a:fld>
             <a:endParaRPr lang="en-US"/>
           </a:p>
@@ -9148,7 +9148,7 @@
           <a:p>
             <a:fld id="{830CF026-2A7D-4AC1-A6EC-3EB8F9A9FDD9}" type="datetimeFigureOut">
               <a:rPr lang="en-US" smtClean="0"/>
-              <a:t>1/5/2019</a:t>
+              <a:t>1/8/2019</a:t>
             </a:fld>
             <a:endParaRPr lang="en-US"/>
           </a:p>
@@ -25212,7 +25212,7 @@
           <a:graphicData uri="http://schemas.openxmlformats.org/presentationml/2006/ole">
             <mc:AlternateContent xmlns:mc="http://schemas.openxmlformats.org/markup-compatibility/2006">
               <mc:Choice xmlns:v="urn:schemas-microsoft-com:vml" Requires="v">
-                <p:oleObj spid="_x0000_s1116" name="BMP 图像" r:id="rId4" imgW="5000760" imgH="2257560" progId="Paint.Picture">
+                <p:oleObj spid="_x0000_s1117" name="BMP 图像" r:id="rId4" imgW="5000760" imgH="2257560" progId="Paint.Picture">
                   <p:embed/>
                 </p:oleObj>
               </mc:Choice>
@@ -25687,7 +25687,7 @@
         </p:spPr>
         <p:txBody>
           <a:bodyPr>
-            <a:normAutofit/>
+            <a:normAutofit lnSpcReduction="10000"/>
           </a:bodyPr>
           <a:lstStyle/>
           <a:p>
@@ -25706,19 +25706,53 @@
             <a:pPr lvl="1"/>
             <a:r>
               <a:rPr lang="en-US" dirty="0"/>
-              <a:t>Use command “&lt;query&gt;|more” to enter the Linux-style more mode, and press arrow keys to scroll </a:t>
+              <a:t>Use command “&lt;query&gt;</a:t>
+            </a:r>
+            <a:r>
+              <a:rPr lang="en-US" b="1" dirty="0"/>
+              <a:t>|less</a:t>
+            </a:r>
+            <a:r>
+              <a:rPr lang="en-US" dirty="0"/>
+              <a:t>” to enter the </a:t>
             </a:r>
             <a:r>
               <a:rPr lang="en-US"/>
-              <a:t>the screen </a:t>
-            </a:r>
-            <a:endParaRPr lang="en-US" dirty="0"/>
+              <a:t>Linux-style less </a:t>
+            </a:r>
+            <a:r>
+              <a:rPr lang="en-US" dirty="0"/>
+              <a:t>mode, and press arrow keys to scroll the screen</a:t>
+            </a:r>
           </a:p>
           <a:p>
             <a:pPr lvl="1"/>
             <a:r>
               <a:rPr lang="en-US" dirty="0"/>
-              <a:t>Use command “out”, which will launch the editor to view the historical outputs.</a:t>
+              <a:t>Use “</a:t>
+            </a:r>
+            <a:r>
+              <a:rPr lang="en-US" b="1" dirty="0"/>
+              <a:t>less last</a:t>
+            </a:r>
+            <a:r>
+              <a:rPr lang="en-US" dirty="0"/>
+              <a:t>” to view the last output in less mode</a:t>
+            </a:r>
+          </a:p>
+          <a:p>
+            <a:pPr lvl="1"/>
+            <a:r>
+              <a:rPr lang="en-US" dirty="0"/>
+              <a:t>Use command “</a:t>
+            </a:r>
+            <a:r>
+              <a:rPr lang="en-US" b="1" dirty="0"/>
+              <a:t>out</a:t>
+            </a:r>
+            <a:r>
+              <a:rPr lang="en-US" dirty="0"/>
+              <a:t>”, which will launch the editor to view the historical outputs.</a:t>
             </a:r>
           </a:p>
           <a:p>

--- a/docs/dbcli.pptx
+++ b/docs/dbcli.pptx
@@ -255,7 +255,7 @@
           <a:p>
             <a:fld id="{8924A7D2-5F3F-4CDE-BB06-760ED7F7BFAC}" type="datetimeFigureOut">
               <a:rPr lang="en-US" smtClean="0"/>
-              <a:t>1/8/2019</a:t>
+              <a:t>4/6/2019</a:t>
             </a:fld>
             <a:endParaRPr lang="en-US"/>
           </a:p>
@@ -6479,7 +6479,7 @@
           <a:p>
             <a:fld id="{830CF026-2A7D-4AC1-A6EC-3EB8F9A9FDD9}" type="datetimeFigureOut">
               <a:rPr lang="en-US" smtClean="0"/>
-              <a:t>1/8/2019</a:t>
+              <a:t>4/6/2019</a:t>
             </a:fld>
             <a:endParaRPr lang="en-US"/>
           </a:p>
@@ -6679,7 +6679,7 @@
           <a:p>
             <a:fld id="{830CF026-2A7D-4AC1-A6EC-3EB8F9A9FDD9}" type="datetimeFigureOut">
               <a:rPr lang="en-US" smtClean="0"/>
-              <a:t>1/8/2019</a:t>
+              <a:t>4/6/2019</a:t>
             </a:fld>
             <a:endParaRPr lang="en-US"/>
           </a:p>
@@ -6889,7 +6889,7 @@
           <a:p>
             <a:fld id="{830CF026-2A7D-4AC1-A6EC-3EB8F9A9FDD9}" type="datetimeFigureOut">
               <a:rPr lang="en-US" smtClean="0"/>
-              <a:t>1/8/2019</a:t>
+              <a:t>4/6/2019</a:t>
             </a:fld>
             <a:endParaRPr lang="en-US"/>
           </a:p>
@@ -7089,7 +7089,7 @@
           <a:p>
             <a:fld id="{830CF026-2A7D-4AC1-A6EC-3EB8F9A9FDD9}" type="datetimeFigureOut">
               <a:rPr lang="en-US" smtClean="0"/>
-              <a:t>1/8/2019</a:t>
+              <a:t>4/6/2019</a:t>
             </a:fld>
             <a:endParaRPr lang="en-US"/>
           </a:p>
@@ -7365,7 +7365,7 @@
           <a:p>
             <a:fld id="{830CF026-2A7D-4AC1-A6EC-3EB8F9A9FDD9}" type="datetimeFigureOut">
               <a:rPr lang="en-US" smtClean="0"/>
-              <a:t>1/8/2019</a:t>
+              <a:t>4/6/2019</a:t>
             </a:fld>
             <a:endParaRPr lang="en-US"/>
           </a:p>
@@ -7633,7 +7633,7 @@
           <a:p>
             <a:fld id="{830CF026-2A7D-4AC1-A6EC-3EB8F9A9FDD9}" type="datetimeFigureOut">
               <a:rPr lang="en-US" smtClean="0"/>
-              <a:t>1/8/2019</a:t>
+              <a:t>4/6/2019</a:t>
             </a:fld>
             <a:endParaRPr lang="en-US"/>
           </a:p>
@@ -8048,7 +8048,7 @@
           <a:p>
             <a:fld id="{830CF026-2A7D-4AC1-A6EC-3EB8F9A9FDD9}" type="datetimeFigureOut">
               <a:rPr lang="en-US" smtClean="0"/>
-              <a:t>1/8/2019</a:t>
+              <a:t>4/6/2019</a:t>
             </a:fld>
             <a:endParaRPr lang="en-US"/>
           </a:p>
@@ -8190,7 +8190,7 @@
           <a:p>
             <a:fld id="{830CF026-2A7D-4AC1-A6EC-3EB8F9A9FDD9}" type="datetimeFigureOut">
               <a:rPr lang="en-US" smtClean="0"/>
-              <a:t>1/8/2019</a:t>
+              <a:t>4/6/2019</a:t>
             </a:fld>
             <a:endParaRPr lang="en-US"/>
           </a:p>
@@ -8303,7 +8303,7 @@
           <a:p>
             <a:fld id="{830CF026-2A7D-4AC1-A6EC-3EB8F9A9FDD9}" type="datetimeFigureOut">
               <a:rPr lang="en-US" smtClean="0"/>
-              <a:t>1/8/2019</a:t>
+              <a:t>4/6/2019</a:t>
             </a:fld>
             <a:endParaRPr lang="en-US"/>
           </a:p>
@@ -8616,7 +8616,7 @@
           <a:p>
             <a:fld id="{830CF026-2A7D-4AC1-A6EC-3EB8F9A9FDD9}" type="datetimeFigureOut">
               <a:rPr lang="en-US" smtClean="0"/>
-              <a:t>1/8/2019</a:t>
+              <a:t>4/6/2019</a:t>
             </a:fld>
             <a:endParaRPr lang="en-US"/>
           </a:p>
@@ -8905,7 +8905,7 @@
           <a:p>
             <a:fld id="{830CF026-2A7D-4AC1-A6EC-3EB8F9A9FDD9}" type="datetimeFigureOut">
               <a:rPr lang="en-US" smtClean="0"/>
-              <a:t>1/8/2019</a:t>
+              <a:t>4/6/2019</a:t>
             </a:fld>
             <a:endParaRPr lang="en-US"/>
           </a:p>
@@ -9148,7 +9148,7 @@
           <a:p>
             <a:fld id="{830CF026-2A7D-4AC1-A6EC-3EB8F9A9FDD9}" type="datetimeFigureOut">
               <a:rPr lang="en-US" smtClean="0"/>
-              <a:t>1/8/2019</a:t>
+              <a:t>4/6/2019</a:t>
             </a:fld>
             <a:endParaRPr lang="en-US"/>
           </a:p>
@@ -17476,7 +17476,7 @@
         </p:spPr>
         <p:txBody>
           <a:bodyPr>
-            <a:normAutofit fontScale="55000" lnSpcReduction="20000"/>
+            <a:normAutofit fontScale="47500" lnSpcReduction="20000"/>
           </a:bodyPr>
           <a:lstStyle/>
           <a:p>
@@ -17724,6 +17724,31 @@
               <a:rPr lang="en-US" dirty="0"/>
               <a:t>” option is not defined in a switch annotation and current login user cannot match any requirement, then the script will exit with an error </a:t>
             </a:r>
+          </a:p>
+          <a:p>
+            <a:r>
+              <a:rPr lang="en-US" dirty="0"/>
+              <a:t>2 other annotations:</a:t>
+            </a:r>
+          </a:p>
+          <a:p>
+            <a:pPr lvl="1"/>
+            <a:r>
+              <a:rPr lang="en-US" dirty="0"/>
+              <a:t>@ALIAS: defines the nicknames of the script, multiple nicknames should be separated by comma(,)</a:t>
+            </a:r>
+          </a:p>
+          <a:p>
+            <a:pPr lvl="1"/>
+            <a:r>
+              <a:rPr lang="en-US" dirty="0"/>
+              <a:t>@ARGS: defines the minimum number of </a:t>
+            </a:r>
+            <a:r>
+              <a:rPr lang="en-US"/>
+              <a:t>input parameters</a:t>
+            </a:r>
+            <a:endParaRPr lang="en-US" dirty="0"/>
           </a:p>
           <a:p>
             <a:r>
@@ -25212,7 +25237,7 @@
           <a:graphicData uri="http://schemas.openxmlformats.org/presentationml/2006/ole">
             <mc:AlternateContent xmlns:mc="http://schemas.openxmlformats.org/markup-compatibility/2006">
               <mc:Choice xmlns:v="urn:schemas-microsoft-com:vml" Requires="v">
-                <p:oleObj spid="_x0000_s1117" name="BMP 图像" r:id="rId4" imgW="5000760" imgH="2257560" progId="Paint.Picture">
+                <p:oleObj spid="_x0000_s1118" name="BMP 图像" r:id="rId4" imgW="5000760" imgH="2257560" progId="Paint.Picture">
                   <p:embed/>
                 </p:oleObj>
               </mc:Choice>

--- a/docs/dbcli.pptx
+++ b/docs/dbcli.pptx
@@ -5,7 +5,7 @@
     <p:sldMasterId id="2147483648" r:id="rId1"/>
   </p:sldMasterIdLst>
   <p:notesMasterIdLst>
-    <p:notesMasterId r:id="rId61"/>
+    <p:notesMasterId r:id="rId62"/>
   </p:notesMasterIdLst>
   <p:sldIdLst>
     <p:sldId id="256" r:id="rId2"/>
@@ -47,26 +47,27 @@
     <p:sldId id="286" r:id="rId38"/>
     <p:sldId id="290" r:id="rId39"/>
     <p:sldId id="291" r:id="rId40"/>
-    <p:sldId id="287" r:id="rId41"/>
-    <p:sldId id="289" r:id="rId42"/>
-    <p:sldId id="293" r:id="rId43"/>
-    <p:sldId id="294" r:id="rId44"/>
-    <p:sldId id="295" r:id="rId45"/>
-    <p:sldId id="296" r:id="rId46"/>
-    <p:sldId id="297" r:id="rId47"/>
-    <p:sldId id="298" r:id="rId48"/>
-    <p:sldId id="299" r:id="rId49"/>
-    <p:sldId id="300" r:id="rId50"/>
-    <p:sldId id="301" r:id="rId51"/>
-    <p:sldId id="302" r:id="rId52"/>
-    <p:sldId id="303" r:id="rId53"/>
-    <p:sldId id="304" r:id="rId54"/>
-    <p:sldId id="305" r:id="rId55"/>
-    <p:sldId id="306" r:id="rId56"/>
-    <p:sldId id="307" r:id="rId57"/>
-    <p:sldId id="310" r:id="rId58"/>
-    <p:sldId id="311" r:id="rId59"/>
-    <p:sldId id="312" r:id="rId60"/>
+    <p:sldId id="315" r:id="rId41"/>
+    <p:sldId id="287" r:id="rId42"/>
+    <p:sldId id="289" r:id="rId43"/>
+    <p:sldId id="293" r:id="rId44"/>
+    <p:sldId id="294" r:id="rId45"/>
+    <p:sldId id="295" r:id="rId46"/>
+    <p:sldId id="296" r:id="rId47"/>
+    <p:sldId id="297" r:id="rId48"/>
+    <p:sldId id="298" r:id="rId49"/>
+    <p:sldId id="299" r:id="rId50"/>
+    <p:sldId id="300" r:id="rId51"/>
+    <p:sldId id="301" r:id="rId52"/>
+    <p:sldId id="302" r:id="rId53"/>
+    <p:sldId id="303" r:id="rId54"/>
+    <p:sldId id="304" r:id="rId55"/>
+    <p:sldId id="305" r:id="rId56"/>
+    <p:sldId id="306" r:id="rId57"/>
+    <p:sldId id="307" r:id="rId58"/>
+    <p:sldId id="310" r:id="rId59"/>
+    <p:sldId id="311" r:id="rId60"/>
+    <p:sldId id="312" r:id="rId61"/>
   </p:sldIdLst>
   <p:sldSz cx="12192000" cy="6858000"/>
   <p:notesSz cx="6858000" cy="9144000"/>
@@ -255,7 +256,7 @@
           <a:p>
             <a:fld id="{8924A7D2-5F3F-4CDE-BB06-760ED7F7BFAC}" type="datetimeFigureOut">
               <a:rPr lang="en-US" smtClean="0"/>
-              <a:t>4/6/2019</a:t>
+              <a:t>4/11/2019</a:t>
             </a:fld>
             <a:endParaRPr lang="en-US"/>
           </a:p>
@@ -2448,7 +2449,7 @@
           <a:p>
             <a:fld id="{B4F2F79A-9ECA-4236-9A6E-01D624A4A39C}" type="slidenum">
               <a:rPr lang="en-US" smtClean="0"/>
-              <a:t>43</a:t>
+              <a:t>44</a:t>
             </a:fld>
             <a:endParaRPr lang="en-US"/>
           </a:p>
@@ -2627,7 +2628,7 @@
           <a:p>
             <a:fld id="{B4F2F79A-9ECA-4236-9A6E-01D624A4A39C}" type="slidenum">
               <a:rPr lang="en-US" smtClean="0"/>
-              <a:t>44</a:t>
+              <a:t>45</a:t>
             </a:fld>
             <a:endParaRPr lang="en-US"/>
           </a:p>
@@ -2862,7 +2863,7 @@
           <a:p>
             <a:fld id="{B4F2F79A-9ECA-4236-9A6E-01D624A4A39C}" type="slidenum">
               <a:rPr lang="en-US" smtClean="0"/>
-              <a:t>45</a:t>
+              <a:t>46</a:t>
             </a:fld>
             <a:endParaRPr lang="en-US"/>
           </a:p>
@@ -3005,7 +3006,7 @@
           <a:p>
             <a:fld id="{B4F2F79A-9ECA-4236-9A6E-01D624A4A39C}" type="slidenum">
               <a:rPr lang="en-US" smtClean="0"/>
-              <a:t>46</a:t>
+              <a:t>47</a:t>
             </a:fld>
             <a:endParaRPr lang="en-US"/>
           </a:p>
@@ -3218,7 +3219,7 @@
           <a:p>
             <a:fld id="{B4F2F79A-9ECA-4236-9A6E-01D624A4A39C}" type="slidenum">
               <a:rPr lang="en-US" smtClean="0"/>
-              <a:t>47</a:t>
+              <a:t>48</a:t>
             </a:fld>
             <a:endParaRPr lang="en-US"/>
           </a:p>
@@ -3313,7 +3314,7 @@
           <a:p>
             <a:fld id="{B4F2F79A-9ECA-4236-9A6E-01D624A4A39C}" type="slidenum">
               <a:rPr lang="en-US" smtClean="0"/>
-              <a:t>49</a:t>
+              <a:t>50</a:t>
             </a:fld>
             <a:endParaRPr lang="en-US"/>
           </a:p>
@@ -3437,7 +3438,7 @@
           <a:p>
             <a:fld id="{B4F2F79A-9ECA-4236-9A6E-01D624A4A39C}" type="slidenum">
               <a:rPr lang="en-US" smtClean="0"/>
-              <a:t>50</a:t>
+              <a:t>51</a:t>
             </a:fld>
             <a:endParaRPr lang="en-US"/>
           </a:p>
@@ -3554,7 +3555,7 @@
           <a:p>
             <a:fld id="{B4F2F79A-9ECA-4236-9A6E-01D624A4A39C}" type="slidenum">
               <a:rPr lang="en-US" smtClean="0"/>
-              <a:t>51</a:t>
+              <a:t>52</a:t>
             </a:fld>
             <a:endParaRPr lang="en-US"/>
           </a:p>
@@ -3653,7 +3654,7 @@
           <a:p>
             <a:fld id="{B4F2F79A-9ECA-4236-9A6E-01D624A4A39C}" type="slidenum">
               <a:rPr lang="en-US" smtClean="0"/>
-              <a:t>52</a:t>
+              <a:t>53</a:t>
             </a:fld>
             <a:endParaRPr lang="en-US"/>
           </a:p>
@@ -3935,7 +3936,7 @@
           <a:p>
             <a:fld id="{B4F2F79A-9ECA-4236-9A6E-01D624A4A39C}" type="slidenum">
               <a:rPr lang="en-US" smtClean="0"/>
-              <a:t>53</a:t>
+              <a:t>54</a:t>
             </a:fld>
             <a:endParaRPr lang="en-US"/>
           </a:p>
@@ -4299,7 +4300,7 @@
           <a:p>
             <a:fld id="{B4F2F79A-9ECA-4236-9A6E-01D624A4A39C}" type="slidenum">
               <a:rPr lang="en-US" smtClean="0"/>
-              <a:t>55</a:t>
+              <a:t>56</a:t>
             </a:fld>
             <a:endParaRPr lang="en-US"/>
           </a:p>
@@ -4581,7 +4582,7 @@
           <a:p>
             <a:fld id="{B4F2F79A-9ECA-4236-9A6E-01D624A4A39C}" type="slidenum">
               <a:rPr lang="en-US" smtClean="0"/>
-              <a:t>56</a:t>
+              <a:t>57</a:t>
             </a:fld>
             <a:endParaRPr lang="en-US"/>
           </a:p>
@@ -5085,7 +5086,7 @@
           <a:p>
             <a:fld id="{B4F2F79A-9ECA-4236-9A6E-01D624A4A39C}" type="slidenum">
               <a:rPr lang="en-US" smtClean="0"/>
-              <a:t>57</a:t>
+              <a:t>58</a:t>
             </a:fld>
             <a:endParaRPr lang="en-US"/>
           </a:p>
@@ -5299,7 +5300,7 @@
           <a:p>
             <a:fld id="{B4F2F79A-9ECA-4236-9A6E-01D624A4A39C}" type="slidenum">
               <a:rPr lang="en-US" smtClean="0"/>
-              <a:t>58</a:t>
+              <a:t>59</a:t>
             </a:fld>
             <a:endParaRPr lang="en-US"/>
           </a:p>
@@ -6479,7 +6480,7 @@
           <a:p>
             <a:fld id="{830CF026-2A7D-4AC1-A6EC-3EB8F9A9FDD9}" type="datetimeFigureOut">
               <a:rPr lang="en-US" smtClean="0"/>
-              <a:t>4/6/2019</a:t>
+              <a:t>4/11/2019</a:t>
             </a:fld>
             <a:endParaRPr lang="en-US"/>
           </a:p>
@@ -6679,7 +6680,7 @@
           <a:p>
             <a:fld id="{830CF026-2A7D-4AC1-A6EC-3EB8F9A9FDD9}" type="datetimeFigureOut">
               <a:rPr lang="en-US" smtClean="0"/>
-              <a:t>4/6/2019</a:t>
+              <a:t>4/11/2019</a:t>
             </a:fld>
             <a:endParaRPr lang="en-US"/>
           </a:p>
@@ -6889,7 +6890,7 @@
           <a:p>
             <a:fld id="{830CF026-2A7D-4AC1-A6EC-3EB8F9A9FDD9}" type="datetimeFigureOut">
               <a:rPr lang="en-US" smtClean="0"/>
-              <a:t>4/6/2019</a:t>
+              <a:t>4/11/2019</a:t>
             </a:fld>
             <a:endParaRPr lang="en-US"/>
           </a:p>
@@ -7089,7 +7090,7 @@
           <a:p>
             <a:fld id="{830CF026-2A7D-4AC1-A6EC-3EB8F9A9FDD9}" type="datetimeFigureOut">
               <a:rPr lang="en-US" smtClean="0"/>
-              <a:t>4/6/2019</a:t>
+              <a:t>4/11/2019</a:t>
             </a:fld>
             <a:endParaRPr lang="en-US"/>
           </a:p>
@@ -7365,7 +7366,7 @@
           <a:p>
             <a:fld id="{830CF026-2A7D-4AC1-A6EC-3EB8F9A9FDD9}" type="datetimeFigureOut">
               <a:rPr lang="en-US" smtClean="0"/>
-              <a:t>4/6/2019</a:t>
+              <a:t>4/11/2019</a:t>
             </a:fld>
             <a:endParaRPr lang="en-US"/>
           </a:p>
@@ -7633,7 +7634,7 @@
           <a:p>
             <a:fld id="{830CF026-2A7D-4AC1-A6EC-3EB8F9A9FDD9}" type="datetimeFigureOut">
               <a:rPr lang="en-US" smtClean="0"/>
-              <a:t>4/6/2019</a:t>
+              <a:t>4/11/2019</a:t>
             </a:fld>
             <a:endParaRPr lang="en-US"/>
           </a:p>
@@ -8048,7 +8049,7 @@
           <a:p>
             <a:fld id="{830CF026-2A7D-4AC1-A6EC-3EB8F9A9FDD9}" type="datetimeFigureOut">
               <a:rPr lang="en-US" smtClean="0"/>
-              <a:t>4/6/2019</a:t>
+              <a:t>4/11/2019</a:t>
             </a:fld>
             <a:endParaRPr lang="en-US"/>
           </a:p>
@@ -8190,7 +8191,7 @@
           <a:p>
             <a:fld id="{830CF026-2A7D-4AC1-A6EC-3EB8F9A9FDD9}" type="datetimeFigureOut">
               <a:rPr lang="en-US" smtClean="0"/>
-              <a:t>4/6/2019</a:t>
+              <a:t>4/11/2019</a:t>
             </a:fld>
             <a:endParaRPr lang="en-US"/>
           </a:p>
@@ -8303,7 +8304,7 @@
           <a:p>
             <a:fld id="{830CF026-2A7D-4AC1-A6EC-3EB8F9A9FDD9}" type="datetimeFigureOut">
               <a:rPr lang="en-US" smtClean="0"/>
-              <a:t>4/6/2019</a:t>
+              <a:t>4/11/2019</a:t>
             </a:fld>
             <a:endParaRPr lang="en-US"/>
           </a:p>
@@ -8616,7 +8617,7 @@
           <a:p>
             <a:fld id="{830CF026-2A7D-4AC1-A6EC-3EB8F9A9FDD9}" type="datetimeFigureOut">
               <a:rPr lang="en-US" smtClean="0"/>
-              <a:t>4/6/2019</a:t>
+              <a:t>4/11/2019</a:t>
             </a:fld>
             <a:endParaRPr lang="en-US"/>
           </a:p>
@@ -8905,7 +8906,7 @@
           <a:p>
             <a:fld id="{830CF026-2A7D-4AC1-A6EC-3EB8F9A9FDD9}" type="datetimeFigureOut">
               <a:rPr lang="en-US" smtClean="0"/>
-              <a:t>4/6/2019</a:t>
+              <a:t>4/11/2019</a:t>
             </a:fld>
             <a:endParaRPr lang="en-US"/>
           </a:p>
@@ -9148,7 +9149,7 @@
           <a:p>
             <a:fld id="{830CF026-2A7D-4AC1-A6EC-3EB8F9A9FDD9}" type="datetimeFigureOut">
               <a:rPr lang="en-US" smtClean="0"/>
-              <a:t>4/6/2019</a:t>
+              <a:t>4/11/2019</a:t>
             </a:fld>
             <a:endParaRPr lang="en-US"/>
           </a:p>
@@ -11675,13 +11676,13 @@
         </p:nvSpPr>
         <p:spPr>
           <a:xfrm>
-            <a:off x="393539" y="1006998"/>
-            <a:ext cx="10960261" cy="2048357"/>
+            <a:off x="393539" y="1006997"/>
+            <a:ext cx="10960261" cy="2715257"/>
           </a:xfrm>
         </p:spPr>
         <p:txBody>
           <a:bodyPr>
-            <a:normAutofit fontScale="70000" lnSpcReduction="20000"/>
+            <a:normAutofit fontScale="62500" lnSpcReduction="20000"/>
           </a:bodyPr>
           <a:lstStyle/>
           <a:p>
@@ -11733,6 +11734,69 @@
               <a:rPr lang="en-US" dirty="0"/>
               <a:t>.  The keyword completer’s candidates are Oracle maintained objects such as views, packages, etc.</a:t>
             </a:r>
+          </a:p>
+          <a:p>
+            <a:r>
+              <a:rPr lang="en-US" altLang="zh-CN" dirty="0"/>
+              <a:t>The public offline dictionary is located at oracle/</a:t>
+            </a:r>
+            <a:r>
+              <a:rPr lang="en-US" altLang="zh-CN" dirty="0" err="1"/>
+              <a:t>dict.pack</a:t>
+            </a:r>
+            <a:endParaRPr lang="en-US" altLang="zh-CN" dirty="0"/>
+          </a:p>
+          <a:p>
+            <a:r>
+              <a:rPr lang="en-US" altLang="zh-CN" dirty="0"/>
+              <a:t>Use “</a:t>
+            </a:r>
+            <a:r>
+              <a:rPr lang="en-US" altLang="zh-CN" dirty="0" err="1"/>
+              <a:t>dict</a:t>
+            </a:r>
+            <a:r>
+              <a:rPr lang="en-US" altLang="zh-CN" dirty="0"/>
+              <a:t> </a:t>
+            </a:r>
+            <a:r>
+              <a:rPr lang="en-US" altLang="zh-CN" dirty="0" err="1"/>
+              <a:t>init</a:t>
+            </a:r>
+            <a:r>
+              <a:rPr lang="en-US" altLang="zh-CN" dirty="0"/>
+              <a:t>” to customize the offline dictionary that only used in current connected database</a:t>
+            </a:r>
+          </a:p>
+          <a:p>
+            <a:pPr lvl="1"/>
+            <a:r>
+              <a:rPr lang="en-US" altLang="zh-CN" dirty="0"/>
+              <a:t>Better to executed with SYSDBA/DBA account so that more information can be collected</a:t>
+            </a:r>
+          </a:p>
+          <a:p>
+            <a:pPr lvl="1"/>
+            <a:r>
+              <a:rPr lang="en-US" altLang="zh-CN" dirty="0"/>
+              <a:t>This kind of dictionary is stored under the “cache” directory, will be automatically loaded when same </a:t>
+            </a:r>
+            <a:r>
+              <a:rPr lang="en-US" altLang="zh-CN" dirty="0" err="1"/>
+              <a:t>db</a:t>
+            </a:r>
+            <a:r>
+              <a:rPr lang="en-US" altLang="zh-CN" dirty="0"/>
+              <a:t> </a:t>
+            </a:r>
+            <a:r>
+              <a:rPr lang="en-US" altLang="zh-CN"/>
+              <a:t>is connected</a:t>
+            </a:r>
+            <a:endParaRPr lang="en-US" altLang="zh-CN" dirty="0"/>
+          </a:p>
+          <a:p>
+            <a:endParaRPr lang="en-US" altLang="zh-CN" dirty="0"/>
           </a:p>
         </p:txBody>
       </p:sp>
@@ -17424,7 +17488,7 @@
           <p:cNvPr id="2" name="标题 1">
             <a:extLst>
               <a:ext uri="{FF2B5EF4-FFF2-40B4-BE49-F238E27FC236}">
-                <a16:creationId xmlns:a16="http://schemas.microsoft.com/office/drawing/2014/main" id="{103ADC8E-7DB0-4A5F-B20A-213DEBB09B8B}"/>
+                <a16:creationId xmlns:a16="http://schemas.microsoft.com/office/drawing/2014/main" id="{7C2231D9-A555-4DBB-8A37-5A9F72BB76DC}"/>
               </a:ext>
             </a:extLst>
           </p:cNvPr>
@@ -17437,8 +17501,8 @@
         </p:nvSpPr>
         <p:spPr>
           <a:xfrm>
-            <a:off x="838200" y="107217"/>
-            <a:ext cx="10515600" cy="760291"/>
+            <a:off x="838200" y="365126"/>
+            <a:ext cx="10515600" cy="881784"/>
           </a:xfrm>
         </p:spPr>
         <p:txBody>
@@ -17446,9 +17510,10 @@
           <a:lstStyle/>
           <a:p>
             <a:r>
-              <a:rPr lang="en-US" dirty="0"/>
-              <a:t>Scripting Engines</a:t>
-            </a:r>
+              <a:rPr lang="en-US" altLang="zh-CN" dirty="0"/>
+              <a:t>Configuration files</a:t>
+            </a:r>
+            <a:endParaRPr lang="zh-CN" altLang="en-US" dirty="0"/>
           </a:p>
         </p:txBody>
       </p:sp>
@@ -17457,7 +17522,7 @@
           <p:cNvPr id="3" name="内容占位符 2">
             <a:extLst>
               <a:ext uri="{FF2B5EF4-FFF2-40B4-BE49-F238E27FC236}">
-                <a16:creationId xmlns:a16="http://schemas.microsoft.com/office/drawing/2014/main" id="{12A8C3A4-5FC5-430E-84E9-939E6E40B8FF}"/>
+                <a16:creationId xmlns:a16="http://schemas.microsoft.com/office/drawing/2014/main" id="{2E66D47B-AACA-4037-9428-981792A0BE89}"/>
               </a:ext>
             </a:extLst>
           </p:cNvPr>
@@ -17470,461 +17535,118 @@
         </p:nvSpPr>
         <p:spPr>
           <a:xfrm>
-            <a:off x="838200" y="976923"/>
-            <a:ext cx="10515600" cy="5541107"/>
+            <a:off x="838200" y="1246910"/>
+            <a:ext cx="10515600" cy="4930053"/>
           </a:xfrm>
         </p:spPr>
         <p:txBody>
-          <a:bodyPr>
-            <a:normAutofit fontScale="47500" lnSpcReduction="20000"/>
-          </a:bodyPr>
+          <a:bodyPr/>
           <a:lstStyle/>
           <a:p>
             <a:r>
-              <a:rPr lang="en-US" dirty="0"/>
-              <a:t>Input parameter names are from </a:t>
-            </a:r>
-            <a:r>
-              <a:rPr lang="en-US" b="1" dirty="0">
-                <a:solidFill>
-                  <a:schemeClr val="accent1">
-                    <a:lumMod val="75000"/>
-                  </a:schemeClr>
-                </a:solidFill>
-              </a:rPr>
-              <a:t>:V1</a:t>
-            </a:r>
-            <a:r>
-              <a:rPr lang="en-US" dirty="0"/>
-              <a:t>(or </a:t>
-            </a:r>
-            <a:r>
-              <a:rPr lang="en-US" altLang="zh-CN" dirty="0">
-                <a:solidFill>
-                  <a:schemeClr val="accent1">
-                    <a:lumMod val="75000"/>
-                  </a:schemeClr>
-                </a:solidFill>
-              </a:rPr>
-              <a:t>&amp;V1</a:t>
-            </a:r>
-            <a:r>
-              <a:rPr lang="en-US" dirty="0"/>
-              <a:t>) to </a:t>
-            </a:r>
-            <a:r>
-              <a:rPr lang="en-US" dirty="0">
-                <a:solidFill>
-                  <a:schemeClr val="accent1">
-                    <a:lumMod val="75000"/>
-                  </a:schemeClr>
-                </a:solidFill>
-              </a:rPr>
-              <a:t>:V20</a:t>
-            </a:r>
-            <a:r>
-              <a:rPr lang="en-US" dirty="0"/>
-              <a:t>(or </a:t>
-            </a:r>
-            <a:r>
-              <a:rPr lang="en-US" b="1" dirty="0">
-                <a:solidFill>
-                  <a:schemeClr val="accent1">
-                    <a:lumMod val="75000"/>
-                  </a:schemeClr>
-                </a:solidFill>
-              </a:rPr>
-              <a:t>&amp;V20</a:t>
-            </a:r>
-            <a:r>
-              <a:rPr lang="en-US" dirty="0"/>
-              <a:t>) and case-insensitive, however SQL*Plus is &amp;1…</a:t>
-            </a:r>
-          </a:p>
-          <a:p>
-            <a:r>
-              <a:rPr lang="en-US" dirty="0"/>
-              <a:t>V1 to V20 are all default to null(empty string) and don’t ask mandatory input, however SQL*Plus will ask for input if not specified in the command line.</a:t>
-            </a:r>
-          </a:p>
-          <a:p>
-            <a:r>
-              <a:rPr lang="en-US" dirty="0"/>
-              <a:t>A variable value can be used as either substitution(</a:t>
-            </a:r>
-            <a:r>
-              <a:rPr lang="en-US" b="1" dirty="0">
-                <a:solidFill>
-                  <a:schemeClr val="accent1">
-                    <a:lumMod val="75000"/>
-                  </a:schemeClr>
-                </a:solidFill>
-              </a:rPr>
-              <a:t>&amp;var</a:t>
-            </a:r>
-            <a:r>
-              <a:rPr lang="en-US" dirty="0"/>
-              <a:t>) and  binding(</a:t>
-            </a:r>
-            <a:r>
-              <a:rPr lang="en-US" b="1" dirty="0">
-                <a:solidFill>
-                  <a:schemeClr val="accent1">
-                    <a:lumMod val="75000"/>
-                  </a:schemeClr>
-                </a:solidFill>
-              </a:rPr>
-              <a:t>:var</a:t>
-            </a:r>
-            <a:r>
-              <a:rPr lang="en-US" dirty="0"/>
-              <a:t>)</a:t>
-            </a:r>
-          </a:p>
-          <a:p>
-            <a:r>
-              <a:rPr lang="en-US" dirty="0"/>
-              <a:t>Either input parameter or variable can pre-define default value and options(</a:t>
-            </a:r>
-            <a:r>
-              <a:rPr lang="en-US" b="1" dirty="0">
-                <a:solidFill>
-                  <a:schemeClr val="accent1">
-                    <a:lumMod val="75000"/>
-                  </a:schemeClr>
-                </a:solidFill>
-              </a:rPr>
-              <a:t>-option</a:t>
-            </a:r>
-            <a:r>
-              <a:rPr lang="en-US" dirty="0"/>
-              <a:t>) in the script annotation part(sub-part of the documentation)</a:t>
-            </a:r>
-          </a:p>
-          <a:p>
-            <a:r>
-              <a:rPr lang="en-US" dirty="0"/>
-              <a:t>If an input parameter is dot(</a:t>
-            </a:r>
-            <a:r>
-              <a:rPr lang="en-US" b="1" dirty="0">
-                <a:solidFill>
-                  <a:schemeClr val="accent1">
-                    <a:lumMod val="75000"/>
-                  </a:schemeClr>
-                </a:solidFill>
-              </a:rPr>
-              <a:t>.</a:t>
-            </a:r>
-            <a:r>
-              <a:rPr lang="en-US" dirty="0"/>
-              <a:t>), it means using the default value</a:t>
-            </a:r>
-          </a:p>
-          <a:p>
-            <a:r>
-              <a:rPr lang="en-US" dirty="0"/>
-              <a:t>3 switches can be defined in the annotation part and can be treated as variables: </a:t>
-            </a:r>
+              <a:rPr lang="en-US" altLang="zh-CN" dirty="0"/>
+              <a:t>The Configuration files will not be deleted or overridden when extract newer DBCLI release into the same directory</a:t>
+            </a:r>
+          </a:p>
+          <a:p>
+            <a:r>
+              <a:rPr lang="en-US" altLang="zh-CN" dirty="0"/>
+              <a:t>The configuration </a:t>
+            </a:r>
+            <a:r>
+              <a:rPr lang="en-US" altLang="zh-CN"/>
+              <a:t>files includes:</a:t>
+            </a:r>
+            <a:endParaRPr lang="en-US" altLang="zh-CN" dirty="0"/>
           </a:p>
           <a:p>
             <a:pPr lvl="1"/>
             <a:r>
-              <a:rPr lang="en-US" dirty="0"/>
-              <a:t>Privilege switch(</a:t>
-            </a:r>
-            <a:r>
-              <a:rPr lang="en-US" b="1" dirty="0">
-                <a:solidFill>
-                  <a:schemeClr val="accent1">
-                    <a:lumMod val="75000"/>
-                  </a:schemeClr>
-                </a:solidFill>
-              </a:rPr>
-              <a:t>@</a:t>
-            </a:r>
-            <a:r>
-              <a:rPr lang="en-US" b="1" dirty="0" err="1">
-                <a:solidFill>
-                  <a:schemeClr val="accent1">
-                    <a:lumMod val="75000"/>
-                  </a:schemeClr>
-                </a:solidFill>
-              </a:rPr>
-              <a:t>check_access_</a:t>
-            </a:r>
-            <a:r>
-              <a:rPr lang="en-US" dirty="0" err="1"/>
-              <a:t>xxx</a:t>
-            </a:r>
-            <a:r>
-              <a:rPr lang="en-US" dirty="0"/>
-              <a:t>): auto-choose the first value that matches the required access right</a:t>
+              <a:rPr lang="en-US" altLang="zh-CN" dirty="0"/>
+              <a:t>The files under the “data” directory, including:</a:t>
+            </a:r>
+          </a:p>
+          <a:p>
+            <a:pPr lvl="2"/>
+            <a:r>
+              <a:rPr lang="en-US" altLang="zh-CN" dirty="0"/>
+              <a:t>password.dat  : The account information that used by the “login” command</a:t>
+            </a:r>
+          </a:p>
+          <a:p>
+            <a:pPr lvl="2"/>
+            <a:r>
+              <a:rPr lang="en-US" altLang="zh-CN" dirty="0"/>
+              <a:t>setting.dat: The permanent settings that created by “set </a:t>
+            </a:r>
+            <a:r>
+              <a:rPr lang="en-US" altLang="zh-CN" b="1" dirty="0">
+                <a:solidFill>
+                  <a:srgbClr val="FF0000"/>
+                </a:solidFill>
+              </a:rPr>
+              <a:t>-p</a:t>
+            </a:r>
+            <a:r>
+              <a:rPr lang="en-US" altLang="zh-CN" dirty="0"/>
+              <a:t> &lt;option&gt; &lt;value&gt;”</a:t>
+            </a:r>
+          </a:p>
+          <a:p>
+            <a:pPr lvl="2"/>
+            <a:r>
+              <a:rPr lang="en-US" altLang="zh-CN" dirty="0" err="1"/>
+              <a:t>init.cfg</a:t>
+            </a:r>
+            <a:r>
+              <a:rPr lang="en-US" altLang="zh-CN" dirty="0"/>
+              <a:t>(Windows)/</a:t>
+            </a:r>
+            <a:r>
+              <a:rPr lang="en-US" altLang="zh-CN" dirty="0" err="1"/>
+              <a:t>init.conf</a:t>
+            </a:r>
+            <a:r>
+              <a:rPr lang="en-US" altLang="zh-CN" dirty="0"/>
+              <a:t>(Linux/OSX):  The MSDOS commands or Shell commands that impacted the startup of DBCLI</a:t>
+            </a:r>
+          </a:p>
+          <a:p>
+            <a:pPr lvl="2"/>
+            <a:r>
+              <a:rPr lang="en-US" altLang="zh-CN" dirty="0" err="1"/>
+              <a:t>jdbc.cfg</a:t>
+            </a:r>
+            <a:r>
+              <a:rPr lang="en-US" altLang="zh-CN" dirty="0"/>
+              <a:t>: The user-defined database connection information</a:t>
+            </a:r>
+          </a:p>
+          <a:p>
+            <a:pPr lvl="2"/>
+            <a:r>
+              <a:rPr lang="en-US" altLang="zh-CN" dirty="0" err="1"/>
+              <a:t>plugin.cfg</a:t>
+            </a:r>
+            <a:r>
+              <a:rPr lang="en-US" altLang="zh-CN" dirty="0"/>
+              <a:t>: The user-defined plugins</a:t>
             </a:r>
           </a:p>
           <a:p>
             <a:pPr lvl="1"/>
             <a:r>
-              <a:rPr lang="en-US" dirty="0"/>
-              <a:t>User switch(</a:t>
-            </a:r>
-            <a:r>
-              <a:rPr lang="en-US" b="1" dirty="0">
-                <a:solidFill>
-                  <a:schemeClr val="accent1">
-                    <a:lumMod val="75000"/>
-                  </a:schemeClr>
-                </a:solidFill>
-              </a:rPr>
-              <a:t>@</a:t>
-            </a:r>
-            <a:r>
-              <a:rPr lang="en-US" b="1" dirty="0" err="1">
-                <a:solidFill>
-                  <a:schemeClr val="accent1">
-                    <a:lumMod val="75000"/>
-                  </a:schemeClr>
-                </a:solidFill>
-              </a:rPr>
-              <a:t>check_user_</a:t>
-            </a:r>
-            <a:r>
-              <a:rPr lang="en-US" dirty="0" err="1"/>
-              <a:t>xxx</a:t>
-            </a:r>
-            <a:r>
-              <a:rPr lang="en-US" dirty="0"/>
-              <a:t>): auto-choose the first value that login user matches  the required user</a:t>
-            </a:r>
-          </a:p>
-          <a:p>
-            <a:pPr lvl="1"/>
-            <a:r>
-              <a:rPr lang="en-US" dirty="0"/>
-              <a:t>Version switch (@other): auto-choose the first value that matches the require db version</a:t>
-            </a:r>
-          </a:p>
-          <a:p>
-            <a:pPr lvl="1"/>
-            <a:r>
-              <a:rPr lang="en-US" dirty="0"/>
-              <a:t>If  the “</a:t>
-            </a:r>
-            <a:r>
-              <a:rPr lang="en-US" b="1" dirty="0">
-                <a:solidFill>
-                  <a:schemeClr val="accent1">
-                    <a:lumMod val="75000"/>
-                  </a:schemeClr>
-                </a:solidFill>
-              </a:rPr>
-              <a:t>default</a:t>
-            </a:r>
-            <a:r>
-              <a:rPr lang="en-US" dirty="0"/>
-              <a:t>” option is not defined in a switch annotation and current login user cannot match any requirement, then the script will exit with an error </a:t>
-            </a:r>
-          </a:p>
-          <a:p>
-            <a:r>
-              <a:rPr lang="en-US" dirty="0"/>
-              <a:t>2 other annotations:</a:t>
-            </a:r>
-          </a:p>
-          <a:p>
-            <a:pPr lvl="1"/>
-            <a:r>
-              <a:rPr lang="en-US" dirty="0"/>
-              <a:t>@ALIAS: defines the nicknames of the script, multiple nicknames should be separated by comma(,)</a:t>
-            </a:r>
-          </a:p>
-          <a:p>
-            <a:pPr lvl="1"/>
-            <a:r>
-              <a:rPr lang="en-US" dirty="0"/>
-              <a:t>@ARGS: defines the minimum number of </a:t>
-            </a:r>
-            <a:r>
-              <a:rPr lang="en-US"/>
-              <a:t>input parameters</a:t>
-            </a:r>
-            <a:endParaRPr lang="en-US" dirty="0"/>
-          </a:p>
-          <a:p>
-            <a:r>
-              <a:rPr lang="en-US" dirty="0"/>
-              <a:t>The life cycle of the VAR/DEFINE/SET settings are script-locally, and don’t affect the global level settings, however in SQL*Plus those are all global, which can mess the variables of different scripts.</a:t>
-            </a:r>
-          </a:p>
-          <a:p>
-            <a:r>
-              <a:rPr lang="en-US" dirty="0"/>
-              <a:t>Engines:</a:t>
-            </a:r>
-          </a:p>
-          <a:p>
-            <a:pPr lvl="1"/>
-            <a:r>
-              <a:rPr lang="en-US" dirty="0"/>
-              <a:t>SQL*Plus-style engine: does not support all SQL*Plus syntax, but supports all commands that dbcli provides(</a:t>
-            </a:r>
-            <a:r>
-              <a:rPr lang="en-US" b="1" dirty="0">
-                <a:solidFill>
-                  <a:schemeClr val="accent1">
-                    <a:lumMod val="75000"/>
-                  </a:schemeClr>
-                </a:solidFill>
-              </a:rPr>
-              <a:t>help -a </a:t>
-            </a:r>
-            <a:r>
-              <a:rPr lang="en-US" dirty="0"/>
-              <a:t>to list all supported commands)</a:t>
-            </a:r>
-          </a:p>
-          <a:p>
-            <a:pPr lvl="2"/>
-            <a:r>
-              <a:rPr lang="en-US" b="1" dirty="0">
-                <a:solidFill>
-                  <a:schemeClr val="accent1">
-                    <a:lumMod val="75000"/>
-                  </a:schemeClr>
-                </a:solidFill>
-              </a:rPr>
-              <a:t>Show</a:t>
-            </a:r>
-            <a:r>
-              <a:rPr lang="en-US" dirty="0"/>
-              <a:t>:  Executes the pre-defined scripts that don’t require any input parameter</a:t>
-            </a:r>
-          </a:p>
-          <a:p>
-            <a:pPr lvl="2"/>
-            <a:r>
-              <a:rPr lang="en-US" b="1" dirty="0">
-                <a:solidFill>
-                  <a:schemeClr val="accent1">
-                    <a:lumMod val="75000"/>
-                  </a:schemeClr>
-                </a:solidFill>
-              </a:rPr>
-              <a:t>Ora</a:t>
-            </a:r>
-            <a:r>
-              <a:rPr lang="en-US" dirty="0"/>
-              <a:t>: Executes the pre-defined scripts that accept parameters</a:t>
-            </a:r>
-          </a:p>
-          <a:p>
-            <a:pPr lvl="2"/>
-            <a:r>
-              <a:rPr lang="en-US" b="1" dirty="0">
-                <a:solidFill>
-                  <a:schemeClr val="accent1">
-                    <a:lumMod val="75000"/>
-                  </a:schemeClr>
-                </a:solidFill>
-              </a:rPr>
-              <a:t>SYS</a:t>
-            </a:r>
-            <a:r>
-              <a:rPr lang="en-US" dirty="0"/>
-              <a:t>: Similar to Ora, but executes the pre-defined scripts that refer to x$ table</a:t>
-            </a:r>
-          </a:p>
-          <a:p>
-            <a:pPr lvl="2"/>
-            <a:r>
-              <a:rPr lang="en-US" b="1" dirty="0">
-                <a:solidFill>
-                  <a:schemeClr val="accent1">
-                    <a:lumMod val="75000"/>
-                  </a:schemeClr>
-                </a:solidFill>
-              </a:rPr>
-              <a:t>EXA</a:t>
-            </a:r>
-            <a:r>
-              <a:rPr lang="en-US" dirty="0"/>
-              <a:t>: Similar to Ora, but executes the pre-defined scripts that to query Exadata information</a:t>
-            </a:r>
-          </a:p>
-          <a:p>
-            <a:pPr lvl="1"/>
-            <a:r>
-              <a:rPr lang="en-US" dirty="0"/>
-              <a:t>Snapper engine(</a:t>
-            </a:r>
-            <a:r>
-              <a:rPr lang="en-US" b="1" dirty="0">
-                <a:solidFill>
-                  <a:schemeClr val="accent1">
-                    <a:lumMod val="75000"/>
-                  </a:schemeClr>
-                </a:solidFill>
-              </a:rPr>
-              <a:t>snap</a:t>
-            </a:r>
-            <a:r>
-              <a:rPr lang="en-US" dirty="0"/>
-              <a:t>):</a:t>
-            </a:r>
-            <a:r>
-              <a:rPr lang="zh-CN" altLang="en-US" dirty="0"/>
-              <a:t> </a:t>
-            </a:r>
-            <a:r>
               <a:rPr lang="en-US" altLang="zh-CN" dirty="0"/>
-              <a:t>JSON/Lua format, to compute the delta values of the same queries in a specific period, support Linux top-style output</a:t>
-            </a:r>
-          </a:p>
-          <a:p>
-            <a:pPr lvl="1"/>
-            <a:r>
-              <a:rPr lang="en-US" dirty="0"/>
-              <a:t>Graphing engine(</a:t>
-            </a:r>
-            <a:r>
-              <a:rPr lang="en-US" b="1" dirty="0">
-                <a:solidFill>
-                  <a:schemeClr val="accent1">
-                    <a:lumMod val="75000"/>
-                  </a:schemeClr>
-                </a:solidFill>
-              </a:rPr>
-              <a:t>chart/</a:t>
-            </a:r>
-            <a:r>
-              <a:rPr lang="en-US" b="1" dirty="0" err="1">
-                <a:solidFill>
-                  <a:schemeClr val="accent1">
-                    <a:lumMod val="75000"/>
-                  </a:schemeClr>
-                </a:solidFill>
-              </a:rPr>
-              <a:t>ch</a:t>
-            </a:r>
-            <a:r>
-              <a:rPr lang="en-US" dirty="0"/>
-              <a:t>): </a:t>
-            </a:r>
-            <a:r>
-              <a:rPr lang="en-US" altLang="zh-CN" dirty="0"/>
-              <a:t>JSON/Lua format, to</a:t>
-            </a:r>
-            <a:r>
-              <a:rPr lang="en-US" dirty="0"/>
-              <a:t> generate line/bar chart of the time-series data, mainly used on AWR data</a:t>
-            </a:r>
+              <a:t>The user-defined aliases under the “aliases” directory</a:t>
+            </a:r>
+            <a:endParaRPr lang="zh-CN" altLang="en-US" dirty="0"/>
           </a:p>
         </p:txBody>
       </p:sp>
     </p:spTree>
     <p:extLst>
       <p:ext uri="{BB962C8B-B14F-4D97-AF65-F5344CB8AC3E}">
-        <p14:creationId xmlns:p14="http://schemas.microsoft.com/office/powerpoint/2010/main" val="1687118102"/>
+        <p14:creationId xmlns:p14="http://schemas.microsoft.com/office/powerpoint/2010/main" val="3137510390"/>
       </p:ext>
     </p:extLst>
   </p:cSld>
@@ -17956,7 +17678,7 @@
           <p:cNvPr id="2" name="标题 1">
             <a:extLst>
               <a:ext uri="{FF2B5EF4-FFF2-40B4-BE49-F238E27FC236}">
-                <a16:creationId xmlns:a16="http://schemas.microsoft.com/office/drawing/2014/main" id="{62074AD1-1FE7-4190-9345-65532ED6F564}"/>
+                <a16:creationId xmlns:a16="http://schemas.microsoft.com/office/drawing/2014/main" id="{103ADC8E-7DB0-4A5F-B20A-213DEBB09B8B}"/>
               </a:ext>
             </a:extLst>
           </p:cNvPr>
@@ -17969,65 +17691,52 @@
         </p:nvSpPr>
         <p:spPr>
           <a:xfrm>
-            <a:off x="838200" y="156308"/>
-            <a:ext cx="10515600" cy="593970"/>
+            <a:off x="838200" y="107217"/>
+            <a:ext cx="10515600" cy="760291"/>
+          </a:xfrm>
+        </p:spPr>
+        <p:txBody>
+          <a:bodyPr/>
+          <a:lstStyle/>
+          <a:p>
+            <a:r>
+              <a:rPr lang="en-US" dirty="0"/>
+              <a:t>Scripting Engines</a:t>
+            </a:r>
+          </a:p>
+        </p:txBody>
+      </p:sp>
+      <p:sp>
+        <p:nvSpPr>
+          <p:cNvPr id="3" name="内容占位符 2">
+            <a:extLst>
+              <a:ext uri="{FF2B5EF4-FFF2-40B4-BE49-F238E27FC236}">
+                <a16:creationId xmlns:a16="http://schemas.microsoft.com/office/drawing/2014/main" id="{12A8C3A4-5FC5-430E-84E9-939E6E40B8FF}"/>
+              </a:ext>
+            </a:extLst>
+          </p:cNvPr>
+          <p:cNvSpPr>
+            <a:spLocks noGrp="1"/>
+          </p:cNvSpPr>
+          <p:nvPr>
+            <p:ph idx="1"/>
+          </p:nvPr>
+        </p:nvSpPr>
+        <p:spPr>
+          <a:xfrm>
+            <a:off x="838200" y="976923"/>
+            <a:ext cx="10515600" cy="5541107"/>
           </a:xfrm>
         </p:spPr>
         <p:txBody>
           <a:bodyPr>
-            <a:normAutofit fontScale="90000"/>
+            <a:normAutofit fontScale="47500" lnSpcReduction="20000"/>
           </a:bodyPr>
           <a:lstStyle/>
           <a:p>
             <a:r>
               <a:rPr lang="en-US" dirty="0"/>
-              <a:t>Common Pre-defined Scripts (1)</a:t>
-            </a:r>
-          </a:p>
-        </p:txBody>
-      </p:sp>
-      <p:sp>
-        <p:nvSpPr>
-          <p:cNvPr id="3" name="内容占位符 2">
-            <a:extLst>
-              <a:ext uri="{FF2B5EF4-FFF2-40B4-BE49-F238E27FC236}">
-                <a16:creationId xmlns:a16="http://schemas.microsoft.com/office/drawing/2014/main" id="{0F62E6C0-2DDF-4F51-A1B5-1DA4F66A4097}"/>
-              </a:ext>
-            </a:extLst>
-          </p:cNvPr>
-          <p:cNvSpPr>
-            <a:spLocks noGrp="1"/>
-          </p:cNvSpPr>
-          <p:nvPr>
-            <p:ph idx="1"/>
-          </p:nvPr>
-        </p:nvSpPr>
-        <p:spPr>
-          <a:xfrm>
-            <a:off x="838200" y="859692"/>
-            <a:ext cx="10515600" cy="5841999"/>
-          </a:xfrm>
-        </p:spPr>
-        <p:txBody>
-          <a:bodyPr>
-            <a:normAutofit fontScale="40000" lnSpcReduction="20000"/>
-          </a:bodyPr>
-          <a:lstStyle/>
-          <a:p>
-            <a:pPr marL="0" indent="0">
-              <a:buNone/>
-            </a:pPr>
-            <a:r>
-              <a:rPr lang="en-US" b="1" dirty="0">
-                <a:solidFill>
-                  <a:srgbClr val="FF0000"/>
-                </a:solidFill>
-              </a:rPr>
-              <a:t>*  Note</a:t>
-            </a:r>
-            <a:r>
-              <a:rPr lang="en-US" b="1" dirty="0"/>
-              <a:t>: </a:t>
+              <a:t>Input parameter names are from </a:t>
             </a:r>
             <a:r>
               <a:rPr lang="en-US" b="1" dirty="0">
@@ -18037,826 +17746,439 @@
                   </a:schemeClr>
                 </a:solidFill>
               </a:rPr>
-              <a:t>[…]</a:t>
-            </a:r>
-            <a:r>
-              <a:rPr lang="en-US" b="1" dirty="0"/>
-              <a:t> means optional, </a:t>
+              <a:t>:V1</a:t>
+            </a:r>
+            <a:r>
+              <a:rPr lang="en-US" dirty="0"/>
+              <a:t>(or </a:t>
+            </a:r>
+            <a:r>
+              <a:rPr lang="en-US" altLang="zh-CN" dirty="0">
+                <a:solidFill>
+                  <a:schemeClr val="accent1">
+                    <a:lumMod val="75000"/>
+                  </a:schemeClr>
+                </a:solidFill>
+              </a:rPr>
+              <a:t>&amp;V1</a:t>
+            </a:r>
+            <a:r>
+              <a:rPr lang="en-US" dirty="0"/>
+              <a:t>) to </a:t>
+            </a:r>
+            <a:r>
+              <a:rPr lang="en-US" dirty="0">
+                <a:solidFill>
+                  <a:schemeClr val="accent1">
+                    <a:lumMod val="75000"/>
+                  </a:schemeClr>
+                </a:solidFill>
+              </a:rPr>
+              <a:t>:V20</a:t>
+            </a:r>
+            <a:r>
+              <a:rPr lang="en-US" dirty="0"/>
+              <a:t>(or </a:t>
             </a:r>
             <a:r>
               <a:rPr lang="en-US" b="1" dirty="0">
                 <a:solidFill>
-                  <a:srgbClr val="0070C0"/>
-                </a:solidFill>
-              </a:rPr>
-              <a:t>|</a:t>
-            </a:r>
-            <a:r>
-              <a:rPr lang="en-US" b="1" dirty="0"/>
-              <a:t> means “OR”</a:t>
-            </a:r>
-          </a:p>
-          <a:p>
-            <a:r>
-              <a:rPr lang="en-US" sz="2300" dirty="0">
-                <a:latin typeface="Courier New" panose="02070309020205020404" pitchFamily="49" charset="0"/>
-                <a:cs typeface="Courier New" panose="02070309020205020404" pitchFamily="49" charset="0"/>
-              </a:rPr>
-              <a:t>top [interval] [-</a:t>
-            </a:r>
-            <a:r>
-              <a:rPr lang="en-US" sz="2300" dirty="0" err="1">
-                <a:latin typeface="Courier New" panose="02070309020205020404" pitchFamily="49" charset="0"/>
-                <a:cs typeface="Courier New" panose="02070309020205020404" pitchFamily="49" charset="0"/>
-              </a:rPr>
-              <a:t>iostat</a:t>
-            </a:r>
-            <a:r>
-              <a:rPr lang="en-US" sz="2300" dirty="0">
-                <a:latin typeface="Courier New" panose="02070309020205020404" pitchFamily="49" charset="0"/>
-                <a:cs typeface="Courier New" panose="02070309020205020404" pitchFamily="49" charset="0"/>
-              </a:rPr>
-              <a:t>|-latch] [-</a:t>
-            </a:r>
-            <a:r>
-              <a:rPr lang="en-US" sz="2300" dirty="0" err="1">
-                <a:latin typeface="Courier New" panose="02070309020205020404" pitchFamily="49" charset="0"/>
-                <a:cs typeface="Courier New" panose="02070309020205020404" pitchFamily="49" charset="0"/>
-              </a:rPr>
-              <a:t>filestat</a:t>
-            </a:r>
-            <a:r>
-              <a:rPr lang="en-US" sz="2300" dirty="0">
-                <a:latin typeface="Courier New" panose="02070309020205020404" pitchFamily="49" charset="0"/>
-                <a:cs typeface="Courier New" panose="02070309020205020404" pitchFamily="49" charset="0"/>
-              </a:rPr>
-              <a:t>]: monitor db stats with specific interval, default is 10 seconds</a:t>
-            </a:r>
-          </a:p>
-          <a:p>
-            <a:r>
-              <a:rPr lang="en-US" sz="2300" dirty="0" err="1">
-                <a:latin typeface="Courier New" panose="02070309020205020404" pitchFamily="49" charset="0"/>
-                <a:cs typeface="Courier New" panose="02070309020205020404" pitchFamily="49" charset="0"/>
-              </a:rPr>
-              <a:t>cellio</a:t>
-            </a:r>
-            <a:r>
-              <a:rPr lang="en-US" sz="2300" dirty="0">
-                <a:latin typeface="Courier New" panose="02070309020205020404" pitchFamily="49" charset="0"/>
-                <a:cs typeface="Courier New" panose="02070309020205020404" pitchFamily="49" charset="0"/>
-              </a:rPr>
-              <a:t> [interval] </a:t>
-            </a:r>
-            <a:r>
-              <a:rPr lang="nb-NO" sz="2300" dirty="0">
-                <a:latin typeface="Courier New" panose="02070309020205020404" pitchFamily="49" charset="0"/>
-                <a:cs typeface="Courier New" panose="02070309020205020404" pitchFamily="49" charset="0"/>
-              </a:rPr>
-              <a:t>[-pred|-cc|-db] [-cell] [-diskio] </a:t>
-            </a:r>
-            <a:r>
-              <a:rPr lang="en-US" sz="2300" dirty="0">
-                <a:latin typeface="Courier New" panose="02070309020205020404" pitchFamily="49" charset="0"/>
-                <a:cs typeface="Courier New" panose="02070309020205020404" pitchFamily="49" charset="0"/>
-              </a:rPr>
-              <a:t>: monitor Exadata cell stats with specific interval, default is 20 seconds</a:t>
-            </a:r>
-          </a:p>
-          <a:p>
-            <a:r>
-              <a:rPr lang="en-US" sz="2300" dirty="0">
-                <a:latin typeface="Courier New" panose="02070309020205020404" pitchFamily="49" charset="0"/>
-                <a:cs typeface="Courier New" panose="02070309020205020404" pitchFamily="49" charset="0"/>
-              </a:rPr>
-              <a:t>Exa cell: show Exadata information</a:t>
-            </a:r>
-          </a:p>
-          <a:p>
-            <a:r>
-              <a:rPr lang="en-US" sz="2300" dirty="0">
-                <a:latin typeface="Courier New" panose="02070309020205020404" pitchFamily="49" charset="0"/>
-                <a:cs typeface="Courier New" panose="02070309020205020404" pitchFamily="49" charset="0"/>
-              </a:rPr>
-              <a:t>Ora/sys param &lt;keyword&gt;: show parameters that match the keyword</a:t>
-            </a:r>
-          </a:p>
-          <a:p>
-            <a:r>
-              <a:rPr lang="en-US" sz="2300" dirty="0">
-                <a:latin typeface="Courier New" panose="02070309020205020404" pitchFamily="49" charset="0"/>
-                <a:cs typeface="Courier New" panose="02070309020205020404" pitchFamily="49" charset="0"/>
-              </a:rPr>
-              <a:t>Ora tbs [&lt;</a:t>
-            </a:r>
-            <a:r>
-              <a:rPr lang="en-US" sz="2300" dirty="0" err="1">
-                <a:latin typeface="Courier New" panose="02070309020205020404" pitchFamily="49" charset="0"/>
-                <a:cs typeface="Courier New" panose="02070309020205020404" pitchFamily="49" charset="0"/>
-              </a:rPr>
-              <a:t>tablespace_name</a:t>
-            </a:r>
-            <a:r>
-              <a:rPr lang="en-US" sz="2300" dirty="0">
-                <a:latin typeface="Courier New" panose="02070309020205020404" pitchFamily="49" charset="0"/>
-                <a:cs typeface="Courier New" panose="02070309020205020404" pitchFamily="49" charset="0"/>
-              </a:rPr>
-              <a:t>&gt;]: show tablespace usages</a:t>
-            </a:r>
-          </a:p>
-          <a:p>
-            <a:r>
-              <a:rPr lang="en-US" sz="2300" dirty="0">
-                <a:latin typeface="Courier New" panose="02070309020205020404" pitchFamily="49" charset="0"/>
-                <a:cs typeface="Courier New" panose="02070309020205020404" pitchFamily="49" charset="0"/>
-              </a:rPr>
-              <a:t>ora actives [-b|-p|-m]: list active SQLs</a:t>
-            </a:r>
-          </a:p>
-          <a:p>
-            <a:r>
-              <a:rPr lang="en-US" sz="2300" dirty="0">
-                <a:latin typeface="Courier New" panose="02070309020205020404" pitchFamily="49" charset="0"/>
-                <a:cs typeface="Courier New" panose="02070309020205020404" pitchFamily="49" charset="0"/>
-              </a:rPr>
-              <a:t>ora plan &lt;</a:t>
-            </a:r>
-            <a:r>
-              <a:rPr lang="en-US" sz="2300" dirty="0" err="1">
-                <a:latin typeface="Courier New" panose="02070309020205020404" pitchFamily="49" charset="0"/>
-                <a:cs typeface="Courier New" panose="02070309020205020404" pitchFamily="49" charset="0"/>
-              </a:rPr>
-              <a:t>sql_id</a:t>
-            </a:r>
-            <a:r>
-              <a:rPr lang="en-US" sz="2300" dirty="0">
-                <a:latin typeface="Courier New" panose="02070309020205020404" pitchFamily="49" charset="0"/>
-                <a:cs typeface="Courier New" panose="02070309020205020404" pitchFamily="49" charset="0"/>
-              </a:rPr>
-              <a:t>&gt; &lt;</a:t>
-            </a:r>
-            <a:r>
-              <a:rPr lang="en-US" sz="2300" dirty="0" err="1">
-                <a:latin typeface="Courier New" panose="02070309020205020404" pitchFamily="49" charset="0"/>
-                <a:cs typeface="Courier New" panose="02070309020205020404" pitchFamily="49" charset="0"/>
-              </a:rPr>
-              <a:t>plan_hash_value</a:t>
-            </a:r>
-            <a:r>
-              <a:rPr lang="en-US" sz="2300" dirty="0">
-                <a:latin typeface="Courier New" panose="02070309020205020404" pitchFamily="49" charset="0"/>
-                <a:cs typeface="Courier New" panose="02070309020205020404" pitchFamily="49" charset="0"/>
-              </a:rPr>
-              <a:t>&gt;: show execution plan</a:t>
-            </a:r>
-          </a:p>
-          <a:p>
-            <a:r>
-              <a:rPr lang="en-US" sz="2300" dirty="0">
-                <a:latin typeface="Courier New" panose="02070309020205020404" pitchFamily="49" charset="0"/>
-                <a:cs typeface="Courier New" panose="02070309020205020404" pitchFamily="49" charset="0"/>
-              </a:rPr>
-              <a:t>ora sql &lt;</a:t>
-            </a:r>
-            <a:r>
-              <a:rPr lang="en-US" sz="2300" dirty="0" err="1">
-                <a:latin typeface="Courier New" panose="02070309020205020404" pitchFamily="49" charset="0"/>
-                <a:cs typeface="Courier New" panose="02070309020205020404" pitchFamily="49" charset="0"/>
-              </a:rPr>
-              <a:t>sql_id</a:t>
-            </a:r>
-            <a:r>
-              <a:rPr lang="en-US" sz="2300" dirty="0">
-                <a:latin typeface="Courier New" panose="02070309020205020404" pitchFamily="49" charset="0"/>
-                <a:cs typeface="Courier New" panose="02070309020205020404" pitchFamily="49" charset="0"/>
-              </a:rPr>
-              <a:t>&gt;: show SQL text and stats</a:t>
-            </a:r>
-          </a:p>
-          <a:p>
-            <a:r>
-              <a:rPr lang="en-US" sz="2300" dirty="0">
-                <a:latin typeface="Courier New" panose="02070309020205020404" pitchFamily="49" charset="0"/>
-                <a:cs typeface="Courier New" panose="02070309020205020404" pitchFamily="49" charset="0"/>
-              </a:rPr>
-              <a:t>Ora </a:t>
-            </a:r>
-            <a:r>
-              <a:rPr lang="en-US" sz="2300" dirty="0" err="1">
-                <a:latin typeface="Courier New" panose="02070309020205020404" pitchFamily="49" charset="0"/>
-                <a:cs typeface="Courier New" panose="02070309020205020404" pitchFamily="49" charset="0"/>
-              </a:rPr>
-              <a:t>sqlm</a:t>
-            </a:r>
-            <a:r>
-              <a:rPr lang="en-US" sz="2300" dirty="0">
-                <a:latin typeface="Courier New" panose="02070309020205020404" pitchFamily="49" charset="0"/>
-                <a:cs typeface="Courier New" panose="02070309020205020404" pitchFamily="49" charset="0"/>
-              </a:rPr>
-              <a:t> [&lt;</a:t>
-            </a:r>
-            <a:r>
-              <a:rPr lang="en-US" sz="2300" dirty="0" err="1">
-                <a:latin typeface="Courier New" panose="02070309020205020404" pitchFamily="49" charset="0"/>
-                <a:cs typeface="Courier New" panose="02070309020205020404" pitchFamily="49" charset="0"/>
-              </a:rPr>
-              <a:t>sql_id</a:t>
-            </a:r>
-            <a:r>
-              <a:rPr lang="en-US" sz="2300" dirty="0">
-                <a:latin typeface="Courier New" panose="02070309020205020404" pitchFamily="49" charset="0"/>
-                <a:cs typeface="Courier New" panose="02070309020205020404" pitchFamily="49" charset="0"/>
-              </a:rPr>
-              <a:t>&gt; [</a:t>
-            </a:r>
-            <a:r>
-              <a:rPr lang="en-US" sz="2300" dirty="0" err="1">
-                <a:latin typeface="Courier New" panose="02070309020205020404" pitchFamily="49" charset="0"/>
-                <a:cs typeface="Courier New" panose="02070309020205020404" pitchFamily="49" charset="0"/>
-              </a:rPr>
-              <a:t>sql_exec_id</a:t>
-            </a:r>
-            <a:r>
-              <a:rPr lang="en-US" sz="2300" dirty="0">
-                <a:latin typeface="Courier New" panose="02070309020205020404" pitchFamily="49" charset="0"/>
-                <a:cs typeface="Courier New" panose="02070309020205020404" pitchFamily="49" charset="0"/>
-              </a:rPr>
-              <a:t>][-l]]: show sql monitor list, or extract SQL Monitor report. Type ‘help ora </a:t>
-            </a:r>
-            <a:r>
-              <a:rPr lang="en-US" sz="2300" dirty="0" err="1">
-                <a:latin typeface="Courier New" panose="02070309020205020404" pitchFamily="49" charset="0"/>
-                <a:cs typeface="Courier New" panose="02070309020205020404" pitchFamily="49" charset="0"/>
-              </a:rPr>
-              <a:t>sqlm</a:t>
-            </a:r>
-            <a:r>
-              <a:rPr lang="en-US" sz="2300" dirty="0">
-                <a:latin typeface="Courier New" panose="02070309020205020404" pitchFamily="49" charset="0"/>
-                <a:cs typeface="Courier New" panose="02070309020205020404" pitchFamily="49" charset="0"/>
-              </a:rPr>
-              <a:t>’ for more usages.</a:t>
-            </a:r>
-          </a:p>
-          <a:p>
-            <a:r>
-              <a:rPr lang="en-US" sz="2300" dirty="0">
-                <a:latin typeface="Courier New" panose="02070309020205020404" pitchFamily="49" charset="0"/>
-                <a:cs typeface="Courier New" panose="02070309020205020404" pitchFamily="49" charset="0"/>
-              </a:rPr>
-              <a:t>Ora </a:t>
-            </a:r>
-            <a:r>
-              <a:rPr lang="en-US" sz="2300" dirty="0" err="1">
-                <a:latin typeface="Courier New" panose="02070309020205020404" pitchFamily="49" charset="0"/>
-                <a:cs typeface="Courier New" panose="02070309020205020404" pitchFamily="49" charset="0"/>
-              </a:rPr>
-              <a:t>ashplan</a:t>
-            </a:r>
-            <a:r>
-              <a:rPr lang="en-US" sz="2300" dirty="0">
-                <a:latin typeface="Courier New" panose="02070309020205020404" pitchFamily="49" charset="0"/>
-                <a:cs typeface="Courier New" panose="02070309020205020404" pitchFamily="49" charset="0"/>
-              </a:rPr>
-              <a:t> &lt;</a:t>
-            </a:r>
-            <a:r>
-              <a:rPr lang="en-US" sz="2300" dirty="0" err="1">
-                <a:latin typeface="Courier New" panose="02070309020205020404" pitchFamily="49" charset="0"/>
-                <a:cs typeface="Courier New" panose="02070309020205020404" pitchFamily="49" charset="0"/>
-              </a:rPr>
-              <a:t>sql_id</a:t>
-            </a:r>
-            <a:r>
-              <a:rPr lang="en-US" sz="2300" dirty="0">
-                <a:latin typeface="Courier New" panose="02070309020205020404" pitchFamily="49" charset="0"/>
-                <a:cs typeface="Courier New" panose="02070309020205020404" pitchFamily="49" charset="0"/>
-              </a:rPr>
-              <a:t>&gt; [</a:t>
-            </a:r>
-            <a:r>
-              <a:rPr lang="en-US" sz="2300" dirty="0" err="1">
-                <a:latin typeface="Courier New" panose="02070309020205020404" pitchFamily="49" charset="0"/>
-                <a:cs typeface="Courier New" panose="02070309020205020404" pitchFamily="49" charset="0"/>
-              </a:rPr>
-              <a:t>plan_hash_value</a:t>
-            </a:r>
-            <a:r>
-              <a:rPr lang="en-US" sz="2300" dirty="0">
-                <a:latin typeface="Courier New" panose="02070309020205020404" pitchFamily="49" charset="0"/>
-                <a:cs typeface="Courier New" panose="02070309020205020404" pitchFamily="49" charset="0"/>
-              </a:rPr>
-              <a:t>] [-dash]:</a:t>
-            </a:r>
-            <a:r>
-              <a:rPr lang="zh-CN" altLang="en-US" sz="2300" dirty="0">
-                <a:latin typeface="Courier New" panose="02070309020205020404" pitchFamily="49" charset="0"/>
-                <a:cs typeface="Courier New" panose="02070309020205020404" pitchFamily="49" charset="0"/>
-              </a:rPr>
+                  <a:schemeClr val="accent1">
+                    <a:lumMod val="75000"/>
+                  </a:schemeClr>
+                </a:solidFill>
+              </a:rPr>
+              <a:t>&amp;V20</a:t>
+            </a:r>
+            <a:r>
+              <a:rPr lang="en-US" dirty="0"/>
+              <a:t>) and case-insensitive, however SQL*Plus is &amp;1…</a:t>
+            </a:r>
+          </a:p>
+          <a:p>
+            <a:r>
+              <a:rPr lang="en-US" dirty="0"/>
+              <a:t>V1 to V20 are all default to null(empty string) and don’t ask mandatory input, however SQL*Plus will ask for input if not specified in the command line.</a:t>
+            </a:r>
+          </a:p>
+          <a:p>
+            <a:r>
+              <a:rPr lang="en-US" dirty="0"/>
+              <a:t>A variable value can be used as either substitution(</a:t>
+            </a:r>
+            <a:r>
+              <a:rPr lang="en-US" b="1" dirty="0">
+                <a:solidFill>
+                  <a:schemeClr val="accent1">
+                    <a:lumMod val="75000"/>
+                  </a:schemeClr>
+                </a:solidFill>
+              </a:rPr>
+              <a:t>&amp;var</a:t>
+            </a:r>
+            <a:r>
+              <a:rPr lang="en-US" dirty="0"/>
+              <a:t>) and  binding(</a:t>
+            </a:r>
+            <a:r>
+              <a:rPr lang="en-US" b="1" dirty="0">
+                <a:solidFill>
+                  <a:schemeClr val="accent1">
+                    <a:lumMod val="75000"/>
+                  </a:schemeClr>
+                </a:solidFill>
+              </a:rPr>
+              <a:t>:var</a:t>
+            </a:r>
+            <a:r>
+              <a:rPr lang="en-US" dirty="0"/>
+              <a:t>)</a:t>
+            </a:r>
+          </a:p>
+          <a:p>
+            <a:r>
+              <a:rPr lang="en-US" dirty="0"/>
+              <a:t>Either input parameter or variable can pre-define default value and options(</a:t>
+            </a:r>
+            <a:r>
+              <a:rPr lang="en-US" b="1" dirty="0">
+                <a:solidFill>
+                  <a:schemeClr val="accent1">
+                    <a:lumMod val="75000"/>
+                  </a:schemeClr>
+                </a:solidFill>
+              </a:rPr>
+              <a:t>-option</a:t>
+            </a:r>
+            <a:r>
+              <a:rPr lang="en-US" dirty="0"/>
+              <a:t>) in the script annotation part(sub-part of the documentation)</a:t>
+            </a:r>
+          </a:p>
+          <a:p>
+            <a:r>
+              <a:rPr lang="en-US" dirty="0"/>
+              <a:t>If an input parameter is dot(</a:t>
+            </a:r>
+            <a:r>
+              <a:rPr lang="en-US" b="1" dirty="0">
+                <a:solidFill>
+                  <a:schemeClr val="accent1">
+                    <a:lumMod val="75000"/>
+                  </a:schemeClr>
+                </a:solidFill>
+              </a:rPr>
+              <a:t>.</a:t>
+            </a:r>
+            <a:r>
+              <a:rPr lang="en-US" dirty="0"/>
+              <a:t>), it means using the default value</a:t>
+            </a:r>
+          </a:p>
+          <a:p>
+            <a:r>
+              <a:rPr lang="en-US" dirty="0"/>
+              <a:t>3 switches can be defined in the annotation part and can be treated as variables: </a:t>
+            </a:r>
+          </a:p>
+          <a:p>
+            <a:pPr lvl="1"/>
+            <a:r>
+              <a:rPr lang="en-US" dirty="0"/>
+              <a:t>Privilege switch(</a:t>
+            </a:r>
+            <a:r>
+              <a:rPr lang="en-US" b="1" dirty="0">
+                <a:solidFill>
+                  <a:schemeClr val="accent1">
+                    <a:lumMod val="75000"/>
+                  </a:schemeClr>
+                </a:solidFill>
+              </a:rPr>
+              <a:t>@</a:t>
+            </a:r>
+            <a:r>
+              <a:rPr lang="en-US" b="1" dirty="0" err="1">
+                <a:solidFill>
+                  <a:schemeClr val="accent1">
+                    <a:lumMod val="75000"/>
+                  </a:schemeClr>
+                </a:solidFill>
+              </a:rPr>
+              <a:t>check_access_</a:t>
+            </a:r>
+            <a:r>
+              <a:rPr lang="en-US" dirty="0" err="1"/>
+              <a:t>xxx</a:t>
+            </a:r>
+            <a:r>
+              <a:rPr lang="en-US" dirty="0"/>
+              <a:t>): auto-choose the first value that matches the required access right</a:t>
+            </a:r>
+          </a:p>
+          <a:p>
+            <a:pPr lvl="1"/>
+            <a:r>
+              <a:rPr lang="en-US" dirty="0"/>
+              <a:t>User switch(</a:t>
+            </a:r>
+            <a:r>
+              <a:rPr lang="en-US" b="1" dirty="0">
+                <a:solidFill>
+                  <a:schemeClr val="accent1">
+                    <a:lumMod val="75000"/>
+                  </a:schemeClr>
+                </a:solidFill>
+              </a:rPr>
+              <a:t>@</a:t>
+            </a:r>
+            <a:r>
+              <a:rPr lang="en-US" b="1" dirty="0" err="1">
+                <a:solidFill>
+                  <a:schemeClr val="accent1">
+                    <a:lumMod val="75000"/>
+                  </a:schemeClr>
+                </a:solidFill>
+              </a:rPr>
+              <a:t>check_user_</a:t>
+            </a:r>
+            <a:r>
+              <a:rPr lang="en-US" dirty="0" err="1"/>
+              <a:t>xxx</a:t>
+            </a:r>
+            <a:r>
+              <a:rPr lang="en-US" dirty="0"/>
+              <a:t>): auto-choose the first value that login user matches  the required user</a:t>
+            </a:r>
+          </a:p>
+          <a:p>
+            <a:pPr lvl="1"/>
+            <a:r>
+              <a:rPr lang="en-US" dirty="0"/>
+              <a:t>Version switch (@other): auto-choose the first value that matches the require db version</a:t>
+            </a:r>
+          </a:p>
+          <a:p>
+            <a:pPr lvl="1"/>
+            <a:r>
+              <a:rPr lang="en-US" dirty="0"/>
+              <a:t>If  the “</a:t>
+            </a:r>
+            <a:r>
+              <a:rPr lang="en-US" b="1" dirty="0">
+                <a:solidFill>
+                  <a:schemeClr val="accent1">
+                    <a:lumMod val="75000"/>
+                  </a:schemeClr>
+                </a:solidFill>
+              </a:rPr>
+              <a:t>default</a:t>
+            </a:r>
+            <a:r>
+              <a:rPr lang="en-US" dirty="0"/>
+              <a:t>” option is not defined in a switch annotation and current login user cannot match any requirement, then the script will exit with an error </a:t>
+            </a:r>
+          </a:p>
+          <a:p>
+            <a:r>
+              <a:rPr lang="en-US" dirty="0"/>
+              <a:t>2 other annotations:</a:t>
+            </a:r>
+          </a:p>
+          <a:p>
+            <a:pPr lvl="1"/>
+            <a:r>
+              <a:rPr lang="en-US" dirty="0"/>
+              <a:t>@ALIAS: defines the nicknames of the script, multiple nicknames should be separated by comma(,)</a:t>
+            </a:r>
+          </a:p>
+          <a:p>
+            <a:pPr lvl="1"/>
+            <a:r>
+              <a:rPr lang="en-US" dirty="0"/>
+              <a:t>@ARGS: defines the minimum number of </a:t>
+            </a:r>
+            <a:r>
+              <a:rPr lang="en-US"/>
+              <a:t>input parameters</a:t>
+            </a:r>
+            <a:endParaRPr lang="en-US" dirty="0"/>
+          </a:p>
+          <a:p>
+            <a:r>
+              <a:rPr lang="en-US" dirty="0"/>
+              <a:t>The life cycle of the VAR/DEFINE/SET settings are script-locally, and don’t affect the global level settings, however in SQL*Plus those are all global, which can mess the variables of different scripts.</a:t>
+            </a:r>
+          </a:p>
+          <a:p>
+            <a:r>
+              <a:rPr lang="en-US" dirty="0"/>
+              <a:t>Engines:</a:t>
+            </a:r>
+          </a:p>
+          <a:p>
+            <a:pPr lvl="1"/>
+            <a:r>
+              <a:rPr lang="en-US" dirty="0"/>
+              <a:t>SQL*Plus-style engine: does not support all SQL*Plus syntax, but supports all commands that dbcli provides(</a:t>
+            </a:r>
+            <a:r>
+              <a:rPr lang="en-US" b="1" dirty="0">
+                <a:solidFill>
+                  <a:schemeClr val="accent1">
+                    <a:lumMod val="75000"/>
+                  </a:schemeClr>
+                </a:solidFill>
+              </a:rPr>
+              <a:t>help -a </a:t>
+            </a:r>
+            <a:r>
+              <a:rPr lang="en-US" dirty="0"/>
+              <a:t>to list all supported commands)</a:t>
+            </a:r>
+          </a:p>
+          <a:p>
+            <a:pPr lvl="2"/>
+            <a:r>
+              <a:rPr lang="en-US" b="1" dirty="0">
+                <a:solidFill>
+                  <a:schemeClr val="accent1">
+                    <a:lumMod val="75000"/>
+                  </a:schemeClr>
+                </a:solidFill>
+              </a:rPr>
+              <a:t>Show</a:t>
+            </a:r>
+            <a:r>
+              <a:rPr lang="en-US" dirty="0"/>
+              <a:t>:  Executes the pre-defined scripts that don’t require any input parameter</a:t>
+            </a:r>
+          </a:p>
+          <a:p>
+            <a:pPr lvl="2"/>
+            <a:r>
+              <a:rPr lang="en-US" b="1" dirty="0">
+                <a:solidFill>
+                  <a:schemeClr val="accent1">
+                    <a:lumMod val="75000"/>
+                  </a:schemeClr>
+                </a:solidFill>
+              </a:rPr>
+              <a:t>Ora</a:t>
+            </a:r>
+            <a:r>
+              <a:rPr lang="en-US" dirty="0"/>
+              <a:t>: Executes the pre-defined scripts that accept parameters</a:t>
+            </a:r>
+          </a:p>
+          <a:p>
+            <a:pPr lvl="2"/>
+            <a:r>
+              <a:rPr lang="en-US" b="1" dirty="0">
+                <a:solidFill>
+                  <a:schemeClr val="accent1">
+                    <a:lumMod val="75000"/>
+                  </a:schemeClr>
+                </a:solidFill>
+              </a:rPr>
+              <a:t>SYS</a:t>
+            </a:r>
+            <a:r>
+              <a:rPr lang="en-US" dirty="0"/>
+              <a:t>: Similar to Ora, but executes the pre-defined scripts that refer to x$ table</a:t>
+            </a:r>
+          </a:p>
+          <a:p>
+            <a:pPr lvl="2"/>
+            <a:r>
+              <a:rPr lang="en-US" b="1" dirty="0">
+                <a:solidFill>
+                  <a:schemeClr val="accent1">
+                    <a:lumMod val="75000"/>
+                  </a:schemeClr>
+                </a:solidFill>
+              </a:rPr>
+              <a:t>EXA</a:t>
+            </a:r>
+            <a:r>
+              <a:rPr lang="en-US" dirty="0"/>
+              <a:t>: Similar to Ora, but executes the pre-defined scripts that to query Exadata information</a:t>
+            </a:r>
+          </a:p>
+          <a:p>
+            <a:pPr lvl="1"/>
+            <a:r>
+              <a:rPr lang="en-US" dirty="0"/>
+              <a:t>Snapper engine(</a:t>
+            </a:r>
+            <a:r>
+              <a:rPr lang="en-US" b="1" dirty="0">
+                <a:solidFill>
+                  <a:schemeClr val="accent1">
+                    <a:lumMod val="75000"/>
+                  </a:schemeClr>
+                </a:solidFill>
+              </a:rPr>
+              <a:t>snap</a:t>
+            </a:r>
+            <a:r>
+              <a:rPr lang="en-US" dirty="0"/>
+              <a:t>):</a:t>
+            </a:r>
+            <a:r>
+              <a:rPr lang="zh-CN" altLang="en-US" dirty="0"/>
               <a:t> </a:t>
             </a:r>
             <a:r>
-              <a:rPr lang="en-US" altLang="zh-CN" sz="2300" dirty="0">
-                <a:latin typeface="Courier New" panose="02070309020205020404" pitchFamily="49" charset="0"/>
-                <a:cs typeface="Courier New" panose="02070309020205020404" pitchFamily="49" charset="0"/>
-              </a:rPr>
-              <a:t>show</a:t>
-            </a:r>
-            <a:r>
-              <a:rPr lang="zh-CN" altLang="en-US" sz="2300" dirty="0">
-                <a:latin typeface="Courier New" panose="02070309020205020404" pitchFamily="49" charset="0"/>
-                <a:cs typeface="Courier New" panose="02070309020205020404" pitchFamily="49" charset="0"/>
-              </a:rPr>
-              <a:t> </a:t>
-            </a:r>
-            <a:r>
-              <a:rPr lang="en-US" altLang="zh-CN" sz="2300" dirty="0">
-                <a:latin typeface="Courier New" panose="02070309020205020404" pitchFamily="49" charset="0"/>
-                <a:cs typeface="Courier New" panose="02070309020205020404" pitchFamily="49" charset="0"/>
-              </a:rPr>
-              <a:t>sql plan + aggregated ash cost of all executions of the same </a:t>
-            </a:r>
-            <a:r>
-              <a:rPr lang="en-US" altLang="zh-CN" sz="2300" dirty="0" err="1">
-                <a:latin typeface="Courier New" panose="02070309020205020404" pitchFamily="49" charset="0"/>
-                <a:cs typeface="Courier New" panose="02070309020205020404" pitchFamily="49" charset="0"/>
-              </a:rPr>
-              <a:t>phv</a:t>
-            </a:r>
-            <a:endParaRPr lang="en-US" altLang="zh-CN" sz="2300" dirty="0">
-              <a:latin typeface="Courier New" panose="02070309020205020404" pitchFamily="49" charset="0"/>
-              <a:cs typeface="Courier New" panose="02070309020205020404" pitchFamily="49" charset="0"/>
-            </a:endParaRPr>
-          </a:p>
-          <a:p>
-            <a:r>
-              <a:rPr lang="en-US" sz="2300" dirty="0">
-                <a:latin typeface="Courier New" panose="02070309020205020404" pitchFamily="49" charset="0"/>
-                <a:cs typeface="Courier New" panose="02070309020205020404" pitchFamily="49" charset="0"/>
-              </a:rPr>
-              <a:t>Ora </a:t>
-            </a:r>
-            <a:r>
-              <a:rPr lang="en-US" sz="2300" dirty="0" err="1">
-                <a:latin typeface="Courier New" panose="02070309020205020404" pitchFamily="49" charset="0"/>
-                <a:cs typeface="Courier New" panose="02070309020205020404" pitchFamily="49" charset="0"/>
-              </a:rPr>
-              <a:t>ashchain</a:t>
-            </a:r>
-            <a:r>
-              <a:rPr lang="en-US" sz="2300" dirty="0">
-                <a:latin typeface="Courier New" panose="02070309020205020404" pitchFamily="49" charset="0"/>
-                <a:cs typeface="Courier New" panose="02070309020205020404" pitchFamily="49" charset="0"/>
-              </a:rPr>
-              <a:t> [&lt;</a:t>
-            </a:r>
-            <a:r>
-              <a:rPr lang="en-US" sz="2300" dirty="0" err="1">
-                <a:latin typeface="Courier New" panose="02070309020205020404" pitchFamily="49" charset="0"/>
-                <a:cs typeface="Courier New" panose="02070309020205020404" pitchFamily="49" charset="0"/>
-              </a:rPr>
-              <a:t>sql_id</a:t>
-            </a:r>
-            <a:r>
-              <a:rPr lang="en-US" sz="2300" dirty="0">
-                <a:latin typeface="Courier New" panose="02070309020205020404" pitchFamily="49" charset="0"/>
-                <a:cs typeface="Courier New" panose="02070309020205020404" pitchFamily="49" charset="0"/>
-              </a:rPr>
-              <a:t>&gt;|&lt;sid&gt;] [-sid|-p] [-flat]:  An enhancement of </a:t>
-            </a:r>
-            <a:r>
-              <a:rPr lang="en-US" sz="2300" dirty="0" err="1">
-                <a:latin typeface="Courier New" panose="02070309020205020404" pitchFamily="49" charset="0"/>
-                <a:cs typeface="Courier New" panose="02070309020205020404" pitchFamily="49" charset="0"/>
-              </a:rPr>
-              <a:t>Tanel</a:t>
-            </a:r>
-            <a:r>
-              <a:rPr lang="en-US" sz="2300" dirty="0">
-                <a:latin typeface="Courier New" panose="02070309020205020404" pitchFamily="49" charset="0"/>
-                <a:cs typeface="Courier New" panose="02070309020205020404" pitchFamily="49" charset="0"/>
-              </a:rPr>
-              <a:t> </a:t>
-            </a:r>
-            <a:r>
-              <a:rPr lang="en-US" sz="2300" dirty="0" err="1">
-                <a:latin typeface="Courier New" panose="02070309020205020404" pitchFamily="49" charset="0"/>
-                <a:cs typeface="Courier New" panose="02070309020205020404" pitchFamily="49" charset="0"/>
-              </a:rPr>
-              <a:t>Poder’s</a:t>
-            </a:r>
-            <a:r>
-              <a:rPr lang="en-US" sz="2300" dirty="0">
-                <a:latin typeface="Courier New" panose="02070309020205020404" pitchFamily="49" charset="0"/>
-                <a:cs typeface="Courier New" panose="02070309020205020404" pitchFamily="49" charset="0"/>
-              </a:rPr>
-              <a:t> script to see blocking information of ASH</a:t>
-            </a:r>
-          </a:p>
-          <a:p>
-            <a:r>
-              <a:rPr lang="en-US" sz="2300" dirty="0">
-                <a:latin typeface="Courier New" panose="02070309020205020404" pitchFamily="49" charset="0"/>
-                <a:cs typeface="Courier New" panose="02070309020205020404" pitchFamily="49" charset="0"/>
-              </a:rPr>
-              <a:t>Ora </a:t>
-            </a:r>
-            <a:r>
-              <a:rPr lang="en-US" sz="2300" dirty="0" err="1">
-                <a:latin typeface="Courier New" panose="02070309020205020404" pitchFamily="49" charset="0"/>
-                <a:cs typeface="Courier New" panose="02070309020205020404" pitchFamily="49" charset="0"/>
-              </a:rPr>
-              <a:t>ashtop</a:t>
-            </a:r>
-            <a:r>
-              <a:rPr lang="en-US" sz="2300" dirty="0">
-                <a:latin typeface="Courier New" panose="02070309020205020404" pitchFamily="49" charset="0"/>
-                <a:cs typeface="Courier New" panose="02070309020205020404" pitchFamily="49" charset="0"/>
-              </a:rPr>
-              <a:t> [&lt;</a:t>
-            </a:r>
-            <a:r>
-              <a:rPr lang="en-US" sz="2300" dirty="0" err="1">
-                <a:latin typeface="Courier New" panose="02070309020205020404" pitchFamily="49" charset="0"/>
-                <a:cs typeface="Courier New" panose="02070309020205020404" pitchFamily="49" charset="0"/>
-              </a:rPr>
-              <a:t>sql_id</a:t>
-            </a:r>
-            <a:r>
-              <a:rPr lang="en-US" sz="2300" dirty="0">
-                <a:latin typeface="Courier New" panose="02070309020205020404" pitchFamily="49" charset="0"/>
-                <a:cs typeface="Courier New" panose="02070309020205020404" pitchFamily="49" charset="0"/>
-              </a:rPr>
-              <a:t>&gt;] [-snap &lt;seconds&gt;] [-p|-o]: An enhancement of </a:t>
-            </a:r>
-            <a:r>
-              <a:rPr lang="en-US" sz="2300" dirty="0" err="1">
-                <a:latin typeface="Courier New" panose="02070309020205020404" pitchFamily="49" charset="0"/>
-                <a:cs typeface="Courier New" panose="02070309020205020404" pitchFamily="49" charset="0"/>
-              </a:rPr>
-              <a:t>Tanel</a:t>
-            </a:r>
-            <a:r>
-              <a:rPr lang="en-US" sz="2300" dirty="0">
-                <a:latin typeface="Courier New" panose="02070309020205020404" pitchFamily="49" charset="0"/>
-                <a:cs typeface="Courier New" panose="02070309020205020404" pitchFamily="49" charset="0"/>
-              </a:rPr>
-              <a:t> </a:t>
-            </a:r>
-            <a:r>
-              <a:rPr lang="en-US" sz="2300" dirty="0" err="1">
-                <a:latin typeface="Courier New" panose="02070309020205020404" pitchFamily="49" charset="0"/>
-                <a:cs typeface="Courier New" panose="02070309020205020404" pitchFamily="49" charset="0"/>
-              </a:rPr>
-              <a:t>Poder’s</a:t>
-            </a:r>
-            <a:r>
-              <a:rPr lang="en-US" sz="2300" dirty="0">
-                <a:latin typeface="Courier New" panose="02070309020205020404" pitchFamily="49" charset="0"/>
-                <a:cs typeface="Courier New" panose="02070309020205020404" pitchFamily="49" charset="0"/>
-              </a:rPr>
-              <a:t> script to see blocking information of ASH</a:t>
-            </a:r>
-          </a:p>
-          <a:p>
-            <a:r>
-              <a:rPr lang="en-US" sz="2300" dirty="0">
-                <a:latin typeface="Courier New" panose="02070309020205020404" pitchFamily="49" charset="0"/>
-                <a:cs typeface="Courier New" panose="02070309020205020404" pitchFamily="49" charset="0"/>
-              </a:rPr>
-              <a:t>Ora obj &lt;</a:t>
-            </a:r>
-            <a:r>
-              <a:rPr lang="en-US" sz="2300" dirty="0" err="1">
-                <a:latin typeface="Courier New" panose="02070309020205020404" pitchFamily="49" charset="0"/>
-                <a:cs typeface="Courier New" panose="02070309020205020404" pitchFamily="49" charset="0"/>
-              </a:rPr>
-              <a:t>object_id|data_object_id</a:t>
-            </a:r>
-            <a:r>
-              <a:rPr lang="en-US" sz="2300" dirty="0">
-                <a:latin typeface="Courier New" panose="02070309020205020404" pitchFamily="49" charset="0"/>
-                <a:cs typeface="Courier New" panose="02070309020205020404" pitchFamily="49" charset="0"/>
-              </a:rPr>
-              <a:t>|[owner.]</a:t>
-            </a:r>
-            <a:r>
-              <a:rPr lang="en-US" sz="2300" dirty="0" err="1">
-                <a:latin typeface="Courier New" panose="02070309020205020404" pitchFamily="49" charset="0"/>
-                <a:cs typeface="Courier New" panose="02070309020205020404" pitchFamily="49" charset="0"/>
-              </a:rPr>
-              <a:t>object_name</a:t>
-            </a:r>
-            <a:r>
-              <a:rPr lang="en-US" sz="2300" dirty="0">
-                <a:latin typeface="Courier New" panose="02070309020205020404" pitchFamily="49" charset="0"/>
-                <a:cs typeface="Courier New" panose="02070309020205020404" pitchFamily="49" charset="0"/>
-              </a:rPr>
-              <a:t>&gt;: Show information of an object</a:t>
-            </a:r>
-          </a:p>
-          <a:p>
-            <a:r>
-              <a:rPr lang="en-US" sz="2300" dirty="0">
-                <a:latin typeface="Courier New" panose="02070309020205020404" pitchFamily="49" charset="0"/>
-                <a:cs typeface="Courier New" panose="02070309020205020404" pitchFamily="49" charset="0"/>
-              </a:rPr>
-              <a:t>Ora search &lt;keyword&gt;: search object with specific keyword</a:t>
-            </a:r>
-          </a:p>
-          <a:p>
-            <a:r>
-              <a:rPr lang="en-US" sz="2300" dirty="0">
-                <a:latin typeface="Courier New" panose="02070309020205020404" pitchFamily="49" charset="0"/>
-                <a:cs typeface="Courier New" panose="02070309020205020404" pitchFamily="49" charset="0"/>
-              </a:rPr>
-              <a:t>Ora size [owner.]&lt;</a:t>
-            </a:r>
-            <a:r>
-              <a:rPr lang="en-US" sz="2300" dirty="0" err="1">
-                <a:latin typeface="Courier New" panose="02070309020205020404" pitchFamily="49" charset="0"/>
-                <a:cs typeface="Courier New" panose="02070309020205020404" pitchFamily="49" charset="0"/>
-              </a:rPr>
-              <a:t>object_name</a:t>
-            </a:r>
-            <a:r>
-              <a:rPr lang="en-US" sz="2300" dirty="0">
-                <a:latin typeface="Courier New" panose="02070309020205020404" pitchFamily="49" charset="0"/>
-                <a:cs typeface="Courier New" panose="02070309020205020404" pitchFamily="49" charset="0"/>
-              </a:rPr>
-              <a:t>&gt;: show space usage of an object</a:t>
-            </a:r>
-          </a:p>
-          <a:p>
-            <a:r>
-              <a:rPr lang="en-US" sz="2300" dirty="0">
-                <a:latin typeface="Courier New" panose="02070309020205020404" pitchFamily="49" charset="0"/>
-                <a:cs typeface="Courier New" panose="02070309020205020404" pitchFamily="49" charset="0"/>
-              </a:rPr>
-              <a:t>Ora space [owner.]&lt;</a:t>
-            </a:r>
-            <a:r>
-              <a:rPr lang="en-US" sz="2300" dirty="0" err="1">
-                <a:latin typeface="Courier New" panose="02070309020205020404" pitchFamily="49" charset="0"/>
-                <a:cs typeface="Courier New" panose="02070309020205020404" pitchFamily="49" charset="0"/>
-              </a:rPr>
-              <a:t>object_name</a:t>
-            </a:r>
-            <a:r>
-              <a:rPr lang="en-US" sz="2300" dirty="0">
-                <a:latin typeface="Courier New" panose="02070309020205020404" pitchFamily="49" charset="0"/>
-                <a:cs typeface="Courier New" panose="02070309020205020404" pitchFamily="49" charset="0"/>
-              </a:rPr>
-              <a:t>&gt; [-adv]: show detailed space usage of an object</a:t>
-            </a:r>
-          </a:p>
-          <a:p>
-            <a:r>
-              <a:rPr lang="en-US" sz="2300" dirty="0">
-                <a:latin typeface="Courier New" panose="02070309020205020404" pitchFamily="49" charset="0"/>
-                <a:cs typeface="Courier New" panose="02070309020205020404" pitchFamily="49" charset="0"/>
-              </a:rPr>
-              <a:t>Ora </a:t>
-            </a:r>
-            <a:r>
-              <a:rPr lang="en-US" sz="2300" dirty="0" err="1">
-                <a:latin typeface="Courier New" panose="02070309020205020404" pitchFamily="49" charset="0"/>
-                <a:cs typeface="Courier New" panose="02070309020205020404" pitchFamily="49" charset="0"/>
-              </a:rPr>
-              <a:t>ddl</a:t>
-            </a:r>
-            <a:r>
-              <a:rPr lang="en-US" sz="2300" dirty="0">
-                <a:latin typeface="Courier New" panose="02070309020205020404" pitchFamily="49" charset="0"/>
-                <a:cs typeface="Courier New" panose="02070309020205020404" pitchFamily="49" charset="0"/>
-              </a:rPr>
-              <a:t> [owner.]&lt;</a:t>
-            </a:r>
-            <a:r>
-              <a:rPr lang="en-US" sz="2300" dirty="0" err="1">
-                <a:latin typeface="Courier New" panose="02070309020205020404" pitchFamily="49" charset="0"/>
-                <a:cs typeface="Courier New" panose="02070309020205020404" pitchFamily="49" charset="0"/>
-              </a:rPr>
-              <a:t>object_name</a:t>
-            </a:r>
-            <a:r>
-              <a:rPr lang="en-US" sz="2300" dirty="0">
-                <a:latin typeface="Courier New" panose="02070309020205020404" pitchFamily="49" charset="0"/>
-                <a:cs typeface="Courier New" panose="02070309020205020404" pitchFamily="49" charset="0"/>
-              </a:rPr>
-              <a:t>&gt;: show </a:t>
-            </a:r>
-            <a:r>
-              <a:rPr lang="en-US" sz="2300" dirty="0" err="1">
-                <a:latin typeface="Courier New" panose="02070309020205020404" pitchFamily="49" charset="0"/>
-                <a:cs typeface="Courier New" panose="02070309020205020404" pitchFamily="49" charset="0"/>
-              </a:rPr>
-              <a:t>ddl</a:t>
-            </a:r>
-            <a:r>
-              <a:rPr lang="en-US" sz="2300" dirty="0">
-                <a:latin typeface="Courier New" panose="02070309020205020404" pitchFamily="49" charset="0"/>
-                <a:cs typeface="Courier New" panose="02070309020205020404" pitchFamily="49" charset="0"/>
-              </a:rPr>
-              <a:t> of an object</a:t>
-            </a:r>
-          </a:p>
-          <a:p>
-            <a:r>
-              <a:rPr lang="en-US" sz="2300" dirty="0">
-                <a:latin typeface="Courier New" panose="02070309020205020404" pitchFamily="49" charset="0"/>
-                <a:cs typeface="Courier New" panose="02070309020205020404" pitchFamily="49" charset="0"/>
-              </a:rPr>
-              <a:t>Ora stats [owner.]&lt;</a:t>
-            </a:r>
-            <a:r>
-              <a:rPr lang="en-US" sz="2300" dirty="0" err="1">
-                <a:latin typeface="Courier New" panose="02070309020205020404" pitchFamily="49" charset="0"/>
-                <a:cs typeface="Courier New" panose="02070309020205020404" pitchFamily="49" charset="0"/>
-              </a:rPr>
-              <a:t>table_name</a:t>
-            </a:r>
-            <a:r>
-              <a:rPr lang="en-US" sz="2300" dirty="0">
-                <a:latin typeface="Courier New" panose="02070309020205020404" pitchFamily="49" charset="0"/>
-                <a:cs typeface="Courier New" panose="02070309020205020404" pitchFamily="49" charset="0"/>
-              </a:rPr>
-              <a:t>&gt; [-advise]: show table stats or run statistics advisor</a:t>
-            </a:r>
-          </a:p>
-          <a:p>
-            <a:r>
-              <a:rPr lang="en-US" sz="2300" dirty="0">
-                <a:latin typeface="Courier New" panose="02070309020205020404" pitchFamily="49" charset="0"/>
-                <a:cs typeface="Courier New" panose="02070309020205020404" pitchFamily="49" charset="0"/>
-              </a:rPr>
-              <a:t>Ora histogram [owner.]&lt;</a:t>
-            </a:r>
-            <a:r>
-              <a:rPr lang="en-US" sz="2300" dirty="0" err="1">
-                <a:latin typeface="Courier New" panose="02070309020205020404" pitchFamily="49" charset="0"/>
-                <a:cs typeface="Courier New" panose="02070309020205020404" pitchFamily="49" charset="0"/>
-              </a:rPr>
-              <a:t>table_name</a:t>
-            </a:r>
-            <a:r>
-              <a:rPr lang="en-US" sz="2300" dirty="0">
-                <a:latin typeface="Courier New" panose="02070309020205020404" pitchFamily="49" charset="0"/>
-                <a:cs typeface="Courier New" panose="02070309020205020404" pitchFamily="49" charset="0"/>
-              </a:rPr>
-              <a:t>&gt; &lt;column&gt; […]: Show/change histogram of a column</a:t>
-            </a:r>
-          </a:p>
-          <a:p>
-            <a:r>
-              <a:rPr lang="en-US" sz="2300" dirty="0">
-                <a:latin typeface="Courier New" panose="02070309020205020404" pitchFamily="49" charset="0"/>
-                <a:cs typeface="Courier New" panose="02070309020205020404" pitchFamily="49" charset="0"/>
-              </a:rPr>
-              <a:t>Ora </a:t>
-            </a:r>
-            <a:r>
-              <a:rPr lang="en-US" sz="2300" dirty="0" err="1">
-                <a:latin typeface="Courier New" panose="02070309020205020404" pitchFamily="49" charset="0"/>
-                <a:cs typeface="Courier New" panose="02070309020205020404" pitchFamily="49" charset="0"/>
-              </a:rPr>
-              <a:t>spd</a:t>
-            </a:r>
-            <a:r>
-              <a:rPr lang="en-US" sz="2300" dirty="0">
-                <a:latin typeface="Courier New" panose="02070309020205020404" pitchFamily="49" charset="0"/>
-                <a:cs typeface="Courier New" panose="02070309020205020404" pitchFamily="49" charset="0"/>
-              </a:rPr>
-              <a:t> [owner.]&lt;</a:t>
-            </a:r>
-            <a:r>
-              <a:rPr lang="en-US" sz="2300" dirty="0" err="1">
-                <a:latin typeface="Courier New" panose="02070309020205020404" pitchFamily="49" charset="0"/>
-                <a:cs typeface="Courier New" panose="02070309020205020404" pitchFamily="49" charset="0"/>
-              </a:rPr>
-              <a:t>table_name</a:t>
-            </a:r>
-            <a:r>
-              <a:rPr lang="en-US" sz="2300" dirty="0">
-                <a:latin typeface="Courier New" panose="02070309020205020404" pitchFamily="49" charset="0"/>
-                <a:cs typeface="Courier New" panose="02070309020205020404" pitchFamily="49" charset="0"/>
-              </a:rPr>
-              <a:t>&gt;: show SPD information of an object</a:t>
-            </a:r>
-          </a:p>
-          <a:p>
-            <a:r>
-              <a:rPr lang="en-US" sz="2300" dirty="0">
-                <a:latin typeface="Courier New" panose="02070309020205020404" pitchFamily="49" charset="0"/>
-                <a:cs typeface="Courier New" panose="02070309020205020404" pitchFamily="49" charset="0"/>
-              </a:rPr>
-              <a:t>Ora/sys </a:t>
-            </a:r>
-            <a:r>
-              <a:rPr lang="en-US" sz="2300" dirty="0" err="1">
-                <a:latin typeface="Courier New" panose="02070309020205020404" pitchFamily="49" charset="0"/>
-                <a:cs typeface="Courier New" panose="02070309020205020404" pitchFamily="49" charset="0"/>
-              </a:rPr>
-              <a:t>liblock</a:t>
-            </a:r>
-            <a:r>
-              <a:rPr lang="en-US" sz="2300" dirty="0">
-                <a:latin typeface="Courier New" panose="02070309020205020404" pitchFamily="49" charset="0"/>
-                <a:cs typeface="Courier New" panose="02070309020205020404" pitchFamily="49" charset="0"/>
-              </a:rPr>
-              <a:t> [[owner.]&lt;</a:t>
-            </a:r>
-            <a:r>
-              <a:rPr lang="en-US" sz="2300" dirty="0" err="1">
-                <a:latin typeface="Courier New" panose="02070309020205020404" pitchFamily="49" charset="0"/>
-                <a:cs typeface="Courier New" panose="02070309020205020404" pitchFamily="49" charset="0"/>
-              </a:rPr>
-              <a:t>object_name</a:t>
-            </a:r>
-            <a:r>
-              <a:rPr lang="en-US" sz="2300" dirty="0">
-                <a:latin typeface="Courier New" panose="02070309020205020404" pitchFamily="49" charset="0"/>
-                <a:cs typeface="Courier New" panose="02070309020205020404" pitchFamily="49" charset="0"/>
-              </a:rPr>
-              <a:t>&gt;]: show library cache lock</a:t>
-            </a:r>
-          </a:p>
-          <a:p>
-            <a:r>
-              <a:rPr lang="en-US" sz="2300" dirty="0">
-                <a:latin typeface="Courier New" panose="02070309020205020404" pitchFamily="49" charset="0"/>
-                <a:cs typeface="Courier New" panose="02070309020205020404" pitchFamily="49" charset="0"/>
-              </a:rPr>
-              <a:t>Show </a:t>
-            </a:r>
-            <a:r>
-              <a:rPr lang="en-US" sz="2300" dirty="0" err="1">
-                <a:latin typeface="Courier New" panose="02070309020205020404" pitchFamily="49" charset="0"/>
-                <a:cs typeface="Courier New" panose="02070309020205020404" pitchFamily="49" charset="0"/>
-              </a:rPr>
-              <a:t>lockobj</a:t>
-            </a:r>
-            <a:r>
-              <a:rPr lang="en-US" sz="2300" dirty="0">
-                <a:latin typeface="Courier New" panose="02070309020205020404" pitchFamily="49" charset="0"/>
-                <a:cs typeface="Courier New" panose="02070309020205020404" pitchFamily="49" charset="0"/>
-              </a:rPr>
-              <a:t>: show DML lock information</a:t>
-            </a:r>
-          </a:p>
-          <a:p>
-            <a:r>
-              <a:rPr lang="en-US" sz="2300" dirty="0">
-                <a:latin typeface="Courier New" panose="02070309020205020404" pitchFamily="49" charset="0"/>
-                <a:cs typeface="Courier New" panose="02070309020205020404" pitchFamily="49" charset="0"/>
-              </a:rPr>
-              <a:t>Show waiters: show blocking information</a:t>
-            </a:r>
-          </a:p>
-          <a:p>
-            <a:r>
-              <a:rPr lang="en-US" sz="2300" dirty="0">
-                <a:latin typeface="Courier New" panose="02070309020205020404" pitchFamily="49" charset="0"/>
-                <a:cs typeface="Courier New" panose="02070309020205020404" pitchFamily="49" charset="0"/>
-              </a:rPr>
-              <a:t>Show </a:t>
-            </a:r>
-            <a:r>
-              <a:rPr lang="en-US" sz="2300" dirty="0" err="1">
-                <a:latin typeface="Courier New" panose="02070309020205020404" pitchFamily="49" charset="0"/>
-                <a:cs typeface="Courier New" panose="02070309020205020404" pitchFamily="49" charset="0"/>
-              </a:rPr>
-              <a:t>waitchain</a:t>
-            </a:r>
-            <a:r>
-              <a:rPr lang="en-US" sz="2300" dirty="0">
-                <a:latin typeface="Courier New" panose="02070309020205020404" pitchFamily="49" charset="0"/>
-                <a:cs typeface="Courier New" panose="02070309020205020404" pitchFamily="49" charset="0"/>
-              </a:rPr>
-              <a:t>: show blocking information</a:t>
-            </a:r>
-          </a:p>
-          <a:p>
-            <a:r>
-              <a:rPr lang="en-US" sz="2300" dirty="0">
-                <a:latin typeface="Courier New" panose="02070309020205020404" pitchFamily="49" charset="0"/>
-                <a:cs typeface="Courier New" panose="02070309020205020404" pitchFamily="49" charset="0"/>
-              </a:rPr>
-              <a:t>Show trans: show running transactions</a:t>
-            </a:r>
-          </a:p>
-          <a:p>
-            <a:endParaRPr lang="en-US" dirty="0"/>
-          </a:p>
-          <a:p>
-            <a:endParaRPr lang="en-US" dirty="0"/>
+              <a:rPr lang="en-US" altLang="zh-CN" dirty="0"/>
+              <a:t>JSON/Lua format, to compute the delta values of the same queries in a specific period, support Linux top-style output</a:t>
+            </a:r>
+          </a:p>
+          <a:p>
+            <a:pPr lvl="1"/>
+            <a:r>
+              <a:rPr lang="en-US" dirty="0"/>
+              <a:t>Graphing engine(</a:t>
+            </a:r>
+            <a:r>
+              <a:rPr lang="en-US" b="1" dirty="0">
+                <a:solidFill>
+                  <a:schemeClr val="accent1">
+                    <a:lumMod val="75000"/>
+                  </a:schemeClr>
+                </a:solidFill>
+              </a:rPr>
+              <a:t>chart/</a:t>
+            </a:r>
+            <a:r>
+              <a:rPr lang="en-US" b="1" dirty="0" err="1">
+                <a:solidFill>
+                  <a:schemeClr val="accent1">
+                    <a:lumMod val="75000"/>
+                  </a:schemeClr>
+                </a:solidFill>
+              </a:rPr>
+              <a:t>ch</a:t>
+            </a:r>
+            <a:r>
+              <a:rPr lang="en-US" dirty="0"/>
+              <a:t>): </a:t>
+            </a:r>
+            <a:r>
+              <a:rPr lang="en-US" altLang="zh-CN" dirty="0"/>
+              <a:t>JSON/Lua format, to</a:t>
+            </a:r>
+            <a:r>
+              <a:rPr lang="en-US" dirty="0"/>
+              <a:t> generate line/bar chart of the time-series data, mainly used on AWR data</a:t>
+            </a:r>
           </a:p>
         </p:txBody>
       </p:sp>
     </p:spTree>
     <p:extLst>
       <p:ext uri="{BB962C8B-B14F-4D97-AF65-F5344CB8AC3E}">
-        <p14:creationId xmlns:p14="http://schemas.microsoft.com/office/powerpoint/2010/main" val="2093610832"/>
+        <p14:creationId xmlns:p14="http://schemas.microsoft.com/office/powerpoint/2010/main" val="1687118102"/>
       </p:ext>
     </p:extLst>
   </p:cSld>
@@ -18885,6 +18207,938 @@
       </p:grpSpPr>
       <p:sp>
         <p:nvSpPr>
+          <p:cNvPr id="2" name="标题 1">
+            <a:extLst>
+              <a:ext uri="{FF2B5EF4-FFF2-40B4-BE49-F238E27FC236}">
+                <a16:creationId xmlns:a16="http://schemas.microsoft.com/office/drawing/2014/main" id="{62074AD1-1FE7-4190-9345-65532ED6F564}"/>
+              </a:ext>
+            </a:extLst>
+          </p:cNvPr>
+          <p:cNvSpPr>
+            <a:spLocks noGrp="1"/>
+          </p:cNvSpPr>
+          <p:nvPr>
+            <p:ph type="title"/>
+          </p:nvPr>
+        </p:nvSpPr>
+        <p:spPr>
+          <a:xfrm>
+            <a:off x="838200" y="156308"/>
+            <a:ext cx="10515600" cy="593970"/>
+          </a:xfrm>
+        </p:spPr>
+        <p:txBody>
+          <a:bodyPr>
+            <a:normAutofit fontScale="90000"/>
+          </a:bodyPr>
+          <a:lstStyle/>
+          <a:p>
+            <a:r>
+              <a:rPr lang="en-US" dirty="0"/>
+              <a:t>Common Pre-defined Scripts (1)</a:t>
+            </a:r>
+          </a:p>
+        </p:txBody>
+      </p:sp>
+      <p:sp>
+        <p:nvSpPr>
+          <p:cNvPr id="3" name="内容占位符 2">
+            <a:extLst>
+              <a:ext uri="{FF2B5EF4-FFF2-40B4-BE49-F238E27FC236}">
+                <a16:creationId xmlns:a16="http://schemas.microsoft.com/office/drawing/2014/main" id="{0F62E6C0-2DDF-4F51-A1B5-1DA4F66A4097}"/>
+              </a:ext>
+            </a:extLst>
+          </p:cNvPr>
+          <p:cNvSpPr>
+            <a:spLocks noGrp="1"/>
+          </p:cNvSpPr>
+          <p:nvPr>
+            <p:ph idx="1"/>
+          </p:nvPr>
+        </p:nvSpPr>
+        <p:spPr>
+          <a:xfrm>
+            <a:off x="838200" y="859692"/>
+            <a:ext cx="10515600" cy="5841999"/>
+          </a:xfrm>
+        </p:spPr>
+        <p:txBody>
+          <a:bodyPr>
+            <a:normAutofit fontScale="40000" lnSpcReduction="20000"/>
+          </a:bodyPr>
+          <a:lstStyle/>
+          <a:p>
+            <a:pPr marL="0" indent="0">
+              <a:buNone/>
+            </a:pPr>
+            <a:r>
+              <a:rPr lang="en-US" b="1" dirty="0">
+                <a:solidFill>
+                  <a:srgbClr val="FF0000"/>
+                </a:solidFill>
+              </a:rPr>
+              <a:t>*  Note</a:t>
+            </a:r>
+            <a:r>
+              <a:rPr lang="en-US" b="1" dirty="0"/>
+              <a:t>: </a:t>
+            </a:r>
+            <a:r>
+              <a:rPr lang="en-US" b="1" dirty="0">
+                <a:solidFill>
+                  <a:schemeClr val="accent1">
+                    <a:lumMod val="75000"/>
+                  </a:schemeClr>
+                </a:solidFill>
+              </a:rPr>
+              <a:t>[…]</a:t>
+            </a:r>
+            <a:r>
+              <a:rPr lang="en-US" b="1" dirty="0"/>
+              <a:t> means optional, </a:t>
+            </a:r>
+            <a:r>
+              <a:rPr lang="en-US" b="1" dirty="0">
+                <a:solidFill>
+                  <a:srgbClr val="0070C0"/>
+                </a:solidFill>
+              </a:rPr>
+              <a:t>|</a:t>
+            </a:r>
+            <a:r>
+              <a:rPr lang="en-US" b="1" dirty="0"/>
+              <a:t> means “OR”</a:t>
+            </a:r>
+          </a:p>
+          <a:p>
+            <a:r>
+              <a:rPr lang="en-US" sz="2300" dirty="0">
+                <a:latin typeface="Courier New" panose="02070309020205020404" pitchFamily="49" charset="0"/>
+                <a:cs typeface="Courier New" panose="02070309020205020404" pitchFamily="49" charset="0"/>
+              </a:rPr>
+              <a:t>top [interval] [-</a:t>
+            </a:r>
+            <a:r>
+              <a:rPr lang="en-US" sz="2300" dirty="0" err="1">
+                <a:latin typeface="Courier New" panose="02070309020205020404" pitchFamily="49" charset="0"/>
+                <a:cs typeface="Courier New" panose="02070309020205020404" pitchFamily="49" charset="0"/>
+              </a:rPr>
+              <a:t>iostat</a:t>
+            </a:r>
+            <a:r>
+              <a:rPr lang="en-US" sz="2300" dirty="0">
+                <a:latin typeface="Courier New" panose="02070309020205020404" pitchFamily="49" charset="0"/>
+                <a:cs typeface="Courier New" panose="02070309020205020404" pitchFamily="49" charset="0"/>
+              </a:rPr>
+              <a:t>|-latch] [-</a:t>
+            </a:r>
+            <a:r>
+              <a:rPr lang="en-US" sz="2300" dirty="0" err="1">
+                <a:latin typeface="Courier New" panose="02070309020205020404" pitchFamily="49" charset="0"/>
+                <a:cs typeface="Courier New" panose="02070309020205020404" pitchFamily="49" charset="0"/>
+              </a:rPr>
+              <a:t>filestat</a:t>
+            </a:r>
+            <a:r>
+              <a:rPr lang="en-US" sz="2300" dirty="0">
+                <a:latin typeface="Courier New" panose="02070309020205020404" pitchFamily="49" charset="0"/>
+                <a:cs typeface="Courier New" panose="02070309020205020404" pitchFamily="49" charset="0"/>
+              </a:rPr>
+              <a:t>]: monitor db stats with specific interval, default is 10 seconds</a:t>
+            </a:r>
+          </a:p>
+          <a:p>
+            <a:r>
+              <a:rPr lang="en-US" sz="2300" dirty="0" err="1">
+                <a:latin typeface="Courier New" panose="02070309020205020404" pitchFamily="49" charset="0"/>
+                <a:cs typeface="Courier New" panose="02070309020205020404" pitchFamily="49" charset="0"/>
+              </a:rPr>
+              <a:t>cellio</a:t>
+            </a:r>
+            <a:r>
+              <a:rPr lang="en-US" sz="2300" dirty="0">
+                <a:latin typeface="Courier New" panose="02070309020205020404" pitchFamily="49" charset="0"/>
+                <a:cs typeface="Courier New" panose="02070309020205020404" pitchFamily="49" charset="0"/>
+              </a:rPr>
+              <a:t> [interval] </a:t>
+            </a:r>
+            <a:r>
+              <a:rPr lang="nb-NO" sz="2300" dirty="0">
+                <a:latin typeface="Courier New" panose="02070309020205020404" pitchFamily="49" charset="0"/>
+                <a:cs typeface="Courier New" panose="02070309020205020404" pitchFamily="49" charset="0"/>
+              </a:rPr>
+              <a:t>[-pred|-cc|-db] [-cell] [-diskio] </a:t>
+            </a:r>
+            <a:r>
+              <a:rPr lang="en-US" sz="2300" dirty="0">
+                <a:latin typeface="Courier New" panose="02070309020205020404" pitchFamily="49" charset="0"/>
+                <a:cs typeface="Courier New" panose="02070309020205020404" pitchFamily="49" charset="0"/>
+              </a:rPr>
+              <a:t>: monitor Exadata cell stats with specific interval, default is 20 seconds</a:t>
+            </a:r>
+          </a:p>
+          <a:p>
+            <a:r>
+              <a:rPr lang="en-US" sz="2300" dirty="0">
+                <a:latin typeface="Courier New" panose="02070309020205020404" pitchFamily="49" charset="0"/>
+                <a:cs typeface="Courier New" panose="02070309020205020404" pitchFamily="49" charset="0"/>
+              </a:rPr>
+              <a:t>Exa cell: show Exadata information</a:t>
+            </a:r>
+          </a:p>
+          <a:p>
+            <a:r>
+              <a:rPr lang="en-US" sz="2300" dirty="0">
+                <a:latin typeface="Courier New" panose="02070309020205020404" pitchFamily="49" charset="0"/>
+                <a:cs typeface="Courier New" panose="02070309020205020404" pitchFamily="49" charset="0"/>
+              </a:rPr>
+              <a:t>Ora/sys param &lt;keyword&gt;: show parameters that match the keyword</a:t>
+            </a:r>
+          </a:p>
+          <a:p>
+            <a:r>
+              <a:rPr lang="en-US" sz="2300" dirty="0">
+                <a:latin typeface="Courier New" panose="02070309020205020404" pitchFamily="49" charset="0"/>
+                <a:cs typeface="Courier New" panose="02070309020205020404" pitchFamily="49" charset="0"/>
+              </a:rPr>
+              <a:t>Ora tbs [&lt;</a:t>
+            </a:r>
+            <a:r>
+              <a:rPr lang="en-US" sz="2300" dirty="0" err="1">
+                <a:latin typeface="Courier New" panose="02070309020205020404" pitchFamily="49" charset="0"/>
+                <a:cs typeface="Courier New" panose="02070309020205020404" pitchFamily="49" charset="0"/>
+              </a:rPr>
+              <a:t>tablespace_name</a:t>
+            </a:r>
+            <a:r>
+              <a:rPr lang="en-US" sz="2300" dirty="0">
+                <a:latin typeface="Courier New" panose="02070309020205020404" pitchFamily="49" charset="0"/>
+                <a:cs typeface="Courier New" panose="02070309020205020404" pitchFamily="49" charset="0"/>
+              </a:rPr>
+              <a:t>&gt;]: show tablespace usages</a:t>
+            </a:r>
+          </a:p>
+          <a:p>
+            <a:r>
+              <a:rPr lang="en-US" sz="2300" dirty="0">
+                <a:latin typeface="Courier New" panose="02070309020205020404" pitchFamily="49" charset="0"/>
+                <a:cs typeface="Courier New" panose="02070309020205020404" pitchFamily="49" charset="0"/>
+              </a:rPr>
+              <a:t>ora actives [-b|-p|-m]: list active SQLs</a:t>
+            </a:r>
+          </a:p>
+          <a:p>
+            <a:r>
+              <a:rPr lang="en-US" sz="2300" dirty="0">
+                <a:latin typeface="Courier New" panose="02070309020205020404" pitchFamily="49" charset="0"/>
+                <a:cs typeface="Courier New" panose="02070309020205020404" pitchFamily="49" charset="0"/>
+              </a:rPr>
+              <a:t>ora plan &lt;</a:t>
+            </a:r>
+            <a:r>
+              <a:rPr lang="en-US" sz="2300" dirty="0" err="1">
+                <a:latin typeface="Courier New" panose="02070309020205020404" pitchFamily="49" charset="0"/>
+                <a:cs typeface="Courier New" panose="02070309020205020404" pitchFamily="49" charset="0"/>
+              </a:rPr>
+              <a:t>sql_id</a:t>
+            </a:r>
+            <a:r>
+              <a:rPr lang="en-US" sz="2300" dirty="0">
+                <a:latin typeface="Courier New" panose="02070309020205020404" pitchFamily="49" charset="0"/>
+                <a:cs typeface="Courier New" panose="02070309020205020404" pitchFamily="49" charset="0"/>
+              </a:rPr>
+              <a:t>&gt; &lt;</a:t>
+            </a:r>
+            <a:r>
+              <a:rPr lang="en-US" sz="2300" dirty="0" err="1">
+                <a:latin typeface="Courier New" panose="02070309020205020404" pitchFamily="49" charset="0"/>
+                <a:cs typeface="Courier New" panose="02070309020205020404" pitchFamily="49" charset="0"/>
+              </a:rPr>
+              <a:t>plan_hash_value</a:t>
+            </a:r>
+            <a:r>
+              <a:rPr lang="en-US" sz="2300" dirty="0">
+                <a:latin typeface="Courier New" panose="02070309020205020404" pitchFamily="49" charset="0"/>
+                <a:cs typeface="Courier New" panose="02070309020205020404" pitchFamily="49" charset="0"/>
+              </a:rPr>
+              <a:t>&gt;: show execution plan</a:t>
+            </a:r>
+          </a:p>
+          <a:p>
+            <a:r>
+              <a:rPr lang="en-US" sz="2300" dirty="0">
+                <a:latin typeface="Courier New" panose="02070309020205020404" pitchFamily="49" charset="0"/>
+                <a:cs typeface="Courier New" panose="02070309020205020404" pitchFamily="49" charset="0"/>
+              </a:rPr>
+              <a:t>ora sql &lt;</a:t>
+            </a:r>
+            <a:r>
+              <a:rPr lang="en-US" sz="2300" dirty="0" err="1">
+                <a:latin typeface="Courier New" panose="02070309020205020404" pitchFamily="49" charset="0"/>
+                <a:cs typeface="Courier New" panose="02070309020205020404" pitchFamily="49" charset="0"/>
+              </a:rPr>
+              <a:t>sql_id</a:t>
+            </a:r>
+            <a:r>
+              <a:rPr lang="en-US" sz="2300" dirty="0">
+                <a:latin typeface="Courier New" panose="02070309020205020404" pitchFamily="49" charset="0"/>
+                <a:cs typeface="Courier New" panose="02070309020205020404" pitchFamily="49" charset="0"/>
+              </a:rPr>
+              <a:t>&gt;: show SQL text and stats</a:t>
+            </a:r>
+          </a:p>
+          <a:p>
+            <a:r>
+              <a:rPr lang="en-US" sz="2300" dirty="0">
+                <a:latin typeface="Courier New" panose="02070309020205020404" pitchFamily="49" charset="0"/>
+                <a:cs typeface="Courier New" panose="02070309020205020404" pitchFamily="49" charset="0"/>
+              </a:rPr>
+              <a:t>Ora </a:t>
+            </a:r>
+            <a:r>
+              <a:rPr lang="en-US" sz="2300" dirty="0" err="1">
+                <a:latin typeface="Courier New" panose="02070309020205020404" pitchFamily="49" charset="0"/>
+                <a:cs typeface="Courier New" panose="02070309020205020404" pitchFamily="49" charset="0"/>
+              </a:rPr>
+              <a:t>sqlm</a:t>
+            </a:r>
+            <a:r>
+              <a:rPr lang="en-US" sz="2300" dirty="0">
+                <a:latin typeface="Courier New" panose="02070309020205020404" pitchFamily="49" charset="0"/>
+                <a:cs typeface="Courier New" panose="02070309020205020404" pitchFamily="49" charset="0"/>
+              </a:rPr>
+              <a:t> [&lt;</a:t>
+            </a:r>
+            <a:r>
+              <a:rPr lang="en-US" sz="2300" dirty="0" err="1">
+                <a:latin typeface="Courier New" panose="02070309020205020404" pitchFamily="49" charset="0"/>
+                <a:cs typeface="Courier New" panose="02070309020205020404" pitchFamily="49" charset="0"/>
+              </a:rPr>
+              <a:t>sql_id</a:t>
+            </a:r>
+            <a:r>
+              <a:rPr lang="en-US" sz="2300" dirty="0">
+                <a:latin typeface="Courier New" panose="02070309020205020404" pitchFamily="49" charset="0"/>
+                <a:cs typeface="Courier New" panose="02070309020205020404" pitchFamily="49" charset="0"/>
+              </a:rPr>
+              <a:t>&gt; [</a:t>
+            </a:r>
+            <a:r>
+              <a:rPr lang="en-US" sz="2300" dirty="0" err="1">
+                <a:latin typeface="Courier New" panose="02070309020205020404" pitchFamily="49" charset="0"/>
+                <a:cs typeface="Courier New" panose="02070309020205020404" pitchFamily="49" charset="0"/>
+              </a:rPr>
+              <a:t>sql_exec_id</a:t>
+            </a:r>
+            <a:r>
+              <a:rPr lang="en-US" sz="2300" dirty="0">
+                <a:latin typeface="Courier New" panose="02070309020205020404" pitchFamily="49" charset="0"/>
+                <a:cs typeface="Courier New" panose="02070309020205020404" pitchFamily="49" charset="0"/>
+              </a:rPr>
+              <a:t>][-l]]: show sql monitor list, or extract SQL Monitor report. Type ‘help ora </a:t>
+            </a:r>
+            <a:r>
+              <a:rPr lang="en-US" sz="2300" dirty="0" err="1">
+                <a:latin typeface="Courier New" panose="02070309020205020404" pitchFamily="49" charset="0"/>
+                <a:cs typeface="Courier New" panose="02070309020205020404" pitchFamily="49" charset="0"/>
+              </a:rPr>
+              <a:t>sqlm</a:t>
+            </a:r>
+            <a:r>
+              <a:rPr lang="en-US" sz="2300" dirty="0">
+                <a:latin typeface="Courier New" panose="02070309020205020404" pitchFamily="49" charset="0"/>
+                <a:cs typeface="Courier New" panose="02070309020205020404" pitchFamily="49" charset="0"/>
+              </a:rPr>
+              <a:t>’ for more usages.</a:t>
+            </a:r>
+          </a:p>
+          <a:p>
+            <a:r>
+              <a:rPr lang="en-US" sz="2300" dirty="0">
+                <a:latin typeface="Courier New" panose="02070309020205020404" pitchFamily="49" charset="0"/>
+                <a:cs typeface="Courier New" panose="02070309020205020404" pitchFamily="49" charset="0"/>
+              </a:rPr>
+              <a:t>Ora </a:t>
+            </a:r>
+            <a:r>
+              <a:rPr lang="en-US" sz="2300" dirty="0" err="1">
+                <a:latin typeface="Courier New" panose="02070309020205020404" pitchFamily="49" charset="0"/>
+                <a:cs typeface="Courier New" panose="02070309020205020404" pitchFamily="49" charset="0"/>
+              </a:rPr>
+              <a:t>ashplan</a:t>
+            </a:r>
+            <a:r>
+              <a:rPr lang="en-US" sz="2300" dirty="0">
+                <a:latin typeface="Courier New" panose="02070309020205020404" pitchFamily="49" charset="0"/>
+                <a:cs typeface="Courier New" panose="02070309020205020404" pitchFamily="49" charset="0"/>
+              </a:rPr>
+              <a:t> &lt;</a:t>
+            </a:r>
+            <a:r>
+              <a:rPr lang="en-US" sz="2300" dirty="0" err="1">
+                <a:latin typeface="Courier New" panose="02070309020205020404" pitchFamily="49" charset="0"/>
+                <a:cs typeface="Courier New" panose="02070309020205020404" pitchFamily="49" charset="0"/>
+              </a:rPr>
+              <a:t>sql_id</a:t>
+            </a:r>
+            <a:r>
+              <a:rPr lang="en-US" sz="2300" dirty="0">
+                <a:latin typeface="Courier New" panose="02070309020205020404" pitchFamily="49" charset="0"/>
+                <a:cs typeface="Courier New" panose="02070309020205020404" pitchFamily="49" charset="0"/>
+              </a:rPr>
+              <a:t>&gt; [</a:t>
+            </a:r>
+            <a:r>
+              <a:rPr lang="en-US" sz="2300" dirty="0" err="1">
+                <a:latin typeface="Courier New" panose="02070309020205020404" pitchFamily="49" charset="0"/>
+                <a:cs typeface="Courier New" panose="02070309020205020404" pitchFamily="49" charset="0"/>
+              </a:rPr>
+              <a:t>plan_hash_value</a:t>
+            </a:r>
+            <a:r>
+              <a:rPr lang="en-US" sz="2300" dirty="0">
+                <a:latin typeface="Courier New" panose="02070309020205020404" pitchFamily="49" charset="0"/>
+                <a:cs typeface="Courier New" panose="02070309020205020404" pitchFamily="49" charset="0"/>
+              </a:rPr>
+              <a:t>] [-dash]:</a:t>
+            </a:r>
+            <a:r>
+              <a:rPr lang="zh-CN" altLang="en-US" sz="2300" dirty="0">
+                <a:latin typeface="Courier New" panose="02070309020205020404" pitchFamily="49" charset="0"/>
+                <a:cs typeface="Courier New" panose="02070309020205020404" pitchFamily="49" charset="0"/>
+              </a:rPr>
+              <a:t> </a:t>
+            </a:r>
+            <a:r>
+              <a:rPr lang="en-US" altLang="zh-CN" sz="2300" dirty="0">
+                <a:latin typeface="Courier New" panose="02070309020205020404" pitchFamily="49" charset="0"/>
+                <a:cs typeface="Courier New" panose="02070309020205020404" pitchFamily="49" charset="0"/>
+              </a:rPr>
+              <a:t>show</a:t>
+            </a:r>
+            <a:r>
+              <a:rPr lang="zh-CN" altLang="en-US" sz="2300" dirty="0">
+                <a:latin typeface="Courier New" panose="02070309020205020404" pitchFamily="49" charset="0"/>
+                <a:cs typeface="Courier New" panose="02070309020205020404" pitchFamily="49" charset="0"/>
+              </a:rPr>
+              <a:t> </a:t>
+            </a:r>
+            <a:r>
+              <a:rPr lang="en-US" altLang="zh-CN" sz="2300" dirty="0">
+                <a:latin typeface="Courier New" panose="02070309020205020404" pitchFamily="49" charset="0"/>
+                <a:cs typeface="Courier New" panose="02070309020205020404" pitchFamily="49" charset="0"/>
+              </a:rPr>
+              <a:t>sql plan + aggregated ash cost of all executions of the same </a:t>
+            </a:r>
+            <a:r>
+              <a:rPr lang="en-US" altLang="zh-CN" sz="2300" dirty="0" err="1">
+                <a:latin typeface="Courier New" panose="02070309020205020404" pitchFamily="49" charset="0"/>
+                <a:cs typeface="Courier New" panose="02070309020205020404" pitchFamily="49" charset="0"/>
+              </a:rPr>
+              <a:t>phv</a:t>
+            </a:r>
+            <a:endParaRPr lang="en-US" altLang="zh-CN" sz="2300" dirty="0">
+              <a:latin typeface="Courier New" panose="02070309020205020404" pitchFamily="49" charset="0"/>
+              <a:cs typeface="Courier New" panose="02070309020205020404" pitchFamily="49" charset="0"/>
+            </a:endParaRPr>
+          </a:p>
+          <a:p>
+            <a:r>
+              <a:rPr lang="en-US" sz="2300" dirty="0">
+                <a:latin typeface="Courier New" panose="02070309020205020404" pitchFamily="49" charset="0"/>
+                <a:cs typeface="Courier New" panose="02070309020205020404" pitchFamily="49" charset="0"/>
+              </a:rPr>
+              <a:t>Ora </a:t>
+            </a:r>
+            <a:r>
+              <a:rPr lang="en-US" sz="2300" dirty="0" err="1">
+                <a:latin typeface="Courier New" panose="02070309020205020404" pitchFamily="49" charset="0"/>
+                <a:cs typeface="Courier New" panose="02070309020205020404" pitchFamily="49" charset="0"/>
+              </a:rPr>
+              <a:t>ashchain</a:t>
+            </a:r>
+            <a:r>
+              <a:rPr lang="en-US" sz="2300" dirty="0">
+                <a:latin typeface="Courier New" panose="02070309020205020404" pitchFamily="49" charset="0"/>
+                <a:cs typeface="Courier New" panose="02070309020205020404" pitchFamily="49" charset="0"/>
+              </a:rPr>
+              <a:t> [&lt;</a:t>
+            </a:r>
+            <a:r>
+              <a:rPr lang="en-US" sz="2300" dirty="0" err="1">
+                <a:latin typeface="Courier New" panose="02070309020205020404" pitchFamily="49" charset="0"/>
+                <a:cs typeface="Courier New" panose="02070309020205020404" pitchFamily="49" charset="0"/>
+              </a:rPr>
+              <a:t>sql_id</a:t>
+            </a:r>
+            <a:r>
+              <a:rPr lang="en-US" sz="2300" dirty="0">
+                <a:latin typeface="Courier New" panose="02070309020205020404" pitchFamily="49" charset="0"/>
+                <a:cs typeface="Courier New" panose="02070309020205020404" pitchFamily="49" charset="0"/>
+              </a:rPr>
+              <a:t>&gt;|&lt;sid&gt;] [-sid|-p] [-flat]:  An enhancement of </a:t>
+            </a:r>
+            <a:r>
+              <a:rPr lang="en-US" sz="2300" dirty="0" err="1">
+                <a:latin typeface="Courier New" panose="02070309020205020404" pitchFamily="49" charset="0"/>
+                <a:cs typeface="Courier New" panose="02070309020205020404" pitchFamily="49" charset="0"/>
+              </a:rPr>
+              <a:t>Tanel</a:t>
+            </a:r>
+            <a:r>
+              <a:rPr lang="en-US" sz="2300" dirty="0">
+                <a:latin typeface="Courier New" panose="02070309020205020404" pitchFamily="49" charset="0"/>
+                <a:cs typeface="Courier New" panose="02070309020205020404" pitchFamily="49" charset="0"/>
+              </a:rPr>
+              <a:t> </a:t>
+            </a:r>
+            <a:r>
+              <a:rPr lang="en-US" sz="2300" dirty="0" err="1">
+                <a:latin typeface="Courier New" panose="02070309020205020404" pitchFamily="49" charset="0"/>
+                <a:cs typeface="Courier New" panose="02070309020205020404" pitchFamily="49" charset="0"/>
+              </a:rPr>
+              <a:t>Poder’s</a:t>
+            </a:r>
+            <a:r>
+              <a:rPr lang="en-US" sz="2300" dirty="0">
+                <a:latin typeface="Courier New" panose="02070309020205020404" pitchFamily="49" charset="0"/>
+                <a:cs typeface="Courier New" panose="02070309020205020404" pitchFamily="49" charset="0"/>
+              </a:rPr>
+              <a:t> script to see blocking information of ASH</a:t>
+            </a:r>
+          </a:p>
+          <a:p>
+            <a:r>
+              <a:rPr lang="en-US" sz="2300" dirty="0">
+                <a:latin typeface="Courier New" panose="02070309020205020404" pitchFamily="49" charset="0"/>
+                <a:cs typeface="Courier New" panose="02070309020205020404" pitchFamily="49" charset="0"/>
+              </a:rPr>
+              <a:t>Ora </a:t>
+            </a:r>
+            <a:r>
+              <a:rPr lang="en-US" sz="2300" dirty="0" err="1">
+                <a:latin typeface="Courier New" panose="02070309020205020404" pitchFamily="49" charset="0"/>
+                <a:cs typeface="Courier New" panose="02070309020205020404" pitchFamily="49" charset="0"/>
+              </a:rPr>
+              <a:t>ashtop</a:t>
+            </a:r>
+            <a:r>
+              <a:rPr lang="en-US" sz="2300" dirty="0">
+                <a:latin typeface="Courier New" panose="02070309020205020404" pitchFamily="49" charset="0"/>
+                <a:cs typeface="Courier New" panose="02070309020205020404" pitchFamily="49" charset="0"/>
+              </a:rPr>
+              <a:t> [&lt;</a:t>
+            </a:r>
+            <a:r>
+              <a:rPr lang="en-US" sz="2300" dirty="0" err="1">
+                <a:latin typeface="Courier New" panose="02070309020205020404" pitchFamily="49" charset="0"/>
+                <a:cs typeface="Courier New" panose="02070309020205020404" pitchFamily="49" charset="0"/>
+              </a:rPr>
+              <a:t>sql_id</a:t>
+            </a:r>
+            <a:r>
+              <a:rPr lang="en-US" sz="2300" dirty="0">
+                <a:latin typeface="Courier New" panose="02070309020205020404" pitchFamily="49" charset="0"/>
+                <a:cs typeface="Courier New" panose="02070309020205020404" pitchFamily="49" charset="0"/>
+              </a:rPr>
+              <a:t>&gt;] [-snap &lt;seconds&gt;] [-p|-o]: An enhancement of </a:t>
+            </a:r>
+            <a:r>
+              <a:rPr lang="en-US" sz="2300" dirty="0" err="1">
+                <a:latin typeface="Courier New" panose="02070309020205020404" pitchFamily="49" charset="0"/>
+                <a:cs typeface="Courier New" panose="02070309020205020404" pitchFamily="49" charset="0"/>
+              </a:rPr>
+              <a:t>Tanel</a:t>
+            </a:r>
+            <a:r>
+              <a:rPr lang="en-US" sz="2300" dirty="0">
+                <a:latin typeface="Courier New" panose="02070309020205020404" pitchFamily="49" charset="0"/>
+                <a:cs typeface="Courier New" panose="02070309020205020404" pitchFamily="49" charset="0"/>
+              </a:rPr>
+              <a:t> </a:t>
+            </a:r>
+            <a:r>
+              <a:rPr lang="en-US" sz="2300" dirty="0" err="1">
+                <a:latin typeface="Courier New" panose="02070309020205020404" pitchFamily="49" charset="0"/>
+                <a:cs typeface="Courier New" panose="02070309020205020404" pitchFamily="49" charset="0"/>
+              </a:rPr>
+              <a:t>Poder’s</a:t>
+            </a:r>
+            <a:r>
+              <a:rPr lang="en-US" sz="2300" dirty="0">
+                <a:latin typeface="Courier New" panose="02070309020205020404" pitchFamily="49" charset="0"/>
+                <a:cs typeface="Courier New" panose="02070309020205020404" pitchFamily="49" charset="0"/>
+              </a:rPr>
+              <a:t> script to see blocking information of ASH</a:t>
+            </a:r>
+          </a:p>
+          <a:p>
+            <a:r>
+              <a:rPr lang="en-US" sz="2300" dirty="0">
+                <a:latin typeface="Courier New" panose="02070309020205020404" pitchFamily="49" charset="0"/>
+                <a:cs typeface="Courier New" panose="02070309020205020404" pitchFamily="49" charset="0"/>
+              </a:rPr>
+              <a:t>Ora obj &lt;</a:t>
+            </a:r>
+            <a:r>
+              <a:rPr lang="en-US" sz="2300" dirty="0" err="1">
+                <a:latin typeface="Courier New" panose="02070309020205020404" pitchFamily="49" charset="0"/>
+                <a:cs typeface="Courier New" panose="02070309020205020404" pitchFamily="49" charset="0"/>
+              </a:rPr>
+              <a:t>object_id|data_object_id</a:t>
+            </a:r>
+            <a:r>
+              <a:rPr lang="en-US" sz="2300" dirty="0">
+                <a:latin typeface="Courier New" panose="02070309020205020404" pitchFamily="49" charset="0"/>
+                <a:cs typeface="Courier New" panose="02070309020205020404" pitchFamily="49" charset="0"/>
+              </a:rPr>
+              <a:t>|[owner.]</a:t>
+            </a:r>
+            <a:r>
+              <a:rPr lang="en-US" sz="2300" dirty="0" err="1">
+                <a:latin typeface="Courier New" panose="02070309020205020404" pitchFamily="49" charset="0"/>
+                <a:cs typeface="Courier New" panose="02070309020205020404" pitchFamily="49" charset="0"/>
+              </a:rPr>
+              <a:t>object_name</a:t>
+            </a:r>
+            <a:r>
+              <a:rPr lang="en-US" sz="2300" dirty="0">
+                <a:latin typeface="Courier New" panose="02070309020205020404" pitchFamily="49" charset="0"/>
+                <a:cs typeface="Courier New" panose="02070309020205020404" pitchFamily="49" charset="0"/>
+              </a:rPr>
+              <a:t>&gt;: Show information of an object</a:t>
+            </a:r>
+          </a:p>
+          <a:p>
+            <a:r>
+              <a:rPr lang="en-US" sz="2300" dirty="0">
+                <a:latin typeface="Courier New" panose="02070309020205020404" pitchFamily="49" charset="0"/>
+                <a:cs typeface="Courier New" panose="02070309020205020404" pitchFamily="49" charset="0"/>
+              </a:rPr>
+              <a:t>Ora search &lt;keyword&gt;: search object with specific keyword</a:t>
+            </a:r>
+          </a:p>
+          <a:p>
+            <a:r>
+              <a:rPr lang="en-US" sz="2300" dirty="0">
+                <a:latin typeface="Courier New" panose="02070309020205020404" pitchFamily="49" charset="0"/>
+                <a:cs typeface="Courier New" panose="02070309020205020404" pitchFamily="49" charset="0"/>
+              </a:rPr>
+              <a:t>Ora size [owner.]&lt;</a:t>
+            </a:r>
+            <a:r>
+              <a:rPr lang="en-US" sz="2300" dirty="0" err="1">
+                <a:latin typeface="Courier New" panose="02070309020205020404" pitchFamily="49" charset="0"/>
+                <a:cs typeface="Courier New" panose="02070309020205020404" pitchFamily="49" charset="0"/>
+              </a:rPr>
+              <a:t>object_name</a:t>
+            </a:r>
+            <a:r>
+              <a:rPr lang="en-US" sz="2300" dirty="0">
+                <a:latin typeface="Courier New" panose="02070309020205020404" pitchFamily="49" charset="0"/>
+                <a:cs typeface="Courier New" panose="02070309020205020404" pitchFamily="49" charset="0"/>
+              </a:rPr>
+              <a:t>&gt;: show space usage of an object</a:t>
+            </a:r>
+          </a:p>
+          <a:p>
+            <a:r>
+              <a:rPr lang="en-US" sz="2300" dirty="0">
+                <a:latin typeface="Courier New" panose="02070309020205020404" pitchFamily="49" charset="0"/>
+                <a:cs typeface="Courier New" panose="02070309020205020404" pitchFamily="49" charset="0"/>
+              </a:rPr>
+              <a:t>Ora space [owner.]&lt;</a:t>
+            </a:r>
+            <a:r>
+              <a:rPr lang="en-US" sz="2300" dirty="0" err="1">
+                <a:latin typeface="Courier New" panose="02070309020205020404" pitchFamily="49" charset="0"/>
+                <a:cs typeface="Courier New" panose="02070309020205020404" pitchFamily="49" charset="0"/>
+              </a:rPr>
+              <a:t>object_name</a:t>
+            </a:r>
+            <a:r>
+              <a:rPr lang="en-US" sz="2300" dirty="0">
+                <a:latin typeface="Courier New" panose="02070309020205020404" pitchFamily="49" charset="0"/>
+                <a:cs typeface="Courier New" panose="02070309020205020404" pitchFamily="49" charset="0"/>
+              </a:rPr>
+              <a:t>&gt; [-adv]: show detailed space usage of an object</a:t>
+            </a:r>
+          </a:p>
+          <a:p>
+            <a:r>
+              <a:rPr lang="en-US" sz="2300" dirty="0">
+                <a:latin typeface="Courier New" panose="02070309020205020404" pitchFamily="49" charset="0"/>
+                <a:cs typeface="Courier New" panose="02070309020205020404" pitchFamily="49" charset="0"/>
+              </a:rPr>
+              <a:t>Ora </a:t>
+            </a:r>
+            <a:r>
+              <a:rPr lang="en-US" sz="2300" dirty="0" err="1">
+                <a:latin typeface="Courier New" panose="02070309020205020404" pitchFamily="49" charset="0"/>
+                <a:cs typeface="Courier New" panose="02070309020205020404" pitchFamily="49" charset="0"/>
+              </a:rPr>
+              <a:t>ddl</a:t>
+            </a:r>
+            <a:r>
+              <a:rPr lang="en-US" sz="2300" dirty="0">
+                <a:latin typeface="Courier New" panose="02070309020205020404" pitchFamily="49" charset="0"/>
+                <a:cs typeface="Courier New" panose="02070309020205020404" pitchFamily="49" charset="0"/>
+              </a:rPr>
+              <a:t> [owner.]&lt;</a:t>
+            </a:r>
+            <a:r>
+              <a:rPr lang="en-US" sz="2300" dirty="0" err="1">
+                <a:latin typeface="Courier New" panose="02070309020205020404" pitchFamily="49" charset="0"/>
+                <a:cs typeface="Courier New" panose="02070309020205020404" pitchFamily="49" charset="0"/>
+              </a:rPr>
+              <a:t>object_name</a:t>
+            </a:r>
+            <a:r>
+              <a:rPr lang="en-US" sz="2300" dirty="0">
+                <a:latin typeface="Courier New" panose="02070309020205020404" pitchFamily="49" charset="0"/>
+                <a:cs typeface="Courier New" panose="02070309020205020404" pitchFamily="49" charset="0"/>
+              </a:rPr>
+              <a:t>&gt;: show </a:t>
+            </a:r>
+            <a:r>
+              <a:rPr lang="en-US" sz="2300" dirty="0" err="1">
+                <a:latin typeface="Courier New" panose="02070309020205020404" pitchFamily="49" charset="0"/>
+                <a:cs typeface="Courier New" panose="02070309020205020404" pitchFamily="49" charset="0"/>
+              </a:rPr>
+              <a:t>ddl</a:t>
+            </a:r>
+            <a:r>
+              <a:rPr lang="en-US" sz="2300" dirty="0">
+                <a:latin typeface="Courier New" panose="02070309020205020404" pitchFamily="49" charset="0"/>
+                <a:cs typeface="Courier New" panose="02070309020205020404" pitchFamily="49" charset="0"/>
+              </a:rPr>
+              <a:t> of an object</a:t>
+            </a:r>
+          </a:p>
+          <a:p>
+            <a:r>
+              <a:rPr lang="en-US" sz="2300" dirty="0">
+                <a:latin typeface="Courier New" panose="02070309020205020404" pitchFamily="49" charset="0"/>
+                <a:cs typeface="Courier New" panose="02070309020205020404" pitchFamily="49" charset="0"/>
+              </a:rPr>
+              <a:t>Ora stats [owner.]&lt;</a:t>
+            </a:r>
+            <a:r>
+              <a:rPr lang="en-US" sz="2300" dirty="0" err="1">
+                <a:latin typeface="Courier New" panose="02070309020205020404" pitchFamily="49" charset="0"/>
+                <a:cs typeface="Courier New" panose="02070309020205020404" pitchFamily="49" charset="0"/>
+              </a:rPr>
+              <a:t>table_name</a:t>
+            </a:r>
+            <a:r>
+              <a:rPr lang="en-US" sz="2300" dirty="0">
+                <a:latin typeface="Courier New" panose="02070309020205020404" pitchFamily="49" charset="0"/>
+                <a:cs typeface="Courier New" panose="02070309020205020404" pitchFamily="49" charset="0"/>
+              </a:rPr>
+              <a:t>&gt; [-advise]: show table stats or run statistics advisor</a:t>
+            </a:r>
+          </a:p>
+          <a:p>
+            <a:r>
+              <a:rPr lang="en-US" sz="2300" dirty="0">
+                <a:latin typeface="Courier New" panose="02070309020205020404" pitchFamily="49" charset="0"/>
+                <a:cs typeface="Courier New" panose="02070309020205020404" pitchFamily="49" charset="0"/>
+              </a:rPr>
+              <a:t>Ora histogram [owner.]&lt;</a:t>
+            </a:r>
+            <a:r>
+              <a:rPr lang="en-US" sz="2300" dirty="0" err="1">
+                <a:latin typeface="Courier New" panose="02070309020205020404" pitchFamily="49" charset="0"/>
+                <a:cs typeface="Courier New" panose="02070309020205020404" pitchFamily="49" charset="0"/>
+              </a:rPr>
+              <a:t>table_name</a:t>
+            </a:r>
+            <a:r>
+              <a:rPr lang="en-US" sz="2300" dirty="0">
+                <a:latin typeface="Courier New" panose="02070309020205020404" pitchFamily="49" charset="0"/>
+                <a:cs typeface="Courier New" panose="02070309020205020404" pitchFamily="49" charset="0"/>
+              </a:rPr>
+              <a:t>&gt; &lt;column&gt; […]: Show/change histogram of a column</a:t>
+            </a:r>
+          </a:p>
+          <a:p>
+            <a:r>
+              <a:rPr lang="en-US" sz="2300" dirty="0">
+                <a:latin typeface="Courier New" panose="02070309020205020404" pitchFamily="49" charset="0"/>
+                <a:cs typeface="Courier New" panose="02070309020205020404" pitchFamily="49" charset="0"/>
+              </a:rPr>
+              <a:t>Ora </a:t>
+            </a:r>
+            <a:r>
+              <a:rPr lang="en-US" sz="2300" dirty="0" err="1">
+                <a:latin typeface="Courier New" panose="02070309020205020404" pitchFamily="49" charset="0"/>
+                <a:cs typeface="Courier New" panose="02070309020205020404" pitchFamily="49" charset="0"/>
+              </a:rPr>
+              <a:t>spd</a:t>
+            </a:r>
+            <a:r>
+              <a:rPr lang="en-US" sz="2300" dirty="0">
+                <a:latin typeface="Courier New" panose="02070309020205020404" pitchFamily="49" charset="0"/>
+                <a:cs typeface="Courier New" panose="02070309020205020404" pitchFamily="49" charset="0"/>
+              </a:rPr>
+              <a:t> [owner.]&lt;</a:t>
+            </a:r>
+            <a:r>
+              <a:rPr lang="en-US" sz="2300" dirty="0" err="1">
+                <a:latin typeface="Courier New" panose="02070309020205020404" pitchFamily="49" charset="0"/>
+                <a:cs typeface="Courier New" panose="02070309020205020404" pitchFamily="49" charset="0"/>
+              </a:rPr>
+              <a:t>table_name</a:t>
+            </a:r>
+            <a:r>
+              <a:rPr lang="en-US" sz="2300" dirty="0">
+                <a:latin typeface="Courier New" panose="02070309020205020404" pitchFamily="49" charset="0"/>
+                <a:cs typeface="Courier New" panose="02070309020205020404" pitchFamily="49" charset="0"/>
+              </a:rPr>
+              <a:t>&gt;: show SPD information of an object</a:t>
+            </a:r>
+          </a:p>
+          <a:p>
+            <a:r>
+              <a:rPr lang="en-US" sz="2300" dirty="0">
+                <a:latin typeface="Courier New" panose="02070309020205020404" pitchFamily="49" charset="0"/>
+                <a:cs typeface="Courier New" panose="02070309020205020404" pitchFamily="49" charset="0"/>
+              </a:rPr>
+              <a:t>Ora/sys </a:t>
+            </a:r>
+            <a:r>
+              <a:rPr lang="en-US" sz="2300" dirty="0" err="1">
+                <a:latin typeface="Courier New" panose="02070309020205020404" pitchFamily="49" charset="0"/>
+                <a:cs typeface="Courier New" panose="02070309020205020404" pitchFamily="49" charset="0"/>
+              </a:rPr>
+              <a:t>liblock</a:t>
+            </a:r>
+            <a:r>
+              <a:rPr lang="en-US" sz="2300" dirty="0">
+                <a:latin typeface="Courier New" panose="02070309020205020404" pitchFamily="49" charset="0"/>
+                <a:cs typeface="Courier New" panose="02070309020205020404" pitchFamily="49" charset="0"/>
+              </a:rPr>
+              <a:t> [[owner.]&lt;</a:t>
+            </a:r>
+            <a:r>
+              <a:rPr lang="en-US" sz="2300" dirty="0" err="1">
+                <a:latin typeface="Courier New" panose="02070309020205020404" pitchFamily="49" charset="0"/>
+                <a:cs typeface="Courier New" panose="02070309020205020404" pitchFamily="49" charset="0"/>
+              </a:rPr>
+              <a:t>object_name</a:t>
+            </a:r>
+            <a:r>
+              <a:rPr lang="en-US" sz="2300" dirty="0">
+                <a:latin typeface="Courier New" panose="02070309020205020404" pitchFamily="49" charset="0"/>
+                <a:cs typeface="Courier New" panose="02070309020205020404" pitchFamily="49" charset="0"/>
+              </a:rPr>
+              <a:t>&gt;]: show library cache lock</a:t>
+            </a:r>
+          </a:p>
+          <a:p>
+            <a:r>
+              <a:rPr lang="en-US" sz="2300" dirty="0">
+                <a:latin typeface="Courier New" panose="02070309020205020404" pitchFamily="49" charset="0"/>
+                <a:cs typeface="Courier New" panose="02070309020205020404" pitchFamily="49" charset="0"/>
+              </a:rPr>
+              <a:t>Show </a:t>
+            </a:r>
+            <a:r>
+              <a:rPr lang="en-US" sz="2300" dirty="0" err="1">
+                <a:latin typeface="Courier New" panose="02070309020205020404" pitchFamily="49" charset="0"/>
+                <a:cs typeface="Courier New" panose="02070309020205020404" pitchFamily="49" charset="0"/>
+              </a:rPr>
+              <a:t>lockobj</a:t>
+            </a:r>
+            <a:r>
+              <a:rPr lang="en-US" sz="2300" dirty="0">
+                <a:latin typeface="Courier New" panose="02070309020205020404" pitchFamily="49" charset="0"/>
+                <a:cs typeface="Courier New" panose="02070309020205020404" pitchFamily="49" charset="0"/>
+              </a:rPr>
+              <a:t>: show DML lock information</a:t>
+            </a:r>
+          </a:p>
+          <a:p>
+            <a:r>
+              <a:rPr lang="en-US" sz="2300" dirty="0">
+                <a:latin typeface="Courier New" panose="02070309020205020404" pitchFamily="49" charset="0"/>
+                <a:cs typeface="Courier New" panose="02070309020205020404" pitchFamily="49" charset="0"/>
+              </a:rPr>
+              <a:t>Show waiters: show blocking information</a:t>
+            </a:r>
+          </a:p>
+          <a:p>
+            <a:r>
+              <a:rPr lang="en-US" sz="2300" dirty="0">
+                <a:latin typeface="Courier New" panose="02070309020205020404" pitchFamily="49" charset="0"/>
+                <a:cs typeface="Courier New" panose="02070309020205020404" pitchFamily="49" charset="0"/>
+              </a:rPr>
+              <a:t>Show </a:t>
+            </a:r>
+            <a:r>
+              <a:rPr lang="en-US" sz="2300" dirty="0" err="1">
+                <a:latin typeface="Courier New" panose="02070309020205020404" pitchFamily="49" charset="0"/>
+                <a:cs typeface="Courier New" panose="02070309020205020404" pitchFamily="49" charset="0"/>
+              </a:rPr>
+              <a:t>waitchain</a:t>
+            </a:r>
+            <a:r>
+              <a:rPr lang="en-US" sz="2300" dirty="0">
+                <a:latin typeface="Courier New" panose="02070309020205020404" pitchFamily="49" charset="0"/>
+                <a:cs typeface="Courier New" panose="02070309020205020404" pitchFamily="49" charset="0"/>
+              </a:rPr>
+              <a:t>: show blocking information</a:t>
+            </a:r>
+          </a:p>
+          <a:p>
+            <a:r>
+              <a:rPr lang="en-US" sz="2300" dirty="0">
+                <a:latin typeface="Courier New" panose="02070309020205020404" pitchFamily="49" charset="0"/>
+                <a:cs typeface="Courier New" panose="02070309020205020404" pitchFamily="49" charset="0"/>
+              </a:rPr>
+              <a:t>Show trans: show running transactions</a:t>
+            </a:r>
+          </a:p>
+          <a:p>
+            <a:endParaRPr lang="en-US" dirty="0"/>
+          </a:p>
+          <a:p>
+            <a:endParaRPr lang="en-US" dirty="0"/>
+          </a:p>
+        </p:txBody>
+      </p:sp>
+    </p:spTree>
+    <p:extLst>
+      <p:ext uri="{BB962C8B-B14F-4D97-AF65-F5344CB8AC3E}">
+        <p14:creationId xmlns:p14="http://schemas.microsoft.com/office/powerpoint/2010/main" val="2093610832"/>
+      </p:ext>
+    </p:extLst>
+  </p:cSld>
+  <p:clrMapOvr>
+    <a:masterClrMapping/>
+  </p:clrMapOvr>
+</p:sld>
+</file>
+
+<file path=ppt/slides/slide43.xml><?xml version="1.0" encoding="utf-8"?>
+<p:sld xmlns:a="http://schemas.openxmlformats.org/drawingml/2006/main" xmlns:r="http://schemas.openxmlformats.org/officeDocument/2006/relationships" xmlns:p="http://schemas.openxmlformats.org/presentationml/2006/main">
+  <p:cSld>
+    <p:spTree>
+      <p:nvGrpSpPr>
+        <p:cNvPr id="1" name=""/>
+        <p:cNvGrpSpPr/>
+        <p:nvPr/>
+      </p:nvGrpSpPr>
+      <p:grpSpPr>
+        <a:xfrm>
+          <a:off x="0" y="0"/>
+          <a:ext cx="0" cy="0"/>
+          <a:chOff x="0" y="0"/>
+          <a:chExt cx="0" cy="0"/>
+        </a:xfrm>
+      </p:grpSpPr>
+      <p:sp>
+        <p:nvSpPr>
           <p:cNvPr id="3" name="内容占位符 2">
             <a:extLst>
               <a:ext uri="{FF2B5EF4-FFF2-40B4-BE49-F238E27FC236}">
@@ -19675,7 +19929,7 @@
 </p:sld>
 </file>
 
-<file path=ppt/slides/slide43.xml><?xml version="1.0" encoding="utf-8"?>
+<file path=ppt/slides/slide44.xml><?xml version="1.0" encoding="utf-8"?>
 <p:sld xmlns:a="http://schemas.openxmlformats.org/drawingml/2006/main" xmlns:r="http://schemas.openxmlformats.org/officeDocument/2006/relationships" xmlns:p="http://schemas.openxmlformats.org/presentationml/2006/main">
   <p:cSld>
     <p:spTree>
@@ -19837,7 +20091,7 @@
 </p:sld>
 </file>
 
-<file path=ppt/slides/slide44.xml><?xml version="1.0" encoding="utf-8"?>
+<file path=ppt/slides/slide45.xml><?xml version="1.0" encoding="utf-8"?>
 <p:sld xmlns:a="http://schemas.openxmlformats.org/drawingml/2006/main" xmlns:r="http://schemas.openxmlformats.org/officeDocument/2006/relationships" xmlns:p="http://schemas.openxmlformats.org/presentationml/2006/main">
   <p:cSld>
     <p:spTree>
@@ -20260,7 +20514,7 @@
 </p:sld>
 </file>
 
-<file path=ppt/slides/slide45.xml><?xml version="1.0" encoding="utf-8"?>
+<file path=ppt/slides/slide46.xml><?xml version="1.0" encoding="utf-8"?>
 <p:sld xmlns:a="http://schemas.openxmlformats.org/drawingml/2006/main" xmlns:r="http://schemas.openxmlformats.org/officeDocument/2006/relationships" xmlns:p="http://schemas.openxmlformats.org/presentationml/2006/main">
   <p:cSld>
     <p:spTree>
@@ -20594,7 +20848,7 @@
 </p:sld>
 </file>
 
-<file path=ppt/slides/slide46.xml><?xml version="1.0" encoding="utf-8"?>
+<file path=ppt/slides/slide47.xml><?xml version="1.0" encoding="utf-8"?>
 <p:sld xmlns:a="http://schemas.openxmlformats.org/drawingml/2006/main" xmlns:r="http://schemas.openxmlformats.org/officeDocument/2006/relationships" xmlns:p="http://schemas.openxmlformats.org/presentationml/2006/main">
   <p:cSld>
     <p:spTree>
@@ -20805,7 +21059,7 @@
 </p:sld>
 </file>
 
-<file path=ppt/slides/slide47.xml><?xml version="1.0" encoding="utf-8"?>
+<file path=ppt/slides/slide48.xml><?xml version="1.0" encoding="utf-8"?>
 <p:sld xmlns:a="http://schemas.openxmlformats.org/drawingml/2006/main" xmlns:r="http://schemas.openxmlformats.org/officeDocument/2006/relationships" xmlns:p="http://schemas.openxmlformats.org/presentationml/2006/main">
   <p:cSld>
     <p:spTree>
@@ -21059,7 +21313,7 @@
 </p:sld>
 </file>
 
-<file path=ppt/slides/slide48.xml><?xml version="1.0" encoding="utf-8"?>
+<file path=ppt/slides/slide49.xml><?xml version="1.0" encoding="utf-8"?>
 <p:sld xmlns:a="http://schemas.openxmlformats.org/drawingml/2006/main" xmlns:r="http://schemas.openxmlformats.org/officeDocument/2006/relationships" xmlns:p="http://schemas.openxmlformats.org/presentationml/2006/main">
   <p:cSld>
     <p:spTree>
@@ -21409,7 +21663,855 @@
 </p:sld>
 </file>
 
-<file path=ppt/slides/slide49.xml><?xml version="1.0" encoding="utf-8"?>
+<file path=ppt/slides/slide5.xml><?xml version="1.0" encoding="utf-8"?>
+<p:sld xmlns:a="http://schemas.openxmlformats.org/drawingml/2006/main" xmlns:r="http://schemas.openxmlformats.org/officeDocument/2006/relationships" xmlns:p="http://schemas.openxmlformats.org/presentationml/2006/main">
+  <p:cSld>
+    <p:spTree>
+      <p:nvGrpSpPr>
+        <p:cNvPr id="1" name=""/>
+        <p:cNvGrpSpPr/>
+        <p:nvPr/>
+      </p:nvGrpSpPr>
+      <p:grpSpPr>
+        <a:xfrm>
+          <a:off x="0" y="0"/>
+          <a:ext cx="0" cy="0"/>
+          <a:chOff x="0" y="0"/>
+          <a:chExt cx="0" cy="0"/>
+        </a:xfrm>
+      </p:grpSpPr>
+      <p:sp>
+        <p:nvSpPr>
+          <p:cNvPr id="2" name="标题 1">
+            <a:extLst>
+              <a:ext uri="{FF2B5EF4-FFF2-40B4-BE49-F238E27FC236}">
+                <a16:creationId xmlns:a16="http://schemas.microsoft.com/office/drawing/2014/main" id="{31E9F1B0-DF27-4D82-B726-DDD3F9CF7328}"/>
+              </a:ext>
+            </a:extLst>
+          </p:cNvPr>
+          <p:cNvSpPr>
+            <a:spLocks noGrp="1"/>
+          </p:cNvSpPr>
+          <p:nvPr>
+            <p:ph type="title"/>
+          </p:nvPr>
+        </p:nvSpPr>
+        <p:spPr>
+          <a:xfrm>
+            <a:off x="838200" y="184372"/>
+            <a:ext cx="10515600" cy="708763"/>
+          </a:xfrm>
+        </p:spPr>
+        <p:txBody>
+          <a:bodyPr/>
+          <a:lstStyle/>
+          <a:p>
+            <a:r>
+              <a:rPr lang="en-US" dirty="0"/>
+              <a:t>Intelligent format of the query output(Set)</a:t>
+            </a:r>
+          </a:p>
+        </p:txBody>
+      </p:sp>
+      <p:graphicFrame>
+        <p:nvGraphicFramePr>
+          <p:cNvPr id="4" name="表格 3">
+            <a:extLst>
+              <a:ext uri="{FF2B5EF4-FFF2-40B4-BE49-F238E27FC236}">
+                <a16:creationId xmlns:a16="http://schemas.microsoft.com/office/drawing/2014/main" id="{2563436E-7DD6-46CC-BCAE-29765B663613}"/>
+              </a:ext>
+            </a:extLst>
+          </p:cNvPr>
+          <p:cNvGraphicFramePr>
+            <a:graphicFrameLocks noGrp="1"/>
+          </p:cNvGraphicFramePr>
+          <p:nvPr>
+            <p:extLst>
+              <p:ext uri="{D42A27DB-BD31-4B8C-83A1-F6EECF244321}">
+                <p14:modId xmlns:p14="http://schemas.microsoft.com/office/powerpoint/2010/main" val="2259286601"/>
+              </p:ext>
+            </p:extLst>
+          </p:nvPr>
+        </p:nvGraphicFramePr>
+        <p:xfrm>
+          <a:off x="838200" y="1748157"/>
+          <a:ext cx="10374425" cy="5791200"/>
+        </p:xfrm>
+        <a:graphic>
+          <a:graphicData uri="http://schemas.openxmlformats.org/drawingml/2006/table">
+            <a:tbl>
+              <a:tblPr firstRow="1" bandRow="1">
+                <a:tableStyleId>{5C22544A-7EE6-4342-B048-85BDC9FD1C3A}</a:tableStyleId>
+              </a:tblPr>
+              <a:tblGrid>
+                <a:gridCol w="10374425">
+                  <a:extLst>
+                    <a:ext uri="{9D8B030D-6E8A-4147-A177-3AD203B41FA5}">
+                      <a16:colId xmlns:a16="http://schemas.microsoft.com/office/drawing/2014/main" val="4245137307"/>
+                    </a:ext>
+                  </a:extLst>
+                </a:gridCol>
+              </a:tblGrid>
+              <a:tr h="4570526">
+                <a:tc>
+                  <a:txBody>
+                    <a:bodyPr/>
+                    <a:lstStyle/>
+                    <a:p>
+                      <a:r>
+                        <a:rPr lang="en-US" sz="1100" b="0" i="0" kern="1200" baseline="0" dirty="0">
+                          <a:solidFill>
+                            <a:schemeClr val="lt1"/>
+                          </a:solidFill>
+                          <a:latin typeface="Consolas" panose="020B0609020204030204" pitchFamily="49" charset="0"/>
+                          <a:ea typeface="+mn-ea"/>
+                          <a:cs typeface="+mn-cs"/>
+                        </a:rPr>
+                        <a:t>CATDB&gt; set printsize 10                                                                                              </a:t>
+                      </a:r>
+                      <a:br>
+                        <a:rPr lang="en-US" sz="1100" b="0" i="0" kern="1200" baseline="0" dirty="0">
+                          <a:solidFill>
+                            <a:schemeClr val="lt1"/>
+                          </a:solidFill>
+                          <a:latin typeface="Consolas" panose="020B0609020204030204" pitchFamily="49" charset="0"/>
+                          <a:ea typeface="+mn-ea"/>
+                          <a:cs typeface="+mn-cs"/>
+                        </a:rPr>
+                      </a:br>
+                      <a:r>
+                        <a:rPr lang="en-US" sz="1100" b="0" i="0" kern="1200" baseline="0" dirty="0">
+                          <a:solidFill>
+                            <a:schemeClr val="lt1"/>
+                          </a:solidFill>
+                          <a:latin typeface="Consolas" panose="020B0609020204030204" pitchFamily="49" charset="0"/>
+                          <a:ea typeface="+mn-ea"/>
+                          <a:cs typeface="+mn-cs"/>
+                        </a:rPr>
+                        <a:t>CATDB&gt; sf dba_objects                                                                                                </a:t>
+                      </a:r>
+                      <a:br>
+                        <a:rPr lang="en-US" sz="1100" b="0" i="0" kern="1200" baseline="0" dirty="0">
+                          <a:solidFill>
+                            <a:schemeClr val="lt1"/>
+                          </a:solidFill>
+                          <a:latin typeface="Consolas" panose="020B0609020204030204" pitchFamily="49" charset="0"/>
+                          <a:ea typeface="+mn-ea"/>
+                          <a:cs typeface="+mn-cs"/>
+                        </a:rPr>
+                      </a:br>
+                      <a:r>
+                        <a:rPr lang="en-US" sz="1100" b="0" i="0" kern="1200" baseline="0" dirty="0">
+                          <a:solidFill>
+                            <a:schemeClr val="lt1"/>
+                          </a:solidFill>
+                          <a:latin typeface="Consolas" panose="020B0609020204030204" pitchFamily="49" charset="0"/>
+                          <a:ea typeface="+mn-ea"/>
+                          <a:cs typeface="+mn-cs"/>
+                        </a:rPr>
+                        <a:t>    $ select * from (select * from dba_objects) where rownum&lt;=50                                                     </a:t>
+                      </a:r>
+                      <a:br>
+                        <a:rPr lang="en-US" sz="1100" b="0" i="0" kern="1200" baseline="0" dirty="0">
+                          <a:solidFill>
+                            <a:schemeClr val="lt1"/>
+                          </a:solidFill>
+                          <a:latin typeface="Consolas" panose="020B0609020204030204" pitchFamily="49" charset="0"/>
+                          <a:ea typeface="+mn-ea"/>
+                          <a:cs typeface="+mn-cs"/>
+                        </a:rPr>
+                      </a:br>
+                      <a:r>
+                        <a:rPr lang="en-US" sz="1100" b="0" i="0" kern="1200" baseline="0" dirty="0">
+                          <a:solidFill>
+                            <a:schemeClr val="lt1"/>
+                          </a:solidFill>
+                          <a:latin typeface="Consolas" panose="020B0609020204030204" pitchFamily="49" charset="0"/>
+                          <a:ea typeface="+mn-ea"/>
+                          <a:cs typeface="+mn-cs"/>
+                        </a:rPr>
+                        <a:t>    OWNER  OBJECT_NAME   SUBOBJECT_NAME OBJECT_ID DATA_OBJECT_ID OBJECT_TYPE       CREATED          LAST_DDL_TIME    </a:t>
+                      </a:r>
+                      <a:br>
+                        <a:rPr lang="en-US" sz="1100" b="0" i="0" kern="1200" baseline="0" dirty="0">
+                          <a:solidFill>
+                            <a:schemeClr val="lt1"/>
+                          </a:solidFill>
+                          <a:latin typeface="Consolas" panose="020B0609020204030204" pitchFamily="49" charset="0"/>
+                          <a:ea typeface="+mn-ea"/>
+                          <a:cs typeface="+mn-cs"/>
+                        </a:rPr>
+                      </a:br>
+                      <a:r>
+                        <a:rPr lang="en-US" sz="1100" b="0" i="0" kern="1200" baseline="0" dirty="0">
+                          <a:solidFill>
+                            <a:schemeClr val="lt1"/>
+                          </a:solidFill>
+                          <a:latin typeface="Consolas" panose="020B0609020204030204" pitchFamily="49" charset="0"/>
+                          <a:ea typeface="+mn-ea"/>
+                          <a:cs typeface="+mn-cs"/>
+                        </a:rPr>
+                        <a:t>    ----- -------------- -------------- --------- -------------- ----------- ------------------- ------------------- </a:t>
+                      </a:r>
+                      <a:br>
+                        <a:rPr lang="en-US" sz="1100" b="0" i="0" kern="1200" baseline="0" dirty="0">
+                          <a:solidFill>
+                            <a:schemeClr val="lt1"/>
+                          </a:solidFill>
+                          <a:latin typeface="Consolas" panose="020B0609020204030204" pitchFamily="49" charset="0"/>
+                          <a:ea typeface="+mn-ea"/>
+                          <a:cs typeface="+mn-cs"/>
+                        </a:rPr>
+                      </a:br>
+                      <a:r>
+                        <a:rPr lang="en-US" sz="1100" b="0" i="0" kern="1200" baseline="0" dirty="0">
+                          <a:solidFill>
+                            <a:schemeClr val="lt1"/>
+                          </a:solidFill>
+                          <a:latin typeface="Consolas" panose="020B0609020204030204" pitchFamily="49" charset="0"/>
+                          <a:ea typeface="+mn-ea"/>
+                          <a:cs typeface="+mn-cs"/>
+                        </a:rPr>
+                        <a:t>    SYS   TS$                                  16              6 TABLE       2018-02-07 22:51:55 2018-02-07 23:57:54 </a:t>
+                      </a:r>
+                      <a:br>
+                        <a:rPr lang="en-US" sz="1100" b="0" i="0" kern="1200" baseline="0" dirty="0">
+                          <a:solidFill>
+                            <a:schemeClr val="lt1"/>
+                          </a:solidFill>
+                          <a:latin typeface="Consolas" panose="020B0609020204030204" pitchFamily="49" charset="0"/>
+                          <a:ea typeface="+mn-ea"/>
+                          <a:cs typeface="+mn-cs"/>
+                        </a:rPr>
+                      </a:br>
+                      <a:r>
+                        <a:rPr lang="en-US" sz="1100" b="0" i="0" kern="1200" baseline="0" dirty="0">
+                          <a:solidFill>
+                            <a:schemeClr val="lt1"/>
+                          </a:solidFill>
+                          <a:latin typeface="Consolas" panose="020B0609020204030204" pitchFamily="49" charset="0"/>
+                          <a:ea typeface="+mn-ea"/>
+                          <a:cs typeface="+mn-cs"/>
+                        </a:rPr>
+                        <a:t>    SYS   ICOL$                                20              2 TABLE       2018-02-07 22:51:55 2018-02-07 23:57:54 </a:t>
+                      </a:r>
+                      <a:br>
+                        <a:rPr lang="en-US" sz="1100" b="0" i="0" kern="1200" baseline="0" dirty="0">
+                          <a:solidFill>
+                            <a:schemeClr val="lt1"/>
+                          </a:solidFill>
+                          <a:latin typeface="Consolas" panose="020B0609020204030204" pitchFamily="49" charset="0"/>
+                          <a:ea typeface="+mn-ea"/>
+                          <a:cs typeface="+mn-cs"/>
+                        </a:rPr>
+                      </a:br>
+                      <a:r>
+                        <a:rPr lang="en-US" sz="1100" b="0" i="0" kern="1200" baseline="0" dirty="0">
+                          <a:solidFill>
+                            <a:schemeClr val="lt1"/>
+                          </a:solidFill>
+                          <a:latin typeface="Consolas" panose="020B0609020204030204" pitchFamily="49" charset="0"/>
+                          <a:ea typeface="+mn-ea"/>
+                          <a:cs typeface="+mn-cs"/>
+                        </a:rPr>
+                        <a:t>    SYS   C_FILE#_BLOCK#                        8              8 CLUSTER     2018-02-07 22:51:55 2018-02-07 22:51:55 </a:t>
+                      </a:r>
+                      <a:br>
+                        <a:rPr lang="en-US" sz="1100" b="0" i="0" kern="1200" baseline="0" dirty="0">
+                          <a:solidFill>
+                            <a:schemeClr val="lt1"/>
+                          </a:solidFill>
+                          <a:latin typeface="Consolas" panose="020B0609020204030204" pitchFamily="49" charset="0"/>
+                          <a:ea typeface="+mn-ea"/>
+                          <a:cs typeface="+mn-cs"/>
+                        </a:rPr>
+                      </a:br>
+                      <a:r>
+                        <a:rPr lang="en-US" sz="1100" b="0" i="0" kern="1200" baseline="0" dirty="0">
+                          <a:solidFill>
+                            <a:schemeClr val="lt1"/>
+                          </a:solidFill>
+                          <a:latin typeface="Consolas" panose="020B0609020204030204" pitchFamily="49" charset="0"/>
+                          <a:ea typeface="+mn-ea"/>
+                          <a:cs typeface="+mn-cs"/>
+                        </a:rPr>
+                        <a:t>    SYS   I_OBJ2                               37             37 INDEX       2018-02-07 22:51:56 2018-02-07 22:51:56 </a:t>
+                      </a:r>
+                      <a:br>
+                        <a:rPr lang="en-US" sz="1100" b="0" i="0" kern="1200" baseline="0" dirty="0">
+                          <a:solidFill>
+                            <a:schemeClr val="lt1"/>
+                          </a:solidFill>
+                          <a:latin typeface="Consolas" panose="020B0609020204030204" pitchFamily="49" charset="0"/>
+                          <a:ea typeface="+mn-ea"/>
+                          <a:cs typeface="+mn-cs"/>
+                        </a:rPr>
+                      </a:br>
+                      <a:r>
+                        <a:rPr lang="en-US" sz="1100" b="0" i="0" kern="1200" baseline="0" dirty="0">
+                          <a:solidFill>
+                            <a:schemeClr val="lt1"/>
+                          </a:solidFill>
+                          <a:latin typeface="Consolas" panose="020B0609020204030204" pitchFamily="49" charset="0"/>
+                          <a:ea typeface="+mn-ea"/>
+                          <a:cs typeface="+mn-cs"/>
+                        </a:rPr>
+                        <a:t>    SYS   USER$                                22             10 TABLE       2018-02-07 22:51:55 2018-02-07 23:05:16 </a:t>
+                      </a:r>
+                      <a:br>
+                        <a:rPr lang="en-US" sz="1100" b="0" i="0" kern="1200" baseline="0" dirty="0">
+                          <a:solidFill>
+                            <a:schemeClr val="lt1"/>
+                          </a:solidFill>
+                          <a:latin typeface="Consolas" panose="020B0609020204030204" pitchFamily="49" charset="0"/>
+                          <a:ea typeface="+mn-ea"/>
+                          <a:cs typeface="+mn-cs"/>
+                        </a:rPr>
+                      </a:br>
+                      <a:r>
+                        <a:rPr lang="en-US" sz="1100" b="0" i="0" kern="1200" baseline="0" dirty="0">
+                          <a:solidFill>
+                            <a:schemeClr val="lt1"/>
+                          </a:solidFill>
+                          <a:latin typeface="Consolas" panose="020B0609020204030204" pitchFamily="49" charset="0"/>
+                          <a:ea typeface="+mn-ea"/>
+                          <a:cs typeface="+mn-cs"/>
+                        </a:rPr>
+                        <a:t>    SYS   I_TAB1                               33             33 INDEX       2018-02-07 22:51:55 2018-02-07 22:51:55 </a:t>
+                      </a:r>
+                      <a:br>
+                        <a:rPr lang="en-US" sz="1100" b="0" i="0" kern="1200" baseline="0" dirty="0">
+                          <a:solidFill>
+                            <a:schemeClr val="lt1"/>
+                          </a:solidFill>
+                          <a:latin typeface="Consolas" panose="020B0609020204030204" pitchFamily="49" charset="0"/>
+                          <a:ea typeface="+mn-ea"/>
+                          <a:cs typeface="+mn-cs"/>
+                        </a:rPr>
+                      </a:br>
+                      <a:r>
+                        <a:rPr lang="en-US" sz="1100" b="0" i="0" kern="1200" baseline="0" dirty="0">
+                          <a:solidFill>
+                            <a:schemeClr val="lt1"/>
+                          </a:solidFill>
+                          <a:latin typeface="Consolas" panose="020B0609020204030204" pitchFamily="49" charset="0"/>
+                          <a:ea typeface="+mn-ea"/>
+                          <a:cs typeface="+mn-cs"/>
+                        </a:rPr>
+                        <a:t>    SYS   I_OBJ5                               40             40 INDEX       2018-02-07 22:51:56 2018-02-07 22:51:56 </a:t>
+                      </a:r>
+                      <a:br>
+                        <a:rPr lang="en-US" sz="1100" b="0" i="0" kern="1200" baseline="0" dirty="0">
+                          <a:solidFill>
+                            <a:schemeClr val="lt1"/>
+                          </a:solidFill>
+                          <a:latin typeface="Consolas" panose="020B0609020204030204" pitchFamily="49" charset="0"/>
+                          <a:ea typeface="+mn-ea"/>
+                          <a:cs typeface="+mn-cs"/>
+                        </a:rPr>
+                      </a:br>
+                      <a:r>
+                        <a:rPr lang="en-US" sz="1100" b="0" i="0" kern="1200" baseline="0" dirty="0">
+                          <a:solidFill>
+                            <a:schemeClr val="lt1"/>
+                          </a:solidFill>
+                          <a:latin typeface="Consolas" panose="020B0609020204030204" pitchFamily="49" charset="0"/>
+                          <a:ea typeface="+mn-ea"/>
+                          <a:cs typeface="+mn-cs"/>
+                        </a:rPr>
+                        <a:t>    SYS   CDEF$                                31             29 TABLE       2018-02-07 22:51:55 2018-02-07 23:57:54 </a:t>
+                      </a:r>
+                      <a:br>
+                        <a:rPr lang="en-US" sz="1100" b="0" i="0" kern="1200" baseline="0" dirty="0">
+                          <a:solidFill>
+                            <a:schemeClr val="lt1"/>
+                          </a:solidFill>
+                          <a:latin typeface="Consolas" panose="020B0609020204030204" pitchFamily="49" charset="0"/>
+                          <a:ea typeface="+mn-ea"/>
+                          <a:cs typeface="+mn-cs"/>
+                        </a:rPr>
+                      </a:br>
+                      <a:r>
+                        <a:rPr lang="en-US" sz="1100" b="0" i="0" kern="1200" baseline="0" dirty="0">
+                          <a:solidFill>
+                            <a:schemeClr val="lt1"/>
+                          </a:solidFill>
+                          <a:latin typeface="Consolas" panose="020B0609020204030204" pitchFamily="49" charset="0"/>
+                          <a:ea typeface="+mn-ea"/>
+                          <a:cs typeface="+mn-cs"/>
+                        </a:rPr>
+                        <a:t>    SYS   I_IND1                               41             41 INDEX       2018-02-07 22:51:56 2018-02-07 22:51:56 </a:t>
+                      </a:r>
+                      <a:br>
+                        <a:rPr lang="en-US" sz="1100" b="0" i="0" kern="1200" baseline="0" dirty="0">
+                          <a:solidFill>
+                            <a:schemeClr val="lt1"/>
+                          </a:solidFill>
+                          <a:latin typeface="Consolas" panose="020B0609020204030204" pitchFamily="49" charset="0"/>
+                          <a:ea typeface="+mn-ea"/>
+                          <a:cs typeface="+mn-cs"/>
+                        </a:rPr>
+                      </a:br>
+                      <a:r>
+                        <a:rPr lang="en-US" sz="1100" b="0" i="0" kern="1200" baseline="0" dirty="0">
+                          <a:solidFill>
+                            <a:schemeClr val="lt1"/>
+                          </a:solidFill>
+                          <a:latin typeface="Consolas" panose="020B0609020204030204" pitchFamily="49" charset="0"/>
+                          <a:ea typeface="+mn-ea"/>
+                          <a:cs typeface="+mn-cs"/>
+                        </a:rPr>
+                        <a:t>    SYS   I_OBJ#                                3              3 INDEX       2018-02-07 22:51:55 2018-02-07 22:51:55 </a:t>
+                      </a:r>
+                      <a:br>
+                        <a:rPr lang="en-US" sz="1100" b="0" i="0" kern="1200" baseline="0" dirty="0">
+                          <a:solidFill>
+                            <a:schemeClr val="lt1"/>
+                          </a:solidFill>
+                          <a:latin typeface="Consolas" panose="020B0609020204030204" pitchFamily="49" charset="0"/>
+                          <a:ea typeface="+mn-ea"/>
+                          <a:cs typeface="+mn-cs"/>
+                        </a:rPr>
+                      </a:br>
+                      <a:r>
+                        <a:rPr lang="en-US" sz="1100" b="0" i="0" kern="1200" baseline="0" dirty="0">
+                          <a:solidFill>
+                            <a:schemeClr val="lt1"/>
+                          </a:solidFill>
+                          <a:latin typeface="Consolas" panose="020B0609020204030204" pitchFamily="49" charset="0"/>
+                          <a:ea typeface="+mn-ea"/>
+                          <a:cs typeface="+mn-cs"/>
+                        </a:rPr>
+                        <a:t>                                                                                                                     </a:t>
+                      </a:r>
+                      <a:br>
+                        <a:rPr lang="en-US" sz="1100" b="0" i="0" kern="1200" baseline="0" dirty="0">
+                          <a:solidFill>
+                            <a:schemeClr val="lt1"/>
+                          </a:solidFill>
+                          <a:latin typeface="Consolas" panose="020B0609020204030204" pitchFamily="49" charset="0"/>
+                          <a:ea typeface="+mn-ea"/>
+                          <a:cs typeface="+mn-cs"/>
+                        </a:rPr>
+                      </a:br>
+                      <a:r>
+                        <a:rPr lang="en-US" sz="1100" b="0" i="0" kern="1200" baseline="0" dirty="0">
+                          <a:solidFill>
+                            <a:schemeClr val="lt1"/>
+                          </a:solidFill>
+                          <a:latin typeface="Consolas" panose="020B0609020204030204" pitchFamily="49" charset="0"/>
+                          <a:ea typeface="+mn-ea"/>
+                          <a:cs typeface="+mn-cs"/>
+                        </a:rPr>
+                        <a:t>    10 rows returned.    </a:t>
+                      </a:r>
+                    </a:p>
+                    <a:p>
+                      <a:r>
+                        <a:rPr lang="en-US" sz="1100" b="0" i="0" kern="1200" baseline="0" dirty="0">
+                          <a:solidFill>
+                            <a:schemeClr val="lt1"/>
+                          </a:solidFill>
+                          <a:latin typeface="Consolas" panose="020B0609020204030204" pitchFamily="49" charset="0"/>
+                          <a:ea typeface="+mn-ea"/>
+                          <a:cs typeface="+mn-cs"/>
+                        </a:rPr>
+                        <a:t>                                                                                            </a:t>
+                      </a:r>
+                      <a:br>
+                        <a:rPr lang="en-US" sz="1100" b="0" i="0" kern="1200" baseline="0" dirty="0">
+                          <a:solidFill>
+                            <a:schemeClr val="lt1"/>
+                          </a:solidFill>
+                          <a:latin typeface="Consolas" panose="020B0609020204030204" pitchFamily="49" charset="0"/>
+                          <a:ea typeface="+mn-ea"/>
+                          <a:cs typeface="+mn-cs"/>
+                        </a:rPr>
+                      </a:br>
+                      <a:r>
+                        <a:rPr lang="en-US" sz="1100" b="0" i="0" kern="1200" baseline="0" dirty="0">
+                          <a:solidFill>
+                            <a:schemeClr val="lt1"/>
+                          </a:solidFill>
+                          <a:latin typeface="Consolas" panose="020B0609020204030204" pitchFamily="49" charset="0"/>
+                          <a:ea typeface="+mn-ea"/>
+                          <a:cs typeface="+mn-cs"/>
+                        </a:rPr>
+                        <a:t>CATDB&gt; set printsize 5 colsep |                                                                                       </a:t>
+                      </a:r>
+                      <a:br>
+                        <a:rPr lang="en-US" sz="1100" b="0" i="0" kern="1200" baseline="0" dirty="0">
+                          <a:solidFill>
+                            <a:schemeClr val="lt1"/>
+                          </a:solidFill>
+                          <a:latin typeface="Consolas" panose="020B0609020204030204" pitchFamily="49" charset="0"/>
+                          <a:ea typeface="+mn-ea"/>
+                          <a:cs typeface="+mn-cs"/>
+                        </a:rPr>
+                      </a:br>
+                      <a:r>
+                        <a:rPr lang="en-US" sz="1100" b="0" i="0" kern="1200" baseline="0" dirty="0">
+                          <a:solidFill>
+                            <a:schemeClr val="lt1"/>
+                          </a:solidFill>
+                          <a:latin typeface="Consolas" panose="020B0609020204030204" pitchFamily="49" charset="0"/>
+                          <a:ea typeface="+mn-ea"/>
+                          <a:cs typeface="+mn-cs"/>
+                        </a:rPr>
+                        <a:t>CATDB&gt; sf dba_objects                                                                                                 </a:t>
+                      </a:r>
+                      <a:br>
+                        <a:rPr lang="en-US" sz="1100" b="0" i="0" kern="1200" baseline="0" dirty="0">
+                          <a:solidFill>
+                            <a:schemeClr val="lt1"/>
+                          </a:solidFill>
+                          <a:latin typeface="Consolas" panose="020B0609020204030204" pitchFamily="49" charset="0"/>
+                          <a:ea typeface="+mn-ea"/>
+                          <a:cs typeface="+mn-cs"/>
+                        </a:rPr>
+                      </a:br>
+                      <a:r>
+                        <a:rPr lang="en-US" sz="1100" b="0" i="0" kern="1200" baseline="0" dirty="0">
+                          <a:solidFill>
+                            <a:schemeClr val="lt1"/>
+                          </a:solidFill>
+                          <a:latin typeface="Consolas" panose="020B0609020204030204" pitchFamily="49" charset="0"/>
+                          <a:ea typeface="+mn-ea"/>
+                          <a:cs typeface="+mn-cs"/>
+                        </a:rPr>
+                        <a:t>    $ select * from (select * from dba_objects) where rownum&lt;=50                                                      </a:t>
+                      </a:r>
+                      <a:br>
+                        <a:rPr lang="en-US" sz="1100" b="0" i="0" kern="1200" baseline="0" dirty="0">
+                          <a:solidFill>
+                            <a:schemeClr val="lt1"/>
+                          </a:solidFill>
+                          <a:latin typeface="Consolas" panose="020B0609020204030204" pitchFamily="49" charset="0"/>
+                          <a:ea typeface="+mn-ea"/>
+                          <a:cs typeface="+mn-cs"/>
+                        </a:rPr>
+                      </a:br>
+                      <a:r>
+                        <a:rPr lang="en-US" sz="1100" b="0" i="0" kern="1200" baseline="0" dirty="0">
+                          <a:solidFill>
+                            <a:schemeClr val="lt1"/>
+                          </a:solidFill>
+                          <a:latin typeface="Consolas" panose="020B0609020204030204" pitchFamily="49" charset="0"/>
+                          <a:ea typeface="+mn-ea"/>
+                          <a:cs typeface="+mn-cs"/>
+                        </a:rPr>
+                        <a:t>    +-----+--------------+--------------+---------+--------------+-----------+-------------------+-------------------+</a:t>
+                      </a:r>
+                      <a:br>
+                        <a:rPr lang="en-US" sz="1100" b="0" i="0" kern="1200" baseline="0" dirty="0">
+                          <a:solidFill>
+                            <a:schemeClr val="lt1"/>
+                          </a:solidFill>
+                          <a:latin typeface="Consolas" panose="020B0609020204030204" pitchFamily="49" charset="0"/>
+                          <a:ea typeface="+mn-ea"/>
+                          <a:cs typeface="+mn-cs"/>
+                        </a:rPr>
+                      </a:br>
+                      <a:r>
+                        <a:rPr lang="en-US" sz="1100" b="0" i="0" kern="1200" baseline="0" dirty="0">
+                          <a:solidFill>
+                            <a:schemeClr val="lt1"/>
+                          </a:solidFill>
+                          <a:latin typeface="Consolas" panose="020B0609020204030204" pitchFamily="49" charset="0"/>
+                          <a:ea typeface="+mn-ea"/>
+                          <a:cs typeface="+mn-cs"/>
+                        </a:rPr>
+                        <a:t>    |OWNER| OBJECT_NAME  |SUBOBJECT_NAME|OBJECT_ID|DATA_OBJECT_ID|OBJECT_TYPE|      CREATED      |   LAST_DDL_TIME   |</a:t>
+                      </a:r>
+                      <a:br>
+                        <a:rPr lang="en-US" sz="1100" b="0" i="0" kern="1200" baseline="0" dirty="0">
+                          <a:solidFill>
+                            <a:schemeClr val="lt1"/>
+                          </a:solidFill>
+                          <a:latin typeface="Consolas" panose="020B0609020204030204" pitchFamily="49" charset="0"/>
+                          <a:ea typeface="+mn-ea"/>
+                          <a:cs typeface="+mn-cs"/>
+                        </a:rPr>
+                      </a:br>
+                      <a:r>
+                        <a:rPr lang="en-US" sz="1100" b="0" i="0" kern="1200" baseline="0" dirty="0">
+                          <a:solidFill>
+                            <a:schemeClr val="lt1"/>
+                          </a:solidFill>
+                          <a:latin typeface="Consolas" panose="020B0609020204030204" pitchFamily="49" charset="0"/>
+                          <a:ea typeface="+mn-ea"/>
+                          <a:cs typeface="+mn-cs"/>
+                        </a:rPr>
+                        <a:t>    |-----|--------------|--------------|---------|--------------|-----------|-------------------|-------------------|</a:t>
+                      </a:r>
+                      <a:br>
+                        <a:rPr lang="en-US" sz="1100" b="0" i="0" kern="1200" baseline="0" dirty="0">
+                          <a:solidFill>
+                            <a:schemeClr val="lt1"/>
+                          </a:solidFill>
+                          <a:latin typeface="Consolas" panose="020B0609020204030204" pitchFamily="49" charset="0"/>
+                          <a:ea typeface="+mn-ea"/>
+                          <a:cs typeface="+mn-cs"/>
+                        </a:rPr>
+                      </a:br>
+                      <a:r>
+                        <a:rPr lang="en-US" sz="1100" b="0" i="0" kern="1200" baseline="0" dirty="0">
+                          <a:solidFill>
+                            <a:schemeClr val="lt1"/>
+                          </a:solidFill>
+                          <a:latin typeface="Consolas" panose="020B0609020204030204" pitchFamily="49" charset="0"/>
+                          <a:ea typeface="+mn-ea"/>
+                          <a:cs typeface="+mn-cs"/>
+                        </a:rPr>
+                        <a:t>    |SYS  |TS$           |              |       16|             6|TABLE      |2018-02-07 22:51:55|2018-02-07 23:57:54|</a:t>
+                      </a:r>
+                      <a:br>
+                        <a:rPr lang="en-US" sz="1100" b="0" i="0" kern="1200" baseline="0" dirty="0">
+                          <a:solidFill>
+                            <a:schemeClr val="lt1"/>
+                          </a:solidFill>
+                          <a:latin typeface="Consolas" panose="020B0609020204030204" pitchFamily="49" charset="0"/>
+                          <a:ea typeface="+mn-ea"/>
+                          <a:cs typeface="+mn-cs"/>
+                        </a:rPr>
+                      </a:br>
+                      <a:r>
+                        <a:rPr lang="en-US" sz="1100" b="0" i="0" kern="1200" baseline="0" dirty="0">
+                          <a:solidFill>
+                            <a:schemeClr val="lt1"/>
+                          </a:solidFill>
+                          <a:latin typeface="Consolas" panose="020B0609020204030204" pitchFamily="49" charset="0"/>
+                          <a:ea typeface="+mn-ea"/>
+                          <a:cs typeface="+mn-cs"/>
+                        </a:rPr>
+                        <a:t>    |SYS  |ICOL$         |              |       20|             2|TABLE      |2018-02-07 22:51:55|2018-02-07 23:57:54|</a:t>
+                      </a:r>
+                      <a:br>
+                        <a:rPr lang="en-US" sz="1100" b="0" i="0" kern="1200" baseline="0" dirty="0">
+                          <a:solidFill>
+                            <a:schemeClr val="lt1"/>
+                          </a:solidFill>
+                          <a:latin typeface="Consolas" panose="020B0609020204030204" pitchFamily="49" charset="0"/>
+                          <a:ea typeface="+mn-ea"/>
+                          <a:cs typeface="+mn-cs"/>
+                        </a:rPr>
+                      </a:br>
+                      <a:r>
+                        <a:rPr lang="en-US" sz="1100" b="0" i="0" kern="1200" baseline="0" dirty="0">
+                          <a:solidFill>
+                            <a:schemeClr val="lt1"/>
+                          </a:solidFill>
+                          <a:latin typeface="Consolas" panose="020B0609020204030204" pitchFamily="49" charset="0"/>
+                          <a:ea typeface="+mn-ea"/>
+                          <a:cs typeface="+mn-cs"/>
+                        </a:rPr>
+                        <a:t>    |SYS  |C_FILE#_BLOCK#|              |        8|             8|CLUSTER    |2018-02-07 22:51:55|2018-02-07 22:51:55|</a:t>
+                      </a:r>
+                      <a:br>
+                        <a:rPr lang="en-US" sz="1100" b="0" i="0" kern="1200" baseline="0" dirty="0">
+                          <a:solidFill>
+                            <a:schemeClr val="lt1"/>
+                          </a:solidFill>
+                          <a:latin typeface="Consolas" panose="020B0609020204030204" pitchFamily="49" charset="0"/>
+                          <a:ea typeface="+mn-ea"/>
+                          <a:cs typeface="+mn-cs"/>
+                        </a:rPr>
+                      </a:br>
+                      <a:r>
+                        <a:rPr lang="en-US" sz="1100" b="0" i="0" kern="1200" baseline="0" dirty="0">
+                          <a:solidFill>
+                            <a:schemeClr val="lt1"/>
+                          </a:solidFill>
+                          <a:latin typeface="Consolas" panose="020B0609020204030204" pitchFamily="49" charset="0"/>
+                          <a:ea typeface="+mn-ea"/>
+                          <a:cs typeface="+mn-cs"/>
+                        </a:rPr>
+                        <a:t>    |SYS  |I_OBJ2        |              |       37|            37|INDEX      |2018-02-07 22:51:56|2018-02-07 22:51:56|</a:t>
+                      </a:r>
+                      <a:br>
+                        <a:rPr lang="en-US" sz="1100" b="0" i="0" kern="1200" baseline="0" dirty="0">
+                          <a:solidFill>
+                            <a:schemeClr val="lt1"/>
+                          </a:solidFill>
+                          <a:latin typeface="Consolas" panose="020B0609020204030204" pitchFamily="49" charset="0"/>
+                          <a:ea typeface="+mn-ea"/>
+                          <a:cs typeface="+mn-cs"/>
+                        </a:rPr>
+                      </a:br>
+                      <a:r>
+                        <a:rPr lang="en-US" sz="1100" b="0" i="0" kern="1200" baseline="0" dirty="0">
+                          <a:solidFill>
+                            <a:schemeClr val="lt1"/>
+                          </a:solidFill>
+                          <a:latin typeface="Consolas" panose="020B0609020204030204" pitchFamily="49" charset="0"/>
+                          <a:ea typeface="+mn-ea"/>
+                          <a:cs typeface="+mn-cs"/>
+                        </a:rPr>
+                        <a:t>    |SYS  |USER$         |              |       22|            10|TABLE      |2018-02-07 22:51:55|2018-02-07 23:05:16|</a:t>
+                      </a:r>
+                      <a:br>
+                        <a:rPr lang="en-US" sz="1100" b="0" i="0" kern="1200" baseline="0" dirty="0">
+                          <a:solidFill>
+                            <a:schemeClr val="lt1"/>
+                          </a:solidFill>
+                          <a:latin typeface="Consolas" panose="020B0609020204030204" pitchFamily="49" charset="0"/>
+                          <a:ea typeface="+mn-ea"/>
+                          <a:cs typeface="+mn-cs"/>
+                        </a:rPr>
+                      </a:br>
+                      <a:r>
+                        <a:rPr lang="en-US" sz="1100" b="0" i="0" kern="1200" baseline="0" dirty="0">
+                          <a:solidFill>
+                            <a:schemeClr val="lt1"/>
+                          </a:solidFill>
+                          <a:latin typeface="Consolas" panose="020B0609020204030204" pitchFamily="49" charset="0"/>
+                          <a:ea typeface="+mn-ea"/>
+                          <a:cs typeface="+mn-cs"/>
+                        </a:rPr>
+                        <a:t>    +-----+--------------+--------------+---------+--------------+-----------+-------------------+-------------------+</a:t>
+                      </a:r>
+                      <a:br>
+                        <a:rPr lang="en-US" sz="1100" b="0" i="0" kern="1200" baseline="0" dirty="0">
+                          <a:solidFill>
+                            <a:schemeClr val="lt1"/>
+                          </a:solidFill>
+                          <a:latin typeface="Consolas" panose="020B0609020204030204" pitchFamily="49" charset="0"/>
+                          <a:ea typeface="+mn-ea"/>
+                          <a:cs typeface="+mn-cs"/>
+                        </a:rPr>
+                      </a:br>
+                      <a:r>
+                        <a:rPr lang="en-US" sz="1100" b="0" i="0" kern="1200" baseline="0" dirty="0">
+                          <a:solidFill>
+                            <a:schemeClr val="lt1"/>
+                          </a:solidFill>
+                          <a:latin typeface="Consolas" panose="020B0609020204030204" pitchFamily="49" charset="0"/>
+                          <a:ea typeface="+mn-ea"/>
+                          <a:cs typeface="+mn-cs"/>
+                        </a:rPr>
+                        <a:t>                                                                                                                      </a:t>
+                      </a:r>
+                      <a:br>
+                        <a:rPr lang="en-US" sz="1100" b="0" i="0" kern="1200" baseline="0" dirty="0">
+                          <a:solidFill>
+                            <a:schemeClr val="lt1"/>
+                          </a:solidFill>
+                          <a:latin typeface="Consolas" panose="020B0609020204030204" pitchFamily="49" charset="0"/>
+                          <a:ea typeface="+mn-ea"/>
+                          <a:cs typeface="+mn-cs"/>
+                        </a:rPr>
+                      </a:br>
+                      <a:r>
+                        <a:rPr lang="en-US" sz="1100" b="0" i="0" kern="1200" baseline="0" dirty="0">
+                          <a:solidFill>
+                            <a:schemeClr val="lt1"/>
+                          </a:solidFill>
+                          <a:latin typeface="Consolas" panose="020B0609020204030204" pitchFamily="49" charset="0"/>
+                          <a:ea typeface="+mn-ea"/>
+                          <a:cs typeface="+mn-cs"/>
+                        </a:rPr>
+                        <a:t>    5 rows returned.                                                                                                  </a:t>
+                      </a:r>
+                      <a:br>
+                        <a:rPr lang="en-US" sz="1100" b="0" i="0" kern="1200" baseline="0" dirty="0">
+                          <a:solidFill>
+                            <a:schemeClr val="lt1"/>
+                          </a:solidFill>
+                          <a:latin typeface="Consolas" panose="020B0609020204030204" pitchFamily="49" charset="0"/>
+                          <a:ea typeface="+mn-ea"/>
+                          <a:cs typeface="+mn-cs"/>
+                        </a:rPr>
+                      </a:br>
+                      <a:br>
+                        <a:rPr lang="en-US" sz="1100" b="0" i="0" kern="1200" baseline="0" dirty="0">
+                          <a:solidFill>
+                            <a:schemeClr val="lt1"/>
+                          </a:solidFill>
+                          <a:latin typeface="Consolas" panose="020B0609020204030204" pitchFamily="49" charset="0"/>
+                          <a:ea typeface="+mn-ea"/>
+                          <a:cs typeface="+mn-cs"/>
+                        </a:rPr>
+                      </a:br>
+                      <a:r>
+                        <a:rPr lang="en-US" sz="1100" b="0" i="0" kern="1200" baseline="0" dirty="0">
+                          <a:solidFill>
+                            <a:schemeClr val="lt1"/>
+                          </a:solidFill>
+                          <a:latin typeface="Consolas" panose="020B0609020204030204" pitchFamily="49" charset="0"/>
+                          <a:ea typeface="+mn-ea"/>
+                          <a:cs typeface="+mn-cs"/>
+                        </a:rPr>
+                        <a:t>CATDB&gt; set colsep default</a:t>
+                      </a:r>
+                    </a:p>
+                  </a:txBody>
+                  <a:tcPr/>
+                </a:tc>
+                <a:extLst>
+                  <a:ext uri="{0D108BD9-81ED-4DB2-BD59-A6C34878D82A}">
+                    <a16:rowId xmlns:a16="http://schemas.microsoft.com/office/drawing/2014/main" val="1504338429"/>
+                  </a:ext>
+                </a:extLst>
+              </a:tr>
+            </a:tbl>
+          </a:graphicData>
+        </a:graphic>
+      </p:graphicFrame>
+      <p:sp>
+        <p:nvSpPr>
+          <p:cNvPr id="5" name="内容占位符 2">
+            <a:extLst>
+              <a:ext uri="{FF2B5EF4-FFF2-40B4-BE49-F238E27FC236}">
+                <a16:creationId xmlns:a16="http://schemas.microsoft.com/office/drawing/2014/main" id="{11EF5E99-F123-4A81-818D-EA921BFA96B0}"/>
+              </a:ext>
+            </a:extLst>
+          </p:cNvPr>
+          <p:cNvSpPr>
+            <a:spLocks noGrp="1"/>
+          </p:cNvSpPr>
+          <p:nvPr>
+            <p:ph idx="1"/>
+          </p:nvPr>
+        </p:nvSpPr>
+        <p:spPr>
+          <a:xfrm>
+            <a:off x="838200" y="1010093"/>
+            <a:ext cx="10275779" cy="621105"/>
+          </a:xfrm>
+        </p:spPr>
+        <p:txBody>
+          <a:bodyPr>
+            <a:normAutofit fontScale="85000" lnSpcReduction="20000"/>
+          </a:bodyPr>
+          <a:lstStyle/>
+          <a:p>
+            <a:r>
+              <a:rPr lang="en-US" dirty="0"/>
+              <a:t>The string columns are auto-adjusted to fit the screen, refer to “set grid” for more manual configurations</a:t>
+            </a:r>
+          </a:p>
+          <a:p>
+            <a:pPr marL="0" indent="0">
+              <a:buNone/>
+            </a:pPr>
+            <a:endParaRPr lang="en-US" dirty="0"/>
+          </a:p>
+        </p:txBody>
+      </p:sp>
+    </p:spTree>
+    <p:extLst>
+      <p:ext uri="{BB962C8B-B14F-4D97-AF65-F5344CB8AC3E}">
+        <p14:creationId xmlns:p14="http://schemas.microsoft.com/office/powerpoint/2010/main" val="3356030857"/>
+      </p:ext>
+    </p:extLst>
+  </p:cSld>
+  <p:clrMapOvr>
+    <a:masterClrMapping/>
+  </p:clrMapOvr>
+</p:sld>
+</file>
+
+<file path=ppt/slides/slide50.xml><?xml version="1.0" encoding="utf-8"?>
 <p:sld xmlns:a="http://schemas.openxmlformats.org/drawingml/2006/main" xmlns:r="http://schemas.openxmlformats.org/officeDocument/2006/relationships" xmlns:p="http://schemas.openxmlformats.org/presentationml/2006/main">
   <p:cSld>
     <p:spTree>
@@ -21555,855 +22657,7 @@
 </p:sld>
 </file>
 
-<file path=ppt/slides/slide5.xml><?xml version="1.0" encoding="utf-8"?>
-<p:sld xmlns:a="http://schemas.openxmlformats.org/drawingml/2006/main" xmlns:r="http://schemas.openxmlformats.org/officeDocument/2006/relationships" xmlns:p="http://schemas.openxmlformats.org/presentationml/2006/main">
-  <p:cSld>
-    <p:spTree>
-      <p:nvGrpSpPr>
-        <p:cNvPr id="1" name=""/>
-        <p:cNvGrpSpPr/>
-        <p:nvPr/>
-      </p:nvGrpSpPr>
-      <p:grpSpPr>
-        <a:xfrm>
-          <a:off x="0" y="0"/>
-          <a:ext cx="0" cy="0"/>
-          <a:chOff x="0" y="0"/>
-          <a:chExt cx="0" cy="0"/>
-        </a:xfrm>
-      </p:grpSpPr>
-      <p:sp>
-        <p:nvSpPr>
-          <p:cNvPr id="2" name="标题 1">
-            <a:extLst>
-              <a:ext uri="{FF2B5EF4-FFF2-40B4-BE49-F238E27FC236}">
-                <a16:creationId xmlns:a16="http://schemas.microsoft.com/office/drawing/2014/main" id="{31E9F1B0-DF27-4D82-B726-DDD3F9CF7328}"/>
-              </a:ext>
-            </a:extLst>
-          </p:cNvPr>
-          <p:cNvSpPr>
-            <a:spLocks noGrp="1"/>
-          </p:cNvSpPr>
-          <p:nvPr>
-            <p:ph type="title"/>
-          </p:nvPr>
-        </p:nvSpPr>
-        <p:spPr>
-          <a:xfrm>
-            <a:off x="838200" y="184372"/>
-            <a:ext cx="10515600" cy="708763"/>
-          </a:xfrm>
-        </p:spPr>
-        <p:txBody>
-          <a:bodyPr/>
-          <a:lstStyle/>
-          <a:p>
-            <a:r>
-              <a:rPr lang="en-US" dirty="0"/>
-              <a:t>Intelligent format of the query output(Set)</a:t>
-            </a:r>
-          </a:p>
-        </p:txBody>
-      </p:sp>
-      <p:graphicFrame>
-        <p:nvGraphicFramePr>
-          <p:cNvPr id="4" name="表格 3">
-            <a:extLst>
-              <a:ext uri="{FF2B5EF4-FFF2-40B4-BE49-F238E27FC236}">
-                <a16:creationId xmlns:a16="http://schemas.microsoft.com/office/drawing/2014/main" id="{2563436E-7DD6-46CC-BCAE-29765B663613}"/>
-              </a:ext>
-            </a:extLst>
-          </p:cNvPr>
-          <p:cNvGraphicFramePr>
-            <a:graphicFrameLocks noGrp="1"/>
-          </p:cNvGraphicFramePr>
-          <p:nvPr>
-            <p:extLst>
-              <p:ext uri="{D42A27DB-BD31-4B8C-83A1-F6EECF244321}">
-                <p14:modId xmlns:p14="http://schemas.microsoft.com/office/powerpoint/2010/main" val="2259286601"/>
-              </p:ext>
-            </p:extLst>
-          </p:nvPr>
-        </p:nvGraphicFramePr>
-        <p:xfrm>
-          <a:off x="838200" y="1748157"/>
-          <a:ext cx="10374425" cy="5791200"/>
-        </p:xfrm>
-        <a:graphic>
-          <a:graphicData uri="http://schemas.openxmlformats.org/drawingml/2006/table">
-            <a:tbl>
-              <a:tblPr firstRow="1" bandRow="1">
-                <a:tableStyleId>{5C22544A-7EE6-4342-B048-85BDC9FD1C3A}</a:tableStyleId>
-              </a:tblPr>
-              <a:tblGrid>
-                <a:gridCol w="10374425">
-                  <a:extLst>
-                    <a:ext uri="{9D8B030D-6E8A-4147-A177-3AD203B41FA5}">
-                      <a16:colId xmlns:a16="http://schemas.microsoft.com/office/drawing/2014/main" val="4245137307"/>
-                    </a:ext>
-                  </a:extLst>
-                </a:gridCol>
-              </a:tblGrid>
-              <a:tr h="4570526">
-                <a:tc>
-                  <a:txBody>
-                    <a:bodyPr/>
-                    <a:lstStyle/>
-                    <a:p>
-                      <a:r>
-                        <a:rPr lang="en-US" sz="1100" b="0" i="0" kern="1200" baseline="0" dirty="0">
-                          <a:solidFill>
-                            <a:schemeClr val="lt1"/>
-                          </a:solidFill>
-                          <a:latin typeface="Consolas" panose="020B0609020204030204" pitchFamily="49" charset="0"/>
-                          <a:ea typeface="+mn-ea"/>
-                          <a:cs typeface="+mn-cs"/>
-                        </a:rPr>
-                        <a:t>CATDB&gt; set printsize 10                                                                                              </a:t>
-                      </a:r>
-                      <a:br>
-                        <a:rPr lang="en-US" sz="1100" b="0" i="0" kern="1200" baseline="0" dirty="0">
-                          <a:solidFill>
-                            <a:schemeClr val="lt1"/>
-                          </a:solidFill>
-                          <a:latin typeface="Consolas" panose="020B0609020204030204" pitchFamily="49" charset="0"/>
-                          <a:ea typeface="+mn-ea"/>
-                          <a:cs typeface="+mn-cs"/>
-                        </a:rPr>
-                      </a:br>
-                      <a:r>
-                        <a:rPr lang="en-US" sz="1100" b="0" i="0" kern="1200" baseline="0" dirty="0">
-                          <a:solidFill>
-                            <a:schemeClr val="lt1"/>
-                          </a:solidFill>
-                          <a:latin typeface="Consolas" panose="020B0609020204030204" pitchFamily="49" charset="0"/>
-                          <a:ea typeface="+mn-ea"/>
-                          <a:cs typeface="+mn-cs"/>
-                        </a:rPr>
-                        <a:t>CATDB&gt; sf dba_objects                                                                                                </a:t>
-                      </a:r>
-                      <a:br>
-                        <a:rPr lang="en-US" sz="1100" b="0" i="0" kern="1200" baseline="0" dirty="0">
-                          <a:solidFill>
-                            <a:schemeClr val="lt1"/>
-                          </a:solidFill>
-                          <a:latin typeface="Consolas" panose="020B0609020204030204" pitchFamily="49" charset="0"/>
-                          <a:ea typeface="+mn-ea"/>
-                          <a:cs typeface="+mn-cs"/>
-                        </a:rPr>
-                      </a:br>
-                      <a:r>
-                        <a:rPr lang="en-US" sz="1100" b="0" i="0" kern="1200" baseline="0" dirty="0">
-                          <a:solidFill>
-                            <a:schemeClr val="lt1"/>
-                          </a:solidFill>
-                          <a:latin typeface="Consolas" panose="020B0609020204030204" pitchFamily="49" charset="0"/>
-                          <a:ea typeface="+mn-ea"/>
-                          <a:cs typeface="+mn-cs"/>
-                        </a:rPr>
-                        <a:t>    $ select * from (select * from dba_objects) where rownum&lt;=50                                                     </a:t>
-                      </a:r>
-                      <a:br>
-                        <a:rPr lang="en-US" sz="1100" b="0" i="0" kern="1200" baseline="0" dirty="0">
-                          <a:solidFill>
-                            <a:schemeClr val="lt1"/>
-                          </a:solidFill>
-                          <a:latin typeface="Consolas" panose="020B0609020204030204" pitchFamily="49" charset="0"/>
-                          <a:ea typeface="+mn-ea"/>
-                          <a:cs typeface="+mn-cs"/>
-                        </a:rPr>
-                      </a:br>
-                      <a:r>
-                        <a:rPr lang="en-US" sz="1100" b="0" i="0" kern="1200" baseline="0" dirty="0">
-                          <a:solidFill>
-                            <a:schemeClr val="lt1"/>
-                          </a:solidFill>
-                          <a:latin typeface="Consolas" panose="020B0609020204030204" pitchFamily="49" charset="0"/>
-                          <a:ea typeface="+mn-ea"/>
-                          <a:cs typeface="+mn-cs"/>
-                        </a:rPr>
-                        <a:t>    OWNER  OBJECT_NAME   SUBOBJECT_NAME OBJECT_ID DATA_OBJECT_ID OBJECT_TYPE       CREATED          LAST_DDL_TIME    </a:t>
-                      </a:r>
-                      <a:br>
-                        <a:rPr lang="en-US" sz="1100" b="0" i="0" kern="1200" baseline="0" dirty="0">
-                          <a:solidFill>
-                            <a:schemeClr val="lt1"/>
-                          </a:solidFill>
-                          <a:latin typeface="Consolas" panose="020B0609020204030204" pitchFamily="49" charset="0"/>
-                          <a:ea typeface="+mn-ea"/>
-                          <a:cs typeface="+mn-cs"/>
-                        </a:rPr>
-                      </a:br>
-                      <a:r>
-                        <a:rPr lang="en-US" sz="1100" b="0" i="0" kern="1200" baseline="0" dirty="0">
-                          <a:solidFill>
-                            <a:schemeClr val="lt1"/>
-                          </a:solidFill>
-                          <a:latin typeface="Consolas" panose="020B0609020204030204" pitchFamily="49" charset="0"/>
-                          <a:ea typeface="+mn-ea"/>
-                          <a:cs typeface="+mn-cs"/>
-                        </a:rPr>
-                        <a:t>    ----- -------------- -------------- --------- -------------- ----------- ------------------- ------------------- </a:t>
-                      </a:r>
-                      <a:br>
-                        <a:rPr lang="en-US" sz="1100" b="0" i="0" kern="1200" baseline="0" dirty="0">
-                          <a:solidFill>
-                            <a:schemeClr val="lt1"/>
-                          </a:solidFill>
-                          <a:latin typeface="Consolas" panose="020B0609020204030204" pitchFamily="49" charset="0"/>
-                          <a:ea typeface="+mn-ea"/>
-                          <a:cs typeface="+mn-cs"/>
-                        </a:rPr>
-                      </a:br>
-                      <a:r>
-                        <a:rPr lang="en-US" sz="1100" b="0" i="0" kern="1200" baseline="0" dirty="0">
-                          <a:solidFill>
-                            <a:schemeClr val="lt1"/>
-                          </a:solidFill>
-                          <a:latin typeface="Consolas" panose="020B0609020204030204" pitchFamily="49" charset="0"/>
-                          <a:ea typeface="+mn-ea"/>
-                          <a:cs typeface="+mn-cs"/>
-                        </a:rPr>
-                        <a:t>    SYS   TS$                                  16              6 TABLE       2018-02-07 22:51:55 2018-02-07 23:57:54 </a:t>
-                      </a:r>
-                      <a:br>
-                        <a:rPr lang="en-US" sz="1100" b="0" i="0" kern="1200" baseline="0" dirty="0">
-                          <a:solidFill>
-                            <a:schemeClr val="lt1"/>
-                          </a:solidFill>
-                          <a:latin typeface="Consolas" panose="020B0609020204030204" pitchFamily="49" charset="0"/>
-                          <a:ea typeface="+mn-ea"/>
-                          <a:cs typeface="+mn-cs"/>
-                        </a:rPr>
-                      </a:br>
-                      <a:r>
-                        <a:rPr lang="en-US" sz="1100" b="0" i="0" kern="1200" baseline="0" dirty="0">
-                          <a:solidFill>
-                            <a:schemeClr val="lt1"/>
-                          </a:solidFill>
-                          <a:latin typeface="Consolas" panose="020B0609020204030204" pitchFamily="49" charset="0"/>
-                          <a:ea typeface="+mn-ea"/>
-                          <a:cs typeface="+mn-cs"/>
-                        </a:rPr>
-                        <a:t>    SYS   ICOL$                                20              2 TABLE       2018-02-07 22:51:55 2018-02-07 23:57:54 </a:t>
-                      </a:r>
-                      <a:br>
-                        <a:rPr lang="en-US" sz="1100" b="0" i="0" kern="1200" baseline="0" dirty="0">
-                          <a:solidFill>
-                            <a:schemeClr val="lt1"/>
-                          </a:solidFill>
-                          <a:latin typeface="Consolas" panose="020B0609020204030204" pitchFamily="49" charset="0"/>
-                          <a:ea typeface="+mn-ea"/>
-                          <a:cs typeface="+mn-cs"/>
-                        </a:rPr>
-                      </a:br>
-                      <a:r>
-                        <a:rPr lang="en-US" sz="1100" b="0" i="0" kern="1200" baseline="0" dirty="0">
-                          <a:solidFill>
-                            <a:schemeClr val="lt1"/>
-                          </a:solidFill>
-                          <a:latin typeface="Consolas" panose="020B0609020204030204" pitchFamily="49" charset="0"/>
-                          <a:ea typeface="+mn-ea"/>
-                          <a:cs typeface="+mn-cs"/>
-                        </a:rPr>
-                        <a:t>    SYS   C_FILE#_BLOCK#                        8              8 CLUSTER     2018-02-07 22:51:55 2018-02-07 22:51:55 </a:t>
-                      </a:r>
-                      <a:br>
-                        <a:rPr lang="en-US" sz="1100" b="0" i="0" kern="1200" baseline="0" dirty="0">
-                          <a:solidFill>
-                            <a:schemeClr val="lt1"/>
-                          </a:solidFill>
-                          <a:latin typeface="Consolas" panose="020B0609020204030204" pitchFamily="49" charset="0"/>
-                          <a:ea typeface="+mn-ea"/>
-                          <a:cs typeface="+mn-cs"/>
-                        </a:rPr>
-                      </a:br>
-                      <a:r>
-                        <a:rPr lang="en-US" sz="1100" b="0" i="0" kern="1200" baseline="0" dirty="0">
-                          <a:solidFill>
-                            <a:schemeClr val="lt1"/>
-                          </a:solidFill>
-                          <a:latin typeface="Consolas" panose="020B0609020204030204" pitchFamily="49" charset="0"/>
-                          <a:ea typeface="+mn-ea"/>
-                          <a:cs typeface="+mn-cs"/>
-                        </a:rPr>
-                        <a:t>    SYS   I_OBJ2                               37             37 INDEX       2018-02-07 22:51:56 2018-02-07 22:51:56 </a:t>
-                      </a:r>
-                      <a:br>
-                        <a:rPr lang="en-US" sz="1100" b="0" i="0" kern="1200" baseline="0" dirty="0">
-                          <a:solidFill>
-                            <a:schemeClr val="lt1"/>
-                          </a:solidFill>
-                          <a:latin typeface="Consolas" panose="020B0609020204030204" pitchFamily="49" charset="0"/>
-                          <a:ea typeface="+mn-ea"/>
-                          <a:cs typeface="+mn-cs"/>
-                        </a:rPr>
-                      </a:br>
-                      <a:r>
-                        <a:rPr lang="en-US" sz="1100" b="0" i="0" kern="1200" baseline="0" dirty="0">
-                          <a:solidFill>
-                            <a:schemeClr val="lt1"/>
-                          </a:solidFill>
-                          <a:latin typeface="Consolas" panose="020B0609020204030204" pitchFamily="49" charset="0"/>
-                          <a:ea typeface="+mn-ea"/>
-                          <a:cs typeface="+mn-cs"/>
-                        </a:rPr>
-                        <a:t>    SYS   USER$                                22             10 TABLE       2018-02-07 22:51:55 2018-02-07 23:05:16 </a:t>
-                      </a:r>
-                      <a:br>
-                        <a:rPr lang="en-US" sz="1100" b="0" i="0" kern="1200" baseline="0" dirty="0">
-                          <a:solidFill>
-                            <a:schemeClr val="lt1"/>
-                          </a:solidFill>
-                          <a:latin typeface="Consolas" panose="020B0609020204030204" pitchFamily="49" charset="0"/>
-                          <a:ea typeface="+mn-ea"/>
-                          <a:cs typeface="+mn-cs"/>
-                        </a:rPr>
-                      </a:br>
-                      <a:r>
-                        <a:rPr lang="en-US" sz="1100" b="0" i="0" kern="1200" baseline="0" dirty="0">
-                          <a:solidFill>
-                            <a:schemeClr val="lt1"/>
-                          </a:solidFill>
-                          <a:latin typeface="Consolas" panose="020B0609020204030204" pitchFamily="49" charset="0"/>
-                          <a:ea typeface="+mn-ea"/>
-                          <a:cs typeface="+mn-cs"/>
-                        </a:rPr>
-                        <a:t>    SYS   I_TAB1                               33             33 INDEX       2018-02-07 22:51:55 2018-02-07 22:51:55 </a:t>
-                      </a:r>
-                      <a:br>
-                        <a:rPr lang="en-US" sz="1100" b="0" i="0" kern="1200" baseline="0" dirty="0">
-                          <a:solidFill>
-                            <a:schemeClr val="lt1"/>
-                          </a:solidFill>
-                          <a:latin typeface="Consolas" panose="020B0609020204030204" pitchFamily="49" charset="0"/>
-                          <a:ea typeface="+mn-ea"/>
-                          <a:cs typeface="+mn-cs"/>
-                        </a:rPr>
-                      </a:br>
-                      <a:r>
-                        <a:rPr lang="en-US" sz="1100" b="0" i="0" kern="1200" baseline="0" dirty="0">
-                          <a:solidFill>
-                            <a:schemeClr val="lt1"/>
-                          </a:solidFill>
-                          <a:latin typeface="Consolas" panose="020B0609020204030204" pitchFamily="49" charset="0"/>
-                          <a:ea typeface="+mn-ea"/>
-                          <a:cs typeface="+mn-cs"/>
-                        </a:rPr>
-                        <a:t>    SYS   I_OBJ5                               40             40 INDEX       2018-02-07 22:51:56 2018-02-07 22:51:56 </a:t>
-                      </a:r>
-                      <a:br>
-                        <a:rPr lang="en-US" sz="1100" b="0" i="0" kern="1200" baseline="0" dirty="0">
-                          <a:solidFill>
-                            <a:schemeClr val="lt1"/>
-                          </a:solidFill>
-                          <a:latin typeface="Consolas" panose="020B0609020204030204" pitchFamily="49" charset="0"/>
-                          <a:ea typeface="+mn-ea"/>
-                          <a:cs typeface="+mn-cs"/>
-                        </a:rPr>
-                      </a:br>
-                      <a:r>
-                        <a:rPr lang="en-US" sz="1100" b="0" i="0" kern="1200" baseline="0" dirty="0">
-                          <a:solidFill>
-                            <a:schemeClr val="lt1"/>
-                          </a:solidFill>
-                          <a:latin typeface="Consolas" panose="020B0609020204030204" pitchFamily="49" charset="0"/>
-                          <a:ea typeface="+mn-ea"/>
-                          <a:cs typeface="+mn-cs"/>
-                        </a:rPr>
-                        <a:t>    SYS   CDEF$                                31             29 TABLE       2018-02-07 22:51:55 2018-02-07 23:57:54 </a:t>
-                      </a:r>
-                      <a:br>
-                        <a:rPr lang="en-US" sz="1100" b="0" i="0" kern="1200" baseline="0" dirty="0">
-                          <a:solidFill>
-                            <a:schemeClr val="lt1"/>
-                          </a:solidFill>
-                          <a:latin typeface="Consolas" panose="020B0609020204030204" pitchFamily="49" charset="0"/>
-                          <a:ea typeface="+mn-ea"/>
-                          <a:cs typeface="+mn-cs"/>
-                        </a:rPr>
-                      </a:br>
-                      <a:r>
-                        <a:rPr lang="en-US" sz="1100" b="0" i="0" kern="1200" baseline="0" dirty="0">
-                          <a:solidFill>
-                            <a:schemeClr val="lt1"/>
-                          </a:solidFill>
-                          <a:latin typeface="Consolas" panose="020B0609020204030204" pitchFamily="49" charset="0"/>
-                          <a:ea typeface="+mn-ea"/>
-                          <a:cs typeface="+mn-cs"/>
-                        </a:rPr>
-                        <a:t>    SYS   I_IND1                               41             41 INDEX       2018-02-07 22:51:56 2018-02-07 22:51:56 </a:t>
-                      </a:r>
-                      <a:br>
-                        <a:rPr lang="en-US" sz="1100" b="0" i="0" kern="1200" baseline="0" dirty="0">
-                          <a:solidFill>
-                            <a:schemeClr val="lt1"/>
-                          </a:solidFill>
-                          <a:latin typeface="Consolas" panose="020B0609020204030204" pitchFamily="49" charset="0"/>
-                          <a:ea typeface="+mn-ea"/>
-                          <a:cs typeface="+mn-cs"/>
-                        </a:rPr>
-                      </a:br>
-                      <a:r>
-                        <a:rPr lang="en-US" sz="1100" b="0" i="0" kern="1200" baseline="0" dirty="0">
-                          <a:solidFill>
-                            <a:schemeClr val="lt1"/>
-                          </a:solidFill>
-                          <a:latin typeface="Consolas" panose="020B0609020204030204" pitchFamily="49" charset="0"/>
-                          <a:ea typeface="+mn-ea"/>
-                          <a:cs typeface="+mn-cs"/>
-                        </a:rPr>
-                        <a:t>    SYS   I_OBJ#                                3              3 INDEX       2018-02-07 22:51:55 2018-02-07 22:51:55 </a:t>
-                      </a:r>
-                      <a:br>
-                        <a:rPr lang="en-US" sz="1100" b="0" i="0" kern="1200" baseline="0" dirty="0">
-                          <a:solidFill>
-                            <a:schemeClr val="lt1"/>
-                          </a:solidFill>
-                          <a:latin typeface="Consolas" panose="020B0609020204030204" pitchFamily="49" charset="0"/>
-                          <a:ea typeface="+mn-ea"/>
-                          <a:cs typeface="+mn-cs"/>
-                        </a:rPr>
-                      </a:br>
-                      <a:r>
-                        <a:rPr lang="en-US" sz="1100" b="0" i="0" kern="1200" baseline="0" dirty="0">
-                          <a:solidFill>
-                            <a:schemeClr val="lt1"/>
-                          </a:solidFill>
-                          <a:latin typeface="Consolas" panose="020B0609020204030204" pitchFamily="49" charset="0"/>
-                          <a:ea typeface="+mn-ea"/>
-                          <a:cs typeface="+mn-cs"/>
-                        </a:rPr>
-                        <a:t>                                                                                                                     </a:t>
-                      </a:r>
-                      <a:br>
-                        <a:rPr lang="en-US" sz="1100" b="0" i="0" kern="1200" baseline="0" dirty="0">
-                          <a:solidFill>
-                            <a:schemeClr val="lt1"/>
-                          </a:solidFill>
-                          <a:latin typeface="Consolas" panose="020B0609020204030204" pitchFamily="49" charset="0"/>
-                          <a:ea typeface="+mn-ea"/>
-                          <a:cs typeface="+mn-cs"/>
-                        </a:rPr>
-                      </a:br>
-                      <a:r>
-                        <a:rPr lang="en-US" sz="1100" b="0" i="0" kern="1200" baseline="0" dirty="0">
-                          <a:solidFill>
-                            <a:schemeClr val="lt1"/>
-                          </a:solidFill>
-                          <a:latin typeface="Consolas" panose="020B0609020204030204" pitchFamily="49" charset="0"/>
-                          <a:ea typeface="+mn-ea"/>
-                          <a:cs typeface="+mn-cs"/>
-                        </a:rPr>
-                        <a:t>    10 rows returned.    </a:t>
-                      </a:r>
-                    </a:p>
-                    <a:p>
-                      <a:r>
-                        <a:rPr lang="en-US" sz="1100" b="0" i="0" kern="1200" baseline="0" dirty="0">
-                          <a:solidFill>
-                            <a:schemeClr val="lt1"/>
-                          </a:solidFill>
-                          <a:latin typeface="Consolas" panose="020B0609020204030204" pitchFamily="49" charset="0"/>
-                          <a:ea typeface="+mn-ea"/>
-                          <a:cs typeface="+mn-cs"/>
-                        </a:rPr>
-                        <a:t>                                                                                            </a:t>
-                      </a:r>
-                      <a:br>
-                        <a:rPr lang="en-US" sz="1100" b="0" i="0" kern="1200" baseline="0" dirty="0">
-                          <a:solidFill>
-                            <a:schemeClr val="lt1"/>
-                          </a:solidFill>
-                          <a:latin typeface="Consolas" panose="020B0609020204030204" pitchFamily="49" charset="0"/>
-                          <a:ea typeface="+mn-ea"/>
-                          <a:cs typeface="+mn-cs"/>
-                        </a:rPr>
-                      </a:br>
-                      <a:r>
-                        <a:rPr lang="en-US" sz="1100" b="0" i="0" kern="1200" baseline="0" dirty="0">
-                          <a:solidFill>
-                            <a:schemeClr val="lt1"/>
-                          </a:solidFill>
-                          <a:latin typeface="Consolas" panose="020B0609020204030204" pitchFamily="49" charset="0"/>
-                          <a:ea typeface="+mn-ea"/>
-                          <a:cs typeface="+mn-cs"/>
-                        </a:rPr>
-                        <a:t>CATDB&gt; set printsize 5 colsep |                                                                                       </a:t>
-                      </a:r>
-                      <a:br>
-                        <a:rPr lang="en-US" sz="1100" b="0" i="0" kern="1200" baseline="0" dirty="0">
-                          <a:solidFill>
-                            <a:schemeClr val="lt1"/>
-                          </a:solidFill>
-                          <a:latin typeface="Consolas" panose="020B0609020204030204" pitchFamily="49" charset="0"/>
-                          <a:ea typeface="+mn-ea"/>
-                          <a:cs typeface="+mn-cs"/>
-                        </a:rPr>
-                      </a:br>
-                      <a:r>
-                        <a:rPr lang="en-US" sz="1100" b="0" i="0" kern="1200" baseline="0" dirty="0">
-                          <a:solidFill>
-                            <a:schemeClr val="lt1"/>
-                          </a:solidFill>
-                          <a:latin typeface="Consolas" panose="020B0609020204030204" pitchFamily="49" charset="0"/>
-                          <a:ea typeface="+mn-ea"/>
-                          <a:cs typeface="+mn-cs"/>
-                        </a:rPr>
-                        <a:t>CATDB&gt; sf dba_objects                                                                                                 </a:t>
-                      </a:r>
-                      <a:br>
-                        <a:rPr lang="en-US" sz="1100" b="0" i="0" kern="1200" baseline="0" dirty="0">
-                          <a:solidFill>
-                            <a:schemeClr val="lt1"/>
-                          </a:solidFill>
-                          <a:latin typeface="Consolas" panose="020B0609020204030204" pitchFamily="49" charset="0"/>
-                          <a:ea typeface="+mn-ea"/>
-                          <a:cs typeface="+mn-cs"/>
-                        </a:rPr>
-                      </a:br>
-                      <a:r>
-                        <a:rPr lang="en-US" sz="1100" b="0" i="0" kern="1200" baseline="0" dirty="0">
-                          <a:solidFill>
-                            <a:schemeClr val="lt1"/>
-                          </a:solidFill>
-                          <a:latin typeface="Consolas" panose="020B0609020204030204" pitchFamily="49" charset="0"/>
-                          <a:ea typeface="+mn-ea"/>
-                          <a:cs typeface="+mn-cs"/>
-                        </a:rPr>
-                        <a:t>    $ select * from (select * from dba_objects) where rownum&lt;=50                                                      </a:t>
-                      </a:r>
-                      <a:br>
-                        <a:rPr lang="en-US" sz="1100" b="0" i="0" kern="1200" baseline="0" dirty="0">
-                          <a:solidFill>
-                            <a:schemeClr val="lt1"/>
-                          </a:solidFill>
-                          <a:latin typeface="Consolas" panose="020B0609020204030204" pitchFamily="49" charset="0"/>
-                          <a:ea typeface="+mn-ea"/>
-                          <a:cs typeface="+mn-cs"/>
-                        </a:rPr>
-                      </a:br>
-                      <a:r>
-                        <a:rPr lang="en-US" sz="1100" b="0" i="0" kern="1200" baseline="0" dirty="0">
-                          <a:solidFill>
-                            <a:schemeClr val="lt1"/>
-                          </a:solidFill>
-                          <a:latin typeface="Consolas" panose="020B0609020204030204" pitchFamily="49" charset="0"/>
-                          <a:ea typeface="+mn-ea"/>
-                          <a:cs typeface="+mn-cs"/>
-                        </a:rPr>
-                        <a:t>    +-----+--------------+--------------+---------+--------------+-----------+-------------------+-------------------+</a:t>
-                      </a:r>
-                      <a:br>
-                        <a:rPr lang="en-US" sz="1100" b="0" i="0" kern="1200" baseline="0" dirty="0">
-                          <a:solidFill>
-                            <a:schemeClr val="lt1"/>
-                          </a:solidFill>
-                          <a:latin typeface="Consolas" panose="020B0609020204030204" pitchFamily="49" charset="0"/>
-                          <a:ea typeface="+mn-ea"/>
-                          <a:cs typeface="+mn-cs"/>
-                        </a:rPr>
-                      </a:br>
-                      <a:r>
-                        <a:rPr lang="en-US" sz="1100" b="0" i="0" kern="1200" baseline="0" dirty="0">
-                          <a:solidFill>
-                            <a:schemeClr val="lt1"/>
-                          </a:solidFill>
-                          <a:latin typeface="Consolas" panose="020B0609020204030204" pitchFamily="49" charset="0"/>
-                          <a:ea typeface="+mn-ea"/>
-                          <a:cs typeface="+mn-cs"/>
-                        </a:rPr>
-                        <a:t>    |OWNER| OBJECT_NAME  |SUBOBJECT_NAME|OBJECT_ID|DATA_OBJECT_ID|OBJECT_TYPE|      CREATED      |   LAST_DDL_TIME   |</a:t>
-                      </a:r>
-                      <a:br>
-                        <a:rPr lang="en-US" sz="1100" b="0" i="0" kern="1200" baseline="0" dirty="0">
-                          <a:solidFill>
-                            <a:schemeClr val="lt1"/>
-                          </a:solidFill>
-                          <a:latin typeface="Consolas" panose="020B0609020204030204" pitchFamily="49" charset="0"/>
-                          <a:ea typeface="+mn-ea"/>
-                          <a:cs typeface="+mn-cs"/>
-                        </a:rPr>
-                      </a:br>
-                      <a:r>
-                        <a:rPr lang="en-US" sz="1100" b="0" i="0" kern="1200" baseline="0" dirty="0">
-                          <a:solidFill>
-                            <a:schemeClr val="lt1"/>
-                          </a:solidFill>
-                          <a:latin typeface="Consolas" panose="020B0609020204030204" pitchFamily="49" charset="0"/>
-                          <a:ea typeface="+mn-ea"/>
-                          <a:cs typeface="+mn-cs"/>
-                        </a:rPr>
-                        <a:t>    |-----|--------------|--------------|---------|--------------|-----------|-------------------|-------------------|</a:t>
-                      </a:r>
-                      <a:br>
-                        <a:rPr lang="en-US" sz="1100" b="0" i="0" kern="1200" baseline="0" dirty="0">
-                          <a:solidFill>
-                            <a:schemeClr val="lt1"/>
-                          </a:solidFill>
-                          <a:latin typeface="Consolas" panose="020B0609020204030204" pitchFamily="49" charset="0"/>
-                          <a:ea typeface="+mn-ea"/>
-                          <a:cs typeface="+mn-cs"/>
-                        </a:rPr>
-                      </a:br>
-                      <a:r>
-                        <a:rPr lang="en-US" sz="1100" b="0" i="0" kern="1200" baseline="0" dirty="0">
-                          <a:solidFill>
-                            <a:schemeClr val="lt1"/>
-                          </a:solidFill>
-                          <a:latin typeface="Consolas" panose="020B0609020204030204" pitchFamily="49" charset="0"/>
-                          <a:ea typeface="+mn-ea"/>
-                          <a:cs typeface="+mn-cs"/>
-                        </a:rPr>
-                        <a:t>    |SYS  |TS$           |              |       16|             6|TABLE      |2018-02-07 22:51:55|2018-02-07 23:57:54|</a:t>
-                      </a:r>
-                      <a:br>
-                        <a:rPr lang="en-US" sz="1100" b="0" i="0" kern="1200" baseline="0" dirty="0">
-                          <a:solidFill>
-                            <a:schemeClr val="lt1"/>
-                          </a:solidFill>
-                          <a:latin typeface="Consolas" panose="020B0609020204030204" pitchFamily="49" charset="0"/>
-                          <a:ea typeface="+mn-ea"/>
-                          <a:cs typeface="+mn-cs"/>
-                        </a:rPr>
-                      </a:br>
-                      <a:r>
-                        <a:rPr lang="en-US" sz="1100" b="0" i="0" kern="1200" baseline="0" dirty="0">
-                          <a:solidFill>
-                            <a:schemeClr val="lt1"/>
-                          </a:solidFill>
-                          <a:latin typeface="Consolas" panose="020B0609020204030204" pitchFamily="49" charset="0"/>
-                          <a:ea typeface="+mn-ea"/>
-                          <a:cs typeface="+mn-cs"/>
-                        </a:rPr>
-                        <a:t>    |SYS  |ICOL$         |              |       20|             2|TABLE      |2018-02-07 22:51:55|2018-02-07 23:57:54|</a:t>
-                      </a:r>
-                      <a:br>
-                        <a:rPr lang="en-US" sz="1100" b="0" i="0" kern="1200" baseline="0" dirty="0">
-                          <a:solidFill>
-                            <a:schemeClr val="lt1"/>
-                          </a:solidFill>
-                          <a:latin typeface="Consolas" panose="020B0609020204030204" pitchFamily="49" charset="0"/>
-                          <a:ea typeface="+mn-ea"/>
-                          <a:cs typeface="+mn-cs"/>
-                        </a:rPr>
-                      </a:br>
-                      <a:r>
-                        <a:rPr lang="en-US" sz="1100" b="0" i="0" kern="1200" baseline="0" dirty="0">
-                          <a:solidFill>
-                            <a:schemeClr val="lt1"/>
-                          </a:solidFill>
-                          <a:latin typeface="Consolas" panose="020B0609020204030204" pitchFamily="49" charset="0"/>
-                          <a:ea typeface="+mn-ea"/>
-                          <a:cs typeface="+mn-cs"/>
-                        </a:rPr>
-                        <a:t>    |SYS  |C_FILE#_BLOCK#|              |        8|             8|CLUSTER    |2018-02-07 22:51:55|2018-02-07 22:51:55|</a:t>
-                      </a:r>
-                      <a:br>
-                        <a:rPr lang="en-US" sz="1100" b="0" i="0" kern="1200" baseline="0" dirty="0">
-                          <a:solidFill>
-                            <a:schemeClr val="lt1"/>
-                          </a:solidFill>
-                          <a:latin typeface="Consolas" panose="020B0609020204030204" pitchFamily="49" charset="0"/>
-                          <a:ea typeface="+mn-ea"/>
-                          <a:cs typeface="+mn-cs"/>
-                        </a:rPr>
-                      </a:br>
-                      <a:r>
-                        <a:rPr lang="en-US" sz="1100" b="0" i="0" kern="1200" baseline="0" dirty="0">
-                          <a:solidFill>
-                            <a:schemeClr val="lt1"/>
-                          </a:solidFill>
-                          <a:latin typeface="Consolas" panose="020B0609020204030204" pitchFamily="49" charset="0"/>
-                          <a:ea typeface="+mn-ea"/>
-                          <a:cs typeface="+mn-cs"/>
-                        </a:rPr>
-                        <a:t>    |SYS  |I_OBJ2        |              |       37|            37|INDEX      |2018-02-07 22:51:56|2018-02-07 22:51:56|</a:t>
-                      </a:r>
-                      <a:br>
-                        <a:rPr lang="en-US" sz="1100" b="0" i="0" kern="1200" baseline="0" dirty="0">
-                          <a:solidFill>
-                            <a:schemeClr val="lt1"/>
-                          </a:solidFill>
-                          <a:latin typeface="Consolas" panose="020B0609020204030204" pitchFamily="49" charset="0"/>
-                          <a:ea typeface="+mn-ea"/>
-                          <a:cs typeface="+mn-cs"/>
-                        </a:rPr>
-                      </a:br>
-                      <a:r>
-                        <a:rPr lang="en-US" sz="1100" b="0" i="0" kern="1200" baseline="0" dirty="0">
-                          <a:solidFill>
-                            <a:schemeClr val="lt1"/>
-                          </a:solidFill>
-                          <a:latin typeface="Consolas" panose="020B0609020204030204" pitchFamily="49" charset="0"/>
-                          <a:ea typeface="+mn-ea"/>
-                          <a:cs typeface="+mn-cs"/>
-                        </a:rPr>
-                        <a:t>    |SYS  |USER$         |              |       22|            10|TABLE      |2018-02-07 22:51:55|2018-02-07 23:05:16|</a:t>
-                      </a:r>
-                      <a:br>
-                        <a:rPr lang="en-US" sz="1100" b="0" i="0" kern="1200" baseline="0" dirty="0">
-                          <a:solidFill>
-                            <a:schemeClr val="lt1"/>
-                          </a:solidFill>
-                          <a:latin typeface="Consolas" panose="020B0609020204030204" pitchFamily="49" charset="0"/>
-                          <a:ea typeface="+mn-ea"/>
-                          <a:cs typeface="+mn-cs"/>
-                        </a:rPr>
-                      </a:br>
-                      <a:r>
-                        <a:rPr lang="en-US" sz="1100" b="0" i="0" kern="1200" baseline="0" dirty="0">
-                          <a:solidFill>
-                            <a:schemeClr val="lt1"/>
-                          </a:solidFill>
-                          <a:latin typeface="Consolas" panose="020B0609020204030204" pitchFamily="49" charset="0"/>
-                          <a:ea typeface="+mn-ea"/>
-                          <a:cs typeface="+mn-cs"/>
-                        </a:rPr>
-                        <a:t>    +-----+--------------+--------------+---------+--------------+-----------+-------------------+-------------------+</a:t>
-                      </a:r>
-                      <a:br>
-                        <a:rPr lang="en-US" sz="1100" b="0" i="0" kern="1200" baseline="0" dirty="0">
-                          <a:solidFill>
-                            <a:schemeClr val="lt1"/>
-                          </a:solidFill>
-                          <a:latin typeface="Consolas" panose="020B0609020204030204" pitchFamily="49" charset="0"/>
-                          <a:ea typeface="+mn-ea"/>
-                          <a:cs typeface="+mn-cs"/>
-                        </a:rPr>
-                      </a:br>
-                      <a:r>
-                        <a:rPr lang="en-US" sz="1100" b="0" i="0" kern="1200" baseline="0" dirty="0">
-                          <a:solidFill>
-                            <a:schemeClr val="lt1"/>
-                          </a:solidFill>
-                          <a:latin typeface="Consolas" panose="020B0609020204030204" pitchFamily="49" charset="0"/>
-                          <a:ea typeface="+mn-ea"/>
-                          <a:cs typeface="+mn-cs"/>
-                        </a:rPr>
-                        <a:t>                                                                                                                      </a:t>
-                      </a:r>
-                      <a:br>
-                        <a:rPr lang="en-US" sz="1100" b="0" i="0" kern="1200" baseline="0" dirty="0">
-                          <a:solidFill>
-                            <a:schemeClr val="lt1"/>
-                          </a:solidFill>
-                          <a:latin typeface="Consolas" panose="020B0609020204030204" pitchFamily="49" charset="0"/>
-                          <a:ea typeface="+mn-ea"/>
-                          <a:cs typeface="+mn-cs"/>
-                        </a:rPr>
-                      </a:br>
-                      <a:r>
-                        <a:rPr lang="en-US" sz="1100" b="0" i="0" kern="1200" baseline="0" dirty="0">
-                          <a:solidFill>
-                            <a:schemeClr val="lt1"/>
-                          </a:solidFill>
-                          <a:latin typeface="Consolas" panose="020B0609020204030204" pitchFamily="49" charset="0"/>
-                          <a:ea typeface="+mn-ea"/>
-                          <a:cs typeface="+mn-cs"/>
-                        </a:rPr>
-                        <a:t>    5 rows returned.                                                                                                  </a:t>
-                      </a:r>
-                      <a:br>
-                        <a:rPr lang="en-US" sz="1100" b="0" i="0" kern="1200" baseline="0" dirty="0">
-                          <a:solidFill>
-                            <a:schemeClr val="lt1"/>
-                          </a:solidFill>
-                          <a:latin typeface="Consolas" panose="020B0609020204030204" pitchFamily="49" charset="0"/>
-                          <a:ea typeface="+mn-ea"/>
-                          <a:cs typeface="+mn-cs"/>
-                        </a:rPr>
-                      </a:br>
-                      <a:br>
-                        <a:rPr lang="en-US" sz="1100" b="0" i="0" kern="1200" baseline="0" dirty="0">
-                          <a:solidFill>
-                            <a:schemeClr val="lt1"/>
-                          </a:solidFill>
-                          <a:latin typeface="Consolas" panose="020B0609020204030204" pitchFamily="49" charset="0"/>
-                          <a:ea typeface="+mn-ea"/>
-                          <a:cs typeface="+mn-cs"/>
-                        </a:rPr>
-                      </a:br>
-                      <a:r>
-                        <a:rPr lang="en-US" sz="1100" b="0" i="0" kern="1200" baseline="0" dirty="0">
-                          <a:solidFill>
-                            <a:schemeClr val="lt1"/>
-                          </a:solidFill>
-                          <a:latin typeface="Consolas" panose="020B0609020204030204" pitchFamily="49" charset="0"/>
-                          <a:ea typeface="+mn-ea"/>
-                          <a:cs typeface="+mn-cs"/>
-                        </a:rPr>
-                        <a:t>CATDB&gt; set colsep default</a:t>
-                      </a:r>
-                    </a:p>
-                  </a:txBody>
-                  <a:tcPr/>
-                </a:tc>
-                <a:extLst>
-                  <a:ext uri="{0D108BD9-81ED-4DB2-BD59-A6C34878D82A}">
-                    <a16:rowId xmlns:a16="http://schemas.microsoft.com/office/drawing/2014/main" val="1504338429"/>
-                  </a:ext>
-                </a:extLst>
-              </a:tr>
-            </a:tbl>
-          </a:graphicData>
-        </a:graphic>
-      </p:graphicFrame>
-      <p:sp>
-        <p:nvSpPr>
-          <p:cNvPr id="5" name="内容占位符 2">
-            <a:extLst>
-              <a:ext uri="{FF2B5EF4-FFF2-40B4-BE49-F238E27FC236}">
-                <a16:creationId xmlns:a16="http://schemas.microsoft.com/office/drawing/2014/main" id="{11EF5E99-F123-4A81-818D-EA921BFA96B0}"/>
-              </a:ext>
-            </a:extLst>
-          </p:cNvPr>
-          <p:cNvSpPr>
-            <a:spLocks noGrp="1"/>
-          </p:cNvSpPr>
-          <p:nvPr>
-            <p:ph idx="1"/>
-          </p:nvPr>
-        </p:nvSpPr>
-        <p:spPr>
-          <a:xfrm>
-            <a:off x="838200" y="1010093"/>
-            <a:ext cx="10275779" cy="621105"/>
-          </a:xfrm>
-        </p:spPr>
-        <p:txBody>
-          <a:bodyPr>
-            <a:normAutofit fontScale="85000" lnSpcReduction="20000"/>
-          </a:bodyPr>
-          <a:lstStyle/>
-          <a:p>
-            <a:r>
-              <a:rPr lang="en-US" dirty="0"/>
-              <a:t>The string columns are auto-adjusted to fit the screen, refer to “set grid” for more manual configurations</a:t>
-            </a:r>
-          </a:p>
-          <a:p>
-            <a:pPr marL="0" indent="0">
-              <a:buNone/>
-            </a:pPr>
-            <a:endParaRPr lang="en-US" dirty="0"/>
-          </a:p>
-        </p:txBody>
-      </p:sp>
-    </p:spTree>
-    <p:extLst>
-      <p:ext uri="{BB962C8B-B14F-4D97-AF65-F5344CB8AC3E}">
-        <p14:creationId xmlns:p14="http://schemas.microsoft.com/office/powerpoint/2010/main" val="3356030857"/>
-      </p:ext>
-    </p:extLst>
-  </p:cSld>
-  <p:clrMapOvr>
-    <a:masterClrMapping/>
-  </p:clrMapOvr>
-</p:sld>
-</file>
-
-<file path=ppt/slides/slide50.xml><?xml version="1.0" encoding="utf-8"?>
+<file path=ppt/slides/slide51.xml><?xml version="1.0" encoding="utf-8"?>
 <p:sld xmlns:a="http://schemas.openxmlformats.org/drawingml/2006/main" xmlns:r="http://schemas.openxmlformats.org/officeDocument/2006/relationships" xmlns:p="http://schemas.openxmlformats.org/presentationml/2006/main">
   <p:cSld>
     <p:spTree>
@@ -22533,7 +22787,7 @@
 </p:sld>
 </file>
 
-<file path=ppt/slides/slide51.xml><?xml version="1.0" encoding="utf-8"?>
+<file path=ppt/slides/slide52.xml><?xml version="1.0" encoding="utf-8"?>
 <p:sld xmlns:a="http://schemas.openxmlformats.org/drawingml/2006/main" xmlns:r="http://schemas.openxmlformats.org/officeDocument/2006/relationships" xmlns:p="http://schemas.openxmlformats.org/presentationml/2006/main">
   <p:cSld>
     <p:spTree>
@@ -22663,7 +22917,7 @@
 </p:sld>
 </file>
 
-<file path=ppt/slides/slide52.xml><?xml version="1.0" encoding="utf-8"?>
+<file path=ppt/slides/slide53.xml><?xml version="1.0" encoding="utf-8"?>
 <p:sld xmlns:a="http://schemas.openxmlformats.org/drawingml/2006/main" xmlns:r="http://schemas.openxmlformats.org/officeDocument/2006/relationships" xmlns:p="http://schemas.openxmlformats.org/presentationml/2006/main">
   <p:cSld>
     <p:spTree>
@@ -22805,7 +23059,7 @@
 </p:sld>
 </file>
 
-<file path=ppt/slides/slide53.xml><?xml version="1.0" encoding="utf-8"?>
+<file path=ppt/slides/slide54.xml><?xml version="1.0" encoding="utf-8"?>
 <p:sld xmlns:a="http://schemas.openxmlformats.org/drawingml/2006/main" xmlns:r="http://schemas.openxmlformats.org/officeDocument/2006/relationships" xmlns:p="http://schemas.openxmlformats.org/presentationml/2006/main">
   <p:cSld>
     <p:spTree>
@@ -22977,7 +23231,7 @@
 </p:sld>
 </file>
 
-<file path=ppt/slides/slide54.xml><?xml version="1.0" encoding="utf-8"?>
+<file path=ppt/slides/slide55.xml><?xml version="1.0" encoding="utf-8"?>
 <p:sld xmlns:a="http://schemas.openxmlformats.org/drawingml/2006/main" xmlns:r="http://schemas.openxmlformats.org/officeDocument/2006/relationships" xmlns:p="http://schemas.openxmlformats.org/presentationml/2006/main">
   <p:cSld>
     <p:spTree>
@@ -24025,7 +24279,7 @@
 </p:sld>
 </file>
 
-<file path=ppt/slides/slide55.xml><?xml version="1.0" encoding="utf-8"?>
+<file path=ppt/slides/slide56.xml><?xml version="1.0" encoding="utf-8"?>
 <p:sld xmlns:a="http://schemas.openxmlformats.org/drawingml/2006/main" xmlns:r="http://schemas.openxmlformats.org/officeDocument/2006/relationships" xmlns:p="http://schemas.openxmlformats.org/presentationml/2006/main">
   <p:cSld>
     <p:spTree>
@@ -24390,7 +24644,7 @@
 </p:sld>
 </file>
 
-<file path=ppt/slides/slide56.xml><?xml version="1.0" encoding="utf-8"?>
+<file path=ppt/slides/slide57.xml><?xml version="1.0" encoding="utf-8"?>
 <p:sld xmlns:a="http://schemas.openxmlformats.org/drawingml/2006/main" xmlns:r="http://schemas.openxmlformats.org/officeDocument/2006/relationships" xmlns:p="http://schemas.openxmlformats.org/presentationml/2006/main">
   <p:cSld>
     <p:spTree>
@@ -24728,7 +24982,7 @@
 </p:sld>
 </file>
 
-<file path=ppt/slides/slide57.xml><?xml version="1.0" encoding="utf-8"?>
+<file path=ppt/slides/slide58.xml><?xml version="1.0" encoding="utf-8"?>
 <p:sld xmlns:a="http://schemas.openxmlformats.org/drawingml/2006/main" xmlns:r="http://schemas.openxmlformats.org/officeDocument/2006/relationships" xmlns:p="http://schemas.openxmlformats.org/presentationml/2006/main">
   <p:cSld>
     <p:spTree>
@@ -25053,7 +25307,7 @@
 </p:sld>
 </file>
 
-<file path=ppt/slides/slide58.xml><?xml version="1.0" encoding="utf-8"?>
+<file path=ppt/slides/slide59.xml><?xml version="1.0" encoding="utf-8"?>
 <p:sld xmlns:a="http://schemas.openxmlformats.org/drawingml/2006/main" xmlns:r="http://schemas.openxmlformats.org/officeDocument/2006/relationships" xmlns:p="http://schemas.openxmlformats.org/presentationml/2006/main">
   <p:cSld>
     <p:spTree>
@@ -25237,7 +25491,7 @@
           <a:graphicData uri="http://schemas.openxmlformats.org/presentationml/2006/ole">
             <mc:AlternateContent xmlns:mc="http://schemas.openxmlformats.org/markup-compatibility/2006">
               <mc:Choice xmlns:v="urn:schemas-microsoft-com:vml" Requires="v">
-                <p:oleObj spid="_x0000_s1118" name="BMP 图像" r:id="rId4" imgW="5000760" imgH="2257560" progId="Paint.Picture">
+                <p:oleObj spid="_x0000_s1131" name="BMP 图像" r:id="rId4" imgW="5000760" imgH="2257560" progId="Paint.Picture">
                   <p:embed/>
                 </p:oleObj>
               </mc:Choice>
@@ -25285,7 +25539,246 @@
 </p:sld>
 </file>
 
-<file path=ppt/slides/slide59.xml><?xml version="1.0" encoding="utf-8"?>
+<file path=ppt/slides/slide6.xml><?xml version="1.0" encoding="utf-8"?>
+<p:sld xmlns:a="http://schemas.openxmlformats.org/drawingml/2006/main" xmlns:r="http://schemas.openxmlformats.org/officeDocument/2006/relationships" xmlns:p="http://schemas.openxmlformats.org/presentationml/2006/main">
+  <p:cSld>
+    <p:spTree>
+      <p:nvGrpSpPr>
+        <p:cNvPr id="1" name=""/>
+        <p:cNvGrpSpPr/>
+        <p:nvPr/>
+      </p:nvGrpSpPr>
+      <p:grpSpPr>
+        <a:xfrm>
+          <a:off x="0" y="0"/>
+          <a:ext cx="0" cy="0"/>
+          <a:chOff x="0" y="0"/>
+          <a:chExt cx="0" cy="0"/>
+        </a:xfrm>
+      </p:grpSpPr>
+      <p:sp>
+        <p:nvSpPr>
+          <p:cNvPr id="2" name="标题 1">
+            <a:extLst>
+              <a:ext uri="{FF2B5EF4-FFF2-40B4-BE49-F238E27FC236}">
+                <a16:creationId xmlns:a16="http://schemas.microsoft.com/office/drawing/2014/main" id="{44B93849-04ED-4974-9F20-F0CAD055F0C6}"/>
+              </a:ext>
+            </a:extLst>
+          </p:cNvPr>
+          <p:cNvSpPr>
+            <a:spLocks noGrp="1"/>
+          </p:cNvSpPr>
+          <p:nvPr>
+            <p:ph type="title"/>
+          </p:nvPr>
+        </p:nvSpPr>
+        <p:spPr>
+          <a:xfrm>
+            <a:off x="838200" y="145207"/>
+            <a:ext cx="10515600" cy="803918"/>
+          </a:xfrm>
+        </p:spPr>
+        <p:txBody>
+          <a:bodyPr/>
+          <a:lstStyle/>
+          <a:p>
+            <a:r>
+              <a:rPr lang="en-US" dirty="0"/>
+              <a:t>Line Wrap</a:t>
+            </a:r>
+          </a:p>
+        </p:txBody>
+      </p:sp>
+      <p:sp>
+        <p:nvSpPr>
+          <p:cNvPr id="3" name="内容占位符 2">
+            <a:extLst>
+              <a:ext uri="{FF2B5EF4-FFF2-40B4-BE49-F238E27FC236}">
+                <a16:creationId xmlns:a16="http://schemas.microsoft.com/office/drawing/2014/main" id="{B19B1DC3-E4EA-489C-B790-E6AF743CD2D8}"/>
+              </a:ext>
+            </a:extLst>
+          </p:cNvPr>
+          <p:cNvSpPr>
+            <a:spLocks noGrp="1"/>
+          </p:cNvSpPr>
+          <p:nvPr>
+            <p:ph idx="1"/>
+          </p:nvPr>
+        </p:nvSpPr>
+        <p:spPr>
+          <a:xfrm>
+            <a:off x="838200" y="949125"/>
+            <a:ext cx="10515600" cy="5227838"/>
+          </a:xfrm>
+        </p:spPr>
+        <p:txBody>
+          <a:bodyPr>
+            <a:normAutofit lnSpcReduction="10000"/>
+          </a:bodyPr>
+          <a:lstStyle/>
+          <a:p>
+            <a:r>
+              <a:rPr lang="en-US" dirty="0"/>
+              <a:t>For a output line whose width larger than screen buffer width, the overflow part would be chopped to avoid the messed output</a:t>
+            </a:r>
+          </a:p>
+          <a:p>
+            <a:r>
+              <a:rPr lang="en-US" dirty="0"/>
+              <a:t>To view the missing information:</a:t>
+            </a:r>
+          </a:p>
+          <a:p>
+            <a:pPr lvl="1"/>
+            <a:r>
+              <a:rPr lang="en-US" dirty="0"/>
+              <a:t>Use command “&lt;query&gt;</a:t>
+            </a:r>
+            <a:r>
+              <a:rPr lang="en-US" b="1" dirty="0"/>
+              <a:t>|less</a:t>
+            </a:r>
+            <a:r>
+              <a:rPr lang="en-US" dirty="0"/>
+              <a:t>” to enter the </a:t>
+            </a:r>
+            <a:r>
+              <a:rPr lang="en-US"/>
+              <a:t>Linux-style less </a:t>
+            </a:r>
+            <a:r>
+              <a:rPr lang="en-US" dirty="0"/>
+              <a:t>mode, and press arrow keys to scroll the screen</a:t>
+            </a:r>
+          </a:p>
+          <a:p>
+            <a:pPr lvl="1"/>
+            <a:r>
+              <a:rPr lang="en-US" dirty="0"/>
+              <a:t>Use “</a:t>
+            </a:r>
+            <a:r>
+              <a:rPr lang="en-US" b="1" dirty="0"/>
+              <a:t>less last</a:t>
+            </a:r>
+            <a:r>
+              <a:rPr lang="en-US" dirty="0"/>
+              <a:t>” to view the last output in less mode</a:t>
+            </a:r>
+          </a:p>
+          <a:p>
+            <a:pPr lvl="1"/>
+            <a:r>
+              <a:rPr lang="en-US" dirty="0"/>
+              <a:t>Use command “</a:t>
+            </a:r>
+            <a:r>
+              <a:rPr lang="en-US" b="1" dirty="0"/>
+              <a:t>out</a:t>
+            </a:r>
+            <a:r>
+              <a:rPr lang="en-US" dirty="0"/>
+              <a:t>”, which will launch the editor to view the historical outputs.</a:t>
+            </a:r>
+          </a:p>
+          <a:p>
+            <a:pPr lvl="2"/>
+            <a:r>
+              <a:rPr lang="en-US" dirty="0"/>
+              <a:t>In case of the default editor is “vi”, you can use “W/B” to scroll the screen</a:t>
+            </a:r>
+          </a:p>
+          <a:p>
+            <a:pPr lvl="2"/>
+            <a:r>
+              <a:rPr lang="en-US" dirty="0"/>
+              <a:t>Use “set editor [&lt;name&gt;]” to define the default editor</a:t>
+            </a:r>
+          </a:p>
+          <a:p>
+            <a:pPr lvl="2"/>
+            <a:r>
+              <a:rPr lang="en-US" dirty="0"/>
+              <a:t>Command “out”</a:t>
+            </a:r>
+          </a:p>
+          <a:p>
+            <a:pPr lvl="3"/>
+            <a:r>
+              <a:rPr lang="en-US" dirty="0">
+                <a:solidFill>
+                  <a:srgbClr val="0070C0"/>
+                </a:solidFill>
+              </a:rPr>
+              <a:t>out</a:t>
+            </a:r>
+            <a:r>
+              <a:rPr lang="en-US" dirty="0"/>
+              <a:t> : save the historical outputs into file “cache/&lt;sub-</a:t>
+            </a:r>
+            <a:r>
+              <a:rPr lang="en-US" dirty="0" err="1"/>
+              <a:t>dir</a:t>
+            </a:r>
+            <a:r>
+              <a:rPr lang="en-US" dirty="0"/>
+              <a:t>&gt;/out.log” and open the file</a:t>
+            </a:r>
+          </a:p>
+          <a:p>
+            <a:pPr lvl="3"/>
+            <a:r>
+              <a:rPr lang="en-US" dirty="0">
+                <a:solidFill>
+                  <a:srgbClr val="0070C0"/>
+                </a:solidFill>
+              </a:rPr>
+              <a:t>out &lt;file-name&gt;</a:t>
+            </a:r>
+            <a:r>
+              <a:rPr lang="en-US" dirty="0"/>
+              <a:t>: save the historical outputs into file “cache/&lt;sub-</a:t>
+            </a:r>
+            <a:r>
+              <a:rPr lang="en-US" dirty="0" err="1"/>
+              <a:t>dir</a:t>
+            </a:r>
+            <a:r>
+              <a:rPr lang="en-US" dirty="0"/>
+              <a:t>&gt;/&lt;file-name&gt;” and open the file</a:t>
+            </a:r>
+          </a:p>
+          <a:p>
+            <a:pPr lvl="3"/>
+            <a:r>
+              <a:rPr lang="en-US" dirty="0">
+                <a:solidFill>
+                  <a:srgbClr val="0070C0"/>
+                </a:solidFill>
+              </a:rPr>
+              <a:t>out clear</a:t>
+            </a:r>
+            <a:r>
+              <a:rPr lang="en-US" dirty="0"/>
+              <a:t>: clear the historical output</a:t>
+            </a:r>
+          </a:p>
+        </p:txBody>
+      </p:sp>
+    </p:spTree>
+    <p:extLst>
+      <p:ext uri="{BB962C8B-B14F-4D97-AF65-F5344CB8AC3E}">
+        <p14:creationId xmlns:p14="http://schemas.microsoft.com/office/powerpoint/2010/main" val="433387195"/>
+      </p:ext>
+    </p:extLst>
+  </p:cSld>
+  <p:clrMapOvr>
+    <a:masterClrMapping/>
+  </p:clrMapOvr>
+</p:sld>
+</file>
+
+<file path=ppt/slides/slide60.xml><?xml version="1.0" encoding="utf-8"?>
 <p:sld xmlns:a="http://schemas.openxmlformats.org/drawingml/2006/main" xmlns:r="http://schemas.openxmlformats.org/officeDocument/2006/relationships" xmlns:p="http://schemas.openxmlformats.org/presentationml/2006/main">
   <p:cSld>
     <p:spTree>
@@ -25629,245 +26122,6 @@
     <p:extLst>
       <p:ext uri="{BB962C8B-B14F-4D97-AF65-F5344CB8AC3E}">
         <p14:creationId xmlns:p14="http://schemas.microsoft.com/office/powerpoint/2010/main" val="2160738329"/>
-      </p:ext>
-    </p:extLst>
-  </p:cSld>
-  <p:clrMapOvr>
-    <a:masterClrMapping/>
-  </p:clrMapOvr>
-</p:sld>
-</file>
-
-<file path=ppt/slides/slide6.xml><?xml version="1.0" encoding="utf-8"?>
-<p:sld xmlns:a="http://schemas.openxmlformats.org/drawingml/2006/main" xmlns:r="http://schemas.openxmlformats.org/officeDocument/2006/relationships" xmlns:p="http://schemas.openxmlformats.org/presentationml/2006/main">
-  <p:cSld>
-    <p:spTree>
-      <p:nvGrpSpPr>
-        <p:cNvPr id="1" name=""/>
-        <p:cNvGrpSpPr/>
-        <p:nvPr/>
-      </p:nvGrpSpPr>
-      <p:grpSpPr>
-        <a:xfrm>
-          <a:off x="0" y="0"/>
-          <a:ext cx="0" cy="0"/>
-          <a:chOff x="0" y="0"/>
-          <a:chExt cx="0" cy="0"/>
-        </a:xfrm>
-      </p:grpSpPr>
-      <p:sp>
-        <p:nvSpPr>
-          <p:cNvPr id="2" name="标题 1">
-            <a:extLst>
-              <a:ext uri="{FF2B5EF4-FFF2-40B4-BE49-F238E27FC236}">
-                <a16:creationId xmlns:a16="http://schemas.microsoft.com/office/drawing/2014/main" id="{44B93849-04ED-4974-9F20-F0CAD055F0C6}"/>
-              </a:ext>
-            </a:extLst>
-          </p:cNvPr>
-          <p:cNvSpPr>
-            <a:spLocks noGrp="1"/>
-          </p:cNvSpPr>
-          <p:nvPr>
-            <p:ph type="title"/>
-          </p:nvPr>
-        </p:nvSpPr>
-        <p:spPr>
-          <a:xfrm>
-            <a:off x="838200" y="145207"/>
-            <a:ext cx="10515600" cy="803918"/>
-          </a:xfrm>
-        </p:spPr>
-        <p:txBody>
-          <a:bodyPr/>
-          <a:lstStyle/>
-          <a:p>
-            <a:r>
-              <a:rPr lang="en-US" dirty="0"/>
-              <a:t>Line Wrap</a:t>
-            </a:r>
-          </a:p>
-        </p:txBody>
-      </p:sp>
-      <p:sp>
-        <p:nvSpPr>
-          <p:cNvPr id="3" name="内容占位符 2">
-            <a:extLst>
-              <a:ext uri="{FF2B5EF4-FFF2-40B4-BE49-F238E27FC236}">
-                <a16:creationId xmlns:a16="http://schemas.microsoft.com/office/drawing/2014/main" id="{B19B1DC3-E4EA-489C-B790-E6AF743CD2D8}"/>
-              </a:ext>
-            </a:extLst>
-          </p:cNvPr>
-          <p:cNvSpPr>
-            <a:spLocks noGrp="1"/>
-          </p:cNvSpPr>
-          <p:nvPr>
-            <p:ph idx="1"/>
-          </p:nvPr>
-        </p:nvSpPr>
-        <p:spPr>
-          <a:xfrm>
-            <a:off x="838200" y="949125"/>
-            <a:ext cx="10515600" cy="5227838"/>
-          </a:xfrm>
-        </p:spPr>
-        <p:txBody>
-          <a:bodyPr>
-            <a:normAutofit lnSpcReduction="10000"/>
-          </a:bodyPr>
-          <a:lstStyle/>
-          <a:p>
-            <a:r>
-              <a:rPr lang="en-US" dirty="0"/>
-              <a:t>For a output line whose width larger than screen buffer width, the overflow part would be chopped to avoid the messed output</a:t>
-            </a:r>
-          </a:p>
-          <a:p>
-            <a:r>
-              <a:rPr lang="en-US" dirty="0"/>
-              <a:t>To view the missing information:</a:t>
-            </a:r>
-          </a:p>
-          <a:p>
-            <a:pPr lvl="1"/>
-            <a:r>
-              <a:rPr lang="en-US" dirty="0"/>
-              <a:t>Use command “&lt;query&gt;</a:t>
-            </a:r>
-            <a:r>
-              <a:rPr lang="en-US" b="1" dirty="0"/>
-              <a:t>|less</a:t>
-            </a:r>
-            <a:r>
-              <a:rPr lang="en-US" dirty="0"/>
-              <a:t>” to enter the </a:t>
-            </a:r>
-            <a:r>
-              <a:rPr lang="en-US"/>
-              <a:t>Linux-style less </a:t>
-            </a:r>
-            <a:r>
-              <a:rPr lang="en-US" dirty="0"/>
-              <a:t>mode, and press arrow keys to scroll the screen</a:t>
-            </a:r>
-          </a:p>
-          <a:p>
-            <a:pPr lvl="1"/>
-            <a:r>
-              <a:rPr lang="en-US" dirty="0"/>
-              <a:t>Use “</a:t>
-            </a:r>
-            <a:r>
-              <a:rPr lang="en-US" b="1" dirty="0"/>
-              <a:t>less last</a:t>
-            </a:r>
-            <a:r>
-              <a:rPr lang="en-US" dirty="0"/>
-              <a:t>” to view the last output in less mode</a:t>
-            </a:r>
-          </a:p>
-          <a:p>
-            <a:pPr lvl="1"/>
-            <a:r>
-              <a:rPr lang="en-US" dirty="0"/>
-              <a:t>Use command “</a:t>
-            </a:r>
-            <a:r>
-              <a:rPr lang="en-US" b="1" dirty="0"/>
-              <a:t>out</a:t>
-            </a:r>
-            <a:r>
-              <a:rPr lang="en-US" dirty="0"/>
-              <a:t>”, which will launch the editor to view the historical outputs.</a:t>
-            </a:r>
-          </a:p>
-          <a:p>
-            <a:pPr lvl="2"/>
-            <a:r>
-              <a:rPr lang="en-US" dirty="0"/>
-              <a:t>In case of the default editor is “vi”, you can use “W/B” to scroll the screen</a:t>
-            </a:r>
-          </a:p>
-          <a:p>
-            <a:pPr lvl="2"/>
-            <a:r>
-              <a:rPr lang="en-US" dirty="0"/>
-              <a:t>Use “set editor [&lt;name&gt;]” to define the default editor</a:t>
-            </a:r>
-          </a:p>
-          <a:p>
-            <a:pPr lvl="2"/>
-            <a:r>
-              <a:rPr lang="en-US" dirty="0"/>
-              <a:t>Command “out”</a:t>
-            </a:r>
-          </a:p>
-          <a:p>
-            <a:pPr lvl="3"/>
-            <a:r>
-              <a:rPr lang="en-US" dirty="0">
-                <a:solidFill>
-                  <a:srgbClr val="0070C0"/>
-                </a:solidFill>
-              </a:rPr>
-              <a:t>out</a:t>
-            </a:r>
-            <a:r>
-              <a:rPr lang="en-US" dirty="0"/>
-              <a:t> : save the historical outputs into file “cache/&lt;sub-</a:t>
-            </a:r>
-            <a:r>
-              <a:rPr lang="en-US" dirty="0" err="1"/>
-              <a:t>dir</a:t>
-            </a:r>
-            <a:r>
-              <a:rPr lang="en-US" dirty="0"/>
-              <a:t>&gt;/out.log” and open the file</a:t>
-            </a:r>
-          </a:p>
-          <a:p>
-            <a:pPr lvl="3"/>
-            <a:r>
-              <a:rPr lang="en-US" dirty="0">
-                <a:solidFill>
-                  <a:srgbClr val="0070C0"/>
-                </a:solidFill>
-              </a:rPr>
-              <a:t>out &lt;file-name&gt;</a:t>
-            </a:r>
-            <a:r>
-              <a:rPr lang="en-US" dirty="0"/>
-              <a:t>: save the historical outputs into file “cache/&lt;sub-</a:t>
-            </a:r>
-            <a:r>
-              <a:rPr lang="en-US" dirty="0" err="1"/>
-              <a:t>dir</a:t>
-            </a:r>
-            <a:r>
-              <a:rPr lang="en-US" dirty="0"/>
-              <a:t>&gt;/&lt;file-name&gt;” and open the file</a:t>
-            </a:r>
-          </a:p>
-          <a:p>
-            <a:pPr lvl="3"/>
-            <a:r>
-              <a:rPr lang="en-US" dirty="0">
-                <a:solidFill>
-                  <a:srgbClr val="0070C0"/>
-                </a:solidFill>
-              </a:rPr>
-              <a:t>out clear</a:t>
-            </a:r>
-            <a:r>
-              <a:rPr lang="en-US" dirty="0"/>
-              <a:t>: clear the historical output</a:t>
-            </a:r>
-          </a:p>
-        </p:txBody>
-      </p:sp>
-    </p:spTree>
-    <p:extLst>
-      <p:ext uri="{BB962C8B-B14F-4D97-AF65-F5344CB8AC3E}">
-        <p14:creationId xmlns:p14="http://schemas.microsoft.com/office/powerpoint/2010/main" val="433387195"/>
       </p:ext>
     </p:extLst>
   </p:cSld>

--- a/docs/dbcli.pptx
+++ b/docs/dbcli.pptx
@@ -256,7 +256,7 @@
           <a:p>
             <a:fld id="{8924A7D2-5F3F-4CDE-BB06-760ED7F7BFAC}" type="datetimeFigureOut">
               <a:rPr lang="en-US" smtClean="0"/>
-              <a:t>4/11/2019</a:t>
+              <a:t>4/12/2019</a:t>
             </a:fld>
             <a:endParaRPr lang="en-US"/>
           </a:p>
@@ -6480,7 +6480,7 @@
           <a:p>
             <a:fld id="{830CF026-2A7D-4AC1-A6EC-3EB8F9A9FDD9}" type="datetimeFigureOut">
               <a:rPr lang="en-US" smtClean="0"/>
-              <a:t>4/11/2019</a:t>
+              <a:t>4/12/2019</a:t>
             </a:fld>
             <a:endParaRPr lang="en-US"/>
           </a:p>
@@ -6680,7 +6680,7 @@
           <a:p>
             <a:fld id="{830CF026-2A7D-4AC1-A6EC-3EB8F9A9FDD9}" type="datetimeFigureOut">
               <a:rPr lang="en-US" smtClean="0"/>
-              <a:t>4/11/2019</a:t>
+              <a:t>4/12/2019</a:t>
             </a:fld>
             <a:endParaRPr lang="en-US"/>
           </a:p>
@@ -6890,7 +6890,7 @@
           <a:p>
             <a:fld id="{830CF026-2A7D-4AC1-A6EC-3EB8F9A9FDD9}" type="datetimeFigureOut">
               <a:rPr lang="en-US" smtClean="0"/>
-              <a:t>4/11/2019</a:t>
+              <a:t>4/12/2019</a:t>
             </a:fld>
             <a:endParaRPr lang="en-US"/>
           </a:p>
@@ -7090,7 +7090,7 @@
           <a:p>
             <a:fld id="{830CF026-2A7D-4AC1-A6EC-3EB8F9A9FDD9}" type="datetimeFigureOut">
               <a:rPr lang="en-US" smtClean="0"/>
-              <a:t>4/11/2019</a:t>
+              <a:t>4/12/2019</a:t>
             </a:fld>
             <a:endParaRPr lang="en-US"/>
           </a:p>
@@ -7366,7 +7366,7 @@
           <a:p>
             <a:fld id="{830CF026-2A7D-4AC1-A6EC-3EB8F9A9FDD9}" type="datetimeFigureOut">
               <a:rPr lang="en-US" smtClean="0"/>
-              <a:t>4/11/2019</a:t>
+              <a:t>4/12/2019</a:t>
             </a:fld>
             <a:endParaRPr lang="en-US"/>
           </a:p>
@@ -7634,7 +7634,7 @@
           <a:p>
             <a:fld id="{830CF026-2A7D-4AC1-A6EC-3EB8F9A9FDD9}" type="datetimeFigureOut">
               <a:rPr lang="en-US" smtClean="0"/>
-              <a:t>4/11/2019</a:t>
+              <a:t>4/12/2019</a:t>
             </a:fld>
             <a:endParaRPr lang="en-US"/>
           </a:p>
@@ -8049,7 +8049,7 @@
           <a:p>
             <a:fld id="{830CF026-2A7D-4AC1-A6EC-3EB8F9A9FDD9}" type="datetimeFigureOut">
               <a:rPr lang="en-US" smtClean="0"/>
-              <a:t>4/11/2019</a:t>
+              <a:t>4/12/2019</a:t>
             </a:fld>
             <a:endParaRPr lang="en-US"/>
           </a:p>
@@ -8191,7 +8191,7 @@
           <a:p>
             <a:fld id="{830CF026-2A7D-4AC1-A6EC-3EB8F9A9FDD9}" type="datetimeFigureOut">
               <a:rPr lang="en-US" smtClean="0"/>
-              <a:t>4/11/2019</a:t>
+              <a:t>4/12/2019</a:t>
             </a:fld>
             <a:endParaRPr lang="en-US"/>
           </a:p>
@@ -8304,7 +8304,7 @@
           <a:p>
             <a:fld id="{830CF026-2A7D-4AC1-A6EC-3EB8F9A9FDD9}" type="datetimeFigureOut">
               <a:rPr lang="en-US" smtClean="0"/>
-              <a:t>4/11/2019</a:t>
+              <a:t>4/12/2019</a:t>
             </a:fld>
             <a:endParaRPr lang="en-US"/>
           </a:p>
@@ -8617,7 +8617,7 @@
           <a:p>
             <a:fld id="{830CF026-2A7D-4AC1-A6EC-3EB8F9A9FDD9}" type="datetimeFigureOut">
               <a:rPr lang="en-US" smtClean="0"/>
-              <a:t>4/11/2019</a:t>
+              <a:t>4/12/2019</a:t>
             </a:fld>
             <a:endParaRPr lang="en-US"/>
           </a:p>
@@ -8906,7 +8906,7 @@
           <a:p>
             <a:fld id="{830CF026-2A7D-4AC1-A6EC-3EB8F9A9FDD9}" type="datetimeFigureOut">
               <a:rPr lang="en-US" smtClean="0"/>
-              <a:t>4/11/2019</a:t>
+              <a:t>4/12/2019</a:t>
             </a:fld>
             <a:endParaRPr lang="en-US"/>
           </a:p>
@@ -9149,7 +9149,7 @@
           <a:p>
             <a:fld id="{830CF026-2A7D-4AC1-A6EC-3EB8F9A9FDD9}" type="datetimeFigureOut">
               <a:rPr lang="en-US" smtClean="0"/>
-              <a:t>4/11/2019</a:t>
+              <a:t>4/12/2019</a:t>
             </a:fld>
             <a:endParaRPr lang="en-US"/>
           </a:p>
@@ -10338,8 +10338,8 @@
         </p:nvSpPr>
         <p:spPr>
           <a:xfrm>
-            <a:off x="838200" y="588411"/>
-            <a:ext cx="10515600" cy="1538101"/>
+            <a:off x="461818" y="588411"/>
+            <a:ext cx="11120582" cy="1538101"/>
           </a:xfrm>
         </p:spPr>
         <p:txBody>
@@ -10362,7 +10362,23 @@
                 <a:ea typeface="Tahoma" panose="020B0604030504040204" pitchFamily="34" charset="0"/>
                 <a:cs typeface="Tahoma" panose="020B0604030504040204" pitchFamily="34" charset="0"/>
               </a:rPr>
-              <a:t>:  auto rewrite all queries that refer to the Oracle views that contains field inst_id/</a:t>
+              <a:t>:  auto rewrite all SQL Texts that refer to the Oracle </a:t>
+            </a:r>
+            <a:r>
+              <a:rPr lang="en-US" sz="2000">
+                <a:latin typeface="Tahoma" panose="020B0604030504040204" pitchFamily="34" charset="0"/>
+                <a:ea typeface="Tahoma" panose="020B0604030504040204" pitchFamily="34" charset="0"/>
+                <a:cs typeface="Tahoma" panose="020B0604030504040204" pitchFamily="34" charset="0"/>
+              </a:rPr>
+              <a:t>views which contain </a:t>
+            </a:r>
+            <a:r>
+              <a:rPr lang="en-US" sz="2000" dirty="0">
+                <a:latin typeface="Tahoma" panose="020B0604030504040204" pitchFamily="34" charset="0"/>
+                <a:ea typeface="Tahoma" panose="020B0604030504040204" pitchFamily="34" charset="0"/>
+                <a:cs typeface="Tahoma" panose="020B0604030504040204" pitchFamily="34" charset="0"/>
+              </a:rPr>
+              <a:t>field inst_id/</a:t>
             </a:r>
             <a:r>
               <a:rPr lang="en-US" sz="2000" dirty="0" err="1">
@@ -10385,7 +10401,7 @@
                 <a:ea typeface="Tahoma" panose="020B0604030504040204" pitchFamily="34" charset="0"/>
                 <a:cs typeface="Tahoma" panose="020B0604030504040204" pitchFamily="34" charset="0"/>
               </a:rPr>
-              <a:t>Set dbid &lt;dbid&gt;/schema &lt;schema_name&gt;</a:t>
+              <a:t>Set dbid &lt;dbid&gt;/schema &lt;schema&gt;</a:t>
             </a:r>
             <a:r>
               <a:rPr lang="en-US" sz="2000" dirty="0">
@@ -10417,7 +10433,39 @@
                 <a:ea typeface="Tahoma" panose="020B0604030504040204" pitchFamily="34" charset="0"/>
                 <a:cs typeface="Tahoma" panose="020B0604030504040204" pitchFamily="34" charset="0"/>
               </a:rPr>
-              <a:t>&gt;: </a:t>
+              <a:t>&gt;/</a:t>
+            </a:r>
+            <a:r>
+              <a:rPr lang="en-US" sz="2000" b="1" dirty="0" err="1">
+                <a:latin typeface="Tahoma" panose="020B0604030504040204" pitchFamily="34" charset="0"/>
+                <a:ea typeface="Tahoma" panose="020B0604030504040204" pitchFamily="34" charset="0"/>
+                <a:cs typeface="Tahoma" panose="020B0604030504040204" pitchFamily="34" charset="0"/>
+              </a:rPr>
+              <a:t>cdbmode</a:t>
+            </a:r>
+            <a:r>
+              <a:rPr lang="en-US" sz="2000" b="1" dirty="0">
+                <a:latin typeface="Tahoma" panose="020B0604030504040204" pitchFamily="34" charset="0"/>
+                <a:ea typeface="Tahoma" panose="020B0604030504040204" pitchFamily="34" charset="0"/>
+                <a:cs typeface="Tahoma" panose="020B0604030504040204" pitchFamily="34" charset="0"/>
+              </a:rPr>
+              <a:t> </a:t>
+            </a:r>
+            <a:r>
+              <a:rPr lang="en-US" sz="2000" b="1" dirty="0" err="1">
+                <a:latin typeface="Tahoma" panose="020B0604030504040204" pitchFamily="34" charset="0"/>
+                <a:ea typeface="Tahoma" panose="020B0604030504040204" pitchFamily="34" charset="0"/>
+                <a:cs typeface="Tahoma" panose="020B0604030504040204" pitchFamily="34" charset="0"/>
+              </a:rPr>
+              <a:t>cdb|pdb</a:t>
+            </a:r>
+            <a:r>
+              <a:rPr lang="en-US" sz="2000" b="1" dirty="0">
+                <a:latin typeface="Tahoma" panose="020B0604030504040204" pitchFamily="34" charset="0"/>
+                <a:ea typeface="Tahoma" panose="020B0604030504040204" pitchFamily="34" charset="0"/>
+                <a:cs typeface="Tahoma" panose="020B0604030504040204" pitchFamily="34" charset="0"/>
+              </a:rPr>
+              <a:t>: </a:t>
             </a:r>
             <a:r>
               <a:rPr lang="en-US" sz="2000" dirty="0">
@@ -10445,13 +10493,13 @@
           <p:nvPr>
             <p:extLst>
               <p:ext uri="{D42A27DB-BD31-4B8C-83A1-F6EECF244321}">
-                <p14:modId xmlns:p14="http://schemas.microsoft.com/office/powerpoint/2010/main" val="288814129"/>
+                <p14:modId xmlns:p14="http://schemas.microsoft.com/office/powerpoint/2010/main" val="674635158"/>
               </p:ext>
             </p:extLst>
           </p:nvPr>
         </p:nvGraphicFramePr>
         <p:xfrm>
-          <a:off x="2257055" y="1627415"/>
+          <a:off x="1813709" y="1830615"/>
           <a:ext cx="8128000" cy="5120640"/>
         </p:xfrm>
         <a:graphic>
@@ -25491,7 +25539,7 @@
           <a:graphicData uri="http://schemas.openxmlformats.org/presentationml/2006/ole">
             <mc:AlternateContent xmlns:mc="http://schemas.openxmlformats.org/markup-compatibility/2006">
               <mc:Choice xmlns:v="urn:schemas-microsoft-com:vml" Requires="v">
-                <p:oleObj spid="_x0000_s1131" name="BMP 图像" r:id="rId4" imgW="5000760" imgH="2257560" progId="Paint.Picture">
+                <p:oleObj spid="_x0000_s1136" name="BMP 图像" r:id="rId4" imgW="5000760" imgH="2257560" progId="Paint.Picture">
                   <p:embed/>
                 </p:oleObj>
               </mc:Choice>

--- a/docs/dbcli.pptx
+++ b/docs/dbcli.pptx
@@ -5,7 +5,7 @@
     <p:sldMasterId id="2147483648" r:id="rId1"/>
   </p:sldMasterIdLst>
   <p:notesMasterIdLst>
-    <p:notesMasterId r:id="rId61"/>
+    <p:notesMasterId r:id="rId62"/>
   </p:notesMasterIdLst>
   <p:sldIdLst>
     <p:sldId id="256" r:id="rId2"/>
@@ -47,26 +47,27 @@
     <p:sldId id="286" r:id="rId38"/>
     <p:sldId id="290" r:id="rId39"/>
     <p:sldId id="291" r:id="rId40"/>
-    <p:sldId id="287" r:id="rId41"/>
-    <p:sldId id="289" r:id="rId42"/>
-    <p:sldId id="293" r:id="rId43"/>
-    <p:sldId id="294" r:id="rId44"/>
-    <p:sldId id="295" r:id="rId45"/>
-    <p:sldId id="296" r:id="rId46"/>
-    <p:sldId id="297" r:id="rId47"/>
-    <p:sldId id="298" r:id="rId48"/>
-    <p:sldId id="299" r:id="rId49"/>
-    <p:sldId id="300" r:id="rId50"/>
-    <p:sldId id="301" r:id="rId51"/>
-    <p:sldId id="302" r:id="rId52"/>
-    <p:sldId id="303" r:id="rId53"/>
-    <p:sldId id="304" r:id="rId54"/>
-    <p:sldId id="305" r:id="rId55"/>
-    <p:sldId id="306" r:id="rId56"/>
-    <p:sldId id="307" r:id="rId57"/>
-    <p:sldId id="310" r:id="rId58"/>
-    <p:sldId id="311" r:id="rId59"/>
-    <p:sldId id="312" r:id="rId60"/>
+    <p:sldId id="315" r:id="rId41"/>
+    <p:sldId id="287" r:id="rId42"/>
+    <p:sldId id="289" r:id="rId43"/>
+    <p:sldId id="293" r:id="rId44"/>
+    <p:sldId id="294" r:id="rId45"/>
+    <p:sldId id="295" r:id="rId46"/>
+    <p:sldId id="296" r:id="rId47"/>
+    <p:sldId id="297" r:id="rId48"/>
+    <p:sldId id="298" r:id="rId49"/>
+    <p:sldId id="299" r:id="rId50"/>
+    <p:sldId id="300" r:id="rId51"/>
+    <p:sldId id="301" r:id="rId52"/>
+    <p:sldId id="302" r:id="rId53"/>
+    <p:sldId id="303" r:id="rId54"/>
+    <p:sldId id="304" r:id="rId55"/>
+    <p:sldId id="305" r:id="rId56"/>
+    <p:sldId id="306" r:id="rId57"/>
+    <p:sldId id="307" r:id="rId58"/>
+    <p:sldId id="310" r:id="rId59"/>
+    <p:sldId id="311" r:id="rId60"/>
+    <p:sldId id="312" r:id="rId61"/>
   </p:sldIdLst>
   <p:sldSz cx="12192000" cy="6858000"/>
   <p:notesSz cx="6858000" cy="9144000"/>
@@ -255,7 +256,7 @@
           <a:p>
             <a:fld id="{8924A7D2-5F3F-4CDE-BB06-760ED7F7BFAC}" type="datetimeFigureOut">
               <a:rPr lang="en-US" smtClean="0"/>
-              <a:t>4/6/2019</a:t>
+              <a:t>4/12/2019</a:t>
             </a:fld>
             <a:endParaRPr lang="en-US"/>
           </a:p>
@@ -2448,7 +2449,7 @@
           <a:p>
             <a:fld id="{B4F2F79A-9ECA-4236-9A6E-01D624A4A39C}" type="slidenum">
               <a:rPr lang="en-US" smtClean="0"/>
-              <a:t>43</a:t>
+              <a:t>44</a:t>
             </a:fld>
             <a:endParaRPr lang="en-US"/>
           </a:p>
@@ -2627,7 +2628,7 @@
           <a:p>
             <a:fld id="{B4F2F79A-9ECA-4236-9A6E-01D624A4A39C}" type="slidenum">
               <a:rPr lang="en-US" smtClean="0"/>
-              <a:t>44</a:t>
+              <a:t>45</a:t>
             </a:fld>
             <a:endParaRPr lang="en-US"/>
           </a:p>
@@ -2862,7 +2863,7 @@
           <a:p>
             <a:fld id="{B4F2F79A-9ECA-4236-9A6E-01D624A4A39C}" type="slidenum">
               <a:rPr lang="en-US" smtClean="0"/>
-              <a:t>45</a:t>
+              <a:t>46</a:t>
             </a:fld>
             <a:endParaRPr lang="en-US"/>
           </a:p>
@@ -3005,7 +3006,7 @@
           <a:p>
             <a:fld id="{B4F2F79A-9ECA-4236-9A6E-01D624A4A39C}" type="slidenum">
               <a:rPr lang="en-US" smtClean="0"/>
-              <a:t>46</a:t>
+              <a:t>47</a:t>
             </a:fld>
             <a:endParaRPr lang="en-US"/>
           </a:p>
@@ -3218,7 +3219,7 @@
           <a:p>
             <a:fld id="{B4F2F79A-9ECA-4236-9A6E-01D624A4A39C}" type="slidenum">
               <a:rPr lang="en-US" smtClean="0"/>
-              <a:t>47</a:t>
+              <a:t>48</a:t>
             </a:fld>
             <a:endParaRPr lang="en-US"/>
           </a:p>
@@ -3313,7 +3314,7 @@
           <a:p>
             <a:fld id="{B4F2F79A-9ECA-4236-9A6E-01D624A4A39C}" type="slidenum">
               <a:rPr lang="en-US" smtClean="0"/>
-              <a:t>49</a:t>
+              <a:t>50</a:t>
             </a:fld>
             <a:endParaRPr lang="en-US"/>
           </a:p>
@@ -3437,7 +3438,7 @@
           <a:p>
             <a:fld id="{B4F2F79A-9ECA-4236-9A6E-01D624A4A39C}" type="slidenum">
               <a:rPr lang="en-US" smtClean="0"/>
-              <a:t>50</a:t>
+              <a:t>51</a:t>
             </a:fld>
             <a:endParaRPr lang="en-US"/>
           </a:p>
@@ -3554,7 +3555,7 @@
           <a:p>
             <a:fld id="{B4F2F79A-9ECA-4236-9A6E-01D624A4A39C}" type="slidenum">
               <a:rPr lang="en-US" smtClean="0"/>
-              <a:t>51</a:t>
+              <a:t>52</a:t>
             </a:fld>
             <a:endParaRPr lang="en-US"/>
           </a:p>
@@ -3653,7 +3654,7 @@
           <a:p>
             <a:fld id="{B4F2F79A-9ECA-4236-9A6E-01D624A4A39C}" type="slidenum">
               <a:rPr lang="en-US" smtClean="0"/>
-              <a:t>52</a:t>
+              <a:t>53</a:t>
             </a:fld>
             <a:endParaRPr lang="en-US"/>
           </a:p>
@@ -3935,7 +3936,7 @@
           <a:p>
             <a:fld id="{B4F2F79A-9ECA-4236-9A6E-01D624A4A39C}" type="slidenum">
               <a:rPr lang="en-US" smtClean="0"/>
-              <a:t>53</a:t>
+              <a:t>54</a:t>
             </a:fld>
             <a:endParaRPr lang="en-US"/>
           </a:p>
@@ -4299,7 +4300,7 @@
           <a:p>
             <a:fld id="{B4F2F79A-9ECA-4236-9A6E-01D624A4A39C}" type="slidenum">
               <a:rPr lang="en-US" smtClean="0"/>
-              <a:t>55</a:t>
+              <a:t>56</a:t>
             </a:fld>
             <a:endParaRPr lang="en-US"/>
           </a:p>
@@ -4581,7 +4582,7 @@
           <a:p>
             <a:fld id="{B4F2F79A-9ECA-4236-9A6E-01D624A4A39C}" type="slidenum">
               <a:rPr lang="en-US" smtClean="0"/>
-              <a:t>56</a:t>
+              <a:t>57</a:t>
             </a:fld>
             <a:endParaRPr lang="en-US"/>
           </a:p>
@@ -5085,7 +5086,7 @@
           <a:p>
             <a:fld id="{B4F2F79A-9ECA-4236-9A6E-01D624A4A39C}" type="slidenum">
               <a:rPr lang="en-US" smtClean="0"/>
-              <a:t>57</a:t>
+              <a:t>58</a:t>
             </a:fld>
             <a:endParaRPr lang="en-US"/>
           </a:p>
@@ -5299,7 +5300,7 @@
           <a:p>
             <a:fld id="{B4F2F79A-9ECA-4236-9A6E-01D624A4A39C}" type="slidenum">
               <a:rPr lang="en-US" smtClean="0"/>
-              <a:t>58</a:t>
+              <a:t>59</a:t>
             </a:fld>
             <a:endParaRPr lang="en-US"/>
           </a:p>
@@ -6479,7 +6480,7 @@
           <a:p>
             <a:fld id="{830CF026-2A7D-4AC1-A6EC-3EB8F9A9FDD9}" type="datetimeFigureOut">
               <a:rPr lang="en-US" smtClean="0"/>
-              <a:t>4/6/2019</a:t>
+              <a:t>4/12/2019</a:t>
             </a:fld>
             <a:endParaRPr lang="en-US"/>
           </a:p>
@@ -6679,7 +6680,7 @@
           <a:p>
             <a:fld id="{830CF026-2A7D-4AC1-A6EC-3EB8F9A9FDD9}" type="datetimeFigureOut">
               <a:rPr lang="en-US" smtClean="0"/>
-              <a:t>4/6/2019</a:t>
+              <a:t>4/12/2019</a:t>
             </a:fld>
             <a:endParaRPr lang="en-US"/>
           </a:p>
@@ -6889,7 +6890,7 @@
           <a:p>
             <a:fld id="{830CF026-2A7D-4AC1-A6EC-3EB8F9A9FDD9}" type="datetimeFigureOut">
               <a:rPr lang="en-US" smtClean="0"/>
-              <a:t>4/6/2019</a:t>
+              <a:t>4/12/2019</a:t>
             </a:fld>
             <a:endParaRPr lang="en-US"/>
           </a:p>
@@ -7089,7 +7090,7 @@
           <a:p>
             <a:fld id="{830CF026-2A7D-4AC1-A6EC-3EB8F9A9FDD9}" type="datetimeFigureOut">
               <a:rPr lang="en-US" smtClean="0"/>
-              <a:t>4/6/2019</a:t>
+              <a:t>4/12/2019</a:t>
             </a:fld>
             <a:endParaRPr lang="en-US"/>
           </a:p>
@@ -7365,7 +7366,7 @@
           <a:p>
             <a:fld id="{830CF026-2A7D-4AC1-A6EC-3EB8F9A9FDD9}" type="datetimeFigureOut">
               <a:rPr lang="en-US" smtClean="0"/>
-              <a:t>4/6/2019</a:t>
+              <a:t>4/12/2019</a:t>
             </a:fld>
             <a:endParaRPr lang="en-US"/>
           </a:p>
@@ -7633,7 +7634,7 @@
           <a:p>
             <a:fld id="{830CF026-2A7D-4AC1-A6EC-3EB8F9A9FDD9}" type="datetimeFigureOut">
               <a:rPr lang="en-US" smtClean="0"/>
-              <a:t>4/6/2019</a:t>
+              <a:t>4/12/2019</a:t>
             </a:fld>
             <a:endParaRPr lang="en-US"/>
           </a:p>
@@ -8048,7 +8049,7 @@
           <a:p>
             <a:fld id="{830CF026-2A7D-4AC1-A6EC-3EB8F9A9FDD9}" type="datetimeFigureOut">
               <a:rPr lang="en-US" smtClean="0"/>
-              <a:t>4/6/2019</a:t>
+              <a:t>4/12/2019</a:t>
             </a:fld>
             <a:endParaRPr lang="en-US"/>
           </a:p>
@@ -8190,7 +8191,7 @@
           <a:p>
             <a:fld id="{830CF026-2A7D-4AC1-A6EC-3EB8F9A9FDD9}" type="datetimeFigureOut">
               <a:rPr lang="en-US" smtClean="0"/>
-              <a:t>4/6/2019</a:t>
+              <a:t>4/12/2019</a:t>
             </a:fld>
             <a:endParaRPr lang="en-US"/>
           </a:p>
@@ -8303,7 +8304,7 @@
           <a:p>
             <a:fld id="{830CF026-2A7D-4AC1-A6EC-3EB8F9A9FDD9}" type="datetimeFigureOut">
               <a:rPr lang="en-US" smtClean="0"/>
-              <a:t>4/6/2019</a:t>
+              <a:t>4/12/2019</a:t>
             </a:fld>
             <a:endParaRPr lang="en-US"/>
           </a:p>
@@ -8616,7 +8617,7 @@
           <a:p>
             <a:fld id="{830CF026-2A7D-4AC1-A6EC-3EB8F9A9FDD9}" type="datetimeFigureOut">
               <a:rPr lang="en-US" smtClean="0"/>
-              <a:t>4/6/2019</a:t>
+              <a:t>4/12/2019</a:t>
             </a:fld>
             <a:endParaRPr lang="en-US"/>
           </a:p>
@@ -8905,7 +8906,7 @@
           <a:p>
             <a:fld id="{830CF026-2A7D-4AC1-A6EC-3EB8F9A9FDD9}" type="datetimeFigureOut">
               <a:rPr lang="en-US" smtClean="0"/>
-              <a:t>4/6/2019</a:t>
+              <a:t>4/12/2019</a:t>
             </a:fld>
             <a:endParaRPr lang="en-US"/>
           </a:p>
@@ -9148,7 +9149,7 @@
           <a:p>
             <a:fld id="{830CF026-2A7D-4AC1-A6EC-3EB8F9A9FDD9}" type="datetimeFigureOut">
               <a:rPr lang="en-US" smtClean="0"/>
-              <a:t>4/6/2019</a:t>
+              <a:t>4/12/2019</a:t>
             </a:fld>
             <a:endParaRPr lang="en-US"/>
           </a:p>
@@ -10337,8 +10338,8 @@
         </p:nvSpPr>
         <p:spPr>
           <a:xfrm>
-            <a:off x="838200" y="588411"/>
-            <a:ext cx="10515600" cy="1538101"/>
+            <a:off x="461818" y="588411"/>
+            <a:ext cx="11120582" cy="1538101"/>
           </a:xfrm>
         </p:spPr>
         <p:txBody>
@@ -10361,7 +10362,23 @@
                 <a:ea typeface="Tahoma" panose="020B0604030504040204" pitchFamily="34" charset="0"/>
                 <a:cs typeface="Tahoma" panose="020B0604030504040204" pitchFamily="34" charset="0"/>
               </a:rPr>
-              <a:t>:  auto rewrite all queries that refer to the Oracle views that contains field inst_id/</a:t>
+              <a:t>:  auto rewrite all SQL Texts that refer to the Oracle </a:t>
+            </a:r>
+            <a:r>
+              <a:rPr lang="en-US" sz="2000">
+                <a:latin typeface="Tahoma" panose="020B0604030504040204" pitchFamily="34" charset="0"/>
+                <a:ea typeface="Tahoma" panose="020B0604030504040204" pitchFamily="34" charset="0"/>
+                <a:cs typeface="Tahoma" panose="020B0604030504040204" pitchFamily="34" charset="0"/>
+              </a:rPr>
+              <a:t>views which contain </a:t>
+            </a:r>
+            <a:r>
+              <a:rPr lang="en-US" sz="2000" dirty="0">
+                <a:latin typeface="Tahoma" panose="020B0604030504040204" pitchFamily="34" charset="0"/>
+                <a:ea typeface="Tahoma" panose="020B0604030504040204" pitchFamily="34" charset="0"/>
+                <a:cs typeface="Tahoma" panose="020B0604030504040204" pitchFamily="34" charset="0"/>
+              </a:rPr>
+              <a:t>field inst_id/</a:t>
             </a:r>
             <a:r>
               <a:rPr lang="en-US" sz="2000" dirty="0" err="1">
@@ -10384,7 +10401,7 @@
                 <a:ea typeface="Tahoma" panose="020B0604030504040204" pitchFamily="34" charset="0"/>
                 <a:cs typeface="Tahoma" panose="020B0604030504040204" pitchFamily="34" charset="0"/>
               </a:rPr>
-              <a:t>Set dbid &lt;dbid&gt;/schema &lt;schema_name&gt;</a:t>
+              <a:t>Set dbid &lt;dbid&gt;/schema &lt;schema&gt;</a:t>
             </a:r>
             <a:r>
               <a:rPr lang="en-US" sz="2000" dirty="0">
@@ -10416,7 +10433,39 @@
                 <a:ea typeface="Tahoma" panose="020B0604030504040204" pitchFamily="34" charset="0"/>
                 <a:cs typeface="Tahoma" panose="020B0604030504040204" pitchFamily="34" charset="0"/>
               </a:rPr>
-              <a:t>&gt;: </a:t>
+              <a:t>&gt;/</a:t>
+            </a:r>
+            <a:r>
+              <a:rPr lang="en-US" sz="2000" b="1" dirty="0" err="1">
+                <a:latin typeface="Tahoma" panose="020B0604030504040204" pitchFamily="34" charset="0"/>
+                <a:ea typeface="Tahoma" panose="020B0604030504040204" pitchFamily="34" charset="0"/>
+                <a:cs typeface="Tahoma" panose="020B0604030504040204" pitchFamily="34" charset="0"/>
+              </a:rPr>
+              <a:t>cdbmode</a:t>
+            </a:r>
+            <a:r>
+              <a:rPr lang="en-US" sz="2000" b="1" dirty="0">
+                <a:latin typeface="Tahoma" panose="020B0604030504040204" pitchFamily="34" charset="0"/>
+                <a:ea typeface="Tahoma" panose="020B0604030504040204" pitchFamily="34" charset="0"/>
+                <a:cs typeface="Tahoma" panose="020B0604030504040204" pitchFamily="34" charset="0"/>
+              </a:rPr>
+              <a:t> </a:t>
+            </a:r>
+            <a:r>
+              <a:rPr lang="en-US" sz="2000" b="1" dirty="0" err="1">
+                <a:latin typeface="Tahoma" panose="020B0604030504040204" pitchFamily="34" charset="0"/>
+                <a:ea typeface="Tahoma" panose="020B0604030504040204" pitchFamily="34" charset="0"/>
+                <a:cs typeface="Tahoma" panose="020B0604030504040204" pitchFamily="34" charset="0"/>
+              </a:rPr>
+              <a:t>cdb|pdb</a:t>
+            </a:r>
+            <a:r>
+              <a:rPr lang="en-US" sz="2000" b="1" dirty="0">
+                <a:latin typeface="Tahoma" panose="020B0604030504040204" pitchFamily="34" charset="0"/>
+                <a:ea typeface="Tahoma" panose="020B0604030504040204" pitchFamily="34" charset="0"/>
+                <a:cs typeface="Tahoma" panose="020B0604030504040204" pitchFamily="34" charset="0"/>
+              </a:rPr>
+              <a:t>: </a:t>
             </a:r>
             <a:r>
               <a:rPr lang="en-US" sz="2000" dirty="0">
@@ -10444,13 +10493,13 @@
           <p:nvPr>
             <p:extLst>
               <p:ext uri="{D42A27DB-BD31-4B8C-83A1-F6EECF244321}">
-                <p14:modId xmlns:p14="http://schemas.microsoft.com/office/powerpoint/2010/main" val="288814129"/>
+                <p14:modId xmlns:p14="http://schemas.microsoft.com/office/powerpoint/2010/main" val="674635158"/>
               </p:ext>
             </p:extLst>
           </p:nvPr>
         </p:nvGraphicFramePr>
         <p:xfrm>
-          <a:off x="2257055" y="1627415"/>
+          <a:off x="1813709" y="1830615"/>
           <a:ext cx="8128000" cy="5120640"/>
         </p:xfrm>
         <a:graphic>
@@ -11675,13 +11724,13 @@
         </p:nvSpPr>
         <p:spPr>
           <a:xfrm>
-            <a:off x="393539" y="1006998"/>
-            <a:ext cx="10960261" cy="2048357"/>
+            <a:off x="393539" y="1006997"/>
+            <a:ext cx="10960261" cy="2715257"/>
           </a:xfrm>
         </p:spPr>
         <p:txBody>
           <a:bodyPr>
-            <a:normAutofit fontScale="70000" lnSpcReduction="20000"/>
+            <a:normAutofit fontScale="62500" lnSpcReduction="20000"/>
           </a:bodyPr>
           <a:lstStyle/>
           <a:p>
@@ -11733,6 +11782,69 @@
               <a:rPr lang="en-US" dirty="0"/>
               <a:t>.  The keyword completer’s candidates are Oracle maintained objects such as views, packages, etc.</a:t>
             </a:r>
+          </a:p>
+          <a:p>
+            <a:r>
+              <a:rPr lang="en-US" altLang="zh-CN" dirty="0"/>
+              <a:t>The public offline dictionary is located at oracle/</a:t>
+            </a:r>
+            <a:r>
+              <a:rPr lang="en-US" altLang="zh-CN" dirty="0" err="1"/>
+              <a:t>dict.pack</a:t>
+            </a:r>
+            <a:endParaRPr lang="en-US" altLang="zh-CN" dirty="0"/>
+          </a:p>
+          <a:p>
+            <a:r>
+              <a:rPr lang="en-US" altLang="zh-CN" dirty="0"/>
+              <a:t>Use “</a:t>
+            </a:r>
+            <a:r>
+              <a:rPr lang="en-US" altLang="zh-CN" dirty="0" err="1"/>
+              <a:t>dict</a:t>
+            </a:r>
+            <a:r>
+              <a:rPr lang="en-US" altLang="zh-CN" dirty="0"/>
+              <a:t> </a:t>
+            </a:r>
+            <a:r>
+              <a:rPr lang="en-US" altLang="zh-CN" dirty="0" err="1"/>
+              <a:t>init</a:t>
+            </a:r>
+            <a:r>
+              <a:rPr lang="en-US" altLang="zh-CN" dirty="0"/>
+              <a:t>” to customize the offline dictionary that only used in current connected database</a:t>
+            </a:r>
+          </a:p>
+          <a:p>
+            <a:pPr lvl="1"/>
+            <a:r>
+              <a:rPr lang="en-US" altLang="zh-CN" dirty="0"/>
+              <a:t>Better to executed with SYSDBA/DBA account so that more information can be collected</a:t>
+            </a:r>
+          </a:p>
+          <a:p>
+            <a:pPr lvl="1"/>
+            <a:r>
+              <a:rPr lang="en-US" altLang="zh-CN" dirty="0"/>
+              <a:t>This kind of dictionary is stored under the “cache” directory, will be automatically loaded when same </a:t>
+            </a:r>
+            <a:r>
+              <a:rPr lang="en-US" altLang="zh-CN" dirty="0" err="1"/>
+              <a:t>db</a:t>
+            </a:r>
+            <a:r>
+              <a:rPr lang="en-US" altLang="zh-CN" dirty="0"/>
+              <a:t> </a:t>
+            </a:r>
+            <a:r>
+              <a:rPr lang="en-US" altLang="zh-CN"/>
+              <a:t>is connected</a:t>
+            </a:r>
+            <a:endParaRPr lang="en-US" altLang="zh-CN" dirty="0"/>
+          </a:p>
+          <a:p>
+            <a:endParaRPr lang="en-US" altLang="zh-CN" dirty="0"/>
           </a:p>
         </p:txBody>
       </p:sp>
@@ -17424,7 +17536,7 @@
           <p:cNvPr id="2" name="标题 1">
             <a:extLst>
               <a:ext uri="{FF2B5EF4-FFF2-40B4-BE49-F238E27FC236}">
-                <a16:creationId xmlns:a16="http://schemas.microsoft.com/office/drawing/2014/main" id="{103ADC8E-7DB0-4A5F-B20A-213DEBB09B8B}"/>
+                <a16:creationId xmlns:a16="http://schemas.microsoft.com/office/drawing/2014/main" id="{7C2231D9-A555-4DBB-8A37-5A9F72BB76DC}"/>
               </a:ext>
             </a:extLst>
           </p:cNvPr>
@@ -17437,8 +17549,8 @@
         </p:nvSpPr>
         <p:spPr>
           <a:xfrm>
-            <a:off x="838200" y="107217"/>
-            <a:ext cx="10515600" cy="760291"/>
+            <a:off x="838200" y="365126"/>
+            <a:ext cx="10515600" cy="881784"/>
           </a:xfrm>
         </p:spPr>
         <p:txBody>
@@ -17446,9 +17558,10 @@
           <a:lstStyle/>
           <a:p>
             <a:r>
-              <a:rPr lang="en-US" dirty="0"/>
-              <a:t>Scripting Engines</a:t>
-            </a:r>
+              <a:rPr lang="en-US" altLang="zh-CN" dirty="0"/>
+              <a:t>Configuration files</a:t>
+            </a:r>
+            <a:endParaRPr lang="zh-CN" altLang="en-US" dirty="0"/>
           </a:p>
         </p:txBody>
       </p:sp>
@@ -17457,7 +17570,7 @@
           <p:cNvPr id="3" name="内容占位符 2">
             <a:extLst>
               <a:ext uri="{FF2B5EF4-FFF2-40B4-BE49-F238E27FC236}">
-                <a16:creationId xmlns:a16="http://schemas.microsoft.com/office/drawing/2014/main" id="{12A8C3A4-5FC5-430E-84E9-939E6E40B8FF}"/>
+                <a16:creationId xmlns:a16="http://schemas.microsoft.com/office/drawing/2014/main" id="{2E66D47B-AACA-4037-9428-981792A0BE89}"/>
               </a:ext>
             </a:extLst>
           </p:cNvPr>
@@ -17470,461 +17583,118 @@
         </p:nvSpPr>
         <p:spPr>
           <a:xfrm>
-            <a:off x="838200" y="976923"/>
-            <a:ext cx="10515600" cy="5541107"/>
+            <a:off x="838200" y="1246910"/>
+            <a:ext cx="10515600" cy="4930053"/>
           </a:xfrm>
         </p:spPr>
         <p:txBody>
-          <a:bodyPr>
-            <a:normAutofit fontScale="47500" lnSpcReduction="20000"/>
-          </a:bodyPr>
+          <a:bodyPr/>
           <a:lstStyle/>
           <a:p>
             <a:r>
-              <a:rPr lang="en-US" dirty="0"/>
-              <a:t>Input parameter names are from </a:t>
-            </a:r>
-            <a:r>
-              <a:rPr lang="en-US" b="1" dirty="0">
-                <a:solidFill>
-                  <a:schemeClr val="accent1">
-                    <a:lumMod val="75000"/>
-                  </a:schemeClr>
-                </a:solidFill>
-              </a:rPr>
-              <a:t>:V1</a:t>
-            </a:r>
-            <a:r>
-              <a:rPr lang="en-US" dirty="0"/>
-              <a:t>(or </a:t>
-            </a:r>
-            <a:r>
-              <a:rPr lang="en-US" altLang="zh-CN" dirty="0">
-                <a:solidFill>
-                  <a:schemeClr val="accent1">
-                    <a:lumMod val="75000"/>
-                  </a:schemeClr>
-                </a:solidFill>
-              </a:rPr>
-              <a:t>&amp;V1</a:t>
-            </a:r>
-            <a:r>
-              <a:rPr lang="en-US" dirty="0"/>
-              <a:t>) to </a:t>
-            </a:r>
-            <a:r>
-              <a:rPr lang="en-US" dirty="0">
-                <a:solidFill>
-                  <a:schemeClr val="accent1">
-                    <a:lumMod val="75000"/>
-                  </a:schemeClr>
-                </a:solidFill>
-              </a:rPr>
-              <a:t>:V20</a:t>
-            </a:r>
-            <a:r>
-              <a:rPr lang="en-US" dirty="0"/>
-              <a:t>(or </a:t>
-            </a:r>
-            <a:r>
-              <a:rPr lang="en-US" b="1" dirty="0">
-                <a:solidFill>
-                  <a:schemeClr val="accent1">
-                    <a:lumMod val="75000"/>
-                  </a:schemeClr>
-                </a:solidFill>
-              </a:rPr>
-              <a:t>&amp;V20</a:t>
-            </a:r>
-            <a:r>
-              <a:rPr lang="en-US" dirty="0"/>
-              <a:t>) and case-insensitive, however SQL*Plus is &amp;1…</a:t>
-            </a:r>
-          </a:p>
-          <a:p>
-            <a:r>
-              <a:rPr lang="en-US" dirty="0"/>
-              <a:t>V1 to V20 are all default to null(empty string) and don’t ask mandatory input, however SQL*Plus will ask for input if not specified in the command line.</a:t>
-            </a:r>
-          </a:p>
-          <a:p>
-            <a:r>
-              <a:rPr lang="en-US" dirty="0"/>
-              <a:t>A variable value can be used as either substitution(</a:t>
-            </a:r>
-            <a:r>
-              <a:rPr lang="en-US" b="1" dirty="0">
-                <a:solidFill>
-                  <a:schemeClr val="accent1">
-                    <a:lumMod val="75000"/>
-                  </a:schemeClr>
-                </a:solidFill>
-              </a:rPr>
-              <a:t>&amp;var</a:t>
-            </a:r>
-            <a:r>
-              <a:rPr lang="en-US" dirty="0"/>
-              <a:t>) and  binding(</a:t>
-            </a:r>
-            <a:r>
-              <a:rPr lang="en-US" b="1" dirty="0">
-                <a:solidFill>
-                  <a:schemeClr val="accent1">
-                    <a:lumMod val="75000"/>
-                  </a:schemeClr>
-                </a:solidFill>
-              </a:rPr>
-              <a:t>:var</a:t>
-            </a:r>
-            <a:r>
-              <a:rPr lang="en-US" dirty="0"/>
-              <a:t>)</a:t>
-            </a:r>
-          </a:p>
-          <a:p>
-            <a:r>
-              <a:rPr lang="en-US" dirty="0"/>
-              <a:t>Either input parameter or variable can pre-define default value and options(</a:t>
-            </a:r>
-            <a:r>
-              <a:rPr lang="en-US" b="1" dirty="0">
-                <a:solidFill>
-                  <a:schemeClr val="accent1">
-                    <a:lumMod val="75000"/>
-                  </a:schemeClr>
-                </a:solidFill>
-              </a:rPr>
-              <a:t>-option</a:t>
-            </a:r>
-            <a:r>
-              <a:rPr lang="en-US" dirty="0"/>
-              <a:t>) in the script annotation part(sub-part of the documentation)</a:t>
-            </a:r>
-          </a:p>
-          <a:p>
-            <a:r>
-              <a:rPr lang="en-US" dirty="0"/>
-              <a:t>If an input parameter is dot(</a:t>
-            </a:r>
-            <a:r>
-              <a:rPr lang="en-US" b="1" dirty="0">
-                <a:solidFill>
-                  <a:schemeClr val="accent1">
-                    <a:lumMod val="75000"/>
-                  </a:schemeClr>
-                </a:solidFill>
-              </a:rPr>
-              <a:t>.</a:t>
-            </a:r>
-            <a:r>
-              <a:rPr lang="en-US" dirty="0"/>
-              <a:t>), it means using the default value</a:t>
-            </a:r>
-          </a:p>
-          <a:p>
-            <a:r>
-              <a:rPr lang="en-US" dirty="0"/>
-              <a:t>3 switches can be defined in the annotation part and can be treated as variables: </a:t>
-            </a:r>
+              <a:rPr lang="en-US" altLang="zh-CN" dirty="0"/>
+              <a:t>The Configuration files will not be deleted or overridden when extract newer DBCLI release into the same directory</a:t>
+            </a:r>
+          </a:p>
+          <a:p>
+            <a:r>
+              <a:rPr lang="en-US" altLang="zh-CN" dirty="0"/>
+              <a:t>The configuration </a:t>
+            </a:r>
+            <a:r>
+              <a:rPr lang="en-US" altLang="zh-CN"/>
+              <a:t>files includes:</a:t>
+            </a:r>
+            <a:endParaRPr lang="en-US" altLang="zh-CN" dirty="0"/>
           </a:p>
           <a:p>
             <a:pPr lvl="1"/>
             <a:r>
-              <a:rPr lang="en-US" dirty="0"/>
-              <a:t>Privilege switch(</a:t>
-            </a:r>
-            <a:r>
-              <a:rPr lang="en-US" b="1" dirty="0">
-                <a:solidFill>
-                  <a:schemeClr val="accent1">
-                    <a:lumMod val="75000"/>
-                  </a:schemeClr>
-                </a:solidFill>
-              </a:rPr>
-              <a:t>@</a:t>
-            </a:r>
-            <a:r>
-              <a:rPr lang="en-US" b="1" dirty="0" err="1">
-                <a:solidFill>
-                  <a:schemeClr val="accent1">
-                    <a:lumMod val="75000"/>
-                  </a:schemeClr>
-                </a:solidFill>
-              </a:rPr>
-              <a:t>check_access_</a:t>
-            </a:r>
-            <a:r>
-              <a:rPr lang="en-US" dirty="0" err="1"/>
-              <a:t>xxx</a:t>
-            </a:r>
-            <a:r>
-              <a:rPr lang="en-US" dirty="0"/>
-              <a:t>): auto-choose the first value that matches the required access right</a:t>
+              <a:rPr lang="en-US" altLang="zh-CN" dirty="0"/>
+              <a:t>The files under the “data” directory, including:</a:t>
+            </a:r>
+          </a:p>
+          <a:p>
+            <a:pPr lvl="2"/>
+            <a:r>
+              <a:rPr lang="en-US" altLang="zh-CN" dirty="0"/>
+              <a:t>password.dat  : The account information that used by the “login” command</a:t>
+            </a:r>
+          </a:p>
+          <a:p>
+            <a:pPr lvl="2"/>
+            <a:r>
+              <a:rPr lang="en-US" altLang="zh-CN" dirty="0"/>
+              <a:t>setting.dat: The permanent settings that created by “set </a:t>
+            </a:r>
+            <a:r>
+              <a:rPr lang="en-US" altLang="zh-CN" b="1" dirty="0">
+                <a:solidFill>
+                  <a:srgbClr val="FF0000"/>
+                </a:solidFill>
+              </a:rPr>
+              <a:t>-p</a:t>
+            </a:r>
+            <a:r>
+              <a:rPr lang="en-US" altLang="zh-CN" dirty="0"/>
+              <a:t> &lt;option&gt; &lt;value&gt;”</a:t>
+            </a:r>
+          </a:p>
+          <a:p>
+            <a:pPr lvl="2"/>
+            <a:r>
+              <a:rPr lang="en-US" altLang="zh-CN" dirty="0" err="1"/>
+              <a:t>init.cfg</a:t>
+            </a:r>
+            <a:r>
+              <a:rPr lang="en-US" altLang="zh-CN" dirty="0"/>
+              <a:t>(Windows)/</a:t>
+            </a:r>
+            <a:r>
+              <a:rPr lang="en-US" altLang="zh-CN" dirty="0" err="1"/>
+              <a:t>init.conf</a:t>
+            </a:r>
+            <a:r>
+              <a:rPr lang="en-US" altLang="zh-CN" dirty="0"/>
+              <a:t>(Linux/OSX):  The MSDOS commands or Shell commands that impacted the startup of DBCLI</a:t>
+            </a:r>
+          </a:p>
+          <a:p>
+            <a:pPr lvl="2"/>
+            <a:r>
+              <a:rPr lang="en-US" altLang="zh-CN" dirty="0" err="1"/>
+              <a:t>jdbc.cfg</a:t>
+            </a:r>
+            <a:r>
+              <a:rPr lang="en-US" altLang="zh-CN" dirty="0"/>
+              <a:t>: The user-defined database connection information</a:t>
+            </a:r>
+          </a:p>
+          <a:p>
+            <a:pPr lvl="2"/>
+            <a:r>
+              <a:rPr lang="en-US" altLang="zh-CN" dirty="0" err="1"/>
+              <a:t>plugin.cfg</a:t>
+            </a:r>
+            <a:r>
+              <a:rPr lang="en-US" altLang="zh-CN" dirty="0"/>
+              <a:t>: The user-defined plugins</a:t>
             </a:r>
           </a:p>
           <a:p>
             <a:pPr lvl="1"/>
             <a:r>
-              <a:rPr lang="en-US" dirty="0"/>
-              <a:t>User switch(</a:t>
-            </a:r>
-            <a:r>
-              <a:rPr lang="en-US" b="1" dirty="0">
-                <a:solidFill>
-                  <a:schemeClr val="accent1">
-                    <a:lumMod val="75000"/>
-                  </a:schemeClr>
-                </a:solidFill>
-              </a:rPr>
-              <a:t>@</a:t>
-            </a:r>
-            <a:r>
-              <a:rPr lang="en-US" b="1" dirty="0" err="1">
-                <a:solidFill>
-                  <a:schemeClr val="accent1">
-                    <a:lumMod val="75000"/>
-                  </a:schemeClr>
-                </a:solidFill>
-              </a:rPr>
-              <a:t>check_user_</a:t>
-            </a:r>
-            <a:r>
-              <a:rPr lang="en-US" dirty="0" err="1"/>
-              <a:t>xxx</a:t>
-            </a:r>
-            <a:r>
-              <a:rPr lang="en-US" dirty="0"/>
-              <a:t>): auto-choose the first value that login user matches  the required user</a:t>
-            </a:r>
-          </a:p>
-          <a:p>
-            <a:pPr lvl="1"/>
-            <a:r>
-              <a:rPr lang="en-US" dirty="0"/>
-              <a:t>Version switch (@other): auto-choose the first value that matches the require db version</a:t>
-            </a:r>
-          </a:p>
-          <a:p>
-            <a:pPr lvl="1"/>
-            <a:r>
-              <a:rPr lang="en-US" dirty="0"/>
-              <a:t>If  the “</a:t>
-            </a:r>
-            <a:r>
-              <a:rPr lang="en-US" b="1" dirty="0">
-                <a:solidFill>
-                  <a:schemeClr val="accent1">
-                    <a:lumMod val="75000"/>
-                  </a:schemeClr>
-                </a:solidFill>
-              </a:rPr>
-              <a:t>default</a:t>
-            </a:r>
-            <a:r>
-              <a:rPr lang="en-US" dirty="0"/>
-              <a:t>” option is not defined in a switch annotation and current login user cannot match any requirement, then the script will exit with an error </a:t>
-            </a:r>
-          </a:p>
-          <a:p>
-            <a:r>
-              <a:rPr lang="en-US" dirty="0"/>
-              <a:t>2 other annotations:</a:t>
-            </a:r>
-          </a:p>
-          <a:p>
-            <a:pPr lvl="1"/>
-            <a:r>
-              <a:rPr lang="en-US" dirty="0"/>
-              <a:t>@ALIAS: defines the nicknames of the script, multiple nicknames should be separated by comma(,)</a:t>
-            </a:r>
-          </a:p>
-          <a:p>
-            <a:pPr lvl="1"/>
-            <a:r>
-              <a:rPr lang="en-US" dirty="0"/>
-              <a:t>@ARGS: defines the minimum number of </a:t>
-            </a:r>
-            <a:r>
-              <a:rPr lang="en-US"/>
-              <a:t>input parameters</a:t>
-            </a:r>
-            <a:endParaRPr lang="en-US" dirty="0"/>
-          </a:p>
-          <a:p>
-            <a:r>
-              <a:rPr lang="en-US" dirty="0"/>
-              <a:t>The life cycle of the VAR/DEFINE/SET settings are script-locally, and don’t affect the global level settings, however in SQL*Plus those are all global, which can mess the variables of different scripts.</a:t>
-            </a:r>
-          </a:p>
-          <a:p>
-            <a:r>
-              <a:rPr lang="en-US" dirty="0"/>
-              <a:t>Engines:</a:t>
-            </a:r>
-          </a:p>
-          <a:p>
-            <a:pPr lvl="1"/>
-            <a:r>
-              <a:rPr lang="en-US" dirty="0"/>
-              <a:t>SQL*Plus-style engine: does not support all SQL*Plus syntax, but supports all commands that dbcli provides(</a:t>
-            </a:r>
-            <a:r>
-              <a:rPr lang="en-US" b="1" dirty="0">
-                <a:solidFill>
-                  <a:schemeClr val="accent1">
-                    <a:lumMod val="75000"/>
-                  </a:schemeClr>
-                </a:solidFill>
-              </a:rPr>
-              <a:t>help -a </a:t>
-            </a:r>
-            <a:r>
-              <a:rPr lang="en-US" dirty="0"/>
-              <a:t>to list all supported commands)</a:t>
-            </a:r>
-          </a:p>
-          <a:p>
-            <a:pPr lvl="2"/>
-            <a:r>
-              <a:rPr lang="en-US" b="1" dirty="0">
-                <a:solidFill>
-                  <a:schemeClr val="accent1">
-                    <a:lumMod val="75000"/>
-                  </a:schemeClr>
-                </a:solidFill>
-              </a:rPr>
-              <a:t>Show</a:t>
-            </a:r>
-            <a:r>
-              <a:rPr lang="en-US" dirty="0"/>
-              <a:t>:  Executes the pre-defined scripts that don’t require any input parameter</a:t>
-            </a:r>
-          </a:p>
-          <a:p>
-            <a:pPr lvl="2"/>
-            <a:r>
-              <a:rPr lang="en-US" b="1" dirty="0">
-                <a:solidFill>
-                  <a:schemeClr val="accent1">
-                    <a:lumMod val="75000"/>
-                  </a:schemeClr>
-                </a:solidFill>
-              </a:rPr>
-              <a:t>Ora</a:t>
-            </a:r>
-            <a:r>
-              <a:rPr lang="en-US" dirty="0"/>
-              <a:t>: Executes the pre-defined scripts that accept parameters</a:t>
-            </a:r>
-          </a:p>
-          <a:p>
-            <a:pPr lvl="2"/>
-            <a:r>
-              <a:rPr lang="en-US" b="1" dirty="0">
-                <a:solidFill>
-                  <a:schemeClr val="accent1">
-                    <a:lumMod val="75000"/>
-                  </a:schemeClr>
-                </a:solidFill>
-              </a:rPr>
-              <a:t>SYS</a:t>
-            </a:r>
-            <a:r>
-              <a:rPr lang="en-US" dirty="0"/>
-              <a:t>: Similar to Ora, but executes the pre-defined scripts that refer to x$ table</a:t>
-            </a:r>
-          </a:p>
-          <a:p>
-            <a:pPr lvl="2"/>
-            <a:r>
-              <a:rPr lang="en-US" b="1" dirty="0">
-                <a:solidFill>
-                  <a:schemeClr val="accent1">
-                    <a:lumMod val="75000"/>
-                  </a:schemeClr>
-                </a:solidFill>
-              </a:rPr>
-              <a:t>EXA</a:t>
-            </a:r>
-            <a:r>
-              <a:rPr lang="en-US" dirty="0"/>
-              <a:t>: Similar to Ora, but executes the pre-defined scripts that to query Exadata information</a:t>
-            </a:r>
-          </a:p>
-          <a:p>
-            <a:pPr lvl="1"/>
-            <a:r>
-              <a:rPr lang="en-US" dirty="0"/>
-              <a:t>Snapper engine(</a:t>
-            </a:r>
-            <a:r>
-              <a:rPr lang="en-US" b="1" dirty="0">
-                <a:solidFill>
-                  <a:schemeClr val="accent1">
-                    <a:lumMod val="75000"/>
-                  </a:schemeClr>
-                </a:solidFill>
-              </a:rPr>
-              <a:t>snap</a:t>
-            </a:r>
-            <a:r>
-              <a:rPr lang="en-US" dirty="0"/>
-              <a:t>):</a:t>
-            </a:r>
-            <a:r>
-              <a:rPr lang="zh-CN" altLang="en-US" dirty="0"/>
-              <a:t> </a:t>
-            </a:r>
-            <a:r>
               <a:rPr lang="en-US" altLang="zh-CN" dirty="0"/>
-              <a:t>JSON/Lua format, to compute the delta values of the same queries in a specific period, support Linux top-style output</a:t>
-            </a:r>
-          </a:p>
-          <a:p>
-            <a:pPr lvl="1"/>
-            <a:r>
-              <a:rPr lang="en-US" dirty="0"/>
-              <a:t>Graphing engine(</a:t>
-            </a:r>
-            <a:r>
-              <a:rPr lang="en-US" b="1" dirty="0">
-                <a:solidFill>
-                  <a:schemeClr val="accent1">
-                    <a:lumMod val="75000"/>
-                  </a:schemeClr>
-                </a:solidFill>
-              </a:rPr>
-              <a:t>chart/</a:t>
-            </a:r>
-            <a:r>
-              <a:rPr lang="en-US" b="1" dirty="0" err="1">
-                <a:solidFill>
-                  <a:schemeClr val="accent1">
-                    <a:lumMod val="75000"/>
-                  </a:schemeClr>
-                </a:solidFill>
-              </a:rPr>
-              <a:t>ch</a:t>
-            </a:r>
-            <a:r>
-              <a:rPr lang="en-US" dirty="0"/>
-              <a:t>): </a:t>
-            </a:r>
-            <a:r>
-              <a:rPr lang="en-US" altLang="zh-CN" dirty="0"/>
-              <a:t>JSON/Lua format, to</a:t>
-            </a:r>
-            <a:r>
-              <a:rPr lang="en-US" dirty="0"/>
-              <a:t> generate line/bar chart of the time-series data, mainly used on AWR data</a:t>
-            </a:r>
+              <a:t>The user-defined aliases under the “aliases” directory</a:t>
+            </a:r>
+            <a:endParaRPr lang="zh-CN" altLang="en-US" dirty="0"/>
           </a:p>
         </p:txBody>
       </p:sp>
     </p:spTree>
     <p:extLst>
       <p:ext uri="{BB962C8B-B14F-4D97-AF65-F5344CB8AC3E}">
-        <p14:creationId xmlns:p14="http://schemas.microsoft.com/office/powerpoint/2010/main" val="1687118102"/>
+        <p14:creationId xmlns:p14="http://schemas.microsoft.com/office/powerpoint/2010/main" val="3137510390"/>
       </p:ext>
     </p:extLst>
   </p:cSld>
@@ -17956,7 +17726,7 @@
           <p:cNvPr id="2" name="标题 1">
             <a:extLst>
               <a:ext uri="{FF2B5EF4-FFF2-40B4-BE49-F238E27FC236}">
-                <a16:creationId xmlns:a16="http://schemas.microsoft.com/office/drawing/2014/main" id="{62074AD1-1FE7-4190-9345-65532ED6F564}"/>
+                <a16:creationId xmlns:a16="http://schemas.microsoft.com/office/drawing/2014/main" id="{103ADC8E-7DB0-4A5F-B20A-213DEBB09B8B}"/>
               </a:ext>
             </a:extLst>
           </p:cNvPr>
@@ -17969,65 +17739,52 @@
         </p:nvSpPr>
         <p:spPr>
           <a:xfrm>
-            <a:off x="838200" y="156308"/>
-            <a:ext cx="10515600" cy="593970"/>
+            <a:off x="838200" y="107217"/>
+            <a:ext cx="10515600" cy="760291"/>
+          </a:xfrm>
+        </p:spPr>
+        <p:txBody>
+          <a:bodyPr/>
+          <a:lstStyle/>
+          <a:p>
+            <a:r>
+              <a:rPr lang="en-US" dirty="0"/>
+              <a:t>Scripting Engines</a:t>
+            </a:r>
+          </a:p>
+        </p:txBody>
+      </p:sp>
+      <p:sp>
+        <p:nvSpPr>
+          <p:cNvPr id="3" name="内容占位符 2">
+            <a:extLst>
+              <a:ext uri="{FF2B5EF4-FFF2-40B4-BE49-F238E27FC236}">
+                <a16:creationId xmlns:a16="http://schemas.microsoft.com/office/drawing/2014/main" id="{12A8C3A4-5FC5-430E-84E9-939E6E40B8FF}"/>
+              </a:ext>
+            </a:extLst>
+          </p:cNvPr>
+          <p:cNvSpPr>
+            <a:spLocks noGrp="1"/>
+          </p:cNvSpPr>
+          <p:nvPr>
+            <p:ph idx="1"/>
+          </p:nvPr>
+        </p:nvSpPr>
+        <p:spPr>
+          <a:xfrm>
+            <a:off x="838200" y="976923"/>
+            <a:ext cx="10515600" cy="5541107"/>
           </a:xfrm>
         </p:spPr>
         <p:txBody>
           <a:bodyPr>
-            <a:normAutofit fontScale="90000"/>
+            <a:normAutofit fontScale="47500" lnSpcReduction="20000"/>
           </a:bodyPr>
           <a:lstStyle/>
           <a:p>
             <a:r>
               <a:rPr lang="en-US" dirty="0"/>
-              <a:t>Common Pre-defined Scripts (1)</a:t>
-            </a:r>
-          </a:p>
-        </p:txBody>
-      </p:sp>
-      <p:sp>
-        <p:nvSpPr>
-          <p:cNvPr id="3" name="内容占位符 2">
-            <a:extLst>
-              <a:ext uri="{FF2B5EF4-FFF2-40B4-BE49-F238E27FC236}">
-                <a16:creationId xmlns:a16="http://schemas.microsoft.com/office/drawing/2014/main" id="{0F62E6C0-2DDF-4F51-A1B5-1DA4F66A4097}"/>
-              </a:ext>
-            </a:extLst>
-          </p:cNvPr>
-          <p:cNvSpPr>
-            <a:spLocks noGrp="1"/>
-          </p:cNvSpPr>
-          <p:nvPr>
-            <p:ph idx="1"/>
-          </p:nvPr>
-        </p:nvSpPr>
-        <p:spPr>
-          <a:xfrm>
-            <a:off x="838200" y="859692"/>
-            <a:ext cx="10515600" cy="5841999"/>
-          </a:xfrm>
-        </p:spPr>
-        <p:txBody>
-          <a:bodyPr>
-            <a:normAutofit fontScale="40000" lnSpcReduction="20000"/>
-          </a:bodyPr>
-          <a:lstStyle/>
-          <a:p>
-            <a:pPr marL="0" indent="0">
-              <a:buNone/>
-            </a:pPr>
-            <a:r>
-              <a:rPr lang="en-US" b="1" dirty="0">
-                <a:solidFill>
-                  <a:srgbClr val="FF0000"/>
-                </a:solidFill>
-              </a:rPr>
-              <a:t>*  Note</a:t>
-            </a:r>
-            <a:r>
-              <a:rPr lang="en-US" b="1" dirty="0"/>
-              <a:t>: </a:t>
+              <a:t>Input parameter names are from </a:t>
             </a:r>
             <a:r>
               <a:rPr lang="en-US" b="1" dirty="0">
@@ -18037,826 +17794,439 @@
                   </a:schemeClr>
                 </a:solidFill>
               </a:rPr>
-              <a:t>[…]</a:t>
-            </a:r>
-            <a:r>
-              <a:rPr lang="en-US" b="1" dirty="0"/>
-              <a:t> means optional, </a:t>
+              <a:t>:V1</a:t>
+            </a:r>
+            <a:r>
+              <a:rPr lang="en-US" dirty="0"/>
+              <a:t>(or </a:t>
+            </a:r>
+            <a:r>
+              <a:rPr lang="en-US" altLang="zh-CN" dirty="0">
+                <a:solidFill>
+                  <a:schemeClr val="accent1">
+                    <a:lumMod val="75000"/>
+                  </a:schemeClr>
+                </a:solidFill>
+              </a:rPr>
+              <a:t>&amp;V1</a:t>
+            </a:r>
+            <a:r>
+              <a:rPr lang="en-US" dirty="0"/>
+              <a:t>) to </a:t>
+            </a:r>
+            <a:r>
+              <a:rPr lang="en-US" dirty="0">
+                <a:solidFill>
+                  <a:schemeClr val="accent1">
+                    <a:lumMod val="75000"/>
+                  </a:schemeClr>
+                </a:solidFill>
+              </a:rPr>
+              <a:t>:V20</a:t>
+            </a:r>
+            <a:r>
+              <a:rPr lang="en-US" dirty="0"/>
+              <a:t>(or </a:t>
             </a:r>
             <a:r>
               <a:rPr lang="en-US" b="1" dirty="0">
                 <a:solidFill>
-                  <a:srgbClr val="0070C0"/>
-                </a:solidFill>
-              </a:rPr>
-              <a:t>|</a:t>
-            </a:r>
-            <a:r>
-              <a:rPr lang="en-US" b="1" dirty="0"/>
-              <a:t> means “OR”</a:t>
-            </a:r>
-          </a:p>
-          <a:p>
-            <a:r>
-              <a:rPr lang="en-US" sz="2300" dirty="0">
-                <a:latin typeface="Courier New" panose="02070309020205020404" pitchFamily="49" charset="0"/>
-                <a:cs typeface="Courier New" panose="02070309020205020404" pitchFamily="49" charset="0"/>
-              </a:rPr>
-              <a:t>top [interval] [-</a:t>
-            </a:r>
-            <a:r>
-              <a:rPr lang="en-US" sz="2300" dirty="0" err="1">
-                <a:latin typeface="Courier New" panose="02070309020205020404" pitchFamily="49" charset="0"/>
-                <a:cs typeface="Courier New" panose="02070309020205020404" pitchFamily="49" charset="0"/>
-              </a:rPr>
-              <a:t>iostat</a:t>
-            </a:r>
-            <a:r>
-              <a:rPr lang="en-US" sz="2300" dirty="0">
-                <a:latin typeface="Courier New" panose="02070309020205020404" pitchFamily="49" charset="0"/>
-                <a:cs typeface="Courier New" panose="02070309020205020404" pitchFamily="49" charset="0"/>
-              </a:rPr>
-              <a:t>|-latch] [-</a:t>
-            </a:r>
-            <a:r>
-              <a:rPr lang="en-US" sz="2300" dirty="0" err="1">
-                <a:latin typeface="Courier New" panose="02070309020205020404" pitchFamily="49" charset="0"/>
-                <a:cs typeface="Courier New" panose="02070309020205020404" pitchFamily="49" charset="0"/>
-              </a:rPr>
-              <a:t>filestat</a:t>
-            </a:r>
-            <a:r>
-              <a:rPr lang="en-US" sz="2300" dirty="0">
-                <a:latin typeface="Courier New" panose="02070309020205020404" pitchFamily="49" charset="0"/>
-                <a:cs typeface="Courier New" panose="02070309020205020404" pitchFamily="49" charset="0"/>
-              </a:rPr>
-              <a:t>]: monitor db stats with specific interval, default is 10 seconds</a:t>
-            </a:r>
-          </a:p>
-          <a:p>
-            <a:r>
-              <a:rPr lang="en-US" sz="2300" dirty="0" err="1">
-                <a:latin typeface="Courier New" panose="02070309020205020404" pitchFamily="49" charset="0"/>
-                <a:cs typeface="Courier New" panose="02070309020205020404" pitchFamily="49" charset="0"/>
-              </a:rPr>
-              <a:t>cellio</a:t>
-            </a:r>
-            <a:r>
-              <a:rPr lang="en-US" sz="2300" dirty="0">
-                <a:latin typeface="Courier New" panose="02070309020205020404" pitchFamily="49" charset="0"/>
-                <a:cs typeface="Courier New" panose="02070309020205020404" pitchFamily="49" charset="0"/>
-              </a:rPr>
-              <a:t> [interval] </a:t>
-            </a:r>
-            <a:r>
-              <a:rPr lang="nb-NO" sz="2300" dirty="0">
-                <a:latin typeface="Courier New" panose="02070309020205020404" pitchFamily="49" charset="0"/>
-                <a:cs typeface="Courier New" panose="02070309020205020404" pitchFamily="49" charset="0"/>
-              </a:rPr>
-              <a:t>[-pred|-cc|-db] [-cell] [-diskio] </a:t>
-            </a:r>
-            <a:r>
-              <a:rPr lang="en-US" sz="2300" dirty="0">
-                <a:latin typeface="Courier New" panose="02070309020205020404" pitchFamily="49" charset="0"/>
-                <a:cs typeface="Courier New" panose="02070309020205020404" pitchFamily="49" charset="0"/>
-              </a:rPr>
-              <a:t>: monitor Exadata cell stats with specific interval, default is 20 seconds</a:t>
-            </a:r>
-          </a:p>
-          <a:p>
-            <a:r>
-              <a:rPr lang="en-US" sz="2300" dirty="0">
-                <a:latin typeface="Courier New" panose="02070309020205020404" pitchFamily="49" charset="0"/>
-                <a:cs typeface="Courier New" panose="02070309020205020404" pitchFamily="49" charset="0"/>
-              </a:rPr>
-              <a:t>Exa cell: show Exadata information</a:t>
-            </a:r>
-          </a:p>
-          <a:p>
-            <a:r>
-              <a:rPr lang="en-US" sz="2300" dirty="0">
-                <a:latin typeface="Courier New" panose="02070309020205020404" pitchFamily="49" charset="0"/>
-                <a:cs typeface="Courier New" panose="02070309020205020404" pitchFamily="49" charset="0"/>
-              </a:rPr>
-              <a:t>Ora/sys param &lt;keyword&gt;: show parameters that match the keyword</a:t>
-            </a:r>
-          </a:p>
-          <a:p>
-            <a:r>
-              <a:rPr lang="en-US" sz="2300" dirty="0">
-                <a:latin typeface="Courier New" panose="02070309020205020404" pitchFamily="49" charset="0"/>
-                <a:cs typeface="Courier New" panose="02070309020205020404" pitchFamily="49" charset="0"/>
-              </a:rPr>
-              <a:t>Ora tbs [&lt;</a:t>
-            </a:r>
-            <a:r>
-              <a:rPr lang="en-US" sz="2300" dirty="0" err="1">
-                <a:latin typeface="Courier New" panose="02070309020205020404" pitchFamily="49" charset="0"/>
-                <a:cs typeface="Courier New" panose="02070309020205020404" pitchFamily="49" charset="0"/>
-              </a:rPr>
-              <a:t>tablespace_name</a:t>
-            </a:r>
-            <a:r>
-              <a:rPr lang="en-US" sz="2300" dirty="0">
-                <a:latin typeface="Courier New" panose="02070309020205020404" pitchFamily="49" charset="0"/>
-                <a:cs typeface="Courier New" panose="02070309020205020404" pitchFamily="49" charset="0"/>
-              </a:rPr>
-              <a:t>&gt;]: show tablespace usages</a:t>
-            </a:r>
-          </a:p>
-          <a:p>
-            <a:r>
-              <a:rPr lang="en-US" sz="2300" dirty="0">
-                <a:latin typeface="Courier New" panose="02070309020205020404" pitchFamily="49" charset="0"/>
-                <a:cs typeface="Courier New" panose="02070309020205020404" pitchFamily="49" charset="0"/>
-              </a:rPr>
-              <a:t>ora actives [-b|-p|-m]: list active SQLs</a:t>
-            </a:r>
-          </a:p>
-          <a:p>
-            <a:r>
-              <a:rPr lang="en-US" sz="2300" dirty="0">
-                <a:latin typeface="Courier New" panose="02070309020205020404" pitchFamily="49" charset="0"/>
-                <a:cs typeface="Courier New" panose="02070309020205020404" pitchFamily="49" charset="0"/>
-              </a:rPr>
-              <a:t>ora plan &lt;</a:t>
-            </a:r>
-            <a:r>
-              <a:rPr lang="en-US" sz="2300" dirty="0" err="1">
-                <a:latin typeface="Courier New" panose="02070309020205020404" pitchFamily="49" charset="0"/>
-                <a:cs typeface="Courier New" panose="02070309020205020404" pitchFamily="49" charset="0"/>
-              </a:rPr>
-              <a:t>sql_id</a:t>
-            </a:r>
-            <a:r>
-              <a:rPr lang="en-US" sz="2300" dirty="0">
-                <a:latin typeface="Courier New" panose="02070309020205020404" pitchFamily="49" charset="0"/>
-                <a:cs typeface="Courier New" panose="02070309020205020404" pitchFamily="49" charset="0"/>
-              </a:rPr>
-              <a:t>&gt; &lt;</a:t>
-            </a:r>
-            <a:r>
-              <a:rPr lang="en-US" sz="2300" dirty="0" err="1">
-                <a:latin typeface="Courier New" panose="02070309020205020404" pitchFamily="49" charset="0"/>
-                <a:cs typeface="Courier New" panose="02070309020205020404" pitchFamily="49" charset="0"/>
-              </a:rPr>
-              <a:t>plan_hash_value</a:t>
-            </a:r>
-            <a:r>
-              <a:rPr lang="en-US" sz="2300" dirty="0">
-                <a:latin typeface="Courier New" panose="02070309020205020404" pitchFamily="49" charset="0"/>
-                <a:cs typeface="Courier New" panose="02070309020205020404" pitchFamily="49" charset="0"/>
-              </a:rPr>
-              <a:t>&gt;: show execution plan</a:t>
-            </a:r>
-          </a:p>
-          <a:p>
-            <a:r>
-              <a:rPr lang="en-US" sz="2300" dirty="0">
-                <a:latin typeface="Courier New" panose="02070309020205020404" pitchFamily="49" charset="0"/>
-                <a:cs typeface="Courier New" panose="02070309020205020404" pitchFamily="49" charset="0"/>
-              </a:rPr>
-              <a:t>ora sql &lt;</a:t>
-            </a:r>
-            <a:r>
-              <a:rPr lang="en-US" sz="2300" dirty="0" err="1">
-                <a:latin typeface="Courier New" panose="02070309020205020404" pitchFamily="49" charset="0"/>
-                <a:cs typeface="Courier New" panose="02070309020205020404" pitchFamily="49" charset="0"/>
-              </a:rPr>
-              <a:t>sql_id</a:t>
-            </a:r>
-            <a:r>
-              <a:rPr lang="en-US" sz="2300" dirty="0">
-                <a:latin typeface="Courier New" panose="02070309020205020404" pitchFamily="49" charset="0"/>
-                <a:cs typeface="Courier New" panose="02070309020205020404" pitchFamily="49" charset="0"/>
-              </a:rPr>
-              <a:t>&gt;: show SQL text and stats</a:t>
-            </a:r>
-          </a:p>
-          <a:p>
-            <a:r>
-              <a:rPr lang="en-US" sz="2300" dirty="0">
-                <a:latin typeface="Courier New" panose="02070309020205020404" pitchFamily="49" charset="0"/>
-                <a:cs typeface="Courier New" panose="02070309020205020404" pitchFamily="49" charset="0"/>
-              </a:rPr>
-              <a:t>Ora </a:t>
-            </a:r>
-            <a:r>
-              <a:rPr lang="en-US" sz="2300" dirty="0" err="1">
-                <a:latin typeface="Courier New" panose="02070309020205020404" pitchFamily="49" charset="0"/>
-                <a:cs typeface="Courier New" panose="02070309020205020404" pitchFamily="49" charset="0"/>
-              </a:rPr>
-              <a:t>sqlm</a:t>
-            </a:r>
-            <a:r>
-              <a:rPr lang="en-US" sz="2300" dirty="0">
-                <a:latin typeface="Courier New" panose="02070309020205020404" pitchFamily="49" charset="0"/>
-                <a:cs typeface="Courier New" panose="02070309020205020404" pitchFamily="49" charset="0"/>
-              </a:rPr>
-              <a:t> [&lt;</a:t>
-            </a:r>
-            <a:r>
-              <a:rPr lang="en-US" sz="2300" dirty="0" err="1">
-                <a:latin typeface="Courier New" panose="02070309020205020404" pitchFamily="49" charset="0"/>
-                <a:cs typeface="Courier New" panose="02070309020205020404" pitchFamily="49" charset="0"/>
-              </a:rPr>
-              <a:t>sql_id</a:t>
-            </a:r>
-            <a:r>
-              <a:rPr lang="en-US" sz="2300" dirty="0">
-                <a:latin typeface="Courier New" panose="02070309020205020404" pitchFamily="49" charset="0"/>
-                <a:cs typeface="Courier New" panose="02070309020205020404" pitchFamily="49" charset="0"/>
-              </a:rPr>
-              <a:t>&gt; [</a:t>
-            </a:r>
-            <a:r>
-              <a:rPr lang="en-US" sz="2300" dirty="0" err="1">
-                <a:latin typeface="Courier New" panose="02070309020205020404" pitchFamily="49" charset="0"/>
-                <a:cs typeface="Courier New" panose="02070309020205020404" pitchFamily="49" charset="0"/>
-              </a:rPr>
-              <a:t>sql_exec_id</a:t>
-            </a:r>
-            <a:r>
-              <a:rPr lang="en-US" sz="2300" dirty="0">
-                <a:latin typeface="Courier New" panose="02070309020205020404" pitchFamily="49" charset="0"/>
-                <a:cs typeface="Courier New" panose="02070309020205020404" pitchFamily="49" charset="0"/>
-              </a:rPr>
-              <a:t>][-l]]: show sql monitor list, or extract SQL Monitor report. Type ‘help ora </a:t>
-            </a:r>
-            <a:r>
-              <a:rPr lang="en-US" sz="2300" dirty="0" err="1">
-                <a:latin typeface="Courier New" panose="02070309020205020404" pitchFamily="49" charset="0"/>
-                <a:cs typeface="Courier New" panose="02070309020205020404" pitchFamily="49" charset="0"/>
-              </a:rPr>
-              <a:t>sqlm</a:t>
-            </a:r>
-            <a:r>
-              <a:rPr lang="en-US" sz="2300" dirty="0">
-                <a:latin typeface="Courier New" panose="02070309020205020404" pitchFamily="49" charset="0"/>
-                <a:cs typeface="Courier New" panose="02070309020205020404" pitchFamily="49" charset="0"/>
-              </a:rPr>
-              <a:t>’ for more usages.</a:t>
-            </a:r>
-          </a:p>
-          <a:p>
-            <a:r>
-              <a:rPr lang="en-US" sz="2300" dirty="0">
-                <a:latin typeface="Courier New" panose="02070309020205020404" pitchFamily="49" charset="0"/>
-                <a:cs typeface="Courier New" panose="02070309020205020404" pitchFamily="49" charset="0"/>
-              </a:rPr>
-              <a:t>Ora </a:t>
-            </a:r>
-            <a:r>
-              <a:rPr lang="en-US" sz="2300" dirty="0" err="1">
-                <a:latin typeface="Courier New" panose="02070309020205020404" pitchFamily="49" charset="0"/>
-                <a:cs typeface="Courier New" panose="02070309020205020404" pitchFamily="49" charset="0"/>
-              </a:rPr>
-              <a:t>ashplan</a:t>
-            </a:r>
-            <a:r>
-              <a:rPr lang="en-US" sz="2300" dirty="0">
-                <a:latin typeface="Courier New" panose="02070309020205020404" pitchFamily="49" charset="0"/>
-                <a:cs typeface="Courier New" panose="02070309020205020404" pitchFamily="49" charset="0"/>
-              </a:rPr>
-              <a:t> &lt;</a:t>
-            </a:r>
-            <a:r>
-              <a:rPr lang="en-US" sz="2300" dirty="0" err="1">
-                <a:latin typeface="Courier New" panose="02070309020205020404" pitchFamily="49" charset="0"/>
-                <a:cs typeface="Courier New" panose="02070309020205020404" pitchFamily="49" charset="0"/>
-              </a:rPr>
-              <a:t>sql_id</a:t>
-            </a:r>
-            <a:r>
-              <a:rPr lang="en-US" sz="2300" dirty="0">
-                <a:latin typeface="Courier New" panose="02070309020205020404" pitchFamily="49" charset="0"/>
-                <a:cs typeface="Courier New" panose="02070309020205020404" pitchFamily="49" charset="0"/>
-              </a:rPr>
-              <a:t>&gt; [</a:t>
-            </a:r>
-            <a:r>
-              <a:rPr lang="en-US" sz="2300" dirty="0" err="1">
-                <a:latin typeface="Courier New" panose="02070309020205020404" pitchFamily="49" charset="0"/>
-                <a:cs typeface="Courier New" panose="02070309020205020404" pitchFamily="49" charset="0"/>
-              </a:rPr>
-              <a:t>plan_hash_value</a:t>
-            </a:r>
-            <a:r>
-              <a:rPr lang="en-US" sz="2300" dirty="0">
-                <a:latin typeface="Courier New" panose="02070309020205020404" pitchFamily="49" charset="0"/>
-                <a:cs typeface="Courier New" panose="02070309020205020404" pitchFamily="49" charset="0"/>
-              </a:rPr>
-              <a:t>] [-dash]:</a:t>
-            </a:r>
-            <a:r>
-              <a:rPr lang="zh-CN" altLang="en-US" sz="2300" dirty="0">
-                <a:latin typeface="Courier New" panose="02070309020205020404" pitchFamily="49" charset="0"/>
-                <a:cs typeface="Courier New" panose="02070309020205020404" pitchFamily="49" charset="0"/>
-              </a:rPr>
+                  <a:schemeClr val="accent1">
+                    <a:lumMod val="75000"/>
+                  </a:schemeClr>
+                </a:solidFill>
+              </a:rPr>
+              <a:t>&amp;V20</a:t>
+            </a:r>
+            <a:r>
+              <a:rPr lang="en-US" dirty="0"/>
+              <a:t>) and case-insensitive, however SQL*Plus is &amp;1…</a:t>
+            </a:r>
+          </a:p>
+          <a:p>
+            <a:r>
+              <a:rPr lang="en-US" dirty="0"/>
+              <a:t>V1 to V20 are all default to null(empty string) and don’t ask mandatory input, however SQL*Plus will ask for input if not specified in the command line.</a:t>
+            </a:r>
+          </a:p>
+          <a:p>
+            <a:r>
+              <a:rPr lang="en-US" dirty="0"/>
+              <a:t>A variable value can be used as either substitution(</a:t>
+            </a:r>
+            <a:r>
+              <a:rPr lang="en-US" b="1" dirty="0">
+                <a:solidFill>
+                  <a:schemeClr val="accent1">
+                    <a:lumMod val="75000"/>
+                  </a:schemeClr>
+                </a:solidFill>
+              </a:rPr>
+              <a:t>&amp;var</a:t>
+            </a:r>
+            <a:r>
+              <a:rPr lang="en-US" dirty="0"/>
+              <a:t>) and  binding(</a:t>
+            </a:r>
+            <a:r>
+              <a:rPr lang="en-US" b="1" dirty="0">
+                <a:solidFill>
+                  <a:schemeClr val="accent1">
+                    <a:lumMod val="75000"/>
+                  </a:schemeClr>
+                </a:solidFill>
+              </a:rPr>
+              <a:t>:var</a:t>
+            </a:r>
+            <a:r>
+              <a:rPr lang="en-US" dirty="0"/>
+              <a:t>)</a:t>
+            </a:r>
+          </a:p>
+          <a:p>
+            <a:r>
+              <a:rPr lang="en-US" dirty="0"/>
+              <a:t>Either input parameter or variable can pre-define default value and options(</a:t>
+            </a:r>
+            <a:r>
+              <a:rPr lang="en-US" b="1" dirty="0">
+                <a:solidFill>
+                  <a:schemeClr val="accent1">
+                    <a:lumMod val="75000"/>
+                  </a:schemeClr>
+                </a:solidFill>
+              </a:rPr>
+              <a:t>-option</a:t>
+            </a:r>
+            <a:r>
+              <a:rPr lang="en-US" dirty="0"/>
+              <a:t>) in the script annotation part(sub-part of the documentation)</a:t>
+            </a:r>
+          </a:p>
+          <a:p>
+            <a:r>
+              <a:rPr lang="en-US" dirty="0"/>
+              <a:t>If an input parameter is dot(</a:t>
+            </a:r>
+            <a:r>
+              <a:rPr lang="en-US" b="1" dirty="0">
+                <a:solidFill>
+                  <a:schemeClr val="accent1">
+                    <a:lumMod val="75000"/>
+                  </a:schemeClr>
+                </a:solidFill>
+              </a:rPr>
+              <a:t>.</a:t>
+            </a:r>
+            <a:r>
+              <a:rPr lang="en-US" dirty="0"/>
+              <a:t>), it means using the default value</a:t>
+            </a:r>
+          </a:p>
+          <a:p>
+            <a:r>
+              <a:rPr lang="en-US" dirty="0"/>
+              <a:t>3 switches can be defined in the annotation part and can be treated as variables: </a:t>
+            </a:r>
+          </a:p>
+          <a:p>
+            <a:pPr lvl="1"/>
+            <a:r>
+              <a:rPr lang="en-US" dirty="0"/>
+              <a:t>Privilege switch(</a:t>
+            </a:r>
+            <a:r>
+              <a:rPr lang="en-US" b="1" dirty="0">
+                <a:solidFill>
+                  <a:schemeClr val="accent1">
+                    <a:lumMod val="75000"/>
+                  </a:schemeClr>
+                </a:solidFill>
+              </a:rPr>
+              <a:t>@</a:t>
+            </a:r>
+            <a:r>
+              <a:rPr lang="en-US" b="1" dirty="0" err="1">
+                <a:solidFill>
+                  <a:schemeClr val="accent1">
+                    <a:lumMod val="75000"/>
+                  </a:schemeClr>
+                </a:solidFill>
+              </a:rPr>
+              <a:t>check_access_</a:t>
+            </a:r>
+            <a:r>
+              <a:rPr lang="en-US" dirty="0" err="1"/>
+              <a:t>xxx</a:t>
+            </a:r>
+            <a:r>
+              <a:rPr lang="en-US" dirty="0"/>
+              <a:t>): auto-choose the first value that matches the required access right</a:t>
+            </a:r>
+          </a:p>
+          <a:p>
+            <a:pPr lvl="1"/>
+            <a:r>
+              <a:rPr lang="en-US" dirty="0"/>
+              <a:t>User switch(</a:t>
+            </a:r>
+            <a:r>
+              <a:rPr lang="en-US" b="1" dirty="0">
+                <a:solidFill>
+                  <a:schemeClr val="accent1">
+                    <a:lumMod val="75000"/>
+                  </a:schemeClr>
+                </a:solidFill>
+              </a:rPr>
+              <a:t>@</a:t>
+            </a:r>
+            <a:r>
+              <a:rPr lang="en-US" b="1" dirty="0" err="1">
+                <a:solidFill>
+                  <a:schemeClr val="accent1">
+                    <a:lumMod val="75000"/>
+                  </a:schemeClr>
+                </a:solidFill>
+              </a:rPr>
+              <a:t>check_user_</a:t>
+            </a:r>
+            <a:r>
+              <a:rPr lang="en-US" dirty="0" err="1"/>
+              <a:t>xxx</a:t>
+            </a:r>
+            <a:r>
+              <a:rPr lang="en-US" dirty="0"/>
+              <a:t>): auto-choose the first value that login user matches  the required user</a:t>
+            </a:r>
+          </a:p>
+          <a:p>
+            <a:pPr lvl="1"/>
+            <a:r>
+              <a:rPr lang="en-US" dirty="0"/>
+              <a:t>Version switch (@other): auto-choose the first value that matches the require db version</a:t>
+            </a:r>
+          </a:p>
+          <a:p>
+            <a:pPr lvl="1"/>
+            <a:r>
+              <a:rPr lang="en-US" dirty="0"/>
+              <a:t>If  the “</a:t>
+            </a:r>
+            <a:r>
+              <a:rPr lang="en-US" b="1" dirty="0">
+                <a:solidFill>
+                  <a:schemeClr val="accent1">
+                    <a:lumMod val="75000"/>
+                  </a:schemeClr>
+                </a:solidFill>
+              </a:rPr>
+              <a:t>default</a:t>
+            </a:r>
+            <a:r>
+              <a:rPr lang="en-US" dirty="0"/>
+              <a:t>” option is not defined in a switch annotation and current login user cannot match any requirement, then the script will exit with an error </a:t>
+            </a:r>
+          </a:p>
+          <a:p>
+            <a:r>
+              <a:rPr lang="en-US" dirty="0"/>
+              <a:t>2 other annotations:</a:t>
+            </a:r>
+          </a:p>
+          <a:p>
+            <a:pPr lvl="1"/>
+            <a:r>
+              <a:rPr lang="en-US" dirty="0"/>
+              <a:t>@ALIAS: defines the nicknames of the script, multiple nicknames should be separated by comma(,)</a:t>
+            </a:r>
+          </a:p>
+          <a:p>
+            <a:pPr lvl="1"/>
+            <a:r>
+              <a:rPr lang="en-US" dirty="0"/>
+              <a:t>@ARGS: defines the minimum number of </a:t>
+            </a:r>
+            <a:r>
+              <a:rPr lang="en-US"/>
+              <a:t>input parameters</a:t>
+            </a:r>
+            <a:endParaRPr lang="en-US" dirty="0"/>
+          </a:p>
+          <a:p>
+            <a:r>
+              <a:rPr lang="en-US" dirty="0"/>
+              <a:t>The life cycle of the VAR/DEFINE/SET settings are script-locally, and don’t affect the global level settings, however in SQL*Plus those are all global, which can mess the variables of different scripts.</a:t>
+            </a:r>
+          </a:p>
+          <a:p>
+            <a:r>
+              <a:rPr lang="en-US" dirty="0"/>
+              <a:t>Engines:</a:t>
+            </a:r>
+          </a:p>
+          <a:p>
+            <a:pPr lvl="1"/>
+            <a:r>
+              <a:rPr lang="en-US" dirty="0"/>
+              <a:t>SQL*Plus-style engine: does not support all SQL*Plus syntax, but supports all commands that dbcli provides(</a:t>
+            </a:r>
+            <a:r>
+              <a:rPr lang="en-US" b="1" dirty="0">
+                <a:solidFill>
+                  <a:schemeClr val="accent1">
+                    <a:lumMod val="75000"/>
+                  </a:schemeClr>
+                </a:solidFill>
+              </a:rPr>
+              <a:t>help -a </a:t>
+            </a:r>
+            <a:r>
+              <a:rPr lang="en-US" dirty="0"/>
+              <a:t>to list all supported commands)</a:t>
+            </a:r>
+          </a:p>
+          <a:p>
+            <a:pPr lvl="2"/>
+            <a:r>
+              <a:rPr lang="en-US" b="1" dirty="0">
+                <a:solidFill>
+                  <a:schemeClr val="accent1">
+                    <a:lumMod val="75000"/>
+                  </a:schemeClr>
+                </a:solidFill>
+              </a:rPr>
+              <a:t>Show</a:t>
+            </a:r>
+            <a:r>
+              <a:rPr lang="en-US" dirty="0"/>
+              <a:t>:  Executes the pre-defined scripts that don’t require any input parameter</a:t>
+            </a:r>
+          </a:p>
+          <a:p>
+            <a:pPr lvl="2"/>
+            <a:r>
+              <a:rPr lang="en-US" b="1" dirty="0">
+                <a:solidFill>
+                  <a:schemeClr val="accent1">
+                    <a:lumMod val="75000"/>
+                  </a:schemeClr>
+                </a:solidFill>
+              </a:rPr>
+              <a:t>Ora</a:t>
+            </a:r>
+            <a:r>
+              <a:rPr lang="en-US" dirty="0"/>
+              <a:t>: Executes the pre-defined scripts that accept parameters</a:t>
+            </a:r>
+          </a:p>
+          <a:p>
+            <a:pPr lvl="2"/>
+            <a:r>
+              <a:rPr lang="en-US" b="1" dirty="0">
+                <a:solidFill>
+                  <a:schemeClr val="accent1">
+                    <a:lumMod val="75000"/>
+                  </a:schemeClr>
+                </a:solidFill>
+              </a:rPr>
+              <a:t>SYS</a:t>
+            </a:r>
+            <a:r>
+              <a:rPr lang="en-US" dirty="0"/>
+              <a:t>: Similar to Ora, but executes the pre-defined scripts that refer to x$ table</a:t>
+            </a:r>
+          </a:p>
+          <a:p>
+            <a:pPr lvl="2"/>
+            <a:r>
+              <a:rPr lang="en-US" b="1" dirty="0">
+                <a:solidFill>
+                  <a:schemeClr val="accent1">
+                    <a:lumMod val="75000"/>
+                  </a:schemeClr>
+                </a:solidFill>
+              </a:rPr>
+              <a:t>EXA</a:t>
+            </a:r>
+            <a:r>
+              <a:rPr lang="en-US" dirty="0"/>
+              <a:t>: Similar to Ora, but executes the pre-defined scripts that to query Exadata information</a:t>
+            </a:r>
+          </a:p>
+          <a:p>
+            <a:pPr lvl="1"/>
+            <a:r>
+              <a:rPr lang="en-US" dirty="0"/>
+              <a:t>Snapper engine(</a:t>
+            </a:r>
+            <a:r>
+              <a:rPr lang="en-US" b="1" dirty="0">
+                <a:solidFill>
+                  <a:schemeClr val="accent1">
+                    <a:lumMod val="75000"/>
+                  </a:schemeClr>
+                </a:solidFill>
+              </a:rPr>
+              <a:t>snap</a:t>
+            </a:r>
+            <a:r>
+              <a:rPr lang="en-US" dirty="0"/>
+              <a:t>):</a:t>
+            </a:r>
+            <a:r>
+              <a:rPr lang="zh-CN" altLang="en-US" dirty="0"/>
               <a:t> </a:t>
             </a:r>
             <a:r>
-              <a:rPr lang="en-US" altLang="zh-CN" sz="2300" dirty="0">
-                <a:latin typeface="Courier New" panose="02070309020205020404" pitchFamily="49" charset="0"/>
-                <a:cs typeface="Courier New" panose="02070309020205020404" pitchFamily="49" charset="0"/>
-              </a:rPr>
-              <a:t>show</a:t>
-            </a:r>
-            <a:r>
-              <a:rPr lang="zh-CN" altLang="en-US" sz="2300" dirty="0">
-                <a:latin typeface="Courier New" panose="02070309020205020404" pitchFamily="49" charset="0"/>
-                <a:cs typeface="Courier New" panose="02070309020205020404" pitchFamily="49" charset="0"/>
-              </a:rPr>
-              <a:t> </a:t>
-            </a:r>
-            <a:r>
-              <a:rPr lang="en-US" altLang="zh-CN" sz="2300" dirty="0">
-                <a:latin typeface="Courier New" panose="02070309020205020404" pitchFamily="49" charset="0"/>
-                <a:cs typeface="Courier New" panose="02070309020205020404" pitchFamily="49" charset="0"/>
-              </a:rPr>
-              <a:t>sql plan + aggregated ash cost of all executions of the same </a:t>
-            </a:r>
-            <a:r>
-              <a:rPr lang="en-US" altLang="zh-CN" sz="2300" dirty="0" err="1">
-                <a:latin typeface="Courier New" panose="02070309020205020404" pitchFamily="49" charset="0"/>
-                <a:cs typeface="Courier New" panose="02070309020205020404" pitchFamily="49" charset="0"/>
-              </a:rPr>
-              <a:t>phv</a:t>
-            </a:r>
-            <a:endParaRPr lang="en-US" altLang="zh-CN" sz="2300" dirty="0">
-              <a:latin typeface="Courier New" panose="02070309020205020404" pitchFamily="49" charset="0"/>
-              <a:cs typeface="Courier New" panose="02070309020205020404" pitchFamily="49" charset="0"/>
-            </a:endParaRPr>
-          </a:p>
-          <a:p>
-            <a:r>
-              <a:rPr lang="en-US" sz="2300" dirty="0">
-                <a:latin typeface="Courier New" panose="02070309020205020404" pitchFamily="49" charset="0"/>
-                <a:cs typeface="Courier New" panose="02070309020205020404" pitchFamily="49" charset="0"/>
-              </a:rPr>
-              <a:t>Ora </a:t>
-            </a:r>
-            <a:r>
-              <a:rPr lang="en-US" sz="2300" dirty="0" err="1">
-                <a:latin typeface="Courier New" panose="02070309020205020404" pitchFamily="49" charset="0"/>
-                <a:cs typeface="Courier New" panose="02070309020205020404" pitchFamily="49" charset="0"/>
-              </a:rPr>
-              <a:t>ashchain</a:t>
-            </a:r>
-            <a:r>
-              <a:rPr lang="en-US" sz="2300" dirty="0">
-                <a:latin typeface="Courier New" panose="02070309020205020404" pitchFamily="49" charset="0"/>
-                <a:cs typeface="Courier New" panose="02070309020205020404" pitchFamily="49" charset="0"/>
-              </a:rPr>
-              <a:t> [&lt;</a:t>
-            </a:r>
-            <a:r>
-              <a:rPr lang="en-US" sz="2300" dirty="0" err="1">
-                <a:latin typeface="Courier New" panose="02070309020205020404" pitchFamily="49" charset="0"/>
-                <a:cs typeface="Courier New" panose="02070309020205020404" pitchFamily="49" charset="0"/>
-              </a:rPr>
-              <a:t>sql_id</a:t>
-            </a:r>
-            <a:r>
-              <a:rPr lang="en-US" sz="2300" dirty="0">
-                <a:latin typeface="Courier New" panose="02070309020205020404" pitchFamily="49" charset="0"/>
-                <a:cs typeface="Courier New" panose="02070309020205020404" pitchFamily="49" charset="0"/>
-              </a:rPr>
-              <a:t>&gt;|&lt;sid&gt;] [-sid|-p] [-flat]:  An enhancement of </a:t>
-            </a:r>
-            <a:r>
-              <a:rPr lang="en-US" sz="2300" dirty="0" err="1">
-                <a:latin typeface="Courier New" panose="02070309020205020404" pitchFamily="49" charset="0"/>
-                <a:cs typeface="Courier New" panose="02070309020205020404" pitchFamily="49" charset="0"/>
-              </a:rPr>
-              <a:t>Tanel</a:t>
-            </a:r>
-            <a:r>
-              <a:rPr lang="en-US" sz="2300" dirty="0">
-                <a:latin typeface="Courier New" panose="02070309020205020404" pitchFamily="49" charset="0"/>
-                <a:cs typeface="Courier New" panose="02070309020205020404" pitchFamily="49" charset="0"/>
-              </a:rPr>
-              <a:t> </a:t>
-            </a:r>
-            <a:r>
-              <a:rPr lang="en-US" sz="2300" dirty="0" err="1">
-                <a:latin typeface="Courier New" panose="02070309020205020404" pitchFamily="49" charset="0"/>
-                <a:cs typeface="Courier New" panose="02070309020205020404" pitchFamily="49" charset="0"/>
-              </a:rPr>
-              <a:t>Poder’s</a:t>
-            </a:r>
-            <a:r>
-              <a:rPr lang="en-US" sz="2300" dirty="0">
-                <a:latin typeface="Courier New" panose="02070309020205020404" pitchFamily="49" charset="0"/>
-                <a:cs typeface="Courier New" panose="02070309020205020404" pitchFamily="49" charset="0"/>
-              </a:rPr>
-              <a:t> script to see blocking information of ASH</a:t>
-            </a:r>
-          </a:p>
-          <a:p>
-            <a:r>
-              <a:rPr lang="en-US" sz="2300" dirty="0">
-                <a:latin typeface="Courier New" panose="02070309020205020404" pitchFamily="49" charset="0"/>
-                <a:cs typeface="Courier New" panose="02070309020205020404" pitchFamily="49" charset="0"/>
-              </a:rPr>
-              <a:t>Ora </a:t>
-            </a:r>
-            <a:r>
-              <a:rPr lang="en-US" sz="2300" dirty="0" err="1">
-                <a:latin typeface="Courier New" panose="02070309020205020404" pitchFamily="49" charset="0"/>
-                <a:cs typeface="Courier New" panose="02070309020205020404" pitchFamily="49" charset="0"/>
-              </a:rPr>
-              <a:t>ashtop</a:t>
-            </a:r>
-            <a:r>
-              <a:rPr lang="en-US" sz="2300" dirty="0">
-                <a:latin typeface="Courier New" panose="02070309020205020404" pitchFamily="49" charset="0"/>
-                <a:cs typeface="Courier New" panose="02070309020205020404" pitchFamily="49" charset="0"/>
-              </a:rPr>
-              <a:t> [&lt;</a:t>
-            </a:r>
-            <a:r>
-              <a:rPr lang="en-US" sz="2300" dirty="0" err="1">
-                <a:latin typeface="Courier New" panose="02070309020205020404" pitchFamily="49" charset="0"/>
-                <a:cs typeface="Courier New" panose="02070309020205020404" pitchFamily="49" charset="0"/>
-              </a:rPr>
-              <a:t>sql_id</a:t>
-            </a:r>
-            <a:r>
-              <a:rPr lang="en-US" sz="2300" dirty="0">
-                <a:latin typeface="Courier New" panose="02070309020205020404" pitchFamily="49" charset="0"/>
-                <a:cs typeface="Courier New" panose="02070309020205020404" pitchFamily="49" charset="0"/>
-              </a:rPr>
-              <a:t>&gt;] [-snap &lt;seconds&gt;] [-p|-o]: An enhancement of </a:t>
-            </a:r>
-            <a:r>
-              <a:rPr lang="en-US" sz="2300" dirty="0" err="1">
-                <a:latin typeface="Courier New" panose="02070309020205020404" pitchFamily="49" charset="0"/>
-                <a:cs typeface="Courier New" panose="02070309020205020404" pitchFamily="49" charset="0"/>
-              </a:rPr>
-              <a:t>Tanel</a:t>
-            </a:r>
-            <a:r>
-              <a:rPr lang="en-US" sz="2300" dirty="0">
-                <a:latin typeface="Courier New" panose="02070309020205020404" pitchFamily="49" charset="0"/>
-                <a:cs typeface="Courier New" panose="02070309020205020404" pitchFamily="49" charset="0"/>
-              </a:rPr>
-              <a:t> </a:t>
-            </a:r>
-            <a:r>
-              <a:rPr lang="en-US" sz="2300" dirty="0" err="1">
-                <a:latin typeface="Courier New" panose="02070309020205020404" pitchFamily="49" charset="0"/>
-                <a:cs typeface="Courier New" panose="02070309020205020404" pitchFamily="49" charset="0"/>
-              </a:rPr>
-              <a:t>Poder’s</a:t>
-            </a:r>
-            <a:r>
-              <a:rPr lang="en-US" sz="2300" dirty="0">
-                <a:latin typeface="Courier New" panose="02070309020205020404" pitchFamily="49" charset="0"/>
-                <a:cs typeface="Courier New" panose="02070309020205020404" pitchFamily="49" charset="0"/>
-              </a:rPr>
-              <a:t> script to see blocking information of ASH</a:t>
-            </a:r>
-          </a:p>
-          <a:p>
-            <a:r>
-              <a:rPr lang="en-US" sz="2300" dirty="0">
-                <a:latin typeface="Courier New" panose="02070309020205020404" pitchFamily="49" charset="0"/>
-                <a:cs typeface="Courier New" panose="02070309020205020404" pitchFamily="49" charset="0"/>
-              </a:rPr>
-              <a:t>Ora obj &lt;</a:t>
-            </a:r>
-            <a:r>
-              <a:rPr lang="en-US" sz="2300" dirty="0" err="1">
-                <a:latin typeface="Courier New" panose="02070309020205020404" pitchFamily="49" charset="0"/>
-                <a:cs typeface="Courier New" panose="02070309020205020404" pitchFamily="49" charset="0"/>
-              </a:rPr>
-              <a:t>object_id|data_object_id</a:t>
-            </a:r>
-            <a:r>
-              <a:rPr lang="en-US" sz="2300" dirty="0">
-                <a:latin typeface="Courier New" panose="02070309020205020404" pitchFamily="49" charset="0"/>
-                <a:cs typeface="Courier New" panose="02070309020205020404" pitchFamily="49" charset="0"/>
-              </a:rPr>
-              <a:t>|[owner.]</a:t>
-            </a:r>
-            <a:r>
-              <a:rPr lang="en-US" sz="2300" dirty="0" err="1">
-                <a:latin typeface="Courier New" panose="02070309020205020404" pitchFamily="49" charset="0"/>
-                <a:cs typeface="Courier New" panose="02070309020205020404" pitchFamily="49" charset="0"/>
-              </a:rPr>
-              <a:t>object_name</a:t>
-            </a:r>
-            <a:r>
-              <a:rPr lang="en-US" sz="2300" dirty="0">
-                <a:latin typeface="Courier New" panose="02070309020205020404" pitchFamily="49" charset="0"/>
-                <a:cs typeface="Courier New" panose="02070309020205020404" pitchFamily="49" charset="0"/>
-              </a:rPr>
-              <a:t>&gt;: Show information of an object</a:t>
-            </a:r>
-          </a:p>
-          <a:p>
-            <a:r>
-              <a:rPr lang="en-US" sz="2300" dirty="0">
-                <a:latin typeface="Courier New" panose="02070309020205020404" pitchFamily="49" charset="0"/>
-                <a:cs typeface="Courier New" panose="02070309020205020404" pitchFamily="49" charset="0"/>
-              </a:rPr>
-              <a:t>Ora search &lt;keyword&gt;: search object with specific keyword</a:t>
-            </a:r>
-          </a:p>
-          <a:p>
-            <a:r>
-              <a:rPr lang="en-US" sz="2300" dirty="0">
-                <a:latin typeface="Courier New" panose="02070309020205020404" pitchFamily="49" charset="0"/>
-                <a:cs typeface="Courier New" panose="02070309020205020404" pitchFamily="49" charset="0"/>
-              </a:rPr>
-              <a:t>Ora size [owner.]&lt;</a:t>
-            </a:r>
-            <a:r>
-              <a:rPr lang="en-US" sz="2300" dirty="0" err="1">
-                <a:latin typeface="Courier New" panose="02070309020205020404" pitchFamily="49" charset="0"/>
-                <a:cs typeface="Courier New" panose="02070309020205020404" pitchFamily="49" charset="0"/>
-              </a:rPr>
-              <a:t>object_name</a:t>
-            </a:r>
-            <a:r>
-              <a:rPr lang="en-US" sz="2300" dirty="0">
-                <a:latin typeface="Courier New" panose="02070309020205020404" pitchFamily="49" charset="0"/>
-                <a:cs typeface="Courier New" panose="02070309020205020404" pitchFamily="49" charset="0"/>
-              </a:rPr>
-              <a:t>&gt;: show space usage of an object</a:t>
-            </a:r>
-          </a:p>
-          <a:p>
-            <a:r>
-              <a:rPr lang="en-US" sz="2300" dirty="0">
-                <a:latin typeface="Courier New" panose="02070309020205020404" pitchFamily="49" charset="0"/>
-                <a:cs typeface="Courier New" panose="02070309020205020404" pitchFamily="49" charset="0"/>
-              </a:rPr>
-              <a:t>Ora space [owner.]&lt;</a:t>
-            </a:r>
-            <a:r>
-              <a:rPr lang="en-US" sz="2300" dirty="0" err="1">
-                <a:latin typeface="Courier New" panose="02070309020205020404" pitchFamily="49" charset="0"/>
-                <a:cs typeface="Courier New" panose="02070309020205020404" pitchFamily="49" charset="0"/>
-              </a:rPr>
-              <a:t>object_name</a:t>
-            </a:r>
-            <a:r>
-              <a:rPr lang="en-US" sz="2300" dirty="0">
-                <a:latin typeface="Courier New" panose="02070309020205020404" pitchFamily="49" charset="0"/>
-                <a:cs typeface="Courier New" panose="02070309020205020404" pitchFamily="49" charset="0"/>
-              </a:rPr>
-              <a:t>&gt; [-adv]: show detailed space usage of an object</a:t>
-            </a:r>
-          </a:p>
-          <a:p>
-            <a:r>
-              <a:rPr lang="en-US" sz="2300" dirty="0">
-                <a:latin typeface="Courier New" panose="02070309020205020404" pitchFamily="49" charset="0"/>
-                <a:cs typeface="Courier New" panose="02070309020205020404" pitchFamily="49" charset="0"/>
-              </a:rPr>
-              <a:t>Ora </a:t>
-            </a:r>
-            <a:r>
-              <a:rPr lang="en-US" sz="2300" dirty="0" err="1">
-                <a:latin typeface="Courier New" panose="02070309020205020404" pitchFamily="49" charset="0"/>
-                <a:cs typeface="Courier New" panose="02070309020205020404" pitchFamily="49" charset="0"/>
-              </a:rPr>
-              <a:t>ddl</a:t>
-            </a:r>
-            <a:r>
-              <a:rPr lang="en-US" sz="2300" dirty="0">
-                <a:latin typeface="Courier New" panose="02070309020205020404" pitchFamily="49" charset="0"/>
-                <a:cs typeface="Courier New" panose="02070309020205020404" pitchFamily="49" charset="0"/>
-              </a:rPr>
-              <a:t> [owner.]&lt;</a:t>
-            </a:r>
-            <a:r>
-              <a:rPr lang="en-US" sz="2300" dirty="0" err="1">
-                <a:latin typeface="Courier New" panose="02070309020205020404" pitchFamily="49" charset="0"/>
-                <a:cs typeface="Courier New" panose="02070309020205020404" pitchFamily="49" charset="0"/>
-              </a:rPr>
-              <a:t>object_name</a:t>
-            </a:r>
-            <a:r>
-              <a:rPr lang="en-US" sz="2300" dirty="0">
-                <a:latin typeface="Courier New" panose="02070309020205020404" pitchFamily="49" charset="0"/>
-                <a:cs typeface="Courier New" panose="02070309020205020404" pitchFamily="49" charset="0"/>
-              </a:rPr>
-              <a:t>&gt;: show </a:t>
-            </a:r>
-            <a:r>
-              <a:rPr lang="en-US" sz="2300" dirty="0" err="1">
-                <a:latin typeface="Courier New" panose="02070309020205020404" pitchFamily="49" charset="0"/>
-                <a:cs typeface="Courier New" panose="02070309020205020404" pitchFamily="49" charset="0"/>
-              </a:rPr>
-              <a:t>ddl</a:t>
-            </a:r>
-            <a:r>
-              <a:rPr lang="en-US" sz="2300" dirty="0">
-                <a:latin typeface="Courier New" panose="02070309020205020404" pitchFamily="49" charset="0"/>
-                <a:cs typeface="Courier New" panose="02070309020205020404" pitchFamily="49" charset="0"/>
-              </a:rPr>
-              <a:t> of an object</a:t>
-            </a:r>
-          </a:p>
-          <a:p>
-            <a:r>
-              <a:rPr lang="en-US" sz="2300" dirty="0">
-                <a:latin typeface="Courier New" panose="02070309020205020404" pitchFamily="49" charset="0"/>
-                <a:cs typeface="Courier New" panose="02070309020205020404" pitchFamily="49" charset="0"/>
-              </a:rPr>
-              <a:t>Ora stats [owner.]&lt;</a:t>
-            </a:r>
-            <a:r>
-              <a:rPr lang="en-US" sz="2300" dirty="0" err="1">
-                <a:latin typeface="Courier New" panose="02070309020205020404" pitchFamily="49" charset="0"/>
-                <a:cs typeface="Courier New" panose="02070309020205020404" pitchFamily="49" charset="0"/>
-              </a:rPr>
-              <a:t>table_name</a:t>
-            </a:r>
-            <a:r>
-              <a:rPr lang="en-US" sz="2300" dirty="0">
-                <a:latin typeface="Courier New" panose="02070309020205020404" pitchFamily="49" charset="0"/>
-                <a:cs typeface="Courier New" panose="02070309020205020404" pitchFamily="49" charset="0"/>
-              </a:rPr>
-              <a:t>&gt; [-advise]: show table stats or run statistics advisor</a:t>
-            </a:r>
-          </a:p>
-          <a:p>
-            <a:r>
-              <a:rPr lang="en-US" sz="2300" dirty="0">
-                <a:latin typeface="Courier New" panose="02070309020205020404" pitchFamily="49" charset="0"/>
-                <a:cs typeface="Courier New" panose="02070309020205020404" pitchFamily="49" charset="0"/>
-              </a:rPr>
-              <a:t>Ora histogram [owner.]&lt;</a:t>
-            </a:r>
-            <a:r>
-              <a:rPr lang="en-US" sz="2300" dirty="0" err="1">
-                <a:latin typeface="Courier New" panose="02070309020205020404" pitchFamily="49" charset="0"/>
-                <a:cs typeface="Courier New" panose="02070309020205020404" pitchFamily="49" charset="0"/>
-              </a:rPr>
-              <a:t>table_name</a:t>
-            </a:r>
-            <a:r>
-              <a:rPr lang="en-US" sz="2300" dirty="0">
-                <a:latin typeface="Courier New" panose="02070309020205020404" pitchFamily="49" charset="0"/>
-                <a:cs typeface="Courier New" panose="02070309020205020404" pitchFamily="49" charset="0"/>
-              </a:rPr>
-              <a:t>&gt; &lt;column&gt; […]: Show/change histogram of a column</a:t>
-            </a:r>
-          </a:p>
-          <a:p>
-            <a:r>
-              <a:rPr lang="en-US" sz="2300" dirty="0">
-                <a:latin typeface="Courier New" panose="02070309020205020404" pitchFamily="49" charset="0"/>
-                <a:cs typeface="Courier New" panose="02070309020205020404" pitchFamily="49" charset="0"/>
-              </a:rPr>
-              <a:t>Ora </a:t>
-            </a:r>
-            <a:r>
-              <a:rPr lang="en-US" sz="2300" dirty="0" err="1">
-                <a:latin typeface="Courier New" panose="02070309020205020404" pitchFamily="49" charset="0"/>
-                <a:cs typeface="Courier New" panose="02070309020205020404" pitchFamily="49" charset="0"/>
-              </a:rPr>
-              <a:t>spd</a:t>
-            </a:r>
-            <a:r>
-              <a:rPr lang="en-US" sz="2300" dirty="0">
-                <a:latin typeface="Courier New" panose="02070309020205020404" pitchFamily="49" charset="0"/>
-                <a:cs typeface="Courier New" panose="02070309020205020404" pitchFamily="49" charset="0"/>
-              </a:rPr>
-              <a:t> [owner.]&lt;</a:t>
-            </a:r>
-            <a:r>
-              <a:rPr lang="en-US" sz="2300" dirty="0" err="1">
-                <a:latin typeface="Courier New" panose="02070309020205020404" pitchFamily="49" charset="0"/>
-                <a:cs typeface="Courier New" panose="02070309020205020404" pitchFamily="49" charset="0"/>
-              </a:rPr>
-              <a:t>table_name</a:t>
-            </a:r>
-            <a:r>
-              <a:rPr lang="en-US" sz="2300" dirty="0">
-                <a:latin typeface="Courier New" panose="02070309020205020404" pitchFamily="49" charset="0"/>
-                <a:cs typeface="Courier New" panose="02070309020205020404" pitchFamily="49" charset="0"/>
-              </a:rPr>
-              <a:t>&gt;: show SPD information of an object</a:t>
-            </a:r>
-          </a:p>
-          <a:p>
-            <a:r>
-              <a:rPr lang="en-US" sz="2300" dirty="0">
-                <a:latin typeface="Courier New" panose="02070309020205020404" pitchFamily="49" charset="0"/>
-                <a:cs typeface="Courier New" panose="02070309020205020404" pitchFamily="49" charset="0"/>
-              </a:rPr>
-              <a:t>Ora/sys </a:t>
-            </a:r>
-            <a:r>
-              <a:rPr lang="en-US" sz="2300" dirty="0" err="1">
-                <a:latin typeface="Courier New" panose="02070309020205020404" pitchFamily="49" charset="0"/>
-                <a:cs typeface="Courier New" panose="02070309020205020404" pitchFamily="49" charset="0"/>
-              </a:rPr>
-              <a:t>liblock</a:t>
-            </a:r>
-            <a:r>
-              <a:rPr lang="en-US" sz="2300" dirty="0">
-                <a:latin typeface="Courier New" panose="02070309020205020404" pitchFamily="49" charset="0"/>
-                <a:cs typeface="Courier New" panose="02070309020205020404" pitchFamily="49" charset="0"/>
-              </a:rPr>
-              <a:t> [[owner.]&lt;</a:t>
-            </a:r>
-            <a:r>
-              <a:rPr lang="en-US" sz="2300" dirty="0" err="1">
-                <a:latin typeface="Courier New" panose="02070309020205020404" pitchFamily="49" charset="0"/>
-                <a:cs typeface="Courier New" panose="02070309020205020404" pitchFamily="49" charset="0"/>
-              </a:rPr>
-              <a:t>object_name</a:t>
-            </a:r>
-            <a:r>
-              <a:rPr lang="en-US" sz="2300" dirty="0">
-                <a:latin typeface="Courier New" panose="02070309020205020404" pitchFamily="49" charset="0"/>
-                <a:cs typeface="Courier New" panose="02070309020205020404" pitchFamily="49" charset="0"/>
-              </a:rPr>
-              <a:t>&gt;]: show library cache lock</a:t>
-            </a:r>
-          </a:p>
-          <a:p>
-            <a:r>
-              <a:rPr lang="en-US" sz="2300" dirty="0">
-                <a:latin typeface="Courier New" panose="02070309020205020404" pitchFamily="49" charset="0"/>
-                <a:cs typeface="Courier New" panose="02070309020205020404" pitchFamily="49" charset="0"/>
-              </a:rPr>
-              <a:t>Show </a:t>
-            </a:r>
-            <a:r>
-              <a:rPr lang="en-US" sz="2300" dirty="0" err="1">
-                <a:latin typeface="Courier New" panose="02070309020205020404" pitchFamily="49" charset="0"/>
-                <a:cs typeface="Courier New" panose="02070309020205020404" pitchFamily="49" charset="0"/>
-              </a:rPr>
-              <a:t>lockobj</a:t>
-            </a:r>
-            <a:r>
-              <a:rPr lang="en-US" sz="2300" dirty="0">
-                <a:latin typeface="Courier New" panose="02070309020205020404" pitchFamily="49" charset="0"/>
-                <a:cs typeface="Courier New" panose="02070309020205020404" pitchFamily="49" charset="0"/>
-              </a:rPr>
-              <a:t>: show DML lock information</a:t>
-            </a:r>
-          </a:p>
-          <a:p>
-            <a:r>
-              <a:rPr lang="en-US" sz="2300" dirty="0">
-                <a:latin typeface="Courier New" panose="02070309020205020404" pitchFamily="49" charset="0"/>
-                <a:cs typeface="Courier New" panose="02070309020205020404" pitchFamily="49" charset="0"/>
-              </a:rPr>
-              <a:t>Show waiters: show blocking information</a:t>
-            </a:r>
-          </a:p>
-          <a:p>
-            <a:r>
-              <a:rPr lang="en-US" sz="2300" dirty="0">
-                <a:latin typeface="Courier New" panose="02070309020205020404" pitchFamily="49" charset="0"/>
-                <a:cs typeface="Courier New" panose="02070309020205020404" pitchFamily="49" charset="0"/>
-              </a:rPr>
-              <a:t>Show </a:t>
-            </a:r>
-            <a:r>
-              <a:rPr lang="en-US" sz="2300" dirty="0" err="1">
-                <a:latin typeface="Courier New" panose="02070309020205020404" pitchFamily="49" charset="0"/>
-                <a:cs typeface="Courier New" panose="02070309020205020404" pitchFamily="49" charset="0"/>
-              </a:rPr>
-              <a:t>waitchain</a:t>
-            </a:r>
-            <a:r>
-              <a:rPr lang="en-US" sz="2300" dirty="0">
-                <a:latin typeface="Courier New" panose="02070309020205020404" pitchFamily="49" charset="0"/>
-                <a:cs typeface="Courier New" panose="02070309020205020404" pitchFamily="49" charset="0"/>
-              </a:rPr>
-              <a:t>: show blocking information</a:t>
-            </a:r>
-          </a:p>
-          <a:p>
-            <a:r>
-              <a:rPr lang="en-US" sz="2300" dirty="0">
-                <a:latin typeface="Courier New" panose="02070309020205020404" pitchFamily="49" charset="0"/>
-                <a:cs typeface="Courier New" panose="02070309020205020404" pitchFamily="49" charset="0"/>
-              </a:rPr>
-              <a:t>Show trans: show running transactions</a:t>
-            </a:r>
-          </a:p>
-          <a:p>
-            <a:endParaRPr lang="en-US" dirty="0"/>
-          </a:p>
-          <a:p>
-            <a:endParaRPr lang="en-US" dirty="0"/>
+              <a:rPr lang="en-US" altLang="zh-CN" dirty="0"/>
+              <a:t>JSON/Lua format, to compute the delta values of the same queries in a specific period, support Linux top-style output</a:t>
+            </a:r>
+          </a:p>
+          <a:p>
+            <a:pPr lvl="1"/>
+            <a:r>
+              <a:rPr lang="en-US" dirty="0"/>
+              <a:t>Graphing engine(</a:t>
+            </a:r>
+            <a:r>
+              <a:rPr lang="en-US" b="1" dirty="0">
+                <a:solidFill>
+                  <a:schemeClr val="accent1">
+                    <a:lumMod val="75000"/>
+                  </a:schemeClr>
+                </a:solidFill>
+              </a:rPr>
+              <a:t>chart/</a:t>
+            </a:r>
+            <a:r>
+              <a:rPr lang="en-US" b="1" dirty="0" err="1">
+                <a:solidFill>
+                  <a:schemeClr val="accent1">
+                    <a:lumMod val="75000"/>
+                  </a:schemeClr>
+                </a:solidFill>
+              </a:rPr>
+              <a:t>ch</a:t>
+            </a:r>
+            <a:r>
+              <a:rPr lang="en-US" dirty="0"/>
+              <a:t>): </a:t>
+            </a:r>
+            <a:r>
+              <a:rPr lang="en-US" altLang="zh-CN" dirty="0"/>
+              <a:t>JSON/Lua format, to</a:t>
+            </a:r>
+            <a:r>
+              <a:rPr lang="en-US" dirty="0"/>
+              <a:t> generate line/bar chart of the time-series data, mainly used on AWR data</a:t>
+            </a:r>
           </a:p>
         </p:txBody>
       </p:sp>
     </p:spTree>
     <p:extLst>
       <p:ext uri="{BB962C8B-B14F-4D97-AF65-F5344CB8AC3E}">
-        <p14:creationId xmlns:p14="http://schemas.microsoft.com/office/powerpoint/2010/main" val="2093610832"/>
+        <p14:creationId xmlns:p14="http://schemas.microsoft.com/office/powerpoint/2010/main" val="1687118102"/>
       </p:ext>
     </p:extLst>
   </p:cSld>
@@ -18885,6 +18255,938 @@
       </p:grpSpPr>
       <p:sp>
         <p:nvSpPr>
+          <p:cNvPr id="2" name="标题 1">
+            <a:extLst>
+              <a:ext uri="{FF2B5EF4-FFF2-40B4-BE49-F238E27FC236}">
+                <a16:creationId xmlns:a16="http://schemas.microsoft.com/office/drawing/2014/main" id="{62074AD1-1FE7-4190-9345-65532ED6F564}"/>
+              </a:ext>
+            </a:extLst>
+          </p:cNvPr>
+          <p:cNvSpPr>
+            <a:spLocks noGrp="1"/>
+          </p:cNvSpPr>
+          <p:nvPr>
+            <p:ph type="title"/>
+          </p:nvPr>
+        </p:nvSpPr>
+        <p:spPr>
+          <a:xfrm>
+            <a:off x="838200" y="156308"/>
+            <a:ext cx="10515600" cy="593970"/>
+          </a:xfrm>
+        </p:spPr>
+        <p:txBody>
+          <a:bodyPr>
+            <a:normAutofit fontScale="90000"/>
+          </a:bodyPr>
+          <a:lstStyle/>
+          <a:p>
+            <a:r>
+              <a:rPr lang="en-US" dirty="0"/>
+              <a:t>Common Pre-defined Scripts (1)</a:t>
+            </a:r>
+          </a:p>
+        </p:txBody>
+      </p:sp>
+      <p:sp>
+        <p:nvSpPr>
+          <p:cNvPr id="3" name="内容占位符 2">
+            <a:extLst>
+              <a:ext uri="{FF2B5EF4-FFF2-40B4-BE49-F238E27FC236}">
+                <a16:creationId xmlns:a16="http://schemas.microsoft.com/office/drawing/2014/main" id="{0F62E6C0-2DDF-4F51-A1B5-1DA4F66A4097}"/>
+              </a:ext>
+            </a:extLst>
+          </p:cNvPr>
+          <p:cNvSpPr>
+            <a:spLocks noGrp="1"/>
+          </p:cNvSpPr>
+          <p:nvPr>
+            <p:ph idx="1"/>
+          </p:nvPr>
+        </p:nvSpPr>
+        <p:spPr>
+          <a:xfrm>
+            <a:off x="838200" y="859692"/>
+            <a:ext cx="10515600" cy="5841999"/>
+          </a:xfrm>
+        </p:spPr>
+        <p:txBody>
+          <a:bodyPr>
+            <a:normAutofit fontScale="40000" lnSpcReduction="20000"/>
+          </a:bodyPr>
+          <a:lstStyle/>
+          <a:p>
+            <a:pPr marL="0" indent="0">
+              <a:buNone/>
+            </a:pPr>
+            <a:r>
+              <a:rPr lang="en-US" b="1" dirty="0">
+                <a:solidFill>
+                  <a:srgbClr val="FF0000"/>
+                </a:solidFill>
+              </a:rPr>
+              <a:t>*  Note</a:t>
+            </a:r>
+            <a:r>
+              <a:rPr lang="en-US" b="1" dirty="0"/>
+              <a:t>: </a:t>
+            </a:r>
+            <a:r>
+              <a:rPr lang="en-US" b="1" dirty="0">
+                <a:solidFill>
+                  <a:schemeClr val="accent1">
+                    <a:lumMod val="75000"/>
+                  </a:schemeClr>
+                </a:solidFill>
+              </a:rPr>
+              <a:t>[…]</a:t>
+            </a:r>
+            <a:r>
+              <a:rPr lang="en-US" b="1" dirty="0"/>
+              <a:t> means optional, </a:t>
+            </a:r>
+            <a:r>
+              <a:rPr lang="en-US" b="1" dirty="0">
+                <a:solidFill>
+                  <a:srgbClr val="0070C0"/>
+                </a:solidFill>
+              </a:rPr>
+              <a:t>|</a:t>
+            </a:r>
+            <a:r>
+              <a:rPr lang="en-US" b="1" dirty="0"/>
+              <a:t> means “OR”</a:t>
+            </a:r>
+          </a:p>
+          <a:p>
+            <a:r>
+              <a:rPr lang="en-US" sz="2300" dirty="0">
+                <a:latin typeface="Courier New" panose="02070309020205020404" pitchFamily="49" charset="0"/>
+                <a:cs typeface="Courier New" panose="02070309020205020404" pitchFamily="49" charset="0"/>
+              </a:rPr>
+              <a:t>top [interval] [-</a:t>
+            </a:r>
+            <a:r>
+              <a:rPr lang="en-US" sz="2300" dirty="0" err="1">
+                <a:latin typeface="Courier New" panose="02070309020205020404" pitchFamily="49" charset="0"/>
+                <a:cs typeface="Courier New" panose="02070309020205020404" pitchFamily="49" charset="0"/>
+              </a:rPr>
+              <a:t>iostat</a:t>
+            </a:r>
+            <a:r>
+              <a:rPr lang="en-US" sz="2300" dirty="0">
+                <a:latin typeface="Courier New" panose="02070309020205020404" pitchFamily="49" charset="0"/>
+                <a:cs typeface="Courier New" panose="02070309020205020404" pitchFamily="49" charset="0"/>
+              </a:rPr>
+              <a:t>|-latch] [-</a:t>
+            </a:r>
+            <a:r>
+              <a:rPr lang="en-US" sz="2300" dirty="0" err="1">
+                <a:latin typeface="Courier New" panose="02070309020205020404" pitchFamily="49" charset="0"/>
+                <a:cs typeface="Courier New" panose="02070309020205020404" pitchFamily="49" charset="0"/>
+              </a:rPr>
+              <a:t>filestat</a:t>
+            </a:r>
+            <a:r>
+              <a:rPr lang="en-US" sz="2300" dirty="0">
+                <a:latin typeface="Courier New" panose="02070309020205020404" pitchFamily="49" charset="0"/>
+                <a:cs typeface="Courier New" panose="02070309020205020404" pitchFamily="49" charset="0"/>
+              </a:rPr>
+              <a:t>]: monitor db stats with specific interval, default is 10 seconds</a:t>
+            </a:r>
+          </a:p>
+          <a:p>
+            <a:r>
+              <a:rPr lang="en-US" sz="2300" dirty="0" err="1">
+                <a:latin typeface="Courier New" panose="02070309020205020404" pitchFamily="49" charset="0"/>
+                <a:cs typeface="Courier New" panose="02070309020205020404" pitchFamily="49" charset="0"/>
+              </a:rPr>
+              <a:t>cellio</a:t>
+            </a:r>
+            <a:r>
+              <a:rPr lang="en-US" sz="2300" dirty="0">
+                <a:latin typeface="Courier New" panose="02070309020205020404" pitchFamily="49" charset="0"/>
+                <a:cs typeface="Courier New" panose="02070309020205020404" pitchFamily="49" charset="0"/>
+              </a:rPr>
+              <a:t> [interval] </a:t>
+            </a:r>
+            <a:r>
+              <a:rPr lang="nb-NO" sz="2300" dirty="0">
+                <a:latin typeface="Courier New" panose="02070309020205020404" pitchFamily="49" charset="0"/>
+                <a:cs typeface="Courier New" panose="02070309020205020404" pitchFamily="49" charset="0"/>
+              </a:rPr>
+              <a:t>[-pred|-cc|-db] [-cell] [-diskio] </a:t>
+            </a:r>
+            <a:r>
+              <a:rPr lang="en-US" sz="2300" dirty="0">
+                <a:latin typeface="Courier New" panose="02070309020205020404" pitchFamily="49" charset="0"/>
+                <a:cs typeface="Courier New" panose="02070309020205020404" pitchFamily="49" charset="0"/>
+              </a:rPr>
+              <a:t>: monitor Exadata cell stats with specific interval, default is 20 seconds</a:t>
+            </a:r>
+          </a:p>
+          <a:p>
+            <a:r>
+              <a:rPr lang="en-US" sz="2300" dirty="0">
+                <a:latin typeface="Courier New" panose="02070309020205020404" pitchFamily="49" charset="0"/>
+                <a:cs typeface="Courier New" panose="02070309020205020404" pitchFamily="49" charset="0"/>
+              </a:rPr>
+              <a:t>Exa cell: show Exadata information</a:t>
+            </a:r>
+          </a:p>
+          <a:p>
+            <a:r>
+              <a:rPr lang="en-US" sz="2300" dirty="0">
+                <a:latin typeface="Courier New" panose="02070309020205020404" pitchFamily="49" charset="0"/>
+                <a:cs typeface="Courier New" panose="02070309020205020404" pitchFamily="49" charset="0"/>
+              </a:rPr>
+              <a:t>Ora/sys param &lt;keyword&gt;: show parameters that match the keyword</a:t>
+            </a:r>
+          </a:p>
+          <a:p>
+            <a:r>
+              <a:rPr lang="en-US" sz="2300" dirty="0">
+                <a:latin typeface="Courier New" panose="02070309020205020404" pitchFamily="49" charset="0"/>
+                <a:cs typeface="Courier New" panose="02070309020205020404" pitchFamily="49" charset="0"/>
+              </a:rPr>
+              <a:t>Ora tbs [&lt;</a:t>
+            </a:r>
+            <a:r>
+              <a:rPr lang="en-US" sz="2300" dirty="0" err="1">
+                <a:latin typeface="Courier New" panose="02070309020205020404" pitchFamily="49" charset="0"/>
+                <a:cs typeface="Courier New" panose="02070309020205020404" pitchFamily="49" charset="0"/>
+              </a:rPr>
+              <a:t>tablespace_name</a:t>
+            </a:r>
+            <a:r>
+              <a:rPr lang="en-US" sz="2300" dirty="0">
+                <a:latin typeface="Courier New" panose="02070309020205020404" pitchFamily="49" charset="0"/>
+                <a:cs typeface="Courier New" panose="02070309020205020404" pitchFamily="49" charset="0"/>
+              </a:rPr>
+              <a:t>&gt;]: show tablespace usages</a:t>
+            </a:r>
+          </a:p>
+          <a:p>
+            <a:r>
+              <a:rPr lang="en-US" sz="2300" dirty="0">
+                <a:latin typeface="Courier New" panose="02070309020205020404" pitchFamily="49" charset="0"/>
+                <a:cs typeface="Courier New" panose="02070309020205020404" pitchFamily="49" charset="0"/>
+              </a:rPr>
+              <a:t>ora actives [-b|-p|-m]: list active SQLs</a:t>
+            </a:r>
+          </a:p>
+          <a:p>
+            <a:r>
+              <a:rPr lang="en-US" sz="2300" dirty="0">
+                <a:latin typeface="Courier New" panose="02070309020205020404" pitchFamily="49" charset="0"/>
+                <a:cs typeface="Courier New" panose="02070309020205020404" pitchFamily="49" charset="0"/>
+              </a:rPr>
+              <a:t>ora plan &lt;</a:t>
+            </a:r>
+            <a:r>
+              <a:rPr lang="en-US" sz="2300" dirty="0" err="1">
+                <a:latin typeface="Courier New" panose="02070309020205020404" pitchFamily="49" charset="0"/>
+                <a:cs typeface="Courier New" panose="02070309020205020404" pitchFamily="49" charset="0"/>
+              </a:rPr>
+              <a:t>sql_id</a:t>
+            </a:r>
+            <a:r>
+              <a:rPr lang="en-US" sz="2300" dirty="0">
+                <a:latin typeface="Courier New" panose="02070309020205020404" pitchFamily="49" charset="0"/>
+                <a:cs typeface="Courier New" panose="02070309020205020404" pitchFamily="49" charset="0"/>
+              </a:rPr>
+              <a:t>&gt; &lt;</a:t>
+            </a:r>
+            <a:r>
+              <a:rPr lang="en-US" sz="2300" dirty="0" err="1">
+                <a:latin typeface="Courier New" panose="02070309020205020404" pitchFamily="49" charset="0"/>
+                <a:cs typeface="Courier New" panose="02070309020205020404" pitchFamily="49" charset="0"/>
+              </a:rPr>
+              <a:t>plan_hash_value</a:t>
+            </a:r>
+            <a:r>
+              <a:rPr lang="en-US" sz="2300" dirty="0">
+                <a:latin typeface="Courier New" panose="02070309020205020404" pitchFamily="49" charset="0"/>
+                <a:cs typeface="Courier New" panose="02070309020205020404" pitchFamily="49" charset="0"/>
+              </a:rPr>
+              <a:t>&gt;: show execution plan</a:t>
+            </a:r>
+          </a:p>
+          <a:p>
+            <a:r>
+              <a:rPr lang="en-US" sz="2300" dirty="0">
+                <a:latin typeface="Courier New" panose="02070309020205020404" pitchFamily="49" charset="0"/>
+                <a:cs typeface="Courier New" panose="02070309020205020404" pitchFamily="49" charset="0"/>
+              </a:rPr>
+              <a:t>ora sql &lt;</a:t>
+            </a:r>
+            <a:r>
+              <a:rPr lang="en-US" sz="2300" dirty="0" err="1">
+                <a:latin typeface="Courier New" panose="02070309020205020404" pitchFamily="49" charset="0"/>
+                <a:cs typeface="Courier New" panose="02070309020205020404" pitchFamily="49" charset="0"/>
+              </a:rPr>
+              <a:t>sql_id</a:t>
+            </a:r>
+            <a:r>
+              <a:rPr lang="en-US" sz="2300" dirty="0">
+                <a:latin typeface="Courier New" panose="02070309020205020404" pitchFamily="49" charset="0"/>
+                <a:cs typeface="Courier New" panose="02070309020205020404" pitchFamily="49" charset="0"/>
+              </a:rPr>
+              <a:t>&gt;: show SQL text and stats</a:t>
+            </a:r>
+          </a:p>
+          <a:p>
+            <a:r>
+              <a:rPr lang="en-US" sz="2300" dirty="0">
+                <a:latin typeface="Courier New" panose="02070309020205020404" pitchFamily="49" charset="0"/>
+                <a:cs typeface="Courier New" panose="02070309020205020404" pitchFamily="49" charset="0"/>
+              </a:rPr>
+              <a:t>Ora </a:t>
+            </a:r>
+            <a:r>
+              <a:rPr lang="en-US" sz="2300" dirty="0" err="1">
+                <a:latin typeface="Courier New" panose="02070309020205020404" pitchFamily="49" charset="0"/>
+                <a:cs typeface="Courier New" panose="02070309020205020404" pitchFamily="49" charset="0"/>
+              </a:rPr>
+              <a:t>sqlm</a:t>
+            </a:r>
+            <a:r>
+              <a:rPr lang="en-US" sz="2300" dirty="0">
+                <a:latin typeface="Courier New" panose="02070309020205020404" pitchFamily="49" charset="0"/>
+                <a:cs typeface="Courier New" panose="02070309020205020404" pitchFamily="49" charset="0"/>
+              </a:rPr>
+              <a:t> [&lt;</a:t>
+            </a:r>
+            <a:r>
+              <a:rPr lang="en-US" sz="2300" dirty="0" err="1">
+                <a:latin typeface="Courier New" panose="02070309020205020404" pitchFamily="49" charset="0"/>
+                <a:cs typeface="Courier New" panose="02070309020205020404" pitchFamily="49" charset="0"/>
+              </a:rPr>
+              <a:t>sql_id</a:t>
+            </a:r>
+            <a:r>
+              <a:rPr lang="en-US" sz="2300" dirty="0">
+                <a:latin typeface="Courier New" panose="02070309020205020404" pitchFamily="49" charset="0"/>
+                <a:cs typeface="Courier New" panose="02070309020205020404" pitchFamily="49" charset="0"/>
+              </a:rPr>
+              <a:t>&gt; [</a:t>
+            </a:r>
+            <a:r>
+              <a:rPr lang="en-US" sz="2300" dirty="0" err="1">
+                <a:latin typeface="Courier New" panose="02070309020205020404" pitchFamily="49" charset="0"/>
+                <a:cs typeface="Courier New" panose="02070309020205020404" pitchFamily="49" charset="0"/>
+              </a:rPr>
+              <a:t>sql_exec_id</a:t>
+            </a:r>
+            <a:r>
+              <a:rPr lang="en-US" sz="2300" dirty="0">
+                <a:latin typeface="Courier New" panose="02070309020205020404" pitchFamily="49" charset="0"/>
+                <a:cs typeface="Courier New" panose="02070309020205020404" pitchFamily="49" charset="0"/>
+              </a:rPr>
+              <a:t>][-l]]: show sql monitor list, or extract SQL Monitor report. Type ‘help ora </a:t>
+            </a:r>
+            <a:r>
+              <a:rPr lang="en-US" sz="2300" dirty="0" err="1">
+                <a:latin typeface="Courier New" panose="02070309020205020404" pitchFamily="49" charset="0"/>
+                <a:cs typeface="Courier New" panose="02070309020205020404" pitchFamily="49" charset="0"/>
+              </a:rPr>
+              <a:t>sqlm</a:t>
+            </a:r>
+            <a:r>
+              <a:rPr lang="en-US" sz="2300" dirty="0">
+                <a:latin typeface="Courier New" panose="02070309020205020404" pitchFamily="49" charset="0"/>
+                <a:cs typeface="Courier New" panose="02070309020205020404" pitchFamily="49" charset="0"/>
+              </a:rPr>
+              <a:t>’ for more usages.</a:t>
+            </a:r>
+          </a:p>
+          <a:p>
+            <a:r>
+              <a:rPr lang="en-US" sz="2300" dirty="0">
+                <a:latin typeface="Courier New" panose="02070309020205020404" pitchFamily="49" charset="0"/>
+                <a:cs typeface="Courier New" panose="02070309020205020404" pitchFamily="49" charset="0"/>
+              </a:rPr>
+              <a:t>Ora </a:t>
+            </a:r>
+            <a:r>
+              <a:rPr lang="en-US" sz="2300" dirty="0" err="1">
+                <a:latin typeface="Courier New" panose="02070309020205020404" pitchFamily="49" charset="0"/>
+                <a:cs typeface="Courier New" panose="02070309020205020404" pitchFamily="49" charset="0"/>
+              </a:rPr>
+              <a:t>ashplan</a:t>
+            </a:r>
+            <a:r>
+              <a:rPr lang="en-US" sz="2300" dirty="0">
+                <a:latin typeface="Courier New" panose="02070309020205020404" pitchFamily="49" charset="0"/>
+                <a:cs typeface="Courier New" panose="02070309020205020404" pitchFamily="49" charset="0"/>
+              </a:rPr>
+              <a:t> &lt;</a:t>
+            </a:r>
+            <a:r>
+              <a:rPr lang="en-US" sz="2300" dirty="0" err="1">
+                <a:latin typeface="Courier New" panose="02070309020205020404" pitchFamily="49" charset="0"/>
+                <a:cs typeface="Courier New" panose="02070309020205020404" pitchFamily="49" charset="0"/>
+              </a:rPr>
+              <a:t>sql_id</a:t>
+            </a:r>
+            <a:r>
+              <a:rPr lang="en-US" sz="2300" dirty="0">
+                <a:latin typeface="Courier New" panose="02070309020205020404" pitchFamily="49" charset="0"/>
+                <a:cs typeface="Courier New" panose="02070309020205020404" pitchFamily="49" charset="0"/>
+              </a:rPr>
+              <a:t>&gt; [</a:t>
+            </a:r>
+            <a:r>
+              <a:rPr lang="en-US" sz="2300" dirty="0" err="1">
+                <a:latin typeface="Courier New" panose="02070309020205020404" pitchFamily="49" charset="0"/>
+                <a:cs typeface="Courier New" panose="02070309020205020404" pitchFamily="49" charset="0"/>
+              </a:rPr>
+              <a:t>plan_hash_value</a:t>
+            </a:r>
+            <a:r>
+              <a:rPr lang="en-US" sz="2300" dirty="0">
+                <a:latin typeface="Courier New" panose="02070309020205020404" pitchFamily="49" charset="0"/>
+                <a:cs typeface="Courier New" panose="02070309020205020404" pitchFamily="49" charset="0"/>
+              </a:rPr>
+              <a:t>] [-dash]:</a:t>
+            </a:r>
+            <a:r>
+              <a:rPr lang="zh-CN" altLang="en-US" sz="2300" dirty="0">
+                <a:latin typeface="Courier New" panose="02070309020205020404" pitchFamily="49" charset="0"/>
+                <a:cs typeface="Courier New" panose="02070309020205020404" pitchFamily="49" charset="0"/>
+              </a:rPr>
+              <a:t> </a:t>
+            </a:r>
+            <a:r>
+              <a:rPr lang="en-US" altLang="zh-CN" sz="2300" dirty="0">
+                <a:latin typeface="Courier New" panose="02070309020205020404" pitchFamily="49" charset="0"/>
+                <a:cs typeface="Courier New" panose="02070309020205020404" pitchFamily="49" charset="0"/>
+              </a:rPr>
+              <a:t>show</a:t>
+            </a:r>
+            <a:r>
+              <a:rPr lang="zh-CN" altLang="en-US" sz="2300" dirty="0">
+                <a:latin typeface="Courier New" panose="02070309020205020404" pitchFamily="49" charset="0"/>
+                <a:cs typeface="Courier New" panose="02070309020205020404" pitchFamily="49" charset="0"/>
+              </a:rPr>
+              <a:t> </a:t>
+            </a:r>
+            <a:r>
+              <a:rPr lang="en-US" altLang="zh-CN" sz="2300" dirty="0">
+                <a:latin typeface="Courier New" panose="02070309020205020404" pitchFamily="49" charset="0"/>
+                <a:cs typeface="Courier New" panose="02070309020205020404" pitchFamily="49" charset="0"/>
+              </a:rPr>
+              <a:t>sql plan + aggregated ash cost of all executions of the same </a:t>
+            </a:r>
+            <a:r>
+              <a:rPr lang="en-US" altLang="zh-CN" sz="2300" dirty="0" err="1">
+                <a:latin typeface="Courier New" panose="02070309020205020404" pitchFamily="49" charset="0"/>
+                <a:cs typeface="Courier New" panose="02070309020205020404" pitchFamily="49" charset="0"/>
+              </a:rPr>
+              <a:t>phv</a:t>
+            </a:r>
+            <a:endParaRPr lang="en-US" altLang="zh-CN" sz="2300" dirty="0">
+              <a:latin typeface="Courier New" panose="02070309020205020404" pitchFamily="49" charset="0"/>
+              <a:cs typeface="Courier New" panose="02070309020205020404" pitchFamily="49" charset="0"/>
+            </a:endParaRPr>
+          </a:p>
+          <a:p>
+            <a:r>
+              <a:rPr lang="en-US" sz="2300" dirty="0">
+                <a:latin typeface="Courier New" panose="02070309020205020404" pitchFamily="49" charset="0"/>
+                <a:cs typeface="Courier New" panose="02070309020205020404" pitchFamily="49" charset="0"/>
+              </a:rPr>
+              <a:t>Ora </a:t>
+            </a:r>
+            <a:r>
+              <a:rPr lang="en-US" sz="2300" dirty="0" err="1">
+                <a:latin typeface="Courier New" panose="02070309020205020404" pitchFamily="49" charset="0"/>
+                <a:cs typeface="Courier New" panose="02070309020205020404" pitchFamily="49" charset="0"/>
+              </a:rPr>
+              <a:t>ashchain</a:t>
+            </a:r>
+            <a:r>
+              <a:rPr lang="en-US" sz="2300" dirty="0">
+                <a:latin typeface="Courier New" panose="02070309020205020404" pitchFamily="49" charset="0"/>
+                <a:cs typeface="Courier New" panose="02070309020205020404" pitchFamily="49" charset="0"/>
+              </a:rPr>
+              <a:t> [&lt;</a:t>
+            </a:r>
+            <a:r>
+              <a:rPr lang="en-US" sz="2300" dirty="0" err="1">
+                <a:latin typeface="Courier New" panose="02070309020205020404" pitchFamily="49" charset="0"/>
+                <a:cs typeface="Courier New" panose="02070309020205020404" pitchFamily="49" charset="0"/>
+              </a:rPr>
+              <a:t>sql_id</a:t>
+            </a:r>
+            <a:r>
+              <a:rPr lang="en-US" sz="2300" dirty="0">
+                <a:latin typeface="Courier New" panose="02070309020205020404" pitchFamily="49" charset="0"/>
+                <a:cs typeface="Courier New" panose="02070309020205020404" pitchFamily="49" charset="0"/>
+              </a:rPr>
+              <a:t>&gt;|&lt;sid&gt;] [-sid|-p] [-flat]:  An enhancement of </a:t>
+            </a:r>
+            <a:r>
+              <a:rPr lang="en-US" sz="2300" dirty="0" err="1">
+                <a:latin typeface="Courier New" panose="02070309020205020404" pitchFamily="49" charset="0"/>
+                <a:cs typeface="Courier New" panose="02070309020205020404" pitchFamily="49" charset="0"/>
+              </a:rPr>
+              <a:t>Tanel</a:t>
+            </a:r>
+            <a:r>
+              <a:rPr lang="en-US" sz="2300" dirty="0">
+                <a:latin typeface="Courier New" panose="02070309020205020404" pitchFamily="49" charset="0"/>
+                <a:cs typeface="Courier New" panose="02070309020205020404" pitchFamily="49" charset="0"/>
+              </a:rPr>
+              <a:t> </a:t>
+            </a:r>
+            <a:r>
+              <a:rPr lang="en-US" sz="2300" dirty="0" err="1">
+                <a:latin typeface="Courier New" panose="02070309020205020404" pitchFamily="49" charset="0"/>
+                <a:cs typeface="Courier New" panose="02070309020205020404" pitchFamily="49" charset="0"/>
+              </a:rPr>
+              <a:t>Poder’s</a:t>
+            </a:r>
+            <a:r>
+              <a:rPr lang="en-US" sz="2300" dirty="0">
+                <a:latin typeface="Courier New" panose="02070309020205020404" pitchFamily="49" charset="0"/>
+                <a:cs typeface="Courier New" panose="02070309020205020404" pitchFamily="49" charset="0"/>
+              </a:rPr>
+              <a:t> script to see blocking information of ASH</a:t>
+            </a:r>
+          </a:p>
+          <a:p>
+            <a:r>
+              <a:rPr lang="en-US" sz="2300" dirty="0">
+                <a:latin typeface="Courier New" panose="02070309020205020404" pitchFamily="49" charset="0"/>
+                <a:cs typeface="Courier New" panose="02070309020205020404" pitchFamily="49" charset="0"/>
+              </a:rPr>
+              <a:t>Ora </a:t>
+            </a:r>
+            <a:r>
+              <a:rPr lang="en-US" sz="2300" dirty="0" err="1">
+                <a:latin typeface="Courier New" panose="02070309020205020404" pitchFamily="49" charset="0"/>
+                <a:cs typeface="Courier New" panose="02070309020205020404" pitchFamily="49" charset="0"/>
+              </a:rPr>
+              <a:t>ashtop</a:t>
+            </a:r>
+            <a:r>
+              <a:rPr lang="en-US" sz="2300" dirty="0">
+                <a:latin typeface="Courier New" panose="02070309020205020404" pitchFamily="49" charset="0"/>
+                <a:cs typeface="Courier New" panose="02070309020205020404" pitchFamily="49" charset="0"/>
+              </a:rPr>
+              <a:t> [&lt;</a:t>
+            </a:r>
+            <a:r>
+              <a:rPr lang="en-US" sz="2300" dirty="0" err="1">
+                <a:latin typeface="Courier New" panose="02070309020205020404" pitchFamily="49" charset="0"/>
+                <a:cs typeface="Courier New" panose="02070309020205020404" pitchFamily="49" charset="0"/>
+              </a:rPr>
+              <a:t>sql_id</a:t>
+            </a:r>
+            <a:r>
+              <a:rPr lang="en-US" sz="2300" dirty="0">
+                <a:latin typeface="Courier New" panose="02070309020205020404" pitchFamily="49" charset="0"/>
+                <a:cs typeface="Courier New" panose="02070309020205020404" pitchFamily="49" charset="0"/>
+              </a:rPr>
+              <a:t>&gt;] [-snap &lt;seconds&gt;] [-p|-o]: An enhancement of </a:t>
+            </a:r>
+            <a:r>
+              <a:rPr lang="en-US" sz="2300" dirty="0" err="1">
+                <a:latin typeface="Courier New" panose="02070309020205020404" pitchFamily="49" charset="0"/>
+                <a:cs typeface="Courier New" panose="02070309020205020404" pitchFamily="49" charset="0"/>
+              </a:rPr>
+              <a:t>Tanel</a:t>
+            </a:r>
+            <a:r>
+              <a:rPr lang="en-US" sz="2300" dirty="0">
+                <a:latin typeface="Courier New" panose="02070309020205020404" pitchFamily="49" charset="0"/>
+                <a:cs typeface="Courier New" panose="02070309020205020404" pitchFamily="49" charset="0"/>
+              </a:rPr>
+              <a:t> </a:t>
+            </a:r>
+            <a:r>
+              <a:rPr lang="en-US" sz="2300" dirty="0" err="1">
+                <a:latin typeface="Courier New" panose="02070309020205020404" pitchFamily="49" charset="0"/>
+                <a:cs typeface="Courier New" panose="02070309020205020404" pitchFamily="49" charset="0"/>
+              </a:rPr>
+              <a:t>Poder’s</a:t>
+            </a:r>
+            <a:r>
+              <a:rPr lang="en-US" sz="2300" dirty="0">
+                <a:latin typeface="Courier New" panose="02070309020205020404" pitchFamily="49" charset="0"/>
+                <a:cs typeface="Courier New" panose="02070309020205020404" pitchFamily="49" charset="0"/>
+              </a:rPr>
+              <a:t> script to see blocking information of ASH</a:t>
+            </a:r>
+          </a:p>
+          <a:p>
+            <a:r>
+              <a:rPr lang="en-US" sz="2300" dirty="0">
+                <a:latin typeface="Courier New" panose="02070309020205020404" pitchFamily="49" charset="0"/>
+                <a:cs typeface="Courier New" panose="02070309020205020404" pitchFamily="49" charset="0"/>
+              </a:rPr>
+              <a:t>Ora obj &lt;</a:t>
+            </a:r>
+            <a:r>
+              <a:rPr lang="en-US" sz="2300" dirty="0" err="1">
+                <a:latin typeface="Courier New" panose="02070309020205020404" pitchFamily="49" charset="0"/>
+                <a:cs typeface="Courier New" panose="02070309020205020404" pitchFamily="49" charset="0"/>
+              </a:rPr>
+              <a:t>object_id|data_object_id</a:t>
+            </a:r>
+            <a:r>
+              <a:rPr lang="en-US" sz="2300" dirty="0">
+                <a:latin typeface="Courier New" panose="02070309020205020404" pitchFamily="49" charset="0"/>
+                <a:cs typeface="Courier New" panose="02070309020205020404" pitchFamily="49" charset="0"/>
+              </a:rPr>
+              <a:t>|[owner.]</a:t>
+            </a:r>
+            <a:r>
+              <a:rPr lang="en-US" sz="2300" dirty="0" err="1">
+                <a:latin typeface="Courier New" panose="02070309020205020404" pitchFamily="49" charset="0"/>
+                <a:cs typeface="Courier New" panose="02070309020205020404" pitchFamily="49" charset="0"/>
+              </a:rPr>
+              <a:t>object_name</a:t>
+            </a:r>
+            <a:r>
+              <a:rPr lang="en-US" sz="2300" dirty="0">
+                <a:latin typeface="Courier New" panose="02070309020205020404" pitchFamily="49" charset="0"/>
+                <a:cs typeface="Courier New" panose="02070309020205020404" pitchFamily="49" charset="0"/>
+              </a:rPr>
+              <a:t>&gt;: Show information of an object</a:t>
+            </a:r>
+          </a:p>
+          <a:p>
+            <a:r>
+              <a:rPr lang="en-US" sz="2300" dirty="0">
+                <a:latin typeface="Courier New" panose="02070309020205020404" pitchFamily="49" charset="0"/>
+                <a:cs typeface="Courier New" panose="02070309020205020404" pitchFamily="49" charset="0"/>
+              </a:rPr>
+              <a:t>Ora search &lt;keyword&gt;: search object with specific keyword</a:t>
+            </a:r>
+          </a:p>
+          <a:p>
+            <a:r>
+              <a:rPr lang="en-US" sz="2300" dirty="0">
+                <a:latin typeface="Courier New" panose="02070309020205020404" pitchFamily="49" charset="0"/>
+                <a:cs typeface="Courier New" panose="02070309020205020404" pitchFamily="49" charset="0"/>
+              </a:rPr>
+              <a:t>Ora size [owner.]&lt;</a:t>
+            </a:r>
+            <a:r>
+              <a:rPr lang="en-US" sz="2300" dirty="0" err="1">
+                <a:latin typeface="Courier New" panose="02070309020205020404" pitchFamily="49" charset="0"/>
+                <a:cs typeface="Courier New" panose="02070309020205020404" pitchFamily="49" charset="0"/>
+              </a:rPr>
+              <a:t>object_name</a:t>
+            </a:r>
+            <a:r>
+              <a:rPr lang="en-US" sz="2300" dirty="0">
+                <a:latin typeface="Courier New" panose="02070309020205020404" pitchFamily="49" charset="0"/>
+                <a:cs typeface="Courier New" panose="02070309020205020404" pitchFamily="49" charset="0"/>
+              </a:rPr>
+              <a:t>&gt;: show space usage of an object</a:t>
+            </a:r>
+          </a:p>
+          <a:p>
+            <a:r>
+              <a:rPr lang="en-US" sz="2300" dirty="0">
+                <a:latin typeface="Courier New" panose="02070309020205020404" pitchFamily="49" charset="0"/>
+                <a:cs typeface="Courier New" panose="02070309020205020404" pitchFamily="49" charset="0"/>
+              </a:rPr>
+              <a:t>Ora space [owner.]&lt;</a:t>
+            </a:r>
+            <a:r>
+              <a:rPr lang="en-US" sz="2300" dirty="0" err="1">
+                <a:latin typeface="Courier New" panose="02070309020205020404" pitchFamily="49" charset="0"/>
+                <a:cs typeface="Courier New" panose="02070309020205020404" pitchFamily="49" charset="0"/>
+              </a:rPr>
+              <a:t>object_name</a:t>
+            </a:r>
+            <a:r>
+              <a:rPr lang="en-US" sz="2300" dirty="0">
+                <a:latin typeface="Courier New" panose="02070309020205020404" pitchFamily="49" charset="0"/>
+                <a:cs typeface="Courier New" panose="02070309020205020404" pitchFamily="49" charset="0"/>
+              </a:rPr>
+              <a:t>&gt; [-adv]: show detailed space usage of an object</a:t>
+            </a:r>
+          </a:p>
+          <a:p>
+            <a:r>
+              <a:rPr lang="en-US" sz="2300" dirty="0">
+                <a:latin typeface="Courier New" panose="02070309020205020404" pitchFamily="49" charset="0"/>
+                <a:cs typeface="Courier New" panose="02070309020205020404" pitchFamily="49" charset="0"/>
+              </a:rPr>
+              <a:t>Ora </a:t>
+            </a:r>
+            <a:r>
+              <a:rPr lang="en-US" sz="2300" dirty="0" err="1">
+                <a:latin typeface="Courier New" panose="02070309020205020404" pitchFamily="49" charset="0"/>
+                <a:cs typeface="Courier New" panose="02070309020205020404" pitchFamily="49" charset="0"/>
+              </a:rPr>
+              <a:t>ddl</a:t>
+            </a:r>
+            <a:r>
+              <a:rPr lang="en-US" sz="2300" dirty="0">
+                <a:latin typeface="Courier New" panose="02070309020205020404" pitchFamily="49" charset="0"/>
+                <a:cs typeface="Courier New" panose="02070309020205020404" pitchFamily="49" charset="0"/>
+              </a:rPr>
+              <a:t> [owner.]&lt;</a:t>
+            </a:r>
+            <a:r>
+              <a:rPr lang="en-US" sz="2300" dirty="0" err="1">
+                <a:latin typeface="Courier New" panose="02070309020205020404" pitchFamily="49" charset="0"/>
+                <a:cs typeface="Courier New" panose="02070309020205020404" pitchFamily="49" charset="0"/>
+              </a:rPr>
+              <a:t>object_name</a:t>
+            </a:r>
+            <a:r>
+              <a:rPr lang="en-US" sz="2300" dirty="0">
+                <a:latin typeface="Courier New" panose="02070309020205020404" pitchFamily="49" charset="0"/>
+                <a:cs typeface="Courier New" panose="02070309020205020404" pitchFamily="49" charset="0"/>
+              </a:rPr>
+              <a:t>&gt;: show </a:t>
+            </a:r>
+            <a:r>
+              <a:rPr lang="en-US" sz="2300" dirty="0" err="1">
+                <a:latin typeface="Courier New" panose="02070309020205020404" pitchFamily="49" charset="0"/>
+                <a:cs typeface="Courier New" panose="02070309020205020404" pitchFamily="49" charset="0"/>
+              </a:rPr>
+              <a:t>ddl</a:t>
+            </a:r>
+            <a:r>
+              <a:rPr lang="en-US" sz="2300" dirty="0">
+                <a:latin typeface="Courier New" panose="02070309020205020404" pitchFamily="49" charset="0"/>
+                <a:cs typeface="Courier New" panose="02070309020205020404" pitchFamily="49" charset="0"/>
+              </a:rPr>
+              <a:t> of an object</a:t>
+            </a:r>
+          </a:p>
+          <a:p>
+            <a:r>
+              <a:rPr lang="en-US" sz="2300" dirty="0">
+                <a:latin typeface="Courier New" panose="02070309020205020404" pitchFamily="49" charset="0"/>
+                <a:cs typeface="Courier New" panose="02070309020205020404" pitchFamily="49" charset="0"/>
+              </a:rPr>
+              <a:t>Ora stats [owner.]&lt;</a:t>
+            </a:r>
+            <a:r>
+              <a:rPr lang="en-US" sz="2300" dirty="0" err="1">
+                <a:latin typeface="Courier New" panose="02070309020205020404" pitchFamily="49" charset="0"/>
+                <a:cs typeface="Courier New" panose="02070309020205020404" pitchFamily="49" charset="0"/>
+              </a:rPr>
+              <a:t>table_name</a:t>
+            </a:r>
+            <a:r>
+              <a:rPr lang="en-US" sz="2300" dirty="0">
+                <a:latin typeface="Courier New" panose="02070309020205020404" pitchFamily="49" charset="0"/>
+                <a:cs typeface="Courier New" panose="02070309020205020404" pitchFamily="49" charset="0"/>
+              </a:rPr>
+              <a:t>&gt; [-advise]: show table stats or run statistics advisor</a:t>
+            </a:r>
+          </a:p>
+          <a:p>
+            <a:r>
+              <a:rPr lang="en-US" sz="2300" dirty="0">
+                <a:latin typeface="Courier New" panose="02070309020205020404" pitchFamily="49" charset="0"/>
+                <a:cs typeface="Courier New" panose="02070309020205020404" pitchFamily="49" charset="0"/>
+              </a:rPr>
+              <a:t>Ora histogram [owner.]&lt;</a:t>
+            </a:r>
+            <a:r>
+              <a:rPr lang="en-US" sz="2300" dirty="0" err="1">
+                <a:latin typeface="Courier New" panose="02070309020205020404" pitchFamily="49" charset="0"/>
+                <a:cs typeface="Courier New" panose="02070309020205020404" pitchFamily="49" charset="0"/>
+              </a:rPr>
+              <a:t>table_name</a:t>
+            </a:r>
+            <a:r>
+              <a:rPr lang="en-US" sz="2300" dirty="0">
+                <a:latin typeface="Courier New" panose="02070309020205020404" pitchFamily="49" charset="0"/>
+                <a:cs typeface="Courier New" panose="02070309020205020404" pitchFamily="49" charset="0"/>
+              </a:rPr>
+              <a:t>&gt; &lt;column&gt; […]: Show/change histogram of a column</a:t>
+            </a:r>
+          </a:p>
+          <a:p>
+            <a:r>
+              <a:rPr lang="en-US" sz="2300" dirty="0">
+                <a:latin typeface="Courier New" panose="02070309020205020404" pitchFamily="49" charset="0"/>
+                <a:cs typeface="Courier New" panose="02070309020205020404" pitchFamily="49" charset="0"/>
+              </a:rPr>
+              <a:t>Ora </a:t>
+            </a:r>
+            <a:r>
+              <a:rPr lang="en-US" sz="2300" dirty="0" err="1">
+                <a:latin typeface="Courier New" panose="02070309020205020404" pitchFamily="49" charset="0"/>
+                <a:cs typeface="Courier New" panose="02070309020205020404" pitchFamily="49" charset="0"/>
+              </a:rPr>
+              <a:t>spd</a:t>
+            </a:r>
+            <a:r>
+              <a:rPr lang="en-US" sz="2300" dirty="0">
+                <a:latin typeface="Courier New" panose="02070309020205020404" pitchFamily="49" charset="0"/>
+                <a:cs typeface="Courier New" panose="02070309020205020404" pitchFamily="49" charset="0"/>
+              </a:rPr>
+              <a:t> [owner.]&lt;</a:t>
+            </a:r>
+            <a:r>
+              <a:rPr lang="en-US" sz="2300" dirty="0" err="1">
+                <a:latin typeface="Courier New" panose="02070309020205020404" pitchFamily="49" charset="0"/>
+                <a:cs typeface="Courier New" panose="02070309020205020404" pitchFamily="49" charset="0"/>
+              </a:rPr>
+              <a:t>table_name</a:t>
+            </a:r>
+            <a:r>
+              <a:rPr lang="en-US" sz="2300" dirty="0">
+                <a:latin typeface="Courier New" panose="02070309020205020404" pitchFamily="49" charset="0"/>
+                <a:cs typeface="Courier New" panose="02070309020205020404" pitchFamily="49" charset="0"/>
+              </a:rPr>
+              <a:t>&gt;: show SPD information of an object</a:t>
+            </a:r>
+          </a:p>
+          <a:p>
+            <a:r>
+              <a:rPr lang="en-US" sz="2300" dirty="0">
+                <a:latin typeface="Courier New" panose="02070309020205020404" pitchFamily="49" charset="0"/>
+                <a:cs typeface="Courier New" panose="02070309020205020404" pitchFamily="49" charset="0"/>
+              </a:rPr>
+              <a:t>Ora/sys </a:t>
+            </a:r>
+            <a:r>
+              <a:rPr lang="en-US" sz="2300" dirty="0" err="1">
+                <a:latin typeface="Courier New" panose="02070309020205020404" pitchFamily="49" charset="0"/>
+                <a:cs typeface="Courier New" panose="02070309020205020404" pitchFamily="49" charset="0"/>
+              </a:rPr>
+              <a:t>liblock</a:t>
+            </a:r>
+            <a:r>
+              <a:rPr lang="en-US" sz="2300" dirty="0">
+                <a:latin typeface="Courier New" panose="02070309020205020404" pitchFamily="49" charset="0"/>
+                <a:cs typeface="Courier New" panose="02070309020205020404" pitchFamily="49" charset="0"/>
+              </a:rPr>
+              <a:t> [[owner.]&lt;</a:t>
+            </a:r>
+            <a:r>
+              <a:rPr lang="en-US" sz="2300" dirty="0" err="1">
+                <a:latin typeface="Courier New" panose="02070309020205020404" pitchFamily="49" charset="0"/>
+                <a:cs typeface="Courier New" panose="02070309020205020404" pitchFamily="49" charset="0"/>
+              </a:rPr>
+              <a:t>object_name</a:t>
+            </a:r>
+            <a:r>
+              <a:rPr lang="en-US" sz="2300" dirty="0">
+                <a:latin typeface="Courier New" panose="02070309020205020404" pitchFamily="49" charset="0"/>
+                <a:cs typeface="Courier New" panose="02070309020205020404" pitchFamily="49" charset="0"/>
+              </a:rPr>
+              <a:t>&gt;]: show library cache lock</a:t>
+            </a:r>
+          </a:p>
+          <a:p>
+            <a:r>
+              <a:rPr lang="en-US" sz="2300" dirty="0">
+                <a:latin typeface="Courier New" panose="02070309020205020404" pitchFamily="49" charset="0"/>
+                <a:cs typeface="Courier New" panose="02070309020205020404" pitchFamily="49" charset="0"/>
+              </a:rPr>
+              <a:t>Show </a:t>
+            </a:r>
+            <a:r>
+              <a:rPr lang="en-US" sz="2300" dirty="0" err="1">
+                <a:latin typeface="Courier New" panose="02070309020205020404" pitchFamily="49" charset="0"/>
+                <a:cs typeface="Courier New" panose="02070309020205020404" pitchFamily="49" charset="0"/>
+              </a:rPr>
+              <a:t>lockobj</a:t>
+            </a:r>
+            <a:r>
+              <a:rPr lang="en-US" sz="2300" dirty="0">
+                <a:latin typeface="Courier New" panose="02070309020205020404" pitchFamily="49" charset="0"/>
+                <a:cs typeface="Courier New" panose="02070309020205020404" pitchFamily="49" charset="0"/>
+              </a:rPr>
+              <a:t>: show DML lock information</a:t>
+            </a:r>
+          </a:p>
+          <a:p>
+            <a:r>
+              <a:rPr lang="en-US" sz="2300" dirty="0">
+                <a:latin typeface="Courier New" panose="02070309020205020404" pitchFamily="49" charset="0"/>
+                <a:cs typeface="Courier New" panose="02070309020205020404" pitchFamily="49" charset="0"/>
+              </a:rPr>
+              <a:t>Show waiters: show blocking information</a:t>
+            </a:r>
+          </a:p>
+          <a:p>
+            <a:r>
+              <a:rPr lang="en-US" sz="2300" dirty="0">
+                <a:latin typeface="Courier New" panose="02070309020205020404" pitchFamily="49" charset="0"/>
+                <a:cs typeface="Courier New" panose="02070309020205020404" pitchFamily="49" charset="0"/>
+              </a:rPr>
+              <a:t>Show </a:t>
+            </a:r>
+            <a:r>
+              <a:rPr lang="en-US" sz="2300" dirty="0" err="1">
+                <a:latin typeface="Courier New" panose="02070309020205020404" pitchFamily="49" charset="0"/>
+                <a:cs typeface="Courier New" panose="02070309020205020404" pitchFamily="49" charset="0"/>
+              </a:rPr>
+              <a:t>waitchain</a:t>
+            </a:r>
+            <a:r>
+              <a:rPr lang="en-US" sz="2300" dirty="0">
+                <a:latin typeface="Courier New" panose="02070309020205020404" pitchFamily="49" charset="0"/>
+                <a:cs typeface="Courier New" panose="02070309020205020404" pitchFamily="49" charset="0"/>
+              </a:rPr>
+              <a:t>: show blocking information</a:t>
+            </a:r>
+          </a:p>
+          <a:p>
+            <a:r>
+              <a:rPr lang="en-US" sz="2300" dirty="0">
+                <a:latin typeface="Courier New" panose="02070309020205020404" pitchFamily="49" charset="0"/>
+                <a:cs typeface="Courier New" panose="02070309020205020404" pitchFamily="49" charset="0"/>
+              </a:rPr>
+              <a:t>Show trans: show running transactions</a:t>
+            </a:r>
+          </a:p>
+          <a:p>
+            <a:endParaRPr lang="en-US" dirty="0"/>
+          </a:p>
+          <a:p>
+            <a:endParaRPr lang="en-US" dirty="0"/>
+          </a:p>
+        </p:txBody>
+      </p:sp>
+    </p:spTree>
+    <p:extLst>
+      <p:ext uri="{BB962C8B-B14F-4D97-AF65-F5344CB8AC3E}">
+        <p14:creationId xmlns:p14="http://schemas.microsoft.com/office/powerpoint/2010/main" val="2093610832"/>
+      </p:ext>
+    </p:extLst>
+  </p:cSld>
+  <p:clrMapOvr>
+    <a:masterClrMapping/>
+  </p:clrMapOvr>
+</p:sld>
+</file>
+
+<file path=ppt/slides/slide43.xml><?xml version="1.0" encoding="utf-8"?>
+<p:sld xmlns:a="http://schemas.openxmlformats.org/drawingml/2006/main" xmlns:r="http://schemas.openxmlformats.org/officeDocument/2006/relationships" xmlns:p="http://schemas.openxmlformats.org/presentationml/2006/main">
+  <p:cSld>
+    <p:spTree>
+      <p:nvGrpSpPr>
+        <p:cNvPr id="1" name=""/>
+        <p:cNvGrpSpPr/>
+        <p:nvPr/>
+      </p:nvGrpSpPr>
+      <p:grpSpPr>
+        <a:xfrm>
+          <a:off x="0" y="0"/>
+          <a:ext cx="0" cy="0"/>
+          <a:chOff x="0" y="0"/>
+          <a:chExt cx="0" cy="0"/>
+        </a:xfrm>
+      </p:grpSpPr>
+      <p:sp>
+        <p:nvSpPr>
           <p:cNvPr id="3" name="内容占位符 2">
             <a:extLst>
               <a:ext uri="{FF2B5EF4-FFF2-40B4-BE49-F238E27FC236}">
@@ -19675,7 +19977,7 @@
 </p:sld>
 </file>
 
-<file path=ppt/slides/slide43.xml><?xml version="1.0" encoding="utf-8"?>
+<file path=ppt/slides/slide44.xml><?xml version="1.0" encoding="utf-8"?>
 <p:sld xmlns:a="http://schemas.openxmlformats.org/drawingml/2006/main" xmlns:r="http://schemas.openxmlformats.org/officeDocument/2006/relationships" xmlns:p="http://schemas.openxmlformats.org/presentationml/2006/main">
   <p:cSld>
     <p:spTree>
@@ -19837,7 +20139,7 @@
 </p:sld>
 </file>
 
-<file path=ppt/slides/slide44.xml><?xml version="1.0" encoding="utf-8"?>
+<file path=ppt/slides/slide45.xml><?xml version="1.0" encoding="utf-8"?>
 <p:sld xmlns:a="http://schemas.openxmlformats.org/drawingml/2006/main" xmlns:r="http://schemas.openxmlformats.org/officeDocument/2006/relationships" xmlns:p="http://schemas.openxmlformats.org/presentationml/2006/main">
   <p:cSld>
     <p:spTree>
@@ -20260,7 +20562,7 @@
 </p:sld>
 </file>
 
-<file path=ppt/slides/slide45.xml><?xml version="1.0" encoding="utf-8"?>
+<file path=ppt/slides/slide46.xml><?xml version="1.0" encoding="utf-8"?>
 <p:sld xmlns:a="http://schemas.openxmlformats.org/drawingml/2006/main" xmlns:r="http://schemas.openxmlformats.org/officeDocument/2006/relationships" xmlns:p="http://schemas.openxmlformats.org/presentationml/2006/main">
   <p:cSld>
     <p:spTree>
@@ -20594,7 +20896,7 @@
 </p:sld>
 </file>
 
-<file path=ppt/slides/slide46.xml><?xml version="1.0" encoding="utf-8"?>
+<file path=ppt/slides/slide47.xml><?xml version="1.0" encoding="utf-8"?>
 <p:sld xmlns:a="http://schemas.openxmlformats.org/drawingml/2006/main" xmlns:r="http://schemas.openxmlformats.org/officeDocument/2006/relationships" xmlns:p="http://schemas.openxmlformats.org/presentationml/2006/main">
   <p:cSld>
     <p:spTree>
@@ -20805,7 +21107,7 @@
 </p:sld>
 </file>
 
-<file path=ppt/slides/slide47.xml><?xml version="1.0" encoding="utf-8"?>
+<file path=ppt/slides/slide48.xml><?xml version="1.0" encoding="utf-8"?>
 <p:sld xmlns:a="http://schemas.openxmlformats.org/drawingml/2006/main" xmlns:r="http://schemas.openxmlformats.org/officeDocument/2006/relationships" xmlns:p="http://schemas.openxmlformats.org/presentationml/2006/main">
   <p:cSld>
     <p:spTree>
@@ -21059,7 +21361,7 @@
 </p:sld>
 </file>
 
-<file path=ppt/slides/slide48.xml><?xml version="1.0" encoding="utf-8"?>
+<file path=ppt/slides/slide49.xml><?xml version="1.0" encoding="utf-8"?>
 <p:sld xmlns:a="http://schemas.openxmlformats.org/drawingml/2006/main" xmlns:r="http://schemas.openxmlformats.org/officeDocument/2006/relationships" xmlns:p="http://schemas.openxmlformats.org/presentationml/2006/main">
   <p:cSld>
     <p:spTree>
@@ -21409,7 +21711,855 @@
 </p:sld>
 </file>
 
-<file path=ppt/slides/slide49.xml><?xml version="1.0" encoding="utf-8"?>
+<file path=ppt/slides/slide5.xml><?xml version="1.0" encoding="utf-8"?>
+<p:sld xmlns:a="http://schemas.openxmlformats.org/drawingml/2006/main" xmlns:r="http://schemas.openxmlformats.org/officeDocument/2006/relationships" xmlns:p="http://schemas.openxmlformats.org/presentationml/2006/main">
+  <p:cSld>
+    <p:spTree>
+      <p:nvGrpSpPr>
+        <p:cNvPr id="1" name=""/>
+        <p:cNvGrpSpPr/>
+        <p:nvPr/>
+      </p:nvGrpSpPr>
+      <p:grpSpPr>
+        <a:xfrm>
+          <a:off x="0" y="0"/>
+          <a:ext cx="0" cy="0"/>
+          <a:chOff x="0" y="0"/>
+          <a:chExt cx="0" cy="0"/>
+        </a:xfrm>
+      </p:grpSpPr>
+      <p:sp>
+        <p:nvSpPr>
+          <p:cNvPr id="2" name="标题 1">
+            <a:extLst>
+              <a:ext uri="{FF2B5EF4-FFF2-40B4-BE49-F238E27FC236}">
+                <a16:creationId xmlns:a16="http://schemas.microsoft.com/office/drawing/2014/main" id="{31E9F1B0-DF27-4D82-B726-DDD3F9CF7328}"/>
+              </a:ext>
+            </a:extLst>
+          </p:cNvPr>
+          <p:cNvSpPr>
+            <a:spLocks noGrp="1"/>
+          </p:cNvSpPr>
+          <p:nvPr>
+            <p:ph type="title"/>
+          </p:nvPr>
+        </p:nvSpPr>
+        <p:spPr>
+          <a:xfrm>
+            <a:off x="838200" y="184372"/>
+            <a:ext cx="10515600" cy="708763"/>
+          </a:xfrm>
+        </p:spPr>
+        <p:txBody>
+          <a:bodyPr/>
+          <a:lstStyle/>
+          <a:p>
+            <a:r>
+              <a:rPr lang="en-US" dirty="0"/>
+              <a:t>Intelligent format of the query output(Set)</a:t>
+            </a:r>
+          </a:p>
+        </p:txBody>
+      </p:sp>
+      <p:graphicFrame>
+        <p:nvGraphicFramePr>
+          <p:cNvPr id="4" name="表格 3">
+            <a:extLst>
+              <a:ext uri="{FF2B5EF4-FFF2-40B4-BE49-F238E27FC236}">
+                <a16:creationId xmlns:a16="http://schemas.microsoft.com/office/drawing/2014/main" id="{2563436E-7DD6-46CC-BCAE-29765B663613}"/>
+              </a:ext>
+            </a:extLst>
+          </p:cNvPr>
+          <p:cNvGraphicFramePr>
+            <a:graphicFrameLocks noGrp="1"/>
+          </p:cNvGraphicFramePr>
+          <p:nvPr>
+            <p:extLst>
+              <p:ext uri="{D42A27DB-BD31-4B8C-83A1-F6EECF244321}">
+                <p14:modId xmlns:p14="http://schemas.microsoft.com/office/powerpoint/2010/main" val="2259286601"/>
+              </p:ext>
+            </p:extLst>
+          </p:nvPr>
+        </p:nvGraphicFramePr>
+        <p:xfrm>
+          <a:off x="838200" y="1748157"/>
+          <a:ext cx="10374425" cy="5791200"/>
+        </p:xfrm>
+        <a:graphic>
+          <a:graphicData uri="http://schemas.openxmlformats.org/drawingml/2006/table">
+            <a:tbl>
+              <a:tblPr firstRow="1" bandRow="1">
+                <a:tableStyleId>{5C22544A-7EE6-4342-B048-85BDC9FD1C3A}</a:tableStyleId>
+              </a:tblPr>
+              <a:tblGrid>
+                <a:gridCol w="10374425">
+                  <a:extLst>
+                    <a:ext uri="{9D8B030D-6E8A-4147-A177-3AD203B41FA5}">
+                      <a16:colId xmlns:a16="http://schemas.microsoft.com/office/drawing/2014/main" val="4245137307"/>
+                    </a:ext>
+                  </a:extLst>
+                </a:gridCol>
+              </a:tblGrid>
+              <a:tr h="4570526">
+                <a:tc>
+                  <a:txBody>
+                    <a:bodyPr/>
+                    <a:lstStyle/>
+                    <a:p>
+                      <a:r>
+                        <a:rPr lang="en-US" sz="1100" b="0" i="0" kern="1200" baseline="0" dirty="0">
+                          <a:solidFill>
+                            <a:schemeClr val="lt1"/>
+                          </a:solidFill>
+                          <a:latin typeface="Consolas" panose="020B0609020204030204" pitchFamily="49" charset="0"/>
+                          <a:ea typeface="+mn-ea"/>
+                          <a:cs typeface="+mn-cs"/>
+                        </a:rPr>
+                        <a:t>CATDB&gt; set printsize 10                                                                                              </a:t>
+                      </a:r>
+                      <a:br>
+                        <a:rPr lang="en-US" sz="1100" b="0" i="0" kern="1200" baseline="0" dirty="0">
+                          <a:solidFill>
+                            <a:schemeClr val="lt1"/>
+                          </a:solidFill>
+                          <a:latin typeface="Consolas" panose="020B0609020204030204" pitchFamily="49" charset="0"/>
+                          <a:ea typeface="+mn-ea"/>
+                          <a:cs typeface="+mn-cs"/>
+                        </a:rPr>
+                      </a:br>
+                      <a:r>
+                        <a:rPr lang="en-US" sz="1100" b="0" i="0" kern="1200" baseline="0" dirty="0">
+                          <a:solidFill>
+                            <a:schemeClr val="lt1"/>
+                          </a:solidFill>
+                          <a:latin typeface="Consolas" panose="020B0609020204030204" pitchFamily="49" charset="0"/>
+                          <a:ea typeface="+mn-ea"/>
+                          <a:cs typeface="+mn-cs"/>
+                        </a:rPr>
+                        <a:t>CATDB&gt; sf dba_objects                                                                                                </a:t>
+                      </a:r>
+                      <a:br>
+                        <a:rPr lang="en-US" sz="1100" b="0" i="0" kern="1200" baseline="0" dirty="0">
+                          <a:solidFill>
+                            <a:schemeClr val="lt1"/>
+                          </a:solidFill>
+                          <a:latin typeface="Consolas" panose="020B0609020204030204" pitchFamily="49" charset="0"/>
+                          <a:ea typeface="+mn-ea"/>
+                          <a:cs typeface="+mn-cs"/>
+                        </a:rPr>
+                      </a:br>
+                      <a:r>
+                        <a:rPr lang="en-US" sz="1100" b="0" i="0" kern="1200" baseline="0" dirty="0">
+                          <a:solidFill>
+                            <a:schemeClr val="lt1"/>
+                          </a:solidFill>
+                          <a:latin typeface="Consolas" panose="020B0609020204030204" pitchFamily="49" charset="0"/>
+                          <a:ea typeface="+mn-ea"/>
+                          <a:cs typeface="+mn-cs"/>
+                        </a:rPr>
+                        <a:t>    $ select * from (select * from dba_objects) where rownum&lt;=50                                                     </a:t>
+                      </a:r>
+                      <a:br>
+                        <a:rPr lang="en-US" sz="1100" b="0" i="0" kern="1200" baseline="0" dirty="0">
+                          <a:solidFill>
+                            <a:schemeClr val="lt1"/>
+                          </a:solidFill>
+                          <a:latin typeface="Consolas" panose="020B0609020204030204" pitchFamily="49" charset="0"/>
+                          <a:ea typeface="+mn-ea"/>
+                          <a:cs typeface="+mn-cs"/>
+                        </a:rPr>
+                      </a:br>
+                      <a:r>
+                        <a:rPr lang="en-US" sz="1100" b="0" i="0" kern="1200" baseline="0" dirty="0">
+                          <a:solidFill>
+                            <a:schemeClr val="lt1"/>
+                          </a:solidFill>
+                          <a:latin typeface="Consolas" panose="020B0609020204030204" pitchFamily="49" charset="0"/>
+                          <a:ea typeface="+mn-ea"/>
+                          <a:cs typeface="+mn-cs"/>
+                        </a:rPr>
+                        <a:t>    OWNER  OBJECT_NAME   SUBOBJECT_NAME OBJECT_ID DATA_OBJECT_ID OBJECT_TYPE       CREATED          LAST_DDL_TIME    </a:t>
+                      </a:r>
+                      <a:br>
+                        <a:rPr lang="en-US" sz="1100" b="0" i="0" kern="1200" baseline="0" dirty="0">
+                          <a:solidFill>
+                            <a:schemeClr val="lt1"/>
+                          </a:solidFill>
+                          <a:latin typeface="Consolas" panose="020B0609020204030204" pitchFamily="49" charset="0"/>
+                          <a:ea typeface="+mn-ea"/>
+                          <a:cs typeface="+mn-cs"/>
+                        </a:rPr>
+                      </a:br>
+                      <a:r>
+                        <a:rPr lang="en-US" sz="1100" b="0" i="0" kern="1200" baseline="0" dirty="0">
+                          <a:solidFill>
+                            <a:schemeClr val="lt1"/>
+                          </a:solidFill>
+                          <a:latin typeface="Consolas" panose="020B0609020204030204" pitchFamily="49" charset="0"/>
+                          <a:ea typeface="+mn-ea"/>
+                          <a:cs typeface="+mn-cs"/>
+                        </a:rPr>
+                        <a:t>    ----- -------------- -------------- --------- -------------- ----------- ------------------- ------------------- </a:t>
+                      </a:r>
+                      <a:br>
+                        <a:rPr lang="en-US" sz="1100" b="0" i="0" kern="1200" baseline="0" dirty="0">
+                          <a:solidFill>
+                            <a:schemeClr val="lt1"/>
+                          </a:solidFill>
+                          <a:latin typeface="Consolas" panose="020B0609020204030204" pitchFamily="49" charset="0"/>
+                          <a:ea typeface="+mn-ea"/>
+                          <a:cs typeface="+mn-cs"/>
+                        </a:rPr>
+                      </a:br>
+                      <a:r>
+                        <a:rPr lang="en-US" sz="1100" b="0" i="0" kern="1200" baseline="0" dirty="0">
+                          <a:solidFill>
+                            <a:schemeClr val="lt1"/>
+                          </a:solidFill>
+                          <a:latin typeface="Consolas" panose="020B0609020204030204" pitchFamily="49" charset="0"/>
+                          <a:ea typeface="+mn-ea"/>
+                          <a:cs typeface="+mn-cs"/>
+                        </a:rPr>
+                        <a:t>    SYS   TS$                                  16              6 TABLE       2018-02-07 22:51:55 2018-02-07 23:57:54 </a:t>
+                      </a:r>
+                      <a:br>
+                        <a:rPr lang="en-US" sz="1100" b="0" i="0" kern="1200" baseline="0" dirty="0">
+                          <a:solidFill>
+                            <a:schemeClr val="lt1"/>
+                          </a:solidFill>
+                          <a:latin typeface="Consolas" panose="020B0609020204030204" pitchFamily="49" charset="0"/>
+                          <a:ea typeface="+mn-ea"/>
+                          <a:cs typeface="+mn-cs"/>
+                        </a:rPr>
+                      </a:br>
+                      <a:r>
+                        <a:rPr lang="en-US" sz="1100" b="0" i="0" kern="1200" baseline="0" dirty="0">
+                          <a:solidFill>
+                            <a:schemeClr val="lt1"/>
+                          </a:solidFill>
+                          <a:latin typeface="Consolas" panose="020B0609020204030204" pitchFamily="49" charset="0"/>
+                          <a:ea typeface="+mn-ea"/>
+                          <a:cs typeface="+mn-cs"/>
+                        </a:rPr>
+                        <a:t>    SYS   ICOL$                                20              2 TABLE       2018-02-07 22:51:55 2018-02-07 23:57:54 </a:t>
+                      </a:r>
+                      <a:br>
+                        <a:rPr lang="en-US" sz="1100" b="0" i="0" kern="1200" baseline="0" dirty="0">
+                          <a:solidFill>
+                            <a:schemeClr val="lt1"/>
+                          </a:solidFill>
+                          <a:latin typeface="Consolas" panose="020B0609020204030204" pitchFamily="49" charset="0"/>
+                          <a:ea typeface="+mn-ea"/>
+                          <a:cs typeface="+mn-cs"/>
+                        </a:rPr>
+                      </a:br>
+                      <a:r>
+                        <a:rPr lang="en-US" sz="1100" b="0" i="0" kern="1200" baseline="0" dirty="0">
+                          <a:solidFill>
+                            <a:schemeClr val="lt1"/>
+                          </a:solidFill>
+                          <a:latin typeface="Consolas" panose="020B0609020204030204" pitchFamily="49" charset="0"/>
+                          <a:ea typeface="+mn-ea"/>
+                          <a:cs typeface="+mn-cs"/>
+                        </a:rPr>
+                        <a:t>    SYS   C_FILE#_BLOCK#                        8              8 CLUSTER     2018-02-07 22:51:55 2018-02-07 22:51:55 </a:t>
+                      </a:r>
+                      <a:br>
+                        <a:rPr lang="en-US" sz="1100" b="0" i="0" kern="1200" baseline="0" dirty="0">
+                          <a:solidFill>
+                            <a:schemeClr val="lt1"/>
+                          </a:solidFill>
+                          <a:latin typeface="Consolas" panose="020B0609020204030204" pitchFamily="49" charset="0"/>
+                          <a:ea typeface="+mn-ea"/>
+                          <a:cs typeface="+mn-cs"/>
+                        </a:rPr>
+                      </a:br>
+                      <a:r>
+                        <a:rPr lang="en-US" sz="1100" b="0" i="0" kern="1200" baseline="0" dirty="0">
+                          <a:solidFill>
+                            <a:schemeClr val="lt1"/>
+                          </a:solidFill>
+                          <a:latin typeface="Consolas" panose="020B0609020204030204" pitchFamily="49" charset="0"/>
+                          <a:ea typeface="+mn-ea"/>
+                          <a:cs typeface="+mn-cs"/>
+                        </a:rPr>
+                        <a:t>    SYS   I_OBJ2                               37             37 INDEX       2018-02-07 22:51:56 2018-02-07 22:51:56 </a:t>
+                      </a:r>
+                      <a:br>
+                        <a:rPr lang="en-US" sz="1100" b="0" i="0" kern="1200" baseline="0" dirty="0">
+                          <a:solidFill>
+                            <a:schemeClr val="lt1"/>
+                          </a:solidFill>
+                          <a:latin typeface="Consolas" panose="020B0609020204030204" pitchFamily="49" charset="0"/>
+                          <a:ea typeface="+mn-ea"/>
+                          <a:cs typeface="+mn-cs"/>
+                        </a:rPr>
+                      </a:br>
+                      <a:r>
+                        <a:rPr lang="en-US" sz="1100" b="0" i="0" kern="1200" baseline="0" dirty="0">
+                          <a:solidFill>
+                            <a:schemeClr val="lt1"/>
+                          </a:solidFill>
+                          <a:latin typeface="Consolas" panose="020B0609020204030204" pitchFamily="49" charset="0"/>
+                          <a:ea typeface="+mn-ea"/>
+                          <a:cs typeface="+mn-cs"/>
+                        </a:rPr>
+                        <a:t>    SYS   USER$                                22             10 TABLE       2018-02-07 22:51:55 2018-02-07 23:05:16 </a:t>
+                      </a:r>
+                      <a:br>
+                        <a:rPr lang="en-US" sz="1100" b="0" i="0" kern="1200" baseline="0" dirty="0">
+                          <a:solidFill>
+                            <a:schemeClr val="lt1"/>
+                          </a:solidFill>
+                          <a:latin typeface="Consolas" panose="020B0609020204030204" pitchFamily="49" charset="0"/>
+                          <a:ea typeface="+mn-ea"/>
+                          <a:cs typeface="+mn-cs"/>
+                        </a:rPr>
+                      </a:br>
+                      <a:r>
+                        <a:rPr lang="en-US" sz="1100" b="0" i="0" kern="1200" baseline="0" dirty="0">
+                          <a:solidFill>
+                            <a:schemeClr val="lt1"/>
+                          </a:solidFill>
+                          <a:latin typeface="Consolas" panose="020B0609020204030204" pitchFamily="49" charset="0"/>
+                          <a:ea typeface="+mn-ea"/>
+                          <a:cs typeface="+mn-cs"/>
+                        </a:rPr>
+                        <a:t>    SYS   I_TAB1                               33             33 INDEX       2018-02-07 22:51:55 2018-02-07 22:51:55 </a:t>
+                      </a:r>
+                      <a:br>
+                        <a:rPr lang="en-US" sz="1100" b="0" i="0" kern="1200" baseline="0" dirty="0">
+                          <a:solidFill>
+                            <a:schemeClr val="lt1"/>
+                          </a:solidFill>
+                          <a:latin typeface="Consolas" panose="020B0609020204030204" pitchFamily="49" charset="0"/>
+                          <a:ea typeface="+mn-ea"/>
+                          <a:cs typeface="+mn-cs"/>
+                        </a:rPr>
+                      </a:br>
+                      <a:r>
+                        <a:rPr lang="en-US" sz="1100" b="0" i="0" kern="1200" baseline="0" dirty="0">
+                          <a:solidFill>
+                            <a:schemeClr val="lt1"/>
+                          </a:solidFill>
+                          <a:latin typeface="Consolas" panose="020B0609020204030204" pitchFamily="49" charset="0"/>
+                          <a:ea typeface="+mn-ea"/>
+                          <a:cs typeface="+mn-cs"/>
+                        </a:rPr>
+                        <a:t>    SYS   I_OBJ5                               40             40 INDEX       2018-02-07 22:51:56 2018-02-07 22:51:56 </a:t>
+                      </a:r>
+                      <a:br>
+                        <a:rPr lang="en-US" sz="1100" b="0" i="0" kern="1200" baseline="0" dirty="0">
+                          <a:solidFill>
+                            <a:schemeClr val="lt1"/>
+                          </a:solidFill>
+                          <a:latin typeface="Consolas" panose="020B0609020204030204" pitchFamily="49" charset="0"/>
+                          <a:ea typeface="+mn-ea"/>
+                          <a:cs typeface="+mn-cs"/>
+                        </a:rPr>
+                      </a:br>
+                      <a:r>
+                        <a:rPr lang="en-US" sz="1100" b="0" i="0" kern="1200" baseline="0" dirty="0">
+                          <a:solidFill>
+                            <a:schemeClr val="lt1"/>
+                          </a:solidFill>
+                          <a:latin typeface="Consolas" panose="020B0609020204030204" pitchFamily="49" charset="0"/>
+                          <a:ea typeface="+mn-ea"/>
+                          <a:cs typeface="+mn-cs"/>
+                        </a:rPr>
+                        <a:t>    SYS   CDEF$                                31             29 TABLE       2018-02-07 22:51:55 2018-02-07 23:57:54 </a:t>
+                      </a:r>
+                      <a:br>
+                        <a:rPr lang="en-US" sz="1100" b="0" i="0" kern="1200" baseline="0" dirty="0">
+                          <a:solidFill>
+                            <a:schemeClr val="lt1"/>
+                          </a:solidFill>
+                          <a:latin typeface="Consolas" panose="020B0609020204030204" pitchFamily="49" charset="0"/>
+                          <a:ea typeface="+mn-ea"/>
+                          <a:cs typeface="+mn-cs"/>
+                        </a:rPr>
+                      </a:br>
+                      <a:r>
+                        <a:rPr lang="en-US" sz="1100" b="0" i="0" kern="1200" baseline="0" dirty="0">
+                          <a:solidFill>
+                            <a:schemeClr val="lt1"/>
+                          </a:solidFill>
+                          <a:latin typeface="Consolas" panose="020B0609020204030204" pitchFamily="49" charset="0"/>
+                          <a:ea typeface="+mn-ea"/>
+                          <a:cs typeface="+mn-cs"/>
+                        </a:rPr>
+                        <a:t>    SYS   I_IND1                               41             41 INDEX       2018-02-07 22:51:56 2018-02-07 22:51:56 </a:t>
+                      </a:r>
+                      <a:br>
+                        <a:rPr lang="en-US" sz="1100" b="0" i="0" kern="1200" baseline="0" dirty="0">
+                          <a:solidFill>
+                            <a:schemeClr val="lt1"/>
+                          </a:solidFill>
+                          <a:latin typeface="Consolas" panose="020B0609020204030204" pitchFamily="49" charset="0"/>
+                          <a:ea typeface="+mn-ea"/>
+                          <a:cs typeface="+mn-cs"/>
+                        </a:rPr>
+                      </a:br>
+                      <a:r>
+                        <a:rPr lang="en-US" sz="1100" b="0" i="0" kern="1200" baseline="0" dirty="0">
+                          <a:solidFill>
+                            <a:schemeClr val="lt1"/>
+                          </a:solidFill>
+                          <a:latin typeface="Consolas" panose="020B0609020204030204" pitchFamily="49" charset="0"/>
+                          <a:ea typeface="+mn-ea"/>
+                          <a:cs typeface="+mn-cs"/>
+                        </a:rPr>
+                        <a:t>    SYS   I_OBJ#                                3              3 INDEX       2018-02-07 22:51:55 2018-02-07 22:51:55 </a:t>
+                      </a:r>
+                      <a:br>
+                        <a:rPr lang="en-US" sz="1100" b="0" i="0" kern="1200" baseline="0" dirty="0">
+                          <a:solidFill>
+                            <a:schemeClr val="lt1"/>
+                          </a:solidFill>
+                          <a:latin typeface="Consolas" panose="020B0609020204030204" pitchFamily="49" charset="0"/>
+                          <a:ea typeface="+mn-ea"/>
+                          <a:cs typeface="+mn-cs"/>
+                        </a:rPr>
+                      </a:br>
+                      <a:r>
+                        <a:rPr lang="en-US" sz="1100" b="0" i="0" kern="1200" baseline="0" dirty="0">
+                          <a:solidFill>
+                            <a:schemeClr val="lt1"/>
+                          </a:solidFill>
+                          <a:latin typeface="Consolas" panose="020B0609020204030204" pitchFamily="49" charset="0"/>
+                          <a:ea typeface="+mn-ea"/>
+                          <a:cs typeface="+mn-cs"/>
+                        </a:rPr>
+                        <a:t>                                                                                                                     </a:t>
+                      </a:r>
+                      <a:br>
+                        <a:rPr lang="en-US" sz="1100" b="0" i="0" kern="1200" baseline="0" dirty="0">
+                          <a:solidFill>
+                            <a:schemeClr val="lt1"/>
+                          </a:solidFill>
+                          <a:latin typeface="Consolas" panose="020B0609020204030204" pitchFamily="49" charset="0"/>
+                          <a:ea typeface="+mn-ea"/>
+                          <a:cs typeface="+mn-cs"/>
+                        </a:rPr>
+                      </a:br>
+                      <a:r>
+                        <a:rPr lang="en-US" sz="1100" b="0" i="0" kern="1200" baseline="0" dirty="0">
+                          <a:solidFill>
+                            <a:schemeClr val="lt1"/>
+                          </a:solidFill>
+                          <a:latin typeface="Consolas" panose="020B0609020204030204" pitchFamily="49" charset="0"/>
+                          <a:ea typeface="+mn-ea"/>
+                          <a:cs typeface="+mn-cs"/>
+                        </a:rPr>
+                        <a:t>    10 rows returned.    </a:t>
+                      </a:r>
+                    </a:p>
+                    <a:p>
+                      <a:r>
+                        <a:rPr lang="en-US" sz="1100" b="0" i="0" kern="1200" baseline="0" dirty="0">
+                          <a:solidFill>
+                            <a:schemeClr val="lt1"/>
+                          </a:solidFill>
+                          <a:latin typeface="Consolas" panose="020B0609020204030204" pitchFamily="49" charset="0"/>
+                          <a:ea typeface="+mn-ea"/>
+                          <a:cs typeface="+mn-cs"/>
+                        </a:rPr>
+                        <a:t>                                                                                            </a:t>
+                      </a:r>
+                      <a:br>
+                        <a:rPr lang="en-US" sz="1100" b="0" i="0" kern="1200" baseline="0" dirty="0">
+                          <a:solidFill>
+                            <a:schemeClr val="lt1"/>
+                          </a:solidFill>
+                          <a:latin typeface="Consolas" panose="020B0609020204030204" pitchFamily="49" charset="0"/>
+                          <a:ea typeface="+mn-ea"/>
+                          <a:cs typeface="+mn-cs"/>
+                        </a:rPr>
+                      </a:br>
+                      <a:r>
+                        <a:rPr lang="en-US" sz="1100" b="0" i="0" kern="1200" baseline="0" dirty="0">
+                          <a:solidFill>
+                            <a:schemeClr val="lt1"/>
+                          </a:solidFill>
+                          <a:latin typeface="Consolas" panose="020B0609020204030204" pitchFamily="49" charset="0"/>
+                          <a:ea typeface="+mn-ea"/>
+                          <a:cs typeface="+mn-cs"/>
+                        </a:rPr>
+                        <a:t>CATDB&gt; set printsize 5 colsep |                                                                                       </a:t>
+                      </a:r>
+                      <a:br>
+                        <a:rPr lang="en-US" sz="1100" b="0" i="0" kern="1200" baseline="0" dirty="0">
+                          <a:solidFill>
+                            <a:schemeClr val="lt1"/>
+                          </a:solidFill>
+                          <a:latin typeface="Consolas" panose="020B0609020204030204" pitchFamily="49" charset="0"/>
+                          <a:ea typeface="+mn-ea"/>
+                          <a:cs typeface="+mn-cs"/>
+                        </a:rPr>
+                      </a:br>
+                      <a:r>
+                        <a:rPr lang="en-US" sz="1100" b="0" i="0" kern="1200" baseline="0" dirty="0">
+                          <a:solidFill>
+                            <a:schemeClr val="lt1"/>
+                          </a:solidFill>
+                          <a:latin typeface="Consolas" panose="020B0609020204030204" pitchFamily="49" charset="0"/>
+                          <a:ea typeface="+mn-ea"/>
+                          <a:cs typeface="+mn-cs"/>
+                        </a:rPr>
+                        <a:t>CATDB&gt; sf dba_objects                                                                                                 </a:t>
+                      </a:r>
+                      <a:br>
+                        <a:rPr lang="en-US" sz="1100" b="0" i="0" kern="1200" baseline="0" dirty="0">
+                          <a:solidFill>
+                            <a:schemeClr val="lt1"/>
+                          </a:solidFill>
+                          <a:latin typeface="Consolas" panose="020B0609020204030204" pitchFamily="49" charset="0"/>
+                          <a:ea typeface="+mn-ea"/>
+                          <a:cs typeface="+mn-cs"/>
+                        </a:rPr>
+                      </a:br>
+                      <a:r>
+                        <a:rPr lang="en-US" sz="1100" b="0" i="0" kern="1200" baseline="0" dirty="0">
+                          <a:solidFill>
+                            <a:schemeClr val="lt1"/>
+                          </a:solidFill>
+                          <a:latin typeface="Consolas" panose="020B0609020204030204" pitchFamily="49" charset="0"/>
+                          <a:ea typeface="+mn-ea"/>
+                          <a:cs typeface="+mn-cs"/>
+                        </a:rPr>
+                        <a:t>    $ select * from (select * from dba_objects) where rownum&lt;=50                                                      </a:t>
+                      </a:r>
+                      <a:br>
+                        <a:rPr lang="en-US" sz="1100" b="0" i="0" kern="1200" baseline="0" dirty="0">
+                          <a:solidFill>
+                            <a:schemeClr val="lt1"/>
+                          </a:solidFill>
+                          <a:latin typeface="Consolas" panose="020B0609020204030204" pitchFamily="49" charset="0"/>
+                          <a:ea typeface="+mn-ea"/>
+                          <a:cs typeface="+mn-cs"/>
+                        </a:rPr>
+                      </a:br>
+                      <a:r>
+                        <a:rPr lang="en-US" sz="1100" b="0" i="0" kern="1200" baseline="0" dirty="0">
+                          <a:solidFill>
+                            <a:schemeClr val="lt1"/>
+                          </a:solidFill>
+                          <a:latin typeface="Consolas" panose="020B0609020204030204" pitchFamily="49" charset="0"/>
+                          <a:ea typeface="+mn-ea"/>
+                          <a:cs typeface="+mn-cs"/>
+                        </a:rPr>
+                        <a:t>    +-----+--------------+--------------+---------+--------------+-----------+-------------------+-------------------+</a:t>
+                      </a:r>
+                      <a:br>
+                        <a:rPr lang="en-US" sz="1100" b="0" i="0" kern="1200" baseline="0" dirty="0">
+                          <a:solidFill>
+                            <a:schemeClr val="lt1"/>
+                          </a:solidFill>
+                          <a:latin typeface="Consolas" panose="020B0609020204030204" pitchFamily="49" charset="0"/>
+                          <a:ea typeface="+mn-ea"/>
+                          <a:cs typeface="+mn-cs"/>
+                        </a:rPr>
+                      </a:br>
+                      <a:r>
+                        <a:rPr lang="en-US" sz="1100" b="0" i="0" kern="1200" baseline="0" dirty="0">
+                          <a:solidFill>
+                            <a:schemeClr val="lt1"/>
+                          </a:solidFill>
+                          <a:latin typeface="Consolas" panose="020B0609020204030204" pitchFamily="49" charset="0"/>
+                          <a:ea typeface="+mn-ea"/>
+                          <a:cs typeface="+mn-cs"/>
+                        </a:rPr>
+                        <a:t>    |OWNER| OBJECT_NAME  |SUBOBJECT_NAME|OBJECT_ID|DATA_OBJECT_ID|OBJECT_TYPE|      CREATED      |   LAST_DDL_TIME   |</a:t>
+                      </a:r>
+                      <a:br>
+                        <a:rPr lang="en-US" sz="1100" b="0" i="0" kern="1200" baseline="0" dirty="0">
+                          <a:solidFill>
+                            <a:schemeClr val="lt1"/>
+                          </a:solidFill>
+                          <a:latin typeface="Consolas" panose="020B0609020204030204" pitchFamily="49" charset="0"/>
+                          <a:ea typeface="+mn-ea"/>
+                          <a:cs typeface="+mn-cs"/>
+                        </a:rPr>
+                      </a:br>
+                      <a:r>
+                        <a:rPr lang="en-US" sz="1100" b="0" i="0" kern="1200" baseline="0" dirty="0">
+                          <a:solidFill>
+                            <a:schemeClr val="lt1"/>
+                          </a:solidFill>
+                          <a:latin typeface="Consolas" panose="020B0609020204030204" pitchFamily="49" charset="0"/>
+                          <a:ea typeface="+mn-ea"/>
+                          <a:cs typeface="+mn-cs"/>
+                        </a:rPr>
+                        <a:t>    |-----|--------------|--------------|---------|--------------|-----------|-------------------|-------------------|</a:t>
+                      </a:r>
+                      <a:br>
+                        <a:rPr lang="en-US" sz="1100" b="0" i="0" kern="1200" baseline="0" dirty="0">
+                          <a:solidFill>
+                            <a:schemeClr val="lt1"/>
+                          </a:solidFill>
+                          <a:latin typeface="Consolas" panose="020B0609020204030204" pitchFamily="49" charset="0"/>
+                          <a:ea typeface="+mn-ea"/>
+                          <a:cs typeface="+mn-cs"/>
+                        </a:rPr>
+                      </a:br>
+                      <a:r>
+                        <a:rPr lang="en-US" sz="1100" b="0" i="0" kern="1200" baseline="0" dirty="0">
+                          <a:solidFill>
+                            <a:schemeClr val="lt1"/>
+                          </a:solidFill>
+                          <a:latin typeface="Consolas" panose="020B0609020204030204" pitchFamily="49" charset="0"/>
+                          <a:ea typeface="+mn-ea"/>
+                          <a:cs typeface="+mn-cs"/>
+                        </a:rPr>
+                        <a:t>    |SYS  |TS$           |              |       16|             6|TABLE      |2018-02-07 22:51:55|2018-02-07 23:57:54|</a:t>
+                      </a:r>
+                      <a:br>
+                        <a:rPr lang="en-US" sz="1100" b="0" i="0" kern="1200" baseline="0" dirty="0">
+                          <a:solidFill>
+                            <a:schemeClr val="lt1"/>
+                          </a:solidFill>
+                          <a:latin typeface="Consolas" panose="020B0609020204030204" pitchFamily="49" charset="0"/>
+                          <a:ea typeface="+mn-ea"/>
+                          <a:cs typeface="+mn-cs"/>
+                        </a:rPr>
+                      </a:br>
+                      <a:r>
+                        <a:rPr lang="en-US" sz="1100" b="0" i="0" kern="1200" baseline="0" dirty="0">
+                          <a:solidFill>
+                            <a:schemeClr val="lt1"/>
+                          </a:solidFill>
+                          <a:latin typeface="Consolas" panose="020B0609020204030204" pitchFamily="49" charset="0"/>
+                          <a:ea typeface="+mn-ea"/>
+                          <a:cs typeface="+mn-cs"/>
+                        </a:rPr>
+                        <a:t>    |SYS  |ICOL$         |              |       20|             2|TABLE      |2018-02-07 22:51:55|2018-02-07 23:57:54|</a:t>
+                      </a:r>
+                      <a:br>
+                        <a:rPr lang="en-US" sz="1100" b="0" i="0" kern="1200" baseline="0" dirty="0">
+                          <a:solidFill>
+                            <a:schemeClr val="lt1"/>
+                          </a:solidFill>
+                          <a:latin typeface="Consolas" panose="020B0609020204030204" pitchFamily="49" charset="0"/>
+                          <a:ea typeface="+mn-ea"/>
+                          <a:cs typeface="+mn-cs"/>
+                        </a:rPr>
+                      </a:br>
+                      <a:r>
+                        <a:rPr lang="en-US" sz="1100" b="0" i="0" kern="1200" baseline="0" dirty="0">
+                          <a:solidFill>
+                            <a:schemeClr val="lt1"/>
+                          </a:solidFill>
+                          <a:latin typeface="Consolas" panose="020B0609020204030204" pitchFamily="49" charset="0"/>
+                          <a:ea typeface="+mn-ea"/>
+                          <a:cs typeface="+mn-cs"/>
+                        </a:rPr>
+                        <a:t>    |SYS  |C_FILE#_BLOCK#|              |        8|             8|CLUSTER    |2018-02-07 22:51:55|2018-02-07 22:51:55|</a:t>
+                      </a:r>
+                      <a:br>
+                        <a:rPr lang="en-US" sz="1100" b="0" i="0" kern="1200" baseline="0" dirty="0">
+                          <a:solidFill>
+                            <a:schemeClr val="lt1"/>
+                          </a:solidFill>
+                          <a:latin typeface="Consolas" panose="020B0609020204030204" pitchFamily="49" charset="0"/>
+                          <a:ea typeface="+mn-ea"/>
+                          <a:cs typeface="+mn-cs"/>
+                        </a:rPr>
+                      </a:br>
+                      <a:r>
+                        <a:rPr lang="en-US" sz="1100" b="0" i="0" kern="1200" baseline="0" dirty="0">
+                          <a:solidFill>
+                            <a:schemeClr val="lt1"/>
+                          </a:solidFill>
+                          <a:latin typeface="Consolas" panose="020B0609020204030204" pitchFamily="49" charset="0"/>
+                          <a:ea typeface="+mn-ea"/>
+                          <a:cs typeface="+mn-cs"/>
+                        </a:rPr>
+                        <a:t>    |SYS  |I_OBJ2        |              |       37|            37|INDEX      |2018-02-07 22:51:56|2018-02-07 22:51:56|</a:t>
+                      </a:r>
+                      <a:br>
+                        <a:rPr lang="en-US" sz="1100" b="0" i="0" kern="1200" baseline="0" dirty="0">
+                          <a:solidFill>
+                            <a:schemeClr val="lt1"/>
+                          </a:solidFill>
+                          <a:latin typeface="Consolas" panose="020B0609020204030204" pitchFamily="49" charset="0"/>
+                          <a:ea typeface="+mn-ea"/>
+                          <a:cs typeface="+mn-cs"/>
+                        </a:rPr>
+                      </a:br>
+                      <a:r>
+                        <a:rPr lang="en-US" sz="1100" b="0" i="0" kern="1200" baseline="0" dirty="0">
+                          <a:solidFill>
+                            <a:schemeClr val="lt1"/>
+                          </a:solidFill>
+                          <a:latin typeface="Consolas" panose="020B0609020204030204" pitchFamily="49" charset="0"/>
+                          <a:ea typeface="+mn-ea"/>
+                          <a:cs typeface="+mn-cs"/>
+                        </a:rPr>
+                        <a:t>    |SYS  |USER$         |              |       22|            10|TABLE      |2018-02-07 22:51:55|2018-02-07 23:05:16|</a:t>
+                      </a:r>
+                      <a:br>
+                        <a:rPr lang="en-US" sz="1100" b="0" i="0" kern="1200" baseline="0" dirty="0">
+                          <a:solidFill>
+                            <a:schemeClr val="lt1"/>
+                          </a:solidFill>
+                          <a:latin typeface="Consolas" panose="020B0609020204030204" pitchFamily="49" charset="0"/>
+                          <a:ea typeface="+mn-ea"/>
+                          <a:cs typeface="+mn-cs"/>
+                        </a:rPr>
+                      </a:br>
+                      <a:r>
+                        <a:rPr lang="en-US" sz="1100" b="0" i="0" kern="1200" baseline="0" dirty="0">
+                          <a:solidFill>
+                            <a:schemeClr val="lt1"/>
+                          </a:solidFill>
+                          <a:latin typeface="Consolas" panose="020B0609020204030204" pitchFamily="49" charset="0"/>
+                          <a:ea typeface="+mn-ea"/>
+                          <a:cs typeface="+mn-cs"/>
+                        </a:rPr>
+                        <a:t>    +-----+--------------+--------------+---------+--------------+-----------+-------------------+-------------------+</a:t>
+                      </a:r>
+                      <a:br>
+                        <a:rPr lang="en-US" sz="1100" b="0" i="0" kern="1200" baseline="0" dirty="0">
+                          <a:solidFill>
+                            <a:schemeClr val="lt1"/>
+                          </a:solidFill>
+                          <a:latin typeface="Consolas" panose="020B0609020204030204" pitchFamily="49" charset="0"/>
+                          <a:ea typeface="+mn-ea"/>
+                          <a:cs typeface="+mn-cs"/>
+                        </a:rPr>
+                      </a:br>
+                      <a:r>
+                        <a:rPr lang="en-US" sz="1100" b="0" i="0" kern="1200" baseline="0" dirty="0">
+                          <a:solidFill>
+                            <a:schemeClr val="lt1"/>
+                          </a:solidFill>
+                          <a:latin typeface="Consolas" panose="020B0609020204030204" pitchFamily="49" charset="0"/>
+                          <a:ea typeface="+mn-ea"/>
+                          <a:cs typeface="+mn-cs"/>
+                        </a:rPr>
+                        <a:t>                                                                                                                      </a:t>
+                      </a:r>
+                      <a:br>
+                        <a:rPr lang="en-US" sz="1100" b="0" i="0" kern="1200" baseline="0" dirty="0">
+                          <a:solidFill>
+                            <a:schemeClr val="lt1"/>
+                          </a:solidFill>
+                          <a:latin typeface="Consolas" panose="020B0609020204030204" pitchFamily="49" charset="0"/>
+                          <a:ea typeface="+mn-ea"/>
+                          <a:cs typeface="+mn-cs"/>
+                        </a:rPr>
+                      </a:br>
+                      <a:r>
+                        <a:rPr lang="en-US" sz="1100" b="0" i="0" kern="1200" baseline="0" dirty="0">
+                          <a:solidFill>
+                            <a:schemeClr val="lt1"/>
+                          </a:solidFill>
+                          <a:latin typeface="Consolas" panose="020B0609020204030204" pitchFamily="49" charset="0"/>
+                          <a:ea typeface="+mn-ea"/>
+                          <a:cs typeface="+mn-cs"/>
+                        </a:rPr>
+                        <a:t>    5 rows returned.                                                                                                  </a:t>
+                      </a:r>
+                      <a:br>
+                        <a:rPr lang="en-US" sz="1100" b="0" i="0" kern="1200" baseline="0" dirty="0">
+                          <a:solidFill>
+                            <a:schemeClr val="lt1"/>
+                          </a:solidFill>
+                          <a:latin typeface="Consolas" panose="020B0609020204030204" pitchFamily="49" charset="0"/>
+                          <a:ea typeface="+mn-ea"/>
+                          <a:cs typeface="+mn-cs"/>
+                        </a:rPr>
+                      </a:br>
+                      <a:br>
+                        <a:rPr lang="en-US" sz="1100" b="0" i="0" kern="1200" baseline="0" dirty="0">
+                          <a:solidFill>
+                            <a:schemeClr val="lt1"/>
+                          </a:solidFill>
+                          <a:latin typeface="Consolas" panose="020B0609020204030204" pitchFamily="49" charset="0"/>
+                          <a:ea typeface="+mn-ea"/>
+                          <a:cs typeface="+mn-cs"/>
+                        </a:rPr>
+                      </a:br>
+                      <a:r>
+                        <a:rPr lang="en-US" sz="1100" b="0" i="0" kern="1200" baseline="0" dirty="0">
+                          <a:solidFill>
+                            <a:schemeClr val="lt1"/>
+                          </a:solidFill>
+                          <a:latin typeface="Consolas" panose="020B0609020204030204" pitchFamily="49" charset="0"/>
+                          <a:ea typeface="+mn-ea"/>
+                          <a:cs typeface="+mn-cs"/>
+                        </a:rPr>
+                        <a:t>CATDB&gt; set colsep default</a:t>
+                      </a:r>
+                    </a:p>
+                  </a:txBody>
+                  <a:tcPr/>
+                </a:tc>
+                <a:extLst>
+                  <a:ext uri="{0D108BD9-81ED-4DB2-BD59-A6C34878D82A}">
+                    <a16:rowId xmlns:a16="http://schemas.microsoft.com/office/drawing/2014/main" val="1504338429"/>
+                  </a:ext>
+                </a:extLst>
+              </a:tr>
+            </a:tbl>
+          </a:graphicData>
+        </a:graphic>
+      </p:graphicFrame>
+      <p:sp>
+        <p:nvSpPr>
+          <p:cNvPr id="5" name="内容占位符 2">
+            <a:extLst>
+              <a:ext uri="{FF2B5EF4-FFF2-40B4-BE49-F238E27FC236}">
+                <a16:creationId xmlns:a16="http://schemas.microsoft.com/office/drawing/2014/main" id="{11EF5E99-F123-4A81-818D-EA921BFA96B0}"/>
+              </a:ext>
+            </a:extLst>
+          </p:cNvPr>
+          <p:cNvSpPr>
+            <a:spLocks noGrp="1"/>
+          </p:cNvSpPr>
+          <p:nvPr>
+            <p:ph idx="1"/>
+          </p:nvPr>
+        </p:nvSpPr>
+        <p:spPr>
+          <a:xfrm>
+            <a:off x="838200" y="1010093"/>
+            <a:ext cx="10275779" cy="621105"/>
+          </a:xfrm>
+        </p:spPr>
+        <p:txBody>
+          <a:bodyPr>
+            <a:normAutofit fontScale="85000" lnSpcReduction="20000"/>
+          </a:bodyPr>
+          <a:lstStyle/>
+          <a:p>
+            <a:r>
+              <a:rPr lang="en-US" dirty="0"/>
+              <a:t>The string columns are auto-adjusted to fit the screen, refer to “set grid” for more manual configurations</a:t>
+            </a:r>
+          </a:p>
+          <a:p>
+            <a:pPr marL="0" indent="0">
+              <a:buNone/>
+            </a:pPr>
+            <a:endParaRPr lang="en-US" dirty="0"/>
+          </a:p>
+        </p:txBody>
+      </p:sp>
+    </p:spTree>
+    <p:extLst>
+      <p:ext uri="{BB962C8B-B14F-4D97-AF65-F5344CB8AC3E}">
+        <p14:creationId xmlns:p14="http://schemas.microsoft.com/office/powerpoint/2010/main" val="3356030857"/>
+      </p:ext>
+    </p:extLst>
+  </p:cSld>
+  <p:clrMapOvr>
+    <a:masterClrMapping/>
+  </p:clrMapOvr>
+</p:sld>
+</file>
+
+<file path=ppt/slides/slide50.xml><?xml version="1.0" encoding="utf-8"?>
 <p:sld xmlns:a="http://schemas.openxmlformats.org/drawingml/2006/main" xmlns:r="http://schemas.openxmlformats.org/officeDocument/2006/relationships" xmlns:p="http://schemas.openxmlformats.org/presentationml/2006/main">
   <p:cSld>
     <p:spTree>
@@ -21555,855 +22705,7 @@
 </p:sld>
 </file>
 
-<file path=ppt/slides/slide5.xml><?xml version="1.0" encoding="utf-8"?>
-<p:sld xmlns:a="http://schemas.openxmlformats.org/drawingml/2006/main" xmlns:r="http://schemas.openxmlformats.org/officeDocument/2006/relationships" xmlns:p="http://schemas.openxmlformats.org/presentationml/2006/main">
-  <p:cSld>
-    <p:spTree>
-      <p:nvGrpSpPr>
-        <p:cNvPr id="1" name=""/>
-        <p:cNvGrpSpPr/>
-        <p:nvPr/>
-      </p:nvGrpSpPr>
-      <p:grpSpPr>
-        <a:xfrm>
-          <a:off x="0" y="0"/>
-          <a:ext cx="0" cy="0"/>
-          <a:chOff x="0" y="0"/>
-          <a:chExt cx="0" cy="0"/>
-        </a:xfrm>
-      </p:grpSpPr>
-      <p:sp>
-        <p:nvSpPr>
-          <p:cNvPr id="2" name="标题 1">
-            <a:extLst>
-              <a:ext uri="{FF2B5EF4-FFF2-40B4-BE49-F238E27FC236}">
-                <a16:creationId xmlns:a16="http://schemas.microsoft.com/office/drawing/2014/main" id="{31E9F1B0-DF27-4D82-B726-DDD3F9CF7328}"/>
-              </a:ext>
-            </a:extLst>
-          </p:cNvPr>
-          <p:cNvSpPr>
-            <a:spLocks noGrp="1"/>
-          </p:cNvSpPr>
-          <p:nvPr>
-            <p:ph type="title"/>
-          </p:nvPr>
-        </p:nvSpPr>
-        <p:spPr>
-          <a:xfrm>
-            <a:off x="838200" y="184372"/>
-            <a:ext cx="10515600" cy="708763"/>
-          </a:xfrm>
-        </p:spPr>
-        <p:txBody>
-          <a:bodyPr/>
-          <a:lstStyle/>
-          <a:p>
-            <a:r>
-              <a:rPr lang="en-US" dirty="0"/>
-              <a:t>Intelligent format of the query output(Set)</a:t>
-            </a:r>
-          </a:p>
-        </p:txBody>
-      </p:sp>
-      <p:graphicFrame>
-        <p:nvGraphicFramePr>
-          <p:cNvPr id="4" name="表格 3">
-            <a:extLst>
-              <a:ext uri="{FF2B5EF4-FFF2-40B4-BE49-F238E27FC236}">
-                <a16:creationId xmlns:a16="http://schemas.microsoft.com/office/drawing/2014/main" id="{2563436E-7DD6-46CC-BCAE-29765B663613}"/>
-              </a:ext>
-            </a:extLst>
-          </p:cNvPr>
-          <p:cNvGraphicFramePr>
-            <a:graphicFrameLocks noGrp="1"/>
-          </p:cNvGraphicFramePr>
-          <p:nvPr>
-            <p:extLst>
-              <p:ext uri="{D42A27DB-BD31-4B8C-83A1-F6EECF244321}">
-                <p14:modId xmlns:p14="http://schemas.microsoft.com/office/powerpoint/2010/main" val="2259286601"/>
-              </p:ext>
-            </p:extLst>
-          </p:nvPr>
-        </p:nvGraphicFramePr>
-        <p:xfrm>
-          <a:off x="838200" y="1748157"/>
-          <a:ext cx="10374425" cy="5791200"/>
-        </p:xfrm>
-        <a:graphic>
-          <a:graphicData uri="http://schemas.openxmlformats.org/drawingml/2006/table">
-            <a:tbl>
-              <a:tblPr firstRow="1" bandRow="1">
-                <a:tableStyleId>{5C22544A-7EE6-4342-B048-85BDC9FD1C3A}</a:tableStyleId>
-              </a:tblPr>
-              <a:tblGrid>
-                <a:gridCol w="10374425">
-                  <a:extLst>
-                    <a:ext uri="{9D8B030D-6E8A-4147-A177-3AD203B41FA5}">
-                      <a16:colId xmlns:a16="http://schemas.microsoft.com/office/drawing/2014/main" val="4245137307"/>
-                    </a:ext>
-                  </a:extLst>
-                </a:gridCol>
-              </a:tblGrid>
-              <a:tr h="4570526">
-                <a:tc>
-                  <a:txBody>
-                    <a:bodyPr/>
-                    <a:lstStyle/>
-                    <a:p>
-                      <a:r>
-                        <a:rPr lang="en-US" sz="1100" b="0" i="0" kern="1200" baseline="0" dirty="0">
-                          <a:solidFill>
-                            <a:schemeClr val="lt1"/>
-                          </a:solidFill>
-                          <a:latin typeface="Consolas" panose="020B0609020204030204" pitchFamily="49" charset="0"/>
-                          <a:ea typeface="+mn-ea"/>
-                          <a:cs typeface="+mn-cs"/>
-                        </a:rPr>
-                        <a:t>CATDB&gt; set printsize 10                                                                                              </a:t>
-                      </a:r>
-                      <a:br>
-                        <a:rPr lang="en-US" sz="1100" b="0" i="0" kern="1200" baseline="0" dirty="0">
-                          <a:solidFill>
-                            <a:schemeClr val="lt1"/>
-                          </a:solidFill>
-                          <a:latin typeface="Consolas" panose="020B0609020204030204" pitchFamily="49" charset="0"/>
-                          <a:ea typeface="+mn-ea"/>
-                          <a:cs typeface="+mn-cs"/>
-                        </a:rPr>
-                      </a:br>
-                      <a:r>
-                        <a:rPr lang="en-US" sz="1100" b="0" i="0" kern="1200" baseline="0" dirty="0">
-                          <a:solidFill>
-                            <a:schemeClr val="lt1"/>
-                          </a:solidFill>
-                          <a:latin typeface="Consolas" panose="020B0609020204030204" pitchFamily="49" charset="0"/>
-                          <a:ea typeface="+mn-ea"/>
-                          <a:cs typeface="+mn-cs"/>
-                        </a:rPr>
-                        <a:t>CATDB&gt; sf dba_objects                                                                                                </a:t>
-                      </a:r>
-                      <a:br>
-                        <a:rPr lang="en-US" sz="1100" b="0" i="0" kern="1200" baseline="0" dirty="0">
-                          <a:solidFill>
-                            <a:schemeClr val="lt1"/>
-                          </a:solidFill>
-                          <a:latin typeface="Consolas" panose="020B0609020204030204" pitchFamily="49" charset="0"/>
-                          <a:ea typeface="+mn-ea"/>
-                          <a:cs typeface="+mn-cs"/>
-                        </a:rPr>
-                      </a:br>
-                      <a:r>
-                        <a:rPr lang="en-US" sz="1100" b="0" i="0" kern="1200" baseline="0" dirty="0">
-                          <a:solidFill>
-                            <a:schemeClr val="lt1"/>
-                          </a:solidFill>
-                          <a:latin typeface="Consolas" panose="020B0609020204030204" pitchFamily="49" charset="0"/>
-                          <a:ea typeface="+mn-ea"/>
-                          <a:cs typeface="+mn-cs"/>
-                        </a:rPr>
-                        <a:t>    $ select * from (select * from dba_objects) where rownum&lt;=50                                                     </a:t>
-                      </a:r>
-                      <a:br>
-                        <a:rPr lang="en-US" sz="1100" b="0" i="0" kern="1200" baseline="0" dirty="0">
-                          <a:solidFill>
-                            <a:schemeClr val="lt1"/>
-                          </a:solidFill>
-                          <a:latin typeface="Consolas" panose="020B0609020204030204" pitchFamily="49" charset="0"/>
-                          <a:ea typeface="+mn-ea"/>
-                          <a:cs typeface="+mn-cs"/>
-                        </a:rPr>
-                      </a:br>
-                      <a:r>
-                        <a:rPr lang="en-US" sz="1100" b="0" i="0" kern="1200" baseline="0" dirty="0">
-                          <a:solidFill>
-                            <a:schemeClr val="lt1"/>
-                          </a:solidFill>
-                          <a:latin typeface="Consolas" panose="020B0609020204030204" pitchFamily="49" charset="0"/>
-                          <a:ea typeface="+mn-ea"/>
-                          <a:cs typeface="+mn-cs"/>
-                        </a:rPr>
-                        <a:t>    OWNER  OBJECT_NAME   SUBOBJECT_NAME OBJECT_ID DATA_OBJECT_ID OBJECT_TYPE       CREATED          LAST_DDL_TIME    </a:t>
-                      </a:r>
-                      <a:br>
-                        <a:rPr lang="en-US" sz="1100" b="0" i="0" kern="1200" baseline="0" dirty="0">
-                          <a:solidFill>
-                            <a:schemeClr val="lt1"/>
-                          </a:solidFill>
-                          <a:latin typeface="Consolas" panose="020B0609020204030204" pitchFamily="49" charset="0"/>
-                          <a:ea typeface="+mn-ea"/>
-                          <a:cs typeface="+mn-cs"/>
-                        </a:rPr>
-                      </a:br>
-                      <a:r>
-                        <a:rPr lang="en-US" sz="1100" b="0" i="0" kern="1200" baseline="0" dirty="0">
-                          <a:solidFill>
-                            <a:schemeClr val="lt1"/>
-                          </a:solidFill>
-                          <a:latin typeface="Consolas" panose="020B0609020204030204" pitchFamily="49" charset="0"/>
-                          <a:ea typeface="+mn-ea"/>
-                          <a:cs typeface="+mn-cs"/>
-                        </a:rPr>
-                        <a:t>    ----- -------------- -------------- --------- -------------- ----------- ------------------- ------------------- </a:t>
-                      </a:r>
-                      <a:br>
-                        <a:rPr lang="en-US" sz="1100" b="0" i="0" kern="1200" baseline="0" dirty="0">
-                          <a:solidFill>
-                            <a:schemeClr val="lt1"/>
-                          </a:solidFill>
-                          <a:latin typeface="Consolas" panose="020B0609020204030204" pitchFamily="49" charset="0"/>
-                          <a:ea typeface="+mn-ea"/>
-                          <a:cs typeface="+mn-cs"/>
-                        </a:rPr>
-                      </a:br>
-                      <a:r>
-                        <a:rPr lang="en-US" sz="1100" b="0" i="0" kern="1200" baseline="0" dirty="0">
-                          <a:solidFill>
-                            <a:schemeClr val="lt1"/>
-                          </a:solidFill>
-                          <a:latin typeface="Consolas" panose="020B0609020204030204" pitchFamily="49" charset="0"/>
-                          <a:ea typeface="+mn-ea"/>
-                          <a:cs typeface="+mn-cs"/>
-                        </a:rPr>
-                        <a:t>    SYS   TS$                                  16              6 TABLE       2018-02-07 22:51:55 2018-02-07 23:57:54 </a:t>
-                      </a:r>
-                      <a:br>
-                        <a:rPr lang="en-US" sz="1100" b="0" i="0" kern="1200" baseline="0" dirty="0">
-                          <a:solidFill>
-                            <a:schemeClr val="lt1"/>
-                          </a:solidFill>
-                          <a:latin typeface="Consolas" panose="020B0609020204030204" pitchFamily="49" charset="0"/>
-                          <a:ea typeface="+mn-ea"/>
-                          <a:cs typeface="+mn-cs"/>
-                        </a:rPr>
-                      </a:br>
-                      <a:r>
-                        <a:rPr lang="en-US" sz="1100" b="0" i="0" kern="1200" baseline="0" dirty="0">
-                          <a:solidFill>
-                            <a:schemeClr val="lt1"/>
-                          </a:solidFill>
-                          <a:latin typeface="Consolas" panose="020B0609020204030204" pitchFamily="49" charset="0"/>
-                          <a:ea typeface="+mn-ea"/>
-                          <a:cs typeface="+mn-cs"/>
-                        </a:rPr>
-                        <a:t>    SYS   ICOL$                                20              2 TABLE       2018-02-07 22:51:55 2018-02-07 23:57:54 </a:t>
-                      </a:r>
-                      <a:br>
-                        <a:rPr lang="en-US" sz="1100" b="0" i="0" kern="1200" baseline="0" dirty="0">
-                          <a:solidFill>
-                            <a:schemeClr val="lt1"/>
-                          </a:solidFill>
-                          <a:latin typeface="Consolas" panose="020B0609020204030204" pitchFamily="49" charset="0"/>
-                          <a:ea typeface="+mn-ea"/>
-                          <a:cs typeface="+mn-cs"/>
-                        </a:rPr>
-                      </a:br>
-                      <a:r>
-                        <a:rPr lang="en-US" sz="1100" b="0" i="0" kern="1200" baseline="0" dirty="0">
-                          <a:solidFill>
-                            <a:schemeClr val="lt1"/>
-                          </a:solidFill>
-                          <a:latin typeface="Consolas" panose="020B0609020204030204" pitchFamily="49" charset="0"/>
-                          <a:ea typeface="+mn-ea"/>
-                          <a:cs typeface="+mn-cs"/>
-                        </a:rPr>
-                        <a:t>    SYS   C_FILE#_BLOCK#                        8              8 CLUSTER     2018-02-07 22:51:55 2018-02-07 22:51:55 </a:t>
-                      </a:r>
-                      <a:br>
-                        <a:rPr lang="en-US" sz="1100" b="0" i="0" kern="1200" baseline="0" dirty="0">
-                          <a:solidFill>
-                            <a:schemeClr val="lt1"/>
-                          </a:solidFill>
-                          <a:latin typeface="Consolas" panose="020B0609020204030204" pitchFamily="49" charset="0"/>
-                          <a:ea typeface="+mn-ea"/>
-                          <a:cs typeface="+mn-cs"/>
-                        </a:rPr>
-                      </a:br>
-                      <a:r>
-                        <a:rPr lang="en-US" sz="1100" b="0" i="0" kern="1200" baseline="0" dirty="0">
-                          <a:solidFill>
-                            <a:schemeClr val="lt1"/>
-                          </a:solidFill>
-                          <a:latin typeface="Consolas" panose="020B0609020204030204" pitchFamily="49" charset="0"/>
-                          <a:ea typeface="+mn-ea"/>
-                          <a:cs typeface="+mn-cs"/>
-                        </a:rPr>
-                        <a:t>    SYS   I_OBJ2                               37             37 INDEX       2018-02-07 22:51:56 2018-02-07 22:51:56 </a:t>
-                      </a:r>
-                      <a:br>
-                        <a:rPr lang="en-US" sz="1100" b="0" i="0" kern="1200" baseline="0" dirty="0">
-                          <a:solidFill>
-                            <a:schemeClr val="lt1"/>
-                          </a:solidFill>
-                          <a:latin typeface="Consolas" panose="020B0609020204030204" pitchFamily="49" charset="0"/>
-                          <a:ea typeface="+mn-ea"/>
-                          <a:cs typeface="+mn-cs"/>
-                        </a:rPr>
-                      </a:br>
-                      <a:r>
-                        <a:rPr lang="en-US" sz="1100" b="0" i="0" kern="1200" baseline="0" dirty="0">
-                          <a:solidFill>
-                            <a:schemeClr val="lt1"/>
-                          </a:solidFill>
-                          <a:latin typeface="Consolas" panose="020B0609020204030204" pitchFamily="49" charset="0"/>
-                          <a:ea typeface="+mn-ea"/>
-                          <a:cs typeface="+mn-cs"/>
-                        </a:rPr>
-                        <a:t>    SYS   USER$                                22             10 TABLE       2018-02-07 22:51:55 2018-02-07 23:05:16 </a:t>
-                      </a:r>
-                      <a:br>
-                        <a:rPr lang="en-US" sz="1100" b="0" i="0" kern="1200" baseline="0" dirty="0">
-                          <a:solidFill>
-                            <a:schemeClr val="lt1"/>
-                          </a:solidFill>
-                          <a:latin typeface="Consolas" panose="020B0609020204030204" pitchFamily="49" charset="0"/>
-                          <a:ea typeface="+mn-ea"/>
-                          <a:cs typeface="+mn-cs"/>
-                        </a:rPr>
-                      </a:br>
-                      <a:r>
-                        <a:rPr lang="en-US" sz="1100" b="0" i="0" kern="1200" baseline="0" dirty="0">
-                          <a:solidFill>
-                            <a:schemeClr val="lt1"/>
-                          </a:solidFill>
-                          <a:latin typeface="Consolas" panose="020B0609020204030204" pitchFamily="49" charset="0"/>
-                          <a:ea typeface="+mn-ea"/>
-                          <a:cs typeface="+mn-cs"/>
-                        </a:rPr>
-                        <a:t>    SYS   I_TAB1                               33             33 INDEX       2018-02-07 22:51:55 2018-02-07 22:51:55 </a:t>
-                      </a:r>
-                      <a:br>
-                        <a:rPr lang="en-US" sz="1100" b="0" i="0" kern="1200" baseline="0" dirty="0">
-                          <a:solidFill>
-                            <a:schemeClr val="lt1"/>
-                          </a:solidFill>
-                          <a:latin typeface="Consolas" panose="020B0609020204030204" pitchFamily="49" charset="0"/>
-                          <a:ea typeface="+mn-ea"/>
-                          <a:cs typeface="+mn-cs"/>
-                        </a:rPr>
-                      </a:br>
-                      <a:r>
-                        <a:rPr lang="en-US" sz="1100" b="0" i="0" kern="1200" baseline="0" dirty="0">
-                          <a:solidFill>
-                            <a:schemeClr val="lt1"/>
-                          </a:solidFill>
-                          <a:latin typeface="Consolas" panose="020B0609020204030204" pitchFamily="49" charset="0"/>
-                          <a:ea typeface="+mn-ea"/>
-                          <a:cs typeface="+mn-cs"/>
-                        </a:rPr>
-                        <a:t>    SYS   I_OBJ5                               40             40 INDEX       2018-02-07 22:51:56 2018-02-07 22:51:56 </a:t>
-                      </a:r>
-                      <a:br>
-                        <a:rPr lang="en-US" sz="1100" b="0" i="0" kern="1200" baseline="0" dirty="0">
-                          <a:solidFill>
-                            <a:schemeClr val="lt1"/>
-                          </a:solidFill>
-                          <a:latin typeface="Consolas" panose="020B0609020204030204" pitchFamily="49" charset="0"/>
-                          <a:ea typeface="+mn-ea"/>
-                          <a:cs typeface="+mn-cs"/>
-                        </a:rPr>
-                      </a:br>
-                      <a:r>
-                        <a:rPr lang="en-US" sz="1100" b="0" i="0" kern="1200" baseline="0" dirty="0">
-                          <a:solidFill>
-                            <a:schemeClr val="lt1"/>
-                          </a:solidFill>
-                          <a:latin typeface="Consolas" panose="020B0609020204030204" pitchFamily="49" charset="0"/>
-                          <a:ea typeface="+mn-ea"/>
-                          <a:cs typeface="+mn-cs"/>
-                        </a:rPr>
-                        <a:t>    SYS   CDEF$                                31             29 TABLE       2018-02-07 22:51:55 2018-02-07 23:57:54 </a:t>
-                      </a:r>
-                      <a:br>
-                        <a:rPr lang="en-US" sz="1100" b="0" i="0" kern="1200" baseline="0" dirty="0">
-                          <a:solidFill>
-                            <a:schemeClr val="lt1"/>
-                          </a:solidFill>
-                          <a:latin typeface="Consolas" panose="020B0609020204030204" pitchFamily="49" charset="0"/>
-                          <a:ea typeface="+mn-ea"/>
-                          <a:cs typeface="+mn-cs"/>
-                        </a:rPr>
-                      </a:br>
-                      <a:r>
-                        <a:rPr lang="en-US" sz="1100" b="0" i="0" kern="1200" baseline="0" dirty="0">
-                          <a:solidFill>
-                            <a:schemeClr val="lt1"/>
-                          </a:solidFill>
-                          <a:latin typeface="Consolas" panose="020B0609020204030204" pitchFamily="49" charset="0"/>
-                          <a:ea typeface="+mn-ea"/>
-                          <a:cs typeface="+mn-cs"/>
-                        </a:rPr>
-                        <a:t>    SYS   I_IND1                               41             41 INDEX       2018-02-07 22:51:56 2018-02-07 22:51:56 </a:t>
-                      </a:r>
-                      <a:br>
-                        <a:rPr lang="en-US" sz="1100" b="0" i="0" kern="1200" baseline="0" dirty="0">
-                          <a:solidFill>
-                            <a:schemeClr val="lt1"/>
-                          </a:solidFill>
-                          <a:latin typeface="Consolas" panose="020B0609020204030204" pitchFamily="49" charset="0"/>
-                          <a:ea typeface="+mn-ea"/>
-                          <a:cs typeface="+mn-cs"/>
-                        </a:rPr>
-                      </a:br>
-                      <a:r>
-                        <a:rPr lang="en-US" sz="1100" b="0" i="0" kern="1200" baseline="0" dirty="0">
-                          <a:solidFill>
-                            <a:schemeClr val="lt1"/>
-                          </a:solidFill>
-                          <a:latin typeface="Consolas" panose="020B0609020204030204" pitchFamily="49" charset="0"/>
-                          <a:ea typeface="+mn-ea"/>
-                          <a:cs typeface="+mn-cs"/>
-                        </a:rPr>
-                        <a:t>    SYS   I_OBJ#                                3              3 INDEX       2018-02-07 22:51:55 2018-02-07 22:51:55 </a:t>
-                      </a:r>
-                      <a:br>
-                        <a:rPr lang="en-US" sz="1100" b="0" i="0" kern="1200" baseline="0" dirty="0">
-                          <a:solidFill>
-                            <a:schemeClr val="lt1"/>
-                          </a:solidFill>
-                          <a:latin typeface="Consolas" panose="020B0609020204030204" pitchFamily="49" charset="0"/>
-                          <a:ea typeface="+mn-ea"/>
-                          <a:cs typeface="+mn-cs"/>
-                        </a:rPr>
-                      </a:br>
-                      <a:r>
-                        <a:rPr lang="en-US" sz="1100" b="0" i="0" kern="1200" baseline="0" dirty="0">
-                          <a:solidFill>
-                            <a:schemeClr val="lt1"/>
-                          </a:solidFill>
-                          <a:latin typeface="Consolas" panose="020B0609020204030204" pitchFamily="49" charset="0"/>
-                          <a:ea typeface="+mn-ea"/>
-                          <a:cs typeface="+mn-cs"/>
-                        </a:rPr>
-                        <a:t>                                                                                                                     </a:t>
-                      </a:r>
-                      <a:br>
-                        <a:rPr lang="en-US" sz="1100" b="0" i="0" kern="1200" baseline="0" dirty="0">
-                          <a:solidFill>
-                            <a:schemeClr val="lt1"/>
-                          </a:solidFill>
-                          <a:latin typeface="Consolas" panose="020B0609020204030204" pitchFamily="49" charset="0"/>
-                          <a:ea typeface="+mn-ea"/>
-                          <a:cs typeface="+mn-cs"/>
-                        </a:rPr>
-                      </a:br>
-                      <a:r>
-                        <a:rPr lang="en-US" sz="1100" b="0" i="0" kern="1200" baseline="0" dirty="0">
-                          <a:solidFill>
-                            <a:schemeClr val="lt1"/>
-                          </a:solidFill>
-                          <a:latin typeface="Consolas" panose="020B0609020204030204" pitchFamily="49" charset="0"/>
-                          <a:ea typeface="+mn-ea"/>
-                          <a:cs typeface="+mn-cs"/>
-                        </a:rPr>
-                        <a:t>    10 rows returned.    </a:t>
-                      </a:r>
-                    </a:p>
-                    <a:p>
-                      <a:r>
-                        <a:rPr lang="en-US" sz="1100" b="0" i="0" kern="1200" baseline="0" dirty="0">
-                          <a:solidFill>
-                            <a:schemeClr val="lt1"/>
-                          </a:solidFill>
-                          <a:latin typeface="Consolas" panose="020B0609020204030204" pitchFamily="49" charset="0"/>
-                          <a:ea typeface="+mn-ea"/>
-                          <a:cs typeface="+mn-cs"/>
-                        </a:rPr>
-                        <a:t>                                                                                            </a:t>
-                      </a:r>
-                      <a:br>
-                        <a:rPr lang="en-US" sz="1100" b="0" i="0" kern="1200" baseline="0" dirty="0">
-                          <a:solidFill>
-                            <a:schemeClr val="lt1"/>
-                          </a:solidFill>
-                          <a:latin typeface="Consolas" panose="020B0609020204030204" pitchFamily="49" charset="0"/>
-                          <a:ea typeface="+mn-ea"/>
-                          <a:cs typeface="+mn-cs"/>
-                        </a:rPr>
-                      </a:br>
-                      <a:r>
-                        <a:rPr lang="en-US" sz="1100" b="0" i="0" kern="1200" baseline="0" dirty="0">
-                          <a:solidFill>
-                            <a:schemeClr val="lt1"/>
-                          </a:solidFill>
-                          <a:latin typeface="Consolas" panose="020B0609020204030204" pitchFamily="49" charset="0"/>
-                          <a:ea typeface="+mn-ea"/>
-                          <a:cs typeface="+mn-cs"/>
-                        </a:rPr>
-                        <a:t>CATDB&gt; set printsize 5 colsep |                                                                                       </a:t>
-                      </a:r>
-                      <a:br>
-                        <a:rPr lang="en-US" sz="1100" b="0" i="0" kern="1200" baseline="0" dirty="0">
-                          <a:solidFill>
-                            <a:schemeClr val="lt1"/>
-                          </a:solidFill>
-                          <a:latin typeface="Consolas" panose="020B0609020204030204" pitchFamily="49" charset="0"/>
-                          <a:ea typeface="+mn-ea"/>
-                          <a:cs typeface="+mn-cs"/>
-                        </a:rPr>
-                      </a:br>
-                      <a:r>
-                        <a:rPr lang="en-US" sz="1100" b="0" i="0" kern="1200" baseline="0" dirty="0">
-                          <a:solidFill>
-                            <a:schemeClr val="lt1"/>
-                          </a:solidFill>
-                          <a:latin typeface="Consolas" panose="020B0609020204030204" pitchFamily="49" charset="0"/>
-                          <a:ea typeface="+mn-ea"/>
-                          <a:cs typeface="+mn-cs"/>
-                        </a:rPr>
-                        <a:t>CATDB&gt; sf dba_objects                                                                                                 </a:t>
-                      </a:r>
-                      <a:br>
-                        <a:rPr lang="en-US" sz="1100" b="0" i="0" kern="1200" baseline="0" dirty="0">
-                          <a:solidFill>
-                            <a:schemeClr val="lt1"/>
-                          </a:solidFill>
-                          <a:latin typeface="Consolas" panose="020B0609020204030204" pitchFamily="49" charset="0"/>
-                          <a:ea typeface="+mn-ea"/>
-                          <a:cs typeface="+mn-cs"/>
-                        </a:rPr>
-                      </a:br>
-                      <a:r>
-                        <a:rPr lang="en-US" sz="1100" b="0" i="0" kern="1200" baseline="0" dirty="0">
-                          <a:solidFill>
-                            <a:schemeClr val="lt1"/>
-                          </a:solidFill>
-                          <a:latin typeface="Consolas" panose="020B0609020204030204" pitchFamily="49" charset="0"/>
-                          <a:ea typeface="+mn-ea"/>
-                          <a:cs typeface="+mn-cs"/>
-                        </a:rPr>
-                        <a:t>    $ select * from (select * from dba_objects) where rownum&lt;=50                                                      </a:t>
-                      </a:r>
-                      <a:br>
-                        <a:rPr lang="en-US" sz="1100" b="0" i="0" kern="1200" baseline="0" dirty="0">
-                          <a:solidFill>
-                            <a:schemeClr val="lt1"/>
-                          </a:solidFill>
-                          <a:latin typeface="Consolas" panose="020B0609020204030204" pitchFamily="49" charset="0"/>
-                          <a:ea typeface="+mn-ea"/>
-                          <a:cs typeface="+mn-cs"/>
-                        </a:rPr>
-                      </a:br>
-                      <a:r>
-                        <a:rPr lang="en-US" sz="1100" b="0" i="0" kern="1200" baseline="0" dirty="0">
-                          <a:solidFill>
-                            <a:schemeClr val="lt1"/>
-                          </a:solidFill>
-                          <a:latin typeface="Consolas" panose="020B0609020204030204" pitchFamily="49" charset="0"/>
-                          <a:ea typeface="+mn-ea"/>
-                          <a:cs typeface="+mn-cs"/>
-                        </a:rPr>
-                        <a:t>    +-----+--------------+--------------+---------+--------------+-----------+-------------------+-------------------+</a:t>
-                      </a:r>
-                      <a:br>
-                        <a:rPr lang="en-US" sz="1100" b="0" i="0" kern="1200" baseline="0" dirty="0">
-                          <a:solidFill>
-                            <a:schemeClr val="lt1"/>
-                          </a:solidFill>
-                          <a:latin typeface="Consolas" panose="020B0609020204030204" pitchFamily="49" charset="0"/>
-                          <a:ea typeface="+mn-ea"/>
-                          <a:cs typeface="+mn-cs"/>
-                        </a:rPr>
-                      </a:br>
-                      <a:r>
-                        <a:rPr lang="en-US" sz="1100" b="0" i="0" kern="1200" baseline="0" dirty="0">
-                          <a:solidFill>
-                            <a:schemeClr val="lt1"/>
-                          </a:solidFill>
-                          <a:latin typeface="Consolas" panose="020B0609020204030204" pitchFamily="49" charset="0"/>
-                          <a:ea typeface="+mn-ea"/>
-                          <a:cs typeface="+mn-cs"/>
-                        </a:rPr>
-                        <a:t>    |OWNER| OBJECT_NAME  |SUBOBJECT_NAME|OBJECT_ID|DATA_OBJECT_ID|OBJECT_TYPE|      CREATED      |   LAST_DDL_TIME   |</a:t>
-                      </a:r>
-                      <a:br>
-                        <a:rPr lang="en-US" sz="1100" b="0" i="0" kern="1200" baseline="0" dirty="0">
-                          <a:solidFill>
-                            <a:schemeClr val="lt1"/>
-                          </a:solidFill>
-                          <a:latin typeface="Consolas" panose="020B0609020204030204" pitchFamily="49" charset="0"/>
-                          <a:ea typeface="+mn-ea"/>
-                          <a:cs typeface="+mn-cs"/>
-                        </a:rPr>
-                      </a:br>
-                      <a:r>
-                        <a:rPr lang="en-US" sz="1100" b="0" i="0" kern="1200" baseline="0" dirty="0">
-                          <a:solidFill>
-                            <a:schemeClr val="lt1"/>
-                          </a:solidFill>
-                          <a:latin typeface="Consolas" panose="020B0609020204030204" pitchFamily="49" charset="0"/>
-                          <a:ea typeface="+mn-ea"/>
-                          <a:cs typeface="+mn-cs"/>
-                        </a:rPr>
-                        <a:t>    |-----|--------------|--------------|---------|--------------|-----------|-------------------|-------------------|</a:t>
-                      </a:r>
-                      <a:br>
-                        <a:rPr lang="en-US" sz="1100" b="0" i="0" kern="1200" baseline="0" dirty="0">
-                          <a:solidFill>
-                            <a:schemeClr val="lt1"/>
-                          </a:solidFill>
-                          <a:latin typeface="Consolas" panose="020B0609020204030204" pitchFamily="49" charset="0"/>
-                          <a:ea typeface="+mn-ea"/>
-                          <a:cs typeface="+mn-cs"/>
-                        </a:rPr>
-                      </a:br>
-                      <a:r>
-                        <a:rPr lang="en-US" sz="1100" b="0" i="0" kern="1200" baseline="0" dirty="0">
-                          <a:solidFill>
-                            <a:schemeClr val="lt1"/>
-                          </a:solidFill>
-                          <a:latin typeface="Consolas" panose="020B0609020204030204" pitchFamily="49" charset="0"/>
-                          <a:ea typeface="+mn-ea"/>
-                          <a:cs typeface="+mn-cs"/>
-                        </a:rPr>
-                        <a:t>    |SYS  |TS$           |              |       16|             6|TABLE      |2018-02-07 22:51:55|2018-02-07 23:57:54|</a:t>
-                      </a:r>
-                      <a:br>
-                        <a:rPr lang="en-US" sz="1100" b="0" i="0" kern="1200" baseline="0" dirty="0">
-                          <a:solidFill>
-                            <a:schemeClr val="lt1"/>
-                          </a:solidFill>
-                          <a:latin typeface="Consolas" panose="020B0609020204030204" pitchFamily="49" charset="0"/>
-                          <a:ea typeface="+mn-ea"/>
-                          <a:cs typeface="+mn-cs"/>
-                        </a:rPr>
-                      </a:br>
-                      <a:r>
-                        <a:rPr lang="en-US" sz="1100" b="0" i="0" kern="1200" baseline="0" dirty="0">
-                          <a:solidFill>
-                            <a:schemeClr val="lt1"/>
-                          </a:solidFill>
-                          <a:latin typeface="Consolas" panose="020B0609020204030204" pitchFamily="49" charset="0"/>
-                          <a:ea typeface="+mn-ea"/>
-                          <a:cs typeface="+mn-cs"/>
-                        </a:rPr>
-                        <a:t>    |SYS  |ICOL$         |              |       20|             2|TABLE      |2018-02-07 22:51:55|2018-02-07 23:57:54|</a:t>
-                      </a:r>
-                      <a:br>
-                        <a:rPr lang="en-US" sz="1100" b="0" i="0" kern="1200" baseline="0" dirty="0">
-                          <a:solidFill>
-                            <a:schemeClr val="lt1"/>
-                          </a:solidFill>
-                          <a:latin typeface="Consolas" panose="020B0609020204030204" pitchFamily="49" charset="0"/>
-                          <a:ea typeface="+mn-ea"/>
-                          <a:cs typeface="+mn-cs"/>
-                        </a:rPr>
-                      </a:br>
-                      <a:r>
-                        <a:rPr lang="en-US" sz="1100" b="0" i="0" kern="1200" baseline="0" dirty="0">
-                          <a:solidFill>
-                            <a:schemeClr val="lt1"/>
-                          </a:solidFill>
-                          <a:latin typeface="Consolas" panose="020B0609020204030204" pitchFamily="49" charset="0"/>
-                          <a:ea typeface="+mn-ea"/>
-                          <a:cs typeface="+mn-cs"/>
-                        </a:rPr>
-                        <a:t>    |SYS  |C_FILE#_BLOCK#|              |        8|             8|CLUSTER    |2018-02-07 22:51:55|2018-02-07 22:51:55|</a:t>
-                      </a:r>
-                      <a:br>
-                        <a:rPr lang="en-US" sz="1100" b="0" i="0" kern="1200" baseline="0" dirty="0">
-                          <a:solidFill>
-                            <a:schemeClr val="lt1"/>
-                          </a:solidFill>
-                          <a:latin typeface="Consolas" panose="020B0609020204030204" pitchFamily="49" charset="0"/>
-                          <a:ea typeface="+mn-ea"/>
-                          <a:cs typeface="+mn-cs"/>
-                        </a:rPr>
-                      </a:br>
-                      <a:r>
-                        <a:rPr lang="en-US" sz="1100" b="0" i="0" kern="1200" baseline="0" dirty="0">
-                          <a:solidFill>
-                            <a:schemeClr val="lt1"/>
-                          </a:solidFill>
-                          <a:latin typeface="Consolas" panose="020B0609020204030204" pitchFamily="49" charset="0"/>
-                          <a:ea typeface="+mn-ea"/>
-                          <a:cs typeface="+mn-cs"/>
-                        </a:rPr>
-                        <a:t>    |SYS  |I_OBJ2        |              |       37|            37|INDEX      |2018-02-07 22:51:56|2018-02-07 22:51:56|</a:t>
-                      </a:r>
-                      <a:br>
-                        <a:rPr lang="en-US" sz="1100" b="0" i="0" kern="1200" baseline="0" dirty="0">
-                          <a:solidFill>
-                            <a:schemeClr val="lt1"/>
-                          </a:solidFill>
-                          <a:latin typeface="Consolas" panose="020B0609020204030204" pitchFamily="49" charset="0"/>
-                          <a:ea typeface="+mn-ea"/>
-                          <a:cs typeface="+mn-cs"/>
-                        </a:rPr>
-                      </a:br>
-                      <a:r>
-                        <a:rPr lang="en-US" sz="1100" b="0" i="0" kern="1200" baseline="0" dirty="0">
-                          <a:solidFill>
-                            <a:schemeClr val="lt1"/>
-                          </a:solidFill>
-                          <a:latin typeface="Consolas" panose="020B0609020204030204" pitchFamily="49" charset="0"/>
-                          <a:ea typeface="+mn-ea"/>
-                          <a:cs typeface="+mn-cs"/>
-                        </a:rPr>
-                        <a:t>    |SYS  |USER$         |              |       22|            10|TABLE      |2018-02-07 22:51:55|2018-02-07 23:05:16|</a:t>
-                      </a:r>
-                      <a:br>
-                        <a:rPr lang="en-US" sz="1100" b="0" i="0" kern="1200" baseline="0" dirty="0">
-                          <a:solidFill>
-                            <a:schemeClr val="lt1"/>
-                          </a:solidFill>
-                          <a:latin typeface="Consolas" panose="020B0609020204030204" pitchFamily="49" charset="0"/>
-                          <a:ea typeface="+mn-ea"/>
-                          <a:cs typeface="+mn-cs"/>
-                        </a:rPr>
-                      </a:br>
-                      <a:r>
-                        <a:rPr lang="en-US" sz="1100" b="0" i="0" kern="1200" baseline="0" dirty="0">
-                          <a:solidFill>
-                            <a:schemeClr val="lt1"/>
-                          </a:solidFill>
-                          <a:latin typeface="Consolas" panose="020B0609020204030204" pitchFamily="49" charset="0"/>
-                          <a:ea typeface="+mn-ea"/>
-                          <a:cs typeface="+mn-cs"/>
-                        </a:rPr>
-                        <a:t>    +-----+--------------+--------------+---------+--------------+-----------+-------------------+-------------------+</a:t>
-                      </a:r>
-                      <a:br>
-                        <a:rPr lang="en-US" sz="1100" b="0" i="0" kern="1200" baseline="0" dirty="0">
-                          <a:solidFill>
-                            <a:schemeClr val="lt1"/>
-                          </a:solidFill>
-                          <a:latin typeface="Consolas" panose="020B0609020204030204" pitchFamily="49" charset="0"/>
-                          <a:ea typeface="+mn-ea"/>
-                          <a:cs typeface="+mn-cs"/>
-                        </a:rPr>
-                      </a:br>
-                      <a:r>
-                        <a:rPr lang="en-US" sz="1100" b="0" i="0" kern="1200" baseline="0" dirty="0">
-                          <a:solidFill>
-                            <a:schemeClr val="lt1"/>
-                          </a:solidFill>
-                          <a:latin typeface="Consolas" panose="020B0609020204030204" pitchFamily="49" charset="0"/>
-                          <a:ea typeface="+mn-ea"/>
-                          <a:cs typeface="+mn-cs"/>
-                        </a:rPr>
-                        <a:t>                                                                                                                      </a:t>
-                      </a:r>
-                      <a:br>
-                        <a:rPr lang="en-US" sz="1100" b="0" i="0" kern="1200" baseline="0" dirty="0">
-                          <a:solidFill>
-                            <a:schemeClr val="lt1"/>
-                          </a:solidFill>
-                          <a:latin typeface="Consolas" panose="020B0609020204030204" pitchFamily="49" charset="0"/>
-                          <a:ea typeface="+mn-ea"/>
-                          <a:cs typeface="+mn-cs"/>
-                        </a:rPr>
-                      </a:br>
-                      <a:r>
-                        <a:rPr lang="en-US" sz="1100" b="0" i="0" kern="1200" baseline="0" dirty="0">
-                          <a:solidFill>
-                            <a:schemeClr val="lt1"/>
-                          </a:solidFill>
-                          <a:latin typeface="Consolas" panose="020B0609020204030204" pitchFamily="49" charset="0"/>
-                          <a:ea typeface="+mn-ea"/>
-                          <a:cs typeface="+mn-cs"/>
-                        </a:rPr>
-                        <a:t>    5 rows returned.                                                                                                  </a:t>
-                      </a:r>
-                      <a:br>
-                        <a:rPr lang="en-US" sz="1100" b="0" i="0" kern="1200" baseline="0" dirty="0">
-                          <a:solidFill>
-                            <a:schemeClr val="lt1"/>
-                          </a:solidFill>
-                          <a:latin typeface="Consolas" panose="020B0609020204030204" pitchFamily="49" charset="0"/>
-                          <a:ea typeface="+mn-ea"/>
-                          <a:cs typeface="+mn-cs"/>
-                        </a:rPr>
-                      </a:br>
-                      <a:br>
-                        <a:rPr lang="en-US" sz="1100" b="0" i="0" kern="1200" baseline="0" dirty="0">
-                          <a:solidFill>
-                            <a:schemeClr val="lt1"/>
-                          </a:solidFill>
-                          <a:latin typeface="Consolas" panose="020B0609020204030204" pitchFamily="49" charset="0"/>
-                          <a:ea typeface="+mn-ea"/>
-                          <a:cs typeface="+mn-cs"/>
-                        </a:rPr>
-                      </a:br>
-                      <a:r>
-                        <a:rPr lang="en-US" sz="1100" b="0" i="0" kern="1200" baseline="0" dirty="0">
-                          <a:solidFill>
-                            <a:schemeClr val="lt1"/>
-                          </a:solidFill>
-                          <a:latin typeface="Consolas" panose="020B0609020204030204" pitchFamily="49" charset="0"/>
-                          <a:ea typeface="+mn-ea"/>
-                          <a:cs typeface="+mn-cs"/>
-                        </a:rPr>
-                        <a:t>CATDB&gt; set colsep default</a:t>
-                      </a:r>
-                    </a:p>
-                  </a:txBody>
-                  <a:tcPr/>
-                </a:tc>
-                <a:extLst>
-                  <a:ext uri="{0D108BD9-81ED-4DB2-BD59-A6C34878D82A}">
-                    <a16:rowId xmlns:a16="http://schemas.microsoft.com/office/drawing/2014/main" val="1504338429"/>
-                  </a:ext>
-                </a:extLst>
-              </a:tr>
-            </a:tbl>
-          </a:graphicData>
-        </a:graphic>
-      </p:graphicFrame>
-      <p:sp>
-        <p:nvSpPr>
-          <p:cNvPr id="5" name="内容占位符 2">
-            <a:extLst>
-              <a:ext uri="{FF2B5EF4-FFF2-40B4-BE49-F238E27FC236}">
-                <a16:creationId xmlns:a16="http://schemas.microsoft.com/office/drawing/2014/main" id="{11EF5E99-F123-4A81-818D-EA921BFA96B0}"/>
-              </a:ext>
-            </a:extLst>
-          </p:cNvPr>
-          <p:cNvSpPr>
-            <a:spLocks noGrp="1"/>
-          </p:cNvSpPr>
-          <p:nvPr>
-            <p:ph idx="1"/>
-          </p:nvPr>
-        </p:nvSpPr>
-        <p:spPr>
-          <a:xfrm>
-            <a:off x="838200" y="1010093"/>
-            <a:ext cx="10275779" cy="621105"/>
-          </a:xfrm>
-        </p:spPr>
-        <p:txBody>
-          <a:bodyPr>
-            <a:normAutofit fontScale="85000" lnSpcReduction="20000"/>
-          </a:bodyPr>
-          <a:lstStyle/>
-          <a:p>
-            <a:r>
-              <a:rPr lang="en-US" dirty="0"/>
-              <a:t>The string columns are auto-adjusted to fit the screen, refer to “set grid” for more manual configurations</a:t>
-            </a:r>
-          </a:p>
-          <a:p>
-            <a:pPr marL="0" indent="0">
-              <a:buNone/>
-            </a:pPr>
-            <a:endParaRPr lang="en-US" dirty="0"/>
-          </a:p>
-        </p:txBody>
-      </p:sp>
-    </p:spTree>
-    <p:extLst>
-      <p:ext uri="{BB962C8B-B14F-4D97-AF65-F5344CB8AC3E}">
-        <p14:creationId xmlns:p14="http://schemas.microsoft.com/office/powerpoint/2010/main" val="3356030857"/>
-      </p:ext>
-    </p:extLst>
-  </p:cSld>
-  <p:clrMapOvr>
-    <a:masterClrMapping/>
-  </p:clrMapOvr>
-</p:sld>
-</file>
-
-<file path=ppt/slides/slide50.xml><?xml version="1.0" encoding="utf-8"?>
+<file path=ppt/slides/slide51.xml><?xml version="1.0" encoding="utf-8"?>
 <p:sld xmlns:a="http://schemas.openxmlformats.org/drawingml/2006/main" xmlns:r="http://schemas.openxmlformats.org/officeDocument/2006/relationships" xmlns:p="http://schemas.openxmlformats.org/presentationml/2006/main">
   <p:cSld>
     <p:spTree>
@@ -22533,7 +22835,7 @@
 </p:sld>
 </file>
 
-<file path=ppt/slides/slide51.xml><?xml version="1.0" encoding="utf-8"?>
+<file path=ppt/slides/slide52.xml><?xml version="1.0" encoding="utf-8"?>
 <p:sld xmlns:a="http://schemas.openxmlformats.org/drawingml/2006/main" xmlns:r="http://schemas.openxmlformats.org/officeDocument/2006/relationships" xmlns:p="http://schemas.openxmlformats.org/presentationml/2006/main">
   <p:cSld>
     <p:spTree>
@@ -22663,7 +22965,7 @@
 </p:sld>
 </file>
 
-<file path=ppt/slides/slide52.xml><?xml version="1.0" encoding="utf-8"?>
+<file path=ppt/slides/slide53.xml><?xml version="1.0" encoding="utf-8"?>
 <p:sld xmlns:a="http://schemas.openxmlformats.org/drawingml/2006/main" xmlns:r="http://schemas.openxmlformats.org/officeDocument/2006/relationships" xmlns:p="http://schemas.openxmlformats.org/presentationml/2006/main">
   <p:cSld>
     <p:spTree>
@@ -22805,7 +23107,7 @@
 </p:sld>
 </file>
 
-<file path=ppt/slides/slide53.xml><?xml version="1.0" encoding="utf-8"?>
+<file path=ppt/slides/slide54.xml><?xml version="1.0" encoding="utf-8"?>
 <p:sld xmlns:a="http://schemas.openxmlformats.org/drawingml/2006/main" xmlns:r="http://schemas.openxmlformats.org/officeDocument/2006/relationships" xmlns:p="http://schemas.openxmlformats.org/presentationml/2006/main">
   <p:cSld>
     <p:spTree>
@@ -22977,7 +23279,7 @@
 </p:sld>
 </file>
 
-<file path=ppt/slides/slide54.xml><?xml version="1.0" encoding="utf-8"?>
+<file path=ppt/slides/slide55.xml><?xml version="1.0" encoding="utf-8"?>
 <p:sld xmlns:a="http://schemas.openxmlformats.org/drawingml/2006/main" xmlns:r="http://schemas.openxmlformats.org/officeDocument/2006/relationships" xmlns:p="http://schemas.openxmlformats.org/presentationml/2006/main">
   <p:cSld>
     <p:spTree>
@@ -24025,7 +24327,7 @@
 </p:sld>
 </file>
 
-<file path=ppt/slides/slide55.xml><?xml version="1.0" encoding="utf-8"?>
+<file path=ppt/slides/slide56.xml><?xml version="1.0" encoding="utf-8"?>
 <p:sld xmlns:a="http://schemas.openxmlformats.org/drawingml/2006/main" xmlns:r="http://schemas.openxmlformats.org/officeDocument/2006/relationships" xmlns:p="http://schemas.openxmlformats.org/presentationml/2006/main">
   <p:cSld>
     <p:spTree>
@@ -24390,7 +24692,7 @@
 </p:sld>
 </file>
 
-<file path=ppt/slides/slide56.xml><?xml version="1.0" encoding="utf-8"?>
+<file path=ppt/slides/slide57.xml><?xml version="1.0" encoding="utf-8"?>
 <p:sld xmlns:a="http://schemas.openxmlformats.org/drawingml/2006/main" xmlns:r="http://schemas.openxmlformats.org/officeDocument/2006/relationships" xmlns:p="http://schemas.openxmlformats.org/presentationml/2006/main">
   <p:cSld>
     <p:spTree>
@@ -24728,7 +25030,7 @@
 </p:sld>
 </file>
 
-<file path=ppt/slides/slide57.xml><?xml version="1.0" encoding="utf-8"?>
+<file path=ppt/slides/slide58.xml><?xml version="1.0" encoding="utf-8"?>
 <p:sld xmlns:a="http://schemas.openxmlformats.org/drawingml/2006/main" xmlns:r="http://schemas.openxmlformats.org/officeDocument/2006/relationships" xmlns:p="http://schemas.openxmlformats.org/presentationml/2006/main">
   <p:cSld>
     <p:spTree>
@@ -25053,7 +25355,7 @@
 </p:sld>
 </file>
 
-<file path=ppt/slides/slide58.xml><?xml version="1.0" encoding="utf-8"?>
+<file path=ppt/slides/slide59.xml><?xml version="1.0" encoding="utf-8"?>
 <p:sld xmlns:a="http://schemas.openxmlformats.org/drawingml/2006/main" xmlns:r="http://schemas.openxmlformats.org/officeDocument/2006/relationships" xmlns:p="http://schemas.openxmlformats.org/presentationml/2006/main">
   <p:cSld>
     <p:spTree>
@@ -25237,7 +25539,7 @@
           <a:graphicData uri="http://schemas.openxmlformats.org/presentationml/2006/ole">
             <mc:AlternateContent xmlns:mc="http://schemas.openxmlformats.org/markup-compatibility/2006">
               <mc:Choice xmlns:v="urn:schemas-microsoft-com:vml" Requires="v">
-                <p:oleObj spid="_x0000_s1118" name="BMP 图像" r:id="rId4" imgW="5000760" imgH="2257560" progId="Paint.Picture">
+                <p:oleObj spid="_x0000_s1136" name="BMP 图像" r:id="rId4" imgW="5000760" imgH="2257560" progId="Paint.Picture">
                   <p:embed/>
                 </p:oleObj>
               </mc:Choice>
@@ -25285,7 +25587,246 @@
 </p:sld>
 </file>
 
-<file path=ppt/slides/slide59.xml><?xml version="1.0" encoding="utf-8"?>
+<file path=ppt/slides/slide6.xml><?xml version="1.0" encoding="utf-8"?>
+<p:sld xmlns:a="http://schemas.openxmlformats.org/drawingml/2006/main" xmlns:r="http://schemas.openxmlformats.org/officeDocument/2006/relationships" xmlns:p="http://schemas.openxmlformats.org/presentationml/2006/main">
+  <p:cSld>
+    <p:spTree>
+      <p:nvGrpSpPr>
+        <p:cNvPr id="1" name=""/>
+        <p:cNvGrpSpPr/>
+        <p:nvPr/>
+      </p:nvGrpSpPr>
+      <p:grpSpPr>
+        <a:xfrm>
+          <a:off x="0" y="0"/>
+          <a:ext cx="0" cy="0"/>
+          <a:chOff x="0" y="0"/>
+          <a:chExt cx="0" cy="0"/>
+        </a:xfrm>
+      </p:grpSpPr>
+      <p:sp>
+        <p:nvSpPr>
+          <p:cNvPr id="2" name="标题 1">
+            <a:extLst>
+              <a:ext uri="{FF2B5EF4-FFF2-40B4-BE49-F238E27FC236}">
+                <a16:creationId xmlns:a16="http://schemas.microsoft.com/office/drawing/2014/main" id="{44B93849-04ED-4974-9F20-F0CAD055F0C6}"/>
+              </a:ext>
+            </a:extLst>
+          </p:cNvPr>
+          <p:cNvSpPr>
+            <a:spLocks noGrp="1"/>
+          </p:cNvSpPr>
+          <p:nvPr>
+            <p:ph type="title"/>
+          </p:nvPr>
+        </p:nvSpPr>
+        <p:spPr>
+          <a:xfrm>
+            <a:off x="838200" y="145207"/>
+            <a:ext cx="10515600" cy="803918"/>
+          </a:xfrm>
+        </p:spPr>
+        <p:txBody>
+          <a:bodyPr/>
+          <a:lstStyle/>
+          <a:p>
+            <a:r>
+              <a:rPr lang="en-US" dirty="0"/>
+              <a:t>Line Wrap</a:t>
+            </a:r>
+          </a:p>
+        </p:txBody>
+      </p:sp>
+      <p:sp>
+        <p:nvSpPr>
+          <p:cNvPr id="3" name="内容占位符 2">
+            <a:extLst>
+              <a:ext uri="{FF2B5EF4-FFF2-40B4-BE49-F238E27FC236}">
+                <a16:creationId xmlns:a16="http://schemas.microsoft.com/office/drawing/2014/main" id="{B19B1DC3-E4EA-489C-B790-E6AF743CD2D8}"/>
+              </a:ext>
+            </a:extLst>
+          </p:cNvPr>
+          <p:cNvSpPr>
+            <a:spLocks noGrp="1"/>
+          </p:cNvSpPr>
+          <p:nvPr>
+            <p:ph idx="1"/>
+          </p:nvPr>
+        </p:nvSpPr>
+        <p:spPr>
+          <a:xfrm>
+            <a:off x="838200" y="949125"/>
+            <a:ext cx="10515600" cy="5227838"/>
+          </a:xfrm>
+        </p:spPr>
+        <p:txBody>
+          <a:bodyPr>
+            <a:normAutofit lnSpcReduction="10000"/>
+          </a:bodyPr>
+          <a:lstStyle/>
+          <a:p>
+            <a:r>
+              <a:rPr lang="en-US" dirty="0"/>
+              <a:t>For a output line whose width larger than screen buffer width, the overflow part would be chopped to avoid the messed output</a:t>
+            </a:r>
+          </a:p>
+          <a:p>
+            <a:r>
+              <a:rPr lang="en-US" dirty="0"/>
+              <a:t>To view the missing information:</a:t>
+            </a:r>
+          </a:p>
+          <a:p>
+            <a:pPr lvl="1"/>
+            <a:r>
+              <a:rPr lang="en-US" dirty="0"/>
+              <a:t>Use command “&lt;query&gt;</a:t>
+            </a:r>
+            <a:r>
+              <a:rPr lang="en-US" b="1" dirty="0"/>
+              <a:t>|less</a:t>
+            </a:r>
+            <a:r>
+              <a:rPr lang="en-US" dirty="0"/>
+              <a:t>” to enter the </a:t>
+            </a:r>
+            <a:r>
+              <a:rPr lang="en-US"/>
+              <a:t>Linux-style less </a:t>
+            </a:r>
+            <a:r>
+              <a:rPr lang="en-US" dirty="0"/>
+              <a:t>mode, and press arrow keys to scroll the screen</a:t>
+            </a:r>
+          </a:p>
+          <a:p>
+            <a:pPr lvl="1"/>
+            <a:r>
+              <a:rPr lang="en-US" dirty="0"/>
+              <a:t>Use “</a:t>
+            </a:r>
+            <a:r>
+              <a:rPr lang="en-US" b="1" dirty="0"/>
+              <a:t>less last</a:t>
+            </a:r>
+            <a:r>
+              <a:rPr lang="en-US" dirty="0"/>
+              <a:t>” to view the last output in less mode</a:t>
+            </a:r>
+          </a:p>
+          <a:p>
+            <a:pPr lvl="1"/>
+            <a:r>
+              <a:rPr lang="en-US" dirty="0"/>
+              <a:t>Use command “</a:t>
+            </a:r>
+            <a:r>
+              <a:rPr lang="en-US" b="1" dirty="0"/>
+              <a:t>out</a:t>
+            </a:r>
+            <a:r>
+              <a:rPr lang="en-US" dirty="0"/>
+              <a:t>”, which will launch the editor to view the historical outputs.</a:t>
+            </a:r>
+          </a:p>
+          <a:p>
+            <a:pPr lvl="2"/>
+            <a:r>
+              <a:rPr lang="en-US" dirty="0"/>
+              <a:t>In case of the default editor is “vi”, you can use “W/B” to scroll the screen</a:t>
+            </a:r>
+          </a:p>
+          <a:p>
+            <a:pPr lvl="2"/>
+            <a:r>
+              <a:rPr lang="en-US" dirty="0"/>
+              <a:t>Use “set editor [&lt;name&gt;]” to define the default editor</a:t>
+            </a:r>
+          </a:p>
+          <a:p>
+            <a:pPr lvl="2"/>
+            <a:r>
+              <a:rPr lang="en-US" dirty="0"/>
+              <a:t>Command “out”</a:t>
+            </a:r>
+          </a:p>
+          <a:p>
+            <a:pPr lvl="3"/>
+            <a:r>
+              <a:rPr lang="en-US" dirty="0">
+                <a:solidFill>
+                  <a:srgbClr val="0070C0"/>
+                </a:solidFill>
+              </a:rPr>
+              <a:t>out</a:t>
+            </a:r>
+            <a:r>
+              <a:rPr lang="en-US" dirty="0"/>
+              <a:t> : save the historical outputs into file “cache/&lt;sub-</a:t>
+            </a:r>
+            <a:r>
+              <a:rPr lang="en-US" dirty="0" err="1"/>
+              <a:t>dir</a:t>
+            </a:r>
+            <a:r>
+              <a:rPr lang="en-US" dirty="0"/>
+              <a:t>&gt;/out.log” and open the file</a:t>
+            </a:r>
+          </a:p>
+          <a:p>
+            <a:pPr lvl="3"/>
+            <a:r>
+              <a:rPr lang="en-US" dirty="0">
+                <a:solidFill>
+                  <a:srgbClr val="0070C0"/>
+                </a:solidFill>
+              </a:rPr>
+              <a:t>out &lt;file-name&gt;</a:t>
+            </a:r>
+            <a:r>
+              <a:rPr lang="en-US" dirty="0"/>
+              <a:t>: save the historical outputs into file “cache/&lt;sub-</a:t>
+            </a:r>
+            <a:r>
+              <a:rPr lang="en-US" dirty="0" err="1"/>
+              <a:t>dir</a:t>
+            </a:r>
+            <a:r>
+              <a:rPr lang="en-US" dirty="0"/>
+              <a:t>&gt;/&lt;file-name&gt;” and open the file</a:t>
+            </a:r>
+          </a:p>
+          <a:p>
+            <a:pPr lvl="3"/>
+            <a:r>
+              <a:rPr lang="en-US" dirty="0">
+                <a:solidFill>
+                  <a:srgbClr val="0070C0"/>
+                </a:solidFill>
+              </a:rPr>
+              <a:t>out clear</a:t>
+            </a:r>
+            <a:r>
+              <a:rPr lang="en-US" dirty="0"/>
+              <a:t>: clear the historical output</a:t>
+            </a:r>
+          </a:p>
+        </p:txBody>
+      </p:sp>
+    </p:spTree>
+    <p:extLst>
+      <p:ext uri="{BB962C8B-B14F-4D97-AF65-F5344CB8AC3E}">
+        <p14:creationId xmlns:p14="http://schemas.microsoft.com/office/powerpoint/2010/main" val="433387195"/>
+      </p:ext>
+    </p:extLst>
+  </p:cSld>
+  <p:clrMapOvr>
+    <a:masterClrMapping/>
+  </p:clrMapOvr>
+</p:sld>
+</file>
+
+<file path=ppt/slides/slide60.xml><?xml version="1.0" encoding="utf-8"?>
 <p:sld xmlns:a="http://schemas.openxmlformats.org/drawingml/2006/main" xmlns:r="http://schemas.openxmlformats.org/officeDocument/2006/relationships" xmlns:p="http://schemas.openxmlformats.org/presentationml/2006/main">
   <p:cSld>
     <p:spTree>
@@ -25629,245 +26170,6 @@
     <p:extLst>
       <p:ext uri="{BB962C8B-B14F-4D97-AF65-F5344CB8AC3E}">
         <p14:creationId xmlns:p14="http://schemas.microsoft.com/office/powerpoint/2010/main" val="2160738329"/>
-      </p:ext>
-    </p:extLst>
-  </p:cSld>
-  <p:clrMapOvr>
-    <a:masterClrMapping/>
-  </p:clrMapOvr>
-</p:sld>
-</file>
-
-<file path=ppt/slides/slide6.xml><?xml version="1.0" encoding="utf-8"?>
-<p:sld xmlns:a="http://schemas.openxmlformats.org/drawingml/2006/main" xmlns:r="http://schemas.openxmlformats.org/officeDocument/2006/relationships" xmlns:p="http://schemas.openxmlformats.org/presentationml/2006/main">
-  <p:cSld>
-    <p:spTree>
-      <p:nvGrpSpPr>
-        <p:cNvPr id="1" name=""/>
-        <p:cNvGrpSpPr/>
-        <p:nvPr/>
-      </p:nvGrpSpPr>
-      <p:grpSpPr>
-        <a:xfrm>
-          <a:off x="0" y="0"/>
-          <a:ext cx="0" cy="0"/>
-          <a:chOff x="0" y="0"/>
-          <a:chExt cx="0" cy="0"/>
-        </a:xfrm>
-      </p:grpSpPr>
-      <p:sp>
-        <p:nvSpPr>
-          <p:cNvPr id="2" name="标题 1">
-            <a:extLst>
-              <a:ext uri="{FF2B5EF4-FFF2-40B4-BE49-F238E27FC236}">
-                <a16:creationId xmlns:a16="http://schemas.microsoft.com/office/drawing/2014/main" id="{44B93849-04ED-4974-9F20-F0CAD055F0C6}"/>
-              </a:ext>
-            </a:extLst>
-          </p:cNvPr>
-          <p:cNvSpPr>
-            <a:spLocks noGrp="1"/>
-          </p:cNvSpPr>
-          <p:nvPr>
-            <p:ph type="title"/>
-          </p:nvPr>
-        </p:nvSpPr>
-        <p:spPr>
-          <a:xfrm>
-            <a:off x="838200" y="145207"/>
-            <a:ext cx="10515600" cy="803918"/>
-          </a:xfrm>
-        </p:spPr>
-        <p:txBody>
-          <a:bodyPr/>
-          <a:lstStyle/>
-          <a:p>
-            <a:r>
-              <a:rPr lang="en-US" dirty="0"/>
-              <a:t>Line Wrap</a:t>
-            </a:r>
-          </a:p>
-        </p:txBody>
-      </p:sp>
-      <p:sp>
-        <p:nvSpPr>
-          <p:cNvPr id="3" name="内容占位符 2">
-            <a:extLst>
-              <a:ext uri="{FF2B5EF4-FFF2-40B4-BE49-F238E27FC236}">
-                <a16:creationId xmlns:a16="http://schemas.microsoft.com/office/drawing/2014/main" id="{B19B1DC3-E4EA-489C-B790-E6AF743CD2D8}"/>
-              </a:ext>
-            </a:extLst>
-          </p:cNvPr>
-          <p:cNvSpPr>
-            <a:spLocks noGrp="1"/>
-          </p:cNvSpPr>
-          <p:nvPr>
-            <p:ph idx="1"/>
-          </p:nvPr>
-        </p:nvSpPr>
-        <p:spPr>
-          <a:xfrm>
-            <a:off x="838200" y="949125"/>
-            <a:ext cx="10515600" cy="5227838"/>
-          </a:xfrm>
-        </p:spPr>
-        <p:txBody>
-          <a:bodyPr>
-            <a:normAutofit lnSpcReduction="10000"/>
-          </a:bodyPr>
-          <a:lstStyle/>
-          <a:p>
-            <a:r>
-              <a:rPr lang="en-US" dirty="0"/>
-              <a:t>For a output line whose width larger than screen buffer width, the overflow part would be chopped to avoid the messed output</a:t>
-            </a:r>
-          </a:p>
-          <a:p>
-            <a:r>
-              <a:rPr lang="en-US" dirty="0"/>
-              <a:t>To view the missing information:</a:t>
-            </a:r>
-          </a:p>
-          <a:p>
-            <a:pPr lvl="1"/>
-            <a:r>
-              <a:rPr lang="en-US" dirty="0"/>
-              <a:t>Use command “&lt;query&gt;</a:t>
-            </a:r>
-            <a:r>
-              <a:rPr lang="en-US" b="1" dirty="0"/>
-              <a:t>|less</a:t>
-            </a:r>
-            <a:r>
-              <a:rPr lang="en-US" dirty="0"/>
-              <a:t>” to enter the </a:t>
-            </a:r>
-            <a:r>
-              <a:rPr lang="en-US"/>
-              <a:t>Linux-style less </a:t>
-            </a:r>
-            <a:r>
-              <a:rPr lang="en-US" dirty="0"/>
-              <a:t>mode, and press arrow keys to scroll the screen</a:t>
-            </a:r>
-          </a:p>
-          <a:p>
-            <a:pPr lvl="1"/>
-            <a:r>
-              <a:rPr lang="en-US" dirty="0"/>
-              <a:t>Use “</a:t>
-            </a:r>
-            <a:r>
-              <a:rPr lang="en-US" b="1" dirty="0"/>
-              <a:t>less last</a:t>
-            </a:r>
-            <a:r>
-              <a:rPr lang="en-US" dirty="0"/>
-              <a:t>” to view the last output in less mode</a:t>
-            </a:r>
-          </a:p>
-          <a:p>
-            <a:pPr lvl="1"/>
-            <a:r>
-              <a:rPr lang="en-US" dirty="0"/>
-              <a:t>Use command “</a:t>
-            </a:r>
-            <a:r>
-              <a:rPr lang="en-US" b="1" dirty="0"/>
-              <a:t>out</a:t>
-            </a:r>
-            <a:r>
-              <a:rPr lang="en-US" dirty="0"/>
-              <a:t>”, which will launch the editor to view the historical outputs.</a:t>
-            </a:r>
-          </a:p>
-          <a:p>
-            <a:pPr lvl="2"/>
-            <a:r>
-              <a:rPr lang="en-US" dirty="0"/>
-              <a:t>In case of the default editor is “vi”, you can use “W/B” to scroll the screen</a:t>
-            </a:r>
-          </a:p>
-          <a:p>
-            <a:pPr lvl="2"/>
-            <a:r>
-              <a:rPr lang="en-US" dirty="0"/>
-              <a:t>Use “set editor [&lt;name&gt;]” to define the default editor</a:t>
-            </a:r>
-          </a:p>
-          <a:p>
-            <a:pPr lvl="2"/>
-            <a:r>
-              <a:rPr lang="en-US" dirty="0"/>
-              <a:t>Command “out”</a:t>
-            </a:r>
-          </a:p>
-          <a:p>
-            <a:pPr lvl="3"/>
-            <a:r>
-              <a:rPr lang="en-US" dirty="0">
-                <a:solidFill>
-                  <a:srgbClr val="0070C0"/>
-                </a:solidFill>
-              </a:rPr>
-              <a:t>out</a:t>
-            </a:r>
-            <a:r>
-              <a:rPr lang="en-US" dirty="0"/>
-              <a:t> : save the historical outputs into file “cache/&lt;sub-</a:t>
-            </a:r>
-            <a:r>
-              <a:rPr lang="en-US" dirty="0" err="1"/>
-              <a:t>dir</a:t>
-            </a:r>
-            <a:r>
-              <a:rPr lang="en-US" dirty="0"/>
-              <a:t>&gt;/out.log” and open the file</a:t>
-            </a:r>
-          </a:p>
-          <a:p>
-            <a:pPr lvl="3"/>
-            <a:r>
-              <a:rPr lang="en-US" dirty="0">
-                <a:solidFill>
-                  <a:srgbClr val="0070C0"/>
-                </a:solidFill>
-              </a:rPr>
-              <a:t>out &lt;file-name&gt;</a:t>
-            </a:r>
-            <a:r>
-              <a:rPr lang="en-US" dirty="0"/>
-              <a:t>: save the historical outputs into file “cache/&lt;sub-</a:t>
-            </a:r>
-            <a:r>
-              <a:rPr lang="en-US" dirty="0" err="1"/>
-              <a:t>dir</a:t>
-            </a:r>
-            <a:r>
-              <a:rPr lang="en-US" dirty="0"/>
-              <a:t>&gt;/&lt;file-name&gt;” and open the file</a:t>
-            </a:r>
-          </a:p>
-          <a:p>
-            <a:pPr lvl="3"/>
-            <a:r>
-              <a:rPr lang="en-US" dirty="0">
-                <a:solidFill>
-                  <a:srgbClr val="0070C0"/>
-                </a:solidFill>
-              </a:rPr>
-              <a:t>out clear</a:t>
-            </a:r>
-            <a:r>
-              <a:rPr lang="en-US" dirty="0"/>
-              <a:t>: clear the historical output</a:t>
-            </a:r>
-          </a:p>
-        </p:txBody>
-      </p:sp>
-    </p:spTree>
-    <p:extLst>
-      <p:ext uri="{BB962C8B-B14F-4D97-AF65-F5344CB8AC3E}">
-        <p14:creationId xmlns:p14="http://schemas.microsoft.com/office/powerpoint/2010/main" val="433387195"/>
       </p:ext>
     </p:extLst>
   </p:cSld>

--- a/docs/dbcli.pptx
+++ b/docs/dbcli.pptx
@@ -5,69 +5,70 @@
     <p:sldMasterId id="2147483648" r:id="rId1"/>
   </p:sldMasterIdLst>
   <p:notesMasterIdLst>
-    <p:notesMasterId r:id="rId62"/>
+    <p:notesMasterId r:id="rId63"/>
   </p:notesMasterIdLst>
   <p:sldIdLst>
     <p:sldId id="256" r:id="rId2"/>
     <p:sldId id="257" r:id="rId3"/>
     <p:sldId id="258" r:id="rId4"/>
-    <p:sldId id="259" r:id="rId5"/>
-    <p:sldId id="260" r:id="rId6"/>
-    <p:sldId id="314" r:id="rId7"/>
-    <p:sldId id="309" r:id="rId8"/>
-    <p:sldId id="261" r:id="rId9"/>
-    <p:sldId id="262" r:id="rId10"/>
-    <p:sldId id="292" r:id="rId11"/>
-    <p:sldId id="308" r:id="rId12"/>
-    <p:sldId id="263" r:id="rId13"/>
-    <p:sldId id="313" r:id="rId14"/>
-    <p:sldId id="279" r:id="rId15"/>
-    <p:sldId id="280" r:id="rId16"/>
-    <p:sldId id="264" r:id="rId17"/>
-    <p:sldId id="265" r:id="rId18"/>
-    <p:sldId id="268" r:id="rId19"/>
-    <p:sldId id="267" r:id="rId20"/>
-    <p:sldId id="269" r:id="rId21"/>
-    <p:sldId id="270" r:id="rId22"/>
-    <p:sldId id="271" r:id="rId23"/>
-    <p:sldId id="272" r:id="rId24"/>
-    <p:sldId id="273" r:id="rId25"/>
-    <p:sldId id="281" r:id="rId26"/>
-    <p:sldId id="282" r:id="rId27"/>
-    <p:sldId id="266" r:id="rId28"/>
-    <p:sldId id="288" r:id="rId29"/>
-    <p:sldId id="274" r:id="rId30"/>
-    <p:sldId id="275" r:id="rId31"/>
-    <p:sldId id="276" r:id="rId32"/>
-    <p:sldId id="283" r:id="rId33"/>
-    <p:sldId id="277" r:id="rId34"/>
-    <p:sldId id="278" r:id="rId35"/>
-    <p:sldId id="284" r:id="rId36"/>
-    <p:sldId id="285" r:id="rId37"/>
-    <p:sldId id="286" r:id="rId38"/>
-    <p:sldId id="290" r:id="rId39"/>
-    <p:sldId id="291" r:id="rId40"/>
-    <p:sldId id="315" r:id="rId41"/>
-    <p:sldId id="287" r:id="rId42"/>
-    <p:sldId id="289" r:id="rId43"/>
-    <p:sldId id="293" r:id="rId44"/>
-    <p:sldId id="294" r:id="rId45"/>
-    <p:sldId id="295" r:id="rId46"/>
-    <p:sldId id="296" r:id="rId47"/>
-    <p:sldId id="297" r:id="rId48"/>
-    <p:sldId id="298" r:id="rId49"/>
-    <p:sldId id="299" r:id="rId50"/>
-    <p:sldId id="300" r:id="rId51"/>
-    <p:sldId id="301" r:id="rId52"/>
-    <p:sldId id="302" r:id="rId53"/>
-    <p:sldId id="303" r:id="rId54"/>
-    <p:sldId id="304" r:id="rId55"/>
-    <p:sldId id="305" r:id="rId56"/>
-    <p:sldId id="306" r:id="rId57"/>
-    <p:sldId id="307" r:id="rId58"/>
-    <p:sldId id="310" r:id="rId59"/>
-    <p:sldId id="311" r:id="rId60"/>
-    <p:sldId id="312" r:id="rId61"/>
+    <p:sldId id="316" r:id="rId5"/>
+    <p:sldId id="259" r:id="rId6"/>
+    <p:sldId id="260" r:id="rId7"/>
+    <p:sldId id="314" r:id="rId8"/>
+    <p:sldId id="309" r:id="rId9"/>
+    <p:sldId id="261" r:id="rId10"/>
+    <p:sldId id="262" r:id="rId11"/>
+    <p:sldId id="292" r:id="rId12"/>
+    <p:sldId id="308" r:id="rId13"/>
+    <p:sldId id="263" r:id="rId14"/>
+    <p:sldId id="313" r:id="rId15"/>
+    <p:sldId id="279" r:id="rId16"/>
+    <p:sldId id="280" r:id="rId17"/>
+    <p:sldId id="264" r:id="rId18"/>
+    <p:sldId id="265" r:id="rId19"/>
+    <p:sldId id="268" r:id="rId20"/>
+    <p:sldId id="267" r:id="rId21"/>
+    <p:sldId id="269" r:id="rId22"/>
+    <p:sldId id="270" r:id="rId23"/>
+    <p:sldId id="271" r:id="rId24"/>
+    <p:sldId id="272" r:id="rId25"/>
+    <p:sldId id="273" r:id="rId26"/>
+    <p:sldId id="281" r:id="rId27"/>
+    <p:sldId id="282" r:id="rId28"/>
+    <p:sldId id="266" r:id="rId29"/>
+    <p:sldId id="288" r:id="rId30"/>
+    <p:sldId id="274" r:id="rId31"/>
+    <p:sldId id="275" r:id="rId32"/>
+    <p:sldId id="276" r:id="rId33"/>
+    <p:sldId id="283" r:id="rId34"/>
+    <p:sldId id="277" r:id="rId35"/>
+    <p:sldId id="278" r:id="rId36"/>
+    <p:sldId id="284" r:id="rId37"/>
+    <p:sldId id="285" r:id="rId38"/>
+    <p:sldId id="286" r:id="rId39"/>
+    <p:sldId id="290" r:id="rId40"/>
+    <p:sldId id="291" r:id="rId41"/>
+    <p:sldId id="315" r:id="rId42"/>
+    <p:sldId id="287" r:id="rId43"/>
+    <p:sldId id="289" r:id="rId44"/>
+    <p:sldId id="293" r:id="rId45"/>
+    <p:sldId id="294" r:id="rId46"/>
+    <p:sldId id="295" r:id="rId47"/>
+    <p:sldId id="296" r:id="rId48"/>
+    <p:sldId id="297" r:id="rId49"/>
+    <p:sldId id="298" r:id="rId50"/>
+    <p:sldId id="299" r:id="rId51"/>
+    <p:sldId id="300" r:id="rId52"/>
+    <p:sldId id="301" r:id="rId53"/>
+    <p:sldId id="302" r:id="rId54"/>
+    <p:sldId id="303" r:id="rId55"/>
+    <p:sldId id="304" r:id="rId56"/>
+    <p:sldId id="305" r:id="rId57"/>
+    <p:sldId id="306" r:id="rId58"/>
+    <p:sldId id="307" r:id="rId59"/>
+    <p:sldId id="310" r:id="rId60"/>
+    <p:sldId id="311" r:id="rId61"/>
+    <p:sldId id="312" r:id="rId62"/>
   </p:sldIdLst>
   <p:sldSz cx="12192000" cy="6858000"/>
   <p:notesSz cx="6858000" cy="9144000"/>
@@ -256,7 +257,7 @@
           <a:p>
             <a:fld id="{8924A7D2-5F3F-4CDE-BB06-760ED7F7BFAC}" type="datetimeFigureOut">
               <a:rPr lang="en-US" smtClean="0"/>
-              <a:t>4/12/2019</a:t>
+              <a:t>9/8/2019</a:t>
             </a:fld>
             <a:endParaRPr lang="en-US"/>
           </a:p>
@@ -756,7 +757,7 @@
           <a:p>
             <a:fld id="{B4F2F79A-9ECA-4236-9A6E-01D624A4A39C}" type="slidenum">
               <a:rPr lang="en-US" smtClean="0"/>
-              <a:t>9</a:t>
+              <a:t>10</a:t>
             </a:fld>
             <a:endParaRPr lang="en-US"/>
           </a:p>
@@ -843,7 +844,7 @@
           <a:p>
             <a:fld id="{B4F2F79A-9ECA-4236-9A6E-01D624A4A39C}" type="slidenum">
               <a:rPr lang="en-US" smtClean="0"/>
-              <a:t>21</a:t>
+              <a:t>22</a:t>
             </a:fld>
             <a:endParaRPr lang="en-US"/>
           </a:p>
@@ -958,7 +959,7 @@
           <a:p>
             <a:fld id="{B4F2F79A-9ECA-4236-9A6E-01D624A4A39C}" type="slidenum">
               <a:rPr lang="en-US" smtClean="0"/>
-              <a:t>22</a:t>
+              <a:t>23</a:t>
             </a:fld>
             <a:endParaRPr lang="en-US"/>
           </a:p>
@@ -1070,7 +1071,7 @@
           <a:p>
             <a:fld id="{B4F2F79A-9ECA-4236-9A6E-01D624A4A39C}" type="slidenum">
               <a:rPr lang="en-US" smtClean="0"/>
-              <a:t>23</a:t>
+              <a:t>24</a:t>
             </a:fld>
             <a:endParaRPr lang="en-US"/>
           </a:p>
@@ -1337,7 +1338,7 @@
           <a:p>
             <a:fld id="{B4F2F79A-9ECA-4236-9A6E-01D624A4A39C}" type="slidenum">
               <a:rPr lang="en-US" smtClean="0"/>
-              <a:t>24</a:t>
+              <a:t>25</a:t>
             </a:fld>
             <a:endParaRPr lang="en-US"/>
           </a:p>
@@ -1524,7 +1525,7 @@
           <a:p>
             <a:fld id="{B4F2F79A-9ECA-4236-9A6E-01D624A4A39C}" type="slidenum">
               <a:rPr lang="en-US" smtClean="0"/>
-              <a:t>25</a:t>
+              <a:t>26</a:t>
             </a:fld>
             <a:endParaRPr lang="en-US"/>
           </a:p>
@@ -1619,7 +1620,7 @@
           <a:p>
             <a:fld id="{B4F2F79A-9ECA-4236-9A6E-01D624A4A39C}" type="slidenum">
               <a:rPr lang="en-US" smtClean="0"/>
-              <a:t>26</a:t>
+              <a:t>27</a:t>
             </a:fld>
             <a:endParaRPr lang="en-US"/>
           </a:p>
@@ -1717,7 +1718,7 @@
           <a:p>
             <a:fld id="{B4F2F79A-9ECA-4236-9A6E-01D624A4A39C}" type="slidenum">
               <a:rPr lang="en-US" smtClean="0"/>
-              <a:t>28</a:t>
+              <a:t>29</a:t>
             </a:fld>
             <a:endParaRPr lang="en-US"/>
           </a:p>
@@ -1819,7 +1820,7 @@
           <a:p>
             <a:fld id="{B4F2F79A-9ECA-4236-9A6E-01D624A4A39C}" type="slidenum">
               <a:rPr lang="en-US" smtClean="0"/>
-              <a:t>29</a:t>
+              <a:t>30</a:t>
             </a:fld>
             <a:endParaRPr lang="en-US"/>
           </a:p>
@@ -1911,7 +1912,7 @@
           <a:p>
             <a:fld id="{B4F2F79A-9ECA-4236-9A6E-01D624A4A39C}" type="slidenum">
               <a:rPr lang="en-US" smtClean="0"/>
-              <a:t>30</a:t>
+              <a:t>31</a:t>
             </a:fld>
             <a:endParaRPr lang="en-US"/>
           </a:p>
@@ -2003,7 +2004,7 @@
           <a:p>
             <a:fld id="{B4F2F79A-9ECA-4236-9A6E-01D624A4A39C}" type="slidenum">
               <a:rPr lang="en-US" smtClean="0"/>
-              <a:t>31</a:t>
+              <a:t>32</a:t>
             </a:fld>
             <a:endParaRPr lang="en-US"/>
           </a:p>
@@ -2139,7 +2140,7 @@
           <a:p>
             <a:fld id="{B4F2F79A-9ECA-4236-9A6E-01D624A4A39C}" type="slidenum">
               <a:rPr lang="en-US" smtClean="0"/>
-              <a:t>10</a:t>
+              <a:t>11</a:t>
             </a:fld>
             <a:endParaRPr lang="en-US"/>
           </a:p>
@@ -2294,7 +2295,7 @@
           <a:p>
             <a:fld id="{B4F2F79A-9ECA-4236-9A6E-01D624A4A39C}" type="slidenum">
               <a:rPr lang="en-US" smtClean="0"/>
-              <a:t>38</a:t>
+              <a:t>39</a:t>
             </a:fld>
             <a:endParaRPr lang="en-US"/>
           </a:p>
@@ -2449,7 +2450,7 @@
           <a:p>
             <a:fld id="{B4F2F79A-9ECA-4236-9A6E-01D624A4A39C}" type="slidenum">
               <a:rPr lang="en-US" smtClean="0"/>
-              <a:t>44</a:t>
+              <a:t>45</a:t>
             </a:fld>
             <a:endParaRPr lang="en-US"/>
           </a:p>
@@ -2628,7 +2629,7 @@
           <a:p>
             <a:fld id="{B4F2F79A-9ECA-4236-9A6E-01D624A4A39C}" type="slidenum">
               <a:rPr lang="en-US" smtClean="0"/>
-              <a:t>45</a:t>
+              <a:t>46</a:t>
             </a:fld>
             <a:endParaRPr lang="en-US"/>
           </a:p>
@@ -2863,7 +2864,7 @@
           <a:p>
             <a:fld id="{B4F2F79A-9ECA-4236-9A6E-01D624A4A39C}" type="slidenum">
               <a:rPr lang="en-US" smtClean="0"/>
-              <a:t>46</a:t>
+              <a:t>47</a:t>
             </a:fld>
             <a:endParaRPr lang="en-US"/>
           </a:p>
@@ -3006,7 +3007,7 @@
           <a:p>
             <a:fld id="{B4F2F79A-9ECA-4236-9A6E-01D624A4A39C}" type="slidenum">
               <a:rPr lang="en-US" smtClean="0"/>
-              <a:t>47</a:t>
+              <a:t>48</a:t>
             </a:fld>
             <a:endParaRPr lang="en-US"/>
           </a:p>
@@ -3219,7 +3220,7 @@
           <a:p>
             <a:fld id="{B4F2F79A-9ECA-4236-9A6E-01D624A4A39C}" type="slidenum">
               <a:rPr lang="en-US" smtClean="0"/>
-              <a:t>48</a:t>
+              <a:t>49</a:t>
             </a:fld>
             <a:endParaRPr lang="en-US"/>
           </a:p>
@@ -3314,7 +3315,7 @@
           <a:p>
             <a:fld id="{B4F2F79A-9ECA-4236-9A6E-01D624A4A39C}" type="slidenum">
               <a:rPr lang="en-US" smtClean="0"/>
-              <a:t>50</a:t>
+              <a:t>51</a:t>
             </a:fld>
             <a:endParaRPr lang="en-US"/>
           </a:p>
@@ -3438,7 +3439,7 @@
           <a:p>
             <a:fld id="{B4F2F79A-9ECA-4236-9A6E-01D624A4A39C}" type="slidenum">
               <a:rPr lang="en-US" smtClean="0"/>
-              <a:t>51</a:t>
+              <a:t>52</a:t>
             </a:fld>
             <a:endParaRPr lang="en-US"/>
           </a:p>
@@ -3555,7 +3556,7 @@
           <a:p>
             <a:fld id="{B4F2F79A-9ECA-4236-9A6E-01D624A4A39C}" type="slidenum">
               <a:rPr lang="en-US" smtClean="0"/>
-              <a:t>52</a:t>
+              <a:t>53</a:t>
             </a:fld>
             <a:endParaRPr lang="en-US"/>
           </a:p>
@@ -3654,7 +3655,7 @@
           <a:p>
             <a:fld id="{B4F2F79A-9ECA-4236-9A6E-01D624A4A39C}" type="slidenum">
               <a:rPr lang="en-US" smtClean="0"/>
-              <a:t>53</a:t>
+              <a:t>54</a:t>
             </a:fld>
             <a:endParaRPr lang="en-US"/>
           </a:p>
@@ -3849,7 +3850,7 @@
           <a:p>
             <a:fld id="{B4F2F79A-9ECA-4236-9A6E-01D624A4A39C}" type="slidenum">
               <a:rPr lang="en-US" smtClean="0"/>
-              <a:t>11</a:t>
+              <a:t>12</a:t>
             </a:fld>
             <a:endParaRPr lang="en-US"/>
           </a:p>
@@ -3936,7 +3937,7 @@
           <a:p>
             <a:fld id="{B4F2F79A-9ECA-4236-9A6E-01D624A4A39C}" type="slidenum">
               <a:rPr lang="en-US" smtClean="0"/>
-              <a:t>54</a:t>
+              <a:t>55</a:t>
             </a:fld>
             <a:endParaRPr lang="en-US"/>
           </a:p>
@@ -4300,7 +4301,7 @@
           <a:p>
             <a:fld id="{B4F2F79A-9ECA-4236-9A6E-01D624A4A39C}" type="slidenum">
               <a:rPr lang="en-US" smtClean="0"/>
-              <a:t>56</a:t>
+              <a:t>57</a:t>
             </a:fld>
             <a:endParaRPr lang="en-US"/>
           </a:p>
@@ -4582,7 +4583,7 @@
           <a:p>
             <a:fld id="{B4F2F79A-9ECA-4236-9A6E-01D624A4A39C}" type="slidenum">
               <a:rPr lang="en-US" smtClean="0"/>
-              <a:t>57</a:t>
+              <a:t>58</a:t>
             </a:fld>
             <a:endParaRPr lang="en-US"/>
           </a:p>
@@ -5086,7 +5087,7 @@
           <a:p>
             <a:fld id="{B4F2F79A-9ECA-4236-9A6E-01D624A4A39C}" type="slidenum">
               <a:rPr lang="en-US" smtClean="0"/>
-              <a:t>58</a:t>
+              <a:t>59</a:t>
             </a:fld>
             <a:endParaRPr lang="en-US"/>
           </a:p>
@@ -5300,7 +5301,7 @@
           <a:p>
             <a:fld id="{B4F2F79A-9ECA-4236-9A6E-01D624A4A39C}" type="slidenum">
               <a:rPr lang="en-US" smtClean="0"/>
-              <a:t>59</a:t>
+              <a:t>60</a:t>
             </a:fld>
             <a:endParaRPr lang="en-US"/>
           </a:p>
@@ -5714,7 +5715,7 @@
           <a:p>
             <a:fld id="{B4F2F79A-9ECA-4236-9A6E-01D624A4A39C}" type="slidenum">
               <a:rPr lang="en-US" smtClean="0"/>
-              <a:t>14</a:t>
+              <a:t>15</a:t>
             </a:fld>
             <a:endParaRPr lang="en-US"/>
           </a:p>
@@ -5846,7 +5847,7 @@
           <a:p>
             <a:fld id="{B4F2F79A-9ECA-4236-9A6E-01D624A4A39C}" type="slidenum">
               <a:rPr lang="en-US" smtClean="0"/>
-              <a:t>16</a:t>
+              <a:t>17</a:t>
             </a:fld>
             <a:endParaRPr lang="en-US"/>
           </a:p>
@@ -5958,7 +5959,7 @@
           <a:p>
             <a:fld id="{B4F2F79A-9ECA-4236-9A6E-01D624A4A39C}" type="slidenum">
               <a:rPr lang="en-US" smtClean="0"/>
-              <a:t>17</a:t>
+              <a:t>18</a:t>
             </a:fld>
             <a:endParaRPr lang="en-US"/>
           </a:p>
@@ -6084,7 +6085,7 @@
           <a:p>
             <a:fld id="{B4F2F79A-9ECA-4236-9A6E-01D624A4A39C}" type="slidenum">
               <a:rPr lang="en-US" smtClean="0"/>
-              <a:t>18</a:t>
+              <a:t>19</a:t>
             </a:fld>
             <a:endParaRPr lang="en-US"/>
           </a:p>
@@ -6177,7 +6178,7 @@
           <a:p>
             <a:fld id="{B4F2F79A-9ECA-4236-9A6E-01D624A4A39C}" type="slidenum">
               <a:rPr lang="en-US" smtClean="0"/>
-              <a:t>19</a:t>
+              <a:t>20</a:t>
             </a:fld>
             <a:endParaRPr lang="en-US"/>
           </a:p>
@@ -6312,7 +6313,7 @@
           <a:p>
             <a:fld id="{B4F2F79A-9ECA-4236-9A6E-01D624A4A39C}" type="slidenum">
               <a:rPr lang="en-US" smtClean="0"/>
-              <a:t>20</a:t>
+              <a:t>21</a:t>
             </a:fld>
             <a:endParaRPr lang="en-US"/>
           </a:p>
@@ -6480,7 +6481,7 @@
           <a:p>
             <a:fld id="{830CF026-2A7D-4AC1-A6EC-3EB8F9A9FDD9}" type="datetimeFigureOut">
               <a:rPr lang="en-US" smtClean="0"/>
-              <a:t>4/12/2019</a:t>
+              <a:t>9/8/2019</a:t>
             </a:fld>
             <a:endParaRPr lang="en-US"/>
           </a:p>
@@ -6680,7 +6681,7 @@
           <a:p>
             <a:fld id="{830CF026-2A7D-4AC1-A6EC-3EB8F9A9FDD9}" type="datetimeFigureOut">
               <a:rPr lang="en-US" smtClean="0"/>
-              <a:t>4/12/2019</a:t>
+              <a:t>9/8/2019</a:t>
             </a:fld>
             <a:endParaRPr lang="en-US"/>
           </a:p>
@@ -6890,7 +6891,7 @@
           <a:p>
             <a:fld id="{830CF026-2A7D-4AC1-A6EC-3EB8F9A9FDD9}" type="datetimeFigureOut">
               <a:rPr lang="en-US" smtClean="0"/>
-              <a:t>4/12/2019</a:t>
+              <a:t>9/8/2019</a:t>
             </a:fld>
             <a:endParaRPr lang="en-US"/>
           </a:p>
@@ -7090,7 +7091,7 @@
           <a:p>
             <a:fld id="{830CF026-2A7D-4AC1-A6EC-3EB8F9A9FDD9}" type="datetimeFigureOut">
               <a:rPr lang="en-US" smtClean="0"/>
-              <a:t>4/12/2019</a:t>
+              <a:t>9/8/2019</a:t>
             </a:fld>
             <a:endParaRPr lang="en-US"/>
           </a:p>
@@ -7366,7 +7367,7 @@
           <a:p>
             <a:fld id="{830CF026-2A7D-4AC1-A6EC-3EB8F9A9FDD9}" type="datetimeFigureOut">
               <a:rPr lang="en-US" smtClean="0"/>
-              <a:t>4/12/2019</a:t>
+              <a:t>9/8/2019</a:t>
             </a:fld>
             <a:endParaRPr lang="en-US"/>
           </a:p>
@@ -7634,7 +7635,7 @@
           <a:p>
             <a:fld id="{830CF026-2A7D-4AC1-A6EC-3EB8F9A9FDD9}" type="datetimeFigureOut">
               <a:rPr lang="en-US" smtClean="0"/>
-              <a:t>4/12/2019</a:t>
+              <a:t>9/8/2019</a:t>
             </a:fld>
             <a:endParaRPr lang="en-US"/>
           </a:p>
@@ -8049,7 +8050,7 @@
           <a:p>
             <a:fld id="{830CF026-2A7D-4AC1-A6EC-3EB8F9A9FDD9}" type="datetimeFigureOut">
               <a:rPr lang="en-US" smtClean="0"/>
-              <a:t>4/12/2019</a:t>
+              <a:t>9/8/2019</a:t>
             </a:fld>
             <a:endParaRPr lang="en-US"/>
           </a:p>
@@ -8191,7 +8192,7 @@
           <a:p>
             <a:fld id="{830CF026-2A7D-4AC1-A6EC-3EB8F9A9FDD9}" type="datetimeFigureOut">
               <a:rPr lang="en-US" smtClean="0"/>
-              <a:t>4/12/2019</a:t>
+              <a:t>9/8/2019</a:t>
             </a:fld>
             <a:endParaRPr lang="en-US"/>
           </a:p>
@@ -8304,7 +8305,7 @@
           <a:p>
             <a:fld id="{830CF026-2A7D-4AC1-A6EC-3EB8F9A9FDD9}" type="datetimeFigureOut">
               <a:rPr lang="en-US" smtClean="0"/>
-              <a:t>4/12/2019</a:t>
+              <a:t>9/8/2019</a:t>
             </a:fld>
             <a:endParaRPr lang="en-US"/>
           </a:p>
@@ -8617,7 +8618,7 @@
           <a:p>
             <a:fld id="{830CF026-2A7D-4AC1-A6EC-3EB8F9A9FDD9}" type="datetimeFigureOut">
               <a:rPr lang="en-US" smtClean="0"/>
-              <a:t>4/12/2019</a:t>
+              <a:t>9/8/2019</a:t>
             </a:fld>
             <a:endParaRPr lang="en-US"/>
           </a:p>
@@ -8906,7 +8907,7 @@
           <a:p>
             <a:fld id="{830CF026-2A7D-4AC1-A6EC-3EB8F9A9FDD9}" type="datetimeFigureOut">
               <a:rPr lang="en-US" smtClean="0"/>
-              <a:t>4/12/2019</a:t>
+              <a:t>9/8/2019</a:t>
             </a:fld>
             <a:endParaRPr lang="en-US"/>
           </a:p>
@@ -9149,7 +9150,7 @@
           <a:p>
             <a:fld id="{830CF026-2A7D-4AC1-A6EC-3EB8F9A9FDD9}" type="datetimeFigureOut">
               <a:rPr lang="en-US" smtClean="0"/>
-              <a:t>4/12/2019</a:t>
+              <a:t>9/8/2019</a:t>
             </a:fld>
             <a:endParaRPr lang="en-US"/>
           </a:p>
@@ -9663,6 +9664,310 @@
       </p:grpSpPr>
       <p:sp>
         <p:nvSpPr>
+          <p:cNvPr id="2" name="标题 1">
+            <a:extLst>
+              <a:ext uri="{FF2B5EF4-FFF2-40B4-BE49-F238E27FC236}">
+                <a16:creationId xmlns:a16="http://schemas.microsoft.com/office/drawing/2014/main" id="{BF658CA3-C48E-4718-880C-B0761B684B00}"/>
+              </a:ext>
+            </a:extLst>
+          </p:cNvPr>
+          <p:cNvSpPr>
+            <a:spLocks noGrp="1"/>
+          </p:cNvSpPr>
+          <p:nvPr>
+            <p:ph type="title"/>
+          </p:nvPr>
+        </p:nvSpPr>
+        <p:spPr>
+          <a:xfrm>
+            <a:off x="753140" y="18255"/>
+            <a:ext cx="10515600" cy="540545"/>
+          </a:xfrm>
+        </p:spPr>
+        <p:txBody>
+          <a:bodyPr>
+            <a:normAutofit fontScale="90000"/>
+          </a:bodyPr>
+          <a:lstStyle/>
+          <a:p>
+            <a:r>
+              <a:rPr lang="en-US" dirty="0"/>
+              <a:t>Combine queries (command grid) - 1</a:t>
+            </a:r>
+          </a:p>
+        </p:txBody>
+      </p:sp>
+      <p:sp>
+        <p:nvSpPr>
+          <p:cNvPr id="3" name="内容占位符 2">
+            <a:extLst>
+              <a:ext uri="{FF2B5EF4-FFF2-40B4-BE49-F238E27FC236}">
+                <a16:creationId xmlns:a16="http://schemas.microsoft.com/office/drawing/2014/main" id="{18345B8B-7737-49D7-BC26-C201D3352CE4}"/>
+              </a:ext>
+            </a:extLst>
+          </p:cNvPr>
+          <p:cNvSpPr>
+            <a:spLocks noGrp="1"/>
+          </p:cNvSpPr>
+          <p:nvPr>
+            <p:ph idx="1"/>
+          </p:nvPr>
+        </p:nvSpPr>
+        <p:spPr>
+          <a:xfrm>
+            <a:off x="838200" y="558799"/>
+            <a:ext cx="10515600" cy="1722643"/>
+          </a:xfrm>
+        </p:spPr>
+        <p:txBody>
+          <a:bodyPr>
+            <a:normAutofit fontScale="47500" lnSpcReduction="20000"/>
+          </a:bodyPr>
+          <a:lstStyle/>
+          <a:p>
+            <a:r>
+              <a:rPr lang="en-US" dirty="0"/>
+              <a:t>The </a:t>
+            </a:r>
+            <a:r>
+              <a:rPr lang="en-US" b="1" dirty="0">
+                <a:solidFill>
+                  <a:schemeClr val="accent1">
+                    <a:lumMod val="75000"/>
+                  </a:schemeClr>
+                </a:solidFill>
+              </a:rPr>
+              <a:t>GRID</a:t>
+            </a:r>
+            <a:r>
+              <a:rPr lang="en-US" dirty="0"/>
+              <a:t> command is designed for developing script, to utilize the screen spaces to show enough information </a:t>
+            </a:r>
+            <a:r>
+              <a:rPr lang="en-US" altLang="zh-CN" dirty="0"/>
+              <a:t>and </a:t>
+            </a:r>
+            <a:r>
+              <a:rPr lang="en-US" dirty="0"/>
+              <a:t>reduce screen </a:t>
+            </a:r>
+            <a:r>
+              <a:rPr lang="en-US" altLang="zh-CN" dirty="0"/>
+              <a:t>scrolling</a:t>
+            </a:r>
+            <a:endParaRPr lang="en-US" dirty="0"/>
+          </a:p>
+          <a:p>
+            <a:r>
+              <a:rPr lang="en-US" dirty="0"/>
+              <a:t>Use |,-,+ to combine the output of the queries</a:t>
+            </a:r>
+          </a:p>
+          <a:p>
+            <a:pPr lvl="1"/>
+            <a:r>
+              <a:rPr lang="en-US" b="1" dirty="0">
+                <a:solidFill>
+                  <a:srgbClr val="FF0000"/>
+                </a:solidFill>
+              </a:rPr>
+              <a:t>|</a:t>
+            </a:r>
+            <a:r>
+              <a:rPr lang="en-US" b="1" dirty="0"/>
+              <a:t> </a:t>
+            </a:r>
+            <a:r>
+              <a:rPr lang="en-US" dirty="0"/>
+              <a:t>:   output A </a:t>
+            </a:r>
+            <a:r>
+              <a:rPr lang="en-US" b="1" dirty="0"/>
+              <a:t>left to </a:t>
+            </a:r>
+            <a:r>
+              <a:rPr lang="en-US" dirty="0"/>
+              <a:t>output B</a:t>
+            </a:r>
+          </a:p>
+          <a:p>
+            <a:pPr lvl="1"/>
+            <a:r>
+              <a:rPr lang="en-US" b="1" dirty="0">
+                <a:solidFill>
+                  <a:srgbClr val="FF0000"/>
+                </a:solidFill>
+              </a:rPr>
+              <a:t>+</a:t>
+            </a:r>
+            <a:r>
+              <a:rPr lang="en-US" dirty="0"/>
+              <a:t>:    output A </a:t>
+            </a:r>
+            <a:r>
+              <a:rPr lang="en-US" b="1" dirty="0"/>
+              <a:t>merge to </a:t>
+            </a:r>
+            <a:r>
+              <a:rPr lang="en-US" dirty="0"/>
+              <a:t>output B</a:t>
+            </a:r>
+          </a:p>
+          <a:p>
+            <a:pPr lvl="1"/>
+            <a:r>
+              <a:rPr lang="en-US" b="1" dirty="0">
+                <a:solidFill>
+                  <a:srgbClr val="FF0000"/>
+                </a:solidFill>
+              </a:rPr>
+              <a:t>- </a:t>
+            </a:r>
+            <a:r>
+              <a:rPr lang="en-US" dirty="0"/>
+              <a:t> :   output A </a:t>
+            </a:r>
+            <a:r>
+              <a:rPr lang="en-US" b="1" dirty="0"/>
+              <a:t>above to</a:t>
+            </a:r>
+            <a:r>
+              <a:rPr lang="en-US" dirty="0"/>
+              <a:t> output B</a:t>
+            </a:r>
+          </a:p>
+          <a:p>
+            <a:pPr lvl="1"/>
+            <a:r>
+              <a:rPr lang="en-US" dirty="0"/>
+              <a:t>All SQLs must be dynamic SQLs, meaning that they are string texts that enclosed by </a:t>
+            </a:r>
+            <a:r>
+              <a:rPr lang="en-US" dirty="0">
+                <a:solidFill>
+                  <a:srgbClr val="FF0000"/>
+                </a:solidFill>
+              </a:rPr>
+              <a:t>‘…’</a:t>
+            </a:r>
+            <a:r>
+              <a:rPr lang="en-US" dirty="0"/>
+              <a:t>,  </a:t>
+            </a:r>
+            <a:r>
+              <a:rPr lang="en-US" dirty="0">
+                <a:solidFill>
+                  <a:srgbClr val="FF0000"/>
+                </a:solidFill>
+              </a:rPr>
+              <a:t>”…”</a:t>
+            </a:r>
+            <a:r>
+              <a:rPr lang="en-US" dirty="0"/>
+              <a:t> or </a:t>
+            </a:r>
+            <a:r>
+              <a:rPr lang="en-US" dirty="0">
+                <a:solidFill>
+                  <a:srgbClr val="FF0000"/>
+                </a:solidFill>
+              </a:rPr>
+              <a:t>[[…]]</a:t>
+            </a:r>
+          </a:p>
+          <a:p>
+            <a:pPr lvl="1"/>
+            <a:r>
+              <a:rPr lang="en-US" dirty="0"/>
+              <a:t>Accepts either JSON or Lua-style object as the parameter, for LUA, </a:t>
+            </a:r>
+            <a:r>
+              <a:rPr lang="en-US" b="1" dirty="0"/>
+              <a:t>{..}</a:t>
+            </a:r>
+            <a:r>
+              <a:rPr lang="en-US" dirty="0"/>
+              <a:t> is to combine queries, and </a:t>
+            </a:r>
+            <a:r>
+              <a:rPr lang="en-US" b="1" dirty="0"/>
+              <a:t>[[...]]</a:t>
+            </a:r>
+            <a:r>
+              <a:rPr lang="en-US" dirty="0"/>
+              <a:t> to quote SQL text</a:t>
+            </a:r>
+          </a:p>
+          <a:p>
+            <a:r>
+              <a:rPr lang="en-US" dirty="0"/>
+              <a:t>More examples: command top/exa cache</a:t>
+            </a:r>
+          </a:p>
+        </p:txBody>
+      </p:sp>
+      <p:pic>
+        <p:nvPicPr>
+          <p:cNvPr id="5" name="图片 4">
+            <a:extLst>
+              <a:ext uri="{FF2B5EF4-FFF2-40B4-BE49-F238E27FC236}">
+                <a16:creationId xmlns:a16="http://schemas.microsoft.com/office/drawing/2014/main" id="{06D865FF-667B-4469-893F-8FE84A849596}"/>
+              </a:ext>
+            </a:extLst>
+          </p:cNvPr>
+          <p:cNvPicPr>
+            <a:picLocks noChangeAspect="1"/>
+          </p:cNvPicPr>
+          <p:nvPr/>
+        </p:nvPicPr>
+        <p:blipFill>
+          <a:blip r:embed="rId3"/>
+          <a:stretch>
+            <a:fillRect/>
+          </a:stretch>
+        </p:blipFill>
+        <p:spPr>
+          <a:xfrm>
+            <a:off x="963429" y="2281443"/>
+            <a:ext cx="11228571" cy="4872892"/>
+          </a:xfrm>
+          <a:prstGeom prst="rect">
+            <a:avLst/>
+          </a:prstGeom>
+        </p:spPr>
+      </p:pic>
+    </p:spTree>
+    <p:extLst>
+      <p:ext uri="{BB962C8B-B14F-4D97-AF65-F5344CB8AC3E}">
+        <p14:creationId xmlns:p14="http://schemas.microsoft.com/office/powerpoint/2010/main" val="1334687833"/>
+      </p:ext>
+    </p:extLst>
+  </p:cSld>
+  <p:clrMapOvr>
+    <a:masterClrMapping/>
+  </p:clrMapOvr>
+</p:sld>
+</file>
+
+<file path=ppt/slides/slide11.xml><?xml version="1.0" encoding="utf-8"?>
+<p:sld xmlns:a="http://schemas.openxmlformats.org/drawingml/2006/main" xmlns:r="http://schemas.openxmlformats.org/officeDocument/2006/relationships" xmlns:p="http://schemas.openxmlformats.org/presentationml/2006/main">
+  <p:cSld>
+    <p:spTree>
+      <p:nvGrpSpPr>
+        <p:cNvPr id="1" name=""/>
+        <p:cNvGrpSpPr/>
+        <p:nvPr/>
+      </p:nvGrpSpPr>
+      <p:grpSpPr>
+        <a:xfrm>
+          <a:off x="0" y="0"/>
+          <a:ext cx="0" cy="0"/>
+          <a:chOff x="0" y="0"/>
+          <a:chExt cx="0" cy="0"/>
+        </a:xfrm>
+      </p:grpSpPr>
+      <p:sp>
+        <p:nvSpPr>
           <p:cNvPr id="3" name="内容占位符 2">
             <a:extLst>
               <a:ext uri="{FF2B5EF4-FFF2-40B4-BE49-F238E27FC236}">
@@ -10131,7 +10436,7 @@
 </p:sld>
 </file>
 
-<file path=ppt/slides/slide11.xml><?xml version="1.0" encoding="utf-8"?>
+<file path=ppt/slides/slide12.xml><?xml version="1.0" encoding="utf-8"?>
 <p:sld xmlns:a="http://schemas.openxmlformats.org/drawingml/2006/main" xmlns:r="http://schemas.openxmlformats.org/officeDocument/2006/relationships" xmlns:p="http://schemas.openxmlformats.org/presentationml/2006/main">
   <p:cSld>
     <p:spTree>
@@ -10268,7 +10573,7 @@
 </p:sld>
 </file>
 
-<file path=ppt/slides/slide12.xml><?xml version="1.0" encoding="utf-8"?>
+<file path=ppt/slides/slide13.xml><?xml version="1.0" encoding="utf-8"?>
 <p:sld xmlns:a="http://schemas.openxmlformats.org/drawingml/2006/main" xmlns:r="http://schemas.openxmlformats.org/officeDocument/2006/relationships" xmlns:p="http://schemas.openxmlformats.org/presentationml/2006/main">
   <p:cSld>
     <p:spTree>
@@ -11654,7 +11959,7 @@
 </p:sld>
 </file>
 
-<file path=ppt/slides/slide13.xml><?xml version="1.0" encoding="utf-8"?>
+<file path=ppt/slides/slide14.xml><?xml version="1.0" encoding="utf-8"?>
 <p:sld xmlns:a="http://schemas.openxmlformats.org/drawingml/2006/main" xmlns:r="http://schemas.openxmlformats.org/officeDocument/2006/relationships" xmlns:p="http://schemas.openxmlformats.org/presentationml/2006/main">
   <p:cSld>
     <p:spTree>
@@ -11921,7 +12226,7 @@
 </p:sld>
 </file>
 
-<file path=ppt/slides/slide14.xml><?xml version="1.0" encoding="utf-8"?>
+<file path=ppt/slides/slide15.xml><?xml version="1.0" encoding="utf-8"?>
 <p:sld xmlns:a="http://schemas.openxmlformats.org/drawingml/2006/main" xmlns:r="http://schemas.openxmlformats.org/officeDocument/2006/relationships" xmlns:p="http://schemas.openxmlformats.org/presentationml/2006/main">
   <p:cSld>
     <p:spTree>
@@ -12075,7 +12380,7 @@
 </p:sld>
 </file>
 
-<file path=ppt/slides/slide15.xml><?xml version="1.0" encoding="utf-8"?>
+<file path=ppt/slides/slide16.xml><?xml version="1.0" encoding="utf-8"?>
 <p:sld xmlns:a="http://schemas.openxmlformats.org/drawingml/2006/main" xmlns:r="http://schemas.openxmlformats.org/officeDocument/2006/relationships" xmlns:p="http://schemas.openxmlformats.org/presentationml/2006/main">
   <p:cSld>
     <p:spTree>
@@ -12203,7 +12508,7 @@
 </p:sld>
 </file>
 
-<file path=ppt/slides/slide16.xml><?xml version="1.0" encoding="utf-8"?>
+<file path=ppt/slides/slide17.xml><?xml version="1.0" encoding="utf-8"?>
 <p:sld xmlns:a="http://schemas.openxmlformats.org/drawingml/2006/main" xmlns:r="http://schemas.openxmlformats.org/officeDocument/2006/relationships" xmlns:p="http://schemas.openxmlformats.org/presentationml/2006/main">
   <p:cSld>
     <p:spTree>
@@ -12298,7 +12603,7 @@
 </p:sld>
 </file>
 
-<file path=ppt/slides/slide17.xml><?xml version="1.0" encoding="utf-8"?>
+<file path=ppt/slides/slide18.xml><?xml version="1.0" encoding="utf-8"?>
 <p:sld xmlns:a="http://schemas.openxmlformats.org/drawingml/2006/main" xmlns:r="http://schemas.openxmlformats.org/officeDocument/2006/relationships" xmlns:p="http://schemas.openxmlformats.org/presentationml/2006/main">
   <p:cSld>
     <p:spTree>
@@ -12388,7 +12693,7 @@
 </p:sld>
 </file>
 
-<file path=ppt/slides/slide18.xml><?xml version="1.0" encoding="utf-8"?>
+<file path=ppt/slides/slide19.xml><?xml version="1.0" encoding="utf-8"?>
 <p:sld xmlns:a="http://schemas.openxmlformats.org/drawingml/2006/main" xmlns:r="http://schemas.openxmlformats.org/officeDocument/2006/relationships" xmlns:p="http://schemas.openxmlformats.org/presentationml/2006/main">
   <p:cSld>
     <p:spTree>
@@ -12522,7 +12827,179 @@
 </p:sld>
 </file>
 
-<file path=ppt/slides/slide19.xml><?xml version="1.0" encoding="utf-8"?>
+<file path=ppt/slides/slide2.xml><?xml version="1.0" encoding="utf-8"?>
+<p:sld xmlns:a="http://schemas.openxmlformats.org/drawingml/2006/main" xmlns:r="http://schemas.openxmlformats.org/officeDocument/2006/relationships" xmlns:p="http://schemas.openxmlformats.org/presentationml/2006/main">
+  <p:cSld>
+    <p:spTree>
+      <p:nvGrpSpPr>
+        <p:cNvPr id="1" name=""/>
+        <p:cNvGrpSpPr/>
+        <p:nvPr/>
+      </p:nvGrpSpPr>
+      <p:grpSpPr>
+        <a:xfrm>
+          <a:off x="0" y="0"/>
+          <a:ext cx="0" cy="0"/>
+          <a:chOff x="0" y="0"/>
+          <a:chExt cx="0" cy="0"/>
+        </a:xfrm>
+      </p:grpSpPr>
+      <p:sp>
+        <p:nvSpPr>
+          <p:cNvPr id="2" name="标题 1">
+            <a:extLst>
+              <a:ext uri="{FF2B5EF4-FFF2-40B4-BE49-F238E27FC236}">
+                <a16:creationId xmlns:a16="http://schemas.microsoft.com/office/drawing/2014/main" id="{27BF2526-DC43-43B7-AC58-B1C5BBE626C9}"/>
+              </a:ext>
+            </a:extLst>
+          </p:cNvPr>
+          <p:cNvSpPr>
+            <a:spLocks noGrp="1"/>
+          </p:cNvSpPr>
+          <p:nvPr>
+            <p:ph type="title"/>
+          </p:nvPr>
+        </p:nvSpPr>
+        <p:spPr>
+          <a:xfrm>
+            <a:off x="838200" y="258233"/>
+            <a:ext cx="10515600" cy="845608"/>
+          </a:xfrm>
+        </p:spPr>
+        <p:txBody>
+          <a:bodyPr/>
+          <a:lstStyle/>
+          <a:p>
+            <a:r>
+              <a:rPr lang="en-US" dirty="0"/>
+              <a:t>Why use DBCLI(1)</a:t>
+            </a:r>
+          </a:p>
+        </p:txBody>
+      </p:sp>
+      <p:sp>
+        <p:nvSpPr>
+          <p:cNvPr id="3" name="内容占位符 2">
+            <a:extLst>
+              <a:ext uri="{FF2B5EF4-FFF2-40B4-BE49-F238E27FC236}">
+                <a16:creationId xmlns:a16="http://schemas.microsoft.com/office/drawing/2014/main" id="{2242905D-E402-445B-AF6E-F7152E4F38CA}"/>
+              </a:ext>
+            </a:extLst>
+          </p:cNvPr>
+          <p:cNvSpPr>
+            <a:spLocks noGrp="1"/>
+          </p:cNvSpPr>
+          <p:nvPr>
+            <p:ph idx="1"/>
+          </p:nvPr>
+        </p:nvSpPr>
+        <p:spPr/>
+        <p:txBody>
+          <a:bodyPr/>
+          <a:lstStyle/>
+          <a:p>
+            <a:r>
+              <a:rPr lang="en-US" dirty="0"/>
+              <a:t>SQL*Plus is powerful, but not user-friendly</a:t>
+            </a:r>
+          </a:p>
+          <a:p>
+            <a:pPr lvl="1"/>
+            <a:r>
+              <a:rPr lang="en-US" dirty="0"/>
+              <a:t>Less-intelligent query output</a:t>
+            </a:r>
+          </a:p>
+          <a:p>
+            <a:pPr lvl="1"/>
+            <a:r>
+              <a:rPr lang="en-US" dirty="0"/>
+              <a:t>Difficult logic control for coding</a:t>
+            </a:r>
+          </a:p>
+          <a:p>
+            <a:pPr lvl="1"/>
+            <a:r>
+              <a:rPr lang="en-US" dirty="0"/>
+              <a:t>Lack of interfaces to develop addons</a:t>
+            </a:r>
+          </a:p>
+          <a:p>
+            <a:r>
+              <a:rPr lang="en-US" dirty="0"/>
+              <a:t>DBCLI is an aid of database CLI utility such as SQL*Plus and SQLcl</a:t>
+            </a:r>
+          </a:p>
+          <a:p>
+            <a:pPr lvl="1"/>
+            <a:r>
+              <a:rPr lang="en-US" dirty="0"/>
+              <a:t>Supports Windows/MacOS/Linux</a:t>
+            </a:r>
+          </a:p>
+          <a:p>
+            <a:pPr lvl="1"/>
+            <a:r>
+              <a:rPr lang="en-US" dirty="0"/>
+              <a:t>Portable and contains portable JRE bundle</a:t>
+            </a:r>
+          </a:p>
+          <a:p>
+            <a:pPr lvl="1"/>
+            <a:r>
+              <a:rPr lang="en-US" dirty="0"/>
+              <a:t>Auto-ported to SQL*Plus and SQLcl, and similar commands with SQL*Plus</a:t>
+            </a:r>
+          </a:p>
+          <a:p>
+            <a:pPr lvl="1"/>
+            <a:r>
+              <a:rPr lang="en-US" dirty="0"/>
+              <a:t>Languages: </a:t>
+            </a:r>
+            <a:r>
+              <a:rPr lang="en-US" dirty="0" err="1"/>
+              <a:t>Java,Lua,PL</a:t>
+            </a:r>
+            <a:r>
+              <a:rPr lang="en-US" dirty="0"/>
+              <a:t>/SQL,SQL</a:t>
+            </a:r>
+          </a:p>
+          <a:p>
+            <a:pPr lvl="1"/>
+            <a:r>
+              <a:rPr lang="en-US" dirty="0"/>
+              <a:t>Many powerful features</a:t>
+            </a:r>
+          </a:p>
+          <a:p>
+            <a:pPr lvl="1"/>
+            <a:endParaRPr lang="en-US" dirty="0"/>
+          </a:p>
+          <a:p>
+            <a:pPr lvl="1"/>
+            <a:endParaRPr lang="en-US" dirty="0"/>
+          </a:p>
+          <a:p>
+            <a:endParaRPr lang="en-US" dirty="0"/>
+          </a:p>
+        </p:txBody>
+      </p:sp>
+    </p:spTree>
+    <p:extLst>
+      <p:ext uri="{BB962C8B-B14F-4D97-AF65-F5344CB8AC3E}">
+        <p14:creationId xmlns:p14="http://schemas.microsoft.com/office/powerpoint/2010/main" val="2865227814"/>
+      </p:ext>
+    </p:extLst>
+  </p:cSld>
+  <p:clrMapOvr>
+    <a:masterClrMapping/>
+  </p:clrMapOvr>
+</p:sld>
+</file>
+
+<file path=ppt/slides/slide20.xml><?xml version="1.0" encoding="utf-8"?>
 <p:sld xmlns:a="http://schemas.openxmlformats.org/drawingml/2006/main" xmlns:r="http://schemas.openxmlformats.org/officeDocument/2006/relationships" xmlns:p="http://schemas.openxmlformats.org/presentationml/2006/main">
   <p:cSld>
     <p:spTree>
@@ -12656,179 +13133,7 @@
 </p:sld>
 </file>
 
-<file path=ppt/slides/slide2.xml><?xml version="1.0" encoding="utf-8"?>
-<p:sld xmlns:a="http://schemas.openxmlformats.org/drawingml/2006/main" xmlns:r="http://schemas.openxmlformats.org/officeDocument/2006/relationships" xmlns:p="http://schemas.openxmlformats.org/presentationml/2006/main">
-  <p:cSld>
-    <p:spTree>
-      <p:nvGrpSpPr>
-        <p:cNvPr id="1" name=""/>
-        <p:cNvGrpSpPr/>
-        <p:nvPr/>
-      </p:nvGrpSpPr>
-      <p:grpSpPr>
-        <a:xfrm>
-          <a:off x="0" y="0"/>
-          <a:ext cx="0" cy="0"/>
-          <a:chOff x="0" y="0"/>
-          <a:chExt cx="0" cy="0"/>
-        </a:xfrm>
-      </p:grpSpPr>
-      <p:sp>
-        <p:nvSpPr>
-          <p:cNvPr id="2" name="标题 1">
-            <a:extLst>
-              <a:ext uri="{FF2B5EF4-FFF2-40B4-BE49-F238E27FC236}">
-                <a16:creationId xmlns:a16="http://schemas.microsoft.com/office/drawing/2014/main" id="{27BF2526-DC43-43B7-AC58-B1C5BBE626C9}"/>
-              </a:ext>
-            </a:extLst>
-          </p:cNvPr>
-          <p:cNvSpPr>
-            <a:spLocks noGrp="1"/>
-          </p:cNvSpPr>
-          <p:nvPr>
-            <p:ph type="title"/>
-          </p:nvPr>
-        </p:nvSpPr>
-        <p:spPr>
-          <a:xfrm>
-            <a:off x="838200" y="258233"/>
-            <a:ext cx="10515600" cy="845608"/>
-          </a:xfrm>
-        </p:spPr>
-        <p:txBody>
-          <a:bodyPr/>
-          <a:lstStyle/>
-          <a:p>
-            <a:r>
-              <a:rPr lang="en-US" dirty="0"/>
-              <a:t>Why use DBCLI(1)</a:t>
-            </a:r>
-          </a:p>
-        </p:txBody>
-      </p:sp>
-      <p:sp>
-        <p:nvSpPr>
-          <p:cNvPr id="3" name="内容占位符 2">
-            <a:extLst>
-              <a:ext uri="{FF2B5EF4-FFF2-40B4-BE49-F238E27FC236}">
-                <a16:creationId xmlns:a16="http://schemas.microsoft.com/office/drawing/2014/main" id="{2242905D-E402-445B-AF6E-F7152E4F38CA}"/>
-              </a:ext>
-            </a:extLst>
-          </p:cNvPr>
-          <p:cNvSpPr>
-            <a:spLocks noGrp="1"/>
-          </p:cNvSpPr>
-          <p:nvPr>
-            <p:ph idx="1"/>
-          </p:nvPr>
-        </p:nvSpPr>
-        <p:spPr/>
-        <p:txBody>
-          <a:bodyPr/>
-          <a:lstStyle/>
-          <a:p>
-            <a:r>
-              <a:rPr lang="en-US" dirty="0"/>
-              <a:t>SQL*Plus is powerful, but not user-friendly</a:t>
-            </a:r>
-          </a:p>
-          <a:p>
-            <a:pPr lvl="1"/>
-            <a:r>
-              <a:rPr lang="en-US" dirty="0"/>
-              <a:t>Less-intelligent query output</a:t>
-            </a:r>
-          </a:p>
-          <a:p>
-            <a:pPr lvl="1"/>
-            <a:r>
-              <a:rPr lang="en-US" dirty="0"/>
-              <a:t>Difficult logic control for coding</a:t>
-            </a:r>
-          </a:p>
-          <a:p>
-            <a:pPr lvl="1"/>
-            <a:r>
-              <a:rPr lang="en-US" dirty="0"/>
-              <a:t>Lack of interfaces to develop addons</a:t>
-            </a:r>
-          </a:p>
-          <a:p>
-            <a:r>
-              <a:rPr lang="en-US" dirty="0"/>
-              <a:t>DBCLI is an aid of database CLI utility such as SQL*Plus and SQLcl</a:t>
-            </a:r>
-          </a:p>
-          <a:p>
-            <a:pPr lvl="1"/>
-            <a:r>
-              <a:rPr lang="en-US" dirty="0"/>
-              <a:t>Supports Windows/MacOS/Linux</a:t>
-            </a:r>
-          </a:p>
-          <a:p>
-            <a:pPr lvl="1"/>
-            <a:r>
-              <a:rPr lang="en-US" dirty="0"/>
-              <a:t>Portable and contains portable JRE bundle</a:t>
-            </a:r>
-          </a:p>
-          <a:p>
-            <a:pPr lvl="1"/>
-            <a:r>
-              <a:rPr lang="en-US" dirty="0"/>
-              <a:t>Auto-ported to SQL*Plus and SQLcl, and similar commands with SQL*Plus</a:t>
-            </a:r>
-          </a:p>
-          <a:p>
-            <a:pPr lvl="1"/>
-            <a:r>
-              <a:rPr lang="en-US" dirty="0"/>
-              <a:t>Languages: </a:t>
-            </a:r>
-            <a:r>
-              <a:rPr lang="en-US" dirty="0" err="1"/>
-              <a:t>Java,Lua,PL</a:t>
-            </a:r>
-            <a:r>
-              <a:rPr lang="en-US" dirty="0"/>
-              <a:t>/SQL,SQL</a:t>
-            </a:r>
-          </a:p>
-          <a:p>
-            <a:pPr lvl="1"/>
-            <a:r>
-              <a:rPr lang="en-US" dirty="0"/>
-              <a:t>Many powerful features</a:t>
-            </a:r>
-          </a:p>
-          <a:p>
-            <a:pPr lvl="1"/>
-            <a:endParaRPr lang="en-US" dirty="0"/>
-          </a:p>
-          <a:p>
-            <a:pPr lvl="1"/>
-            <a:endParaRPr lang="en-US" dirty="0"/>
-          </a:p>
-          <a:p>
-            <a:endParaRPr lang="en-US" dirty="0"/>
-          </a:p>
-        </p:txBody>
-      </p:sp>
-    </p:spTree>
-    <p:extLst>
-      <p:ext uri="{BB962C8B-B14F-4D97-AF65-F5344CB8AC3E}">
-        <p14:creationId xmlns:p14="http://schemas.microsoft.com/office/powerpoint/2010/main" val="2865227814"/>
-      </p:ext>
-    </p:extLst>
-  </p:cSld>
-  <p:clrMapOvr>
-    <a:masterClrMapping/>
-  </p:clrMapOvr>
-</p:sld>
-</file>
-
-<file path=ppt/slides/slide20.xml><?xml version="1.0" encoding="utf-8"?>
+<file path=ppt/slides/slide21.xml><?xml version="1.0" encoding="utf-8"?>
 <p:sld xmlns:a="http://schemas.openxmlformats.org/drawingml/2006/main" xmlns:r="http://schemas.openxmlformats.org/officeDocument/2006/relationships" xmlns:p="http://schemas.openxmlformats.org/presentationml/2006/main">
   <p:cSld>
     <p:spTree>
@@ -12978,7 +13283,7 @@
 </p:sld>
 </file>
 
-<file path=ppt/slides/slide21.xml><?xml version="1.0" encoding="utf-8"?>
+<file path=ppt/slides/slide22.xml><?xml version="1.0" encoding="utf-8"?>
 <p:sld xmlns:a="http://schemas.openxmlformats.org/drawingml/2006/main" xmlns:r="http://schemas.openxmlformats.org/officeDocument/2006/relationships" xmlns:p="http://schemas.openxmlformats.org/presentationml/2006/main">
   <p:cSld>
     <p:spTree>
@@ -13122,7 +13427,7 @@
 </p:sld>
 </file>
 
-<file path=ppt/slides/slide22.xml><?xml version="1.0" encoding="utf-8"?>
+<file path=ppt/slides/slide23.xml><?xml version="1.0" encoding="utf-8"?>
 <p:sld xmlns:a="http://schemas.openxmlformats.org/drawingml/2006/main" xmlns:r="http://schemas.openxmlformats.org/officeDocument/2006/relationships" xmlns:p="http://schemas.openxmlformats.org/presentationml/2006/main">
   <p:cSld>
     <p:spTree>
@@ -13268,7 +13573,7 @@
 </p:sld>
 </file>
 
-<file path=ppt/slides/slide23.xml><?xml version="1.0" encoding="utf-8"?>
+<file path=ppt/slides/slide24.xml><?xml version="1.0" encoding="utf-8"?>
 <p:sld xmlns:a="http://schemas.openxmlformats.org/drawingml/2006/main" xmlns:r="http://schemas.openxmlformats.org/officeDocument/2006/relationships" xmlns:p="http://schemas.openxmlformats.org/presentationml/2006/main">
   <p:cSld>
     <p:spTree>
@@ -13578,7 +13883,7 @@
 </p:sld>
 </file>
 
-<file path=ppt/slides/slide24.xml><?xml version="1.0" encoding="utf-8"?>
+<file path=ppt/slides/slide25.xml><?xml version="1.0" encoding="utf-8"?>
 <p:sld xmlns:a="http://schemas.openxmlformats.org/drawingml/2006/main" xmlns:r="http://schemas.openxmlformats.org/officeDocument/2006/relationships" xmlns:p="http://schemas.openxmlformats.org/presentationml/2006/main">
   <p:cSld>
     <p:spTree>
@@ -13754,7 +14059,7 @@
 </p:sld>
 </file>
 
-<file path=ppt/slides/slide25.xml><?xml version="1.0" encoding="utf-8"?>
+<file path=ppt/slides/slide26.xml><?xml version="1.0" encoding="utf-8"?>
 <p:sld xmlns:a="http://schemas.openxmlformats.org/drawingml/2006/main" xmlns:r="http://schemas.openxmlformats.org/officeDocument/2006/relationships" xmlns:p="http://schemas.openxmlformats.org/presentationml/2006/main">
   <p:cSld>
     <p:spTree>
@@ -13968,7 +14273,7 @@
 </p:sld>
 </file>
 
-<file path=ppt/slides/slide26.xml><?xml version="1.0" encoding="utf-8"?>
+<file path=ppt/slides/slide27.xml><?xml version="1.0" encoding="utf-8"?>
 <p:sld xmlns:a="http://schemas.openxmlformats.org/drawingml/2006/main" xmlns:r="http://schemas.openxmlformats.org/officeDocument/2006/relationships" xmlns:p="http://schemas.openxmlformats.org/presentationml/2006/main">
   <p:cSld>
     <p:spTree>
@@ -14112,7 +14417,7 @@
 </p:sld>
 </file>
 
-<file path=ppt/slides/slide27.xml><?xml version="1.0" encoding="utf-8"?>
+<file path=ppt/slides/slide28.xml><?xml version="1.0" encoding="utf-8"?>
 <p:sld xmlns:a="http://schemas.openxmlformats.org/drawingml/2006/main" xmlns:r="http://schemas.openxmlformats.org/officeDocument/2006/relationships" xmlns:p="http://schemas.openxmlformats.org/presentationml/2006/main">
   <p:cSld>
     <p:spTree>
@@ -14433,7 +14738,7 @@
 </p:sld>
 </file>
 
-<file path=ppt/slides/slide28.xml><?xml version="1.0" encoding="utf-8"?>
+<file path=ppt/slides/slide29.xml><?xml version="1.0" encoding="utf-8"?>
 <p:sld xmlns:a="http://schemas.openxmlformats.org/drawingml/2006/main" xmlns:r="http://schemas.openxmlformats.org/officeDocument/2006/relationships" xmlns:p="http://schemas.openxmlformats.org/presentationml/2006/main">
   <p:cSld>
     <p:spTree>
@@ -14569,7 +14874,228 @@
 </p:sld>
 </file>
 
-<file path=ppt/slides/slide29.xml><?xml version="1.0" encoding="utf-8"?>
+<file path=ppt/slides/slide3.xml><?xml version="1.0" encoding="utf-8"?>
+<p:sld xmlns:a="http://schemas.openxmlformats.org/drawingml/2006/main" xmlns:r="http://schemas.openxmlformats.org/officeDocument/2006/relationships" xmlns:p="http://schemas.openxmlformats.org/presentationml/2006/main">
+  <p:cSld>
+    <p:spTree>
+      <p:nvGrpSpPr>
+        <p:cNvPr id="1" name=""/>
+        <p:cNvGrpSpPr/>
+        <p:nvPr/>
+      </p:nvGrpSpPr>
+      <p:grpSpPr>
+        <a:xfrm>
+          <a:off x="0" y="0"/>
+          <a:ext cx="0" cy="0"/>
+          <a:chOff x="0" y="0"/>
+          <a:chExt cx="0" cy="0"/>
+        </a:xfrm>
+      </p:grpSpPr>
+      <p:sp>
+        <p:nvSpPr>
+          <p:cNvPr id="2" name="标题 1">
+            <a:extLst>
+              <a:ext uri="{FF2B5EF4-FFF2-40B4-BE49-F238E27FC236}">
+                <a16:creationId xmlns:a16="http://schemas.microsoft.com/office/drawing/2014/main" id="{67DDFB39-0DC1-4064-87E8-EC4A066CBB42}"/>
+              </a:ext>
+            </a:extLst>
+          </p:cNvPr>
+          <p:cNvSpPr>
+            <a:spLocks noGrp="1"/>
+          </p:cNvSpPr>
+          <p:nvPr>
+            <p:ph type="title"/>
+          </p:nvPr>
+        </p:nvSpPr>
+        <p:spPr>
+          <a:xfrm>
+            <a:off x="838200" y="215899"/>
+            <a:ext cx="10515600" cy="930275"/>
+          </a:xfrm>
+        </p:spPr>
+        <p:txBody>
+          <a:bodyPr/>
+          <a:lstStyle/>
+          <a:p>
+            <a:r>
+              <a:rPr lang="en-US" dirty="0"/>
+              <a:t>Why Use DBCLI(2)</a:t>
+            </a:r>
+          </a:p>
+        </p:txBody>
+      </p:sp>
+      <p:sp>
+        <p:nvSpPr>
+          <p:cNvPr id="3" name="内容占位符 2">
+            <a:extLst>
+              <a:ext uri="{FF2B5EF4-FFF2-40B4-BE49-F238E27FC236}">
+                <a16:creationId xmlns:a16="http://schemas.microsoft.com/office/drawing/2014/main" id="{2A967E06-4E0A-4F45-98A0-0AA9980419C5}"/>
+              </a:ext>
+            </a:extLst>
+          </p:cNvPr>
+          <p:cNvSpPr>
+            <a:spLocks noGrp="1"/>
+          </p:cNvSpPr>
+          <p:nvPr>
+            <p:ph idx="1"/>
+          </p:nvPr>
+        </p:nvSpPr>
+        <p:spPr>
+          <a:xfrm>
+            <a:off x="838200" y="1435395"/>
+            <a:ext cx="10515600" cy="4741568"/>
+          </a:xfrm>
+        </p:spPr>
+        <p:txBody>
+          <a:bodyPr>
+            <a:normAutofit lnSpcReduction="10000"/>
+          </a:bodyPr>
+          <a:lstStyle/>
+          <a:p>
+            <a:r>
+              <a:rPr lang="en-US" sz="2000" dirty="0"/>
+              <a:t>Easy connect (command login/</a:t>
+            </a:r>
+            <a:r>
+              <a:rPr lang="en-US" sz="2000" dirty="0" err="1"/>
+              <a:t>reconn</a:t>
+            </a:r>
+            <a:r>
+              <a:rPr lang="en-US" sz="2000" dirty="0"/>
+              <a:t>)</a:t>
+            </a:r>
+          </a:p>
+          <a:p>
+            <a:r>
+              <a:rPr lang="en-US" sz="2000" dirty="0"/>
+              <a:t>Intelligent format of the query output</a:t>
+            </a:r>
+          </a:p>
+          <a:p>
+            <a:r>
+              <a:rPr lang="en-US" sz="2000" dirty="0"/>
+              <a:t>Rich column value formatter(command col)</a:t>
+            </a:r>
+          </a:p>
+          <a:p>
+            <a:r>
+              <a:rPr lang="en-US" sz="2000" dirty="0"/>
+              <a:t>Combine queries (command grid)</a:t>
+            </a:r>
+          </a:p>
+          <a:p>
+            <a:r>
+              <a:rPr lang="en-US" sz="2000" dirty="0"/>
+              <a:t>Client-side VPD(command set dbid/instance/container/schema)</a:t>
+            </a:r>
+          </a:p>
+          <a:p>
+            <a:r>
+              <a:rPr lang="en-US" sz="2000" dirty="0"/>
+              <a:t>Many common utilities(awrdump/</a:t>
+            </a:r>
+            <a:r>
+              <a:rPr lang="en-US" sz="2000" dirty="0" err="1"/>
+              <a:t>addmdump</a:t>
+            </a:r>
+            <a:r>
+              <a:rPr lang="en-US" sz="2000" dirty="0"/>
+              <a:t>/dumptrace/grep/tee/unwrap/sql2csv/sql2file/etc)</a:t>
+            </a:r>
+          </a:p>
+          <a:p>
+            <a:r>
+              <a:rPr lang="en-US" sz="2000" dirty="0"/>
+              <a:t>Powerful scripting engines and documentation</a:t>
+            </a:r>
+          </a:p>
+          <a:p>
+            <a:pPr lvl="1"/>
+            <a:r>
+              <a:rPr lang="en-US" sz="1600" dirty="0"/>
+              <a:t>SQL*Plus-style engine: Command ora/sys/show/exa</a:t>
+            </a:r>
+          </a:p>
+          <a:p>
+            <a:pPr lvl="1"/>
+            <a:r>
+              <a:rPr lang="en-US" sz="1600" dirty="0"/>
+              <a:t>Snapper engine: command snap</a:t>
+            </a:r>
+          </a:p>
+          <a:p>
+            <a:pPr lvl="1"/>
+            <a:r>
+              <a:rPr lang="en-US" sz="1600" dirty="0"/>
+              <a:t>Graphing engine: Command chart/graph</a:t>
+            </a:r>
+          </a:p>
+          <a:p>
+            <a:pPr lvl="1"/>
+            <a:r>
+              <a:rPr lang="en-US" sz="1600" dirty="0"/>
+              <a:t>Shell engine: command </a:t>
+            </a:r>
+            <a:r>
+              <a:rPr lang="en-US" sz="1600" dirty="0" err="1"/>
+              <a:t>ssh</a:t>
+            </a:r>
+            <a:r>
+              <a:rPr lang="en-US" sz="1600" dirty="0"/>
+              <a:t>/</a:t>
+            </a:r>
+            <a:r>
+              <a:rPr lang="en-US" sz="1600" dirty="0" err="1"/>
+              <a:t>sh</a:t>
+            </a:r>
+            <a:r>
+              <a:rPr lang="en-US" sz="1600" dirty="0"/>
+              <a:t> ( to be enhanced)</a:t>
+            </a:r>
+          </a:p>
+          <a:p>
+            <a:r>
+              <a:rPr lang="en-US" sz="2000" dirty="0"/>
+              <a:t>Interfaces to programmer</a:t>
+            </a:r>
+          </a:p>
+          <a:p>
+            <a:r>
+              <a:rPr lang="en-US" sz="2000" dirty="0"/>
+              <a:t>Rich hot keys</a:t>
+            </a:r>
+          </a:p>
+          <a:p>
+            <a:r>
+              <a:rPr lang="en-US" sz="2000" dirty="0"/>
+              <a:t>Coloring</a:t>
+            </a:r>
+          </a:p>
+          <a:p>
+            <a:pPr marL="0" indent="0">
+              <a:buNone/>
+            </a:pPr>
+            <a:endParaRPr lang="en-US" dirty="0"/>
+          </a:p>
+          <a:p>
+            <a:endParaRPr lang="en-US" dirty="0"/>
+          </a:p>
+        </p:txBody>
+      </p:sp>
+    </p:spTree>
+    <p:extLst>
+      <p:ext uri="{BB962C8B-B14F-4D97-AF65-F5344CB8AC3E}">
+        <p14:creationId xmlns:p14="http://schemas.microsoft.com/office/powerpoint/2010/main" val="3791614640"/>
+      </p:ext>
+    </p:extLst>
+  </p:cSld>
+  <p:clrMapOvr>
+    <a:masterClrMapping/>
+  </p:clrMapOvr>
+</p:sld>
+</file>
+
+<file path=ppt/slides/slide30.xml><?xml version="1.0" encoding="utf-8"?>
 <p:sld xmlns:a="http://schemas.openxmlformats.org/drawingml/2006/main" xmlns:r="http://schemas.openxmlformats.org/officeDocument/2006/relationships" xmlns:p="http://schemas.openxmlformats.org/presentationml/2006/main">
   <p:cSld>
     <p:spTree>
@@ -14739,228 +15265,7 @@
 </p:sld>
 </file>
 
-<file path=ppt/slides/slide3.xml><?xml version="1.0" encoding="utf-8"?>
-<p:sld xmlns:a="http://schemas.openxmlformats.org/drawingml/2006/main" xmlns:r="http://schemas.openxmlformats.org/officeDocument/2006/relationships" xmlns:p="http://schemas.openxmlformats.org/presentationml/2006/main">
-  <p:cSld>
-    <p:spTree>
-      <p:nvGrpSpPr>
-        <p:cNvPr id="1" name=""/>
-        <p:cNvGrpSpPr/>
-        <p:nvPr/>
-      </p:nvGrpSpPr>
-      <p:grpSpPr>
-        <a:xfrm>
-          <a:off x="0" y="0"/>
-          <a:ext cx="0" cy="0"/>
-          <a:chOff x="0" y="0"/>
-          <a:chExt cx="0" cy="0"/>
-        </a:xfrm>
-      </p:grpSpPr>
-      <p:sp>
-        <p:nvSpPr>
-          <p:cNvPr id="2" name="标题 1">
-            <a:extLst>
-              <a:ext uri="{FF2B5EF4-FFF2-40B4-BE49-F238E27FC236}">
-                <a16:creationId xmlns:a16="http://schemas.microsoft.com/office/drawing/2014/main" id="{67DDFB39-0DC1-4064-87E8-EC4A066CBB42}"/>
-              </a:ext>
-            </a:extLst>
-          </p:cNvPr>
-          <p:cNvSpPr>
-            <a:spLocks noGrp="1"/>
-          </p:cNvSpPr>
-          <p:nvPr>
-            <p:ph type="title"/>
-          </p:nvPr>
-        </p:nvSpPr>
-        <p:spPr>
-          <a:xfrm>
-            <a:off x="838200" y="215899"/>
-            <a:ext cx="10515600" cy="930275"/>
-          </a:xfrm>
-        </p:spPr>
-        <p:txBody>
-          <a:bodyPr/>
-          <a:lstStyle/>
-          <a:p>
-            <a:r>
-              <a:rPr lang="en-US" dirty="0"/>
-              <a:t>Why Use DBCLI(2)</a:t>
-            </a:r>
-          </a:p>
-        </p:txBody>
-      </p:sp>
-      <p:sp>
-        <p:nvSpPr>
-          <p:cNvPr id="3" name="内容占位符 2">
-            <a:extLst>
-              <a:ext uri="{FF2B5EF4-FFF2-40B4-BE49-F238E27FC236}">
-                <a16:creationId xmlns:a16="http://schemas.microsoft.com/office/drawing/2014/main" id="{2A967E06-4E0A-4F45-98A0-0AA9980419C5}"/>
-              </a:ext>
-            </a:extLst>
-          </p:cNvPr>
-          <p:cNvSpPr>
-            <a:spLocks noGrp="1"/>
-          </p:cNvSpPr>
-          <p:nvPr>
-            <p:ph idx="1"/>
-          </p:nvPr>
-        </p:nvSpPr>
-        <p:spPr>
-          <a:xfrm>
-            <a:off x="838200" y="1435395"/>
-            <a:ext cx="10515600" cy="4741568"/>
-          </a:xfrm>
-        </p:spPr>
-        <p:txBody>
-          <a:bodyPr>
-            <a:normAutofit lnSpcReduction="10000"/>
-          </a:bodyPr>
-          <a:lstStyle/>
-          <a:p>
-            <a:r>
-              <a:rPr lang="en-US" sz="2000" dirty="0"/>
-              <a:t>Easy connect (command login/</a:t>
-            </a:r>
-            <a:r>
-              <a:rPr lang="en-US" sz="2000" dirty="0" err="1"/>
-              <a:t>reconn</a:t>
-            </a:r>
-            <a:r>
-              <a:rPr lang="en-US" sz="2000" dirty="0"/>
-              <a:t>)</a:t>
-            </a:r>
-          </a:p>
-          <a:p>
-            <a:r>
-              <a:rPr lang="en-US" sz="2000" dirty="0"/>
-              <a:t>Intelligent format of the query output</a:t>
-            </a:r>
-          </a:p>
-          <a:p>
-            <a:r>
-              <a:rPr lang="en-US" sz="2000" dirty="0"/>
-              <a:t>Rich column value formatter(command col)</a:t>
-            </a:r>
-          </a:p>
-          <a:p>
-            <a:r>
-              <a:rPr lang="en-US" sz="2000" dirty="0"/>
-              <a:t>Combine queries (command grid)</a:t>
-            </a:r>
-          </a:p>
-          <a:p>
-            <a:r>
-              <a:rPr lang="en-US" sz="2000" dirty="0"/>
-              <a:t>Client-side VPD(command set dbid/instance/container/schema)</a:t>
-            </a:r>
-          </a:p>
-          <a:p>
-            <a:r>
-              <a:rPr lang="en-US" sz="2000" dirty="0"/>
-              <a:t>Many common utilities(awrdump/</a:t>
-            </a:r>
-            <a:r>
-              <a:rPr lang="en-US" sz="2000" dirty="0" err="1"/>
-              <a:t>addmdump</a:t>
-            </a:r>
-            <a:r>
-              <a:rPr lang="en-US" sz="2000" dirty="0"/>
-              <a:t>/dumptrace/grep/tee/unwrap/sql2csv/sql2file/etc)</a:t>
-            </a:r>
-          </a:p>
-          <a:p>
-            <a:r>
-              <a:rPr lang="en-US" sz="2000" dirty="0"/>
-              <a:t>Powerful scripting engines and documentation</a:t>
-            </a:r>
-          </a:p>
-          <a:p>
-            <a:pPr lvl="1"/>
-            <a:r>
-              <a:rPr lang="en-US" sz="1600" dirty="0"/>
-              <a:t>SQL*Plus-style engine: Command ora/sys/show/exa</a:t>
-            </a:r>
-          </a:p>
-          <a:p>
-            <a:pPr lvl="1"/>
-            <a:r>
-              <a:rPr lang="en-US" sz="1600" dirty="0"/>
-              <a:t>Snapper engine: command snap</a:t>
-            </a:r>
-          </a:p>
-          <a:p>
-            <a:pPr lvl="1"/>
-            <a:r>
-              <a:rPr lang="en-US" sz="1600" dirty="0"/>
-              <a:t>Graphing engine: Command chart/graph</a:t>
-            </a:r>
-          </a:p>
-          <a:p>
-            <a:pPr lvl="1"/>
-            <a:r>
-              <a:rPr lang="en-US" sz="1600" dirty="0"/>
-              <a:t>Shell engine: command </a:t>
-            </a:r>
-            <a:r>
-              <a:rPr lang="en-US" sz="1600" dirty="0" err="1"/>
-              <a:t>ssh</a:t>
-            </a:r>
-            <a:r>
-              <a:rPr lang="en-US" sz="1600" dirty="0"/>
-              <a:t>/</a:t>
-            </a:r>
-            <a:r>
-              <a:rPr lang="en-US" sz="1600" dirty="0" err="1"/>
-              <a:t>sh</a:t>
-            </a:r>
-            <a:r>
-              <a:rPr lang="en-US" sz="1600" dirty="0"/>
-              <a:t> ( to be enhanced)</a:t>
-            </a:r>
-          </a:p>
-          <a:p>
-            <a:r>
-              <a:rPr lang="en-US" sz="2000" dirty="0"/>
-              <a:t>Interfaces to programmer</a:t>
-            </a:r>
-          </a:p>
-          <a:p>
-            <a:r>
-              <a:rPr lang="en-US" sz="2000" dirty="0"/>
-              <a:t>Rich hot keys</a:t>
-            </a:r>
-          </a:p>
-          <a:p>
-            <a:r>
-              <a:rPr lang="en-US" sz="2000" dirty="0"/>
-              <a:t>Coloring</a:t>
-            </a:r>
-          </a:p>
-          <a:p>
-            <a:pPr marL="0" indent="0">
-              <a:buNone/>
-            </a:pPr>
-            <a:endParaRPr lang="en-US" dirty="0"/>
-          </a:p>
-          <a:p>
-            <a:endParaRPr lang="en-US" dirty="0"/>
-          </a:p>
-        </p:txBody>
-      </p:sp>
-    </p:spTree>
-    <p:extLst>
-      <p:ext uri="{BB962C8B-B14F-4D97-AF65-F5344CB8AC3E}">
-        <p14:creationId xmlns:p14="http://schemas.microsoft.com/office/powerpoint/2010/main" val="3791614640"/>
-      </p:ext>
-    </p:extLst>
-  </p:cSld>
-  <p:clrMapOvr>
-    <a:masterClrMapping/>
-  </p:clrMapOvr>
-</p:sld>
-</file>
-
-<file path=ppt/slides/slide30.xml><?xml version="1.0" encoding="utf-8"?>
+<file path=ppt/slides/slide31.xml><?xml version="1.0" encoding="utf-8"?>
 <p:sld xmlns:a="http://schemas.openxmlformats.org/drawingml/2006/main" xmlns:r="http://schemas.openxmlformats.org/officeDocument/2006/relationships" xmlns:p="http://schemas.openxmlformats.org/presentationml/2006/main">
   <p:cSld>
     <p:spTree>
@@ -15110,7 +15415,7 @@
 </p:sld>
 </file>
 
-<file path=ppt/slides/slide31.xml><?xml version="1.0" encoding="utf-8"?>
+<file path=ppt/slides/slide32.xml><?xml version="1.0" encoding="utf-8"?>
 <p:sld xmlns:a="http://schemas.openxmlformats.org/drawingml/2006/main" xmlns:r="http://schemas.openxmlformats.org/officeDocument/2006/relationships" xmlns:p="http://schemas.openxmlformats.org/presentationml/2006/main">
   <p:cSld>
     <p:spTree>
@@ -15294,7 +15599,7 @@
 </p:sld>
 </file>
 
-<file path=ppt/slides/slide32.xml><?xml version="1.0" encoding="utf-8"?>
+<file path=ppt/slides/slide33.xml><?xml version="1.0" encoding="utf-8"?>
 <p:sld xmlns:a="http://schemas.openxmlformats.org/drawingml/2006/main" xmlns:r="http://schemas.openxmlformats.org/officeDocument/2006/relationships" xmlns:p="http://schemas.openxmlformats.org/presentationml/2006/main">
   <p:cSld>
     <p:spTree>
@@ -15422,7 +15727,7 @@
 </p:sld>
 </file>
 
-<file path=ppt/slides/slide33.xml><?xml version="1.0" encoding="utf-8"?>
+<file path=ppt/slides/slide34.xml><?xml version="1.0" encoding="utf-8"?>
 <p:sld xmlns:a="http://schemas.openxmlformats.org/drawingml/2006/main" xmlns:r="http://schemas.openxmlformats.org/officeDocument/2006/relationships" xmlns:p="http://schemas.openxmlformats.org/presentationml/2006/main">
   <p:cSld>
     <p:spTree>
@@ -15563,7 +15868,7 @@
 </p:sld>
 </file>
 
-<file path=ppt/slides/slide34.xml><?xml version="1.0" encoding="utf-8"?>
+<file path=ppt/slides/slide35.xml><?xml version="1.0" encoding="utf-8"?>
 <p:sld xmlns:a="http://schemas.openxmlformats.org/drawingml/2006/main" xmlns:r="http://schemas.openxmlformats.org/officeDocument/2006/relationships" xmlns:p="http://schemas.openxmlformats.org/presentationml/2006/main">
   <p:cSld>
     <p:spTree>
@@ -15726,7 +16031,7 @@
 </p:sld>
 </file>
 
-<file path=ppt/slides/slide35.xml><?xml version="1.0" encoding="utf-8"?>
+<file path=ppt/slides/slide36.xml><?xml version="1.0" encoding="utf-8"?>
 <p:sld xmlns:a="http://schemas.openxmlformats.org/drawingml/2006/main" xmlns:r="http://schemas.openxmlformats.org/officeDocument/2006/relationships" xmlns:p="http://schemas.openxmlformats.org/presentationml/2006/main">
   <p:cSld>
     <p:spTree>
@@ -15946,7 +16251,7 @@
 </p:sld>
 </file>
 
-<file path=ppt/slides/slide36.xml><?xml version="1.0" encoding="utf-8"?>
+<file path=ppt/slides/slide37.xml><?xml version="1.0" encoding="utf-8"?>
 <p:sld xmlns:a="http://schemas.openxmlformats.org/drawingml/2006/main" xmlns:r="http://schemas.openxmlformats.org/officeDocument/2006/relationships" xmlns:p="http://schemas.openxmlformats.org/presentationml/2006/main">
   <p:cSld>
     <p:spTree>
@@ -16124,7 +16429,7 @@
 </p:sld>
 </file>
 
-<file path=ppt/slides/slide37.xml><?xml version="1.0" encoding="utf-8"?>
+<file path=ppt/slides/slide38.xml><?xml version="1.0" encoding="utf-8"?>
 <p:sld xmlns:a="http://schemas.openxmlformats.org/drawingml/2006/main" xmlns:r="http://schemas.openxmlformats.org/officeDocument/2006/relationships" xmlns:p="http://schemas.openxmlformats.org/presentationml/2006/main">
   <p:cSld>
     <p:spTree>
@@ -16314,7 +16619,7 @@
 </p:sld>
 </file>
 
-<file path=ppt/slides/slide38.xml><?xml version="1.0" encoding="utf-8"?>
+<file path=ppt/slides/slide39.xml><?xml version="1.0" encoding="utf-8"?>
 <p:sld xmlns:a="http://schemas.openxmlformats.org/drawingml/2006/main" xmlns:r="http://schemas.openxmlformats.org/officeDocument/2006/relationships" xmlns:p="http://schemas.openxmlformats.org/presentationml/2006/main">
   <p:cSld>
     <p:spTree>
@@ -16540,262 +16845,6 @@
 </p:sld>
 </file>
 
-<file path=ppt/slides/slide39.xml><?xml version="1.0" encoding="utf-8"?>
-<p:sld xmlns:a="http://schemas.openxmlformats.org/drawingml/2006/main" xmlns:r="http://schemas.openxmlformats.org/officeDocument/2006/relationships" xmlns:p="http://schemas.openxmlformats.org/presentationml/2006/main">
-  <p:cSld>
-    <p:spTree>
-      <p:nvGrpSpPr>
-        <p:cNvPr id="1" name=""/>
-        <p:cNvGrpSpPr/>
-        <p:nvPr/>
-      </p:nvGrpSpPr>
-      <p:grpSpPr>
-        <a:xfrm>
-          <a:off x="0" y="0"/>
-          <a:ext cx="0" cy="0"/>
-          <a:chOff x="0" y="0"/>
-          <a:chExt cx="0" cy="0"/>
-        </a:xfrm>
-      </p:grpSpPr>
-      <p:sp>
-        <p:nvSpPr>
-          <p:cNvPr id="2" name="标题 1">
-            <a:extLst>
-              <a:ext uri="{FF2B5EF4-FFF2-40B4-BE49-F238E27FC236}">
-                <a16:creationId xmlns:a16="http://schemas.microsoft.com/office/drawing/2014/main" id="{C8B29B6C-C00C-4E0D-8CA1-E9219B16D778}"/>
-              </a:ext>
-            </a:extLst>
-          </p:cNvPr>
-          <p:cNvSpPr>
-            <a:spLocks noGrp="1"/>
-          </p:cNvSpPr>
-          <p:nvPr>
-            <p:ph type="title"/>
-          </p:nvPr>
-        </p:nvSpPr>
-        <p:spPr>
-          <a:xfrm>
-            <a:off x="838200" y="171938"/>
-            <a:ext cx="10515600" cy="509100"/>
-          </a:xfrm>
-        </p:spPr>
-        <p:txBody>
-          <a:bodyPr>
-            <a:normAutofit fontScale="90000"/>
-          </a:bodyPr>
-          <a:lstStyle/>
-          <a:p>
-            <a:r>
-              <a:rPr lang="en-US" dirty="0"/>
-              <a:t>Common Utility - Others</a:t>
-            </a:r>
-          </a:p>
-        </p:txBody>
-      </p:sp>
-      <p:sp>
-        <p:nvSpPr>
-          <p:cNvPr id="3" name="内容占位符 2">
-            <a:extLst>
-              <a:ext uri="{FF2B5EF4-FFF2-40B4-BE49-F238E27FC236}">
-                <a16:creationId xmlns:a16="http://schemas.microsoft.com/office/drawing/2014/main" id="{54B2F075-356C-4966-AF72-A32E6D5B796E}"/>
-              </a:ext>
-            </a:extLst>
-          </p:cNvPr>
-          <p:cNvSpPr>
-            <a:spLocks noGrp="1"/>
-          </p:cNvSpPr>
-          <p:nvPr>
-            <p:ph idx="1"/>
-          </p:nvPr>
-        </p:nvSpPr>
-        <p:spPr>
-          <a:xfrm>
-            <a:off x="838200" y="789354"/>
-            <a:ext cx="10515600" cy="4468446"/>
-          </a:xfrm>
-        </p:spPr>
-        <p:txBody>
-          <a:bodyPr>
-            <a:normAutofit fontScale="62500" lnSpcReduction="20000"/>
-          </a:bodyPr>
-          <a:lstStyle/>
-          <a:p>
-            <a:r>
-              <a:rPr lang="en-US" dirty="0"/>
-              <a:t>Command </a:t>
-            </a:r>
-            <a:r>
-              <a:rPr lang="en-US" b="1" dirty="0">
-                <a:solidFill>
-                  <a:schemeClr val="accent1">
-                    <a:lumMod val="75000"/>
-                  </a:schemeClr>
-                </a:solidFill>
-              </a:rPr>
-              <a:t>clear</a:t>
-            </a:r>
-            <a:r>
-              <a:rPr lang="en-US" dirty="0"/>
-              <a:t>: clear screen</a:t>
-            </a:r>
-          </a:p>
-          <a:p>
-            <a:r>
-              <a:rPr lang="en-US" dirty="0"/>
-              <a:t>Command </a:t>
-            </a:r>
-            <a:r>
-              <a:rPr lang="en-US" b="1" dirty="0">
-                <a:solidFill>
-                  <a:schemeClr val="accent1">
-                    <a:lumMod val="75000"/>
-                  </a:schemeClr>
-                </a:solidFill>
-              </a:rPr>
-              <a:t>reload</a:t>
-            </a:r>
-            <a:r>
-              <a:rPr lang="en-US" dirty="0"/>
-              <a:t>: reset DBCLI into initial state</a:t>
-            </a:r>
-          </a:p>
-          <a:p>
-            <a:r>
-              <a:rPr lang="en-US" dirty="0"/>
-              <a:t>Command </a:t>
-            </a:r>
-            <a:r>
-              <a:rPr lang="en-US" b="1" dirty="0">
-                <a:solidFill>
-                  <a:schemeClr val="accent1">
-                    <a:lumMod val="75000"/>
-                  </a:schemeClr>
-                </a:solidFill>
-              </a:rPr>
-              <a:t>keymap</a:t>
-            </a:r>
-            <a:r>
-              <a:rPr lang="en-US" dirty="0"/>
-              <a:t>: show or define keymap</a:t>
-            </a:r>
-          </a:p>
-          <a:p>
-            <a:r>
-              <a:rPr lang="en-US" dirty="0"/>
-              <a:t>Command </a:t>
-            </a:r>
-            <a:r>
-              <a:rPr lang="en-US" b="1" dirty="0">
-                <a:solidFill>
-                  <a:schemeClr val="accent1">
-                    <a:lumMod val="75000"/>
-                  </a:schemeClr>
-                </a:solidFill>
-              </a:rPr>
-              <a:t>search</a:t>
-            </a:r>
-            <a:r>
-              <a:rPr lang="en-US" dirty="0"/>
-              <a:t>: search all source code and print the lines that match the input keyword</a:t>
-            </a:r>
-          </a:p>
-          <a:p>
-            <a:r>
-              <a:rPr lang="en-US" dirty="0"/>
-              <a:t>Some SQL*Plus commands:</a:t>
-            </a:r>
-          </a:p>
-          <a:p>
-            <a:pPr lvl="1"/>
-            <a:r>
-              <a:rPr lang="en-US" dirty="0"/>
-              <a:t>CONNECT or CONN</a:t>
-            </a:r>
-          </a:p>
-          <a:p>
-            <a:pPr lvl="1"/>
-            <a:r>
-              <a:rPr lang="en-US" dirty="0"/>
-              <a:t>DISCONNECT or DISC</a:t>
-            </a:r>
-          </a:p>
-          <a:p>
-            <a:pPr lvl="1"/>
-            <a:r>
-              <a:rPr lang="en-US" dirty="0"/>
-              <a:t>DESCRIBE or DESC</a:t>
-            </a:r>
-          </a:p>
-          <a:p>
-            <a:pPr lvl="1"/>
-            <a:r>
-              <a:rPr lang="en-US" dirty="0"/>
-              <a:t>ACCEPT or ACC</a:t>
-            </a:r>
-          </a:p>
-          <a:p>
-            <a:pPr lvl="1"/>
-            <a:r>
-              <a:rPr lang="en-US" dirty="0"/>
-              <a:t>HOST or !</a:t>
-            </a:r>
-          </a:p>
-          <a:p>
-            <a:pPr lvl="1"/>
-            <a:r>
-              <a:rPr lang="en-US" dirty="0"/>
-              <a:t>PRINT  or PRI</a:t>
-            </a:r>
-          </a:p>
-          <a:p>
-            <a:pPr lvl="1"/>
-            <a:r>
-              <a:rPr lang="en-US" dirty="0"/>
-              <a:t>SPOOL or SPO</a:t>
-            </a:r>
-          </a:p>
-          <a:p>
-            <a:pPr lvl="1"/>
-            <a:r>
-              <a:rPr lang="en-US" dirty="0"/>
-              <a:t>SAVE</a:t>
-            </a:r>
-          </a:p>
-          <a:p>
-            <a:pPr lvl="1"/>
-            <a:r>
-              <a:rPr lang="en-US" dirty="0"/>
-              <a:t>ED or EDIT</a:t>
-            </a:r>
-          </a:p>
-          <a:p>
-            <a:pPr lvl="1"/>
-            <a:r>
-              <a:rPr lang="en-US" dirty="0"/>
-              <a:t>/ or r</a:t>
-            </a:r>
-          </a:p>
-          <a:p>
-            <a:r>
-              <a:rPr lang="en-US" dirty="0"/>
-              <a:t>Type help –a or set for more commands</a:t>
-            </a:r>
-          </a:p>
-        </p:txBody>
-      </p:sp>
-    </p:spTree>
-    <p:extLst>
-      <p:ext uri="{BB962C8B-B14F-4D97-AF65-F5344CB8AC3E}">
-        <p14:creationId xmlns:p14="http://schemas.microsoft.com/office/powerpoint/2010/main" val="1759693774"/>
-      </p:ext>
-    </p:extLst>
-  </p:cSld>
-  <p:clrMapOvr>
-    <a:masterClrMapping/>
-  </p:clrMapOvr>
-</p:sld>
-</file>
-
 <file path=ppt/slides/slide4.xml><?xml version="1.0" encoding="utf-8"?>
 <p:sld xmlns:a="http://schemas.openxmlformats.org/drawingml/2006/main" xmlns:r="http://schemas.openxmlformats.org/officeDocument/2006/relationships" xmlns:p="http://schemas.openxmlformats.org/presentationml/2006/main">
   <p:cSld>
@@ -16818,7 +16867,7 @@
           <p:cNvPr id="2" name="标题 1">
             <a:extLst>
               <a:ext uri="{FF2B5EF4-FFF2-40B4-BE49-F238E27FC236}">
-                <a16:creationId xmlns:a16="http://schemas.microsoft.com/office/drawing/2014/main" id="{82D4513D-2B3A-49FC-BBBC-347A2F2B12AC}"/>
+                <a16:creationId xmlns:a16="http://schemas.microsoft.com/office/drawing/2014/main" id="{00290E5C-C2D6-4366-A7BF-F2424B2EDF99}"/>
               </a:ext>
             </a:extLst>
           </p:cNvPr>
@@ -16832,7 +16881,7 @@
         <p:spPr>
           <a:xfrm>
             <a:off x="838200" y="365126"/>
-            <a:ext cx="10515600" cy="761926"/>
+            <a:ext cx="10515600" cy="817130"/>
           </a:xfrm>
         </p:spPr>
         <p:txBody>
@@ -16840,671 +16889,177 @@
           <a:lstStyle/>
           <a:p>
             <a:r>
-              <a:rPr lang="en-US" dirty="0"/>
-              <a:t>Easy-Connect (login and </a:t>
-            </a:r>
-            <a:r>
-              <a:rPr lang="en-US" dirty="0" err="1"/>
-              <a:t>reconn</a:t>
-            </a:r>
-            <a:r>
-              <a:rPr lang="en-US" dirty="0"/>
-              <a:t>)</a:t>
-            </a:r>
+              <a:rPr lang="en-US" altLang="zh-CN" dirty="0"/>
+              <a:t>Windows Only: Configure Command Window </a:t>
+            </a:r>
+            <a:endParaRPr lang="zh-CN" altLang="en-US" dirty="0"/>
           </a:p>
         </p:txBody>
       </p:sp>
       <p:sp>
         <p:nvSpPr>
-          <p:cNvPr id="3" name="内容占位符 2">
+          <p:cNvPr id="4" name="AutoShape 2">
             <a:extLst>
               <a:ext uri="{FF2B5EF4-FFF2-40B4-BE49-F238E27FC236}">
-                <a16:creationId xmlns:a16="http://schemas.microsoft.com/office/drawing/2014/main" id="{86DA578D-45C2-4586-BF45-602E5E9663BB}"/>
+                <a16:creationId xmlns:a16="http://schemas.microsoft.com/office/drawing/2014/main" id="{529BA29F-EABA-4186-9617-FE9E7DD0C9DB}"/>
               </a:ext>
             </a:extLst>
           </p:cNvPr>
           <p:cNvSpPr>
-            <a:spLocks noGrp="1"/>
+            <a:spLocks noGrp="1" noChangeAspect="1" noChangeArrowheads="1"/>
           </p:cNvSpPr>
           <p:nvPr>
             <p:ph idx="1"/>
           </p:nvPr>
         </p:nvSpPr>
-        <p:spPr>
+        <p:spPr bwMode="auto">
           <a:xfrm>
-            <a:off x="936846" y="1127052"/>
-            <a:ext cx="10416953" cy="2158408"/>
+            <a:off x="120073" y="1182688"/>
+            <a:ext cx="5763491" cy="5587567"/>
           </a:xfrm>
+          <a:prstGeom prst="rect">
+            <a:avLst/>
+          </a:prstGeom>
+          <a:noFill/>
+          <a:extLst>
+            <a:ext uri="{909E8E84-426E-40DD-AFC4-6F175D3DCCD1}">
+              <a14:hiddenFill xmlns:a14="http://schemas.microsoft.com/office/drawing/2010/main">
+                <a:solidFill>
+                  <a:srgbClr val="FFFFFF"/>
+                </a:solidFill>
+              </a14:hiddenFill>
+            </a:ext>
+          </a:extLst>
         </p:spPr>
         <p:txBody>
-          <a:bodyPr>
-            <a:normAutofit fontScale="77500" lnSpcReduction="20000"/>
+          <a:bodyPr vert="horz" wrap="square" lIns="91440" tIns="45720" rIns="91440" bIns="45720" numCol="1" anchor="t" anchorCtr="0" compatLnSpc="1">
+            <a:prstTxWarp prst="textNoShape">
+              <a:avLst/>
+            </a:prstTxWarp>
+            <a:normAutofit lnSpcReduction="10000"/>
           </a:bodyPr>
           <a:lstStyle/>
           <a:p>
             <a:r>
-              <a:rPr lang="en-US" sz="2400" b="1" dirty="0"/>
-              <a:t>Login</a:t>
-            </a:r>
-            <a:r>
-              <a:rPr lang="en-US" sz="2400" dirty="0"/>
-              <a:t>: show stored connections</a:t>
-            </a:r>
-          </a:p>
-          <a:p>
-            <a:r>
-              <a:rPr lang="en-US" sz="2400" b="1" dirty="0"/>
-              <a:t>Login -a &lt;alias&gt;  &lt;id&gt; </a:t>
-            </a:r>
-            <a:r>
-              <a:rPr lang="en-US" sz="2400" dirty="0"/>
-              <a:t>: create an alias for a login</a:t>
-            </a:r>
-          </a:p>
-          <a:p>
-            <a:r>
-              <a:rPr lang="en-US" sz="2400" b="1" dirty="0"/>
-              <a:t>Login &lt;id&gt;|&lt;alias&gt;|&lt;keyword&gt;</a:t>
-            </a:r>
-            <a:r>
-              <a:rPr lang="en-US" sz="2400" dirty="0"/>
-              <a:t>:  connect to db, or list the connections that match the keyword</a:t>
-            </a:r>
-          </a:p>
-          <a:p>
-            <a:r>
-              <a:rPr lang="en-US" sz="2400" b="1" dirty="0"/>
-              <a:t>Login –p &lt;id&gt;|&lt;alias&gt; </a:t>
-            </a:r>
-            <a:r>
-              <a:rPr lang="en-US" sz="2400" dirty="0"/>
-              <a:t>: print connection string</a:t>
-            </a:r>
-          </a:p>
-          <a:p>
-            <a:r>
-              <a:rPr lang="en-US" sz="2400" b="1" dirty="0"/>
-              <a:t>Reconn</a:t>
-            </a:r>
-            <a:r>
-              <a:rPr lang="en-US" sz="2400" dirty="0"/>
-              <a:t>: reconnect to the previous login database</a:t>
-            </a:r>
-          </a:p>
-          <a:p>
-            <a:r>
-              <a:rPr lang="en-US" sz="2400" dirty="0"/>
-              <a:t>The account information is stored as data\password.dat, and never be overridden by the new version</a:t>
-            </a:r>
-          </a:p>
-          <a:p>
-            <a:endParaRPr lang="en-US" dirty="0"/>
-          </a:p>
-          <a:p>
-            <a:pPr marL="0" indent="0">
-              <a:buNone/>
-            </a:pPr>
-            <a:endParaRPr lang="en-US" dirty="0"/>
+              <a:rPr lang="en-US" altLang="zh-CN" dirty="0"/>
+              <a:t>Use smaller font size</a:t>
+            </a:r>
+          </a:p>
+          <a:p>
+            <a:pPr lvl="1"/>
+            <a:r>
+              <a:rPr lang="en-US" altLang="zh-CN" dirty="0"/>
+              <a:t>Open command window =&gt; right click the title bar=&gt; default values</a:t>
+            </a:r>
+          </a:p>
+          <a:p>
+            <a:pPr lvl="1"/>
+            <a:r>
+              <a:rPr lang="en-US" altLang="zh-CN"/>
+              <a:t>When use </a:t>
+            </a:r>
+            <a:r>
+              <a:rPr lang="en-US" altLang="zh-CN" dirty="0" err="1"/>
+              <a:t>ConsoleZ</a:t>
+            </a:r>
+            <a:r>
+              <a:rPr lang="en-US" altLang="zh-CN" dirty="0"/>
+              <a:t> as the terminal, try smaller Unicode font by clicking “View=&gt;Console window”  to avoid some display issues</a:t>
+            </a:r>
+          </a:p>
+          <a:p>
+            <a:r>
+              <a:rPr lang="en-US" altLang="zh-CN" dirty="0"/>
+              <a:t>Use larger screen buffer</a:t>
+            </a:r>
+          </a:p>
+          <a:p>
+            <a:pPr lvl="1"/>
+            <a:r>
+              <a:rPr lang="en-US" altLang="zh-CN" dirty="0"/>
+              <a:t>2000 x 9999 is recommended</a:t>
+            </a:r>
+          </a:p>
+          <a:p>
+            <a:r>
+              <a:rPr lang="en-US" altLang="zh-CN" dirty="0"/>
+              <a:t>Use Better color solution</a:t>
+            </a:r>
+          </a:p>
+          <a:p>
+            <a:pPr lvl="1"/>
+            <a:r>
+              <a:rPr lang="en-US" altLang="zh-CN" dirty="0"/>
+              <a:t>Optional, depends on </a:t>
+            </a:r>
+            <a:r>
+              <a:rPr lang="en-US" altLang="zh-CN" dirty="0" err="1"/>
+              <a:t>ColorTool</a:t>
+            </a:r>
+            <a:r>
+              <a:rPr lang="en-US" altLang="zh-CN" dirty="0"/>
+              <a:t>(https://github.com/microsoft/terminal/tree/master/src/tools/ColorTool).</a:t>
+            </a:r>
+          </a:p>
+          <a:p>
+            <a:pPr lvl="1"/>
+            <a:r>
+              <a:rPr lang="en-US" altLang="zh-CN" dirty="0"/>
+              <a:t>run “</a:t>
+            </a:r>
+            <a:r>
+              <a:rPr lang="en-US" altLang="zh-CN" dirty="0" err="1"/>
+              <a:t>colortool</a:t>
+            </a:r>
+            <a:r>
+              <a:rPr lang="en-US" altLang="zh-CN" dirty="0"/>
+              <a:t> -s” under “</a:t>
+            </a:r>
+            <a:r>
+              <a:rPr lang="en-US" altLang="zh-CN" dirty="0" err="1"/>
+              <a:t>dbcli</a:t>
+            </a:r>
+            <a:r>
+              <a:rPr lang="en-US" altLang="zh-CN" dirty="0"/>
+              <a:t>\bin” and choose the scheme that you preferred</a:t>
+            </a:r>
           </a:p>
         </p:txBody>
       </p:sp>
-      <p:graphicFrame>
-        <p:nvGraphicFramePr>
-          <p:cNvPr id="5" name="表格 4">
+      <p:pic>
+        <p:nvPicPr>
+          <p:cNvPr id="7" name="图片 6">
             <a:extLst>
               <a:ext uri="{FF2B5EF4-FFF2-40B4-BE49-F238E27FC236}">
-                <a16:creationId xmlns:a16="http://schemas.microsoft.com/office/drawing/2014/main" id="{C60BDC7E-8E11-4AA2-BC27-128D63DB6FA9}"/>
+                <a16:creationId xmlns:a16="http://schemas.microsoft.com/office/drawing/2014/main" id="{0F55639B-F1D8-466A-ADE0-D81432C939F0}"/>
               </a:ext>
             </a:extLst>
           </p:cNvPr>
-          <p:cNvGraphicFramePr>
-            <a:graphicFrameLocks noGrp="1"/>
-          </p:cNvGraphicFramePr>
-          <p:nvPr>
-            <p:extLst>
-              <p:ext uri="{D42A27DB-BD31-4B8C-83A1-F6EECF244321}">
-                <p14:modId xmlns:p14="http://schemas.microsoft.com/office/powerpoint/2010/main" val="2954892295"/>
-              </p:ext>
-            </p:extLst>
-          </p:nvPr>
-        </p:nvGraphicFramePr>
-        <p:xfrm>
-          <a:off x="936847" y="3429000"/>
-          <a:ext cx="10163544" cy="3256912"/>
-        </p:xfrm>
-        <a:graphic>
-          <a:graphicData uri="http://schemas.openxmlformats.org/drawingml/2006/table">
-            <a:tbl>
-              <a:tblPr firstRow="1" bandRow="1">
-                <a:tableStyleId>{5C22544A-7EE6-4342-B048-85BDC9FD1C3A}</a:tableStyleId>
-              </a:tblPr>
-              <a:tblGrid>
-                <a:gridCol w="10163544">
-                  <a:extLst>
-                    <a:ext uri="{9D8B030D-6E8A-4147-A177-3AD203B41FA5}">
-                      <a16:colId xmlns:a16="http://schemas.microsoft.com/office/drawing/2014/main" val="1464193459"/>
-                    </a:ext>
-                  </a:extLst>
-                </a:gridCol>
-              </a:tblGrid>
-              <a:tr h="3256912">
-                <a:tc>
-                  <a:txBody>
-                    <a:bodyPr/>
-                    <a:lstStyle/>
-                    <a:p>
-                      <a:r>
-                        <a:rPr lang="en-US" sz="1100" b="0" kern="1200" dirty="0">
-                          <a:solidFill>
-                            <a:schemeClr val="lt1"/>
-                          </a:solidFill>
-                          <a:latin typeface="Consolas" panose="020B0609020204030204" pitchFamily="49" charset="0"/>
-                          <a:ea typeface="+mn-ea"/>
-                          <a:cs typeface="Consolas" panose="020B0609020204030204" pitchFamily="49" charset="0"/>
-                        </a:rPr>
-                        <a:t>ORCL&gt; login                                                                                                      </a:t>
-                      </a:r>
-                      <a:br>
-                        <a:rPr lang="en-US" sz="1100" b="0" kern="1200" dirty="0">
-                          <a:solidFill>
-                            <a:schemeClr val="lt1"/>
-                          </a:solidFill>
-                          <a:latin typeface="Consolas" panose="020B0609020204030204" pitchFamily="49" charset="0"/>
-                          <a:ea typeface="+mn-ea"/>
-                          <a:cs typeface="Consolas" panose="020B0609020204030204" pitchFamily="49" charset="0"/>
-                        </a:rPr>
-                      </a:br>
-                      <a:r>
-                        <a:rPr lang="en-US" sz="1100" b="0" kern="1200" dirty="0">
-                          <a:solidFill>
-                            <a:schemeClr val="lt1"/>
-                          </a:solidFill>
-                          <a:latin typeface="Consolas" panose="020B0609020204030204" pitchFamily="49" charset="0"/>
-                          <a:ea typeface="+mn-ea"/>
-                          <a:cs typeface="Consolas" panose="020B0609020204030204" pitchFamily="49" charset="0"/>
-                        </a:rPr>
-                        <a:t>     #     Alias                    Name                    User    SSH Link </a:t>
-                      </a:r>
-                      <a:r>
-                        <a:rPr lang="en-US" sz="1100" b="0" kern="1200" dirty="0" err="1">
-                          <a:solidFill>
-                            <a:schemeClr val="lt1"/>
-                          </a:solidFill>
-                          <a:latin typeface="Consolas" panose="020B0609020204030204" pitchFamily="49" charset="0"/>
-                          <a:ea typeface="+mn-ea"/>
-                          <a:cs typeface="Consolas" panose="020B0609020204030204" pitchFamily="49" charset="0"/>
-                        </a:rPr>
-                        <a:t>Url</a:t>
-                      </a:r>
-                      <a:r>
-                        <a:rPr lang="en-US" sz="1100" b="0" kern="1200" dirty="0">
-                          <a:solidFill>
-                            <a:schemeClr val="lt1"/>
-                          </a:solidFill>
-                          <a:latin typeface="Consolas" panose="020B0609020204030204" pitchFamily="49" charset="0"/>
-                          <a:ea typeface="+mn-ea"/>
-                          <a:cs typeface="Consolas" panose="020B0609020204030204" pitchFamily="49" charset="0"/>
-                        </a:rPr>
-                        <a:t>                                      </a:t>
-                      </a:r>
-                      <a:br>
-                        <a:rPr lang="en-US" sz="1100" b="0" kern="1200" dirty="0">
-                          <a:solidFill>
-                            <a:schemeClr val="lt1"/>
-                          </a:solidFill>
-                          <a:latin typeface="Consolas" panose="020B0609020204030204" pitchFamily="49" charset="0"/>
-                          <a:ea typeface="+mn-ea"/>
-                          <a:cs typeface="Consolas" panose="020B0609020204030204" pitchFamily="49" charset="0"/>
-                        </a:rPr>
-                      </a:br>
-                      <a:r>
-                        <a:rPr lang="en-US" sz="1100" b="0" kern="1200" dirty="0">
-                          <a:solidFill>
-                            <a:schemeClr val="lt1"/>
-                          </a:solidFill>
-                          <a:latin typeface="Consolas" panose="020B0609020204030204" pitchFamily="49" charset="0"/>
-                          <a:ea typeface="+mn-ea"/>
-                          <a:cs typeface="Consolas" panose="020B0609020204030204" pitchFamily="49" charset="0"/>
-                        </a:rPr>
-                        <a:t>    --- ----------- ------------------------------------ ---------- -------- -----------------------------------------</a:t>
-                      </a:r>
-                      <a:br>
-                        <a:rPr lang="en-US" sz="1100" b="0" kern="1200" dirty="0">
-                          <a:solidFill>
-                            <a:schemeClr val="lt1"/>
-                          </a:solidFill>
-                          <a:latin typeface="Consolas" panose="020B0609020204030204" pitchFamily="49" charset="0"/>
-                          <a:ea typeface="+mn-ea"/>
-                          <a:cs typeface="Consolas" panose="020B0609020204030204" pitchFamily="49" charset="0"/>
-                        </a:rPr>
-                      </a:br>
-                      <a:r>
-                        <a:rPr lang="en-US" sz="1100" b="0" kern="1200" dirty="0">
-                          <a:solidFill>
-                            <a:schemeClr val="lt1"/>
-                          </a:solidFill>
-                          <a:latin typeface="Consolas" panose="020B0609020204030204" pitchFamily="49" charset="0"/>
-                          <a:ea typeface="+mn-ea"/>
-                          <a:cs typeface="Consolas" panose="020B0609020204030204" pitchFamily="49" charset="0"/>
-                        </a:rPr>
-                        <a:t>      1             cary@scaqaa05adm01/</a:t>
-                      </a:r>
-                      <a:r>
-                        <a:rPr lang="en-US" sz="1100" b="0" kern="1200" dirty="0" err="1">
-                          <a:solidFill>
-                            <a:schemeClr val="lt1"/>
-                          </a:solidFill>
-                          <a:latin typeface="Consolas" panose="020B0609020204030204" pitchFamily="49" charset="0"/>
-                          <a:ea typeface="+mn-ea"/>
-                          <a:cs typeface="Consolas" panose="020B0609020204030204" pitchFamily="49" charset="0"/>
-                        </a:rPr>
-                        <a:t>yuisong</a:t>
-                      </a:r>
-                      <a:r>
-                        <a:rPr lang="en-US" sz="1100" b="0" kern="1200" dirty="0">
-                          <a:solidFill>
-                            <a:schemeClr val="lt1"/>
-                          </a:solidFill>
-                          <a:latin typeface="Consolas" panose="020B0609020204030204" pitchFamily="49" charset="0"/>
-                          <a:ea typeface="+mn-ea"/>
-                          <a:cs typeface="Consolas" panose="020B0609020204030204" pitchFamily="49" charset="0"/>
-                        </a:rPr>
-                        <a:t>           </a:t>
-                      </a:r>
-                      <a:r>
-                        <a:rPr lang="en-US" sz="1100" b="0" kern="1200" dirty="0" err="1">
-                          <a:solidFill>
-                            <a:schemeClr val="lt1"/>
-                          </a:solidFill>
-                          <a:latin typeface="Consolas" panose="020B0609020204030204" pitchFamily="49" charset="0"/>
-                          <a:ea typeface="+mn-ea"/>
-                          <a:cs typeface="Consolas" panose="020B0609020204030204" pitchFamily="49" charset="0"/>
-                        </a:rPr>
-                        <a:t>cary</a:t>
-                      </a:r>
-                      <a:r>
-                        <a:rPr lang="en-US" sz="1100" b="0" kern="1200" dirty="0">
-                          <a:solidFill>
-                            <a:schemeClr val="lt1"/>
-                          </a:solidFill>
-                          <a:latin typeface="Consolas" panose="020B0609020204030204" pitchFamily="49" charset="0"/>
-                          <a:ea typeface="+mn-ea"/>
-                          <a:cs typeface="Consolas" panose="020B0609020204030204" pitchFamily="49" charset="0"/>
-                        </a:rPr>
-                        <a:t>                </a:t>
-                      </a:r>
-                      <a:r>
-                        <a:rPr lang="en-US" sz="1100" b="0" kern="1200" dirty="0" err="1">
-                          <a:solidFill>
-                            <a:schemeClr val="lt1"/>
-                          </a:solidFill>
-                          <a:latin typeface="Consolas" panose="020B0609020204030204" pitchFamily="49" charset="0"/>
-                          <a:ea typeface="+mn-ea"/>
-                          <a:cs typeface="Consolas" panose="020B0609020204030204" pitchFamily="49" charset="0"/>
-                        </a:rPr>
-                        <a:t>jdbc:oracle:thin</a:t>
-                      </a:r>
-                      <a:r>
-                        <a:rPr lang="en-US" sz="1100" b="0" kern="1200" dirty="0">
-                          <a:solidFill>
-                            <a:schemeClr val="lt1"/>
-                          </a:solidFill>
-                          <a:latin typeface="Consolas" panose="020B0609020204030204" pitchFamily="49" charset="0"/>
-                          <a:ea typeface="+mn-ea"/>
-                          <a:cs typeface="Consolas" panose="020B0609020204030204" pitchFamily="49" charset="0"/>
-                        </a:rPr>
-                        <a:t>:@snaccx5adm01.us.ocsdn</a:t>
-                      </a:r>
-                      <a:br>
-                        <a:rPr lang="en-US" sz="1100" b="0" kern="1200" dirty="0">
-                          <a:solidFill>
-                            <a:schemeClr val="lt1"/>
-                          </a:solidFill>
-                          <a:latin typeface="Consolas" panose="020B0609020204030204" pitchFamily="49" charset="0"/>
-                          <a:ea typeface="+mn-ea"/>
-                          <a:cs typeface="Consolas" panose="020B0609020204030204" pitchFamily="49" charset="0"/>
-                        </a:rPr>
-                      </a:br>
-                      <a:r>
-                        <a:rPr lang="en-US" sz="1100" b="0" kern="1200" dirty="0">
-                          <a:solidFill>
-                            <a:schemeClr val="lt1"/>
-                          </a:solidFill>
-                          <a:latin typeface="Consolas" panose="020B0609020204030204" pitchFamily="49" charset="0"/>
-                          <a:ea typeface="+mn-ea"/>
-                          <a:cs typeface="Consolas" panose="020B0609020204030204" pitchFamily="49" charset="0"/>
-                        </a:rPr>
-                        <a:t>      2             clo_normal@scao08adm06/</a:t>
-                      </a:r>
-                      <a:r>
-                        <a:rPr lang="en-US" sz="1100" b="0" kern="1200" dirty="0" err="1">
-                          <a:solidFill>
-                            <a:schemeClr val="lt1"/>
-                          </a:solidFill>
-                          <a:latin typeface="Consolas" panose="020B0609020204030204" pitchFamily="49" charset="0"/>
-                          <a:ea typeface="+mn-ea"/>
-                          <a:cs typeface="Consolas" panose="020B0609020204030204" pitchFamily="49" charset="0"/>
-                        </a:rPr>
-                        <a:t>catdb</a:t>
-                      </a:r>
-                      <a:r>
-                        <a:rPr lang="en-US" sz="1100" b="0" kern="1200" dirty="0">
-                          <a:solidFill>
-                            <a:schemeClr val="lt1"/>
-                          </a:solidFill>
-                          <a:latin typeface="Consolas" panose="020B0609020204030204" pitchFamily="49" charset="0"/>
-                          <a:ea typeface="+mn-ea"/>
-                          <a:cs typeface="Consolas" panose="020B0609020204030204" pitchFamily="49" charset="0"/>
-                        </a:rPr>
-                        <a:t>         </a:t>
-                      </a:r>
-                      <a:r>
-                        <a:rPr lang="en-US" sz="1100" b="0" kern="1200" dirty="0" err="1">
-                          <a:solidFill>
-                            <a:schemeClr val="lt1"/>
-                          </a:solidFill>
-                          <a:latin typeface="Consolas" panose="020B0609020204030204" pitchFamily="49" charset="0"/>
-                          <a:ea typeface="+mn-ea"/>
-                          <a:cs typeface="Consolas" panose="020B0609020204030204" pitchFamily="49" charset="0"/>
-                        </a:rPr>
-                        <a:t>clo_normal</a:t>
-                      </a:r>
-                      <a:r>
-                        <a:rPr lang="en-US" sz="1100" b="0" kern="1200" dirty="0">
-                          <a:solidFill>
-                            <a:schemeClr val="lt1"/>
-                          </a:solidFill>
-                          <a:latin typeface="Consolas" panose="020B0609020204030204" pitchFamily="49" charset="0"/>
-                          <a:ea typeface="+mn-ea"/>
-                          <a:cs typeface="Consolas" panose="020B0609020204030204" pitchFamily="49" charset="0"/>
-                        </a:rPr>
-                        <a:t>          </a:t>
-                      </a:r>
-                      <a:r>
-                        <a:rPr lang="en-US" sz="1100" b="0" kern="1200" dirty="0" err="1">
-                          <a:solidFill>
-                            <a:schemeClr val="lt1"/>
-                          </a:solidFill>
-                          <a:latin typeface="Consolas" panose="020B0609020204030204" pitchFamily="49" charset="0"/>
-                          <a:ea typeface="+mn-ea"/>
-                          <a:cs typeface="Consolas" panose="020B0609020204030204" pitchFamily="49" charset="0"/>
-                        </a:rPr>
-                        <a:t>jdbc:oracle:thin</a:t>
-                      </a:r>
-                      <a:r>
-                        <a:rPr lang="en-US" sz="1100" b="0" kern="1200" dirty="0">
-                          <a:solidFill>
-                            <a:schemeClr val="lt1"/>
-                          </a:solidFill>
-                          <a:latin typeface="Consolas" panose="020B0609020204030204" pitchFamily="49" charset="0"/>
-                          <a:ea typeface="+mn-ea"/>
-                          <a:cs typeface="Consolas" panose="020B0609020204030204" pitchFamily="49" charset="0"/>
-                        </a:rPr>
-                        <a:t>:@snao08adm06.us.ocsdn.c</a:t>
-                      </a:r>
-                      <a:br>
-                        <a:rPr lang="en-US" sz="1100" b="0" kern="1200" dirty="0">
-                          <a:solidFill>
-                            <a:schemeClr val="lt1"/>
-                          </a:solidFill>
-                          <a:latin typeface="Consolas" panose="020B0609020204030204" pitchFamily="49" charset="0"/>
-                          <a:ea typeface="+mn-ea"/>
-                          <a:cs typeface="Consolas" panose="020B0609020204030204" pitchFamily="49" charset="0"/>
-                        </a:rPr>
-                      </a:br>
-                      <a:r>
-                        <a:rPr lang="en-US" sz="1100" b="0" kern="1200" dirty="0">
-                          <a:solidFill>
-                            <a:schemeClr val="lt1"/>
-                          </a:solidFill>
-                          <a:latin typeface="Consolas" panose="020B0609020204030204" pitchFamily="49" charset="0"/>
-                          <a:ea typeface="+mn-ea"/>
-                          <a:cs typeface="Consolas" panose="020B0609020204030204" pitchFamily="49" charset="0"/>
-                        </a:rPr>
-                        <a:t>      3             clo_normal@slcm01adm01vm01/</a:t>
-                      </a:r>
-                      <a:r>
-                        <a:rPr lang="en-US" sz="1100" b="0" kern="1200" dirty="0" err="1">
-                          <a:solidFill>
-                            <a:schemeClr val="lt1"/>
-                          </a:solidFill>
-                          <a:latin typeface="Consolas" panose="020B0609020204030204" pitchFamily="49" charset="0"/>
-                          <a:ea typeface="+mn-ea"/>
-                          <a:cs typeface="Consolas" panose="020B0609020204030204" pitchFamily="49" charset="0"/>
-                        </a:rPr>
-                        <a:t>rwp_shard</a:t>
-                      </a:r>
-                      <a:r>
-                        <a:rPr lang="en-US" sz="1100" b="0" kern="1200" dirty="0">
-                          <a:solidFill>
-                            <a:schemeClr val="lt1"/>
-                          </a:solidFill>
-                          <a:latin typeface="Consolas" panose="020B0609020204030204" pitchFamily="49" charset="0"/>
-                          <a:ea typeface="+mn-ea"/>
-                          <a:cs typeface="Consolas" panose="020B0609020204030204" pitchFamily="49" charset="0"/>
-                        </a:rPr>
-                        <a:t> </a:t>
-                      </a:r>
-                      <a:r>
-                        <a:rPr lang="en-US" sz="1100" b="0" kern="1200" dirty="0" err="1">
-                          <a:solidFill>
-                            <a:schemeClr val="lt1"/>
-                          </a:solidFill>
-                          <a:latin typeface="Consolas" panose="020B0609020204030204" pitchFamily="49" charset="0"/>
-                          <a:ea typeface="+mn-ea"/>
-                          <a:cs typeface="Consolas" panose="020B0609020204030204" pitchFamily="49" charset="0"/>
-                        </a:rPr>
-                        <a:t>clo_normal</a:t>
-                      </a:r>
-                      <a:r>
-                        <a:rPr lang="en-US" sz="1100" b="0" kern="1200" dirty="0">
-                          <a:solidFill>
-                            <a:schemeClr val="lt1"/>
-                          </a:solidFill>
-                          <a:latin typeface="Consolas" panose="020B0609020204030204" pitchFamily="49" charset="0"/>
-                          <a:ea typeface="+mn-ea"/>
-                          <a:cs typeface="Consolas" panose="020B0609020204030204" pitchFamily="49" charset="0"/>
-                        </a:rPr>
-                        <a:t>          </a:t>
-                      </a:r>
-                      <a:r>
-                        <a:rPr lang="en-US" sz="1100" b="0" kern="1200" dirty="0" err="1">
-                          <a:solidFill>
-                            <a:schemeClr val="lt1"/>
-                          </a:solidFill>
-                          <a:latin typeface="Consolas" panose="020B0609020204030204" pitchFamily="49" charset="0"/>
-                          <a:ea typeface="+mn-ea"/>
-                          <a:cs typeface="Consolas" panose="020B0609020204030204" pitchFamily="49" charset="0"/>
-                        </a:rPr>
-                        <a:t>jdbc:oracle:thin</a:t>
-                      </a:r>
-                      <a:r>
-                        <a:rPr lang="en-US" sz="1100" b="0" kern="1200" dirty="0">
-                          <a:solidFill>
-                            <a:schemeClr val="lt1"/>
-                          </a:solidFill>
-                          <a:latin typeface="Consolas" panose="020B0609020204030204" pitchFamily="49" charset="0"/>
-                          <a:ea typeface="+mn-ea"/>
-                          <a:cs typeface="Consolas" panose="020B0609020204030204" pitchFamily="49" charset="0"/>
-                        </a:rPr>
-                        <a:t>:@sncm01adm01vm01.us.ocsd</a:t>
-                      </a:r>
-                      <a:br>
-                        <a:rPr lang="en-US" sz="1100" b="1" kern="1200" dirty="0">
-                          <a:solidFill>
-                            <a:schemeClr val="lt1"/>
-                          </a:solidFill>
-                          <a:latin typeface="+mn-lt"/>
-                          <a:ea typeface="+mn-ea"/>
-                          <a:cs typeface="+mn-cs"/>
-                        </a:rPr>
-                      </a:br>
-                      <a:r>
-                        <a:rPr lang="en-US" sz="1100" b="0" kern="1200" dirty="0">
-                          <a:solidFill>
-                            <a:schemeClr val="lt1"/>
-                          </a:solidFill>
-                          <a:latin typeface="Consolas" panose="020B0609020204030204" pitchFamily="49" charset="0"/>
-                          <a:ea typeface="+mn-ea"/>
-                          <a:cs typeface="Consolas" panose="020B0609020204030204" pitchFamily="49" charset="0"/>
-                        </a:rPr>
-                        <a:t>ORCL&gt; login 2</a:t>
-                      </a:r>
-                      <a:br>
-                        <a:rPr lang="en-US" sz="1100" b="0" kern="1200" dirty="0">
-                          <a:solidFill>
-                            <a:schemeClr val="lt1"/>
-                          </a:solidFill>
-                          <a:latin typeface="Consolas" panose="020B0609020204030204" pitchFamily="49" charset="0"/>
-                          <a:ea typeface="+mn-ea"/>
-                          <a:cs typeface="Consolas" panose="020B0609020204030204" pitchFamily="49" charset="0"/>
-                        </a:rPr>
-                      </a:br>
-                      <a:r>
-                        <a:rPr lang="en-US" sz="1100" b="0" kern="1200" dirty="0">
-                          <a:solidFill>
-                            <a:schemeClr val="lt1"/>
-                          </a:solidFill>
-                          <a:latin typeface="Consolas" panose="020B0609020204030204" pitchFamily="49" charset="0"/>
-                          <a:ea typeface="+mn-ea"/>
-                          <a:cs typeface="Consolas" panose="020B0609020204030204" pitchFamily="49" charset="0"/>
-                        </a:rPr>
-                        <a:t>    Statement completed.</a:t>
-                      </a:r>
-                      <a:br>
-                        <a:rPr lang="en-US" sz="1100" b="0" kern="1200" dirty="0">
-                          <a:solidFill>
-                            <a:schemeClr val="lt1"/>
-                          </a:solidFill>
-                          <a:latin typeface="Consolas" panose="020B0609020204030204" pitchFamily="49" charset="0"/>
-                          <a:ea typeface="+mn-ea"/>
-                          <a:cs typeface="Consolas" panose="020B0609020204030204" pitchFamily="49" charset="0"/>
-                        </a:rPr>
-                      </a:br>
-                      <a:r>
-                        <a:rPr lang="en-US" sz="1100" b="0" kern="1200" dirty="0">
-                          <a:solidFill>
-                            <a:schemeClr val="lt1"/>
-                          </a:solidFill>
-                          <a:latin typeface="Consolas" panose="020B0609020204030204" pitchFamily="49" charset="0"/>
-                          <a:ea typeface="+mn-ea"/>
-                          <a:cs typeface="Consolas" panose="020B0609020204030204" pitchFamily="49" charset="0"/>
-                        </a:rPr>
-                        <a:t>    Database connected.</a:t>
-                      </a:r>
-                      <a:br>
-                        <a:rPr lang="en-US" sz="1100" b="0" kern="1200" dirty="0">
-                          <a:solidFill>
-                            <a:schemeClr val="lt1"/>
-                          </a:solidFill>
-                          <a:latin typeface="Consolas" panose="020B0609020204030204" pitchFamily="49" charset="0"/>
-                          <a:ea typeface="+mn-ea"/>
-                          <a:cs typeface="Consolas" panose="020B0609020204030204" pitchFamily="49" charset="0"/>
-                        </a:rPr>
-                      </a:br>
-                      <a:r>
-                        <a:rPr lang="en-US" sz="1100" b="0" kern="1200" dirty="0">
-                          <a:solidFill>
-                            <a:schemeClr val="lt1"/>
-                          </a:solidFill>
-                          <a:latin typeface="Consolas" panose="020B0609020204030204" pitchFamily="49" charset="0"/>
-                          <a:ea typeface="+mn-ea"/>
-                          <a:cs typeface="Consolas" panose="020B0609020204030204" pitchFamily="49" charset="0"/>
-                        </a:rPr>
-                        <a:t>CATDB&gt; </a:t>
-                      </a:r>
-                      <a:r>
-                        <a:rPr lang="en-US" sz="1100" b="0" kern="1200" dirty="0" err="1">
-                          <a:solidFill>
-                            <a:schemeClr val="lt1"/>
-                          </a:solidFill>
-                          <a:latin typeface="Consolas" panose="020B0609020204030204" pitchFamily="49" charset="0"/>
-                          <a:ea typeface="+mn-ea"/>
-                          <a:cs typeface="Consolas" panose="020B0609020204030204" pitchFamily="49" charset="0"/>
-                        </a:rPr>
-                        <a:t>reconn</a:t>
-                      </a:r>
-                      <a:br>
-                        <a:rPr lang="en-US" sz="1100" b="0" kern="1200" dirty="0">
-                          <a:solidFill>
-                            <a:schemeClr val="lt1"/>
-                          </a:solidFill>
-                          <a:latin typeface="Consolas" panose="020B0609020204030204" pitchFamily="49" charset="0"/>
-                          <a:ea typeface="+mn-ea"/>
-                          <a:cs typeface="Consolas" panose="020B0609020204030204" pitchFamily="49" charset="0"/>
-                        </a:rPr>
-                      </a:br>
-                      <a:r>
-                        <a:rPr lang="en-US" sz="1100" b="0" kern="1200" dirty="0">
-                          <a:solidFill>
-                            <a:schemeClr val="lt1"/>
-                          </a:solidFill>
-                          <a:latin typeface="Consolas" panose="020B0609020204030204" pitchFamily="49" charset="0"/>
-                          <a:ea typeface="+mn-ea"/>
-                          <a:cs typeface="Consolas" panose="020B0609020204030204" pitchFamily="49" charset="0"/>
-                        </a:rPr>
-                        <a:t>    Statement completed.</a:t>
-                      </a:r>
-                      <a:br>
-                        <a:rPr lang="en-US" sz="1100" b="0" kern="1200" dirty="0">
-                          <a:solidFill>
-                            <a:schemeClr val="lt1"/>
-                          </a:solidFill>
-                          <a:latin typeface="Consolas" panose="020B0609020204030204" pitchFamily="49" charset="0"/>
-                          <a:ea typeface="+mn-ea"/>
-                          <a:cs typeface="Consolas" panose="020B0609020204030204" pitchFamily="49" charset="0"/>
-                        </a:rPr>
-                      </a:br>
-                      <a:r>
-                        <a:rPr lang="en-US" sz="1100" b="0" kern="1200" dirty="0">
-                          <a:solidFill>
-                            <a:schemeClr val="lt1"/>
-                          </a:solidFill>
-                          <a:latin typeface="Consolas" panose="020B0609020204030204" pitchFamily="49" charset="0"/>
-                          <a:ea typeface="+mn-ea"/>
-                          <a:cs typeface="Consolas" panose="020B0609020204030204" pitchFamily="49" charset="0"/>
-                        </a:rPr>
-                        <a:t>    Database connected.</a:t>
-                      </a:r>
-                      <a:br>
-                        <a:rPr lang="en-US" sz="1100" b="0" kern="1200" dirty="0">
-                          <a:solidFill>
-                            <a:schemeClr val="lt1"/>
-                          </a:solidFill>
-                          <a:latin typeface="Consolas" panose="020B0609020204030204" pitchFamily="49" charset="0"/>
-                          <a:ea typeface="+mn-ea"/>
-                          <a:cs typeface="Consolas" panose="020B0609020204030204" pitchFamily="49" charset="0"/>
-                        </a:rPr>
-                      </a:br>
-                      <a:r>
-                        <a:rPr lang="en-US" sz="1100" b="0" kern="1200" dirty="0">
-                          <a:solidFill>
-                            <a:schemeClr val="lt1"/>
-                          </a:solidFill>
-                          <a:latin typeface="Consolas" panose="020B0609020204030204" pitchFamily="49" charset="0"/>
-                          <a:ea typeface="+mn-ea"/>
-                          <a:cs typeface="Consolas" panose="020B0609020204030204" pitchFamily="49" charset="0"/>
-                        </a:rPr>
-                        <a:t>CATDB&gt;</a:t>
-                      </a:r>
-                    </a:p>
-                  </a:txBody>
-                  <a:tcPr/>
-                </a:tc>
-                <a:extLst>
-                  <a:ext uri="{0D108BD9-81ED-4DB2-BD59-A6C34878D82A}">
-                    <a16:rowId xmlns:a16="http://schemas.microsoft.com/office/drawing/2014/main" val="4009727750"/>
-                  </a:ext>
-                </a:extLst>
-              </a:tr>
-            </a:tbl>
-          </a:graphicData>
-        </a:graphic>
-      </p:graphicFrame>
+          <p:cNvPicPr>
+            <a:picLocks noChangeAspect="1"/>
+          </p:cNvPicPr>
+          <p:nvPr/>
+        </p:nvPicPr>
+        <p:blipFill>
+          <a:blip r:embed="rId2"/>
+          <a:stretch>
+            <a:fillRect/>
+          </a:stretch>
+        </p:blipFill>
+        <p:spPr>
+          <a:xfrm>
+            <a:off x="5895975" y="2360180"/>
+            <a:ext cx="6296025" cy="4410075"/>
+          </a:xfrm>
+          <a:prstGeom prst="rect">
+            <a:avLst/>
+          </a:prstGeom>
+        </p:spPr>
+      </p:pic>
     </p:spTree>
     <p:extLst>
       <p:ext uri="{BB962C8B-B14F-4D97-AF65-F5344CB8AC3E}">
-        <p14:creationId xmlns:p14="http://schemas.microsoft.com/office/powerpoint/2010/main" val="1063437512"/>
+        <p14:creationId xmlns:p14="http://schemas.microsoft.com/office/powerpoint/2010/main" val="3590902373"/>
       </p:ext>
     </p:extLst>
   </p:cSld>
@@ -17536,7 +17091,7 @@
           <p:cNvPr id="2" name="标题 1">
             <a:extLst>
               <a:ext uri="{FF2B5EF4-FFF2-40B4-BE49-F238E27FC236}">
-                <a16:creationId xmlns:a16="http://schemas.microsoft.com/office/drawing/2014/main" id="{7C2231D9-A555-4DBB-8A37-5A9F72BB76DC}"/>
+                <a16:creationId xmlns:a16="http://schemas.microsoft.com/office/drawing/2014/main" id="{C8B29B6C-C00C-4E0D-8CA1-E9219B16D778}"/>
               </a:ext>
             </a:extLst>
           </p:cNvPr>
@@ -17549,19 +17104,20 @@
         </p:nvSpPr>
         <p:spPr>
           <a:xfrm>
-            <a:off x="838200" y="365126"/>
-            <a:ext cx="10515600" cy="881784"/>
+            <a:off x="838200" y="171938"/>
+            <a:ext cx="10515600" cy="509100"/>
           </a:xfrm>
         </p:spPr>
         <p:txBody>
-          <a:bodyPr/>
+          <a:bodyPr>
+            <a:normAutofit fontScale="90000"/>
+          </a:bodyPr>
           <a:lstStyle/>
           <a:p>
             <a:r>
-              <a:rPr lang="en-US" altLang="zh-CN" dirty="0"/>
-              <a:t>Configuration files</a:t>
-            </a:r>
-            <a:endParaRPr lang="zh-CN" altLang="en-US" dirty="0"/>
+              <a:rPr lang="en-US" dirty="0"/>
+              <a:t>Common Utility - Others</a:t>
+            </a:r>
           </a:p>
         </p:txBody>
       </p:sp>
@@ -17570,7 +17126,7 @@
           <p:cNvPr id="3" name="内容占位符 2">
             <a:extLst>
               <a:ext uri="{FF2B5EF4-FFF2-40B4-BE49-F238E27FC236}">
-                <a16:creationId xmlns:a16="http://schemas.microsoft.com/office/drawing/2014/main" id="{2E66D47B-AACA-4037-9428-981792A0BE89}"/>
+                <a16:creationId xmlns:a16="http://schemas.microsoft.com/office/drawing/2014/main" id="{54B2F075-356C-4966-AF72-A32E6D5B796E}"/>
               </a:ext>
             </a:extLst>
           </p:cNvPr>
@@ -17583,118 +17139,183 @@
         </p:nvSpPr>
         <p:spPr>
           <a:xfrm>
-            <a:off x="838200" y="1246910"/>
-            <a:ext cx="10515600" cy="4930053"/>
+            <a:off x="838200" y="789354"/>
+            <a:ext cx="10515600" cy="4468446"/>
           </a:xfrm>
         </p:spPr>
         <p:txBody>
-          <a:bodyPr/>
+          <a:bodyPr>
+            <a:normAutofit fontScale="62500" lnSpcReduction="20000"/>
+          </a:bodyPr>
           <a:lstStyle/>
           <a:p>
             <a:r>
-              <a:rPr lang="en-US" altLang="zh-CN" dirty="0"/>
-              <a:t>The Configuration files will not be deleted or overridden when extract newer DBCLI release into the same directory</a:t>
-            </a:r>
-          </a:p>
-          <a:p>
-            <a:r>
-              <a:rPr lang="en-US" altLang="zh-CN" dirty="0"/>
-              <a:t>The configuration </a:t>
-            </a:r>
-            <a:r>
-              <a:rPr lang="en-US" altLang="zh-CN"/>
-              <a:t>files includes:</a:t>
-            </a:r>
-            <a:endParaRPr lang="en-US" altLang="zh-CN" dirty="0"/>
+              <a:rPr lang="en-US" dirty="0"/>
+              <a:t>Command </a:t>
+            </a:r>
+            <a:r>
+              <a:rPr lang="en-US" b="1" dirty="0">
+                <a:solidFill>
+                  <a:schemeClr val="accent1">
+                    <a:lumMod val="75000"/>
+                  </a:schemeClr>
+                </a:solidFill>
+              </a:rPr>
+              <a:t>clear</a:t>
+            </a:r>
+            <a:r>
+              <a:rPr lang="en-US" dirty="0"/>
+              <a:t>: clear screen</a:t>
+            </a:r>
+          </a:p>
+          <a:p>
+            <a:r>
+              <a:rPr lang="en-US" dirty="0"/>
+              <a:t>Command </a:t>
+            </a:r>
+            <a:r>
+              <a:rPr lang="en-US" b="1" dirty="0">
+                <a:solidFill>
+                  <a:schemeClr val="accent1">
+                    <a:lumMod val="75000"/>
+                  </a:schemeClr>
+                </a:solidFill>
+              </a:rPr>
+              <a:t>reload</a:t>
+            </a:r>
+            <a:r>
+              <a:rPr lang="en-US" dirty="0"/>
+              <a:t>: reset DBCLI into initial state</a:t>
+            </a:r>
+          </a:p>
+          <a:p>
+            <a:r>
+              <a:rPr lang="en-US" dirty="0"/>
+              <a:t>Command </a:t>
+            </a:r>
+            <a:r>
+              <a:rPr lang="en-US" b="1" dirty="0">
+                <a:solidFill>
+                  <a:schemeClr val="accent1">
+                    <a:lumMod val="75000"/>
+                  </a:schemeClr>
+                </a:solidFill>
+              </a:rPr>
+              <a:t>keymap</a:t>
+            </a:r>
+            <a:r>
+              <a:rPr lang="en-US" dirty="0"/>
+              <a:t>: show or define keymap</a:t>
+            </a:r>
+          </a:p>
+          <a:p>
+            <a:r>
+              <a:rPr lang="en-US" dirty="0"/>
+              <a:t>Command </a:t>
+            </a:r>
+            <a:r>
+              <a:rPr lang="en-US" b="1" dirty="0">
+                <a:solidFill>
+                  <a:schemeClr val="accent1">
+                    <a:lumMod val="75000"/>
+                  </a:schemeClr>
+                </a:solidFill>
+              </a:rPr>
+              <a:t>search</a:t>
+            </a:r>
+            <a:r>
+              <a:rPr lang="en-US" dirty="0"/>
+              <a:t>: search all source code and print the lines that match the input keyword</a:t>
+            </a:r>
+          </a:p>
+          <a:p>
+            <a:r>
+              <a:rPr lang="en-US" dirty="0"/>
+              <a:t>Some SQL*Plus commands:</a:t>
+            </a:r>
           </a:p>
           <a:p>
             <a:pPr lvl="1"/>
             <a:r>
-              <a:rPr lang="en-US" altLang="zh-CN" dirty="0"/>
-              <a:t>The files under the “data” directory, including:</a:t>
-            </a:r>
-          </a:p>
-          <a:p>
-            <a:pPr lvl="2"/>
-            <a:r>
-              <a:rPr lang="en-US" altLang="zh-CN" dirty="0"/>
-              <a:t>password.dat  : The account information that used by the “login” command</a:t>
-            </a:r>
-          </a:p>
-          <a:p>
-            <a:pPr lvl="2"/>
-            <a:r>
-              <a:rPr lang="en-US" altLang="zh-CN" dirty="0"/>
-              <a:t>setting.dat: The permanent settings that created by “set </a:t>
-            </a:r>
-            <a:r>
-              <a:rPr lang="en-US" altLang="zh-CN" b="1" dirty="0">
-                <a:solidFill>
-                  <a:srgbClr val="FF0000"/>
-                </a:solidFill>
-              </a:rPr>
-              <a:t>-p</a:t>
-            </a:r>
-            <a:r>
-              <a:rPr lang="en-US" altLang="zh-CN" dirty="0"/>
-              <a:t> &lt;option&gt; &lt;value&gt;”</a:t>
-            </a:r>
-          </a:p>
-          <a:p>
-            <a:pPr lvl="2"/>
-            <a:r>
-              <a:rPr lang="en-US" altLang="zh-CN" dirty="0" err="1"/>
-              <a:t>init.cfg</a:t>
-            </a:r>
-            <a:r>
-              <a:rPr lang="en-US" altLang="zh-CN" dirty="0"/>
-              <a:t>(Windows)/</a:t>
-            </a:r>
-            <a:r>
-              <a:rPr lang="en-US" altLang="zh-CN" dirty="0" err="1"/>
-              <a:t>init.conf</a:t>
-            </a:r>
-            <a:r>
-              <a:rPr lang="en-US" altLang="zh-CN" dirty="0"/>
-              <a:t>(Linux/OSX):  The MSDOS commands or Shell commands that impacted the startup of DBCLI</a:t>
-            </a:r>
-          </a:p>
-          <a:p>
-            <a:pPr lvl="2"/>
-            <a:r>
-              <a:rPr lang="en-US" altLang="zh-CN" dirty="0" err="1"/>
-              <a:t>jdbc.cfg</a:t>
-            </a:r>
-            <a:r>
-              <a:rPr lang="en-US" altLang="zh-CN" dirty="0"/>
-              <a:t>: The user-defined database connection information</a:t>
-            </a:r>
-          </a:p>
-          <a:p>
-            <a:pPr lvl="2"/>
-            <a:r>
-              <a:rPr lang="en-US" altLang="zh-CN" dirty="0" err="1"/>
-              <a:t>plugin.cfg</a:t>
-            </a:r>
-            <a:r>
-              <a:rPr lang="en-US" altLang="zh-CN" dirty="0"/>
-              <a:t>: The user-defined plugins</a:t>
+              <a:rPr lang="en-US" dirty="0"/>
+              <a:t>CONNECT or CONN</a:t>
             </a:r>
           </a:p>
           <a:p>
             <a:pPr lvl="1"/>
             <a:r>
-              <a:rPr lang="en-US" altLang="zh-CN" dirty="0"/>
-              <a:t>The user-defined aliases under the “aliases” directory</a:t>
-            </a:r>
-            <a:endParaRPr lang="zh-CN" altLang="en-US" dirty="0"/>
+              <a:rPr lang="en-US" dirty="0"/>
+              <a:t>DISCONNECT or DISC</a:t>
+            </a:r>
+          </a:p>
+          <a:p>
+            <a:pPr lvl="1"/>
+            <a:r>
+              <a:rPr lang="en-US" dirty="0"/>
+              <a:t>DESCRIBE or DESC</a:t>
+            </a:r>
+          </a:p>
+          <a:p>
+            <a:pPr lvl="1"/>
+            <a:r>
+              <a:rPr lang="en-US" dirty="0"/>
+              <a:t>ACCEPT or ACC</a:t>
+            </a:r>
+          </a:p>
+          <a:p>
+            <a:pPr lvl="1"/>
+            <a:r>
+              <a:rPr lang="en-US" dirty="0"/>
+              <a:t>HOST or !</a:t>
+            </a:r>
+          </a:p>
+          <a:p>
+            <a:pPr lvl="1"/>
+            <a:r>
+              <a:rPr lang="en-US" dirty="0"/>
+              <a:t>PRINT  or PRI</a:t>
+            </a:r>
+          </a:p>
+          <a:p>
+            <a:pPr lvl="1"/>
+            <a:r>
+              <a:rPr lang="en-US" dirty="0"/>
+              <a:t>SPOOL or SPO</a:t>
+            </a:r>
+          </a:p>
+          <a:p>
+            <a:pPr lvl="1"/>
+            <a:r>
+              <a:rPr lang="en-US" dirty="0"/>
+              <a:t>SAVE</a:t>
+            </a:r>
+          </a:p>
+          <a:p>
+            <a:pPr lvl="1"/>
+            <a:r>
+              <a:rPr lang="en-US" dirty="0"/>
+              <a:t>ED or EDIT</a:t>
+            </a:r>
+          </a:p>
+          <a:p>
+            <a:pPr lvl="1"/>
+            <a:r>
+              <a:rPr lang="en-US" dirty="0"/>
+              <a:t>/ or r</a:t>
+            </a:r>
+          </a:p>
+          <a:p>
+            <a:r>
+              <a:rPr lang="en-US" dirty="0"/>
+              <a:t>Type help –a or set for more commands</a:t>
+            </a:r>
           </a:p>
         </p:txBody>
       </p:sp>
     </p:spTree>
     <p:extLst>
       <p:ext uri="{BB962C8B-B14F-4D97-AF65-F5344CB8AC3E}">
-        <p14:creationId xmlns:p14="http://schemas.microsoft.com/office/powerpoint/2010/main" val="3137510390"/>
+        <p14:creationId xmlns:p14="http://schemas.microsoft.com/office/powerpoint/2010/main" val="1759693774"/>
       </p:ext>
     </p:extLst>
   </p:cSld>
@@ -17726,7 +17347,7 @@
           <p:cNvPr id="2" name="标题 1">
             <a:extLst>
               <a:ext uri="{FF2B5EF4-FFF2-40B4-BE49-F238E27FC236}">
-                <a16:creationId xmlns:a16="http://schemas.microsoft.com/office/drawing/2014/main" id="{103ADC8E-7DB0-4A5F-B20A-213DEBB09B8B}"/>
+                <a16:creationId xmlns:a16="http://schemas.microsoft.com/office/drawing/2014/main" id="{7C2231D9-A555-4DBB-8A37-5A9F72BB76DC}"/>
               </a:ext>
             </a:extLst>
           </p:cNvPr>
@@ -17739,8 +17360,8 @@
         </p:nvSpPr>
         <p:spPr>
           <a:xfrm>
-            <a:off x="838200" y="107217"/>
-            <a:ext cx="10515600" cy="760291"/>
+            <a:off x="838200" y="365126"/>
+            <a:ext cx="10515600" cy="881784"/>
           </a:xfrm>
         </p:spPr>
         <p:txBody>
@@ -17748,9 +17369,10 @@
           <a:lstStyle/>
           <a:p>
             <a:r>
-              <a:rPr lang="en-US" dirty="0"/>
-              <a:t>Scripting Engines</a:t>
-            </a:r>
+              <a:rPr lang="en-US" altLang="zh-CN" dirty="0"/>
+              <a:t>Configuration files</a:t>
+            </a:r>
+            <a:endParaRPr lang="zh-CN" altLang="en-US" dirty="0"/>
           </a:p>
         </p:txBody>
       </p:sp>
@@ -17759,7 +17381,7 @@
           <p:cNvPr id="3" name="内容占位符 2">
             <a:extLst>
               <a:ext uri="{FF2B5EF4-FFF2-40B4-BE49-F238E27FC236}">
-                <a16:creationId xmlns:a16="http://schemas.microsoft.com/office/drawing/2014/main" id="{12A8C3A4-5FC5-430E-84E9-939E6E40B8FF}"/>
+                <a16:creationId xmlns:a16="http://schemas.microsoft.com/office/drawing/2014/main" id="{2E66D47B-AACA-4037-9428-981792A0BE89}"/>
               </a:ext>
             </a:extLst>
           </p:cNvPr>
@@ -17772,461 +17394,118 @@
         </p:nvSpPr>
         <p:spPr>
           <a:xfrm>
-            <a:off x="838200" y="976923"/>
-            <a:ext cx="10515600" cy="5541107"/>
+            <a:off x="838200" y="1246910"/>
+            <a:ext cx="10515600" cy="4930053"/>
           </a:xfrm>
         </p:spPr>
         <p:txBody>
-          <a:bodyPr>
-            <a:normAutofit fontScale="47500" lnSpcReduction="20000"/>
-          </a:bodyPr>
+          <a:bodyPr/>
           <a:lstStyle/>
           <a:p>
             <a:r>
-              <a:rPr lang="en-US" dirty="0"/>
-              <a:t>Input parameter names are from </a:t>
-            </a:r>
-            <a:r>
-              <a:rPr lang="en-US" b="1" dirty="0">
-                <a:solidFill>
-                  <a:schemeClr val="accent1">
-                    <a:lumMod val="75000"/>
-                  </a:schemeClr>
-                </a:solidFill>
-              </a:rPr>
-              <a:t>:V1</a:t>
-            </a:r>
-            <a:r>
-              <a:rPr lang="en-US" dirty="0"/>
-              <a:t>(or </a:t>
-            </a:r>
-            <a:r>
-              <a:rPr lang="en-US" altLang="zh-CN" dirty="0">
-                <a:solidFill>
-                  <a:schemeClr val="accent1">
-                    <a:lumMod val="75000"/>
-                  </a:schemeClr>
-                </a:solidFill>
-              </a:rPr>
-              <a:t>&amp;V1</a:t>
-            </a:r>
-            <a:r>
-              <a:rPr lang="en-US" dirty="0"/>
-              <a:t>) to </a:t>
-            </a:r>
-            <a:r>
-              <a:rPr lang="en-US" dirty="0">
-                <a:solidFill>
-                  <a:schemeClr val="accent1">
-                    <a:lumMod val="75000"/>
-                  </a:schemeClr>
-                </a:solidFill>
-              </a:rPr>
-              <a:t>:V20</a:t>
-            </a:r>
-            <a:r>
-              <a:rPr lang="en-US" dirty="0"/>
-              <a:t>(or </a:t>
-            </a:r>
-            <a:r>
-              <a:rPr lang="en-US" b="1" dirty="0">
-                <a:solidFill>
-                  <a:schemeClr val="accent1">
-                    <a:lumMod val="75000"/>
-                  </a:schemeClr>
-                </a:solidFill>
-              </a:rPr>
-              <a:t>&amp;V20</a:t>
-            </a:r>
-            <a:r>
-              <a:rPr lang="en-US" dirty="0"/>
-              <a:t>) and case-insensitive, however SQL*Plus is &amp;1…</a:t>
-            </a:r>
-          </a:p>
-          <a:p>
-            <a:r>
-              <a:rPr lang="en-US" dirty="0"/>
-              <a:t>V1 to V20 are all default to null(empty string) and don’t ask mandatory input, however SQL*Plus will ask for input if not specified in the command line.</a:t>
-            </a:r>
-          </a:p>
-          <a:p>
-            <a:r>
-              <a:rPr lang="en-US" dirty="0"/>
-              <a:t>A variable value can be used as either substitution(</a:t>
-            </a:r>
-            <a:r>
-              <a:rPr lang="en-US" b="1" dirty="0">
-                <a:solidFill>
-                  <a:schemeClr val="accent1">
-                    <a:lumMod val="75000"/>
-                  </a:schemeClr>
-                </a:solidFill>
-              </a:rPr>
-              <a:t>&amp;var</a:t>
-            </a:r>
-            <a:r>
-              <a:rPr lang="en-US" dirty="0"/>
-              <a:t>) and  binding(</a:t>
-            </a:r>
-            <a:r>
-              <a:rPr lang="en-US" b="1" dirty="0">
-                <a:solidFill>
-                  <a:schemeClr val="accent1">
-                    <a:lumMod val="75000"/>
-                  </a:schemeClr>
-                </a:solidFill>
-              </a:rPr>
-              <a:t>:var</a:t>
-            </a:r>
-            <a:r>
-              <a:rPr lang="en-US" dirty="0"/>
-              <a:t>)</a:t>
-            </a:r>
-          </a:p>
-          <a:p>
-            <a:r>
-              <a:rPr lang="en-US" dirty="0"/>
-              <a:t>Either input parameter or variable can pre-define default value and options(</a:t>
-            </a:r>
-            <a:r>
-              <a:rPr lang="en-US" b="1" dirty="0">
-                <a:solidFill>
-                  <a:schemeClr val="accent1">
-                    <a:lumMod val="75000"/>
-                  </a:schemeClr>
-                </a:solidFill>
-              </a:rPr>
-              <a:t>-option</a:t>
-            </a:r>
-            <a:r>
-              <a:rPr lang="en-US" dirty="0"/>
-              <a:t>) in the script annotation part(sub-part of the documentation)</a:t>
-            </a:r>
-          </a:p>
-          <a:p>
-            <a:r>
-              <a:rPr lang="en-US" dirty="0"/>
-              <a:t>If an input parameter is dot(</a:t>
-            </a:r>
-            <a:r>
-              <a:rPr lang="en-US" b="1" dirty="0">
-                <a:solidFill>
-                  <a:schemeClr val="accent1">
-                    <a:lumMod val="75000"/>
-                  </a:schemeClr>
-                </a:solidFill>
-              </a:rPr>
-              <a:t>.</a:t>
-            </a:r>
-            <a:r>
-              <a:rPr lang="en-US" dirty="0"/>
-              <a:t>), it means using the default value</a:t>
-            </a:r>
-          </a:p>
-          <a:p>
-            <a:r>
-              <a:rPr lang="en-US" dirty="0"/>
-              <a:t>3 switches can be defined in the annotation part and can be treated as variables: </a:t>
-            </a:r>
+              <a:rPr lang="en-US" altLang="zh-CN" dirty="0"/>
+              <a:t>The Configuration files will not be deleted or overridden when extract newer DBCLI release into the same directory</a:t>
+            </a:r>
+          </a:p>
+          <a:p>
+            <a:r>
+              <a:rPr lang="en-US" altLang="zh-CN" dirty="0"/>
+              <a:t>The configuration </a:t>
+            </a:r>
+            <a:r>
+              <a:rPr lang="en-US" altLang="zh-CN"/>
+              <a:t>files includes:</a:t>
+            </a:r>
+            <a:endParaRPr lang="en-US" altLang="zh-CN" dirty="0"/>
           </a:p>
           <a:p>
             <a:pPr lvl="1"/>
             <a:r>
-              <a:rPr lang="en-US" dirty="0"/>
-              <a:t>Privilege switch(</a:t>
-            </a:r>
-            <a:r>
-              <a:rPr lang="en-US" b="1" dirty="0">
-                <a:solidFill>
-                  <a:schemeClr val="accent1">
-                    <a:lumMod val="75000"/>
-                  </a:schemeClr>
-                </a:solidFill>
-              </a:rPr>
-              <a:t>@</a:t>
-            </a:r>
-            <a:r>
-              <a:rPr lang="en-US" b="1" dirty="0" err="1">
-                <a:solidFill>
-                  <a:schemeClr val="accent1">
-                    <a:lumMod val="75000"/>
-                  </a:schemeClr>
-                </a:solidFill>
-              </a:rPr>
-              <a:t>check_access_</a:t>
-            </a:r>
-            <a:r>
-              <a:rPr lang="en-US" dirty="0" err="1"/>
-              <a:t>xxx</a:t>
-            </a:r>
-            <a:r>
-              <a:rPr lang="en-US" dirty="0"/>
-              <a:t>): auto-choose the first value that matches the required access right</a:t>
+              <a:rPr lang="en-US" altLang="zh-CN" dirty="0"/>
+              <a:t>The files under the “data” directory, including:</a:t>
+            </a:r>
+          </a:p>
+          <a:p>
+            <a:pPr lvl="2"/>
+            <a:r>
+              <a:rPr lang="en-US" altLang="zh-CN" dirty="0"/>
+              <a:t>password.dat  : The account information that used by the “login” command</a:t>
+            </a:r>
+          </a:p>
+          <a:p>
+            <a:pPr lvl="2"/>
+            <a:r>
+              <a:rPr lang="en-US" altLang="zh-CN" dirty="0"/>
+              <a:t>setting.dat: The permanent settings that created by “set </a:t>
+            </a:r>
+            <a:r>
+              <a:rPr lang="en-US" altLang="zh-CN" b="1" dirty="0">
+                <a:solidFill>
+                  <a:srgbClr val="FF0000"/>
+                </a:solidFill>
+              </a:rPr>
+              <a:t>-p</a:t>
+            </a:r>
+            <a:r>
+              <a:rPr lang="en-US" altLang="zh-CN" dirty="0"/>
+              <a:t> &lt;option&gt; &lt;value&gt;”</a:t>
+            </a:r>
+          </a:p>
+          <a:p>
+            <a:pPr lvl="2"/>
+            <a:r>
+              <a:rPr lang="en-US" altLang="zh-CN" dirty="0" err="1"/>
+              <a:t>init.cfg</a:t>
+            </a:r>
+            <a:r>
+              <a:rPr lang="en-US" altLang="zh-CN" dirty="0"/>
+              <a:t>(Windows)/</a:t>
+            </a:r>
+            <a:r>
+              <a:rPr lang="en-US" altLang="zh-CN" dirty="0" err="1"/>
+              <a:t>init.conf</a:t>
+            </a:r>
+            <a:r>
+              <a:rPr lang="en-US" altLang="zh-CN" dirty="0"/>
+              <a:t>(Linux/OSX):  The MSDOS commands or Shell commands that impacted the startup of DBCLI</a:t>
+            </a:r>
+          </a:p>
+          <a:p>
+            <a:pPr lvl="2"/>
+            <a:r>
+              <a:rPr lang="en-US" altLang="zh-CN" dirty="0" err="1"/>
+              <a:t>jdbc.cfg</a:t>
+            </a:r>
+            <a:r>
+              <a:rPr lang="en-US" altLang="zh-CN" dirty="0"/>
+              <a:t>: The user-defined database connection information</a:t>
+            </a:r>
+          </a:p>
+          <a:p>
+            <a:pPr lvl="2"/>
+            <a:r>
+              <a:rPr lang="en-US" altLang="zh-CN" dirty="0" err="1"/>
+              <a:t>plugin.cfg</a:t>
+            </a:r>
+            <a:r>
+              <a:rPr lang="en-US" altLang="zh-CN" dirty="0"/>
+              <a:t>: The user-defined plugins</a:t>
             </a:r>
           </a:p>
           <a:p>
             <a:pPr lvl="1"/>
             <a:r>
-              <a:rPr lang="en-US" dirty="0"/>
-              <a:t>User switch(</a:t>
-            </a:r>
-            <a:r>
-              <a:rPr lang="en-US" b="1" dirty="0">
-                <a:solidFill>
-                  <a:schemeClr val="accent1">
-                    <a:lumMod val="75000"/>
-                  </a:schemeClr>
-                </a:solidFill>
-              </a:rPr>
-              <a:t>@</a:t>
-            </a:r>
-            <a:r>
-              <a:rPr lang="en-US" b="1" dirty="0" err="1">
-                <a:solidFill>
-                  <a:schemeClr val="accent1">
-                    <a:lumMod val="75000"/>
-                  </a:schemeClr>
-                </a:solidFill>
-              </a:rPr>
-              <a:t>check_user_</a:t>
-            </a:r>
-            <a:r>
-              <a:rPr lang="en-US" dirty="0" err="1"/>
-              <a:t>xxx</a:t>
-            </a:r>
-            <a:r>
-              <a:rPr lang="en-US" dirty="0"/>
-              <a:t>): auto-choose the first value that login user matches  the required user</a:t>
-            </a:r>
-          </a:p>
-          <a:p>
-            <a:pPr lvl="1"/>
-            <a:r>
-              <a:rPr lang="en-US" dirty="0"/>
-              <a:t>Version switch (@other): auto-choose the first value that matches the require db version</a:t>
-            </a:r>
-          </a:p>
-          <a:p>
-            <a:pPr lvl="1"/>
-            <a:r>
-              <a:rPr lang="en-US" dirty="0"/>
-              <a:t>If  the “</a:t>
-            </a:r>
-            <a:r>
-              <a:rPr lang="en-US" b="1" dirty="0">
-                <a:solidFill>
-                  <a:schemeClr val="accent1">
-                    <a:lumMod val="75000"/>
-                  </a:schemeClr>
-                </a:solidFill>
-              </a:rPr>
-              <a:t>default</a:t>
-            </a:r>
-            <a:r>
-              <a:rPr lang="en-US" dirty="0"/>
-              <a:t>” option is not defined in a switch annotation and current login user cannot match any requirement, then the script will exit with an error </a:t>
-            </a:r>
-          </a:p>
-          <a:p>
-            <a:r>
-              <a:rPr lang="en-US" dirty="0"/>
-              <a:t>2 other annotations:</a:t>
-            </a:r>
-          </a:p>
-          <a:p>
-            <a:pPr lvl="1"/>
-            <a:r>
-              <a:rPr lang="en-US" dirty="0"/>
-              <a:t>@ALIAS: defines the nicknames of the script, multiple nicknames should be separated by comma(,)</a:t>
-            </a:r>
-          </a:p>
-          <a:p>
-            <a:pPr lvl="1"/>
-            <a:r>
-              <a:rPr lang="en-US" dirty="0"/>
-              <a:t>@ARGS: defines the minimum number of </a:t>
-            </a:r>
-            <a:r>
-              <a:rPr lang="en-US"/>
-              <a:t>input parameters</a:t>
-            </a:r>
-            <a:endParaRPr lang="en-US" dirty="0"/>
-          </a:p>
-          <a:p>
-            <a:r>
-              <a:rPr lang="en-US" dirty="0"/>
-              <a:t>The life cycle of the VAR/DEFINE/SET settings are script-locally, and don’t affect the global level settings, however in SQL*Plus those are all global, which can mess the variables of different scripts.</a:t>
-            </a:r>
-          </a:p>
-          <a:p>
-            <a:r>
-              <a:rPr lang="en-US" dirty="0"/>
-              <a:t>Engines:</a:t>
-            </a:r>
-          </a:p>
-          <a:p>
-            <a:pPr lvl="1"/>
-            <a:r>
-              <a:rPr lang="en-US" dirty="0"/>
-              <a:t>SQL*Plus-style engine: does not support all SQL*Plus syntax, but supports all commands that dbcli provides(</a:t>
-            </a:r>
-            <a:r>
-              <a:rPr lang="en-US" b="1" dirty="0">
-                <a:solidFill>
-                  <a:schemeClr val="accent1">
-                    <a:lumMod val="75000"/>
-                  </a:schemeClr>
-                </a:solidFill>
-              </a:rPr>
-              <a:t>help -a </a:t>
-            </a:r>
-            <a:r>
-              <a:rPr lang="en-US" dirty="0"/>
-              <a:t>to list all supported commands)</a:t>
-            </a:r>
-          </a:p>
-          <a:p>
-            <a:pPr lvl="2"/>
-            <a:r>
-              <a:rPr lang="en-US" b="1" dirty="0">
-                <a:solidFill>
-                  <a:schemeClr val="accent1">
-                    <a:lumMod val="75000"/>
-                  </a:schemeClr>
-                </a:solidFill>
-              </a:rPr>
-              <a:t>Show</a:t>
-            </a:r>
-            <a:r>
-              <a:rPr lang="en-US" dirty="0"/>
-              <a:t>:  Executes the pre-defined scripts that don’t require any input parameter</a:t>
-            </a:r>
-          </a:p>
-          <a:p>
-            <a:pPr lvl="2"/>
-            <a:r>
-              <a:rPr lang="en-US" b="1" dirty="0">
-                <a:solidFill>
-                  <a:schemeClr val="accent1">
-                    <a:lumMod val="75000"/>
-                  </a:schemeClr>
-                </a:solidFill>
-              </a:rPr>
-              <a:t>Ora</a:t>
-            </a:r>
-            <a:r>
-              <a:rPr lang="en-US" dirty="0"/>
-              <a:t>: Executes the pre-defined scripts that accept parameters</a:t>
-            </a:r>
-          </a:p>
-          <a:p>
-            <a:pPr lvl="2"/>
-            <a:r>
-              <a:rPr lang="en-US" b="1" dirty="0">
-                <a:solidFill>
-                  <a:schemeClr val="accent1">
-                    <a:lumMod val="75000"/>
-                  </a:schemeClr>
-                </a:solidFill>
-              </a:rPr>
-              <a:t>SYS</a:t>
-            </a:r>
-            <a:r>
-              <a:rPr lang="en-US" dirty="0"/>
-              <a:t>: Similar to Ora, but executes the pre-defined scripts that refer to x$ table</a:t>
-            </a:r>
-          </a:p>
-          <a:p>
-            <a:pPr lvl="2"/>
-            <a:r>
-              <a:rPr lang="en-US" b="1" dirty="0">
-                <a:solidFill>
-                  <a:schemeClr val="accent1">
-                    <a:lumMod val="75000"/>
-                  </a:schemeClr>
-                </a:solidFill>
-              </a:rPr>
-              <a:t>EXA</a:t>
-            </a:r>
-            <a:r>
-              <a:rPr lang="en-US" dirty="0"/>
-              <a:t>: Similar to Ora, but executes the pre-defined scripts that to query Exadata information</a:t>
-            </a:r>
-          </a:p>
-          <a:p>
-            <a:pPr lvl="1"/>
-            <a:r>
-              <a:rPr lang="en-US" dirty="0"/>
-              <a:t>Snapper engine(</a:t>
-            </a:r>
-            <a:r>
-              <a:rPr lang="en-US" b="1" dirty="0">
-                <a:solidFill>
-                  <a:schemeClr val="accent1">
-                    <a:lumMod val="75000"/>
-                  </a:schemeClr>
-                </a:solidFill>
-              </a:rPr>
-              <a:t>snap</a:t>
-            </a:r>
-            <a:r>
-              <a:rPr lang="en-US" dirty="0"/>
-              <a:t>):</a:t>
-            </a:r>
-            <a:r>
-              <a:rPr lang="zh-CN" altLang="en-US" dirty="0"/>
-              <a:t> </a:t>
-            </a:r>
-            <a:r>
               <a:rPr lang="en-US" altLang="zh-CN" dirty="0"/>
-              <a:t>JSON/Lua format, to compute the delta values of the same queries in a specific period, support Linux top-style output</a:t>
-            </a:r>
-          </a:p>
-          <a:p>
-            <a:pPr lvl="1"/>
-            <a:r>
-              <a:rPr lang="en-US" dirty="0"/>
-              <a:t>Graphing engine(</a:t>
-            </a:r>
-            <a:r>
-              <a:rPr lang="en-US" b="1" dirty="0">
-                <a:solidFill>
-                  <a:schemeClr val="accent1">
-                    <a:lumMod val="75000"/>
-                  </a:schemeClr>
-                </a:solidFill>
-              </a:rPr>
-              <a:t>chart/</a:t>
-            </a:r>
-            <a:r>
-              <a:rPr lang="en-US" b="1" dirty="0" err="1">
-                <a:solidFill>
-                  <a:schemeClr val="accent1">
-                    <a:lumMod val="75000"/>
-                  </a:schemeClr>
-                </a:solidFill>
-              </a:rPr>
-              <a:t>ch</a:t>
-            </a:r>
-            <a:r>
-              <a:rPr lang="en-US" dirty="0"/>
-              <a:t>): </a:t>
-            </a:r>
-            <a:r>
-              <a:rPr lang="en-US" altLang="zh-CN" dirty="0"/>
-              <a:t>JSON/Lua format, to</a:t>
-            </a:r>
-            <a:r>
-              <a:rPr lang="en-US" dirty="0"/>
-              <a:t> generate line/bar chart of the time-series data, mainly used on AWR data</a:t>
-            </a:r>
+              <a:t>The user-defined aliases under the “aliases” directory</a:t>
+            </a:r>
+            <a:endParaRPr lang="zh-CN" altLang="en-US" dirty="0"/>
           </a:p>
         </p:txBody>
       </p:sp>
     </p:spTree>
     <p:extLst>
       <p:ext uri="{BB962C8B-B14F-4D97-AF65-F5344CB8AC3E}">
-        <p14:creationId xmlns:p14="http://schemas.microsoft.com/office/powerpoint/2010/main" val="1687118102"/>
+        <p14:creationId xmlns:p14="http://schemas.microsoft.com/office/powerpoint/2010/main" val="3137510390"/>
       </p:ext>
     </p:extLst>
   </p:cSld>
@@ -18258,7 +17537,7 @@
           <p:cNvPr id="2" name="标题 1">
             <a:extLst>
               <a:ext uri="{FF2B5EF4-FFF2-40B4-BE49-F238E27FC236}">
-                <a16:creationId xmlns:a16="http://schemas.microsoft.com/office/drawing/2014/main" id="{62074AD1-1FE7-4190-9345-65532ED6F564}"/>
+                <a16:creationId xmlns:a16="http://schemas.microsoft.com/office/drawing/2014/main" id="{103ADC8E-7DB0-4A5F-B20A-213DEBB09B8B}"/>
               </a:ext>
             </a:extLst>
           </p:cNvPr>
@@ -18271,65 +17550,52 @@
         </p:nvSpPr>
         <p:spPr>
           <a:xfrm>
-            <a:off x="838200" y="156308"/>
-            <a:ext cx="10515600" cy="593970"/>
+            <a:off x="838200" y="107217"/>
+            <a:ext cx="10515600" cy="760291"/>
+          </a:xfrm>
+        </p:spPr>
+        <p:txBody>
+          <a:bodyPr/>
+          <a:lstStyle/>
+          <a:p>
+            <a:r>
+              <a:rPr lang="en-US" dirty="0"/>
+              <a:t>Scripting Engines</a:t>
+            </a:r>
+          </a:p>
+        </p:txBody>
+      </p:sp>
+      <p:sp>
+        <p:nvSpPr>
+          <p:cNvPr id="3" name="内容占位符 2">
+            <a:extLst>
+              <a:ext uri="{FF2B5EF4-FFF2-40B4-BE49-F238E27FC236}">
+                <a16:creationId xmlns:a16="http://schemas.microsoft.com/office/drawing/2014/main" id="{12A8C3A4-5FC5-430E-84E9-939E6E40B8FF}"/>
+              </a:ext>
+            </a:extLst>
+          </p:cNvPr>
+          <p:cNvSpPr>
+            <a:spLocks noGrp="1"/>
+          </p:cNvSpPr>
+          <p:nvPr>
+            <p:ph idx="1"/>
+          </p:nvPr>
+        </p:nvSpPr>
+        <p:spPr>
+          <a:xfrm>
+            <a:off x="838200" y="976923"/>
+            <a:ext cx="10515600" cy="5541107"/>
           </a:xfrm>
         </p:spPr>
         <p:txBody>
           <a:bodyPr>
-            <a:normAutofit fontScale="90000"/>
+            <a:normAutofit fontScale="47500" lnSpcReduction="20000"/>
           </a:bodyPr>
           <a:lstStyle/>
           <a:p>
             <a:r>
               <a:rPr lang="en-US" dirty="0"/>
-              <a:t>Common Pre-defined Scripts (1)</a:t>
-            </a:r>
-          </a:p>
-        </p:txBody>
-      </p:sp>
-      <p:sp>
-        <p:nvSpPr>
-          <p:cNvPr id="3" name="内容占位符 2">
-            <a:extLst>
-              <a:ext uri="{FF2B5EF4-FFF2-40B4-BE49-F238E27FC236}">
-                <a16:creationId xmlns:a16="http://schemas.microsoft.com/office/drawing/2014/main" id="{0F62E6C0-2DDF-4F51-A1B5-1DA4F66A4097}"/>
-              </a:ext>
-            </a:extLst>
-          </p:cNvPr>
-          <p:cNvSpPr>
-            <a:spLocks noGrp="1"/>
-          </p:cNvSpPr>
-          <p:nvPr>
-            <p:ph idx="1"/>
-          </p:nvPr>
-        </p:nvSpPr>
-        <p:spPr>
-          <a:xfrm>
-            <a:off x="838200" y="859692"/>
-            <a:ext cx="10515600" cy="5841999"/>
-          </a:xfrm>
-        </p:spPr>
-        <p:txBody>
-          <a:bodyPr>
-            <a:normAutofit fontScale="40000" lnSpcReduction="20000"/>
-          </a:bodyPr>
-          <a:lstStyle/>
-          <a:p>
-            <a:pPr marL="0" indent="0">
-              <a:buNone/>
-            </a:pPr>
-            <a:r>
-              <a:rPr lang="en-US" b="1" dirty="0">
-                <a:solidFill>
-                  <a:srgbClr val="FF0000"/>
-                </a:solidFill>
-              </a:rPr>
-              <a:t>*  Note</a:t>
-            </a:r>
-            <a:r>
-              <a:rPr lang="en-US" b="1" dirty="0"/>
-              <a:t>: </a:t>
+              <a:t>Input parameter names are from </a:t>
             </a:r>
             <a:r>
               <a:rPr lang="en-US" b="1" dirty="0">
@@ -18339,826 +17605,439 @@
                   </a:schemeClr>
                 </a:solidFill>
               </a:rPr>
-              <a:t>[…]</a:t>
-            </a:r>
-            <a:r>
-              <a:rPr lang="en-US" b="1" dirty="0"/>
-              <a:t> means optional, </a:t>
+              <a:t>:V1</a:t>
+            </a:r>
+            <a:r>
+              <a:rPr lang="en-US" dirty="0"/>
+              <a:t>(or </a:t>
+            </a:r>
+            <a:r>
+              <a:rPr lang="en-US" altLang="zh-CN" dirty="0">
+                <a:solidFill>
+                  <a:schemeClr val="accent1">
+                    <a:lumMod val="75000"/>
+                  </a:schemeClr>
+                </a:solidFill>
+              </a:rPr>
+              <a:t>&amp;V1</a:t>
+            </a:r>
+            <a:r>
+              <a:rPr lang="en-US" dirty="0"/>
+              <a:t>) to </a:t>
+            </a:r>
+            <a:r>
+              <a:rPr lang="en-US" dirty="0">
+                <a:solidFill>
+                  <a:schemeClr val="accent1">
+                    <a:lumMod val="75000"/>
+                  </a:schemeClr>
+                </a:solidFill>
+              </a:rPr>
+              <a:t>:V20</a:t>
+            </a:r>
+            <a:r>
+              <a:rPr lang="en-US" dirty="0"/>
+              <a:t>(or </a:t>
             </a:r>
             <a:r>
               <a:rPr lang="en-US" b="1" dirty="0">
                 <a:solidFill>
-                  <a:srgbClr val="0070C0"/>
-                </a:solidFill>
-              </a:rPr>
-              <a:t>|</a:t>
-            </a:r>
-            <a:r>
-              <a:rPr lang="en-US" b="1" dirty="0"/>
-              <a:t> means “OR”</a:t>
-            </a:r>
-          </a:p>
-          <a:p>
-            <a:r>
-              <a:rPr lang="en-US" sz="2300" dirty="0">
-                <a:latin typeface="Courier New" panose="02070309020205020404" pitchFamily="49" charset="0"/>
-                <a:cs typeface="Courier New" panose="02070309020205020404" pitchFamily="49" charset="0"/>
-              </a:rPr>
-              <a:t>top [interval] [-</a:t>
-            </a:r>
-            <a:r>
-              <a:rPr lang="en-US" sz="2300" dirty="0" err="1">
-                <a:latin typeface="Courier New" panose="02070309020205020404" pitchFamily="49" charset="0"/>
-                <a:cs typeface="Courier New" panose="02070309020205020404" pitchFamily="49" charset="0"/>
-              </a:rPr>
-              <a:t>iostat</a:t>
-            </a:r>
-            <a:r>
-              <a:rPr lang="en-US" sz="2300" dirty="0">
-                <a:latin typeface="Courier New" panose="02070309020205020404" pitchFamily="49" charset="0"/>
-                <a:cs typeface="Courier New" panose="02070309020205020404" pitchFamily="49" charset="0"/>
-              </a:rPr>
-              <a:t>|-latch] [-</a:t>
-            </a:r>
-            <a:r>
-              <a:rPr lang="en-US" sz="2300" dirty="0" err="1">
-                <a:latin typeface="Courier New" panose="02070309020205020404" pitchFamily="49" charset="0"/>
-                <a:cs typeface="Courier New" panose="02070309020205020404" pitchFamily="49" charset="0"/>
-              </a:rPr>
-              <a:t>filestat</a:t>
-            </a:r>
-            <a:r>
-              <a:rPr lang="en-US" sz="2300" dirty="0">
-                <a:latin typeface="Courier New" panose="02070309020205020404" pitchFamily="49" charset="0"/>
-                <a:cs typeface="Courier New" panose="02070309020205020404" pitchFamily="49" charset="0"/>
-              </a:rPr>
-              <a:t>]: monitor db stats with specific interval, default is 10 seconds</a:t>
-            </a:r>
-          </a:p>
-          <a:p>
-            <a:r>
-              <a:rPr lang="en-US" sz="2300" dirty="0" err="1">
-                <a:latin typeface="Courier New" panose="02070309020205020404" pitchFamily="49" charset="0"/>
-                <a:cs typeface="Courier New" panose="02070309020205020404" pitchFamily="49" charset="0"/>
-              </a:rPr>
-              <a:t>cellio</a:t>
-            </a:r>
-            <a:r>
-              <a:rPr lang="en-US" sz="2300" dirty="0">
-                <a:latin typeface="Courier New" panose="02070309020205020404" pitchFamily="49" charset="0"/>
-                <a:cs typeface="Courier New" panose="02070309020205020404" pitchFamily="49" charset="0"/>
-              </a:rPr>
-              <a:t> [interval] </a:t>
-            </a:r>
-            <a:r>
-              <a:rPr lang="nb-NO" sz="2300" dirty="0">
-                <a:latin typeface="Courier New" panose="02070309020205020404" pitchFamily="49" charset="0"/>
-                <a:cs typeface="Courier New" panose="02070309020205020404" pitchFamily="49" charset="0"/>
-              </a:rPr>
-              <a:t>[-pred|-cc|-db] [-cell] [-diskio] </a:t>
-            </a:r>
-            <a:r>
-              <a:rPr lang="en-US" sz="2300" dirty="0">
-                <a:latin typeface="Courier New" panose="02070309020205020404" pitchFamily="49" charset="0"/>
-                <a:cs typeface="Courier New" panose="02070309020205020404" pitchFamily="49" charset="0"/>
-              </a:rPr>
-              <a:t>: monitor Exadata cell stats with specific interval, default is 20 seconds</a:t>
-            </a:r>
-          </a:p>
-          <a:p>
-            <a:r>
-              <a:rPr lang="en-US" sz="2300" dirty="0">
-                <a:latin typeface="Courier New" panose="02070309020205020404" pitchFamily="49" charset="0"/>
-                <a:cs typeface="Courier New" panose="02070309020205020404" pitchFamily="49" charset="0"/>
-              </a:rPr>
-              <a:t>Exa cell: show Exadata information</a:t>
-            </a:r>
-          </a:p>
-          <a:p>
-            <a:r>
-              <a:rPr lang="en-US" sz="2300" dirty="0">
-                <a:latin typeface="Courier New" panose="02070309020205020404" pitchFamily="49" charset="0"/>
-                <a:cs typeface="Courier New" panose="02070309020205020404" pitchFamily="49" charset="0"/>
-              </a:rPr>
-              <a:t>Ora/sys param &lt;keyword&gt;: show parameters that match the keyword</a:t>
-            </a:r>
-          </a:p>
-          <a:p>
-            <a:r>
-              <a:rPr lang="en-US" sz="2300" dirty="0">
-                <a:latin typeface="Courier New" panose="02070309020205020404" pitchFamily="49" charset="0"/>
-                <a:cs typeface="Courier New" panose="02070309020205020404" pitchFamily="49" charset="0"/>
-              </a:rPr>
-              <a:t>Ora tbs [&lt;</a:t>
-            </a:r>
-            <a:r>
-              <a:rPr lang="en-US" sz="2300" dirty="0" err="1">
-                <a:latin typeface="Courier New" panose="02070309020205020404" pitchFamily="49" charset="0"/>
-                <a:cs typeface="Courier New" panose="02070309020205020404" pitchFamily="49" charset="0"/>
-              </a:rPr>
-              <a:t>tablespace_name</a:t>
-            </a:r>
-            <a:r>
-              <a:rPr lang="en-US" sz="2300" dirty="0">
-                <a:latin typeface="Courier New" panose="02070309020205020404" pitchFamily="49" charset="0"/>
-                <a:cs typeface="Courier New" panose="02070309020205020404" pitchFamily="49" charset="0"/>
-              </a:rPr>
-              <a:t>&gt;]: show tablespace usages</a:t>
-            </a:r>
-          </a:p>
-          <a:p>
-            <a:r>
-              <a:rPr lang="en-US" sz="2300" dirty="0">
-                <a:latin typeface="Courier New" panose="02070309020205020404" pitchFamily="49" charset="0"/>
-                <a:cs typeface="Courier New" panose="02070309020205020404" pitchFamily="49" charset="0"/>
-              </a:rPr>
-              <a:t>ora actives [-b|-p|-m]: list active SQLs</a:t>
-            </a:r>
-          </a:p>
-          <a:p>
-            <a:r>
-              <a:rPr lang="en-US" sz="2300" dirty="0">
-                <a:latin typeface="Courier New" panose="02070309020205020404" pitchFamily="49" charset="0"/>
-                <a:cs typeface="Courier New" panose="02070309020205020404" pitchFamily="49" charset="0"/>
-              </a:rPr>
-              <a:t>ora plan &lt;</a:t>
-            </a:r>
-            <a:r>
-              <a:rPr lang="en-US" sz="2300" dirty="0" err="1">
-                <a:latin typeface="Courier New" panose="02070309020205020404" pitchFamily="49" charset="0"/>
-                <a:cs typeface="Courier New" panose="02070309020205020404" pitchFamily="49" charset="0"/>
-              </a:rPr>
-              <a:t>sql_id</a:t>
-            </a:r>
-            <a:r>
-              <a:rPr lang="en-US" sz="2300" dirty="0">
-                <a:latin typeface="Courier New" panose="02070309020205020404" pitchFamily="49" charset="0"/>
-                <a:cs typeface="Courier New" panose="02070309020205020404" pitchFamily="49" charset="0"/>
-              </a:rPr>
-              <a:t>&gt; &lt;</a:t>
-            </a:r>
-            <a:r>
-              <a:rPr lang="en-US" sz="2300" dirty="0" err="1">
-                <a:latin typeface="Courier New" panose="02070309020205020404" pitchFamily="49" charset="0"/>
-                <a:cs typeface="Courier New" panose="02070309020205020404" pitchFamily="49" charset="0"/>
-              </a:rPr>
-              <a:t>plan_hash_value</a:t>
-            </a:r>
-            <a:r>
-              <a:rPr lang="en-US" sz="2300" dirty="0">
-                <a:latin typeface="Courier New" panose="02070309020205020404" pitchFamily="49" charset="0"/>
-                <a:cs typeface="Courier New" panose="02070309020205020404" pitchFamily="49" charset="0"/>
-              </a:rPr>
-              <a:t>&gt;: show execution plan</a:t>
-            </a:r>
-          </a:p>
-          <a:p>
-            <a:r>
-              <a:rPr lang="en-US" sz="2300" dirty="0">
-                <a:latin typeface="Courier New" panose="02070309020205020404" pitchFamily="49" charset="0"/>
-                <a:cs typeface="Courier New" panose="02070309020205020404" pitchFamily="49" charset="0"/>
-              </a:rPr>
-              <a:t>ora sql &lt;</a:t>
-            </a:r>
-            <a:r>
-              <a:rPr lang="en-US" sz="2300" dirty="0" err="1">
-                <a:latin typeface="Courier New" panose="02070309020205020404" pitchFamily="49" charset="0"/>
-                <a:cs typeface="Courier New" panose="02070309020205020404" pitchFamily="49" charset="0"/>
-              </a:rPr>
-              <a:t>sql_id</a:t>
-            </a:r>
-            <a:r>
-              <a:rPr lang="en-US" sz="2300" dirty="0">
-                <a:latin typeface="Courier New" panose="02070309020205020404" pitchFamily="49" charset="0"/>
-                <a:cs typeface="Courier New" panose="02070309020205020404" pitchFamily="49" charset="0"/>
-              </a:rPr>
-              <a:t>&gt;: show SQL text and stats</a:t>
-            </a:r>
-          </a:p>
-          <a:p>
-            <a:r>
-              <a:rPr lang="en-US" sz="2300" dirty="0">
-                <a:latin typeface="Courier New" panose="02070309020205020404" pitchFamily="49" charset="0"/>
-                <a:cs typeface="Courier New" panose="02070309020205020404" pitchFamily="49" charset="0"/>
-              </a:rPr>
-              <a:t>Ora </a:t>
-            </a:r>
-            <a:r>
-              <a:rPr lang="en-US" sz="2300" dirty="0" err="1">
-                <a:latin typeface="Courier New" panose="02070309020205020404" pitchFamily="49" charset="0"/>
-                <a:cs typeface="Courier New" panose="02070309020205020404" pitchFamily="49" charset="0"/>
-              </a:rPr>
-              <a:t>sqlm</a:t>
-            </a:r>
-            <a:r>
-              <a:rPr lang="en-US" sz="2300" dirty="0">
-                <a:latin typeface="Courier New" panose="02070309020205020404" pitchFamily="49" charset="0"/>
-                <a:cs typeface="Courier New" panose="02070309020205020404" pitchFamily="49" charset="0"/>
-              </a:rPr>
-              <a:t> [&lt;</a:t>
-            </a:r>
-            <a:r>
-              <a:rPr lang="en-US" sz="2300" dirty="0" err="1">
-                <a:latin typeface="Courier New" panose="02070309020205020404" pitchFamily="49" charset="0"/>
-                <a:cs typeface="Courier New" panose="02070309020205020404" pitchFamily="49" charset="0"/>
-              </a:rPr>
-              <a:t>sql_id</a:t>
-            </a:r>
-            <a:r>
-              <a:rPr lang="en-US" sz="2300" dirty="0">
-                <a:latin typeface="Courier New" panose="02070309020205020404" pitchFamily="49" charset="0"/>
-                <a:cs typeface="Courier New" panose="02070309020205020404" pitchFamily="49" charset="0"/>
-              </a:rPr>
-              <a:t>&gt; [</a:t>
-            </a:r>
-            <a:r>
-              <a:rPr lang="en-US" sz="2300" dirty="0" err="1">
-                <a:latin typeface="Courier New" panose="02070309020205020404" pitchFamily="49" charset="0"/>
-                <a:cs typeface="Courier New" panose="02070309020205020404" pitchFamily="49" charset="0"/>
-              </a:rPr>
-              <a:t>sql_exec_id</a:t>
-            </a:r>
-            <a:r>
-              <a:rPr lang="en-US" sz="2300" dirty="0">
-                <a:latin typeface="Courier New" panose="02070309020205020404" pitchFamily="49" charset="0"/>
-                <a:cs typeface="Courier New" panose="02070309020205020404" pitchFamily="49" charset="0"/>
-              </a:rPr>
-              <a:t>][-l]]: show sql monitor list, or extract SQL Monitor report. Type ‘help ora </a:t>
-            </a:r>
-            <a:r>
-              <a:rPr lang="en-US" sz="2300" dirty="0" err="1">
-                <a:latin typeface="Courier New" panose="02070309020205020404" pitchFamily="49" charset="0"/>
-                <a:cs typeface="Courier New" panose="02070309020205020404" pitchFamily="49" charset="0"/>
-              </a:rPr>
-              <a:t>sqlm</a:t>
-            </a:r>
-            <a:r>
-              <a:rPr lang="en-US" sz="2300" dirty="0">
-                <a:latin typeface="Courier New" panose="02070309020205020404" pitchFamily="49" charset="0"/>
-                <a:cs typeface="Courier New" panose="02070309020205020404" pitchFamily="49" charset="0"/>
-              </a:rPr>
-              <a:t>’ for more usages.</a:t>
-            </a:r>
-          </a:p>
-          <a:p>
-            <a:r>
-              <a:rPr lang="en-US" sz="2300" dirty="0">
-                <a:latin typeface="Courier New" panose="02070309020205020404" pitchFamily="49" charset="0"/>
-                <a:cs typeface="Courier New" panose="02070309020205020404" pitchFamily="49" charset="0"/>
-              </a:rPr>
-              <a:t>Ora </a:t>
-            </a:r>
-            <a:r>
-              <a:rPr lang="en-US" sz="2300" dirty="0" err="1">
-                <a:latin typeface="Courier New" panose="02070309020205020404" pitchFamily="49" charset="0"/>
-                <a:cs typeface="Courier New" panose="02070309020205020404" pitchFamily="49" charset="0"/>
-              </a:rPr>
-              <a:t>ashplan</a:t>
-            </a:r>
-            <a:r>
-              <a:rPr lang="en-US" sz="2300" dirty="0">
-                <a:latin typeface="Courier New" panose="02070309020205020404" pitchFamily="49" charset="0"/>
-                <a:cs typeface="Courier New" panose="02070309020205020404" pitchFamily="49" charset="0"/>
-              </a:rPr>
-              <a:t> &lt;</a:t>
-            </a:r>
-            <a:r>
-              <a:rPr lang="en-US" sz="2300" dirty="0" err="1">
-                <a:latin typeface="Courier New" panose="02070309020205020404" pitchFamily="49" charset="0"/>
-                <a:cs typeface="Courier New" panose="02070309020205020404" pitchFamily="49" charset="0"/>
-              </a:rPr>
-              <a:t>sql_id</a:t>
-            </a:r>
-            <a:r>
-              <a:rPr lang="en-US" sz="2300" dirty="0">
-                <a:latin typeface="Courier New" panose="02070309020205020404" pitchFamily="49" charset="0"/>
-                <a:cs typeface="Courier New" panose="02070309020205020404" pitchFamily="49" charset="0"/>
-              </a:rPr>
-              <a:t>&gt; [</a:t>
-            </a:r>
-            <a:r>
-              <a:rPr lang="en-US" sz="2300" dirty="0" err="1">
-                <a:latin typeface="Courier New" panose="02070309020205020404" pitchFamily="49" charset="0"/>
-                <a:cs typeface="Courier New" panose="02070309020205020404" pitchFamily="49" charset="0"/>
-              </a:rPr>
-              <a:t>plan_hash_value</a:t>
-            </a:r>
-            <a:r>
-              <a:rPr lang="en-US" sz="2300" dirty="0">
-                <a:latin typeface="Courier New" panose="02070309020205020404" pitchFamily="49" charset="0"/>
-                <a:cs typeface="Courier New" panose="02070309020205020404" pitchFamily="49" charset="0"/>
-              </a:rPr>
-              <a:t>] [-dash]:</a:t>
-            </a:r>
-            <a:r>
-              <a:rPr lang="zh-CN" altLang="en-US" sz="2300" dirty="0">
-                <a:latin typeface="Courier New" panose="02070309020205020404" pitchFamily="49" charset="0"/>
-                <a:cs typeface="Courier New" panose="02070309020205020404" pitchFamily="49" charset="0"/>
-              </a:rPr>
+                  <a:schemeClr val="accent1">
+                    <a:lumMod val="75000"/>
+                  </a:schemeClr>
+                </a:solidFill>
+              </a:rPr>
+              <a:t>&amp;V20</a:t>
+            </a:r>
+            <a:r>
+              <a:rPr lang="en-US" dirty="0"/>
+              <a:t>) and case-insensitive, however SQL*Plus is &amp;1…</a:t>
+            </a:r>
+          </a:p>
+          <a:p>
+            <a:r>
+              <a:rPr lang="en-US" dirty="0"/>
+              <a:t>V1 to V20 are all default to null(empty string) and don’t ask mandatory input, however SQL*Plus will ask for input if not specified in the command line.</a:t>
+            </a:r>
+          </a:p>
+          <a:p>
+            <a:r>
+              <a:rPr lang="en-US" dirty="0"/>
+              <a:t>A variable value can be used as either substitution(</a:t>
+            </a:r>
+            <a:r>
+              <a:rPr lang="en-US" b="1" dirty="0">
+                <a:solidFill>
+                  <a:schemeClr val="accent1">
+                    <a:lumMod val="75000"/>
+                  </a:schemeClr>
+                </a:solidFill>
+              </a:rPr>
+              <a:t>&amp;var</a:t>
+            </a:r>
+            <a:r>
+              <a:rPr lang="en-US" dirty="0"/>
+              <a:t>) and  binding(</a:t>
+            </a:r>
+            <a:r>
+              <a:rPr lang="en-US" b="1" dirty="0">
+                <a:solidFill>
+                  <a:schemeClr val="accent1">
+                    <a:lumMod val="75000"/>
+                  </a:schemeClr>
+                </a:solidFill>
+              </a:rPr>
+              <a:t>:var</a:t>
+            </a:r>
+            <a:r>
+              <a:rPr lang="en-US" dirty="0"/>
+              <a:t>)</a:t>
+            </a:r>
+          </a:p>
+          <a:p>
+            <a:r>
+              <a:rPr lang="en-US" dirty="0"/>
+              <a:t>Either input parameter or variable can pre-define default value and options(</a:t>
+            </a:r>
+            <a:r>
+              <a:rPr lang="en-US" b="1" dirty="0">
+                <a:solidFill>
+                  <a:schemeClr val="accent1">
+                    <a:lumMod val="75000"/>
+                  </a:schemeClr>
+                </a:solidFill>
+              </a:rPr>
+              <a:t>-option</a:t>
+            </a:r>
+            <a:r>
+              <a:rPr lang="en-US" dirty="0"/>
+              <a:t>) in the script annotation part(sub-part of the documentation)</a:t>
+            </a:r>
+          </a:p>
+          <a:p>
+            <a:r>
+              <a:rPr lang="en-US" dirty="0"/>
+              <a:t>If an input parameter is dot(</a:t>
+            </a:r>
+            <a:r>
+              <a:rPr lang="en-US" b="1" dirty="0">
+                <a:solidFill>
+                  <a:schemeClr val="accent1">
+                    <a:lumMod val="75000"/>
+                  </a:schemeClr>
+                </a:solidFill>
+              </a:rPr>
+              <a:t>.</a:t>
+            </a:r>
+            <a:r>
+              <a:rPr lang="en-US" dirty="0"/>
+              <a:t>), it means using the default value</a:t>
+            </a:r>
+          </a:p>
+          <a:p>
+            <a:r>
+              <a:rPr lang="en-US" dirty="0"/>
+              <a:t>3 switches can be defined in the annotation part and can be treated as variables: </a:t>
+            </a:r>
+          </a:p>
+          <a:p>
+            <a:pPr lvl="1"/>
+            <a:r>
+              <a:rPr lang="en-US" dirty="0"/>
+              <a:t>Privilege switch(</a:t>
+            </a:r>
+            <a:r>
+              <a:rPr lang="en-US" b="1" dirty="0">
+                <a:solidFill>
+                  <a:schemeClr val="accent1">
+                    <a:lumMod val="75000"/>
+                  </a:schemeClr>
+                </a:solidFill>
+              </a:rPr>
+              <a:t>@</a:t>
+            </a:r>
+            <a:r>
+              <a:rPr lang="en-US" b="1" dirty="0" err="1">
+                <a:solidFill>
+                  <a:schemeClr val="accent1">
+                    <a:lumMod val="75000"/>
+                  </a:schemeClr>
+                </a:solidFill>
+              </a:rPr>
+              <a:t>check_access_</a:t>
+            </a:r>
+            <a:r>
+              <a:rPr lang="en-US" dirty="0" err="1"/>
+              <a:t>xxx</a:t>
+            </a:r>
+            <a:r>
+              <a:rPr lang="en-US" dirty="0"/>
+              <a:t>): auto-choose the first value that matches the required access right</a:t>
+            </a:r>
+          </a:p>
+          <a:p>
+            <a:pPr lvl="1"/>
+            <a:r>
+              <a:rPr lang="en-US" dirty="0"/>
+              <a:t>User switch(</a:t>
+            </a:r>
+            <a:r>
+              <a:rPr lang="en-US" b="1" dirty="0">
+                <a:solidFill>
+                  <a:schemeClr val="accent1">
+                    <a:lumMod val="75000"/>
+                  </a:schemeClr>
+                </a:solidFill>
+              </a:rPr>
+              <a:t>@</a:t>
+            </a:r>
+            <a:r>
+              <a:rPr lang="en-US" b="1" dirty="0" err="1">
+                <a:solidFill>
+                  <a:schemeClr val="accent1">
+                    <a:lumMod val="75000"/>
+                  </a:schemeClr>
+                </a:solidFill>
+              </a:rPr>
+              <a:t>check_user_</a:t>
+            </a:r>
+            <a:r>
+              <a:rPr lang="en-US" dirty="0" err="1"/>
+              <a:t>xxx</a:t>
+            </a:r>
+            <a:r>
+              <a:rPr lang="en-US" dirty="0"/>
+              <a:t>): auto-choose the first value that login user matches  the required user</a:t>
+            </a:r>
+          </a:p>
+          <a:p>
+            <a:pPr lvl="1"/>
+            <a:r>
+              <a:rPr lang="en-US" dirty="0"/>
+              <a:t>Version switch (@other): auto-choose the first value that matches the require db version</a:t>
+            </a:r>
+          </a:p>
+          <a:p>
+            <a:pPr lvl="1"/>
+            <a:r>
+              <a:rPr lang="en-US" dirty="0"/>
+              <a:t>If  the “</a:t>
+            </a:r>
+            <a:r>
+              <a:rPr lang="en-US" b="1" dirty="0">
+                <a:solidFill>
+                  <a:schemeClr val="accent1">
+                    <a:lumMod val="75000"/>
+                  </a:schemeClr>
+                </a:solidFill>
+              </a:rPr>
+              <a:t>default</a:t>
+            </a:r>
+            <a:r>
+              <a:rPr lang="en-US" dirty="0"/>
+              <a:t>” option is not defined in a switch annotation and current login user cannot match any requirement, then the script will exit with an error </a:t>
+            </a:r>
+          </a:p>
+          <a:p>
+            <a:r>
+              <a:rPr lang="en-US" dirty="0"/>
+              <a:t>2 other annotations:</a:t>
+            </a:r>
+          </a:p>
+          <a:p>
+            <a:pPr lvl="1"/>
+            <a:r>
+              <a:rPr lang="en-US" dirty="0"/>
+              <a:t>@ALIAS: defines the nicknames of the script, multiple nicknames should be separated by comma(,)</a:t>
+            </a:r>
+          </a:p>
+          <a:p>
+            <a:pPr lvl="1"/>
+            <a:r>
+              <a:rPr lang="en-US" dirty="0"/>
+              <a:t>@ARGS: defines the minimum number of </a:t>
+            </a:r>
+            <a:r>
+              <a:rPr lang="en-US"/>
+              <a:t>input parameters</a:t>
+            </a:r>
+            <a:endParaRPr lang="en-US" dirty="0"/>
+          </a:p>
+          <a:p>
+            <a:r>
+              <a:rPr lang="en-US" dirty="0"/>
+              <a:t>The life cycle of the VAR/DEFINE/SET settings are script-locally, and don’t affect the global level settings, however in SQL*Plus those are all global, which can mess the variables of different scripts.</a:t>
+            </a:r>
+          </a:p>
+          <a:p>
+            <a:r>
+              <a:rPr lang="en-US" dirty="0"/>
+              <a:t>Engines:</a:t>
+            </a:r>
+          </a:p>
+          <a:p>
+            <a:pPr lvl="1"/>
+            <a:r>
+              <a:rPr lang="en-US" dirty="0"/>
+              <a:t>SQL*Plus-style engine: does not support all SQL*Plus syntax, but supports all commands that dbcli provides(</a:t>
+            </a:r>
+            <a:r>
+              <a:rPr lang="en-US" b="1" dirty="0">
+                <a:solidFill>
+                  <a:schemeClr val="accent1">
+                    <a:lumMod val="75000"/>
+                  </a:schemeClr>
+                </a:solidFill>
+              </a:rPr>
+              <a:t>help -a </a:t>
+            </a:r>
+            <a:r>
+              <a:rPr lang="en-US" dirty="0"/>
+              <a:t>to list all supported commands)</a:t>
+            </a:r>
+          </a:p>
+          <a:p>
+            <a:pPr lvl="2"/>
+            <a:r>
+              <a:rPr lang="en-US" b="1" dirty="0">
+                <a:solidFill>
+                  <a:schemeClr val="accent1">
+                    <a:lumMod val="75000"/>
+                  </a:schemeClr>
+                </a:solidFill>
+              </a:rPr>
+              <a:t>Show</a:t>
+            </a:r>
+            <a:r>
+              <a:rPr lang="en-US" dirty="0"/>
+              <a:t>:  Executes the pre-defined scripts that don’t require any input parameter</a:t>
+            </a:r>
+          </a:p>
+          <a:p>
+            <a:pPr lvl="2"/>
+            <a:r>
+              <a:rPr lang="en-US" b="1" dirty="0">
+                <a:solidFill>
+                  <a:schemeClr val="accent1">
+                    <a:lumMod val="75000"/>
+                  </a:schemeClr>
+                </a:solidFill>
+              </a:rPr>
+              <a:t>Ora</a:t>
+            </a:r>
+            <a:r>
+              <a:rPr lang="en-US" dirty="0"/>
+              <a:t>: Executes the pre-defined scripts that accept parameters</a:t>
+            </a:r>
+          </a:p>
+          <a:p>
+            <a:pPr lvl="2"/>
+            <a:r>
+              <a:rPr lang="en-US" b="1" dirty="0">
+                <a:solidFill>
+                  <a:schemeClr val="accent1">
+                    <a:lumMod val="75000"/>
+                  </a:schemeClr>
+                </a:solidFill>
+              </a:rPr>
+              <a:t>SYS</a:t>
+            </a:r>
+            <a:r>
+              <a:rPr lang="en-US" dirty="0"/>
+              <a:t>: Similar to Ora, but executes the pre-defined scripts that refer to x$ table</a:t>
+            </a:r>
+          </a:p>
+          <a:p>
+            <a:pPr lvl="2"/>
+            <a:r>
+              <a:rPr lang="en-US" b="1" dirty="0">
+                <a:solidFill>
+                  <a:schemeClr val="accent1">
+                    <a:lumMod val="75000"/>
+                  </a:schemeClr>
+                </a:solidFill>
+              </a:rPr>
+              <a:t>EXA</a:t>
+            </a:r>
+            <a:r>
+              <a:rPr lang="en-US" dirty="0"/>
+              <a:t>: Similar to Ora, but executes the pre-defined scripts that to query Exadata information</a:t>
+            </a:r>
+          </a:p>
+          <a:p>
+            <a:pPr lvl="1"/>
+            <a:r>
+              <a:rPr lang="en-US" dirty="0"/>
+              <a:t>Snapper engine(</a:t>
+            </a:r>
+            <a:r>
+              <a:rPr lang="en-US" b="1" dirty="0">
+                <a:solidFill>
+                  <a:schemeClr val="accent1">
+                    <a:lumMod val="75000"/>
+                  </a:schemeClr>
+                </a:solidFill>
+              </a:rPr>
+              <a:t>snap</a:t>
+            </a:r>
+            <a:r>
+              <a:rPr lang="en-US" dirty="0"/>
+              <a:t>):</a:t>
+            </a:r>
+            <a:r>
+              <a:rPr lang="zh-CN" altLang="en-US" dirty="0"/>
               <a:t> </a:t>
             </a:r>
             <a:r>
-              <a:rPr lang="en-US" altLang="zh-CN" sz="2300" dirty="0">
-                <a:latin typeface="Courier New" panose="02070309020205020404" pitchFamily="49" charset="0"/>
-                <a:cs typeface="Courier New" panose="02070309020205020404" pitchFamily="49" charset="0"/>
-              </a:rPr>
-              <a:t>show</a:t>
-            </a:r>
-            <a:r>
-              <a:rPr lang="zh-CN" altLang="en-US" sz="2300" dirty="0">
-                <a:latin typeface="Courier New" panose="02070309020205020404" pitchFamily="49" charset="0"/>
-                <a:cs typeface="Courier New" panose="02070309020205020404" pitchFamily="49" charset="0"/>
-              </a:rPr>
-              <a:t> </a:t>
-            </a:r>
-            <a:r>
-              <a:rPr lang="en-US" altLang="zh-CN" sz="2300" dirty="0">
-                <a:latin typeface="Courier New" panose="02070309020205020404" pitchFamily="49" charset="0"/>
-                <a:cs typeface="Courier New" panose="02070309020205020404" pitchFamily="49" charset="0"/>
-              </a:rPr>
-              <a:t>sql plan + aggregated ash cost of all executions of the same </a:t>
-            </a:r>
-            <a:r>
-              <a:rPr lang="en-US" altLang="zh-CN" sz="2300" dirty="0" err="1">
-                <a:latin typeface="Courier New" panose="02070309020205020404" pitchFamily="49" charset="0"/>
-                <a:cs typeface="Courier New" panose="02070309020205020404" pitchFamily="49" charset="0"/>
-              </a:rPr>
-              <a:t>phv</a:t>
-            </a:r>
-            <a:endParaRPr lang="en-US" altLang="zh-CN" sz="2300" dirty="0">
-              <a:latin typeface="Courier New" panose="02070309020205020404" pitchFamily="49" charset="0"/>
-              <a:cs typeface="Courier New" panose="02070309020205020404" pitchFamily="49" charset="0"/>
-            </a:endParaRPr>
-          </a:p>
-          <a:p>
-            <a:r>
-              <a:rPr lang="en-US" sz="2300" dirty="0">
-                <a:latin typeface="Courier New" panose="02070309020205020404" pitchFamily="49" charset="0"/>
-                <a:cs typeface="Courier New" panose="02070309020205020404" pitchFamily="49" charset="0"/>
-              </a:rPr>
-              <a:t>Ora </a:t>
-            </a:r>
-            <a:r>
-              <a:rPr lang="en-US" sz="2300" dirty="0" err="1">
-                <a:latin typeface="Courier New" panose="02070309020205020404" pitchFamily="49" charset="0"/>
-                <a:cs typeface="Courier New" panose="02070309020205020404" pitchFamily="49" charset="0"/>
-              </a:rPr>
-              <a:t>ashchain</a:t>
-            </a:r>
-            <a:r>
-              <a:rPr lang="en-US" sz="2300" dirty="0">
-                <a:latin typeface="Courier New" panose="02070309020205020404" pitchFamily="49" charset="0"/>
-                <a:cs typeface="Courier New" panose="02070309020205020404" pitchFamily="49" charset="0"/>
-              </a:rPr>
-              <a:t> [&lt;</a:t>
-            </a:r>
-            <a:r>
-              <a:rPr lang="en-US" sz="2300" dirty="0" err="1">
-                <a:latin typeface="Courier New" panose="02070309020205020404" pitchFamily="49" charset="0"/>
-                <a:cs typeface="Courier New" panose="02070309020205020404" pitchFamily="49" charset="0"/>
-              </a:rPr>
-              <a:t>sql_id</a:t>
-            </a:r>
-            <a:r>
-              <a:rPr lang="en-US" sz="2300" dirty="0">
-                <a:latin typeface="Courier New" panose="02070309020205020404" pitchFamily="49" charset="0"/>
-                <a:cs typeface="Courier New" panose="02070309020205020404" pitchFamily="49" charset="0"/>
-              </a:rPr>
-              <a:t>&gt;|&lt;sid&gt;] [-sid|-p] [-flat]:  An enhancement of </a:t>
-            </a:r>
-            <a:r>
-              <a:rPr lang="en-US" sz="2300" dirty="0" err="1">
-                <a:latin typeface="Courier New" panose="02070309020205020404" pitchFamily="49" charset="0"/>
-                <a:cs typeface="Courier New" panose="02070309020205020404" pitchFamily="49" charset="0"/>
-              </a:rPr>
-              <a:t>Tanel</a:t>
-            </a:r>
-            <a:r>
-              <a:rPr lang="en-US" sz="2300" dirty="0">
-                <a:latin typeface="Courier New" panose="02070309020205020404" pitchFamily="49" charset="0"/>
-                <a:cs typeface="Courier New" panose="02070309020205020404" pitchFamily="49" charset="0"/>
-              </a:rPr>
-              <a:t> </a:t>
-            </a:r>
-            <a:r>
-              <a:rPr lang="en-US" sz="2300" dirty="0" err="1">
-                <a:latin typeface="Courier New" panose="02070309020205020404" pitchFamily="49" charset="0"/>
-                <a:cs typeface="Courier New" panose="02070309020205020404" pitchFamily="49" charset="0"/>
-              </a:rPr>
-              <a:t>Poder’s</a:t>
-            </a:r>
-            <a:r>
-              <a:rPr lang="en-US" sz="2300" dirty="0">
-                <a:latin typeface="Courier New" panose="02070309020205020404" pitchFamily="49" charset="0"/>
-                <a:cs typeface="Courier New" panose="02070309020205020404" pitchFamily="49" charset="0"/>
-              </a:rPr>
-              <a:t> script to see blocking information of ASH</a:t>
-            </a:r>
-          </a:p>
-          <a:p>
-            <a:r>
-              <a:rPr lang="en-US" sz="2300" dirty="0">
-                <a:latin typeface="Courier New" panose="02070309020205020404" pitchFamily="49" charset="0"/>
-                <a:cs typeface="Courier New" panose="02070309020205020404" pitchFamily="49" charset="0"/>
-              </a:rPr>
-              <a:t>Ora </a:t>
-            </a:r>
-            <a:r>
-              <a:rPr lang="en-US" sz="2300" dirty="0" err="1">
-                <a:latin typeface="Courier New" panose="02070309020205020404" pitchFamily="49" charset="0"/>
-                <a:cs typeface="Courier New" panose="02070309020205020404" pitchFamily="49" charset="0"/>
-              </a:rPr>
-              <a:t>ashtop</a:t>
-            </a:r>
-            <a:r>
-              <a:rPr lang="en-US" sz="2300" dirty="0">
-                <a:latin typeface="Courier New" panose="02070309020205020404" pitchFamily="49" charset="0"/>
-                <a:cs typeface="Courier New" panose="02070309020205020404" pitchFamily="49" charset="0"/>
-              </a:rPr>
-              <a:t> [&lt;</a:t>
-            </a:r>
-            <a:r>
-              <a:rPr lang="en-US" sz="2300" dirty="0" err="1">
-                <a:latin typeface="Courier New" panose="02070309020205020404" pitchFamily="49" charset="0"/>
-                <a:cs typeface="Courier New" panose="02070309020205020404" pitchFamily="49" charset="0"/>
-              </a:rPr>
-              <a:t>sql_id</a:t>
-            </a:r>
-            <a:r>
-              <a:rPr lang="en-US" sz="2300" dirty="0">
-                <a:latin typeface="Courier New" panose="02070309020205020404" pitchFamily="49" charset="0"/>
-                <a:cs typeface="Courier New" panose="02070309020205020404" pitchFamily="49" charset="0"/>
-              </a:rPr>
-              <a:t>&gt;] [-snap &lt;seconds&gt;] [-p|-o]: An enhancement of </a:t>
-            </a:r>
-            <a:r>
-              <a:rPr lang="en-US" sz="2300" dirty="0" err="1">
-                <a:latin typeface="Courier New" panose="02070309020205020404" pitchFamily="49" charset="0"/>
-                <a:cs typeface="Courier New" panose="02070309020205020404" pitchFamily="49" charset="0"/>
-              </a:rPr>
-              <a:t>Tanel</a:t>
-            </a:r>
-            <a:r>
-              <a:rPr lang="en-US" sz="2300" dirty="0">
-                <a:latin typeface="Courier New" panose="02070309020205020404" pitchFamily="49" charset="0"/>
-                <a:cs typeface="Courier New" panose="02070309020205020404" pitchFamily="49" charset="0"/>
-              </a:rPr>
-              <a:t> </a:t>
-            </a:r>
-            <a:r>
-              <a:rPr lang="en-US" sz="2300" dirty="0" err="1">
-                <a:latin typeface="Courier New" panose="02070309020205020404" pitchFamily="49" charset="0"/>
-                <a:cs typeface="Courier New" panose="02070309020205020404" pitchFamily="49" charset="0"/>
-              </a:rPr>
-              <a:t>Poder’s</a:t>
-            </a:r>
-            <a:r>
-              <a:rPr lang="en-US" sz="2300" dirty="0">
-                <a:latin typeface="Courier New" panose="02070309020205020404" pitchFamily="49" charset="0"/>
-                <a:cs typeface="Courier New" panose="02070309020205020404" pitchFamily="49" charset="0"/>
-              </a:rPr>
-              <a:t> script to see blocking information of ASH</a:t>
-            </a:r>
-          </a:p>
-          <a:p>
-            <a:r>
-              <a:rPr lang="en-US" sz="2300" dirty="0">
-                <a:latin typeface="Courier New" panose="02070309020205020404" pitchFamily="49" charset="0"/>
-                <a:cs typeface="Courier New" panose="02070309020205020404" pitchFamily="49" charset="0"/>
-              </a:rPr>
-              <a:t>Ora obj &lt;</a:t>
-            </a:r>
-            <a:r>
-              <a:rPr lang="en-US" sz="2300" dirty="0" err="1">
-                <a:latin typeface="Courier New" panose="02070309020205020404" pitchFamily="49" charset="0"/>
-                <a:cs typeface="Courier New" panose="02070309020205020404" pitchFamily="49" charset="0"/>
-              </a:rPr>
-              <a:t>object_id|data_object_id</a:t>
-            </a:r>
-            <a:r>
-              <a:rPr lang="en-US" sz="2300" dirty="0">
-                <a:latin typeface="Courier New" panose="02070309020205020404" pitchFamily="49" charset="0"/>
-                <a:cs typeface="Courier New" panose="02070309020205020404" pitchFamily="49" charset="0"/>
-              </a:rPr>
-              <a:t>|[owner.]</a:t>
-            </a:r>
-            <a:r>
-              <a:rPr lang="en-US" sz="2300" dirty="0" err="1">
-                <a:latin typeface="Courier New" panose="02070309020205020404" pitchFamily="49" charset="0"/>
-                <a:cs typeface="Courier New" panose="02070309020205020404" pitchFamily="49" charset="0"/>
-              </a:rPr>
-              <a:t>object_name</a:t>
-            </a:r>
-            <a:r>
-              <a:rPr lang="en-US" sz="2300" dirty="0">
-                <a:latin typeface="Courier New" panose="02070309020205020404" pitchFamily="49" charset="0"/>
-                <a:cs typeface="Courier New" panose="02070309020205020404" pitchFamily="49" charset="0"/>
-              </a:rPr>
-              <a:t>&gt;: Show information of an object</a:t>
-            </a:r>
-          </a:p>
-          <a:p>
-            <a:r>
-              <a:rPr lang="en-US" sz="2300" dirty="0">
-                <a:latin typeface="Courier New" panose="02070309020205020404" pitchFamily="49" charset="0"/>
-                <a:cs typeface="Courier New" panose="02070309020205020404" pitchFamily="49" charset="0"/>
-              </a:rPr>
-              <a:t>Ora search &lt;keyword&gt;: search object with specific keyword</a:t>
-            </a:r>
-          </a:p>
-          <a:p>
-            <a:r>
-              <a:rPr lang="en-US" sz="2300" dirty="0">
-                <a:latin typeface="Courier New" panose="02070309020205020404" pitchFamily="49" charset="0"/>
-                <a:cs typeface="Courier New" panose="02070309020205020404" pitchFamily="49" charset="0"/>
-              </a:rPr>
-              <a:t>Ora size [owner.]&lt;</a:t>
-            </a:r>
-            <a:r>
-              <a:rPr lang="en-US" sz="2300" dirty="0" err="1">
-                <a:latin typeface="Courier New" panose="02070309020205020404" pitchFamily="49" charset="0"/>
-                <a:cs typeface="Courier New" panose="02070309020205020404" pitchFamily="49" charset="0"/>
-              </a:rPr>
-              <a:t>object_name</a:t>
-            </a:r>
-            <a:r>
-              <a:rPr lang="en-US" sz="2300" dirty="0">
-                <a:latin typeface="Courier New" panose="02070309020205020404" pitchFamily="49" charset="0"/>
-                <a:cs typeface="Courier New" panose="02070309020205020404" pitchFamily="49" charset="0"/>
-              </a:rPr>
-              <a:t>&gt;: show space usage of an object</a:t>
-            </a:r>
-          </a:p>
-          <a:p>
-            <a:r>
-              <a:rPr lang="en-US" sz="2300" dirty="0">
-                <a:latin typeface="Courier New" panose="02070309020205020404" pitchFamily="49" charset="0"/>
-                <a:cs typeface="Courier New" panose="02070309020205020404" pitchFamily="49" charset="0"/>
-              </a:rPr>
-              <a:t>Ora space [owner.]&lt;</a:t>
-            </a:r>
-            <a:r>
-              <a:rPr lang="en-US" sz="2300" dirty="0" err="1">
-                <a:latin typeface="Courier New" panose="02070309020205020404" pitchFamily="49" charset="0"/>
-                <a:cs typeface="Courier New" panose="02070309020205020404" pitchFamily="49" charset="0"/>
-              </a:rPr>
-              <a:t>object_name</a:t>
-            </a:r>
-            <a:r>
-              <a:rPr lang="en-US" sz="2300" dirty="0">
-                <a:latin typeface="Courier New" panose="02070309020205020404" pitchFamily="49" charset="0"/>
-                <a:cs typeface="Courier New" panose="02070309020205020404" pitchFamily="49" charset="0"/>
-              </a:rPr>
-              <a:t>&gt; [-adv]: show detailed space usage of an object</a:t>
-            </a:r>
-          </a:p>
-          <a:p>
-            <a:r>
-              <a:rPr lang="en-US" sz="2300" dirty="0">
-                <a:latin typeface="Courier New" panose="02070309020205020404" pitchFamily="49" charset="0"/>
-                <a:cs typeface="Courier New" panose="02070309020205020404" pitchFamily="49" charset="0"/>
-              </a:rPr>
-              <a:t>Ora </a:t>
-            </a:r>
-            <a:r>
-              <a:rPr lang="en-US" sz="2300" dirty="0" err="1">
-                <a:latin typeface="Courier New" panose="02070309020205020404" pitchFamily="49" charset="0"/>
-                <a:cs typeface="Courier New" panose="02070309020205020404" pitchFamily="49" charset="0"/>
-              </a:rPr>
-              <a:t>ddl</a:t>
-            </a:r>
-            <a:r>
-              <a:rPr lang="en-US" sz="2300" dirty="0">
-                <a:latin typeface="Courier New" panose="02070309020205020404" pitchFamily="49" charset="0"/>
-                <a:cs typeface="Courier New" panose="02070309020205020404" pitchFamily="49" charset="0"/>
-              </a:rPr>
-              <a:t> [owner.]&lt;</a:t>
-            </a:r>
-            <a:r>
-              <a:rPr lang="en-US" sz="2300" dirty="0" err="1">
-                <a:latin typeface="Courier New" panose="02070309020205020404" pitchFamily="49" charset="0"/>
-                <a:cs typeface="Courier New" panose="02070309020205020404" pitchFamily="49" charset="0"/>
-              </a:rPr>
-              <a:t>object_name</a:t>
-            </a:r>
-            <a:r>
-              <a:rPr lang="en-US" sz="2300" dirty="0">
-                <a:latin typeface="Courier New" panose="02070309020205020404" pitchFamily="49" charset="0"/>
-                <a:cs typeface="Courier New" panose="02070309020205020404" pitchFamily="49" charset="0"/>
-              </a:rPr>
-              <a:t>&gt;: show </a:t>
-            </a:r>
-            <a:r>
-              <a:rPr lang="en-US" sz="2300" dirty="0" err="1">
-                <a:latin typeface="Courier New" panose="02070309020205020404" pitchFamily="49" charset="0"/>
-                <a:cs typeface="Courier New" panose="02070309020205020404" pitchFamily="49" charset="0"/>
-              </a:rPr>
-              <a:t>ddl</a:t>
-            </a:r>
-            <a:r>
-              <a:rPr lang="en-US" sz="2300" dirty="0">
-                <a:latin typeface="Courier New" panose="02070309020205020404" pitchFamily="49" charset="0"/>
-                <a:cs typeface="Courier New" panose="02070309020205020404" pitchFamily="49" charset="0"/>
-              </a:rPr>
-              <a:t> of an object</a:t>
-            </a:r>
-          </a:p>
-          <a:p>
-            <a:r>
-              <a:rPr lang="en-US" sz="2300" dirty="0">
-                <a:latin typeface="Courier New" panose="02070309020205020404" pitchFamily="49" charset="0"/>
-                <a:cs typeface="Courier New" panose="02070309020205020404" pitchFamily="49" charset="0"/>
-              </a:rPr>
-              <a:t>Ora stats [owner.]&lt;</a:t>
-            </a:r>
-            <a:r>
-              <a:rPr lang="en-US" sz="2300" dirty="0" err="1">
-                <a:latin typeface="Courier New" panose="02070309020205020404" pitchFamily="49" charset="0"/>
-                <a:cs typeface="Courier New" panose="02070309020205020404" pitchFamily="49" charset="0"/>
-              </a:rPr>
-              <a:t>table_name</a:t>
-            </a:r>
-            <a:r>
-              <a:rPr lang="en-US" sz="2300" dirty="0">
-                <a:latin typeface="Courier New" panose="02070309020205020404" pitchFamily="49" charset="0"/>
-                <a:cs typeface="Courier New" panose="02070309020205020404" pitchFamily="49" charset="0"/>
-              </a:rPr>
-              <a:t>&gt; [-advise]: show table stats or run statistics advisor</a:t>
-            </a:r>
-          </a:p>
-          <a:p>
-            <a:r>
-              <a:rPr lang="en-US" sz="2300" dirty="0">
-                <a:latin typeface="Courier New" panose="02070309020205020404" pitchFamily="49" charset="0"/>
-                <a:cs typeface="Courier New" panose="02070309020205020404" pitchFamily="49" charset="0"/>
-              </a:rPr>
-              <a:t>Ora histogram [owner.]&lt;</a:t>
-            </a:r>
-            <a:r>
-              <a:rPr lang="en-US" sz="2300" dirty="0" err="1">
-                <a:latin typeface="Courier New" panose="02070309020205020404" pitchFamily="49" charset="0"/>
-                <a:cs typeface="Courier New" panose="02070309020205020404" pitchFamily="49" charset="0"/>
-              </a:rPr>
-              <a:t>table_name</a:t>
-            </a:r>
-            <a:r>
-              <a:rPr lang="en-US" sz="2300" dirty="0">
-                <a:latin typeface="Courier New" panose="02070309020205020404" pitchFamily="49" charset="0"/>
-                <a:cs typeface="Courier New" panose="02070309020205020404" pitchFamily="49" charset="0"/>
-              </a:rPr>
-              <a:t>&gt; &lt;column&gt; […]: Show/change histogram of a column</a:t>
-            </a:r>
-          </a:p>
-          <a:p>
-            <a:r>
-              <a:rPr lang="en-US" sz="2300" dirty="0">
-                <a:latin typeface="Courier New" panose="02070309020205020404" pitchFamily="49" charset="0"/>
-                <a:cs typeface="Courier New" panose="02070309020205020404" pitchFamily="49" charset="0"/>
-              </a:rPr>
-              <a:t>Ora </a:t>
-            </a:r>
-            <a:r>
-              <a:rPr lang="en-US" sz="2300" dirty="0" err="1">
-                <a:latin typeface="Courier New" panose="02070309020205020404" pitchFamily="49" charset="0"/>
-                <a:cs typeface="Courier New" panose="02070309020205020404" pitchFamily="49" charset="0"/>
-              </a:rPr>
-              <a:t>spd</a:t>
-            </a:r>
-            <a:r>
-              <a:rPr lang="en-US" sz="2300" dirty="0">
-                <a:latin typeface="Courier New" panose="02070309020205020404" pitchFamily="49" charset="0"/>
-                <a:cs typeface="Courier New" panose="02070309020205020404" pitchFamily="49" charset="0"/>
-              </a:rPr>
-              <a:t> [owner.]&lt;</a:t>
-            </a:r>
-            <a:r>
-              <a:rPr lang="en-US" sz="2300" dirty="0" err="1">
-                <a:latin typeface="Courier New" panose="02070309020205020404" pitchFamily="49" charset="0"/>
-                <a:cs typeface="Courier New" panose="02070309020205020404" pitchFamily="49" charset="0"/>
-              </a:rPr>
-              <a:t>table_name</a:t>
-            </a:r>
-            <a:r>
-              <a:rPr lang="en-US" sz="2300" dirty="0">
-                <a:latin typeface="Courier New" panose="02070309020205020404" pitchFamily="49" charset="0"/>
-                <a:cs typeface="Courier New" panose="02070309020205020404" pitchFamily="49" charset="0"/>
-              </a:rPr>
-              <a:t>&gt;: show SPD information of an object</a:t>
-            </a:r>
-          </a:p>
-          <a:p>
-            <a:r>
-              <a:rPr lang="en-US" sz="2300" dirty="0">
-                <a:latin typeface="Courier New" panose="02070309020205020404" pitchFamily="49" charset="0"/>
-                <a:cs typeface="Courier New" panose="02070309020205020404" pitchFamily="49" charset="0"/>
-              </a:rPr>
-              <a:t>Ora/sys </a:t>
-            </a:r>
-            <a:r>
-              <a:rPr lang="en-US" sz="2300" dirty="0" err="1">
-                <a:latin typeface="Courier New" panose="02070309020205020404" pitchFamily="49" charset="0"/>
-                <a:cs typeface="Courier New" panose="02070309020205020404" pitchFamily="49" charset="0"/>
-              </a:rPr>
-              <a:t>liblock</a:t>
-            </a:r>
-            <a:r>
-              <a:rPr lang="en-US" sz="2300" dirty="0">
-                <a:latin typeface="Courier New" panose="02070309020205020404" pitchFamily="49" charset="0"/>
-                <a:cs typeface="Courier New" panose="02070309020205020404" pitchFamily="49" charset="0"/>
-              </a:rPr>
-              <a:t> [[owner.]&lt;</a:t>
-            </a:r>
-            <a:r>
-              <a:rPr lang="en-US" sz="2300" dirty="0" err="1">
-                <a:latin typeface="Courier New" panose="02070309020205020404" pitchFamily="49" charset="0"/>
-                <a:cs typeface="Courier New" panose="02070309020205020404" pitchFamily="49" charset="0"/>
-              </a:rPr>
-              <a:t>object_name</a:t>
-            </a:r>
-            <a:r>
-              <a:rPr lang="en-US" sz="2300" dirty="0">
-                <a:latin typeface="Courier New" panose="02070309020205020404" pitchFamily="49" charset="0"/>
-                <a:cs typeface="Courier New" panose="02070309020205020404" pitchFamily="49" charset="0"/>
-              </a:rPr>
-              <a:t>&gt;]: show library cache lock</a:t>
-            </a:r>
-          </a:p>
-          <a:p>
-            <a:r>
-              <a:rPr lang="en-US" sz="2300" dirty="0">
-                <a:latin typeface="Courier New" panose="02070309020205020404" pitchFamily="49" charset="0"/>
-                <a:cs typeface="Courier New" panose="02070309020205020404" pitchFamily="49" charset="0"/>
-              </a:rPr>
-              <a:t>Show </a:t>
-            </a:r>
-            <a:r>
-              <a:rPr lang="en-US" sz="2300" dirty="0" err="1">
-                <a:latin typeface="Courier New" panose="02070309020205020404" pitchFamily="49" charset="0"/>
-                <a:cs typeface="Courier New" panose="02070309020205020404" pitchFamily="49" charset="0"/>
-              </a:rPr>
-              <a:t>lockobj</a:t>
-            </a:r>
-            <a:r>
-              <a:rPr lang="en-US" sz="2300" dirty="0">
-                <a:latin typeface="Courier New" panose="02070309020205020404" pitchFamily="49" charset="0"/>
-                <a:cs typeface="Courier New" panose="02070309020205020404" pitchFamily="49" charset="0"/>
-              </a:rPr>
-              <a:t>: show DML lock information</a:t>
-            </a:r>
-          </a:p>
-          <a:p>
-            <a:r>
-              <a:rPr lang="en-US" sz="2300" dirty="0">
-                <a:latin typeface="Courier New" panose="02070309020205020404" pitchFamily="49" charset="0"/>
-                <a:cs typeface="Courier New" panose="02070309020205020404" pitchFamily="49" charset="0"/>
-              </a:rPr>
-              <a:t>Show waiters: show blocking information</a:t>
-            </a:r>
-          </a:p>
-          <a:p>
-            <a:r>
-              <a:rPr lang="en-US" sz="2300" dirty="0">
-                <a:latin typeface="Courier New" panose="02070309020205020404" pitchFamily="49" charset="0"/>
-                <a:cs typeface="Courier New" panose="02070309020205020404" pitchFamily="49" charset="0"/>
-              </a:rPr>
-              <a:t>Show </a:t>
-            </a:r>
-            <a:r>
-              <a:rPr lang="en-US" sz="2300" dirty="0" err="1">
-                <a:latin typeface="Courier New" panose="02070309020205020404" pitchFamily="49" charset="0"/>
-                <a:cs typeface="Courier New" panose="02070309020205020404" pitchFamily="49" charset="0"/>
-              </a:rPr>
-              <a:t>waitchain</a:t>
-            </a:r>
-            <a:r>
-              <a:rPr lang="en-US" sz="2300" dirty="0">
-                <a:latin typeface="Courier New" panose="02070309020205020404" pitchFamily="49" charset="0"/>
-                <a:cs typeface="Courier New" panose="02070309020205020404" pitchFamily="49" charset="0"/>
-              </a:rPr>
-              <a:t>: show blocking information</a:t>
-            </a:r>
-          </a:p>
-          <a:p>
-            <a:r>
-              <a:rPr lang="en-US" sz="2300" dirty="0">
-                <a:latin typeface="Courier New" panose="02070309020205020404" pitchFamily="49" charset="0"/>
-                <a:cs typeface="Courier New" panose="02070309020205020404" pitchFamily="49" charset="0"/>
-              </a:rPr>
-              <a:t>Show trans: show running transactions</a:t>
-            </a:r>
-          </a:p>
-          <a:p>
-            <a:endParaRPr lang="en-US" dirty="0"/>
-          </a:p>
-          <a:p>
-            <a:endParaRPr lang="en-US" dirty="0"/>
+              <a:rPr lang="en-US" altLang="zh-CN" dirty="0"/>
+              <a:t>JSON/Lua format, to compute the delta values of the same queries in a specific period, support Linux top-style output</a:t>
+            </a:r>
+          </a:p>
+          <a:p>
+            <a:pPr lvl="1"/>
+            <a:r>
+              <a:rPr lang="en-US" dirty="0"/>
+              <a:t>Graphing engine(</a:t>
+            </a:r>
+            <a:r>
+              <a:rPr lang="en-US" b="1" dirty="0">
+                <a:solidFill>
+                  <a:schemeClr val="accent1">
+                    <a:lumMod val="75000"/>
+                  </a:schemeClr>
+                </a:solidFill>
+              </a:rPr>
+              <a:t>chart/</a:t>
+            </a:r>
+            <a:r>
+              <a:rPr lang="en-US" b="1" dirty="0" err="1">
+                <a:solidFill>
+                  <a:schemeClr val="accent1">
+                    <a:lumMod val="75000"/>
+                  </a:schemeClr>
+                </a:solidFill>
+              </a:rPr>
+              <a:t>ch</a:t>
+            </a:r>
+            <a:r>
+              <a:rPr lang="en-US" dirty="0"/>
+              <a:t>): </a:t>
+            </a:r>
+            <a:r>
+              <a:rPr lang="en-US" altLang="zh-CN" dirty="0"/>
+              <a:t>JSON/Lua format, to</a:t>
+            </a:r>
+            <a:r>
+              <a:rPr lang="en-US" dirty="0"/>
+              <a:t> generate line/bar chart of the time-series data, mainly used on AWR data</a:t>
+            </a:r>
           </a:p>
         </p:txBody>
       </p:sp>
     </p:spTree>
     <p:extLst>
       <p:ext uri="{BB962C8B-B14F-4D97-AF65-F5344CB8AC3E}">
-        <p14:creationId xmlns:p14="http://schemas.microsoft.com/office/powerpoint/2010/main" val="2093610832"/>
+        <p14:creationId xmlns:p14="http://schemas.microsoft.com/office/powerpoint/2010/main" val="1687118102"/>
       </p:ext>
     </p:extLst>
   </p:cSld>
@@ -19187,6 +18066,938 @@
       </p:grpSpPr>
       <p:sp>
         <p:nvSpPr>
+          <p:cNvPr id="2" name="标题 1">
+            <a:extLst>
+              <a:ext uri="{FF2B5EF4-FFF2-40B4-BE49-F238E27FC236}">
+                <a16:creationId xmlns:a16="http://schemas.microsoft.com/office/drawing/2014/main" id="{62074AD1-1FE7-4190-9345-65532ED6F564}"/>
+              </a:ext>
+            </a:extLst>
+          </p:cNvPr>
+          <p:cNvSpPr>
+            <a:spLocks noGrp="1"/>
+          </p:cNvSpPr>
+          <p:nvPr>
+            <p:ph type="title"/>
+          </p:nvPr>
+        </p:nvSpPr>
+        <p:spPr>
+          <a:xfrm>
+            <a:off x="838200" y="156308"/>
+            <a:ext cx="10515600" cy="593970"/>
+          </a:xfrm>
+        </p:spPr>
+        <p:txBody>
+          <a:bodyPr>
+            <a:normAutofit fontScale="90000"/>
+          </a:bodyPr>
+          <a:lstStyle/>
+          <a:p>
+            <a:r>
+              <a:rPr lang="en-US" dirty="0"/>
+              <a:t>Common Pre-defined Scripts (1)</a:t>
+            </a:r>
+          </a:p>
+        </p:txBody>
+      </p:sp>
+      <p:sp>
+        <p:nvSpPr>
+          <p:cNvPr id="3" name="内容占位符 2">
+            <a:extLst>
+              <a:ext uri="{FF2B5EF4-FFF2-40B4-BE49-F238E27FC236}">
+                <a16:creationId xmlns:a16="http://schemas.microsoft.com/office/drawing/2014/main" id="{0F62E6C0-2DDF-4F51-A1B5-1DA4F66A4097}"/>
+              </a:ext>
+            </a:extLst>
+          </p:cNvPr>
+          <p:cNvSpPr>
+            <a:spLocks noGrp="1"/>
+          </p:cNvSpPr>
+          <p:nvPr>
+            <p:ph idx="1"/>
+          </p:nvPr>
+        </p:nvSpPr>
+        <p:spPr>
+          <a:xfrm>
+            <a:off x="838200" y="859692"/>
+            <a:ext cx="10515600" cy="5841999"/>
+          </a:xfrm>
+        </p:spPr>
+        <p:txBody>
+          <a:bodyPr>
+            <a:normAutofit fontScale="40000" lnSpcReduction="20000"/>
+          </a:bodyPr>
+          <a:lstStyle/>
+          <a:p>
+            <a:pPr marL="0" indent="0">
+              <a:buNone/>
+            </a:pPr>
+            <a:r>
+              <a:rPr lang="en-US" b="1" dirty="0">
+                <a:solidFill>
+                  <a:srgbClr val="FF0000"/>
+                </a:solidFill>
+              </a:rPr>
+              <a:t>*  Note</a:t>
+            </a:r>
+            <a:r>
+              <a:rPr lang="en-US" b="1" dirty="0"/>
+              <a:t>: </a:t>
+            </a:r>
+            <a:r>
+              <a:rPr lang="en-US" b="1" dirty="0">
+                <a:solidFill>
+                  <a:schemeClr val="accent1">
+                    <a:lumMod val="75000"/>
+                  </a:schemeClr>
+                </a:solidFill>
+              </a:rPr>
+              <a:t>[…]</a:t>
+            </a:r>
+            <a:r>
+              <a:rPr lang="en-US" b="1" dirty="0"/>
+              <a:t> means optional, </a:t>
+            </a:r>
+            <a:r>
+              <a:rPr lang="en-US" b="1" dirty="0">
+                <a:solidFill>
+                  <a:srgbClr val="0070C0"/>
+                </a:solidFill>
+              </a:rPr>
+              <a:t>|</a:t>
+            </a:r>
+            <a:r>
+              <a:rPr lang="en-US" b="1" dirty="0"/>
+              <a:t> means “OR”</a:t>
+            </a:r>
+          </a:p>
+          <a:p>
+            <a:r>
+              <a:rPr lang="en-US" sz="2300" dirty="0">
+                <a:latin typeface="Courier New" panose="02070309020205020404" pitchFamily="49" charset="0"/>
+                <a:cs typeface="Courier New" panose="02070309020205020404" pitchFamily="49" charset="0"/>
+              </a:rPr>
+              <a:t>top [interval] [-</a:t>
+            </a:r>
+            <a:r>
+              <a:rPr lang="en-US" sz="2300" dirty="0" err="1">
+                <a:latin typeface="Courier New" panose="02070309020205020404" pitchFamily="49" charset="0"/>
+                <a:cs typeface="Courier New" panose="02070309020205020404" pitchFamily="49" charset="0"/>
+              </a:rPr>
+              <a:t>iostat</a:t>
+            </a:r>
+            <a:r>
+              <a:rPr lang="en-US" sz="2300" dirty="0">
+                <a:latin typeface="Courier New" panose="02070309020205020404" pitchFamily="49" charset="0"/>
+                <a:cs typeface="Courier New" panose="02070309020205020404" pitchFamily="49" charset="0"/>
+              </a:rPr>
+              <a:t>|-latch] [-</a:t>
+            </a:r>
+            <a:r>
+              <a:rPr lang="en-US" sz="2300" dirty="0" err="1">
+                <a:latin typeface="Courier New" panose="02070309020205020404" pitchFamily="49" charset="0"/>
+                <a:cs typeface="Courier New" panose="02070309020205020404" pitchFamily="49" charset="0"/>
+              </a:rPr>
+              <a:t>filestat</a:t>
+            </a:r>
+            <a:r>
+              <a:rPr lang="en-US" sz="2300" dirty="0">
+                <a:latin typeface="Courier New" panose="02070309020205020404" pitchFamily="49" charset="0"/>
+                <a:cs typeface="Courier New" panose="02070309020205020404" pitchFamily="49" charset="0"/>
+              </a:rPr>
+              <a:t>]: monitor db stats with specific interval, default is 10 seconds</a:t>
+            </a:r>
+          </a:p>
+          <a:p>
+            <a:r>
+              <a:rPr lang="en-US" sz="2300" dirty="0" err="1">
+                <a:latin typeface="Courier New" panose="02070309020205020404" pitchFamily="49" charset="0"/>
+                <a:cs typeface="Courier New" panose="02070309020205020404" pitchFamily="49" charset="0"/>
+              </a:rPr>
+              <a:t>cellio</a:t>
+            </a:r>
+            <a:r>
+              <a:rPr lang="en-US" sz="2300" dirty="0">
+                <a:latin typeface="Courier New" panose="02070309020205020404" pitchFamily="49" charset="0"/>
+                <a:cs typeface="Courier New" panose="02070309020205020404" pitchFamily="49" charset="0"/>
+              </a:rPr>
+              <a:t> [interval] </a:t>
+            </a:r>
+            <a:r>
+              <a:rPr lang="nb-NO" sz="2300" dirty="0">
+                <a:latin typeface="Courier New" panose="02070309020205020404" pitchFamily="49" charset="0"/>
+                <a:cs typeface="Courier New" panose="02070309020205020404" pitchFamily="49" charset="0"/>
+              </a:rPr>
+              <a:t>[-pred|-cc|-db] [-cell] [-diskio] </a:t>
+            </a:r>
+            <a:r>
+              <a:rPr lang="en-US" sz="2300" dirty="0">
+                <a:latin typeface="Courier New" panose="02070309020205020404" pitchFamily="49" charset="0"/>
+                <a:cs typeface="Courier New" panose="02070309020205020404" pitchFamily="49" charset="0"/>
+              </a:rPr>
+              <a:t>: monitor Exadata cell stats with specific interval, default is 20 seconds</a:t>
+            </a:r>
+          </a:p>
+          <a:p>
+            <a:r>
+              <a:rPr lang="en-US" sz="2300" dirty="0">
+                <a:latin typeface="Courier New" panose="02070309020205020404" pitchFamily="49" charset="0"/>
+                <a:cs typeface="Courier New" panose="02070309020205020404" pitchFamily="49" charset="0"/>
+              </a:rPr>
+              <a:t>Exa cell: show Exadata information</a:t>
+            </a:r>
+          </a:p>
+          <a:p>
+            <a:r>
+              <a:rPr lang="en-US" sz="2300" dirty="0">
+                <a:latin typeface="Courier New" panose="02070309020205020404" pitchFamily="49" charset="0"/>
+                <a:cs typeface="Courier New" panose="02070309020205020404" pitchFamily="49" charset="0"/>
+              </a:rPr>
+              <a:t>Ora/sys param &lt;keyword&gt;: show parameters that match the keyword</a:t>
+            </a:r>
+          </a:p>
+          <a:p>
+            <a:r>
+              <a:rPr lang="en-US" sz="2300" dirty="0">
+                <a:latin typeface="Courier New" panose="02070309020205020404" pitchFamily="49" charset="0"/>
+                <a:cs typeface="Courier New" panose="02070309020205020404" pitchFamily="49" charset="0"/>
+              </a:rPr>
+              <a:t>Ora tbs [&lt;</a:t>
+            </a:r>
+            <a:r>
+              <a:rPr lang="en-US" sz="2300" dirty="0" err="1">
+                <a:latin typeface="Courier New" panose="02070309020205020404" pitchFamily="49" charset="0"/>
+                <a:cs typeface="Courier New" panose="02070309020205020404" pitchFamily="49" charset="0"/>
+              </a:rPr>
+              <a:t>tablespace_name</a:t>
+            </a:r>
+            <a:r>
+              <a:rPr lang="en-US" sz="2300" dirty="0">
+                <a:latin typeface="Courier New" panose="02070309020205020404" pitchFamily="49" charset="0"/>
+                <a:cs typeface="Courier New" panose="02070309020205020404" pitchFamily="49" charset="0"/>
+              </a:rPr>
+              <a:t>&gt;]: show tablespace usages</a:t>
+            </a:r>
+          </a:p>
+          <a:p>
+            <a:r>
+              <a:rPr lang="en-US" sz="2300" dirty="0">
+                <a:latin typeface="Courier New" panose="02070309020205020404" pitchFamily="49" charset="0"/>
+                <a:cs typeface="Courier New" panose="02070309020205020404" pitchFamily="49" charset="0"/>
+              </a:rPr>
+              <a:t>ora actives [-b|-p|-m]: list active SQLs</a:t>
+            </a:r>
+          </a:p>
+          <a:p>
+            <a:r>
+              <a:rPr lang="en-US" sz="2300" dirty="0">
+                <a:latin typeface="Courier New" panose="02070309020205020404" pitchFamily="49" charset="0"/>
+                <a:cs typeface="Courier New" panose="02070309020205020404" pitchFamily="49" charset="0"/>
+              </a:rPr>
+              <a:t>ora plan &lt;</a:t>
+            </a:r>
+            <a:r>
+              <a:rPr lang="en-US" sz="2300" dirty="0" err="1">
+                <a:latin typeface="Courier New" panose="02070309020205020404" pitchFamily="49" charset="0"/>
+                <a:cs typeface="Courier New" panose="02070309020205020404" pitchFamily="49" charset="0"/>
+              </a:rPr>
+              <a:t>sql_id</a:t>
+            </a:r>
+            <a:r>
+              <a:rPr lang="en-US" sz="2300" dirty="0">
+                <a:latin typeface="Courier New" panose="02070309020205020404" pitchFamily="49" charset="0"/>
+                <a:cs typeface="Courier New" panose="02070309020205020404" pitchFamily="49" charset="0"/>
+              </a:rPr>
+              <a:t>&gt; &lt;</a:t>
+            </a:r>
+            <a:r>
+              <a:rPr lang="en-US" sz="2300" dirty="0" err="1">
+                <a:latin typeface="Courier New" panose="02070309020205020404" pitchFamily="49" charset="0"/>
+                <a:cs typeface="Courier New" panose="02070309020205020404" pitchFamily="49" charset="0"/>
+              </a:rPr>
+              <a:t>plan_hash_value</a:t>
+            </a:r>
+            <a:r>
+              <a:rPr lang="en-US" sz="2300" dirty="0">
+                <a:latin typeface="Courier New" panose="02070309020205020404" pitchFamily="49" charset="0"/>
+                <a:cs typeface="Courier New" panose="02070309020205020404" pitchFamily="49" charset="0"/>
+              </a:rPr>
+              <a:t>&gt;: show execution plan</a:t>
+            </a:r>
+          </a:p>
+          <a:p>
+            <a:r>
+              <a:rPr lang="en-US" sz="2300" dirty="0">
+                <a:latin typeface="Courier New" panose="02070309020205020404" pitchFamily="49" charset="0"/>
+                <a:cs typeface="Courier New" panose="02070309020205020404" pitchFamily="49" charset="0"/>
+              </a:rPr>
+              <a:t>ora sql &lt;</a:t>
+            </a:r>
+            <a:r>
+              <a:rPr lang="en-US" sz="2300" dirty="0" err="1">
+                <a:latin typeface="Courier New" panose="02070309020205020404" pitchFamily="49" charset="0"/>
+                <a:cs typeface="Courier New" panose="02070309020205020404" pitchFamily="49" charset="0"/>
+              </a:rPr>
+              <a:t>sql_id</a:t>
+            </a:r>
+            <a:r>
+              <a:rPr lang="en-US" sz="2300" dirty="0">
+                <a:latin typeface="Courier New" panose="02070309020205020404" pitchFamily="49" charset="0"/>
+                <a:cs typeface="Courier New" panose="02070309020205020404" pitchFamily="49" charset="0"/>
+              </a:rPr>
+              <a:t>&gt;: show SQL text and stats</a:t>
+            </a:r>
+          </a:p>
+          <a:p>
+            <a:r>
+              <a:rPr lang="en-US" sz="2300" dirty="0">
+                <a:latin typeface="Courier New" panose="02070309020205020404" pitchFamily="49" charset="0"/>
+                <a:cs typeface="Courier New" panose="02070309020205020404" pitchFamily="49" charset="0"/>
+              </a:rPr>
+              <a:t>Ora </a:t>
+            </a:r>
+            <a:r>
+              <a:rPr lang="en-US" sz="2300" dirty="0" err="1">
+                <a:latin typeface="Courier New" panose="02070309020205020404" pitchFamily="49" charset="0"/>
+                <a:cs typeface="Courier New" panose="02070309020205020404" pitchFamily="49" charset="0"/>
+              </a:rPr>
+              <a:t>sqlm</a:t>
+            </a:r>
+            <a:r>
+              <a:rPr lang="en-US" sz="2300" dirty="0">
+                <a:latin typeface="Courier New" panose="02070309020205020404" pitchFamily="49" charset="0"/>
+                <a:cs typeface="Courier New" panose="02070309020205020404" pitchFamily="49" charset="0"/>
+              </a:rPr>
+              <a:t> [&lt;</a:t>
+            </a:r>
+            <a:r>
+              <a:rPr lang="en-US" sz="2300" dirty="0" err="1">
+                <a:latin typeface="Courier New" panose="02070309020205020404" pitchFamily="49" charset="0"/>
+                <a:cs typeface="Courier New" panose="02070309020205020404" pitchFamily="49" charset="0"/>
+              </a:rPr>
+              <a:t>sql_id</a:t>
+            </a:r>
+            <a:r>
+              <a:rPr lang="en-US" sz="2300" dirty="0">
+                <a:latin typeface="Courier New" panose="02070309020205020404" pitchFamily="49" charset="0"/>
+                <a:cs typeface="Courier New" panose="02070309020205020404" pitchFamily="49" charset="0"/>
+              </a:rPr>
+              <a:t>&gt; [</a:t>
+            </a:r>
+            <a:r>
+              <a:rPr lang="en-US" sz="2300" dirty="0" err="1">
+                <a:latin typeface="Courier New" panose="02070309020205020404" pitchFamily="49" charset="0"/>
+                <a:cs typeface="Courier New" panose="02070309020205020404" pitchFamily="49" charset="0"/>
+              </a:rPr>
+              <a:t>sql_exec_id</a:t>
+            </a:r>
+            <a:r>
+              <a:rPr lang="en-US" sz="2300" dirty="0">
+                <a:latin typeface="Courier New" panose="02070309020205020404" pitchFamily="49" charset="0"/>
+                <a:cs typeface="Courier New" panose="02070309020205020404" pitchFamily="49" charset="0"/>
+              </a:rPr>
+              <a:t>][-l]]: show sql monitor list, or extract SQL Monitor report. Type ‘help ora </a:t>
+            </a:r>
+            <a:r>
+              <a:rPr lang="en-US" sz="2300" dirty="0" err="1">
+                <a:latin typeface="Courier New" panose="02070309020205020404" pitchFamily="49" charset="0"/>
+                <a:cs typeface="Courier New" panose="02070309020205020404" pitchFamily="49" charset="0"/>
+              </a:rPr>
+              <a:t>sqlm</a:t>
+            </a:r>
+            <a:r>
+              <a:rPr lang="en-US" sz="2300" dirty="0">
+                <a:latin typeface="Courier New" panose="02070309020205020404" pitchFamily="49" charset="0"/>
+                <a:cs typeface="Courier New" panose="02070309020205020404" pitchFamily="49" charset="0"/>
+              </a:rPr>
+              <a:t>’ for more usages.</a:t>
+            </a:r>
+          </a:p>
+          <a:p>
+            <a:r>
+              <a:rPr lang="en-US" sz="2300" dirty="0">
+                <a:latin typeface="Courier New" panose="02070309020205020404" pitchFamily="49" charset="0"/>
+                <a:cs typeface="Courier New" panose="02070309020205020404" pitchFamily="49" charset="0"/>
+              </a:rPr>
+              <a:t>Ora </a:t>
+            </a:r>
+            <a:r>
+              <a:rPr lang="en-US" sz="2300" dirty="0" err="1">
+                <a:latin typeface="Courier New" panose="02070309020205020404" pitchFamily="49" charset="0"/>
+                <a:cs typeface="Courier New" panose="02070309020205020404" pitchFamily="49" charset="0"/>
+              </a:rPr>
+              <a:t>ashplan</a:t>
+            </a:r>
+            <a:r>
+              <a:rPr lang="en-US" sz="2300" dirty="0">
+                <a:latin typeface="Courier New" panose="02070309020205020404" pitchFamily="49" charset="0"/>
+                <a:cs typeface="Courier New" panose="02070309020205020404" pitchFamily="49" charset="0"/>
+              </a:rPr>
+              <a:t> &lt;</a:t>
+            </a:r>
+            <a:r>
+              <a:rPr lang="en-US" sz="2300" dirty="0" err="1">
+                <a:latin typeface="Courier New" panose="02070309020205020404" pitchFamily="49" charset="0"/>
+                <a:cs typeface="Courier New" panose="02070309020205020404" pitchFamily="49" charset="0"/>
+              </a:rPr>
+              <a:t>sql_id</a:t>
+            </a:r>
+            <a:r>
+              <a:rPr lang="en-US" sz="2300" dirty="0">
+                <a:latin typeface="Courier New" panose="02070309020205020404" pitchFamily="49" charset="0"/>
+                <a:cs typeface="Courier New" panose="02070309020205020404" pitchFamily="49" charset="0"/>
+              </a:rPr>
+              <a:t>&gt; [</a:t>
+            </a:r>
+            <a:r>
+              <a:rPr lang="en-US" sz="2300" dirty="0" err="1">
+                <a:latin typeface="Courier New" panose="02070309020205020404" pitchFamily="49" charset="0"/>
+                <a:cs typeface="Courier New" panose="02070309020205020404" pitchFamily="49" charset="0"/>
+              </a:rPr>
+              <a:t>plan_hash_value</a:t>
+            </a:r>
+            <a:r>
+              <a:rPr lang="en-US" sz="2300" dirty="0">
+                <a:latin typeface="Courier New" panose="02070309020205020404" pitchFamily="49" charset="0"/>
+                <a:cs typeface="Courier New" panose="02070309020205020404" pitchFamily="49" charset="0"/>
+              </a:rPr>
+              <a:t>] [-dash]:</a:t>
+            </a:r>
+            <a:r>
+              <a:rPr lang="zh-CN" altLang="en-US" sz="2300" dirty="0">
+                <a:latin typeface="Courier New" panose="02070309020205020404" pitchFamily="49" charset="0"/>
+                <a:cs typeface="Courier New" panose="02070309020205020404" pitchFamily="49" charset="0"/>
+              </a:rPr>
+              <a:t> </a:t>
+            </a:r>
+            <a:r>
+              <a:rPr lang="en-US" altLang="zh-CN" sz="2300" dirty="0">
+                <a:latin typeface="Courier New" panose="02070309020205020404" pitchFamily="49" charset="0"/>
+                <a:cs typeface="Courier New" panose="02070309020205020404" pitchFamily="49" charset="0"/>
+              </a:rPr>
+              <a:t>show</a:t>
+            </a:r>
+            <a:r>
+              <a:rPr lang="zh-CN" altLang="en-US" sz="2300" dirty="0">
+                <a:latin typeface="Courier New" panose="02070309020205020404" pitchFamily="49" charset="0"/>
+                <a:cs typeface="Courier New" panose="02070309020205020404" pitchFamily="49" charset="0"/>
+              </a:rPr>
+              <a:t> </a:t>
+            </a:r>
+            <a:r>
+              <a:rPr lang="en-US" altLang="zh-CN" sz="2300" dirty="0">
+                <a:latin typeface="Courier New" panose="02070309020205020404" pitchFamily="49" charset="0"/>
+                <a:cs typeface="Courier New" panose="02070309020205020404" pitchFamily="49" charset="0"/>
+              </a:rPr>
+              <a:t>sql plan + aggregated ash cost of all executions of the same </a:t>
+            </a:r>
+            <a:r>
+              <a:rPr lang="en-US" altLang="zh-CN" sz="2300" dirty="0" err="1">
+                <a:latin typeface="Courier New" panose="02070309020205020404" pitchFamily="49" charset="0"/>
+                <a:cs typeface="Courier New" panose="02070309020205020404" pitchFamily="49" charset="0"/>
+              </a:rPr>
+              <a:t>phv</a:t>
+            </a:r>
+            <a:endParaRPr lang="en-US" altLang="zh-CN" sz="2300" dirty="0">
+              <a:latin typeface="Courier New" panose="02070309020205020404" pitchFamily="49" charset="0"/>
+              <a:cs typeface="Courier New" panose="02070309020205020404" pitchFamily="49" charset="0"/>
+            </a:endParaRPr>
+          </a:p>
+          <a:p>
+            <a:r>
+              <a:rPr lang="en-US" sz="2300" dirty="0">
+                <a:latin typeface="Courier New" panose="02070309020205020404" pitchFamily="49" charset="0"/>
+                <a:cs typeface="Courier New" panose="02070309020205020404" pitchFamily="49" charset="0"/>
+              </a:rPr>
+              <a:t>Ora </a:t>
+            </a:r>
+            <a:r>
+              <a:rPr lang="en-US" sz="2300" dirty="0" err="1">
+                <a:latin typeface="Courier New" panose="02070309020205020404" pitchFamily="49" charset="0"/>
+                <a:cs typeface="Courier New" panose="02070309020205020404" pitchFamily="49" charset="0"/>
+              </a:rPr>
+              <a:t>ashchain</a:t>
+            </a:r>
+            <a:r>
+              <a:rPr lang="en-US" sz="2300" dirty="0">
+                <a:latin typeface="Courier New" panose="02070309020205020404" pitchFamily="49" charset="0"/>
+                <a:cs typeface="Courier New" panose="02070309020205020404" pitchFamily="49" charset="0"/>
+              </a:rPr>
+              <a:t> [&lt;</a:t>
+            </a:r>
+            <a:r>
+              <a:rPr lang="en-US" sz="2300" dirty="0" err="1">
+                <a:latin typeface="Courier New" panose="02070309020205020404" pitchFamily="49" charset="0"/>
+                <a:cs typeface="Courier New" panose="02070309020205020404" pitchFamily="49" charset="0"/>
+              </a:rPr>
+              <a:t>sql_id</a:t>
+            </a:r>
+            <a:r>
+              <a:rPr lang="en-US" sz="2300" dirty="0">
+                <a:latin typeface="Courier New" panose="02070309020205020404" pitchFamily="49" charset="0"/>
+                <a:cs typeface="Courier New" panose="02070309020205020404" pitchFamily="49" charset="0"/>
+              </a:rPr>
+              <a:t>&gt;|&lt;sid&gt;] [-sid|-p] [-flat]:  An enhancement of </a:t>
+            </a:r>
+            <a:r>
+              <a:rPr lang="en-US" sz="2300" dirty="0" err="1">
+                <a:latin typeface="Courier New" panose="02070309020205020404" pitchFamily="49" charset="0"/>
+                <a:cs typeface="Courier New" panose="02070309020205020404" pitchFamily="49" charset="0"/>
+              </a:rPr>
+              <a:t>Tanel</a:t>
+            </a:r>
+            <a:r>
+              <a:rPr lang="en-US" sz="2300" dirty="0">
+                <a:latin typeface="Courier New" panose="02070309020205020404" pitchFamily="49" charset="0"/>
+                <a:cs typeface="Courier New" panose="02070309020205020404" pitchFamily="49" charset="0"/>
+              </a:rPr>
+              <a:t> </a:t>
+            </a:r>
+            <a:r>
+              <a:rPr lang="en-US" sz="2300" dirty="0" err="1">
+                <a:latin typeface="Courier New" panose="02070309020205020404" pitchFamily="49" charset="0"/>
+                <a:cs typeface="Courier New" panose="02070309020205020404" pitchFamily="49" charset="0"/>
+              </a:rPr>
+              <a:t>Poder’s</a:t>
+            </a:r>
+            <a:r>
+              <a:rPr lang="en-US" sz="2300" dirty="0">
+                <a:latin typeface="Courier New" panose="02070309020205020404" pitchFamily="49" charset="0"/>
+                <a:cs typeface="Courier New" panose="02070309020205020404" pitchFamily="49" charset="0"/>
+              </a:rPr>
+              <a:t> script to see blocking information of ASH</a:t>
+            </a:r>
+          </a:p>
+          <a:p>
+            <a:r>
+              <a:rPr lang="en-US" sz="2300" dirty="0">
+                <a:latin typeface="Courier New" panose="02070309020205020404" pitchFamily="49" charset="0"/>
+                <a:cs typeface="Courier New" panose="02070309020205020404" pitchFamily="49" charset="0"/>
+              </a:rPr>
+              <a:t>Ora </a:t>
+            </a:r>
+            <a:r>
+              <a:rPr lang="en-US" sz="2300" dirty="0" err="1">
+                <a:latin typeface="Courier New" panose="02070309020205020404" pitchFamily="49" charset="0"/>
+                <a:cs typeface="Courier New" panose="02070309020205020404" pitchFamily="49" charset="0"/>
+              </a:rPr>
+              <a:t>ashtop</a:t>
+            </a:r>
+            <a:r>
+              <a:rPr lang="en-US" sz="2300" dirty="0">
+                <a:latin typeface="Courier New" panose="02070309020205020404" pitchFamily="49" charset="0"/>
+                <a:cs typeface="Courier New" panose="02070309020205020404" pitchFamily="49" charset="0"/>
+              </a:rPr>
+              <a:t> [&lt;</a:t>
+            </a:r>
+            <a:r>
+              <a:rPr lang="en-US" sz="2300" dirty="0" err="1">
+                <a:latin typeface="Courier New" panose="02070309020205020404" pitchFamily="49" charset="0"/>
+                <a:cs typeface="Courier New" panose="02070309020205020404" pitchFamily="49" charset="0"/>
+              </a:rPr>
+              <a:t>sql_id</a:t>
+            </a:r>
+            <a:r>
+              <a:rPr lang="en-US" sz="2300" dirty="0">
+                <a:latin typeface="Courier New" panose="02070309020205020404" pitchFamily="49" charset="0"/>
+                <a:cs typeface="Courier New" panose="02070309020205020404" pitchFamily="49" charset="0"/>
+              </a:rPr>
+              <a:t>&gt;] [-snap &lt;seconds&gt;] [-p|-o]: An enhancement of </a:t>
+            </a:r>
+            <a:r>
+              <a:rPr lang="en-US" sz="2300" dirty="0" err="1">
+                <a:latin typeface="Courier New" panose="02070309020205020404" pitchFamily="49" charset="0"/>
+                <a:cs typeface="Courier New" panose="02070309020205020404" pitchFamily="49" charset="0"/>
+              </a:rPr>
+              <a:t>Tanel</a:t>
+            </a:r>
+            <a:r>
+              <a:rPr lang="en-US" sz="2300" dirty="0">
+                <a:latin typeface="Courier New" panose="02070309020205020404" pitchFamily="49" charset="0"/>
+                <a:cs typeface="Courier New" panose="02070309020205020404" pitchFamily="49" charset="0"/>
+              </a:rPr>
+              <a:t> </a:t>
+            </a:r>
+            <a:r>
+              <a:rPr lang="en-US" sz="2300" dirty="0" err="1">
+                <a:latin typeface="Courier New" panose="02070309020205020404" pitchFamily="49" charset="0"/>
+                <a:cs typeface="Courier New" panose="02070309020205020404" pitchFamily="49" charset="0"/>
+              </a:rPr>
+              <a:t>Poder’s</a:t>
+            </a:r>
+            <a:r>
+              <a:rPr lang="en-US" sz="2300" dirty="0">
+                <a:latin typeface="Courier New" panose="02070309020205020404" pitchFamily="49" charset="0"/>
+                <a:cs typeface="Courier New" panose="02070309020205020404" pitchFamily="49" charset="0"/>
+              </a:rPr>
+              <a:t> script to see blocking information of ASH</a:t>
+            </a:r>
+          </a:p>
+          <a:p>
+            <a:r>
+              <a:rPr lang="en-US" sz="2300" dirty="0">
+                <a:latin typeface="Courier New" panose="02070309020205020404" pitchFamily="49" charset="0"/>
+                <a:cs typeface="Courier New" panose="02070309020205020404" pitchFamily="49" charset="0"/>
+              </a:rPr>
+              <a:t>Ora obj &lt;</a:t>
+            </a:r>
+            <a:r>
+              <a:rPr lang="en-US" sz="2300" dirty="0" err="1">
+                <a:latin typeface="Courier New" panose="02070309020205020404" pitchFamily="49" charset="0"/>
+                <a:cs typeface="Courier New" panose="02070309020205020404" pitchFamily="49" charset="0"/>
+              </a:rPr>
+              <a:t>object_id|data_object_id</a:t>
+            </a:r>
+            <a:r>
+              <a:rPr lang="en-US" sz="2300" dirty="0">
+                <a:latin typeface="Courier New" panose="02070309020205020404" pitchFamily="49" charset="0"/>
+                <a:cs typeface="Courier New" panose="02070309020205020404" pitchFamily="49" charset="0"/>
+              </a:rPr>
+              <a:t>|[owner.]</a:t>
+            </a:r>
+            <a:r>
+              <a:rPr lang="en-US" sz="2300" dirty="0" err="1">
+                <a:latin typeface="Courier New" panose="02070309020205020404" pitchFamily="49" charset="0"/>
+                <a:cs typeface="Courier New" panose="02070309020205020404" pitchFamily="49" charset="0"/>
+              </a:rPr>
+              <a:t>object_name</a:t>
+            </a:r>
+            <a:r>
+              <a:rPr lang="en-US" sz="2300" dirty="0">
+                <a:latin typeface="Courier New" panose="02070309020205020404" pitchFamily="49" charset="0"/>
+                <a:cs typeface="Courier New" panose="02070309020205020404" pitchFamily="49" charset="0"/>
+              </a:rPr>
+              <a:t>&gt;: Show information of an object</a:t>
+            </a:r>
+          </a:p>
+          <a:p>
+            <a:r>
+              <a:rPr lang="en-US" sz="2300" dirty="0">
+                <a:latin typeface="Courier New" panose="02070309020205020404" pitchFamily="49" charset="0"/>
+                <a:cs typeface="Courier New" panose="02070309020205020404" pitchFamily="49" charset="0"/>
+              </a:rPr>
+              <a:t>Ora search &lt;keyword&gt;: search object with specific keyword</a:t>
+            </a:r>
+          </a:p>
+          <a:p>
+            <a:r>
+              <a:rPr lang="en-US" sz="2300" dirty="0">
+                <a:latin typeface="Courier New" panose="02070309020205020404" pitchFamily="49" charset="0"/>
+                <a:cs typeface="Courier New" panose="02070309020205020404" pitchFamily="49" charset="0"/>
+              </a:rPr>
+              <a:t>Ora size [owner.]&lt;</a:t>
+            </a:r>
+            <a:r>
+              <a:rPr lang="en-US" sz="2300" dirty="0" err="1">
+                <a:latin typeface="Courier New" panose="02070309020205020404" pitchFamily="49" charset="0"/>
+                <a:cs typeface="Courier New" panose="02070309020205020404" pitchFamily="49" charset="0"/>
+              </a:rPr>
+              <a:t>object_name</a:t>
+            </a:r>
+            <a:r>
+              <a:rPr lang="en-US" sz="2300" dirty="0">
+                <a:latin typeface="Courier New" panose="02070309020205020404" pitchFamily="49" charset="0"/>
+                <a:cs typeface="Courier New" panose="02070309020205020404" pitchFamily="49" charset="0"/>
+              </a:rPr>
+              <a:t>&gt;: show space usage of an object</a:t>
+            </a:r>
+          </a:p>
+          <a:p>
+            <a:r>
+              <a:rPr lang="en-US" sz="2300" dirty="0">
+                <a:latin typeface="Courier New" panose="02070309020205020404" pitchFamily="49" charset="0"/>
+                <a:cs typeface="Courier New" panose="02070309020205020404" pitchFamily="49" charset="0"/>
+              </a:rPr>
+              <a:t>Ora space [owner.]&lt;</a:t>
+            </a:r>
+            <a:r>
+              <a:rPr lang="en-US" sz="2300" dirty="0" err="1">
+                <a:latin typeface="Courier New" panose="02070309020205020404" pitchFamily="49" charset="0"/>
+                <a:cs typeface="Courier New" panose="02070309020205020404" pitchFamily="49" charset="0"/>
+              </a:rPr>
+              <a:t>object_name</a:t>
+            </a:r>
+            <a:r>
+              <a:rPr lang="en-US" sz="2300" dirty="0">
+                <a:latin typeface="Courier New" panose="02070309020205020404" pitchFamily="49" charset="0"/>
+                <a:cs typeface="Courier New" panose="02070309020205020404" pitchFamily="49" charset="0"/>
+              </a:rPr>
+              <a:t>&gt; [-adv]: show detailed space usage of an object</a:t>
+            </a:r>
+          </a:p>
+          <a:p>
+            <a:r>
+              <a:rPr lang="en-US" sz="2300" dirty="0">
+                <a:latin typeface="Courier New" panose="02070309020205020404" pitchFamily="49" charset="0"/>
+                <a:cs typeface="Courier New" panose="02070309020205020404" pitchFamily="49" charset="0"/>
+              </a:rPr>
+              <a:t>Ora </a:t>
+            </a:r>
+            <a:r>
+              <a:rPr lang="en-US" sz="2300" dirty="0" err="1">
+                <a:latin typeface="Courier New" panose="02070309020205020404" pitchFamily="49" charset="0"/>
+                <a:cs typeface="Courier New" panose="02070309020205020404" pitchFamily="49" charset="0"/>
+              </a:rPr>
+              <a:t>ddl</a:t>
+            </a:r>
+            <a:r>
+              <a:rPr lang="en-US" sz="2300" dirty="0">
+                <a:latin typeface="Courier New" panose="02070309020205020404" pitchFamily="49" charset="0"/>
+                <a:cs typeface="Courier New" panose="02070309020205020404" pitchFamily="49" charset="0"/>
+              </a:rPr>
+              <a:t> [owner.]&lt;</a:t>
+            </a:r>
+            <a:r>
+              <a:rPr lang="en-US" sz="2300" dirty="0" err="1">
+                <a:latin typeface="Courier New" panose="02070309020205020404" pitchFamily="49" charset="0"/>
+                <a:cs typeface="Courier New" panose="02070309020205020404" pitchFamily="49" charset="0"/>
+              </a:rPr>
+              <a:t>object_name</a:t>
+            </a:r>
+            <a:r>
+              <a:rPr lang="en-US" sz="2300" dirty="0">
+                <a:latin typeface="Courier New" panose="02070309020205020404" pitchFamily="49" charset="0"/>
+                <a:cs typeface="Courier New" panose="02070309020205020404" pitchFamily="49" charset="0"/>
+              </a:rPr>
+              <a:t>&gt;: show </a:t>
+            </a:r>
+            <a:r>
+              <a:rPr lang="en-US" sz="2300" dirty="0" err="1">
+                <a:latin typeface="Courier New" panose="02070309020205020404" pitchFamily="49" charset="0"/>
+                <a:cs typeface="Courier New" panose="02070309020205020404" pitchFamily="49" charset="0"/>
+              </a:rPr>
+              <a:t>ddl</a:t>
+            </a:r>
+            <a:r>
+              <a:rPr lang="en-US" sz="2300" dirty="0">
+                <a:latin typeface="Courier New" panose="02070309020205020404" pitchFamily="49" charset="0"/>
+                <a:cs typeface="Courier New" panose="02070309020205020404" pitchFamily="49" charset="0"/>
+              </a:rPr>
+              <a:t> of an object</a:t>
+            </a:r>
+          </a:p>
+          <a:p>
+            <a:r>
+              <a:rPr lang="en-US" sz="2300" dirty="0">
+                <a:latin typeface="Courier New" panose="02070309020205020404" pitchFamily="49" charset="0"/>
+                <a:cs typeface="Courier New" panose="02070309020205020404" pitchFamily="49" charset="0"/>
+              </a:rPr>
+              <a:t>Ora stats [owner.]&lt;</a:t>
+            </a:r>
+            <a:r>
+              <a:rPr lang="en-US" sz="2300" dirty="0" err="1">
+                <a:latin typeface="Courier New" panose="02070309020205020404" pitchFamily="49" charset="0"/>
+                <a:cs typeface="Courier New" panose="02070309020205020404" pitchFamily="49" charset="0"/>
+              </a:rPr>
+              <a:t>table_name</a:t>
+            </a:r>
+            <a:r>
+              <a:rPr lang="en-US" sz="2300" dirty="0">
+                <a:latin typeface="Courier New" panose="02070309020205020404" pitchFamily="49" charset="0"/>
+                <a:cs typeface="Courier New" panose="02070309020205020404" pitchFamily="49" charset="0"/>
+              </a:rPr>
+              <a:t>&gt; [-advise]: show table stats or run statistics advisor</a:t>
+            </a:r>
+          </a:p>
+          <a:p>
+            <a:r>
+              <a:rPr lang="en-US" sz="2300" dirty="0">
+                <a:latin typeface="Courier New" panose="02070309020205020404" pitchFamily="49" charset="0"/>
+                <a:cs typeface="Courier New" panose="02070309020205020404" pitchFamily="49" charset="0"/>
+              </a:rPr>
+              <a:t>Ora histogram [owner.]&lt;</a:t>
+            </a:r>
+            <a:r>
+              <a:rPr lang="en-US" sz="2300" dirty="0" err="1">
+                <a:latin typeface="Courier New" panose="02070309020205020404" pitchFamily="49" charset="0"/>
+                <a:cs typeface="Courier New" panose="02070309020205020404" pitchFamily="49" charset="0"/>
+              </a:rPr>
+              <a:t>table_name</a:t>
+            </a:r>
+            <a:r>
+              <a:rPr lang="en-US" sz="2300" dirty="0">
+                <a:latin typeface="Courier New" panose="02070309020205020404" pitchFamily="49" charset="0"/>
+                <a:cs typeface="Courier New" panose="02070309020205020404" pitchFamily="49" charset="0"/>
+              </a:rPr>
+              <a:t>&gt; &lt;column&gt; […]: Show/change histogram of a column</a:t>
+            </a:r>
+          </a:p>
+          <a:p>
+            <a:r>
+              <a:rPr lang="en-US" sz="2300" dirty="0">
+                <a:latin typeface="Courier New" panose="02070309020205020404" pitchFamily="49" charset="0"/>
+                <a:cs typeface="Courier New" panose="02070309020205020404" pitchFamily="49" charset="0"/>
+              </a:rPr>
+              <a:t>Ora </a:t>
+            </a:r>
+            <a:r>
+              <a:rPr lang="en-US" sz="2300" dirty="0" err="1">
+                <a:latin typeface="Courier New" panose="02070309020205020404" pitchFamily="49" charset="0"/>
+                <a:cs typeface="Courier New" panose="02070309020205020404" pitchFamily="49" charset="0"/>
+              </a:rPr>
+              <a:t>spd</a:t>
+            </a:r>
+            <a:r>
+              <a:rPr lang="en-US" sz="2300" dirty="0">
+                <a:latin typeface="Courier New" panose="02070309020205020404" pitchFamily="49" charset="0"/>
+                <a:cs typeface="Courier New" panose="02070309020205020404" pitchFamily="49" charset="0"/>
+              </a:rPr>
+              <a:t> [owner.]&lt;</a:t>
+            </a:r>
+            <a:r>
+              <a:rPr lang="en-US" sz="2300" dirty="0" err="1">
+                <a:latin typeface="Courier New" panose="02070309020205020404" pitchFamily="49" charset="0"/>
+                <a:cs typeface="Courier New" panose="02070309020205020404" pitchFamily="49" charset="0"/>
+              </a:rPr>
+              <a:t>table_name</a:t>
+            </a:r>
+            <a:r>
+              <a:rPr lang="en-US" sz="2300" dirty="0">
+                <a:latin typeface="Courier New" panose="02070309020205020404" pitchFamily="49" charset="0"/>
+                <a:cs typeface="Courier New" panose="02070309020205020404" pitchFamily="49" charset="0"/>
+              </a:rPr>
+              <a:t>&gt;: show SPD information of an object</a:t>
+            </a:r>
+          </a:p>
+          <a:p>
+            <a:r>
+              <a:rPr lang="en-US" sz="2300" dirty="0">
+                <a:latin typeface="Courier New" panose="02070309020205020404" pitchFamily="49" charset="0"/>
+                <a:cs typeface="Courier New" panose="02070309020205020404" pitchFamily="49" charset="0"/>
+              </a:rPr>
+              <a:t>Ora/sys </a:t>
+            </a:r>
+            <a:r>
+              <a:rPr lang="en-US" sz="2300" dirty="0" err="1">
+                <a:latin typeface="Courier New" panose="02070309020205020404" pitchFamily="49" charset="0"/>
+                <a:cs typeface="Courier New" panose="02070309020205020404" pitchFamily="49" charset="0"/>
+              </a:rPr>
+              <a:t>liblock</a:t>
+            </a:r>
+            <a:r>
+              <a:rPr lang="en-US" sz="2300" dirty="0">
+                <a:latin typeface="Courier New" panose="02070309020205020404" pitchFamily="49" charset="0"/>
+                <a:cs typeface="Courier New" panose="02070309020205020404" pitchFamily="49" charset="0"/>
+              </a:rPr>
+              <a:t> [[owner.]&lt;</a:t>
+            </a:r>
+            <a:r>
+              <a:rPr lang="en-US" sz="2300" dirty="0" err="1">
+                <a:latin typeface="Courier New" panose="02070309020205020404" pitchFamily="49" charset="0"/>
+                <a:cs typeface="Courier New" panose="02070309020205020404" pitchFamily="49" charset="0"/>
+              </a:rPr>
+              <a:t>object_name</a:t>
+            </a:r>
+            <a:r>
+              <a:rPr lang="en-US" sz="2300" dirty="0">
+                <a:latin typeface="Courier New" panose="02070309020205020404" pitchFamily="49" charset="0"/>
+                <a:cs typeface="Courier New" panose="02070309020205020404" pitchFamily="49" charset="0"/>
+              </a:rPr>
+              <a:t>&gt;]: show library cache lock</a:t>
+            </a:r>
+          </a:p>
+          <a:p>
+            <a:r>
+              <a:rPr lang="en-US" sz="2300" dirty="0">
+                <a:latin typeface="Courier New" panose="02070309020205020404" pitchFamily="49" charset="0"/>
+                <a:cs typeface="Courier New" panose="02070309020205020404" pitchFamily="49" charset="0"/>
+              </a:rPr>
+              <a:t>Show </a:t>
+            </a:r>
+            <a:r>
+              <a:rPr lang="en-US" sz="2300" dirty="0" err="1">
+                <a:latin typeface="Courier New" panose="02070309020205020404" pitchFamily="49" charset="0"/>
+                <a:cs typeface="Courier New" panose="02070309020205020404" pitchFamily="49" charset="0"/>
+              </a:rPr>
+              <a:t>lockobj</a:t>
+            </a:r>
+            <a:r>
+              <a:rPr lang="en-US" sz="2300" dirty="0">
+                <a:latin typeface="Courier New" panose="02070309020205020404" pitchFamily="49" charset="0"/>
+                <a:cs typeface="Courier New" panose="02070309020205020404" pitchFamily="49" charset="0"/>
+              </a:rPr>
+              <a:t>: show DML lock information</a:t>
+            </a:r>
+          </a:p>
+          <a:p>
+            <a:r>
+              <a:rPr lang="en-US" sz="2300" dirty="0">
+                <a:latin typeface="Courier New" panose="02070309020205020404" pitchFamily="49" charset="0"/>
+                <a:cs typeface="Courier New" panose="02070309020205020404" pitchFamily="49" charset="0"/>
+              </a:rPr>
+              <a:t>Show waiters: show blocking information</a:t>
+            </a:r>
+          </a:p>
+          <a:p>
+            <a:r>
+              <a:rPr lang="en-US" sz="2300" dirty="0">
+                <a:latin typeface="Courier New" panose="02070309020205020404" pitchFamily="49" charset="0"/>
+                <a:cs typeface="Courier New" panose="02070309020205020404" pitchFamily="49" charset="0"/>
+              </a:rPr>
+              <a:t>Show </a:t>
+            </a:r>
+            <a:r>
+              <a:rPr lang="en-US" sz="2300" dirty="0" err="1">
+                <a:latin typeface="Courier New" panose="02070309020205020404" pitchFamily="49" charset="0"/>
+                <a:cs typeface="Courier New" panose="02070309020205020404" pitchFamily="49" charset="0"/>
+              </a:rPr>
+              <a:t>waitchain</a:t>
+            </a:r>
+            <a:r>
+              <a:rPr lang="en-US" sz="2300" dirty="0">
+                <a:latin typeface="Courier New" panose="02070309020205020404" pitchFamily="49" charset="0"/>
+                <a:cs typeface="Courier New" panose="02070309020205020404" pitchFamily="49" charset="0"/>
+              </a:rPr>
+              <a:t>: show blocking information</a:t>
+            </a:r>
+          </a:p>
+          <a:p>
+            <a:r>
+              <a:rPr lang="en-US" sz="2300" dirty="0">
+                <a:latin typeface="Courier New" panose="02070309020205020404" pitchFamily="49" charset="0"/>
+                <a:cs typeface="Courier New" panose="02070309020205020404" pitchFamily="49" charset="0"/>
+              </a:rPr>
+              <a:t>Show trans: show running transactions</a:t>
+            </a:r>
+          </a:p>
+          <a:p>
+            <a:endParaRPr lang="en-US" dirty="0"/>
+          </a:p>
+          <a:p>
+            <a:endParaRPr lang="en-US" dirty="0"/>
+          </a:p>
+        </p:txBody>
+      </p:sp>
+    </p:spTree>
+    <p:extLst>
+      <p:ext uri="{BB962C8B-B14F-4D97-AF65-F5344CB8AC3E}">
+        <p14:creationId xmlns:p14="http://schemas.microsoft.com/office/powerpoint/2010/main" val="2093610832"/>
+      </p:ext>
+    </p:extLst>
+  </p:cSld>
+  <p:clrMapOvr>
+    <a:masterClrMapping/>
+  </p:clrMapOvr>
+</p:sld>
+</file>
+
+<file path=ppt/slides/slide44.xml><?xml version="1.0" encoding="utf-8"?>
+<p:sld xmlns:a="http://schemas.openxmlformats.org/drawingml/2006/main" xmlns:r="http://schemas.openxmlformats.org/officeDocument/2006/relationships" xmlns:p="http://schemas.openxmlformats.org/presentationml/2006/main">
+  <p:cSld>
+    <p:spTree>
+      <p:nvGrpSpPr>
+        <p:cNvPr id="1" name=""/>
+        <p:cNvGrpSpPr/>
+        <p:nvPr/>
+      </p:nvGrpSpPr>
+      <p:grpSpPr>
+        <a:xfrm>
+          <a:off x="0" y="0"/>
+          <a:ext cx="0" cy="0"/>
+          <a:chOff x="0" y="0"/>
+          <a:chExt cx="0" cy="0"/>
+        </a:xfrm>
+      </p:grpSpPr>
+      <p:sp>
+        <p:nvSpPr>
           <p:cNvPr id="3" name="内容占位符 2">
             <a:extLst>
               <a:ext uri="{FF2B5EF4-FFF2-40B4-BE49-F238E27FC236}">
@@ -19977,7 +19788,7 @@
 </p:sld>
 </file>
 
-<file path=ppt/slides/slide44.xml><?xml version="1.0" encoding="utf-8"?>
+<file path=ppt/slides/slide45.xml><?xml version="1.0" encoding="utf-8"?>
 <p:sld xmlns:a="http://schemas.openxmlformats.org/drawingml/2006/main" xmlns:r="http://schemas.openxmlformats.org/officeDocument/2006/relationships" xmlns:p="http://schemas.openxmlformats.org/presentationml/2006/main">
   <p:cSld>
     <p:spTree>
@@ -20139,7 +19950,7 @@
 </p:sld>
 </file>
 
-<file path=ppt/slides/slide45.xml><?xml version="1.0" encoding="utf-8"?>
+<file path=ppt/slides/slide46.xml><?xml version="1.0" encoding="utf-8"?>
 <p:sld xmlns:a="http://schemas.openxmlformats.org/drawingml/2006/main" xmlns:r="http://schemas.openxmlformats.org/officeDocument/2006/relationships" xmlns:p="http://schemas.openxmlformats.org/presentationml/2006/main">
   <p:cSld>
     <p:spTree>
@@ -20562,7 +20373,7 @@
 </p:sld>
 </file>
 
-<file path=ppt/slides/slide46.xml><?xml version="1.0" encoding="utf-8"?>
+<file path=ppt/slides/slide47.xml><?xml version="1.0" encoding="utf-8"?>
 <p:sld xmlns:a="http://schemas.openxmlformats.org/drawingml/2006/main" xmlns:r="http://schemas.openxmlformats.org/officeDocument/2006/relationships" xmlns:p="http://schemas.openxmlformats.org/presentationml/2006/main">
   <p:cSld>
     <p:spTree>
@@ -20896,7 +20707,7 @@
 </p:sld>
 </file>
 
-<file path=ppt/slides/slide47.xml><?xml version="1.0" encoding="utf-8"?>
+<file path=ppt/slides/slide48.xml><?xml version="1.0" encoding="utf-8"?>
 <p:sld xmlns:a="http://schemas.openxmlformats.org/drawingml/2006/main" xmlns:r="http://schemas.openxmlformats.org/officeDocument/2006/relationships" xmlns:p="http://schemas.openxmlformats.org/presentationml/2006/main">
   <p:cSld>
     <p:spTree>
@@ -21107,7 +20918,7 @@
 </p:sld>
 </file>
 
-<file path=ppt/slides/slide48.xml><?xml version="1.0" encoding="utf-8"?>
+<file path=ppt/slides/slide49.xml><?xml version="1.0" encoding="utf-8"?>
 <p:sld xmlns:a="http://schemas.openxmlformats.org/drawingml/2006/main" xmlns:r="http://schemas.openxmlformats.org/officeDocument/2006/relationships" xmlns:p="http://schemas.openxmlformats.org/presentationml/2006/main">
   <p:cSld>
     <p:spTree>
@@ -21361,356 +21172,6 @@
 </p:sld>
 </file>
 
-<file path=ppt/slides/slide49.xml><?xml version="1.0" encoding="utf-8"?>
-<p:sld xmlns:a="http://schemas.openxmlformats.org/drawingml/2006/main" xmlns:r="http://schemas.openxmlformats.org/officeDocument/2006/relationships" xmlns:p="http://schemas.openxmlformats.org/presentationml/2006/main">
-  <p:cSld>
-    <p:spTree>
-      <p:nvGrpSpPr>
-        <p:cNvPr id="1" name=""/>
-        <p:cNvGrpSpPr/>
-        <p:nvPr/>
-      </p:nvGrpSpPr>
-      <p:grpSpPr>
-        <a:xfrm>
-          <a:off x="0" y="0"/>
-          <a:ext cx="0" cy="0"/>
-          <a:chOff x="0" y="0"/>
-          <a:chExt cx="0" cy="0"/>
-        </a:xfrm>
-      </p:grpSpPr>
-      <p:sp>
-        <p:nvSpPr>
-          <p:cNvPr id="2" name="标题 1">
-            <a:extLst>
-              <a:ext uri="{FF2B5EF4-FFF2-40B4-BE49-F238E27FC236}">
-                <a16:creationId xmlns:a16="http://schemas.microsoft.com/office/drawing/2014/main" id="{3A8E8BA6-F23E-41D4-B3A0-C2E1231FCB8B}"/>
-              </a:ext>
-            </a:extLst>
-          </p:cNvPr>
-          <p:cNvSpPr>
-            <a:spLocks noGrp="1"/>
-          </p:cNvSpPr>
-          <p:nvPr>
-            <p:ph type="title"/>
-          </p:nvPr>
-        </p:nvSpPr>
-        <p:spPr>
-          <a:xfrm>
-            <a:off x="838200" y="46702"/>
-            <a:ext cx="10515600" cy="634335"/>
-          </a:xfrm>
-        </p:spPr>
-        <p:txBody>
-          <a:bodyPr>
-            <a:normAutofit fontScale="90000"/>
-          </a:bodyPr>
-          <a:lstStyle/>
-          <a:p>
-            <a:r>
-              <a:rPr lang="en-US" dirty="0"/>
-              <a:t>Scripting Engine – Snapper  usage (1)</a:t>
-            </a:r>
-          </a:p>
-        </p:txBody>
-      </p:sp>
-      <p:sp>
-        <p:nvSpPr>
-          <p:cNvPr id="3" name="内容占位符 2">
-            <a:extLst>
-              <a:ext uri="{FF2B5EF4-FFF2-40B4-BE49-F238E27FC236}">
-                <a16:creationId xmlns:a16="http://schemas.microsoft.com/office/drawing/2014/main" id="{EF2B99EC-3F05-4E2A-8A7F-9BA5600510CA}"/>
-              </a:ext>
-            </a:extLst>
-          </p:cNvPr>
-          <p:cNvSpPr>
-            <a:spLocks noGrp="1"/>
-          </p:cNvSpPr>
-          <p:nvPr>
-            <p:ph idx="1"/>
-          </p:nvPr>
-        </p:nvSpPr>
-        <p:spPr>
-          <a:xfrm>
-            <a:off x="838200" y="999460"/>
-            <a:ext cx="10515600" cy="5177503"/>
-          </a:xfrm>
-        </p:spPr>
-        <p:txBody>
-          <a:bodyPr>
-            <a:normAutofit fontScale="77500" lnSpcReduction="20000"/>
-          </a:bodyPr>
-          <a:lstStyle/>
-          <a:p>
-            <a:r>
-              <a:rPr lang="en-US" dirty="0"/>
-              <a:t>The snap command is used to calculate the delta values of the same query at different timestamps, so that no need to create temp tables in database to store the snapshot data.</a:t>
-            </a:r>
-          </a:p>
-          <a:p>
-            <a:r>
-              <a:rPr lang="en-US" dirty="0"/>
-              <a:t>The snapper script also supports either documentation or annotations that described in previous chapters. But its code part should follow the JSON syntax or Lua syntax.</a:t>
-            </a:r>
-          </a:p>
-          <a:p>
-            <a:r>
-              <a:rPr lang="en-US" dirty="0"/>
-              <a:t>Command line syntax:</a:t>
-            </a:r>
-          </a:p>
-          <a:p>
-            <a:pPr lvl="1"/>
-            <a:r>
-              <a:rPr lang="en-US" dirty="0"/>
-              <a:t>Snap &lt;script…&gt; [args] </a:t>
-            </a:r>
-            <a:r>
-              <a:rPr lang="en-US" b="1" dirty="0">
-                <a:solidFill>
-                  <a:srgbClr val="0070C0"/>
-                </a:solidFill>
-              </a:rPr>
-              <a:t>begin</a:t>
-            </a:r>
-            <a:r>
-              <a:rPr lang="en-US" dirty="0"/>
-              <a:t> [-sec]=&gt;  do something or wait some time  =&gt; snap &lt;script…&gt; </a:t>
-            </a:r>
-            <a:r>
-              <a:rPr lang="en-US" b="1" dirty="0">
-                <a:solidFill>
-                  <a:srgbClr val="0070C0"/>
-                </a:solidFill>
-              </a:rPr>
-              <a:t>end</a:t>
-            </a:r>
-            <a:r>
-              <a:rPr lang="en-US" dirty="0"/>
-              <a:t>:  </a:t>
-            </a:r>
-            <a:r>
-              <a:rPr lang="en-US" dirty="0">
-                <a:latin typeface="Arial" panose="020B0604020202020204" pitchFamily="34" charset="0"/>
-                <a:cs typeface="Arial" panose="020B0604020202020204" pitchFamily="34" charset="0"/>
-              </a:rPr>
-              <a:t>manually define the snap period, </a:t>
-            </a:r>
-            <a:r>
-              <a:rPr lang="en-US" b="1" dirty="0">
-                <a:solidFill>
-                  <a:schemeClr val="accent1">
-                    <a:lumMod val="75000"/>
-                  </a:schemeClr>
-                </a:solidFill>
-                <a:latin typeface="Arial" panose="020B0604020202020204" pitchFamily="34" charset="0"/>
-                <a:cs typeface="Arial" panose="020B0604020202020204" pitchFamily="34" charset="0"/>
-              </a:rPr>
-              <a:t>-sec </a:t>
-            </a:r>
-            <a:r>
-              <a:rPr lang="en-US" dirty="0">
-                <a:latin typeface="Arial" panose="020B0604020202020204" pitchFamily="34" charset="0"/>
-                <a:cs typeface="Arial" panose="020B0604020202020204" pitchFamily="34" charset="0"/>
-              </a:rPr>
-              <a:t>means dividing the delta values by elapsed seconds</a:t>
-            </a:r>
-          </a:p>
-          <a:p>
-            <a:pPr lvl="1"/>
-            <a:r>
-              <a:rPr lang="en-US" dirty="0"/>
-              <a:t>Snap &lt;script…&gt;  [args] [-sec] “other command”: </a:t>
-            </a:r>
-            <a:r>
-              <a:rPr lang="en-US" dirty="0">
-                <a:latin typeface="Arial" panose="020B0604020202020204" pitchFamily="34" charset="0"/>
-                <a:cs typeface="Arial" panose="020B0604020202020204" pitchFamily="34" charset="0"/>
-              </a:rPr>
-              <a:t>calc the delta value between </a:t>
-            </a:r>
-            <a:r>
-              <a:rPr lang="en-US" dirty="0">
-                <a:solidFill>
-                  <a:schemeClr val="accent1">
-                    <a:lumMod val="75000"/>
-                  </a:schemeClr>
-                </a:solidFill>
-                <a:latin typeface="Arial" panose="020B0604020202020204" pitchFamily="34" charset="0"/>
-                <a:cs typeface="Arial" panose="020B0604020202020204" pitchFamily="34" charset="0"/>
-              </a:rPr>
-              <a:t>before executing command</a:t>
-            </a:r>
-            <a:r>
-              <a:rPr lang="en-US" dirty="0">
-                <a:latin typeface="Arial" panose="020B0604020202020204" pitchFamily="34" charset="0"/>
-                <a:cs typeface="Arial" panose="020B0604020202020204" pitchFamily="34" charset="0"/>
-              </a:rPr>
-              <a:t> and </a:t>
-            </a:r>
-            <a:r>
-              <a:rPr lang="en-US" dirty="0">
-                <a:solidFill>
-                  <a:schemeClr val="accent1">
-                    <a:lumMod val="75000"/>
-                  </a:schemeClr>
-                </a:solidFill>
-                <a:latin typeface="Arial" panose="020B0604020202020204" pitchFamily="34" charset="0"/>
-                <a:cs typeface="Arial" panose="020B0604020202020204" pitchFamily="34" charset="0"/>
-              </a:rPr>
-              <a:t>after executing command</a:t>
-            </a:r>
-          </a:p>
-          <a:p>
-            <a:pPr lvl="1"/>
-            <a:r>
-              <a:rPr lang="en-US" dirty="0"/>
-              <a:t>Snap &lt;script…&gt; [args] [-sec] </a:t>
-            </a:r>
-            <a:r>
-              <a:rPr lang="en-US" dirty="0">
-                <a:solidFill>
-                  <a:srgbClr val="FF0000"/>
-                </a:solidFill>
-              </a:rPr>
-              <a:t>&lt;&lt;!</a:t>
-            </a:r>
-          </a:p>
-          <a:p>
-            <a:pPr marL="457200" lvl="1" indent="0">
-              <a:buNone/>
-            </a:pPr>
-            <a:r>
-              <a:rPr lang="en-US" dirty="0"/>
-              <a:t>              &lt;other commands&gt;</a:t>
-            </a:r>
-          </a:p>
-          <a:p>
-            <a:pPr marL="457200" lvl="1" indent="0">
-              <a:buNone/>
-            </a:pPr>
-            <a:r>
-              <a:rPr lang="en-US" dirty="0"/>
-              <a:t>  </a:t>
-            </a:r>
-            <a:r>
-              <a:rPr lang="en-US" dirty="0">
-                <a:solidFill>
-                  <a:srgbClr val="FF0000"/>
-                </a:solidFill>
-              </a:rPr>
-              <a:t>!</a:t>
-            </a:r>
-            <a:r>
-              <a:rPr lang="en-US" dirty="0"/>
-              <a:t> :  </a:t>
-            </a:r>
-            <a:r>
-              <a:rPr lang="en-US" dirty="0">
-                <a:latin typeface="Arial" panose="020B0604020202020204" pitchFamily="34" charset="0"/>
-                <a:cs typeface="Arial" panose="020B0604020202020204" pitchFamily="34" charset="0"/>
-              </a:rPr>
-              <a:t>similar to above syntax except it support cross line commands</a:t>
-            </a:r>
-          </a:p>
-          <a:p>
-            <a:pPr lvl="1"/>
-            <a:r>
-              <a:rPr lang="en-US" dirty="0"/>
-              <a:t>Snap &lt;script…&gt; </a:t>
-            </a:r>
-            <a:r>
-              <a:rPr lang="en-US" b="1" dirty="0">
-                <a:solidFill>
-                  <a:srgbClr val="0070C0"/>
-                </a:solidFill>
-              </a:rPr>
-              <a:t>&lt;interval[+]&gt; </a:t>
-            </a:r>
-            <a:r>
-              <a:rPr lang="en-US" dirty="0"/>
-              <a:t>[args] [-top] [-sec]: </a:t>
-            </a:r>
-            <a:r>
-              <a:rPr lang="en-US" dirty="0">
-                <a:latin typeface="Arial" panose="020B0604020202020204" pitchFamily="34" charset="0"/>
-                <a:cs typeface="Arial" panose="020B0604020202020204" pitchFamily="34" charset="0"/>
-              </a:rPr>
-              <a:t>calc the delta value between specific interval(in second)</a:t>
-            </a:r>
-          </a:p>
-          <a:p>
-            <a:pPr lvl="2"/>
-            <a:r>
-              <a:rPr lang="en-US" dirty="0"/>
-              <a:t>if </a:t>
-            </a:r>
-            <a:r>
-              <a:rPr lang="en-US" b="1" dirty="0">
-                <a:solidFill>
-                  <a:srgbClr val="0070C0"/>
-                </a:solidFill>
-              </a:rPr>
-              <a:t>+</a:t>
-            </a:r>
-            <a:r>
-              <a:rPr lang="en-US" dirty="0"/>
-              <a:t> is specified then meaning that the scripts will be executed periodically</a:t>
-            </a:r>
-          </a:p>
-          <a:p>
-            <a:pPr lvl="2"/>
-            <a:r>
-              <a:rPr lang="en-US" dirty="0"/>
-              <a:t>if </a:t>
-            </a:r>
-            <a:r>
-              <a:rPr lang="en-US" b="1" dirty="0">
-                <a:solidFill>
-                  <a:srgbClr val="0070C0"/>
-                </a:solidFill>
-              </a:rPr>
-              <a:t>-top</a:t>
-            </a:r>
-            <a:r>
-              <a:rPr lang="en-US" dirty="0"/>
-              <a:t> is specified then meaning the output will be displayed like Linux-top style, usually used together with </a:t>
-            </a:r>
-            <a:r>
-              <a:rPr lang="en-US" b="1" dirty="0">
-                <a:solidFill>
-                  <a:srgbClr val="0070C0"/>
-                </a:solidFill>
-              </a:rPr>
-              <a:t>&lt;seconds&gt;+</a:t>
-            </a:r>
-            <a:r>
-              <a:rPr lang="en-US" dirty="0"/>
-              <a:t> </a:t>
-            </a:r>
-          </a:p>
-          <a:p>
-            <a:pPr lvl="2"/>
-            <a:endParaRPr lang="en-US" dirty="0"/>
-          </a:p>
-          <a:p>
-            <a:pPr lvl="1"/>
-            <a:endParaRPr lang="en-US" dirty="0"/>
-          </a:p>
-        </p:txBody>
-      </p:sp>
-    </p:spTree>
-    <p:extLst>
-      <p:ext uri="{BB962C8B-B14F-4D97-AF65-F5344CB8AC3E}">
-        <p14:creationId xmlns:p14="http://schemas.microsoft.com/office/powerpoint/2010/main" val="2290172486"/>
-      </p:ext>
-    </p:extLst>
-  </p:cSld>
-  <p:clrMapOvr>
-    <a:masterClrMapping/>
-  </p:clrMapOvr>
-</p:sld>
-</file>
-
 <file path=ppt/slides/slide5.xml><?xml version="1.0" encoding="utf-8"?>
 <p:sld xmlns:a="http://schemas.openxmlformats.org/drawingml/2006/main" xmlns:r="http://schemas.openxmlformats.org/officeDocument/2006/relationships" xmlns:p="http://schemas.openxmlformats.org/presentationml/2006/main">
   <p:cSld>
@@ -21733,7 +21194,7 @@
           <p:cNvPr id="2" name="标题 1">
             <a:extLst>
               <a:ext uri="{FF2B5EF4-FFF2-40B4-BE49-F238E27FC236}">
-                <a16:creationId xmlns:a16="http://schemas.microsoft.com/office/drawing/2014/main" id="{31E9F1B0-DF27-4D82-B726-DDD3F9CF7328}"/>
+                <a16:creationId xmlns:a16="http://schemas.microsoft.com/office/drawing/2014/main" id="{82D4513D-2B3A-49FC-BBBC-347A2F2B12AC}"/>
               </a:ext>
             </a:extLst>
           </p:cNvPr>
@@ -21746,8 +21207,8 @@
         </p:nvSpPr>
         <p:spPr>
           <a:xfrm>
-            <a:off x="838200" y="184372"/>
-            <a:ext cx="10515600" cy="708763"/>
+            <a:off x="838200" y="365126"/>
+            <a:ext cx="10515600" cy="761926"/>
           </a:xfrm>
         </p:spPr>
         <p:txBody>
@@ -21756,17 +21217,119 @@
           <a:p>
             <a:r>
               <a:rPr lang="en-US" dirty="0"/>
-              <a:t>Intelligent format of the query output(Set)</a:t>
-            </a:r>
+              <a:t>Easy-Connect (login and </a:t>
+            </a:r>
+            <a:r>
+              <a:rPr lang="en-US" dirty="0" err="1"/>
+              <a:t>reconn</a:t>
+            </a:r>
+            <a:r>
+              <a:rPr lang="en-US" dirty="0"/>
+              <a:t>)</a:t>
+            </a:r>
+          </a:p>
+        </p:txBody>
+      </p:sp>
+      <p:sp>
+        <p:nvSpPr>
+          <p:cNvPr id="3" name="内容占位符 2">
+            <a:extLst>
+              <a:ext uri="{FF2B5EF4-FFF2-40B4-BE49-F238E27FC236}">
+                <a16:creationId xmlns:a16="http://schemas.microsoft.com/office/drawing/2014/main" id="{86DA578D-45C2-4586-BF45-602E5E9663BB}"/>
+              </a:ext>
+            </a:extLst>
+          </p:cNvPr>
+          <p:cNvSpPr>
+            <a:spLocks noGrp="1"/>
+          </p:cNvSpPr>
+          <p:nvPr>
+            <p:ph idx="1"/>
+          </p:nvPr>
+        </p:nvSpPr>
+        <p:spPr>
+          <a:xfrm>
+            <a:off x="936846" y="1127052"/>
+            <a:ext cx="10416953" cy="2158408"/>
+          </a:xfrm>
+        </p:spPr>
+        <p:txBody>
+          <a:bodyPr>
+            <a:normAutofit fontScale="77500" lnSpcReduction="20000"/>
+          </a:bodyPr>
+          <a:lstStyle/>
+          <a:p>
+            <a:r>
+              <a:rPr lang="en-US" sz="2400" b="1" dirty="0"/>
+              <a:t>Login</a:t>
+            </a:r>
+            <a:r>
+              <a:rPr lang="en-US" sz="2400" dirty="0"/>
+              <a:t>: show stored connections</a:t>
+            </a:r>
+          </a:p>
+          <a:p>
+            <a:r>
+              <a:rPr lang="en-US" sz="2400" b="1" dirty="0"/>
+              <a:t>Login -a &lt;alias&gt;  &lt;id&gt; </a:t>
+            </a:r>
+            <a:r>
+              <a:rPr lang="en-US" sz="2400" dirty="0"/>
+              <a:t>: create an alias for a login</a:t>
+            </a:r>
+          </a:p>
+          <a:p>
+            <a:r>
+              <a:rPr lang="en-US" sz="2400" b="1" dirty="0"/>
+              <a:t>Login &lt;id&gt;|&lt;alias&gt;|&lt;keyword&gt;</a:t>
+            </a:r>
+            <a:r>
+              <a:rPr lang="en-US" sz="2400" dirty="0"/>
+              <a:t>:  connect to db, or list the connections that match the keyword</a:t>
+            </a:r>
+          </a:p>
+          <a:p>
+            <a:r>
+              <a:rPr lang="en-US" sz="2400" b="1" dirty="0"/>
+              <a:t>Login –p &lt;id&gt;|&lt;alias&gt; </a:t>
+            </a:r>
+            <a:r>
+              <a:rPr lang="en-US" sz="2400" dirty="0"/>
+              <a:t>: print connection string</a:t>
+            </a:r>
+          </a:p>
+          <a:p>
+            <a:r>
+              <a:rPr lang="en-US" sz="2400" b="1" dirty="0"/>
+              <a:t>Reconn</a:t>
+            </a:r>
+            <a:r>
+              <a:rPr lang="en-US" sz="2400" dirty="0"/>
+              <a:t>: reconnect to the previous login database</a:t>
+            </a:r>
+          </a:p>
+          <a:p>
+            <a:r>
+              <a:rPr lang="en-US" sz="2400" dirty="0"/>
+              <a:t>The account information is stored as data\password.dat, and never be overridden by the new version</a:t>
+            </a:r>
+          </a:p>
+          <a:p>
+            <a:endParaRPr lang="en-US" dirty="0"/>
+          </a:p>
+          <a:p>
+            <a:pPr marL="0" indent="0">
+              <a:buNone/>
+            </a:pPr>
+            <a:endParaRPr lang="en-US" dirty="0"/>
           </a:p>
         </p:txBody>
       </p:sp>
       <p:graphicFrame>
         <p:nvGraphicFramePr>
-          <p:cNvPr id="4" name="表格 3">
+          <p:cNvPr id="5" name="表格 4">
             <a:extLst>
               <a:ext uri="{FF2B5EF4-FFF2-40B4-BE49-F238E27FC236}">
-                <a16:creationId xmlns:a16="http://schemas.microsoft.com/office/drawing/2014/main" id="{2563436E-7DD6-46CC-BCAE-29765B663613}"/>
+                <a16:creationId xmlns:a16="http://schemas.microsoft.com/office/drawing/2014/main" id="{C60BDC7E-8E11-4AA2-BC27-128D63DB6FA9}"/>
               </a:ext>
             </a:extLst>
           </p:cNvPr>
@@ -21776,14 +21339,14 @@
           <p:nvPr>
             <p:extLst>
               <p:ext uri="{D42A27DB-BD31-4B8C-83A1-F6EECF244321}">
-                <p14:modId xmlns:p14="http://schemas.microsoft.com/office/powerpoint/2010/main" val="2259286601"/>
+                <p14:modId xmlns:p14="http://schemas.microsoft.com/office/powerpoint/2010/main" val="2954892295"/>
               </p:ext>
             </p:extLst>
           </p:nvPr>
         </p:nvGraphicFramePr>
         <p:xfrm>
-          <a:off x="838200" y="1748157"/>
-          <a:ext cx="10374425" cy="5791200"/>
+          <a:off x="936847" y="3429000"/>
+          <a:ext cx="10163544" cy="3256912"/>
         </p:xfrm>
         <a:graphic>
           <a:graphicData uri="http://schemas.openxmlformats.org/drawingml/2006/table">
@@ -21792,704 +21355,513 @@
                 <a:tableStyleId>{5C22544A-7EE6-4342-B048-85BDC9FD1C3A}</a:tableStyleId>
               </a:tblPr>
               <a:tblGrid>
-                <a:gridCol w="10374425">
+                <a:gridCol w="10163544">
                   <a:extLst>
                     <a:ext uri="{9D8B030D-6E8A-4147-A177-3AD203B41FA5}">
-                      <a16:colId xmlns:a16="http://schemas.microsoft.com/office/drawing/2014/main" val="4245137307"/>
+                      <a16:colId xmlns:a16="http://schemas.microsoft.com/office/drawing/2014/main" val="1464193459"/>
                     </a:ext>
                   </a:extLst>
                 </a:gridCol>
               </a:tblGrid>
-              <a:tr h="4570526">
+              <a:tr h="3256912">
                 <a:tc>
                   <a:txBody>
                     <a:bodyPr/>
                     <a:lstStyle/>
                     <a:p>
                       <a:r>
-                        <a:rPr lang="en-US" sz="1100" b="0" i="0" kern="1200" baseline="0" dirty="0">
+                        <a:rPr lang="en-US" sz="1100" b="0" kern="1200" dirty="0">
                           <a:solidFill>
                             <a:schemeClr val="lt1"/>
                           </a:solidFill>
                           <a:latin typeface="Consolas" panose="020B0609020204030204" pitchFamily="49" charset="0"/>
                           <a:ea typeface="+mn-ea"/>
-                          <a:cs typeface="+mn-cs"/>
-                        </a:rPr>
-                        <a:t>CATDB&gt; set printsize 10                                                                                              </a:t>
+                          <a:cs typeface="Consolas" panose="020B0609020204030204" pitchFamily="49" charset="0"/>
+                        </a:rPr>
+                        <a:t>ORCL&gt; login                                                                                                      </a:t>
                       </a:r>
                       <a:br>
-                        <a:rPr lang="en-US" sz="1100" b="0" i="0" kern="1200" baseline="0" dirty="0">
+                        <a:rPr lang="en-US" sz="1100" b="0" kern="1200" dirty="0">
                           <a:solidFill>
                             <a:schemeClr val="lt1"/>
                           </a:solidFill>
                           <a:latin typeface="Consolas" panose="020B0609020204030204" pitchFamily="49" charset="0"/>
                           <a:ea typeface="+mn-ea"/>
-                          <a:cs typeface="+mn-cs"/>
+                          <a:cs typeface="Consolas" panose="020B0609020204030204" pitchFamily="49" charset="0"/>
                         </a:rPr>
                       </a:br>
                       <a:r>
-                        <a:rPr lang="en-US" sz="1100" b="0" i="0" kern="1200" baseline="0" dirty="0">
+                        <a:rPr lang="en-US" sz="1100" b="0" kern="1200" dirty="0">
                           <a:solidFill>
                             <a:schemeClr val="lt1"/>
                           </a:solidFill>
                           <a:latin typeface="Consolas" panose="020B0609020204030204" pitchFamily="49" charset="0"/>
                           <a:ea typeface="+mn-ea"/>
-                          <a:cs typeface="+mn-cs"/>
-                        </a:rPr>
-                        <a:t>CATDB&gt; sf dba_objects                                                                                                </a:t>
+                          <a:cs typeface="Consolas" panose="020B0609020204030204" pitchFamily="49" charset="0"/>
+                        </a:rPr>
+                        <a:t>     #     Alias                    Name                    User    SSH Link </a:t>
+                      </a:r>
+                      <a:r>
+                        <a:rPr lang="en-US" sz="1100" b="0" kern="1200" dirty="0" err="1">
+                          <a:solidFill>
+                            <a:schemeClr val="lt1"/>
+                          </a:solidFill>
+                          <a:latin typeface="Consolas" panose="020B0609020204030204" pitchFamily="49" charset="0"/>
+                          <a:ea typeface="+mn-ea"/>
+                          <a:cs typeface="Consolas" panose="020B0609020204030204" pitchFamily="49" charset="0"/>
+                        </a:rPr>
+                        <a:t>Url</a:t>
+                      </a:r>
+                      <a:r>
+                        <a:rPr lang="en-US" sz="1100" b="0" kern="1200" dirty="0">
+                          <a:solidFill>
+                            <a:schemeClr val="lt1"/>
+                          </a:solidFill>
+                          <a:latin typeface="Consolas" panose="020B0609020204030204" pitchFamily="49" charset="0"/>
+                          <a:ea typeface="+mn-ea"/>
+                          <a:cs typeface="Consolas" panose="020B0609020204030204" pitchFamily="49" charset="0"/>
+                        </a:rPr>
+                        <a:t>                                      </a:t>
                       </a:r>
                       <a:br>
-                        <a:rPr lang="en-US" sz="1100" b="0" i="0" kern="1200" baseline="0" dirty="0">
+                        <a:rPr lang="en-US" sz="1100" b="0" kern="1200" dirty="0">
                           <a:solidFill>
                             <a:schemeClr val="lt1"/>
                           </a:solidFill>
                           <a:latin typeface="Consolas" panose="020B0609020204030204" pitchFamily="49" charset="0"/>
                           <a:ea typeface="+mn-ea"/>
-                          <a:cs typeface="+mn-cs"/>
+                          <a:cs typeface="Consolas" panose="020B0609020204030204" pitchFamily="49" charset="0"/>
                         </a:rPr>
                       </a:br>
                       <a:r>
-                        <a:rPr lang="en-US" sz="1100" b="0" i="0" kern="1200" baseline="0" dirty="0">
+                        <a:rPr lang="en-US" sz="1100" b="0" kern="1200" dirty="0">
                           <a:solidFill>
                             <a:schemeClr val="lt1"/>
                           </a:solidFill>
                           <a:latin typeface="Consolas" panose="020B0609020204030204" pitchFamily="49" charset="0"/>
                           <a:ea typeface="+mn-ea"/>
-                          <a:cs typeface="+mn-cs"/>
-                        </a:rPr>
-                        <a:t>    $ select * from (select * from dba_objects) where rownum&lt;=50                                                     </a:t>
+                          <a:cs typeface="Consolas" panose="020B0609020204030204" pitchFamily="49" charset="0"/>
+                        </a:rPr>
+                        <a:t>    --- ----------- ------------------------------------ ---------- -------- -----------------------------------------</a:t>
                       </a:r>
                       <a:br>
-                        <a:rPr lang="en-US" sz="1100" b="0" i="0" kern="1200" baseline="0" dirty="0">
+                        <a:rPr lang="en-US" sz="1100" b="0" kern="1200" dirty="0">
                           <a:solidFill>
                             <a:schemeClr val="lt1"/>
                           </a:solidFill>
                           <a:latin typeface="Consolas" panose="020B0609020204030204" pitchFamily="49" charset="0"/>
                           <a:ea typeface="+mn-ea"/>
-                          <a:cs typeface="+mn-cs"/>
+                          <a:cs typeface="Consolas" panose="020B0609020204030204" pitchFamily="49" charset="0"/>
                         </a:rPr>
                       </a:br>
                       <a:r>
-                        <a:rPr lang="en-US" sz="1100" b="0" i="0" kern="1200" baseline="0" dirty="0">
+                        <a:rPr lang="en-US" sz="1100" b="0" kern="1200" dirty="0">
                           <a:solidFill>
                             <a:schemeClr val="lt1"/>
                           </a:solidFill>
                           <a:latin typeface="Consolas" panose="020B0609020204030204" pitchFamily="49" charset="0"/>
                           <a:ea typeface="+mn-ea"/>
-                          <a:cs typeface="+mn-cs"/>
-                        </a:rPr>
-                        <a:t>    OWNER  OBJECT_NAME   SUBOBJECT_NAME OBJECT_ID DATA_OBJECT_ID OBJECT_TYPE       CREATED          LAST_DDL_TIME    </a:t>
+                          <a:cs typeface="Consolas" panose="020B0609020204030204" pitchFamily="49" charset="0"/>
+                        </a:rPr>
+                        <a:t>      1             cary@scaqaa05adm01/</a:t>
+                      </a:r>
+                      <a:r>
+                        <a:rPr lang="en-US" sz="1100" b="0" kern="1200" dirty="0" err="1">
+                          <a:solidFill>
+                            <a:schemeClr val="lt1"/>
+                          </a:solidFill>
+                          <a:latin typeface="Consolas" panose="020B0609020204030204" pitchFamily="49" charset="0"/>
+                          <a:ea typeface="+mn-ea"/>
+                          <a:cs typeface="Consolas" panose="020B0609020204030204" pitchFamily="49" charset="0"/>
+                        </a:rPr>
+                        <a:t>yuisong</a:t>
+                      </a:r>
+                      <a:r>
+                        <a:rPr lang="en-US" sz="1100" b="0" kern="1200" dirty="0">
+                          <a:solidFill>
+                            <a:schemeClr val="lt1"/>
+                          </a:solidFill>
+                          <a:latin typeface="Consolas" panose="020B0609020204030204" pitchFamily="49" charset="0"/>
+                          <a:ea typeface="+mn-ea"/>
+                          <a:cs typeface="Consolas" panose="020B0609020204030204" pitchFamily="49" charset="0"/>
+                        </a:rPr>
+                        <a:t>           </a:t>
+                      </a:r>
+                      <a:r>
+                        <a:rPr lang="en-US" sz="1100" b="0" kern="1200" dirty="0" err="1">
+                          <a:solidFill>
+                            <a:schemeClr val="lt1"/>
+                          </a:solidFill>
+                          <a:latin typeface="Consolas" panose="020B0609020204030204" pitchFamily="49" charset="0"/>
+                          <a:ea typeface="+mn-ea"/>
+                          <a:cs typeface="Consolas" panose="020B0609020204030204" pitchFamily="49" charset="0"/>
+                        </a:rPr>
+                        <a:t>cary</a:t>
+                      </a:r>
+                      <a:r>
+                        <a:rPr lang="en-US" sz="1100" b="0" kern="1200" dirty="0">
+                          <a:solidFill>
+                            <a:schemeClr val="lt1"/>
+                          </a:solidFill>
+                          <a:latin typeface="Consolas" panose="020B0609020204030204" pitchFamily="49" charset="0"/>
+                          <a:ea typeface="+mn-ea"/>
+                          <a:cs typeface="Consolas" panose="020B0609020204030204" pitchFamily="49" charset="0"/>
+                        </a:rPr>
+                        <a:t>                </a:t>
+                      </a:r>
+                      <a:r>
+                        <a:rPr lang="en-US" sz="1100" b="0" kern="1200" dirty="0" err="1">
+                          <a:solidFill>
+                            <a:schemeClr val="lt1"/>
+                          </a:solidFill>
+                          <a:latin typeface="Consolas" panose="020B0609020204030204" pitchFamily="49" charset="0"/>
+                          <a:ea typeface="+mn-ea"/>
+                          <a:cs typeface="Consolas" panose="020B0609020204030204" pitchFamily="49" charset="0"/>
+                        </a:rPr>
+                        <a:t>jdbc:oracle:thin</a:t>
+                      </a:r>
+                      <a:r>
+                        <a:rPr lang="en-US" sz="1100" b="0" kern="1200" dirty="0">
+                          <a:solidFill>
+                            <a:schemeClr val="lt1"/>
+                          </a:solidFill>
+                          <a:latin typeface="Consolas" panose="020B0609020204030204" pitchFamily="49" charset="0"/>
+                          <a:ea typeface="+mn-ea"/>
+                          <a:cs typeface="Consolas" panose="020B0609020204030204" pitchFamily="49" charset="0"/>
+                        </a:rPr>
+                        <a:t>:@snaccx5adm01.us.ocsdn</a:t>
                       </a:r>
                       <a:br>
-                        <a:rPr lang="en-US" sz="1100" b="0" i="0" kern="1200" baseline="0" dirty="0">
+                        <a:rPr lang="en-US" sz="1100" b="0" kern="1200" dirty="0">
                           <a:solidFill>
                             <a:schemeClr val="lt1"/>
                           </a:solidFill>
                           <a:latin typeface="Consolas" panose="020B0609020204030204" pitchFamily="49" charset="0"/>
                           <a:ea typeface="+mn-ea"/>
-                          <a:cs typeface="+mn-cs"/>
+                          <a:cs typeface="Consolas" panose="020B0609020204030204" pitchFamily="49" charset="0"/>
                         </a:rPr>
                       </a:br>
                       <a:r>
-                        <a:rPr lang="en-US" sz="1100" b="0" i="0" kern="1200" baseline="0" dirty="0">
+                        <a:rPr lang="en-US" sz="1100" b="0" kern="1200" dirty="0">
                           <a:solidFill>
                             <a:schemeClr val="lt1"/>
                           </a:solidFill>
                           <a:latin typeface="Consolas" panose="020B0609020204030204" pitchFamily="49" charset="0"/>
                           <a:ea typeface="+mn-ea"/>
-                          <a:cs typeface="+mn-cs"/>
-                        </a:rPr>
-                        <a:t>    ----- -------------- -------------- --------- -------------- ----------- ------------------- ------------------- </a:t>
+                          <a:cs typeface="Consolas" panose="020B0609020204030204" pitchFamily="49" charset="0"/>
+                        </a:rPr>
+                        <a:t>      2             clo_normal@scao08adm06/</a:t>
+                      </a:r>
+                      <a:r>
+                        <a:rPr lang="en-US" sz="1100" b="0" kern="1200" dirty="0" err="1">
+                          <a:solidFill>
+                            <a:schemeClr val="lt1"/>
+                          </a:solidFill>
+                          <a:latin typeface="Consolas" panose="020B0609020204030204" pitchFamily="49" charset="0"/>
+                          <a:ea typeface="+mn-ea"/>
+                          <a:cs typeface="Consolas" panose="020B0609020204030204" pitchFamily="49" charset="0"/>
+                        </a:rPr>
+                        <a:t>catdb</a:t>
+                      </a:r>
+                      <a:r>
+                        <a:rPr lang="en-US" sz="1100" b="0" kern="1200" dirty="0">
+                          <a:solidFill>
+                            <a:schemeClr val="lt1"/>
+                          </a:solidFill>
+                          <a:latin typeface="Consolas" panose="020B0609020204030204" pitchFamily="49" charset="0"/>
+                          <a:ea typeface="+mn-ea"/>
+                          <a:cs typeface="Consolas" panose="020B0609020204030204" pitchFamily="49" charset="0"/>
+                        </a:rPr>
+                        <a:t>         </a:t>
+                      </a:r>
+                      <a:r>
+                        <a:rPr lang="en-US" sz="1100" b="0" kern="1200" dirty="0" err="1">
+                          <a:solidFill>
+                            <a:schemeClr val="lt1"/>
+                          </a:solidFill>
+                          <a:latin typeface="Consolas" panose="020B0609020204030204" pitchFamily="49" charset="0"/>
+                          <a:ea typeface="+mn-ea"/>
+                          <a:cs typeface="Consolas" panose="020B0609020204030204" pitchFamily="49" charset="0"/>
+                        </a:rPr>
+                        <a:t>clo_normal</a:t>
+                      </a:r>
+                      <a:r>
+                        <a:rPr lang="en-US" sz="1100" b="0" kern="1200" dirty="0">
+                          <a:solidFill>
+                            <a:schemeClr val="lt1"/>
+                          </a:solidFill>
+                          <a:latin typeface="Consolas" panose="020B0609020204030204" pitchFamily="49" charset="0"/>
+                          <a:ea typeface="+mn-ea"/>
+                          <a:cs typeface="Consolas" panose="020B0609020204030204" pitchFamily="49" charset="0"/>
+                        </a:rPr>
+                        <a:t>          </a:t>
+                      </a:r>
+                      <a:r>
+                        <a:rPr lang="en-US" sz="1100" b="0" kern="1200" dirty="0" err="1">
+                          <a:solidFill>
+                            <a:schemeClr val="lt1"/>
+                          </a:solidFill>
+                          <a:latin typeface="Consolas" panose="020B0609020204030204" pitchFamily="49" charset="0"/>
+                          <a:ea typeface="+mn-ea"/>
+                          <a:cs typeface="Consolas" panose="020B0609020204030204" pitchFamily="49" charset="0"/>
+                        </a:rPr>
+                        <a:t>jdbc:oracle:thin</a:t>
+                      </a:r>
+                      <a:r>
+                        <a:rPr lang="en-US" sz="1100" b="0" kern="1200" dirty="0">
+                          <a:solidFill>
+                            <a:schemeClr val="lt1"/>
+                          </a:solidFill>
+                          <a:latin typeface="Consolas" panose="020B0609020204030204" pitchFamily="49" charset="0"/>
+                          <a:ea typeface="+mn-ea"/>
+                          <a:cs typeface="Consolas" panose="020B0609020204030204" pitchFamily="49" charset="0"/>
+                        </a:rPr>
+                        <a:t>:@snao08adm06.us.ocsdn.c</a:t>
                       </a:r>
                       <a:br>
-                        <a:rPr lang="en-US" sz="1100" b="0" i="0" kern="1200" baseline="0" dirty="0">
+                        <a:rPr lang="en-US" sz="1100" b="0" kern="1200" dirty="0">
                           <a:solidFill>
                             <a:schemeClr val="lt1"/>
                           </a:solidFill>
                           <a:latin typeface="Consolas" panose="020B0609020204030204" pitchFamily="49" charset="0"/>
                           <a:ea typeface="+mn-ea"/>
-                          <a:cs typeface="+mn-cs"/>
+                          <a:cs typeface="Consolas" panose="020B0609020204030204" pitchFamily="49" charset="0"/>
                         </a:rPr>
                       </a:br>
                       <a:r>
-                        <a:rPr lang="en-US" sz="1100" b="0" i="0" kern="1200" baseline="0" dirty="0">
+                        <a:rPr lang="en-US" sz="1100" b="0" kern="1200" dirty="0">
                           <a:solidFill>
                             <a:schemeClr val="lt1"/>
                           </a:solidFill>
                           <a:latin typeface="Consolas" panose="020B0609020204030204" pitchFamily="49" charset="0"/>
                           <a:ea typeface="+mn-ea"/>
-                          <a:cs typeface="+mn-cs"/>
-                        </a:rPr>
-                        <a:t>    SYS   TS$                                  16              6 TABLE       2018-02-07 22:51:55 2018-02-07 23:57:54 </a:t>
+                          <a:cs typeface="Consolas" panose="020B0609020204030204" pitchFamily="49" charset="0"/>
+                        </a:rPr>
+                        <a:t>      3             clo_normal@slcm01adm01vm01/</a:t>
+                      </a:r>
+                      <a:r>
+                        <a:rPr lang="en-US" sz="1100" b="0" kern="1200" dirty="0" err="1">
+                          <a:solidFill>
+                            <a:schemeClr val="lt1"/>
+                          </a:solidFill>
+                          <a:latin typeface="Consolas" panose="020B0609020204030204" pitchFamily="49" charset="0"/>
+                          <a:ea typeface="+mn-ea"/>
+                          <a:cs typeface="Consolas" panose="020B0609020204030204" pitchFamily="49" charset="0"/>
+                        </a:rPr>
+                        <a:t>rwp_shard</a:t>
+                      </a:r>
+                      <a:r>
+                        <a:rPr lang="en-US" sz="1100" b="0" kern="1200" dirty="0">
+                          <a:solidFill>
+                            <a:schemeClr val="lt1"/>
+                          </a:solidFill>
+                          <a:latin typeface="Consolas" panose="020B0609020204030204" pitchFamily="49" charset="0"/>
+                          <a:ea typeface="+mn-ea"/>
+                          <a:cs typeface="Consolas" panose="020B0609020204030204" pitchFamily="49" charset="0"/>
+                        </a:rPr>
+                        <a:t> </a:t>
+                      </a:r>
+                      <a:r>
+                        <a:rPr lang="en-US" sz="1100" b="0" kern="1200" dirty="0" err="1">
+                          <a:solidFill>
+                            <a:schemeClr val="lt1"/>
+                          </a:solidFill>
+                          <a:latin typeface="Consolas" panose="020B0609020204030204" pitchFamily="49" charset="0"/>
+                          <a:ea typeface="+mn-ea"/>
+                          <a:cs typeface="Consolas" panose="020B0609020204030204" pitchFamily="49" charset="0"/>
+                        </a:rPr>
+                        <a:t>clo_normal</a:t>
+                      </a:r>
+                      <a:r>
+                        <a:rPr lang="en-US" sz="1100" b="0" kern="1200" dirty="0">
+                          <a:solidFill>
+                            <a:schemeClr val="lt1"/>
+                          </a:solidFill>
+                          <a:latin typeface="Consolas" panose="020B0609020204030204" pitchFamily="49" charset="0"/>
+                          <a:ea typeface="+mn-ea"/>
+                          <a:cs typeface="Consolas" panose="020B0609020204030204" pitchFamily="49" charset="0"/>
+                        </a:rPr>
+                        <a:t>          </a:t>
+                      </a:r>
+                      <a:r>
+                        <a:rPr lang="en-US" sz="1100" b="0" kern="1200" dirty="0" err="1">
+                          <a:solidFill>
+                            <a:schemeClr val="lt1"/>
+                          </a:solidFill>
+                          <a:latin typeface="Consolas" panose="020B0609020204030204" pitchFamily="49" charset="0"/>
+                          <a:ea typeface="+mn-ea"/>
+                          <a:cs typeface="Consolas" panose="020B0609020204030204" pitchFamily="49" charset="0"/>
+                        </a:rPr>
+                        <a:t>jdbc:oracle:thin</a:t>
+                      </a:r>
+                      <a:r>
+                        <a:rPr lang="en-US" sz="1100" b="0" kern="1200" dirty="0">
+                          <a:solidFill>
+                            <a:schemeClr val="lt1"/>
+                          </a:solidFill>
+                          <a:latin typeface="Consolas" panose="020B0609020204030204" pitchFamily="49" charset="0"/>
+                          <a:ea typeface="+mn-ea"/>
+                          <a:cs typeface="Consolas" panose="020B0609020204030204" pitchFamily="49" charset="0"/>
+                        </a:rPr>
+                        <a:t>:@sncm01adm01vm01.us.ocsd</a:t>
                       </a:r>
                       <a:br>
-                        <a:rPr lang="en-US" sz="1100" b="0" i="0" kern="1200" baseline="0" dirty="0">
+                        <a:rPr lang="en-US" sz="1100" b="1" kern="1200" dirty="0">
                           <a:solidFill>
                             <a:schemeClr val="lt1"/>
                           </a:solidFill>
-                          <a:latin typeface="Consolas" panose="020B0609020204030204" pitchFamily="49" charset="0"/>
+                          <a:latin typeface="+mn-lt"/>
                           <a:ea typeface="+mn-ea"/>
                           <a:cs typeface="+mn-cs"/>
                         </a:rPr>
                       </a:br>
                       <a:r>
-                        <a:rPr lang="en-US" sz="1100" b="0" i="0" kern="1200" baseline="0" dirty="0">
+                        <a:rPr lang="en-US" sz="1100" b="0" kern="1200" dirty="0">
                           <a:solidFill>
                             <a:schemeClr val="lt1"/>
                           </a:solidFill>
                           <a:latin typeface="Consolas" panose="020B0609020204030204" pitchFamily="49" charset="0"/>
                           <a:ea typeface="+mn-ea"/>
-                          <a:cs typeface="+mn-cs"/>
-                        </a:rPr>
-                        <a:t>    SYS   ICOL$                                20              2 TABLE       2018-02-07 22:51:55 2018-02-07 23:57:54 </a:t>
+                          <a:cs typeface="Consolas" panose="020B0609020204030204" pitchFamily="49" charset="0"/>
+                        </a:rPr>
+                        <a:t>ORCL&gt; login 2</a:t>
                       </a:r>
                       <a:br>
-                        <a:rPr lang="en-US" sz="1100" b="0" i="0" kern="1200" baseline="0" dirty="0">
+                        <a:rPr lang="en-US" sz="1100" b="0" kern="1200" dirty="0">
                           <a:solidFill>
                             <a:schemeClr val="lt1"/>
                           </a:solidFill>
                           <a:latin typeface="Consolas" panose="020B0609020204030204" pitchFamily="49" charset="0"/>
                           <a:ea typeface="+mn-ea"/>
-                          <a:cs typeface="+mn-cs"/>
+                          <a:cs typeface="Consolas" panose="020B0609020204030204" pitchFamily="49" charset="0"/>
                         </a:rPr>
                       </a:br>
                       <a:r>
-                        <a:rPr lang="en-US" sz="1100" b="0" i="0" kern="1200" baseline="0" dirty="0">
+                        <a:rPr lang="en-US" sz="1100" b="0" kern="1200" dirty="0">
                           <a:solidFill>
                             <a:schemeClr val="lt1"/>
                           </a:solidFill>
                           <a:latin typeface="Consolas" panose="020B0609020204030204" pitchFamily="49" charset="0"/>
                           <a:ea typeface="+mn-ea"/>
-                          <a:cs typeface="+mn-cs"/>
-                        </a:rPr>
-                        <a:t>    SYS   C_FILE#_BLOCK#                        8              8 CLUSTER     2018-02-07 22:51:55 2018-02-07 22:51:55 </a:t>
+                          <a:cs typeface="Consolas" panose="020B0609020204030204" pitchFamily="49" charset="0"/>
+                        </a:rPr>
+                        <a:t>    Statement completed.</a:t>
                       </a:r>
                       <a:br>
-                        <a:rPr lang="en-US" sz="1100" b="0" i="0" kern="1200" baseline="0" dirty="0">
+                        <a:rPr lang="en-US" sz="1100" b="0" kern="1200" dirty="0">
                           <a:solidFill>
                             <a:schemeClr val="lt1"/>
                           </a:solidFill>
                           <a:latin typeface="Consolas" panose="020B0609020204030204" pitchFamily="49" charset="0"/>
                           <a:ea typeface="+mn-ea"/>
-                          <a:cs typeface="+mn-cs"/>
+                          <a:cs typeface="Consolas" panose="020B0609020204030204" pitchFamily="49" charset="0"/>
                         </a:rPr>
                       </a:br>
                       <a:r>
-                        <a:rPr lang="en-US" sz="1100" b="0" i="0" kern="1200" baseline="0" dirty="0">
+                        <a:rPr lang="en-US" sz="1100" b="0" kern="1200" dirty="0">
                           <a:solidFill>
                             <a:schemeClr val="lt1"/>
                           </a:solidFill>
                           <a:latin typeface="Consolas" panose="020B0609020204030204" pitchFamily="49" charset="0"/>
                           <a:ea typeface="+mn-ea"/>
-                          <a:cs typeface="+mn-cs"/>
-                        </a:rPr>
-                        <a:t>    SYS   I_OBJ2                               37             37 INDEX       2018-02-07 22:51:56 2018-02-07 22:51:56 </a:t>
+                          <a:cs typeface="Consolas" panose="020B0609020204030204" pitchFamily="49" charset="0"/>
+                        </a:rPr>
+                        <a:t>    Database connected.</a:t>
                       </a:r>
                       <a:br>
-                        <a:rPr lang="en-US" sz="1100" b="0" i="0" kern="1200" baseline="0" dirty="0">
+                        <a:rPr lang="en-US" sz="1100" b="0" kern="1200" dirty="0">
                           <a:solidFill>
                             <a:schemeClr val="lt1"/>
                           </a:solidFill>
                           <a:latin typeface="Consolas" panose="020B0609020204030204" pitchFamily="49" charset="0"/>
                           <a:ea typeface="+mn-ea"/>
-                          <a:cs typeface="+mn-cs"/>
+                          <a:cs typeface="Consolas" panose="020B0609020204030204" pitchFamily="49" charset="0"/>
                         </a:rPr>
                       </a:br>
                       <a:r>
-                        <a:rPr lang="en-US" sz="1100" b="0" i="0" kern="1200" baseline="0" dirty="0">
+                        <a:rPr lang="en-US" sz="1100" b="0" kern="1200" dirty="0">
                           <a:solidFill>
                             <a:schemeClr val="lt1"/>
                           </a:solidFill>
                           <a:latin typeface="Consolas" panose="020B0609020204030204" pitchFamily="49" charset="0"/>
                           <a:ea typeface="+mn-ea"/>
-                          <a:cs typeface="+mn-cs"/>
-                        </a:rPr>
-                        <a:t>    SYS   USER$                                22             10 TABLE       2018-02-07 22:51:55 2018-02-07 23:05:16 </a:t>
+                          <a:cs typeface="Consolas" panose="020B0609020204030204" pitchFamily="49" charset="0"/>
+                        </a:rPr>
+                        <a:t>CATDB&gt; </a:t>
+                      </a:r>
+                      <a:r>
+                        <a:rPr lang="en-US" sz="1100" b="0" kern="1200" dirty="0" err="1">
+                          <a:solidFill>
+                            <a:schemeClr val="lt1"/>
+                          </a:solidFill>
+                          <a:latin typeface="Consolas" panose="020B0609020204030204" pitchFamily="49" charset="0"/>
+                          <a:ea typeface="+mn-ea"/>
+                          <a:cs typeface="Consolas" panose="020B0609020204030204" pitchFamily="49" charset="0"/>
+                        </a:rPr>
+                        <a:t>reconn</a:t>
                       </a:r>
                       <a:br>
-                        <a:rPr lang="en-US" sz="1100" b="0" i="0" kern="1200" baseline="0" dirty="0">
+                        <a:rPr lang="en-US" sz="1100" b="0" kern="1200" dirty="0">
                           <a:solidFill>
                             <a:schemeClr val="lt1"/>
                           </a:solidFill>
                           <a:latin typeface="Consolas" panose="020B0609020204030204" pitchFamily="49" charset="0"/>
                           <a:ea typeface="+mn-ea"/>
-                          <a:cs typeface="+mn-cs"/>
+                          <a:cs typeface="Consolas" panose="020B0609020204030204" pitchFamily="49" charset="0"/>
                         </a:rPr>
                       </a:br>
                       <a:r>
-                        <a:rPr lang="en-US" sz="1100" b="0" i="0" kern="1200" baseline="0" dirty="0">
+                        <a:rPr lang="en-US" sz="1100" b="0" kern="1200" dirty="0">
                           <a:solidFill>
                             <a:schemeClr val="lt1"/>
                           </a:solidFill>
                           <a:latin typeface="Consolas" panose="020B0609020204030204" pitchFamily="49" charset="0"/>
                           <a:ea typeface="+mn-ea"/>
-                          <a:cs typeface="+mn-cs"/>
-                        </a:rPr>
-                        <a:t>    SYS   I_TAB1                               33             33 INDEX       2018-02-07 22:51:55 2018-02-07 22:51:55 </a:t>
+                          <a:cs typeface="Consolas" panose="020B0609020204030204" pitchFamily="49" charset="0"/>
+                        </a:rPr>
+                        <a:t>    Statement completed.</a:t>
                       </a:r>
                       <a:br>
-                        <a:rPr lang="en-US" sz="1100" b="0" i="0" kern="1200" baseline="0" dirty="0">
+                        <a:rPr lang="en-US" sz="1100" b="0" kern="1200" dirty="0">
                           <a:solidFill>
                             <a:schemeClr val="lt1"/>
                           </a:solidFill>
                           <a:latin typeface="Consolas" panose="020B0609020204030204" pitchFamily="49" charset="0"/>
                           <a:ea typeface="+mn-ea"/>
-                          <a:cs typeface="+mn-cs"/>
+                          <a:cs typeface="Consolas" panose="020B0609020204030204" pitchFamily="49" charset="0"/>
                         </a:rPr>
                       </a:br>
                       <a:r>
-                        <a:rPr lang="en-US" sz="1100" b="0" i="0" kern="1200" baseline="0" dirty="0">
+                        <a:rPr lang="en-US" sz="1100" b="0" kern="1200" dirty="0">
                           <a:solidFill>
                             <a:schemeClr val="lt1"/>
                           </a:solidFill>
                           <a:latin typeface="Consolas" panose="020B0609020204030204" pitchFamily="49" charset="0"/>
                           <a:ea typeface="+mn-ea"/>
-                          <a:cs typeface="+mn-cs"/>
-                        </a:rPr>
-                        <a:t>    SYS   I_OBJ5                               40             40 INDEX       2018-02-07 22:51:56 2018-02-07 22:51:56 </a:t>
+                          <a:cs typeface="Consolas" panose="020B0609020204030204" pitchFamily="49" charset="0"/>
+                        </a:rPr>
+                        <a:t>    Database connected.</a:t>
                       </a:r>
                       <a:br>
-                        <a:rPr lang="en-US" sz="1100" b="0" i="0" kern="1200" baseline="0" dirty="0">
+                        <a:rPr lang="en-US" sz="1100" b="0" kern="1200" dirty="0">
                           <a:solidFill>
                             <a:schemeClr val="lt1"/>
                           </a:solidFill>
                           <a:latin typeface="Consolas" panose="020B0609020204030204" pitchFamily="49" charset="0"/>
                           <a:ea typeface="+mn-ea"/>
-                          <a:cs typeface="+mn-cs"/>
+                          <a:cs typeface="Consolas" panose="020B0609020204030204" pitchFamily="49" charset="0"/>
                         </a:rPr>
                       </a:br>
                       <a:r>
-                        <a:rPr lang="en-US" sz="1100" b="0" i="0" kern="1200" baseline="0" dirty="0">
+                        <a:rPr lang="en-US" sz="1100" b="0" kern="1200" dirty="0">
                           <a:solidFill>
                             <a:schemeClr val="lt1"/>
                           </a:solidFill>
                           <a:latin typeface="Consolas" panose="020B0609020204030204" pitchFamily="49" charset="0"/>
                           <a:ea typeface="+mn-ea"/>
-                          <a:cs typeface="+mn-cs"/>
-                        </a:rPr>
-                        <a:t>    SYS   CDEF$                                31             29 TABLE       2018-02-07 22:51:55 2018-02-07 23:57:54 </a:t>
-                      </a:r>
-                      <a:br>
-                        <a:rPr lang="en-US" sz="1100" b="0" i="0" kern="1200" baseline="0" dirty="0">
-                          <a:solidFill>
-                            <a:schemeClr val="lt1"/>
-                          </a:solidFill>
-                          <a:latin typeface="Consolas" panose="020B0609020204030204" pitchFamily="49" charset="0"/>
-                          <a:ea typeface="+mn-ea"/>
-                          <a:cs typeface="+mn-cs"/>
-                        </a:rPr>
-                      </a:br>
-                      <a:r>
-                        <a:rPr lang="en-US" sz="1100" b="0" i="0" kern="1200" baseline="0" dirty="0">
-                          <a:solidFill>
-                            <a:schemeClr val="lt1"/>
-                          </a:solidFill>
-                          <a:latin typeface="Consolas" panose="020B0609020204030204" pitchFamily="49" charset="0"/>
-                          <a:ea typeface="+mn-ea"/>
-                          <a:cs typeface="+mn-cs"/>
-                        </a:rPr>
-                        <a:t>    SYS   I_IND1                               41             41 INDEX       2018-02-07 22:51:56 2018-02-07 22:51:56 </a:t>
-                      </a:r>
-                      <a:br>
-                        <a:rPr lang="en-US" sz="1100" b="0" i="0" kern="1200" baseline="0" dirty="0">
-                          <a:solidFill>
-                            <a:schemeClr val="lt1"/>
-                          </a:solidFill>
-                          <a:latin typeface="Consolas" panose="020B0609020204030204" pitchFamily="49" charset="0"/>
-                          <a:ea typeface="+mn-ea"/>
-                          <a:cs typeface="+mn-cs"/>
-                        </a:rPr>
-                      </a:br>
-                      <a:r>
-                        <a:rPr lang="en-US" sz="1100" b="0" i="0" kern="1200" baseline="0" dirty="0">
-                          <a:solidFill>
-                            <a:schemeClr val="lt1"/>
-                          </a:solidFill>
-                          <a:latin typeface="Consolas" panose="020B0609020204030204" pitchFamily="49" charset="0"/>
-                          <a:ea typeface="+mn-ea"/>
-                          <a:cs typeface="+mn-cs"/>
-                        </a:rPr>
-                        <a:t>    SYS   I_OBJ#                                3              3 INDEX       2018-02-07 22:51:55 2018-02-07 22:51:55 </a:t>
-                      </a:r>
-                      <a:br>
-                        <a:rPr lang="en-US" sz="1100" b="0" i="0" kern="1200" baseline="0" dirty="0">
-                          <a:solidFill>
-                            <a:schemeClr val="lt1"/>
-                          </a:solidFill>
-                          <a:latin typeface="Consolas" panose="020B0609020204030204" pitchFamily="49" charset="0"/>
-                          <a:ea typeface="+mn-ea"/>
-                          <a:cs typeface="+mn-cs"/>
-                        </a:rPr>
-                      </a:br>
-                      <a:r>
-                        <a:rPr lang="en-US" sz="1100" b="0" i="0" kern="1200" baseline="0" dirty="0">
-                          <a:solidFill>
-                            <a:schemeClr val="lt1"/>
-                          </a:solidFill>
-                          <a:latin typeface="Consolas" panose="020B0609020204030204" pitchFamily="49" charset="0"/>
-                          <a:ea typeface="+mn-ea"/>
-                          <a:cs typeface="+mn-cs"/>
-                        </a:rPr>
-                        <a:t>                                                                                                                     </a:t>
-                      </a:r>
-                      <a:br>
-                        <a:rPr lang="en-US" sz="1100" b="0" i="0" kern="1200" baseline="0" dirty="0">
-                          <a:solidFill>
-                            <a:schemeClr val="lt1"/>
-                          </a:solidFill>
-                          <a:latin typeface="Consolas" panose="020B0609020204030204" pitchFamily="49" charset="0"/>
-                          <a:ea typeface="+mn-ea"/>
-                          <a:cs typeface="+mn-cs"/>
-                        </a:rPr>
-                      </a:br>
-                      <a:r>
-                        <a:rPr lang="en-US" sz="1100" b="0" i="0" kern="1200" baseline="0" dirty="0">
-                          <a:solidFill>
-                            <a:schemeClr val="lt1"/>
-                          </a:solidFill>
-                          <a:latin typeface="Consolas" panose="020B0609020204030204" pitchFamily="49" charset="0"/>
-                          <a:ea typeface="+mn-ea"/>
-                          <a:cs typeface="+mn-cs"/>
-                        </a:rPr>
-                        <a:t>    10 rows returned.    </a:t>
-                      </a:r>
-                    </a:p>
-                    <a:p>
-                      <a:r>
-                        <a:rPr lang="en-US" sz="1100" b="0" i="0" kern="1200" baseline="0" dirty="0">
-                          <a:solidFill>
-                            <a:schemeClr val="lt1"/>
-                          </a:solidFill>
-                          <a:latin typeface="Consolas" panose="020B0609020204030204" pitchFamily="49" charset="0"/>
-                          <a:ea typeface="+mn-ea"/>
-                          <a:cs typeface="+mn-cs"/>
-                        </a:rPr>
-                        <a:t>                                                                                            </a:t>
-                      </a:r>
-                      <a:br>
-                        <a:rPr lang="en-US" sz="1100" b="0" i="0" kern="1200" baseline="0" dirty="0">
-                          <a:solidFill>
-                            <a:schemeClr val="lt1"/>
-                          </a:solidFill>
-                          <a:latin typeface="Consolas" panose="020B0609020204030204" pitchFamily="49" charset="0"/>
-                          <a:ea typeface="+mn-ea"/>
-                          <a:cs typeface="+mn-cs"/>
-                        </a:rPr>
-                      </a:br>
-                      <a:r>
-                        <a:rPr lang="en-US" sz="1100" b="0" i="0" kern="1200" baseline="0" dirty="0">
-                          <a:solidFill>
-                            <a:schemeClr val="lt1"/>
-                          </a:solidFill>
-                          <a:latin typeface="Consolas" panose="020B0609020204030204" pitchFamily="49" charset="0"/>
-                          <a:ea typeface="+mn-ea"/>
-                          <a:cs typeface="+mn-cs"/>
-                        </a:rPr>
-                        <a:t>CATDB&gt; set printsize 5 colsep |                                                                                       </a:t>
-                      </a:r>
-                      <a:br>
-                        <a:rPr lang="en-US" sz="1100" b="0" i="0" kern="1200" baseline="0" dirty="0">
-                          <a:solidFill>
-                            <a:schemeClr val="lt1"/>
-                          </a:solidFill>
-                          <a:latin typeface="Consolas" panose="020B0609020204030204" pitchFamily="49" charset="0"/>
-                          <a:ea typeface="+mn-ea"/>
-                          <a:cs typeface="+mn-cs"/>
-                        </a:rPr>
-                      </a:br>
-                      <a:r>
-                        <a:rPr lang="en-US" sz="1100" b="0" i="0" kern="1200" baseline="0" dirty="0">
-                          <a:solidFill>
-                            <a:schemeClr val="lt1"/>
-                          </a:solidFill>
-                          <a:latin typeface="Consolas" panose="020B0609020204030204" pitchFamily="49" charset="0"/>
-                          <a:ea typeface="+mn-ea"/>
-                          <a:cs typeface="+mn-cs"/>
-                        </a:rPr>
-                        <a:t>CATDB&gt; sf dba_objects                                                                                                 </a:t>
-                      </a:r>
-                      <a:br>
-                        <a:rPr lang="en-US" sz="1100" b="0" i="0" kern="1200" baseline="0" dirty="0">
-                          <a:solidFill>
-                            <a:schemeClr val="lt1"/>
-                          </a:solidFill>
-                          <a:latin typeface="Consolas" panose="020B0609020204030204" pitchFamily="49" charset="0"/>
-                          <a:ea typeface="+mn-ea"/>
-                          <a:cs typeface="+mn-cs"/>
-                        </a:rPr>
-                      </a:br>
-                      <a:r>
-                        <a:rPr lang="en-US" sz="1100" b="0" i="0" kern="1200" baseline="0" dirty="0">
-                          <a:solidFill>
-                            <a:schemeClr val="lt1"/>
-                          </a:solidFill>
-                          <a:latin typeface="Consolas" panose="020B0609020204030204" pitchFamily="49" charset="0"/>
-                          <a:ea typeface="+mn-ea"/>
-                          <a:cs typeface="+mn-cs"/>
-                        </a:rPr>
-                        <a:t>    $ select * from (select * from dba_objects) where rownum&lt;=50                                                      </a:t>
-                      </a:r>
-                      <a:br>
-                        <a:rPr lang="en-US" sz="1100" b="0" i="0" kern="1200" baseline="0" dirty="0">
-                          <a:solidFill>
-                            <a:schemeClr val="lt1"/>
-                          </a:solidFill>
-                          <a:latin typeface="Consolas" panose="020B0609020204030204" pitchFamily="49" charset="0"/>
-                          <a:ea typeface="+mn-ea"/>
-                          <a:cs typeface="+mn-cs"/>
-                        </a:rPr>
-                      </a:br>
-                      <a:r>
-                        <a:rPr lang="en-US" sz="1100" b="0" i="0" kern="1200" baseline="0" dirty="0">
-                          <a:solidFill>
-                            <a:schemeClr val="lt1"/>
-                          </a:solidFill>
-                          <a:latin typeface="Consolas" panose="020B0609020204030204" pitchFamily="49" charset="0"/>
-                          <a:ea typeface="+mn-ea"/>
-                          <a:cs typeface="+mn-cs"/>
-                        </a:rPr>
-                        <a:t>    +-----+--------------+--------------+---------+--------------+-----------+-------------------+-------------------+</a:t>
-                      </a:r>
-                      <a:br>
-                        <a:rPr lang="en-US" sz="1100" b="0" i="0" kern="1200" baseline="0" dirty="0">
-                          <a:solidFill>
-                            <a:schemeClr val="lt1"/>
-                          </a:solidFill>
-                          <a:latin typeface="Consolas" panose="020B0609020204030204" pitchFamily="49" charset="0"/>
-                          <a:ea typeface="+mn-ea"/>
-                          <a:cs typeface="+mn-cs"/>
-                        </a:rPr>
-                      </a:br>
-                      <a:r>
-                        <a:rPr lang="en-US" sz="1100" b="0" i="0" kern="1200" baseline="0" dirty="0">
-                          <a:solidFill>
-                            <a:schemeClr val="lt1"/>
-                          </a:solidFill>
-                          <a:latin typeface="Consolas" panose="020B0609020204030204" pitchFamily="49" charset="0"/>
-                          <a:ea typeface="+mn-ea"/>
-                          <a:cs typeface="+mn-cs"/>
-                        </a:rPr>
-                        <a:t>    |OWNER| OBJECT_NAME  |SUBOBJECT_NAME|OBJECT_ID|DATA_OBJECT_ID|OBJECT_TYPE|      CREATED      |   LAST_DDL_TIME   |</a:t>
-                      </a:r>
-                      <a:br>
-                        <a:rPr lang="en-US" sz="1100" b="0" i="0" kern="1200" baseline="0" dirty="0">
-                          <a:solidFill>
-                            <a:schemeClr val="lt1"/>
-                          </a:solidFill>
-                          <a:latin typeface="Consolas" panose="020B0609020204030204" pitchFamily="49" charset="0"/>
-                          <a:ea typeface="+mn-ea"/>
-                          <a:cs typeface="+mn-cs"/>
-                        </a:rPr>
-                      </a:br>
-                      <a:r>
-                        <a:rPr lang="en-US" sz="1100" b="0" i="0" kern="1200" baseline="0" dirty="0">
-                          <a:solidFill>
-                            <a:schemeClr val="lt1"/>
-                          </a:solidFill>
-                          <a:latin typeface="Consolas" panose="020B0609020204030204" pitchFamily="49" charset="0"/>
-                          <a:ea typeface="+mn-ea"/>
-                          <a:cs typeface="+mn-cs"/>
-                        </a:rPr>
-                        <a:t>    |-----|--------------|--------------|---------|--------------|-----------|-------------------|-------------------|</a:t>
-                      </a:r>
-                      <a:br>
-                        <a:rPr lang="en-US" sz="1100" b="0" i="0" kern="1200" baseline="0" dirty="0">
-                          <a:solidFill>
-                            <a:schemeClr val="lt1"/>
-                          </a:solidFill>
-                          <a:latin typeface="Consolas" panose="020B0609020204030204" pitchFamily="49" charset="0"/>
-                          <a:ea typeface="+mn-ea"/>
-                          <a:cs typeface="+mn-cs"/>
-                        </a:rPr>
-                      </a:br>
-                      <a:r>
-                        <a:rPr lang="en-US" sz="1100" b="0" i="0" kern="1200" baseline="0" dirty="0">
-                          <a:solidFill>
-                            <a:schemeClr val="lt1"/>
-                          </a:solidFill>
-                          <a:latin typeface="Consolas" panose="020B0609020204030204" pitchFamily="49" charset="0"/>
-                          <a:ea typeface="+mn-ea"/>
-                          <a:cs typeface="+mn-cs"/>
-                        </a:rPr>
-                        <a:t>    |SYS  |TS$           |              |       16|             6|TABLE      |2018-02-07 22:51:55|2018-02-07 23:57:54|</a:t>
-                      </a:r>
-                      <a:br>
-                        <a:rPr lang="en-US" sz="1100" b="0" i="0" kern="1200" baseline="0" dirty="0">
-                          <a:solidFill>
-                            <a:schemeClr val="lt1"/>
-                          </a:solidFill>
-                          <a:latin typeface="Consolas" panose="020B0609020204030204" pitchFamily="49" charset="0"/>
-                          <a:ea typeface="+mn-ea"/>
-                          <a:cs typeface="+mn-cs"/>
-                        </a:rPr>
-                      </a:br>
-                      <a:r>
-                        <a:rPr lang="en-US" sz="1100" b="0" i="0" kern="1200" baseline="0" dirty="0">
-                          <a:solidFill>
-                            <a:schemeClr val="lt1"/>
-                          </a:solidFill>
-                          <a:latin typeface="Consolas" panose="020B0609020204030204" pitchFamily="49" charset="0"/>
-                          <a:ea typeface="+mn-ea"/>
-                          <a:cs typeface="+mn-cs"/>
-                        </a:rPr>
-                        <a:t>    |SYS  |ICOL$         |              |       20|             2|TABLE      |2018-02-07 22:51:55|2018-02-07 23:57:54|</a:t>
-                      </a:r>
-                      <a:br>
-                        <a:rPr lang="en-US" sz="1100" b="0" i="0" kern="1200" baseline="0" dirty="0">
-                          <a:solidFill>
-                            <a:schemeClr val="lt1"/>
-                          </a:solidFill>
-                          <a:latin typeface="Consolas" panose="020B0609020204030204" pitchFamily="49" charset="0"/>
-                          <a:ea typeface="+mn-ea"/>
-                          <a:cs typeface="+mn-cs"/>
-                        </a:rPr>
-                      </a:br>
-                      <a:r>
-                        <a:rPr lang="en-US" sz="1100" b="0" i="0" kern="1200" baseline="0" dirty="0">
-                          <a:solidFill>
-                            <a:schemeClr val="lt1"/>
-                          </a:solidFill>
-                          <a:latin typeface="Consolas" panose="020B0609020204030204" pitchFamily="49" charset="0"/>
-                          <a:ea typeface="+mn-ea"/>
-                          <a:cs typeface="+mn-cs"/>
-                        </a:rPr>
-                        <a:t>    |SYS  |C_FILE#_BLOCK#|              |        8|             8|CLUSTER    |2018-02-07 22:51:55|2018-02-07 22:51:55|</a:t>
-                      </a:r>
-                      <a:br>
-                        <a:rPr lang="en-US" sz="1100" b="0" i="0" kern="1200" baseline="0" dirty="0">
-                          <a:solidFill>
-                            <a:schemeClr val="lt1"/>
-                          </a:solidFill>
-                          <a:latin typeface="Consolas" panose="020B0609020204030204" pitchFamily="49" charset="0"/>
-                          <a:ea typeface="+mn-ea"/>
-                          <a:cs typeface="+mn-cs"/>
-                        </a:rPr>
-                      </a:br>
-                      <a:r>
-                        <a:rPr lang="en-US" sz="1100" b="0" i="0" kern="1200" baseline="0" dirty="0">
-                          <a:solidFill>
-                            <a:schemeClr val="lt1"/>
-                          </a:solidFill>
-                          <a:latin typeface="Consolas" panose="020B0609020204030204" pitchFamily="49" charset="0"/>
-                          <a:ea typeface="+mn-ea"/>
-                          <a:cs typeface="+mn-cs"/>
-                        </a:rPr>
-                        <a:t>    |SYS  |I_OBJ2        |              |       37|            37|INDEX      |2018-02-07 22:51:56|2018-02-07 22:51:56|</a:t>
-                      </a:r>
-                      <a:br>
-                        <a:rPr lang="en-US" sz="1100" b="0" i="0" kern="1200" baseline="0" dirty="0">
-                          <a:solidFill>
-                            <a:schemeClr val="lt1"/>
-                          </a:solidFill>
-                          <a:latin typeface="Consolas" panose="020B0609020204030204" pitchFamily="49" charset="0"/>
-                          <a:ea typeface="+mn-ea"/>
-                          <a:cs typeface="+mn-cs"/>
-                        </a:rPr>
-                      </a:br>
-                      <a:r>
-                        <a:rPr lang="en-US" sz="1100" b="0" i="0" kern="1200" baseline="0" dirty="0">
-                          <a:solidFill>
-                            <a:schemeClr val="lt1"/>
-                          </a:solidFill>
-                          <a:latin typeface="Consolas" panose="020B0609020204030204" pitchFamily="49" charset="0"/>
-                          <a:ea typeface="+mn-ea"/>
-                          <a:cs typeface="+mn-cs"/>
-                        </a:rPr>
-                        <a:t>    |SYS  |USER$         |              |       22|            10|TABLE      |2018-02-07 22:51:55|2018-02-07 23:05:16|</a:t>
-                      </a:r>
-                      <a:br>
-                        <a:rPr lang="en-US" sz="1100" b="0" i="0" kern="1200" baseline="0" dirty="0">
-                          <a:solidFill>
-                            <a:schemeClr val="lt1"/>
-                          </a:solidFill>
-                          <a:latin typeface="Consolas" panose="020B0609020204030204" pitchFamily="49" charset="0"/>
-                          <a:ea typeface="+mn-ea"/>
-                          <a:cs typeface="+mn-cs"/>
-                        </a:rPr>
-                      </a:br>
-                      <a:r>
-                        <a:rPr lang="en-US" sz="1100" b="0" i="0" kern="1200" baseline="0" dirty="0">
-                          <a:solidFill>
-                            <a:schemeClr val="lt1"/>
-                          </a:solidFill>
-                          <a:latin typeface="Consolas" panose="020B0609020204030204" pitchFamily="49" charset="0"/>
-                          <a:ea typeface="+mn-ea"/>
-                          <a:cs typeface="+mn-cs"/>
-                        </a:rPr>
-                        <a:t>    +-----+--------------+--------------+---------+--------------+-----------+-------------------+-------------------+</a:t>
-                      </a:r>
-                      <a:br>
-                        <a:rPr lang="en-US" sz="1100" b="0" i="0" kern="1200" baseline="0" dirty="0">
-                          <a:solidFill>
-                            <a:schemeClr val="lt1"/>
-                          </a:solidFill>
-                          <a:latin typeface="Consolas" panose="020B0609020204030204" pitchFamily="49" charset="0"/>
-                          <a:ea typeface="+mn-ea"/>
-                          <a:cs typeface="+mn-cs"/>
-                        </a:rPr>
-                      </a:br>
-                      <a:r>
-                        <a:rPr lang="en-US" sz="1100" b="0" i="0" kern="1200" baseline="0" dirty="0">
-                          <a:solidFill>
-                            <a:schemeClr val="lt1"/>
-                          </a:solidFill>
-                          <a:latin typeface="Consolas" panose="020B0609020204030204" pitchFamily="49" charset="0"/>
-                          <a:ea typeface="+mn-ea"/>
-                          <a:cs typeface="+mn-cs"/>
-                        </a:rPr>
-                        <a:t>                                                                                                                      </a:t>
-                      </a:r>
-                      <a:br>
-                        <a:rPr lang="en-US" sz="1100" b="0" i="0" kern="1200" baseline="0" dirty="0">
-                          <a:solidFill>
-                            <a:schemeClr val="lt1"/>
-                          </a:solidFill>
-                          <a:latin typeface="Consolas" panose="020B0609020204030204" pitchFamily="49" charset="0"/>
-                          <a:ea typeface="+mn-ea"/>
-                          <a:cs typeface="+mn-cs"/>
-                        </a:rPr>
-                      </a:br>
-                      <a:r>
-                        <a:rPr lang="en-US" sz="1100" b="0" i="0" kern="1200" baseline="0" dirty="0">
-                          <a:solidFill>
-                            <a:schemeClr val="lt1"/>
-                          </a:solidFill>
-                          <a:latin typeface="Consolas" panose="020B0609020204030204" pitchFamily="49" charset="0"/>
-                          <a:ea typeface="+mn-ea"/>
-                          <a:cs typeface="+mn-cs"/>
-                        </a:rPr>
-                        <a:t>    5 rows returned.                                                                                                  </a:t>
-                      </a:r>
-                      <a:br>
-                        <a:rPr lang="en-US" sz="1100" b="0" i="0" kern="1200" baseline="0" dirty="0">
-                          <a:solidFill>
-                            <a:schemeClr val="lt1"/>
-                          </a:solidFill>
-                          <a:latin typeface="Consolas" panose="020B0609020204030204" pitchFamily="49" charset="0"/>
-                          <a:ea typeface="+mn-ea"/>
-                          <a:cs typeface="+mn-cs"/>
-                        </a:rPr>
-                      </a:br>
-                      <a:br>
-                        <a:rPr lang="en-US" sz="1100" b="0" i="0" kern="1200" baseline="0" dirty="0">
-                          <a:solidFill>
-                            <a:schemeClr val="lt1"/>
-                          </a:solidFill>
-                          <a:latin typeface="Consolas" panose="020B0609020204030204" pitchFamily="49" charset="0"/>
-                          <a:ea typeface="+mn-ea"/>
-                          <a:cs typeface="+mn-cs"/>
-                        </a:rPr>
-                      </a:br>
-                      <a:r>
-                        <a:rPr lang="en-US" sz="1100" b="0" i="0" kern="1200" baseline="0" dirty="0">
-                          <a:solidFill>
-                            <a:schemeClr val="lt1"/>
-                          </a:solidFill>
-                          <a:latin typeface="Consolas" panose="020B0609020204030204" pitchFamily="49" charset="0"/>
-                          <a:ea typeface="+mn-ea"/>
-                          <a:cs typeface="+mn-cs"/>
-                        </a:rPr>
-                        <a:t>CATDB&gt; set colsep default</a:t>
+                          <a:cs typeface="Consolas" panose="020B0609020204030204" pitchFamily="49" charset="0"/>
+                        </a:rPr>
+                        <a:t>CATDB&gt;</a:t>
                       </a:r>
                     </a:p>
                   </a:txBody>
@@ -22497,7 +21869,7 @@
                 </a:tc>
                 <a:extLst>
                   <a:ext uri="{0D108BD9-81ED-4DB2-BD59-A6C34878D82A}">
-                    <a16:rowId xmlns:a16="http://schemas.microsoft.com/office/drawing/2014/main" val="1504338429"/>
+                    <a16:rowId xmlns:a16="http://schemas.microsoft.com/office/drawing/2014/main" val="4009727750"/>
                   </a:ext>
                 </a:extLst>
               </a:tr>
@@ -22505,51 +21877,10 @@
           </a:graphicData>
         </a:graphic>
       </p:graphicFrame>
-      <p:sp>
-        <p:nvSpPr>
-          <p:cNvPr id="5" name="内容占位符 2">
-            <a:extLst>
-              <a:ext uri="{FF2B5EF4-FFF2-40B4-BE49-F238E27FC236}">
-                <a16:creationId xmlns:a16="http://schemas.microsoft.com/office/drawing/2014/main" id="{11EF5E99-F123-4A81-818D-EA921BFA96B0}"/>
-              </a:ext>
-            </a:extLst>
-          </p:cNvPr>
-          <p:cNvSpPr>
-            <a:spLocks noGrp="1"/>
-          </p:cNvSpPr>
-          <p:nvPr>
-            <p:ph idx="1"/>
-          </p:nvPr>
-        </p:nvSpPr>
-        <p:spPr>
-          <a:xfrm>
-            <a:off x="838200" y="1010093"/>
-            <a:ext cx="10275779" cy="621105"/>
-          </a:xfrm>
-        </p:spPr>
-        <p:txBody>
-          <a:bodyPr>
-            <a:normAutofit fontScale="85000" lnSpcReduction="20000"/>
-          </a:bodyPr>
-          <a:lstStyle/>
-          <a:p>
-            <a:r>
-              <a:rPr lang="en-US" dirty="0"/>
-              <a:t>The string columns are auto-adjusted to fit the screen, refer to “set grid” for more manual configurations</a:t>
-            </a:r>
-          </a:p>
-          <a:p>
-            <a:pPr marL="0" indent="0">
-              <a:buNone/>
-            </a:pPr>
-            <a:endParaRPr lang="en-US" dirty="0"/>
-          </a:p>
-        </p:txBody>
-      </p:sp>
     </p:spTree>
     <p:extLst>
       <p:ext uri="{BB962C8B-B14F-4D97-AF65-F5344CB8AC3E}">
-        <p14:creationId xmlns:p14="http://schemas.microsoft.com/office/powerpoint/2010/main" val="3356030857"/>
+        <p14:creationId xmlns:p14="http://schemas.microsoft.com/office/powerpoint/2010/main" val="1063437512"/>
       </p:ext>
     </p:extLst>
   </p:cSld>
@@ -22560,6 +21891,356 @@
 </file>
 
 <file path=ppt/slides/slide50.xml><?xml version="1.0" encoding="utf-8"?>
+<p:sld xmlns:a="http://schemas.openxmlformats.org/drawingml/2006/main" xmlns:r="http://schemas.openxmlformats.org/officeDocument/2006/relationships" xmlns:p="http://schemas.openxmlformats.org/presentationml/2006/main">
+  <p:cSld>
+    <p:spTree>
+      <p:nvGrpSpPr>
+        <p:cNvPr id="1" name=""/>
+        <p:cNvGrpSpPr/>
+        <p:nvPr/>
+      </p:nvGrpSpPr>
+      <p:grpSpPr>
+        <a:xfrm>
+          <a:off x="0" y="0"/>
+          <a:ext cx="0" cy="0"/>
+          <a:chOff x="0" y="0"/>
+          <a:chExt cx="0" cy="0"/>
+        </a:xfrm>
+      </p:grpSpPr>
+      <p:sp>
+        <p:nvSpPr>
+          <p:cNvPr id="2" name="标题 1">
+            <a:extLst>
+              <a:ext uri="{FF2B5EF4-FFF2-40B4-BE49-F238E27FC236}">
+                <a16:creationId xmlns:a16="http://schemas.microsoft.com/office/drawing/2014/main" id="{3A8E8BA6-F23E-41D4-B3A0-C2E1231FCB8B}"/>
+              </a:ext>
+            </a:extLst>
+          </p:cNvPr>
+          <p:cNvSpPr>
+            <a:spLocks noGrp="1"/>
+          </p:cNvSpPr>
+          <p:nvPr>
+            <p:ph type="title"/>
+          </p:nvPr>
+        </p:nvSpPr>
+        <p:spPr>
+          <a:xfrm>
+            <a:off x="838200" y="46702"/>
+            <a:ext cx="10515600" cy="634335"/>
+          </a:xfrm>
+        </p:spPr>
+        <p:txBody>
+          <a:bodyPr>
+            <a:normAutofit fontScale="90000"/>
+          </a:bodyPr>
+          <a:lstStyle/>
+          <a:p>
+            <a:r>
+              <a:rPr lang="en-US" dirty="0"/>
+              <a:t>Scripting Engine – Snapper  usage (1)</a:t>
+            </a:r>
+          </a:p>
+        </p:txBody>
+      </p:sp>
+      <p:sp>
+        <p:nvSpPr>
+          <p:cNvPr id="3" name="内容占位符 2">
+            <a:extLst>
+              <a:ext uri="{FF2B5EF4-FFF2-40B4-BE49-F238E27FC236}">
+                <a16:creationId xmlns:a16="http://schemas.microsoft.com/office/drawing/2014/main" id="{EF2B99EC-3F05-4E2A-8A7F-9BA5600510CA}"/>
+              </a:ext>
+            </a:extLst>
+          </p:cNvPr>
+          <p:cNvSpPr>
+            <a:spLocks noGrp="1"/>
+          </p:cNvSpPr>
+          <p:nvPr>
+            <p:ph idx="1"/>
+          </p:nvPr>
+        </p:nvSpPr>
+        <p:spPr>
+          <a:xfrm>
+            <a:off x="838200" y="999460"/>
+            <a:ext cx="10515600" cy="5177503"/>
+          </a:xfrm>
+        </p:spPr>
+        <p:txBody>
+          <a:bodyPr>
+            <a:normAutofit fontScale="77500" lnSpcReduction="20000"/>
+          </a:bodyPr>
+          <a:lstStyle/>
+          <a:p>
+            <a:r>
+              <a:rPr lang="en-US" dirty="0"/>
+              <a:t>The snap command is used to calculate the delta values of the same query at different timestamps, so that no need to create temp tables in database to store the snapshot data.</a:t>
+            </a:r>
+          </a:p>
+          <a:p>
+            <a:r>
+              <a:rPr lang="en-US" dirty="0"/>
+              <a:t>The snapper script also supports either documentation or annotations that described in previous chapters. But its code part should follow the JSON syntax or Lua syntax.</a:t>
+            </a:r>
+          </a:p>
+          <a:p>
+            <a:r>
+              <a:rPr lang="en-US" dirty="0"/>
+              <a:t>Command line syntax:</a:t>
+            </a:r>
+          </a:p>
+          <a:p>
+            <a:pPr lvl="1"/>
+            <a:r>
+              <a:rPr lang="en-US" dirty="0"/>
+              <a:t>Snap &lt;script…&gt; [args] </a:t>
+            </a:r>
+            <a:r>
+              <a:rPr lang="en-US" b="1" dirty="0">
+                <a:solidFill>
+                  <a:srgbClr val="0070C0"/>
+                </a:solidFill>
+              </a:rPr>
+              <a:t>begin</a:t>
+            </a:r>
+            <a:r>
+              <a:rPr lang="en-US" dirty="0"/>
+              <a:t> [-sec]=&gt;  do something or wait some time  =&gt; snap &lt;script…&gt; </a:t>
+            </a:r>
+            <a:r>
+              <a:rPr lang="en-US" b="1" dirty="0">
+                <a:solidFill>
+                  <a:srgbClr val="0070C0"/>
+                </a:solidFill>
+              </a:rPr>
+              <a:t>end</a:t>
+            </a:r>
+            <a:r>
+              <a:rPr lang="en-US" dirty="0"/>
+              <a:t>:  </a:t>
+            </a:r>
+            <a:r>
+              <a:rPr lang="en-US" dirty="0">
+                <a:latin typeface="Arial" panose="020B0604020202020204" pitchFamily="34" charset="0"/>
+                <a:cs typeface="Arial" panose="020B0604020202020204" pitchFamily="34" charset="0"/>
+              </a:rPr>
+              <a:t>manually define the snap period, </a:t>
+            </a:r>
+            <a:r>
+              <a:rPr lang="en-US" b="1" dirty="0">
+                <a:solidFill>
+                  <a:schemeClr val="accent1">
+                    <a:lumMod val="75000"/>
+                  </a:schemeClr>
+                </a:solidFill>
+                <a:latin typeface="Arial" panose="020B0604020202020204" pitchFamily="34" charset="0"/>
+                <a:cs typeface="Arial" panose="020B0604020202020204" pitchFamily="34" charset="0"/>
+              </a:rPr>
+              <a:t>-sec </a:t>
+            </a:r>
+            <a:r>
+              <a:rPr lang="en-US" dirty="0">
+                <a:latin typeface="Arial" panose="020B0604020202020204" pitchFamily="34" charset="0"/>
+                <a:cs typeface="Arial" panose="020B0604020202020204" pitchFamily="34" charset="0"/>
+              </a:rPr>
+              <a:t>means dividing the delta values by elapsed seconds</a:t>
+            </a:r>
+          </a:p>
+          <a:p>
+            <a:pPr lvl="1"/>
+            <a:r>
+              <a:rPr lang="en-US" dirty="0"/>
+              <a:t>Snap &lt;script…&gt;  [args] [-sec] “other command”: </a:t>
+            </a:r>
+            <a:r>
+              <a:rPr lang="en-US" dirty="0">
+                <a:latin typeface="Arial" panose="020B0604020202020204" pitchFamily="34" charset="0"/>
+                <a:cs typeface="Arial" panose="020B0604020202020204" pitchFamily="34" charset="0"/>
+              </a:rPr>
+              <a:t>calc the delta value between </a:t>
+            </a:r>
+            <a:r>
+              <a:rPr lang="en-US" dirty="0">
+                <a:solidFill>
+                  <a:schemeClr val="accent1">
+                    <a:lumMod val="75000"/>
+                  </a:schemeClr>
+                </a:solidFill>
+                <a:latin typeface="Arial" panose="020B0604020202020204" pitchFamily="34" charset="0"/>
+                <a:cs typeface="Arial" panose="020B0604020202020204" pitchFamily="34" charset="0"/>
+              </a:rPr>
+              <a:t>before executing command</a:t>
+            </a:r>
+            <a:r>
+              <a:rPr lang="en-US" dirty="0">
+                <a:latin typeface="Arial" panose="020B0604020202020204" pitchFamily="34" charset="0"/>
+                <a:cs typeface="Arial" panose="020B0604020202020204" pitchFamily="34" charset="0"/>
+              </a:rPr>
+              <a:t> and </a:t>
+            </a:r>
+            <a:r>
+              <a:rPr lang="en-US" dirty="0">
+                <a:solidFill>
+                  <a:schemeClr val="accent1">
+                    <a:lumMod val="75000"/>
+                  </a:schemeClr>
+                </a:solidFill>
+                <a:latin typeface="Arial" panose="020B0604020202020204" pitchFamily="34" charset="0"/>
+                <a:cs typeface="Arial" panose="020B0604020202020204" pitchFamily="34" charset="0"/>
+              </a:rPr>
+              <a:t>after executing command</a:t>
+            </a:r>
+          </a:p>
+          <a:p>
+            <a:pPr lvl="1"/>
+            <a:r>
+              <a:rPr lang="en-US" dirty="0"/>
+              <a:t>Snap &lt;script…&gt; [args] [-sec] </a:t>
+            </a:r>
+            <a:r>
+              <a:rPr lang="en-US" dirty="0">
+                <a:solidFill>
+                  <a:srgbClr val="FF0000"/>
+                </a:solidFill>
+              </a:rPr>
+              <a:t>&lt;&lt;!</a:t>
+            </a:r>
+          </a:p>
+          <a:p>
+            <a:pPr marL="457200" lvl="1" indent="0">
+              <a:buNone/>
+            </a:pPr>
+            <a:r>
+              <a:rPr lang="en-US" dirty="0"/>
+              <a:t>              &lt;other commands&gt;</a:t>
+            </a:r>
+          </a:p>
+          <a:p>
+            <a:pPr marL="457200" lvl="1" indent="0">
+              <a:buNone/>
+            </a:pPr>
+            <a:r>
+              <a:rPr lang="en-US" dirty="0"/>
+              <a:t>  </a:t>
+            </a:r>
+            <a:r>
+              <a:rPr lang="en-US" dirty="0">
+                <a:solidFill>
+                  <a:srgbClr val="FF0000"/>
+                </a:solidFill>
+              </a:rPr>
+              <a:t>!</a:t>
+            </a:r>
+            <a:r>
+              <a:rPr lang="en-US" dirty="0"/>
+              <a:t> :  </a:t>
+            </a:r>
+            <a:r>
+              <a:rPr lang="en-US" dirty="0">
+                <a:latin typeface="Arial" panose="020B0604020202020204" pitchFamily="34" charset="0"/>
+                <a:cs typeface="Arial" panose="020B0604020202020204" pitchFamily="34" charset="0"/>
+              </a:rPr>
+              <a:t>similar to above syntax except it support cross line commands</a:t>
+            </a:r>
+          </a:p>
+          <a:p>
+            <a:pPr lvl="1"/>
+            <a:r>
+              <a:rPr lang="en-US" dirty="0"/>
+              <a:t>Snap &lt;script…&gt; </a:t>
+            </a:r>
+            <a:r>
+              <a:rPr lang="en-US" b="1" dirty="0">
+                <a:solidFill>
+                  <a:srgbClr val="0070C0"/>
+                </a:solidFill>
+              </a:rPr>
+              <a:t>&lt;interval[+]&gt; </a:t>
+            </a:r>
+            <a:r>
+              <a:rPr lang="en-US" dirty="0"/>
+              <a:t>[args] [-top] [-sec]: </a:t>
+            </a:r>
+            <a:r>
+              <a:rPr lang="en-US" dirty="0">
+                <a:latin typeface="Arial" panose="020B0604020202020204" pitchFamily="34" charset="0"/>
+                <a:cs typeface="Arial" panose="020B0604020202020204" pitchFamily="34" charset="0"/>
+              </a:rPr>
+              <a:t>calc the delta value between specific interval(in second)</a:t>
+            </a:r>
+          </a:p>
+          <a:p>
+            <a:pPr lvl="2"/>
+            <a:r>
+              <a:rPr lang="en-US" dirty="0"/>
+              <a:t>if </a:t>
+            </a:r>
+            <a:r>
+              <a:rPr lang="en-US" b="1" dirty="0">
+                <a:solidFill>
+                  <a:srgbClr val="0070C0"/>
+                </a:solidFill>
+              </a:rPr>
+              <a:t>+</a:t>
+            </a:r>
+            <a:r>
+              <a:rPr lang="en-US" dirty="0"/>
+              <a:t> is specified then meaning that the scripts will be executed periodically</a:t>
+            </a:r>
+          </a:p>
+          <a:p>
+            <a:pPr lvl="2"/>
+            <a:r>
+              <a:rPr lang="en-US" dirty="0"/>
+              <a:t>if </a:t>
+            </a:r>
+            <a:r>
+              <a:rPr lang="en-US" b="1" dirty="0">
+                <a:solidFill>
+                  <a:srgbClr val="0070C0"/>
+                </a:solidFill>
+              </a:rPr>
+              <a:t>-top</a:t>
+            </a:r>
+            <a:r>
+              <a:rPr lang="en-US" dirty="0"/>
+              <a:t> is specified then meaning the output will be displayed like Linux-top style, usually used together with </a:t>
+            </a:r>
+            <a:r>
+              <a:rPr lang="en-US" b="1" dirty="0">
+                <a:solidFill>
+                  <a:srgbClr val="0070C0"/>
+                </a:solidFill>
+              </a:rPr>
+              <a:t>&lt;seconds&gt;+</a:t>
+            </a:r>
+            <a:r>
+              <a:rPr lang="en-US" dirty="0"/>
+              <a:t> </a:t>
+            </a:r>
+          </a:p>
+          <a:p>
+            <a:pPr lvl="2"/>
+            <a:endParaRPr lang="en-US" dirty="0"/>
+          </a:p>
+          <a:p>
+            <a:pPr lvl="1"/>
+            <a:endParaRPr lang="en-US" dirty="0"/>
+          </a:p>
+        </p:txBody>
+      </p:sp>
+    </p:spTree>
+    <p:extLst>
+      <p:ext uri="{BB962C8B-B14F-4D97-AF65-F5344CB8AC3E}">
+        <p14:creationId xmlns:p14="http://schemas.microsoft.com/office/powerpoint/2010/main" val="2290172486"/>
+      </p:ext>
+    </p:extLst>
+  </p:cSld>
+  <p:clrMapOvr>
+    <a:masterClrMapping/>
+  </p:clrMapOvr>
+</p:sld>
+</file>
+
+<file path=ppt/slides/slide51.xml><?xml version="1.0" encoding="utf-8"?>
 <p:sld xmlns:a="http://schemas.openxmlformats.org/drawingml/2006/main" xmlns:r="http://schemas.openxmlformats.org/officeDocument/2006/relationships" xmlns:p="http://schemas.openxmlformats.org/presentationml/2006/main">
   <p:cSld>
     <p:spTree>
@@ -22705,7 +22386,7 @@
 </p:sld>
 </file>
 
-<file path=ppt/slides/slide51.xml><?xml version="1.0" encoding="utf-8"?>
+<file path=ppt/slides/slide52.xml><?xml version="1.0" encoding="utf-8"?>
 <p:sld xmlns:a="http://schemas.openxmlformats.org/drawingml/2006/main" xmlns:r="http://schemas.openxmlformats.org/officeDocument/2006/relationships" xmlns:p="http://schemas.openxmlformats.org/presentationml/2006/main">
   <p:cSld>
     <p:spTree>
@@ -22835,7 +22516,7 @@
 </p:sld>
 </file>
 
-<file path=ppt/slides/slide52.xml><?xml version="1.0" encoding="utf-8"?>
+<file path=ppt/slides/slide53.xml><?xml version="1.0" encoding="utf-8"?>
 <p:sld xmlns:a="http://schemas.openxmlformats.org/drawingml/2006/main" xmlns:r="http://schemas.openxmlformats.org/officeDocument/2006/relationships" xmlns:p="http://schemas.openxmlformats.org/presentationml/2006/main">
   <p:cSld>
     <p:spTree>
@@ -22965,7 +22646,7 @@
 </p:sld>
 </file>
 
-<file path=ppt/slides/slide53.xml><?xml version="1.0" encoding="utf-8"?>
+<file path=ppt/slides/slide54.xml><?xml version="1.0" encoding="utf-8"?>
 <p:sld xmlns:a="http://schemas.openxmlformats.org/drawingml/2006/main" xmlns:r="http://schemas.openxmlformats.org/officeDocument/2006/relationships" xmlns:p="http://schemas.openxmlformats.org/presentationml/2006/main">
   <p:cSld>
     <p:spTree>
@@ -23107,7 +22788,7 @@
 </p:sld>
 </file>
 
-<file path=ppt/slides/slide54.xml><?xml version="1.0" encoding="utf-8"?>
+<file path=ppt/slides/slide55.xml><?xml version="1.0" encoding="utf-8"?>
 <p:sld xmlns:a="http://schemas.openxmlformats.org/drawingml/2006/main" xmlns:r="http://schemas.openxmlformats.org/officeDocument/2006/relationships" xmlns:p="http://schemas.openxmlformats.org/presentationml/2006/main">
   <p:cSld>
     <p:spTree>
@@ -23279,7 +22960,7 @@
 </p:sld>
 </file>
 
-<file path=ppt/slides/slide55.xml><?xml version="1.0" encoding="utf-8"?>
+<file path=ppt/slides/slide56.xml><?xml version="1.0" encoding="utf-8"?>
 <p:sld xmlns:a="http://schemas.openxmlformats.org/drawingml/2006/main" xmlns:r="http://schemas.openxmlformats.org/officeDocument/2006/relationships" xmlns:p="http://schemas.openxmlformats.org/presentationml/2006/main">
   <p:cSld>
     <p:spTree>
@@ -24327,7 +24008,7 @@
 </p:sld>
 </file>
 
-<file path=ppt/slides/slide56.xml><?xml version="1.0" encoding="utf-8"?>
+<file path=ppt/slides/slide57.xml><?xml version="1.0" encoding="utf-8"?>
 <p:sld xmlns:a="http://schemas.openxmlformats.org/drawingml/2006/main" xmlns:r="http://schemas.openxmlformats.org/officeDocument/2006/relationships" xmlns:p="http://schemas.openxmlformats.org/presentationml/2006/main">
   <p:cSld>
     <p:spTree>
@@ -24692,7 +24373,7 @@
 </p:sld>
 </file>
 
-<file path=ppt/slides/slide57.xml><?xml version="1.0" encoding="utf-8"?>
+<file path=ppt/slides/slide58.xml><?xml version="1.0" encoding="utf-8"?>
 <p:sld xmlns:a="http://schemas.openxmlformats.org/drawingml/2006/main" xmlns:r="http://schemas.openxmlformats.org/officeDocument/2006/relationships" xmlns:p="http://schemas.openxmlformats.org/presentationml/2006/main">
   <p:cSld>
     <p:spTree>
@@ -25030,7 +24711,7 @@
 </p:sld>
 </file>
 
-<file path=ppt/slides/slide58.xml><?xml version="1.0" encoding="utf-8"?>
+<file path=ppt/slides/slide59.xml><?xml version="1.0" encoding="utf-8"?>
 <p:sld xmlns:a="http://schemas.openxmlformats.org/drawingml/2006/main" xmlns:r="http://schemas.openxmlformats.org/officeDocument/2006/relationships" xmlns:p="http://schemas.openxmlformats.org/presentationml/2006/main">
   <p:cSld>
     <p:spTree>
@@ -25355,7 +25036,7 @@
 </p:sld>
 </file>
 
-<file path=ppt/slides/slide59.xml><?xml version="1.0" encoding="utf-8"?>
+<file path=ppt/slides/slide6.xml><?xml version="1.0" encoding="utf-8"?>
 <p:sld xmlns:a="http://schemas.openxmlformats.org/drawingml/2006/main" xmlns:r="http://schemas.openxmlformats.org/officeDocument/2006/relationships" xmlns:p="http://schemas.openxmlformats.org/presentationml/2006/main">
   <p:cSld>
     <p:spTree>
@@ -25374,6 +25055,854 @@
       </p:grpSpPr>
       <p:sp>
         <p:nvSpPr>
+          <p:cNvPr id="2" name="标题 1">
+            <a:extLst>
+              <a:ext uri="{FF2B5EF4-FFF2-40B4-BE49-F238E27FC236}">
+                <a16:creationId xmlns:a16="http://schemas.microsoft.com/office/drawing/2014/main" id="{31E9F1B0-DF27-4D82-B726-DDD3F9CF7328}"/>
+              </a:ext>
+            </a:extLst>
+          </p:cNvPr>
+          <p:cNvSpPr>
+            <a:spLocks noGrp="1"/>
+          </p:cNvSpPr>
+          <p:nvPr>
+            <p:ph type="title"/>
+          </p:nvPr>
+        </p:nvSpPr>
+        <p:spPr>
+          <a:xfrm>
+            <a:off x="838200" y="184372"/>
+            <a:ext cx="10515600" cy="708763"/>
+          </a:xfrm>
+        </p:spPr>
+        <p:txBody>
+          <a:bodyPr/>
+          <a:lstStyle/>
+          <a:p>
+            <a:r>
+              <a:rPr lang="en-US" dirty="0"/>
+              <a:t>Intelligent format of the query output(Set)</a:t>
+            </a:r>
+          </a:p>
+        </p:txBody>
+      </p:sp>
+      <p:graphicFrame>
+        <p:nvGraphicFramePr>
+          <p:cNvPr id="4" name="表格 3">
+            <a:extLst>
+              <a:ext uri="{FF2B5EF4-FFF2-40B4-BE49-F238E27FC236}">
+                <a16:creationId xmlns:a16="http://schemas.microsoft.com/office/drawing/2014/main" id="{2563436E-7DD6-46CC-BCAE-29765B663613}"/>
+              </a:ext>
+            </a:extLst>
+          </p:cNvPr>
+          <p:cNvGraphicFramePr>
+            <a:graphicFrameLocks noGrp="1"/>
+          </p:cNvGraphicFramePr>
+          <p:nvPr>
+            <p:extLst>
+              <p:ext uri="{D42A27DB-BD31-4B8C-83A1-F6EECF244321}">
+                <p14:modId xmlns:p14="http://schemas.microsoft.com/office/powerpoint/2010/main" val="2259286601"/>
+              </p:ext>
+            </p:extLst>
+          </p:nvPr>
+        </p:nvGraphicFramePr>
+        <p:xfrm>
+          <a:off x="838200" y="1748157"/>
+          <a:ext cx="10374425" cy="5791200"/>
+        </p:xfrm>
+        <a:graphic>
+          <a:graphicData uri="http://schemas.openxmlformats.org/drawingml/2006/table">
+            <a:tbl>
+              <a:tblPr firstRow="1" bandRow="1">
+                <a:tableStyleId>{5C22544A-7EE6-4342-B048-85BDC9FD1C3A}</a:tableStyleId>
+              </a:tblPr>
+              <a:tblGrid>
+                <a:gridCol w="10374425">
+                  <a:extLst>
+                    <a:ext uri="{9D8B030D-6E8A-4147-A177-3AD203B41FA5}">
+                      <a16:colId xmlns:a16="http://schemas.microsoft.com/office/drawing/2014/main" val="4245137307"/>
+                    </a:ext>
+                  </a:extLst>
+                </a:gridCol>
+              </a:tblGrid>
+              <a:tr h="4570526">
+                <a:tc>
+                  <a:txBody>
+                    <a:bodyPr/>
+                    <a:lstStyle/>
+                    <a:p>
+                      <a:r>
+                        <a:rPr lang="en-US" sz="1100" b="0" i="0" kern="1200" baseline="0" dirty="0">
+                          <a:solidFill>
+                            <a:schemeClr val="lt1"/>
+                          </a:solidFill>
+                          <a:latin typeface="Consolas" panose="020B0609020204030204" pitchFamily="49" charset="0"/>
+                          <a:ea typeface="+mn-ea"/>
+                          <a:cs typeface="+mn-cs"/>
+                        </a:rPr>
+                        <a:t>CATDB&gt; set printsize 10                                                                                              </a:t>
+                      </a:r>
+                      <a:br>
+                        <a:rPr lang="en-US" sz="1100" b="0" i="0" kern="1200" baseline="0" dirty="0">
+                          <a:solidFill>
+                            <a:schemeClr val="lt1"/>
+                          </a:solidFill>
+                          <a:latin typeface="Consolas" panose="020B0609020204030204" pitchFamily="49" charset="0"/>
+                          <a:ea typeface="+mn-ea"/>
+                          <a:cs typeface="+mn-cs"/>
+                        </a:rPr>
+                      </a:br>
+                      <a:r>
+                        <a:rPr lang="en-US" sz="1100" b="0" i="0" kern="1200" baseline="0" dirty="0">
+                          <a:solidFill>
+                            <a:schemeClr val="lt1"/>
+                          </a:solidFill>
+                          <a:latin typeface="Consolas" panose="020B0609020204030204" pitchFamily="49" charset="0"/>
+                          <a:ea typeface="+mn-ea"/>
+                          <a:cs typeface="+mn-cs"/>
+                        </a:rPr>
+                        <a:t>CATDB&gt; sf dba_objects                                                                                                </a:t>
+                      </a:r>
+                      <a:br>
+                        <a:rPr lang="en-US" sz="1100" b="0" i="0" kern="1200" baseline="0" dirty="0">
+                          <a:solidFill>
+                            <a:schemeClr val="lt1"/>
+                          </a:solidFill>
+                          <a:latin typeface="Consolas" panose="020B0609020204030204" pitchFamily="49" charset="0"/>
+                          <a:ea typeface="+mn-ea"/>
+                          <a:cs typeface="+mn-cs"/>
+                        </a:rPr>
+                      </a:br>
+                      <a:r>
+                        <a:rPr lang="en-US" sz="1100" b="0" i="0" kern="1200" baseline="0" dirty="0">
+                          <a:solidFill>
+                            <a:schemeClr val="lt1"/>
+                          </a:solidFill>
+                          <a:latin typeface="Consolas" panose="020B0609020204030204" pitchFamily="49" charset="0"/>
+                          <a:ea typeface="+mn-ea"/>
+                          <a:cs typeface="+mn-cs"/>
+                        </a:rPr>
+                        <a:t>    $ select * from (select * from dba_objects) where rownum&lt;=50                                                     </a:t>
+                      </a:r>
+                      <a:br>
+                        <a:rPr lang="en-US" sz="1100" b="0" i="0" kern="1200" baseline="0" dirty="0">
+                          <a:solidFill>
+                            <a:schemeClr val="lt1"/>
+                          </a:solidFill>
+                          <a:latin typeface="Consolas" panose="020B0609020204030204" pitchFamily="49" charset="0"/>
+                          <a:ea typeface="+mn-ea"/>
+                          <a:cs typeface="+mn-cs"/>
+                        </a:rPr>
+                      </a:br>
+                      <a:r>
+                        <a:rPr lang="en-US" sz="1100" b="0" i="0" kern="1200" baseline="0" dirty="0">
+                          <a:solidFill>
+                            <a:schemeClr val="lt1"/>
+                          </a:solidFill>
+                          <a:latin typeface="Consolas" panose="020B0609020204030204" pitchFamily="49" charset="0"/>
+                          <a:ea typeface="+mn-ea"/>
+                          <a:cs typeface="+mn-cs"/>
+                        </a:rPr>
+                        <a:t>    OWNER  OBJECT_NAME   SUBOBJECT_NAME OBJECT_ID DATA_OBJECT_ID OBJECT_TYPE       CREATED          LAST_DDL_TIME    </a:t>
+                      </a:r>
+                      <a:br>
+                        <a:rPr lang="en-US" sz="1100" b="0" i="0" kern="1200" baseline="0" dirty="0">
+                          <a:solidFill>
+                            <a:schemeClr val="lt1"/>
+                          </a:solidFill>
+                          <a:latin typeface="Consolas" panose="020B0609020204030204" pitchFamily="49" charset="0"/>
+                          <a:ea typeface="+mn-ea"/>
+                          <a:cs typeface="+mn-cs"/>
+                        </a:rPr>
+                      </a:br>
+                      <a:r>
+                        <a:rPr lang="en-US" sz="1100" b="0" i="0" kern="1200" baseline="0" dirty="0">
+                          <a:solidFill>
+                            <a:schemeClr val="lt1"/>
+                          </a:solidFill>
+                          <a:latin typeface="Consolas" panose="020B0609020204030204" pitchFamily="49" charset="0"/>
+                          <a:ea typeface="+mn-ea"/>
+                          <a:cs typeface="+mn-cs"/>
+                        </a:rPr>
+                        <a:t>    ----- -------------- -------------- --------- -------------- ----------- ------------------- ------------------- </a:t>
+                      </a:r>
+                      <a:br>
+                        <a:rPr lang="en-US" sz="1100" b="0" i="0" kern="1200" baseline="0" dirty="0">
+                          <a:solidFill>
+                            <a:schemeClr val="lt1"/>
+                          </a:solidFill>
+                          <a:latin typeface="Consolas" panose="020B0609020204030204" pitchFamily="49" charset="0"/>
+                          <a:ea typeface="+mn-ea"/>
+                          <a:cs typeface="+mn-cs"/>
+                        </a:rPr>
+                      </a:br>
+                      <a:r>
+                        <a:rPr lang="en-US" sz="1100" b="0" i="0" kern="1200" baseline="0" dirty="0">
+                          <a:solidFill>
+                            <a:schemeClr val="lt1"/>
+                          </a:solidFill>
+                          <a:latin typeface="Consolas" panose="020B0609020204030204" pitchFamily="49" charset="0"/>
+                          <a:ea typeface="+mn-ea"/>
+                          <a:cs typeface="+mn-cs"/>
+                        </a:rPr>
+                        <a:t>    SYS   TS$                                  16              6 TABLE       2018-02-07 22:51:55 2018-02-07 23:57:54 </a:t>
+                      </a:r>
+                      <a:br>
+                        <a:rPr lang="en-US" sz="1100" b="0" i="0" kern="1200" baseline="0" dirty="0">
+                          <a:solidFill>
+                            <a:schemeClr val="lt1"/>
+                          </a:solidFill>
+                          <a:latin typeface="Consolas" panose="020B0609020204030204" pitchFamily="49" charset="0"/>
+                          <a:ea typeface="+mn-ea"/>
+                          <a:cs typeface="+mn-cs"/>
+                        </a:rPr>
+                      </a:br>
+                      <a:r>
+                        <a:rPr lang="en-US" sz="1100" b="0" i="0" kern="1200" baseline="0" dirty="0">
+                          <a:solidFill>
+                            <a:schemeClr val="lt1"/>
+                          </a:solidFill>
+                          <a:latin typeface="Consolas" panose="020B0609020204030204" pitchFamily="49" charset="0"/>
+                          <a:ea typeface="+mn-ea"/>
+                          <a:cs typeface="+mn-cs"/>
+                        </a:rPr>
+                        <a:t>    SYS   ICOL$                                20              2 TABLE       2018-02-07 22:51:55 2018-02-07 23:57:54 </a:t>
+                      </a:r>
+                      <a:br>
+                        <a:rPr lang="en-US" sz="1100" b="0" i="0" kern="1200" baseline="0" dirty="0">
+                          <a:solidFill>
+                            <a:schemeClr val="lt1"/>
+                          </a:solidFill>
+                          <a:latin typeface="Consolas" panose="020B0609020204030204" pitchFamily="49" charset="0"/>
+                          <a:ea typeface="+mn-ea"/>
+                          <a:cs typeface="+mn-cs"/>
+                        </a:rPr>
+                      </a:br>
+                      <a:r>
+                        <a:rPr lang="en-US" sz="1100" b="0" i="0" kern="1200" baseline="0" dirty="0">
+                          <a:solidFill>
+                            <a:schemeClr val="lt1"/>
+                          </a:solidFill>
+                          <a:latin typeface="Consolas" panose="020B0609020204030204" pitchFamily="49" charset="0"/>
+                          <a:ea typeface="+mn-ea"/>
+                          <a:cs typeface="+mn-cs"/>
+                        </a:rPr>
+                        <a:t>    SYS   C_FILE#_BLOCK#                        8              8 CLUSTER     2018-02-07 22:51:55 2018-02-07 22:51:55 </a:t>
+                      </a:r>
+                      <a:br>
+                        <a:rPr lang="en-US" sz="1100" b="0" i="0" kern="1200" baseline="0" dirty="0">
+                          <a:solidFill>
+                            <a:schemeClr val="lt1"/>
+                          </a:solidFill>
+                          <a:latin typeface="Consolas" panose="020B0609020204030204" pitchFamily="49" charset="0"/>
+                          <a:ea typeface="+mn-ea"/>
+                          <a:cs typeface="+mn-cs"/>
+                        </a:rPr>
+                      </a:br>
+                      <a:r>
+                        <a:rPr lang="en-US" sz="1100" b="0" i="0" kern="1200" baseline="0" dirty="0">
+                          <a:solidFill>
+                            <a:schemeClr val="lt1"/>
+                          </a:solidFill>
+                          <a:latin typeface="Consolas" panose="020B0609020204030204" pitchFamily="49" charset="0"/>
+                          <a:ea typeface="+mn-ea"/>
+                          <a:cs typeface="+mn-cs"/>
+                        </a:rPr>
+                        <a:t>    SYS   I_OBJ2                               37             37 INDEX       2018-02-07 22:51:56 2018-02-07 22:51:56 </a:t>
+                      </a:r>
+                      <a:br>
+                        <a:rPr lang="en-US" sz="1100" b="0" i="0" kern="1200" baseline="0" dirty="0">
+                          <a:solidFill>
+                            <a:schemeClr val="lt1"/>
+                          </a:solidFill>
+                          <a:latin typeface="Consolas" panose="020B0609020204030204" pitchFamily="49" charset="0"/>
+                          <a:ea typeface="+mn-ea"/>
+                          <a:cs typeface="+mn-cs"/>
+                        </a:rPr>
+                      </a:br>
+                      <a:r>
+                        <a:rPr lang="en-US" sz="1100" b="0" i="0" kern="1200" baseline="0" dirty="0">
+                          <a:solidFill>
+                            <a:schemeClr val="lt1"/>
+                          </a:solidFill>
+                          <a:latin typeface="Consolas" panose="020B0609020204030204" pitchFamily="49" charset="0"/>
+                          <a:ea typeface="+mn-ea"/>
+                          <a:cs typeface="+mn-cs"/>
+                        </a:rPr>
+                        <a:t>    SYS   USER$                                22             10 TABLE       2018-02-07 22:51:55 2018-02-07 23:05:16 </a:t>
+                      </a:r>
+                      <a:br>
+                        <a:rPr lang="en-US" sz="1100" b="0" i="0" kern="1200" baseline="0" dirty="0">
+                          <a:solidFill>
+                            <a:schemeClr val="lt1"/>
+                          </a:solidFill>
+                          <a:latin typeface="Consolas" panose="020B0609020204030204" pitchFamily="49" charset="0"/>
+                          <a:ea typeface="+mn-ea"/>
+                          <a:cs typeface="+mn-cs"/>
+                        </a:rPr>
+                      </a:br>
+                      <a:r>
+                        <a:rPr lang="en-US" sz="1100" b="0" i="0" kern="1200" baseline="0" dirty="0">
+                          <a:solidFill>
+                            <a:schemeClr val="lt1"/>
+                          </a:solidFill>
+                          <a:latin typeface="Consolas" panose="020B0609020204030204" pitchFamily="49" charset="0"/>
+                          <a:ea typeface="+mn-ea"/>
+                          <a:cs typeface="+mn-cs"/>
+                        </a:rPr>
+                        <a:t>    SYS   I_TAB1                               33             33 INDEX       2018-02-07 22:51:55 2018-02-07 22:51:55 </a:t>
+                      </a:r>
+                      <a:br>
+                        <a:rPr lang="en-US" sz="1100" b="0" i="0" kern="1200" baseline="0" dirty="0">
+                          <a:solidFill>
+                            <a:schemeClr val="lt1"/>
+                          </a:solidFill>
+                          <a:latin typeface="Consolas" panose="020B0609020204030204" pitchFamily="49" charset="0"/>
+                          <a:ea typeface="+mn-ea"/>
+                          <a:cs typeface="+mn-cs"/>
+                        </a:rPr>
+                      </a:br>
+                      <a:r>
+                        <a:rPr lang="en-US" sz="1100" b="0" i="0" kern="1200" baseline="0" dirty="0">
+                          <a:solidFill>
+                            <a:schemeClr val="lt1"/>
+                          </a:solidFill>
+                          <a:latin typeface="Consolas" panose="020B0609020204030204" pitchFamily="49" charset="0"/>
+                          <a:ea typeface="+mn-ea"/>
+                          <a:cs typeface="+mn-cs"/>
+                        </a:rPr>
+                        <a:t>    SYS   I_OBJ5                               40             40 INDEX       2018-02-07 22:51:56 2018-02-07 22:51:56 </a:t>
+                      </a:r>
+                      <a:br>
+                        <a:rPr lang="en-US" sz="1100" b="0" i="0" kern="1200" baseline="0" dirty="0">
+                          <a:solidFill>
+                            <a:schemeClr val="lt1"/>
+                          </a:solidFill>
+                          <a:latin typeface="Consolas" panose="020B0609020204030204" pitchFamily="49" charset="0"/>
+                          <a:ea typeface="+mn-ea"/>
+                          <a:cs typeface="+mn-cs"/>
+                        </a:rPr>
+                      </a:br>
+                      <a:r>
+                        <a:rPr lang="en-US" sz="1100" b="0" i="0" kern="1200" baseline="0" dirty="0">
+                          <a:solidFill>
+                            <a:schemeClr val="lt1"/>
+                          </a:solidFill>
+                          <a:latin typeface="Consolas" panose="020B0609020204030204" pitchFamily="49" charset="0"/>
+                          <a:ea typeface="+mn-ea"/>
+                          <a:cs typeface="+mn-cs"/>
+                        </a:rPr>
+                        <a:t>    SYS   CDEF$                                31             29 TABLE       2018-02-07 22:51:55 2018-02-07 23:57:54 </a:t>
+                      </a:r>
+                      <a:br>
+                        <a:rPr lang="en-US" sz="1100" b="0" i="0" kern="1200" baseline="0" dirty="0">
+                          <a:solidFill>
+                            <a:schemeClr val="lt1"/>
+                          </a:solidFill>
+                          <a:latin typeface="Consolas" panose="020B0609020204030204" pitchFamily="49" charset="0"/>
+                          <a:ea typeface="+mn-ea"/>
+                          <a:cs typeface="+mn-cs"/>
+                        </a:rPr>
+                      </a:br>
+                      <a:r>
+                        <a:rPr lang="en-US" sz="1100" b="0" i="0" kern="1200" baseline="0" dirty="0">
+                          <a:solidFill>
+                            <a:schemeClr val="lt1"/>
+                          </a:solidFill>
+                          <a:latin typeface="Consolas" panose="020B0609020204030204" pitchFamily="49" charset="0"/>
+                          <a:ea typeface="+mn-ea"/>
+                          <a:cs typeface="+mn-cs"/>
+                        </a:rPr>
+                        <a:t>    SYS   I_IND1                               41             41 INDEX       2018-02-07 22:51:56 2018-02-07 22:51:56 </a:t>
+                      </a:r>
+                      <a:br>
+                        <a:rPr lang="en-US" sz="1100" b="0" i="0" kern="1200" baseline="0" dirty="0">
+                          <a:solidFill>
+                            <a:schemeClr val="lt1"/>
+                          </a:solidFill>
+                          <a:latin typeface="Consolas" panose="020B0609020204030204" pitchFamily="49" charset="0"/>
+                          <a:ea typeface="+mn-ea"/>
+                          <a:cs typeface="+mn-cs"/>
+                        </a:rPr>
+                      </a:br>
+                      <a:r>
+                        <a:rPr lang="en-US" sz="1100" b="0" i="0" kern="1200" baseline="0" dirty="0">
+                          <a:solidFill>
+                            <a:schemeClr val="lt1"/>
+                          </a:solidFill>
+                          <a:latin typeface="Consolas" panose="020B0609020204030204" pitchFamily="49" charset="0"/>
+                          <a:ea typeface="+mn-ea"/>
+                          <a:cs typeface="+mn-cs"/>
+                        </a:rPr>
+                        <a:t>    SYS   I_OBJ#                                3              3 INDEX       2018-02-07 22:51:55 2018-02-07 22:51:55 </a:t>
+                      </a:r>
+                      <a:br>
+                        <a:rPr lang="en-US" sz="1100" b="0" i="0" kern="1200" baseline="0" dirty="0">
+                          <a:solidFill>
+                            <a:schemeClr val="lt1"/>
+                          </a:solidFill>
+                          <a:latin typeface="Consolas" panose="020B0609020204030204" pitchFamily="49" charset="0"/>
+                          <a:ea typeface="+mn-ea"/>
+                          <a:cs typeface="+mn-cs"/>
+                        </a:rPr>
+                      </a:br>
+                      <a:r>
+                        <a:rPr lang="en-US" sz="1100" b="0" i="0" kern="1200" baseline="0" dirty="0">
+                          <a:solidFill>
+                            <a:schemeClr val="lt1"/>
+                          </a:solidFill>
+                          <a:latin typeface="Consolas" panose="020B0609020204030204" pitchFamily="49" charset="0"/>
+                          <a:ea typeface="+mn-ea"/>
+                          <a:cs typeface="+mn-cs"/>
+                        </a:rPr>
+                        <a:t>                                                                                                                     </a:t>
+                      </a:r>
+                      <a:br>
+                        <a:rPr lang="en-US" sz="1100" b="0" i="0" kern="1200" baseline="0" dirty="0">
+                          <a:solidFill>
+                            <a:schemeClr val="lt1"/>
+                          </a:solidFill>
+                          <a:latin typeface="Consolas" panose="020B0609020204030204" pitchFamily="49" charset="0"/>
+                          <a:ea typeface="+mn-ea"/>
+                          <a:cs typeface="+mn-cs"/>
+                        </a:rPr>
+                      </a:br>
+                      <a:r>
+                        <a:rPr lang="en-US" sz="1100" b="0" i="0" kern="1200" baseline="0" dirty="0">
+                          <a:solidFill>
+                            <a:schemeClr val="lt1"/>
+                          </a:solidFill>
+                          <a:latin typeface="Consolas" panose="020B0609020204030204" pitchFamily="49" charset="0"/>
+                          <a:ea typeface="+mn-ea"/>
+                          <a:cs typeface="+mn-cs"/>
+                        </a:rPr>
+                        <a:t>    10 rows returned.    </a:t>
+                      </a:r>
+                    </a:p>
+                    <a:p>
+                      <a:r>
+                        <a:rPr lang="en-US" sz="1100" b="0" i="0" kern="1200" baseline="0" dirty="0">
+                          <a:solidFill>
+                            <a:schemeClr val="lt1"/>
+                          </a:solidFill>
+                          <a:latin typeface="Consolas" panose="020B0609020204030204" pitchFamily="49" charset="0"/>
+                          <a:ea typeface="+mn-ea"/>
+                          <a:cs typeface="+mn-cs"/>
+                        </a:rPr>
+                        <a:t>                                                                                            </a:t>
+                      </a:r>
+                      <a:br>
+                        <a:rPr lang="en-US" sz="1100" b="0" i="0" kern="1200" baseline="0" dirty="0">
+                          <a:solidFill>
+                            <a:schemeClr val="lt1"/>
+                          </a:solidFill>
+                          <a:latin typeface="Consolas" panose="020B0609020204030204" pitchFamily="49" charset="0"/>
+                          <a:ea typeface="+mn-ea"/>
+                          <a:cs typeface="+mn-cs"/>
+                        </a:rPr>
+                      </a:br>
+                      <a:r>
+                        <a:rPr lang="en-US" sz="1100" b="0" i="0" kern="1200" baseline="0" dirty="0">
+                          <a:solidFill>
+                            <a:schemeClr val="lt1"/>
+                          </a:solidFill>
+                          <a:latin typeface="Consolas" panose="020B0609020204030204" pitchFamily="49" charset="0"/>
+                          <a:ea typeface="+mn-ea"/>
+                          <a:cs typeface="+mn-cs"/>
+                        </a:rPr>
+                        <a:t>CATDB&gt; set printsize 5 colsep |                                                                                       </a:t>
+                      </a:r>
+                      <a:br>
+                        <a:rPr lang="en-US" sz="1100" b="0" i="0" kern="1200" baseline="0" dirty="0">
+                          <a:solidFill>
+                            <a:schemeClr val="lt1"/>
+                          </a:solidFill>
+                          <a:latin typeface="Consolas" panose="020B0609020204030204" pitchFamily="49" charset="0"/>
+                          <a:ea typeface="+mn-ea"/>
+                          <a:cs typeface="+mn-cs"/>
+                        </a:rPr>
+                      </a:br>
+                      <a:r>
+                        <a:rPr lang="en-US" sz="1100" b="0" i="0" kern="1200" baseline="0" dirty="0">
+                          <a:solidFill>
+                            <a:schemeClr val="lt1"/>
+                          </a:solidFill>
+                          <a:latin typeface="Consolas" panose="020B0609020204030204" pitchFamily="49" charset="0"/>
+                          <a:ea typeface="+mn-ea"/>
+                          <a:cs typeface="+mn-cs"/>
+                        </a:rPr>
+                        <a:t>CATDB&gt; sf dba_objects                                                                                                 </a:t>
+                      </a:r>
+                      <a:br>
+                        <a:rPr lang="en-US" sz="1100" b="0" i="0" kern="1200" baseline="0" dirty="0">
+                          <a:solidFill>
+                            <a:schemeClr val="lt1"/>
+                          </a:solidFill>
+                          <a:latin typeface="Consolas" panose="020B0609020204030204" pitchFamily="49" charset="0"/>
+                          <a:ea typeface="+mn-ea"/>
+                          <a:cs typeface="+mn-cs"/>
+                        </a:rPr>
+                      </a:br>
+                      <a:r>
+                        <a:rPr lang="en-US" sz="1100" b="0" i="0" kern="1200" baseline="0" dirty="0">
+                          <a:solidFill>
+                            <a:schemeClr val="lt1"/>
+                          </a:solidFill>
+                          <a:latin typeface="Consolas" panose="020B0609020204030204" pitchFamily="49" charset="0"/>
+                          <a:ea typeface="+mn-ea"/>
+                          <a:cs typeface="+mn-cs"/>
+                        </a:rPr>
+                        <a:t>    $ select * from (select * from dba_objects) where rownum&lt;=50                                                      </a:t>
+                      </a:r>
+                      <a:br>
+                        <a:rPr lang="en-US" sz="1100" b="0" i="0" kern="1200" baseline="0" dirty="0">
+                          <a:solidFill>
+                            <a:schemeClr val="lt1"/>
+                          </a:solidFill>
+                          <a:latin typeface="Consolas" panose="020B0609020204030204" pitchFamily="49" charset="0"/>
+                          <a:ea typeface="+mn-ea"/>
+                          <a:cs typeface="+mn-cs"/>
+                        </a:rPr>
+                      </a:br>
+                      <a:r>
+                        <a:rPr lang="en-US" sz="1100" b="0" i="0" kern="1200" baseline="0" dirty="0">
+                          <a:solidFill>
+                            <a:schemeClr val="lt1"/>
+                          </a:solidFill>
+                          <a:latin typeface="Consolas" panose="020B0609020204030204" pitchFamily="49" charset="0"/>
+                          <a:ea typeface="+mn-ea"/>
+                          <a:cs typeface="+mn-cs"/>
+                        </a:rPr>
+                        <a:t>    +-----+--------------+--------------+---------+--------------+-----------+-------------------+-------------------+</a:t>
+                      </a:r>
+                      <a:br>
+                        <a:rPr lang="en-US" sz="1100" b="0" i="0" kern="1200" baseline="0" dirty="0">
+                          <a:solidFill>
+                            <a:schemeClr val="lt1"/>
+                          </a:solidFill>
+                          <a:latin typeface="Consolas" panose="020B0609020204030204" pitchFamily="49" charset="0"/>
+                          <a:ea typeface="+mn-ea"/>
+                          <a:cs typeface="+mn-cs"/>
+                        </a:rPr>
+                      </a:br>
+                      <a:r>
+                        <a:rPr lang="en-US" sz="1100" b="0" i="0" kern="1200" baseline="0" dirty="0">
+                          <a:solidFill>
+                            <a:schemeClr val="lt1"/>
+                          </a:solidFill>
+                          <a:latin typeface="Consolas" panose="020B0609020204030204" pitchFamily="49" charset="0"/>
+                          <a:ea typeface="+mn-ea"/>
+                          <a:cs typeface="+mn-cs"/>
+                        </a:rPr>
+                        <a:t>    |OWNER| OBJECT_NAME  |SUBOBJECT_NAME|OBJECT_ID|DATA_OBJECT_ID|OBJECT_TYPE|      CREATED      |   LAST_DDL_TIME   |</a:t>
+                      </a:r>
+                      <a:br>
+                        <a:rPr lang="en-US" sz="1100" b="0" i="0" kern="1200" baseline="0" dirty="0">
+                          <a:solidFill>
+                            <a:schemeClr val="lt1"/>
+                          </a:solidFill>
+                          <a:latin typeface="Consolas" panose="020B0609020204030204" pitchFamily="49" charset="0"/>
+                          <a:ea typeface="+mn-ea"/>
+                          <a:cs typeface="+mn-cs"/>
+                        </a:rPr>
+                      </a:br>
+                      <a:r>
+                        <a:rPr lang="en-US" sz="1100" b="0" i="0" kern="1200" baseline="0" dirty="0">
+                          <a:solidFill>
+                            <a:schemeClr val="lt1"/>
+                          </a:solidFill>
+                          <a:latin typeface="Consolas" panose="020B0609020204030204" pitchFamily="49" charset="0"/>
+                          <a:ea typeface="+mn-ea"/>
+                          <a:cs typeface="+mn-cs"/>
+                        </a:rPr>
+                        <a:t>    |-----|--------------|--------------|---------|--------------|-----------|-------------------|-------------------|</a:t>
+                      </a:r>
+                      <a:br>
+                        <a:rPr lang="en-US" sz="1100" b="0" i="0" kern="1200" baseline="0" dirty="0">
+                          <a:solidFill>
+                            <a:schemeClr val="lt1"/>
+                          </a:solidFill>
+                          <a:latin typeface="Consolas" panose="020B0609020204030204" pitchFamily="49" charset="0"/>
+                          <a:ea typeface="+mn-ea"/>
+                          <a:cs typeface="+mn-cs"/>
+                        </a:rPr>
+                      </a:br>
+                      <a:r>
+                        <a:rPr lang="en-US" sz="1100" b="0" i="0" kern="1200" baseline="0" dirty="0">
+                          <a:solidFill>
+                            <a:schemeClr val="lt1"/>
+                          </a:solidFill>
+                          <a:latin typeface="Consolas" panose="020B0609020204030204" pitchFamily="49" charset="0"/>
+                          <a:ea typeface="+mn-ea"/>
+                          <a:cs typeface="+mn-cs"/>
+                        </a:rPr>
+                        <a:t>    |SYS  |TS$           |              |       16|             6|TABLE      |2018-02-07 22:51:55|2018-02-07 23:57:54|</a:t>
+                      </a:r>
+                      <a:br>
+                        <a:rPr lang="en-US" sz="1100" b="0" i="0" kern="1200" baseline="0" dirty="0">
+                          <a:solidFill>
+                            <a:schemeClr val="lt1"/>
+                          </a:solidFill>
+                          <a:latin typeface="Consolas" panose="020B0609020204030204" pitchFamily="49" charset="0"/>
+                          <a:ea typeface="+mn-ea"/>
+                          <a:cs typeface="+mn-cs"/>
+                        </a:rPr>
+                      </a:br>
+                      <a:r>
+                        <a:rPr lang="en-US" sz="1100" b="0" i="0" kern="1200" baseline="0" dirty="0">
+                          <a:solidFill>
+                            <a:schemeClr val="lt1"/>
+                          </a:solidFill>
+                          <a:latin typeface="Consolas" panose="020B0609020204030204" pitchFamily="49" charset="0"/>
+                          <a:ea typeface="+mn-ea"/>
+                          <a:cs typeface="+mn-cs"/>
+                        </a:rPr>
+                        <a:t>    |SYS  |ICOL$         |              |       20|             2|TABLE      |2018-02-07 22:51:55|2018-02-07 23:57:54|</a:t>
+                      </a:r>
+                      <a:br>
+                        <a:rPr lang="en-US" sz="1100" b="0" i="0" kern="1200" baseline="0" dirty="0">
+                          <a:solidFill>
+                            <a:schemeClr val="lt1"/>
+                          </a:solidFill>
+                          <a:latin typeface="Consolas" panose="020B0609020204030204" pitchFamily="49" charset="0"/>
+                          <a:ea typeface="+mn-ea"/>
+                          <a:cs typeface="+mn-cs"/>
+                        </a:rPr>
+                      </a:br>
+                      <a:r>
+                        <a:rPr lang="en-US" sz="1100" b="0" i="0" kern="1200" baseline="0" dirty="0">
+                          <a:solidFill>
+                            <a:schemeClr val="lt1"/>
+                          </a:solidFill>
+                          <a:latin typeface="Consolas" panose="020B0609020204030204" pitchFamily="49" charset="0"/>
+                          <a:ea typeface="+mn-ea"/>
+                          <a:cs typeface="+mn-cs"/>
+                        </a:rPr>
+                        <a:t>    |SYS  |C_FILE#_BLOCK#|              |        8|             8|CLUSTER    |2018-02-07 22:51:55|2018-02-07 22:51:55|</a:t>
+                      </a:r>
+                      <a:br>
+                        <a:rPr lang="en-US" sz="1100" b="0" i="0" kern="1200" baseline="0" dirty="0">
+                          <a:solidFill>
+                            <a:schemeClr val="lt1"/>
+                          </a:solidFill>
+                          <a:latin typeface="Consolas" panose="020B0609020204030204" pitchFamily="49" charset="0"/>
+                          <a:ea typeface="+mn-ea"/>
+                          <a:cs typeface="+mn-cs"/>
+                        </a:rPr>
+                      </a:br>
+                      <a:r>
+                        <a:rPr lang="en-US" sz="1100" b="0" i="0" kern="1200" baseline="0" dirty="0">
+                          <a:solidFill>
+                            <a:schemeClr val="lt1"/>
+                          </a:solidFill>
+                          <a:latin typeface="Consolas" panose="020B0609020204030204" pitchFamily="49" charset="0"/>
+                          <a:ea typeface="+mn-ea"/>
+                          <a:cs typeface="+mn-cs"/>
+                        </a:rPr>
+                        <a:t>    |SYS  |I_OBJ2        |              |       37|            37|INDEX      |2018-02-07 22:51:56|2018-02-07 22:51:56|</a:t>
+                      </a:r>
+                      <a:br>
+                        <a:rPr lang="en-US" sz="1100" b="0" i="0" kern="1200" baseline="0" dirty="0">
+                          <a:solidFill>
+                            <a:schemeClr val="lt1"/>
+                          </a:solidFill>
+                          <a:latin typeface="Consolas" panose="020B0609020204030204" pitchFamily="49" charset="0"/>
+                          <a:ea typeface="+mn-ea"/>
+                          <a:cs typeface="+mn-cs"/>
+                        </a:rPr>
+                      </a:br>
+                      <a:r>
+                        <a:rPr lang="en-US" sz="1100" b="0" i="0" kern="1200" baseline="0" dirty="0">
+                          <a:solidFill>
+                            <a:schemeClr val="lt1"/>
+                          </a:solidFill>
+                          <a:latin typeface="Consolas" panose="020B0609020204030204" pitchFamily="49" charset="0"/>
+                          <a:ea typeface="+mn-ea"/>
+                          <a:cs typeface="+mn-cs"/>
+                        </a:rPr>
+                        <a:t>    |SYS  |USER$         |              |       22|            10|TABLE      |2018-02-07 22:51:55|2018-02-07 23:05:16|</a:t>
+                      </a:r>
+                      <a:br>
+                        <a:rPr lang="en-US" sz="1100" b="0" i="0" kern="1200" baseline="0" dirty="0">
+                          <a:solidFill>
+                            <a:schemeClr val="lt1"/>
+                          </a:solidFill>
+                          <a:latin typeface="Consolas" panose="020B0609020204030204" pitchFamily="49" charset="0"/>
+                          <a:ea typeface="+mn-ea"/>
+                          <a:cs typeface="+mn-cs"/>
+                        </a:rPr>
+                      </a:br>
+                      <a:r>
+                        <a:rPr lang="en-US" sz="1100" b="0" i="0" kern="1200" baseline="0" dirty="0">
+                          <a:solidFill>
+                            <a:schemeClr val="lt1"/>
+                          </a:solidFill>
+                          <a:latin typeface="Consolas" panose="020B0609020204030204" pitchFamily="49" charset="0"/>
+                          <a:ea typeface="+mn-ea"/>
+                          <a:cs typeface="+mn-cs"/>
+                        </a:rPr>
+                        <a:t>    +-----+--------------+--------------+---------+--------------+-----------+-------------------+-------------------+</a:t>
+                      </a:r>
+                      <a:br>
+                        <a:rPr lang="en-US" sz="1100" b="0" i="0" kern="1200" baseline="0" dirty="0">
+                          <a:solidFill>
+                            <a:schemeClr val="lt1"/>
+                          </a:solidFill>
+                          <a:latin typeface="Consolas" panose="020B0609020204030204" pitchFamily="49" charset="0"/>
+                          <a:ea typeface="+mn-ea"/>
+                          <a:cs typeface="+mn-cs"/>
+                        </a:rPr>
+                      </a:br>
+                      <a:r>
+                        <a:rPr lang="en-US" sz="1100" b="0" i="0" kern="1200" baseline="0" dirty="0">
+                          <a:solidFill>
+                            <a:schemeClr val="lt1"/>
+                          </a:solidFill>
+                          <a:latin typeface="Consolas" panose="020B0609020204030204" pitchFamily="49" charset="0"/>
+                          <a:ea typeface="+mn-ea"/>
+                          <a:cs typeface="+mn-cs"/>
+                        </a:rPr>
+                        <a:t>                                                                                                                      </a:t>
+                      </a:r>
+                      <a:br>
+                        <a:rPr lang="en-US" sz="1100" b="0" i="0" kern="1200" baseline="0" dirty="0">
+                          <a:solidFill>
+                            <a:schemeClr val="lt1"/>
+                          </a:solidFill>
+                          <a:latin typeface="Consolas" panose="020B0609020204030204" pitchFamily="49" charset="0"/>
+                          <a:ea typeface="+mn-ea"/>
+                          <a:cs typeface="+mn-cs"/>
+                        </a:rPr>
+                      </a:br>
+                      <a:r>
+                        <a:rPr lang="en-US" sz="1100" b="0" i="0" kern="1200" baseline="0" dirty="0">
+                          <a:solidFill>
+                            <a:schemeClr val="lt1"/>
+                          </a:solidFill>
+                          <a:latin typeface="Consolas" panose="020B0609020204030204" pitchFamily="49" charset="0"/>
+                          <a:ea typeface="+mn-ea"/>
+                          <a:cs typeface="+mn-cs"/>
+                        </a:rPr>
+                        <a:t>    5 rows returned.                                                                                                  </a:t>
+                      </a:r>
+                      <a:br>
+                        <a:rPr lang="en-US" sz="1100" b="0" i="0" kern="1200" baseline="0" dirty="0">
+                          <a:solidFill>
+                            <a:schemeClr val="lt1"/>
+                          </a:solidFill>
+                          <a:latin typeface="Consolas" panose="020B0609020204030204" pitchFamily="49" charset="0"/>
+                          <a:ea typeface="+mn-ea"/>
+                          <a:cs typeface="+mn-cs"/>
+                        </a:rPr>
+                      </a:br>
+                      <a:br>
+                        <a:rPr lang="en-US" sz="1100" b="0" i="0" kern="1200" baseline="0" dirty="0">
+                          <a:solidFill>
+                            <a:schemeClr val="lt1"/>
+                          </a:solidFill>
+                          <a:latin typeface="Consolas" panose="020B0609020204030204" pitchFamily="49" charset="0"/>
+                          <a:ea typeface="+mn-ea"/>
+                          <a:cs typeface="+mn-cs"/>
+                        </a:rPr>
+                      </a:br>
+                      <a:r>
+                        <a:rPr lang="en-US" sz="1100" b="0" i="0" kern="1200" baseline="0" dirty="0">
+                          <a:solidFill>
+                            <a:schemeClr val="lt1"/>
+                          </a:solidFill>
+                          <a:latin typeface="Consolas" panose="020B0609020204030204" pitchFamily="49" charset="0"/>
+                          <a:ea typeface="+mn-ea"/>
+                          <a:cs typeface="+mn-cs"/>
+                        </a:rPr>
+                        <a:t>CATDB&gt; set colsep default</a:t>
+                      </a:r>
+                    </a:p>
+                  </a:txBody>
+                  <a:tcPr/>
+                </a:tc>
+                <a:extLst>
+                  <a:ext uri="{0D108BD9-81ED-4DB2-BD59-A6C34878D82A}">
+                    <a16:rowId xmlns:a16="http://schemas.microsoft.com/office/drawing/2014/main" val="1504338429"/>
+                  </a:ext>
+                </a:extLst>
+              </a:tr>
+            </a:tbl>
+          </a:graphicData>
+        </a:graphic>
+      </p:graphicFrame>
+      <p:sp>
+        <p:nvSpPr>
+          <p:cNvPr id="5" name="内容占位符 2">
+            <a:extLst>
+              <a:ext uri="{FF2B5EF4-FFF2-40B4-BE49-F238E27FC236}">
+                <a16:creationId xmlns:a16="http://schemas.microsoft.com/office/drawing/2014/main" id="{11EF5E99-F123-4A81-818D-EA921BFA96B0}"/>
+              </a:ext>
+            </a:extLst>
+          </p:cNvPr>
+          <p:cNvSpPr>
+            <a:spLocks noGrp="1"/>
+          </p:cNvSpPr>
+          <p:nvPr>
+            <p:ph idx="1"/>
+          </p:nvPr>
+        </p:nvSpPr>
+        <p:spPr>
+          <a:xfrm>
+            <a:off x="838200" y="1010093"/>
+            <a:ext cx="10275779" cy="621105"/>
+          </a:xfrm>
+        </p:spPr>
+        <p:txBody>
+          <a:bodyPr>
+            <a:normAutofit fontScale="85000" lnSpcReduction="20000"/>
+          </a:bodyPr>
+          <a:lstStyle/>
+          <a:p>
+            <a:r>
+              <a:rPr lang="en-US" dirty="0"/>
+              <a:t>The string columns are auto-adjusted to fit the screen, refer to “set grid” for more manual configurations</a:t>
+            </a:r>
+          </a:p>
+          <a:p>
+            <a:pPr marL="0" indent="0">
+              <a:buNone/>
+            </a:pPr>
+            <a:endParaRPr lang="en-US" dirty="0"/>
+          </a:p>
+        </p:txBody>
+      </p:sp>
+    </p:spTree>
+    <p:extLst>
+      <p:ext uri="{BB962C8B-B14F-4D97-AF65-F5344CB8AC3E}">
+        <p14:creationId xmlns:p14="http://schemas.microsoft.com/office/powerpoint/2010/main" val="3356030857"/>
+      </p:ext>
+    </p:extLst>
+  </p:cSld>
+  <p:clrMapOvr>
+    <a:masterClrMapping/>
+  </p:clrMapOvr>
+</p:sld>
+</file>
+
+<file path=ppt/slides/slide60.xml><?xml version="1.0" encoding="utf-8"?>
+<p:sld xmlns:a="http://schemas.openxmlformats.org/drawingml/2006/main" xmlns:r="http://schemas.openxmlformats.org/officeDocument/2006/relationships" xmlns:p="http://schemas.openxmlformats.org/presentationml/2006/main">
+  <p:cSld>
+    <p:spTree>
+      <p:nvGrpSpPr>
+        <p:cNvPr id="1" name=""/>
+        <p:cNvGrpSpPr/>
+        <p:nvPr/>
+      </p:nvGrpSpPr>
+      <p:grpSpPr>
+        <a:xfrm>
+          <a:off x="0" y="0"/>
+          <a:ext cx="0" cy="0"/>
+          <a:chOff x="0" y="0"/>
+          <a:chExt cx="0" cy="0"/>
+        </a:xfrm>
+      </p:grpSpPr>
+      <p:sp>
+        <p:nvSpPr>
           <p:cNvPr id="3" name="内容占位符 2">
             <a:extLst>
               <a:ext uri="{FF2B5EF4-FFF2-40B4-BE49-F238E27FC236}">
@@ -25539,7 +26068,7 @@
           <a:graphicData uri="http://schemas.openxmlformats.org/presentationml/2006/ole">
             <mc:AlternateContent xmlns:mc="http://schemas.openxmlformats.org/markup-compatibility/2006">
               <mc:Choice xmlns:v="urn:schemas-microsoft-com:vml" Requires="v">
-                <p:oleObj spid="_x0000_s1136" name="BMP 图像" r:id="rId4" imgW="5000760" imgH="2257560" progId="Paint.Picture">
+                <p:oleObj spid="_x0000_s1158" name="BMP 图像" r:id="rId4" imgW="5000760" imgH="2257560" progId="Paint.Picture">
                   <p:embed/>
                 </p:oleObj>
               </mc:Choice>
@@ -25587,246 +26116,7 @@
 </p:sld>
 </file>
 
-<file path=ppt/slides/slide6.xml><?xml version="1.0" encoding="utf-8"?>
-<p:sld xmlns:a="http://schemas.openxmlformats.org/drawingml/2006/main" xmlns:r="http://schemas.openxmlformats.org/officeDocument/2006/relationships" xmlns:p="http://schemas.openxmlformats.org/presentationml/2006/main">
-  <p:cSld>
-    <p:spTree>
-      <p:nvGrpSpPr>
-        <p:cNvPr id="1" name=""/>
-        <p:cNvGrpSpPr/>
-        <p:nvPr/>
-      </p:nvGrpSpPr>
-      <p:grpSpPr>
-        <a:xfrm>
-          <a:off x="0" y="0"/>
-          <a:ext cx="0" cy="0"/>
-          <a:chOff x="0" y="0"/>
-          <a:chExt cx="0" cy="0"/>
-        </a:xfrm>
-      </p:grpSpPr>
-      <p:sp>
-        <p:nvSpPr>
-          <p:cNvPr id="2" name="标题 1">
-            <a:extLst>
-              <a:ext uri="{FF2B5EF4-FFF2-40B4-BE49-F238E27FC236}">
-                <a16:creationId xmlns:a16="http://schemas.microsoft.com/office/drawing/2014/main" id="{44B93849-04ED-4974-9F20-F0CAD055F0C6}"/>
-              </a:ext>
-            </a:extLst>
-          </p:cNvPr>
-          <p:cNvSpPr>
-            <a:spLocks noGrp="1"/>
-          </p:cNvSpPr>
-          <p:nvPr>
-            <p:ph type="title"/>
-          </p:nvPr>
-        </p:nvSpPr>
-        <p:spPr>
-          <a:xfrm>
-            <a:off x="838200" y="145207"/>
-            <a:ext cx="10515600" cy="803918"/>
-          </a:xfrm>
-        </p:spPr>
-        <p:txBody>
-          <a:bodyPr/>
-          <a:lstStyle/>
-          <a:p>
-            <a:r>
-              <a:rPr lang="en-US" dirty="0"/>
-              <a:t>Line Wrap</a:t>
-            </a:r>
-          </a:p>
-        </p:txBody>
-      </p:sp>
-      <p:sp>
-        <p:nvSpPr>
-          <p:cNvPr id="3" name="内容占位符 2">
-            <a:extLst>
-              <a:ext uri="{FF2B5EF4-FFF2-40B4-BE49-F238E27FC236}">
-                <a16:creationId xmlns:a16="http://schemas.microsoft.com/office/drawing/2014/main" id="{B19B1DC3-E4EA-489C-B790-E6AF743CD2D8}"/>
-              </a:ext>
-            </a:extLst>
-          </p:cNvPr>
-          <p:cNvSpPr>
-            <a:spLocks noGrp="1"/>
-          </p:cNvSpPr>
-          <p:nvPr>
-            <p:ph idx="1"/>
-          </p:nvPr>
-        </p:nvSpPr>
-        <p:spPr>
-          <a:xfrm>
-            <a:off x="838200" y="949125"/>
-            <a:ext cx="10515600" cy="5227838"/>
-          </a:xfrm>
-        </p:spPr>
-        <p:txBody>
-          <a:bodyPr>
-            <a:normAutofit lnSpcReduction="10000"/>
-          </a:bodyPr>
-          <a:lstStyle/>
-          <a:p>
-            <a:r>
-              <a:rPr lang="en-US" dirty="0"/>
-              <a:t>For a output line whose width larger than screen buffer width, the overflow part would be chopped to avoid the messed output</a:t>
-            </a:r>
-          </a:p>
-          <a:p>
-            <a:r>
-              <a:rPr lang="en-US" dirty="0"/>
-              <a:t>To view the missing information:</a:t>
-            </a:r>
-          </a:p>
-          <a:p>
-            <a:pPr lvl="1"/>
-            <a:r>
-              <a:rPr lang="en-US" dirty="0"/>
-              <a:t>Use command “&lt;query&gt;</a:t>
-            </a:r>
-            <a:r>
-              <a:rPr lang="en-US" b="1" dirty="0"/>
-              <a:t>|less</a:t>
-            </a:r>
-            <a:r>
-              <a:rPr lang="en-US" dirty="0"/>
-              <a:t>” to enter the </a:t>
-            </a:r>
-            <a:r>
-              <a:rPr lang="en-US"/>
-              <a:t>Linux-style less </a:t>
-            </a:r>
-            <a:r>
-              <a:rPr lang="en-US" dirty="0"/>
-              <a:t>mode, and press arrow keys to scroll the screen</a:t>
-            </a:r>
-          </a:p>
-          <a:p>
-            <a:pPr lvl="1"/>
-            <a:r>
-              <a:rPr lang="en-US" dirty="0"/>
-              <a:t>Use “</a:t>
-            </a:r>
-            <a:r>
-              <a:rPr lang="en-US" b="1" dirty="0"/>
-              <a:t>less last</a:t>
-            </a:r>
-            <a:r>
-              <a:rPr lang="en-US" dirty="0"/>
-              <a:t>” to view the last output in less mode</a:t>
-            </a:r>
-          </a:p>
-          <a:p>
-            <a:pPr lvl="1"/>
-            <a:r>
-              <a:rPr lang="en-US" dirty="0"/>
-              <a:t>Use command “</a:t>
-            </a:r>
-            <a:r>
-              <a:rPr lang="en-US" b="1" dirty="0"/>
-              <a:t>out</a:t>
-            </a:r>
-            <a:r>
-              <a:rPr lang="en-US" dirty="0"/>
-              <a:t>”, which will launch the editor to view the historical outputs.</a:t>
-            </a:r>
-          </a:p>
-          <a:p>
-            <a:pPr lvl="2"/>
-            <a:r>
-              <a:rPr lang="en-US" dirty="0"/>
-              <a:t>In case of the default editor is “vi”, you can use “W/B” to scroll the screen</a:t>
-            </a:r>
-          </a:p>
-          <a:p>
-            <a:pPr lvl="2"/>
-            <a:r>
-              <a:rPr lang="en-US" dirty="0"/>
-              <a:t>Use “set editor [&lt;name&gt;]” to define the default editor</a:t>
-            </a:r>
-          </a:p>
-          <a:p>
-            <a:pPr lvl="2"/>
-            <a:r>
-              <a:rPr lang="en-US" dirty="0"/>
-              <a:t>Command “out”</a:t>
-            </a:r>
-          </a:p>
-          <a:p>
-            <a:pPr lvl="3"/>
-            <a:r>
-              <a:rPr lang="en-US" dirty="0">
-                <a:solidFill>
-                  <a:srgbClr val="0070C0"/>
-                </a:solidFill>
-              </a:rPr>
-              <a:t>out</a:t>
-            </a:r>
-            <a:r>
-              <a:rPr lang="en-US" dirty="0"/>
-              <a:t> : save the historical outputs into file “cache/&lt;sub-</a:t>
-            </a:r>
-            <a:r>
-              <a:rPr lang="en-US" dirty="0" err="1"/>
-              <a:t>dir</a:t>
-            </a:r>
-            <a:r>
-              <a:rPr lang="en-US" dirty="0"/>
-              <a:t>&gt;/out.log” and open the file</a:t>
-            </a:r>
-          </a:p>
-          <a:p>
-            <a:pPr lvl="3"/>
-            <a:r>
-              <a:rPr lang="en-US" dirty="0">
-                <a:solidFill>
-                  <a:srgbClr val="0070C0"/>
-                </a:solidFill>
-              </a:rPr>
-              <a:t>out &lt;file-name&gt;</a:t>
-            </a:r>
-            <a:r>
-              <a:rPr lang="en-US" dirty="0"/>
-              <a:t>: save the historical outputs into file “cache/&lt;sub-</a:t>
-            </a:r>
-            <a:r>
-              <a:rPr lang="en-US" dirty="0" err="1"/>
-              <a:t>dir</a:t>
-            </a:r>
-            <a:r>
-              <a:rPr lang="en-US" dirty="0"/>
-              <a:t>&gt;/&lt;file-name&gt;” and open the file</a:t>
-            </a:r>
-          </a:p>
-          <a:p>
-            <a:pPr lvl="3"/>
-            <a:r>
-              <a:rPr lang="en-US" dirty="0">
-                <a:solidFill>
-                  <a:srgbClr val="0070C0"/>
-                </a:solidFill>
-              </a:rPr>
-              <a:t>out clear</a:t>
-            </a:r>
-            <a:r>
-              <a:rPr lang="en-US" dirty="0"/>
-              <a:t>: clear the historical output</a:t>
-            </a:r>
-          </a:p>
-        </p:txBody>
-      </p:sp>
-    </p:spTree>
-    <p:extLst>
-      <p:ext uri="{BB962C8B-B14F-4D97-AF65-F5344CB8AC3E}">
-        <p14:creationId xmlns:p14="http://schemas.microsoft.com/office/powerpoint/2010/main" val="433387195"/>
-      </p:ext>
-    </p:extLst>
-  </p:cSld>
-  <p:clrMapOvr>
-    <a:masterClrMapping/>
-  </p:clrMapOvr>
-</p:sld>
-</file>
-
-<file path=ppt/slides/slide60.xml><?xml version="1.0" encoding="utf-8"?>
+<file path=ppt/slides/slide61.xml><?xml version="1.0" encoding="utf-8"?>
 <p:sld xmlns:a="http://schemas.openxmlformats.org/drawingml/2006/main" xmlns:r="http://schemas.openxmlformats.org/officeDocument/2006/relationships" xmlns:p="http://schemas.openxmlformats.org/presentationml/2006/main">
   <p:cSld>
     <p:spTree>
@@ -26196,6 +26486,245 @@
           <a:chExt cx="0" cy="0"/>
         </a:xfrm>
       </p:grpSpPr>
+      <p:sp>
+        <p:nvSpPr>
+          <p:cNvPr id="2" name="标题 1">
+            <a:extLst>
+              <a:ext uri="{FF2B5EF4-FFF2-40B4-BE49-F238E27FC236}">
+                <a16:creationId xmlns:a16="http://schemas.microsoft.com/office/drawing/2014/main" id="{44B93849-04ED-4974-9F20-F0CAD055F0C6}"/>
+              </a:ext>
+            </a:extLst>
+          </p:cNvPr>
+          <p:cNvSpPr>
+            <a:spLocks noGrp="1"/>
+          </p:cNvSpPr>
+          <p:nvPr>
+            <p:ph type="title"/>
+          </p:nvPr>
+        </p:nvSpPr>
+        <p:spPr>
+          <a:xfrm>
+            <a:off x="838200" y="145207"/>
+            <a:ext cx="10515600" cy="803918"/>
+          </a:xfrm>
+        </p:spPr>
+        <p:txBody>
+          <a:bodyPr/>
+          <a:lstStyle/>
+          <a:p>
+            <a:r>
+              <a:rPr lang="en-US" dirty="0"/>
+              <a:t>Line Wrap</a:t>
+            </a:r>
+          </a:p>
+        </p:txBody>
+      </p:sp>
+      <p:sp>
+        <p:nvSpPr>
+          <p:cNvPr id="3" name="内容占位符 2">
+            <a:extLst>
+              <a:ext uri="{FF2B5EF4-FFF2-40B4-BE49-F238E27FC236}">
+                <a16:creationId xmlns:a16="http://schemas.microsoft.com/office/drawing/2014/main" id="{B19B1DC3-E4EA-489C-B790-E6AF743CD2D8}"/>
+              </a:ext>
+            </a:extLst>
+          </p:cNvPr>
+          <p:cNvSpPr>
+            <a:spLocks noGrp="1"/>
+          </p:cNvSpPr>
+          <p:nvPr>
+            <p:ph idx="1"/>
+          </p:nvPr>
+        </p:nvSpPr>
+        <p:spPr>
+          <a:xfrm>
+            <a:off x="838200" y="949125"/>
+            <a:ext cx="10515600" cy="5227838"/>
+          </a:xfrm>
+        </p:spPr>
+        <p:txBody>
+          <a:bodyPr>
+            <a:normAutofit lnSpcReduction="10000"/>
+          </a:bodyPr>
+          <a:lstStyle/>
+          <a:p>
+            <a:r>
+              <a:rPr lang="en-US" dirty="0"/>
+              <a:t>For a output line whose width larger than screen buffer width, the overflow part would be chopped to avoid the messed output</a:t>
+            </a:r>
+          </a:p>
+          <a:p>
+            <a:r>
+              <a:rPr lang="en-US" dirty="0"/>
+              <a:t>To view the missing information:</a:t>
+            </a:r>
+          </a:p>
+          <a:p>
+            <a:pPr lvl="1"/>
+            <a:r>
+              <a:rPr lang="en-US" dirty="0"/>
+              <a:t>Use command “&lt;query&gt;</a:t>
+            </a:r>
+            <a:r>
+              <a:rPr lang="en-US" b="1" dirty="0"/>
+              <a:t>|less</a:t>
+            </a:r>
+            <a:r>
+              <a:rPr lang="en-US" dirty="0"/>
+              <a:t>” to enter the </a:t>
+            </a:r>
+            <a:r>
+              <a:rPr lang="en-US"/>
+              <a:t>Linux-style less </a:t>
+            </a:r>
+            <a:r>
+              <a:rPr lang="en-US" dirty="0"/>
+              <a:t>mode, and press arrow keys to scroll the screen</a:t>
+            </a:r>
+          </a:p>
+          <a:p>
+            <a:pPr lvl="1"/>
+            <a:r>
+              <a:rPr lang="en-US" dirty="0"/>
+              <a:t>Use “</a:t>
+            </a:r>
+            <a:r>
+              <a:rPr lang="en-US" b="1" dirty="0"/>
+              <a:t>less last</a:t>
+            </a:r>
+            <a:r>
+              <a:rPr lang="en-US" dirty="0"/>
+              <a:t>” to view the last output in less mode</a:t>
+            </a:r>
+          </a:p>
+          <a:p>
+            <a:pPr lvl="1"/>
+            <a:r>
+              <a:rPr lang="en-US" dirty="0"/>
+              <a:t>Use command “</a:t>
+            </a:r>
+            <a:r>
+              <a:rPr lang="en-US" b="1" dirty="0"/>
+              <a:t>out</a:t>
+            </a:r>
+            <a:r>
+              <a:rPr lang="en-US" dirty="0"/>
+              <a:t>”, which will launch the editor to view the historical outputs.</a:t>
+            </a:r>
+          </a:p>
+          <a:p>
+            <a:pPr lvl="2"/>
+            <a:r>
+              <a:rPr lang="en-US" dirty="0"/>
+              <a:t>In case of the default editor is “vi”, you can use “W/B” to scroll the screen</a:t>
+            </a:r>
+          </a:p>
+          <a:p>
+            <a:pPr lvl="2"/>
+            <a:r>
+              <a:rPr lang="en-US" dirty="0"/>
+              <a:t>Use “set editor [&lt;name&gt;]” to define the default editor</a:t>
+            </a:r>
+          </a:p>
+          <a:p>
+            <a:pPr lvl="2"/>
+            <a:r>
+              <a:rPr lang="en-US" dirty="0"/>
+              <a:t>Command “out”</a:t>
+            </a:r>
+          </a:p>
+          <a:p>
+            <a:pPr lvl="3"/>
+            <a:r>
+              <a:rPr lang="en-US" dirty="0">
+                <a:solidFill>
+                  <a:srgbClr val="0070C0"/>
+                </a:solidFill>
+              </a:rPr>
+              <a:t>out</a:t>
+            </a:r>
+            <a:r>
+              <a:rPr lang="en-US" dirty="0"/>
+              <a:t> : save the historical outputs into file “cache/&lt;sub-</a:t>
+            </a:r>
+            <a:r>
+              <a:rPr lang="en-US" dirty="0" err="1"/>
+              <a:t>dir</a:t>
+            </a:r>
+            <a:r>
+              <a:rPr lang="en-US" dirty="0"/>
+              <a:t>&gt;/out.log” and open the file</a:t>
+            </a:r>
+          </a:p>
+          <a:p>
+            <a:pPr lvl="3"/>
+            <a:r>
+              <a:rPr lang="en-US" dirty="0">
+                <a:solidFill>
+                  <a:srgbClr val="0070C0"/>
+                </a:solidFill>
+              </a:rPr>
+              <a:t>out &lt;file-name&gt;</a:t>
+            </a:r>
+            <a:r>
+              <a:rPr lang="en-US" dirty="0"/>
+              <a:t>: save the historical outputs into file “cache/&lt;sub-</a:t>
+            </a:r>
+            <a:r>
+              <a:rPr lang="en-US" dirty="0" err="1"/>
+              <a:t>dir</a:t>
+            </a:r>
+            <a:r>
+              <a:rPr lang="en-US" dirty="0"/>
+              <a:t>&gt;/&lt;file-name&gt;” and open the file</a:t>
+            </a:r>
+          </a:p>
+          <a:p>
+            <a:pPr lvl="3"/>
+            <a:r>
+              <a:rPr lang="en-US" dirty="0">
+                <a:solidFill>
+                  <a:srgbClr val="0070C0"/>
+                </a:solidFill>
+              </a:rPr>
+              <a:t>out clear</a:t>
+            </a:r>
+            <a:r>
+              <a:rPr lang="en-US" dirty="0"/>
+              <a:t>: clear the historical output</a:t>
+            </a:r>
+          </a:p>
+        </p:txBody>
+      </p:sp>
+    </p:spTree>
+    <p:extLst>
+      <p:ext uri="{BB962C8B-B14F-4D97-AF65-F5344CB8AC3E}">
+        <p14:creationId xmlns:p14="http://schemas.microsoft.com/office/powerpoint/2010/main" val="433387195"/>
+      </p:ext>
+    </p:extLst>
+  </p:cSld>
+  <p:clrMapOvr>
+    <a:masterClrMapping/>
+  </p:clrMapOvr>
+</p:sld>
+</file>
+
+<file path=ppt/slides/slide8.xml><?xml version="1.0" encoding="utf-8"?>
+<p:sld xmlns:a="http://schemas.openxmlformats.org/drawingml/2006/main" xmlns:r="http://schemas.openxmlformats.org/officeDocument/2006/relationships" xmlns:p="http://schemas.openxmlformats.org/presentationml/2006/main">
+  <p:cSld>
+    <p:spTree>
+      <p:nvGrpSpPr>
+        <p:cNvPr id="1" name=""/>
+        <p:cNvGrpSpPr/>
+        <p:nvPr/>
+      </p:nvGrpSpPr>
+      <p:grpSpPr>
+        <a:xfrm>
+          <a:off x="0" y="0"/>
+          <a:ext cx="0" cy="0"/>
+          <a:chOff x="0" y="0"/>
+          <a:chExt cx="0" cy="0"/>
+        </a:xfrm>
+      </p:grpSpPr>
       <p:pic>
         <p:nvPicPr>
           <p:cNvPr id="4" name="图片 3">
@@ -26343,7 +26872,7 @@
 </p:sld>
 </file>
 
-<file path=ppt/slides/slide8.xml><?xml version="1.0" encoding="utf-8"?>
+<file path=ppt/slides/slide9.xml><?xml version="1.0" encoding="utf-8"?>
 <p:sld xmlns:a="http://schemas.openxmlformats.org/drawingml/2006/main" xmlns:r="http://schemas.openxmlformats.org/officeDocument/2006/relationships" xmlns:p="http://schemas.openxmlformats.org/presentationml/2006/main">
   <p:cSld>
     <p:spTree>
@@ -27254,310 +27783,6 @@
     <p:extLst>
       <p:ext uri="{BB962C8B-B14F-4D97-AF65-F5344CB8AC3E}">
         <p14:creationId xmlns:p14="http://schemas.microsoft.com/office/powerpoint/2010/main" val="2394938038"/>
-      </p:ext>
-    </p:extLst>
-  </p:cSld>
-  <p:clrMapOvr>
-    <a:masterClrMapping/>
-  </p:clrMapOvr>
-</p:sld>
-</file>
-
-<file path=ppt/slides/slide9.xml><?xml version="1.0" encoding="utf-8"?>
-<p:sld xmlns:a="http://schemas.openxmlformats.org/drawingml/2006/main" xmlns:r="http://schemas.openxmlformats.org/officeDocument/2006/relationships" xmlns:p="http://schemas.openxmlformats.org/presentationml/2006/main">
-  <p:cSld>
-    <p:spTree>
-      <p:nvGrpSpPr>
-        <p:cNvPr id="1" name=""/>
-        <p:cNvGrpSpPr/>
-        <p:nvPr/>
-      </p:nvGrpSpPr>
-      <p:grpSpPr>
-        <a:xfrm>
-          <a:off x="0" y="0"/>
-          <a:ext cx="0" cy="0"/>
-          <a:chOff x="0" y="0"/>
-          <a:chExt cx="0" cy="0"/>
-        </a:xfrm>
-      </p:grpSpPr>
-      <p:sp>
-        <p:nvSpPr>
-          <p:cNvPr id="2" name="标题 1">
-            <a:extLst>
-              <a:ext uri="{FF2B5EF4-FFF2-40B4-BE49-F238E27FC236}">
-                <a16:creationId xmlns:a16="http://schemas.microsoft.com/office/drawing/2014/main" id="{BF658CA3-C48E-4718-880C-B0761B684B00}"/>
-              </a:ext>
-            </a:extLst>
-          </p:cNvPr>
-          <p:cNvSpPr>
-            <a:spLocks noGrp="1"/>
-          </p:cNvSpPr>
-          <p:nvPr>
-            <p:ph type="title"/>
-          </p:nvPr>
-        </p:nvSpPr>
-        <p:spPr>
-          <a:xfrm>
-            <a:off x="753140" y="18255"/>
-            <a:ext cx="10515600" cy="540545"/>
-          </a:xfrm>
-        </p:spPr>
-        <p:txBody>
-          <a:bodyPr>
-            <a:normAutofit fontScale="90000"/>
-          </a:bodyPr>
-          <a:lstStyle/>
-          <a:p>
-            <a:r>
-              <a:rPr lang="en-US" dirty="0"/>
-              <a:t>Combine queries (command grid) - 1</a:t>
-            </a:r>
-          </a:p>
-        </p:txBody>
-      </p:sp>
-      <p:sp>
-        <p:nvSpPr>
-          <p:cNvPr id="3" name="内容占位符 2">
-            <a:extLst>
-              <a:ext uri="{FF2B5EF4-FFF2-40B4-BE49-F238E27FC236}">
-                <a16:creationId xmlns:a16="http://schemas.microsoft.com/office/drawing/2014/main" id="{18345B8B-7737-49D7-BC26-C201D3352CE4}"/>
-              </a:ext>
-            </a:extLst>
-          </p:cNvPr>
-          <p:cNvSpPr>
-            <a:spLocks noGrp="1"/>
-          </p:cNvSpPr>
-          <p:nvPr>
-            <p:ph idx="1"/>
-          </p:nvPr>
-        </p:nvSpPr>
-        <p:spPr>
-          <a:xfrm>
-            <a:off x="838200" y="558799"/>
-            <a:ext cx="10515600" cy="1722643"/>
-          </a:xfrm>
-        </p:spPr>
-        <p:txBody>
-          <a:bodyPr>
-            <a:normAutofit fontScale="47500" lnSpcReduction="20000"/>
-          </a:bodyPr>
-          <a:lstStyle/>
-          <a:p>
-            <a:r>
-              <a:rPr lang="en-US" dirty="0"/>
-              <a:t>The </a:t>
-            </a:r>
-            <a:r>
-              <a:rPr lang="en-US" b="1" dirty="0">
-                <a:solidFill>
-                  <a:schemeClr val="accent1">
-                    <a:lumMod val="75000"/>
-                  </a:schemeClr>
-                </a:solidFill>
-              </a:rPr>
-              <a:t>GRID</a:t>
-            </a:r>
-            <a:r>
-              <a:rPr lang="en-US" dirty="0"/>
-              <a:t> command is designed for developing script, to utilize the screen spaces to show enough information </a:t>
-            </a:r>
-            <a:r>
-              <a:rPr lang="en-US" altLang="zh-CN" dirty="0"/>
-              <a:t>and </a:t>
-            </a:r>
-            <a:r>
-              <a:rPr lang="en-US" dirty="0"/>
-              <a:t>reduce screen </a:t>
-            </a:r>
-            <a:r>
-              <a:rPr lang="en-US" altLang="zh-CN" dirty="0"/>
-              <a:t>scrolling</a:t>
-            </a:r>
-            <a:endParaRPr lang="en-US" dirty="0"/>
-          </a:p>
-          <a:p>
-            <a:r>
-              <a:rPr lang="en-US" dirty="0"/>
-              <a:t>Use |,-,+ to combine the output of the queries</a:t>
-            </a:r>
-          </a:p>
-          <a:p>
-            <a:pPr lvl="1"/>
-            <a:r>
-              <a:rPr lang="en-US" b="1" dirty="0">
-                <a:solidFill>
-                  <a:srgbClr val="FF0000"/>
-                </a:solidFill>
-              </a:rPr>
-              <a:t>|</a:t>
-            </a:r>
-            <a:r>
-              <a:rPr lang="en-US" b="1" dirty="0"/>
-              <a:t> </a:t>
-            </a:r>
-            <a:r>
-              <a:rPr lang="en-US" dirty="0"/>
-              <a:t>:   output A </a:t>
-            </a:r>
-            <a:r>
-              <a:rPr lang="en-US" b="1" dirty="0"/>
-              <a:t>left to </a:t>
-            </a:r>
-            <a:r>
-              <a:rPr lang="en-US" dirty="0"/>
-              <a:t>output B</a:t>
-            </a:r>
-          </a:p>
-          <a:p>
-            <a:pPr lvl="1"/>
-            <a:r>
-              <a:rPr lang="en-US" b="1" dirty="0">
-                <a:solidFill>
-                  <a:srgbClr val="FF0000"/>
-                </a:solidFill>
-              </a:rPr>
-              <a:t>+</a:t>
-            </a:r>
-            <a:r>
-              <a:rPr lang="en-US" dirty="0"/>
-              <a:t>:    output A </a:t>
-            </a:r>
-            <a:r>
-              <a:rPr lang="en-US" b="1" dirty="0"/>
-              <a:t>merge to </a:t>
-            </a:r>
-            <a:r>
-              <a:rPr lang="en-US" dirty="0"/>
-              <a:t>output B</a:t>
-            </a:r>
-          </a:p>
-          <a:p>
-            <a:pPr lvl="1"/>
-            <a:r>
-              <a:rPr lang="en-US" b="1" dirty="0">
-                <a:solidFill>
-                  <a:srgbClr val="FF0000"/>
-                </a:solidFill>
-              </a:rPr>
-              <a:t>- </a:t>
-            </a:r>
-            <a:r>
-              <a:rPr lang="en-US" dirty="0"/>
-              <a:t> :   output A </a:t>
-            </a:r>
-            <a:r>
-              <a:rPr lang="en-US" b="1" dirty="0"/>
-              <a:t>above to</a:t>
-            </a:r>
-            <a:r>
-              <a:rPr lang="en-US" dirty="0"/>
-              <a:t> output B</a:t>
-            </a:r>
-          </a:p>
-          <a:p>
-            <a:pPr lvl="1"/>
-            <a:r>
-              <a:rPr lang="en-US" dirty="0"/>
-              <a:t>All SQLs must be dynamic SQLs, meaning that they are string texts that enclosed by </a:t>
-            </a:r>
-            <a:r>
-              <a:rPr lang="en-US" dirty="0">
-                <a:solidFill>
-                  <a:srgbClr val="FF0000"/>
-                </a:solidFill>
-              </a:rPr>
-              <a:t>‘…’</a:t>
-            </a:r>
-            <a:r>
-              <a:rPr lang="en-US" dirty="0"/>
-              <a:t>,  </a:t>
-            </a:r>
-            <a:r>
-              <a:rPr lang="en-US" dirty="0">
-                <a:solidFill>
-                  <a:srgbClr val="FF0000"/>
-                </a:solidFill>
-              </a:rPr>
-              <a:t>”…”</a:t>
-            </a:r>
-            <a:r>
-              <a:rPr lang="en-US" dirty="0"/>
-              <a:t> or </a:t>
-            </a:r>
-            <a:r>
-              <a:rPr lang="en-US" dirty="0">
-                <a:solidFill>
-                  <a:srgbClr val="FF0000"/>
-                </a:solidFill>
-              </a:rPr>
-              <a:t>[[…]]</a:t>
-            </a:r>
-          </a:p>
-          <a:p>
-            <a:pPr lvl="1"/>
-            <a:r>
-              <a:rPr lang="en-US" dirty="0"/>
-              <a:t>Accepts either JSON or Lua-style object as the parameter, for LUA, </a:t>
-            </a:r>
-            <a:r>
-              <a:rPr lang="en-US" b="1" dirty="0"/>
-              <a:t>{..}</a:t>
-            </a:r>
-            <a:r>
-              <a:rPr lang="en-US" dirty="0"/>
-              <a:t> is to combine queries, and </a:t>
-            </a:r>
-            <a:r>
-              <a:rPr lang="en-US" b="1" dirty="0"/>
-              <a:t>[[...]]</a:t>
-            </a:r>
-            <a:r>
-              <a:rPr lang="en-US" dirty="0"/>
-              <a:t> to quote SQL text</a:t>
-            </a:r>
-          </a:p>
-          <a:p>
-            <a:r>
-              <a:rPr lang="en-US" dirty="0"/>
-              <a:t>More examples: command top/exa cache</a:t>
-            </a:r>
-          </a:p>
-        </p:txBody>
-      </p:sp>
-      <p:pic>
-        <p:nvPicPr>
-          <p:cNvPr id="5" name="图片 4">
-            <a:extLst>
-              <a:ext uri="{FF2B5EF4-FFF2-40B4-BE49-F238E27FC236}">
-                <a16:creationId xmlns:a16="http://schemas.microsoft.com/office/drawing/2014/main" id="{06D865FF-667B-4469-893F-8FE84A849596}"/>
-              </a:ext>
-            </a:extLst>
-          </p:cNvPr>
-          <p:cNvPicPr>
-            <a:picLocks noChangeAspect="1"/>
-          </p:cNvPicPr>
-          <p:nvPr/>
-        </p:nvPicPr>
-        <p:blipFill>
-          <a:blip r:embed="rId3"/>
-          <a:stretch>
-            <a:fillRect/>
-          </a:stretch>
-        </p:blipFill>
-        <p:spPr>
-          <a:xfrm>
-            <a:off x="963429" y="2281443"/>
-            <a:ext cx="11228571" cy="4872892"/>
-          </a:xfrm>
-          <a:prstGeom prst="rect">
-            <a:avLst/>
-          </a:prstGeom>
-        </p:spPr>
-      </p:pic>
-    </p:spTree>
-    <p:extLst>
-      <p:ext uri="{BB962C8B-B14F-4D97-AF65-F5344CB8AC3E}">
-        <p14:creationId xmlns:p14="http://schemas.microsoft.com/office/powerpoint/2010/main" val="1334687833"/>
       </p:ext>
     </p:extLst>
   </p:cSld>
